--- a/Assets/Class/Photon Server/PPT Data/Photon PlayFab.pptx
+++ b/Assets/Class/Photon Server/PPT Data/Photon PlayFab.pptx
@@ -2,7 +2,7 @@
 <file path=ppt/presentation.xml><?xml version="1.0" encoding="utf-8"?>
 <p:presentation xmlns:a="http://schemas.openxmlformats.org/drawingml/2006/main" xmlns:r="http://schemas.openxmlformats.org/officeDocument/2006/relationships" xmlns:p="http://schemas.openxmlformats.org/presentationml/2006/main" xmlns:p14="http://schemas.microsoft.com/office/powerpoint/2010/main" saveSubsetFonts="1" firstSlideNum="0">
   <p:sldMasterIdLst>
-    <p:sldMasterId id="2147486805" r:id="rId12"/>
+    <p:sldMasterId id="2147486810" r:id="rId12"/>
   </p:sldMasterIdLst>
   <p:notesMasterIdLst>
     <p:notesMasterId r:id="rId14"/>
@@ -10,19 +10,19 @@
   <p:sldIdLst>
     <p:sldId id="317" r:id="rId16"/>
     <p:sldId id="316" r:id="rId17"/>
-    <p:sldId id="318" r:id="rId18"/>
-    <p:sldId id="314" r:id="rId19"/>
-    <p:sldId id="319" r:id="rId20"/>
-    <p:sldId id="320" r:id="rId21"/>
-    <p:sldId id="321" r:id="rId22"/>
-    <p:sldId id="322" r:id="rId23"/>
-    <p:sldId id="323" r:id="rId24"/>
-    <p:sldId id="324" r:id="rId25"/>
-    <p:sldId id="325" r:id="rId26"/>
-    <p:sldId id="326" r:id="rId27"/>
-    <p:sldId id="327" r:id="rId28"/>
-    <p:sldId id="328" r:id="rId29"/>
-    <p:sldId id="329" r:id="rId30"/>
+    <p:sldId id="318" r:id="rId19"/>
+    <p:sldId id="314" r:id="rId21"/>
+    <p:sldId id="319" r:id="rId22"/>
+    <p:sldId id="320" r:id="rId24"/>
+    <p:sldId id="321" r:id="rId26"/>
+    <p:sldId id="322" r:id="rId28"/>
+    <p:sldId id="323" r:id="rId30"/>
+    <p:sldId id="324" r:id="rId32"/>
+    <p:sldId id="325" r:id="rId34"/>
+    <p:sldId id="326" r:id="rId36"/>
+    <p:sldId id="327" r:id="rId38"/>
+    <p:sldId id="328" r:id="rId40"/>
+    <p:sldId id="329" r:id="rId42"/>
   </p:sldIdLst>
   <p:sldSz cx="12192000" cy="6858000"/>
   <p:notesSz cx="6858000" cy="9144000"/>
@@ -7574,8 +7574,8 @@
         </p:nvSpPr>
         <p:spPr>
           <a:xfrm rot="0">
-            <a:off x="1231265" y="4509770"/>
-            <a:ext cx="4123690" cy="954405"/>
+            <a:off x="1247775" y="4850765"/>
+            <a:ext cx="4124325" cy="955040"/>
           </a:xfrm>
           <a:prstGeom prst="rect"/>
           <a:noFill/>
@@ -7609,7 +7609,105 @@
                 <a:latin typeface="맑은 고딕" charset="0"/>
                 <a:ea typeface="맑은 고딕" charset="0"/>
               </a:rPr>
-              <a:t> Google에서 PlayFab을 입력하고 Azure PlayFab이라는 사이트에 접속합니다. </a:t>
+              <a:t> </a:t>
+            </a:r>
+            <a:r>
+              <a:rPr lang="ko-KR" sz="1800">
+                <a:latin typeface="맑은 고딕" charset="0"/>
+                <a:ea typeface="맑은 고딕" charset="0"/>
+              </a:rPr>
+              <a:t>Google에서</a:t>
+            </a:r>
+            <a:r>
+              <a:rPr lang="ko-KR" sz="1800">
+                <a:latin typeface="맑은 고딕" charset="0"/>
+                <a:ea typeface="맑은 고딕" charset="0"/>
+              </a:rPr>
+              <a:t> </a:t>
+            </a:r>
+            <a:r>
+              <a:rPr lang="ko-KR" sz="1800">
+                <a:latin typeface="맑은 고딕" charset="0"/>
+                <a:ea typeface="맑은 고딕" charset="0"/>
+              </a:rPr>
+              <a:t>PlayFab을</a:t>
+            </a:r>
+            <a:r>
+              <a:rPr lang="ko-KR" sz="1800">
+                <a:latin typeface="맑은 고딕" charset="0"/>
+                <a:ea typeface="맑은 고딕" charset="0"/>
+              </a:rPr>
+              <a:t> </a:t>
+            </a:r>
+            <a:r>
+              <a:rPr lang="ko-KR" sz="1800">
+                <a:latin typeface="맑은 고딕" charset="0"/>
+                <a:ea typeface="맑은 고딕" charset="0"/>
+              </a:rPr>
+              <a:t>입력하고</a:t>
+            </a:r>
+            <a:r>
+              <a:rPr lang="ko-KR" sz="1800">
+                <a:latin typeface="맑은 고딕" charset="0"/>
+                <a:ea typeface="맑은 고딕" charset="0"/>
+              </a:rPr>
+              <a:t> </a:t>
+            </a:r>
+            <a:r>
+              <a:rPr lang="ko-KR" sz="1800">
+                <a:latin typeface="맑은 고딕" charset="0"/>
+                <a:ea typeface="맑은 고딕" charset="0"/>
+              </a:rPr>
+              <a:t>Azure</a:t>
+            </a:r>
+            <a:r>
+              <a:rPr lang="ko-KR" sz="1800">
+                <a:latin typeface="맑은 고딕" charset="0"/>
+                <a:ea typeface="맑은 고딕" charset="0"/>
+              </a:rPr>
+              <a:t> </a:t>
+            </a:r>
+            <a:r>
+              <a:rPr lang="ko-KR" sz="1800">
+                <a:latin typeface="맑은 고딕" charset="0"/>
+                <a:ea typeface="맑은 고딕" charset="0"/>
+              </a:rPr>
+              <a:t>PlayFab이라는</a:t>
+            </a:r>
+            <a:r>
+              <a:rPr lang="ko-KR" sz="1800">
+                <a:latin typeface="맑은 고딕" charset="0"/>
+                <a:ea typeface="맑은 고딕" charset="0"/>
+              </a:rPr>
+              <a:t> </a:t>
+            </a:r>
+            <a:r>
+              <a:rPr lang="ko-KR" sz="1800">
+                <a:latin typeface="맑은 고딕" charset="0"/>
+                <a:ea typeface="맑은 고딕" charset="0"/>
+              </a:rPr>
+              <a:t>사이트에</a:t>
+            </a:r>
+            <a:r>
+              <a:rPr lang="ko-KR" sz="1800">
+                <a:latin typeface="맑은 고딕" charset="0"/>
+                <a:ea typeface="맑은 고딕" charset="0"/>
+              </a:rPr>
+              <a:t> </a:t>
+            </a:r>
+            <a:r>
+              <a:rPr lang="ko-KR" sz="1800">
+                <a:latin typeface="맑은 고딕" charset="0"/>
+                <a:ea typeface="맑은 고딕" charset="0"/>
+              </a:rPr>
+              <a:t>접속합니다.</a:t>
+            </a:r>
+            <a:r>
+              <a:rPr lang="ko-KR" sz="1800">
+                <a:latin typeface="맑은 고딕" charset="0"/>
+                <a:ea typeface="맑은 고딕" charset="0"/>
+              </a:rPr>
+              <a:t> </a:t>
             </a:r>
             <a:endParaRPr lang="ko-KR" altLang="en-US" sz="1800">
               <a:latin typeface="맑은 고딕" charset="0"/>
@@ -7628,8 +7726,8 @@
         </p:nvSpPr>
         <p:spPr>
           <a:xfrm rot="0">
-            <a:off x="6800215" y="4506595"/>
-            <a:ext cx="4123690" cy="677545"/>
+            <a:off x="6800215" y="5121910"/>
+            <a:ext cx="4124325" cy="678180"/>
           </a:xfrm>
           <a:prstGeom prst="rect"/>
           <a:noFill/>
@@ -7670,14 +7768,7 @@
                 <a:latin typeface="맑은 고딕" charset="0"/>
                 <a:ea typeface="맑은 고딕" charset="0"/>
               </a:rPr>
-              <a:t>다음 </a:t>
-            </a:r>
-            <a:r>
-              <a:rPr lang="ko-KR" sz="1800">
-                <a:latin typeface="맑은 고딕" charset="0"/>
-                <a:ea typeface="맑은 고딕" charset="0"/>
-              </a:rPr>
-              <a:t>소개 화면에 PlayFab에 로그인을 선택합니다.</a:t>
+              <a:t>다음 소개 화면에 PlayFab에 로그인을 선택합니다.</a:t>
             </a:r>
             <a:endParaRPr lang="ko-KR" altLang="en-US" sz="1800">
               <a:latin typeface="맑은 고딕" charset="0"/>
@@ -7688,17 +7779,17 @@
       </p:sp>
       <p:pic>
         <p:nvPicPr>
-          <p:cNvPr id="15" name="그림 1"/>
+          <p:cNvPr id="15" name="그림 1" descr="C:/Users/Admin1/AppData/Roaming/PolarisOffice/ETemp/17244_9822856/fImage20639513741.png"/>
           <p:cNvPicPr>
             <a:picLocks noChangeAspect="1"/>
           </p:cNvPicPr>
           <p:nvPr/>
         </p:nvPicPr>
         <p:blipFill rotWithShape="1">
-          <a:blip r:embed="rId7" cstate="print">
+          <a:blip r:embed="rId7" cstate="hqprint">
             <a:extLst>
               <a:ext uri="{28A0092B-C50C-407E-A947-70E740481C1C}">
-                <a14:useLocalDpi xmlns:a14="http://schemas.microsoft.com/office/drawing/2010/main" val="0"/>
+                <a14:useLocalDpi xmlns:a14="http://schemas.microsoft.com/office/drawing/2010/main"/>
               </a:ext>
             </a:extLst>
           </a:blip>
@@ -7709,7 +7800,7 @@
         <p:spPr>
           <a:xfrm rot="0">
             <a:off x="6800850" y="1088390"/>
-            <a:ext cx="4123690" cy="3242945"/>
+            <a:ext cx="4124325" cy="3907790"/>
           </a:xfrm>
           <a:prstGeom prst="rect"/>
           <a:noFill/>
@@ -7717,17 +7808,17 @@
       </p:pic>
       <p:pic>
         <p:nvPicPr>
-          <p:cNvPr id="16" name="그림 2"/>
+          <p:cNvPr id="16" name="그림 2" descr="C:/Users/Admin1/AppData/Roaming/PolarisOffice/ETemp/17244_9822856/fImage221221388467.png"/>
           <p:cNvPicPr>
             <a:picLocks noChangeAspect="1"/>
           </p:cNvPicPr>
           <p:nvPr/>
         </p:nvPicPr>
         <p:blipFill rotWithShape="1">
-          <a:blip r:embed="rId8" cstate="print">
+          <a:blip r:embed="rId8" cstate="hqprint">
             <a:extLst>
               <a:ext uri="{28A0092B-C50C-407E-A947-70E740481C1C}">
-                <a14:useLocalDpi xmlns:a14="http://schemas.microsoft.com/office/drawing/2010/main" val="0"/>
+                <a14:useLocalDpi xmlns:a14="http://schemas.microsoft.com/office/drawing/2010/main"/>
               </a:ext>
             </a:extLst>
           </a:blip>
@@ -7737,8 +7828,8 @@
         </p:blipFill>
         <p:spPr>
           <a:xfrm rot="0">
-            <a:off x="1238250" y="1080770"/>
-            <a:ext cx="4057650" cy="3242310"/>
+            <a:off x="1246505" y="1080770"/>
+            <a:ext cx="4058285" cy="3666490"/>
           </a:xfrm>
           <a:prstGeom prst="rect"/>
           <a:noFill/>
@@ -8233,8 +8324,8 @@
         </p:nvSpPr>
         <p:spPr>
           <a:xfrm rot="0">
-            <a:off x="6797675" y="3352165"/>
-            <a:ext cx="4139565" cy="2615565"/>
+            <a:off x="6797675" y="3568065"/>
+            <a:ext cx="4140200" cy="2616200"/>
           </a:xfrm>
           <a:prstGeom prst="rect"/>
           <a:noFill/>
@@ -8316,17 +8407,17 @@
       </p:sp>
       <p:pic>
         <p:nvPicPr>
-          <p:cNvPr id="58" name="그림 58"/>
+          <p:cNvPr id="58" name="그림 58" descr="C:/Users/Admin1/AppData/Roaming/PolarisOffice/ETemp/6432_22183288/fImage648723249718.png"/>
           <p:cNvPicPr>
             <a:picLocks noChangeAspect="1"/>
           </p:cNvPicPr>
           <p:nvPr/>
         </p:nvPicPr>
         <p:blipFill rotWithShape="1">
-          <a:blip r:embed="rId2" cstate="print">
+          <a:blip r:embed="rId2" cstate="hqprint">
             <a:extLst>
               <a:ext uri="{28A0092B-C50C-407E-A947-70E740481C1C}">
-                <a14:useLocalDpi xmlns:a14="http://schemas.microsoft.com/office/drawing/2010/main" val="0"/>
+                <a14:useLocalDpi xmlns:a14="http://schemas.microsoft.com/office/drawing/2010/main"/>
               </a:ext>
             </a:extLst>
           </a:blip>
@@ -8337,7 +8428,7 @@
         <p:spPr>
           <a:xfrm rot="0">
             <a:off x="6797675" y="1395095"/>
-            <a:ext cx="4140835" cy="1826895"/>
+            <a:ext cx="4141470" cy="2105025"/>
           </a:xfrm>
           <a:prstGeom prst="rect"/>
           <a:noFill/>
@@ -8353,8 +8444,8 @@
         </p:nvSpPr>
         <p:spPr>
           <a:xfrm rot="0">
-            <a:off x="1229995" y="5011420"/>
-            <a:ext cx="4130675" cy="954405"/>
+            <a:off x="1229995" y="5235575"/>
+            <a:ext cx="4131310" cy="955040"/>
           </a:xfrm>
           <a:prstGeom prst="rect"/>
           <a:noFill/>
@@ -8409,17 +8500,17 @@
       </p:sp>
       <p:pic>
         <p:nvPicPr>
-          <p:cNvPr id="60" name="그림 65"/>
+          <p:cNvPr id="60" name="그림 65" descr="C:/Users/Admin1/AppData/Roaming/PolarisOffice/ETemp/6432_22183288/fImage430523409895.png"/>
           <p:cNvPicPr>
             <a:picLocks noChangeAspect="1"/>
           </p:cNvPicPr>
           <p:nvPr/>
         </p:nvPicPr>
         <p:blipFill rotWithShape="1">
-          <a:blip r:embed="rId3" cstate="print">
+          <a:blip r:embed="rId3" cstate="hqprint">
             <a:extLst>
               <a:ext uri="{28A0092B-C50C-407E-A947-70E740481C1C}">
-                <a14:useLocalDpi xmlns:a14="http://schemas.microsoft.com/office/drawing/2010/main" val="0"/>
+                <a14:useLocalDpi xmlns:a14="http://schemas.microsoft.com/office/drawing/2010/main"/>
               </a:ext>
             </a:extLst>
           </a:blip>
@@ -8430,7 +8521,7 @@
         <p:spPr>
           <a:xfrm rot="0">
             <a:off x="1228090" y="1412240"/>
-            <a:ext cx="4124325" cy="3481070"/>
+            <a:ext cx="4124960" cy="3700780"/>
           </a:xfrm>
           <a:prstGeom prst="rect"/>
           <a:noFill/>
@@ -9766,7 +9857,7 @@
 </file>
 
 <file path=ppt/slides/slide15.xml><?xml version="1.0" encoding="utf-8"?>
-<p:sld xmlns:a="http://schemas.openxmlformats.org/drawingml/2006/main" xmlns:r="http://schemas.openxmlformats.org/officeDocument/2006/relationships" xmlns:p="http://schemas.openxmlformats.org/presentationml/2006/main">
+<p:sld xmlns:a="http://schemas.openxmlformats.org/drawingml/2006/main" xmlns:r="http://schemas.openxmlformats.org/officeDocument/2006/relationships" xmlns:p="http://schemas.openxmlformats.org/presentationml/2006/main" xmlns:p14="http://schemas.microsoft.com/office/powerpoint/2010/main">
   <p:cSld>
     <p:spTree>
       <p:nvGrpSpPr>
@@ -9894,8 +9985,8 @@
         </p:nvSpPr>
         <p:spPr>
           <a:xfrm rot="0">
-            <a:off x="6671310" y="4366260"/>
-            <a:ext cx="4460240" cy="1231265"/>
+            <a:off x="6654800" y="5022850"/>
+            <a:ext cx="4460875" cy="1231900"/>
           </a:xfrm>
           <a:prstGeom prst="rect"/>
           <a:noFill/>
@@ -9922,27 +10013,7 @@
                 <a:latin typeface="맑은 고딕" charset="0"/>
                 <a:ea typeface="맑은 고딕" charset="0"/>
               </a:rPr>
-              <a:t>3</a:t>
-            </a:r>
-            <a:r>
-              <a:rPr lang="ko-KR" sz="2000" b="1">
-                <a:solidFill>
-                  <a:srgbClr val="0611F2"/>
-                </a:solidFill>
-                <a:latin typeface="맑은 고딕" charset="0"/>
-                <a:ea typeface="맑은 고딕" charset="0"/>
-              </a:rPr>
-              <a:t>2</a:t>
-            </a:r>
-            <a:r>
-              <a:rPr lang="ko-KR" sz="2000" b="1">
-                <a:solidFill>
-                  <a:srgbClr val="0611F2"/>
-                </a:solidFill>
-                <a:latin typeface="맑은 고딕" charset="0"/>
-                <a:ea typeface="맑은 고딕" charset="0"/>
-              </a:rPr>
-              <a:t>.</a:t>
+              <a:t>32.</a:t>
             </a:r>
             <a:r>
               <a:rPr lang="ko-KR" sz="2000">
@@ -9978,8 +10049,8 @@
         </p:nvSpPr>
         <p:spPr>
           <a:xfrm rot="0">
-            <a:off x="1205230" y="4363085"/>
-            <a:ext cx="4173220" cy="1231265"/>
+            <a:off x="1229995" y="5019675"/>
+            <a:ext cx="4173855" cy="1231900"/>
           </a:xfrm>
           <a:prstGeom prst="rect"/>
           <a:noFill/>
@@ -10006,17 +10077,7 @@
                 <a:latin typeface="맑은 고딕" charset="0"/>
                 <a:ea typeface="맑은 고딕" charset="0"/>
               </a:rPr>
-              <a:t>31</a:t>
-            </a:r>
-            <a:r>
-              <a:rPr lang="ko-KR" sz="2000" b="1">
-                <a:solidFill>
-                  <a:srgbClr val="0611F2"/>
-                </a:solidFill>
-                <a:latin typeface="맑은 고딕" charset="0"/>
-                <a:ea typeface="맑은 고딕" charset="0"/>
-              </a:rPr>
-              <a:t>.</a:t>
+              <a:t>31.</a:t>
             </a:r>
             <a:r>
               <a:rPr lang="ko-KR" sz="2000">
@@ -10044,17 +10105,17 @@
       </p:sp>
       <p:pic>
         <p:nvPicPr>
-          <p:cNvPr id="61" name="그림 2" descr="C:/Users/Admin1/AppData/Roaming/PolarisOffice/ETemp/41260_11691408/fImage6140028341.png"/>
+          <p:cNvPr id="61" name="그림 2" descr="C:/Users/Admin1/AppData/Roaming/PolarisOffice/ETemp/6432_22183288/fImage6140028341.png"/>
           <p:cNvPicPr>
             <a:picLocks noChangeAspect="1"/>
           </p:cNvPicPr>
           <p:nvPr/>
         </p:nvPicPr>
         <p:blipFill rotWithShape="1">
-          <a:blip r:embed="rId2" cstate="print">
+          <a:blip r:embed="rId2" cstate="hqprint">
             <a:extLst>
               <a:ext uri="{28A0092B-C50C-407E-A947-70E740481C1C}">
-                <a14:useLocalDpi xmlns:a14="http://schemas.microsoft.com/office/drawing/2010/main" val="0"/>
+                <a14:useLocalDpi xmlns:a14="http://schemas.microsoft.com/office/drawing/2010/main"/>
               </a:ext>
             </a:extLst>
           </a:blip>
@@ -10065,7 +10126,7 @@
         <p:spPr>
           <a:xfrm rot="0">
             <a:off x="1205230" y="1371600"/>
-            <a:ext cx="4065905" cy="2918460"/>
+            <a:ext cx="4066540" cy="3525520"/>
           </a:xfrm>
           <a:prstGeom prst="rect"/>
           <a:noFill/>
@@ -10073,17 +10134,17 @@
       </p:pic>
       <p:pic>
         <p:nvPicPr>
-          <p:cNvPr id="62" name="그림 3" descr="C:/Users/Admin1/AppData/Roaming/PolarisOffice/ETemp/41260_11691408/fImage441932848467.png"/>
+          <p:cNvPr id="62" name="그림 3" descr="C:/Users/Admin1/AppData/Roaming/PolarisOffice/ETemp/6432_22183288/fImage441932848467.png"/>
           <p:cNvPicPr>
             <a:picLocks noChangeAspect="1"/>
           </p:cNvPicPr>
           <p:nvPr/>
         </p:nvPicPr>
         <p:blipFill rotWithShape="1">
-          <a:blip r:embed="rId3" cstate="print">
+          <a:blip r:embed="rId3" cstate="hqprint">
             <a:extLst>
               <a:ext uri="{28A0092B-C50C-407E-A947-70E740481C1C}">
-                <a14:useLocalDpi xmlns:a14="http://schemas.microsoft.com/office/drawing/2010/main" val="0"/>
+                <a14:useLocalDpi xmlns:a14="http://schemas.microsoft.com/office/drawing/2010/main"/>
               </a:ext>
             </a:extLst>
           </a:blip>
@@ -10094,7 +10155,7 @@
         <p:spPr>
           <a:xfrm rot="0">
             <a:off x="6675755" y="1334770"/>
-            <a:ext cx="4455795" cy="2922270"/>
+            <a:ext cx="4456430" cy="3570605"/>
           </a:xfrm>
           <a:prstGeom prst="rect"/>
           <a:noFill/>
@@ -10201,8 +10262,8 @@
         </p:nvSpPr>
         <p:spPr>
           <a:xfrm rot="0">
-            <a:off x="1247775" y="4359910"/>
-            <a:ext cx="4123055" cy="954405"/>
+            <a:off x="1239520" y="4999990"/>
+            <a:ext cx="4123690" cy="955040"/>
           </a:xfrm>
           <a:prstGeom prst="rect"/>
           <a:noFill/>
@@ -10255,8 +10316,8 @@
         </p:nvSpPr>
         <p:spPr>
           <a:xfrm rot="0">
-            <a:off x="6656705" y="4356100"/>
-            <a:ext cx="4317365" cy="954405"/>
+            <a:off x="6656705" y="4996180"/>
+            <a:ext cx="4318000" cy="955040"/>
           </a:xfrm>
           <a:prstGeom prst="rect"/>
           <a:noFill/>
@@ -10301,17 +10362,17 @@
       </p:sp>
       <p:pic>
         <p:nvPicPr>
-          <p:cNvPr id="8" name="그림 3"/>
+          <p:cNvPr id="8" name="그림 3" descr="C:/Users/Admin1/AppData/Roaming/PolarisOffice/ETemp/6432_22183288/fImage409501396334.png"/>
           <p:cNvPicPr>
             <a:picLocks noChangeAspect="1"/>
           </p:cNvPicPr>
           <p:nvPr/>
         </p:nvPicPr>
         <p:blipFill rotWithShape="1">
-          <a:blip r:embed="rId8" cstate="print">
+          <a:blip r:embed="rId8" cstate="hqprint">
             <a:extLst>
               <a:ext uri="{28A0092B-C50C-407E-A947-70E740481C1C}">
-                <a14:useLocalDpi xmlns:a14="http://schemas.microsoft.com/office/drawing/2010/main" val="0"/>
+                <a14:useLocalDpi xmlns:a14="http://schemas.microsoft.com/office/drawing/2010/main"/>
               </a:ext>
             </a:extLst>
           </a:blip>
@@ -10322,7 +10383,7 @@
         <p:spPr>
           <a:xfrm rot="0">
             <a:off x="1238885" y="1268730"/>
-            <a:ext cx="4131945" cy="2938145"/>
+            <a:ext cx="4132580" cy="3478530"/>
           </a:xfrm>
           <a:prstGeom prst="rect"/>
           <a:noFill/>
@@ -10330,17 +10391,17 @@
       </p:pic>
       <p:pic>
         <p:nvPicPr>
-          <p:cNvPr id="9" name="그림 4"/>
+          <p:cNvPr id="9" name="그림 4" descr="C:/Users/Admin1/AppData/Roaming/PolarisOffice/ETemp/6432_22183288/fImage522971406500.png"/>
           <p:cNvPicPr>
             <a:picLocks noChangeAspect="1"/>
           </p:cNvPicPr>
           <p:nvPr/>
         </p:nvPicPr>
         <p:blipFill rotWithShape="1">
-          <a:blip r:embed="rId9" cstate="print">
+          <a:blip r:embed="rId9" cstate="hqprint">
             <a:extLst>
               <a:ext uri="{28A0092B-C50C-407E-A947-70E740481C1C}">
-                <a14:useLocalDpi xmlns:a14="http://schemas.microsoft.com/office/drawing/2010/main" val="0"/>
+                <a14:useLocalDpi xmlns:a14="http://schemas.microsoft.com/office/drawing/2010/main"/>
               </a:ext>
             </a:extLst>
           </a:blip>
@@ -10351,10 +10412,12 @@
         <p:spPr>
           <a:xfrm rot="0">
             <a:off x="6650355" y="1271905"/>
-            <a:ext cx="4321175" cy="2934970"/>
-          </a:xfrm>
-          <a:prstGeom prst="rect"/>
-          <a:noFill/>
+            <a:ext cx="4321810" cy="3482975"/>
+          </a:xfrm>
+          <a:prstGeom prst="roundRect"/>
+          <a:solidFill>
+            <a:srgbClr val="EDEDED"/>
+          </a:solidFill>
         </p:spPr>
       </p:pic>
     </p:spTree>
@@ -10458,8 +10521,8 @@
         </p:nvSpPr>
         <p:spPr>
           <a:xfrm rot="0">
-            <a:off x="1081405" y="4435475"/>
-            <a:ext cx="4239895" cy="708025"/>
+            <a:off x="1081405" y="5266690"/>
+            <a:ext cx="4240530" cy="708660"/>
           </a:xfrm>
           <a:prstGeom prst="rect"/>
           <a:noFill/>
@@ -10513,7 +10576,47 @@
                 <a:latin typeface="맑은 고딕" charset="0"/>
                 <a:ea typeface="맑은 고딕" charset="0"/>
               </a:rPr>
-              <a:t>[확인 전자 메일]</a:t>
+              <a:t>[확인</a:t>
+            </a:r>
+            <a:r>
+              <a:rPr lang="ko-KR" sz="1800">
+                <a:solidFill>
+                  <a:srgbClr val="009900"/>
+                </a:solidFill>
+                <a:latin typeface="맑은 고딕" charset="0"/>
+                <a:ea typeface="맑은 고딕" charset="0"/>
+              </a:rPr>
+              <a:t> </a:t>
+            </a:r>
+            <a:r>
+              <a:rPr lang="ko-KR" sz="1800">
+                <a:solidFill>
+                  <a:srgbClr val="009900"/>
+                </a:solidFill>
+                <a:latin typeface="맑은 고딕" charset="0"/>
+                <a:ea typeface="맑은 고딕" charset="0"/>
+              </a:rPr>
+              <a:t>전자</a:t>
+            </a:r>
+            <a:r>
+              <a:rPr lang="ko-KR" sz="1800">
+                <a:solidFill>
+                  <a:srgbClr val="009900"/>
+                </a:solidFill>
+                <a:latin typeface="맑은 고딕" charset="0"/>
+                <a:ea typeface="맑은 고딕" charset="0"/>
+              </a:rPr>
+              <a:t> </a:t>
+            </a:r>
+            <a:r>
+              <a:rPr lang="ko-KR" sz="1800">
+                <a:solidFill>
+                  <a:srgbClr val="009900"/>
+                </a:solidFill>
+                <a:latin typeface="맑은 고딕" charset="0"/>
+                <a:ea typeface="맑은 고딕" charset="0"/>
+              </a:rPr>
+              <a:t>메일]</a:t>
             </a:r>
             <a:r>
               <a:rPr lang="ko-KR" sz="1800">
@@ -10544,17 +10647,17 @@
       </p:sp>
       <p:pic>
         <p:nvPicPr>
-          <p:cNvPr id="26" name="그림 5"/>
+          <p:cNvPr id="26" name="그림 5" descr="C:/Users/Admin1/AppData/Roaming/PolarisOffice/ETemp/6432_22183288/fImage337991419169.png"/>
           <p:cNvPicPr>
             <a:picLocks noChangeAspect="1"/>
           </p:cNvPicPr>
           <p:nvPr/>
         </p:nvPicPr>
         <p:blipFill rotWithShape="1">
-          <a:blip r:embed="rId9" cstate="print">
+          <a:blip r:embed="rId9" cstate="hqprint">
             <a:extLst>
               <a:ext uri="{28A0092B-C50C-407E-A947-70E740481C1C}">
-                <a14:useLocalDpi xmlns:a14="http://schemas.microsoft.com/office/drawing/2010/main" val="0"/>
+                <a14:useLocalDpi xmlns:a14="http://schemas.microsoft.com/office/drawing/2010/main"/>
               </a:ext>
             </a:extLst>
           </a:blip>
@@ -10565,25 +10668,27 @@
         <p:spPr>
           <a:xfrm rot="0">
             <a:off x="1082040" y="1210310"/>
-            <a:ext cx="4239260" cy="3056255"/>
-          </a:xfrm>
-          <a:prstGeom prst="rect"/>
-          <a:noFill/>
+            <a:ext cx="4239895" cy="3902710"/>
+          </a:xfrm>
+          <a:prstGeom prst="roundRect"/>
+          <a:solidFill>
+            <a:srgbClr val="EDEDED"/>
+          </a:solidFill>
         </p:spPr>
       </p:pic>
       <p:pic>
         <p:nvPicPr>
-          <p:cNvPr id="27" name="그림 6"/>
+          <p:cNvPr id="27" name="그림 6" descr="C:/Users/Admin1/AppData/Roaming/PolarisOffice/ETemp/6432_22183288/fImage178001425724.png"/>
           <p:cNvPicPr>
             <a:picLocks noChangeAspect="1"/>
           </p:cNvPicPr>
           <p:nvPr/>
         </p:nvPicPr>
         <p:blipFill rotWithShape="1">
-          <a:blip r:embed="rId10" cstate="print">
+          <a:blip r:embed="rId10" cstate="hqprint">
             <a:extLst>
               <a:ext uri="{28A0092B-C50C-407E-A947-70E740481C1C}">
-                <a14:useLocalDpi xmlns:a14="http://schemas.microsoft.com/office/drawing/2010/main" val="0"/>
+                <a14:useLocalDpi xmlns:a14="http://schemas.microsoft.com/office/drawing/2010/main"/>
               </a:ext>
             </a:extLst>
           </a:blip>
@@ -10594,10 +10699,12 @@
         <p:spPr>
           <a:xfrm rot="0">
             <a:off x="6835140" y="1216660"/>
-            <a:ext cx="4088765" cy="3040380"/>
-          </a:xfrm>
-          <a:prstGeom prst="rect"/>
-          <a:noFill/>
+            <a:ext cx="4089400" cy="3721735"/>
+          </a:xfrm>
+          <a:prstGeom prst="roundRect"/>
+          <a:solidFill>
+            <a:srgbClr val="EDEDED"/>
+          </a:solidFill>
         </p:spPr>
       </p:pic>
       <p:sp>
@@ -10610,8 +10717,8 @@
         </p:nvSpPr>
         <p:spPr>
           <a:xfrm rot="0">
-            <a:off x="6824980" y="4440555"/>
-            <a:ext cx="4107180" cy="954405"/>
+            <a:off x="6824980" y="5022215"/>
+            <a:ext cx="4107815" cy="955040"/>
           </a:xfrm>
           <a:prstGeom prst="rect"/>
           <a:noFill/>
@@ -10657,10 +10764,7 @@
               </a:rPr>
               <a:t>Email에 가서 전자 메일을 도착했는지 확인하고 전자 메일 주소 확인을 선택합니다.</a:t>
             </a:r>
-            <a:endParaRPr lang="ko-KR" altLang="en-US" sz="2000">
-              <a:solidFill>
-                <a:srgbClr val="0611F2"/>
-              </a:solidFill>
+            <a:endParaRPr lang="ko-KR" altLang="en-US" sz="1800">
               <a:latin typeface="맑은 고딕" charset="0"/>
               <a:ea typeface="맑은 고딕" charset="0"/>
             </a:endParaRPr>
@@ -10717,8 +10821,8 @@
         </p:nvSpPr>
         <p:spPr>
           <a:xfrm rot="0">
-            <a:off x="1229995" y="3001010"/>
-            <a:ext cx="4140835" cy="1508125"/>
+            <a:off x="1229995" y="2576830"/>
+            <a:ext cx="4142105" cy="1231900"/>
           </a:xfrm>
           <a:prstGeom prst="rect"/>
           <a:noFill/>
@@ -10762,7 +10866,7 @@
                 <a:latin typeface="맑은 고딕" charset="0"/>
                 <a:ea typeface="맑은 고딕" charset="0"/>
               </a:rPr>
-              <a:t>회원가입이 완료되면 최종적으로 자신의 스튜디오가 생성되며, 타이틀이 생성됩니다.</a:t>
+              <a:t>이제 자신의 스튜디오가 생성되면서 타이틀이 생성됩니다.</a:t>
             </a:r>
             <a:endParaRPr lang="ko-KR" altLang="en-US" sz="1800">
               <a:latin typeface="맑은 고딕" charset="0"/>
@@ -10858,10 +10962,10 @@
           <p:nvPr/>
         </p:nvPicPr>
         <p:blipFill rotWithShape="1">
-          <a:blip r:embed="rId8" cstate="print">
+          <a:blip r:embed="rId8" cstate="hqprint">
             <a:extLst>
               <a:ext uri="{28A0092B-C50C-407E-A947-70E740481C1C}">
-                <a14:useLocalDpi xmlns:a14="http://schemas.microsoft.com/office/drawing/2010/main" val="0"/>
+                <a14:useLocalDpi xmlns:a14="http://schemas.microsoft.com/office/drawing/2010/main"/>
               </a:ext>
             </a:extLst>
           </a:blip>
@@ -10872,7 +10976,7 @@
         <p:spPr>
           <a:xfrm rot="0">
             <a:off x="1230630" y="1339850"/>
-            <a:ext cx="4140200" cy="1553845"/>
+            <a:ext cx="4140835" cy="1171575"/>
           </a:xfrm>
           <a:prstGeom prst="rect"/>
           <a:noFill/>
@@ -10887,10 +10991,10 @@
           <p:nvPr/>
         </p:nvPicPr>
         <p:blipFill rotWithShape="1">
-          <a:blip r:embed="rId9" cstate="print">
+          <a:blip r:embed="rId9" cstate="hqprint">
             <a:extLst>
               <a:ext uri="{28A0092B-C50C-407E-A947-70E740481C1C}">
-                <a14:useLocalDpi xmlns:a14="http://schemas.microsoft.com/office/drawing/2010/main" val="0"/>
+                <a14:useLocalDpi xmlns:a14="http://schemas.microsoft.com/office/drawing/2010/main"/>
               </a:ext>
             </a:extLst>
           </a:blip>
@@ -10900,8 +11004,8 @@
         </p:blipFill>
         <p:spPr>
           <a:xfrm rot="0">
-            <a:off x="1230630" y="4663440"/>
-            <a:ext cx="4131945" cy="1646555"/>
+            <a:off x="1238885" y="3931920"/>
+            <a:ext cx="4107180" cy="2378075"/>
           </a:xfrm>
           <a:prstGeom prst="rect"/>
           <a:noFill/>
@@ -10918,7 +11022,7 @@
         <p:spPr>
           <a:xfrm rot="0">
             <a:off x="6816725" y="1335405"/>
-            <a:ext cx="4220210" cy="954405"/>
+            <a:ext cx="4220845" cy="955040"/>
           </a:xfrm>
           <a:prstGeom prst="rect"/>
           <a:noFill/>
@@ -10980,10 +11084,10 @@
           <p:nvPr/>
         </p:nvPicPr>
         <p:blipFill rotWithShape="1">
-          <a:blip r:embed="rId10" cstate="print">
+          <a:blip r:embed="rId10" cstate="hqprint">
             <a:extLst>
               <a:ext uri="{28A0092B-C50C-407E-A947-70E740481C1C}">
-                <a14:useLocalDpi xmlns:a14="http://schemas.microsoft.com/office/drawing/2010/main" val="0"/>
+                <a14:useLocalDpi xmlns:a14="http://schemas.microsoft.com/office/drawing/2010/main"/>
               </a:ext>
             </a:extLst>
           </a:blip>
@@ -10994,7 +11098,7 @@
         <p:spPr>
           <a:xfrm rot="0">
             <a:off x="6824980" y="2451735"/>
-            <a:ext cx="4215130" cy="2411730"/>
+            <a:ext cx="4215765" cy="3002280"/>
           </a:xfrm>
           <a:prstGeom prst="rect"/>
           <a:noFill/>
@@ -11010,8 +11114,8 @@
         </p:nvSpPr>
         <p:spPr>
           <a:xfrm rot="0">
-            <a:off x="6824980" y="5081270"/>
-            <a:ext cx="4217035" cy="677545"/>
+            <a:off x="6816725" y="5629910"/>
+            <a:ext cx="4217670" cy="678180"/>
           </a:xfrm>
           <a:prstGeom prst="rect"/>
           <a:noFill/>
@@ -11417,17 +11521,17 @@
       </p:sp>
       <p:pic>
         <p:nvPicPr>
-          <p:cNvPr id="47" name="그림 18"/>
+          <p:cNvPr id="47" name="그림 18" descr="C:/Users/Admin1/AppData/Roaming/PolarisOffice/ETemp/6432_22183288/fImage330901548145.png"/>
           <p:cNvPicPr>
             <a:picLocks noChangeAspect="1"/>
           </p:cNvPicPr>
           <p:nvPr/>
         </p:nvPicPr>
         <p:blipFill rotWithShape="1">
-          <a:blip r:embed="rId9" cstate="print">
+          <a:blip r:embed="rId9" cstate="hqprint">
             <a:extLst>
               <a:ext uri="{28A0092B-C50C-407E-A947-70E740481C1C}">
-                <a14:useLocalDpi xmlns:a14="http://schemas.microsoft.com/office/drawing/2010/main" val="0"/>
+                <a14:useLocalDpi xmlns:a14="http://schemas.microsoft.com/office/drawing/2010/main"/>
               </a:ext>
             </a:extLst>
           </a:blip>
@@ -11438,7 +11542,7 @@
         <p:spPr>
           <a:xfrm rot="0">
             <a:off x="6840220" y="1413510"/>
-            <a:ext cx="3950970" cy="2735580"/>
+            <a:ext cx="3951605" cy="3250565"/>
           </a:xfrm>
           <a:prstGeom prst="rect"/>
           <a:noFill/>
@@ -11454,8 +11558,8 @@
         </p:nvSpPr>
         <p:spPr>
           <a:xfrm rot="0">
-            <a:off x="6841490" y="4304030"/>
-            <a:ext cx="3949700" cy="1231265"/>
+            <a:off x="6833235" y="4827905"/>
+            <a:ext cx="3975100" cy="1231265"/>
           </a:xfrm>
           <a:prstGeom prst="rect"/>
           <a:noFill/>
@@ -12148,17 +12252,17 @@
       </p:sp>
       <p:pic>
         <p:nvPicPr>
-          <p:cNvPr id="51" name="그림 24"/>
+          <p:cNvPr id="51" name="그림 24" descr="C:/Users/Admin1/AppData/Roaming/PolarisOffice/ETemp/6432_22183288/fImage123742539961.png"/>
           <p:cNvPicPr>
             <a:picLocks noChangeAspect="1"/>
           </p:cNvPicPr>
           <p:nvPr/>
         </p:nvPicPr>
         <p:blipFill rotWithShape="1">
-          <a:blip r:embed="rId2" cstate="print">
+          <a:blip r:embed="rId2" cstate="hqprint">
             <a:extLst>
               <a:ext uri="{28A0092B-C50C-407E-A947-70E740481C1C}">
-                <a14:useLocalDpi xmlns:a14="http://schemas.microsoft.com/office/drawing/2010/main" val="0"/>
+                <a14:useLocalDpi xmlns:a14="http://schemas.microsoft.com/office/drawing/2010/main"/>
               </a:ext>
             </a:extLst>
           </a:blip>
@@ -12168,8 +12272,8 @@
         </p:blipFill>
         <p:spPr>
           <a:xfrm rot="0">
-            <a:off x="1220470" y="1440815"/>
-            <a:ext cx="4117340" cy="1386205"/>
+            <a:off x="1220470" y="1338580"/>
+            <a:ext cx="4117975" cy="1489075"/>
           </a:xfrm>
           <a:prstGeom prst="rect"/>
           <a:noFill/>
@@ -12177,17 +12281,17 @@
       </p:pic>
       <p:pic>
         <p:nvPicPr>
-          <p:cNvPr id="52" name="그림 25"/>
+          <p:cNvPr id="52" name="그림 25" descr="C:/Users/Admin1/AppData/Roaming/PolarisOffice/ETemp/6432_22183288/fImage11611254491.png"/>
           <p:cNvPicPr>
             <a:picLocks noChangeAspect="1"/>
           </p:cNvPicPr>
           <p:nvPr/>
         </p:nvPicPr>
         <p:blipFill rotWithShape="1">
-          <a:blip r:embed="rId3" cstate="print">
+          <a:blip r:embed="rId3" cstate="hqprint">
             <a:extLst>
               <a:ext uri="{28A0092B-C50C-407E-A947-70E740481C1C}">
-                <a14:useLocalDpi xmlns:a14="http://schemas.microsoft.com/office/drawing/2010/main" val="0"/>
+                <a14:useLocalDpi xmlns:a14="http://schemas.microsoft.com/office/drawing/2010/main"/>
               </a:ext>
             </a:extLst>
           </a:blip>
@@ -12198,7 +12302,7 @@
         <p:spPr>
           <a:xfrm rot="0">
             <a:off x="1222375" y="4003040"/>
-            <a:ext cx="4115435" cy="1173480"/>
+            <a:ext cx="4116070" cy="1151890"/>
           </a:xfrm>
           <a:prstGeom prst="rect"/>
           <a:noFill/>
@@ -12206,17 +12310,17 @@
       </p:pic>
       <p:pic>
         <p:nvPicPr>
-          <p:cNvPr id="53" name="그림 26"/>
+          <p:cNvPr id="53" name="그림 26" descr="C:/Users/Admin1/AppData/Roaming/PolarisOffice/ETemp/6432_22183288/fImage234462552995.png"/>
           <p:cNvPicPr>
             <a:picLocks noChangeAspect="1"/>
           </p:cNvPicPr>
           <p:nvPr/>
         </p:nvPicPr>
         <p:blipFill rotWithShape="1">
-          <a:blip r:embed="rId4" cstate="print">
+          <a:blip r:embed="rId4" cstate="hqprint">
             <a:extLst>
               <a:ext uri="{28A0092B-C50C-407E-A947-70E740481C1C}">
-                <a14:useLocalDpi xmlns:a14="http://schemas.microsoft.com/office/drawing/2010/main" val="0"/>
+                <a14:useLocalDpi xmlns:a14="http://schemas.microsoft.com/office/drawing/2010/main"/>
               </a:ext>
             </a:extLst>
           </a:blip>
@@ -12226,8 +12330,8 @@
         </p:blipFill>
         <p:spPr>
           <a:xfrm rot="0">
-            <a:off x="6899275" y="1519555"/>
-            <a:ext cx="4039235" cy="2931795"/>
+            <a:off x="6899275" y="1346835"/>
+            <a:ext cx="4039870" cy="4074160"/>
           </a:xfrm>
           <a:prstGeom prst="rect"/>
           <a:noFill/>
@@ -12243,8 +12347,8 @@
         </p:nvSpPr>
         <p:spPr>
           <a:xfrm rot="0">
-            <a:off x="6904990" y="4590415"/>
-            <a:ext cx="4032250" cy="677545"/>
+            <a:off x="6899910" y="5521325"/>
+            <a:ext cx="4048760" cy="677545"/>
           </a:xfrm>
           <a:prstGeom prst="rect"/>
           <a:noFill/>
@@ -12459,8 +12563,8 @@
         </p:nvSpPr>
         <p:spPr>
           <a:xfrm rot="0">
-            <a:off x="1230630" y="4838700"/>
-            <a:ext cx="4052570" cy="954405"/>
+            <a:off x="1230630" y="5038090"/>
+            <a:ext cx="4053205" cy="955040"/>
           </a:xfrm>
           <a:prstGeom prst="rect"/>
           <a:noFill/>
@@ -12523,8 +12627,8 @@
         </p:nvSpPr>
         <p:spPr>
           <a:xfrm rot="0">
-            <a:off x="6913880" y="4841240"/>
-            <a:ext cx="4153535" cy="677545"/>
+            <a:off x="6946900" y="5314950"/>
+            <a:ext cx="4154170" cy="678180"/>
           </a:xfrm>
           <a:prstGeom prst="rect"/>
           <a:noFill/>
@@ -12579,17 +12683,17 @@
       </p:sp>
       <p:pic>
         <p:nvPicPr>
-          <p:cNvPr id="55" name="그림 28"/>
+          <p:cNvPr id="55" name="그림 28" descr="C:/Users/Admin1/AppData/Roaming/PolarisOffice/ETemp/6432_22183288/fImage250602681942.png"/>
           <p:cNvPicPr>
             <a:picLocks noChangeAspect="1"/>
           </p:cNvPicPr>
           <p:nvPr/>
         </p:nvPicPr>
         <p:blipFill rotWithShape="1">
-          <a:blip r:embed="rId2" cstate="print">
+          <a:blip r:embed="rId2" cstate="hqprint">
             <a:extLst>
               <a:ext uri="{28A0092B-C50C-407E-A947-70E740481C1C}">
-                <a14:useLocalDpi xmlns:a14="http://schemas.microsoft.com/office/drawing/2010/main" val="0"/>
+                <a14:useLocalDpi xmlns:a14="http://schemas.microsoft.com/office/drawing/2010/main"/>
               </a:ext>
             </a:extLst>
           </a:blip>
@@ -12600,7 +12704,7 @@
         <p:spPr>
           <a:xfrm rot="0">
             <a:off x="1226185" y="1518285"/>
-            <a:ext cx="4065270" cy="3175635"/>
+            <a:ext cx="4065905" cy="3403600"/>
           </a:xfrm>
           <a:prstGeom prst="rect"/>
           <a:noFill/>
@@ -12608,17 +12712,17 @@
       </p:pic>
       <p:pic>
         <p:nvPicPr>
-          <p:cNvPr id="56" name="그림 29"/>
+          <p:cNvPr id="56" name="그림 29" descr="C:/Users/Admin1/AppData/Roaming/PolarisOffice/ETemp/6432_22183288/fImage191382694827.png"/>
           <p:cNvPicPr>
             <a:picLocks noChangeAspect="1"/>
           </p:cNvPicPr>
           <p:nvPr/>
         </p:nvPicPr>
         <p:blipFill rotWithShape="1">
-          <a:blip r:embed="rId3" cstate="print">
+          <a:blip r:embed="rId3" cstate="hqprint">
             <a:extLst>
               <a:ext uri="{28A0092B-C50C-407E-A947-70E740481C1C}">
-                <a14:useLocalDpi xmlns:a14="http://schemas.microsoft.com/office/drawing/2010/main" val="0"/>
+                <a14:useLocalDpi xmlns:a14="http://schemas.microsoft.com/office/drawing/2010/main"/>
               </a:ext>
             </a:extLst>
           </a:blip>
@@ -12629,25 +12733,27 @@
         <p:spPr>
           <a:xfrm rot="0">
             <a:off x="6917690" y="1337310"/>
-            <a:ext cx="1993265" cy="3347720"/>
-          </a:xfrm>
-          <a:prstGeom prst="rect"/>
-          <a:noFill/>
+            <a:ext cx="1993900" cy="3791585"/>
+          </a:xfrm>
+          <a:prstGeom prst="roundRect"/>
+          <a:solidFill>
+            <a:srgbClr val="EDEDED"/>
+          </a:solidFill>
         </p:spPr>
       </p:pic>
       <p:pic>
         <p:nvPicPr>
-          <p:cNvPr id="57" name="그림 30"/>
+          <p:cNvPr id="57" name="그림 30" descr="C:/Users/Admin1/AppData/Roaming/PolarisOffice/ETemp/6432_22183288/fImage191502705436.png"/>
           <p:cNvPicPr>
             <a:picLocks noChangeAspect="1"/>
           </p:cNvPicPr>
           <p:nvPr/>
         </p:nvPicPr>
         <p:blipFill rotWithShape="1">
-          <a:blip r:embed="rId4" cstate="print">
+          <a:blip r:embed="rId4" cstate="hqprint">
             <a:extLst>
               <a:ext uri="{28A0092B-C50C-407E-A947-70E740481C1C}">
-                <a14:useLocalDpi xmlns:a14="http://schemas.microsoft.com/office/drawing/2010/main" val="0"/>
+                <a14:useLocalDpi xmlns:a14="http://schemas.microsoft.com/office/drawing/2010/main"/>
               </a:ext>
             </a:extLst>
           </a:blip>
@@ -12658,10 +12764,12 @@
         <p:spPr>
           <a:xfrm rot="0">
             <a:off x="9057640" y="1334135"/>
-            <a:ext cx="2000885" cy="3342640"/>
-          </a:xfrm>
-          <a:prstGeom prst="rect"/>
-          <a:noFill/>
+            <a:ext cx="2001520" cy="3787140"/>
+          </a:xfrm>
+          <a:prstGeom prst="roundRect"/>
+          <a:solidFill>
+            <a:srgbClr val="EDEDED"/>
+          </a:solidFill>
         </p:spPr>
       </p:pic>
     </p:spTree>
@@ -13031,7 +13139,7 @@
       </p:pic>
       <p:pic>
         <p:nvPicPr>
-          <p:cNvPr id="61" name="그림 37"/>
+          <p:cNvPr id="61" name="그림 37" descr="C:/Users/Admin1/AppData/Roaming/PolarisOffice/ETemp/6432_22183288/fImage330252883902.png"/>
           <p:cNvPicPr>
             <a:picLocks noChangeAspect="1"/>
           </p:cNvPicPr>
@@ -13052,10 +13160,12 @@
         <p:spPr>
           <a:xfrm rot="0">
             <a:off x="6863715" y="1329690"/>
-            <a:ext cx="1891030" cy="2559050"/>
-          </a:xfrm>
-          <a:prstGeom prst="rect"/>
-          <a:noFill/>
+            <a:ext cx="1891665" cy="2559685"/>
+          </a:xfrm>
+          <a:prstGeom prst="roundRect"/>
+          <a:solidFill>
+            <a:srgbClr val="EDEDED"/>
+          </a:solidFill>
         </p:spPr>
       </p:pic>
       <p:pic>

--- a/Assets/Class/Photon Server/PPT Data/Photon PlayFab.pptx
+++ b/Assets/Class/Photon Server/PPT Data/Photon PlayFab.pptx
@@ -2,27 +2,27 @@
 <file path=ppt/presentation.xml><?xml version="1.0" encoding="utf-8"?>
 <p:presentation xmlns:a="http://schemas.openxmlformats.org/drawingml/2006/main" xmlns:r="http://schemas.openxmlformats.org/officeDocument/2006/relationships" xmlns:p="http://schemas.openxmlformats.org/presentationml/2006/main" xmlns:p14="http://schemas.microsoft.com/office/powerpoint/2010/main" saveSubsetFonts="1" firstSlideNum="0">
   <p:sldMasterIdLst>
-    <p:sldMasterId id="2147486810" r:id="rId12"/>
+    <p:sldMasterId id="2147486814" r:id="rId12"/>
   </p:sldMasterIdLst>
   <p:notesMasterIdLst>
     <p:notesMasterId r:id="rId14"/>
   </p:notesMasterIdLst>
   <p:sldIdLst>
     <p:sldId id="317" r:id="rId16"/>
-    <p:sldId id="316" r:id="rId17"/>
-    <p:sldId id="318" r:id="rId19"/>
-    <p:sldId id="314" r:id="rId21"/>
-    <p:sldId id="319" r:id="rId22"/>
-    <p:sldId id="320" r:id="rId24"/>
+    <p:sldId id="316" r:id="rId18"/>
+    <p:sldId id="318" r:id="rId20"/>
+    <p:sldId id="314" r:id="rId22"/>
+    <p:sldId id="319" r:id="rId24"/>
+    <p:sldId id="320" r:id="rId25"/>
     <p:sldId id="321" r:id="rId26"/>
-    <p:sldId id="322" r:id="rId28"/>
-    <p:sldId id="323" r:id="rId30"/>
-    <p:sldId id="324" r:id="rId32"/>
-    <p:sldId id="325" r:id="rId34"/>
-    <p:sldId id="326" r:id="rId36"/>
-    <p:sldId id="327" r:id="rId38"/>
-    <p:sldId id="328" r:id="rId40"/>
-    <p:sldId id="329" r:id="rId42"/>
+    <p:sldId id="322" r:id="rId27"/>
+    <p:sldId id="323" r:id="rId28"/>
+    <p:sldId id="324" r:id="rId30"/>
+    <p:sldId id="325" r:id="rId32"/>
+    <p:sldId id="326" r:id="rId34"/>
+    <p:sldId id="327" r:id="rId36"/>
+    <p:sldId id="328" r:id="rId38"/>
+    <p:sldId id="329" r:id="rId40"/>
   </p:sldIdLst>
   <p:sldSz cx="12192000" cy="6858000"/>
   <p:notesSz cx="6858000" cy="9144000"/>
@@ -10105,7 +10105,7 @@
       </p:sp>
       <p:pic>
         <p:nvPicPr>
-          <p:cNvPr id="61" name="그림 2" descr="C:/Users/Admin1/AppData/Roaming/PolarisOffice/ETemp/6432_22183288/fImage6140028341.png"/>
+          <p:cNvPr id="61" name="그림 2" descr="C:/Users/Admin1/AppData/Roaming/PolarisOffice/ETemp/20820_9877576/fImage6140028341.png"/>
           <p:cNvPicPr>
             <a:picLocks noChangeAspect="1"/>
           </p:cNvPicPr>
@@ -10125,16 +10125,18 @@
         </p:blipFill>
         <p:spPr>
           <a:xfrm rot="0">
-            <a:off x="1205230" y="1371600"/>
-            <a:ext cx="4066540" cy="3525520"/>
-          </a:xfrm>
-          <a:prstGeom prst="rect"/>
-          <a:noFill/>
+            <a:off x="1205230" y="1338580"/>
+            <a:ext cx="4067175" cy="3574415"/>
+          </a:xfrm>
+          <a:prstGeom prst="roundRect"/>
+          <a:solidFill>
+            <a:srgbClr val="EDEDED"/>
+          </a:solidFill>
         </p:spPr>
       </p:pic>
       <p:pic>
         <p:nvPicPr>
-          <p:cNvPr id="62" name="그림 3" descr="C:/Users/Admin1/AppData/Roaming/PolarisOffice/ETemp/6432_22183288/fImage441932848467.png"/>
+          <p:cNvPr id="62" name="그림 3" descr="C:/Users/Admin1/AppData/Roaming/PolarisOffice/ETemp/20820_9877576/fImage441932848467.png"/>
           <p:cNvPicPr>
             <a:picLocks noChangeAspect="1"/>
           </p:cNvPicPr>
@@ -10155,10 +10157,12 @@
         <p:spPr>
           <a:xfrm rot="0">
             <a:off x="6675755" y="1334770"/>
-            <a:ext cx="4456430" cy="3570605"/>
-          </a:xfrm>
-          <a:prstGeom prst="rect"/>
-          <a:noFill/>
+            <a:ext cx="4457065" cy="3571240"/>
+          </a:xfrm>
+          <a:prstGeom prst="roundRect"/>
+          <a:solidFill>
+            <a:srgbClr val="EDEDED"/>
+          </a:solidFill>
         </p:spPr>
       </p:pic>
     </p:spTree>
@@ -11343,8 +11347,8 @@
         </p:nvSpPr>
         <p:spPr>
           <a:xfrm rot="0">
-            <a:off x="1232535" y="2855595"/>
-            <a:ext cx="4113530" cy="954405"/>
+            <a:off x="1232535" y="2764155"/>
+            <a:ext cx="4114165" cy="955040"/>
           </a:xfrm>
           <a:prstGeom prst="rect"/>
           <a:noFill/>
@@ -11399,17 +11403,17 @@
       </p:sp>
       <p:pic>
         <p:nvPicPr>
-          <p:cNvPr id="44" name="그림 15"/>
+          <p:cNvPr id="44" name="그림 15" descr="C:/Users/Admin1/AppData/Roaming/PolarisOffice/ETemp/20820_9877576/fImage175531514464.png"/>
           <p:cNvPicPr>
             <a:picLocks noChangeAspect="1"/>
           </p:cNvPicPr>
           <p:nvPr/>
         </p:nvPicPr>
         <p:blipFill rotWithShape="1">
-          <a:blip r:embed="rId7" cstate="print">
+          <a:blip r:embed="rId7" cstate="hqprint">
             <a:extLst>
               <a:ext uri="{28A0092B-C50C-407E-A947-70E740481C1C}">
-                <a14:useLocalDpi xmlns:a14="http://schemas.microsoft.com/office/drawing/2010/main" val="0"/>
+                <a14:useLocalDpi xmlns:a14="http://schemas.microsoft.com/office/drawing/2010/main"/>
               </a:ext>
             </a:extLst>
           </a:blip>
@@ -11420,25 +11424,27 @@
         <p:spPr>
           <a:xfrm rot="0">
             <a:off x="1229995" y="1421130"/>
-            <a:ext cx="4124325" cy="1330960"/>
-          </a:xfrm>
-          <a:prstGeom prst="rect"/>
-          <a:noFill/>
+            <a:ext cx="4124960" cy="1247775"/>
+          </a:xfrm>
+          <a:prstGeom prst="roundRect"/>
+          <a:solidFill>
+            <a:srgbClr val="EDEDED"/>
+          </a:solidFill>
         </p:spPr>
       </p:pic>
       <p:pic>
         <p:nvPicPr>
-          <p:cNvPr id="45" name="그림 16"/>
+          <p:cNvPr id="45" name="그림 16" descr="C:/Users/Admin1/AppData/Roaming/PolarisOffice/ETemp/20820_9877576/fImage265691525705.png"/>
           <p:cNvPicPr>
             <a:picLocks noChangeAspect="1"/>
           </p:cNvPicPr>
           <p:nvPr/>
         </p:nvPicPr>
         <p:blipFill rotWithShape="1">
-          <a:blip r:embed="rId8" cstate="print">
+          <a:blip r:embed="rId8" cstate="hqprint">
             <a:extLst>
               <a:ext uri="{28A0092B-C50C-407E-A947-70E740481C1C}">
-                <a14:useLocalDpi xmlns:a14="http://schemas.microsoft.com/office/drawing/2010/main" val="0"/>
+                <a14:useLocalDpi xmlns:a14="http://schemas.microsoft.com/office/drawing/2010/main"/>
               </a:ext>
             </a:extLst>
           </a:blip>
@@ -11448,11 +11454,13 @@
         </p:blipFill>
         <p:spPr>
           <a:xfrm rot="0">
-            <a:off x="1233805" y="3932555"/>
-            <a:ext cx="4112260" cy="1313815"/>
-          </a:xfrm>
-          <a:prstGeom prst="rect"/>
-          <a:noFill/>
+            <a:off x="1233805" y="3823970"/>
+            <a:ext cx="4112895" cy="1671320"/>
+          </a:xfrm>
+          <a:prstGeom prst="roundRect"/>
+          <a:solidFill>
+            <a:srgbClr val="EDEDED"/>
+          </a:solidFill>
         </p:spPr>
       </p:pic>
       <p:sp>
@@ -11465,8 +11473,8 @@
         </p:nvSpPr>
         <p:spPr>
           <a:xfrm rot="0">
-            <a:off x="1229360" y="5379720"/>
-            <a:ext cx="4113530" cy="677545"/>
+            <a:off x="1229360" y="5579110"/>
+            <a:ext cx="4114165" cy="678180"/>
           </a:xfrm>
           <a:prstGeom prst="rect"/>
           <a:noFill/>
@@ -11521,7 +11529,7 @@
       </p:sp>
       <p:pic>
         <p:nvPicPr>
-          <p:cNvPr id="47" name="그림 18" descr="C:/Users/Admin1/AppData/Roaming/PolarisOffice/ETemp/6432_22183288/fImage330901548145.png"/>
+          <p:cNvPr id="47" name="그림 18" descr="C:/Users/Admin1/AppData/Roaming/PolarisOffice/ETemp/20820_9877576/fImage330901548145.png"/>
           <p:cNvPicPr>
             <a:picLocks noChangeAspect="1"/>
           </p:cNvPicPr>
@@ -11542,7 +11550,7 @@
         <p:spPr>
           <a:xfrm rot="0">
             <a:off x="6840220" y="1413510"/>
-            <a:ext cx="3951605" cy="3250565"/>
+            <a:ext cx="3952240" cy="3516630"/>
           </a:xfrm>
           <a:prstGeom prst="rect"/>
           <a:noFill/>
@@ -11558,8 +11566,8 @@
         </p:nvSpPr>
         <p:spPr>
           <a:xfrm rot="0">
-            <a:off x="6833235" y="4827905"/>
-            <a:ext cx="3975100" cy="1231265"/>
+            <a:off x="6841490" y="5027295"/>
+            <a:ext cx="3941445" cy="1231265"/>
           </a:xfrm>
           <a:prstGeom prst="rect"/>
           <a:noFill/>
@@ -11811,8 +11819,8 @@
         </p:nvSpPr>
         <p:spPr>
           <a:xfrm rot="0">
-            <a:off x="1232535" y="4925695"/>
-            <a:ext cx="4113530" cy="954405"/>
+            <a:off x="1232535" y="5158740"/>
+            <a:ext cx="4114165" cy="955040"/>
           </a:xfrm>
           <a:prstGeom prst="rect"/>
           <a:noFill/>
@@ -11875,8 +11883,8 @@
         </p:nvSpPr>
         <p:spPr>
           <a:xfrm rot="0">
-            <a:off x="6800215" y="4918710"/>
-            <a:ext cx="4182110" cy="677545"/>
+            <a:off x="6800215" y="5434330"/>
+            <a:ext cx="4182745" cy="677545"/>
           </a:xfrm>
           <a:prstGeom prst="rect"/>
           <a:noFill/>
@@ -11931,17 +11939,17 @@
       </p:sp>
       <p:pic>
         <p:nvPicPr>
-          <p:cNvPr id="49" name="그림 22"/>
+          <p:cNvPr id="49" name="그림 22" descr="C:/Users/Admin1/AppData/Roaming/PolarisOffice/ETemp/20820_9877576/fImage364772413281.png"/>
           <p:cNvPicPr>
             <a:picLocks noChangeAspect="1"/>
           </p:cNvPicPr>
           <p:nvPr/>
         </p:nvPicPr>
         <p:blipFill rotWithShape="1">
-          <a:blip r:embed="rId2" cstate="print">
+          <a:blip r:embed="rId2" cstate="hqprint">
             <a:extLst>
               <a:ext uri="{28A0092B-C50C-407E-A947-70E740481C1C}">
-                <a14:useLocalDpi xmlns:a14="http://schemas.microsoft.com/office/drawing/2010/main" val="0"/>
+                <a14:useLocalDpi xmlns:a14="http://schemas.microsoft.com/office/drawing/2010/main"/>
               </a:ext>
             </a:extLst>
           </a:blip>
@@ -11952,7 +11960,7 @@
         <p:spPr>
           <a:xfrm rot="0">
             <a:off x="1230630" y="1338580"/>
-            <a:ext cx="4107180" cy="3491865"/>
+            <a:ext cx="4107815" cy="3716655"/>
           </a:xfrm>
           <a:prstGeom prst="rect"/>
           <a:noFill/>
@@ -11960,17 +11968,17 @@
       </p:pic>
       <p:pic>
         <p:nvPicPr>
-          <p:cNvPr id="50" name="그림 23"/>
+          <p:cNvPr id="50" name="그림 23" descr="C:/Users/Admin1/AppData/Roaming/PolarisOffice/ETemp/20820_9877576/fImage183122426827.png"/>
           <p:cNvPicPr>
             <a:picLocks noChangeAspect="1"/>
           </p:cNvPicPr>
           <p:nvPr/>
         </p:nvPicPr>
         <p:blipFill rotWithShape="1">
-          <a:blip r:embed="rId3" cstate="print">
+          <a:blip r:embed="rId3" cstate="hqprint">
             <a:extLst>
               <a:ext uri="{28A0092B-C50C-407E-A947-70E740481C1C}">
-                <a14:useLocalDpi xmlns:a14="http://schemas.microsoft.com/office/drawing/2010/main" val="0"/>
+                <a14:useLocalDpi xmlns:a14="http://schemas.microsoft.com/office/drawing/2010/main"/>
               </a:ext>
             </a:extLst>
           </a:blip>
@@ -11981,7 +11989,7 @@
         <p:spPr>
           <a:xfrm rot="0">
             <a:off x="6833235" y="1336675"/>
-            <a:ext cx="4190365" cy="3485515"/>
+            <a:ext cx="4191000" cy="3975735"/>
           </a:xfrm>
           <a:prstGeom prst="rect"/>
           <a:noFill/>
@@ -12252,7 +12260,7 @@
       </p:sp>
       <p:pic>
         <p:nvPicPr>
-          <p:cNvPr id="51" name="그림 24" descr="C:/Users/Admin1/AppData/Roaming/PolarisOffice/ETemp/6432_22183288/fImage123742539961.png"/>
+          <p:cNvPr id="51" name="그림 24" descr="C:/Users/Admin1/AppData/Roaming/PolarisOffice/ETemp/20820_9877576/fImage123742539961.png"/>
           <p:cNvPicPr>
             <a:picLocks noChangeAspect="1"/>
           </p:cNvPicPr>
@@ -12273,15 +12281,17 @@
         <p:spPr>
           <a:xfrm rot="0">
             <a:off x="1220470" y="1338580"/>
-            <a:ext cx="4117975" cy="1489075"/>
-          </a:xfrm>
-          <a:prstGeom prst="rect"/>
-          <a:noFill/>
+            <a:ext cx="4118610" cy="1489710"/>
+          </a:xfrm>
+          <a:prstGeom prst="roundRect"/>
+          <a:solidFill>
+            <a:srgbClr val="EDEDED"/>
+          </a:solidFill>
         </p:spPr>
       </p:pic>
       <p:pic>
         <p:nvPicPr>
-          <p:cNvPr id="52" name="그림 25" descr="C:/Users/Admin1/AppData/Roaming/PolarisOffice/ETemp/6432_22183288/fImage11611254491.png"/>
+          <p:cNvPr id="52" name="그림 25" descr="C:/Users/Admin1/AppData/Roaming/PolarisOffice/ETemp/20820_9877576/fImage11611254491.png"/>
           <p:cNvPicPr>
             <a:picLocks noChangeAspect="1"/>
           </p:cNvPicPr>
@@ -12302,15 +12312,17 @@
         <p:spPr>
           <a:xfrm rot="0">
             <a:off x="1222375" y="4003040"/>
-            <a:ext cx="4116070" cy="1151890"/>
-          </a:xfrm>
-          <a:prstGeom prst="rect"/>
-          <a:noFill/>
+            <a:ext cx="4116705" cy="1152525"/>
+          </a:xfrm>
+          <a:prstGeom prst="roundRect"/>
+          <a:solidFill>
+            <a:srgbClr val="EDEDED"/>
+          </a:solidFill>
         </p:spPr>
       </p:pic>
       <p:pic>
         <p:nvPicPr>
-          <p:cNvPr id="53" name="그림 26" descr="C:/Users/Admin1/AppData/Roaming/PolarisOffice/ETemp/6432_22183288/fImage234462552995.png"/>
+          <p:cNvPr id="53" name="그림 26" descr="C:/Users/Admin1/AppData/Roaming/PolarisOffice/ETemp/20820_9877576/fImage234462552995.png"/>
           <p:cNvPicPr>
             <a:picLocks noChangeAspect="1"/>
           </p:cNvPicPr>
@@ -12331,7 +12343,7 @@
         <p:spPr>
           <a:xfrm rot="0">
             <a:off x="6899275" y="1346835"/>
-            <a:ext cx="4039870" cy="4074160"/>
+            <a:ext cx="4040505" cy="4074795"/>
           </a:xfrm>
           <a:prstGeom prst="rect"/>
           <a:noFill/>
@@ -12348,7 +12360,7 @@
         <p:spPr>
           <a:xfrm rot="0">
             <a:off x="6899910" y="5521325"/>
-            <a:ext cx="4048760" cy="677545"/>
+            <a:ext cx="4049395" cy="677545"/>
           </a:xfrm>
           <a:prstGeom prst="rect"/>
           <a:noFill/>
@@ -12563,8 +12575,8 @@
         </p:nvSpPr>
         <p:spPr>
           <a:xfrm rot="0">
-            <a:off x="1230630" y="5038090"/>
-            <a:ext cx="4053205" cy="955040"/>
+            <a:off x="1230630" y="5212715"/>
+            <a:ext cx="4053840" cy="955675"/>
           </a:xfrm>
           <a:prstGeom prst="rect"/>
           <a:noFill/>
@@ -12627,8 +12639,8 @@
         </p:nvSpPr>
         <p:spPr>
           <a:xfrm rot="0">
-            <a:off x="6946900" y="5314950"/>
-            <a:ext cx="4154170" cy="678180"/>
+            <a:off x="6946900" y="5489575"/>
+            <a:ext cx="4154805" cy="678815"/>
           </a:xfrm>
           <a:prstGeom prst="rect"/>
           <a:noFill/>
@@ -12683,7 +12695,7 @@
       </p:sp>
       <p:pic>
         <p:nvPicPr>
-          <p:cNvPr id="55" name="그림 28" descr="C:/Users/Admin1/AppData/Roaming/PolarisOffice/ETemp/6432_22183288/fImage250602681942.png"/>
+          <p:cNvPr id="55" name="그림 28" descr="C:/Users/Admin1/AppData/Roaming/PolarisOffice/ETemp/20820_9877576/fImage250602681942.png"/>
           <p:cNvPicPr>
             <a:picLocks noChangeAspect="1"/>
           </p:cNvPicPr>
@@ -12704,7 +12716,7 @@
         <p:spPr>
           <a:xfrm rot="0">
             <a:off x="1226185" y="1518285"/>
-            <a:ext cx="4065905" cy="3403600"/>
+            <a:ext cx="4066540" cy="3619500"/>
           </a:xfrm>
           <a:prstGeom prst="rect"/>
           <a:noFill/>
@@ -12712,7 +12724,7 @@
       </p:pic>
       <p:pic>
         <p:nvPicPr>
-          <p:cNvPr id="56" name="그림 29" descr="C:/Users/Admin1/AppData/Roaming/PolarisOffice/ETemp/6432_22183288/fImage191382694827.png"/>
+          <p:cNvPr id="56" name="그림 29" descr="C:/Users/Admin1/AppData/Roaming/PolarisOffice/ETemp/20820_9877576/fImage191382694827.png"/>
           <p:cNvPicPr>
             <a:picLocks noChangeAspect="1"/>
           </p:cNvPicPr>
@@ -12733,7 +12745,7 @@
         <p:spPr>
           <a:xfrm rot="0">
             <a:off x="6917690" y="1337310"/>
-            <a:ext cx="1993900" cy="3791585"/>
+            <a:ext cx="1994535" cy="3966845"/>
           </a:xfrm>
           <a:prstGeom prst="roundRect"/>
           <a:solidFill>
@@ -12743,7 +12755,7 @@
       </p:pic>
       <p:pic>
         <p:nvPicPr>
-          <p:cNvPr id="57" name="그림 30" descr="C:/Users/Admin1/AppData/Roaming/PolarisOffice/ETemp/6432_22183288/fImage191502705436.png"/>
+          <p:cNvPr id="57" name="그림 30" descr="C:/Users/Admin1/AppData/Roaming/PolarisOffice/ETemp/20820_9877576/fImage191502705436.png"/>
           <p:cNvPicPr>
             <a:picLocks noChangeAspect="1"/>
           </p:cNvPicPr>
@@ -12764,7 +12776,7 @@
         <p:spPr>
           <a:xfrm rot="0">
             <a:off x="9057640" y="1334135"/>
-            <a:ext cx="2001520" cy="3787140"/>
+            <a:ext cx="2002155" cy="3961765"/>
           </a:xfrm>
           <a:prstGeom prst="roundRect"/>
           <a:solidFill>

--- a/Assets/Class/Photon Server/PPT Data/Photon PlayFab.pptx
+++ b/Assets/Class/Photon Server/PPT Data/Photon PlayFab.pptx
@@ -2,27 +2,28 @@
 <file path=ppt/presentation.xml><?xml version="1.0" encoding="utf-8"?>
 <p:presentation xmlns:a="http://schemas.openxmlformats.org/drawingml/2006/main" xmlns:r="http://schemas.openxmlformats.org/officeDocument/2006/relationships" xmlns:p="http://schemas.openxmlformats.org/presentationml/2006/main" xmlns:p14="http://schemas.microsoft.com/office/powerpoint/2010/main" saveSubsetFonts="1" firstSlideNum="0">
   <p:sldMasterIdLst>
-    <p:sldMasterId id="2147486814" r:id="rId12"/>
+    <p:sldMasterId id="2147486838" r:id="rId12"/>
   </p:sldMasterIdLst>
   <p:notesMasterIdLst>
     <p:notesMasterId r:id="rId14"/>
   </p:notesMasterIdLst>
   <p:sldIdLst>
     <p:sldId id="317" r:id="rId16"/>
-    <p:sldId id="316" r:id="rId18"/>
-    <p:sldId id="318" r:id="rId20"/>
-    <p:sldId id="314" r:id="rId22"/>
-    <p:sldId id="319" r:id="rId24"/>
-    <p:sldId id="320" r:id="rId25"/>
-    <p:sldId id="321" r:id="rId26"/>
-    <p:sldId id="322" r:id="rId27"/>
-    <p:sldId id="323" r:id="rId28"/>
-    <p:sldId id="324" r:id="rId30"/>
-    <p:sldId id="325" r:id="rId32"/>
-    <p:sldId id="326" r:id="rId34"/>
-    <p:sldId id="327" r:id="rId36"/>
-    <p:sldId id="328" r:id="rId38"/>
-    <p:sldId id="329" r:id="rId40"/>
+    <p:sldId id="316" r:id="rId17"/>
+    <p:sldId id="318" r:id="rId18"/>
+    <p:sldId id="314" r:id="rId19"/>
+    <p:sldId id="319" r:id="rId20"/>
+    <p:sldId id="320" r:id="rId21"/>
+    <p:sldId id="321" r:id="rId22"/>
+    <p:sldId id="322" r:id="rId23"/>
+    <p:sldId id="330" r:id="rId24"/>
+    <p:sldId id="323" r:id="rId25"/>
+    <p:sldId id="324" r:id="rId26"/>
+    <p:sldId id="325" r:id="rId27"/>
+    <p:sldId id="326" r:id="rId28"/>
+    <p:sldId id="327" r:id="rId29"/>
+    <p:sldId id="328" r:id="rId30"/>
+    <p:sldId id="329" r:id="rId31"/>
   </p:sldIdLst>
   <p:sldSz cx="12192000" cy="6858000"/>
   <p:notesSz cx="6858000" cy="9144000"/>
@@ -1363,6 +1364,148 @@
         <p:spPr>
           <a:xfrm rot="0">
             <a:off x="685800" y="1143000"/>
+            <a:ext cx="5494020" cy="3093720"/>
+          </a:xfrm>
+          <a:prstGeom prst="rect"/>
+          <a:noFill/>
+          <a:ln w="12700" cap="flat" cmpd="sng">
+            <a:solidFill>
+              <a:srgbClr val="000000">
+                <a:alpha val="100000"/>
+              </a:srgbClr>
+            </a:solidFill>
+            <a:prstDash val="solid"/>
+          </a:ln>
+        </p:spPr>
+        <p:txBody>
+          <a:bodyPr wrap="square" lIns="91440" tIns="45720" rIns="91440" bIns="45720" numCol="1" vert="horz" anchor="ctr">
+            <a:noAutofit/>
+          </a:bodyPr>
+          <a:lstStyle/>
+          <a:p>
+            <a:pPr marL="0" indent="0" latinLnBrk="0">
+              <a:buFontTx/>
+              <a:buNone/>
+            </a:pPr>
+          </a:p>
+        </p:txBody>
+      </p:sp>
+      <p:sp>
+        <p:nvSpPr>
+          <p:cNvPr id="3" name="슬라이드 노트 개체 틀 4"/>
+          <p:cNvSpPr txBox="1">
+            <a:spLocks/>
+          </p:cNvSpPr>
+          <p:nvPr>
+            <p:ph type="body" idx="3"/>
+          </p:nvPr>
+        </p:nvSpPr>
+        <p:spPr>
+          <a:xfrm rot="0">
+            <a:off x="685800" y="4400550"/>
+            <a:ext cx="5494020" cy="3608070"/>
+          </a:xfrm>
+          <a:prstGeom prst="rect"/>
+        </p:spPr>
+        <p:txBody>
+          <a:bodyPr wrap="square" lIns="91440" tIns="45720" rIns="91440" bIns="45720" numCol="1" vert="horz" anchor="t">
+            <a:noAutofit/>
+          </a:bodyPr>
+          <a:lstStyle/>
+          <a:p>
+            <a:pPr marL="0" indent="0" latinLnBrk="0">
+              <a:buFontTx/>
+              <a:buNone/>
+            </a:pPr>
+          </a:p>
+        </p:txBody>
+      </p:sp>
+      <p:sp>
+        <p:nvSpPr>
+          <p:cNvPr id="4" name="슬라이드 번호 개체 틀 6"/>
+          <p:cNvSpPr txBox="1">
+            <a:spLocks/>
+          </p:cNvSpPr>
+          <p:nvPr>
+            <p:ph type="sldNum" idx="5"/>
+          </p:nvPr>
+        </p:nvSpPr>
+        <p:spPr>
+          <a:xfrm rot="0">
+            <a:off x="3884930" y="8685530"/>
+            <a:ext cx="2979420" cy="466090"/>
+          </a:xfrm>
+          <a:prstGeom prst="rect"/>
+        </p:spPr>
+        <p:txBody>
+          <a:bodyPr wrap="square" lIns="91440" tIns="45720" rIns="91440" bIns="45720" numCol="1" vert="horz" anchor="b">
+            <a:noAutofit/>
+          </a:bodyPr>
+          <a:lstStyle>
+            <a:lvl1pPr marL="0" indent="0" algn="r" latinLnBrk="0">
+              <a:buFontTx/>
+              <a:buNone/>
+              <a:defRPr lang="en-GB" altLang="en-US" sz="1200"/>
+            </a:lvl1pPr>
+          </a:lstStyle>
+          <a:p>
+            <a:pPr marL="0" indent="0" latinLnBrk="0">
+              <a:buFontTx/>
+              <a:buNone/>
+            </a:pPr>
+            <a:fld id="{B9320F77-B9A0-41C5-862A-B4B631284C64}" type="slidenum">
+              <a:rPr lang="ko-KR" altLang="en-US"/>
+              <a:t>‹#›</a:t>
+            </a:fld>
+          </a:p>
+        </p:txBody>
+      </p:sp>
+    </p:spTree>
+  </p:cSld>
+  <p:clrMapOvr>
+    <a:masterClrMapping/>
+  </p:clrMapOvr>
+  <mc:AlternateContent xmlns:mc="http://schemas.openxmlformats.org/markup-compatibility/2006">
+    <mc:Choice xmlns:p14="http://schemas.microsoft.com/office/powerpoint/2010/main" Requires="p14">
+      <p:transition spd="slow" p14:dur="0"/>
+    </mc:Choice>
+    <mc:Fallback>
+      <p:transition spd="slow"/>
+    </mc:Fallback>
+  </mc:AlternateContent>
+</p:notes>
+</file>
+
+<file path=ppt/notesSlides/notesSlide16.xml><?xml version="1.0" encoding="utf-8"?>
+<p:notes xmlns:a="http://schemas.openxmlformats.org/drawingml/2006/main" xmlns:r="http://schemas.openxmlformats.org/officeDocument/2006/relationships" xmlns:p="http://schemas.openxmlformats.org/presentationml/2006/main">
+  <p:cSld>
+    <p:spTree>
+      <p:nvGrpSpPr>
+        <p:cNvPr id="1" name=""/>
+        <p:cNvGrpSpPr/>
+        <p:nvPr/>
+      </p:nvGrpSpPr>
+      <p:grpSpPr>
+        <a:xfrm>
+          <a:off x="0" y="0"/>
+          <a:ext cx="0" cy="0"/>
+          <a:chOff x="0" y="0"/>
+          <a:chExt cx="0" cy="0"/>
+        </a:xfrm>
+      </p:grpSpPr>
+      <p:sp>
+        <p:nvSpPr>
+          <p:cNvPr id="2" name="슬라이드 이미지 개체 틀 3"/>
+          <p:cNvSpPr>
+            <a:spLocks noChangeAspect="1"/>
+          </p:cNvSpPr>
+          <p:nvPr>
+            <p:ph type="sldImg" idx="2"/>
+          </p:nvPr>
+        </p:nvSpPr>
+        <p:spPr>
+          <a:xfrm rot="0">
+            <a:off x="685800" y="1143000"/>
             <a:ext cx="5494655" cy="3094355"/>
           </a:xfrm>
           <a:prstGeom prst="rect"/>
@@ -2499,7 +2642,7 @@
         <p:spPr>
           <a:xfrm rot="0">
             <a:off x="685800" y="1143000"/>
-            <a:ext cx="5494020" cy="3093720"/>
+            <a:ext cx="5494655" cy="3094355"/>
           </a:xfrm>
           <a:prstGeom prst="rect"/>
           <a:noFill/>
@@ -2538,7 +2681,7 @@
         <p:spPr>
           <a:xfrm rot="0">
             <a:off x="685800" y="4400550"/>
-            <a:ext cx="5494020" cy="3608070"/>
+            <a:ext cx="5494655" cy="3608705"/>
           </a:xfrm>
           <a:prstGeom prst="rect"/>
         </p:spPr>
@@ -2568,7 +2711,7 @@
         <p:spPr>
           <a:xfrm rot="0">
             <a:off x="3884930" y="8685530"/>
-            <a:ext cx="2979420" cy="466090"/>
+            <a:ext cx="2980055" cy="466725"/>
           </a:xfrm>
           <a:prstGeom prst="rect"/>
         </p:spPr>
@@ -7574,8 +7717,8 @@
         </p:nvSpPr>
         <p:spPr>
           <a:xfrm rot="0">
-            <a:off x="1247775" y="4850765"/>
-            <a:ext cx="4124325" cy="955040"/>
+            <a:off x="6800850" y="5233035"/>
+            <a:ext cx="4149725" cy="954405"/>
           </a:xfrm>
           <a:prstGeom prst="rect"/>
           <a:noFill/>
@@ -7616,98 +7759,14 @@
                 <a:latin typeface="맑은 고딕" charset="0"/>
                 <a:ea typeface="맑은 고딕" charset="0"/>
               </a:rPr>
-              <a:t>Google에서</a:t>
+              <a:t>첫번째로 </a:t>
             </a:r>
             <a:r>
               <a:rPr lang="ko-KR" sz="1800">
                 <a:latin typeface="맑은 고딕" charset="0"/>
                 <a:ea typeface="맑은 고딕" charset="0"/>
               </a:rPr>
-              <a:t> </a:t>
-            </a:r>
-            <a:r>
-              <a:rPr lang="ko-KR" sz="1800">
-                <a:latin typeface="맑은 고딕" charset="0"/>
-                <a:ea typeface="맑은 고딕" charset="0"/>
-              </a:rPr>
-              <a:t>PlayFab을</a:t>
-            </a:r>
-            <a:r>
-              <a:rPr lang="ko-KR" sz="1800">
-                <a:latin typeface="맑은 고딕" charset="0"/>
-                <a:ea typeface="맑은 고딕" charset="0"/>
-              </a:rPr>
-              <a:t> </a:t>
-            </a:r>
-            <a:r>
-              <a:rPr lang="ko-KR" sz="1800">
-                <a:latin typeface="맑은 고딕" charset="0"/>
-                <a:ea typeface="맑은 고딕" charset="0"/>
-              </a:rPr>
-              <a:t>입력하고</a:t>
-            </a:r>
-            <a:r>
-              <a:rPr lang="ko-KR" sz="1800">
-                <a:latin typeface="맑은 고딕" charset="0"/>
-                <a:ea typeface="맑은 고딕" charset="0"/>
-              </a:rPr>
-              <a:t> </a:t>
-            </a:r>
-            <a:r>
-              <a:rPr lang="ko-KR" sz="1800">
-                <a:latin typeface="맑은 고딕" charset="0"/>
-                <a:ea typeface="맑은 고딕" charset="0"/>
-              </a:rPr>
-              <a:t>Azure</a:t>
-            </a:r>
-            <a:r>
-              <a:rPr lang="ko-KR" sz="1800">
-                <a:latin typeface="맑은 고딕" charset="0"/>
-                <a:ea typeface="맑은 고딕" charset="0"/>
-              </a:rPr>
-              <a:t> </a:t>
-            </a:r>
-            <a:r>
-              <a:rPr lang="ko-KR" sz="1800">
-                <a:latin typeface="맑은 고딕" charset="0"/>
-                <a:ea typeface="맑은 고딕" charset="0"/>
-              </a:rPr>
-              <a:t>PlayFab이라는</a:t>
-            </a:r>
-            <a:r>
-              <a:rPr lang="ko-KR" sz="1800">
-                <a:latin typeface="맑은 고딕" charset="0"/>
-                <a:ea typeface="맑은 고딕" charset="0"/>
-              </a:rPr>
-              <a:t> </a:t>
-            </a:r>
-            <a:r>
-              <a:rPr lang="ko-KR" sz="1800">
-                <a:latin typeface="맑은 고딕" charset="0"/>
-                <a:ea typeface="맑은 고딕" charset="0"/>
-              </a:rPr>
-              <a:t>사이트에</a:t>
-            </a:r>
-            <a:r>
-              <a:rPr lang="ko-KR" sz="1800">
-                <a:latin typeface="맑은 고딕" charset="0"/>
-                <a:ea typeface="맑은 고딕" charset="0"/>
-              </a:rPr>
-              <a:t> </a:t>
-            </a:r>
-            <a:r>
-              <a:rPr lang="ko-KR" sz="1800">
-                <a:latin typeface="맑은 고딕" charset="0"/>
-                <a:ea typeface="맑은 고딕" charset="0"/>
-              </a:rPr>
-              <a:t>접속합니다.</a:t>
-            </a:r>
-            <a:r>
-              <a:rPr lang="ko-KR" sz="1800">
-                <a:latin typeface="맑은 고딕" charset="0"/>
-                <a:ea typeface="맑은 고딕" charset="0"/>
-              </a:rPr>
-              <a:t> </a:t>
+              <a:t>Google에서 PlayFab을 입력하고 Azure PlayFab이라는 사이트에 접속합니다. </a:t>
             </a:r>
             <a:endParaRPr lang="ko-KR" altLang="en-US" sz="1800">
               <a:latin typeface="맑은 고딕" charset="0"/>
@@ -7716,99 +7775,9 @@
           </a:p>
         </p:txBody>
       </p:sp>
-      <p:sp>
-        <p:nvSpPr>
-          <p:cNvPr id="7" name="Rect 0"/>
-          <p:cNvSpPr txBox="1">
-            <a:spLocks/>
-          </p:cNvSpPr>
-          <p:nvPr/>
-        </p:nvSpPr>
-        <p:spPr>
-          <a:xfrm rot="0">
-            <a:off x="6800215" y="5121910"/>
-            <a:ext cx="4124325" cy="678180"/>
-          </a:xfrm>
-          <a:prstGeom prst="rect"/>
-          <a:noFill/>
-          <a:ln w="0">
-            <a:noFill/>
-            <a:prstDash/>
-          </a:ln>
-        </p:spPr>
-        <p:txBody>
-          <a:bodyPr wrap="square" lIns="89535" tIns="46355" rIns="89535" bIns="46355" numCol="1" vert="horz" anchor="t">
-            <a:spAutoFit/>
-          </a:bodyPr>
-          <a:lstStyle/>
-          <a:p>
-            <a:pPr marL="0" indent="0" rtl="0" algn="l" defTabSz="914400" eaLnBrk="1" latinLnBrk="0" hangingPunct="1">
-              <a:buFontTx/>
-              <a:buNone/>
-            </a:pPr>
-            <a:r>
-              <a:rPr lang="ko-KR" sz="2000" b="1">
-                <a:solidFill>
-                  <a:srgbClr val="0611F2"/>
-                </a:solidFill>
-                <a:latin typeface="맑은 고딕" charset="0"/>
-                <a:ea typeface="맑은 고딕" charset="0"/>
-              </a:rPr>
-              <a:t>2. </a:t>
-            </a:r>
-            <a:r>
-              <a:rPr sz="1800">
-                <a:latin typeface="맑은 고딕" charset="0"/>
-                <a:ea typeface="맑은 고딕" charset="0"/>
-              </a:rPr>
-              <a:t>그</a:t>
-            </a:r>
-            <a:r>
-              <a:rPr lang="ko-KR" sz="1800">
-                <a:latin typeface="맑은 고딕" charset="0"/>
-                <a:ea typeface="맑은 고딕" charset="0"/>
-              </a:rPr>
-              <a:t>다음 소개 화면에 PlayFab에 로그인을 선택합니다.</a:t>
-            </a:r>
-            <a:endParaRPr lang="ko-KR" altLang="en-US" sz="1800">
-              <a:latin typeface="맑은 고딕" charset="0"/>
-              <a:ea typeface="맑은 고딕" charset="0"/>
-            </a:endParaRPr>
-          </a:p>
-        </p:txBody>
-      </p:sp>
       <p:pic>
         <p:nvPicPr>
-          <p:cNvPr id="15" name="그림 1" descr="C:/Users/Admin1/AppData/Roaming/PolarisOffice/ETemp/17244_9822856/fImage20639513741.png"/>
-          <p:cNvPicPr>
-            <a:picLocks noChangeAspect="1"/>
-          </p:cNvPicPr>
-          <p:nvPr/>
-        </p:nvPicPr>
-        <p:blipFill rotWithShape="1">
-          <a:blip r:embed="rId7" cstate="hqprint">
-            <a:extLst>
-              <a:ext uri="{28A0092B-C50C-407E-A947-70E740481C1C}">
-                <a14:useLocalDpi xmlns:a14="http://schemas.microsoft.com/office/drawing/2010/main"/>
-              </a:ext>
-            </a:extLst>
-          </a:blip>
-          <a:stretch>
-            <a:fillRect/>
-          </a:stretch>
-        </p:blipFill>
-        <p:spPr>
-          <a:xfrm rot="0">
-            <a:off x="6800850" y="1088390"/>
-            <a:ext cx="4124325" cy="3907790"/>
-          </a:xfrm>
-          <a:prstGeom prst="rect"/>
-          <a:noFill/>
-        </p:spPr>
-      </p:pic>
-      <p:pic>
-        <p:nvPicPr>
-          <p:cNvPr id="16" name="그림 2" descr="C:/Users/Admin1/AppData/Roaming/PolarisOffice/ETemp/17244_9822856/fImage221221388467.png"/>
+          <p:cNvPr id="16" name="그림 2" descr="C:/Users/Admin1/AppData/Roaming/PolarisOffice/ETemp/17716_5745816/fImage221221388467.png"/>
           <p:cNvPicPr>
             <a:picLocks noChangeAspect="1"/>
           </p:cNvPicPr>
@@ -7828,13 +7797,107 @@
         </p:blipFill>
         <p:spPr>
           <a:xfrm rot="0">
-            <a:off x="1246505" y="1080770"/>
-            <a:ext cx="4058285" cy="3666490"/>
+            <a:off x="6791960" y="1296670"/>
+            <a:ext cx="4157980" cy="3808095"/>
+          </a:xfrm>
+          <a:prstGeom prst="roundRect"/>
+          <a:solidFill>
+            <a:srgbClr val="EDEDED"/>
+          </a:solidFill>
+        </p:spPr>
+      </p:pic>
+      <p:pic>
+        <p:nvPicPr>
+          <p:cNvPr id="19" name="그림 5" descr="C:/Users/Admin1/AppData/Roaming/PolarisOffice/ETemp/17716_5745816/fImage4795621241.png"/>
+          <p:cNvPicPr>
+            <a:picLocks noChangeAspect="1"/>
+          </p:cNvPicPr>
+          <p:nvPr/>
+        </p:nvPicPr>
+        <p:blipFill rotWithShape="1">
+          <a:blip r:embed="rId9" cstate="print">
+            <a:extLst>
+              <a:ext uri="{28A0092B-C50C-407E-A947-70E740481C1C}">
+                <a14:useLocalDpi xmlns:a14="http://schemas.microsoft.com/office/drawing/2010/main" val="0"/>
+              </a:ext>
+            </a:extLst>
+          </a:blip>
+          <a:stretch>
+            <a:fillRect/>
+          </a:stretch>
+        </p:blipFill>
+        <p:spPr>
+          <a:xfrm rot="0">
+            <a:off x="1222375" y="1288415"/>
+            <a:ext cx="4148455" cy="3600450"/>
+          </a:xfrm>
+          <a:prstGeom prst="roundRect"/>
+          <a:solidFill>
+            <a:srgbClr val="EDEDED"/>
+          </a:solidFill>
+        </p:spPr>
+      </p:pic>
+      <p:sp>
+        <p:nvSpPr>
+          <p:cNvPr id="20" name="텍스트 상자 16"/>
+          <p:cNvSpPr txBox="1">
+            <a:spLocks/>
+          </p:cNvSpPr>
+          <p:nvPr/>
+        </p:nvSpPr>
+        <p:spPr>
+          <a:xfrm rot="0">
+            <a:off x="1230630" y="4980940"/>
+            <a:ext cx="4138930" cy="1200785"/>
           </a:xfrm>
           <a:prstGeom prst="rect"/>
           <a:noFill/>
-        </p:spPr>
-      </p:pic>
+          <a:ln w="0">
+            <a:noFill/>
+            <a:prstDash/>
+          </a:ln>
+        </p:spPr>
+        <p:txBody>
+          <a:bodyPr wrap="square" lIns="89535" tIns="46355" rIns="89535" bIns="46355" numCol="1" vert="horz" anchor="t">
+            <a:spAutoFit/>
+          </a:bodyPr>
+          <a:lstStyle/>
+          <a:p>
+            <a:pPr marL="0" indent="0" rtl="0" algn="l" defTabSz="914400" eaLnBrk="1" latinLnBrk="0" hangingPunct="1">
+              <a:buFontTx/>
+              <a:buNone/>
+            </a:pPr>
+            <a:r>
+              <a:rPr lang="ko-KR" sz="1800">
+                <a:latin typeface="맑은 고딕" charset="0"/>
+                <a:ea typeface="맑은 고딕" charset="0"/>
+              </a:rPr>
+              <a:t>PlayFab이란?</a:t>
+            </a:r>
+            <a:endParaRPr lang="ko-KR" altLang="en-US" sz="1800">
+              <a:latin typeface="맑은 고딕" charset="0"/>
+              <a:ea typeface="맑은 고딕" charset="0"/>
+            </a:endParaRPr>
+          </a:p>
+          <a:p>
+            <a:pPr marL="0" indent="0" rtl="0" algn="l" defTabSz="914400" eaLnBrk="1" latinLnBrk="0" hangingPunct="1">
+              <a:buFontTx/>
+              <a:buNone/>
+            </a:pPr>
+            <a:r>
+              <a:rPr lang="ko-KR" sz="1800">
+                <a:latin typeface="맑은 고딕" charset="0"/>
+                <a:ea typeface="맑은 고딕" charset="0"/>
+              </a:rPr>
+              <a:t>게임 서비스를 사용하는 실시간 라이브 게임을 위한 서버 시스템입니다.</a:t>
+            </a:r>
+            <a:endParaRPr lang="ko-KR" altLang="en-US" sz="1800">
+              <a:latin typeface="맑은 고딕" charset="0"/>
+              <a:ea typeface="맑은 고딕" charset="0"/>
+            </a:endParaRPr>
+          </a:p>
+        </p:txBody>
+      </p:sp>
     </p:spTree>
   </p:cSld>
   <p:clrMapOvr>
@@ -7921,9 +7984,9 @@
           <p:nvPr/>
         </p:nvSpPr>
         <p:spPr>
-          <a:xfrm rot="0">
+          <a:xfrm>
             <a:off x="4342765" y="467995"/>
-            <a:ext cx="3503930" cy="554990"/>
+            <a:ext cx="3504565" cy="554990"/>
           </a:xfrm>
           <a:prstGeom prst="rect"/>
           <a:noFill/>
@@ -7947,14 +8010,14 @@
                 <a:latin typeface="맑은 고딕" charset="0"/>
                 <a:ea typeface="맑은 고딕" charset="0"/>
               </a:rPr>
-              <a:t>열 </a:t>
+              <a:t>열</a:t>
             </a:r>
             <a:r>
               <a:rPr lang="ko-KR" sz="3000" b="1">
                 <a:latin typeface="맑은 고딕" charset="0"/>
                 <a:ea typeface="맑은 고딕" charset="0"/>
               </a:rPr>
-              <a:t>번째 튜토리얼</a:t>
+              <a:t> 번째 튜토리얼</a:t>
             </a:r>
             <a:r>
               <a:rPr sz="3000" b="1">
@@ -7980,8 +8043,8 @@
         </p:nvSpPr>
         <p:spPr>
           <a:xfrm rot="0">
-            <a:off x="1229995" y="4734560"/>
-            <a:ext cx="4130675" cy="954405"/>
+            <a:off x="1203960" y="4872990"/>
+            <a:ext cx="4062095" cy="954405"/>
           </a:xfrm>
           <a:prstGeom prst="rect"/>
           <a:noFill/>
@@ -8008,7 +8071,7 @@
                 <a:latin typeface="맑은 고딕" charset="0"/>
                 <a:ea typeface="맑은 고딕" charset="0"/>
               </a:rPr>
-              <a:t>22.</a:t>
+              <a:t>20.</a:t>
             </a:r>
             <a:r>
               <a:rPr lang="ko-KR" sz="2000">
@@ -8025,7 +8088,24 @@
                 <a:latin typeface="맑은 고딕" charset="0"/>
                 <a:ea typeface="맑은 고딕" charset="0"/>
               </a:rPr>
-              <a:t>Photon Setting 스크립트에서 입 력을 받기 위해 InputField 변수를 여러 개 생성합니다.</a:t>
+              <a:t>UI를 배치하고 나면 InputFiled(Password Input)에 Content Type을 </a:t>
+            </a:r>
+            <a:r>
+              <a:rPr lang="ko-KR" sz="1800">
+                <a:solidFill>
+                  <a:srgbClr val="009900"/>
+                </a:solidFill>
+                <a:latin typeface="맑은 고딕" charset="0"/>
+                <a:ea typeface="맑은 고딕" charset="0"/>
+              </a:rPr>
+              <a:t>[Password]</a:t>
+            </a:r>
+            <a:r>
+              <a:rPr lang="ko-KR" sz="1800">
+                <a:latin typeface="맑은 고딕" charset="0"/>
+                <a:ea typeface="맑은 고딕" charset="0"/>
+              </a:rPr>
+              <a:t>로 설정합니다. </a:t>
             </a:r>
             <a:endParaRPr lang="ko-KR" altLang="en-US" sz="1800">
               <a:latin typeface="맑은 고딕" charset="0"/>
@@ -8034,9 +8114,100 @@
           </a:p>
         </p:txBody>
       </p:sp>
+      <p:sp>
+        <p:nvSpPr>
+          <p:cNvPr id="54" name="Rect 0"/>
+          <p:cNvSpPr txBox="1">
+            <a:spLocks/>
+          </p:cNvSpPr>
+          <p:nvPr/>
+        </p:nvSpPr>
+        <p:spPr>
+          <a:xfrm rot="0">
+            <a:off x="6870065" y="4053205"/>
+            <a:ext cx="4153535" cy="1784985"/>
+          </a:xfrm>
+          <a:prstGeom prst="rect"/>
+          <a:noFill/>
+          <a:ln w="0">
+            <a:noFill/>
+            <a:prstDash/>
+          </a:ln>
+        </p:spPr>
+        <p:txBody>
+          <a:bodyPr wrap="square" lIns="89535" tIns="46355" rIns="89535" bIns="46355" numCol="1" vert="horz" anchor="t">
+            <a:spAutoFit/>
+          </a:bodyPr>
+          <a:lstStyle/>
+          <a:p>
+            <a:pPr marL="0" indent="0" rtl="0" algn="l" defTabSz="914400" eaLnBrk="1" latinLnBrk="0" hangingPunct="1">
+              <a:buFontTx/>
+              <a:buNone/>
+            </a:pPr>
+            <a:r>
+              <a:rPr lang="ko-KR" sz="2000" b="1">
+                <a:solidFill>
+                  <a:srgbClr val="0611F2"/>
+                </a:solidFill>
+                <a:latin typeface="맑은 고딕" charset="0"/>
+                <a:ea typeface="맑은 고딕" charset="0"/>
+              </a:rPr>
+              <a:t>21.</a:t>
+            </a:r>
+            <a:r>
+              <a:rPr lang="ko-KR" sz="2000">
+                <a:solidFill>
+                  <a:srgbClr val="0611F2"/>
+                </a:solidFill>
+                <a:latin typeface="맑은 고딕" charset="0"/>
+                <a:ea typeface="맑은 고딕" charset="0"/>
+              </a:rPr>
+              <a:t> </a:t>
+            </a:r>
+            <a:r>
+              <a:rPr lang="ko-KR" sz="1800">
+                <a:latin typeface="맑은 고딕" charset="0"/>
+                <a:ea typeface="맑은 고딕" charset="0"/>
+              </a:rPr>
+              <a:t>그리고 빈 게임 오브젝트 생성하고 이름을 Photon Setting으로 설정합니다.</a:t>
+            </a:r>
+            <a:endParaRPr lang="ko-KR" altLang="en-US" sz="1800">
+              <a:latin typeface="맑은 고딕" charset="0"/>
+              <a:ea typeface="맑은 고딕" charset="0"/>
+            </a:endParaRPr>
+          </a:p>
+          <a:p>
+            <a:pPr marL="0" indent="0" rtl="0" algn="l" defTabSz="914400" eaLnBrk="1" latinLnBrk="0" hangingPunct="1">
+              <a:buFontTx/>
+              <a:buNone/>
+            </a:pPr>
+            <a:endParaRPr lang="ko-KR" altLang="en-US" sz="1800">
+              <a:latin typeface="맑은 고딕" charset="0"/>
+              <a:ea typeface="맑은 고딕" charset="0"/>
+            </a:endParaRPr>
+          </a:p>
+          <a:p>
+            <a:pPr marL="0" indent="0" rtl="0" algn="l" defTabSz="914400" eaLnBrk="1" latinLnBrk="0" hangingPunct="1">
+              <a:buFontTx/>
+              <a:buNone/>
+            </a:pPr>
+            <a:r>
+              <a:rPr lang="ko-KR" sz="1800">
+                <a:latin typeface="맑은 고딕" charset="0"/>
+                <a:ea typeface="맑은 고딕" charset="0"/>
+              </a:rPr>
+              <a:t>그리고 PhotonSetting이라는 스크립트를 생성하고 넣어줍니다.</a:t>
+            </a:r>
+            <a:endParaRPr lang="ko-KR" altLang="en-US" sz="1800">
+              <a:latin typeface="맑은 고딕" charset="0"/>
+              <a:ea typeface="맑은 고딕" charset="0"/>
+            </a:endParaRPr>
+          </a:p>
+        </p:txBody>
+      </p:sp>
       <p:pic>
         <p:nvPicPr>
-          <p:cNvPr id="55" name="그림 46"/>
+          <p:cNvPr id="59" name="그림 32"/>
           <p:cNvPicPr>
             <a:picLocks noChangeAspect="1"/>
           </p:cNvPicPr>
@@ -8056,18 +8227,16 @@
         </p:blipFill>
         <p:spPr>
           <a:xfrm rot="0">
-            <a:off x="1229360" y="3281680"/>
-            <a:ext cx="4122420" cy="1256665"/>
-          </a:xfrm>
-          <a:prstGeom prst="roundRect"/>
-          <a:solidFill>
-            <a:srgbClr val="EDEDED"/>
-          </a:solidFill>
+            <a:off x="2950845" y="1336675"/>
+            <a:ext cx="2409825" cy="3340100"/>
+          </a:xfrm>
+          <a:prstGeom prst="rect"/>
+          <a:noFill/>
         </p:spPr>
       </p:pic>
       <p:pic>
         <p:nvPicPr>
-          <p:cNvPr id="56" name="그림 49"/>
+          <p:cNvPr id="60" name="그림 35"/>
           <p:cNvPicPr>
             <a:picLocks noChangeAspect="1"/>
           </p:cNvPicPr>
@@ -8087,79 +8256,54 @@
         </p:blipFill>
         <p:spPr>
           <a:xfrm rot="0">
-            <a:off x="1229360" y="1393190"/>
-            <a:ext cx="4140200" cy="1586230"/>
-          </a:xfrm>
-          <a:prstGeom prst="roundRect"/>
-          <a:solidFill>
-            <a:srgbClr val="EDEDED"/>
-          </a:solidFill>
+            <a:off x="1204595" y="1331595"/>
+            <a:ext cx="1505585" cy="3335655"/>
+          </a:xfrm>
+          <a:prstGeom prst="rect"/>
+          <a:noFill/>
         </p:spPr>
       </p:pic>
-      <p:sp>
-        <p:nvSpPr>
-          <p:cNvPr id="57" name="텍스트 상자 59"/>
-          <p:cNvSpPr txBox="1">
-            <a:spLocks/>
-          </p:cNvSpPr>
-          <p:nvPr/>
-        </p:nvSpPr>
-        <p:spPr>
-          <a:xfrm rot="0">
-            <a:off x="6555105" y="4460875"/>
-            <a:ext cx="4200525" cy="1231265"/>
-          </a:xfrm>
-          <a:prstGeom prst="rect"/>
-          <a:noFill/>
-          <a:ln w="0">
-            <a:noFill/>
-            <a:prstDash/>
-          </a:ln>
-        </p:spPr>
-        <p:txBody>
-          <a:bodyPr wrap="square" lIns="89535" tIns="46355" rIns="89535" bIns="46355" numCol="1" vert="horz" anchor="t">
-            <a:spAutoFit/>
-          </a:bodyPr>
-          <a:lstStyle/>
-          <a:p>
-            <a:pPr marL="0" indent="0" rtl="0" algn="l" defTabSz="914400" eaLnBrk="1" latinLnBrk="0" hangingPunct="1">
-              <a:buFontTx/>
-              <a:buNone/>
-            </a:pPr>
-            <a:r>
-              <a:rPr lang="ko-KR" sz="2000" b="1">
-                <a:solidFill>
-                  <a:srgbClr val="0611F2"/>
-                </a:solidFill>
-                <a:latin typeface="맑은 고딕" charset="0"/>
-                <a:ea typeface="맑은 고딕" charset="0"/>
-              </a:rPr>
-              <a:t>23. </a:t>
-            </a:r>
-            <a:r>
-              <a:rPr lang="ko-KR" sz="1800">
-                <a:latin typeface="맑은 고딕" charset="0"/>
-                <a:ea typeface="맑은 고딕" charset="0"/>
-              </a:rPr>
-              <a:t>그다음 로그인이 성공했을 때 게임 버전과 지역 그리고 유저 이름을 설정하고 씬을 이동할 수 있는 함수를 생성합니다.</a:t>
-            </a:r>
-            <a:endParaRPr lang="ko-KR" altLang="en-US" sz="1800">
-              <a:latin typeface="맑은 고딕" charset="0"/>
-              <a:ea typeface="맑은 고딕" charset="0"/>
-            </a:endParaRPr>
-          </a:p>
-        </p:txBody>
-      </p:sp>
       <p:pic>
         <p:nvPicPr>
-          <p:cNvPr id="58" name="그림 60"/>
+          <p:cNvPr id="61" name="그림 37"/>
           <p:cNvPicPr>
             <a:picLocks noChangeAspect="1"/>
           </p:cNvPicPr>
           <p:nvPr/>
         </p:nvPicPr>
         <p:blipFill rotWithShape="1">
-          <a:blip r:embed="rId4" cstate="print">
+          <a:blip r:embed="rId4" cstate="hqprint">
+            <a:extLst>
+              <a:ext uri="{28A0092B-C50C-407E-A947-70E740481C1C}">
+                <a14:useLocalDpi xmlns:a14="http://schemas.microsoft.com/office/drawing/2010/main"/>
+              </a:ext>
+            </a:extLst>
+          </a:blip>
+          <a:stretch>
+            <a:fillRect/>
+          </a:stretch>
+        </p:blipFill>
+        <p:spPr>
+          <a:xfrm rot="0">
+            <a:off x="6863715" y="1329690"/>
+            <a:ext cx="1891665" cy="2559685"/>
+          </a:xfrm>
+          <a:prstGeom prst="roundRect"/>
+          <a:solidFill>
+            <a:srgbClr val="EDEDED"/>
+          </a:solidFill>
+        </p:spPr>
+      </p:pic>
+      <p:pic>
+        <p:nvPicPr>
+          <p:cNvPr id="62" name="그림 38"/>
+          <p:cNvPicPr>
+            <a:picLocks noChangeAspect="1"/>
+          </p:cNvPicPr>
+          <p:nvPr/>
+        </p:nvPicPr>
+        <p:blipFill rotWithShape="1">
+          <a:blip r:embed="rId5" cstate="print">
             <a:extLst>
               <a:ext uri="{28A0092B-C50C-407E-A947-70E740481C1C}">
                 <a14:useLocalDpi xmlns:a14="http://schemas.microsoft.com/office/drawing/2010/main" val="0"/>
@@ -8172,13 +8316,82 @@
         </p:blipFill>
         <p:spPr>
           <a:xfrm rot="0">
-            <a:off x="6563995" y="1343025"/>
-            <a:ext cx="4192905" cy="2943860"/>
-          </a:xfrm>
-          <a:prstGeom prst="rect"/>
-          <a:noFill/>
+            <a:off x="9620250" y="3100070"/>
+            <a:ext cx="890270" cy="796925"/>
+          </a:xfrm>
+          <a:prstGeom prst="roundRect"/>
+          <a:solidFill>
+            <a:srgbClr val="EDEDED"/>
+          </a:solidFill>
         </p:spPr>
       </p:pic>
+      <p:pic>
+        <p:nvPicPr>
+          <p:cNvPr id="63" name="그림 42"/>
+          <p:cNvPicPr>
+            <a:picLocks noChangeAspect="1"/>
+          </p:cNvPicPr>
+          <p:nvPr/>
+        </p:nvPicPr>
+        <p:blipFill rotWithShape="1">
+          <a:blip r:embed="rId6" cstate="print">
+            <a:extLst>
+              <a:ext uri="{28A0092B-C50C-407E-A947-70E740481C1C}">
+                <a14:useLocalDpi xmlns:a14="http://schemas.microsoft.com/office/drawing/2010/main" val="0"/>
+              </a:ext>
+            </a:extLst>
+          </a:blip>
+          <a:stretch>
+            <a:fillRect/>
+          </a:stretch>
+        </p:blipFill>
+        <p:spPr>
+          <a:xfrm rot="0">
+            <a:off x="9170035" y="1331595"/>
+            <a:ext cx="1784350" cy="1390015"/>
+          </a:xfrm>
+          <a:prstGeom prst="roundRect"/>
+          <a:solidFill>
+            <a:srgbClr val="EDEDED"/>
+          </a:solidFill>
+        </p:spPr>
+      </p:pic>
+      <p:cxnSp>
+        <p:nvCxnSpPr>
+          <p:cNvPr id="64" name="도형 45"/>
+          <p:cNvCxnSpPr>
+            <a:stCxn id="62" idx="0"/>
+            <a:endCxn id="63" idx="2"/>
+          </p:cNvCxnSpPr>
+          <p:nvPr/>
+        </p:nvCxnSpPr>
+        <p:spPr>
+          <a:xfrm rot="0" flipH="1" flipV="1">
+            <a:off x="10061575" y="2720975"/>
+            <a:ext cx="3810" cy="379730"/>
+          </a:xfrm>
+          <a:prstGeom prst="straightConnector1"/>
+          <a:ln w="6350" cap="flat" cmpd="sng">
+            <a:prstDash/>
+            <a:headEnd type="none" w="med" len="med"/>
+            <a:tailEnd type="triangle" w="med" len="med"/>
+          </a:ln>
+        </p:spPr>
+        <p:style>
+          <a:lnRef idx="1">
+            <a:schemeClr val="accent1"/>
+          </a:lnRef>
+          <a:fillRef idx="0">
+            <a:schemeClr val="accent1"/>
+          </a:fillRef>
+          <a:effectRef idx="0">
+            <a:schemeClr val="accent1"/>
+          </a:effectRef>
+          <a:fontRef idx="minor">
+            <a:schemeClr val="tx1"/>
+          </a:fontRef>
+        </p:style>
+      </p:cxnSp>
     </p:spTree>
   </p:cSld>
   <p:clrMapOvr>
@@ -8266,8 +8479,8 @@
         </p:nvSpPr>
         <p:spPr>
           <a:xfrm rot="0">
-            <a:off x="4334510" y="467995"/>
-            <a:ext cx="3520440" cy="554990"/>
+            <a:off x="4342765" y="467995"/>
+            <a:ext cx="3580130" cy="554990"/>
           </a:xfrm>
           <a:prstGeom prst="rect"/>
           <a:noFill/>
@@ -8291,14 +8504,21 @@
                 <a:latin typeface="맑은 고딕" charset="0"/>
                 <a:ea typeface="맑은 고딕" charset="0"/>
               </a:rPr>
-              <a:t>열한 </a:t>
+              <a:t>열</a:t>
             </a:r>
             <a:r>
               <a:rPr lang="ko-KR" sz="3000" b="1">
                 <a:latin typeface="맑은 고딕" charset="0"/>
                 <a:ea typeface="맑은 고딕" charset="0"/>
               </a:rPr>
-              <a:t>번째 튜토리얼</a:t>
+              <a:t>한</a:t>
+            </a:r>
+            <a:r>
+              <a:rPr lang="ko-KR" sz="3000" b="1">
+                <a:latin typeface="맑은 고딕" charset="0"/>
+                <a:ea typeface="맑은 고딕" charset="0"/>
+              </a:rPr>
+              <a:t> 번째 튜토리얼</a:t>
             </a:r>
             <a:r>
               <a:rPr sz="3000" b="1">
@@ -8316,7 +8536,7 @@
       </p:sp>
       <p:sp>
         <p:nvSpPr>
-          <p:cNvPr id="57" name="텍스트 상자 57"/>
+          <p:cNvPr id="48" name="Rect 0"/>
           <p:cNvSpPr txBox="1">
             <a:spLocks/>
           </p:cNvSpPr>
@@ -8324,8 +8544,8 @@
         </p:nvSpPr>
         <p:spPr>
           <a:xfrm rot="0">
-            <a:off x="6797675" y="3568065"/>
-            <a:ext cx="4140200" cy="2616200"/>
+            <a:off x="1229995" y="4734560"/>
+            <a:ext cx="4130675" cy="954405"/>
           </a:xfrm>
           <a:prstGeom prst="rect"/>
           <a:noFill/>
@@ -8352,7 +8572,7 @@
                 <a:latin typeface="맑은 고딕" charset="0"/>
                 <a:ea typeface="맑은 고딕" charset="0"/>
               </a:rPr>
-              <a:t>25.</a:t>
+              <a:t>22.</a:t>
             </a:r>
             <a:r>
               <a:rPr lang="ko-KR" sz="2000">
@@ -8369,55 +8589,28 @@
                 <a:latin typeface="맑은 고딕" charset="0"/>
                 <a:ea typeface="맑은 고딕" charset="0"/>
               </a:rPr>
-              <a:t>그다음 회원가입을 하기 위한 함수를 생성하고 RegisterPlayFabUserRequest 클래스에서 Email과 비밀번호 그리고 유저 이름을 입력해서 저장합니다.</a:t>
+              <a:t>Photon Setting 스크립트에서 입 력을 받기 위해 InputField 변수를 여러 개 생성합니다.</a:t>
             </a:r>
             <a:endParaRPr lang="ko-KR" altLang="en-US" sz="1800">
               <a:latin typeface="맑은 고딕" charset="0"/>
               <a:ea typeface="맑은 고딕" charset="0"/>
             </a:endParaRPr>
           </a:p>
-          <a:p>
-            <a:pPr marL="0" indent="0" rtl="0" algn="l" defTabSz="914400" eaLnBrk="1" latinLnBrk="0" hangingPunct="1">
-              <a:buFontTx/>
-              <a:buNone/>
-            </a:pPr>
-            <a:endParaRPr lang="ko-KR" altLang="en-US" sz="1800">
-              <a:latin typeface="맑은 고딕" charset="0"/>
-              <a:ea typeface="맑은 고딕" charset="0"/>
-            </a:endParaRPr>
-          </a:p>
-          <a:p>
-            <a:pPr marL="0" indent="0" rtl="0" algn="l" defTabSz="914400" eaLnBrk="1" latinLnBrk="0" hangingPunct="1">
-              <a:buFontTx/>
-              <a:buNone/>
-            </a:pPr>
-            <a:r>
-              <a:rPr lang="ko-KR" sz="1800">
-                <a:latin typeface="맑은 고딕" charset="0"/>
-                <a:ea typeface="맑은 고딕" charset="0"/>
-              </a:rPr>
-              <a:t>그런 다음 RegosterPlayFabUser 라는 함수에서 회원가입의 여부를 확인합니다.</a:t>
-            </a:r>
-            <a:endParaRPr lang="ko-KR" altLang="en-US" sz="1800">
-              <a:latin typeface="맑은 고딕" charset="0"/>
-              <a:ea typeface="맑은 고딕" charset="0"/>
-            </a:endParaRPr>
-          </a:p>
         </p:txBody>
       </p:sp>
       <p:pic>
         <p:nvPicPr>
-          <p:cNvPr id="58" name="그림 58" descr="C:/Users/Admin1/AppData/Roaming/PolarisOffice/ETemp/6432_22183288/fImage648723249718.png"/>
+          <p:cNvPr id="55" name="그림 46"/>
           <p:cNvPicPr>
             <a:picLocks noChangeAspect="1"/>
           </p:cNvPicPr>
           <p:nvPr/>
         </p:nvPicPr>
         <p:blipFill rotWithShape="1">
-          <a:blip r:embed="rId2" cstate="hqprint">
+          <a:blip r:embed="rId2" cstate="print">
             <a:extLst>
               <a:ext uri="{28A0092B-C50C-407E-A947-70E740481C1C}">
-                <a14:useLocalDpi xmlns:a14="http://schemas.microsoft.com/office/drawing/2010/main"/>
+                <a14:useLocalDpi xmlns:a14="http://schemas.microsoft.com/office/drawing/2010/main" val="0"/>
               </a:ext>
             </a:extLst>
           </a:blip>
@@ -8427,90 +8620,28 @@
         </p:blipFill>
         <p:spPr>
           <a:xfrm rot="0">
-            <a:off x="6797675" y="1395095"/>
-            <a:ext cx="4141470" cy="2105025"/>
-          </a:xfrm>
-          <a:prstGeom prst="rect"/>
-          <a:noFill/>
+            <a:off x="1229360" y="3281680"/>
+            <a:ext cx="4122420" cy="1256665"/>
+          </a:xfrm>
+          <a:prstGeom prst="roundRect"/>
+          <a:solidFill>
+            <a:srgbClr val="EDEDED"/>
+          </a:solidFill>
         </p:spPr>
       </p:pic>
-      <p:sp>
-        <p:nvSpPr>
-          <p:cNvPr id="59" name="텍스트 상자 64"/>
-          <p:cNvSpPr txBox="1">
-            <a:spLocks/>
-          </p:cNvSpPr>
-          <p:nvPr/>
-        </p:nvSpPr>
-        <p:spPr>
-          <a:xfrm rot="0">
-            <a:off x="1229995" y="5235575"/>
-            <a:ext cx="4131310" cy="955040"/>
-          </a:xfrm>
-          <a:prstGeom prst="rect"/>
-          <a:noFill/>
-          <a:ln w="0">
-            <a:noFill/>
-            <a:prstDash/>
-          </a:ln>
-        </p:spPr>
-        <p:txBody>
-          <a:bodyPr wrap="square" lIns="89535" tIns="46355" rIns="89535" bIns="46355" numCol="1" vert="horz" anchor="t">
-            <a:spAutoFit/>
-          </a:bodyPr>
-          <a:lstStyle/>
-          <a:p>
-            <a:pPr marL="0" indent="0" rtl="0" algn="l" defTabSz="914400" eaLnBrk="1" latinLnBrk="0" hangingPunct="1">
-              <a:buFontTx/>
-              <a:buNone/>
-            </a:pPr>
-            <a:r>
-              <a:rPr lang="ko-KR" sz="2000" b="1">
-                <a:solidFill>
-                  <a:srgbClr val="0611F2"/>
-                </a:solidFill>
-                <a:latin typeface="맑은 고딕" charset="0"/>
-                <a:ea typeface="맑은 고딕" charset="0"/>
-              </a:rPr>
-              <a:t>24.</a:t>
-            </a:r>
-            <a:r>
-              <a:rPr lang="ko-KR" sz="2000">
-                <a:solidFill>
-                  <a:srgbClr val="0611F2"/>
-                </a:solidFill>
-                <a:latin typeface="맑은 고딕" charset="0"/>
-                <a:ea typeface="맑은 고딕" charset="0"/>
-              </a:rPr>
-              <a:t> </a:t>
-            </a:r>
-            <a:r>
-              <a:rPr lang="ko-KR" sz="1800">
-                <a:latin typeface="맑은 고딕" charset="0"/>
-                <a:ea typeface="맑은 고딕" charset="0"/>
-              </a:rPr>
-              <a:t>그리고 로그인이 실패했을 때 그리고 회원가입이 성공했을 때와 실패했을 때의 함수를 생성합니다.</a:t>
-            </a:r>
-            <a:endParaRPr lang="ko-KR" altLang="en-US" sz="1800">
-              <a:latin typeface="맑은 고딕" charset="0"/>
-              <a:ea typeface="맑은 고딕" charset="0"/>
-            </a:endParaRPr>
-          </a:p>
-        </p:txBody>
-      </p:sp>
       <p:pic>
         <p:nvPicPr>
-          <p:cNvPr id="60" name="그림 65" descr="C:/Users/Admin1/AppData/Roaming/PolarisOffice/ETemp/6432_22183288/fImage430523409895.png"/>
+          <p:cNvPr id="56" name="그림 49"/>
           <p:cNvPicPr>
             <a:picLocks noChangeAspect="1"/>
           </p:cNvPicPr>
           <p:nvPr/>
         </p:nvPicPr>
         <p:blipFill rotWithShape="1">
-          <a:blip r:embed="rId3" cstate="hqprint">
+          <a:blip r:embed="rId3" cstate="print">
             <a:extLst>
               <a:ext uri="{28A0092B-C50C-407E-A947-70E740481C1C}">
-                <a14:useLocalDpi xmlns:a14="http://schemas.microsoft.com/office/drawing/2010/main"/>
+                <a14:useLocalDpi xmlns:a14="http://schemas.microsoft.com/office/drawing/2010/main" val="0"/>
               </a:ext>
             </a:extLst>
           </a:blip>
@@ -8520,8 +8651,93 @@
         </p:blipFill>
         <p:spPr>
           <a:xfrm rot="0">
-            <a:off x="1228090" y="1412240"/>
-            <a:ext cx="4124960" cy="3700780"/>
+            <a:off x="1229360" y="1393190"/>
+            <a:ext cx="4140200" cy="1586230"/>
+          </a:xfrm>
+          <a:prstGeom prst="roundRect"/>
+          <a:solidFill>
+            <a:srgbClr val="EDEDED"/>
+          </a:solidFill>
+        </p:spPr>
+      </p:pic>
+      <p:sp>
+        <p:nvSpPr>
+          <p:cNvPr id="57" name="텍스트 상자 59"/>
+          <p:cNvSpPr txBox="1">
+            <a:spLocks/>
+          </p:cNvSpPr>
+          <p:nvPr/>
+        </p:nvSpPr>
+        <p:spPr>
+          <a:xfrm rot="0">
+            <a:off x="6555105" y="4460875"/>
+            <a:ext cx="4200525" cy="1231265"/>
+          </a:xfrm>
+          <a:prstGeom prst="rect"/>
+          <a:noFill/>
+          <a:ln w="0">
+            <a:noFill/>
+            <a:prstDash/>
+          </a:ln>
+        </p:spPr>
+        <p:txBody>
+          <a:bodyPr wrap="square" lIns="89535" tIns="46355" rIns="89535" bIns="46355" numCol="1" vert="horz" anchor="t">
+            <a:spAutoFit/>
+          </a:bodyPr>
+          <a:lstStyle/>
+          <a:p>
+            <a:pPr marL="0" indent="0" rtl="0" algn="l" defTabSz="914400" eaLnBrk="1" latinLnBrk="0" hangingPunct="1">
+              <a:buFontTx/>
+              <a:buNone/>
+            </a:pPr>
+            <a:r>
+              <a:rPr lang="ko-KR" sz="2000" b="1">
+                <a:solidFill>
+                  <a:srgbClr val="0611F2"/>
+                </a:solidFill>
+                <a:latin typeface="맑은 고딕" charset="0"/>
+                <a:ea typeface="맑은 고딕" charset="0"/>
+              </a:rPr>
+              <a:t>23. </a:t>
+            </a:r>
+            <a:r>
+              <a:rPr lang="ko-KR" sz="1800">
+                <a:latin typeface="맑은 고딕" charset="0"/>
+                <a:ea typeface="맑은 고딕" charset="0"/>
+              </a:rPr>
+              <a:t>그다음 로그인이 성공했을 때 게임 버전과 지역 그리고 유저 이름을 설정하고 씬을 이동할 수 있는 함수를 생성합니다.</a:t>
+            </a:r>
+            <a:endParaRPr lang="ko-KR" altLang="en-US" sz="1800">
+              <a:latin typeface="맑은 고딕" charset="0"/>
+              <a:ea typeface="맑은 고딕" charset="0"/>
+            </a:endParaRPr>
+          </a:p>
+        </p:txBody>
+      </p:sp>
+      <p:pic>
+        <p:nvPicPr>
+          <p:cNvPr id="58" name="그림 60"/>
+          <p:cNvPicPr>
+            <a:picLocks noChangeAspect="1"/>
+          </p:cNvPicPr>
+          <p:nvPr/>
+        </p:nvPicPr>
+        <p:blipFill rotWithShape="1">
+          <a:blip r:embed="rId4" cstate="print">
+            <a:extLst>
+              <a:ext uri="{28A0092B-C50C-407E-A947-70E740481C1C}">
+                <a14:useLocalDpi xmlns:a14="http://schemas.microsoft.com/office/drawing/2010/main" val="0"/>
+              </a:ext>
+            </a:extLst>
+          </a:blip>
+          <a:stretch>
+            <a:fillRect/>
+          </a:stretch>
+        </p:blipFill>
+        <p:spPr>
+          <a:xfrm rot="0">
+            <a:off x="6563995" y="1343025"/>
+            <a:ext cx="4192905" cy="2943860"/>
           </a:xfrm>
           <a:prstGeom prst="rect"/>
           <a:noFill/>
@@ -8613,9 +8829,9 @@
           <p:nvPr/>
         </p:nvSpPr>
         <p:spPr>
-          <a:xfrm rot="0">
+          <a:xfrm>
             <a:off x="4334510" y="467995"/>
-            <a:ext cx="3520440" cy="554990"/>
+            <a:ext cx="3521075" cy="554990"/>
           </a:xfrm>
           <a:prstGeom prst="rect"/>
           <a:noFill/>
@@ -8639,14 +8855,21 @@
                 <a:latin typeface="맑은 고딕" charset="0"/>
                 <a:ea typeface="맑은 고딕" charset="0"/>
               </a:rPr>
-              <a:t>열두 </a:t>
+              <a:t>열</a:t>
             </a:r>
             <a:r>
               <a:rPr lang="ko-KR" sz="3000" b="1">
                 <a:latin typeface="맑은 고딕" charset="0"/>
                 <a:ea typeface="맑은 고딕" charset="0"/>
               </a:rPr>
-              <a:t>번째 튜토리얼</a:t>
+              <a:t>두</a:t>
+            </a:r>
+            <a:r>
+              <a:rPr lang="ko-KR" sz="3000" b="1">
+                <a:latin typeface="맑은 고딕" charset="0"/>
+                <a:ea typeface="맑은 고딕" charset="0"/>
+              </a:rPr>
+              <a:t> 번째 튜토리얼</a:t>
             </a:r>
             <a:r>
               <a:rPr sz="3000" b="1">
@@ -8664,7 +8887,7 @@
       </p:sp>
       <p:sp>
         <p:nvSpPr>
-          <p:cNvPr id="57" name="Rect 0"/>
+          <p:cNvPr id="57" name="텍스트 상자 57"/>
           <p:cNvSpPr txBox="1">
             <a:spLocks/>
           </p:cNvSpPr>
@@ -8672,8 +8895,8 @@
         </p:nvSpPr>
         <p:spPr>
           <a:xfrm rot="0">
-            <a:off x="6797675" y="4789170"/>
-            <a:ext cx="4139565" cy="954405"/>
+            <a:off x="6797675" y="3568065"/>
+            <a:ext cx="4140200" cy="2616200"/>
           </a:xfrm>
           <a:prstGeom prst="rect"/>
           <a:noFill/>
@@ -8700,7 +8923,7 @@
                 <a:latin typeface="맑은 고딕" charset="0"/>
                 <a:ea typeface="맑은 고딕" charset="0"/>
               </a:rPr>
-              <a:t>27.</a:t>
+              <a:t>25.</a:t>
             </a:r>
             <a:r>
               <a:rPr lang="ko-KR" sz="2000">
@@ -8717,92 +8940,55 @@
                 <a:latin typeface="맑은 고딕" charset="0"/>
                 <a:ea typeface="맑은 고딕" charset="0"/>
               </a:rPr>
-              <a:t>그다음 빈 게임 오브젝트(Photon Setting)에 있는 스크립트에 각각의 InputField를 넣어줍니다. </a:t>
+              <a:t>그다음 회원가입을 하기 위한 함수를 생성하고 RegisterPlayFabUserRequest 클래스에서 Email과 비밀번호 그리고 유저 이름을 입력해서 저장합니다.</a:t>
             </a:r>
             <a:endParaRPr lang="ko-KR" altLang="en-US" sz="1800">
               <a:latin typeface="맑은 고딕" charset="0"/>
               <a:ea typeface="맑은 고딕" charset="0"/>
             </a:endParaRPr>
           </a:p>
-        </p:txBody>
-      </p:sp>
-      <p:sp>
-        <p:nvSpPr>
-          <p:cNvPr id="60" name="텍스트 상자 62"/>
-          <p:cNvSpPr txBox="1">
-            <a:spLocks/>
-          </p:cNvSpPr>
-          <p:nvPr/>
-        </p:nvSpPr>
-        <p:spPr>
-          <a:xfrm rot="0">
-            <a:off x="1212215" y="4509135"/>
-            <a:ext cx="4148455" cy="1231265"/>
-          </a:xfrm>
-          <a:prstGeom prst="rect"/>
-          <a:noFill/>
-          <a:ln w="0">
-            <a:noFill/>
-            <a:prstDash/>
-          </a:ln>
-        </p:spPr>
-        <p:txBody>
-          <a:bodyPr wrap="square" lIns="89535" tIns="46355" rIns="89535" bIns="46355" numCol="1" vert="horz" anchor="t">
-            <a:spAutoFit/>
-          </a:bodyPr>
-          <a:lstStyle/>
           <a:p>
             <a:pPr marL="0" indent="0" rtl="0" algn="l" defTabSz="914400" eaLnBrk="1" latinLnBrk="0" hangingPunct="1">
               <a:buFontTx/>
               <a:buNone/>
             </a:pPr>
-            <a:r>
-              <a:rPr lang="ko-KR" sz="2000" b="1">
-                <a:solidFill>
-                  <a:srgbClr val="0611F2"/>
-                </a:solidFill>
-                <a:latin typeface="맑은 고딕" charset="0"/>
-                <a:ea typeface="맑은 고딕" charset="0"/>
-              </a:rPr>
-              <a:t>26.</a:t>
-            </a:r>
-            <a:r>
-              <a:rPr lang="ko-KR" sz="2000">
-                <a:solidFill>
-                  <a:srgbClr val="0611F2"/>
-                </a:solidFill>
-                <a:latin typeface="맑은 고딕" charset="0"/>
-                <a:ea typeface="맑은 고딕" charset="0"/>
-              </a:rPr>
-              <a:t> </a:t>
-            </a:r>
-            <a:r>
-              <a:rPr lang="ko-KR" sz="1800">
-                <a:latin typeface="맑은 고딕" charset="0"/>
-                <a:ea typeface="맑은 고딕" charset="0"/>
-              </a:rPr>
-              <a:t>그리고 로그인에 대한 정보를 입력받고 로그인의 여부를 설정하는 LoginWithEmailAddress 라는 함수로 로그인할 수 있는 여부를 설정합니다.</a:t>
-            </a:r>
             <a:endParaRPr lang="ko-KR" altLang="en-US" sz="1800">
               <a:latin typeface="맑은 고딕" charset="0"/>
               <a:ea typeface="맑은 고딕" charset="0"/>
             </a:endParaRPr>
           </a:p>
+          <a:p>
+            <a:pPr marL="0" indent="0" rtl="0" algn="l" defTabSz="914400" eaLnBrk="1" latinLnBrk="0" hangingPunct="1">
+              <a:buFontTx/>
+              <a:buNone/>
+            </a:pPr>
+            <a:r>
+              <a:rPr lang="ko-KR" sz="1800">
+                <a:latin typeface="맑은 고딕" charset="0"/>
+                <a:ea typeface="맑은 고딕" charset="0"/>
+              </a:rPr>
+              <a:t>그런 다음 RegosterPlayFabUser 라는 함수에서 회원가입의 여부를 확인합니다.</a:t>
+            </a:r>
+            <a:endParaRPr lang="ko-KR" altLang="en-US" sz="1800">
+              <a:latin typeface="맑은 고딕" charset="0"/>
+              <a:ea typeface="맑은 고딕" charset="0"/>
+            </a:endParaRPr>
+          </a:p>
         </p:txBody>
       </p:sp>
       <p:pic>
         <p:nvPicPr>
-          <p:cNvPr id="61" name="그림 63"/>
+          <p:cNvPr id="58" name="그림 58"/>
           <p:cNvPicPr>
             <a:picLocks noChangeAspect="1"/>
           </p:cNvPicPr>
           <p:nvPr/>
         </p:nvPicPr>
         <p:blipFill rotWithShape="1">
-          <a:blip r:embed="rId2" cstate="print">
+          <a:blip r:embed="rId2" cstate="hqprint">
             <a:extLst>
               <a:ext uri="{28A0092B-C50C-407E-A947-70E740481C1C}">
-                <a14:useLocalDpi xmlns:a14="http://schemas.microsoft.com/office/drawing/2010/main" val="0"/>
+                <a14:useLocalDpi xmlns:a14="http://schemas.microsoft.com/office/drawing/2010/main"/>
               </a:ext>
             </a:extLst>
           </a:blip>
@@ -8812,26 +8998,90 @@
         </p:blipFill>
         <p:spPr>
           <a:xfrm rot="0">
-            <a:off x="1219200" y="1333500"/>
-            <a:ext cx="4150360" cy="2979420"/>
+            <a:off x="6797675" y="1395095"/>
+            <a:ext cx="4141470" cy="2105025"/>
           </a:xfrm>
           <a:prstGeom prst="rect"/>
           <a:noFill/>
         </p:spPr>
       </p:pic>
+      <p:sp>
+        <p:nvSpPr>
+          <p:cNvPr id="59" name="텍스트 상자 64"/>
+          <p:cNvSpPr txBox="1">
+            <a:spLocks/>
+          </p:cNvSpPr>
+          <p:nvPr/>
+        </p:nvSpPr>
+        <p:spPr>
+          <a:xfrm rot="0">
+            <a:off x="1229995" y="5235575"/>
+            <a:ext cx="4131310" cy="955040"/>
+          </a:xfrm>
+          <a:prstGeom prst="rect"/>
+          <a:noFill/>
+          <a:ln w="0">
+            <a:noFill/>
+            <a:prstDash/>
+          </a:ln>
+        </p:spPr>
+        <p:txBody>
+          <a:bodyPr wrap="square" lIns="89535" tIns="46355" rIns="89535" bIns="46355" numCol="1" vert="horz" anchor="t">
+            <a:spAutoFit/>
+          </a:bodyPr>
+          <a:lstStyle/>
+          <a:p>
+            <a:pPr marL="0" indent="0" rtl="0" algn="l" defTabSz="914400" eaLnBrk="1" latinLnBrk="0" hangingPunct="1">
+              <a:buFontTx/>
+              <a:buNone/>
+            </a:pPr>
+            <a:r>
+              <a:rPr lang="ko-KR" sz="2000" b="1">
+                <a:solidFill>
+                  <a:srgbClr val="0611F2"/>
+                </a:solidFill>
+                <a:latin typeface="맑은 고딕" charset="0"/>
+                <a:ea typeface="맑은 고딕" charset="0"/>
+              </a:rPr>
+              <a:t>24.</a:t>
+            </a:r>
+            <a:r>
+              <a:rPr lang="ko-KR" sz="2000">
+                <a:solidFill>
+                  <a:srgbClr val="0611F2"/>
+                </a:solidFill>
+                <a:latin typeface="맑은 고딕" charset="0"/>
+                <a:ea typeface="맑은 고딕" charset="0"/>
+              </a:rPr>
+              <a:t> </a:t>
+            </a:r>
+            <a:r>
+              <a:rPr lang="ko-KR" sz="1800">
+                <a:latin typeface="맑은 고딕" charset="0"/>
+                <a:ea typeface="맑은 고딕" charset="0"/>
+              </a:rPr>
+              <a:t>그리고 로그인이 실패했을 때 그리고 회원가입이 성공했을 때와 실패했을 때의 함수를 생성합니다.</a:t>
+            </a:r>
+            <a:endParaRPr lang="ko-KR" altLang="en-US" sz="1800">
+              <a:latin typeface="맑은 고딕" charset="0"/>
+              <a:ea typeface="맑은 고딕" charset="0"/>
+            </a:endParaRPr>
+          </a:p>
+        </p:txBody>
+      </p:sp>
       <p:pic>
         <p:nvPicPr>
-          <p:cNvPr id="62" name="그림 66"/>
+          <p:cNvPr id="60" name="그림 65"/>
           <p:cNvPicPr>
             <a:picLocks noChangeAspect="1"/>
           </p:cNvPicPr>
           <p:nvPr/>
         </p:nvPicPr>
         <p:blipFill rotWithShape="1">
-          <a:blip r:embed="rId3" cstate="print">
+          <a:blip r:embed="rId3" cstate="hqprint">
             <a:extLst>
               <a:ext uri="{28A0092B-C50C-407E-A947-70E740481C1C}">
-                <a14:useLocalDpi xmlns:a14="http://schemas.microsoft.com/office/drawing/2010/main" val="0"/>
+                <a14:useLocalDpi xmlns:a14="http://schemas.microsoft.com/office/drawing/2010/main"/>
               </a:ext>
             </a:extLst>
           </a:blip>
@@ -8841,174 +9091,13 @@
         </p:blipFill>
         <p:spPr>
           <a:xfrm rot="0">
-            <a:off x="6794500" y="1335405"/>
-            <a:ext cx="2385060" cy="3373755"/>
+            <a:off x="1228090" y="1412240"/>
+            <a:ext cx="4124960" cy="3700780"/>
           </a:xfrm>
           <a:prstGeom prst="rect"/>
           <a:noFill/>
         </p:spPr>
       </p:pic>
-      <p:pic>
-        <p:nvPicPr>
-          <p:cNvPr id="63" name="그림 67"/>
-          <p:cNvPicPr>
-            <a:picLocks noChangeAspect="1"/>
-          </p:cNvPicPr>
-          <p:nvPr/>
-        </p:nvPicPr>
-        <p:blipFill rotWithShape="1">
-          <a:blip r:embed="rId4" cstate="print">
-            <a:extLst>
-              <a:ext uri="{28A0092B-C50C-407E-A947-70E740481C1C}">
-                <a14:useLocalDpi xmlns:a14="http://schemas.microsoft.com/office/drawing/2010/main" val="0"/>
-              </a:ext>
-            </a:extLst>
-          </a:blip>
-          <a:stretch>
-            <a:fillRect/>
-          </a:stretch>
-        </p:blipFill>
-        <p:spPr>
-          <a:xfrm rot="0">
-            <a:off x="9430385" y="1331595"/>
-            <a:ext cx="1505585" cy="3379470"/>
-          </a:xfrm>
-          <a:prstGeom prst="rect"/>
-          <a:noFill/>
-        </p:spPr>
-      </p:pic>
-      <p:cxnSp>
-        <p:nvCxnSpPr>
-          <p:cNvPr id="64" name="도형 68"/>
-          <p:cNvCxnSpPr/>
-          <p:nvPr/>
-        </p:nvCxnSpPr>
-        <p:spPr>
-          <a:xfrm rot="0" flipH="1">
-            <a:off x="9109710" y="2424430"/>
-            <a:ext cx="606425" cy="1680845"/>
-          </a:xfrm>
-          <a:prstGeom prst="straightConnector1"/>
-          <a:ln w="6350" cap="flat" cmpd="sng">
-            <a:prstDash/>
-            <a:headEnd type="none" w="med" len="med"/>
-            <a:tailEnd type="triangle" w="med" len="med"/>
-          </a:ln>
-        </p:spPr>
-        <p:style>
-          <a:lnRef idx="1">
-            <a:schemeClr val="accent1"/>
-          </a:lnRef>
-          <a:fillRef idx="0">
-            <a:schemeClr val="accent1"/>
-          </a:fillRef>
-          <a:effectRef idx="0">
-            <a:schemeClr val="accent1"/>
-          </a:effectRef>
-          <a:fontRef idx="minor">
-            <a:schemeClr val="tx1"/>
-          </a:fontRef>
-        </p:style>
-      </p:cxnSp>
-      <p:cxnSp>
-        <p:nvCxnSpPr>
-          <p:cNvPr id="65" name="도형 69"/>
-          <p:cNvCxnSpPr/>
-          <p:nvPr/>
-        </p:nvCxnSpPr>
-        <p:spPr>
-          <a:xfrm rot="0" flipH="1">
-            <a:off x="9117965" y="2233930"/>
-            <a:ext cx="607060" cy="1654810"/>
-          </a:xfrm>
-          <a:prstGeom prst="straightConnector1"/>
-          <a:ln w="6350" cap="flat" cmpd="sng">
-            <a:prstDash/>
-            <a:headEnd type="none" w="med" len="med"/>
-            <a:tailEnd type="triangle" w="med" len="med"/>
-          </a:ln>
-        </p:spPr>
-        <p:style>
-          <a:lnRef idx="1">
-            <a:schemeClr val="accent1"/>
-          </a:lnRef>
-          <a:fillRef idx="0">
-            <a:schemeClr val="accent1"/>
-          </a:fillRef>
-          <a:effectRef idx="0">
-            <a:schemeClr val="accent1"/>
-          </a:effectRef>
-          <a:fontRef idx="minor">
-            <a:schemeClr val="tx1"/>
-          </a:fontRef>
-        </p:style>
-      </p:cxnSp>
-      <p:cxnSp>
-        <p:nvCxnSpPr>
-          <p:cNvPr id="66" name="도형 70"/>
-          <p:cNvCxnSpPr/>
-          <p:nvPr/>
-        </p:nvCxnSpPr>
-        <p:spPr>
-          <a:xfrm rot="0" flipH="1">
-            <a:off x="9126855" y="2614930"/>
-            <a:ext cx="589280" cy="1724025"/>
-          </a:xfrm>
-          <a:prstGeom prst="straightConnector1"/>
-          <a:ln w="6350" cap="flat" cmpd="sng">
-            <a:prstDash/>
-            <a:headEnd type="none" w="med" len="med"/>
-            <a:tailEnd type="triangle" w="med" len="med"/>
-          </a:ln>
-        </p:spPr>
-        <p:style>
-          <a:lnRef idx="1">
-            <a:schemeClr val="accent1"/>
-          </a:lnRef>
-          <a:fillRef idx="0">
-            <a:schemeClr val="accent1"/>
-          </a:fillRef>
-          <a:effectRef idx="0">
-            <a:schemeClr val="accent1"/>
-          </a:effectRef>
-          <a:fontRef idx="minor">
-            <a:schemeClr val="tx1"/>
-          </a:fontRef>
-        </p:style>
-      </p:cxnSp>
-      <p:cxnSp>
-        <p:nvCxnSpPr>
-          <p:cNvPr id="67" name="도형 71"/>
-          <p:cNvCxnSpPr/>
-          <p:nvPr/>
-        </p:nvCxnSpPr>
-        <p:spPr>
-          <a:xfrm rot="0" flipH="1">
-            <a:off x="9152890" y="2796540"/>
-            <a:ext cx="581025" cy="1750060"/>
-          </a:xfrm>
-          <a:prstGeom prst="straightConnector1"/>
-          <a:ln w="6350" cap="flat" cmpd="sng">
-            <a:prstDash/>
-            <a:headEnd type="none" w="med" len="med"/>
-            <a:tailEnd type="triangle" w="med" len="med"/>
-          </a:ln>
-        </p:spPr>
-        <p:style>
-          <a:lnRef idx="1">
-            <a:schemeClr val="accent1"/>
-          </a:lnRef>
-          <a:fillRef idx="0">
-            <a:schemeClr val="accent1"/>
-          </a:fillRef>
-          <a:effectRef idx="0">
-            <a:schemeClr val="accent1"/>
-          </a:effectRef>
-          <a:fontRef idx="minor">
-            <a:schemeClr val="tx1"/>
-          </a:fontRef>
-        </p:style>
-      </p:cxnSp>
     </p:spTree>
   </p:cSld>
   <p:clrMapOvr>
@@ -9095,9 +9184,9 @@
           <p:nvPr/>
         </p:nvSpPr>
         <p:spPr>
-          <a:xfrm rot="0">
+          <a:xfrm>
             <a:off x="4334510" y="467995"/>
-            <a:ext cx="3520440" cy="554990"/>
+            <a:ext cx="3521075" cy="554990"/>
           </a:xfrm>
           <a:prstGeom prst="rect"/>
           <a:noFill/>
@@ -9121,14 +9210,21 @@
                 <a:latin typeface="맑은 고딕" charset="0"/>
                 <a:ea typeface="맑은 고딕" charset="0"/>
               </a:rPr>
-              <a:t>열세 </a:t>
+              <a:t>열</a:t>
             </a:r>
             <a:r>
               <a:rPr lang="ko-KR" sz="3000" b="1">
                 <a:latin typeface="맑은 고딕" charset="0"/>
                 <a:ea typeface="맑은 고딕" charset="0"/>
               </a:rPr>
-              <a:t>번째 튜토리얼</a:t>
+              <a:t>세</a:t>
+            </a:r>
+            <a:r>
+              <a:rPr lang="ko-KR" sz="3000" b="1">
+                <a:latin typeface="맑은 고딕" charset="0"/>
+                <a:ea typeface="맑은 고딕" charset="0"/>
+              </a:rPr>
+              <a:t> 번째 튜토리얼</a:t>
             </a:r>
             <a:r>
               <a:rPr sz="3000" b="1">
@@ -9154,8 +9250,8 @@
         </p:nvSpPr>
         <p:spPr>
           <a:xfrm rot="0">
-            <a:off x="6711315" y="4330065"/>
-            <a:ext cx="4407535" cy="954405"/>
+            <a:off x="6797675" y="4789170"/>
+            <a:ext cx="4139565" cy="954405"/>
           </a:xfrm>
           <a:prstGeom prst="rect"/>
           <a:noFill/>
@@ -9199,45 +9295,18 @@
                 <a:latin typeface="맑은 고딕" charset="0"/>
                 <a:ea typeface="맑은 고딕" charset="0"/>
               </a:rPr>
-              <a:t>그리고 함수를 추가하기 위해 PhotonSetting를 선택하시고 </a:t>
+              <a:t>그다음 빈 게임 오브젝트(Photon Setting)에 있는 스크립트에 각각의 InputField를 넣어줍니다. </a:t>
             </a:r>
             <a:endParaRPr lang="ko-KR" altLang="en-US" sz="1800">
               <a:latin typeface="맑은 고딕" charset="0"/>
               <a:ea typeface="맑은 고딕" charset="0"/>
             </a:endParaRPr>
           </a:p>
-          <a:p>
-            <a:pPr marL="0" indent="0" rtl="0" algn="l" defTabSz="914400" eaLnBrk="1" latinLnBrk="0" hangingPunct="1">
-              <a:buFontTx/>
-              <a:buNone/>
-            </a:pPr>
-            <a:r>
-              <a:rPr lang="ko-KR" sz="1800">
-                <a:solidFill>
-                  <a:srgbClr val="009900"/>
-                </a:solidFill>
-                <a:latin typeface="맑은 고딕" charset="0"/>
-                <a:ea typeface="맑은 고딕" charset="0"/>
-              </a:rPr>
-              <a:t>[ SignUp( ) ]</a:t>
-            </a:r>
-            <a:r>
-              <a:rPr lang="ko-KR" sz="1800">
-                <a:latin typeface="맑은 고딕" charset="0"/>
-                <a:ea typeface="맑은 고딕" charset="0"/>
-              </a:rPr>
-              <a:t>이라는 함수를 설정합니다. </a:t>
-            </a:r>
-            <a:endParaRPr lang="ko-KR" altLang="en-US" sz="1800">
-              <a:latin typeface="맑은 고딕" charset="0"/>
-              <a:ea typeface="맑은 고딕" charset="0"/>
-            </a:endParaRPr>
-          </a:p>
-        </p:txBody>
-      </p:sp>
-      <p:sp>
-        <p:nvSpPr>
-          <p:cNvPr id="60" name="Rect 0"/>
+        </p:txBody>
+      </p:sp>
+      <p:sp>
+        <p:nvSpPr>
+          <p:cNvPr id="60" name="텍스트 상자 62"/>
           <p:cNvSpPr txBox="1">
             <a:spLocks/>
           </p:cNvSpPr>
@@ -9245,8 +9314,8 @@
         </p:nvSpPr>
         <p:spPr>
           <a:xfrm rot="0">
-            <a:off x="1229360" y="4327525"/>
-            <a:ext cx="4148455" cy="954405"/>
+            <a:off x="1212215" y="4509135"/>
+            <a:ext cx="4148455" cy="1231265"/>
           </a:xfrm>
           <a:prstGeom prst="rect"/>
           <a:noFill/>
@@ -9273,7 +9342,7 @@
                 <a:latin typeface="맑은 고딕" charset="0"/>
                 <a:ea typeface="맑은 고딕" charset="0"/>
               </a:rPr>
-              <a:t>28.</a:t>
+              <a:t>26.</a:t>
             </a:r>
             <a:r>
               <a:rPr lang="ko-KR" sz="2000">
@@ -9290,7 +9359,7 @@
                 <a:latin typeface="맑은 고딕" charset="0"/>
                 <a:ea typeface="맑은 고딕" charset="0"/>
               </a:rPr>
-              <a:t>이제 Sign Up Button이라는 버튼 컴포넌트의 On Click 함수에 Photon Setting 오브젝트를 넣어줍니다.</a:t>
+              <a:t>그리고 로그인에 대한 정보를 입력받고 로그인의 여부를 설정하는 LoginWithEmailAddress 라는 함수로 로그인할 수 있는 여부를 설정합니다.</a:t>
             </a:r>
             <a:endParaRPr lang="ko-KR" altLang="en-US" sz="1800">
               <a:latin typeface="맑은 고딕" charset="0"/>
@@ -9301,7 +9370,7 @@
       </p:sp>
       <p:pic>
         <p:nvPicPr>
-          <p:cNvPr id="62" name="그림 73"/>
+          <p:cNvPr id="61" name="그림 63"/>
           <p:cNvPicPr>
             <a:picLocks noChangeAspect="1"/>
           </p:cNvPicPr>
@@ -9321,8 +9390,8 @@
         </p:blipFill>
         <p:spPr>
           <a:xfrm rot="0">
-            <a:off x="6708775" y="1337310"/>
-            <a:ext cx="4420235" cy="2741930"/>
+            <a:off x="1219200" y="1333500"/>
+            <a:ext cx="4150360" cy="2979420"/>
           </a:xfrm>
           <a:prstGeom prst="rect"/>
           <a:noFill/>
@@ -9330,7 +9399,7 @@
       </p:pic>
       <p:pic>
         <p:nvPicPr>
-          <p:cNvPr id="63" name="그림 75"/>
+          <p:cNvPr id="62" name="그림 66"/>
           <p:cNvPicPr>
             <a:picLocks noChangeAspect="1"/>
           </p:cNvPicPr>
@@ -9350,8 +9419,8 @@
         </p:blipFill>
         <p:spPr>
           <a:xfrm rot="0">
-            <a:off x="1230630" y="1333500"/>
-            <a:ext cx="2259965" cy="2832100"/>
+            <a:off x="6794500" y="1335405"/>
+            <a:ext cx="2385060" cy="3373755"/>
           </a:xfrm>
           <a:prstGeom prst="rect"/>
           <a:noFill/>
@@ -9359,7 +9428,7 @@
       </p:pic>
       <p:pic>
         <p:nvPicPr>
-          <p:cNvPr id="64" name="그림 76"/>
+          <p:cNvPr id="63" name="그림 67"/>
           <p:cNvPicPr>
             <a:picLocks noChangeAspect="1"/>
           </p:cNvPicPr>
@@ -9379,25 +9448,122 @@
         </p:blipFill>
         <p:spPr>
           <a:xfrm rot="0">
-            <a:off x="3776345" y="1704340"/>
-            <a:ext cx="1505585" cy="1943735"/>
-          </a:xfrm>
-          <a:prstGeom prst="roundRect"/>
-          <a:solidFill>
-            <a:srgbClr val="EDEDED"/>
-          </a:solidFill>
+            <a:off x="9430385" y="1331595"/>
+            <a:ext cx="1505585" cy="3379470"/>
+          </a:xfrm>
+          <a:prstGeom prst="rect"/>
+          <a:noFill/>
         </p:spPr>
       </p:pic>
       <p:cxnSp>
         <p:nvCxnSpPr>
-          <p:cNvPr id="65" name="도형 79"/>
+          <p:cNvPr id="64" name="도형 68"/>
           <p:cNvCxnSpPr/>
           <p:nvPr/>
         </p:nvCxnSpPr>
         <p:spPr>
           <a:xfrm rot="0" flipH="1">
-            <a:off x="1939925" y="3472180"/>
-            <a:ext cx="2087245" cy="442595"/>
+            <a:off x="9109710" y="2424430"/>
+            <a:ext cx="606425" cy="1680845"/>
+          </a:xfrm>
+          <a:prstGeom prst="straightConnector1"/>
+          <a:ln w="6350" cap="flat" cmpd="sng">
+            <a:prstDash/>
+            <a:headEnd type="none" w="med" len="med"/>
+            <a:tailEnd type="triangle" w="med" len="med"/>
+          </a:ln>
+        </p:spPr>
+        <p:style>
+          <a:lnRef idx="1">
+            <a:schemeClr val="accent1"/>
+          </a:lnRef>
+          <a:fillRef idx="0">
+            <a:schemeClr val="accent1"/>
+          </a:fillRef>
+          <a:effectRef idx="0">
+            <a:schemeClr val="accent1"/>
+          </a:effectRef>
+          <a:fontRef idx="minor">
+            <a:schemeClr val="tx1"/>
+          </a:fontRef>
+        </p:style>
+      </p:cxnSp>
+      <p:cxnSp>
+        <p:nvCxnSpPr>
+          <p:cNvPr id="65" name="도형 69"/>
+          <p:cNvCxnSpPr/>
+          <p:nvPr/>
+        </p:nvCxnSpPr>
+        <p:spPr>
+          <a:xfrm rot="0" flipH="1">
+            <a:off x="9117965" y="2233930"/>
+            <a:ext cx="607060" cy="1654810"/>
+          </a:xfrm>
+          <a:prstGeom prst="straightConnector1"/>
+          <a:ln w="6350" cap="flat" cmpd="sng">
+            <a:prstDash/>
+            <a:headEnd type="none" w="med" len="med"/>
+            <a:tailEnd type="triangle" w="med" len="med"/>
+          </a:ln>
+        </p:spPr>
+        <p:style>
+          <a:lnRef idx="1">
+            <a:schemeClr val="accent1"/>
+          </a:lnRef>
+          <a:fillRef idx="0">
+            <a:schemeClr val="accent1"/>
+          </a:fillRef>
+          <a:effectRef idx="0">
+            <a:schemeClr val="accent1"/>
+          </a:effectRef>
+          <a:fontRef idx="minor">
+            <a:schemeClr val="tx1"/>
+          </a:fontRef>
+        </p:style>
+      </p:cxnSp>
+      <p:cxnSp>
+        <p:nvCxnSpPr>
+          <p:cNvPr id="66" name="도형 70"/>
+          <p:cNvCxnSpPr/>
+          <p:nvPr/>
+        </p:nvCxnSpPr>
+        <p:spPr>
+          <a:xfrm rot="0" flipH="1">
+            <a:off x="9126855" y="2614930"/>
+            <a:ext cx="589280" cy="1724025"/>
+          </a:xfrm>
+          <a:prstGeom prst="straightConnector1"/>
+          <a:ln w="6350" cap="flat" cmpd="sng">
+            <a:prstDash/>
+            <a:headEnd type="none" w="med" len="med"/>
+            <a:tailEnd type="triangle" w="med" len="med"/>
+          </a:ln>
+        </p:spPr>
+        <p:style>
+          <a:lnRef idx="1">
+            <a:schemeClr val="accent1"/>
+          </a:lnRef>
+          <a:fillRef idx="0">
+            <a:schemeClr val="accent1"/>
+          </a:fillRef>
+          <a:effectRef idx="0">
+            <a:schemeClr val="accent1"/>
+          </a:effectRef>
+          <a:fontRef idx="minor">
+            <a:schemeClr val="tx1"/>
+          </a:fontRef>
+        </p:style>
+      </p:cxnSp>
+      <p:cxnSp>
+        <p:nvCxnSpPr>
+          <p:cNvPr id="67" name="도형 71"/>
+          <p:cNvCxnSpPr/>
+          <p:nvPr/>
+        </p:nvCxnSpPr>
+        <p:spPr>
+          <a:xfrm rot="0" flipH="1">
+            <a:off x="9152890" y="2796540"/>
+            <a:ext cx="581025" cy="1750060"/>
           </a:xfrm>
           <a:prstGeom prst="straightConnector1"/>
           <a:ln w="6350" cap="flat" cmpd="sng">
@@ -9507,9 +9673,9 @@
           <p:nvPr/>
         </p:nvSpPr>
         <p:spPr>
-          <a:xfrm rot="0">
+          <a:xfrm>
             <a:off x="4334510" y="467995"/>
-            <a:ext cx="3520440" cy="554990"/>
+            <a:ext cx="3521075" cy="554990"/>
           </a:xfrm>
           <a:prstGeom prst="rect"/>
           <a:noFill/>
@@ -9533,14 +9699,21 @@
                 <a:latin typeface="맑은 고딕" charset="0"/>
                 <a:ea typeface="맑은 고딕" charset="0"/>
               </a:rPr>
-              <a:t>열네 </a:t>
+              <a:t>열</a:t>
             </a:r>
             <a:r>
               <a:rPr lang="ko-KR" sz="3000" b="1">
                 <a:latin typeface="맑은 고딕" charset="0"/>
                 <a:ea typeface="맑은 고딕" charset="0"/>
               </a:rPr>
-              <a:t>번째 튜토리얼</a:t>
+              <a:t>네</a:t>
+            </a:r>
+            <a:r>
+              <a:rPr lang="ko-KR" sz="3000" b="1">
+                <a:latin typeface="맑은 고딕" charset="0"/>
+                <a:ea typeface="맑은 고딕" charset="0"/>
+              </a:rPr>
+              <a:t> 번째 튜토리얼</a:t>
             </a:r>
             <a:r>
               <a:rPr sz="3000" b="1">
@@ -9566,7 +9739,7 @@
         </p:nvSpPr>
         <p:spPr>
           <a:xfrm rot="0">
-            <a:off x="6737350" y="4399280"/>
+            <a:off x="6711315" y="4330065"/>
             <a:ext cx="4407535" cy="954405"/>
           </a:xfrm>
           <a:prstGeom prst="rect"/>
@@ -9594,7 +9767,7 @@
                 <a:latin typeface="맑은 고딕" charset="0"/>
                 <a:ea typeface="맑은 고딕" charset="0"/>
               </a:rPr>
-              <a:t>30.</a:t>
+              <a:t>27.</a:t>
             </a:r>
             <a:r>
               <a:rPr lang="ko-KR" sz="2000">
@@ -9631,7 +9804,7 @@
                 <a:latin typeface="맑은 고딕" charset="0"/>
                 <a:ea typeface="맑은 고딕" charset="0"/>
               </a:rPr>
-              <a:t>[ Login( ) ]</a:t>
+              <a:t>[ SignUp( ) ]</a:t>
             </a:r>
             <a:r>
               <a:rPr lang="ko-KR" sz="1800">
@@ -9657,8 +9830,8 @@
         </p:nvSpPr>
         <p:spPr>
           <a:xfrm rot="0">
-            <a:off x="1229360" y="4396740"/>
-            <a:ext cx="4148455" cy="1231265"/>
+            <a:off x="1229360" y="4327525"/>
+            <a:ext cx="4148455" cy="954405"/>
           </a:xfrm>
           <a:prstGeom prst="rect"/>
           <a:noFill/>
@@ -9685,7 +9858,7 @@
                 <a:latin typeface="맑은 고딕" charset="0"/>
                 <a:ea typeface="맑은 고딕" charset="0"/>
               </a:rPr>
-              <a:t>29.</a:t>
+              <a:t>28.</a:t>
             </a:r>
             <a:r>
               <a:rPr lang="ko-KR" sz="2000">
@@ -9702,7 +9875,7 @@
                 <a:latin typeface="맑은 고딕" charset="0"/>
                 <a:ea typeface="맑은 고딕" charset="0"/>
               </a:rPr>
-              <a:t>마지막으로 Login Button이라는 버튼 컴포넌트의 On Click 함수에 Photon Setting 오브젝트를 넣어줍니다.</a:t>
+              <a:t>이제 Sign Up Button이라는 버튼 컴포넌트의 On Click 함수에 Photon Setting 오브젝트를 넣어줍니다.</a:t>
             </a:r>
             <a:endParaRPr lang="ko-KR" altLang="en-US" sz="1800">
               <a:latin typeface="맑은 고딕" charset="0"/>
@@ -9713,7 +9886,7 @@
       </p:sp>
       <p:pic>
         <p:nvPicPr>
-          <p:cNvPr id="64" name="Picture "/>
+          <p:cNvPr id="62" name="그림 73"/>
           <p:cNvPicPr>
             <a:picLocks noChangeAspect="1"/>
           </p:cNvPicPr>
@@ -9733,18 +9906,16 @@
         </p:blipFill>
         <p:spPr>
           <a:xfrm rot="0">
-            <a:off x="3776345" y="1704340"/>
-            <a:ext cx="1505585" cy="1943735"/>
-          </a:xfrm>
-          <a:prstGeom prst="roundRect"/>
-          <a:solidFill>
-            <a:srgbClr val="EDEDED"/>
-          </a:solidFill>
+            <a:off x="6708775" y="1337310"/>
+            <a:ext cx="4420235" cy="2741930"/>
+          </a:xfrm>
+          <a:prstGeom prst="rect"/>
+          <a:noFill/>
         </p:spPr>
       </p:pic>
       <p:pic>
         <p:nvPicPr>
-          <p:cNvPr id="66" name="그림 80"/>
+          <p:cNvPr id="63" name="그림 75"/>
           <p:cNvPicPr>
             <a:picLocks noChangeAspect="1"/>
           </p:cNvPicPr>
@@ -9764,49 +9935,16 @@
         </p:blipFill>
         <p:spPr>
           <a:xfrm rot="0">
-            <a:off x="1229995" y="1325245"/>
-            <a:ext cx="2286635" cy="2961640"/>
+            <a:off x="1230630" y="1333500"/>
+            <a:ext cx="2259965" cy="2832100"/>
           </a:xfrm>
           <a:prstGeom prst="rect"/>
           <a:noFill/>
         </p:spPr>
       </p:pic>
-      <p:cxnSp>
-        <p:nvCxnSpPr>
-          <p:cNvPr id="65" name="Rect 0"/>
-          <p:cNvCxnSpPr/>
-          <p:nvPr/>
-        </p:nvCxnSpPr>
-        <p:spPr>
-          <a:xfrm rot="0" flipH="1">
-            <a:off x="1957070" y="3472180"/>
-            <a:ext cx="2070100" cy="546100"/>
-          </a:xfrm>
-          <a:prstGeom prst="straightConnector1"/>
-          <a:ln w="6350" cap="flat" cmpd="sng">
-            <a:prstDash/>
-            <a:headEnd type="none" w="med" len="med"/>
-            <a:tailEnd type="triangle" w="med" len="med"/>
-          </a:ln>
-        </p:spPr>
-        <p:style>
-          <a:lnRef idx="1">
-            <a:schemeClr val="accent1"/>
-          </a:lnRef>
-          <a:fillRef idx="0">
-            <a:schemeClr val="accent1"/>
-          </a:fillRef>
-          <a:effectRef idx="0">
-            <a:schemeClr val="accent1"/>
-          </a:effectRef>
-          <a:fontRef idx="minor">
-            <a:schemeClr val="tx1"/>
-          </a:fontRef>
-        </p:style>
-      </p:cxnSp>
       <p:pic>
         <p:nvPicPr>
-          <p:cNvPr id="67" name="그림 81"/>
+          <p:cNvPr id="64" name="그림 76"/>
           <p:cNvPicPr>
             <a:picLocks noChangeAspect="1"/>
           </p:cNvPicPr>
@@ -9826,13 +9964,48 @@
         </p:blipFill>
         <p:spPr>
           <a:xfrm rot="0">
-            <a:off x="6797675" y="1336675"/>
-            <a:ext cx="4165600" cy="2950210"/>
-          </a:xfrm>
-          <a:prstGeom prst="rect"/>
-          <a:noFill/>
+            <a:off x="3776345" y="1704340"/>
+            <a:ext cx="1505585" cy="1943735"/>
+          </a:xfrm>
+          <a:prstGeom prst="roundRect"/>
+          <a:solidFill>
+            <a:srgbClr val="EDEDED"/>
+          </a:solidFill>
         </p:spPr>
       </p:pic>
+      <p:cxnSp>
+        <p:nvCxnSpPr>
+          <p:cNvPr id="65" name="도형 79"/>
+          <p:cNvCxnSpPr/>
+          <p:nvPr/>
+        </p:nvCxnSpPr>
+        <p:spPr>
+          <a:xfrm rot="0" flipH="1">
+            <a:off x="1939925" y="3472180"/>
+            <a:ext cx="2087245" cy="442595"/>
+          </a:xfrm>
+          <a:prstGeom prst="straightConnector1"/>
+          <a:ln w="6350" cap="flat" cmpd="sng">
+            <a:prstDash/>
+            <a:headEnd type="none" w="med" len="med"/>
+            <a:tailEnd type="triangle" w="med" len="med"/>
+          </a:ln>
+        </p:spPr>
+        <p:style>
+          <a:lnRef idx="1">
+            <a:schemeClr val="accent1"/>
+          </a:lnRef>
+          <a:fillRef idx="0">
+            <a:schemeClr val="accent1"/>
+          </a:fillRef>
+          <a:effectRef idx="0">
+            <a:schemeClr val="accent1"/>
+          </a:effectRef>
+          <a:fontRef idx="minor">
+            <a:schemeClr val="tx1"/>
+          </a:fontRef>
+        </p:style>
+      </p:cxnSp>
     </p:spTree>
   </p:cSld>
   <p:clrMapOvr>
@@ -9884,7 +10057,7 @@
         <p:spPr>
           <a:xfrm rot="0">
             <a:off x="1229995" y="1337310"/>
-            <a:ext cx="4039870" cy="371475"/>
+            <a:ext cx="4039235" cy="370840"/>
           </a:xfrm>
           <a:prstGeom prst="rect"/>
           <a:noFill/>
@@ -9920,8 +10093,8 @@
         </p:nvSpPr>
         <p:spPr>
           <a:xfrm rot="0">
-            <a:off x="4156710" y="443230"/>
-            <a:ext cx="3883025" cy="554990"/>
+            <a:off x="4126865" y="467995"/>
+            <a:ext cx="3937635" cy="554990"/>
           </a:xfrm>
           <a:prstGeom prst="rect"/>
           <a:noFill/>
@@ -9945,14 +10118,7 @@
                 <a:latin typeface="맑은 고딕" charset="0"/>
                 <a:ea typeface="맑은 고딕" charset="0"/>
               </a:rPr>
-              <a:t>열</a:t>
-            </a:r>
-            <a:r>
-              <a:rPr lang="ko-KR" sz="3000" b="1">
-                <a:latin typeface="맑은 고딕" charset="0"/>
-                <a:ea typeface="맑은 고딕" charset="0"/>
-              </a:rPr>
-              <a:t>다섯</a:t>
+              <a:t>열다섯</a:t>
             </a:r>
             <a:r>
               <a:rPr lang="ko-KR" sz="3000" b="1">
@@ -9985,8 +10151,8 @@
         </p:nvSpPr>
         <p:spPr>
           <a:xfrm rot="0">
-            <a:off x="6654800" y="5022850"/>
-            <a:ext cx="4460875" cy="1231900"/>
+            <a:off x="6737350" y="4399280"/>
+            <a:ext cx="4407535" cy="954405"/>
           </a:xfrm>
           <a:prstGeom prst="rect"/>
           <a:noFill/>
@@ -10013,7 +10179,7 @@
                 <a:latin typeface="맑은 고딕" charset="0"/>
                 <a:ea typeface="맑은 고딕" charset="0"/>
               </a:rPr>
-              <a:t>32.</a:t>
+              <a:t>30.</a:t>
             </a:r>
             <a:r>
               <a:rPr lang="ko-KR" sz="2000">
@@ -10030,13 +10196,40 @@
                 <a:latin typeface="맑은 고딕" charset="0"/>
                 <a:ea typeface="맑은 고딕" charset="0"/>
               </a:rPr>
-              <a:t>그런 다음 유저의 ID를 선택하면 Master player account에 접근해서 비밀번호를 변경하거나 비밀번호를 직접 볼 수 있습니다.</a:t>
+              <a:t>그리고 함수를 추가하기 위해 PhotonSetting를 선택하시고 </a:t>
             </a:r>
             <a:endParaRPr lang="ko-KR" altLang="en-US" sz="1800">
               <a:latin typeface="맑은 고딕" charset="0"/>
               <a:ea typeface="맑은 고딕" charset="0"/>
             </a:endParaRPr>
           </a:p>
+          <a:p>
+            <a:pPr marL="0" indent="0" rtl="0" algn="l" defTabSz="914400" eaLnBrk="1" latinLnBrk="0" hangingPunct="1">
+              <a:buFontTx/>
+              <a:buNone/>
+            </a:pPr>
+            <a:r>
+              <a:rPr lang="ko-KR" sz="1800">
+                <a:solidFill>
+                  <a:srgbClr val="009900"/>
+                </a:solidFill>
+                <a:latin typeface="맑은 고딕" charset="0"/>
+                <a:ea typeface="맑은 고딕" charset="0"/>
+              </a:rPr>
+              <a:t>[ Login( ) ]</a:t>
+            </a:r>
+            <a:r>
+              <a:rPr lang="ko-KR" sz="1800">
+                <a:latin typeface="맑은 고딕" charset="0"/>
+                <a:ea typeface="맑은 고딕" charset="0"/>
+              </a:rPr>
+              <a:t>이라는 함수를 설정합니다. </a:t>
+            </a:r>
+            <a:endParaRPr lang="ko-KR" altLang="en-US" sz="1800">
+              <a:latin typeface="맑은 고딕" charset="0"/>
+              <a:ea typeface="맑은 고딕" charset="0"/>
+            </a:endParaRPr>
+          </a:p>
         </p:txBody>
       </p:sp>
       <p:sp>
@@ -10049,8 +10242,8 @@
         </p:nvSpPr>
         <p:spPr>
           <a:xfrm rot="0">
-            <a:off x="1229995" y="5019675"/>
-            <a:ext cx="4173855" cy="1231900"/>
+            <a:off x="1229360" y="4396740"/>
+            <a:ext cx="4148455" cy="1231265"/>
           </a:xfrm>
           <a:prstGeom prst="rect"/>
           <a:noFill/>
@@ -10077,7 +10270,7 @@
                 <a:latin typeface="맑은 고딕" charset="0"/>
                 <a:ea typeface="맑은 고딕" charset="0"/>
               </a:rPr>
-              <a:t>31.</a:t>
+              <a:t>29.</a:t>
             </a:r>
             <a:r>
               <a:rPr lang="ko-KR" sz="2000">
@@ -10094,7 +10287,7 @@
                 <a:latin typeface="맑은 고딕" charset="0"/>
                 <a:ea typeface="맑은 고딕" charset="0"/>
               </a:rPr>
-              <a:t>게임을 실행하고 회원가입을 완료한 후에 PlayFab의 타이틀로 가서 방금 생성한 유저의 정보가 서버에 저장되게 됩니다.</a:t>
+              <a:t>마지막으로 Login Button이라는 버튼 컴포넌트의 On Click 함수에 Photon Setting 오브젝트를 넣어줍니다.</a:t>
             </a:r>
             <a:endParaRPr lang="ko-KR" altLang="en-US" sz="1800">
               <a:latin typeface="맑은 고딕" charset="0"/>
@@ -10105,7 +10298,399 @@
       </p:sp>
       <p:pic>
         <p:nvPicPr>
-          <p:cNvPr id="61" name="그림 2" descr="C:/Users/Admin1/AppData/Roaming/PolarisOffice/ETemp/20820_9877576/fImage6140028341.png"/>
+          <p:cNvPr id="64" name="Picture "/>
+          <p:cNvPicPr>
+            <a:picLocks noChangeAspect="1"/>
+          </p:cNvPicPr>
+          <p:nvPr/>
+        </p:nvPicPr>
+        <p:blipFill rotWithShape="1">
+          <a:blip r:embed="rId2" cstate="print">
+            <a:extLst>
+              <a:ext uri="{28A0092B-C50C-407E-A947-70E740481C1C}">
+                <a14:useLocalDpi xmlns:a14="http://schemas.microsoft.com/office/drawing/2010/main" val="0"/>
+              </a:ext>
+            </a:extLst>
+          </a:blip>
+          <a:stretch>
+            <a:fillRect/>
+          </a:stretch>
+        </p:blipFill>
+        <p:spPr>
+          <a:xfrm rot="0">
+            <a:off x="3776345" y="1704340"/>
+            <a:ext cx="1505585" cy="1943735"/>
+          </a:xfrm>
+          <a:prstGeom prst="roundRect"/>
+          <a:solidFill>
+            <a:srgbClr val="EDEDED"/>
+          </a:solidFill>
+        </p:spPr>
+      </p:pic>
+      <p:pic>
+        <p:nvPicPr>
+          <p:cNvPr id="66" name="그림 80"/>
+          <p:cNvPicPr>
+            <a:picLocks noChangeAspect="1"/>
+          </p:cNvPicPr>
+          <p:nvPr/>
+        </p:nvPicPr>
+        <p:blipFill rotWithShape="1">
+          <a:blip r:embed="rId3" cstate="print">
+            <a:extLst>
+              <a:ext uri="{28A0092B-C50C-407E-A947-70E740481C1C}">
+                <a14:useLocalDpi xmlns:a14="http://schemas.microsoft.com/office/drawing/2010/main" val="0"/>
+              </a:ext>
+            </a:extLst>
+          </a:blip>
+          <a:stretch>
+            <a:fillRect/>
+          </a:stretch>
+        </p:blipFill>
+        <p:spPr>
+          <a:xfrm rot="0">
+            <a:off x="1229995" y="1325245"/>
+            <a:ext cx="2286635" cy="2961640"/>
+          </a:xfrm>
+          <a:prstGeom prst="rect"/>
+          <a:noFill/>
+        </p:spPr>
+      </p:pic>
+      <p:cxnSp>
+        <p:nvCxnSpPr>
+          <p:cNvPr id="65" name="Rect 0"/>
+          <p:cNvCxnSpPr/>
+          <p:nvPr/>
+        </p:nvCxnSpPr>
+        <p:spPr>
+          <a:xfrm rot="0" flipH="1">
+            <a:off x="1957070" y="3472180"/>
+            <a:ext cx="2070100" cy="546100"/>
+          </a:xfrm>
+          <a:prstGeom prst="straightConnector1"/>
+          <a:ln w="6350" cap="flat" cmpd="sng">
+            <a:prstDash/>
+            <a:headEnd type="none" w="med" len="med"/>
+            <a:tailEnd type="triangle" w="med" len="med"/>
+          </a:ln>
+        </p:spPr>
+        <p:style>
+          <a:lnRef idx="1">
+            <a:schemeClr val="accent1"/>
+          </a:lnRef>
+          <a:fillRef idx="0">
+            <a:schemeClr val="accent1"/>
+          </a:fillRef>
+          <a:effectRef idx="0">
+            <a:schemeClr val="accent1"/>
+          </a:effectRef>
+          <a:fontRef idx="minor">
+            <a:schemeClr val="tx1"/>
+          </a:fontRef>
+        </p:style>
+      </p:cxnSp>
+      <p:pic>
+        <p:nvPicPr>
+          <p:cNvPr id="67" name="그림 81"/>
+          <p:cNvPicPr>
+            <a:picLocks noChangeAspect="1"/>
+          </p:cNvPicPr>
+          <p:nvPr/>
+        </p:nvPicPr>
+        <p:blipFill rotWithShape="1">
+          <a:blip r:embed="rId4" cstate="print">
+            <a:extLst>
+              <a:ext uri="{28A0092B-C50C-407E-A947-70E740481C1C}">
+                <a14:useLocalDpi xmlns:a14="http://schemas.microsoft.com/office/drawing/2010/main" val="0"/>
+              </a:ext>
+            </a:extLst>
+          </a:blip>
+          <a:stretch>
+            <a:fillRect/>
+          </a:stretch>
+        </p:blipFill>
+        <p:spPr>
+          <a:xfrm rot="0">
+            <a:off x="6797675" y="1336675"/>
+            <a:ext cx="4165600" cy="2950210"/>
+          </a:xfrm>
+          <a:prstGeom prst="rect"/>
+          <a:noFill/>
+        </p:spPr>
+      </p:pic>
+    </p:spTree>
+  </p:cSld>
+  <p:clrMapOvr>
+    <a:masterClrMapping/>
+  </p:clrMapOvr>
+  <mc:AlternateContent xmlns:mc="http://schemas.openxmlformats.org/markup-compatibility/2006">
+    <mc:Choice xmlns:p14="http://schemas.microsoft.com/office/powerpoint/2010/main" Requires="p14">
+      <p:transition spd="slow" p14:dur="2000"/>
+    </mc:Choice>
+    <mc:Fallback>
+      <p:transition spd="slow"/>
+    </mc:Fallback>
+  </mc:AlternateContent>
+  <p:timing>
+    <p:tnLst>
+      <p:par>
+        <p:cTn id="1" dur="indefinite" restart="never" nodeType="tmRoot"/>
+      </p:par>
+    </p:tnLst>
+  </p:timing>
+</p:sld>
+</file>
+
+<file path=ppt/slides/slide16.xml><?xml version="1.0" encoding="utf-8"?>
+<p:sld xmlns:a="http://schemas.openxmlformats.org/drawingml/2006/main" xmlns:r="http://schemas.openxmlformats.org/officeDocument/2006/relationships" xmlns:p="http://schemas.openxmlformats.org/presentationml/2006/main" xmlns:p14="http://schemas.microsoft.com/office/powerpoint/2010/main">
+  <p:cSld>
+    <p:spTree>
+      <p:nvGrpSpPr>
+        <p:cNvPr id="1" name=""/>
+        <p:cNvGrpSpPr/>
+        <p:nvPr/>
+      </p:nvGrpSpPr>
+      <p:grpSpPr>
+        <a:xfrm>
+          <a:off x="0" y="0"/>
+          <a:ext cx="0" cy="0"/>
+          <a:chOff x="0" y="0"/>
+          <a:chExt cx="0" cy="0"/>
+        </a:xfrm>
+      </p:grpSpPr>
+      <p:sp>
+        <p:nvSpPr>
+          <p:cNvPr id="29" name="Rect 0"/>
+          <p:cNvSpPr txBox="1">
+            <a:spLocks/>
+          </p:cNvSpPr>
+          <p:nvPr/>
+        </p:nvSpPr>
+        <p:spPr>
+          <a:xfrm rot="0">
+            <a:off x="1229995" y="1337310"/>
+            <a:ext cx="4039870" cy="371475"/>
+          </a:xfrm>
+          <a:prstGeom prst="rect"/>
+          <a:noFill/>
+          <a:ln w="0">
+            <a:noFill/>
+            <a:prstDash/>
+          </a:ln>
+        </p:spPr>
+        <p:txBody>
+          <a:bodyPr wrap="square" lIns="89535" tIns="46355" rIns="89535" bIns="46355" numCol="1" vert="horz" anchor="t">
+            <a:spAutoFit/>
+          </a:bodyPr>
+          <a:lstStyle/>
+          <a:p>
+            <a:pPr marL="0" indent="0" algn="l" latinLnBrk="0" hangingPunct="1">
+              <a:buFontTx/>
+              <a:buNone/>
+            </a:pPr>
+            <a:endParaRPr lang="ko-KR" altLang="en-US" sz="1800">
+              <a:latin typeface="맑은 고딕" charset="0"/>
+              <a:ea typeface="맑은 고딕" charset="0"/>
+            </a:endParaRPr>
+          </a:p>
+        </p:txBody>
+      </p:sp>
+      <p:sp>
+        <p:nvSpPr>
+          <p:cNvPr id="35" name="Rect 0"/>
+          <p:cNvSpPr txBox="1">
+            <a:spLocks/>
+          </p:cNvSpPr>
+          <p:nvPr/>
+        </p:nvSpPr>
+        <p:spPr>
+          <a:xfrm>
+            <a:off x="4156710" y="443230"/>
+            <a:ext cx="3883660" cy="554990"/>
+          </a:xfrm>
+          <a:prstGeom prst="rect"/>
+          <a:noFill/>
+          <a:ln w="0">
+            <a:noFill/>
+            <a:prstDash/>
+          </a:ln>
+        </p:spPr>
+        <p:txBody>
+          <a:bodyPr wrap="square" lIns="89535" tIns="46355" rIns="89535" bIns="46355" numCol="1" vert="horz" anchor="t">
+            <a:spAutoFit/>
+          </a:bodyPr>
+          <a:lstStyle/>
+          <a:p>
+            <a:pPr marL="0" indent="0" rtl="0" algn="l" defTabSz="914400" eaLnBrk="1" latinLnBrk="0" hangingPunct="1">
+              <a:buFontTx/>
+              <a:buNone/>
+            </a:pPr>
+            <a:r>
+              <a:rPr lang="ko-KR" sz="3000" b="1">
+                <a:latin typeface="맑은 고딕" charset="0"/>
+                <a:ea typeface="맑은 고딕" charset="0"/>
+              </a:rPr>
+              <a:t>열</a:t>
+            </a:r>
+            <a:r>
+              <a:rPr lang="ko-KR" sz="3000" b="1">
+                <a:latin typeface="맑은 고딕" charset="0"/>
+                <a:ea typeface="맑은 고딕" charset="0"/>
+              </a:rPr>
+              <a:t>여섯</a:t>
+            </a:r>
+            <a:r>
+              <a:rPr lang="ko-KR" sz="3000" b="1">
+                <a:latin typeface="맑은 고딕" charset="0"/>
+                <a:ea typeface="맑은 고딕" charset="0"/>
+              </a:rPr>
+              <a:t> 번째 튜토리얼</a:t>
+            </a:r>
+            <a:r>
+              <a:rPr sz="3000" b="1">
+                <a:latin typeface="맑은 고딕" charset="0"/>
+                <a:ea typeface="맑은 고딕" charset="0"/>
+              </a:rPr>
+              <a:t> </a:t>
+            </a:r>
+            <a:endParaRPr lang="ko-KR" altLang="en-US" sz="3000" b="1">
+              <a:latin typeface="맑은 고딕" charset="0"/>
+              <a:ea typeface="맑은 고딕" charset="0"/>
+            </a:endParaRPr>
+          </a:p>
+        </p:txBody>
+      </p:sp>
+      <p:sp>
+        <p:nvSpPr>
+          <p:cNvPr id="57" name="Rect 0"/>
+          <p:cNvSpPr txBox="1">
+            <a:spLocks/>
+          </p:cNvSpPr>
+          <p:nvPr/>
+        </p:nvSpPr>
+        <p:spPr>
+          <a:xfrm rot="0">
+            <a:off x="6654800" y="5022850"/>
+            <a:ext cx="4460875" cy="1231900"/>
+          </a:xfrm>
+          <a:prstGeom prst="rect"/>
+          <a:noFill/>
+          <a:ln w="0">
+            <a:noFill/>
+            <a:prstDash/>
+          </a:ln>
+        </p:spPr>
+        <p:txBody>
+          <a:bodyPr wrap="square" lIns="89535" tIns="46355" rIns="89535" bIns="46355" numCol="1" vert="horz" anchor="t">
+            <a:spAutoFit/>
+          </a:bodyPr>
+          <a:lstStyle/>
+          <a:p>
+            <a:pPr marL="0" indent="0" rtl="0" algn="l" defTabSz="914400" eaLnBrk="1" latinLnBrk="0" hangingPunct="1">
+              <a:buFontTx/>
+              <a:buNone/>
+            </a:pPr>
+            <a:r>
+              <a:rPr lang="ko-KR" sz="2000" b="1">
+                <a:solidFill>
+                  <a:srgbClr val="0611F2"/>
+                </a:solidFill>
+                <a:latin typeface="맑은 고딕" charset="0"/>
+                <a:ea typeface="맑은 고딕" charset="0"/>
+              </a:rPr>
+              <a:t>32.</a:t>
+            </a:r>
+            <a:r>
+              <a:rPr lang="ko-KR" sz="2000">
+                <a:solidFill>
+                  <a:srgbClr val="0611F2"/>
+                </a:solidFill>
+                <a:latin typeface="맑은 고딕" charset="0"/>
+                <a:ea typeface="맑은 고딕" charset="0"/>
+              </a:rPr>
+              <a:t> </a:t>
+            </a:r>
+            <a:r>
+              <a:rPr lang="ko-KR" sz="1800">
+                <a:latin typeface="맑은 고딕" charset="0"/>
+                <a:ea typeface="맑은 고딕" charset="0"/>
+              </a:rPr>
+              <a:t>그런 다음 유저의 ID를 선택하면 Master player account에 접근해서 비밀번호를 변경하거나 비밀번호를 직접 볼 수 있습니다.</a:t>
+            </a:r>
+            <a:endParaRPr lang="ko-KR" altLang="en-US" sz="1800">
+              <a:latin typeface="맑은 고딕" charset="0"/>
+              <a:ea typeface="맑은 고딕" charset="0"/>
+            </a:endParaRPr>
+          </a:p>
+        </p:txBody>
+      </p:sp>
+      <p:sp>
+        <p:nvSpPr>
+          <p:cNvPr id="60" name="Rect 0"/>
+          <p:cNvSpPr txBox="1">
+            <a:spLocks/>
+          </p:cNvSpPr>
+          <p:nvPr/>
+        </p:nvSpPr>
+        <p:spPr>
+          <a:xfrm rot="0">
+            <a:off x="1229995" y="5019675"/>
+            <a:ext cx="4173855" cy="1231900"/>
+          </a:xfrm>
+          <a:prstGeom prst="rect"/>
+          <a:noFill/>
+          <a:ln w="0">
+            <a:noFill/>
+            <a:prstDash/>
+          </a:ln>
+        </p:spPr>
+        <p:txBody>
+          <a:bodyPr wrap="square" lIns="89535" tIns="46355" rIns="89535" bIns="46355" numCol="1" vert="horz" anchor="t">
+            <a:spAutoFit/>
+          </a:bodyPr>
+          <a:lstStyle/>
+          <a:p>
+            <a:pPr marL="0" indent="0" rtl="0" algn="l" defTabSz="914400" eaLnBrk="1" latinLnBrk="0" hangingPunct="1">
+              <a:buFontTx/>
+              <a:buNone/>
+            </a:pPr>
+            <a:r>
+              <a:rPr lang="ko-KR" sz="2000" b="1">
+                <a:solidFill>
+                  <a:srgbClr val="0611F2"/>
+                </a:solidFill>
+                <a:latin typeface="맑은 고딕" charset="0"/>
+                <a:ea typeface="맑은 고딕" charset="0"/>
+              </a:rPr>
+              <a:t>31.</a:t>
+            </a:r>
+            <a:r>
+              <a:rPr lang="ko-KR" sz="2000">
+                <a:solidFill>
+                  <a:srgbClr val="0611F2"/>
+                </a:solidFill>
+                <a:latin typeface="맑은 고딕" charset="0"/>
+                <a:ea typeface="맑은 고딕" charset="0"/>
+              </a:rPr>
+              <a:t> </a:t>
+            </a:r>
+            <a:r>
+              <a:rPr lang="ko-KR" sz="1800">
+                <a:latin typeface="맑은 고딕" charset="0"/>
+                <a:ea typeface="맑은 고딕" charset="0"/>
+              </a:rPr>
+              <a:t>게임을 실행하고 회원가입을 완료한 후에 PlayFab의 타이틀로 가서 방금 생성한 유저의 정보가 서버에 저장되게 됩니다.</a:t>
+            </a:r>
+            <a:endParaRPr lang="ko-KR" altLang="en-US" sz="1800">
+              <a:latin typeface="맑은 고딕" charset="0"/>
+              <a:ea typeface="맑은 고딕" charset="0"/>
+            </a:endParaRPr>
+          </a:p>
+        </p:txBody>
+      </p:sp>
+      <p:pic>
+        <p:nvPicPr>
+          <p:cNvPr id="61" name="그림 2"/>
           <p:cNvPicPr>
             <a:picLocks noChangeAspect="1"/>
           </p:cNvPicPr>
@@ -10136,7 +10721,7 @@
       </p:pic>
       <p:pic>
         <p:nvPicPr>
-          <p:cNvPr id="62" name="그림 3" descr="C:/Users/Admin1/AppData/Roaming/PolarisOffice/ETemp/20820_9877576/fImage441932848467.png"/>
+          <p:cNvPr id="62" name="그림 3"/>
           <p:cNvPicPr>
             <a:picLocks noChangeAspect="1"/>
           </p:cNvPicPr>
@@ -10258,7 +10843,7 @@
       </p:sp>
       <p:sp>
         <p:nvSpPr>
-          <p:cNvPr id="6" name="텍스트 상자 14"/>
+          <p:cNvPr id="7" name="텍스트 상자 15"/>
           <p:cNvSpPr txBox="1">
             <a:spLocks/>
           </p:cNvSpPr>
@@ -10266,8 +10851,8 @@
         </p:nvSpPr>
         <p:spPr>
           <a:xfrm rot="0">
-            <a:off x="1239520" y="4999990"/>
-            <a:ext cx="4123690" cy="955040"/>
+            <a:off x="6656705" y="5412105"/>
+            <a:ext cx="4318635" cy="955675"/>
           </a:xfrm>
           <a:prstGeom prst="rect"/>
           <a:noFill/>
@@ -10294,14 +10879,14 @@
                 <a:latin typeface="맑은 고딕" charset="0"/>
                 <a:ea typeface="맑은 고딕" charset="0"/>
               </a:rPr>
-              <a:t>3. </a:t>
+              <a:t>4. </a:t>
             </a:r>
             <a:r>
               <a:rPr lang="ko-KR" sz="1800">
                 <a:latin typeface="맑은 고딕" charset="0"/>
                 <a:ea typeface="맑은 고딕" charset="0"/>
               </a:rPr>
-              <a:t>로그인 화면에 들어오면 먼저 회원가입을 해야 하므로 회원가입을 선택합니다.</a:t>
+              <a:t>그리고 현재 자기가 사용하는 Email 주소와 암호를 입력하고 PlayFab의 서비스 약관에 동의를 설정합니다.</a:t>
             </a:r>
             <a:endParaRPr lang="ko-KR" altLang="en-US" sz="1800">
               <a:latin typeface="맑은 고딕" charset="0"/>
@@ -10310,63 +10895,40 @@
           </a:p>
         </p:txBody>
       </p:sp>
-      <p:sp>
-        <p:nvSpPr>
-          <p:cNvPr id="7" name="텍스트 상자 15"/>
-          <p:cNvSpPr txBox="1">
-            <a:spLocks/>
-          </p:cNvSpPr>
-          <p:nvPr/>
-        </p:nvSpPr>
-        <p:spPr>
-          <a:xfrm rot="0">
-            <a:off x="6656705" y="4996180"/>
-            <a:ext cx="4318000" cy="955040"/>
-          </a:xfrm>
-          <a:prstGeom prst="rect"/>
-          <a:noFill/>
-          <a:ln w="0">
-            <a:noFill/>
-            <a:prstDash/>
-          </a:ln>
-        </p:spPr>
-        <p:txBody>
-          <a:bodyPr wrap="square" lIns="89535" tIns="46355" rIns="89535" bIns="46355" numCol="1" vert="horz" anchor="t">
-            <a:spAutoFit/>
-          </a:bodyPr>
-          <a:lstStyle/>
-          <a:p>
-            <a:pPr marL="0" indent="0" rtl="0" algn="l" defTabSz="914400" eaLnBrk="1" latinLnBrk="0" hangingPunct="1">
-              <a:buFontTx/>
-              <a:buNone/>
-            </a:pPr>
-            <a:r>
-              <a:rPr lang="ko-KR" sz="2000" b="1">
-                <a:solidFill>
-                  <a:srgbClr val="0611F2"/>
-                </a:solidFill>
-                <a:latin typeface="맑은 고딕" charset="0"/>
-                <a:ea typeface="맑은 고딕" charset="0"/>
-              </a:rPr>
-              <a:t>4. </a:t>
-            </a:r>
-            <a:r>
-              <a:rPr lang="ko-KR" sz="1800">
-                <a:latin typeface="맑은 고딕" charset="0"/>
-                <a:ea typeface="맑은 고딕" charset="0"/>
-              </a:rPr>
-              <a:t>그리고 현재 자기가 사용하는 Email 주소와 암호를 입력하고 PlayFab의 서비스 약관에 동의를 설정합니다.</a:t>
-            </a:r>
-            <a:endParaRPr lang="ko-KR" altLang="en-US" sz="1800">
-              <a:latin typeface="맑은 고딕" charset="0"/>
-              <a:ea typeface="맑은 고딕" charset="0"/>
-            </a:endParaRPr>
-          </a:p>
-        </p:txBody>
-      </p:sp>
       <p:pic>
         <p:nvPicPr>
-          <p:cNvPr id="8" name="그림 3" descr="C:/Users/Admin1/AppData/Roaming/PolarisOffice/ETemp/6432_22183288/fImage409501396334.png"/>
+          <p:cNvPr id="9" name="그림 4" descr="C:/Users/Admin1/AppData/Roaming/PolarisOffice/ETemp/17716_5745816/fImage522971406500.png"/>
+          <p:cNvPicPr>
+            <a:picLocks noChangeAspect="1"/>
+          </p:cNvPicPr>
+          <p:nvPr/>
+        </p:nvPicPr>
+        <p:blipFill rotWithShape="1">
+          <a:blip r:embed="rId9" cstate="hqprint">
+            <a:extLst>
+              <a:ext uri="{28A0092B-C50C-407E-A947-70E740481C1C}">
+                <a14:useLocalDpi xmlns:a14="http://schemas.microsoft.com/office/drawing/2010/main"/>
+              </a:ext>
+            </a:extLst>
+          </a:blip>
+          <a:stretch>
+            <a:fillRect/>
+          </a:stretch>
+        </p:blipFill>
+        <p:spPr>
+          <a:xfrm rot="0">
+            <a:off x="6650355" y="1271905"/>
+            <a:ext cx="4322445" cy="3990975"/>
+          </a:xfrm>
+          <a:prstGeom prst="roundRect"/>
+          <a:solidFill>
+            <a:srgbClr val="EDEDED"/>
+          </a:solidFill>
+        </p:spPr>
+      </p:pic>
+      <p:pic>
+        <p:nvPicPr>
+          <p:cNvPr id="10" name="그림 6" descr="C:/Users/Admin1/AppData/Roaming/PolarisOffice/ETemp/17716_5745816/fImage409501396334.png"/>
           <p:cNvPicPr>
             <a:picLocks noChangeAspect="1"/>
           </p:cNvPicPr>
@@ -10386,23 +10948,161 @@
         </p:blipFill>
         <p:spPr>
           <a:xfrm rot="0">
-            <a:off x="1238885" y="1268730"/>
-            <a:ext cx="4132580" cy="3478530"/>
+            <a:off x="1139190" y="3931920"/>
+            <a:ext cx="4239895" cy="1713865"/>
+          </a:xfrm>
+          <a:prstGeom prst="roundRect"/>
+          <a:solidFill>
+            <a:srgbClr val="EDEDED"/>
+          </a:solidFill>
+        </p:spPr>
+      </p:pic>
+      <p:sp>
+        <p:nvSpPr>
+          <p:cNvPr id="11" name="텍스트 상자 7"/>
+          <p:cNvSpPr txBox="1">
+            <a:spLocks/>
+          </p:cNvSpPr>
+          <p:nvPr/>
+        </p:nvSpPr>
+        <p:spPr>
+          <a:xfrm rot="0">
+            <a:off x="1130300" y="5697855"/>
+            <a:ext cx="4254500" cy="677545"/>
           </a:xfrm>
           <a:prstGeom prst="rect"/>
           <a:noFill/>
-        </p:spPr>
-      </p:pic>
+          <a:ln w="0">
+            <a:noFill/>
+            <a:prstDash/>
+          </a:ln>
+        </p:spPr>
+        <p:txBody>
+          <a:bodyPr wrap="square" lIns="89535" tIns="46355" rIns="89535" bIns="46355" numCol="1" vert="horz" anchor="t">
+            <a:spAutoFit/>
+          </a:bodyPr>
+          <a:lstStyle/>
+          <a:p>
+            <a:pPr marL="0" indent="0" rtl="0" algn="l" defTabSz="914400" eaLnBrk="1" latinLnBrk="0" hangingPunct="1">
+              <a:buFontTx/>
+              <a:buNone/>
+            </a:pPr>
+            <a:r>
+              <a:rPr lang="ko-KR" sz="2000" b="1">
+                <a:solidFill>
+                  <a:srgbClr val="0611F2"/>
+                </a:solidFill>
+                <a:latin typeface="맑은 고딕" charset="0"/>
+                <a:ea typeface="맑은 고딕" charset="0"/>
+              </a:rPr>
+              <a:t>3. </a:t>
+            </a:r>
+            <a:r>
+              <a:rPr lang="ko-KR" sz="1800">
+                <a:latin typeface="맑은 고딕" charset="0"/>
+                <a:ea typeface="맑은 고딕" charset="0"/>
+              </a:rPr>
+              <a:t>그런 다음 로</a:t>
+            </a:r>
+            <a:r>
+              <a:rPr lang="ko-KR" sz="1800">
+                <a:latin typeface="맑은 고딕" charset="0"/>
+                <a:ea typeface="맑은 고딕" charset="0"/>
+              </a:rPr>
+              <a:t>그인 화면에</a:t>
+            </a:r>
+            <a:r>
+              <a:rPr lang="ko-KR" sz="1800">
+                <a:latin typeface="맑은 고딕" charset="0"/>
+                <a:ea typeface="맑은 고딕" charset="0"/>
+              </a:rPr>
+              <a:t>서 Join</a:t>
+            </a:r>
+            <a:r>
+              <a:rPr lang="ko-KR" sz="1800">
+                <a:latin typeface="맑은 고딕" charset="0"/>
+                <a:ea typeface="맑은 고딕" charset="0"/>
+              </a:rPr>
+              <a:t>을 선택합니다.</a:t>
+            </a:r>
+            <a:endParaRPr lang="ko-KR" altLang="en-US" sz="1800">
+              <a:latin typeface="맑은 고딕" charset="0"/>
+              <a:ea typeface="맑은 고딕" charset="0"/>
+            </a:endParaRPr>
+          </a:p>
+        </p:txBody>
+      </p:sp>
+      <p:sp>
+        <p:nvSpPr>
+          <p:cNvPr id="12" name="텍스트 상자 8"/>
+          <p:cNvSpPr txBox="1">
+            <a:spLocks/>
+          </p:cNvSpPr>
+          <p:nvPr/>
+        </p:nvSpPr>
+        <p:spPr>
+          <a:xfrm rot="0">
+            <a:off x="1139190" y="3176905"/>
+            <a:ext cx="4239895" cy="677545"/>
+          </a:xfrm>
+          <a:prstGeom prst="rect"/>
+          <a:noFill/>
+          <a:ln w="0">
+            <a:noFill/>
+            <a:prstDash/>
+          </a:ln>
+        </p:spPr>
+        <p:txBody>
+          <a:bodyPr wrap="square" lIns="89535" tIns="46355" rIns="89535" bIns="46355" numCol="1" vert="horz" anchor="t">
+            <a:spAutoFit/>
+          </a:bodyPr>
+          <a:lstStyle/>
+          <a:p>
+            <a:pPr marL="0" indent="0" rtl="0" algn="l" defTabSz="914400" eaLnBrk="1" latinLnBrk="0" hangingPunct="1">
+              <a:buFontTx/>
+              <a:buNone/>
+            </a:pPr>
+            <a:r>
+              <a:rPr lang="ko-KR" sz="2000" b="1">
+                <a:solidFill>
+                  <a:srgbClr val="0611F2"/>
+                </a:solidFill>
+                <a:latin typeface="맑은 고딕" charset="0"/>
+                <a:ea typeface="맑은 고딕" charset="0"/>
+              </a:rPr>
+              <a:t>2. </a:t>
+            </a:r>
+            <a:r>
+              <a:rPr sz="1800">
+                <a:latin typeface="맑은 고딕" charset="0"/>
+                <a:ea typeface="맑은 고딕" charset="0"/>
+              </a:rPr>
+              <a:t>그</a:t>
+            </a:r>
+            <a:r>
+              <a:rPr lang="ko-KR" sz="1800">
+                <a:latin typeface="맑은 고딕" charset="0"/>
+                <a:ea typeface="맑은 고딕" charset="0"/>
+              </a:rPr>
+              <a:t>다음 소개 화면에 PlayFab에 로그인을 선택합니다.</a:t>
+            </a:r>
+            <a:endParaRPr lang="ko-KR" altLang="en-US" sz="1800">
+              <a:latin typeface="맑은 고딕" charset="0"/>
+              <a:ea typeface="맑은 고딕" charset="0"/>
+            </a:endParaRPr>
+          </a:p>
+        </p:txBody>
+      </p:sp>
       <p:pic>
         <p:nvPicPr>
-          <p:cNvPr id="9" name="그림 4" descr="C:/Users/Admin1/AppData/Roaming/PolarisOffice/ETemp/6432_22183288/fImage522971406500.png"/>
+          <p:cNvPr id="13" name="그림 9" descr="C:/Users/Admin1/AppData/Roaming/PolarisOffice/ETemp/17716_5745816/fImage20639513741.png"/>
           <p:cNvPicPr>
             <a:picLocks noChangeAspect="1"/>
           </p:cNvPicPr>
           <p:nvPr/>
         </p:nvPicPr>
         <p:blipFill rotWithShape="1">
-          <a:blip r:embed="rId9" cstate="hqprint">
+          <a:blip r:embed="rId10" cstate="hqprint">
             <a:extLst>
               <a:ext uri="{28A0092B-C50C-407E-A947-70E740481C1C}">
                 <a14:useLocalDpi xmlns:a14="http://schemas.microsoft.com/office/drawing/2010/main"/>
@@ -10415,13 +11115,11 @@
         </p:blipFill>
         <p:spPr>
           <a:xfrm rot="0">
-            <a:off x="6650355" y="1271905"/>
-            <a:ext cx="4321810" cy="3482975"/>
-          </a:xfrm>
-          <a:prstGeom prst="roundRect"/>
-          <a:solidFill>
-            <a:srgbClr val="EDEDED"/>
-          </a:solidFill>
+            <a:off x="1130935" y="1271905"/>
+            <a:ext cx="4248150" cy="1821180"/>
+          </a:xfrm>
+          <a:prstGeom prst="rect"/>
+          <a:noFill/>
         </p:spPr>
       </p:pic>
     </p:spTree>
@@ -10525,8 +11223,8 @@
         </p:nvSpPr>
         <p:spPr>
           <a:xfrm rot="0">
-            <a:off x="1081405" y="5266690"/>
-            <a:ext cx="4240530" cy="708660"/>
+            <a:off x="1081405" y="5565775"/>
+            <a:ext cx="4241165" cy="708025"/>
           </a:xfrm>
           <a:prstGeom prst="rect"/>
           <a:noFill/>
@@ -10570,7 +11268,14 @@
                 <a:latin typeface="맑은 고딕" charset="0"/>
                 <a:ea typeface="맑은 고딕" charset="0"/>
               </a:rPr>
-              <a:t>회원가입할 때 입력한 전자 메일에 </a:t>
+              <a:t>이제 회</a:t>
+            </a:r>
+            <a:r>
+              <a:rPr lang="ko-KR" sz="1800">
+                <a:latin typeface="맑은 고딕" charset="0"/>
+                <a:ea typeface="맑은 고딕" charset="0"/>
+              </a:rPr>
+              <a:t>원가입할 때 입력한 전자 메일에 </a:t>
             </a:r>
             <a:r>
               <a:rPr lang="ko-KR" sz="1800">
@@ -10580,47 +11285,7 @@
                 <a:latin typeface="맑은 고딕" charset="0"/>
                 <a:ea typeface="맑은 고딕" charset="0"/>
               </a:rPr>
-              <a:t>[확인</a:t>
-            </a:r>
-            <a:r>
-              <a:rPr lang="ko-KR" sz="1800">
-                <a:solidFill>
-                  <a:srgbClr val="009900"/>
-                </a:solidFill>
-                <a:latin typeface="맑은 고딕" charset="0"/>
-                <a:ea typeface="맑은 고딕" charset="0"/>
-              </a:rPr>
-              <a:t> </a:t>
-            </a:r>
-            <a:r>
-              <a:rPr lang="ko-KR" sz="1800">
-                <a:solidFill>
-                  <a:srgbClr val="009900"/>
-                </a:solidFill>
-                <a:latin typeface="맑은 고딕" charset="0"/>
-                <a:ea typeface="맑은 고딕" charset="0"/>
-              </a:rPr>
-              <a:t>전자</a:t>
-            </a:r>
-            <a:r>
-              <a:rPr lang="ko-KR" sz="1800">
-                <a:solidFill>
-                  <a:srgbClr val="009900"/>
-                </a:solidFill>
-                <a:latin typeface="맑은 고딕" charset="0"/>
-                <a:ea typeface="맑은 고딕" charset="0"/>
-              </a:rPr>
-              <a:t> </a:t>
-            </a:r>
-            <a:r>
-              <a:rPr lang="ko-KR" sz="1800">
-                <a:solidFill>
-                  <a:srgbClr val="009900"/>
-                </a:solidFill>
-                <a:latin typeface="맑은 고딕" charset="0"/>
-                <a:ea typeface="맑은 고딕" charset="0"/>
-              </a:rPr>
-              <a:t>메일]</a:t>
+              <a:t>[확인 전자 메일]</a:t>
             </a:r>
             <a:r>
               <a:rPr lang="ko-KR" sz="1800">
@@ -10651,7 +11316,7 @@
       </p:sp>
       <p:pic>
         <p:nvPicPr>
-          <p:cNvPr id="26" name="그림 5" descr="C:/Users/Admin1/AppData/Roaming/PolarisOffice/ETemp/6432_22183288/fImage337991419169.png"/>
+          <p:cNvPr id="26" name="그림 5" descr="C:/Users/Admin1/AppData/Roaming/PolarisOffice/ETemp/17716_5745816/fImage337991419169.png"/>
           <p:cNvPicPr>
             <a:picLocks noChangeAspect="1"/>
           </p:cNvPicPr>
@@ -10671,8 +11336,8 @@
         </p:blipFill>
         <p:spPr>
           <a:xfrm rot="0">
-            <a:off x="1082040" y="1210310"/>
-            <a:ext cx="4239895" cy="3902710"/>
+            <a:off x="1082040" y="1255395"/>
+            <a:ext cx="4240530" cy="4123690"/>
           </a:xfrm>
           <a:prstGeom prst="roundRect"/>
           <a:solidFill>
@@ -10682,7 +11347,7 @@
       </p:pic>
       <p:pic>
         <p:nvPicPr>
-          <p:cNvPr id="27" name="그림 6" descr="C:/Users/Admin1/AppData/Roaming/PolarisOffice/ETemp/6432_22183288/fImage178001425724.png"/>
+          <p:cNvPr id="27" name="그림 6" descr="C:/Users/Admin1/AppData/Roaming/PolarisOffice/ETemp/17716_5745816/fImage178001425724.png"/>
           <p:cNvPicPr>
             <a:picLocks noChangeAspect="1"/>
           </p:cNvPicPr>
@@ -10702,13 +11367,11 @@
         </p:blipFill>
         <p:spPr>
           <a:xfrm rot="0">
-            <a:off x="6835140" y="1216660"/>
-            <a:ext cx="4089400" cy="3721735"/>
-          </a:xfrm>
-          <a:prstGeom prst="roundRect"/>
-          <a:solidFill>
-            <a:srgbClr val="EDEDED"/>
-          </a:solidFill>
+            <a:off x="6835140" y="1255395"/>
+            <a:ext cx="4413250" cy="3907790"/>
+          </a:xfrm>
+          <a:prstGeom prst="rect"/>
+          <a:noFill/>
         </p:spPr>
       </p:pic>
       <p:sp>
@@ -10721,8 +11384,8 @@
         </p:nvSpPr>
         <p:spPr>
           <a:xfrm rot="0">
-            <a:off x="6824980" y="5022215"/>
-            <a:ext cx="4107815" cy="955040"/>
+            <a:off x="6824980" y="5321300"/>
+            <a:ext cx="4423410" cy="954405"/>
           </a:xfrm>
           <a:prstGeom prst="rect"/>
           <a:noFill/>
@@ -10766,7 +11429,14 @@
                 <a:latin typeface="맑은 고딕" charset="0"/>
                 <a:ea typeface="맑은 고딕" charset="0"/>
               </a:rPr>
-              <a:t>Email에 가서 전자 메일을 도착했는지 확인하고 전자 메일 주소 확인을 선택합니다.</a:t>
+              <a:t>그다음 E</a:t>
+            </a:r>
+            <a:r>
+              <a:rPr lang="ko-KR" sz="1800">
+                <a:latin typeface="맑은 고딕" charset="0"/>
+                <a:ea typeface="맑은 고딕" charset="0"/>
+              </a:rPr>
+              <a:t>mail에 가서 전자 메일을 도착했는지 확인하고 전자 메일 주소 확인을 선택합니다.</a:t>
             </a:r>
             <a:endParaRPr lang="ko-KR" altLang="en-US" sz="1800">
               <a:latin typeface="맑은 고딕" charset="0"/>
@@ -10825,8 +11495,8 @@
         </p:nvSpPr>
         <p:spPr>
           <a:xfrm rot="0">
-            <a:off x="1229995" y="2576830"/>
-            <a:ext cx="4142105" cy="1231900"/>
+            <a:off x="1222375" y="2884170"/>
+            <a:ext cx="4158615" cy="954405"/>
           </a:xfrm>
           <a:prstGeom prst="rect"/>
           <a:noFill/>
@@ -10870,34 +11540,28 @@
                 <a:latin typeface="맑은 고딕" charset="0"/>
                 <a:ea typeface="맑은 고딕" charset="0"/>
               </a:rPr>
-              <a:t>이제 자신의 스튜디오가 생성되면서 타이틀이 생성됩니다.</a:t>
-            </a:r>
-            <a:endParaRPr lang="ko-KR" altLang="en-US" sz="1800">
-              <a:latin typeface="맑은 고딕" charset="0"/>
-              <a:ea typeface="맑은 고딕" charset="0"/>
-            </a:endParaRPr>
-          </a:p>
-          <a:p>
-            <a:pPr marL="0" indent="0" rtl="0" algn="l" defTabSz="914400" eaLnBrk="1" latinLnBrk="0" hangingPunct="1">
-              <a:buFontTx/>
-              <a:buNone/>
-            </a:pPr>
-            <a:endParaRPr lang="ko-KR" altLang="en-US" sz="1800">
-              <a:latin typeface="맑은 고딕" charset="0"/>
-              <a:ea typeface="맑은 고딕" charset="0"/>
-            </a:endParaRPr>
-          </a:p>
-          <a:p>
-            <a:pPr marL="0" indent="0" rtl="0" algn="l" defTabSz="914400" eaLnBrk="1" latinLnBrk="0" hangingPunct="1">
-              <a:buFontTx/>
-              <a:buNone/>
-            </a:pPr>
+              <a:t>그런 다음</a:t>
+            </a:r>
             <a:r>
               <a:rPr lang="ko-KR" sz="1800">
                 <a:latin typeface="맑은 고딕" charset="0"/>
                 <a:ea typeface="맑은 고딕" charset="0"/>
               </a:rPr>
-              <a:t>그런 다음 타이틀 이름을 선택합니다.</a:t>
+              <a:t> </a:t>
+            </a:r>
+            <a:r>
+              <a:rPr lang="ko-KR" sz="1800">
+                <a:latin typeface="맑은 고딕" charset="0"/>
+                <a:ea typeface="맑은 고딕" charset="0"/>
+              </a:rPr>
+              <a:t>게임 내에 있는 사용자 정보를 관리할 수 있는 DataBase가 생성되며 DataBase이름</a:t>
+            </a:r>
+            <a:r>
+              <a:rPr lang="ko-KR" sz="1800">
+                <a:latin typeface="맑은 고딕" charset="0"/>
+                <a:ea typeface="맑은 고딕" charset="0"/>
+              </a:rPr>
+              <a:t>을 선택합니다.</a:t>
             </a:r>
             <a:endParaRPr lang="ko-KR" altLang="en-US" sz="1800">
               <a:latin typeface="맑은 고딕" charset="0"/>
@@ -10959,14 +11623,14 @@
       </p:sp>
       <p:pic>
         <p:nvPicPr>
-          <p:cNvPr id="36" name="그림 8"/>
+          <p:cNvPr id="39" name="그림 13" descr="C:/Users/Admin1/AppData/Roaming/PolarisOffice/ETemp/17716_5745816/fImage507371496962.png"/>
           <p:cNvPicPr>
             <a:picLocks noChangeAspect="1"/>
           </p:cNvPicPr>
           <p:nvPr/>
         </p:nvPicPr>
         <p:blipFill rotWithShape="1">
-          <a:blip r:embed="rId8" cstate="hqprint">
+          <a:blip r:embed="rId10" cstate="hqprint">
             <a:extLst>
               <a:ext uri="{28A0092B-C50C-407E-A947-70E740481C1C}">
                 <a14:useLocalDpi xmlns:a14="http://schemas.microsoft.com/office/drawing/2010/main"/>
@@ -10979,8 +11643,108 @@
         </p:blipFill>
         <p:spPr>
           <a:xfrm rot="0">
-            <a:off x="1230630" y="1339850"/>
-            <a:ext cx="4140835" cy="1171575"/>
+            <a:off x="6824980" y="1463040"/>
+            <a:ext cx="4216400" cy="3990975"/>
+          </a:xfrm>
+          <a:prstGeom prst="rect"/>
+          <a:noFill/>
+        </p:spPr>
+      </p:pic>
+      <p:sp>
+        <p:nvSpPr>
+          <p:cNvPr id="40" name="텍스트 상자 14"/>
+          <p:cNvSpPr txBox="1">
+            <a:spLocks/>
+          </p:cNvSpPr>
+          <p:nvPr/>
+        </p:nvSpPr>
+        <p:spPr>
+          <a:xfrm rot="0">
+            <a:off x="6816725" y="5629910"/>
+            <a:ext cx="4215130" cy="677545"/>
+          </a:xfrm>
+          <a:prstGeom prst="rect"/>
+          <a:noFill/>
+          <a:ln w="0">
+            <a:noFill/>
+            <a:prstDash/>
+          </a:ln>
+        </p:spPr>
+        <p:txBody>
+          <a:bodyPr wrap="square" lIns="89535" tIns="46355" rIns="89535" bIns="46355" numCol="1" vert="horz" anchor="t">
+            <a:spAutoFit/>
+          </a:bodyPr>
+          <a:lstStyle/>
+          <a:p>
+            <a:pPr marL="0" indent="0" rtl="0" algn="l" defTabSz="914400" eaLnBrk="1" latinLnBrk="0" hangingPunct="1">
+              <a:buFontTx/>
+              <a:buNone/>
+            </a:pPr>
+            <a:r>
+              <a:rPr lang="ko-KR" sz="2000" b="1">
+                <a:solidFill>
+                  <a:srgbClr val="0611F2"/>
+                </a:solidFill>
+                <a:latin typeface="맑은 고딕" charset="0"/>
+                <a:ea typeface="맑은 고딕" charset="0"/>
+              </a:rPr>
+              <a:t>9.</a:t>
+            </a:r>
+            <a:r>
+              <a:rPr lang="ko-KR" sz="2000">
+                <a:solidFill>
+                  <a:srgbClr val="0611F2"/>
+                </a:solidFill>
+                <a:latin typeface="맑은 고딕" charset="0"/>
+                <a:ea typeface="맑은 고딕" charset="0"/>
+              </a:rPr>
+              <a:t> </a:t>
+            </a:r>
+            <a:r>
+              <a:rPr lang="ko-KR" sz="1800">
+                <a:latin typeface="맑은 고딕" charset="0"/>
+                <a:ea typeface="맑은 고딕" charset="0"/>
+              </a:rPr>
+              <a:t>이제 도움</a:t>
+            </a:r>
+            <a:r>
+              <a:rPr lang="ko-KR" sz="1800">
+                <a:latin typeface="맑은 고딕" charset="0"/>
+                <a:ea typeface="맑은 고딕" charset="0"/>
+              </a:rPr>
+              <a:t>말 화면이 나타나면 참조 자료에 SDK 다운로드를 선택합니다.</a:t>
+            </a:r>
+            <a:endParaRPr lang="ko-KR" altLang="en-US" sz="1800">
+              <a:latin typeface="맑은 고딕" charset="0"/>
+              <a:ea typeface="맑은 고딕" charset="0"/>
+            </a:endParaRPr>
+          </a:p>
+        </p:txBody>
+      </p:sp>
+      <p:pic>
+        <p:nvPicPr>
+          <p:cNvPr id="41" name="그림 26" descr="C:/Users/Admin1/AppData/Roaming/PolarisOffice/ETemp/17716_5745816/fImage113693008467.png"/>
+          <p:cNvPicPr>
+            <a:picLocks noChangeAspect="1"/>
+          </p:cNvPicPr>
+          <p:nvPr/>
+        </p:nvPicPr>
+        <p:blipFill rotWithShape="1">
+          <a:blip r:embed="rId11" cstate="print">
+            <a:extLst>
+              <a:ext uri="{28A0092B-C50C-407E-A947-70E740481C1C}">
+                <a14:useLocalDpi xmlns:a14="http://schemas.microsoft.com/office/drawing/2010/main" val="0"/>
+              </a:ext>
+            </a:extLst>
+          </a:blip>
+          <a:stretch>
+            <a:fillRect/>
+          </a:stretch>
+        </p:blipFill>
+        <p:spPr>
+          <a:xfrm rot="0">
+            <a:off x="1221740" y="1463675"/>
+            <a:ext cx="4157345" cy="1346835"/>
           </a:xfrm>
           <a:prstGeom prst="rect"/>
           <a:noFill/>
@@ -10988,7 +11752,7 @@
       </p:pic>
       <p:pic>
         <p:nvPicPr>
-          <p:cNvPr id="37" name="그림 11"/>
+          <p:cNvPr id="42" name="그림 31" descr="C:/Users/Admin1/AppData/Roaming/PolarisOffice/ETemp/17716_5745816/fImage364671479358.png"/>
           <p:cNvPicPr>
             <a:picLocks noChangeAspect="1"/>
           </p:cNvPicPr>
@@ -11008,8 +11772,8 @@
         </p:blipFill>
         <p:spPr>
           <a:xfrm rot="0">
-            <a:off x="1238885" y="3931920"/>
-            <a:ext cx="4107180" cy="2378075"/>
+            <a:off x="1222375" y="3931920"/>
+            <a:ext cx="4148455" cy="1355725"/>
           </a:xfrm>
           <a:prstGeom prst="rect"/>
           <a:noFill/>
@@ -11017,7 +11781,7 @@
       </p:pic>
       <p:sp>
         <p:nvSpPr>
-          <p:cNvPr id="38" name="텍스트 상자 12"/>
+          <p:cNvPr id="43" name="텍스트 상자 32"/>
           <p:cNvSpPr txBox="1">
             <a:spLocks/>
           </p:cNvSpPr>
@@ -11025,8 +11789,8 @@
         </p:nvSpPr>
         <p:spPr>
           <a:xfrm rot="0">
-            <a:off x="6816725" y="1335405"/>
-            <a:ext cx="4220845" cy="955040"/>
+            <a:off x="1219200" y="5330825"/>
+            <a:ext cx="4143375" cy="954405"/>
           </a:xfrm>
           <a:prstGeom prst="rect"/>
           <a:noFill/>
@@ -11071,99 +11835,6 @@
                 <a:ea typeface="맑은 고딕" charset="0"/>
               </a:rPr>
               <a:t>그리고 PlayFab 타이틀로 들어와서 도움말 버튼을 입력하고 지원을 선택합니다.</a:t>
-            </a:r>
-            <a:endParaRPr lang="ko-KR" altLang="en-US" sz="1800">
-              <a:latin typeface="맑은 고딕" charset="0"/>
-              <a:ea typeface="맑은 고딕" charset="0"/>
-            </a:endParaRPr>
-          </a:p>
-        </p:txBody>
-      </p:sp>
-      <p:pic>
-        <p:nvPicPr>
-          <p:cNvPr id="39" name="그림 13"/>
-          <p:cNvPicPr>
-            <a:picLocks noChangeAspect="1"/>
-          </p:cNvPicPr>
-          <p:nvPr/>
-        </p:nvPicPr>
-        <p:blipFill rotWithShape="1">
-          <a:blip r:embed="rId10" cstate="hqprint">
-            <a:extLst>
-              <a:ext uri="{28A0092B-C50C-407E-A947-70E740481C1C}">
-                <a14:useLocalDpi xmlns:a14="http://schemas.microsoft.com/office/drawing/2010/main"/>
-              </a:ext>
-            </a:extLst>
-          </a:blip>
-          <a:stretch>
-            <a:fillRect/>
-          </a:stretch>
-        </p:blipFill>
-        <p:spPr>
-          <a:xfrm rot="0">
-            <a:off x="6824980" y="2451735"/>
-            <a:ext cx="4215765" cy="3002280"/>
-          </a:xfrm>
-          <a:prstGeom prst="rect"/>
-          <a:noFill/>
-        </p:spPr>
-      </p:pic>
-      <p:sp>
-        <p:nvSpPr>
-          <p:cNvPr id="40" name="텍스트 상자 14"/>
-          <p:cNvSpPr txBox="1">
-            <a:spLocks/>
-          </p:cNvSpPr>
-          <p:nvPr/>
-        </p:nvSpPr>
-        <p:spPr>
-          <a:xfrm rot="0">
-            <a:off x="6816725" y="5629910"/>
-            <a:ext cx="4217670" cy="678180"/>
-          </a:xfrm>
-          <a:prstGeom prst="rect"/>
-          <a:noFill/>
-          <a:ln w="0">
-            <a:noFill/>
-            <a:prstDash/>
-          </a:ln>
-        </p:spPr>
-        <p:txBody>
-          <a:bodyPr wrap="square" lIns="89535" tIns="46355" rIns="89535" bIns="46355" numCol="1" vert="horz" anchor="t">
-            <a:spAutoFit/>
-          </a:bodyPr>
-          <a:lstStyle/>
-          <a:p>
-            <a:pPr marL="0" indent="0" rtl="0" algn="l" defTabSz="914400" eaLnBrk="1" latinLnBrk="0" hangingPunct="1">
-              <a:buFontTx/>
-              <a:buNone/>
-            </a:pPr>
-            <a:r>
-              <a:rPr lang="ko-KR" sz="2000" b="1">
-                <a:solidFill>
-                  <a:srgbClr val="0611F2"/>
-                </a:solidFill>
-                <a:latin typeface="맑은 고딕" charset="0"/>
-                <a:ea typeface="맑은 고딕" charset="0"/>
-              </a:rPr>
-              <a:t>9.</a:t>
-            </a:r>
-            <a:r>
-              <a:rPr lang="ko-KR" sz="2000">
-                <a:solidFill>
-                  <a:srgbClr val="0611F2"/>
-                </a:solidFill>
-                <a:latin typeface="맑은 고딕" charset="0"/>
-                <a:ea typeface="맑은 고딕" charset="0"/>
-              </a:rPr>
-              <a:t> </a:t>
-            </a:r>
-            <a:r>
-              <a:rPr lang="ko-KR" sz="1800">
-                <a:latin typeface="맑은 고딕" charset="0"/>
-                <a:ea typeface="맑은 고딕" charset="0"/>
-              </a:rPr>
-              <a:t>도움말 화면이 나타나면 참조 자료에 SDK 다운로드를 선택합니다.</a:t>
             </a:r>
             <a:endParaRPr lang="ko-KR" altLang="en-US" sz="1800">
               <a:latin typeface="맑은 고딕" charset="0"/>
@@ -11346,9 +12017,9 @@
           <p:nvPr/>
         </p:nvSpPr>
         <p:spPr>
-          <a:xfrm rot="0">
+          <a:xfrm>
             <a:off x="1232535" y="2764155"/>
-            <a:ext cx="4114165" cy="955040"/>
+            <a:ext cx="4114800" cy="954405"/>
           </a:xfrm>
           <a:prstGeom prst="rect"/>
           <a:noFill/>
@@ -11392,7 +12063,14 @@
                 <a:latin typeface="맑은 고딕" charset="0"/>
                 <a:ea typeface="맑은 고딕" charset="0"/>
               </a:rPr>
-              <a:t>SDK 다운로드를 할 수 있는 Azure PlayFab 설명서 화면에서 게임 엔진을 선택합니다. </a:t>
+              <a:t>그다음 S</a:t>
+            </a:r>
+            <a:r>
+              <a:rPr lang="ko-KR" sz="1800">
+                <a:latin typeface="맑은 고딕" charset="0"/>
+                <a:ea typeface="맑은 고딕" charset="0"/>
+              </a:rPr>
+              <a:t>DK 다운로드를 할 수 있는 Azure PlayFab 설명서 화면에서 게임 엔진을 선택합니다. </a:t>
             </a:r>
             <a:endParaRPr lang="ko-KR" altLang="en-US" sz="1800">
               <a:latin typeface="맑은 고딕" charset="0"/>
@@ -11403,7 +12081,7 @@
       </p:sp>
       <p:pic>
         <p:nvPicPr>
-          <p:cNvPr id="44" name="그림 15" descr="C:/Users/Admin1/AppData/Roaming/PolarisOffice/ETemp/20820_9877576/fImage175531514464.png"/>
+          <p:cNvPr id="44" name="그림 15"/>
           <p:cNvPicPr>
             <a:picLocks noChangeAspect="1"/>
           </p:cNvPicPr>
@@ -11434,7 +12112,7 @@
       </p:pic>
       <p:pic>
         <p:nvPicPr>
-          <p:cNvPr id="45" name="그림 16" descr="C:/Users/Admin1/AppData/Roaming/PolarisOffice/ETemp/20820_9877576/fImage265691525705.png"/>
+          <p:cNvPr id="45" name="그림 16"/>
           <p:cNvPicPr>
             <a:picLocks noChangeAspect="1"/>
           </p:cNvPicPr>
@@ -11529,7 +12207,7 @@
       </p:sp>
       <p:pic>
         <p:nvPicPr>
-          <p:cNvPr id="47" name="그림 18" descr="C:/Users/Admin1/AppData/Roaming/PolarisOffice/ETemp/20820_9877576/fImage330901548145.png"/>
+          <p:cNvPr id="47" name="그림 18" descr="C:/Users/Admin1/AppData/Roaming/PolarisOffice/ETemp/17716_5745816/fImage330901548145.png"/>
           <p:cNvPicPr>
             <a:picLocks noChangeAspect="1"/>
           </p:cNvPicPr>
@@ -11549,8 +12227,8 @@
         </p:blipFill>
         <p:spPr>
           <a:xfrm rot="0">
-            <a:off x="6840220" y="1413510"/>
-            <a:ext cx="3952240" cy="3516630"/>
+            <a:off x="6824980" y="1413510"/>
+            <a:ext cx="4323715" cy="3766185"/>
           </a:xfrm>
           <a:prstGeom prst="rect"/>
           <a:noFill/>
@@ -11566,8 +12244,8 @@
         </p:nvSpPr>
         <p:spPr>
           <a:xfrm rot="0">
-            <a:off x="6841490" y="5027295"/>
-            <a:ext cx="3941445" cy="1231265"/>
+            <a:off x="6816725" y="5326380"/>
+            <a:ext cx="4331970" cy="954405"/>
           </a:xfrm>
           <a:prstGeom prst="rect"/>
           <a:noFill/>
@@ -11819,8 +12497,8 @@
         </p:nvSpPr>
         <p:spPr>
           <a:xfrm rot="0">
-            <a:off x="1232535" y="5158740"/>
-            <a:ext cx="4114165" cy="955040"/>
+            <a:off x="1232535" y="5291455"/>
+            <a:ext cx="4154805" cy="954405"/>
           </a:xfrm>
           <a:prstGeom prst="rect"/>
           <a:noFill/>
@@ -11864,7 +12542,14 @@
                 <a:latin typeface="맑은 고딕" charset="0"/>
                 <a:ea typeface="맑은 고딕" charset="0"/>
               </a:rPr>
-              <a:t>다운로드가 완료되면 유니티에 적용할 파일 내역을 확인하고 Import를 선택합니다.</a:t>
+              <a:t>이제 다</a:t>
+            </a:r>
+            <a:r>
+              <a:rPr lang="ko-KR" sz="1800">
+                <a:latin typeface="맑은 고딕" charset="0"/>
+                <a:ea typeface="맑은 고딕" charset="0"/>
+              </a:rPr>
+              <a:t>운로드가 완료되면 유니티에 적용할 파일 내역을 확인하고 Import를 선택합니다.</a:t>
             </a:r>
             <a:endParaRPr lang="ko-KR" altLang="en-US" sz="1800">
               <a:latin typeface="맑은 고딕" charset="0"/>
@@ -11883,8 +12568,8 @@
         </p:nvSpPr>
         <p:spPr>
           <a:xfrm rot="0">
-            <a:off x="6800215" y="5434330"/>
-            <a:ext cx="4182745" cy="677545"/>
+            <a:off x="6800215" y="5559425"/>
+            <a:ext cx="4215130" cy="677545"/>
           </a:xfrm>
           <a:prstGeom prst="rect"/>
           <a:noFill/>
@@ -11939,7 +12624,7 @@
       </p:sp>
       <p:pic>
         <p:nvPicPr>
-          <p:cNvPr id="49" name="그림 22" descr="C:/Users/Admin1/AppData/Roaming/PolarisOffice/ETemp/20820_9877576/fImage364772413281.png"/>
+          <p:cNvPr id="49" name="그림 22" descr="C:/Users/Admin1/AppData/Roaming/PolarisOffice/ETemp/17716_5745816/fImage364772413281.png"/>
           <p:cNvPicPr>
             <a:picLocks noChangeAspect="1"/>
           </p:cNvPicPr>
@@ -11959,8 +12644,8 @@
         </p:blipFill>
         <p:spPr>
           <a:xfrm rot="0">
-            <a:off x="1230630" y="1338580"/>
-            <a:ext cx="4107815" cy="3716655"/>
+            <a:off x="1230630" y="1379855"/>
+            <a:ext cx="4156710" cy="3782695"/>
           </a:xfrm>
           <a:prstGeom prst="rect"/>
           <a:noFill/>
@@ -11968,7 +12653,7 @@
       </p:pic>
       <p:pic>
         <p:nvPicPr>
-          <p:cNvPr id="50" name="그림 23" descr="C:/Users/Admin1/AppData/Roaming/PolarisOffice/ETemp/20820_9877576/fImage183122426827.png"/>
+          <p:cNvPr id="50" name="그림 23" descr="C:/Users/Admin1/AppData/Roaming/PolarisOffice/ETemp/17716_5745816/fImage183122426827.png"/>
           <p:cNvPicPr>
             <a:picLocks noChangeAspect="1"/>
           </p:cNvPicPr>
@@ -11988,8 +12673,8 @@
         </p:blipFill>
         <p:spPr>
           <a:xfrm rot="0">
-            <a:off x="6833235" y="1336675"/>
-            <a:ext cx="4191000" cy="3975735"/>
+            <a:off x="6816725" y="1379855"/>
+            <a:ext cx="4208145" cy="4123690"/>
           </a:xfrm>
           <a:prstGeom prst="rect"/>
           <a:noFill/>
@@ -12139,9 +12824,9 @@
           <p:nvPr/>
         </p:nvSpPr>
         <p:spPr>
-          <a:xfrm rot="0">
+          <a:xfrm>
             <a:off x="1213485" y="2880995"/>
-            <a:ext cx="4124325" cy="954405"/>
+            <a:ext cx="4124960" cy="954405"/>
           </a:xfrm>
           <a:prstGeom prst="rect"/>
           <a:noFill/>
@@ -12185,7 +12870,14 @@
                 <a:latin typeface="맑은 고딕" charset="0"/>
                 <a:ea typeface="맑은 고딕" charset="0"/>
               </a:rPr>
-              <a:t>PlayFab 로그인 화면이 나타나면 PlayFab에서 가입했던 ID와 비밀번호를 입력합니다.</a:t>
+              <a:t>그다음 P</a:t>
+            </a:r>
+            <a:r>
+              <a:rPr lang="ko-KR" sz="1800">
+                <a:latin typeface="맑은 고딕" charset="0"/>
+                <a:ea typeface="맑은 고딕" charset="0"/>
+              </a:rPr>
+              <a:t>layFab 로그인 화면이 나타나면 PlayFab에서 가입했던 ID와 비밀번호를 입력합니다.</a:t>
             </a:r>
             <a:endParaRPr lang="ko-KR" altLang="en-US" sz="1800">
               <a:latin typeface="맑은 고딕" charset="0"/>
@@ -12260,7 +12952,7 @@
       </p:sp>
       <p:pic>
         <p:nvPicPr>
-          <p:cNvPr id="51" name="그림 24" descr="C:/Users/Admin1/AppData/Roaming/PolarisOffice/ETemp/20820_9877576/fImage123742539961.png"/>
+          <p:cNvPr id="51" name="그림 24"/>
           <p:cNvPicPr>
             <a:picLocks noChangeAspect="1"/>
           </p:cNvPicPr>
@@ -12291,7 +12983,7 @@
       </p:pic>
       <p:pic>
         <p:nvPicPr>
-          <p:cNvPr id="52" name="그림 25" descr="C:/Users/Admin1/AppData/Roaming/PolarisOffice/ETemp/20820_9877576/fImage11611254491.png"/>
+          <p:cNvPr id="52" name="그림 25"/>
           <p:cNvPicPr>
             <a:picLocks noChangeAspect="1"/>
           </p:cNvPicPr>
@@ -12322,7 +13014,7 @@
       </p:pic>
       <p:pic>
         <p:nvPicPr>
-          <p:cNvPr id="53" name="그림 26" descr="C:/Users/Admin1/AppData/Roaming/PolarisOffice/ETemp/20820_9877576/fImage234462552995.png"/>
+          <p:cNvPr id="53" name="그림 26"/>
           <p:cNvPicPr>
             <a:picLocks noChangeAspect="1"/>
           </p:cNvPicPr>
@@ -12360,7 +13052,7 @@
         <p:spPr>
           <a:xfrm rot="0">
             <a:off x="6899910" y="5521325"/>
-            <a:ext cx="4049395" cy="677545"/>
+            <a:ext cx="4032250" cy="677545"/>
           </a:xfrm>
           <a:prstGeom prst="rect"/>
           <a:noFill/>
@@ -12404,7 +13096,14 @@
                 <a:latin typeface="맑은 고딕" charset="0"/>
                 <a:ea typeface="맑은 고딕" charset="0"/>
               </a:rPr>
-              <a:t>그리고 SDK가 추가되면 </a:t>
+              <a:t>마지막으로</a:t>
+            </a:r>
+            <a:r>
+              <a:rPr lang="ko-KR" sz="1800">
+                <a:latin typeface="맑은 고딕" charset="0"/>
+                <a:ea typeface="맑은 고딕" charset="0"/>
+              </a:rPr>
+              <a:t> SDK가 추가되면 </a:t>
             </a:r>
             <a:r>
               <a:rPr lang="ko-KR" sz="1800">
@@ -12576,7 +13275,7 @@
         <p:spPr>
           <a:xfrm rot="0">
             <a:off x="1230630" y="5212715"/>
-            <a:ext cx="4053840" cy="955675"/>
+            <a:ext cx="4123690" cy="954405"/>
           </a:xfrm>
           <a:prstGeom prst="rect"/>
           <a:noFill/>
@@ -12620,7 +13319,14 @@
                 <a:latin typeface="맑은 고딕" charset="0"/>
                 <a:ea typeface="맑은 고딕" charset="0"/>
               </a:rPr>
-              <a:t>SETTINGS의 PROJECT에서 STUDIO를 선택하고 PlayFab에서 생성한 Studio를 선택합니다. </a:t>
+              <a:t>이제 S</a:t>
+            </a:r>
+            <a:r>
+              <a:rPr lang="ko-KR" sz="1800">
+                <a:latin typeface="맑은 고딕" charset="0"/>
+                <a:ea typeface="맑은 고딕" charset="0"/>
+              </a:rPr>
+              <a:t>ETTINGS의 PROJECT에서 STUDIO를 선택하고 PlayFab에서 생성한 Studio를 선택합니다. </a:t>
             </a:r>
             <a:endParaRPr lang="ko-KR" altLang="en-US" sz="1800">
               <a:latin typeface="맑은 고딕" charset="0"/>
@@ -12639,8 +13345,8 @@
         </p:nvSpPr>
         <p:spPr>
           <a:xfrm rot="0">
-            <a:off x="6946900" y="5489575"/>
-            <a:ext cx="4154805" cy="678815"/>
+            <a:off x="6913880" y="4940935"/>
+            <a:ext cx="4184650" cy="1231265"/>
           </a:xfrm>
           <a:prstGeom prst="rect"/>
           <a:noFill/>
@@ -12684,7 +13390,28 @@
                 <a:latin typeface="맑은 고딕" charset="0"/>
                 <a:ea typeface="맑은 고딕" charset="0"/>
               </a:rPr>
-              <a:t>그다음 로그인과 회원가입을 위한 UI(InputField, Button)를 생성합니다.</a:t>
+              <a:t>그</a:t>
+            </a:r>
+            <a:r>
+              <a:rPr lang="ko-KR" sz="1800">
+                <a:latin typeface="맑은 고딕" charset="0"/>
+                <a:ea typeface="맑은 고딕" charset="0"/>
+              </a:rPr>
+              <a:t>리고</a:t>
+            </a:r>
+            <a:r>
+              <a:rPr lang="ko-KR" sz="1800">
+                <a:latin typeface="맑은 고딕" charset="0"/>
+                <a:ea typeface="맑은 고딕" charset="0"/>
+              </a:rPr>
+              <a:t> </a:t>
+            </a:r>
+            <a:r>
+              <a:rPr lang="ko-KR" sz="1800">
+                <a:latin typeface="맑은 고딕" charset="0"/>
+                <a:ea typeface="맑은 고딕" charset="0"/>
+              </a:rPr>
+              <a:t>UI에서 Button 2개를 생성하고 각각의 Button의 이름을 Sign In Button과 Sign Up Button이라는 이름으로 정의합니다.</a:t>
             </a:r>
             <a:endParaRPr lang="ko-KR" altLang="en-US" sz="1800">
               <a:latin typeface="맑은 고딕" charset="0"/>
@@ -12695,7 +13422,7 @@
       </p:sp>
       <p:pic>
         <p:nvPicPr>
-          <p:cNvPr id="55" name="그림 28" descr="C:/Users/Admin1/AppData/Roaming/PolarisOffice/ETemp/20820_9877576/fImage250602681942.png"/>
+          <p:cNvPr id="55" name="그림 28" descr="C:/Users/Admin1/AppData/Roaming/PolarisOffice/ETemp/17716_5745816/fImage250602681942.png"/>
           <p:cNvPicPr>
             <a:picLocks noChangeAspect="1"/>
           </p:cNvPicPr>
@@ -12715,8 +13442,8 @@
         </p:blipFill>
         <p:spPr>
           <a:xfrm rot="0">
-            <a:off x="1226185" y="1518285"/>
-            <a:ext cx="4066540" cy="3619500"/>
+            <a:off x="1226185" y="1388110"/>
+            <a:ext cx="4136390" cy="3750310"/>
           </a:xfrm>
           <a:prstGeom prst="rect"/>
           <a:noFill/>
@@ -12724,7 +13451,7 @@
       </p:pic>
       <p:pic>
         <p:nvPicPr>
-          <p:cNvPr id="56" name="그림 29" descr="C:/Users/Admin1/AppData/Roaming/PolarisOffice/ETemp/20820_9877576/fImage191382694827.png"/>
+          <p:cNvPr id="56" name="그림 29" descr="C:/Users/Admin1/AppData/Roaming/PolarisOffice/ETemp/17716_5745816/fImage191382694827.png"/>
           <p:cNvPicPr>
             <a:picLocks noChangeAspect="1"/>
           </p:cNvPicPr>
@@ -12744,8 +13471,8 @@
         </p:blipFill>
         <p:spPr>
           <a:xfrm rot="0">
-            <a:off x="6917690" y="1337310"/>
-            <a:ext cx="1994535" cy="3966845"/>
+            <a:off x="6917690" y="1379855"/>
+            <a:ext cx="2244090" cy="3434080"/>
           </a:xfrm>
           <a:prstGeom prst="roundRect"/>
           <a:solidFill>
@@ -12755,17 +13482,17 @@
       </p:pic>
       <p:pic>
         <p:nvPicPr>
-          <p:cNvPr id="57" name="그림 30" descr="C:/Users/Admin1/AppData/Roaming/PolarisOffice/ETemp/20820_9877576/fImage191502705436.png"/>
+          <p:cNvPr id="57" name="그림 34" descr="C:/Users/Admin1/AppData/Roaming/PolarisOffice/ETemp/17716_5745816/fImage64373136334.png"/>
           <p:cNvPicPr>
             <a:picLocks noChangeAspect="1"/>
           </p:cNvPicPr>
           <p:nvPr/>
         </p:nvPicPr>
         <p:blipFill rotWithShape="1">
-          <a:blip r:embed="rId4" cstate="hqprint">
+          <a:blip r:embed="rId6" cstate="print">
             <a:extLst>
               <a:ext uri="{28A0092B-C50C-407E-A947-70E740481C1C}">
-                <a14:useLocalDpi xmlns:a14="http://schemas.microsoft.com/office/drawing/2010/main"/>
+                <a14:useLocalDpi xmlns:a14="http://schemas.microsoft.com/office/drawing/2010/main" val="0"/>
               </a:ext>
             </a:extLst>
           </a:blip>
@@ -12775,8 +13502,8 @@
         </p:blipFill>
         <p:spPr>
           <a:xfrm rot="0">
-            <a:off x="9057640" y="1334135"/>
-            <a:ext cx="2002155" cy="3961765"/>
+            <a:off x="9377045" y="1812290"/>
+            <a:ext cx="1729740" cy="2560955"/>
           </a:xfrm>
           <a:prstGeom prst="roundRect"/>
           <a:solidFill>
@@ -12808,7 +13535,7 @@
 </file>
 
 <file path=ppt/slides/slide9.xml><?xml version="1.0" encoding="utf-8"?>
-<p:sld xmlns:a="http://schemas.openxmlformats.org/drawingml/2006/main" xmlns:r="http://schemas.openxmlformats.org/officeDocument/2006/relationships" xmlns:p="http://schemas.openxmlformats.org/presentationml/2006/main" xmlns:p14="http://schemas.microsoft.com/office/powerpoint/2010/main">
+<p:sld xmlns:a="http://schemas.openxmlformats.org/drawingml/2006/main" xmlns:r="http://schemas.openxmlformats.org/officeDocument/2006/relationships" xmlns:p="http://schemas.openxmlformats.org/presentationml/2006/main">
   <p:cSld>
     <p:spTree>
       <p:nvGrpSpPr>
@@ -12835,7 +13562,7 @@
         <p:spPr>
           <a:xfrm rot="0">
             <a:off x="1229995" y="1337310"/>
-            <a:ext cx="4039235" cy="370840"/>
+            <a:ext cx="4039870" cy="371475"/>
           </a:xfrm>
           <a:prstGeom prst="rect"/>
           <a:noFill/>
@@ -12872,7 +13599,7 @@
         <p:spPr>
           <a:xfrm rot="0">
             <a:off x="4342765" y="467995"/>
-            <a:ext cx="3503930" cy="554990"/>
+            <a:ext cx="3504565" cy="554990"/>
           </a:xfrm>
           <a:prstGeom prst="rect"/>
           <a:noFill/>
@@ -12929,8 +13656,8 @@
         </p:nvSpPr>
         <p:spPr>
           <a:xfrm rot="0">
-            <a:off x="1203960" y="4872990"/>
-            <a:ext cx="4062095" cy="954405"/>
+            <a:off x="1230630" y="4930140"/>
+            <a:ext cx="4131945" cy="1231265"/>
           </a:xfrm>
           <a:prstGeom prst="rect"/>
           <a:noFill/>
@@ -12957,7 +13684,17 @@
                 <a:latin typeface="맑은 고딕" charset="0"/>
                 <a:ea typeface="맑은 고딕" charset="0"/>
               </a:rPr>
-              <a:t>20.</a:t>
+              <a:t>20</a:t>
+            </a:r>
+            <a:r>
+              <a:rPr lang="ko-KR" sz="2000" b="1">
+                <a:solidFill>
+                  <a:srgbClr val="0611F2"/>
+                </a:solidFill>
+                <a:latin typeface="맑은 고딕" charset="0"/>
+                <a:ea typeface="맑은 고딕" charset="0"/>
+              </a:rPr>
+              <a:t>.</a:t>
             </a:r>
             <a:r>
               <a:rPr lang="ko-KR" sz="2000">
@@ -12974,24 +13711,7 @@
                 <a:latin typeface="맑은 고딕" charset="0"/>
                 <a:ea typeface="맑은 고딕" charset="0"/>
               </a:rPr>
-              <a:t>UI를 배치하고 나면 InputFiled(Password Input)에 Content Type을 </a:t>
-            </a:r>
-            <a:r>
-              <a:rPr lang="ko-KR" sz="1800">
-                <a:solidFill>
-                  <a:srgbClr val="009900"/>
-                </a:solidFill>
-                <a:latin typeface="맑은 고딕" charset="0"/>
-                <a:ea typeface="맑은 고딕" charset="0"/>
-              </a:rPr>
-              <a:t>[Password]</a:t>
-            </a:r>
-            <a:r>
-              <a:rPr lang="ko-KR" sz="1800">
-                <a:latin typeface="맑은 고딕" charset="0"/>
-                <a:ea typeface="맑은 고딕" charset="0"/>
-              </a:rPr>
-              <a:t>로 설정합니다. </a:t>
+              <a:t>그런 다음 UI에서 Input Field를 3개 생성하고 각각의 이름을 Email Input과 Password Input 그리고 UserName Input으로 정의합니다.</a:t>
             </a:r>
             <a:endParaRPr lang="ko-KR" altLang="en-US" sz="1800">
               <a:latin typeface="맑은 고딕" charset="0"/>
@@ -13000,110 +13720,19 @@
           </a:p>
         </p:txBody>
       </p:sp>
-      <p:sp>
-        <p:nvSpPr>
-          <p:cNvPr id="54" name="Rect 0"/>
-          <p:cNvSpPr txBox="1">
-            <a:spLocks/>
-          </p:cNvSpPr>
-          <p:nvPr/>
-        </p:nvSpPr>
-        <p:spPr>
-          <a:xfrm rot="0">
-            <a:off x="6870065" y="4053205"/>
-            <a:ext cx="4153535" cy="1784985"/>
-          </a:xfrm>
-          <a:prstGeom prst="rect"/>
-          <a:noFill/>
-          <a:ln w="0">
-            <a:noFill/>
-            <a:prstDash/>
-          </a:ln>
-        </p:spPr>
-        <p:txBody>
-          <a:bodyPr wrap="square" lIns="89535" tIns="46355" rIns="89535" bIns="46355" numCol="1" vert="horz" anchor="t">
-            <a:spAutoFit/>
-          </a:bodyPr>
-          <a:lstStyle/>
-          <a:p>
-            <a:pPr marL="0" indent="0" rtl="0" algn="l" defTabSz="914400" eaLnBrk="1" latinLnBrk="0" hangingPunct="1">
-              <a:buFontTx/>
-              <a:buNone/>
-            </a:pPr>
-            <a:r>
-              <a:rPr lang="ko-KR" sz="2000" b="1">
-                <a:solidFill>
-                  <a:srgbClr val="0611F2"/>
-                </a:solidFill>
-                <a:latin typeface="맑은 고딕" charset="0"/>
-                <a:ea typeface="맑은 고딕" charset="0"/>
-              </a:rPr>
-              <a:t>21.</a:t>
-            </a:r>
-            <a:r>
-              <a:rPr lang="ko-KR" sz="2000">
-                <a:solidFill>
-                  <a:srgbClr val="0611F2"/>
-                </a:solidFill>
-                <a:latin typeface="맑은 고딕" charset="0"/>
-                <a:ea typeface="맑은 고딕" charset="0"/>
-              </a:rPr>
-              <a:t> </a:t>
-            </a:r>
-            <a:r>
-              <a:rPr lang="ko-KR" sz="1800">
-                <a:latin typeface="맑은 고딕" charset="0"/>
-                <a:ea typeface="맑은 고딕" charset="0"/>
-              </a:rPr>
-              <a:t>그리고 빈 게임 오브젝트 생성하고 이름을 Photon Setting으로 설정합니다.</a:t>
-            </a:r>
-            <a:endParaRPr lang="ko-KR" altLang="en-US" sz="1800">
-              <a:latin typeface="맑은 고딕" charset="0"/>
-              <a:ea typeface="맑은 고딕" charset="0"/>
-            </a:endParaRPr>
-          </a:p>
-          <a:p>
-            <a:pPr marL="0" indent="0" rtl="0" algn="l" defTabSz="914400" eaLnBrk="1" latinLnBrk="0" hangingPunct="1">
-              <a:buFontTx/>
-              <a:buNone/>
-            </a:pPr>
-            <a:endParaRPr lang="ko-KR" altLang="en-US" sz="1800">
-              <a:latin typeface="맑은 고딕" charset="0"/>
-              <a:ea typeface="맑은 고딕" charset="0"/>
-            </a:endParaRPr>
-          </a:p>
-          <a:p>
-            <a:pPr marL="0" indent="0" rtl="0" algn="l" defTabSz="914400" eaLnBrk="1" latinLnBrk="0" hangingPunct="1">
-              <a:buFontTx/>
-              <a:buNone/>
-            </a:pPr>
-            <a:r>
-              <a:rPr lang="ko-KR" sz="1800">
-                <a:latin typeface="맑은 고딕" charset="0"/>
-                <a:ea typeface="맑은 고딕" charset="0"/>
-              </a:rPr>
-              <a:t>그리고 PhotonSetting이라는 스크립트를 생성하고 넣어줍니다.</a:t>
-            </a:r>
-            <a:endParaRPr lang="ko-KR" altLang="en-US" sz="1800">
-              <a:latin typeface="맑은 고딕" charset="0"/>
-              <a:ea typeface="맑은 고딕" charset="0"/>
-            </a:endParaRPr>
-          </a:p>
-        </p:txBody>
-      </p:sp>
       <p:pic>
         <p:nvPicPr>
-          <p:cNvPr id="59" name="그림 32"/>
+          <p:cNvPr id="57" name="Picture " descr="C:/Users/Admin1/AppData/Roaming/PolarisOffice/ETemp/17716_5745816/fImage191502705436.png"/>
           <p:cNvPicPr>
             <a:picLocks noChangeAspect="1"/>
           </p:cNvPicPr>
           <p:nvPr/>
         </p:nvPicPr>
         <p:blipFill rotWithShape="1">
-          <a:blip r:embed="rId2" cstate="print">
+          <a:blip r:embed="rId2" cstate="hqprint">
             <a:extLst>
               <a:ext uri="{28A0092B-C50C-407E-A947-70E740481C1C}">
-                <a14:useLocalDpi xmlns:a14="http://schemas.microsoft.com/office/drawing/2010/main" val="0"/>
+                <a14:useLocalDpi xmlns:a14="http://schemas.microsoft.com/office/drawing/2010/main"/>
               </a:ext>
             </a:extLst>
           </a:blip>
@@ -13113,16 +13742,18 @@
         </p:blipFill>
         <p:spPr>
           <a:xfrm rot="0">
-            <a:off x="2950845" y="1336675"/>
-            <a:ext cx="2409825" cy="3340100"/>
-          </a:xfrm>
-          <a:prstGeom prst="rect"/>
-          <a:noFill/>
+            <a:off x="1222375" y="1338580"/>
+            <a:ext cx="2486025" cy="3416935"/>
+          </a:xfrm>
+          <a:prstGeom prst="roundRect"/>
+          <a:solidFill>
+            <a:srgbClr val="EDEDED"/>
+          </a:solidFill>
         </p:spPr>
       </p:pic>
       <p:pic>
         <p:nvPicPr>
-          <p:cNvPr id="60" name="그림 35"/>
+          <p:cNvPr id="58" name="그림 37" descr="C:/Users/Admin1/AppData/Roaming/PolarisOffice/ETemp/17716_5745816/fImage83363146500.png"/>
           <p:cNvPicPr>
             <a:picLocks noChangeAspect="1"/>
           </p:cNvPicPr>
@@ -13142,37 +13773,8 @@
         </p:blipFill>
         <p:spPr>
           <a:xfrm rot="0">
-            <a:off x="1204595" y="1331595"/>
-            <a:ext cx="1505585" cy="3335655"/>
-          </a:xfrm>
-          <a:prstGeom prst="rect"/>
-          <a:noFill/>
-        </p:spPr>
-      </p:pic>
-      <p:pic>
-        <p:nvPicPr>
-          <p:cNvPr id="61" name="그림 37" descr="C:/Users/Admin1/AppData/Roaming/PolarisOffice/ETemp/6432_22183288/fImage330252883902.png"/>
-          <p:cNvPicPr>
-            <a:picLocks noChangeAspect="1"/>
-          </p:cNvPicPr>
-          <p:nvPr/>
-        </p:nvPicPr>
-        <p:blipFill rotWithShape="1">
-          <a:blip r:embed="rId4" cstate="hqprint">
-            <a:extLst>
-              <a:ext uri="{28A0092B-C50C-407E-A947-70E740481C1C}">
-                <a14:useLocalDpi xmlns:a14="http://schemas.microsoft.com/office/drawing/2010/main"/>
-              </a:ext>
-            </a:extLst>
-          </a:blip>
-          <a:stretch>
-            <a:fillRect/>
-          </a:stretch>
-        </p:blipFill>
-        <p:spPr>
-          <a:xfrm rot="0">
-            <a:off x="6863715" y="1329690"/>
-            <a:ext cx="1891665" cy="2559685"/>
+            <a:off x="3890645" y="1855470"/>
+            <a:ext cx="1463675" cy="2385060"/>
           </a:xfrm>
           <a:prstGeom prst="roundRect"/>
           <a:solidFill>
@@ -13180,104 +13782,6 @@
           </a:solidFill>
         </p:spPr>
       </p:pic>
-      <p:pic>
-        <p:nvPicPr>
-          <p:cNvPr id="62" name="그림 38"/>
-          <p:cNvPicPr>
-            <a:picLocks noChangeAspect="1"/>
-          </p:cNvPicPr>
-          <p:nvPr/>
-        </p:nvPicPr>
-        <p:blipFill rotWithShape="1">
-          <a:blip r:embed="rId5" cstate="print">
-            <a:extLst>
-              <a:ext uri="{28A0092B-C50C-407E-A947-70E740481C1C}">
-                <a14:useLocalDpi xmlns:a14="http://schemas.microsoft.com/office/drawing/2010/main" val="0"/>
-              </a:ext>
-            </a:extLst>
-          </a:blip>
-          <a:stretch>
-            <a:fillRect/>
-          </a:stretch>
-        </p:blipFill>
-        <p:spPr>
-          <a:xfrm rot="0">
-            <a:off x="9620250" y="3100070"/>
-            <a:ext cx="890270" cy="796925"/>
-          </a:xfrm>
-          <a:prstGeom prst="roundRect"/>
-          <a:solidFill>
-            <a:srgbClr val="EDEDED"/>
-          </a:solidFill>
-        </p:spPr>
-      </p:pic>
-      <p:pic>
-        <p:nvPicPr>
-          <p:cNvPr id="63" name="그림 42"/>
-          <p:cNvPicPr>
-            <a:picLocks noChangeAspect="1"/>
-          </p:cNvPicPr>
-          <p:nvPr/>
-        </p:nvPicPr>
-        <p:blipFill rotWithShape="1">
-          <a:blip r:embed="rId6" cstate="print">
-            <a:extLst>
-              <a:ext uri="{28A0092B-C50C-407E-A947-70E740481C1C}">
-                <a14:useLocalDpi xmlns:a14="http://schemas.microsoft.com/office/drawing/2010/main" val="0"/>
-              </a:ext>
-            </a:extLst>
-          </a:blip>
-          <a:stretch>
-            <a:fillRect/>
-          </a:stretch>
-        </p:blipFill>
-        <p:spPr>
-          <a:xfrm rot="0">
-            <a:off x="9170035" y="1331595"/>
-            <a:ext cx="1784350" cy="1390015"/>
-          </a:xfrm>
-          <a:prstGeom prst="roundRect"/>
-          <a:solidFill>
-            <a:srgbClr val="EDEDED"/>
-          </a:solidFill>
-        </p:spPr>
-      </p:pic>
-      <p:cxnSp>
-        <p:nvCxnSpPr>
-          <p:cNvPr id="64" name="도형 45"/>
-          <p:cNvCxnSpPr>
-            <a:stCxn id="62" idx="0"/>
-            <a:endCxn id="63" idx="2"/>
-          </p:cNvCxnSpPr>
-          <p:nvPr/>
-        </p:nvCxnSpPr>
-        <p:spPr>
-          <a:xfrm rot="0" flipH="1" flipV="1">
-            <a:off x="10061575" y="2720975"/>
-            <a:ext cx="3810" cy="379730"/>
-          </a:xfrm>
-          <a:prstGeom prst="straightConnector1"/>
-          <a:ln w="6350" cap="flat" cmpd="sng">
-            <a:prstDash/>
-            <a:headEnd type="none" w="med" len="med"/>
-            <a:tailEnd type="triangle" w="med" len="med"/>
-          </a:ln>
-        </p:spPr>
-        <p:style>
-          <a:lnRef idx="1">
-            <a:schemeClr val="accent1"/>
-          </a:lnRef>
-          <a:fillRef idx="0">
-            <a:schemeClr val="accent1"/>
-          </a:fillRef>
-          <a:effectRef idx="0">
-            <a:schemeClr val="accent1"/>
-          </a:effectRef>
-          <a:fontRef idx="minor">
-            <a:schemeClr val="tx1"/>
-          </a:fontRef>
-        </p:style>
-      </p:cxnSp>
     </p:spTree>
   </p:cSld>
   <p:clrMapOvr>

--- a/Assets/Class/Photon Server/PPT Data/Photon PlayFab.pptx
+++ b/Assets/Class/Photon Server/PPT Data/Photon PlayFab.pptx
@@ -2,7 +2,7 @@
 <file path=ppt/presentation.xml><?xml version="1.0" encoding="utf-8"?>
 <p:presentation xmlns:a="http://schemas.openxmlformats.org/drawingml/2006/main" xmlns:r="http://schemas.openxmlformats.org/officeDocument/2006/relationships" xmlns:p="http://schemas.openxmlformats.org/presentationml/2006/main" xmlns:p14="http://schemas.microsoft.com/office/powerpoint/2010/main" saveSubsetFonts="1" firstSlideNum="0">
   <p:sldMasterIdLst>
-    <p:sldMasterId id="2147486838" r:id="rId12"/>
+    <p:sldMasterId id="2147486863" r:id="rId12"/>
   </p:sldMasterIdLst>
   <p:notesMasterIdLst>
     <p:notesMasterId r:id="rId14"/>
@@ -23,7 +23,8 @@
     <p:sldId id="326" r:id="rId28"/>
     <p:sldId id="327" r:id="rId29"/>
     <p:sldId id="328" r:id="rId30"/>
-    <p:sldId id="329" r:id="rId31"/>
+    <p:sldId id="331" r:id="rId31"/>
+    <p:sldId id="332" r:id="rId32"/>
   </p:sldIdLst>
   <p:sldSz cx="12192000" cy="6858000"/>
   <p:notesSz cx="6858000" cy="9144000"/>
@@ -1618,6 +1619,148 @@
 </p:notes>
 </file>
 
+<file path=ppt/notesSlides/notesSlide17.xml><?xml version="1.0" encoding="utf-8"?>
+<p:notes xmlns:a="http://schemas.openxmlformats.org/drawingml/2006/main" xmlns:r="http://schemas.openxmlformats.org/officeDocument/2006/relationships" xmlns:p="http://schemas.openxmlformats.org/presentationml/2006/main">
+  <p:cSld>
+    <p:spTree>
+      <p:nvGrpSpPr>
+        <p:cNvPr id="1" name=""/>
+        <p:cNvGrpSpPr/>
+        <p:nvPr/>
+      </p:nvGrpSpPr>
+      <p:grpSpPr>
+        <a:xfrm>
+          <a:off x="0" y="0"/>
+          <a:ext cx="0" cy="0"/>
+          <a:chOff x="0" y="0"/>
+          <a:chExt cx="0" cy="0"/>
+        </a:xfrm>
+      </p:grpSpPr>
+      <p:sp>
+        <p:nvSpPr>
+          <p:cNvPr id="2" name="슬라이드 이미지 개체 틀 3"/>
+          <p:cNvSpPr>
+            <a:spLocks noChangeAspect="1"/>
+          </p:cNvSpPr>
+          <p:nvPr>
+            <p:ph type="sldImg" idx="2"/>
+          </p:nvPr>
+        </p:nvSpPr>
+        <p:spPr>
+          <a:xfrm rot="0">
+            <a:off x="685800" y="1143000"/>
+            <a:ext cx="5494655" cy="3094355"/>
+          </a:xfrm>
+          <a:prstGeom prst="rect"/>
+          <a:noFill/>
+          <a:ln w="12700" cap="flat" cmpd="sng">
+            <a:solidFill>
+              <a:srgbClr val="000000">
+                <a:alpha val="100000"/>
+              </a:srgbClr>
+            </a:solidFill>
+            <a:prstDash val="solid"/>
+          </a:ln>
+        </p:spPr>
+        <p:txBody>
+          <a:bodyPr wrap="square" lIns="91440" tIns="45720" rIns="91440" bIns="45720" numCol="1" vert="horz" anchor="ctr">
+            <a:noAutofit/>
+          </a:bodyPr>
+          <a:lstStyle/>
+          <a:p>
+            <a:pPr marL="0" indent="0" latinLnBrk="0">
+              <a:buFontTx/>
+              <a:buNone/>
+            </a:pPr>
+          </a:p>
+        </p:txBody>
+      </p:sp>
+      <p:sp>
+        <p:nvSpPr>
+          <p:cNvPr id="3" name="슬라이드 노트 개체 틀 4"/>
+          <p:cNvSpPr txBox="1">
+            <a:spLocks/>
+          </p:cNvSpPr>
+          <p:nvPr>
+            <p:ph type="body" idx="3"/>
+          </p:nvPr>
+        </p:nvSpPr>
+        <p:spPr>
+          <a:xfrm rot="0">
+            <a:off x="685800" y="4400550"/>
+            <a:ext cx="5494655" cy="3608705"/>
+          </a:xfrm>
+          <a:prstGeom prst="rect"/>
+        </p:spPr>
+        <p:txBody>
+          <a:bodyPr wrap="square" lIns="91440" tIns="45720" rIns="91440" bIns="45720" numCol="1" vert="horz" anchor="t">
+            <a:noAutofit/>
+          </a:bodyPr>
+          <a:lstStyle/>
+          <a:p>
+            <a:pPr marL="0" indent="0" latinLnBrk="0">
+              <a:buFontTx/>
+              <a:buNone/>
+            </a:pPr>
+          </a:p>
+        </p:txBody>
+      </p:sp>
+      <p:sp>
+        <p:nvSpPr>
+          <p:cNvPr id="4" name="슬라이드 번호 개체 틀 6"/>
+          <p:cNvSpPr txBox="1">
+            <a:spLocks/>
+          </p:cNvSpPr>
+          <p:nvPr>
+            <p:ph type="sldNum" idx="5"/>
+          </p:nvPr>
+        </p:nvSpPr>
+        <p:spPr>
+          <a:xfrm rot="0">
+            <a:off x="3884930" y="8685530"/>
+            <a:ext cx="2980055" cy="466725"/>
+          </a:xfrm>
+          <a:prstGeom prst="rect"/>
+        </p:spPr>
+        <p:txBody>
+          <a:bodyPr wrap="square" lIns="91440" tIns="45720" rIns="91440" bIns="45720" numCol="1" vert="horz" anchor="b">
+            <a:noAutofit/>
+          </a:bodyPr>
+          <a:lstStyle>
+            <a:lvl1pPr marL="0" indent="0" algn="r" latinLnBrk="0">
+              <a:buFontTx/>
+              <a:buNone/>
+              <a:defRPr lang="en-GB" altLang="en-US" sz="1200"/>
+            </a:lvl1pPr>
+          </a:lstStyle>
+          <a:p>
+            <a:pPr marL="0" indent="0" latinLnBrk="0">
+              <a:buFontTx/>
+              <a:buNone/>
+            </a:pPr>
+            <a:fld id="{B9320F77-B9A0-41C5-862A-B4B631284C64}" type="slidenum">
+              <a:rPr lang="ko-KR" altLang="en-US"/>
+              <a:t>‹#›</a:t>
+            </a:fld>
+          </a:p>
+        </p:txBody>
+      </p:sp>
+    </p:spTree>
+  </p:cSld>
+  <p:clrMapOvr>
+    <a:masterClrMapping/>
+  </p:clrMapOvr>
+  <mc:AlternateContent xmlns:mc="http://schemas.openxmlformats.org/markup-compatibility/2006">
+    <mc:Choice xmlns:p14="http://schemas.microsoft.com/office/powerpoint/2010/main" Requires="p14">
+      <p:transition spd="slow" p14:dur="0"/>
+    </mc:Choice>
+    <mc:Fallback>
+      <p:transition spd="slow"/>
+    </mc:Fallback>
+  </mc:AlternateContent>
+</p:notes>
+</file>
+
 <file path=ppt/notesSlides/notesSlide2.xml><?xml version="1.0" encoding="utf-8"?>
 <p:notes xmlns:a="http://schemas.openxmlformats.org/drawingml/2006/main" xmlns:r="http://schemas.openxmlformats.org/officeDocument/2006/relationships" xmlns:p="http://schemas.openxmlformats.org/presentationml/2006/main">
   <p:cSld>
@@ -7777,7 +7920,7 @@
       </p:sp>
       <p:pic>
         <p:nvPicPr>
-          <p:cNvPr id="16" name="그림 2" descr="C:/Users/Admin1/AppData/Roaming/PolarisOffice/ETemp/17716_5745816/fImage221221388467.png"/>
+          <p:cNvPr id="16" name="그림 2"/>
           <p:cNvPicPr>
             <a:picLocks noChangeAspect="1"/>
           </p:cNvPicPr>
@@ -7808,7 +7951,7 @@
       </p:pic>
       <p:pic>
         <p:nvPicPr>
-          <p:cNvPr id="19" name="그림 5" descr="C:/Users/Admin1/AppData/Roaming/PolarisOffice/ETemp/17716_5745816/fImage4795621241.png"/>
+          <p:cNvPr id="19" name="그림 5"/>
           <p:cNvPicPr>
             <a:picLocks noChangeAspect="1"/>
           </p:cNvPicPr>
@@ -8043,8 +8186,8 @@
         </p:nvSpPr>
         <p:spPr>
           <a:xfrm rot="0">
-            <a:off x="1203960" y="4872990"/>
-            <a:ext cx="4062095" cy="954405"/>
+            <a:off x="1212215" y="5197475"/>
+            <a:ext cx="4062730" cy="954405"/>
           </a:xfrm>
           <a:prstGeom prst="rect"/>
           <a:noFill/>
@@ -8071,7 +8214,27 @@
                 <a:latin typeface="맑은 고딕" charset="0"/>
                 <a:ea typeface="맑은 고딕" charset="0"/>
               </a:rPr>
-              <a:t>20.</a:t>
+              <a:t>2</a:t>
+            </a:r>
+            <a:r>
+              <a:rPr lang="ko-KR" sz="2000" b="1">
+                <a:solidFill>
+                  <a:srgbClr val="0611F2"/>
+                </a:solidFill>
+                <a:latin typeface="맑은 고딕" charset="0"/>
+                <a:ea typeface="맑은 고딕" charset="0"/>
+              </a:rPr>
+              <a:t>2</a:t>
+            </a:r>
+            <a:r>
+              <a:rPr lang="ko-KR" sz="2000" b="1">
+                <a:solidFill>
+                  <a:srgbClr val="0611F2"/>
+                </a:solidFill>
+                <a:latin typeface="맑은 고딕" charset="0"/>
+                <a:ea typeface="맑은 고딕" charset="0"/>
+              </a:rPr>
+              <a:t>.</a:t>
             </a:r>
             <a:r>
               <a:rPr lang="ko-KR" sz="2000">
@@ -8088,7 +8251,14 @@
                 <a:latin typeface="맑은 고딕" charset="0"/>
                 <a:ea typeface="맑은 고딕" charset="0"/>
               </a:rPr>
-              <a:t>UI를 배치하고 나면 InputFiled(Password Input)에 Content Type을 </a:t>
+              <a:t>이제 Password Input 오브젝트를 선택하고 </a:t>
+            </a:r>
+            <a:r>
+              <a:rPr lang="ko-KR" sz="1800">
+                <a:latin typeface="맑은 고딕" charset="0"/>
+                <a:ea typeface="맑은 고딕" charset="0"/>
+              </a:rPr>
+              <a:t>Content Type을 </a:t>
             </a:r>
             <a:r>
               <a:rPr lang="ko-KR" sz="1800">
@@ -8124,8 +8294,8 @@
         </p:nvSpPr>
         <p:spPr>
           <a:xfrm rot="0">
-            <a:off x="6870065" y="4053205"/>
-            <a:ext cx="4153535" cy="1784985"/>
+            <a:off x="6861810" y="4368800"/>
+            <a:ext cx="4154170" cy="1784985"/>
           </a:xfrm>
           <a:prstGeom prst="rect"/>
           <a:noFill/>
@@ -8152,7 +8322,27 @@
                 <a:latin typeface="맑은 고딕" charset="0"/>
                 <a:ea typeface="맑은 고딕" charset="0"/>
               </a:rPr>
-              <a:t>21.</a:t>
+              <a:t>2</a:t>
+            </a:r>
+            <a:r>
+              <a:rPr lang="ko-KR" sz="2000" b="1">
+                <a:solidFill>
+                  <a:srgbClr val="0611F2"/>
+                </a:solidFill>
+                <a:latin typeface="맑은 고딕" charset="0"/>
+                <a:ea typeface="맑은 고딕" charset="0"/>
+              </a:rPr>
+              <a:t>3</a:t>
+            </a:r>
+            <a:r>
+              <a:rPr lang="ko-KR" sz="2000" b="1">
+                <a:solidFill>
+                  <a:srgbClr val="0611F2"/>
+                </a:solidFill>
+                <a:latin typeface="맑은 고딕" charset="0"/>
+                <a:ea typeface="맑은 고딕" charset="0"/>
+              </a:rPr>
+              <a:t>.</a:t>
             </a:r>
             <a:r>
               <a:rPr lang="ko-KR" sz="2000">
@@ -8169,7 +8359,21 @@
                 <a:latin typeface="맑은 고딕" charset="0"/>
                 <a:ea typeface="맑은 고딕" charset="0"/>
               </a:rPr>
-              <a:t>그리고 빈 게임 오브젝트 생성하고 이름을 Photon Setting으로 설정합니다.</a:t>
+              <a:t>그리고 빈 게임 오브젝트 생성</a:t>
+            </a:r>
+            <a:r>
+              <a:rPr lang="ko-KR" sz="1800">
+                <a:latin typeface="맑은 고딕" charset="0"/>
+                <a:ea typeface="맑은 고딕" charset="0"/>
+              </a:rPr>
+              <a:t>한 다음</a:t>
+            </a:r>
+            <a:r>
+              <a:rPr lang="ko-KR" sz="1800">
+                <a:latin typeface="맑은 고딕" charset="0"/>
+                <a:ea typeface="맑은 고딕" charset="0"/>
+              </a:rPr>
+              <a:t> 이름을 Photon Setting으로 설정합니다.</a:t>
             </a:r>
             <a:endParaRPr lang="ko-KR" altLang="en-US" sz="1800">
               <a:latin typeface="맑은 고딕" charset="0"/>
@@ -8196,7 +8400,14 @@
                 <a:latin typeface="맑은 고딕" charset="0"/>
                 <a:ea typeface="맑은 고딕" charset="0"/>
               </a:rPr>
-              <a:t>그리고 PhotonSetting이라는 스크립트를 생성하고 넣어줍니다.</a:t>
+              <a:t>마지막으로</a:t>
+            </a:r>
+            <a:r>
+              <a:rPr lang="ko-KR" sz="1800">
+                <a:latin typeface="맑은 고딕" charset="0"/>
+                <a:ea typeface="맑은 고딕" charset="0"/>
+              </a:rPr>
+              <a:t> PhotonSetting이라는 스크립트를 생성하고 넣어줍니다.</a:t>
             </a:r>
             <a:endParaRPr lang="ko-KR" altLang="en-US" sz="1800">
               <a:latin typeface="맑은 고딕" charset="0"/>
@@ -8207,17 +8418,17 @@
       </p:sp>
       <p:pic>
         <p:nvPicPr>
-          <p:cNvPr id="59" name="그림 32"/>
+          <p:cNvPr id="59" name="그림 32" descr="C:/Users/Admin1/AppData/Roaming/PolarisOffice/ETemp/2936_21704408/fImage241662822391.png"/>
           <p:cNvPicPr>
             <a:picLocks noChangeAspect="1"/>
           </p:cNvPicPr>
           <p:nvPr/>
         </p:nvPicPr>
         <p:blipFill rotWithShape="1">
-          <a:blip r:embed="rId2" cstate="print">
+          <a:blip r:embed="rId2" cstate="hqprint">
             <a:extLst>
               <a:ext uri="{28A0092B-C50C-407E-A947-70E740481C1C}">
-                <a14:useLocalDpi xmlns:a14="http://schemas.microsoft.com/office/drawing/2010/main" val="0"/>
+                <a14:useLocalDpi xmlns:a14="http://schemas.microsoft.com/office/drawing/2010/main"/>
               </a:ext>
             </a:extLst>
           </a:blip>
@@ -8228,7 +8439,7 @@
         <p:spPr>
           <a:xfrm rot="0">
             <a:off x="2950845" y="1336675"/>
-            <a:ext cx="2409825" cy="3340100"/>
+            <a:ext cx="2411730" cy="3701415"/>
           </a:xfrm>
           <a:prstGeom prst="rect"/>
           <a:noFill/>
@@ -8236,36 +8447,7 @@
       </p:pic>
       <p:pic>
         <p:nvPicPr>
-          <p:cNvPr id="60" name="그림 35"/>
-          <p:cNvPicPr>
-            <a:picLocks noChangeAspect="1"/>
-          </p:cNvPicPr>
-          <p:nvPr/>
-        </p:nvPicPr>
-        <p:blipFill rotWithShape="1">
-          <a:blip r:embed="rId3" cstate="print">
-            <a:extLst>
-              <a:ext uri="{28A0092B-C50C-407E-A947-70E740481C1C}">
-                <a14:useLocalDpi xmlns:a14="http://schemas.microsoft.com/office/drawing/2010/main" val="0"/>
-              </a:ext>
-            </a:extLst>
-          </a:blip>
-          <a:stretch>
-            <a:fillRect/>
-          </a:stretch>
-        </p:blipFill>
-        <p:spPr>
-          <a:xfrm rot="0">
-            <a:off x="1204595" y="1331595"/>
-            <a:ext cx="1505585" cy="3335655"/>
-          </a:xfrm>
-          <a:prstGeom prst="rect"/>
-          <a:noFill/>
-        </p:spPr>
-      </p:pic>
-      <p:pic>
-        <p:nvPicPr>
-          <p:cNvPr id="61" name="그림 37"/>
+          <p:cNvPr id="61" name="그림 37" descr="C:/Users/Admin1/AppData/Roaming/PolarisOffice/ETemp/2936_21704408/fImage330252883902.png"/>
           <p:cNvPicPr>
             <a:picLocks noChangeAspect="1"/>
           </p:cNvPicPr>
@@ -8285,8 +8467,8 @@
         </p:blipFill>
         <p:spPr>
           <a:xfrm rot="0">
-            <a:off x="6863715" y="1329690"/>
-            <a:ext cx="1891665" cy="2559685"/>
+            <a:off x="6863715" y="1338580"/>
+            <a:ext cx="2347595" cy="2884805"/>
           </a:xfrm>
           <a:prstGeom prst="roundRect"/>
           <a:solidFill>
@@ -8296,14 +8478,45 @@
       </p:pic>
       <p:pic>
         <p:nvPicPr>
-          <p:cNvPr id="62" name="그림 38"/>
+          <p:cNvPr id="62" name="그림 38" descr="C:/Users/Admin1/AppData/Roaming/PolarisOffice/ETemp/2936_21704408/fImage2273289153.png"/>
           <p:cNvPicPr>
             <a:picLocks noChangeAspect="1"/>
           </p:cNvPicPr>
           <p:nvPr/>
         </p:nvPicPr>
         <p:blipFill rotWithShape="1">
-          <a:blip r:embed="rId5" cstate="print">
+          <a:blip r:embed="rId5" cstate="hqprint">
+            <a:extLst>
+              <a:ext uri="{28A0092B-C50C-407E-A947-70E740481C1C}">
+                <a14:useLocalDpi xmlns:a14="http://schemas.microsoft.com/office/drawing/2010/main"/>
+              </a:ext>
+            </a:extLst>
+          </a:blip>
+          <a:stretch>
+            <a:fillRect/>
+          </a:stretch>
+        </p:blipFill>
+        <p:spPr>
+          <a:xfrm rot="0">
+            <a:off x="9876155" y="3516630"/>
+            <a:ext cx="699135" cy="705485"/>
+          </a:xfrm>
+          <a:prstGeom prst="roundRect"/>
+          <a:solidFill>
+            <a:srgbClr val="EDEDED"/>
+          </a:solidFill>
+        </p:spPr>
+      </p:pic>
+      <p:pic>
+        <p:nvPicPr>
+          <p:cNvPr id="65" name="그림 11" descr="C:/Users/Admin1/AppData/Roaming/PolarisOffice/ETemp/2936_21704408/fImage90882266334.png"/>
+          <p:cNvPicPr>
+            <a:picLocks noChangeAspect="1"/>
+          </p:cNvPicPr>
+          <p:nvPr/>
+        </p:nvPicPr>
+        <p:blipFill rotWithShape="1">
+          <a:blip r:embed="rId8" cstate="print">
             <a:extLst>
               <a:ext uri="{28A0092B-C50C-407E-A947-70E740481C1C}">
                 <a14:useLocalDpi xmlns:a14="http://schemas.microsoft.com/office/drawing/2010/main" val="0"/>
@@ -8316,8 +8529,8 @@
         </p:blipFill>
         <p:spPr>
           <a:xfrm rot="0">
-            <a:off x="9620250" y="3100070"/>
-            <a:ext cx="890270" cy="796925"/>
+            <a:off x="1233170" y="1812290"/>
+            <a:ext cx="1562735" cy="2752090"/>
           </a:xfrm>
           <a:prstGeom prst="roundRect"/>
           <a:solidFill>
@@ -8327,14 +8540,14 @@
       </p:pic>
       <p:pic>
         <p:nvPicPr>
-          <p:cNvPr id="63" name="그림 42"/>
+          <p:cNvPr id="66" name="그림 14" descr="C:/Users/Admin1/AppData/Roaming/PolarisOffice/ETemp/2936_21704408/fImage97242276500.png"/>
           <p:cNvPicPr>
             <a:picLocks noChangeAspect="1"/>
           </p:cNvPicPr>
           <p:nvPr/>
         </p:nvPicPr>
         <p:blipFill rotWithShape="1">
-          <a:blip r:embed="rId6" cstate="print">
+          <a:blip r:embed="rId9" cstate="print">
             <a:extLst>
               <a:ext uri="{28A0092B-C50C-407E-A947-70E740481C1C}">
                 <a14:useLocalDpi xmlns:a14="http://schemas.microsoft.com/office/drawing/2010/main" val="0"/>
@@ -8347,8 +8560,8 @@
         </p:blipFill>
         <p:spPr>
           <a:xfrm rot="0">
-            <a:off x="9170035" y="1331595"/>
-            <a:ext cx="1784350" cy="1390015"/>
+            <a:off x="9427210" y="1341755"/>
+            <a:ext cx="1588135" cy="1818005"/>
           </a:xfrm>
           <a:prstGeom prst="roundRect"/>
           <a:solidFill>
@@ -8358,17 +8571,17 @@
       </p:pic>
       <p:cxnSp>
         <p:nvCxnSpPr>
-          <p:cNvPr id="64" name="도형 45"/>
+          <p:cNvPr id="67" name="도형 17"/>
           <p:cNvCxnSpPr>
             <a:stCxn id="62" idx="0"/>
-            <a:endCxn id="63" idx="2"/>
+            <a:endCxn id="66" idx="2"/>
           </p:cNvCxnSpPr>
           <p:nvPr/>
         </p:nvCxnSpPr>
         <p:spPr>
           <a:xfrm rot="0" flipH="1" flipV="1">
-            <a:off x="10061575" y="2720975"/>
-            <a:ext cx="3810" cy="379730"/>
+            <a:off x="10220960" y="3159125"/>
+            <a:ext cx="5080" cy="358140"/>
           </a:xfrm>
           <a:prstGeom prst="straightConnector1"/>
           <a:ln w="6350" cap="flat" cmpd="sng">
@@ -8544,8 +8757,8 @@
         </p:nvSpPr>
         <p:spPr>
           <a:xfrm rot="0">
-            <a:off x="1229995" y="4734560"/>
-            <a:ext cx="4130675" cy="954405"/>
+            <a:off x="1229995" y="3903345"/>
+            <a:ext cx="4124325" cy="2338705"/>
           </a:xfrm>
           <a:prstGeom prst="rect"/>
           <a:noFill/>
@@ -8572,7 +8785,27 @@
                 <a:latin typeface="맑은 고딕" charset="0"/>
                 <a:ea typeface="맑은 고딕" charset="0"/>
               </a:rPr>
-              <a:t>22.</a:t>
+              <a:t>2</a:t>
+            </a:r>
+            <a:r>
+              <a:rPr lang="ko-KR" sz="2000" b="1">
+                <a:solidFill>
+                  <a:srgbClr val="0611F2"/>
+                </a:solidFill>
+                <a:latin typeface="맑은 고딕" charset="0"/>
+                <a:ea typeface="맑은 고딕" charset="0"/>
+              </a:rPr>
+              <a:t>4</a:t>
+            </a:r>
+            <a:r>
+              <a:rPr lang="ko-KR" sz="2000" b="1">
+                <a:solidFill>
+                  <a:srgbClr val="0611F2"/>
+                </a:solidFill>
+                <a:latin typeface="맑은 고딕" charset="0"/>
+                <a:ea typeface="맑은 고딕" charset="0"/>
+              </a:rPr>
+              <a:t>.</a:t>
             </a:r>
             <a:r>
               <a:rPr lang="ko-KR" sz="2000">
@@ -8589,25 +8822,266 @@
                 <a:latin typeface="맑은 고딕" charset="0"/>
                 <a:ea typeface="맑은 고딕" charset="0"/>
               </a:rPr>
-              <a:t>Photon Setting 스크립트에서 입 력을 받기 위해 InputField 변수를 여러 개 생성합니다.</a:t>
+              <a:t>그런 다음 P</a:t>
+            </a:r>
+            <a:r>
+              <a:rPr lang="ko-KR" sz="1800">
+                <a:latin typeface="맑은 고딕" charset="0"/>
+                <a:ea typeface="맑은 고딕" charset="0"/>
+              </a:rPr>
+              <a:t>hotonSetting</a:t>
+            </a:r>
+            <a:r>
+              <a:rPr lang="ko-KR" sz="1800">
+                <a:latin typeface="맑은 고딕" charset="0"/>
+                <a:ea typeface="맑은 고딕" charset="0"/>
+              </a:rPr>
+              <a:t> 스크립트</a:t>
+            </a:r>
+            <a:r>
+              <a:rPr lang="ko-KR" sz="1800">
+                <a:latin typeface="맑은 고딕" charset="0"/>
+                <a:ea typeface="맑은 고딕" charset="0"/>
+              </a:rPr>
+              <a:t>에서</a:t>
+            </a:r>
+            <a:r>
+              <a:rPr lang="ko-KR" sz="1800">
+                <a:latin typeface="맑은 고딕" charset="0"/>
+                <a:ea typeface="맑은 고딕" charset="0"/>
+              </a:rPr>
+              <a:t> MonoBehaviourPunCallbacks 클래스를 상속받도록 설정합니다.</a:t>
             </a:r>
             <a:endParaRPr lang="ko-KR" altLang="en-US" sz="1800">
               <a:latin typeface="맑은 고딕" charset="0"/>
               <a:ea typeface="맑은 고딕" charset="0"/>
             </a:endParaRPr>
           </a:p>
+          <a:p>
+            <a:pPr marL="0" indent="0" rtl="0" algn="l" defTabSz="914400" eaLnBrk="1" latinLnBrk="0" hangingPunct="1">
+              <a:buFontTx/>
+              <a:buNone/>
+            </a:pPr>
+            <a:endParaRPr lang="ko-KR" altLang="en-US" sz="1800">
+              <a:latin typeface="맑은 고딕" charset="0"/>
+              <a:ea typeface="맑은 고딕" charset="0"/>
+            </a:endParaRPr>
+          </a:p>
+          <a:p>
+            <a:pPr marL="0" indent="0" rtl="0" algn="l" defTabSz="914400" eaLnBrk="1" latinLnBrk="0" hangingPunct="1">
+              <a:buFontTx/>
+              <a:buNone/>
+            </a:pPr>
+            <a:r>
+              <a:rPr lang="ko-KR" sz="1800">
+                <a:latin typeface="맑은 고딕" charset="0"/>
+                <a:ea typeface="맑은 고딕" charset="0"/>
+              </a:rPr>
+              <a:t>그다음으로 InputField 변수를 3개 선언하고 DropDown 변수를 선언합니다.</a:t>
+            </a:r>
+            <a:endParaRPr lang="ko-KR" altLang="en-US" sz="1800">
+              <a:latin typeface="맑은 고딕" charset="0"/>
+              <a:ea typeface="맑은 고딕" charset="0"/>
+            </a:endParaRPr>
+          </a:p>
+        </p:txBody>
+      </p:sp>
+      <p:sp>
+        <p:nvSpPr>
+          <p:cNvPr id="57" name="텍스트 상자 59"/>
+          <p:cNvSpPr txBox="1">
+            <a:spLocks/>
+          </p:cNvSpPr>
+          <p:nvPr/>
+        </p:nvSpPr>
+        <p:spPr>
+          <a:xfrm rot="0">
+            <a:off x="6555105" y="4178300"/>
+            <a:ext cx="4201160" cy="2061845"/>
+          </a:xfrm>
+          <a:prstGeom prst="rect"/>
+          <a:noFill/>
+          <a:ln w="0">
+            <a:noFill/>
+            <a:prstDash/>
+          </a:ln>
+        </p:spPr>
+        <p:txBody>
+          <a:bodyPr wrap="square" lIns="89535" tIns="46355" rIns="89535" bIns="46355" numCol="1" vert="horz" anchor="t">
+            <a:spAutoFit/>
+          </a:bodyPr>
+          <a:lstStyle/>
+          <a:p>
+            <a:pPr marL="0" indent="0" rtl="0" algn="l" defTabSz="914400" eaLnBrk="1" latinLnBrk="0" hangingPunct="1">
+              <a:buFontTx/>
+              <a:buNone/>
+            </a:pPr>
+            <a:r>
+              <a:rPr lang="ko-KR" sz="2000" b="1">
+                <a:solidFill>
+                  <a:srgbClr val="0611F2"/>
+                </a:solidFill>
+                <a:latin typeface="맑은 고딕" charset="0"/>
+                <a:ea typeface="맑은 고딕" charset="0"/>
+              </a:rPr>
+              <a:t>2</a:t>
+            </a:r>
+            <a:r>
+              <a:rPr lang="ko-KR" sz="2000" b="1">
+                <a:solidFill>
+                  <a:srgbClr val="0611F2"/>
+                </a:solidFill>
+                <a:latin typeface="맑은 고딕" charset="0"/>
+                <a:ea typeface="맑은 고딕" charset="0"/>
+              </a:rPr>
+              <a:t>5</a:t>
+            </a:r>
+            <a:r>
+              <a:rPr lang="ko-KR" sz="2000" b="1">
+                <a:solidFill>
+                  <a:srgbClr val="0611F2"/>
+                </a:solidFill>
+                <a:latin typeface="맑은 고딕" charset="0"/>
+                <a:ea typeface="맑은 고딕" charset="0"/>
+              </a:rPr>
+              <a:t>. </a:t>
+            </a:r>
+            <a:r>
+              <a:rPr lang="ko-KR" sz="1800">
+                <a:latin typeface="맑은 고딕" charset="0"/>
+                <a:ea typeface="맑은 고딕" charset="0"/>
+              </a:rPr>
+              <a:t>이제</a:t>
+            </a:r>
+            <a:r>
+              <a:rPr lang="ko-KR" sz="1800">
+                <a:latin typeface="맑은 고딕" charset="0"/>
+                <a:ea typeface="맑은 고딕" charset="0"/>
+              </a:rPr>
+              <a:t> </a:t>
+            </a:r>
+            <a:r>
+              <a:rPr lang="ko-KR" sz="1800">
+                <a:latin typeface="맑은 고딕" charset="0"/>
+                <a:ea typeface="맑은 고딕" charset="0"/>
+              </a:rPr>
+              <a:t>LoginSuccess( ) 함수를 생성하고 </a:t>
+            </a:r>
+            <a:r>
+              <a:rPr lang="ko-KR" sz="1800">
+                <a:latin typeface="맑은 고딕" charset="0"/>
+                <a:ea typeface="맑은 고딕" charset="0"/>
+              </a:rPr>
+              <a:t>게임 버전과 지역 그리고 유저 이름을 설정</a:t>
+            </a:r>
+            <a:r>
+              <a:rPr lang="ko-KR" sz="1800">
+                <a:latin typeface="맑은 고딕" charset="0"/>
+                <a:ea typeface="맑은 고딕" charset="0"/>
+              </a:rPr>
+              <a:t>합니다.</a:t>
+            </a:r>
+            <a:endParaRPr lang="ko-KR" altLang="en-US" sz="1800">
+              <a:latin typeface="맑은 고딕" charset="0"/>
+              <a:ea typeface="맑은 고딕" charset="0"/>
+            </a:endParaRPr>
+          </a:p>
+          <a:p>
+            <a:pPr marL="0" indent="0" rtl="0" algn="l" defTabSz="914400" eaLnBrk="1" latinLnBrk="0" hangingPunct="1">
+              <a:buFontTx/>
+              <a:buNone/>
+            </a:pPr>
+            <a:endParaRPr lang="ko-KR" altLang="en-US" sz="1800">
+              <a:latin typeface="맑은 고딕" charset="0"/>
+              <a:ea typeface="맑은 고딕" charset="0"/>
+            </a:endParaRPr>
+          </a:p>
+          <a:p>
+            <a:pPr marL="0" indent="0" rtl="0" algn="l" defTabSz="914400" eaLnBrk="1" latinLnBrk="0" hangingPunct="1">
+              <a:buFontTx/>
+              <a:buNone/>
+            </a:pPr>
+            <a:r>
+              <a:rPr lang="ko-KR" sz="1800">
+                <a:latin typeface="맑은 고딕" charset="0"/>
+                <a:ea typeface="맑은 고딕" charset="0"/>
+              </a:rPr>
+              <a:t>그다음 로그인 절차가 성공적으로 되었다면</a:t>
+            </a:r>
+            <a:r>
+              <a:rPr lang="ko-KR" sz="1800">
+                <a:latin typeface="맑은 고딕" charset="0"/>
+                <a:ea typeface="맑은 고딕" charset="0"/>
+              </a:rPr>
+              <a:t> </a:t>
+            </a:r>
+            <a:r>
+              <a:rPr lang="ko-KR" sz="1800">
+                <a:latin typeface="맑은 고딕" charset="0"/>
+                <a:ea typeface="맑은 고딕" charset="0"/>
+              </a:rPr>
+              <a:t>Photon Lobby 씬으로</a:t>
+            </a:r>
+            <a:r>
+              <a:rPr lang="ko-KR" sz="1800">
+                <a:latin typeface="맑은 고딕" charset="0"/>
+                <a:ea typeface="맑은 고딕" charset="0"/>
+              </a:rPr>
+              <a:t> 이동</a:t>
+            </a:r>
+            <a:r>
+              <a:rPr lang="ko-KR" sz="1800">
+                <a:latin typeface="맑은 고딕" charset="0"/>
+                <a:ea typeface="맑은 고딕" charset="0"/>
+              </a:rPr>
+              <a:t>하도록 설정합니다.</a:t>
+            </a:r>
+            <a:endParaRPr lang="ko-KR" altLang="en-US" sz="1800">
+              <a:latin typeface="맑은 고딕" charset="0"/>
+              <a:ea typeface="맑은 고딕" charset="0"/>
+            </a:endParaRPr>
+          </a:p>
         </p:txBody>
       </p:sp>
       <p:pic>
         <p:nvPicPr>
-          <p:cNvPr id="55" name="그림 46"/>
+          <p:cNvPr id="58" name="그림 60" descr="C:/Users/Admin1/AppData/Roaming/PolarisOffice/ETemp/2936_21704408/fImage673483268716.png"/>
           <p:cNvPicPr>
             <a:picLocks noChangeAspect="1"/>
           </p:cNvPicPr>
           <p:nvPr/>
         </p:nvPicPr>
         <p:blipFill rotWithShape="1">
-          <a:blip r:embed="rId2" cstate="print">
+          <a:blip r:embed="rId4" cstate="hqprint">
+            <a:extLst>
+              <a:ext uri="{28A0092B-C50C-407E-A947-70E740481C1C}">
+                <a14:useLocalDpi xmlns:a14="http://schemas.microsoft.com/office/drawing/2010/main"/>
+              </a:ext>
+            </a:extLst>
+          </a:blip>
+          <a:stretch>
+            <a:fillRect/>
+          </a:stretch>
+        </p:blipFill>
+        <p:spPr>
+          <a:xfrm rot="0">
+            <a:off x="6563995" y="1404620"/>
+            <a:ext cx="4193540" cy="2669540"/>
+          </a:xfrm>
+          <a:prstGeom prst="rect"/>
+          <a:noFill/>
+        </p:spPr>
+      </p:pic>
+      <p:pic>
+        <p:nvPicPr>
+          <p:cNvPr id="59" name="그림 21" descr="C:/Users/Admin1/AppData/Roaming/PolarisOffice/ETemp/2936_21704408/fImage621232309169.png"/>
+          <p:cNvPicPr>
+            <a:picLocks noChangeAspect="1"/>
+          </p:cNvPicPr>
+          <p:nvPr/>
+        </p:nvPicPr>
+        <p:blipFill rotWithShape="1">
+          <a:blip r:embed="rId6" cstate="print">
             <a:extLst>
               <a:ext uri="{28A0092B-C50C-407E-A947-70E740481C1C}">
                 <a14:useLocalDpi xmlns:a14="http://schemas.microsoft.com/office/drawing/2010/main" val="0"/>
@@ -8620,124 +9094,8 @@
         </p:blipFill>
         <p:spPr>
           <a:xfrm rot="0">
-            <a:off x="1229360" y="3281680"/>
-            <a:ext cx="4122420" cy="1256665"/>
-          </a:xfrm>
-          <a:prstGeom prst="roundRect"/>
-          <a:solidFill>
-            <a:srgbClr val="EDEDED"/>
-          </a:solidFill>
-        </p:spPr>
-      </p:pic>
-      <p:pic>
-        <p:nvPicPr>
-          <p:cNvPr id="56" name="그림 49"/>
-          <p:cNvPicPr>
-            <a:picLocks noChangeAspect="1"/>
-          </p:cNvPicPr>
-          <p:nvPr/>
-        </p:nvPicPr>
-        <p:blipFill rotWithShape="1">
-          <a:blip r:embed="rId3" cstate="print">
-            <a:extLst>
-              <a:ext uri="{28A0092B-C50C-407E-A947-70E740481C1C}">
-                <a14:useLocalDpi xmlns:a14="http://schemas.microsoft.com/office/drawing/2010/main" val="0"/>
-              </a:ext>
-            </a:extLst>
-          </a:blip>
-          <a:stretch>
-            <a:fillRect/>
-          </a:stretch>
-        </p:blipFill>
-        <p:spPr>
-          <a:xfrm rot="0">
-            <a:off x="1229360" y="1393190"/>
-            <a:ext cx="4140200" cy="1586230"/>
-          </a:xfrm>
-          <a:prstGeom prst="roundRect"/>
-          <a:solidFill>
-            <a:srgbClr val="EDEDED"/>
-          </a:solidFill>
-        </p:spPr>
-      </p:pic>
-      <p:sp>
-        <p:nvSpPr>
-          <p:cNvPr id="57" name="텍스트 상자 59"/>
-          <p:cNvSpPr txBox="1">
-            <a:spLocks/>
-          </p:cNvSpPr>
-          <p:nvPr/>
-        </p:nvSpPr>
-        <p:spPr>
-          <a:xfrm rot="0">
-            <a:off x="6555105" y="4460875"/>
-            <a:ext cx="4200525" cy="1231265"/>
-          </a:xfrm>
-          <a:prstGeom prst="rect"/>
-          <a:noFill/>
-          <a:ln w="0">
-            <a:noFill/>
-            <a:prstDash/>
-          </a:ln>
-        </p:spPr>
-        <p:txBody>
-          <a:bodyPr wrap="square" lIns="89535" tIns="46355" rIns="89535" bIns="46355" numCol="1" vert="horz" anchor="t">
-            <a:spAutoFit/>
-          </a:bodyPr>
-          <a:lstStyle/>
-          <a:p>
-            <a:pPr marL="0" indent="0" rtl="0" algn="l" defTabSz="914400" eaLnBrk="1" latinLnBrk="0" hangingPunct="1">
-              <a:buFontTx/>
-              <a:buNone/>
-            </a:pPr>
-            <a:r>
-              <a:rPr lang="ko-KR" sz="2000" b="1">
-                <a:solidFill>
-                  <a:srgbClr val="0611F2"/>
-                </a:solidFill>
-                <a:latin typeface="맑은 고딕" charset="0"/>
-                <a:ea typeface="맑은 고딕" charset="0"/>
-              </a:rPr>
-              <a:t>23. </a:t>
-            </a:r>
-            <a:r>
-              <a:rPr lang="ko-KR" sz="1800">
-                <a:latin typeface="맑은 고딕" charset="0"/>
-                <a:ea typeface="맑은 고딕" charset="0"/>
-              </a:rPr>
-              <a:t>그다음 로그인이 성공했을 때 게임 버전과 지역 그리고 유저 이름을 설정하고 씬을 이동할 수 있는 함수를 생성합니다.</a:t>
-            </a:r>
-            <a:endParaRPr lang="ko-KR" altLang="en-US" sz="1800">
-              <a:latin typeface="맑은 고딕" charset="0"/>
-              <a:ea typeface="맑은 고딕" charset="0"/>
-            </a:endParaRPr>
-          </a:p>
-        </p:txBody>
-      </p:sp>
-      <p:pic>
-        <p:nvPicPr>
-          <p:cNvPr id="58" name="그림 60"/>
-          <p:cNvPicPr>
-            <a:picLocks noChangeAspect="1"/>
-          </p:cNvPicPr>
-          <p:nvPr/>
-        </p:nvPicPr>
-        <p:blipFill rotWithShape="1">
-          <a:blip r:embed="rId4" cstate="print">
-            <a:extLst>
-              <a:ext uri="{28A0092B-C50C-407E-A947-70E740481C1C}">
-                <a14:useLocalDpi xmlns:a14="http://schemas.microsoft.com/office/drawing/2010/main" val="0"/>
-              </a:ext>
-            </a:extLst>
-          </a:blip>
-          <a:stretch>
-            <a:fillRect/>
-          </a:stretch>
-        </p:blipFill>
-        <p:spPr>
-          <a:xfrm rot="0">
-            <a:off x="6563995" y="1343025"/>
-            <a:ext cx="4192905" cy="2943860"/>
+            <a:off x="1231265" y="1404620"/>
+            <a:ext cx="4131310" cy="2419985"/>
           </a:xfrm>
           <a:prstGeom prst="rect"/>
           <a:noFill/>
@@ -8895,8 +9253,8 @@
         </p:nvSpPr>
         <p:spPr>
           <a:xfrm rot="0">
-            <a:off x="6797675" y="3568065"/>
-            <a:ext cx="4140200" cy="2616200"/>
+            <a:off x="6816725" y="3858895"/>
+            <a:ext cx="4157345" cy="2338705"/>
           </a:xfrm>
           <a:prstGeom prst="rect"/>
           <a:noFill/>
@@ -8923,7 +9281,27 @@
                 <a:latin typeface="맑은 고딕" charset="0"/>
                 <a:ea typeface="맑은 고딕" charset="0"/>
               </a:rPr>
-              <a:t>25.</a:t>
+              <a:t>2</a:t>
+            </a:r>
+            <a:r>
+              <a:rPr lang="ko-KR" sz="2000" b="1">
+                <a:solidFill>
+                  <a:srgbClr val="0611F2"/>
+                </a:solidFill>
+                <a:latin typeface="맑은 고딕" charset="0"/>
+                <a:ea typeface="맑은 고딕" charset="0"/>
+              </a:rPr>
+              <a:t>7</a:t>
+            </a:r>
+            <a:r>
+              <a:rPr lang="ko-KR" sz="2000" b="1">
+                <a:solidFill>
+                  <a:srgbClr val="0611F2"/>
+                </a:solidFill>
+                <a:latin typeface="맑은 고딕" charset="0"/>
+                <a:ea typeface="맑은 고딕" charset="0"/>
+              </a:rPr>
+              <a:t>.</a:t>
             </a:r>
             <a:r>
               <a:rPr lang="ko-KR" sz="2000">
@@ -8940,7 +9318,35 @@
                 <a:latin typeface="맑은 고딕" charset="0"/>
                 <a:ea typeface="맑은 고딕" charset="0"/>
               </a:rPr>
-              <a:t>그다음 회원가입을 하기 위한 함수를 생성하고 RegisterPlayFabUserRequest 클래스에서 Email과 비밀번호 그리고 유저 이름을 입력해서 저장합니다.</a:t>
+              <a:t>그다음</a:t>
+            </a:r>
+            <a:r>
+              <a:rPr lang="ko-KR" sz="1800">
+                <a:latin typeface="맑은 고딕" charset="0"/>
+                <a:ea typeface="맑은 고딕" charset="0"/>
+              </a:rPr>
+              <a:t>으로</a:t>
+            </a:r>
+            <a:r>
+              <a:rPr lang="ko-KR" sz="1800">
+                <a:latin typeface="맑은 고딕" charset="0"/>
+                <a:ea typeface="맑은 고딕" charset="0"/>
+              </a:rPr>
+              <a:t> </a:t>
+            </a:r>
+            <a:r>
+              <a:rPr lang="ko-KR" sz="1800">
+                <a:latin typeface="맑은 고딕" charset="0"/>
+                <a:ea typeface="맑은 고딕" charset="0"/>
+              </a:rPr>
+              <a:t>SignUp( ) 함수를</a:t>
+            </a:r>
+            <a:r>
+              <a:rPr lang="ko-KR" sz="1800">
+                <a:latin typeface="맑은 고딕" charset="0"/>
+                <a:ea typeface="맑은 고딕" charset="0"/>
+              </a:rPr>
+              <a:t> 생성하고 RegisterPlayFabUserRequest 클래스에서 Email과 비밀번호 그리고 유저 이름을 입력해서 저장합니다.</a:t>
             </a:r>
             <a:endParaRPr lang="ko-KR" altLang="en-US" sz="1800">
               <a:latin typeface="맑은 고딕" charset="0"/>
@@ -8967,7 +9373,21 @@
                 <a:latin typeface="맑은 고딕" charset="0"/>
                 <a:ea typeface="맑은 고딕" charset="0"/>
               </a:rPr>
-              <a:t>그런 다음 RegosterPlayFabUser 라는 함수에서 회원가입의 여부를 확인합니다.</a:t>
+              <a:t>그런 다음 Reg</a:t>
+            </a:r>
+            <a:r>
+              <a:rPr lang="ko-KR" sz="1800">
+                <a:latin typeface="맑은 고딕" charset="0"/>
+                <a:ea typeface="맑은 고딕" charset="0"/>
+              </a:rPr>
+              <a:t>i</a:t>
+            </a:r>
+            <a:r>
+              <a:rPr lang="ko-KR" sz="1800">
+                <a:latin typeface="맑은 고딕" charset="0"/>
+                <a:ea typeface="맑은 고딕" charset="0"/>
+              </a:rPr>
+              <a:t>sterPlayFabUser 라는 함수에서 회원가입의 여부를 확인합니다.</a:t>
             </a:r>
             <a:endParaRPr lang="ko-KR" altLang="en-US" sz="1800">
               <a:latin typeface="맑은 고딕" charset="0"/>
@@ -8976,47 +9396,18 @@
           </a:p>
         </p:txBody>
       </p:sp>
-      <p:pic>
-        <p:nvPicPr>
-          <p:cNvPr id="58" name="그림 58"/>
-          <p:cNvPicPr>
-            <a:picLocks noChangeAspect="1"/>
-          </p:cNvPicPr>
+      <p:sp>
+        <p:nvSpPr>
+          <p:cNvPr id="59" name="텍스트 상자 64"/>
+          <p:cNvSpPr txBox="1">
+            <a:spLocks/>
+          </p:cNvSpPr>
           <p:nvPr/>
-        </p:nvPicPr>
-        <p:blipFill rotWithShape="1">
-          <a:blip r:embed="rId2" cstate="hqprint">
-            <a:extLst>
-              <a:ext uri="{28A0092B-C50C-407E-A947-70E740481C1C}">
-                <a14:useLocalDpi xmlns:a14="http://schemas.microsoft.com/office/drawing/2010/main"/>
-              </a:ext>
-            </a:extLst>
-          </a:blip>
-          <a:stretch>
-            <a:fillRect/>
-          </a:stretch>
-        </p:blipFill>
-        <p:spPr>
-          <a:xfrm rot="0">
-            <a:off x="6797675" y="1395095"/>
-            <a:ext cx="4141470" cy="2105025"/>
-          </a:xfrm>
-          <a:prstGeom prst="rect"/>
-          <a:noFill/>
-        </p:spPr>
-      </p:pic>
-      <p:sp>
-        <p:nvSpPr>
-          <p:cNvPr id="59" name="텍스트 상자 64"/>
-          <p:cNvSpPr txBox="1">
-            <a:spLocks/>
-          </p:cNvSpPr>
-          <p:nvPr/>
-        </p:nvSpPr>
-        <p:spPr>
-          <a:xfrm rot="0">
+        </p:nvSpPr>
+        <p:spPr>
+          <a:xfrm>
             <a:off x="1229995" y="5235575"/>
-            <a:ext cx="4131310" cy="955040"/>
+            <a:ext cx="4131945" cy="954405"/>
           </a:xfrm>
           <a:prstGeom prst="rect"/>
           <a:noFill/>
@@ -9043,7 +9434,27 @@
                 <a:latin typeface="맑은 고딕" charset="0"/>
                 <a:ea typeface="맑은 고딕" charset="0"/>
               </a:rPr>
-              <a:t>24.</a:t>
+              <a:t>2</a:t>
+            </a:r>
+            <a:r>
+              <a:rPr lang="ko-KR" sz="2000" b="1">
+                <a:solidFill>
+                  <a:srgbClr val="0611F2"/>
+                </a:solidFill>
+                <a:latin typeface="맑은 고딕" charset="0"/>
+                <a:ea typeface="맑은 고딕" charset="0"/>
+              </a:rPr>
+              <a:t>6</a:t>
+            </a:r>
+            <a:r>
+              <a:rPr lang="ko-KR" sz="2000" b="1">
+                <a:solidFill>
+                  <a:srgbClr val="0611F2"/>
+                </a:solidFill>
+                <a:latin typeface="맑은 고딕" charset="0"/>
+                <a:ea typeface="맑은 고딕" charset="0"/>
+              </a:rPr>
+              <a:t>.</a:t>
             </a:r>
             <a:r>
               <a:rPr lang="ko-KR" sz="2000">
@@ -9093,6 +9504,35 @@
           <a:xfrm rot="0">
             <a:off x="1228090" y="1412240"/>
             <a:ext cx="4124960" cy="3700780"/>
+          </a:xfrm>
+          <a:prstGeom prst="rect"/>
+          <a:noFill/>
+        </p:spPr>
+      </p:pic>
+      <p:pic>
+        <p:nvPicPr>
+          <p:cNvPr id="61" name="그림 26" descr="C:/Users/Admin1/AppData/Roaming/PolarisOffice/ETemp/2936_21704408/fImage727162315724.png"/>
+          <p:cNvPicPr>
+            <a:picLocks noChangeAspect="1"/>
+          </p:cNvPicPr>
+          <p:nvPr/>
+        </p:nvPicPr>
+        <p:blipFill rotWithShape="1">
+          <a:blip r:embed="rId5" cstate="print">
+            <a:extLst>
+              <a:ext uri="{28A0092B-C50C-407E-A947-70E740481C1C}">
+                <a14:useLocalDpi xmlns:a14="http://schemas.microsoft.com/office/drawing/2010/main" val="0"/>
+              </a:ext>
+            </a:extLst>
+          </a:blip>
+          <a:stretch>
+            <a:fillRect/>
+          </a:stretch>
+        </p:blipFill>
+        <p:spPr>
+          <a:xfrm rot="0">
+            <a:off x="6816725" y="1413510"/>
+            <a:ext cx="4157345" cy="2344420"/>
           </a:xfrm>
           <a:prstGeom prst="rect"/>
           <a:noFill/>
@@ -9250,8 +9690,8 @@
         </p:nvSpPr>
         <p:spPr>
           <a:xfrm rot="0">
-            <a:off x="6797675" y="4789170"/>
-            <a:ext cx="4139565" cy="954405"/>
+            <a:off x="6781165" y="4398645"/>
+            <a:ext cx="4117975" cy="1784985"/>
           </a:xfrm>
           <a:prstGeom prst="rect"/>
           <a:noFill/>
@@ -9278,7 +9718,27 @@
                 <a:latin typeface="맑은 고딕" charset="0"/>
                 <a:ea typeface="맑은 고딕" charset="0"/>
               </a:rPr>
-              <a:t>27.</a:t>
+              <a:t>2</a:t>
+            </a:r>
+            <a:r>
+              <a:rPr lang="ko-KR" sz="2000" b="1">
+                <a:solidFill>
+                  <a:srgbClr val="0611F2"/>
+                </a:solidFill>
+                <a:latin typeface="맑은 고딕" charset="0"/>
+                <a:ea typeface="맑은 고딕" charset="0"/>
+              </a:rPr>
+              <a:t>9</a:t>
+            </a:r>
+            <a:r>
+              <a:rPr lang="ko-KR" sz="2000" b="1">
+                <a:solidFill>
+                  <a:srgbClr val="0611F2"/>
+                </a:solidFill>
+                <a:latin typeface="맑은 고딕" charset="0"/>
+                <a:ea typeface="맑은 고딕" charset="0"/>
+              </a:rPr>
+              <a:t>.</a:t>
             </a:r>
             <a:r>
               <a:rPr lang="ko-KR" sz="2000">
@@ -9295,13 +9755,68 @@
                 <a:latin typeface="맑은 고딕" charset="0"/>
                 <a:ea typeface="맑은 고딕" charset="0"/>
               </a:rPr>
-              <a:t>그다음 빈 게임 오브젝트(Photon Setting)에 있는 스크립트에 각각의 InputField를 넣어줍니다. </a:t>
+              <a:t>이제</a:t>
+            </a:r>
+            <a:r>
+              <a:rPr lang="ko-KR" sz="1800">
+                <a:latin typeface="맑은 고딕" charset="0"/>
+                <a:ea typeface="맑은 고딕" charset="0"/>
+              </a:rPr>
+              <a:t> Photon Setting</a:t>
+            </a:r>
+            <a:r>
+              <a:rPr lang="ko-KR" sz="1800">
+                <a:latin typeface="맑은 고딕" charset="0"/>
+                <a:ea typeface="맑은 고딕" charset="0"/>
+              </a:rPr>
+              <a:t> 오브젝트</a:t>
+            </a:r>
+            <a:r>
+              <a:rPr lang="ko-KR" sz="1800">
+                <a:latin typeface="맑은 고딕" charset="0"/>
+                <a:ea typeface="맑은 고딕" charset="0"/>
+              </a:rPr>
+              <a:t>에 있는 스크립트에 각각의 InputField</a:t>
+            </a:r>
+            <a:r>
+              <a:rPr lang="ko-KR" sz="1800">
+                <a:latin typeface="맑은 고딕" charset="0"/>
+                <a:ea typeface="맑은 고딕" charset="0"/>
+              </a:rPr>
+              <a:t>와 Dropdown 오브젝트를 넣어줍니다.</a:t>
             </a:r>
             <a:endParaRPr lang="ko-KR" altLang="en-US" sz="1800">
               <a:latin typeface="맑은 고딕" charset="0"/>
               <a:ea typeface="맑은 고딕" charset="0"/>
             </a:endParaRPr>
           </a:p>
+          <a:p>
+            <a:pPr marL="0" indent="0" rtl="0" algn="l" defTabSz="914400" eaLnBrk="1" latinLnBrk="0" hangingPunct="1">
+              <a:buFontTx/>
+              <a:buNone/>
+            </a:pPr>
+            <a:endParaRPr lang="ko-KR" altLang="en-US" sz="1800">
+              <a:latin typeface="맑은 고딕" charset="0"/>
+              <a:ea typeface="맑은 고딕" charset="0"/>
+            </a:endParaRPr>
+          </a:p>
+          <a:p>
+            <a:pPr marL="0" indent="0" rtl="0" algn="l" defTabSz="914400" eaLnBrk="1" latinLnBrk="0" hangingPunct="1">
+              <a:buFontTx/>
+              <a:buNone/>
+            </a:pPr>
+            <a:r>
+              <a:rPr lang="ko-KR" sz="1800">
+                <a:latin typeface="맑은 고딕" charset="0"/>
+                <a:ea typeface="맑은 고딕" charset="0"/>
+              </a:rPr>
+              <a:t>그다음 Photon Setting 오브젝트의 위치와 회전 값을 초기화시켜줍니다.</a:t>
+            </a:r>
+            <a:endParaRPr lang="ko-KR" altLang="en-US" sz="1800">
+              <a:latin typeface="맑은 고딕" charset="0"/>
+              <a:ea typeface="맑은 고딕" charset="0"/>
+            </a:endParaRPr>
+          </a:p>
         </p:txBody>
       </p:sp>
       <p:sp>
@@ -9314,8 +9829,8 @@
         </p:nvSpPr>
         <p:spPr>
           <a:xfrm rot="0">
-            <a:off x="1212215" y="4509135"/>
-            <a:ext cx="4148455" cy="1231265"/>
+            <a:off x="1214120" y="4126865"/>
+            <a:ext cx="4156710" cy="2061845"/>
           </a:xfrm>
           <a:prstGeom prst="rect"/>
           <a:noFill/>
@@ -9342,7 +9857,27 @@
                 <a:latin typeface="맑은 고딕" charset="0"/>
                 <a:ea typeface="맑은 고딕" charset="0"/>
               </a:rPr>
-              <a:t>26.</a:t>
+              <a:t>2</a:t>
+            </a:r>
+            <a:r>
+              <a:rPr lang="ko-KR" sz="2000" b="1">
+                <a:solidFill>
+                  <a:srgbClr val="0611F2"/>
+                </a:solidFill>
+                <a:latin typeface="맑은 고딕" charset="0"/>
+                <a:ea typeface="맑은 고딕" charset="0"/>
+              </a:rPr>
+              <a:t>8</a:t>
+            </a:r>
+            <a:r>
+              <a:rPr lang="ko-KR" sz="2000" b="1">
+                <a:solidFill>
+                  <a:srgbClr val="0611F2"/>
+                </a:solidFill>
+                <a:latin typeface="맑은 고딕" charset="0"/>
+                <a:ea typeface="맑은 고딕" charset="0"/>
+              </a:rPr>
+              <a:t>.</a:t>
             </a:r>
             <a:r>
               <a:rPr lang="ko-KR" sz="2000">
@@ -9359,25 +9894,144 @@
                 <a:latin typeface="맑은 고딕" charset="0"/>
                 <a:ea typeface="맑은 고딕" charset="0"/>
               </a:rPr>
-              <a:t>그리고 로그인에 대한 정보를 입력받고 로그인의 여부를 설정하는 LoginWithEmailAddress 라는 함수로 로그인할 수 있는 여부를 설정합니다.</a:t>
+              <a:t>마지막으로 Login( ) 함수를 생성하고 </a:t>
+            </a:r>
+            <a:r>
+              <a:rPr lang="ko-KR" sz="1800">
+                <a:latin typeface="맑은 고딕" charset="0"/>
+                <a:ea typeface="맑은 고딕" charset="0"/>
+              </a:rPr>
+              <a:t>로그인에 대한 정보를 입력받</a:t>
+            </a:r>
+            <a:r>
+              <a:rPr lang="ko-KR" sz="1800">
+                <a:latin typeface="맑은 고딕" charset="0"/>
+                <a:ea typeface="맑은 고딕" charset="0"/>
+              </a:rPr>
+              <a:t>습니다.</a:t>
             </a:r>
             <a:endParaRPr lang="ko-KR" altLang="en-US" sz="1800">
               <a:latin typeface="맑은 고딕" charset="0"/>
               <a:ea typeface="맑은 고딕" charset="0"/>
             </a:endParaRPr>
           </a:p>
+          <a:p>
+            <a:pPr marL="0" indent="0" rtl="0" algn="l" defTabSz="914400" eaLnBrk="1" latinLnBrk="0" hangingPunct="1">
+              <a:buFontTx/>
+              <a:buNone/>
+            </a:pPr>
+            <a:endParaRPr lang="ko-KR" altLang="en-US" sz="1800">
+              <a:latin typeface="맑은 고딕" charset="0"/>
+              <a:ea typeface="맑은 고딕" charset="0"/>
+            </a:endParaRPr>
+          </a:p>
+          <a:p>
+            <a:pPr marL="0" indent="0" rtl="0" algn="l" defTabSz="914400" eaLnBrk="1" latinLnBrk="0" hangingPunct="1">
+              <a:buFontTx/>
+              <a:buNone/>
+            </a:pPr>
+            <a:r>
+              <a:rPr lang="ko-KR" sz="1800">
+                <a:latin typeface="맑은 고딕" charset="0"/>
+                <a:ea typeface="맑은 고딕" charset="0"/>
+              </a:rPr>
+              <a:t>그리고</a:t>
+            </a:r>
+            <a:r>
+              <a:rPr lang="ko-KR" sz="1800">
+                <a:latin typeface="맑은 고딕" charset="0"/>
+                <a:ea typeface="맑은 고딕" charset="0"/>
+              </a:rPr>
+              <a:t> 로그인의 여부를 설정하는 LoginWithEmailAddress라는 함수로</a:t>
+            </a:r>
+            <a:r>
+              <a:rPr lang="ko-KR" sz="1800">
+                <a:latin typeface="맑은 고딕" charset="0"/>
+                <a:ea typeface="맑은 고딕" charset="0"/>
+              </a:rPr>
+              <a:t> 로그인</a:t>
+            </a:r>
+            <a:r>
+              <a:rPr lang="ko-KR" sz="1800">
+                <a:latin typeface="맑은 고딕" charset="0"/>
+                <a:ea typeface="맑은 고딕" charset="0"/>
+              </a:rPr>
+              <a:t> </a:t>
+            </a:r>
+            <a:r>
+              <a:rPr lang="ko-KR" sz="1800">
+                <a:latin typeface="맑은 고딕" charset="0"/>
+                <a:ea typeface="맑은 고딕" charset="0"/>
+              </a:rPr>
+              <a:t>인증 절차</a:t>
+            </a:r>
+            <a:r>
+              <a:rPr lang="ko-KR" sz="1800">
+                <a:latin typeface="맑은 고딕" charset="0"/>
+                <a:ea typeface="맑은 고딕" charset="0"/>
+              </a:rPr>
+              <a:t>를 </a:t>
+            </a:r>
+            <a:r>
+              <a:rPr lang="ko-KR" sz="1800">
+                <a:latin typeface="맑은 고딕" charset="0"/>
+                <a:ea typeface="맑은 고딕" charset="0"/>
+              </a:rPr>
+              <a:t>확인</a:t>
+            </a:r>
+            <a:r>
+              <a:rPr lang="ko-KR" sz="1800">
+                <a:latin typeface="맑은 고딕" charset="0"/>
+                <a:ea typeface="맑은 고딕" charset="0"/>
+              </a:rPr>
+              <a:t>합니다.</a:t>
+            </a:r>
+            <a:endParaRPr lang="ko-KR" altLang="en-US" sz="1800">
+              <a:latin typeface="맑은 고딕" charset="0"/>
+              <a:ea typeface="맑은 고딕" charset="0"/>
+            </a:endParaRPr>
+          </a:p>
         </p:txBody>
       </p:sp>
       <p:pic>
         <p:nvPicPr>
-          <p:cNvPr id="61" name="그림 63"/>
+          <p:cNvPr id="61" name="그림 63" descr="C:/Users/Admin1/AppData/Roaming/PolarisOffice/ETemp/2936_21704408/fImage341333385447.png"/>
           <p:cNvPicPr>
             <a:picLocks noChangeAspect="1"/>
           </p:cNvPicPr>
           <p:nvPr/>
         </p:nvPicPr>
         <p:blipFill rotWithShape="1">
-          <a:blip r:embed="rId2" cstate="print">
+          <a:blip r:embed="rId2" cstate="hqprint">
+            <a:extLst>
+              <a:ext uri="{28A0092B-C50C-407E-A947-70E740481C1C}">
+                <a14:useLocalDpi xmlns:a14="http://schemas.microsoft.com/office/drawing/2010/main"/>
+              </a:ext>
+            </a:extLst>
+          </a:blip>
+          <a:stretch>
+            <a:fillRect/>
+          </a:stretch>
+        </p:blipFill>
+        <p:spPr>
+          <a:xfrm rot="0">
+            <a:off x="1222375" y="1404620"/>
+            <a:ext cx="4148455" cy="2602865"/>
+          </a:xfrm>
+          <a:prstGeom prst="rect"/>
+          <a:noFill/>
+        </p:spPr>
+      </p:pic>
+      <p:pic>
+        <p:nvPicPr>
+          <p:cNvPr id="68" name="그림 27" descr="C:/Users/Admin1/AppData/Roaming/PolarisOffice/ETemp/2936_21704408/fImage98262321478.png"/>
+          <p:cNvPicPr>
+            <a:picLocks noChangeAspect="1"/>
+          </p:cNvPicPr>
+          <p:nvPr/>
+        </p:nvPicPr>
+        <p:blipFill rotWithShape="1">
+          <a:blip r:embed="rId6" cstate="print">
             <a:extLst>
               <a:ext uri="{28A0092B-C50C-407E-A947-70E740481C1C}">
                 <a14:useLocalDpi xmlns:a14="http://schemas.microsoft.com/office/drawing/2010/main" val="0"/>
@@ -9390,23 +10044,25 @@
         </p:blipFill>
         <p:spPr>
           <a:xfrm rot="0">
-            <a:off x="1219200" y="1333500"/>
-            <a:ext cx="4150360" cy="2979420"/>
-          </a:xfrm>
-          <a:prstGeom prst="rect"/>
-          <a:noFill/>
+            <a:off x="9651365" y="1762125"/>
+            <a:ext cx="1247775" cy="2129155"/>
+          </a:xfrm>
+          <a:prstGeom prst="roundRect"/>
+          <a:solidFill>
+            <a:srgbClr val="EDEDED"/>
+          </a:solidFill>
         </p:spPr>
       </p:pic>
       <p:pic>
         <p:nvPicPr>
-          <p:cNvPr id="62" name="그림 66"/>
+          <p:cNvPr id="69" name="그림 30" descr="C:/Users/Admin1/AppData/Roaming/PolarisOffice/ETemp/2936_21704408/fImage282492339358.png"/>
           <p:cNvPicPr>
             <a:picLocks noChangeAspect="1"/>
           </p:cNvPicPr>
           <p:nvPr/>
         </p:nvPicPr>
         <p:blipFill rotWithShape="1">
-          <a:blip r:embed="rId3" cstate="print">
+          <a:blip r:embed="rId7" cstate="print">
             <a:extLst>
               <a:ext uri="{28A0092B-C50C-407E-A947-70E740481C1C}">
                 <a14:useLocalDpi xmlns:a14="http://schemas.microsoft.com/office/drawing/2010/main" val="0"/>
@@ -9419,37 +10075,8 @@
         </p:blipFill>
         <p:spPr>
           <a:xfrm rot="0">
-            <a:off x="6794500" y="1335405"/>
-            <a:ext cx="2385060" cy="3373755"/>
-          </a:xfrm>
-          <a:prstGeom prst="rect"/>
-          <a:noFill/>
-        </p:spPr>
-      </p:pic>
-      <p:pic>
-        <p:nvPicPr>
-          <p:cNvPr id="63" name="그림 67"/>
-          <p:cNvPicPr>
-            <a:picLocks noChangeAspect="1"/>
-          </p:cNvPicPr>
-          <p:nvPr/>
-        </p:nvPicPr>
-        <p:blipFill rotWithShape="1">
-          <a:blip r:embed="rId4" cstate="print">
-            <a:extLst>
-              <a:ext uri="{28A0092B-C50C-407E-A947-70E740481C1C}">
-                <a14:useLocalDpi xmlns:a14="http://schemas.microsoft.com/office/drawing/2010/main" val="0"/>
-              </a:ext>
-            </a:extLst>
-          </a:blip>
-          <a:stretch>
-            <a:fillRect/>
-          </a:stretch>
-        </p:blipFill>
-        <p:spPr>
-          <a:xfrm rot="0">
-            <a:off x="9430385" y="1331595"/>
-            <a:ext cx="1505585" cy="3379470"/>
+            <a:off x="6794500" y="1396365"/>
+            <a:ext cx="2691130" cy="2852420"/>
           </a:xfrm>
           <a:prstGeom prst="rect"/>
           <a:noFill/>
@@ -9457,14 +10084,14 @@
       </p:pic>
       <p:cxnSp>
         <p:nvCxnSpPr>
-          <p:cNvPr id="64" name="도형 68"/>
+          <p:cNvPr id="70" name="도형 33"/>
           <p:cNvCxnSpPr/>
           <p:nvPr/>
         </p:nvCxnSpPr>
         <p:spPr>
           <a:xfrm rot="0" flipH="1">
-            <a:off x="9109710" y="2424430"/>
-            <a:ext cx="606425" cy="1680845"/>
+            <a:off x="9427210" y="2867660"/>
+            <a:ext cx="457835" cy="798830"/>
           </a:xfrm>
           <a:prstGeom prst="straightConnector1"/>
           <a:ln w="6350" cap="flat" cmpd="sng">
@@ -9490,14 +10117,14 @@
       </p:cxnSp>
       <p:cxnSp>
         <p:nvCxnSpPr>
-          <p:cNvPr id="65" name="도형 69"/>
+          <p:cNvPr id="71" name="도형 34"/>
           <p:cNvCxnSpPr/>
           <p:nvPr/>
         </p:nvCxnSpPr>
         <p:spPr>
           <a:xfrm rot="0" flipH="1">
-            <a:off x="9117965" y="2233930"/>
-            <a:ext cx="607060" cy="1654810"/>
+            <a:off x="9435465" y="3051175"/>
+            <a:ext cx="433070" cy="806450"/>
           </a:xfrm>
           <a:prstGeom prst="straightConnector1"/>
           <a:ln w="6350" cap="flat" cmpd="sng">
@@ -9523,14 +10150,14 @@
       </p:cxnSp>
       <p:cxnSp>
         <p:nvCxnSpPr>
-          <p:cNvPr id="66" name="도형 70"/>
+          <p:cNvPr id="72" name="도형 37"/>
           <p:cNvCxnSpPr/>
           <p:nvPr/>
         </p:nvCxnSpPr>
         <p:spPr>
           <a:xfrm rot="0" flipH="1">
-            <a:off x="9126855" y="2614930"/>
-            <a:ext cx="589280" cy="1724025"/>
+            <a:off x="9427210" y="3234055"/>
+            <a:ext cx="449580" cy="840105"/>
           </a:xfrm>
           <a:prstGeom prst="straightConnector1"/>
           <a:ln w="6350" cap="flat" cmpd="sng">
@@ -9556,14 +10183,14 @@
       </p:cxnSp>
       <p:cxnSp>
         <p:nvCxnSpPr>
-          <p:cNvPr id="67" name="도형 71"/>
+          <p:cNvPr id="73" name="도형 38"/>
           <p:cNvCxnSpPr/>
           <p:nvPr/>
         </p:nvCxnSpPr>
         <p:spPr>
           <a:xfrm rot="0" flipH="1">
-            <a:off x="9152890" y="2796540"/>
-            <a:ext cx="581025" cy="1750060"/>
+            <a:off x="9418955" y="3449955"/>
+            <a:ext cx="457835" cy="8890"/>
           </a:xfrm>
           <a:prstGeom prst="straightConnector1"/>
           <a:ln w="6350" cap="flat" cmpd="sng">
@@ -9739,8 +10366,8 @@
         </p:nvSpPr>
         <p:spPr>
           <a:xfrm rot="0">
-            <a:off x="6711315" y="4330065"/>
-            <a:ext cx="4407535" cy="954405"/>
+            <a:off x="6711315" y="5468620"/>
+            <a:ext cx="4271010" cy="677545"/>
           </a:xfrm>
           <a:prstGeom prst="rect"/>
           <a:noFill/>
@@ -9767,7 +10394,17 @@
                 <a:latin typeface="맑은 고딕" charset="0"/>
                 <a:ea typeface="맑은 고딕" charset="0"/>
               </a:rPr>
-              <a:t>27.</a:t>
+              <a:t>31</a:t>
+            </a:r>
+            <a:r>
+              <a:rPr lang="ko-KR" sz="2000" b="1">
+                <a:solidFill>
+                  <a:srgbClr val="0611F2"/>
+                </a:solidFill>
+                <a:latin typeface="맑은 고딕" charset="0"/>
+                <a:ea typeface="맑은 고딕" charset="0"/>
+              </a:rPr>
+              <a:t>.</a:t>
             </a:r>
             <a:r>
               <a:rPr lang="ko-KR" sz="2000">
@@ -9784,7 +10421,14 @@
                 <a:latin typeface="맑은 고딕" charset="0"/>
                 <a:ea typeface="맑은 고딕" charset="0"/>
               </a:rPr>
-              <a:t>그리고 함수를 추가하기 위해 PhotonSetting를 선택하시고 </a:t>
+              <a:t>그리고 PhotonSetting를 선택</a:t>
+            </a:r>
+            <a:r>
+              <a:rPr lang="ko-KR" sz="1800">
+                <a:latin typeface="맑은 고딕" charset="0"/>
+                <a:ea typeface="맑은 고딕" charset="0"/>
+              </a:rPr>
+              <a:t>하고</a:t>
             </a:r>
             <a:endParaRPr lang="ko-KR" altLang="en-US" sz="1800">
               <a:latin typeface="맑은 고딕" charset="0"/>
@@ -9830,8 +10474,8 @@
         </p:nvSpPr>
         <p:spPr>
           <a:xfrm rot="0">
-            <a:off x="1229360" y="4327525"/>
-            <a:ext cx="4148455" cy="954405"/>
+            <a:off x="1229360" y="5192395"/>
+            <a:ext cx="4116705" cy="954405"/>
           </a:xfrm>
           <a:prstGeom prst="rect"/>
           <a:noFill/>
@@ -9858,7 +10502,17 @@
                 <a:latin typeface="맑은 고딕" charset="0"/>
                 <a:ea typeface="맑은 고딕" charset="0"/>
               </a:rPr>
-              <a:t>28.</a:t>
+              <a:t>30</a:t>
+            </a:r>
+            <a:r>
+              <a:rPr lang="ko-KR" sz="2000" b="1">
+                <a:solidFill>
+                  <a:srgbClr val="0611F2"/>
+                </a:solidFill>
+                <a:latin typeface="맑은 고딕" charset="0"/>
+                <a:ea typeface="맑은 고딕" charset="0"/>
+              </a:rPr>
+              <a:t>.</a:t>
             </a:r>
             <a:r>
               <a:rPr lang="ko-KR" sz="2000">
@@ -9875,7 +10529,42 @@
                 <a:latin typeface="맑은 고딕" charset="0"/>
                 <a:ea typeface="맑은 고딕" charset="0"/>
               </a:rPr>
-              <a:t>이제 Sign Up Button이라는 버튼 컴포넌트의 On Click 함수에 Photon Setting 오브젝트를 넣어줍니다.</a:t>
+              <a:t>그런 다음</a:t>
+            </a:r>
+            <a:r>
+              <a:rPr lang="ko-KR" sz="1800">
+                <a:latin typeface="맑은 고딕" charset="0"/>
+                <a:ea typeface="맑은 고딕" charset="0"/>
+              </a:rPr>
+              <a:t> Sign Up Button</a:t>
+            </a:r>
+            <a:r>
+              <a:rPr lang="ko-KR" sz="1800">
+                <a:latin typeface="맑은 고딕" charset="0"/>
+                <a:ea typeface="맑은 고딕" charset="0"/>
+              </a:rPr>
+              <a:t> 오브젝트의</a:t>
+            </a:r>
+            <a:r>
+              <a:rPr lang="ko-KR" sz="1800">
+                <a:latin typeface="맑은 고딕" charset="0"/>
+                <a:ea typeface="맑은 고딕" charset="0"/>
+              </a:rPr>
+              <a:t> On Click</a:t>
+            </a:r>
+            <a:r>
+              <a:rPr lang="ko-KR" sz="1800">
+                <a:latin typeface="맑은 고딕" charset="0"/>
+                <a:ea typeface="맑은 고딕" charset="0"/>
+              </a:rPr>
+              <a:t>( )</a:t>
+            </a:r>
+            <a:r>
+              <a:rPr lang="ko-KR" sz="1800">
+                <a:latin typeface="맑은 고딕" charset="0"/>
+                <a:ea typeface="맑은 고딕" charset="0"/>
+              </a:rPr>
+              <a:t> 함수에 Photon Setting 오브젝트를 넣어줍니다.</a:t>
             </a:r>
             <a:endParaRPr lang="ko-KR" altLang="en-US" sz="1800">
               <a:latin typeface="맑은 고딕" charset="0"/>
@@ -9886,14 +10575,74 @@
       </p:sp>
       <p:pic>
         <p:nvPicPr>
-          <p:cNvPr id="62" name="그림 73"/>
+          <p:cNvPr id="62" name="그림 73" descr="C:/Users/Admin1/AppData/Roaming/PolarisOffice/ETemp/2936_21704408/fImage259493621538.png"/>
           <p:cNvPicPr>
             <a:picLocks noChangeAspect="1"/>
           </p:cNvPicPr>
           <p:nvPr/>
         </p:nvPicPr>
         <p:blipFill rotWithShape="1">
-          <a:blip r:embed="rId2" cstate="print">
+          <a:blip r:embed="rId2" cstate="hqprint">
+            <a:extLst>
+              <a:ext uri="{28A0092B-C50C-407E-A947-70E740481C1C}">
+                <a14:useLocalDpi xmlns:a14="http://schemas.microsoft.com/office/drawing/2010/main"/>
+              </a:ext>
+            </a:extLst>
+          </a:blip>
+          <a:stretch>
+            <a:fillRect/>
+          </a:stretch>
+        </p:blipFill>
+        <p:spPr>
+          <a:xfrm rot="0">
+            <a:off x="6708775" y="1521460"/>
+            <a:ext cx="4265295" cy="3766185"/>
+          </a:xfrm>
+          <a:prstGeom prst="rect"/>
+          <a:noFill/>
+        </p:spPr>
+      </p:pic>
+      <p:pic>
+        <p:nvPicPr>
+          <p:cNvPr id="63" name="그림 75" descr="C:/Users/Admin1/AppData/Roaming/PolarisOffice/ETemp/2936_21704408/fImage362653641869.png"/>
+          <p:cNvPicPr>
+            <a:picLocks noChangeAspect="1"/>
+          </p:cNvPicPr>
+          <p:nvPr/>
+        </p:nvPicPr>
+        <p:blipFill rotWithShape="1">
+          <a:blip r:embed="rId3" cstate="hqprint">
+            <a:extLst>
+              <a:ext uri="{28A0092B-C50C-407E-A947-70E740481C1C}">
+                <a14:useLocalDpi xmlns:a14="http://schemas.microsoft.com/office/drawing/2010/main"/>
+              </a:ext>
+            </a:extLst>
+          </a:blip>
+          <a:stretch>
+            <a:fillRect/>
+          </a:stretch>
+        </p:blipFill>
+        <p:spPr>
+          <a:xfrm rot="0">
+            <a:off x="1230630" y="1529715"/>
+            <a:ext cx="2260600" cy="3566795"/>
+          </a:xfrm>
+          <a:prstGeom prst="roundRect"/>
+          <a:solidFill>
+            <a:srgbClr val="EDEDED"/>
+          </a:solidFill>
+        </p:spPr>
+      </p:pic>
+      <p:pic>
+        <p:nvPicPr>
+          <p:cNvPr id="66" name="그림 41" descr="C:/Users/Admin1/AppData/Roaming/PolarisOffice/ETemp/2936_21704408/fImage97242386962.png"/>
+          <p:cNvPicPr>
+            <a:picLocks noChangeAspect="1"/>
+          </p:cNvPicPr>
+          <p:nvPr/>
+        </p:nvPicPr>
+        <p:blipFill rotWithShape="1">
+          <a:blip r:embed="rId6" cstate="print">
             <a:extLst>
               <a:ext uri="{28A0092B-C50C-407E-A947-70E740481C1C}">
                 <a14:useLocalDpi xmlns:a14="http://schemas.microsoft.com/office/drawing/2010/main" val="0"/>
@@ -9906,66 +10655,8 @@
         </p:blipFill>
         <p:spPr>
           <a:xfrm rot="0">
-            <a:off x="6708775" y="1337310"/>
-            <a:ext cx="4420235" cy="2741930"/>
-          </a:xfrm>
-          <a:prstGeom prst="rect"/>
-          <a:noFill/>
-        </p:spPr>
-      </p:pic>
-      <p:pic>
-        <p:nvPicPr>
-          <p:cNvPr id="63" name="그림 75"/>
-          <p:cNvPicPr>
-            <a:picLocks noChangeAspect="1"/>
-          </p:cNvPicPr>
-          <p:nvPr/>
-        </p:nvPicPr>
-        <p:blipFill rotWithShape="1">
-          <a:blip r:embed="rId3" cstate="print">
-            <a:extLst>
-              <a:ext uri="{28A0092B-C50C-407E-A947-70E740481C1C}">
-                <a14:useLocalDpi xmlns:a14="http://schemas.microsoft.com/office/drawing/2010/main" val="0"/>
-              </a:ext>
-            </a:extLst>
-          </a:blip>
-          <a:stretch>
-            <a:fillRect/>
-          </a:stretch>
-        </p:blipFill>
-        <p:spPr>
-          <a:xfrm rot="0">
-            <a:off x="1230630" y="1333500"/>
-            <a:ext cx="2259965" cy="2832100"/>
-          </a:xfrm>
-          <a:prstGeom prst="rect"/>
-          <a:noFill/>
-        </p:spPr>
-      </p:pic>
-      <p:pic>
-        <p:nvPicPr>
-          <p:cNvPr id="64" name="그림 76"/>
-          <p:cNvPicPr>
-            <a:picLocks noChangeAspect="1"/>
-          </p:cNvPicPr>
-          <p:nvPr/>
-        </p:nvPicPr>
-        <p:blipFill rotWithShape="1">
-          <a:blip r:embed="rId4" cstate="print">
-            <a:extLst>
-              <a:ext uri="{28A0092B-C50C-407E-A947-70E740481C1C}">
-                <a14:useLocalDpi xmlns:a14="http://schemas.microsoft.com/office/drawing/2010/main" val="0"/>
-              </a:ext>
-            </a:extLst>
-          </a:blip>
-          <a:stretch>
-            <a:fillRect/>
-          </a:stretch>
-        </p:blipFill>
-        <p:spPr>
-          <a:xfrm rot="0">
-            <a:off x="3776345" y="1704340"/>
-            <a:ext cx="1505585" cy="1943735"/>
+            <a:off x="3766185" y="1970405"/>
+            <a:ext cx="1579880" cy="2552700"/>
           </a:xfrm>
           <a:prstGeom prst="roundRect"/>
           <a:solidFill>
@@ -9981,13 +10672,12 @@
         </p:nvCxnSpPr>
         <p:spPr>
           <a:xfrm rot="0" flipH="1">
-            <a:off x="1939925" y="3472180"/>
-            <a:ext cx="2087245" cy="442595"/>
+            <a:off x="1945640" y="4331335"/>
+            <a:ext cx="2070100" cy="457835"/>
           </a:xfrm>
           <a:prstGeom prst="straightConnector1"/>
           <a:ln w="6350" cap="flat" cmpd="sng">
             <a:prstDash/>
-            <a:headEnd type="none" w="med" len="med"/>
             <a:tailEnd type="triangle" w="med" len="med"/>
           </a:ln>
         </p:spPr>
@@ -10048,7 +10738,7 @@
       </p:grpSpPr>
       <p:sp>
         <p:nvSpPr>
-          <p:cNvPr id="29" name="Rect 0"/>
+          <p:cNvPr id="35" name="Rect 0"/>
           <p:cNvSpPr txBox="1">
             <a:spLocks/>
           </p:cNvSpPr>
@@ -10056,8 +10746,8 @@
         </p:nvSpPr>
         <p:spPr>
           <a:xfrm rot="0">
-            <a:off x="1229995" y="1337310"/>
-            <a:ext cx="4039235" cy="370840"/>
+            <a:off x="4126865" y="467995"/>
+            <a:ext cx="3937635" cy="554990"/>
           </a:xfrm>
           <a:prstGeom prst="rect"/>
           <a:noFill/>
@@ -10072,11 +10762,32 @@
           </a:bodyPr>
           <a:lstStyle/>
           <a:p>
-            <a:pPr marL="0" indent="0" algn="l" latinLnBrk="0" hangingPunct="1">
-              <a:buFontTx/>
-              <a:buNone/>
-            </a:pPr>
-            <a:endParaRPr lang="ko-KR" altLang="en-US" sz="1800">
+            <a:pPr marL="0" indent="0" rtl="0" algn="l" defTabSz="914400" eaLnBrk="1" latinLnBrk="0" hangingPunct="1">
+              <a:buFontTx/>
+              <a:buNone/>
+            </a:pPr>
+            <a:r>
+              <a:rPr lang="ko-KR" sz="3000" b="1">
+                <a:latin typeface="맑은 고딕" charset="0"/>
+                <a:ea typeface="맑은 고딕" charset="0"/>
+              </a:rPr>
+              <a:t>열다섯</a:t>
+            </a:r>
+            <a:r>
+              <a:rPr lang="ko-KR" sz="3000" b="1">
+                <a:latin typeface="맑은 고딕" charset="0"/>
+                <a:ea typeface="맑은 고딕" charset="0"/>
+              </a:rPr>
+              <a:t> 번째 튜토리얼</a:t>
+            </a:r>
+            <a:r>
+              <a:rPr sz="3000" b="1">
+                <a:latin typeface="맑은 고딕" charset="0"/>
+                <a:ea typeface="맑은 고딕" charset="0"/>
+              </a:rPr>
+              <a:t> </a:t>
+            </a:r>
+            <a:endParaRPr lang="ko-KR" altLang="en-US" sz="3000" b="1">
               <a:latin typeface="맑은 고딕" charset="0"/>
               <a:ea typeface="맑은 고딕" charset="0"/>
             </a:endParaRPr>
@@ -10085,7 +10796,7 @@
       </p:sp>
       <p:sp>
         <p:nvSpPr>
-          <p:cNvPr id="35" name="Rect 0"/>
+          <p:cNvPr id="57" name="Rect 0"/>
           <p:cNvSpPr txBox="1">
             <a:spLocks/>
           </p:cNvSpPr>
@@ -10093,8 +10804,8 @@
         </p:nvSpPr>
         <p:spPr>
           <a:xfrm rot="0">
-            <a:off x="4126865" y="467995"/>
-            <a:ext cx="3937635" cy="554990"/>
+            <a:off x="6824980" y="5480050"/>
+            <a:ext cx="4123690" cy="677545"/>
           </a:xfrm>
           <a:prstGeom prst="rect"/>
           <a:noFill/>
@@ -10114,36 +10825,103 @@
               <a:buNone/>
             </a:pPr>
             <a:r>
-              <a:rPr lang="ko-KR" sz="3000" b="1">
-                <a:latin typeface="맑은 고딕" charset="0"/>
-                <a:ea typeface="맑은 고딕" charset="0"/>
-              </a:rPr>
-              <a:t>열다섯</a:t>
-            </a:r>
-            <a:r>
-              <a:rPr lang="ko-KR" sz="3000" b="1">
-                <a:latin typeface="맑은 고딕" charset="0"/>
-                <a:ea typeface="맑은 고딕" charset="0"/>
-              </a:rPr>
-              <a:t> 번째 튜토리얼</a:t>
-            </a:r>
-            <a:r>
-              <a:rPr sz="3000" b="1">
+              <a:rPr lang="ko-KR" sz="2000" b="1">
+                <a:solidFill>
+                  <a:srgbClr val="0611F2"/>
+                </a:solidFill>
+                <a:latin typeface="맑은 고딕" charset="0"/>
+                <a:ea typeface="맑은 고딕" charset="0"/>
+              </a:rPr>
+              <a:t>3</a:t>
+            </a:r>
+            <a:r>
+              <a:rPr lang="ko-KR" sz="2000" b="1">
+                <a:solidFill>
+                  <a:srgbClr val="0611F2"/>
+                </a:solidFill>
+                <a:latin typeface="맑은 고딕" charset="0"/>
+                <a:ea typeface="맑은 고딕" charset="0"/>
+              </a:rPr>
+              <a:t>3</a:t>
+            </a:r>
+            <a:r>
+              <a:rPr lang="ko-KR" sz="2000" b="1">
+                <a:solidFill>
+                  <a:srgbClr val="0611F2"/>
+                </a:solidFill>
+                <a:latin typeface="맑은 고딕" charset="0"/>
+                <a:ea typeface="맑은 고딕" charset="0"/>
+              </a:rPr>
+              <a:t>.</a:t>
+            </a:r>
+            <a:r>
+              <a:rPr lang="ko-KR" sz="2000">
+                <a:solidFill>
+                  <a:srgbClr val="0611F2"/>
+                </a:solidFill>
                 <a:latin typeface="맑은 고딕" charset="0"/>
                 <a:ea typeface="맑은 고딕" charset="0"/>
               </a:rPr>
               <a:t> </a:t>
             </a:r>
-            <a:endParaRPr lang="ko-KR" altLang="en-US" sz="3000" b="1">
+            <a:r>
+              <a:rPr lang="ko-KR" sz="1800">
+                <a:latin typeface="맑은 고딕" charset="0"/>
+                <a:ea typeface="맑은 고딕" charset="0"/>
+              </a:rPr>
+              <a:t>이제</a:t>
+            </a:r>
+            <a:r>
+              <a:rPr lang="ko-KR" sz="1800">
+                <a:latin typeface="맑은 고딕" charset="0"/>
+                <a:ea typeface="맑은 고딕" charset="0"/>
+              </a:rPr>
+              <a:t> PhotonSetting를 선택</a:t>
+            </a:r>
+            <a:r>
+              <a:rPr lang="ko-KR" sz="1800">
+                <a:latin typeface="맑은 고딕" charset="0"/>
+                <a:ea typeface="맑은 고딕" charset="0"/>
+              </a:rPr>
+              <a:t>하고</a:t>
+            </a:r>
+            <a:endParaRPr lang="ko-KR" altLang="en-US" sz="1800">
               <a:latin typeface="맑은 고딕" charset="0"/>
               <a:ea typeface="맑은 고딕" charset="0"/>
             </a:endParaRPr>
           </a:p>
-        </p:txBody>
-      </p:sp>
-      <p:sp>
-        <p:nvSpPr>
-          <p:cNvPr id="57" name="Rect 0"/>
+          <a:p>
+            <a:pPr marL="0" indent="0" rtl="0" algn="l" defTabSz="914400" eaLnBrk="1" latinLnBrk="0" hangingPunct="1">
+              <a:buFontTx/>
+              <a:buNone/>
+            </a:pPr>
+            <a:r>
+              <a:rPr lang="ko-KR" sz="1800">
+                <a:solidFill>
+                  <a:srgbClr val="009900"/>
+                </a:solidFill>
+                <a:latin typeface="맑은 고딕" charset="0"/>
+                <a:ea typeface="맑은 고딕" charset="0"/>
+              </a:rPr>
+              <a:t>[ Login( ) ]</a:t>
+            </a:r>
+            <a:r>
+              <a:rPr lang="ko-KR" sz="1800">
+                <a:latin typeface="맑은 고딕" charset="0"/>
+                <a:ea typeface="맑은 고딕" charset="0"/>
+              </a:rPr>
+              <a:t>이라는 함수를 설정합니다. </a:t>
+            </a:r>
+            <a:endParaRPr lang="ko-KR" altLang="en-US" sz="1800">
+              <a:latin typeface="맑은 고딕" charset="0"/>
+              <a:ea typeface="맑은 고딕" charset="0"/>
+            </a:endParaRPr>
+          </a:p>
+        </p:txBody>
+      </p:sp>
+      <p:sp>
+        <p:nvSpPr>
+          <p:cNvPr id="60" name="Rect 0"/>
           <p:cNvSpPr txBox="1">
             <a:spLocks/>
           </p:cNvSpPr>
@@ -10151,8 +10929,8 @@
         </p:nvSpPr>
         <p:spPr>
           <a:xfrm rot="0">
-            <a:off x="6737350" y="4399280"/>
-            <a:ext cx="4407535" cy="954405"/>
+            <a:off x="1229360" y="5203190"/>
+            <a:ext cx="4149090" cy="954405"/>
           </a:xfrm>
           <a:prstGeom prst="rect"/>
           <a:noFill/>
@@ -10179,7 +10957,17 @@
                 <a:latin typeface="맑은 고딕" charset="0"/>
                 <a:ea typeface="맑은 고딕" charset="0"/>
               </a:rPr>
-              <a:t>30.</a:t>
+              <a:t>32</a:t>
+            </a:r>
+            <a:r>
+              <a:rPr lang="ko-KR" sz="2000" b="1">
+                <a:solidFill>
+                  <a:srgbClr val="0611F2"/>
+                </a:solidFill>
+                <a:latin typeface="맑은 고딕" charset="0"/>
+                <a:ea typeface="맑은 고딕" charset="0"/>
+              </a:rPr>
+              <a:t>.</a:t>
             </a:r>
             <a:r>
               <a:rPr lang="ko-KR" sz="2000">
@@ -10196,45 +10984,223 @@
                 <a:latin typeface="맑은 고딕" charset="0"/>
                 <a:ea typeface="맑은 고딕" charset="0"/>
               </a:rPr>
-              <a:t>그리고 함수를 추가하기 위해 PhotonSetting를 선택하시고 </a:t>
+              <a:t>마지막으로 </a:t>
+            </a:r>
+            <a:r>
+              <a:rPr lang="ko-KR" sz="1800">
+                <a:latin typeface="맑은 고딕" charset="0"/>
+                <a:ea typeface="맑은 고딕" charset="0"/>
+              </a:rPr>
+              <a:t>Sign In</a:t>
+            </a:r>
+            <a:r>
+              <a:rPr lang="ko-KR" sz="1800">
+                <a:latin typeface="맑은 고딕" charset="0"/>
+                <a:ea typeface="맑은 고딕" charset="0"/>
+              </a:rPr>
+              <a:t> Button</a:t>
+            </a:r>
+            <a:r>
+              <a:rPr lang="ko-KR" sz="1800">
+                <a:latin typeface="맑은 고딕" charset="0"/>
+                <a:ea typeface="맑은 고딕" charset="0"/>
+              </a:rPr>
+              <a:t> 오브젝트의</a:t>
+            </a:r>
+            <a:r>
+              <a:rPr lang="ko-KR" sz="1800">
+                <a:latin typeface="맑은 고딕" charset="0"/>
+                <a:ea typeface="맑은 고딕" charset="0"/>
+              </a:rPr>
+              <a:t> On Click</a:t>
+            </a:r>
+            <a:r>
+              <a:rPr lang="ko-KR" sz="1800">
+                <a:latin typeface="맑은 고딕" charset="0"/>
+                <a:ea typeface="맑은 고딕" charset="0"/>
+              </a:rPr>
+              <a:t>( ) 함수</a:t>
+            </a:r>
+            <a:r>
+              <a:rPr lang="ko-KR" sz="1800">
+                <a:latin typeface="맑은 고딕" charset="0"/>
+                <a:ea typeface="맑은 고딕" charset="0"/>
+              </a:rPr>
+              <a:t>에 Photon Setting 오브젝트를 넣어줍니다.</a:t>
             </a:r>
             <a:endParaRPr lang="ko-KR" altLang="en-US" sz="1800">
               <a:latin typeface="맑은 고딕" charset="0"/>
               <a:ea typeface="맑은 고딕" charset="0"/>
             </a:endParaRPr>
           </a:p>
-          <a:p>
-            <a:pPr marL="0" indent="0" rtl="0" algn="l" defTabSz="914400" eaLnBrk="1" latinLnBrk="0" hangingPunct="1">
-              <a:buFontTx/>
-              <a:buNone/>
-            </a:pPr>
-            <a:r>
-              <a:rPr lang="ko-KR" sz="1800">
-                <a:solidFill>
-                  <a:srgbClr val="009900"/>
-                </a:solidFill>
-                <a:latin typeface="맑은 고딕" charset="0"/>
-                <a:ea typeface="맑은 고딕" charset="0"/>
-              </a:rPr>
-              <a:t>[ Login( ) ]</a:t>
-            </a:r>
-            <a:r>
-              <a:rPr lang="ko-KR" sz="1800">
-                <a:latin typeface="맑은 고딕" charset="0"/>
-                <a:ea typeface="맑은 고딕" charset="0"/>
-              </a:rPr>
-              <a:t>이라는 함수를 설정합니다. </a:t>
-            </a:r>
-            <a:endParaRPr lang="ko-KR" altLang="en-US" sz="1800">
-              <a:latin typeface="맑은 고딕" charset="0"/>
-              <a:ea typeface="맑은 고딕" charset="0"/>
-            </a:endParaRPr>
-          </a:p>
-        </p:txBody>
-      </p:sp>
-      <p:sp>
-        <p:nvSpPr>
-          <p:cNvPr id="60" name="Rect 0"/>
+        </p:txBody>
+      </p:sp>
+      <p:pic>
+        <p:nvPicPr>
+          <p:cNvPr id="67" name="그림 81" descr="C:/Users/Admin1/AppData/Roaming/PolarisOffice/ETemp/2936_21704408/fImage259843797035.png"/>
+          <p:cNvPicPr>
+            <a:picLocks noChangeAspect="1"/>
+          </p:cNvPicPr>
+          <p:nvPr/>
+        </p:nvPicPr>
+        <p:blipFill rotWithShape="1">
+          <a:blip r:embed="rId4" cstate="hqprint">
+            <a:extLst>
+              <a:ext uri="{28A0092B-C50C-407E-A947-70E740481C1C}">
+                <a14:useLocalDpi xmlns:a14="http://schemas.microsoft.com/office/drawing/2010/main"/>
+              </a:ext>
+            </a:extLst>
+          </a:blip>
+          <a:stretch>
+            <a:fillRect/>
+          </a:stretch>
+        </p:blipFill>
+        <p:spPr>
+          <a:xfrm rot="0">
+            <a:off x="6824980" y="1430020"/>
+            <a:ext cx="4123690" cy="3890645"/>
+          </a:xfrm>
+          <a:prstGeom prst="rect"/>
+          <a:noFill/>
+        </p:spPr>
+      </p:pic>
+      <p:pic>
+        <p:nvPicPr>
+          <p:cNvPr id="68" name="그림 43" descr="C:/Users/Admin1/AppData/Roaming/PolarisOffice/ETemp/2936_21704408/fImage97242394464.png"/>
+          <p:cNvPicPr>
+            <a:picLocks noChangeAspect="1"/>
+          </p:cNvPicPr>
+          <p:nvPr/>
+        </p:nvPicPr>
+        <p:blipFill rotWithShape="1">
+          <a:blip r:embed="rId6" cstate="print">
+            <a:extLst>
+              <a:ext uri="{28A0092B-C50C-407E-A947-70E740481C1C}">
+                <a14:useLocalDpi xmlns:a14="http://schemas.microsoft.com/office/drawing/2010/main" val="0"/>
+              </a:ext>
+            </a:extLst>
+          </a:blip>
+          <a:stretch>
+            <a:fillRect/>
+          </a:stretch>
+        </p:blipFill>
+        <p:spPr>
+          <a:xfrm rot="0">
+            <a:off x="3990340" y="1903730"/>
+            <a:ext cx="1388745" cy="2702560"/>
+          </a:xfrm>
+          <a:prstGeom prst="roundRect"/>
+          <a:solidFill>
+            <a:srgbClr val="EDEDED"/>
+          </a:solidFill>
+        </p:spPr>
+      </p:pic>
+      <p:pic>
+        <p:nvPicPr>
+          <p:cNvPr id="69" name="그림 44" descr="C:/Users/Admin1/AppData/Roaming/PolarisOffice/ETemp/2936_21704408/fImage388572405705.png"/>
+          <p:cNvPicPr>
+            <a:picLocks noChangeAspect="1"/>
+          </p:cNvPicPr>
+          <p:nvPr/>
+        </p:nvPicPr>
+        <p:blipFill rotWithShape="1">
+          <a:blip r:embed="rId7" cstate="print">
+            <a:extLst>
+              <a:ext uri="{28A0092B-C50C-407E-A947-70E740481C1C}">
+                <a14:useLocalDpi xmlns:a14="http://schemas.microsoft.com/office/drawing/2010/main" val="0"/>
+              </a:ext>
+            </a:extLst>
+          </a:blip>
+          <a:stretch>
+            <a:fillRect/>
+          </a:stretch>
+        </p:blipFill>
+        <p:spPr>
+          <a:xfrm rot="0">
+            <a:off x="1222375" y="1427480"/>
+            <a:ext cx="2610485" cy="3652520"/>
+          </a:xfrm>
+          <a:prstGeom prst="roundRect"/>
+          <a:solidFill>
+            <a:srgbClr val="EDEDED"/>
+          </a:solidFill>
+        </p:spPr>
+      </p:pic>
+      <p:cxnSp>
+        <p:nvCxnSpPr>
+          <p:cNvPr id="65" name="Rect 0"/>
+          <p:cNvCxnSpPr/>
+          <p:nvPr/>
+        </p:nvCxnSpPr>
+        <p:spPr>
+          <a:xfrm rot="0" flipH="1">
+            <a:off x="2045335" y="4389120"/>
+            <a:ext cx="2169795" cy="358140"/>
+          </a:xfrm>
+          <a:prstGeom prst="straightConnector1"/>
+          <a:ln w="6350" cap="flat" cmpd="sng">
+            <a:prstDash/>
+            <a:tailEnd type="triangle" w="med" len="med"/>
+          </a:ln>
+        </p:spPr>
+        <p:style>
+          <a:lnRef idx="1">
+            <a:schemeClr val="accent1"/>
+          </a:lnRef>
+          <a:fillRef idx="0">
+            <a:schemeClr val="accent1"/>
+          </a:fillRef>
+          <a:effectRef idx="0">
+            <a:schemeClr val="accent1"/>
+          </a:effectRef>
+          <a:fontRef idx="minor">
+            <a:schemeClr val="tx1"/>
+          </a:fontRef>
+        </p:style>
+      </p:cxnSp>
+    </p:spTree>
+  </p:cSld>
+  <p:clrMapOvr>
+    <a:masterClrMapping/>
+  </p:clrMapOvr>
+  <mc:AlternateContent xmlns:mc="http://schemas.openxmlformats.org/markup-compatibility/2006">
+    <mc:Choice xmlns:p14="http://schemas.microsoft.com/office/powerpoint/2010/main" Requires="p14">
+      <p:transition spd="slow" p14:dur="2000"/>
+    </mc:Choice>
+    <mc:Fallback>
+      <p:transition spd="slow"/>
+    </mc:Fallback>
+  </mc:AlternateContent>
+  <p:timing>
+    <p:tnLst>
+      <p:par>
+        <p:cTn id="1" dur="indefinite" restart="never" nodeType="tmRoot"/>
+      </p:par>
+    </p:tnLst>
+  </p:timing>
+</p:sld>
+</file>
+
+<file path=ppt/slides/slide16.xml><?xml version="1.0" encoding="utf-8"?>
+<p:sld xmlns:a="http://schemas.openxmlformats.org/drawingml/2006/main" xmlns:r="http://schemas.openxmlformats.org/officeDocument/2006/relationships" xmlns:p="http://schemas.openxmlformats.org/presentationml/2006/main">
+  <p:cSld>
+    <p:spTree>
+      <p:nvGrpSpPr>
+        <p:cNvPr id="1" name=""/>
+        <p:cNvGrpSpPr/>
+        <p:nvPr/>
+      </p:nvGrpSpPr>
+      <p:grpSpPr>
+        <a:xfrm>
+          <a:off x="0" y="0"/>
+          <a:ext cx="0" cy="0"/>
+          <a:chOff x="0" y="0"/>
+          <a:chExt cx="0" cy="0"/>
+        </a:xfrm>
+      </p:grpSpPr>
+      <p:sp>
+        <p:nvSpPr>
+          <p:cNvPr id="35" name="Rect 0"/>
           <p:cNvSpPr txBox="1">
             <a:spLocks/>
           </p:cNvSpPr>
@@ -10242,8 +11208,8 @@
         </p:nvSpPr>
         <p:spPr>
           <a:xfrm rot="0">
-            <a:off x="1229360" y="4396740"/>
-            <a:ext cx="4148455" cy="1231265"/>
+            <a:off x="4126865" y="467995"/>
+            <a:ext cx="3938270" cy="554990"/>
           </a:xfrm>
           <a:prstGeom prst="rect"/>
           <a:noFill/>
@@ -10263,6 +11229,74 @@
               <a:buNone/>
             </a:pPr>
             <a:r>
+              <a:rPr lang="ko-KR" sz="3000" b="1">
+                <a:latin typeface="맑은 고딕" charset="0"/>
+                <a:ea typeface="맑은 고딕" charset="0"/>
+              </a:rPr>
+              <a:t>열</a:t>
+            </a:r>
+            <a:r>
+              <a:rPr lang="ko-KR" sz="3000" b="1">
+                <a:latin typeface="맑은 고딕" charset="0"/>
+                <a:ea typeface="맑은 고딕" charset="0"/>
+              </a:rPr>
+              <a:t>여</a:t>
+            </a:r>
+            <a:r>
+              <a:rPr lang="ko-KR" sz="3000" b="1">
+                <a:latin typeface="맑은 고딕" charset="0"/>
+                <a:ea typeface="맑은 고딕" charset="0"/>
+              </a:rPr>
+              <a:t>섯 번째 튜토리얼</a:t>
+            </a:r>
+            <a:r>
+              <a:rPr sz="3000" b="1">
+                <a:latin typeface="맑은 고딕" charset="0"/>
+                <a:ea typeface="맑은 고딕" charset="0"/>
+              </a:rPr>
+              <a:t> </a:t>
+            </a:r>
+            <a:endParaRPr lang="ko-KR" altLang="en-US" sz="3000" b="1">
+              <a:latin typeface="맑은 고딕" charset="0"/>
+              <a:ea typeface="맑은 고딕" charset="0"/>
+            </a:endParaRPr>
+          </a:p>
+        </p:txBody>
+      </p:sp>
+      <p:sp>
+        <p:nvSpPr>
+          <p:cNvPr id="57" name="Rect 0"/>
+          <p:cNvSpPr txBox="1">
+            <a:spLocks/>
+          </p:cNvSpPr>
+          <p:nvPr/>
+        </p:nvSpPr>
+        <p:spPr>
+          <a:xfrm rot="0">
+            <a:off x="6841490" y="5048250"/>
+            <a:ext cx="4098925" cy="1231265"/>
+          </a:xfrm>
+          <a:prstGeom prst="rect"/>
+          <a:noFill/>
+          <a:ln w="0">
+            <a:noFill/>
+            <a:prstDash/>
+          </a:ln>
+        </p:spPr>
+        <p:txBody>
+          <a:bodyPr wrap="square" lIns="89535" tIns="46355" rIns="89535" bIns="46355" numCol="1" vert="horz" anchor="t">
+            <a:spAutoFit/>
+          </a:bodyPr>
+          <a:lstStyle/>
+          <a:p>
+            <a:pPr marL="0" indent="0" rtl="0" algn="l" defTabSz="914400" eaLnBrk="1" latinLnBrk="0" hangingPunct="1">
+              <a:buFontTx/>
+              <a:buNone/>
+              <a:tabLst>
+                <a:tab pos="3869690" algn="l"/>
+              </a:tabLst>
+            </a:pPr>
+            <a:r>
               <a:rPr lang="ko-KR" sz="2000" b="1">
                 <a:solidFill>
                   <a:srgbClr val="0611F2"/>
@@ -10270,7 +11304,27 @@
                 <a:latin typeface="맑은 고딕" charset="0"/>
                 <a:ea typeface="맑은 고딕" charset="0"/>
               </a:rPr>
-              <a:t>29.</a:t>
+              <a:t>3</a:t>
+            </a:r>
+            <a:r>
+              <a:rPr lang="ko-KR" sz="2000" b="1">
+                <a:solidFill>
+                  <a:srgbClr val="0611F2"/>
+                </a:solidFill>
+                <a:latin typeface="맑은 고딕" charset="0"/>
+                <a:ea typeface="맑은 고딕" charset="0"/>
+              </a:rPr>
+              <a:t>5</a:t>
+            </a:r>
+            <a:r>
+              <a:rPr lang="ko-KR" sz="2000" b="1">
+                <a:solidFill>
+                  <a:srgbClr val="0611F2"/>
+                </a:solidFill>
+                <a:latin typeface="맑은 고딕" charset="0"/>
+                <a:ea typeface="맑은 고딕" charset="0"/>
+              </a:rPr>
+              <a:t>.</a:t>
             </a:r>
             <a:r>
               <a:rPr lang="ko-KR" sz="2000">
@@ -10287,7 +11341,14 @@
                 <a:latin typeface="맑은 고딕" charset="0"/>
                 <a:ea typeface="맑은 고딕" charset="0"/>
               </a:rPr>
-              <a:t>마지막으로 Login Button이라는 버튼 컴포넌트의 On Click 함수에 Photon Setting 오브젝트를 넣어줍니다.</a:t>
+              <a:t>그다음 Email Input과 Password Input 그리고 UserName Input 오브젝트의 앵커를 지정하고 위치와 회전 값을 설정합니다.</a:t>
+            </a:r>
+            <a:r>
+              <a:rPr lang="ko-KR" sz="1800">
+                <a:latin typeface="맑은 고딕" charset="0"/>
+                <a:ea typeface="맑은 고딕" charset="0"/>
+              </a:rPr>
+              <a:t> </a:t>
             </a:r>
             <a:endParaRPr lang="ko-KR" altLang="en-US" sz="1800">
               <a:latin typeface="맑은 고딕" charset="0"/>
@@ -10296,9 +11357,83 @@
           </a:p>
         </p:txBody>
       </p:sp>
+      <p:sp>
+        <p:nvSpPr>
+          <p:cNvPr id="60" name="Rect 0"/>
+          <p:cNvSpPr txBox="1">
+            <a:spLocks/>
+          </p:cNvSpPr>
+          <p:nvPr/>
+        </p:nvSpPr>
+        <p:spPr>
+          <a:xfrm rot="0">
+            <a:off x="1237615" y="5319395"/>
+            <a:ext cx="4149090" cy="954405"/>
+          </a:xfrm>
+          <a:prstGeom prst="rect"/>
+          <a:noFill/>
+          <a:ln w="0">
+            <a:noFill/>
+            <a:prstDash/>
+          </a:ln>
+        </p:spPr>
+        <p:txBody>
+          <a:bodyPr wrap="square" lIns="89535" tIns="46355" rIns="89535" bIns="46355" numCol="1" vert="horz" anchor="t">
+            <a:spAutoFit/>
+          </a:bodyPr>
+          <a:lstStyle/>
+          <a:p>
+            <a:pPr marL="0" indent="0" rtl="0" algn="l" defTabSz="914400" eaLnBrk="1" latinLnBrk="0" hangingPunct="1">
+              <a:buFontTx/>
+              <a:buNone/>
+            </a:pPr>
+            <a:r>
+              <a:rPr lang="ko-KR" sz="2000" b="1">
+                <a:solidFill>
+                  <a:srgbClr val="0611F2"/>
+                </a:solidFill>
+                <a:latin typeface="맑은 고딕" charset="0"/>
+                <a:ea typeface="맑은 고딕" charset="0"/>
+              </a:rPr>
+              <a:t>34</a:t>
+            </a:r>
+            <a:r>
+              <a:rPr lang="ko-KR" sz="2000" b="1">
+                <a:solidFill>
+                  <a:srgbClr val="0611F2"/>
+                </a:solidFill>
+                <a:latin typeface="맑은 고딕" charset="0"/>
+                <a:ea typeface="맑은 고딕" charset="0"/>
+              </a:rPr>
+              <a:t>.</a:t>
+            </a:r>
+            <a:r>
+              <a:rPr lang="ko-KR" sz="2000">
+                <a:solidFill>
+                  <a:srgbClr val="0611F2"/>
+                </a:solidFill>
+                <a:latin typeface="맑은 고딕" charset="0"/>
+                <a:ea typeface="맑은 고딕" charset="0"/>
+              </a:rPr>
+              <a:t> </a:t>
+            </a:r>
+            <a:r>
+              <a:rPr lang="ko-KR" sz="1800">
+                <a:latin typeface="맑은 고딕" charset="0"/>
+                <a:ea typeface="맑은 고딕" charset="0"/>
+              </a:rPr>
+              <a:t>그리고 Sign In Button과 Sign Up Button 오브젝트의 앵커를 지정하고 위치와 회전 값을 설정합니다.</a:t>
+            </a:r>
+            <a:endParaRPr lang="ko-KR" altLang="en-US" sz="1800">
+              <a:latin typeface="맑은 고딕" charset="0"/>
+              <a:ea typeface="맑은 고딕" charset="0"/>
+            </a:endParaRPr>
+          </a:p>
+        </p:txBody>
+      </p:sp>
       <p:pic>
         <p:nvPicPr>
-          <p:cNvPr id="64" name="Picture "/>
+          <p:cNvPr id="68" name="그림 51" descr="C:/Users/Admin1/AppData/Roaming/PolarisOffice/ETemp/2936_21704408/fImage127713248145.png"/>
           <p:cNvPicPr>
             <a:picLocks noChangeAspect="1"/>
           </p:cNvPicPr>
@@ -10318,8 +11453,8 @@
         </p:blipFill>
         <p:spPr>
           <a:xfrm rot="0">
-            <a:off x="3776345" y="1704340"/>
-            <a:ext cx="1505585" cy="1943735"/>
+            <a:off x="1237615" y="1403350"/>
+            <a:ext cx="4141470" cy="1772920"/>
           </a:xfrm>
           <a:prstGeom prst="roundRect"/>
           <a:solidFill>
@@ -10329,7 +11464,7 @@
       </p:pic>
       <p:pic>
         <p:nvPicPr>
-          <p:cNvPr id="66" name="그림 80"/>
+          <p:cNvPr id="69" name="그림 54" descr="C:/Users/Admin1/AppData/Roaming/PolarisOffice/ETemp/2936_21704408/fImage130483253281.png"/>
           <p:cNvPicPr>
             <a:picLocks noChangeAspect="1"/>
           </p:cNvPicPr>
@@ -10349,49 +11484,18 @@
         </p:blipFill>
         <p:spPr>
           <a:xfrm rot="0">
-            <a:off x="1229995" y="1325245"/>
-            <a:ext cx="2286635" cy="2961640"/>
-          </a:xfrm>
-          <a:prstGeom prst="rect"/>
-          <a:noFill/>
+            <a:off x="1234440" y="3363595"/>
+            <a:ext cx="4152900" cy="1774190"/>
+          </a:xfrm>
+          <a:prstGeom prst="roundRect"/>
+          <a:solidFill>
+            <a:srgbClr val="EDEDED"/>
+          </a:solidFill>
         </p:spPr>
       </p:pic>
-      <p:cxnSp>
-        <p:nvCxnSpPr>
-          <p:cNvPr id="65" name="Rect 0"/>
-          <p:cNvCxnSpPr/>
-          <p:nvPr/>
-        </p:nvCxnSpPr>
-        <p:spPr>
-          <a:xfrm rot="0" flipH="1">
-            <a:off x="1957070" y="3472180"/>
-            <a:ext cx="2070100" cy="546100"/>
-          </a:xfrm>
-          <a:prstGeom prst="straightConnector1"/>
-          <a:ln w="6350" cap="flat" cmpd="sng">
-            <a:prstDash/>
-            <a:headEnd type="none" w="med" len="med"/>
-            <a:tailEnd type="triangle" w="med" len="med"/>
-          </a:ln>
-        </p:spPr>
-        <p:style>
-          <a:lnRef idx="1">
-            <a:schemeClr val="accent1"/>
-          </a:lnRef>
-          <a:fillRef idx="0">
-            <a:schemeClr val="accent1"/>
-          </a:fillRef>
-          <a:effectRef idx="0">
-            <a:schemeClr val="accent1"/>
-          </a:effectRef>
-          <a:fontRef idx="minor">
-            <a:schemeClr val="tx1"/>
-          </a:fontRef>
-        </p:style>
-      </p:cxnSp>
       <p:pic>
         <p:nvPicPr>
-          <p:cNvPr id="67" name="그림 81"/>
+          <p:cNvPr id="70" name="그림 57" descr="C:/Users/Admin1/AppData/Roaming/PolarisOffice/ETemp/2936_21704408/fImage125453266827.png"/>
           <p:cNvPicPr>
             <a:picLocks noChangeAspect="1"/>
           </p:cNvPicPr>
@@ -10411,11 +11515,75 @@
         </p:blipFill>
         <p:spPr>
           <a:xfrm rot="0">
-            <a:off x="6797675" y="1336675"/>
-            <a:ext cx="4165600" cy="2950210"/>
-          </a:xfrm>
-          <a:prstGeom prst="rect"/>
-          <a:noFill/>
+            <a:off x="6833235" y="1402080"/>
+            <a:ext cx="4115435" cy="1050925"/>
+          </a:xfrm>
+          <a:prstGeom prst="roundRect"/>
+          <a:solidFill>
+            <a:srgbClr val="EDEDED"/>
+          </a:solidFill>
+        </p:spPr>
+      </p:pic>
+      <p:pic>
+        <p:nvPicPr>
+          <p:cNvPr id="71" name="그림 60" descr="C:/Users/Admin1/AppData/Roaming/PolarisOffice/ETemp/2936_21704408/fImage128213279961.png"/>
+          <p:cNvPicPr>
+            <a:picLocks noChangeAspect="1"/>
+          </p:cNvPicPr>
+          <p:nvPr/>
+        </p:nvPicPr>
+        <p:blipFill rotWithShape="1">
+          <a:blip r:embed="rId5" cstate="print">
+            <a:extLst>
+              <a:ext uri="{28A0092B-C50C-407E-A947-70E740481C1C}">
+                <a14:useLocalDpi xmlns:a14="http://schemas.microsoft.com/office/drawing/2010/main" val="0"/>
+              </a:ext>
+            </a:extLst>
+          </a:blip>
+          <a:stretch>
+            <a:fillRect/>
+          </a:stretch>
+        </p:blipFill>
+        <p:spPr>
+          <a:xfrm rot="0">
+            <a:off x="6838315" y="2641600"/>
+            <a:ext cx="4118610" cy="1050290"/>
+          </a:xfrm>
+          <a:prstGeom prst="roundRect"/>
+          <a:solidFill>
+            <a:srgbClr val="EDEDED"/>
+          </a:solidFill>
+        </p:spPr>
+      </p:pic>
+      <p:pic>
+        <p:nvPicPr>
+          <p:cNvPr id="72" name="그림 63" descr="C:/Users/Admin1/AppData/Roaming/PolarisOffice/ETemp/2936_21704408/fImage12761328491.png"/>
+          <p:cNvPicPr>
+            <a:picLocks noChangeAspect="1"/>
+          </p:cNvPicPr>
+          <p:nvPr/>
+        </p:nvPicPr>
+        <p:blipFill rotWithShape="1">
+          <a:blip r:embed="rId6" cstate="print">
+            <a:extLst>
+              <a:ext uri="{28A0092B-C50C-407E-A947-70E740481C1C}">
+                <a14:useLocalDpi xmlns:a14="http://schemas.microsoft.com/office/drawing/2010/main" val="0"/>
+              </a:ext>
+            </a:extLst>
+          </a:blip>
+          <a:stretch>
+            <a:fillRect/>
+          </a:stretch>
+        </p:blipFill>
+        <p:spPr>
+          <a:xfrm rot="0">
+            <a:off x="6841490" y="3865880"/>
+            <a:ext cx="4115435" cy="1047750"/>
+          </a:xfrm>
+          <a:prstGeom prst="roundRect"/>
+          <a:solidFill>
+            <a:srgbClr val="EDEDED"/>
+          </a:solidFill>
         </p:spPr>
       </p:pic>
     </p:spTree>
@@ -10441,8 +11609,8 @@
 </p:sld>
 </file>
 
-<file path=ppt/slides/slide16.xml><?xml version="1.0" encoding="utf-8"?>
-<p:sld xmlns:a="http://schemas.openxmlformats.org/drawingml/2006/main" xmlns:r="http://schemas.openxmlformats.org/officeDocument/2006/relationships" xmlns:p="http://schemas.openxmlformats.org/presentationml/2006/main" xmlns:p14="http://schemas.microsoft.com/office/powerpoint/2010/main">
+<file path=ppt/slides/slide17.xml><?xml version="1.0" encoding="utf-8"?>
+<p:sld xmlns:a="http://schemas.openxmlformats.org/drawingml/2006/main" xmlns:r="http://schemas.openxmlformats.org/officeDocument/2006/relationships" xmlns:p="http://schemas.openxmlformats.org/presentationml/2006/main">
   <p:cSld>
     <p:spTree>
       <p:nvGrpSpPr>
@@ -10460,7 +11628,7 @@
       </p:grpSpPr>
       <p:sp>
         <p:nvSpPr>
-          <p:cNvPr id="29" name="Rect 0"/>
+          <p:cNvPr id="35" name="Rect 0"/>
           <p:cNvSpPr txBox="1">
             <a:spLocks/>
           </p:cNvSpPr>
@@ -10468,8 +11636,8 @@
         </p:nvSpPr>
         <p:spPr>
           <a:xfrm rot="0">
-            <a:off x="1229995" y="1337310"/>
-            <a:ext cx="4039870" cy="371475"/>
+            <a:off x="4126865" y="467995"/>
+            <a:ext cx="3938270" cy="554990"/>
           </a:xfrm>
           <a:prstGeom prst="rect"/>
           <a:noFill/>
@@ -10484,11 +11652,39 @@
           </a:bodyPr>
           <a:lstStyle/>
           <a:p>
-            <a:pPr marL="0" indent="0" algn="l" latinLnBrk="0" hangingPunct="1">
-              <a:buFontTx/>
-              <a:buNone/>
-            </a:pPr>
-            <a:endParaRPr lang="ko-KR" altLang="en-US" sz="1800">
+            <a:pPr marL="0" indent="0" rtl="0" algn="l" defTabSz="914400" eaLnBrk="1" latinLnBrk="0" hangingPunct="1">
+              <a:buFontTx/>
+              <a:buNone/>
+            </a:pPr>
+            <a:r>
+              <a:rPr lang="ko-KR" sz="3000" b="1">
+                <a:latin typeface="맑은 고딕" charset="0"/>
+                <a:ea typeface="맑은 고딕" charset="0"/>
+              </a:rPr>
+              <a:t>열</a:t>
+            </a:r>
+            <a:r>
+              <a:rPr lang="ko-KR" sz="3000" b="1">
+                <a:latin typeface="맑은 고딕" charset="0"/>
+                <a:ea typeface="맑은 고딕" charset="0"/>
+              </a:rPr>
+              <a:t>일곱</a:t>
+            </a:r>
+            <a:r>
+              <a:rPr lang="ko-KR" sz="3000" b="1">
+                <a:latin typeface="맑은 고딕" charset="0"/>
+                <a:ea typeface="맑은 고딕" charset="0"/>
+              </a:rPr>
+              <a:t> 번째 튜토리얼</a:t>
+            </a:r>
+            <a:r>
+              <a:rPr sz="3000" b="1">
+                <a:latin typeface="맑은 고딕" charset="0"/>
+                <a:ea typeface="맑은 고딕" charset="0"/>
+              </a:rPr>
+              <a:t> </a:t>
+            </a:r>
+            <a:endParaRPr lang="ko-KR" altLang="en-US" sz="3000" b="1">
               <a:latin typeface="맑은 고딕" charset="0"/>
               <a:ea typeface="맑은 고딕" charset="0"/>
             </a:endParaRPr>
@@ -10497,16 +11693,16 @@
       </p:sp>
       <p:sp>
         <p:nvSpPr>
-          <p:cNvPr id="35" name="Rect 0"/>
+          <p:cNvPr id="57" name="Rect 0"/>
           <p:cNvSpPr txBox="1">
             <a:spLocks/>
           </p:cNvSpPr>
           <p:nvPr/>
         </p:nvSpPr>
         <p:spPr>
-          <a:xfrm>
-            <a:off x="4156710" y="443230"/>
-            <a:ext cx="3883660" cy="554990"/>
+          <a:xfrm rot="0">
+            <a:off x="6841490" y="4217670"/>
+            <a:ext cx="4098925" cy="2061845"/>
           </a:xfrm>
           <a:prstGeom prst="rect"/>
           <a:noFill/>
@@ -10524,45 +11720,107 @@
             <a:pPr marL="0" indent="0" rtl="0" algn="l" defTabSz="914400" eaLnBrk="1" latinLnBrk="0" hangingPunct="1">
               <a:buFontTx/>
               <a:buNone/>
-            </a:pPr>
-            <a:r>
-              <a:rPr lang="ko-KR" sz="3000" b="1">
-                <a:latin typeface="맑은 고딕" charset="0"/>
-                <a:ea typeface="맑은 고딕" charset="0"/>
-              </a:rPr>
-              <a:t>열</a:t>
-            </a:r>
-            <a:r>
-              <a:rPr lang="ko-KR" sz="3000" b="1">
-                <a:latin typeface="맑은 고딕" charset="0"/>
-                <a:ea typeface="맑은 고딕" charset="0"/>
-              </a:rPr>
-              <a:t>여섯</a:t>
-            </a:r>
-            <a:r>
-              <a:rPr lang="ko-KR" sz="3000" b="1">
-                <a:latin typeface="맑은 고딕" charset="0"/>
-                <a:ea typeface="맑은 고딕" charset="0"/>
-              </a:rPr>
-              <a:t> 번째 튜토리얼</a:t>
-            </a:r>
-            <a:r>
-              <a:rPr sz="3000" b="1">
+              <a:tabLst>
+                <a:tab pos="3869690" algn="l"/>
+              </a:tabLst>
+            </a:pPr>
+            <a:r>
+              <a:rPr lang="ko-KR" sz="2000" b="1">
+                <a:solidFill>
+                  <a:srgbClr val="0611F2"/>
+                </a:solidFill>
+                <a:latin typeface="맑은 고딕" charset="0"/>
+                <a:ea typeface="맑은 고딕" charset="0"/>
+              </a:rPr>
+              <a:t>3</a:t>
+            </a:r>
+            <a:r>
+              <a:rPr lang="ko-KR" sz="2000" b="1">
+                <a:solidFill>
+                  <a:srgbClr val="0611F2"/>
+                </a:solidFill>
+                <a:latin typeface="맑은 고딕" charset="0"/>
+                <a:ea typeface="맑은 고딕" charset="0"/>
+              </a:rPr>
+              <a:t>8</a:t>
+            </a:r>
+            <a:r>
+              <a:rPr lang="ko-KR" sz="2000" b="1">
+                <a:solidFill>
+                  <a:srgbClr val="0611F2"/>
+                </a:solidFill>
+                <a:latin typeface="맑은 고딕" charset="0"/>
+                <a:ea typeface="맑은 고딕" charset="0"/>
+              </a:rPr>
+              <a:t>.</a:t>
+            </a:r>
+            <a:r>
+              <a:rPr lang="ko-KR" sz="2000">
+                <a:solidFill>
+                  <a:srgbClr val="0611F2"/>
+                </a:solidFill>
                 <a:latin typeface="맑은 고딕" charset="0"/>
                 <a:ea typeface="맑은 고딕" charset="0"/>
               </a:rPr>
               <a:t> </a:t>
             </a:r>
-            <a:endParaRPr lang="ko-KR" altLang="en-US" sz="3000" b="1">
+            <a:r>
+              <a:rPr lang="ko-KR" sz="1800">
+                <a:latin typeface="맑은 고딕" charset="0"/>
+                <a:ea typeface="맑은 고딕" charset="0"/>
+              </a:rPr>
+              <a:t>마지막으로 Sign In Button과 Sign Up Button 하위 오브젝트의 Text 오브젝트의 이름을 Sign In Text와 Sign Up Text로 변경합니다.</a:t>
+            </a:r>
+            <a:endParaRPr lang="ko-KR" altLang="en-US" sz="1800">
               <a:latin typeface="맑은 고딕" charset="0"/>
               <a:ea typeface="맑은 고딕" charset="0"/>
             </a:endParaRPr>
           </a:p>
-        </p:txBody>
-      </p:sp>
-      <p:sp>
-        <p:nvSpPr>
-          <p:cNvPr id="57" name="Rect 0"/>
+          <a:p>
+            <a:pPr marL="0" indent="0" rtl="0" algn="l" defTabSz="914400" eaLnBrk="1" latinLnBrk="0" hangingPunct="1">
+              <a:buFontTx/>
+              <a:buNone/>
+              <a:tabLst>
+                <a:tab pos="3869690" algn="l"/>
+              </a:tabLst>
+            </a:pPr>
+            <a:endParaRPr lang="ko-KR" altLang="en-US" sz="1800">
+              <a:latin typeface="맑은 고딕" charset="0"/>
+              <a:ea typeface="맑은 고딕" charset="0"/>
+            </a:endParaRPr>
+          </a:p>
+          <a:p>
+            <a:pPr marL="0" indent="0" rtl="0" algn="l" defTabSz="914400" eaLnBrk="1" latinLnBrk="0" hangingPunct="1">
+              <a:buFontTx/>
+              <a:buNone/>
+              <a:tabLst>
+                <a:tab pos="3869690" algn="l"/>
+              </a:tabLst>
+            </a:pPr>
+            <a:r>
+              <a:rPr lang="ko-KR" sz="1800">
+                <a:latin typeface="맑은 고딕" charset="0"/>
+                <a:ea typeface="맑은 고딕" charset="0"/>
+              </a:rPr>
+              <a:t>그리고 각각의 텍스트의 Font Size와 Font Style을 설정합니다.</a:t>
+            </a:r>
+            <a:r>
+              <a:rPr lang="ko-KR" sz="1800">
+                <a:latin typeface="맑은 고딕" charset="0"/>
+                <a:ea typeface="맑은 고딕" charset="0"/>
+              </a:rPr>
+              <a:t> </a:t>
+            </a:r>
+            <a:endParaRPr lang="ko-KR" altLang="en-US" sz="1800">
+              <a:latin typeface="맑은 고딕" charset="0"/>
+              <a:ea typeface="맑은 고딕" charset="0"/>
+            </a:endParaRPr>
+          </a:p>
+        </p:txBody>
+      </p:sp>
+      <p:sp>
+        <p:nvSpPr>
+          <p:cNvPr id="60" name="Rect 0"/>
           <p:cNvSpPr txBox="1">
             <a:spLocks/>
           </p:cNvSpPr>
@@ -10570,8 +11828,8 @@
         </p:nvSpPr>
         <p:spPr>
           <a:xfrm rot="0">
-            <a:off x="6654800" y="5022850"/>
-            <a:ext cx="4460875" cy="1231900"/>
+            <a:off x="1237615" y="5601970"/>
+            <a:ext cx="4149090" cy="677545"/>
           </a:xfrm>
           <a:prstGeom prst="rect"/>
           <a:noFill/>
@@ -10598,7 +11856,17 @@
                 <a:latin typeface="맑은 고딕" charset="0"/>
                 <a:ea typeface="맑은 고딕" charset="0"/>
               </a:rPr>
-              <a:t>32.</a:t>
+              <a:t>37</a:t>
+            </a:r>
+            <a:r>
+              <a:rPr lang="ko-KR" sz="2000" b="1">
+                <a:solidFill>
+                  <a:srgbClr val="0611F2"/>
+                </a:solidFill>
+                <a:latin typeface="맑은 고딕" charset="0"/>
+                <a:ea typeface="맑은 고딕" charset="0"/>
+              </a:rPr>
+              <a:t>.</a:t>
             </a:r>
             <a:r>
               <a:rPr lang="ko-KR" sz="2000">
@@ -10615,7 +11883,7 @@
                 <a:latin typeface="맑은 고딕" charset="0"/>
                 <a:ea typeface="맑은 고딕" charset="0"/>
               </a:rPr>
-              <a:t>그런 다음 유저의 ID를 선택하면 Master player account에 접근해서 비밀번호를 변경하거나 비밀번호를 직접 볼 수 있습니다.</a:t>
+              <a:t>이제 Region DropDown의 옵션에 KR, JP, AU라는 값을 정의합니다.</a:t>
             </a:r>
             <a:endParaRPr lang="ko-KR" altLang="en-US" sz="1800">
               <a:latin typeface="맑은 고딕" charset="0"/>
@@ -10624,83 +11892,19 @@
           </a:p>
         </p:txBody>
       </p:sp>
-      <p:sp>
-        <p:nvSpPr>
-          <p:cNvPr id="60" name="Rect 0"/>
-          <p:cNvSpPr txBox="1">
-            <a:spLocks/>
-          </p:cNvSpPr>
-          <p:nvPr/>
-        </p:nvSpPr>
-        <p:spPr>
-          <a:xfrm rot="0">
-            <a:off x="1229995" y="5019675"/>
-            <a:ext cx="4173855" cy="1231900"/>
-          </a:xfrm>
-          <a:prstGeom prst="rect"/>
-          <a:noFill/>
-          <a:ln w="0">
-            <a:noFill/>
-            <a:prstDash/>
-          </a:ln>
-        </p:spPr>
-        <p:txBody>
-          <a:bodyPr wrap="square" lIns="89535" tIns="46355" rIns="89535" bIns="46355" numCol="1" vert="horz" anchor="t">
-            <a:spAutoFit/>
-          </a:bodyPr>
-          <a:lstStyle/>
-          <a:p>
-            <a:pPr marL="0" indent="0" rtl="0" algn="l" defTabSz="914400" eaLnBrk="1" latinLnBrk="0" hangingPunct="1">
-              <a:buFontTx/>
-              <a:buNone/>
-            </a:pPr>
-            <a:r>
-              <a:rPr lang="ko-KR" sz="2000" b="1">
-                <a:solidFill>
-                  <a:srgbClr val="0611F2"/>
-                </a:solidFill>
-                <a:latin typeface="맑은 고딕" charset="0"/>
-                <a:ea typeface="맑은 고딕" charset="0"/>
-              </a:rPr>
-              <a:t>31.</a:t>
-            </a:r>
-            <a:r>
-              <a:rPr lang="ko-KR" sz="2000">
-                <a:solidFill>
-                  <a:srgbClr val="0611F2"/>
-                </a:solidFill>
-                <a:latin typeface="맑은 고딕" charset="0"/>
-                <a:ea typeface="맑은 고딕" charset="0"/>
-              </a:rPr>
-              <a:t> </a:t>
-            </a:r>
-            <a:r>
-              <a:rPr lang="ko-KR" sz="1800">
-                <a:latin typeface="맑은 고딕" charset="0"/>
-                <a:ea typeface="맑은 고딕" charset="0"/>
-              </a:rPr>
-              <a:t>게임을 실행하고 회원가입을 완료한 후에 PlayFab의 타이틀로 가서 방금 생성한 유저의 정보가 서버에 저장되게 됩니다.</a:t>
-            </a:r>
-            <a:endParaRPr lang="ko-KR" altLang="en-US" sz="1800">
-              <a:latin typeface="맑은 고딕" charset="0"/>
-              <a:ea typeface="맑은 고딕" charset="0"/>
-            </a:endParaRPr>
-          </a:p>
-        </p:txBody>
-      </p:sp>
       <p:pic>
         <p:nvPicPr>
-          <p:cNvPr id="61" name="그림 2"/>
+          <p:cNvPr id="73" name="그림 67" descr="C:/Users/Admin1/AppData/Roaming/PolarisOffice/ETemp/2936_21704408/fImage131623402995.png"/>
           <p:cNvPicPr>
             <a:picLocks noChangeAspect="1"/>
           </p:cNvPicPr>
           <p:nvPr/>
         </p:nvPicPr>
         <p:blipFill rotWithShape="1">
-          <a:blip r:embed="rId2" cstate="hqprint">
+          <a:blip r:embed="rId2" cstate="print">
             <a:extLst>
               <a:ext uri="{28A0092B-C50C-407E-A947-70E740481C1C}">
-                <a14:useLocalDpi xmlns:a14="http://schemas.microsoft.com/office/drawing/2010/main"/>
+                <a14:useLocalDpi xmlns:a14="http://schemas.microsoft.com/office/drawing/2010/main" val="0"/>
               </a:ext>
             </a:extLst>
           </a:blip>
@@ -10710,8 +11914,8 @@
         </p:blipFill>
         <p:spPr>
           <a:xfrm rot="0">
-            <a:off x="1205230" y="1338580"/>
-            <a:ext cx="4067175" cy="3574415"/>
+            <a:off x="1234440" y="1411605"/>
+            <a:ext cx="4152900" cy="1157605"/>
           </a:xfrm>
           <a:prstGeom prst="roundRect"/>
           <a:solidFill>
@@ -10719,19 +11923,93 @@
           </a:solidFill>
         </p:spPr>
       </p:pic>
+      <p:sp>
+        <p:nvSpPr>
+          <p:cNvPr id="74" name="텍스트 상자 70"/>
+          <p:cNvSpPr txBox="1">
+            <a:spLocks/>
+          </p:cNvSpPr>
+          <p:nvPr/>
+        </p:nvSpPr>
+        <p:spPr>
+          <a:xfrm rot="0">
+            <a:off x="1242695" y="2655570"/>
+            <a:ext cx="4149090" cy="954405"/>
+          </a:xfrm>
+          <a:prstGeom prst="rect"/>
+          <a:noFill/>
+          <a:ln w="0">
+            <a:noFill/>
+            <a:prstDash/>
+          </a:ln>
+        </p:spPr>
+        <p:txBody>
+          <a:bodyPr wrap="square" lIns="89535" tIns="46355" rIns="89535" bIns="46355" numCol="1" vert="horz" anchor="t">
+            <a:spAutoFit/>
+          </a:bodyPr>
+          <a:lstStyle/>
+          <a:p>
+            <a:pPr marL="0" indent="0" rtl="0" algn="l" defTabSz="914400" eaLnBrk="1" latinLnBrk="0" hangingPunct="1">
+              <a:buFontTx/>
+              <a:buNone/>
+            </a:pPr>
+            <a:r>
+              <a:rPr lang="ko-KR" sz="2000" b="1">
+                <a:solidFill>
+                  <a:srgbClr val="0611F2"/>
+                </a:solidFill>
+                <a:latin typeface="맑은 고딕" charset="0"/>
+                <a:ea typeface="맑은 고딕" charset="0"/>
+              </a:rPr>
+              <a:t>36</a:t>
+            </a:r>
+            <a:r>
+              <a:rPr lang="ko-KR" sz="2000" b="1">
+                <a:solidFill>
+                  <a:srgbClr val="0611F2"/>
+                </a:solidFill>
+                <a:latin typeface="맑은 고딕" charset="0"/>
+                <a:ea typeface="맑은 고딕" charset="0"/>
+              </a:rPr>
+              <a:t>.</a:t>
+            </a:r>
+            <a:r>
+              <a:rPr lang="ko-KR" sz="2000">
+                <a:solidFill>
+                  <a:srgbClr val="0611F2"/>
+                </a:solidFill>
+                <a:latin typeface="맑은 고딕" charset="0"/>
+                <a:ea typeface="맑은 고딕" charset="0"/>
+              </a:rPr>
+              <a:t> </a:t>
+            </a:r>
+            <a:r>
+              <a:rPr lang="ko-KR" sz="1800">
+                <a:latin typeface="맑은 고딕" charset="0"/>
+                <a:ea typeface="맑은 고딕" charset="0"/>
+              </a:rPr>
+              <a:t>그런 다음 Region DropDown 오브젝트의 앵커를 지정하고 위치와 회전 값을 설정합니다.</a:t>
+            </a:r>
+            <a:endParaRPr lang="ko-KR" altLang="en-US" sz="1800">
+              <a:latin typeface="맑은 고딕" charset="0"/>
+              <a:ea typeface="맑은 고딕" charset="0"/>
+            </a:endParaRPr>
+          </a:p>
+        </p:txBody>
+      </p:sp>
       <p:pic>
         <p:nvPicPr>
-          <p:cNvPr id="62" name="그림 3"/>
+          <p:cNvPr id="75" name="그림 71" descr="C:/Users/Admin1/AppData/Roaming/PolarisOffice/ETemp/2936_21704408/fImage85723421942.png"/>
           <p:cNvPicPr>
             <a:picLocks noChangeAspect="1"/>
           </p:cNvPicPr>
           <p:nvPr/>
         </p:nvPicPr>
         <p:blipFill rotWithShape="1">
-          <a:blip r:embed="rId3" cstate="hqprint">
+          <a:blip r:embed="rId3" cstate="print">
             <a:extLst>
               <a:ext uri="{28A0092B-C50C-407E-A947-70E740481C1C}">
-                <a14:useLocalDpi xmlns:a14="http://schemas.microsoft.com/office/drawing/2010/main"/>
+                <a14:useLocalDpi xmlns:a14="http://schemas.microsoft.com/office/drawing/2010/main" val="0"/>
               </a:ext>
             </a:extLst>
           </a:blip>
@@ -10741,13 +12019,102 @@
         </p:blipFill>
         <p:spPr>
           <a:xfrm rot="0">
-            <a:off x="6675755" y="1334770"/>
-            <a:ext cx="4457065" cy="3571240"/>
+            <a:off x="1242695" y="3731895"/>
+            <a:ext cx="4152900" cy="1821180"/>
           </a:xfrm>
           <a:prstGeom prst="roundRect"/>
           <a:solidFill>
             <a:srgbClr val="EDEDED"/>
           </a:solidFill>
+        </p:spPr>
+      </p:pic>
+      <p:pic>
+        <p:nvPicPr>
+          <p:cNvPr id="76" name="그림 74" descr="C:/Users/Admin1/AppData/Roaming/PolarisOffice/ETemp/2936_21704408/fImage104553434827.png"/>
+          <p:cNvPicPr>
+            <a:picLocks noChangeAspect="1"/>
+          </p:cNvPicPr>
+          <p:nvPr/>
+        </p:nvPicPr>
+        <p:blipFill rotWithShape="1">
+          <a:blip r:embed="rId4" cstate="print">
+            <a:extLst>
+              <a:ext uri="{28A0092B-C50C-407E-A947-70E740481C1C}">
+                <a14:useLocalDpi xmlns:a14="http://schemas.microsoft.com/office/drawing/2010/main" val="0"/>
+              </a:ext>
+            </a:extLst>
+          </a:blip>
+          <a:stretch>
+            <a:fillRect/>
+          </a:stretch>
+        </p:blipFill>
+        <p:spPr>
+          <a:xfrm rot="0">
+            <a:off x="6833235" y="1424940"/>
+            <a:ext cx="1347470" cy="2707005"/>
+          </a:xfrm>
+          <a:prstGeom prst="roundRect"/>
+          <a:solidFill>
+            <a:srgbClr val="EDEDED"/>
+          </a:solidFill>
+        </p:spPr>
+      </p:pic>
+      <p:pic>
+        <p:nvPicPr>
+          <p:cNvPr id="77" name="그림 77" descr="C:/Users/Admin1/AppData/Roaming/PolarisOffice/ETemp/2936_21704408/fImage106913445436.png"/>
+          <p:cNvPicPr>
+            <a:picLocks noChangeAspect="1"/>
+          </p:cNvPicPr>
+          <p:nvPr/>
+        </p:nvPicPr>
+        <p:blipFill rotWithShape="1">
+          <a:blip r:embed="rId5" cstate="print">
+            <a:extLst>
+              <a:ext uri="{28A0092B-C50C-407E-A947-70E740481C1C}">
+                <a14:useLocalDpi xmlns:a14="http://schemas.microsoft.com/office/drawing/2010/main" val="0"/>
+              </a:ext>
+            </a:extLst>
+          </a:blip>
+          <a:stretch>
+            <a:fillRect/>
+          </a:stretch>
+        </p:blipFill>
+        <p:spPr>
+          <a:xfrm rot="0">
+            <a:off x="8321675" y="1421765"/>
+            <a:ext cx="2618740" cy="1238885"/>
+          </a:xfrm>
+          <a:prstGeom prst="rect"/>
+          <a:noFill/>
+        </p:spPr>
+      </p:pic>
+      <p:pic>
+        <p:nvPicPr>
+          <p:cNvPr id="78" name="그림 80" descr="C:/Users/Admin1/AppData/Roaming/PolarisOffice/ETemp/2936_21704408/fImage104703452391.png"/>
+          <p:cNvPicPr>
+            <a:picLocks noChangeAspect="1"/>
+          </p:cNvPicPr>
+          <p:nvPr/>
+        </p:nvPicPr>
+        <p:blipFill rotWithShape="1">
+          <a:blip r:embed="rId6" cstate="print">
+            <a:extLst>
+              <a:ext uri="{28A0092B-C50C-407E-A947-70E740481C1C}">
+                <a14:useLocalDpi xmlns:a14="http://schemas.microsoft.com/office/drawing/2010/main" val="0"/>
+              </a:ext>
+            </a:extLst>
+          </a:blip>
+          <a:stretch>
+            <a:fillRect/>
+          </a:stretch>
+        </p:blipFill>
+        <p:spPr>
+          <a:xfrm rot="0">
+            <a:off x="8329930" y="2876550"/>
+            <a:ext cx="2610485" cy="1247140"/>
+          </a:xfrm>
+          <a:prstGeom prst="rect"/>
+          <a:noFill/>
         </p:spPr>
       </p:pic>
     </p:spTree>
@@ -10897,7 +12264,7 @@
       </p:sp>
       <p:pic>
         <p:nvPicPr>
-          <p:cNvPr id="9" name="그림 4" descr="C:/Users/Admin1/AppData/Roaming/PolarisOffice/ETemp/17716_5745816/fImage522971406500.png"/>
+          <p:cNvPr id="9" name="그림 4"/>
           <p:cNvPicPr>
             <a:picLocks noChangeAspect="1"/>
           </p:cNvPicPr>
@@ -10928,7 +12295,7 @@
       </p:pic>
       <p:pic>
         <p:nvPicPr>
-          <p:cNvPr id="10" name="그림 6" descr="C:/Users/Admin1/AppData/Roaming/PolarisOffice/ETemp/17716_5745816/fImage409501396334.png"/>
+          <p:cNvPr id="10" name="그림 6"/>
           <p:cNvPicPr>
             <a:picLocks noChangeAspect="1"/>
           </p:cNvPicPr>
@@ -11095,7 +12462,7 @@
       </p:sp>
       <p:pic>
         <p:nvPicPr>
-          <p:cNvPr id="13" name="그림 9" descr="C:/Users/Admin1/AppData/Roaming/PolarisOffice/ETemp/17716_5745816/fImage20639513741.png"/>
+          <p:cNvPr id="13" name="그림 9"/>
           <p:cNvPicPr>
             <a:picLocks noChangeAspect="1"/>
           </p:cNvPicPr>
@@ -11316,7 +12683,7 @@
       </p:sp>
       <p:pic>
         <p:nvPicPr>
-          <p:cNvPr id="26" name="그림 5" descr="C:/Users/Admin1/AppData/Roaming/PolarisOffice/ETemp/17716_5745816/fImage337991419169.png"/>
+          <p:cNvPr id="26" name="그림 5"/>
           <p:cNvPicPr>
             <a:picLocks noChangeAspect="1"/>
           </p:cNvPicPr>
@@ -11347,7 +12714,7 @@
       </p:pic>
       <p:pic>
         <p:nvPicPr>
-          <p:cNvPr id="27" name="그림 6" descr="C:/Users/Admin1/AppData/Roaming/PolarisOffice/ETemp/17716_5745816/fImage178001425724.png"/>
+          <p:cNvPr id="27" name="그림 6"/>
           <p:cNvPicPr>
             <a:picLocks noChangeAspect="1"/>
           </p:cNvPicPr>
@@ -11623,7 +12990,7 @@
       </p:sp>
       <p:pic>
         <p:nvPicPr>
-          <p:cNvPr id="39" name="그림 13" descr="C:/Users/Admin1/AppData/Roaming/PolarisOffice/ETemp/17716_5745816/fImage507371496962.png"/>
+          <p:cNvPr id="39" name="그림 13"/>
           <p:cNvPicPr>
             <a:picLocks noChangeAspect="1"/>
           </p:cNvPicPr>
@@ -11723,7 +13090,7 @@
       </p:sp>
       <p:pic>
         <p:nvPicPr>
-          <p:cNvPr id="41" name="그림 26" descr="C:/Users/Admin1/AppData/Roaming/PolarisOffice/ETemp/17716_5745816/fImage113693008467.png"/>
+          <p:cNvPr id="41" name="그림 26"/>
           <p:cNvPicPr>
             <a:picLocks noChangeAspect="1"/>
           </p:cNvPicPr>
@@ -11752,7 +13119,7 @@
       </p:pic>
       <p:pic>
         <p:nvPicPr>
-          <p:cNvPr id="42" name="그림 31" descr="C:/Users/Admin1/AppData/Roaming/PolarisOffice/ETemp/17716_5745816/fImage364671479358.png"/>
+          <p:cNvPr id="42" name="그림 31"/>
           <p:cNvPicPr>
             <a:picLocks noChangeAspect="1"/>
           </p:cNvPicPr>
@@ -12207,7 +13574,7 @@
       </p:sp>
       <p:pic>
         <p:nvPicPr>
-          <p:cNvPr id="47" name="그림 18" descr="C:/Users/Admin1/AppData/Roaming/PolarisOffice/ETemp/17716_5745816/fImage330901548145.png"/>
+          <p:cNvPr id="47" name="그림 18"/>
           <p:cNvPicPr>
             <a:picLocks noChangeAspect="1"/>
           </p:cNvPicPr>
@@ -12624,7 +13991,7 @@
       </p:sp>
       <p:pic>
         <p:nvPicPr>
-          <p:cNvPr id="49" name="그림 22" descr="C:/Users/Admin1/AppData/Roaming/PolarisOffice/ETemp/17716_5745816/fImage364772413281.png"/>
+          <p:cNvPr id="49" name="그림 22"/>
           <p:cNvPicPr>
             <a:picLocks noChangeAspect="1"/>
           </p:cNvPicPr>
@@ -12653,7 +14020,7 @@
       </p:pic>
       <p:pic>
         <p:nvPicPr>
-          <p:cNvPr id="50" name="그림 23" descr="C:/Users/Admin1/AppData/Roaming/PolarisOffice/ETemp/17716_5745816/fImage183122426827.png"/>
+          <p:cNvPr id="50" name="그림 23"/>
           <p:cNvPicPr>
             <a:picLocks noChangeAspect="1"/>
           </p:cNvPicPr>
@@ -13422,7 +14789,7 @@
       </p:sp>
       <p:pic>
         <p:nvPicPr>
-          <p:cNvPr id="55" name="그림 28" descr="C:/Users/Admin1/AppData/Roaming/PolarisOffice/ETemp/17716_5745816/fImage250602681942.png"/>
+          <p:cNvPr id="55" name="그림 28"/>
           <p:cNvPicPr>
             <a:picLocks noChangeAspect="1"/>
           </p:cNvPicPr>
@@ -13451,7 +14818,7 @@
       </p:pic>
       <p:pic>
         <p:nvPicPr>
-          <p:cNvPr id="56" name="그림 29" descr="C:/Users/Admin1/AppData/Roaming/PolarisOffice/ETemp/17716_5745816/fImage191382694827.png"/>
+          <p:cNvPr id="56" name="그림 29"/>
           <p:cNvPicPr>
             <a:picLocks noChangeAspect="1"/>
           </p:cNvPicPr>
@@ -13482,7 +14849,7 @@
       </p:pic>
       <p:pic>
         <p:nvPicPr>
-          <p:cNvPr id="57" name="그림 34" descr="C:/Users/Admin1/AppData/Roaming/PolarisOffice/ETemp/17716_5745816/fImage64373136334.png"/>
+          <p:cNvPr id="57" name="그림 34"/>
           <p:cNvPicPr>
             <a:picLocks noChangeAspect="1"/>
           </p:cNvPicPr>
@@ -13535,7 +14902,7 @@
 </file>
 
 <file path=ppt/slides/slide9.xml><?xml version="1.0" encoding="utf-8"?>
-<p:sld xmlns:a="http://schemas.openxmlformats.org/drawingml/2006/main" xmlns:r="http://schemas.openxmlformats.org/officeDocument/2006/relationships" xmlns:p="http://schemas.openxmlformats.org/presentationml/2006/main">
+<p:sld xmlns:a="http://schemas.openxmlformats.org/drawingml/2006/main" xmlns:r="http://schemas.openxmlformats.org/officeDocument/2006/relationships" xmlns:p="http://schemas.openxmlformats.org/presentationml/2006/main" xmlns:p14="http://schemas.microsoft.com/office/powerpoint/2010/main">
   <p:cSld>
     <p:spTree>
       <p:nvGrpSpPr>
@@ -13655,9 +15022,9 @@
           <p:nvPr/>
         </p:nvSpPr>
         <p:spPr>
-          <a:xfrm rot="0">
+          <a:xfrm>
             <a:off x="1230630" y="4930140"/>
-            <a:ext cx="4131945" cy="1231265"/>
+            <a:ext cx="4132580" cy="1231265"/>
           </a:xfrm>
           <a:prstGeom prst="rect"/>
           <a:noFill/>
@@ -13684,17 +15051,7 @@
                 <a:latin typeface="맑은 고딕" charset="0"/>
                 <a:ea typeface="맑은 고딕" charset="0"/>
               </a:rPr>
-              <a:t>20</a:t>
-            </a:r>
-            <a:r>
-              <a:rPr lang="ko-KR" sz="2000" b="1">
-                <a:solidFill>
-                  <a:srgbClr val="0611F2"/>
-                </a:solidFill>
-                <a:latin typeface="맑은 고딕" charset="0"/>
-                <a:ea typeface="맑은 고딕" charset="0"/>
-              </a:rPr>
-              <a:t>.</a:t>
+              <a:t>20.</a:t>
             </a:r>
             <a:r>
               <a:rPr lang="ko-KR" sz="2000">
@@ -13711,7 +15068,7 @@
                 <a:latin typeface="맑은 고딕" charset="0"/>
                 <a:ea typeface="맑은 고딕" charset="0"/>
               </a:rPr>
-              <a:t>그런 다음 UI에서 Input Field를 3개 생성하고 각각의 이름을 Email Input과 Password Input 그리고 UserName Input으로 정의합니다.</a:t>
+              <a:t>그런 다음 UI에서 Input Field를 3개 생성하고 각각의 이름을 Email Input과 Password Input그리고 UserName Input으로 정의합니다.</a:t>
             </a:r>
             <a:endParaRPr lang="ko-KR" altLang="en-US" sz="1800">
               <a:latin typeface="맑은 고딕" charset="0"/>
@@ -13722,7 +15079,7 @@
       </p:sp>
       <p:pic>
         <p:nvPicPr>
-          <p:cNvPr id="57" name="Picture " descr="C:/Users/Admin1/AppData/Roaming/PolarisOffice/ETemp/17716_5745816/fImage191502705436.png"/>
+          <p:cNvPr id="57" name="Picture "/>
           <p:cNvPicPr>
             <a:picLocks noChangeAspect="1"/>
           </p:cNvPicPr>
@@ -13753,7 +15110,7 @@
       </p:pic>
       <p:pic>
         <p:nvPicPr>
-          <p:cNvPr id="58" name="그림 37" descr="C:/Users/Admin1/AppData/Roaming/PolarisOffice/ETemp/17716_5745816/fImage83363146500.png"/>
+          <p:cNvPr id="58" name="그림 37"/>
           <p:cNvPicPr>
             <a:picLocks noChangeAspect="1"/>
           </p:cNvPicPr>
@@ -13782,6 +15139,166 @@
           </a:solidFill>
         </p:spPr>
       </p:pic>
+      <p:pic>
+        <p:nvPicPr>
+          <p:cNvPr id="59" name="그림 4" descr="C:/Users/Admin1/AppData/Roaming/PolarisOffice/ETemp/2936_21704408/fImage2008322341.png"/>
+          <p:cNvPicPr>
+            <a:picLocks noChangeAspect="1"/>
+          </p:cNvPicPr>
+          <p:nvPr/>
+        </p:nvPicPr>
+        <p:blipFill rotWithShape="1">
+          <a:blip r:embed="rId5" cstate="print">
+            <a:extLst>
+              <a:ext uri="{28A0092B-C50C-407E-A947-70E740481C1C}">
+                <a14:useLocalDpi xmlns:a14="http://schemas.microsoft.com/office/drawing/2010/main" val="0"/>
+              </a:ext>
+            </a:extLst>
+          </a:blip>
+          <a:stretch>
+            <a:fillRect/>
+          </a:stretch>
+        </p:blipFill>
+        <p:spPr>
+          <a:xfrm rot="0">
+            <a:off x="6808470" y="1339850"/>
+            <a:ext cx="2436495" cy="3706495"/>
+          </a:xfrm>
+          <a:prstGeom prst="roundRect"/>
+          <a:solidFill>
+            <a:srgbClr val="EDEDED"/>
+          </a:solidFill>
+        </p:spPr>
+      </p:pic>
+      <p:pic>
+        <p:nvPicPr>
+          <p:cNvPr id="60" name="그림 7" descr="C:/Users/Admin1/AppData/Roaming/PolarisOffice/ETemp/2936_21704408/fImage90292248467.png"/>
+          <p:cNvPicPr>
+            <a:picLocks noChangeAspect="1"/>
+          </p:cNvPicPr>
+          <p:nvPr/>
+        </p:nvPicPr>
+        <p:blipFill rotWithShape="1">
+          <a:blip r:embed="rId6" cstate="print">
+            <a:extLst>
+              <a:ext uri="{28A0092B-C50C-407E-A947-70E740481C1C}">
+                <a14:useLocalDpi xmlns:a14="http://schemas.microsoft.com/office/drawing/2010/main" val="0"/>
+              </a:ext>
+            </a:extLst>
+          </a:blip>
+          <a:stretch>
+            <a:fillRect/>
+          </a:stretch>
+        </p:blipFill>
+        <p:spPr>
+          <a:xfrm rot="0">
+            <a:off x="9468485" y="1820545"/>
+            <a:ext cx="1473835" cy="2743835"/>
+          </a:xfrm>
+          <a:prstGeom prst="roundRect"/>
+          <a:solidFill>
+            <a:srgbClr val="EDEDED"/>
+          </a:solidFill>
+        </p:spPr>
+      </p:pic>
+      <p:sp>
+        <p:nvSpPr>
+          <p:cNvPr id="61" name="텍스트 상자 10"/>
+          <p:cNvSpPr txBox="1">
+            <a:spLocks/>
+          </p:cNvSpPr>
+          <p:nvPr/>
+        </p:nvSpPr>
+        <p:spPr>
+          <a:xfrm rot="0">
+            <a:off x="6797040" y="5209540"/>
+            <a:ext cx="4132580" cy="954405"/>
+          </a:xfrm>
+          <a:prstGeom prst="rect"/>
+          <a:noFill/>
+          <a:ln w="0">
+            <a:noFill/>
+            <a:prstDash/>
+          </a:ln>
+        </p:spPr>
+        <p:txBody>
+          <a:bodyPr wrap="square" lIns="89535" tIns="46355" rIns="89535" bIns="46355" numCol="1" vert="horz" anchor="t">
+            <a:spAutoFit/>
+          </a:bodyPr>
+          <a:lstStyle/>
+          <a:p>
+            <a:pPr marL="0" indent="0" rtl="0" algn="l" defTabSz="914400" eaLnBrk="1" latinLnBrk="0" hangingPunct="1">
+              <a:buFontTx/>
+              <a:buNone/>
+            </a:pPr>
+            <a:r>
+              <a:rPr lang="ko-KR" sz="2000" b="1">
+                <a:solidFill>
+                  <a:srgbClr val="0611F2"/>
+                </a:solidFill>
+                <a:latin typeface="맑은 고딕" charset="0"/>
+                <a:ea typeface="맑은 고딕" charset="0"/>
+              </a:rPr>
+              <a:t>2</a:t>
+            </a:r>
+            <a:r>
+              <a:rPr lang="ko-KR" sz="2000" b="1">
+                <a:solidFill>
+                  <a:srgbClr val="0611F2"/>
+                </a:solidFill>
+                <a:latin typeface="맑은 고딕" charset="0"/>
+                <a:ea typeface="맑은 고딕" charset="0"/>
+              </a:rPr>
+              <a:t>1</a:t>
+            </a:r>
+            <a:r>
+              <a:rPr lang="ko-KR" sz="2000" b="1">
+                <a:solidFill>
+                  <a:srgbClr val="0611F2"/>
+                </a:solidFill>
+                <a:latin typeface="맑은 고딕" charset="0"/>
+                <a:ea typeface="맑은 고딕" charset="0"/>
+              </a:rPr>
+              <a:t>.</a:t>
+            </a:r>
+            <a:r>
+              <a:rPr lang="ko-KR" sz="2000">
+                <a:solidFill>
+                  <a:srgbClr val="0611F2"/>
+                </a:solidFill>
+                <a:latin typeface="맑은 고딕" charset="0"/>
+                <a:ea typeface="맑은 고딕" charset="0"/>
+              </a:rPr>
+              <a:t> </a:t>
+            </a:r>
+            <a:r>
+              <a:rPr lang="ko-KR" sz="1800">
+                <a:latin typeface="맑은 고딕" charset="0"/>
+                <a:ea typeface="맑은 고딕" charset="0"/>
+              </a:rPr>
+              <a:t>그다음으로</a:t>
+            </a:r>
+            <a:r>
+              <a:rPr lang="ko-KR" sz="1800">
+                <a:latin typeface="맑은 고딕" charset="0"/>
+                <a:ea typeface="맑은 고딕" charset="0"/>
+              </a:rPr>
+              <a:t> </a:t>
+            </a:r>
+            <a:r>
+              <a:rPr lang="ko-KR" sz="1800">
+                <a:latin typeface="맑은 고딕" charset="0"/>
+                <a:ea typeface="맑은 고딕" charset="0"/>
+              </a:rPr>
+              <a:t>UI에서 Dropdown을 생성하고 Region DropDown이라는 이름으로 정의합니다.</a:t>
+            </a:r>
+            <a:endParaRPr lang="ko-KR" altLang="en-US" sz="1800">
+              <a:latin typeface="맑은 고딕" charset="0"/>
+              <a:ea typeface="맑은 고딕" charset="0"/>
+            </a:endParaRPr>
+          </a:p>
+        </p:txBody>
+      </p:sp>
     </p:spTree>
   </p:cSld>
   <p:clrMapOvr>

--- a/Assets/Class/Photon Server/PPT Data/Photon PlayFab.pptx
+++ b/Assets/Class/Photon Server/PPT Data/Photon PlayFab.pptx
@@ -2,29 +2,28 @@
 <file path=ppt/presentation.xml><?xml version="1.0" encoding="utf-8"?>
 <p:presentation xmlns:a="http://schemas.openxmlformats.org/drawingml/2006/main" xmlns:r="http://schemas.openxmlformats.org/officeDocument/2006/relationships" xmlns:p="http://schemas.openxmlformats.org/presentationml/2006/main" xmlns:p14="http://schemas.microsoft.com/office/powerpoint/2010/main" saveSubsetFonts="1" firstSlideNum="0">
   <p:sldMasterIdLst>
-    <p:sldMasterId id="2147486863" r:id="rId12"/>
+    <p:sldMasterId id="2147486875" r:id="rId12"/>
   </p:sldMasterIdLst>
   <p:notesMasterIdLst>
     <p:notesMasterId r:id="rId14"/>
   </p:notesMasterIdLst>
   <p:sldIdLst>
     <p:sldId id="317" r:id="rId16"/>
-    <p:sldId id="316" r:id="rId17"/>
-    <p:sldId id="318" r:id="rId18"/>
-    <p:sldId id="314" r:id="rId19"/>
-    <p:sldId id="319" r:id="rId20"/>
-    <p:sldId id="320" r:id="rId21"/>
-    <p:sldId id="321" r:id="rId22"/>
-    <p:sldId id="322" r:id="rId23"/>
-    <p:sldId id="330" r:id="rId24"/>
-    <p:sldId id="323" r:id="rId25"/>
-    <p:sldId id="324" r:id="rId26"/>
-    <p:sldId id="325" r:id="rId27"/>
-    <p:sldId id="326" r:id="rId28"/>
-    <p:sldId id="327" r:id="rId29"/>
-    <p:sldId id="328" r:id="rId30"/>
-    <p:sldId id="331" r:id="rId31"/>
-    <p:sldId id="332" r:id="rId32"/>
+    <p:sldId id="316" r:id="rId18"/>
+    <p:sldId id="318" r:id="rId20"/>
+    <p:sldId id="314" r:id="rId22"/>
+    <p:sldId id="319" r:id="rId24"/>
+    <p:sldId id="320" r:id="rId26"/>
+    <p:sldId id="321" r:id="rId28"/>
+    <p:sldId id="322" r:id="rId30"/>
+    <p:sldId id="330" r:id="rId32"/>
+    <p:sldId id="323" r:id="rId33"/>
+    <p:sldId id="324" r:id="rId34"/>
+    <p:sldId id="325" r:id="rId35"/>
+    <p:sldId id="326" r:id="rId36"/>
+    <p:sldId id="327" r:id="rId37"/>
+    <p:sldId id="328" r:id="rId38"/>
+    <p:sldId id="331" r:id="rId39"/>
   </p:sldIdLst>
   <p:sldSz cx="12192000" cy="6858000"/>
   <p:notesSz cx="6858000" cy="9144000"/>
@@ -1619,148 +1618,6 @@
 </p:notes>
 </file>
 
-<file path=ppt/notesSlides/notesSlide17.xml><?xml version="1.0" encoding="utf-8"?>
-<p:notes xmlns:a="http://schemas.openxmlformats.org/drawingml/2006/main" xmlns:r="http://schemas.openxmlformats.org/officeDocument/2006/relationships" xmlns:p="http://schemas.openxmlformats.org/presentationml/2006/main">
-  <p:cSld>
-    <p:spTree>
-      <p:nvGrpSpPr>
-        <p:cNvPr id="1" name=""/>
-        <p:cNvGrpSpPr/>
-        <p:nvPr/>
-      </p:nvGrpSpPr>
-      <p:grpSpPr>
-        <a:xfrm>
-          <a:off x="0" y="0"/>
-          <a:ext cx="0" cy="0"/>
-          <a:chOff x="0" y="0"/>
-          <a:chExt cx="0" cy="0"/>
-        </a:xfrm>
-      </p:grpSpPr>
-      <p:sp>
-        <p:nvSpPr>
-          <p:cNvPr id="2" name="슬라이드 이미지 개체 틀 3"/>
-          <p:cNvSpPr>
-            <a:spLocks noChangeAspect="1"/>
-          </p:cNvSpPr>
-          <p:nvPr>
-            <p:ph type="sldImg" idx="2"/>
-          </p:nvPr>
-        </p:nvSpPr>
-        <p:spPr>
-          <a:xfrm rot="0">
-            <a:off x="685800" y="1143000"/>
-            <a:ext cx="5494655" cy="3094355"/>
-          </a:xfrm>
-          <a:prstGeom prst="rect"/>
-          <a:noFill/>
-          <a:ln w="12700" cap="flat" cmpd="sng">
-            <a:solidFill>
-              <a:srgbClr val="000000">
-                <a:alpha val="100000"/>
-              </a:srgbClr>
-            </a:solidFill>
-            <a:prstDash val="solid"/>
-          </a:ln>
-        </p:spPr>
-        <p:txBody>
-          <a:bodyPr wrap="square" lIns="91440" tIns="45720" rIns="91440" bIns="45720" numCol="1" vert="horz" anchor="ctr">
-            <a:noAutofit/>
-          </a:bodyPr>
-          <a:lstStyle/>
-          <a:p>
-            <a:pPr marL="0" indent="0" latinLnBrk="0">
-              <a:buFontTx/>
-              <a:buNone/>
-            </a:pPr>
-          </a:p>
-        </p:txBody>
-      </p:sp>
-      <p:sp>
-        <p:nvSpPr>
-          <p:cNvPr id="3" name="슬라이드 노트 개체 틀 4"/>
-          <p:cNvSpPr txBox="1">
-            <a:spLocks/>
-          </p:cNvSpPr>
-          <p:nvPr>
-            <p:ph type="body" idx="3"/>
-          </p:nvPr>
-        </p:nvSpPr>
-        <p:spPr>
-          <a:xfrm rot="0">
-            <a:off x="685800" y="4400550"/>
-            <a:ext cx="5494655" cy="3608705"/>
-          </a:xfrm>
-          <a:prstGeom prst="rect"/>
-        </p:spPr>
-        <p:txBody>
-          <a:bodyPr wrap="square" lIns="91440" tIns="45720" rIns="91440" bIns="45720" numCol="1" vert="horz" anchor="t">
-            <a:noAutofit/>
-          </a:bodyPr>
-          <a:lstStyle/>
-          <a:p>
-            <a:pPr marL="0" indent="0" latinLnBrk="0">
-              <a:buFontTx/>
-              <a:buNone/>
-            </a:pPr>
-          </a:p>
-        </p:txBody>
-      </p:sp>
-      <p:sp>
-        <p:nvSpPr>
-          <p:cNvPr id="4" name="슬라이드 번호 개체 틀 6"/>
-          <p:cNvSpPr txBox="1">
-            <a:spLocks/>
-          </p:cNvSpPr>
-          <p:nvPr>
-            <p:ph type="sldNum" idx="5"/>
-          </p:nvPr>
-        </p:nvSpPr>
-        <p:spPr>
-          <a:xfrm rot="0">
-            <a:off x="3884930" y="8685530"/>
-            <a:ext cx="2980055" cy="466725"/>
-          </a:xfrm>
-          <a:prstGeom prst="rect"/>
-        </p:spPr>
-        <p:txBody>
-          <a:bodyPr wrap="square" lIns="91440" tIns="45720" rIns="91440" bIns="45720" numCol="1" vert="horz" anchor="b">
-            <a:noAutofit/>
-          </a:bodyPr>
-          <a:lstStyle>
-            <a:lvl1pPr marL="0" indent="0" algn="r" latinLnBrk="0">
-              <a:buFontTx/>
-              <a:buNone/>
-              <a:defRPr lang="en-GB" altLang="en-US" sz="1200"/>
-            </a:lvl1pPr>
-          </a:lstStyle>
-          <a:p>
-            <a:pPr marL="0" indent="0" latinLnBrk="0">
-              <a:buFontTx/>
-              <a:buNone/>
-            </a:pPr>
-            <a:fld id="{B9320F77-B9A0-41C5-862A-B4B631284C64}" type="slidenum">
-              <a:rPr lang="ko-KR" altLang="en-US"/>
-              <a:t>‹#›</a:t>
-            </a:fld>
-          </a:p>
-        </p:txBody>
-      </p:sp>
-    </p:spTree>
-  </p:cSld>
-  <p:clrMapOvr>
-    <a:masterClrMapping/>
-  </p:clrMapOvr>
-  <mc:AlternateContent xmlns:mc="http://schemas.openxmlformats.org/markup-compatibility/2006">
-    <mc:Choice xmlns:p14="http://schemas.microsoft.com/office/powerpoint/2010/main" Requires="p14">
-      <p:transition spd="slow" p14:dur="0"/>
-    </mc:Choice>
-    <mc:Fallback>
-      <p:transition spd="slow"/>
-    </mc:Fallback>
-  </mc:AlternateContent>
-</p:notes>
-</file>
-
 <file path=ppt/notesSlides/notesSlide2.xml><?xml version="1.0" encoding="utf-8"?>
 <p:notes xmlns:a="http://schemas.openxmlformats.org/drawingml/2006/main" xmlns:r="http://schemas.openxmlformats.org/officeDocument/2006/relationships" xmlns:p="http://schemas.openxmlformats.org/presentationml/2006/main">
   <p:cSld>
@@ -8418,7 +8275,7 @@
       </p:sp>
       <p:pic>
         <p:nvPicPr>
-          <p:cNvPr id="59" name="그림 32" descr="C:/Users/Admin1/AppData/Roaming/PolarisOffice/ETemp/2936_21704408/fImage241662822391.png"/>
+          <p:cNvPr id="59" name="그림 32" descr="C:/Users/Admin1/AppData/Roaming/PolarisOffice/ETemp/20636_16816336/fImage241662822391.png"/>
           <p:cNvPicPr>
             <a:picLocks noChangeAspect="1"/>
           </p:cNvPicPr>
@@ -8438,8 +8295,8 @@
         </p:blipFill>
         <p:spPr>
           <a:xfrm rot="0">
-            <a:off x="2950845" y="1336675"/>
-            <a:ext cx="2411730" cy="3701415"/>
+            <a:off x="2785110" y="1336675"/>
+            <a:ext cx="2578100" cy="3702050"/>
           </a:xfrm>
           <a:prstGeom prst="rect"/>
           <a:noFill/>
@@ -8447,7 +8304,7 @@
       </p:pic>
       <p:pic>
         <p:nvPicPr>
-          <p:cNvPr id="61" name="그림 37" descr="C:/Users/Admin1/AppData/Roaming/PolarisOffice/ETemp/2936_21704408/fImage330252883902.png"/>
+          <p:cNvPr id="61" name="그림 37"/>
           <p:cNvPicPr>
             <a:picLocks noChangeAspect="1"/>
           </p:cNvPicPr>
@@ -8478,7 +8335,7 @@
       </p:pic>
       <p:pic>
         <p:nvPicPr>
-          <p:cNvPr id="62" name="그림 38" descr="C:/Users/Admin1/AppData/Roaming/PolarisOffice/ETemp/2936_21704408/fImage2273289153.png"/>
+          <p:cNvPr id="62" name="그림 38" descr="C:/Users/Admin1/AppData/Roaming/PolarisOffice/ETemp/20636_16816336/fImage2273289153.png"/>
           <p:cNvPicPr>
             <a:picLocks noChangeAspect="1"/>
           </p:cNvPicPr>
@@ -8498,8 +8355,8 @@
         </p:blipFill>
         <p:spPr>
           <a:xfrm rot="0">
-            <a:off x="9876155" y="3516630"/>
-            <a:ext cx="699135" cy="705485"/>
+            <a:off x="9917430" y="3516630"/>
+            <a:ext cx="699770" cy="706120"/>
           </a:xfrm>
           <a:prstGeom prst="roundRect"/>
           <a:solidFill>
@@ -8509,17 +8366,17 @@
       </p:pic>
       <p:pic>
         <p:nvPicPr>
-          <p:cNvPr id="65" name="그림 11" descr="C:/Users/Admin1/AppData/Roaming/PolarisOffice/ETemp/2936_21704408/fImage90882266334.png"/>
+          <p:cNvPr id="65" name="그림 11" descr="C:/Users/Admin1/AppData/Roaming/PolarisOffice/ETemp/20636_16816336/fImage90882266334.png"/>
           <p:cNvPicPr>
             <a:picLocks noChangeAspect="1"/>
           </p:cNvPicPr>
           <p:nvPr/>
         </p:nvPicPr>
         <p:blipFill rotWithShape="1">
-          <a:blip r:embed="rId8" cstate="print">
+          <a:blip r:embed="rId8" cstate="hqprint">
             <a:extLst>
               <a:ext uri="{28A0092B-C50C-407E-A947-70E740481C1C}">
-                <a14:useLocalDpi xmlns:a14="http://schemas.microsoft.com/office/drawing/2010/main" val="0"/>
+                <a14:useLocalDpi xmlns:a14="http://schemas.microsoft.com/office/drawing/2010/main"/>
               </a:ext>
             </a:extLst>
           </a:blip>
@@ -8530,38 +8387,7 @@
         <p:spPr>
           <a:xfrm rot="0">
             <a:off x="1233170" y="1812290"/>
-            <a:ext cx="1562735" cy="2752090"/>
-          </a:xfrm>
-          <a:prstGeom prst="roundRect"/>
-          <a:solidFill>
-            <a:srgbClr val="EDEDED"/>
-          </a:solidFill>
-        </p:spPr>
-      </p:pic>
-      <p:pic>
-        <p:nvPicPr>
-          <p:cNvPr id="66" name="그림 14" descr="C:/Users/Admin1/AppData/Roaming/PolarisOffice/ETemp/2936_21704408/fImage97242276500.png"/>
-          <p:cNvPicPr>
-            <a:picLocks noChangeAspect="1"/>
-          </p:cNvPicPr>
-          <p:nvPr/>
-        </p:nvPicPr>
-        <p:blipFill rotWithShape="1">
-          <a:blip r:embed="rId9" cstate="print">
-            <a:extLst>
-              <a:ext uri="{28A0092B-C50C-407E-A947-70E740481C1C}">
-                <a14:useLocalDpi xmlns:a14="http://schemas.microsoft.com/office/drawing/2010/main" val="0"/>
-              </a:ext>
-            </a:extLst>
-          </a:blip>
-          <a:stretch>
-            <a:fillRect/>
-          </a:stretch>
-        </p:blipFill>
-        <p:spPr>
-          <a:xfrm rot="0">
-            <a:off x="9427210" y="1341755"/>
-            <a:ext cx="1588135" cy="1818005"/>
+            <a:ext cx="1419225" cy="2752725"/>
           </a:xfrm>
           <a:prstGeom prst="roundRect"/>
           <a:solidFill>
@@ -8574,19 +8400,18 @@
           <p:cNvPr id="67" name="도형 17"/>
           <p:cNvCxnSpPr>
             <a:stCxn id="62" idx="0"/>
-            <a:endCxn id="66" idx="2"/>
+            <a:endCxn id="68" idx="2"/>
           </p:cNvCxnSpPr>
           <p:nvPr/>
         </p:nvCxnSpPr>
         <p:spPr>
           <a:xfrm rot="0" flipH="1" flipV="1">
-            <a:off x="10220960" y="3159125"/>
-            <a:ext cx="5080" cy="358140"/>
+            <a:off x="10263505" y="3092450"/>
+            <a:ext cx="3810" cy="424815"/>
           </a:xfrm>
           <a:prstGeom prst="straightConnector1"/>
           <a:ln w="6350" cap="flat" cmpd="sng">
             <a:prstDash/>
-            <a:headEnd type="none" w="med" len="med"/>
             <a:tailEnd type="triangle" w="med" len="med"/>
           </a:ln>
         </p:spPr>
@@ -8605,6 +8430,37 @@
           </a:fontRef>
         </p:style>
       </p:cxnSp>
+      <p:pic>
+        <p:nvPicPr>
+          <p:cNvPr id="68" name="그림 7" descr="C:/Users/Admin1/AppData/Roaming/PolarisOffice/ETemp/20636_16816336/fImage94112416334.png"/>
+          <p:cNvPicPr>
+            <a:picLocks noChangeAspect="1"/>
+          </p:cNvPicPr>
+          <p:nvPr/>
+        </p:nvPicPr>
+        <p:blipFill rotWithShape="1">
+          <a:blip r:embed="rId10" cstate="print">
+            <a:extLst>
+              <a:ext uri="{28A0092B-C50C-407E-A947-70E740481C1C}">
+                <a14:useLocalDpi xmlns:a14="http://schemas.microsoft.com/office/drawing/2010/main" val="0"/>
+              </a:ext>
+            </a:extLst>
+          </a:blip>
+          <a:stretch>
+            <a:fillRect/>
+          </a:stretch>
+        </p:blipFill>
+        <p:spPr>
+          <a:xfrm rot="0">
+            <a:off x="9562465" y="1340485"/>
+            <a:ext cx="1403350" cy="1752600"/>
+          </a:xfrm>
+          <a:prstGeom prst="roundRect"/>
+          <a:solidFill>
+            <a:srgbClr val="EDEDED"/>
+          </a:solidFill>
+        </p:spPr>
+      </p:pic>
     </p:spTree>
   </p:cSld>
   <p:clrMapOvr>
@@ -8756,9 +8612,9 @@
           <p:nvPr/>
         </p:nvSpPr>
         <p:spPr>
-          <a:xfrm rot="0">
+          <a:xfrm>
             <a:off x="1229995" y="3903345"/>
-            <a:ext cx="4124325" cy="2338705"/>
+            <a:ext cx="4124960" cy="2338705"/>
           </a:xfrm>
           <a:prstGeom prst="rect"/>
           <a:noFill/>
@@ -8785,27 +8641,7 @@
                 <a:latin typeface="맑은 고딕" charset="0"/>
                 <a:ea typeface="맑은 고딕" charset="0"/>
               </a:rPr>
-              <a:t>2</a:t>
-            </a:r>
-            <a:r>
-              <a:rPr lang="ko-KR" sz="2000" b="1">
-                <a:solidFill>
-                  <a:srgbClr val="0611F2"/>
-                </a:solidFill>
-                <a:latin typeface="맑은 고딕" charset="0"/>
-                <a:ea typeface="맑은 고딕" charset="0"/>
-              </a:rPr>
-              <a:t>4</a:t>
-            </a:r>
-            <a:r>
-              <a:rPr lang="ko-KR" sz="2000" b="1">
-                <a:solidFill>
-                  <a:srgbClr val="0611F2"/>
-                </a:solidFill>
-                <a:latin typeface="맑은 고딕" charset="0"/>
-                <a:ea typeface="맑은 고딕" charset="0"/>
-              </a:rPr>
-              <a:t>.</a:t>
+              <a:t>24.</a:t>
             </a:r>
             <a:r>
               <a:rPr lang="ko-KR" sz="2000">
@@ -8822,35 +8658,7 @@
                 <a:latin typeface="맑은 고딕" charset="0"/>
                 <a:ea typeface="맑은 고딕" charset="0"/>
               </a:rPr>
-              <a:t>그런 다음 P</a:t>
-            </a:r>
-            <a:r>
-              <a:rPr lang="ko-KR" sz="1800">
-                <a:latin typeface="맑은 고딕" charset="0"/>
-                <a:ea typeface="맑은 고딕" charset="0"/>
-              </a:rPr>
-              <a:t>hotonSetting</a:t>
-            </a:r>
-            <a:r>
-              <a:rPr lang="ko-KR" sz="1800">
-                <a:latin typeface="맑은 고딕" charset="0"/>
-                <a:ea typeface="맑은 고딕" charset="0"/>
-              </a:rPr>
-              <a:t> 스크립트</a:t>
-            </a:r>
-            <a:r>
-              <a:rPr lang="ko-KR" sz="1800">
-                <a:latin typeface="맑은 고딕" charset="0"/>
-                <a:ea typeface="맑은 고딕" charset="0"/>
-              </a:rPr>
-              <a:t>에서</a:t>
-            </a:r>
-            <a:r>
-              <a:rPr lang="ko-KR" sz="1800">
-                <a:latin typeface="맑은 고딕" charset="0"/>
-                <a:ea typeface="맑은 고딕" charset="0"/>
-              </a:rPr>
-              <a:t> MonoBehaviourPunCallbacks 클래스를 상속받도록 설정합니다.</a:t>
+              <a:t>그런 다음 PhotonSetting 스크립트에서 MonoBehaviourPunCallbacks 클래스를 상속받도록 설정합니다.</a:t>
             </a:r>
             <a:endParaRPr lang="ko-KR" altLang="en-US" sz="1800">
               <a:latin typeface="맑은 고딕" charset="0"/>
@@ -8877,7 +8685,21 @@
                 <a:latin typeface="맑은 고딕" charset="0"/>
                 <a:ea typeface="맑은 고딕" charset="0"/>
               </a:rPr>
-              <a:t>그다음으로 InputField 변수를 3개 선언하고 DropDown 변수를 선언합니다.</a:t>
+              <a:t>그다음으로 InputField 변수를 </a:t>
+            </a:r>
+            <a:r>
+              <a:rPr lang="ko-KR" sz="1800">
+                <a:latin typeface="맑은 고딕" charset="0"/>
+                <a:ea typeface="맑은 고딕" charset="0"/>
+              </a:rPr>
+              <a:t>2</a:t>
+            </a:r>
+            <a:r>
+              <a:rPr lang="ko-KR" sz="1800">
+                <a:latin typeface="맑은 고딕" charset="0"/>
+                <a:ea typeface="맑은 고딕" charset="0"/>
+              </a:rPr>
+              <a:t>개 선언하고 DropDown 변수를 선언합니다.</a:t>
             </a:r>
             <a:endParaRPr lang="ko-KR" altLang="en-US" sz="1800">
               <a:latin typeface="맑은 고딕" charset="0"/>
@@ -8896,8 +8718,8 @@
         </p:nvSpPr>
         <p:spPr>
           <a:xfrm rot="0">
-            <a:off x="6555105" y="4178300"/>
-            <a:ext cx="4201160" cy="2061845"/>
+            <a:off x="6555105" y="3354705"/>
+            <a:ext cx="4402455" cy="2892425"/>
           </a:xfrm>
           <a:prstGeom prst="rect"/>
           <a:noFill/>
@@ -8924,62 +8746,42 @@
                 <a:latin typeface="맑은 고딕" charset="0"/>
                 <a:ea typeface="맑은 고딕" charset="0"/>
               </a:rPr>
-              <a:t>2</a:t>
-            </a:r>
-            <a:r>
-              <a:rPr lang="ko-KR" sz="2000" b="1">
-                <a:solidFill>
-                  <a:srgbClr val="0611F2"/>
-                </a:solidFill>
-                <a:latin typeface="맑은 고딕" charset="0"/>
-                <a:ea typeface="맑은 고딕" charset="0"/>
-              </a:rPr>
-              <a:t>5</a:t>
-            </a:r>
-            <a:r>
-              <a:rPr lang="ko-KR" sz="2000" b="1">
-                <a:solidFill>
-                  <a:srgbClr val="0611F2"/>
-                </a:solidFill>
-                <a:latin typeface="맑은 고딕" charset="0"/>
-                <a:ea typeface="맑은 고딕" charset="0"/>
-              </a:rPr>
-              <a:t>. </a:t>
+              <a:t>25. </a:t>
             </a:r>
             <a:r>
               <a:rPr lang="ko-KR" sz="1800">
                 <a:latin typeface="맑은 고딕" charset="0"/>
                 <a:ea typeface="맑은 고딕" charset="0"/>
               </a:rPr>
-              <a:t>이제</a:t>
+              <a:t>이제 LoginSuccess( ) 함수를 </a:t>
             </a:r>
             <a:r>
               <a:rPr lang="ko-KR" sz="1800">
                 <a:latin typeface="맑은 고딕" charset="0"/>
                 <a:ea typeface="맑은 고딕" charset="0"/>
               </a:rPr>
-              <a:t> </a:t>
+              <a:t>선언하고</a:t>
             </a:r>
             <a:r>
               <a:rPr lang="ko-KR" sz="1800">
                 <a:latin typeface="맑은 고딕" charset="0"/>
                 <a:ea typeface="맑은 고딕" charset="0"/>
               </a:rPr>
-              <a:t>LoginSuccess( ) 함수를 생성하고 </a:t>
+              <a:t> 게임 버전과 지역</a:t>
             </a:r>
             <a:r>
               <a:rPr lang="ko-KR" sz="1800">
                 <a:latin typeface="맑은 고딕" charset="0"/>
                 <a:ea typeface="맑은 고딕" charset="0"/>
               </a:rPr>
-              <a:t>게임 버전과 지역 그리고 유저 이름을 설정</a:t>
+              <a:t>을 </a:t>
             </a:r>
             <a:r>
               <a:rPr lang="ko-KR" sz="1800">
                 <a:latin typeface="맑은 고딕" charset="0"/>
                 <a:ea typeface="맑은 고딕" charset="0"/>
               </a:rPr>
-              <a:t>합니다.</a:t>
+              <a:t>설정합니다.</a:t>
             </a:r>
             <a:endParaRPr lang="ko-KR" altLang="en-US" sz="1800">
               <a:latin typeface="맑은 고딕" charset="0"/>
@@ -9006,7 +8808,7 @@
                 <a:latin typeface="맑은 고딕" charset="0"/>
                 <a:ea typeface="맑은 고딕" charset="0"/>
               </a:rPr>
-              <a:t>그다음 로그인 절차가 성공적으로 되었다면</a:t>
+              <a:t>그러고 나서</a:t>
             </a:r>
             <a:r>
               <a:rPr lang="ko-KR" sz="1800">
@@ -9020,68 +8822,87 @@
                 <a:latin typeface="맑은 고딕" charset="0"/>
                 <a:ea typeface="맑은 고딕" charset="0"/>
               </a:rPr>
-              <a:t>Photon Lobby 씬으로</a:t>
-            </a:r>
-            <a:r>
-              <a:rPr lang="ko-KR" sz="1800">
-                <a:latin typeface="맑은 고딕" charset="0"/>
-                <a:ea typeface="맑은 고딕" charset="0"/>
-              </a:rPr>
-              <a:t> 이동</a:t>
-            </a:r>
-            <a:r>
-              <a:rPr lang="ko-KR" sz="1800">
-                <a:latin typeface="맑은 고딕" charset="0"/>
-                <a:ea typeface="맑은 고딕" charset="0"/>
-              </a:rPr>
-              <a:t>하도록 설정합니다.</a:t>
+              <a:t>마스터 클라이언트가 씬을 이동했을 때 다른 클라이언트가 영향을 받지 않도록 비활성화합니다.</a:t>
             </a:r>
             <a:endParaRPr lang="ko-KR" altLang="en-US" sz="1800">
               <a:latin typeface="맑은 고딕" charset="0"/>
               <a:ea typeface="맑은 고딕" charset="0"/>
             </a:endParaRPr>
           </a:p>
+          <a:p>
+            <a:pPr marL="0" indent="0" rtl="0" algn="l" defTabSz="914400" eaLnBrk="1" latinLnBrk="0" hangingPunct="1">
+              <a:buFontTx/>
+              <a:buNone/>
+            </a:pPr>
+            <a:endParaRPr lang="ko-KR" altLang="en-US" sz="1800">
+              <a:latin typeface="맑은 고딕" charset="0"/>
+              <a:ea typeface="맑은 고딕" charset="0"/>
+            </a:endParaRPr>
+          </a:p>
+          <a:p>
+            <a:pPr marL="0" indent="0" rtl="0" algn="l" defTabSz="914400" eaLnBrk="1" latinLnBrk="0" hangingPunct="1">
+              <a:buFontTx/>
+              <a:buNone/>
+            </a:pPr>
+            <a:r>
+              <a:rPr lang="ko-KR" sz="1800">
+                <a:latin typeface="맑은 고딕" charset="0"/>
+                <a:ea typeface="맑은 고딕" charset="0"/>
+              </a:rPr>
+              <a:t>그리고 </a:t>
+            </a:r>
+            <a:r>
+              <a:rPr lang="ko-KR" sz="1800">
+                <a:latin typeface="맑은 고딕" charset="0"/>
+                <a:ea typeface="맑은 고딕" charset="0"/>
+              </a:rPr>
+              <a:t>로그인 </a:t>
+            </a:r>
+            <a:r>
+              <a:rPr lang="ko-KR" sz="1800">
+                <a:latin typeface="맑은 고딕" charset="0"/>
+                <a:ea typeface="맑은 고딕" charset="0"/>
+              </a:rPr>
+              <a:t>인증 </a:t>
+            </a:r>
+            <a:r>
+              <a:rPr lang="ko-KR" sz="1800">
+                <a:latin typeface="맑은 고딕" charset="0"/>
+                <a:ea typeface="맑은 고딕" charset="0"/>
+              </a:rPr>
+              <a:t>절차가 성공적으로 </a:t>
+            </a:r>
+            <a:r>
+              <a:rPr lang="ko-KR" sz="1800">
+                <a:latin typeface="맑은 고딕" charset="0"/>
+                <a:ea typeface="맑은 고딕" charset="0"/>
+              </a:rPr>
+              <a:t>완료 </a:t>
+            </a:r>
+            <a:r>
+              <a:rPr lang="ko-KR" sz="1800">
+                <a:latin typeface="맑은 고딕" charset="0"/>
+                <a:ea typeface="맑은 고딕" charset="0"/>
+              </a:rPr>
+              <a:t>되었다면 Photon Lobby씬으로 이동하도록 설정합니다.</a:t>
+            </a:r>
+            <a:endParaRPr lang="ko-KR" altLang="en-US" sz="1800">
+              <a:latin typeface="맑은 고딕" charset="0"/>
+              <a:ea typeface="맑은 고딕" charset="0"/>
+            </a:endParaRPr>
+          </a:p>
         </p:txBody>
       </p:sp>
       <p:pic>
         <p:nvPicPr>
-          <p:cNvPr id="58" name="그림 60" descr="C:/Users/Admin1/AppData/Roaming/PolarisOffice/ETemp/2936_21704408/fImage673483268716.png"/>
+          <p:cNvPr id="59" name="그림 10" descr="C:/Users/Admin1/AppData/Roaming/PolarisOffice/ETemp/20636_16816336/fImage101532426500.png"/>
           <p:cNvPicPr>
             <a:picLocks noChangeAspect="1"/>
           </p:cNvPicPr>
           <p:nvPr/>
         </p:nvPicPr>
         <p:blipFill rotWithShape="1">
-          <a:blip r:embed="rId4" cstate="hqprint">
-            <a:extLst>
-              <a:ext uri="{28A0092B-C50C-407E-A947-70E740481C1C}">
-                <a14:useLocalDpi xmlns:a14="http://schemas.microsoft.com/office/drawing/2010/main"/>
-              </a:ext>
-            </a:extLst>
-          </a:blip>
-          <a:stretch>
-            <a:fillRect/>
-          </a:stretch>
-        </p:blipFill>
-        <p:spPr>
-          <a:xfrm rot="0">
-            <a:off x="6563995" y="1404620"/>
-            <a:ext cx="4193540" cy="2669540"/>
-          </a:xfrm>
-          <a:prstGeom prst="rect"/>
-          <a:noFill/>
-        </p:spPr>
-      </p:pic>
-      <p:pic>
-        <p:nvPicPr>
-          <p:cNvPr id="59" name="그림 21" descr="C:/Users/Admin1/AppData/Roaming/PolarisOffice/ETemp/2936_21704408/fImage621232309169.png"/>
-          <p:cNvPicPr>
-            <a:picLocks noChangeAspect="1"/>
-          </p:cNvPicPr>
-          <p:nvPr/>
-        </p:nvPicPr>
-        <p:blipFill rotWithShape="1">
-          <a:blip r:embed="rId6" cstate="print">
+          <a:blip r:embed="rId7" cstate="print">
             <a:extLst>
               <a:ext uri="{28A0092B-C50C-407E-A947-70E740481C1C}">
                 <a14:useLocalDpi xmlns:a14="http://schemas.microsoft.com/office/drawing/2010/main" val="0"/>
@@ -9094,11 +8915,44 @@
         </p:blipFill>
         <p:spPr>
           <a:xfrm rot="0">
-            <a:off x="1231265" y="1404620"/>
-            <a:ext cx="4131310" cy="2419985"/>
-          </a:xfrm>
-          <a:prstGeom prst="rect"/>
-          <a:noFill/>
+            <a:off x="1222375" y="1414145"/>
+            <a:ext cx="4131945" cy="2360295"/>
+          </a:xfrm>
+          <a:prstGeom prst="roundRect"/>
+          <a:solidFill>
+            <a:srgbClr val="EDEDED"/>
+          </a:solidFill>
+        </p:spPr>
+      </p:pic>
+      <p:pic>
+        <p:nvPicPr>
+          <p:cNvPr id="60" name="그림 27" descr="C:/Users/Admin1/AppData/Roaming/PolarisOffice/ETemp/20636_16816336/fImage522852479169.png"/>
+          <p:cNvPicPr>
+            <a:picLocks noChangeAspect="1"/>
+          </p:cNvPicPr>
+          <p:nvPr/>
+        </p:nvPicPr>
+        <p:blipFill rotWithShape="1">
+          <a:blip r:embed="rId8" cstate="print">
+            <a:extLst>
+              <a:ext uri="{28A0092B-C50C-407E-A947-70E740481C1C}">
+                <a14:useLocalDpi xmlns:a14="http://schemas.microsoft.com/office/drawing/2010/main" val="0"/>
+              </a:ext>
+            </a:extLst>
+          </a:blip>
+          <a:stretch>
+            <a:fillRect/>
+          </a:stretch>
+        </p:blipFill>
+        <p:spPr>
+          <a:xfrm rot="0">
+            <a:off x="6558915" y="1413510"/>
+            <a:ext cx="4398645" cy="1854200"/>
+          </a:xfrm>
+          <a:prstGeom prst="roundRect"/>
+          <a:solidFill>
+            <a:srgbClr val="EDEDED"/>
+          </a:solidFill>
         </p:spPr>
       </p:pic>
     </p:spTree>
@@ -9252,9 +9106,9 @@
           <p:nvPr/>
         </p:nvSpPr>
         <p:spPr>
-          <a:xfrm rot="0">
+          <a:xfrm>
             <a:off x="6816725" y="3858895"/>
-            <a:ext cx="4157345" cy="2338705"/>
+            <a:ext cx="4157980" cy="2338705"/>
           </a:xfrm>
           <a:prstGeom prst="rect"/>
           <a:noFill/>
@@ -9281,27 +9135,7 @@
                 <a:latin typeface="맑은 고딕" charset="0"/>
                 <a:ea typeface="맑은 고딕" charset="0"/>
               </a:rPr>
-              <a:t>2</a:t>
-            </a:r>
-            <a:r>
-              <a:rPr lang="ko-KR" sz="2000" b="1">
-                <a:solidFill>
-                  <a:srgbClr val="0611F2"/>
-                </a:solidFill>
-                <a:latin typeface="맑은 고딕" charset="0"/>
-                <a:ea typeface="맑은 고딕" charset="0"/>
-              </a:rPr>
-              <a:t>7</a:t>
-            </a:r>
-            <a:r>
-              <a:rPr lang="ko-KR" sz="2000" b="1">
-                <a:solidFill>
-                  <a:srgbClr val="0611F2"/>
-                </a:solidFill>
-                <a:latin typeface="맑은 고딕" charset="0"/>
-                <a:ea typeface="맑은 고딕" charset="0"/>
-              </a:rPr>
-              <a:t>.</a:t>
+              <a:t>27.</a:t>
             </a:r>
             <a:r>
               <a:rPr lang="ko-KR" sz="2000">
@@ -9318,35 +9152,21 @@
                 <a:latin typeface="맑은 고딕" charset="0"/>
                 <a:ea typeface="맑은 고딕" charset="0"/>
               </a:rPr>
-              <a:t>그다음</a:t>
+              <a:t>그다음으로 SignUp( ) 함수를 생성하고 RegisterPlayFabUserRequest 클래스에서 Email과 비밀번호</a:t>
             </a:r>
             <a:r>
               <a:rPr lang="ko-KR" sz="1800">
                 <a:latin typeface="맑은 고딕" charset="0"/>
                 <a:ea typeface="맑은 고딕" charset="0"/>
               </a:rPr>
-              <a:t>으로</a:t>
+              <a:t>를</a:t>
             </a:r>
             <a:r>
               <a:rPr lang="ko-KR" sz="1800">
                 <a:latin typeface="맑은 고딕" charset="0"/>
                 <a:ea typeface="맑은 고딕" charset="0"/>
               </a:rPr>
-              <a:t> </a:t>
-            </a:r>
-            <a:r>
-              <a:rPr lang="ko-KR" sz="1800">
-                <a:latin typeface="맑은 고딕" charset="0"/>
-                <a:ea typeface="맑은 고딕" charset="0"/>
-              </a:rPr>
-              <a:t>SignUp( ) 함수를</a:t>
-            </a:r>
-            <a:r>
-              <a:rPr lang="ko-KR" sz="1800">
-                <a:latin typeface="맑은 고딕" charset="0"/>
-                <a:ea typeface="맑은 고딕" charset="0"/>
-              </a:rPr>
-              <a:t> 생성하고 RegisterPlayFabUserRequest 클래스에서 Email과 비밀번호 그리고 유저 이름을 입력해서 저장합니다.</a:t>
+              <a:t> 저장합니다.</a:t>
             </a:r>
             <a:endParaRPr lang="ko-KR" altLang="en-US" sz="1800">
               <a:latin typeface="맑은 고딕" charset="0"/>
@@ -9373,21 +9193,7 @@
                 <a:latin typeface="맑은 고딕" charset="0"/>
                 <a:ea typeface="맑은 고딕" charset="0"/>
               </a:rPr>
-              <a:t>그런 다음 Reg</a:t>
-            </a:r>
-            <a:r>
-              <a:rPr lang="ko-KR" sz="1800">
-                <a:latin typeface="맑은 고딕" charset="0"/>
-                <a:ea typeface="맑은 고딕" charset="0"/>
-              </a:rPr>
-              <a:t>i</a:t>
-            </a:r>
-            <a:r>
-              <a:rPr lang="ko-KR" sz="1800">
-                <a:latin typeface="맑은 고딕" charset="0"/>
-                <a:ea typeface="맑은 고딕" charset="0"/>
-              </a:rPr>
-              <a:t>sterPlayFabUser 라는 함수에서 회원가입의 여부를 확인합니다.</a:t>
+              <a:t>그런 다음 RegisterPlayFabUser 라는 함수에서 회원가입의 여부를 확인합니다.</a:t>
             </a:r>
             <a:endParaRPr lang="ko-KR" altLang="en-US" sz="1800">
               <a:latin typeface="맑은 고딕" charset="0"/>
@@ -9511,14 +9317,14 @@
       </p:pic>
       <p:pic>
         <p:nvPicPr>
-          <p:cNvPr id="61" name="그림 26" descr="C:/Users/Admin1/AppData/Roaming/PolarisOffice/ETemp/2936_21704408/fImage727162315724.png"/>
+          <p:cNvPr id="61" name="그림 33" descr="C:/Users/Admin1/AppData/Roaming/PolarisOffice/ETemp/20636_16816336/fImage753292485724.png"/>
           <p:cNvPicPr>
             <a:picLocks noChangeAspect="1"/>
           </p:cNvPicPr>
           <p:nvPr/>
         </p:nvPicPr>
         <p:blipFill rotWithShape="1">
-          <a:blip r:embed="rId5" cstate="print">
+          <a:blip r:embed="rId6" cstate="print">
             <a:extLst>
               <a:ext uri="{28A0092B-C50C-407E-A947-70E740481C1C}">
                 <a14:useLocalDpi xmlns:a14="http://schemas.microsoft.com/office/drawing/2010/main" val="0"/>
@@ -9531,11 +9337,13 @@
         </p:blipFill>
         <p:spPr>
           <a:xfrm rot="0">
-            <a:off x="6816725" y="1413510"/>
-            <a:ext cx="4157345" cy="2344420"/>
-          </a:xfrm>
-          <a:prstGeom prst="rect"/>
-          <a:noFill/>
+            <a:off x="6816725" y="1446530"/>
+            <a:ext cx="4165600" cy="2303145"/>
+          </a:xfrm>
+          <a:prstGeom prst="roundRect"/>
+          <a:solidFill>
+            <a:srgbClr val="EDEDED"/>
+          </a:solidFill>
         </p:spPr>
       </p:pic>
     </p:spTree>
@@ -9690,8 +9498,8 @@
         </p:nvSpPr>
         <p:spPr>
           <a:xfrm rot="0">
-            <a:off x="6781165" y="4398645"/>
-            <a:ext cx="4117975" cy="1784985"/>
+            <a:off x="6781165" y="2868930"/>
+            <a:ext cx="4167505" cy="954405"/>
           </a:xfrm>
           <a:prstGeom prst="rect"/>
           <a:noFill/>
@@ -9718,27 +9526,7 @@
                 <a:latin typeface="맑은 고딕" charset="0"/>
                 <a:ea typeface="맑은 고딕" charset="0"/>
               </a:rPr>
-              <a:t>2</a:t>
-            </a:r>
-            <a:r>
-              <a:rPr lang="ko-KR" sz="2000" b="1">
-                <a:solidFill>
-                  <a:srgbClr val="0611F2"/>
-                </a:solidFill>
-                <a:latin typeface="맑은 고딕" charset="0"/>
-                <a:ea typeface="맑은 고딕" charset="0"/>
-              </a:rPr>
-              <a:t>9</a:t>
-            </a:r>
-            <a:r>
-              <a:rPr lang="ko-KR" sz="2000" b="1">
-                <a:solidFill>
-                  <a:srgbClr val="0611F2"/>
-                </a:solidFill>
-                <a:latin typeface="맑은 고딕" charset="0"/>
-                <a:ea typeface="맑은 고딕" charset="0"/>
-              </a:rPr>
-              <a:t>.</a:t>
+              <a:t>29.</a:t>
             </a:r>
             <a:r>
               <a:rPr lang="ko-KR" sz="2000">
@@ -9755,68 +9543,13 @@
                 <a:latin typeface="맑은 고딕" charset="0"/>
                 <a:ea typeface="맑은 고딕" charset="0"/>
               </a:rPr>
-              <a:t>이제</a:t>
-            </a:r>
-            <a:r>
-              <a:rPr lang="ko-KR" sz="1800">
-                <a:latin typeface="맑은 고딕" charset="0"/>
-                <a:ea typeface="맑은 고딕" charset="0"/>
-              </a:rPr>
-              <a:t> Photon Setting</a:t>
-            </a:r>
-            <a:r>
-              <a:rPr lang="ko-KR" sz="1800">
-                <a:latin typeface="맑은 고딕" charset="0"/>
-                <a:ea typeface="맑은 고딕" charset="0"/>
-              </a:rPr>
-              <a:t> 오브젝트</a:t>
-            </a:r>
-            <a:r>
-              <a:rPr lang="ko-KR" sz="1800">
-                <a:latin typeface="맑은 고딕" charset="0"/>
-                <a:ea typeface="맑은 고딕" charset="0"/>
-              </a:rPr>
-              <a:t>에 있는 스크립트에 각각의 InputField</a:t>
-            </a:r>
-            <a:r>
-              <a:rPr lang="ko-KR" sz="1800">
-                <a:latin typeface="맑은 고딕" charset="0"/>
-                <a:ea typeface="맑은 고딕" charset="0"/>
-              </a:rPr>
-              <a:t>와 Dropdown 오브젝트를 넣어줍니다.</a:t>
+              <a:t>이제 Photon Setting 오브젝트에 있는 스크립트에 각각의 InputField와 Dropdown 오브젝트를 넣어줍니다.</a:t>
             </a:r>
             <a:endParaRPr lang="ko-KR" altLang="en-US" sz="1800">
               <a:latin typeface="맑은 고딕" charset="0"/>
               <a:ea typeface="맑은 고딕" charset="0"/>
             </a:endParaRPr>
           </a:p>
-          <a:p>
-            <a:pPr marL="0" indent="0" rtl="0" algn="l" defTabSz="914400" eaLnBrk="1" latinLnBrk="0" hangingPunct="1">
-              <a:buFontTx/>
-              <a:buNone/>
-            </a:pPr>
-            <a:endParaRPr lang="ko-KR" altLang="en-US" sz="1800">
-              <a:latin typeface="맑은 고딕" charset="0"/>
-              <a:ea typeface="맑은 고딕" charset="0"/>
-            </a:endParaRPr>
-          </a:p>
-          <a:p>
-            <a:pPr marL="0" indent="0" rtl="0" algn="l" defTabSz="914400" eaLnBrk="1" latinLnBrk="0" hangingPunct="1">
-              <a:buFontTx/>
-              <a:buNone/>
-            </a:pPr>
-            <a:r>
-              <a:rPr lang="ko-KR" sz="1800">
-                <a:latin typeface="맑은 고딕" charset="0"/>
-                <a:ea typeface="맑은 고딕" charset="0"/>
-              </a:rPr>
-              <a:t>그다음 Photon Setting 오브젝트의 위치와 회전 값을 초기화시켜줍니다.</a:t>
-            </a:r>
-            <a:endParaRPr lang="ko-KR" altLang="en-US" sz="1800">
-              <a:latin typeface="맑은 고딕" charset="0"/>
-              <a:ea typeface="맑은 고딕" charset="0"/>
-            </a:endParaRPr>
-          </a:p>
         </p:txBody>
       </p:sp>
       <p:sp>
@@ -9828,9 +9561,9 @@
           <p:nvPr/>
         </p:nvSpPr>
         <p:spPr>
-          <a:xfrm rot="0">
+          <a:xfrm>
             <a:off x="1214120" y="4126865"/>
-            <a:ext cx="4156710" cy="2061845"/>
+            <a:ext cx="4157345" cy="2061845"/>
           </a:xfrm>
           <a:prstGeom prst="rect"/>
           <a:noFill/>
@@ -9857,27 +9590,7 @@
                 <a:latin typeface="맑은 고딕" charset="0"/>
                 <a:ea typeface="맑은 고딕" charset="0"/>
               </a:rPr>
-              <a:t>2</a:t>
-            </a:r>
-            <a:r>
-              <a:rPr lang="ko-KR" sz="2000" b="1">
-                <a:solidFill>
-                  <a:srgbClr val="0611F2"/>
-                </a:solidFill>
-                <a:latin typeface="맑은 고딕" charset="0"/>
-                <a:ea typeface="맑은 고딕" charset="0"/>
-              </a:rPr>
-              <a:t>8</a:t>
-            </a:r>
-            <a:r>
-              <a:rPr lang="ko-KR" sz="2000" b="1">
-                <a:solidFill>
-                  <a:srgbClr val="0611F2"/>
-                </a:solidFill>
-                <a:latin typeface="맑은 고딕" charset="0"/>
-                <a:ea typeface="맑은 고딕" charset="0"/>
-              </a:rPr>
-              <a:t>.</a:t>
+              <a:t>28.</a:t>
             </a:r>
             <a:r>
               <a:rPr lang="ko-KR" sz="2000">
@@ -9894,21 +9607,7 @@
                 <a:latin typeface="맑은 고딕" charset="0"/>
                 <a:ea typeface="맑은 고딕" charset="0"/>
               </a:rPr>
-              <a:t>마지막으로 Login( ) 함수를 생성하고 </a:t>
-            </a:r>
-            <a:r>
-              <a:rPr lang="ko-KR" sz="1800">
-                <a:latin typeface="맑은 고딕" charset="0"/>
-                <a:ea typeface="맑은 고딕" charset="0"/>
-              </a:rPr>
-              <a:t>로그인에 대한 정보를 입력받</a:t>
-            </a:r>
-            <a:r>
-              <a:rPr lang="ko-KR" sz="1800">
-                <a:latin typeface="맑은 고딕" charset="0"/>
-                <a:ea typeface="맑은 고딕" charset="0"/>
-              </a:rPr>
-              <a:t>습니다.</a:t>
+              <a:t>마지막으로 Login( ) 함수를 생성하고 로그인에 대한 정보를 입력받습니다.</a:t>
             </a:r>
             <a:endParaRPr lang="ko-KR" altLang="en-US" sz="1800">
               <a:latin typeface="맑은 고딕" charset="0"/>
@@ -9935,56 +9634,21 @@
                 <a:latin typeface="맑은 고딕" charset="0"/>
                 <a:ea typeface="맑은 고딕" charset="0"/>
               </a:rPr>
-              <a:t>그리고</a:t>
+              <a:t>그</a:t>
             </a:r>
             <a:r>
               <a:rPr lang="ko-KR" sz="1800">
                 <a:latin typeface="맑은 고딕" charset="0"/>
                 <a:ea typeface="맑은 고딕" charset="0"/>
               </a:rPr>
-              <a:t> 로그인의 여부를 설정하는 LoginWithEmailAddress라는 함수로</a:t>
+              <a:t>러고 나서</a:t>
             </a:r>
             <a:r>
               <a:rPr lang="ko-KR" sz="1800">
                 <a:latin typeface="맑은 고딕" charset="0"/>
                 <a:ea typeface="맑은 고딕" charset="0"/>
               </a:rPr>
-              <a:t> 로그인</a:t>
-            </a:r>
-            <a:r>
-              <a:rPr lang="ko-KR" sz="1800">
-                <a:latin typeface="맑은 고딕" charset="0"/>
-                <a:ea typeface="맑은 고딕" charset="0"/>
-              </a:rPr>
-              <a:t> </a:t>
-            </a:r>
-            <a:r>
-              <a:rPr lang="ko-KR" sz="1800">
-                <a:latin typeface="맑은 고딕" charset="0"/>
-                <a:ea typeface="맑은 고딕" charset="0"/>
-              </a:rPr>
-              <a:t>인증 절차</a:t>
-            </a:r>
-            <a:r>
-              <a:rPr lang="ko-KR" sz="1800">
-                <a:latin typeface="맑은 고딕" charset="0"/>
-                <a:ea typeface="맑은 고딕" charset="0"/>
-              </a:rPr>
-              <a:t>를 </a:t>
-            </a:r>
-            <a:r>
-              <a:rPr lang="ko-KR" sz="1800">
-                <a:latin typeface="맑은 고딕" charset="0"/>
-                <a:ea typeface="맑은 고딕" charset="0"/>
-              </a:rPr>
-              <a:t>확인</a:t>
-            </a:r>
-            <a:r>
-              <a:rPr lang="ko-KR" sz="1800">
-                <a:latin typeface="맑은 고딕" charset="0"/>
-                <a:ea typeface="맑은 고딕" charset="0"/>
-              </a:rPr>
-              <a:t>합니다.</a:t>
+              <a:t> 로그인의 여부를 설정하는 LoginWithEmailAddress라는 함수로 로그인 인증 절차를 확인합니다.</a:t>
             </a:r>
             <a:endParaRPr lang="ko-KR" altLang="en-US" sz="1800">
               <a:latin typeface="맑은 고딕" charset="0"/>
@@ -9995,7 +9659,7 @@
       </p:sp>
       <p:pic>
         <p:nvPicPr>
-          <p:cNvPr id="61" name="그림 63" descr="C:/Users/Admin1/AppData/Roaming/PolarisOffice/ETemp/2936_21704408/fImage341333385447.png"/>
+          <p:cNvPr id="61" name="그림 63" descr="C:/Users/Admin1/AppData/Roaming/PolarisOffice/ETemp/20636_16816336/fImage341333385447.png"/>
           <p:cNvPicPr>
             <a:picLocks noChangeAspect="1"/>
           </p:cNvPicPr>
@@ -10016,22 +9680,24 @@
         <p:spPr>
           <a:xfrm rot="0">
             <a:off x="1222375" y="1404620"/>
-            <a:ext cx="4148455" cy="2602865"/>
-          </a:xfrm>
-          <a:prstGeom prst="rect"/>
-          <a:noFill/>
+            <a:ext cx="4149090" cy="2603500"/>
+          </a:xfrm>
+          <a:prstGeom prst="roundRect"/>
+          <a:solidFill>
+            <a:srgbClr val="EDEDED"/>
+          </a:solidFill>
         </p:spPr>
       </p:pic>
       <p:pic>
         <p:nvPicPr>
-          <p:cNvPr id="68" name="그림 27" descr="C:/Users/Admin1/AppData/Roaming/PolarisOffice/ETemp/2936_21704408/fImage98262321478.png"/>
+          <p:cNvPr id="74" name="그림 36" descr="C:/Users/Admin1/AppData/Roaming/PolarisOffice/ETemp/20636_16816336/fImage125122491478.png"/>
           <p:cNvPicPr>
             <a:picLocks noChangeAspect="1"/>
           </p:cNvPicPr>
           <p:nvPr/>
         </p:nvPicPr>
         <p:blipFill rotWithShape="1">
-          <a:blip r:embed="rId6" cstate="print">
+          <a:blip r:embed="rId8" cstate="print">
             <a:extLst>
               <a:ext uri="{28A0092B-C50C-407E-A947-70E740481C1C}">
                 <a14:useLocalDpi xmlns:a14="http://schemas.microsoft.com/office/drawing/2010/main" val="0"/>
@@ -10044,8 +9710,8 @@
         </p:blipFill>
         <p:spPr>
           <a:xfrm rot="0">
-            <a:off x="9651365" y="1762125"/>
-            <a:ext cx="1247775" cy="2129155"/>
+            <a:off x="6784340" y="1410970"/>
+            <a:ext cx="2767965" cy="1374775"/>
           </a:xfrm>
           <a:prstGeom prst="roundRect"/>
           <a:solidFill>
@@ -10055,14 +9721,14 @@
       </p:pic>
       <p:pic>
         <p:nvPicPr>
-          <p:cNvPr id="69" name="그림 30" descr="C:/Users/Admin1/AppData/Roaming/PolarisOffice/ETemp/2936_21704408/fImage282492339358.png"/>
+          <p:cNvPr id="75" name="그림 39" descr="C:/Users/Admin1/AppData/Roaming/PolarisOffice/ETemp/20636_16816336/fImage94542509358.png"/>
           <p:cNvPicPr>
             <a:picLocks noChangeAspect="1"/>
           </p:cNvPicPr>
           <p:nvPr/>
         </p:nvPicPr>
         <p:blipFill rotWithShape="1">
-          <a:blip r:embed="rId7" cstate="print">
+          <a:blip r:embed="rId9" cstate="print">
             <a:extLst>
               <a:ext uri="{28A0092B-C50C-407E-A947-70E740481C1C}">
                 <a14:useLocalDpi xmlns:a14="http://schemas.microsoft.com/office/drawing/2010/main" val="0"/>
@@ -10075,11 +9741,13 @@
         </p:blipFill>
         <p:spPr>
           <a:xfrm rot="0">
-            <a:off x="6794500" y="1396365"/>
-            <a:ext cx="2691130" cy="2852420"/>
-          </a:xfrm>
-          <a:prstGeom prst="rect"/>
-          <a:noFill/>
+            <a:off x="9659620" y="1401445"/>
+            <a:ext cx="1289050" cy="1384300"/>
+          </a:xfrm>
+          <a:prstGeom prst="roundRect"/>
+          <a:solidFill>
+            <a:srgbClr val="EDEDED"/>
+          </a:solidFill>
         </p:spPr>
       </p:pic>
       <p:cxnSp>
@@ -10090,13 +9758,12 @@
         </p:nvCxnSpPr>
         <p:spPr>
           <a:xfrm rot="0" flipH="1">
-            <a:off x="9427210" y="2867660"/>
-            <a:ext cx="457835" cy="798830"/>
+            <a:off x="9460230" y="2194560"/>
+            <a:ext cx="416560" cy="125095"/>
           </a:xfrm>
           <a:prstGeom prst="straightConnector1"/>
           <a:ln w="6350" cap="flat" cmpd="sng">
             <a:prstDash/>
-            <a:headEnd type="none" w="med" len="med"/>
             <a:tailEnd type="triangle" w="med" len="med"/>
           </a:ln>
         </p:spPr>
@@ -10123,13 +9790,12 @@
         </p:nvCxnSpPr>
         <p:spPr>
           <a:xfrm rot="0" flipH="1">
-            <a:off x="9435465" y="3051175"/>
-            <a:ext cx="433070" cy="806450"/>
+            <a:off x="9468485" y="2302510"/>
+            <a:ext cx="408305" cy="258445"/>
           </a:xfrm>
           <a:prstGeom prst="straightConnector1"/>
           <a:ln w="6350" cap="flat" cmpd="sng">
             <a:prstDash/>
-            <a:headEnd type="none" w="med" len="med"/>
             <a:tailEnd type="triangle" w="med" len="med"/>
           </a:ln>
         </p:spPr>
@@ -10155,14 +9821,13 @@
           <p:nvPr/>
         </p:nvCxnSpPr>
         <p:spPr>
-          <a:xfrm rot="0" flipH="1">
-            <a:off x="9427210" y="3234055"/>
-            <a:ext cx="449580" cy="840105"/>
+          <a:xfrm rot="0" flipH="1" flipV="1">
+            <a:off x="9476740" y="2078355"/>
+            <a:ext cx="408305" cy="349885"/>
           </a:xfrm>
           <a:prstGeom prst="straightConnector1"/>
           <a:ln w="6350" cap="flat" cmpd="sng">
             <a:prstDash/>
-            <a:headEnd type="none" w="med" len="med"/>
             <a:tailEnd type="triangle" w="med" len="med"/>
           </a:ln>
         </p:spPr>
@@ -10181,39 +9846,125 @@
           </a:fontRef>
         </p:style>
       </p:cxnSp>
-      <p:cxnSp>
-        <p:nvCxnSpPr>
-          <p:cNvPr id="73" name="도형 38"/>
-          <p:cNvCxnSpPr/>
+      <p:pic>
+        <p:nvPicPr>
+          <p:cNvPr id="76" name="그림 44" descr="C:/Users/Admin1/AppData/Roaming/PolarisOffice/ETemp/20636_16816336/fImage131623402995.png"/>
+          <p:cNvPicPr>
+            <a:picLocks noChangeAspect="1"/>
+          </p:cNvPicPr>
           <p:nvPr/>
-        </p:nvCxnSpPr>
-        <p:spPr>
-          <a:xfrm rot="0" flipH="1">
-            <a:off x="9418955" y="3449955"/>
-            <a:ext cx="457835" cy="8890"/>
-          </a:xfrm>
-          <a:prstGeom prst="straightConnector1"/>
-          <a:ln w="6350" cap="flat" cmpd="sng">
+        </p:nvPicPr>
+        <p:blipFill rotWithShape="1">
+          <a:blip r:embed="rId10" cstate="hqprint">
+            <a:extLst>
+              <a:ext uri="{28A0092B-C50C-407E-A947-70E740481C1C}">
+                <a14:useLocalDpi xmlns:a14="http://schemas.microsoft.com/office/drawing/2010/main"/>
+              </a:ext>
+            </a:extLst>
+          </a:blip>
+          <a:stretch>
+            <a:fillRect/>
+          </a:stretch>
+        </p:blipFill>
+        <p:spPr>
+          <a:xfrm rot="0">
+            <a:off x="6791960" y="3938270"/>
+            <a:ext cx="4148455" cy="1241425"/>
+          </a:xfrm>
+          <a:prstGeom prst="roundRect"/>
+          <a:solidFill>
+            <a:srgbClr val="EDEDED"/>
+          </a:solidFill>
+        </p:spPr>
+      </p:pic>
+      <p:sp>
+        <p:nvSpPr>
+          <p:cNvPr id="77" name="텍스트 상자 45"/>
+          <p:cNvSpPr txBox="1">
+            <a:spLocks/>
+          </p:cNvSpPr>
+          <p:nvPr/>
+        </p:nvSpPr>
+        <p:spPr>
+          <a:xfrm rot="0">
+            <a:off x="6791960" y="5232400"/>
+            <a:ext cx="4156710" cy="954405"/>
+          </a:xfrm>
+          <a:prstGeom prst="rect"/>
+          <a:noFill/>
+          <a:ln w="0">
+            <a:noFill/>
             <a:prstDash/>
-            <a:headEnd type="none" w="med" len="med"/>
-            <a:tailEnd type="triangle" w="med" len="med"/>
           </a:ln>
         </p:spPr>
-        <p:style>
-          <a:lnRef idx="1">
-            <a:schemeClr val="accent1"/>
-          </a:lnRef>
-          <a:fillRef idx="0">
-            <a:schemeClr val="accent1"/>
-          </a:fillRef>
-          <a:effectRef idx="0">
-            <a:schemeClr val="accent1"/>
-          </a:effectRef>
-          <a:fontRef idx="minor">
-            <a:schemeClr val="tx1"/>
-          </a:fontRef>
-        </p:style>
-      </p:cxnSp>
+        <p:txBody>
+          <a:bodyPr wrap="square" lIns="89535" tIns="46355" rIns="89535" bIns="46355" numCol="1" vert="horz" anchor="t">
+            <a:spAutoFit/>
+          </a:bodyPr>
+          <a:lstStyle/>
+          <a:p>
+            <a:pPr marL="0" indent="0" rtl="0" algn="l" defTabSz="914400" eaLnBrk="1" latinLnBrk="0" hangingPunct="1">
+              <a:buFontTx/>
+              <a:buNone/>
+            </a:pPr>
+            <a:r>
+              <a:rPr lang="ko-KR" sz="2000" b="1">
+                <a:solidFill>
+                  <a:srgbClr val="0611F2"/>
+                </a:solidFill>
+                <a:latin typeface="맑은 고딕" charset="0"/>
+                <a:ea typeface="맑은 고딕" charset="0"/>
+              </a:rPr>
+              <a:t>30</a:t>
+            </a:r>
+            <a:r>
+              <a:rPr lang="ko-KR" sz="2000" b="1">
+                <a:solidFill>
+                  <a:srgbClr val="0611F2"/>
+                </a:solidFill>
+                <a:latin typeface="맑은 고딕" charset="0"/>
+                <a:ea typeface="맑은 고딕" charset="0"/>
+              </a:rPr>
+              <a:t>.</a:t>
+            </a:r>
+            <a:r>
+              <a:rPr lang="ko-KR" sz="2000">
+                <a:solidFill>
+                  <a:srgbClr val="0611F2"/>
+                </a:solidFill>
+                <a:latin typeface="맑은 고딕" charset="0"/>
+                <a:ea typeface="맑은 고딕" charset="0"/>
+              </a:rPr>
+              <a:t> </a:t>
+            </a:r>
+            <a:r>
+              <a:rPr lang="ko-KR" sz="1800">
+                <a:latin typeface="맑은 고딕" charset="0"/>
+                <a:ea typeface="맑은 고딕" charset="0"/>
+              </a:rPr>
+              <a:t>그</a:t>
+            </a:r>
+            <a:r>
+              <a:rPr lang="ko-KR" sz="1800">
+                <a:latin typeface="맑은 고딕" charset="0"/>
+                <a:ea typeface="맑은 고딕" charset="0"/>
+              </a:rPr>
+              <a:t>리고</a:t>
+            </a:r>
+            <a:r>
+              <a:rPr lang="ko-KR" sz="1800">
+                <a:latin typeface="맑은 고딕" charset="0"/>
+                <a:ea typeface="맑은 고딕" charset="0"/>
+              </a:rPr>
+              <a:t> Region DropDown 오브젝트의 앵커를 지정하고 위치와 회전 값을 설정합니다.</a:t>
+            </a:r>
+            <a:endParaRPr lang="ko-KR" altLang="en-US" sz="1800">
+              <a:latin typeface="맑은 고딕" charset="0"/>
+              <a:ea typeface="맑은 고딕" charset="0"/>
+            </a:endParaRPr>
+          </a:p>
+        </p:txBody>
+      </p:sp>
     </p:spTree>
   </p:cSld>
   <p:clrMapOvr>
@@ -10365,9 +10116,9 @@
           <p:nvPr/>
         </p:nvSpPr>
         <p:spPr>
-          <a:xfrm rot="0">
+          <a:xfrm>
             <a:off x="6711315" y="5468620"/>
-            <a:ext cx="4271010" cy="677545"/>
+            <a:ext cx="4271645" cy="677545"/>
           </a:xfrm>
           <a:prstGeom prst="rect"/>
           <a:noFill/>
@@ -10394,7 +10145,7 @@
                 <a:latin typeface="맑은 고딕" charset="0"/>
                 <a:ea typeface="맑은 고딕" charset="0"/>
               </a:rPr>
-              <a:t>31</a:t>
+              <a:t>3</a:t>
             </a:r>
             <a:r>
               <a:rPr lang="ko-KR" sz="2000" b="1">
@@ -10404,6 +10155,16 @@
                 <a:latin typeface="맑은 고딕" charset="0"/>
                 <a:ea typeface="맑은 고딕" charset="0"/>
               </a:rPr>
+              <a:t>2</a:t>
+            </a:r>
+            <a:r>
+              <a:rPr lang="ko-KR" sz="2000" b="1">
+                <a:solidFill>
+                  <a:srgbClr val="0611F2"/>
+                </a:solidFill>
+                <a:latin typeface="맑은 고딕" charset="0"/>
+                <a:ea typeface="맑은 고딕" charset="0"/>
+              </a:rPr>
               <a:t>.</a:t>
             </a:r>
             <a:r>
@@ -10421,14 +10182,21 @@
                 <a:latin typeface="맑은 고딕" charset="0"/>
                 <a:ea typeface="맑은 고딕" charset="0"/>
               </a:rPr>
-              <a:t>그리고 PhotonSetting를 선택</a:t>
+              <a:t>그</a:t>
             </a:r>
             <a:r>
               <a:rPr lang="ko-KR" sz="1800">
                 <a:latin typeface="맑은 고딕" charset="0"/>
                 <a:ea typeface="맑은 고딕" charset="0"/>
               </a:rPr>
-              <a:t>하고</a:t>
+              <a:t>다음</a:t>
+            </a:r>
+            <a:r>
+              <a:rPr lang="ko-KR" sz="1800">
+                <a:latin typeface="맑은 고딕" charset="0"/>
+                <a:ea typeface="맑은 고딕" charset="0"/>
+              </a:rPr>
+              <a:t> PhotonSetting를 선택하고</a:t>
             </a:r>
             <a:endParaRPr lang="ko-KR" altLang="en-US" sz="1800">
               <a:latin typeface="맑은 고딕" charset="0"/>
@@ -10473,9 +10241,9 @@
           <p:nvPr/>
         </p:nvSpPr>
         <p:spPr>
-          <a:xfrm rot="0">
+          <a:xfrm>
             <a:off x="1229360" y="5192395"/>
-            <a:ext cx="4116705" cy="954405"/>
+            <a:ext cx="4117340" cy="954405"/>
           </a:xfrm>
           <a:prstGeom prst="rect"/>
           <a:noFill/>
@@ -10502,7 +10270,7 @@
                 <a:latin typeface="맑은 고딕" charset="0"/>
                 <a:ea typeface="맑은 고딕" charset="0"/>
               </a:rPr>
-              <a:t>30</a:t>
+              <a:t>3</a:t>
             </a:r>
             <a:r>
               <a:rPr lang="ko-KR" sz="2000" b="1">
@@ -10512,6 +10280,16 @@
                 <a:latin typeface="맑은 고딕" charset="0"/>
                 <a:ea typeface="맑은 고딕" charset="0"/>
               </a:rPr>
+              <a:t>1</a:t>
+            </a:r>
+            <a:r>
+              <a:rPr lang="ko-KR" sz="2000" b="1">
+                <a:solidFill>
+                  <a:srgbClr val="0611F2"/>
+                </a:solidFill>
+                <a:latin typeface="맑은 고딕" charset="0"/>
+                <a:ea typeface="맑은 고딕" charset="0"/>
+              </a:rPr>
               <a:t>.</a:t>
             </a:r>
             <a:r>
@@ -10529,42 +10307,7 @@
                 <a:latin typeface="맑은 고딕" charset="0"/>
                 <a:ea typeface="맑은 고딕" charset="0"/>
               </a:rPr>
-              <a:t>그런 다음</a:t>
-            </a:r>
-            <a:r>
-              <a:rPr lang="ko-KR" sz="1800">
-                <a:latin typeface="맑은 고딕" charset="0"/>
-                <a:ea typeface="맑은 고딕" charset="0"/>
-              </a:rPr>
-              <a:t> Sign Up Button</a:t>
-            </a:r>
-            <a:r>
-              <a:rPr lang="ko-KR" sz="1800">
-                <a:latin typeface="맑은 고딕" charset="0"/>
-                <a:ea typeface="맑은 고딕" charset="0"/>
-              </a:rPr>
-              <a:t> 오브젝트의</a:t>
-            </a:r>
-            <a:r>
-              <a:rPr lang="ko-KR" sz="1800">
-                <a:latin typeface="맑은 고딕" charset="0"/>
-                <a:ea typeface="맑은 고딕" charset="0"/>
-              </a:rPr>
-              <a:t> On Click</a:t>
-            </a:r>
-            <a:r>
-              <a:rPr lang="ko-KR" sz="1800">
-                <a:latin typeface="맑은 고딕" charset="0"/>
-                <a:ea typeface="맑은 고딕" charset="0"/>
-              </a:rPr>
-              <a:t>( )</a:t>
-            </a:r>
-            <a:r>
-              <a:rPr lang="ko-KR" sz="1800">
-                <a:latin typeface="맑은 고딕" charset="0"/>
-                <a:ea typeface="맑은 고딕" charset="0"/>
-              </a:rPr>
-              <a:t> 함수에 Photon Setting 오브젝트를 넣어줍니다.</a:t>
+              <a:t>그런 다음 Sign Up Button 오브젝트의 On Click( ) 함수에 Photon Setting 오브젝트를 넣어줍니다.</a:t>
             </a:r>
             <a:endParaRPr lang="ko-KR" altLang="en-US" sz="1800">
               <a:latin typeface="맑은 고딕" charset="0"/>
@@ -10575,7 +10318,7 @@
       </p:sp>
       <p:pic>
         <p:nvPicPr>
-          <p:cNvPr id="62" name="그림 73" descr="C:/Users/Admin1/AppData/Roaming/PolarisOffice/ETemp/2936_21704408/fImage259493621538.png"/>
+          <p:cNvPr id="62" name="그림 73" descr="C:/Users/Admin1/AppData/Roaming/PolarisOffice/ETemp/20636_16816336/fImage259493621538.png"/>
           <p:cNvPicPr>
             <a:picLocks noChangeAspect="1"/>
           </p:cNvPicPr>
@@ -10596,7 +10339,7 @@
         <p:spPr>
           <a:xfrm rot="0">
             <a:off x="6708775" y="1521460"/>
-            <a:ext cx="4265295" cy="3766185"/>
+            <a:ext cx="4265930" cy="3766820"/>
           </a:xfrm>
           <a:prstGeom prst="rect"/>
           <a:noFill/>
@@ -10604,7 +10347,7 @@
       </p:pic>
       <p:pic>
         <p:nvPicPr>
-          <p:cNvPr id="63" name="그림 75" descr="C:/Users/Admin1/AppData/Roaming/PolarisOffice/ETemp/2936_21704408/fImage362653641869.png"/>
+          <p:cNvPr id="63" name="그림 75" descr="C:/Users/Admin1/AppData/Roaming/PolarisOffice/ETemp/20636_16816336/fImage362653641869.png"/>
           <p:cNvPicPr>
             <a:picLocks noChangeAspect="1"/>
           </p:cNvPicPr>
@@ -10625,7 +10368,7 @@
         <p:spPr>
           <a:xfrm rot="0">
             <a:off x="1230630" y="1529715"/>
-            <a:ext cx="2260600" cy="3566795"/>
+            <a:ext cx="2502535" cy="3567430"/>
           </a:xfrm>
           <a:prstGeom prst="roundRect"/>
           <a:solidFill>
@@ -10635,14 +10378,14 @@
       </p:pic>
       <p:pic>
         <p:nvPicPr>
-          <p:cNvPr id="66" name="그림 41" descr="C:/Users/Admin1/AppData/Roaming/PolarisOffice/ETemp/2936_21704408/fImage97242386962.png"/>
+          <p:cNvPr id="66" name="그림 46" descr="C:/Users/Admin1/AppData/Roaming/PolarisOffice/ETemp/20636_16816336/fImage94112536962.png"/>
           <p:cNvPicPr>
             <a:picLocks noChangeAspect="1"/>
           </p:cNvPicPr>
           <p:nvPr/>
         </p:nvPicPr>
         <p:blipFill rotWithShape="1">
-          <a:blip r:embed="rId6" cstate="print">
+          <a:blip r:embed="rId7" cstate="print">
             <a:extLst>
               <a:ext uri="{28A0092B-C50C-407E-A947-70E740481C1C}">
                 <a14:useLocalDpi xmlns:a14="http://schemas.microsoft.com/office/drawing/2010/main" val="0"/>
@@ -10655,8 +10398,8 @@
         </p:blipFill>
         <p:spPr>
           <a:xfrm rot="0">
-            <a:off x="3766185" y="1970405"/>
-            <a:ext cx="1579880" cy="2552700"/>
+            <a:off x="3868420" y="2119630"/>
+            <a:ext cx="1485900" cy="2378075"/>
           </a:xfrm>
           <a:prstGeom prst="roundRect"/>
           <a:solidFill>
@@ -10672,8 +10415,8 @@
         </p:nvCxnSpPr>
         <p:spPr>
           <a:xfrm rot="0" flipH="1">
-            <a:off x="1945640" y="4331335"/>
-            <a:ext cx="2070100" cy="457835"/>
+            <a:off x="2003425" y="4305935"/>
+            <a:ext cx="2095500" cy="491490"/>
           </a:xfrm>
           <a:prstGeom prst="straightConnector1"/>
           <a:ln w="6350" cap="flat" cmpd="sng">
@@ -10803,9 +10546,9 @@
           <p:nvPr/>
         </p:nvSpPr>
         <p:spPr>
-          <a:xfrm rot="0">
+          <a:xfrm>
             <a:off x="6824980" y="5480050"/>
-            <a:ext cx="4123690" cy="677545"/>
+            <a:ext cx="4124325" cy="677545"/>
           </a:xfrm>
           <a:prstGeom prst="rect"/>
           <a:noFill/>
@@ -10842,7 +10585,7 @@
                 <a:latin typeface="맑은 고딕" charset="0"/>
                 <a:ea typeface="맑은 고딕" charset="0"/>
               </a:rPr>
-              <a:t>3</a:t>
+              <a:t>4</a:t>
             </a:r>
             <a:r>
               <a:rPr lang="ko-KR" sz="2000" b="1">
@@ -10869,21 +10612,7 @@
                 <a:latin typeface="맑은 고딕" charset="0"/>
                 <a:ea typeface="맑은 고딕" charset="0"/>
               </a:rPr>
-              <a:t>이제</a:t>
-            </a:r>
-            <a:r>
-              <a:rPr lang="ko-KR" sz="1800">
-                <a:latin typeface="맑은 고딕" charset="0"/>
-                <a:ea typeface="맑은 고딕" charset="0"/>
-              </a:rPr>
-              <a:t> PhotonSetting를 선택</a:t>
-            </a:r>
-            <a:r>
-              <a:rPr lang="ko-KR" sz="1800">
-                <a:latin typeface="맑은 고딕" charset="0"/>
-                <a:ea typeface="맑은 고딕" charset="0"/>
-              </a:rPr>
-              <a:t>하고</a:t>
+              <a:t>이제 PhotonSetting를 선택하고</a:t>
             </a:r>
             <a:endParaRPr lang="ko-KR" altLang="en-US" sz="1800">
               <a:latin typeface="맑은 고딕" charset="0"/>
@@ -10928,9 +10657,9 @@
           <p:nvPr/>
         </p:nvSpPr>
         <p:spPr>
-          <a:xfrm rot="0">
+          <a:xfrm>
             <a:off x="1229360" y="5203190"/>
-            <a:ext cx="4149090" cy="954405"/>
+            <a:ext cx="4149725" cy="954405"/>
           </a:xfrm>
           <a:prstGeom prst="rect"/>
           <a:noFill/>
@@ -10957,7 +10686,7 @@
                 <a:latin typeface="맑은 고딕" charset="0"/>
                 <a:ea typeface="맑은 고딕" charset="0"/>
               </a:rPr>
-              <a:t>32</a:t>
+              <a:t>3</a:t>
             </a:r>
             <a:r>
               <a:rPr lang="ko-KR" sz="2000" b="1">
@@ -10967,6 +10696,16 @@
                 <a:latin typeface="맑은 고딕" charset="0"/>
                 <a:ea typeface="맑은 고딕" charset="0"/>
               </a:rPr>
+              <a:t>3</a:t>
+            </a:r>
+            <a:r>
+              <a:rPr lang="ko-KR" sz="2000" b="1">
+                <a:solidFill>
+                  <a:srgbClr val="0611F2"/>
+                </a:solidFill>
+                <a:latin typeface="맑은 고딕" charset="0"/>
+                <a:ea typeface="맑은 고딕" charset="0"/>
+              </a:rPr>
               <a:t>.</a:t>
             </a:r>
             <a:r>
@@ -10984,49 +10723,7 @@
                 <a:latin typeface="맑은 고딕" charset="0"/>
                 <a:ea typeface="맑은 고딕" charset="0"/>
               </a:rPr>
-              <a:t>마지막으로 </a:t>
-            </a:r>
-            <a:r>
-              <a:rPr lang="ko-KR" sz="1800">
-                <a:latin typeface="맑은 고딕" charset="0"/>
-                <a:ea typeface="맑은 고딕" charset="0"/>
-              </a:rPr>
-              <a:t>Sign In</a:t>
-            </a:r>
-            <a:r>
-              <a:rPr lang="ko-KR" sz="1800">
-                <a:latin typeface="맑은 고딕" charset="0"/>
-                <a:ea typeface="맑은 고딕" charset="0"/>
-              </a:rPr>
-              <a:t> Button</a:t>
-            </a:r>
-            <a:r>
-              <a:rPr lang="ko-KR" sz="1800">
-                <a:latin typeface="맑은 고딕" charset="0"/>
-                <a:ea typeface="맑은 고딕" charset="0"/>
-              </a:rPr>
-              <a:t> 오브젝트의</a:t>
-            </a:r>
-            <a:r>
-              <a:rPr lang="ko-KR" sz="1800">
-                <a:latin typeface="맑은 고딕" charset="0"/>
-                <a:ea typeface="맑은 고딕" charset="0"/>
-              </a:rPr>
-              <a:t> On Click</a:t>
-            </a:r>
-            <a:r>
-              <a:rPr lang="ko-KR" sz="1800">
-                <a:latin typeface="맑은 고딕" charset="0"/>
-                <a:ea typeface="맑은 고딕" charset="0"/>
-              </a:rPr>
-              <a:t>( ) 함수</a:t>
-            </a:r>
-            <a:r>
-              <a:rPr lang="ko-KR" sz="1800">
-                <a:latin typeface="맑은 고딕" charset="0"/>
-                <a:ea typeface="맑은 고딕" charset="0"/>
-              </a:rPr>
-              <a:t>에 Photon Setting 오브젝트를 넣어줍니다.</a:t>
+              <a:t>마지막으로 Sign In Button 오브젝트의 On Click( ) 함수에 Photon Setting 오브젝트를 넣어줍니다.</a:t>
             </a:r>
             <a:endParaRPr lang="ko-KR" altLang="en-US" sz="1800">
               <a:latin typeface="맑은 고딕" charset="0"/>
@@ -11037,7 +10734,7 @@
       </p:sp>
       <p:pic>
         <p:nvPicPr>
-          <p:cNvPr id="67" name="그림 81" descr="C:/Users/Admin1/AppData/Roaming/PolarisOffice/ETemp/2936_21704408/fImage259843797035.png"/>
+          <p:cNvPr id="67" name="그림 81" descr="C:/Users/Admin1/AppData/Roaming/PolarisOffice/ETemp/20636_16816336/fImage259843797035.png"/>
           <p:cNvPicPr>
             <a:picLocks noChangeAspect="1"/>
           </p:cNvPicPr>
@@ -11058,7 +10755,7 @@
         <p:spPr>
           <a:xfrm rot="0">
             <a:off x="6824980" y="1430020"/>
-            <a:ext cx="4123690" cy="3890645"/>
+            <a:ext cx="4124325" cy="3816350"/>
           </a:xfrm>
           <a:prstGeom prst="rect"/>
           <a:noFill/>
@@ -11066,38 +10763,7 @@
       </p:pic>
       <p:pic>
         <p:nvPicPr>
-          <p:cNvPr id="68" name="그림 43" descr="C:/Users/Admin1/AppData/Roaming/PolarisOffice/ETemp/2936_21704408/fImage97242394464.png"/>
-          <p:cNvPicPr>
-            <a:picLocks noChangeAspect="1"/>
-          </p:cNvPicPr>
-          <p:nvPr/>
-        </p:nvPicPr>
-        <p:blipFill rotWithShape="1">
-          <a:blip r:embed="rId6" cstate="print">
-            <a:extLst>
-              <a:ext uri="{28A0092B-C50C-407E-A947-70E740481C1C}">
-                <a14:useLocalDpi xmlns:a14="http://schemas.microsoft.com/office/drawing/2010/main" val="0"/>
-              </a:ext>
-            </a:extLst>
-          </a:blip>
-          <a:stretch>
-            <a:fillRect/>
-          </a:stretch>
-        </p:blipFill>
-        <p:spPr>
-          <a:xfrm rot="0">
-            <a:off x="3990340" y="1903730"/>
-            <a:ext cx="1388745" cy="2702560"/>
-          </a:xfrm>
-          <a:prstGeom prst="roundRect"/>
-          <a:solidFill>
-            <a:srgbClr val="EDEDED"/>
-          </a:solidFill>
-        </p:spPr>
-      </p:pic>
-      <p:pic>
-        <p:nvPicPr>
-          <p:cNvPr id="69" name="그림 44" descr="C:/Users/Admin1/AppData/Roaming/PolarisOffice/ETemp/2936_21704408/fImage388572405705.png"/>
+          <p:cNvPr id="69" name="그림 44"/>
           <p:cNvPicPr>
             <a:picLocks noChangeAspect="1"/>
           </p:cNvPicPr>
@@ -11126,6 +10792,37 @@
           </a:solidFill>
         </p:spPr>
       </p:pic>
+      <p:pic>
+        <p:nvPicPr>
+          <p:cNvPr id="70" name="그림 47" descr="C:/Users/Admin1/AppData/Roaming/PolarisOffice/ETemp/20636_16816336/fImage94112544464.png"/>
+          <p:cNvPicPr>
+            <a:picLocks noChangeAspect="1"/>
+          </p:cNvPicPr>
+          <p:nvPr/>
+        </p:nvPicPr>
+        <p:blipFill rotWithShape="1">
+          <a:blip r:embed="rId8" cstate="print">
+            <a:extLst>
+              <a:ext uri="{28A0092B-C50C-407E-A947-70E740481C1C}">
+                <a14:useLocalDpi xmlns:a14="http://schemas.microsoft.com/office/drawing/2010/main" val="0"/>
+              </a:ext>
+            </a:extLst>
+          </a:blip>
+          <a:stretch>
+            <a:fillRect/>
+          </a:stretch>
+        </p:blipFill>
+        <p:spPr>
+          <a:xfrm rot="0">
+            <a:off x="3990340" y="2052955"/>
+            <a:ext cx="1388745" cy="2378075"/>
+          </a:xfrm>
+          <a:prstGeom prst="roundRect"/>
+          <a:solidFill>
+            <a:srgbClr val="EDEDED"/>
+          </a:solidFill>
+        </p:spPr>
+      </p:pic>
       <p:cxnSp>
         <p:nvCxnSpPr>
           <p:cNvPr id="65" name="Rect 0"/>
@@ -11134,8 +10831,8 @@
         </p:nvCxnSpPr>
         <p:spPr>
           <a:xfrm rot="0" flipH="1">
-            <a:off x="2045335" y="4389120"/>
-            <a:ext cx="2169795" cy="358140"/>
+            <a:off x="2011680" y="4231640"/>
+            <a:ext cx="2195195" cy="515620"/>
           </a:xfrm>
           <a:prstGeom prst="straightConnector1"/>
           <a:ln w="6350" cap="flat" cmpd="sng">
@@ -11182,7 +10879,7 @@
 </file>
 
 <file path=ppt/slides/slide16.xml><?xml version="1.0" encoding="utf-8"?>
-<p:sld xmlns:a="http://schemas.openxmlformats.org/drawingml/2006/main" xmlns:r="http://schemas.openxmlformats.org/officeDocument/2006/relationships" xmlns:p="http://schemas.openxmlformats.org/presentationml/2006/main">
+<p:sld xmlns:a="http://schemas.openxmlformats.org/drawingml/2006/main" xmlns:r="http://schemas.openxmlformats.org/officeDocument/2006/relationships" xmlns:p="http://schemas.openxmlformats.org/presentationml/2006/main" xmlns:p14="http://schemas.microsoft.com/office/powerpoint/2010/main">
   <p:cSld>
     <p:spTree>
       <p:nvGrpSpPr>
@@ -11273,8 +10970,8 @@
         </p:nvSpPr>
         <p:spPr>
           <a:xfrm rot="0">
-            <a:off x="6841490" y="5048250"/>
-            <a:ext cx="4098925" cy="1231265"/>
+            <a:off x="6849745" y="5322570"/>
+            <a:ext cx="4099560" cy="954405"/>
           </a:xfrm>
           <a:prstGeom prst="rect"/>
           <a:noFill/>
@@ -11314,7 +11011,7 @@
                 <a:latin typeface="맑은 고딕" charset="0"/>
                 <a:ea typeface="맑은 고딕" charset="0"/>
               </a:rPr>
-              <a:t>5</a:t>
+              <a:t>6</a:t>
             </a:r>
             <a:r>
               <a:rPr lang="ko-KR" sz="2000" b="1">
@@ -11341,14 +11038,7 @@
                 <a:latin typeface="맑은 고딕" charset="0"/>
                 <a:ea typeface="맑은 고딕" charset="0"/>
               </a:rPr>
-              <a:t>그다음 Email Input과 Password Input 그리고 UserName Input 오브젝트의 앵커를 지정하고 위치와 회전 값을 설정합니다.</a:t>
-            </a:r>
-            <a:r>
-              <a:rPr lang="ko-KR" sz="1800">
-                <a:latin typeface="맑은 고딕" charset="0"/>
-                <a:ea typeface="맑은 고딕" charset="0"/>
-              </a:rPr>
-              <a:t> </a:t>
+              <a:t>그다음 Email Input과 Password Input 오브젝트의 앵커를 지정하고 위치와 회전 값을 설정합니다. </a:t>
             </a:r>
             <a:endParaRPr lang="ko-KR" altLang="en-US" sz="1800">
               <a:latin typeface="맑은 고딕" charset="0"/>
@@ -11366,9 +11056,9 @@
           <p:nvPr/>
         </p:nvSpPr>
         <p:spPr>
-          <a:xfrm rot="0">
+          <a:xfrm>
             <a:off x="1237615" y="5319395"/>
-            <a:ext cx="4149090" cy="954405"/>
+            <a:ext cx="4149725" cy="954405"/>
           </a:xfrm>
           <a:prstGeom prst="rect"/>
           <a:noFill/>
@@ -11395,7 +11085,7 @@
                 <a:latin typeface="맑은 고딕" charset="0"/>
                 <a:ea typeface="맑은 고딕" charset="0"/>
               </a:rPr>
-              <a:t>34</a:t>
+              <a:t>3</a:t>
             </a:r>
             <a:r>
               <a:rPr lang="ko-KR" sz="2000" b="1">
@@ -11405,6 +11095,16 @@
                 <a:latin typeface="맑은 고딕" charset="0"/>
                 <a:ea typeface="맑은 고딕" charset="0"/>
               </a:rPr>
+              <a:t>5</a:t>
+            </a:r>
+            <a:r>
+              <a:rPr lang="ko-KR" sz="2000" b="1">
+                <a:solidFill>
+                  <a:srgbClr val="0611F2"/>
+                </a:solidFill>
+                <a:latin typeface="맑은 고딕" charset="0"/>
+                <a:ea typeface="맑은 고딕" charset="0"/>
+              </a:rPr>
               <a:t>.</a:t>
             </a:r>
             <a:r>
@@ -11433,17 +11133,17 @@
       </p:sp>
       <p:pic>
         <p:nvPicPr>
-          <p:cNvPr id="68" name="그림 51" descr="C:/Users/Admin1/AppData/Roaming/PolarisOffice/ETemp/2936_21704408/fImage127713248145.png"/>
+          <p:cNvPr id="68" name="그림 51" descr="C:/Users/Admin1/AppData/Roaming/PolarisOffice/ETemp/20636_16816336/fImage127713248145.png"/>
           <p:cNvPicPr>
             <a:picLocks noChangeAspect="1"/>
           </p:cNvPicPr>
           <p:nvPr/>
         </p:nvPicPr>
         <p:blipFill rotWithShape="1">
-          <a:blip r:embed="rId2" cstate="print">
+          <a:blip r:embed="rId2" cstate="hqprint">
             <a:extLst>
               <a:ext uri="{28A0092B-C50C-407E-A947-70E740481C1C}">
-                <a14:useLocalDpi xmlns:a14="http://schemas.microsoft.com/office/drawing/2010/main" val="0"/>
+                <a14:useLocalDpi xmlns:a14="http://schemas.microsoft.com/office/drawing/2010/main"/>
               </a:ext>
             </a:extLst>
           </a:blip>
@@ -11454,7 +11154,7 @@
         <p:spPr>
           <a:xfrm rot="0">
             <a:off x="1237615" y="1403350"/>
-            <a:ext cx="4141470" cy="1772920"/>
+            <a:ext cx="4142105" cy="1714500"/>
           </a:xfrm>
           <a:prstGeom prst="roundRect"/>
           <a:solidFill>
@@ -11464,7 +11164,7 @@
       </p:pic>
       <p:pic>
         <p:nvPicPr>
-          <p:cNvPr id="69" name="그림 54" descr="C:/Users/Admin1/AppData/Roaming/PolarisOffice/ETemp/2936_21704408/fImage130483253281.png"/>
+          <p:cNvPr id="69" name="그림 54"/>
           <p:cNvPicPr>
             <a:picLocks noChangeAspect="1"/>
           </p:cNvPicPr>
@@ -11495,17 +11195,17 @@
       </p:pic>
       <p:pic>
         <p:nvPicPr>
-          <p:cNvPr id="70" name="그림 57" descr="C:/Users/Admin1/AppData/Roaming/PolarisOffice/ETemp/2936_21704408/fImage125453266827.png"/>
+          <p:cNvPr id="70" name="그림 57" descr="C:/Users/Admin1/AppData/Roaming/PolarisOffice/ETemp/20636_16816336/fImage125453266827.png"/>
           <p:cNvPicPr>
             <a:picLocks noChangeAspect="1"/>
           </p:cNvPicPr>
           <p:nvPr/>
         </p:nvPicPr>
         <p:blipFill rotWithShape="1">
-          <a:blip r:embed="rId4" cstate="print">
+          <a:blip r:embed="rId4" cstate="hqprint">
             <a:extLst>
               <a:ext uri="{28A0092B-C50C-407E-A947-70E740481C1C}">
-                <a14:useLocalDpi xmlns:a14="http://schemas.microsoft.com/office/drawing/2010/main" val="0"/>
+                <a14:useLocalDpi xmlns:a14="http://schemas.microsoft.com/office/drawing/2010/main"/>
               </a:ext>
             </a:extLst>
           </a:blip>
@@ -11515,8 +11215,8 @@
         </p:blipFill>
         <p:spPr>
           <a:xfrm rot="0">
-            <a:off x="6833235" y="1402080"/>
-            <a:ext cx="4115435" cy="1050925"/>
+            <a:off x="6841490" y="1402080"/>
+            <a:ext cx="4116070" cy="1715770"/>
           </a:xfrm>
           <a:prstGeom prst="roundRect"/>
           <a:solidFill>
@@ -11526,17 +11226,17 @@
       </p:pic>
       <p:pic>
         <p:nvPicPr>
-          <p:cNvPr id="71" name="그림 60" descr="C:/Users/Admin1/AppData/Roaming/PolarisOffice/ETemp/2936_21704408/fImage128213279961.png"/>
+          <p:cNvPr id="71" name="그림 60" descr="C:/Users/Admin1/AppData/Roaming/PolarisOffice/ETemp/20636_16816336/fImage128213279961.png"/>
           <p:cNvPicPr>
             <a:picLocks noChangeAspect="1"/>
           </p:cNvPicPr>
           <p:nvPr/>
         </p:nvPicPr>
         <p:blipFill rotWithShape="1">
-          <a:blip r:embed="rId5" cstate="print">
+          <a:blip r:embed="rId5" cstate="hqprint">
             <a:extLst>
               <a:ext uri="{28A0092B-C50C-407E-A947-70E740481C1C}">
-                <a14:useLocalDpi xmlns:a14="http://schemas.microsoft.com/office/drawing/2010/main" val="0"/>
+                <a14:useLocalDpi xmlns:a14="http://schemas.microsoft.com/office/drawing/2010/main"/>
               </a:ext>
             </a:extLst>
           </a:blip>
@@ -11546,575 +11246,13 @@
         </p:blipFill>
         <p:spPr>
           <a:xfrm rot="0">
-            <a:off x="6838315" y="2641600"/>
-            <a:ext cx="4118610" cy="1050290"/>
+            <a:off x="6846570" y="3358515"/>
+            <a:ext cx="4127500" cy="1788160"/>
           </a:xfrm>
           <a:prstGeom prst="roundRect"/>
           <a:solidFill>
             <a:srgbClr val="EDEDED"/>
           </a:solidFill>
-        </p:spPr>
-      </p:pic>
-      <p:pic>
-        <p:nvPicPr>
-          <p:cNvPr id="72" name="그림 63" descr="C:/Users/Admin1/AppData/Roaming/PolarisOffice/ETemp/2936_21704408/fImage12761328491.png"/>
-          <p:cNvPicPr>
-            <a:picLocks noChangeAspect="1"/>
-          </p:cNvPicPr>
-          <p:nvPr/>
-        </p:nvPicPr>
-        <p:blipFill rotWithShape="1">
-          <a:blip r:embed="rId6" cstate="print">
-            <a:extLst>
-              <a:ext uri="{28A0092B-C50C-407E-A947-70E740481C1C}">
-                <a14:useLocalDpi xmlns:a14="http://schemas.microsoft.com/office/drawing/2010/main" val="0"/>
-              </a:ext>
-            </a:extLst>
-          </a:blip>
-          <a:stretch>
-            <a:fillRect/>
-          </a:stretch>
-        </p:blipFill>
-        <p:spPr>
-          <a:xfrm rot="0">
-            <a:off x="6841490" y="3865880"/>
-            <a:ext cx="4115435" cy="1047750"/>
-          </a:xfrm>
-          <a:prstGeom prst="roundRect"/>
-          <a:solidFill>
-            <a:srgbClr val="EDEDED"/>
-          </a:solidFill>
-        </p:spPr>
-      </p:pic>
-    </p:spTree>
-  </p:cSld>
-  <p:clrMapOvr>
-    <a:masterClrMapping/>
-  </p:clrMapOvr>
-  <mc:AlternateContent xmlns:mc="http://schemas.openxmlformats.org/markup-compatibility/2006">
-    <mc:Choice xmlns:p14="http://schemas.microsoft.com/office/powerpoint/2010/main" Requires="p14">
-      <p:transition spd="slow" p14:dur="2000"/>
-    </mc:Choice>
-    <mc:Fallback>
-      <p:transition spd="slow"/>
-    </mc:Fallback>
-  </mc:AlternateContent>
-  <p:timing>
-    <p:tnLst>
-      <p:par>
-        <p:cTn id="1" dur="indefinite" restart="never" nodeType="tmRoot"/>
-      </p:par>
-    </p:tnLst>
-  </p:timing>
-</p:sld>
-</file>
-
-<file path=ppt/slides/slide17.xml><?xml version="1.0" encoding="utf-8"?>
-<p:sld xmlns:a="http://schemas.openxmlformats.org/drawingml/2006/main" xmlns:r="http://schemas.openxmlformats.org/officeDocument/2006/relationships" xmlns:p="http://schemas.openxmlformats.org/presentationml/2006/main">
-  <p:cSld>
-    <p:spTree>
-      <p:nvGrpSpPr>
-        <p:cNvPr id="1" name=""/>
-        <p:cNvGrpSpPr/>
-        <p:nvPr/>
-      </p:nvGrpSpPr>
-      <p:grpSpPr>
-        <a:xfrm>
-          <a:off x="0" y="0"/>
-          <a:ext cx="0" cy="0"/>
-          <a:chOff x="0" y="0"/>
-          <a:chExt cx="0" cy="0"/>
-        </a:xfrm>
-      </p:grpSpPr>
-      <p:sp>
-        <p:nvSpPr>
-          <p:cNvPr id="35" name="Rect 0"/>
-          <p:cNvSpPr txBox="1">
-            <a:spLocks/>
-          </p:cNvSpPr>
-          <p:nvPr/>
-        </p:nvSpPr>
-        <p:spPr>
-          <a:xfrm rot="0">
-            <a:off x="4126865" y="467995"/>
-            <a:ext cx="3938270" cy="554990"/>
-          </a:xfrm>
-          <a:prstGeom prst="rect"/>
-          <a:noFill/>
-          <a:ln w="0">
-            <a:noFill/>
-            <a:prstDash/>
-          </a:ln>
-        </p:spPr>
-        <p:txBody>
-          <a:bodyPr wrap="square" lIns="89535" tIns="46355" rIns="89535" bIns="46355" numCol="1" vert="horz" anchor="t">
-            <a:spAutoFit/>
-          </a:bodyPr>
-          <a:lstStyle/>
-          <a:p>
-            <a:pPr marL="0" indent="0" rtl="0" algn="l" defTabSz="914400" eaLnBrk="1" latinLnBrk="0" hangingPunct="1">
-              <a:buFontTx/>
-              <a:buNone/>
-            </a:pPr>
-            <a:r>
-              <a:rPr lang="ko-KR" sz="3000" b="1">
-                <a:latin typeface="맑은 고딕" charset="0"/>
-                <a:ea typeface="맑은 고딕" charset="0"/>
-              </a:rPr>
-              <a:t>열</a:t>
-            </a:r>
-            <a:r>
-              <a:rPr lang="ko-KR" sz="3000" b="1">
-                <a:latin typeface="맑은 고딕" charset="0"/>
-                <a:ea typeface="맑은 고딕" charset="0"/>
-              </a:rPr>
-              <a:t>일곱</a:t>
-            </a:r>
-            <a:r>
-              <a:rPr lang="ko-KR" sz="3000" b="1">
-                <a:latin typeface="맑은 고딕" charset="0"/>
-                <a:ea typeface="맑은 고딕" charset="0"/>
-              </a:rPr>
-              <a:t> 번째 튜토리얼</a:t>
-            </a:r>
-            <a:r>
-              <a:rPr sz="3000" b="1">
-                <a:latin typeface="맑은 고딕" charset="0"/>
-                <a:ea typeface="맑은 고딕" charset="0"/>
-              </a:rPr>
-              <a:t> </a:t>
-            </a:r>
-            <a:endParaRPr lang="ko-KR" altLang="en-US" sz="3000" b="1">
-              <a:latin typeface="맑은 고딕" charset="0"/>
-              <a:ea typeface="맑은 고딕" charset="0"/>
-            </a:endParaRPr>
-          </a:p>
-        </p:txBody>
-      </p:sp>
-      <p:sp>
-        <p:nvSpPr>
-          <p:cNvPr id="57" name="Rect 0"/>
-          <p:cNvSpPr txBox="1">
-            <a:spLocks/>
-          </p:cNvSpPr>
-          <p:nvPr/>
-        </p:nvSpPr>
-        <p:spPr>
-          <a:xfrm rot="0">
-            <a:off x="6841490" y="4217670"/>
-            <a:ext cx="4098925" cy="2061845"/>
-          </a:xfrm>
-          <a:prstGeom prst="rect"/>
-          <a:noFill/>
-          <a:ln w="0">
-            <a:noFill/>
-            <a:prstDash/>
-          </a:ln>
-        </p:spPr>
-        <p:txBody>
-          <a:bodyPr wrap="square" lIns="89535" tIns="46355" rIns="89535" bIns="46355" numCol="1" vert="horz" anchor="t">
-            <a:spAutoFit/>
-          </a:bodyPr>
-          <a:lstStyle/>
-          <a:p>
-            <a:pPr marL="0" indent="0" rtl="0" algn="l" defTabSz="914400" eaLnBrk="1" latinLnBrk="0" hangingPunct="1">
-              <a:buFontTx/>
-              <a:buNone/>
-              <a:tabLst>
-                <a:tab pos="3869690" algn="l"/>
-              </a:tabLst>
-            </a:pPr>
-            <a:r>
-              <a:rPr lang="ko-KR" sz="2000" b="1">
-                <a:solidFill>
-                  <a:srgbClr val="0611F2"/>
-                </a:solidFill>
-                <a:latin typeface="맑은 고딕" charset="0"/>
-                <a:ea typeface="맑은 고딕" charset="0"/>
-              </a:rPr>
-              <a:t>3</a:t>
-            </a:r>
-            <a:r>
-              <a:rPr lang="ko-KR" sz="2000" b="1">
-                <a:solidFill>
-                  <a:srgbClr val="0611F2"/>
-                </a:solidFill>
-                <a:latin typeface="맑은 고딕" charset="0"/>
-                <a:ea typeface="맑은 고딕" charset="0"/>
-              </a:rPr>
-              <a:t>8</a:t>
-            </a:r>
-            <a:r>
-              <a:rPr lang="ko-KR" sz="2000" b="1">
-                <a:solidFill>
-                  <a:srgbClr val="0611F2"/>
-                </a:solidFill>
-                <a:latin typeface="맑은 고딕" charset="0"/>
-                <a:ea typeface="맑은 고딕" charset="0"/>
-              </a:rPr>
-              <a:t>.</a:t>
-            </a:r>
-            <a:r>
-              <a:rPr lang="ko-KR" sz="2000">
-                <a:solidFill>
-                  <a:srgbClr val="0611F2"/>
-                </a:solidFill>
-                <a:latin typeface="맑은 고딕" charset="0"/>
-                <a:ea typeface="맑은 고딕" charset="0"/>
-              </a:rPr>
-              <a:t> </a:t>
-            </a:r>
-            <a:r>
-              <a:rPr lang="ko-KR" sz="1800">
-                <a:latin typeface="맑은 고딕" charset="0"/>
-                <a:ea typeface="맑은 고딕" charset="0"/>
-              </a:rPr>
-              <a:t>마지막으로 Sign In Button과 Sign Up Button 하위 오브젝트의 Text 오브젝트의 이름을 Sign In Text와 Sign Up Text로 변경합니다.</a:t>
-            </a:r>
-            <a:endParaRPr lang="ko-KR" altLang="en-US" sz="1800">
-              <a:latin typeface="맑은 고딕" charset="0"/>
-              <a:ea typeface="맑은 고딕" charset="0"/>
-            </a:endParaRPr>
-          </a:p>
-          <a:p>
-            <a:pPr marL="0" indent="0" rtl="0" algn="l" defTabSz="914400" eaLnBrk="1" latinLnBrk="0" hangingPunct="1">
-              <a:buFontTx/>
-              <a:buNone/>
-              <a:tabLst>
-                <a:tab pos="3869690" algn="l"/>
-              </a:tabLst>
-            </a:pPr>
-            <a:endParaRPr lang="ko-KR" altLang="en-US" sz="1800">
-              <a:latin typeface="맑은 고딕" charset="0"/>
-              <a:ea typeface="맑은 고딕" charset="0"/>
-            </a:endParaRPr>
-          </a:p>
-          <a:p>
-            <a:pPr marL="0" indent="0" rtl="0" algn="l" defTabSz="914400" eaLnBrk="1" latinLnBrk="0" hangingPunct="1">
-              <a:buFontTx/>
-              <a:buNone/>
-              <a:tabLst>
-                <a:tab pos="3869690" algn="l"/>
-              </a:tabLst>
-            </a:pPr>
-            <a:r>
-              <a:rPr lang="ko-KR" sz="1800">
-                <a:latin typeface="맑은 고딕" charset="0"/>
-                <a:ea typeface="맑은 고딕" charset="0"/>
-              </a:rPr>
-              <a:t>그리고 각각의 텍스트의 Font Size와 Font Style을 설정합니다.</a:t>
-            </a:r>
-            <a:r>
-              <a:rPr lang="ko-KR" sz="1800">
-                <a:latin typeface="맑은 고딕" charset="0"/>
-                <a:ea typeface="맑은 고딕" charset="0"/>
-              </a:rPr>
-              <a:t> </a:t>
-            </a:r>
-            <a:endParaRPr lang="ko-KR" altLang="en-US" sz="1800">
-              <a:latin typeface="맑은 고딕" charset="0"/>
-              <a:ea typeface="맑은 고딕" charset="0"/>
-            </a:endParaRPr>
-          </a:p>
-        </p:txBody>
-      </p:sp>
-      <p:sp>
-        <p:nvSpPr>
-          <p:cNvPr id="60" name="Rect 0"/>
-          <p:cNvSpPr txBox="1">
-            <a:spLocks/>
-          </p:cNvSpPr>
-          <p:nvPr/>
-        </p:nvSpPr>
-        <p:spPr>
-          <a:xfrm rot="0">
-            <a:off x="1237615" y="5601970"/>
-            <a:ext cx="4149090" cy="677545"/>
-          </a:xfrm>
-          <a:prstGeom prst="rect"/>
-          <a:noFill/>
-          <a:ln w="0">
-            <a:noFill/>
-            <a:prstDash/>
-          </a:ln>
-        </p:spPr>
-        <p:txBody>
-          <a:bodyPr wrap="square" lIns="89535" tIns="46355" rIns="89535" bIns="46355" numCol="1" vert="horz" anchor="t">
-            <a:spAutoFit/>
-          </a:bodyPr>
-          <a:lstStyle/>
-          <a:p>
-            <a:pPr marL="0" indent="0" rtl="0" algn="l" defTabSz="914400" eaLnBrk="1" latinLnBrk="0" hangingPunct="1">
-              <a:buFontTx/>
-              <a:buNone/>
-            </a:pPr>
-            <a:r>
-              <a:rPr lang="ko-KR" sz="2000" b="1">
-                <a:solidFill>
-                  <a:srgbClr val="0611F2"/>
-                </a:solidFill>
-                <a:latin typeface="맑은 고딕" charset="0"/>
-                <a:ea typeface="맑은 고딕" charset="0"/>
-              </a:rPr>
-              <a:t>37</a:t>
-            </a:r>
-            <a:r>
-              <a:rPr lang="ko-KR" sz="2000" b="1">
-                <a:solidFill>
-                  <a:srgbClr val="0611F2"/>
-                </a:solidFill>
-                <a:latin typeface="맑은 고딕" charset="0"/>
-                <a:ea typeface="맑은 고딕" charset="0"/>
-              </a:rPr>
-              <a:t>.</a:t>
-            </a:r>
-            <a:r>
-              <a:rPr lang="ko-KR" sz="2000">
-                <a:solidFill>
-                  <a:srgbClr val="0611F2"/>
-                </a:solidFill>
-                <a:latin typeface="맑은 고딕" charset="0"/>
-                <a:ea typeface="맑은 고딕" charset="0"/>
-              </a:rPr>
-              <a:t> </a:t>
-            </a:r>
-            <a:r>
-              <a:rPr lang="ko-KR" sz="1800">
-                <a:latin typeface="맑은 고딕" charset="0"/>
-                <a:ea typeface="맑은 고딕" charset="0"/>
-              </a:rPr>
-              <a:t>이제 Region DropDown의 옵션에 KR, JP, AU라는 값을 정의합니다.</a:t>
-            </a:r>
-            <a:endParaRPr lang="ko-KR" altLang="en-US" sz="1800">
-              <a:latin typeface="맑은 고딕" charset="0"/>
-              <a:ea typeface="맑은 고딕" charset="0"/>
-            </a:endParaRPr>
-          </a:p>
-        </p:txBody>
-      </p:sp>
-      <p:pic>
-        <p:nvPicPr>
-          <p:cNvPr id="73" name="그림 67" descr="C:/Users/Admin1/AppData/Roaming/PolarisOffice/ETemp/2936_21704408/fImage131623402995.png"/>
-          <p:cNvPicPr>
-            <a:picLocks noChangeAspect="1"/>
-          </p:cNvPicPr>
-          <p:nvPr/>
-        </p:nvPicPr>
-        <p:blipFill rotWithShape="1">
-          <a:blip r:embed="rId2" cstate="print">
-            <a:extLst>
-              <a:ext uri="{28A0092B-C50C-407E-A947-70E740481C1C}">
-                <a14:useLocalDpi xmlns:a14="http://schemas.microsoft.com/office/drawing/2010/main" val="0"/>
-              </a:ext>
-            </a:extLst>
-          </a:blip>
-          <a:stretch>
-            <a:fillRect/>
-          </a:stretch>
-        </p:blipFill>
-        <p:spPr>
-          <a:xfrm rot="0">
-            <a:off x="1234440" y="1411605"/>
-            <a:ext cx="4152900" cy="1157605"/>
-          </a:xfrm>
-          <a:prstGeom prst="roundRect"/>
-          <a:solidFill>
-            <a:srgbClr val="EDEDED"/>
-          </a:solidFill>
-        </p:spPr>
-      </p:pic>
-      <p:sp>
-        <p:nvSpPr>
-          <p:cNvPr id="74" name="텍스트 상자 70"/>
-          <p:cNvSpPr txBox="1">
-            <a:spLocks/>
-          </p:cNvSpPr>
-          <p:nvPr/>
-        </p:nvSpPr>
-        <p:spPr>
-          <a:xfrm rot="0">
-            <a:off x="1242695" y="2655570"/>
-            <a:ext cx="4149090" cy="954405"/>
-          </a:xfrm>
-          <a:prstGeom prst="rect"/>
-          <a:noFill/>
-          <a:ln w="0">
-            <a:noFill/>
-            <a:prstDash/>
-          </a:ln>
-        </p:spPr>
-        <p:txBody>
-          <a:bodyPr wrap="square" lIns="89535" tIns="46355" rIns="89535" bIns="46355" numCol="1" vert="horz" anchor="t">
-            <a:spAutoFit/>
-          </a:bodyPr>
-          <a:lstStyle/>
-          <a:p>
-            <a:pPr marL="0" indent="0" rtl="0" algn="l" defTabSz="914400" eaLnBrk="1" latinLnBrk="0" hangingPunct="1">
-              <a:buFontTx/>
-              <a:buNone/>
-            </a:pPr>
-            <a:r>
-              <a:rPr lang="ko-KR" sz="2000" b="1">
-                <a:solidFill>
-                  <a:srgbClr val="0611F2"/>
-                </a:solidFill>
-                <a:latin typeface="맑은 고딕" charset="0"/>
-                <a:ea typeface="맑은 고딕" charset="0"/>
-              </a:rPr>
-              <a:t>36</a:t>
-            </a:r>
-            <a:r>
-              <a:rPr lang="ko-KR" sz="2000" b="1">
-                <a:solidFill>
-                  <a:srgbClr val="0611F2"/>
-                </a:solidFill>
-                <a:latin typeface="맑은 고딕" charset="0"/>
-                <a:ea typeface="맑은 고딕" charset="0"/>
-              </a:rPr>
-              <a:t>.</a:t>
-            </a:r>
-            <a:r>
-              <a:rPr lang="ko-KR" sz="2000">
-                <a:solidFill>
-                  <a:srgbClr val="0611F2"/>
-                </a:solidFill>
-                <a:latin typeface="맑은 고딕" charset="0"/>
-                <a:ea typeface="맑은 고딕" charset="0"/>
-              </a:rPr>
-              <a:t> </a:t>
-            </a:r>
-            <a:r>
-              <a:rPr lang="ko-KR" sz="1800">
-                <a:latin typeface="맑은 고딕" charset="0"/>
-                <a:ea typeface="맑은 고딕" charset="0"/>
-              </a:rPr>
-              <a:t>그런 다음 Region DropDown 오브젝트의 앵커를 지정하고 위치와 회전 값을 설정합니다.</a:t>
-            </a:r>
-            <a:endParaRPr lang="ko-KR" altLang="en-US" sz="1800">
-              <a:latin typeface="맑은 고딕" charset="0"/>
-              <a:ea typeface="맑은 고딕" charset="0"/>
-            </a:endParaRPr>
-          </a:p>
-        </p:txBody>
-      </p:sp>
-      <p:pic>
-        <p:nvPicPr>
-          <p:cNvPr id="75" name="그림 71" descr="C:/Users/Admin1/AppData/Roaming/PolarisOffice/ETemp/2936_21704408/fImage85723421942.png"/>
-          <p:cNvPicPr>
-            <a:picLocks noChangeAspect="1"/>
-          </p:cNvPicPr>
-          <p:nvPr/>
-        </p:nvPicPr>
-        <p:blipFill rotWithShape="1">
-          <a:blip r:embed="rId3" cstate="print">
-            <a:extLst>
-              <a:ext uri="{28A0092B-C50C-407E-A947-70E740481C1C}">
-                <a14:useLocalDpi xmlns:a14="http://schemas.microsoft.com/office/drawing/2010/main" val="0"/>
-              </a:ext>
-            </a:extLst>
-          </a:blip>
-          <a:stretch>
-            <a:fillRect/>
-          </a:stretch>
-        </p:blipFill>
-        <p:spPr>
-          <a:xfrm rot="0">
-            <a:off x="1242695" y="3731895"/>
-            <a:ext cx="4152900" cy="1821180"/>
-          </a:xfrm>
-          <a:prstGeom prst="roundRect"/>
-          <a:solidFill>
-            <a:srgbClr val="EDEDED"/>
-          </a:solidFill>
-        </p:spPr>
-      </p:pic>
-      <p:pic>
-        <p:nvPicPr>
-          <p:cNvPr id="76" name="그림 74" descr="C:/Users/Admin1/AppData/Roaming/PolarisOffice/ETemp/2936_21704408/fImage104553434827.png"/>
-          <p:cNvPicPr>
-            <a:picLocks noChangeAspect="1"/>
-          </p:cNvPicPr>
-          <p:nvPr/>
-        </p:nvPicPr>
-        <p:blipFill rotWithShape="1">
-          <a:blip r:embed="rId4" cstate="print">
-            <a:extLst>
-              <a:ext uri="{28A0092B-C50C-407E-A947-70E740481C1C}">
-                <a14:useLocalDpi xmlns:a14="http://schemas.microsoft.com/office/drawing/2010/main" val="0"/>
-              </a:ext>
-            </a:extLst>
-          </a:blip>
-          <a:stretch>
-            <a:fillRect/>
-          </a:stretch>
-        </p:blipFill>
-        <p:spPr>
-          <a:xfrm rot="0">
-            <a:off x="6833235" y="1424940"/>
-            <a:ext cx="1347470" cy="2707005"/>
-          </a:xfrm>
-          <a:prstGeom prst="roundRect"/>
-          <a:solidFill>
-            <a:srgbClr val="EDEDED"/>
-          </a:solidFill>
-        </p:spPr>
-      </p:pic>
-      <p:pic>
-        <p:nvPicPr>
-          <p:cNvPr id="77" name="그림 77" descr="C:/Users/Admin1/AppData/Roaming/PolarisOffice/ETemp/2936_21704408/fImage106913445436.png"/>
-          <p:cNvPicPr>
-            <a:picLocks noChangeAspect="1"/>
-          </p:cNvPicPr>
-          <p:nvPr/>
-        </p:nvPicPr>
-        <p:blipFill rotWithShape="1">
-          <a:blip r:embed="rId5" cstate="print">
-            <a:extLst>
-              <a:ext uri="{28A0092B-C50C-407E-A947-70E740481C1C}">
-                <a14:useLocalDpi xmlns:a14="http://schemas.microsoft.com/office/drawing/2010/main" val="0"/>
-              </a:ext>
-            </a:extLst>
-          </a:blip>
-          <a:stretch>
-            <a:fillRect/>
-          </a:stretch>
-        </p:blipFill>
-        <p:spPr>
-          <a:xfrm rot="0">
-            <a:off x="8321675" y="1421765"/>
-            <a:ext cx="2618740" cy="1238885"/>
-          </a:xfrm>
-          <a:prstGeom prst="rect"/>
-          <a:noFill/>
-        </p:spPr>
-      </p:pic>
-      <p:pic>
-        <p:nvPicPr>
-          <p:cNvPr id="78" name="그림 80" descr="C:/Users/Admin1/AppData/Roaming/PolarisOffice/ETemp/2936_21704408/fImage104703452391.png"/>
-          <p:cNvPicPr>
-            <a:picLocks noChangeAspect="1"/>
-          </p:cNvPicPr>
-          <p:nvPr/>
-        </p:nvPicPr>
-        <p:blipFill rotWithShape="1">
-          <a:blip r:embed="rId6" cstate="print">
-            <a:extLst>
-              <a:ext uri="{28A0092B-C50C-407E-A947-70E740481C1C}">
-                <a14:useLocalDpi xmlns:a14="http://schemas.microsoft.com/office/drawing/2010/main" val="0"/>
-              </a:ext>
-            </a:extLst>
-          </a:blip>
-          <a:stretch>
-            <a:fillRect/>
-          </a:stretch>
-        </p:blipFill>
-        <p:spPr>
-          <a:xfrm rot="0">
-            <a:off x="8329930" y="2876550"/>
-            <a:ext cx="2610485" cy="1247140"/>
-          </a:xfrm>
-          <a:prstGeom prst="rect"/>
-          <a:noFill/>
         </p:spPr>
       </p:pic>
     </p:spTree>
@@ -15022,9 +14160,9 @@
           <p:nvPr/>
         </p:nvSpPr>
         <p:spPr>
-          <a:xfrm>
+          <a:xfrm rot="0">
             <a:off x="1230630" y="4930140"/>
-            <a:ext cx="4132580" cy="1231265"/>
+            <a:ext cx="4133215" cy="1231265"/>
           </a:xfrm>
           <a:prstGeom prst="rect"/>
           <a:noFill/>
@@ -15068,7 +14206,21 @@
                 <a:latin typeface="맑은 고딕" charset="0"/>
                 <a:ea typeface="맑은 고딕" charset="0"/>
               </a:rPr>
-              <a:t>그런 다음 UI에서 Input Field를 3개 생성하고 각각의 이름을 Email Input과 Password Input그리고 UserName Input으로 정의합니다.</a:t>
+              <a:t>그런 다음 UI에서 Input Field를 </a:t>
+            </a:r>
+            <a:r>
+              <a:rPr lang="ko-KR" sz="1800">
+                <a:latin typeface="맑은 고딕" charset="0"/>
+                <a:ea typeface="맑은 고딕" charset="0"/>
+              </a:rPr>
+              <a:t>2</a:t>
+            </a:r>
+            <a:r>
+              <a:rPr lang="ko-KR" sz="1800">
+                <a:latin typeface="맑은 고딕" charset="0"/>
+                <a:ea typeface="맑은 고딕" charset="0"/>
+              </a:rPr>
+              <a:t>개 생성하고 각각의 이름을 Email Input과 Password Input으로 정의합니다.</a:t>
             </a:r>
             <a:endParaRPr lang="ko-KR" altLang="en-US" sz="1800">
               <a:latin typeface="맑은 고딕" charset="0"/>
@@ -15110,38 +14262,7 @@
       </p:pic>
       <p:pic>
         <p:nvPicPr>
-          <p:cNvPr id="58" name="그림 37"/>
-          <p:cNvPicPr>
-            <a:picLocks noChangeAspect="1"/>
-          </p:cNvPicPr>
-          <p:nvPr/>
-        </p:nvPicPr>
-        <p:blipFill rotWithShape="1">
-          <a:blip r:embed="rId3" cstate="print">
-            <a:extLst>
-              <a:ext uri="{28A0092B-C50C-407E-A947-70E740481C1C}">
-                <a14:useLocalDpi xmlns:a14="http://schemas.microsoft.com/office/drawing/2010/main" val="0"/>
-              </a:ext>
-            </a:extLst>
-          </a:blip>
-          <a:stretch>
-            <a:fillRect/>
-          </a:stretch>
-        </p:blipFill>
-        <p:spPr>
-          <a:xfrm rot="0">
-            <a:off x="3890645" y="1855470"/>
-            <a:ext cx="1463675" cy="2385060"/>
-          </a:xfrm>
-          <a:prstGeom prst="roundRect"/>
-          <a:solidFill>
-            <a:srgbClr val="EDEDED"/>
-          </a:solidFill>
-        </p:spPr>
-      </p:pic>
-      <p:pic>
-        <p:nvPicPr>
-          <p:cNvPr id="59" name="그림 4" descr="C:/Users/Admin1/AppData/Roaming/PolarisOffice/ETemp/2936_21704408/fImage2008322341.png"/>
+          <p:cNvPr id="59" name="그림 4"/>
           <p:cNvPicPr>
             <a:picLocks noChangeAspect="1"/>
           </p:cNvPicPr>
@@ -15170,16 +14291,114 @@
           </a:solidFill>
         </p:spPr>
       </p:pic>
+      <p:sp>
+        <p:nvSpPr>
+          <p:cNvPr id="61" name="텍스트 상자 10"/>
+          <p:cNvSpPr txBox="1">
+            <a:spLocks/>
+          </p:cNvSpPr>
+          <p:nvPr/>
+        </p:nvSpPr>
+        <p:spPr>
+          <a:xfrm rot="0">
+            <a:off x="6797040" y="5209540"/>
+            <a:ext cx="4132580" cy="954405"/>
+          </a:xfrm>
+          <a:prstGeom prst="rect"/>
+          <a:noFill/>
+          <a:ln w="0">
+            <a:noFill/>
+            <a:prstDash/>
+          </a:ln>
+        </p:spPr>
+        <p:txBody>
+          <a:bodyPr wrap="square" lIns="89535" tIns="46355" rIns="89535" bIns="46355" numCol="1" vert="horz" anchor="t">
+            <a:spAutoFit/>
+          </a:bodyPr>
+          <a:lstStyle/>
+          <a:p>
+            <a:pPr marL="0" indent="0" rtl="0" algn="l" defTabSz="914400" eaLnBrk="1" latinLnBrk="0" hangingPunct="1">
+              <a:buFontTx/>
+              <a:buNone/>
+            </a:pPr>
+            <a:r>
+              <a:rPr lang="ko-KR" sz="2000" b="1">
+                <a:solidFill>
+                  <a:srgbClr val="0611F2"/>
+                </a:solidFill>
+                <a:latin typeface="맑은 고딕" charset="0"/>
+                <a:ea typeface="맑은 고딕" charset="0"/>
+              </a:rPr>
+              <a:t>2</a:t>
+            </a:r>
+            <a:r>
+              <a:rPr lang="ko-KR" sz="2000" b="1">
+                <a:solidFill>
+                  <a:srgbClr val="0611F2"/>
+                </a:solidFill>
+                <a:latin typeface="맑은 고딕" charset="0"/>
+                <a:ea typeface="맑은 고딕" charset="0"/>
+              </a:rPr>
+              <a:t>1</a:t>
+            </a:r>
+            <a:r>
+              <a:rPr lang="ko-KR" sz="2000" b="1">
+                <a:solidFill>
+                  <a:srgbClr val="0611F2"/>
+                </a:solidFill>
+                <a:latin typeface="맑은 고딕" charset="0"/>
+                <a:ea typeface="맑은 고딕" charset="0"/>
+              </a:rPr>
+              <a:t>.</a:t>
+            </a:r>
+            <a:r>
+              <a:rPr lang="ko-KR" sz="2000">
+                <a:solidFill>
+                  <a:srgbClr val="0611F2"/>
+                </a:solidFill>
+                <a:latin typeface="맑은 고딕" charset="0"/>
+                <a:ea typeface="맑은 고딕" charset="0"/>
+              </a:rPr>
+              <a:t> </a:t>
+            </a:r>
+            <a:r>
+              <a:rPr lang="ko-KR" sz="1800">
+                <a:latin typeface="맑은 고딕" charset="0"/>
+                <a:ea typeface="맑은 고딕" charset="0"/>
+              </a:rPr>
+              <a:t>그다음으로</a:t>
+            </a:r>
+            <a:r>
+              <a:rPr lang="ko-KR" sz="1800">
+                <a:latin typeface="맑은 고딕" charset="0"/>
+                <a:ea typeface="맑은 고딕" charset="0"/>
+              </a:rPr>
+              <a:t> </a:t>
+            </a:r>
+            <a:r>
+              <a:rPr lang="ko-KR" sz="1800">
+                <a:latin typeface="맑은 고딕" charset="0"/>
+                <a:ea typeface="맑은 고딕" charset="0"/>
+              </a:rPr>
+              <a:t>UI에서 Dropdown을 생성하고 Region DropDown이라는 이름으로 정의합니다.</a:t>
+            </a:r>
+            <a:endParaRPr lang="ko-KR" altLang="en-US" sz="1800">
+              <a:latin typeface="맑은 고딕" charset="0"/>
+              <a:ea typeface="맑은 고딕" charset="0"/>
+            </a:endParaRPr>
+          </a:p>
+        </p:txBody>
+      </p:sp>
       <p:pic>
         <p:nvPicPr>
-          <p:cNvPr id="60" name="그림 7" descr="C:/Users/Admin1/AppData/Roaming/PolarisOffice/ETemp/2936_21704408/fImage90292248467.png"/>
+          <p:cNvPr id="62" name="그림 1" descr="C:/Users/Admin1/AppData/Roaming/PolarisOffice/ETemp/20636_16816336/fImage766223941.png"/>
           <p:cNvPicPr>
             <a:picLocks noChangeAspect="1"/>
           </p:cNvPicPr>
           <p:nvPr/>
         </p:nvPicPr>
         <p:blipFill rotWithShape="1">
-          <a:blip r:embed="rId6" cstate="print">
+          <a:blip r:embed="rId7" cstate="print">
             <a:extLst>
               <a:ext uri="{28A0092B-C50C-407E-A947-70E740481C1C}">
                 <a14:useLocalDpi xmlns:a14="http://schemas.microsoft.com/office/drawing/2010/main" val="0"/>
@@ -15192,8 +14411,8 @@
         </p:blipFill>
         <p:spPr>
           <a:xfrm rot="0">
-            <a:off x="9468485" y="1820545"/>
-            <a:ext cx="1473835" cy="2743835"/>
+            <a:off x="3934460" y="2078355"/>
+            <a:ext cx="1419860" cy="1937385"/>
           </a:xfrm>
           <a:prstGeom prst="roundRect"/>
           <a:solidFill>
@@ -15201,104 +14420,37 @@
           </a:solidFill>
         </p:spPr>
       </p:pic>
-      <p:sp>
-        <p:nvSpPr>
-          <p:cNvPr id="61" name="텍스트 상자 10"/>
-          <p:cNvSpPr txBox="1">
-            <a:spLocks/>
-          </p:cNvSpPr>
+      <p:pic>
+        <p:nvPicPr>
+          <p:cNvPr id="63" name="그림 4" descr="C:/Users/Admin1/AppData/Roaming/PolarisOffice/ETemp/20636_16816336/fImage85282408467.png"/>
+          <p:cNvPicPr>
+            <a:picLocks noChangeAspect="1"/>
+          </p:cNvPicPr>
           <p:nvPr/>
-        </p:nvSpPr>
-        <p:spPr>
-          <a:xfrm rot="0">
-            <a:off x="6797040" y="5209540"/>
-            <a:ext cx="4132580" cy="954405"/>
-          </a:xfrm>
-          <a:prstGeom prst="rect"/>
-          <a:noFill/>
-          <a:ln w="0">
-            <a:noFill/>
-            <a:prstDash/>
-          </a:ln>
-        </p:spPr>
-        <p:txBody>
-          <a:bodyPr wrap="square" lIns="89535" tIns="46355" rIns="89535" bIns="46355" numCol="1" vert="horz" anchor="t">
-            <a:spAutoFit/>
-          </a:bodyPr>
-          <a:lstStyle/>
-          <a:p>
-            <a:pPr marL="0" indent="0" rtl="0" algn="l" defTabSz="914400" eaLnBrk="1" latinLnBrk="0" hangingPunct="1">
-              <a:buFontTx/>
-              <a:buNone/>
-            </a:pPr>
-            <a:r>
-              <a:rPr lang="ko-KR" sz="2000" b="1">
-                <a:solidFill>
-                  <a:srgbClr val="0611F2"/>
-                </a:solidFill>
-                <a:latin typeface="맑은 고딕" charset="0"/>
-                <a:ea typeface="맑은 고딕" charset="0"/>
-              </a:rPr>
-              <a:t>2</a:t>
-            </a:r>
-            <a:r>
-              <a:rPr lang="ko-KR" sz="2000" b="1">
-                <a:solidFill>
-                  <a:srgbClr val="0611F2"/>
-                </a:solidFill>
-                <a:latin typeface="맑은 고딕" charset="0"/>
-                <a:ea typeface="맑은 고딕" charset="0"/>
-              </a:rPr>
-              <a:t>1</a:t>
-            </a:r>
-            <a:r>
-              <a:rPr lang="ko-KR" sz="2000" b="1">
-                <a:solidFill>
-                  <a:srgbClr val="0611F2"/>
-                </a:solidFill>
-                <a:latin typeface="맑은 고딕" charset="0"/>
-                <a:ea typeface="맑은 고딕" charset="0"/>
-              </a:rPr>
-              <a:t>.</a:t>
-            </a:r>
-            <a:r>
-              <a:rPr lang="ko-KR" sz="2000">
-                <a:solidFill>
-                  <a:srgbClr val="0611F2"/>
-                </a:solidFill>
-                <a:latin typeface="맑은 고딕" charset="0"/>
-                <a:ea typeface="맑은 고딕" charset="0"/>
-              </a:rPr>
-              <a:t> </a:t>
-            </a:r>
-            <a:r>
-              <a:rPr lang="ko-KR" sz="1800">
-                <a:latin typeface="맑은 고딕" charset="0"/>
-                <a:ea typeface="맑은 고딕" charset="0"/>
-              </a:rPr>
-              <a:t>그다음으로</a:t>
-            </a:r>
-            <a:r>
-              <a:rPr lang="ko-KR" sz="1800">
-                <a:latin typeface="맑은 고딕" charset="0"/>
-                <a:ea typeface="맑은 고딕" charset="0"/>
-              </a:rPr>
-              <a:t> </a:t>
-            </a:r>
-            <a:r>
-              <a:rPr lang="ko-KR" sz="1800">
-                <a:latin typeface="맑은 고딕" charset="0"/>
-                <a:ea typeface="맑은 고딕" charset="0"/>
-              </a:rPr>
-              <a:t>UI에서 Dropdown을 생성하고 Region DropDown이라는 이름으로 정의합니다.</a:t>
-            </a:r>
-            <a:endParaRPr lang="ko-KR" altLang="en-US" sz="1800">
-              <a:latin typeface="맑은 고딕" charset="0"/>
-              <a:ea typeface="맑은 고딕" charset="0"/>
-            </a:endParaRPr>
-          </a:p>
-        </p:txBody>
-      </p:sp>
+        </p:nvPicPr>
+        <p:blipFill rotWithShape="1">
+          <a:blip r:embed="rId8" cstate="print">
+            <a:extLst>
+              <a:ext uri="{28A0092B-C50C-407E-A947-70E740481C1C}">
+                <a14:useLocalDpi xmlns:a14="http://schemas.microsoft.com/office/drawing/2010/main" val="0"/>
+              </a:ext>
+            </a:extLst>
+          </a:blip>
+          <a:stretch>
+            <a:fillRect/>
+          </a:stretch>
+        </p:blipFill>
+        <p:spPr>
+          <a:xfrm rot="0">
+            <a:off x="9451340" y="2136140"/>
+            <a:ext cx="1480820" cy="2137410"/>
+          </a:xfrm>
+          <a:prstGeom prst="roundRect"/>
+          <a:solidFill>
+            <a:srgbClr val="EDEDED"/>
+          </a:solidFill>
+        </p:spPr>
+      </p:pic>
     </p:spTree>
   </p:cSld>
   <p:clrMapOvr>

--- a/Assets/Class/Photon Server/PPT Data/Photon PlayFab.pptx
+++ b/Assets/Class/Photon Server/PPT Data/Photon PlayFab.pptx
@@ -2,7 +2,7 @@
 <file path=ppt/presentation.xml><?xml version="1.0" encoding="utf-8"?>
 <p:presentation xmlns:a="http://schemas.openxmlformats.org/drawingml/2006/main" xmlns:r="http://schemas.openxmlformats.org/officeDocument/2006/relationships" xmlns:p="http://schemas.openxmlformats.org/presentationml/2006/main" xmlns:p14="http://schemas.microsoft.com/office/powerpoint/2010/main" saveSubsetFonts="1" firstSlideNum="0">
   <p:sldMasterIdLst>
-    <p:sldMasterId id="2147486875" r:id="rId12"/>
+    <p:sldMasterId id="2147486911" r:id="rId12"/>
   </p:sldMasterIdLst>
   <p:notesMasterIdLst>
     <p:notesMasterId r:id="rId14"/>
@@ -12,18 +12,20 @@
     <p:sldId id="316" r:id="rId18"/>
     <p:sldId id="318" r:id="rId20"/>
     <p:sldId id="314" r:id="rId22"/>
-    <p:sldId id="319" r:id="rId24"/>
-    <p:sldId id="320" r:id="rId26"/>
-    <p:sldId id="321" r:id="rId28"/>
-    <p:sldId id="322" r:id="rId30"/>
-    <p:sldId id="330" r:id="rId32"/>
-    <p:sldId id="323" r:id="rId33"/>
-    <p:sldId id="324" r:id="rId34"/>
-    <p:sldId id="325" r:id="rId35"/>
-    <p:sldId id="326" r:id="rId36"/>
-    <p:sldId id="327" r:id="rId37"/>
-    <p:sldId id="328" r:id="rId38"/>
-    <p:sldId id="331" r:id="rId39"/>
+    <p:sldId id="332" r:id="rId24"/>
+    <p:sldId id="319" r:id="rId26"/>
+    <p:sldId id="320" r:id="rId28"/>
+    <p:sldId id="321" r:id="rId30"/>
+    <p:sldId id="322" r:id="rId32"/>
+    <p:sldId id="330" r:id="rId34"/>
+    <p:sldId id="323" r:id="rId36"/>
+    <p:sldId id="324" r:id="rId38"/>
+    <p:sldId id="325" r:id="rId39"/>
+    <p:sldId id="334" r:id="rId41"/>
+    <p:sldId id="326" r:id="rId43"/>
+    <p:sldId id="327" r:id="rId45"/>
+    <p:sldId id="328" r:id="rId47"/>
+    <p:sldId id="331" r:id="rId49"/>
   </p:sldIdLst>
   <p:sldSz cx="12192000" cy="6858000"/>
   <p:notesSz cx="6858000" cy="9144000"/>
@@ -654,7 +656,7 @@
         <p:spPr>
           <a:xfrm rot="0">
             <a:off x="685800" y="1143000"/>
-            <a:ext cx="5494020" cy="3093720"/>
+            <a:ext cx="5494655" cy="3094355"/>
           </a:xfrm>
           <a:prstGeom prst="rect"/>
           <a:noFill/>
@@ -693,7 +695,7 @@
         <p:spPr>
           <a:xfrm rot="0">
             <a:off x="685800" y="4400550"/>
-            <a:ext cx="5494020" cy="3608070"/>
+            <a:ext cx="5494655" cy="3608705"/>
           </a:xfrm>
           <a:prstGeom prst="rect"/>
         </p:spPr>
@@ -723,7 +725,7 @@
         <p:spPr>
           <a:xfrm rot="0">
             <a:off x="3884930" y="8685530"/>
-            <a:ext cx="2979420" cy="466090"/>
+            <a:ext cx="2980055" cy="466725"/>
           </a:xfrm>
           <a:prstGeom prst="rect"/>
         </p:spPr>
@@ -1222,7 +1224,7 @@
         <p:spPr>
           <a:xfrm rot="0">
             <a:off x="685800" y="1143000"/>
-            <a:ext cx="5494020" cy="3093720"/>
+            <a:ext cx="5495290" cy="3094990"/>
           </a:xfrm>
           <a:prstGeom prst="rect"/>
           <a:noFill/>
@@ -1261,7 +1263,7 @@
         <p:spPr>
           <a:xfrm rot="0">
             <a:off x="685800" y="4400550"/>
-            <a:ext cx="5494020" cy="3608070"/>
+            <a:ext cx="5495290" cy="3609340"/>
           </a:xfrm>
           <a:prstGeom prst="rect"/>
         </p:spPr>
@@ -1291,7 +1293,7 @@
         <p:spPr>
           <a:xfrm rot="0">
             <a:off x="3884930" y="8685530"/>
-            <a:ext cx="2979420" cy="466090"/>
+            <a:ext cx="2980690" cy="467360"/>
           </a:xfrm>
           <a:prstGeom prst="rect"/>
         </p:spPr>
@@ -1506,6 +1508,290 @@
         <p:spPr>
           <a:xfrm rot="0">
             <a:off x="685800" y="1143000"/>
+            <a:ext cx="5494020" cy="3093720"/>
+          </a:xfrm>
+          <a:prstGeom prst="rect"/>
+          <a:noFill/>
+          <a:ln w="12700" cap="flat" cmpd="sng">
+            <a:solidFill>
+              <a:srgbClr val="000000">
+                <a:alpha val="100000"/>
+              </a:srgbClr>
+            </a:solidFill>
+            <a:prstDash val="solid"/>
+          </a:ln>
+        </p:spPr>
+        <p:txBody>
+          <a:bodyPr wrap="square" lIns="91440" tIns="45720" rIns="91440" bIns="45720" numCol="1" vert="horz" anchor="ctr">
+            <a:noAutofit/>
+          </a:bodyPr>
+          <a:lstStyle/>
+          <a:p>
+            <a:pPr marL="0" indent="0" latinLnBrk="0">
+              <a:buFontTx/>
+              <a:buNone/>
+            </a:pPr>
+          </a:p>
+        </p:txBody>
+      </p:sp>
+      <p:sp>
+        <p:nvSpPr>
+          <p:cNvPr id="3" name="슬라이드 노트 개체 틀 4"/>
+          <p:cNvSpPr txBox="1">
+            <a:spLocks/>
+          </p:cNvSpPr>
+          <p:nvPr>
+            <p:ph type="body" idx="3"/>
+          </p:nvPr>
+        </p:nvSpPr>
+        <p:spPr>
+          <a:xfrm rot="0">
+            <a:off x="685800" y="4400550"/>
+            <a:ext cx="5494020" cy="3608070"/>
+          </a:xfrm>
+          <a:prstGeom prst="rect"/>
+        </p:spPr>
+        <p:txBody>
+          <a:bodyPr wrap="square" lIns="91440" tIns="45720" rIns="91440" bIns="45720" numCol="1" vert="horz" anchor="t">
+            <a:noAutofit/>
+          </a:bodyPr>
+          <a:lstStyle/>
+          <a:p>
+            <a:pPr marL="0" indent="0" latinLnBrk="0">
+              <a:buFontTx/>
+              <a:buNone/>
+            </a:pPr>
+          </a:p>
+        </p:txBody>
+      </p:sp>
+      <p:sp>
+        <p:nvSpPr>
+          <p:cNvPr id="4" name="슬라이드 번호 개체 틀 6"/>
+          <p:cNvSpPr txBox="1">
+            <a:spLocks/>
+          </p:cNvSpPr>
+          <p:nvPr>
+            <p:ph type="sldNum" idx="5"/>
+          </p:nvPr>
+        </p:nvSpPr>
+        <p:spPr>
+          <a:xfrm rot="0">
+            <a:off x="3884930" y="8685530"/>
+            <a:ext cx="2979420" cy="466090"/>
+          </a:xfrm>
+          <a:prstGeom prst="rect"/>
+        </p:spPr>
+        <p:txBody>
+          <a:bodyPr wrap="square" lIns="91440" tIns="45720" rIns="91440" bIns="45720" numCol="1" vert="horz" anchor="b">
+            <a:noAutofit/>
+          </a:bodyPr>
+          <a:lstStyle>
+            <a:lvl1pPr marL="0" indent="0" algn="r" latinLnBrk="0">
+              <a:buFontTx/>
+              <a:buNone/>
+              <a:defRPr lang="en-GB" altLang="en-US" sz="1200"/>
+            </a:lvl1pPr>
+          </a:lstStyle>
+          <a:p>
+            <a:pPr marL="0" indent="0" latinLnBrk="0">
+              <a:buFontTx/>
+              <a:buNone/>
+            </a:pPr>
+            <a:fld id="{B9320F77-B9A0-41C5-862A-B4B631284C64}" type="slidenum">
+              <a:rPr lang="ko-KR" altLang="en-US"/>
+              <a:t>‹#›</a:t>
+            </a:fld>
+          </a:p>
+        </p:txBody>
+      </p:sp>
+    </p:spTree>
+  </p:cSld>
+  <p:clrMapOvr>
+    <a:masterClrMapping/>
+  </p:clrMapOvr>
+  <mc:AlternateContent xmlns:mc="http://schemas.openxmlformats.org/markup-compatibility/2006">
+    <mc:Choice xmlns:p14="http://schemas.microsoft.com/office/powerpoint/2010/main" Requires="p14">
+      <p:transition spd="slow" p14:dur="0"/>
+    </mc:Choice>
+    <mc:Fallback>
+      <p:transition spd="slow"/>
+    </mc:Fallback>
+  </mc:AlternateContent>
+</p:notes>
+</file>
+
+<file path=ppt/notesSlides/notesSlide17.xml><?xml version="1.0" encoding="utf-8"?>
+<p:notes xmlns:a="http://schemas.openxmlformats.org/drawingml/2006/main" xmlns:r="http://schemas.openxmlformats.org/officeDocument/2006/relationships" xmlns:p="http://schemas.openxmlformats.org/presentationml/2006/main">
+  <p:cSld>
+    <p:spTree>
+      <p:nvGrpSpPr>
+        <p:cNvPr id="1" name=""/>
+        <p:cNvGrpSpPr/>
+        <p:nvPr/>
+      </p:nvGrpSpPr>
+      <p:grpSpPr>
+        <a:xfrm>
+          <a:off x="0" y="0"/>
+          <a:ext cx="0" cy="0"/>
+          <a:chOff x="0" y="0"/>
+          <a:chExt cx="0" cy="0"/>
+        </a:xfrm>
+      </p:grpSpPr>
+      <p:sp>
+        <p:nvSpPr>
+          <p:cNvPr id="2" name="슬라이드 이미지 개체 틀 3"/>
+          <p:cNvSpPr>
+            <a:spLocks noChangeAspect="1"/>
+          </p:cNvSpPr>
+          <p:nvPr>
+            <p:ph type="sldImg" idx="2"/>
+          </p:nvPr>
+        </p:nvSpPr>
+        <p:spPr>
+          <a:xfrm rot="0">
+            <a:off x="685800" y="1143000"/>
+            <a:ext cx="5494020" cy="3093720"/>
+          </a:xfrm>
+          <a:prstGeom prst="rect"/>
+          <a:noFill/>
+          <a:ln w="12700" cap="flat" cmpd="sng">
+            <a:solidFill>
+              <a:srgbClr val="000000">
+                <a:alpha val="100000"/>
+              </a:srgbClr>
+            </a:solidFill>
+            <a:prstDash val="solid"/>
+          </a:ln>
+        </p:spPr>
+        <p:txBody>
+          <a:bodyPr wrap="square" lIns="91440" tIns="45720" rIns="91440" bIns="45720" numCol="1" vert="horz" anchor="ctr">
+            <a:noAutofit/>
+          </a:bodyPr>
+          <a:lstStyle/>
+          <a:p>
+            <a:pPr marL="0" indent="0" latinLnBrk="0">
+              <a:buFontTx/>
+              <a:buNone/>
+            </a:pPr>
+          </a:p>
+        </p:txBody>
+      </p:sp>
+      <p:sp>
+        <p:nvSpPr>
+          <p:cNvPr id="3" name="슬라이드 노트 개체 틀 4"/>
+          <p:cNvSpPr txBox="1">
+            <a:spLocks/>
+          </p:cNvSpPr>
+          <p:nvPr>
+            <p:ph type="body" idx="3"/>
+          </p:nvPr>
+        </p:nvSpPr>
+        <p:spPr>
+          <a:xfrm rot="0">
+            <a:off x="685800" y="4400550"/>
+            <a:ext cx="5494020" cy="3608070"/>
+          </a:xfrm>
+          <a:prstGeom prst="rect"/>
+        </p:spPr>
+        <p:txBody>
+          <a:bodyPr wrap="square" lIns="91440" tIns="45720" rIns="91440" bIns="45720" numCol="1" vert="horz" anchor="t">
+            <a:noAutofit/>
+          </a:bodyPr>
+          <a:lstStyle/>
+          <a:p>
+            <a:pPr marL="0" indent="0" latinLnBrk="0">
+              <a:buFontTx/>
+              <a:buNone/>
+            </a:pPr>
+          </a:p>
+        </p:txBody>
+      </p:sp>
+      <p:sp>
+        <p:nvSpPr>
+          <p:cNvPr id="4" name="슬라이드 번호 개체 틀 6"/>
+          <p:cNvSpPr txBox="1">
+            <a:spLocks/>
+          </p:cNvSpPr>
+          <p:nvPr>
+            <p:ph type="sldNum" idx="5"/>
+          </p:nvPr>
+        </p:nvSpPr>
+        <p:spPr>
+          <a:xfrm rot="0">
+            <a:off x="3884930" y="8685530"/>
+            <a:ext cx="2979420" cy="466090"/>
+          </a:xfrm>
+          <a:prstGeom prst="rect"/>
+        </p:spPr>
+        <p:txBody>
+          <a:bodyPr wrap="square" lIns="91440" tIns="45720" rIns="91440" bIns="45720" numCol="1" vert="horz" anchor="b">
+            <a:noAutofit/>
+          </a:bodyPr>
+          <a:lstStyle>
+            <a:lvl1pPr marL="0" indent="0" algn="r" latinLnBrk="0">
+              <a:buFontTx/>
+              <a:buNone/>
+              <a:defRPr lang="en-GB" altLang="en-US" sz="1200"/>
+            </a:lvl1pPr>
+          </a:lstStyle>
+          <a:p>
+            <a:pPr marL="0" indent="0" latinLnBrk="0">
+              <a:buFontTx/>
+              <a:buNone/>
+            </a:pPr>
+            <a:fld id="{B9320F77-B9A0-41C5-862A-B4B631284C64}" type="slidenum">
+              <a:rPr lang="ko-KR" altLang="en-US"/>
+              <a:t>‹#›</a:t>
+            </a:fld>
+          </a:p>
+        </p:txBody>
+      </p:sp>
+    </p:spTree>
+  </p:cSld>
+  <p:clrMapOvr>
+    <a:masterClrMapping/>
+  </p:clrMapOvr>
+  <mc:AlternateContent xmlns:mc="http://schemas.openxmlformats.org/markup-compatibility/2006">
+    <mc:Choice xmlns:p14="http://schemas.microsoft.com/office/powerpoint/2010/main" Requires="p14">
+      <p:transition spd="slow" p14:dur="0"/>
+    </mc:Choice>
+    <mc:Fallback>
+      <p:transition spd="slow"/>
+    </mc:Fallback>
+  </mc:AlternateContent>
+</p:notes>
+</file>
+
+<file path=ppt/notesSlides/notesSlide18.xml><?xml version="1.0" encoding="utf-8"?>
+<p:notes xmlns:a="http://schemas.openxmlformats.org/drawingml/2006/main" xmlns:r="http://schemas.openxmlformats.org/officeDocument/2006/relationships" xmlns:p="http://schemas.openxmlformats.org/presentationml/2006/main">
+  <p:cSld>
+    <p:spTree>
+      <p:nvGrpSpPr>
+        <p:cNvPr id="1" name=""/>
+        <p:cNvGrpSpPr/>
+        <p:nvPr/>
+      </p:nvGrpSpPr>
+      <p:grpSpPr>
+        <a:xfrm>
+          <a:off x="0" y="0"/>
+          <a:ext cx="0" cy="0"/>
+          <a:chOff x="0" y="0"/>
+          <a:chExt cx="0" cy="0"/>
+        </a:xfrm>
+      </p:grpSpPr>
+      <p:sp>
+        <p:nvSpPr>
+          <p:cNvPr id="2" name="슬라이드 이미지 개체 틀 3"/>
+          <p:cNvSpPr>
+            <a:spLocks noChangeAspect="1"/>
+          </p:cNvSpPr>
+          <p:nvPr>
+            <p:ph type="sldImg" idx="2"/>
+          </p:nvPr>
+        </p:nvSpPr>
+        <p:spPr>
+          <a:xfrm rot="0">
+            <a:off x="685800" y="1143000"/>
             <a:ext cx="5494655" cy="3094355"/>
           </a:xfrm>
           <a:prstGeom prst="rect"/>
@@ -2216,7 +2502,7 @@
         <p:spPr>
           <a:xfrm rot="0">
             <a:off x="685800" y="1143000"/>
-            <a:ext cx="5494020" cy="3093720"/>
+            <a:ext cx="5493385" cy="3093085"/>
           </a:xfrm>
           <a:prstGeom prst="rect"/>
           <a:noFill/>
@@ -2255,7 +2541,7 @@
         <p:spPr>
           <a:xfrm rot="0">
             <a:off x="685800" y="4400550"/>
-            <a:ext cx="5494020" cy="3608070"/>
+            <a:ext cx="5493385" cy="3607435"/>
           </a:xfrm>
           <a:prstGeom prst="rect"/>
         </p:spPr>
@@ -2285,7 +2571,7 @@
         <p:spPr>
           <a:xfrm rot="0">
             <a:off x="3884930" y="8685530"/>
-            <a:ext cx="2979420" cy="466090"/>
+            <a:ext cx="2978785" cy="465455"/>
           </a:xfrm>
           <a:prstGeom prst="rect"/>
         </p:spPr>
@@ -2642,7 +2928,7 @@
         <p:spPr>
           <a:xfrm rot="0">
             <a:off x="685800" y="1143000"/>
-            <a:ext cx="5494655" cy="3094355"/>
+            <a:ext cx="5494020" cy="3093720"/>
           </a:xfrm>
           <a:prstGeom prst="rect"/>
           <a:noFill/>
@@ -2681,7 +2967,7 @@
         <p:spPr>
           <a:xfrm rot="0">
             <a:off x="685800" y="4400550"/>
-            <a:ext cx="5494655" cy="3608705"/>
+            <a:ext cx="5494020" cy="3608070"/>
           </a:xfrm>
           <a:prstGeom prst="rect"/>
         </p:spPr>
@@ -2711,7 +2997,7 @@
         <p:spPr>
           <a:xfrm rot="0">
             <a:off x="3884930" y="8685530"/>
-            <a:ext cx="2980055" cy="466725"/>
+            <a:ext cx="2979420" cy="466090"/>
           </a:xfrm>
           <a:prstGeom prst="rect"/>
         </p:spPr>
@@ -7667,7 +7953,7 @@
         <p:spPr>
           <a:xfrm rot="0">
             <a:off x="4509135" y="361315"/>
-            <a:ext cx="3173095" cy="554990"/>
+            <a:ext cx="3173730" cy="554990"/>
           </a:xfrm>
           <a:prstGeom prst="rect"/>
           <a:noFill/>
@@ -7677,21 +7963,28 @@
           </a:ln>
         </p:spPr>
         <p:txBody>
-          <a:bodyPr wrap="square" lIns="89535" tIns="46355" rIns="89535" bIns="46355" vert="horz" anchor="t">
+          <a:bodyPr wrap="square" lIns="89535" tIns="46355" rIns="89535" bIns="46355" numCol="1" vert="horz" anchor="t">
             <a:spAutoFit/>
           </a:bodyPr>
           <a:lstStyle/>
           <a:p>
-            <a:pPr marL="0" indent="0" rtl="0" algn="l" defTabSz="914400" eaLnBrk="1" latinLnBrk="0" hangingPunct="1">
-              <a:buFontTx/>
-              <a:buNone/>
-            </a:pPr>
-            <a:r>
-              <a:rPr lang="ko-KR" sz="3000" b="1">
-                <a:latin typeface="맑은 고딕" charset="0"/>
-                <a:ea typeface="맑은 고딕" charset="0"/>
-              </a:rPr>
-              <a:t>첫 번째 튜토리얼</a:t>
+            <a:pPr marL="0" indent="0" rtl="0" algn="ctr" defTabSz="914400" eaLnBrk="1" latinLnBrk="0" hangingPunct="1">
+              <a:buFontTx/>
+              <a:buNone/>
+            </a:pPr>
+            <a:r>
+              <a:rPr lang="ko-KR" sz="2500" b="1">
+                <a:latin typeface="나눔바른고딕" charset="0"/>
+                <a:ea typeface="나눔바른고딕" charset="0"/>
+              </a:rPr>
+              <a:t>첫</a:t>
+            </a:r>
+            <a:r>
+              <a:rPr lang="ko-KR" sz="2500" b="1">
+                <a:latin typeface="나눔바른고딕" charset="0"/>
+                <a:ea typeface="나눔바른고딕" charset="0"/>
+              </a:rPr>
+              <a:t> 번째 튜토리얼</a:t>
             </a:r>
             <a:r>
               <a:rPr sz="3000" b="1">
@@ -7717,8 +8010,8 @@
         </p:nvSpPr>
         <p:spPr>
           <a:xfrm rot="0">
-            <a:off x="6800850" y="5233035"/>
-            <a:ext cx="4149725" cy="954405"/>
+            <a:off x="6830695" y="5233035"/>
+            <a:ext cx="4126865" cy="954405"/>
           </a:xfrm>
           <a:prstGeom prst="rect"/>
           <a:noFill/>
@@ -7759,14 +8052,49 @@
                 <a:latin typeface="맑은 고딕" charset="0"/>
                 <a:ea typeface="맑은 고딕" charset="0"/>
               </a:rPr>
-              <a:t>첫번째로 </a:t>
-            </a:r>
-            <a:r>
-              <a:rPr lang="ko-KR" sz="1800">
-                <a:latin typeface="맑은 고딕" charset="0"/>
-                <a:ea typeface="맑은 고딕" charset="0"/>
-              </a:rPr>
-              <a:t>Google에서 PlayFab을 입력하고 Azure PlayFab이라는 사이트에 접속합니다. </a:t>
+              <a:t>첫 번째로 Google에서 PlayFab을 </a:t>
+            </a:r>
+            <a:r>
+              <a:rPr lang="ko-KR" sz="1800">
+                <a:latin typeface="맑은 고딕" charset="0"/>
+                <a:ea typeface="맑은 고딕" charset="0"/>
+              </a:rPr>
+              <a:t>입력하고</a:t>
+            </a:r>
+            <a:r>
+              <a:rPr lang="ko-KR" sz="1800">
+                <a:latin typeface="맑은 고딕" charset="0"/>
+                <a:ea typeface="맑은 고딕" charset="0"/>
+              </a:rPr>
+              <a:t> Azure PlayFab이라는 </a:t>
+            </a:r>
+            <a:r>
+              <a:rPr lang="ko-KR" sz="1800">
+                <a:latin typeface="맑은 고딕" charset="0"/>
+                <a:ea typeface="맑은 고딕" charset="0"/>
+              </a:rPr>
+              <a:t>사이트에</a:t>
+            </a:r>
+            <a:r>
+              <a:rPr lang="ko-KR" sz="1800">
+                <a:latin typeface="맑은 고딕" charset="0"/>
+                <a:ea typeface="맑은 고딕" charset="0"/>
+              </a:rPr>
+              <a:t> </a:t>
+            </a:r>
+            <a:r>
+              <a:rPr lang="ko-KR" sz="1800">
+                <a:latin typeface="맑은 고딕" charset="0"/>
+                <a:ea typeface="맑은 고딕" charset="0"/>
+              </a:rPr>
+              <a:t>접속합니다.</a:t>
+            </a:r>
+            <a:r>
+              <a:rPr lang="ko-KR" sz="1800">
+                <a:latin typeface="맑은 고딕" charset="0"/>
+                <a:ea typeface="맑은 고딕" charset="0"/>
+              </a:rPr>
+              <a:t> </a:t>
             </a:r>
             <a:endParaRPr lang="ko-KR" altLang="en-US" sz="1800">
               <a:latin typeface="맑은 고딕" charset="0"/>
@@ -7777,7 +8105,7 @@
       </p:sp>
       <p:pic>
         <p:nvPicPr>
-          <p:cNvPr id="16" name="그림 2"/>
+          <p:cNvPr id="16" name="그림 2" descr="C:/Users/Admin1/AppData/Roaming/PolarisOffice/ETemp/18832_10739096/fImage221221388467.png"/>
           <p:cNvPicPr>
             <a:picLocks noChangeAspect="1"/>
           </p:cNvPicPr>
@@ -7797,8 +8125,8 @@
         </p:blipFill>
         <p:spPr>
           <a:xfrm rot="0">
-            <a:off x="6791960" y="1296670"/>
-            <a:ext cx="4157980" cy="3808095"/>
+            <a:off x="6830695" y="1455420"/>
+            <a:ext cx="4119880" cy="3532505"/>
           </a:xfrm>
           <a:prstGeom prst="roundRect"/>
           <a:solidFill>
@@ -7808,17 +8136,17 @@
       </p:pic>
       <p:pic>
         <p:nvPicPr>
-          <p:cNvPr id="19" name="그림 5"/>
+          <p:cNvPr id="19" name="그림 5" descr="C:/Users/Admin1/AppData/Roaming/PolarisOffice/ETemp/18832_10739096/fImage4795621241.png"/>
           <p:cNvPicPr>
             <a:picLocks noChangeAspect="1"/>
           </p:cNvPicPr>
           <p:nvPr/>
         </p:nvPicPr>
         <p:blipFill rotWithShape="1">
-          <a:blip r:embed="rId9" cstate="print">
+          <a:blip r:embed="rId9" cstate="hqprint">
             <a:extLst>
               <a:ext uri="{28A0092B-C50C-407E-A947-70E740481C1C}">
-                <a14:useLocalDpi xmlns:a14="http://schemas.microsoft.com/office/drawing/2010/main" val="0"/>
+                <a14:useLocalDpi xmlns:a14="http://schemas.microsoft.com/office/drawing/2010/main"/>
               </a:ext>
             </a:extLst>
           </a:blip>
@@ -7828,8 +8156,8 @@
         </p:blipFill>
         <p:spPr>
           <a:xfrm rot="0">
-            <a:off x="1222375" y="1288415"/>
-            <a:ext cx="4148455" cy="3600450"/>
+            <a:off x="1222375" y="2566670"/>
+            <a:ext cx="4149090" cy="2524760"/>
           </a:xfrm>
           <a:prstGeom prst="roundRect"/>
           <a:solidFill>
@@ -7847,8 +8175,8 @@
         </p:nvSpPr>
         <p:spPr>
           <a:xfrm rot="0">
-            <a:off x="1230630" y="4980940"/>
-            <a:ext cx="4138930" cy="1200785"/>
+            <a:off x="1239520" y="5265420"/>
+            <a:ext cx="4136390" cy="923925"/>
           </a:xfrm>
           <a:prstGeom prst="rect"/>
           <a:noFill/>
@@ -7872,13 +8200,96 @@
                 <a:latin typeface="맑은 고딕" charset="0"/>
                 <a:ea typeface="맑은 고딕" charset="0"/>
               </a:rPr>
-              <a:t>PlayFab이란?</a:t>
+              <a:t>PlayFab은</a:t>
+            </a:r>
+            <a:r>
+              <a:rPr lang="ko-KR" sz="1800">
+                <a:latin typeface="맑은 고딕" charset="0"/>
+                <a:ea typeface="맑은 고딕" charset="0"/>
+              </a:rPr>
+              <a:t> Entity라는 데이터 단위로 </a:t>
+            </a:r>
+            <a:r>
+              <a:rPr lang="ko-KR" sz="1800">
+                <a:latin typeface="맑은 고딕" charset="0"/>
+                <a:ea typeface="맑은 고딕" charset="0"/>
+              </a:rPr>
+              <a:t>관리되며</a:t>
+            </a:r>
+            <a:r>
+              <a:rPr lang="ko-KR" sz="1800">
+                <a:latin typeface="맑은 고딕" charset="0"/>
+                <a:ea typeface="맑은 고딕" charset="0"/>
+              </a:rPr>
+              <a:t>,</a:t>
+            </a:r>
+            <a:r>
+              <a:rPr lang="ko-KR" sz="1800">
+                <a:latin typeface="맑은 고딕" charset="0"/>
+                <a:ea typeface="맑은 고딕" charset="0"/>
+              </a:rPr>
+              <a:t> </a:t>
+            </a:r>
+            <a:r>
+              <a:rPr lang="ko-KR" sz="1800">
+                <a:latin typeface="맑은 고딕" charset="0"/>
+                <a:ea typeface="맑은 고딕" charset="0"/>
+              </a:rPr>
+              <a:t>PlayFab의 </a:t>
+            </a:r>
+            <a:r>
+              <a:rPr lang="ko-KR" sz="1800">
+                <a:latin typeface="맑은 고딕" charset="0"/>
+                <a:ea typeface="맑은 고딕" charset="0"/>
+              </a:rPr>
+              <a:t>API 호출은 </a:t>
+            </a:r>
+            <a:r>
+              <a:rPr lang="ko-KR" sz="1800">
+                <a:latin typeface="맑은 고딕" charset="0"/>
+                <a:ea typeface="맑은 고딕" charset="0"/>
+              </a:rPr>
+              <a:t>병렬로</a:t>
+            </a:r>
+            <a:r>
+              <a:rPr lang="ko-KR" sz="1800">
+                <a:latin typeface="맑은 고딕" charset="0"/>
+                <a:ea typeface="맑은 고딕" charset="0"/>
+              </a:rPr>
+              <a:t> 처리됩니다.</a:t>
             </a:r>
             <a:endParaRPr lang="ko-KR" altLang="en-US" sz="1800">
               <a:latin typeface="맑은 고딕" charset="0"/>
               <a:ea typeface="맑은 고딕" charset="0"/>
             </a:endParaRPr>
           </a:p>
+        </p:txBody>
+      </p:sp>
+      <p:sp>
+        <p:nvSpPr>
+          <p:cNvPr id="21" name="텍스트 상자 1"/>
+          <p:cNvSpPr txBox="1">
+            <a:spLocks/>
+          </p:cNvSpPr>
+          <p:nvPr/>
+        </p:nvSpPr>
+        <p:spPr>
+          <a:xfrm rot="0">
+            <a:off x="1231265" y="1443355"/>
+            <a:ext cx="4135755" cy="923925"/>
+          </a:xfrm>
+          <a:prstGeom prst="rect"/>
+          <a:noFill/>
+          <a:ln w="0">
+            <a:noFill/>
+            <a:prstDash/>
+          </a:ln>
+        </p:spPr>
+        <p:txBody>
+          <a:bodyPr wrap="square" lIns="89535" tIns="46355" rIns="89535" bIns="46355" numCol="1" vert="horz" anchor="t">
+            <a:spAutoFit/>
+          </a:bodyPr>
+          <a:lstStyle/>
           <a:p>
             <a:pPr marL="0" indent="0" rtl="0" algn="l" defTabSz="914400" eaLnBrk="1" latinLnBrk="0" hangingPunct="1">
               <a:buFontTx/>
@@ -7889,7 +8300,52 @@
                 <a:latin typeface="맑은 고딕" charset="0"/>
                 <a:ea typeface="맑은 고딕" charset="0"/>
               </a:rPr>
-              <a:t>게임 서비스를 사용하는 실시간 라이브 게임을 위한 서버 시스템입니다.</a:t>
+              <a:t>PlayFab이란?</a:t>
+            </a:r>
+            <a:endParaRPr lang="ko-KR" altLang="en-US" sz="1800">
+              <a:latin typeface="맑은 고딕" charset="0"/>
+              <a:ea typeface="맑은 고딕" charset="0"/>
+            </a:endParaRPr>
+          </a:p>
+          <a:p>
+            <a:pPr marL="0" indent="0" rtl="0" algn="l" defTabSz="914400" eaLnBrk="1" latinLnBrk="0" hangingPunct="1">
+              <a:buFontTx/>
+              <a:buNone/>
+            </a:pPr>
+            <a:r>
+              <a:rPr lang="ko-KR" sz="1800">
+                <a:latin typeface="맑은 고딕" charset="0"/>
+                <a:ea typeface="맑은 고딕" charset="0"/>
+              </a:rPr>
+              <a:t>게임</a:t>
+            </a:r>
+            <a:r>
+              <a:rPr lang="ko-KR" sz="1800">
+                <a:latin typeface="맑은 고딕" charset="0"/>
+                <a:ea typeface="맑은 고딕" charset="0"/>
+              </a:rPr>
+              <a:t> 서버를 사용하기 위한 실시간 </a:t>
+            </a:r>
+            <a:r>
+              <a:rPr lang="ko-KR" sz="1800">
+                <a:latin typeface="맑은 고딕" charset="0"/>
+                <a:ea typeface="맑은 고딕" charset="0"/>
+              </a:rPr>
+              <a:t>서비스</a:t>
+            </a:r>
+            <a:r>
+              <a:rPr lang="ko-KR" sz="1800">
+                <a:latin typeface="맑은 고딕" charset="0"/>
+                <a:ea typeface="맑은 고딕" charset="0"/>
+              </a:rPr>
+              <a:t> </a:t>
+            </a:r>
+            <a:r>
+              <a:rPr lang="ko-KR" sz="1800">
+                <a:latin typeface="맑은 고딕" charset="0"/>
+                <a:ea typeface="맑은 고딕" charset="0"/>
+              </a:rPr>
+              <a:t>시스템입니다.</a:t>
             </a:r>
             <a:endParaRPr lang="ko-KR" altLang="en-US" sz="1800">
               <a:latin typeface="맑은 고딕" charset="0"/>
@@ -7949,7 +8405,7 @@
         <p:spPr>
           <a:xfrm rot="0">
             <a:off x="1229995" y="1337310"/>
-            <a:ext cx="4039235" cy="370840"/>
+            <a:ext cx="4039870" cy="371475"/>
           </a:xfrm>
           <a:prstGeom prst="rect"/>
           <a:noFill/>
@@ -7984,9 +8440,9 @@
           <p:nvPr/>
         </p:nvSpPr>
         <p:spPr>
-          <a:xfrm>
-            <a:off x="4342765" y="467995"/>
-            <a:ext cx="3504565" cy="554990"/>
+          <a:xfrm rot="0">
+            <a:off x="4342765" y="429895"/>
+            <a:ext cx="3505200" cy="554990"/>
           </a:xfrm>
           <a:prstGeom prst="rect"/>
           <a:noFill/>
@@ -8001,23 +8457,37 @@
           </a:bodyPr>
           <a:lstStyle/>
           <a:p>
-            <a:pPr marL="0" indent="0" rtl="0" algn="l" defTabSz="914400" eaLnBrk="1" latinLnBrk="0" hangingPunct="1">
-              <a:buFontTx/>
-              <a:buNone/>
-            </a:pPr>
-            <a:r>
-              <a:rPr lang="ko-KR" sz="3000" b="1">
-                <a:latin typeface="맑은 고딕" charset="0"/>
-                <a:ea typeface="맑은 고딕" charset="0"/>
+            <a:pPr marL="0" indent="0" rtl="0" algn="ctr" defTabSz="914400" eaLnBrk="1" latinLnBrk="0" hangingPunct="1">
+              <a:buFontTx/>
+              <a:buNone/>
+            </a:pPr>
+            <a:r>
+              <a:rPr lang="ko-KR" sz="2500" b="1">
+                <a:latin typeface="나눔바른고딕" charset="0"/>
+                <a:ea typeface="나눔바른고딕" charset="0"/>
               </a:rPr>
               <a:t>열</a:t>
             </a:r>
             <a:r>
-              <a:rPr lang="ko-KR" sz="3000" b="1">
-                <a:latin typeface="맑은 고딕" charset="0"/>
-                <a:ea typeface="맑은 고딕" charset="0"/>
-              </a:rPr>
-              <a:t> 번째 튜토리얼</a:t>
+              <a:rPr lang="ko-KR" sz="2500" b="1">
+                <a:latin typeface="나눔바른고딕" charset="0"/>
+                <a:ea typeface="나눔바른고딕" charset="0"/>
+              </a:rPr>
+              <a:t> </a:t>
+            </a:r>
+            <a:r>
+              <a:rPr lang="ko-KR" sz="2500" b="1">
+                <a:latin typeface="나눔바른고딕" charset="0"/>
+                <a:ea typeface="나눔바른고딕" charset="0"/>
+              </a:rPr>
+              <a:t>번째</a:t>
+            </a:r>
+            <a:r>
+              <a:rPr lang="ko-KR" sz="2500" b="1">
+                <a:latin typeface="나눔바른고딕" charset="0"/>
+                <a:ea typeface="나눔바른고딕" charset="0"/>
+              </a:rPr>
+              <a:t> 튜토리얼</a:t>
             </a:r>
             <a:r>
               <a:rPr sz="3000" b="1">
@@ -8043,8 +8513,8 @@
         </p:nvSpPr>
         <p:spPr>
           <a:xfrm rot="0">
-            <a:off x="1212215" y="5197475"/>
-            <a:ext cx="4062730" cy="954405"/>
+            <a:off x="1230630" y="5063490"/>
+            <a:ext cx="4133850" cy="954405"/>
           </a:xfrm>
           <a:prstGeom prst="rect"/>
           <a:noFill/>
@@ -8071,27 +8541,7 @@
                 <a:latin typeface="맑은 고딕" charset="0"/>
                 <a:ea typeface="맑은 고딕" charset="0"/>
               </a:rPr>
-              <a:t>2</a:t>
-            </a:r>
-            <a:r>
-              <a:rPr lang="ko-KR" sz="2000" b="1">
-                <a:solidFill>
-                  <a:srgbClr val="0611F2"/>
-                </a:solidFill>
-                <a:latin typeface="맑은 고딕" charset="0"/>
-                <a:ea typeface="맑은 고딕" charset="0"/>
-              </a:rPr>
-              <a:t>2</a:t>
-            </a:r>
-            <a:r>
-              <a:rPr lang="ko-KR" sz="2000" b="1">
-                <a:solidFill>
-                  <a:srgbClr val="0611F2"/>
-                </a:solidFill>
-                <a:latin typeface="맑은 고딕" charset="0"/>
-                <a:ea typeface="맑은 고딕" charset="0"/>
-              </a:rPr>
-              <a:t>.</a:t>
+              <a:t>20.</a:t>
             </a:r>
             <a:r>
               <a:rPr lang="ko-KR" sz="2000">
@@ -8108,31 +8558,98 @@
                 <a:latin typeface="맑은 고딕" charset="0"/>
                 <a:ea typeface="맑은 고딕" charset="0"/>
               </a:rPr>
-              <a:t>이제 Password Input 오브젝트를 선택하고 </a:t>
-            </a:r>
-            <a:r>
-              <a:rPr lang="ko-KR" sz="1800">
-                <a:latin typeface="맑은 고딕" charset="0"/>
-                <a:ea typeface="맑은 고딕" charset="0"/>
-              </a:rPr>
-              <a:t>Content Type을 </a:t>
-            </a:r>
-            <a:r>
-              <a:rPr lang="ko-KR" sz="1800">
-                <a:solidFill>
-                  <a:srgbClr val="009900"/>
-                </a:solidFill>
-                <a:latin typeface="맑은 고딕" charset="0"/>
-                <a:ea typeface="맑은 고딕" charset="0"/>
-              </a:rPr>
-              <a:t>[Password]</a:t>
-            </a:r>
-            <a:r>
-              <a:rPr lang="ko-KR" sz="1800">
-                <a:latin typeface="맑은 고딕" charset="0"/>
-                <a:ea typeface="맑은 고딕" charset="0"/>
-              </a:rPr>
-              <a:t>로 설정합니다. </a:t>
+              <a:t>이제 UI에서 Input Field를 </a:t>
+            </a:r>
+            <a:r>
+              <a:rPr lang="ko-KR" sz="1800">
+                <a:latin typeface="맑은 고딕" charset="0"/>
+                <a:ea typeface="맑은 고딕" charset="0"/>
+              </a:rPr>
+              <a:t>2개</a:t>
+            </a:r>
+            <a:r>
+              <a:rPr lang="ko-KR" sz="1800">
+                <a:latin typeface="맑은 고딕" charset="0"/>
+                <a:ea typeface="맑은 고딕" charset="0"/>
+              </a:rPr>
+              <a:t> </a:t>
+            </a:r>
+            <a:r>
+              <a:rPr lang="ko-KR" sz="1800">
+                <a:latin typeface="맑은 고딕" charset="0"/>
+                <a:ea typeface="맑은 고딕" charset="0"/>
+              </a:rPr>
+              <a:t>생성하고</a:t>
+            </a:r>
+            <a:r>
+              <a:rPr lang="ko-KR" sz="1800">
+                <a:latin typeface="맑은 고딕" charset="0"/>
+                <a:ea typeface="맑은 고딕" charset="0"/>
+              </a:rPr>
+              <a:t> </a:t>
+            </a:r>
+            <a:r>
+              <a:rPr lang="ko-KR" sz="1800">
+                <a:latin typeface="맑은 고딕" charset="0"/>
+                <a:ea typeface="맑은 고딕" charset="0"/>
+              </a:rPr>
+              <a:t>각각의</a:t>
+            </a:r>
+            <a:r>
+              <a:rPr lang="ko-KR" sz="1800">
+                <a:latin typeface="맑은 고딕" charset="0"/>
+                <a:ea typeface="맑은 고딕" charset="0"/>
+              </a:rPr>
+              <a:t> 이름을 Email </a:t>
+            </a:r>
+            <a:r>
+              <a:rPr lang="ko-KR" sz="1800">
+                <a:latin typeface="맑은 고딕" charset="0"/>
+                <a:ea typeface="맑은 고딕" charset="0"/>
+              </a:rPr>
+              <a:t>Input과</a:t>
+            </a:r>
+            <a:r>
+              <a:rPr lang="ko-KR" sz="1800">
+                <a:latin typeface="맑은 고딕" charset="0"/>
+                <a:ea typeface="맑은 고딕" charset="0"/>
+              </a:rPr>
+              <a:t> </a:t>
+            </a:r>
+            <a:r>
+              <a:rPr lang="ko-KR" sz="1800">
+                <a:latin typeface="맑은 고딕" charset="0"/>
+                <a:ea typeface="맑은 고딕" charset="0"/>
+              </a:rPr>
+              <a:t>Password</a:t>
+            </a:r>
+            <a:r>
+              <a:rPr lang="ko-KR" sz="1800">
+                <a:latin typeface="맑은 고딕" charset="0"/>
+                <a:ea typeface="맑은 고딕" charset="0"/>
+              </a:rPr>
+              <a:t> </a:t>
+            </a:r>
+            <a:r>
+              <a:rPr lang="ko-KR" sz="1800">
+                <a:latin typeface="맑은 고딕" charset="0"/>
+                <a:ea typeface="맑은 고딕" charset="0"/>
+              </a:rPr>
+              <a:t>Input으로</a:t>
+            </a:r>
+            <a:r>
+              <a:rPr lang="ko-KR" sz="1800">
+                <a:latin typeface="맑은 고딕" charset="0"/>
+                <a:ea typeface="맑은 고딕" charset="0"/>
+              </a:rPr>
+              <a:t> </a:t>
+            </a:r>
+            <a:r>
+              <a:rPr lang="ko-KR" sz="1800">
+                <a:latin typeface="맑은 고딕" charset="0"/>
+                <a:ea typeface="맑은 고딕" charset="0"/>
+              </a:rPr>
+              <a:t>정의합니다.</a:t>
             </a:r>
             <a:endParaRPr lang="ko-KR" altLang="en-US" sz="1800">
               <a:latin typeface="맑은 고딕" charset="0"/>
@@ -8141,141 +8658,9 @@
           </a:p>
         </p:txBody>
       </p:sp>
-      <p:sp>
-        <p:nvSpPr>
-          <p:cNvPr id="54" name="Rect 0"/>
-          <p:cNvSpPr txBox="1">
-            <a:spLocks/>
-          </p:cNvSpPr>
-          <p:nvPr/>
-        </p:nvSpPr>
-        <p:spPr>
-          <a:xfrm rot="0">
-            <a:off x="6861810" y="4368800"/>
-            <a:ext cx="4154170" cy="1784985"/>
-          </a:xfrm>
-          <a:prstGeom prst="rect"/>
-          <a:noFill/>
-          <a:ln w="0">
-            <a:noFill/>
-            <a:prstDash/>
-          </a:ln>
-        </p:spPr>
-        <p:txBody>
-          <a:bodyPr wrap="square" lIns="89535" tIns="46355" rIns="89535" bIns="46355" numCol="1" vert="horz" anchor="t">
-            <a:spAutoFit/>
-          </a:bodyPr>
-          <a:lstStyle/>
-          <a:p>
-            <a:pPr marL="0" indent="0" rtl="0" algn="l" defTabSz="914400" eaLnBrk="1" latinLnBrk="0" hangingPunct="1">
-              <a:buFontTx/>
-              <a:buNone/>
-            </a:pPr>
-            <a:r>
-              <a:rPr lang="ko-KR" sz="2000" b="1">
-                <a:solidFill>
-                  <a:srgbClr val="0611F2"/>
-                </a:solidFill>
-                <a:latin typeface="맑은 고딕" charset="0"/>
-                <a:ea typeface="맑은 고딕" charset="0"/>
-              </a:rPr>
-              <a:t>2</a:t>
-            </a:r>
-            <a:r>
-              <a:rPr lang="ko-KR" sz="2000" b="1">
-                <a:solidFill>
-                  <a:srgbClr val="0611F2"/>
-                </a:solidFill>
-                <a:latin typeface="맑은 고딕" charset="0"/>
-                <a:ea typeface="맑은 고딕" charset="0"/>
-              </a:rPr>
-              <a:t>3</a:t>
-            </a:r>
-            <a:r>
-              <a:rPr lang="ko-KR" sz="2000" b="1">
-                <a:solidFill>
-                  <a:srgbClr val="0611F2"/>
-                </a:solidFill>
-                <a:latin typeface="맑은 고딕" charset="0"/>
-                <a:ea typeface="맑은 고딕" charset="0"/>
-              </a:rPr>
-              <a:t>.</a:t>
-            </a:r>
-            <a:r>
-              <a:rPr lang="ko-KR" sz="2000">
-                <a:solidFill>
-                  <a:srgbClr val="0611F2"/>
-                </a:solidFill>
-                <a:latin typeface="맑은 고딕" charset="0"/>
-                <a:ea typeface="맑은 고딕" charset="0"/>
-              </a:rPr>
-              <a:t> </a:t>
-            </a:r>
-            <a:r>
-              <a:rPr lang="ko-KR" sz="1800">
-                <a:latin typeface="맑은 고딕" charset="0"/>
-                <a:ea typeface="맑은 고딕" charset="0"/>
-              </a:rPr>
-              <a:t>그리고 빈 게임 오브젝트 생성</a:t>
-            </a:r>
-            <a:r>
-              <a:rPr lang="ko-KR" sz="1800">
-                <a:latin typeface="맑은 고딕" charset="0"/>
-                <a:ea typeface="맑은 고딕" charset="0"/>
-              </a:rPr>
-              <a:t>한 다음</a:t>
-            </a:r>
-            <a:r>
-              <a:rPr lang="ko-KR" sz="1800">
-                <a:latin typeface="맑은 고딕" charset="0"/>
-                <a:ea typeface="맑은 고딕" charset="0"/>
-              </a:rPr>
-              <a:t> 이름을 Photon Setting으로 설정합니다.</a:t>
-            </a:r>
-            <a:endParaRPr lang="ko-KR" altLang="en-US" sz="1800">
-              <a:latin typeface="맑은 고딕" charset="0"/>
-              <a:ea typeface="맑은 고딕" charset="0"/>
-            </a:endParaRPr>
-          </a:p>
-          <a:p>
-            <a:pPr marL="0" indent="0" rtl="0" algn="l" defTabSz="914400" eaLnBrk="1" latinLnBrk="0" hangingPunct="1">
-              <a:buFontTx/>
-              <a:buNone/>
-            </a:pPr>
-            <a:endParaRPr lang="ko-KR" altLang="en-US" sz="1800">
-              <a:latin typeface="맑은 고딕" charset="0"/>
-              <a:ea typeface="맑은 고딕" charset="0"/>
-            </a:endParaRPr>
-          </a:p>
-          <a:p>
-            <a:pPr marL="0" indent="0" rtl="0" algn="l" defTabSz="914400" eaLnBrk="1" latinLnBrk="0" hangingPunct="1">
-              <a:buFontTx/>
-              <a:buNone/>
-            </a:pPr>
-            <a:r>
-              <a:rPr lang="ko-KR" sz="1800">
-                <a:latin typeface="맑은 고딕" charset="0"/>
-                <a:ea typeface="맑은 고딕" charset="0"/>
-              </a:rPr>
-              <a:t>마지막으로</a:t>
-            </a:r>
-            <a:r>
-              <a:rPr lang="ko-KR" sz="1800">
-                <a:latin typeface="맑은 고딕" charset="0"/>
-                <a:ea typeface="맑은 고딕" charset="0"/>
-              </a:rPr>
-              <a:t> PhotonSetting이라는 스크립트를 생성하고 넣어줍니다.</a:t>
-            </a:r>
-            <a:endParaRPr lang="ko-KR" altLang="en-US" sz="1800">
-              <a:latin typeface="맑은 고딕" charset="0"/>
-              <a:ea typeface="맑은 고딕" charset="0"/>
-            </a:endParaRPr>
-          </a:p>
-        </p:txBody>
-      </p:sp>
       <p:pic>
         <p:nvPicPr>
-          <p:cNvPr id="59" name="그림 32" descr="C:/Users/Admin1/AppData/Roaming/PolarisOffice/ETemp/20636_16816336/fImage241662822391.png"/>
+          <p:cNvPr id="57" name="Picture " descr="C:/Users/Admin1/AppData/Roaming/PolarisOffice/ETemp/18832_10739096/fImage191502705436.png"/>
           <p:cNvPicPr>
             <a:picLocks noChangeAspect="1"/>
           </p:cNvPicPr>
@@ -8295,37 +8680,8 @@
         </p:blipFill>
         <p:spPr>
           <a:xfrm rot="0">
-            <a:off x="2785110" y="1336675"/>
-            <a:ext cx="2578100" cy="3702050"/>
-          </a:xfrm>
-          <a:prstGeom prst="rect"/>
-          <a:noFill/>
-        </p:spPr>
-      </p:pic>
-      <p:pic>
-        <p:nvPicPr>
-          <p:cNvPr id="61" name="그림 37"/>
-          <p:cNvPicPr>
-            <a:picLocks noChangeAspect="1"/>
-          </p:cNvPicPr>
-          <p:nvPr/>
-        </p:nvPicPr>
-        <p:blipFill rotWithShape="1">
-          <a:blip r:embed="rId4" cstate="hqprint">
-            <a:extLst>
-              <a:ext uri="{28A0092B-C50C-407E-A947-70E740481C1C}">
-                <a14:useLocalDpi xmlns:a14="http://schemas.microsoft.com/office/drawing/2010/main"/>
-              </a:ext>
-            </a:extLst>
-          </a:blip>
-          <a:stretch>
-            <a:fillRect/>
-          </a:stretch>
-        </p:blipFill>
-        <p:spPr>
-          <a:xfrm rot="0">
-            <a:off x="6863715" y="1338580"/>
-            <a:ext cx="2347595" cy="2884805"/>
+            <a:off x="1238250" y="1457325"/>
+            <a:ext cx="2486660" cy="3429635"/>
           </a:xfrm>
           <a:prstGeom prst="roundRect"/>
           <a:solidFill>
@@ -8335,7 +8691,7 @@
       </p:pic>
       <p:pic>
         <p:nvPicPr>
-          <p:cNvPr id="62" name="그림 38" descr="C:/Users/Admin1/AppData/Roaming/PolarisOffice/ETemp/20636_16816336/fImage2273289153.png"/>
+          <p:cNvPr id="59" name="그림 4" descr="C:/Users/Admin1/AppData/Roaming/PolarisOffice/ETemp/18832_10739096/fImage2008322341.png"/>
           <p:cNvPicPr>
             <a:picLocks noChangeAspect="1"/>
           </p:cNvPicPr>
@@ -8355,8 +8711,8 @@
         </p:blipFill>
         <p:spPr>
           <a:xfrm rot="0">
-            <a:off x="9917430" y="3516630"/>
-            <a:ext cx="699770" cy="706120"/>
+            <a:off x="6808470" y="1447800"/>
+            <a:ext cx="2437130" cy="3410585"/>
           </a:xfrm>
           <a:prstGeom prst="roundRect"/>
           <a:solidFill>
@@ -8364,9 +8720,132 @@
           </a:solidFill>
         </p:spPr>
       </p:pic>
+      <p:sp>
+        <p:nvSpPr>
+          <p:cNvPr id="61" name="텍스트 상자 10"/>
+          <p:cNvSpPr txBox="1">
+            <a:spLocks/>
+          </p:cNvSpPr>
+          <p:nvPr/>
+        </p:nvSpPr>
+        <p:spPr>
+          <a:xfrm rot="0">
+            <a:off x="6806565" y="5066665"/>
+            <a:ext cx="4133215" cy="955040"/>
+          </a:xfrm>
+          <a:prstGeom prst="rect"/>
+          <a:noFill/>
+          <a:ln w="0">
+            <a:noFill/>
+            <a:prstDash/>
+          </a:ln>
+        </p:spPr>
+        <p:txBody>
+          <a:bodyPr wrap="square" lIns="89535" tIns="46355" rIns="89535" bIns="46355" numCol="1" vert="horz" anchor="t">
+            <a:spAutoFit/>
+          </a:bodyPr>
+          <a:lstStyle/>
+          <a:p>
+            <a:pPr marL="0" indent="0" rtl="0" algn="l" defTabSz="914400" eaLnBrk="1" latinLnBrk="0" hangingPunct="1">
+              <a:buFontTx/>
+              <a:buNone/>
+            </a:pPr>
+            <a:r>
+              <a:rPr lang="ko-KR" sz="2000" b="1">
+                <a:solidFill>
+                  <a:srgbClr val="0611F2"/>
+                </a:solidFill>
+                <a:latin typeface="맑은 고딕" charset="0"/>
+                <a:ea typeface="맑은 고딕" charset="0"/>
+              </a:rPr>
+              <a:t>21.</a:t>
+            </a:r>
+            <a:r>
+              <a:rPr lang="ko-KR" sz="2000">
+                <a:solidFill>
+                  <a:srgbClr val="0611F2"/>
+                </a:solidFill>
+                <a:latin typeface="맑은 고딕" charset="0"/>
+                <a:ea typeface="맑은 고딕" charset="0"/>
+              </a:rPr>
+              <a:t> </a:t>
+            </a:r>
+            <a:r>
+              <a:rPr lang="ko-KR" sz="1800">
+                <a:latin typeface="맑은 고딕" charset="0"/>
+                <a:ea typeface="맑은 고딕" charset="0"/>
+              </a:rPr>
+              <a:t>그다음으로 UI에서 Dropdown을 </a:t>
+            </a:r>
+            <a:r>
+              <a:rPr lang="ko-KR" sz="1800">
+                <a:latin typeface="맑은 고딕" charset="0"/>
+                <a:ea typeface="맑은 고딕" charset="0"/>
+              </a:rPr>
+              <a:t>생성하고</a:t>
+            </a:r>
+            <a:r>
+              <a:rPr lang="ko-KR" sz="1800">
+                <a:latin typeface="맑은 고딕" charset="0"/>
+                <a:ea typeface="맑은 고딕" charset="0"/>
+              </a:rPr>
+              <a:t> Region DropDown이라는 </a:t>
+            </a:r>
+            <a:r>
+              <a:rPr lang="ko-KR" sz="1800">
+                <a:latin typeface="맑은 고딕" charset="0"/>
+                <a:ea typeface="맑은 고딕" charset="0"/>
+              </a:rPr>
+              <a:t>이름으로</a:t>
+            </a:r>
+            <a:r>
+              <a:rPr lang="ko-KR" sz="1800">
+                <a:latin typeface="맑은 고딕" charset="0"/>
+                <a:ea typeface="맑은 고딕" charset="0"/>
+              </a:rPr>
+              <a:t> 정의합니다.</a:t>
+            </a:r>
+            <a:endParaRPr lang="ko-KR" altLang="en-US" sz="1800">
+              <a:latin typeface="맑은 고딕" charset="0"/>
+              <a:ea typeface="맑은 고딕" charset="0"/>
+            </a:endParaRPr>
+          </a:p>
+        </p:txBody>
+      </p:sp>
       <p:pic>
         <p:nvPicPr>
-          <p:cNvPr id="65" name="그림 11" descr="C:/Users/Admin1/AppData/Roaming/PolarisOffice/ETemp/20636_16816336/fImage90882266334.png"/>
+          <p:cNvPr id="62" name="그림 1" descr="C:/Users/Admin1/AppData/Roaming/PolarisOffice/ETemp/18832_10739096/fImage766223941.png"/>
+          <p:cNvPicPr>
+            <a:picLocks noChangeAspect="1"/>
+          </p:cNvPicPr>
+          <p:nvPr/>
+        </p:nvPicPr>
+        <p:blipFill rotWithShape="1">
+          <a:blip r:embed="rId7" cstate="hqprint">
+            <a:extLst>
+              <a:ext uri="{28A0092B-C50C-407E-A947-70E740481C1C}">
+                <a14:useLocalDpi xmlns:a14="http://schemas.microsoft.com/office/drawing/2010/main"/>
+              </a:ext>
+            </a:extLst>
+          </a:blip>
+          <a:stretch>
+            <a:fillRect/>
+          </a:stretch>
+        </p:blipFill>
+        <p:spPr>
+          <a:xfrm rot="0">
+            <a:off x="3943985" y="2135505"/>
+            <a:ext cx="1420495" cy="2103755"/>
+          </a:xfrm>
+          <a:prstGeom prst="roundRect"/>
+          <a:solidFill>
+            <a:srgbClr val="EDEDED"/>
+          </a:solidFill>
+        </p:spPr>
+      </p:pic>
+      <p:pic>
+        <p:nvPicPr>
+          <p:cNvPr id="63" name="그림 4" descr="C:/Users/Admin1/AppData/Roaming/PolarisOffice/ETemp/18832_10739096/fImage85282408467.png"/>
           <p:cNvPicPr>
             <a:picLocks noChangeAspect="1"/>
           </p:cNvPicPr>
@@ -8386,74 +8865,8 @@
         </p:blipFill>
         <p:spPr>
           <a:xfrm rot="0">
-            <a:off x="1233170" y="1812290"/>
-            <a:ext cx="1419225" cy="2752725"/>
-          </a:xfrm>
-          <a:prstGeom prst="roundRect"/>
-          <a:solidFill>
-            <a:srgbClr val="EDEDED"/>
-          </a:solidFill>
-        </p:spPr>
-      </p:pic>
-      <p:cxnSp>
-        <p:nvCxnSpPr>
-          <p:cNvPr id="67" name="도형 17"/>
-          <p:cNvCxnSpPr>
-            <a:stCxn id="62" idx="0"/>
-            <a:endCxn id="68" idx="2"/>
-          </p:cNvCxnSpPr>
-          <p:nvPr/>
-        </p:nvCxnSpPr>
-        <p:spPr>
-          <a:xfrm rot="0" flipH="1" flipV="1">
-            <a:off x="10263505" y="3092450"/>
-            <a:ext cx="3810" cy="424815"/>
-          </a:xfrm>
-          <a:prstGeom prst="straightConnector1"/>
-          <a:ln w="6350" cap="flat" cmpd="sng">
-            <a:prstDash/>
-            <a:tailEnd type="triangle" w="med" len="med"/>
-          </a:ln>
-        </p:spPr>
-        <p:style>
-          <a:lnRef idx="1">
-            <a:schemeClr val="accent1"/>
-          </a:lnRef>
-          <a:fillRef idx="0">
-            <a:schemeClr val="accent1"/>
-          </a:fillRef>
-          <a:effectRef idx="0">
-            <a:schemeClr val="accent1"/>
-          </a:effectRef>
-          <a:fontRef idx="minor">
-            <a:schemeClr val="tx1"/>
-          </a:fontRef>
-        </p:style>
-      </p:cxnSp>
-      <p:pic>
-        <p:nvPicPr>
-          <p:cNvPr id="68" name="그림 7" descr="C:/Users/Admin1/AppData/Roaming/PolarisOffice/ETemp/20636_16816336/fImage94112416334.png"/>
-          <p:cNvPicPr>
-            <a:picLocks noChangeAspect="1"/>
-          </p:cNvPicPr>
-          <p:nvPr/>
-        </p:nvPicPr>
-        <p:blipFill rotWithShape="1">
-          <a:blip r:embed="rId10" cstate="print">
-            <a:extLst>
-              <a:ext uri="{28A0092B-C50C-407E-A947-70E740481C1C}">
-                <a14:useLocalDpi xmlns:a14="http://schemas.microsoft.com/office/drawing/2010/main" val="0"/>
-              </a:ext>
-            </a:extLst>
-          </a:blip>
-          <a:stretch>
-            <a:fillRect/>
-          </a:stretch>
-        </p:blipFill>
-        <p:spPr>
-          <a:xfrm rot="0">
-            <a:off x="9562465" y="1340485"/>
-            <a:ext cx="1403350" cy="1752600"/>
+            <a:off x="9460865" y="2107565"/>
+            <a:ext cx="1481455" cy="2138045"/>
           </a:xfrm>
           <a:prstGeom prst="roundRect"/>
           <a:solidFill>
@@ -8548,8 +8961,8 @@
         </p:nvSpPr>
         <p:spPr>
           <a:xfrm rot="0">
-            <a:off x="4342765" y="467995"/>
-            <a:ext cx="3580130" cy="554990"/>
+            <a:off x="4342765" y="353695"/>
+            <a:ext cx="3505200" cy="554990"/>
           </a:xfrm>
           <a:prstGeom prst="rect"/>
           <a:noFill/>
@@ -8564,28 +8977,21 @@
           </a:bodyPr>
           <a:lstStyle/>
           <a:p>
-            <a:pPr marL="0" indent="0" rtl="0" algn="l" defTabSz="914400" eaLnBrk="1" latinLnBrk="0" hangingPunct="1">
-              <a:buFontTx/>
-              <a:buNone/>
-            </a:pPr>
-            <a:r>
-              <a:rPr lang="ko-KR" sz="3000" b="1">
-                <a:latin typeface="맑은 고딕" charset="0"/>
-                <a:ea typeface="맑은 고딕" charset="0"/>
-              </a:rPr>
-              <a:t>열</a:t>
-            </a:r>
-            <a:r>
-              <a:rPr lang="ko-KR" sz="3000" b="1">
-                <a:latin typeface="맑은 고딕" charset="0"/>
-                <a:ea typeface="맑은 고딕" charset="0"/>
-              </a:rPr>
-              <a:t>한</a:t>
-            </a:r>
-            <a:r>
-              <a:rPr lang="ko-KR" sz="3000" b="1">
-                <a:latin typeface="맑은 고딕" charset="0"/>
-                <a:ea typeface="맑은 고딕" charset="0"/>
+            <a:pPr marL="0" indent="0" rtl="0" algn="ctr" defTabSz="914400" eaLnBrk="1" latinLnBrk="0" hangingPunct="1">
+              <a:buFontTx/>
+              <a:buNone/>
+            </a:pPr>
+            <a:r>
+              <a:rPr lang="ko-KR" sz="2500" b="1">
+                <a:latin typeface="나눔바른고딕" charset="0"/>
+                <a:ea typeface="나눔바른고딕" charset="0"/>
+              </a:rPr>
+              <a:t>열한</a:t>
+            </a:r>
+            <a:r>
+              <a:rPr lang="ko-KR" sz="2500" b="1">
+                <a:latin typeface="나눔바른고딕" charset="0"/>
+                <a:ea typeface="나눔바른고딕" charset="0"/>
               </a:rPr>
               <a:t> 번째 튜토리얼</a:t>
             </a:r>
@@ -8612,9 +9018,9 @@
           <p:nvPr/>
         </p:nvSpPr>
         <p:spPr>
-          <a:xfrm>
-            <a:off x="1229995" y="3903345"/>
-            <a:ext cx="4124960" cy="2338705"/>
+          <a:xfrm rot="0">
+            <a:off x="1238250" y="5197475"/>
+            <a:ext cx="4037330" cy="954405"/>
           </a:xfrm>
           <a:prstGeom prst="rect"/>
           <a:noFill/>
@@ -8641,7 +9047,7 @@
                 <a:latin typeface="맑은 고딕" charset="0"/>
                 <a:ea typeface="맑은 고딕" charset="0"/>
               </a:rPr>
-              <a:t>24.</a:t>
+              <a:t>22.</a:t>
             </a:r>
             <a:r>
               <a:rPr lang="ko-KR" sz="2000">
@@ -8658,59 +9064,84 @@
                 <a:latin typeface="맑은 고딕" charset="0"/>
                 <a:ea typeface="맑은 고딕" charset="0"/>
               </a:rPr>
-              <a:t>그런 다음 PhotonSetting 스크립트에서 MonoBehaviourPunCallbacks 클래스를 상속받도록 설정합니다.</a:t>
+              <a:t>그리고 Password Input </a:t>
+            </a:r>
+            <a:r>
+              <a:rPr lang="ko-KR" sz="1800">
+                <a:latin typeface="맑은 고딕" charset="0"/>
+                <a:ea typeface="맑은 고딕" charset="0"/>
+              </a:rPr>
+              <a:t>오브젝트를</a:t>
+            </a:r>
+            <a:r>
+              <a:rPr lang="ko-KR" sz="1800">
+                <a:latin typeface="맑은 고딕" charset="0"/>
+                <a:ea typeface="맑은 고딕" charset="0"/>
+              </a:rPr>
+              <a:t> </a:t>
+            </a:r>
+            <a:r>
+              <a:rPr lang="ko-KR" sz="1800">
+                <a:latin typeface="맑은 고딕" charset="0"/>
+                <a:ea typeface="맑은 고딕" charset="0"/>
+              </a:rPr>
+              <a:t>선택하고</a:t>
+            </a:r>
+            <a:r>
+              <a:rPr lang="ko-KR" sz="1800">
+                <a:latin typeface="맑은 고딕" charset="0"/>
+                <a:ea typeface="맑은 고딕" charset="0"/>
+              </a:rPr>
+              <a:t> Content Type을 </a:t>
+            </a:r>
+            <a:r>
+              <a:rPr lang="ko-KR" sz="1800">
+                <a:solidFill>
+                  <a:srgbClr val="009900"/>
+                </a:solidFill>
+                <a:latin typeface="맑은 고딕" charset="0"/>
+                <a:ea typeface="맑은 고딕" charset="0"/>
+              </a:rPr>
+              <a:t>[Password]</a:t>
+            </a:r>
+            <a:r>
+              <a:rPr lang="ko-KR" sz="1800">
+                <a:latin typeface="맑은 고딕" charset="0"/>
+                <a:ea typeface="맑은 고딕" charset="0"/>
+              </a:rPr>
+              <a:t>로</a:t>
+            </a:r>
+            <a:r>
+              <a:rPr lang="ko-KR" sz="1800">
+                <a:latin typeface="맑은 고딕" charset="0"/>
+                <a:ea typeface="맑은 고딕" charset="0"/>
+              </a:rPr>
+              <a:t> </a:t>
+            </a:r>
+            <a:r>
+              <a:rPr lang="ko-KR" sz="1800">
+                <a:latin typeface="맑은 고딕" charset="0"/>
+                <a:ea typeface="맑은 고딕" charset="0"/>
+              </a:rPr>
+              <a:t>설정합니다.</a:t>
+            </a:r>
+            <a:r>
+              <a:rPr lang="ko-KR" sz="1800">
+                <a:latin typeface="맑은 고딕" charset="0"/>
+                <a:ea typeface="맑은 고딕" charset="0"/>
+              </a:rPr>
+              <a:t> </a:t>
             </a:r>
             <a:endParaRPr lang="ko-KR" altLang="en-US" sz="1800">
               <a:latin typeface="맑은 고딕" charset="0"/>
               <a:ea typeface="맑은 고딕" charset="0"/>
             </a:endParaRPr>
           </a:p>
-          <a:p>
-            <a:pPr marL="0" indent="0" rtl="0" algn="l" defTabSz="914400" eaLnBrk="1" latinLnBrk="0" hangingPunct="1">
-              <a:buFontTx/>
-              <a:buNone/>
-            </a:pPr>
-            <a:endParaRPr lang="ko-KR" altLang="en-US" sz="1800">
-              <a:latin typeface="맑은 고딕" charset="0"/>
-              <a:ea typeface="맑은 고딕" charset="0"/>
-            </a:endParaRPr>
-          </a:p>
-          <a:p>
-            <a:pPr marL="0" indent="0" rtl="0" algn="l" defTabSz="914400" eaLnBrk="1" latinLnBrk="0" hangingPunct="1">
-              <a:buFontTx/>
-              <a:buNone/>
-            </a:pPr>
-            <a:r>
-              <a:rPr lang="ko-KR" sz="1800">
-                <a:latin typeface="맑은 고딕" charset="0"/>
-                <a:ea typeface="맑은 고딕" charset="0"/>
-              </a:rPr>
-              <a:t>그다음으로 InputField 변수를 </a:t>
-            </a:r>
-            <a:r>
-              <a:rPr lang="ko-KR" sz="1800">
-                <a:latin typeface="맑은 고딕" charset="0"/>
-                <a:ea typeface="맑은 고딕" charset="0"/>
-              </a:rPr>
-              <a:t>2</a:t>
-            </a:r>
-            <a:r>
-              <a:rPr lang="ko-KR" sz="1800">
-                <a:latin typeface="맑은 고딕" charset="0"/>
-                <a:ea typeface="맑은 고딕" charset="0"/>
-              </a:rPr>
-              <a:t>개 선언하고 DropDown 변수를 선언합니다.</a:t>
-            </a:r>
-            <a:endParaRPr lang="ko-KR" altLang="en-US" sz="1800">
-              <a:latin typeface="맑은 고딕" charset="0"/>
-              <a:ea typeface="맑은 고딕" charset="0"/>
-            </a:endParaRPr>
-          </a:p>
-        </p:txBody>
-      </p:sp>
-      <p:sp>
-        <p:nvSpPr>
-          <p:cNvPr id="57" name="텍스트 상자 59"/>
+        </p:txBody>
+      </p:sp>
+      <p:sp>
+        <p:nvSpPr>
+          <p:cNvPr id="54" name="Rect 0"/>
           <p:cNvSpPr txBox="1">
             <a:spLocks/>
           </p:cNvSpPr>
@@ -8718,8 +9149,8 @@
         </p:nvSpPr>
         <p:spPr>
           <a:xfrm rot="0">
-            <a:off x="6555105" y="3354705"/>
-            <a:ext cx="4402455" cy="2892425"/>
+            <a:off x="6861810" y="4368800"/>
+            <a:ext cx="4111625" cy="1784985"/>
           </a:xfrm>
           <a:prstGeom prst="rect"/>
           <a:noFill/>
@@ -8746,35 +9177,80 @@
                 <a:latin typeface="맑은 고딕" charset="0"/>
                 <a:ea typeface="맑은 고딕" charset="0"/>
               </a:rPr>
-              <a:t>25. </a:t>
-            </a:r>
-            <a:r>
-              <a:rPr lang="ko-KR" sz="1800">
-                <a:latin typeface="맑은 고딕" charset="0"/>
-                <a:ea typeface="맑은 고딕" charset="0"/>
-              </a:rPr>
-              <a:t>이제 LoginSuccess( ) 함수를 </a:t>
-            </a:r>
-            <a:r>
-              <a:rPr lang="ko-KR" sz="1800">
-                <a:latin typeface="맑은 고딕" charset="0"/>
-                <a:ea typeface="맑은 고딕" charset="0"/>
-              </a:rPr>
-              <a:t>선언하고</a:t>
-            </a:r>
-            <a:r>
-              <a:rPr lang="ko-KR" sz="1800">
-                <a:latin typeface="맑은 고딕" charset="0"/>
-                <a:ea typeface="맑은 고딕" charset="0"/>
-              </a:rPr>
-              <a:t> 게임 버전과 지역</a:t>
-            </a:r>
-            <a:r>
-              <a:rPr lang="ko-KR" sz="1800">
-                <a:latin typeface="맑은 고딕" charset="0"/>
-                <a:ea typeface="맑은 고딕" charset="0"/>
-              </a:rPr>
-              <a:t>을 </a:t>
+              <a:t>23.</a:t>
+            </a:r>
+            <a:r>
+              <a:rPr lang="ko-KR" sz="2000">
+                <a:solidFill>
+                  <a:srgbClr val="0611F2"/>
+                </a:solidFill>
+                <a:latin typeface="맑은 고딕" charset="0"/>
+                <a:ea typeface="맑은 고딕" charset="0"/>
+              </a:rPr>
+              <a:t> </a:t>
+            </a:r>
+            <a:r>
+              <a:rPr lang="ko-KR" sz="1800">
+                <a:latin typeface="맑은 고딕" charset="0"/>
+                <a:ea typeface="맑은 고딕" charset="0"/>
+              </a:rPr>
+              <a:t>그런 다음 빈 게임 오브젝트 </a:t>
+            </a:r>
+            <a:r>
+              <a:rPr lang="ko-KR" sz="1800">
+                <a:latin typeface="맑은 고딕" charset="0"/>
+                <a:ea typeface="맑은 고딕" charset="0"/>
+              </a:rPr>
+              <a:t>생성한</a:t>
+            </a:r>
+            <a:r>
+              <a:rPr lang="ko-KR" sz="1800">
+                <a:latin typeface="맑은 고딕" charset="0"/>
+                <a:ea typeface="맑은 고딕" charset="0"/>
+              </a:rPr>
+              <a:t> </a:t>
+            </a:r>
+            <a:r>
+              <a:rPr lang="ko-KR" sz="1800">
+                <a:latin typeface="맑은 고딕" charset="0"/>
+                <a:ea typeface="맑은 고딕" charset="0"/>
+              </a:rPr>
+              <a:t>다음</a:t>
+            </a:r>
+            <a:r>
+              <a:rPr lang="ko-KR" sz="1800">
+                <a:latin typeface="맑은 고딕" charset="0"/>
+                <a:ea typeface="맑은 고딕" charset="0"/>
+              </a:rPr>
+              <a:t> </a:t>
+            </a:r>
+            <a:r>
+              <a:rPr lang="ko-KR" sz="1800">
+                <a:latin typeface="맑은 고딕" charset="0"/>
+                <a:ea typeface="맑은 고딕" charset="0"/>
+              </a:rPr>
+              <a:t>이름을</a:t>
+            </a:r>
+            <a:r>
+              <a:rPr lang="ko-KR" sz="1800">
+                <a:latin typeface="맑은 고딕" charset="0"/>
+                <a:ea typeface="맑은 고딕" charset="0"/>
+              </a:rPr>
+              <a:t> Photon </a:t>
+            </a:r>
+            <a:r>
+              <a:rPr lang="ko-KR" sz="1800">
+                <a:latin typeface="맑은 고딕" charset="0"/>
+                <a:ea typeface="맑은 고딕" charset="0"/>
+              </a:rPr>
+              <a:t>Setting으로</a:t>
+            </a:r>
+            <a:r>
+              <a:rPr lang="ko-KR" sz="1800">
+                <a:latin typeface="맑은 고딕" charset="0"/>
+                <a:ea typeface="맑은 고딕" charset="0"/>
+              </a:rPr>
+              <a:t> </a:t>
             </a:r>
             <a:r>
               <a:rPr lang="ko-KR" sz="1800">
@@ -8808,7 +9284,7 @@
                 <a:latin typeface="맑은 고딕" charset="0"/>
                 <a:ea typeface="맑은 고딕" charset="0"/>
               </a:rPr>
-              <a:t>그러고 나서</a:t>
+              <a:t>그러고</a:t>
             </a:r>
             <a:r>
               <a:rPr lang="ko-KR" sz="1800">
@@ -8822,90 +9298,63 @@
                 <a:latin typeface="맑은 고딕" charset="0"/>
                 <a:ea typeface="맑은 고딕" charset="0"/>
               </a:rPr>
-              <a:t>마스터 클라이언트가 씬을 이동했을 때 다른 클라이언트가 영향을 받지 않도록 비활성화합니다.</a:t>
+              <a:t>나서</a:t>
+            </a:r>
+            <a:r>
+              <a:rPr lang="ko-KR" sz="1800">
+                <a:latin typeface="맑은 고딕" charset="0"/>
+                <a:ea typeface="맑은 고딕" charset="0"/>
+              </a:rPr>
+              <a:t> PhotonSetting이라는 </a:t>
+            </a:r>
+            <a:r>
+              <a:rPr lang="ko-KR" sz="1800">
+                <a:latin typeface="맑은 고딕" charset="0"/>
+                <a:ea typeface="맑은 고딕" charset="0"/>
+              </a:rPr>
+              <a:t>스크립트를</a:t>
+            </a:r>
+            <a:r>
+              <a:rPr lang="ko-KR" sz="1800">
+                <a:latin typeface="맑은 고딕" charset="0"/>
+                <a:ea typeface="맑은 고딕" charset="0"/>
+              </a:rPr>
+              <a:t> </a:t>
+            </a:r>
+            <a:r>
+              <a:rPr lang="ko-KR" sz="1800">
+                <a:latin typeface="맑은 고딕" charset="0"/>
+                <a:ea typeface="맑은 고딕" charset="0"/>
+              </a:rPr>
+              <a:t>생성하고</a:t>
+            </a:r>
+            <a:r>
+              <a:rPr lang="ko-KR" sz="1800">
+                <a:latin typeface="맑은 고딕" charset="0"/>
+                <a:ea typeface="맑은 고딕" charset="0"/>
+              </a:rPr>
+              <a:t> 넣어줍니다.</a:t>
             </a:r>
             <a:endParaRPr lang="ko-KR" altLang="en-US" sz="1800">
               <a:latin typeface="맑은 고딕" charset="0"/>
               <a:ea typeface="맑은 고딕" charset="0"/>
             </a:endParaRPr>
           </a:p>
-          <a:p>
-            <a:pPr marL="0" indent="0" rtl="0" algn="l" defTabSz="914400" eaLnBrk="1" latinLnBrk="0" hangingPunct="1">
-              <a:buFontTx/>
-              <a:buNone/>
-            </a:pPr>
-            <a:endParaRPr lang="ko-KR" altLang="en-US" sz="1800">
-              <a:latin typeface="맑은 고딕" charset="0"/>
-              <a:ea typeface="맑은 고딕" charset="0"/>
-            </a:endParaRPr>
-          </a:p>
-          <a:p>
-            <a:pPr marL="0" indent="0" rtl="0" algn="l" defTabSz="914400" eaLnBrk="1" latinLnBrk="0" hangingPunct="1">
-              <a:buFontTx/>
-              <a:buNone/>
-            </a:pPr>
-            <a:r>
-              <a:rPr lang="ko-KR" sz="1800">
-                <a:latin typeface="맑은 고딕" charset="0"/>
-                <a:ea typeface="맑은 고딕" charset="0"/>
-              </a:rPr>
-              <a:t>그리고 </a:t>
-            </a:r>
-            <a:r>
-              <a:rPr lang="ko-KR" sz="1800">
-                <a:latin typeface="맑은 고딕" charset="0"/>
-                <a:ea typeface="맑은 고딕" charset="0"/>
-              </a:rPr>
-              <a:t>로그인 </a:t>
-            </a:r>
-            <a:r>
-              <a:rPr lang="ko-KR" sz="1800">
-                <a:latin typeface="맑은 고딕" charset="0"/>
-                <a:ea typeface="맑은 고딕" charset="0"/>
-              </a:rPr>
-              <a:t>인증 </a:t>
-            </a:r>
-            <a:r>
-              <a:rPr lang="ko-KR" sz="1800">
-                <a:latin typeface="맑은 고딕" charset="0"/>
-                <a:ea typeface="맑은 고딕" charset="0"/>
-              </a:rPr>
-              <a:t>절차가 성공적으로 </a:t>
-            </a:r>
-            <a:r>
-              <a:rPr lang="ko-KR" sz="1800">
-                <a:latin typeface="맑은 고딕" charset="0"/>
-                <a:ea typeface="맑은 고딕" charset="0"/>
-              </a:rPr>
-              <a:t>완료 </a:t>
-            </a:r>
-            <a:r>
-              <a:rPr lang="ko-KR" sz="1800">
-                <a:latin typeface="맑은 고딕" charset="0"/>
-                <a:ea typeface="맑은 고딕" charset="0"/>
-              </a:rPr>
-              <a:t>되었다면 Photon Lobby씬으로 이동하도록 설정합니다.</a:t>
-            </a:r>
-            <a:endParaRPr lang="ko-KR" altLang="en-US" sz="1800">
-              <a:latin typeface="맑은 고딕" charset="0"/>
-              <a:ea typeface="맑은 고딕" charset="0"/>
-            </a:endParaRPr>
-          </a:p>
         </p:txBody>
       </p:sp>
       <p:pic>
         <p:nvPicPr>
-          <p:cNvPr id="59" name="그림 10" descr="C:/Users/Admin1/AppData/Roaming/PolarisOffice/ETemp/20636_16816336/fImage101532426500.png"/>
+          <p:cNvPr id="59" name="그림 32" descr="C:/Users/Admin1/AppData/Roaming/PolarisOffice/ETemp/18832_10739096/fImage241662822391.png"/>
           <p:cNvPicPr>
             <a:picLocks noChangeAspect="1"/>
           </p:cNvPicPr>
           <p:nvPr/>
         </p:nvPicPr>
         <p:blipFill rotWithShape="1">
-          <a:blip r:embed="rId7" cstate="print">
+          <a:blip r:embed="rId2" cstate="hqprint">
             <a:extLst>
               <a:ext uri="{28A0092B-C50C-407E-A947-70E740481C1C}">
-                <a14:useLocalDpi xmlns:a14="http://schemas.microsoft.com/office/drawing/2010/main" val="0"/>
+                <a14:useLocalDpi xmlns:a14="http://schemas.microsoft.com/office/drawing/2010/main"/>
               </a:ext>
             </a:extLst>
           </a:blip>
@@ -8915,8 +9364,8 @@
         </p:blipFill>
         <p:spPr>
           <a:xfrm rot="0">
-            <a:off x="1222375" y="1414145"/>
-            <a:ext cx="4131945" cy="2360295"/>
+            <a:off x="1238250" y="1438275"/>
+            <a:ext cx="4125595" cy="3601085"/>
           </a:xfrm>
           <a:prstGeom prst="roundRect"/>
           <a:solidFill>
@@ -8926,17 +9375,17 @@
       </p:pic>
       <p:pic>
         <p:nvPicPr>
-          <p:cNvPr id="60" name="그림 27" descr="C:/Users/Admin1/AppData/Roaming/PolarisOffice/ETemp/20636_16816336/fImage522852479169.png"/>
+          <p:cNvPr id="61" name="그림 37" descr="C:/Users/Admin1/AppData/Roaming/PolarisOffice/ETemp/18832_10739096/fImage330252883902.png"/>
           <p:cNvPicPr>
             <a:picLocks noChangeAspect="1"/>
           </p:cNvPicPr>
           <p:nvPr/>
         </p:nvPicPr>
         <p:blipFill rotWithShape="1">
-          <a:blip r:embed="rId8" cstate="print">
+          <a:blip r:embed="rId4" cstate="hqprint">
             <a:extLst>
               <a:ext uri="{28A0092B-C50C-407E-A947-70E740481C1C}">
-                <a14:useLocalDpi xmlns:a14="http://schemas.microsoft.com/office/drawing/2010/main" val="0"/>
+                <a14:useLocalDpi xmlns:a14="http://schemas.microsoft.com/office/drawing/2010/main"/>
               </a:ext>
             </a:extLst>
           </a:blip>
@@ -8946,8 +9395,105 @@
         </p:blipFill>
         <p:spPr>
           <a:xfrm rot="0">
-            <a:off x="6558915" y="1413510"/>
-            <a:ext cx="4398645" cy="1854200"/>
+            <a:off x="6863715" y="1438275"/>
+            <a:ext cx="2348230" cy="2785745"/>
+          </a:xfrm>
+          <a:prstGeom prst="roundRect"/>
+          <a:solidFill>
+            <a:srgbClr val="EDEDED"/>
+          </a:solidFill>
+        </p:spPr>
+      </p:pic>
+      <p:pic>
+        <p:nvPicPr>
+          <p:cNvPr id="62" name="그림 38" descr="C:/Users/Admin1/AppData/Roaming/PolarisOffice/ETemp/18832_10739096/fImage2273289153.png"/>
+          <p:cNvPicPr>
+            <a:picLocks noChangeAspect="1"/>
+          </p:cNvPicPr>
+          <p:nvPr/>
+        </p:nvPicPr>
+        <p:blipFill rotWithShape="1">
+          <a:blip r:embed="rId5" cstate="hqprint">
+            <a:extLst>
+              <a:ext uri="{28A0092B-C50C-407E-A947-70E740481C1C}">
+                <a14:useLocalDpi xmlns:a14="http://schemas.microsoft.com/office/drawing/2010/main"/>
+              </a:ext>
+            </a:extLst>
+          </a:blip>
+          <a:stretch>
+            <a:fillRect/>
+          </a:stretch>
+        </p:blipFill>
+        <p:spPr>
+          <a:xfrm rot="0">
+            <a:off x="9917430" y="3516630"/>
+            <a:ext cx="703580" cy="706755"/>
+          </a:xfrm>
+          <a:prstGeom prst="roundRect"/>
+          <a:solidFill>
+            <a:srgbClr val="EDEDED"/>
+          </a:solidFill>
+        </p:spPr>
+      </p:pic>
+      <p:cxnSp>
+        <p:nvCxnSpPr>
+          <p:cNvPr id="67" name="도형 17"/>
+          <p:cNvCxnSpPr>
+            <a:stCxn id="62" idx="0"/>
+            <a:endCxn id="68" idx="2"/>
+          </p:cNvCxnSpPr>
+          <p:nvPr/>
+        </p:nvCxnSpPr>
+        <p:spPr>
+          <a:xfrm rot="0" flipH="1" flipV="1">
+            <a:off x="10264140" y="3093085"/>
+            <a:ext cx="5080" cy="424180"/>
+          </a:xfrm>
+          <a:prstGeom prst="straightConnector1"/>
+          <a:ln w="6350" cap="flat" cmpd="sng">
+            <a:prstDash/>
+            <a:tailEnd type="triangle" w="med" len="med"/>
+          </a:ln>
+        </p:spPr>
+        <p:style>
+          <a:lnRef idx="1">
+            <a:schemeClr val="accent1"/>
+          </a:lnRef>
+          <a:fillRef idx="0">
+            <a:schemeClr val="accent1"/>
+          </a:fillRef>
+          <a:effectRef idx="0">
+            <a:schemeClr val="accent1"/>
+          </a:effectRef>
+          <a:fontRef idx="minor">
+            <a:schemeClr val="tx1"/>
+          </a:fontRef>
+        </p:style>
+      </p:cxnSp>
+      <p:pic>
+        <p:nvPicPr>
+          <p:cNvPr id="68" name="그림 7" descr="C:/Users/Admin1/AppData/Roaming/PolarisOffice/ETemp/18832_10739096/fImage94112416334.png"/>
+          <p:cNvPicPr>
+            <a:picLocks noChangeAspect="1"/>
+          </p:cNvPicPr>
+          <p:nvPr/>
+        </p:nvPicPr>
+        <p:blipFill rotWithShape="1">
+          <a:blip r:embed="rId10" cstate="hqprint">
+            <a:extLst>
+              <a:ext uri="{28A0092B-C50C-407E-A947-70E740481C1C}">
+                <a14:useLocalDpi xmlns:a14="http://schemas.microsoft.com/office/drawing/2010/main"/>
+              </a:ext>
+            </a:extLst>
+          </a:blip>
+          <a:stretch>
+            <a:fillRect/>
+          </a:stretch>
+        </p:blipFill>
+        <p:spPr>
+          <a:xfrm rot="0">
+            <a:off x="9562465" y="1428750"/>
+            <a:ext cx="1403985" cy="1664970"/>
           </a:xfrm>
           <a:prstGeom prst="roundRect"/>
           <a:solidFill>
@@ -9041,9 +9587,9 @@
           <p:nvPr/>
         </p:nvSpPr>
         <p:spPr>
-          <a:xfrm>
-            <a:off x="4334510" y="467995"/>
-            <a:ext cx="3521075" cy="554990"/>
+          <a:xfrm rot="0">
+            <a:off x="4304665" y="363220"/>
+            <a:ext cx="3580765" cy="554990"/>
           </a:xfrm>
           <a:prstGeom prst="rect"/>
           <a:noFill/>
@@ -9058,28 +9604,21 @@
           </a:bodyPr>
           <a:lstStyle/>
           <a:p>
-            <a:pPr marL="0" indent="0" rtl="0" algn="l" defTabSz="914400" eaLnBrk="1" latinLnBrk="0" hangingPunct="1">
-              <a:buFontTx/>
-              <a:buNone/>
-            </a:pPr>
-            <a:r>
-              <a:rPr lang="ko-KR" sz="3000" b="1">
-                <a:latin typeface="맑은 고딕" charset="0"/>
-                <a:ea typeface="맑은 고딕" charset="0"/>
-              </a:rPr>
-              <a:t>열</a:t>
-            </a:r>
-            <a:r>
-              <a:rPr lang="ko-KR" sz="3000" b="1">
-                <a:latin typeface="맑은 고딕" charset="0"/>
-                <a:ea typeface="맑은 고딕" charset="0"/>
-              </a:rPr>
-              <a:t>두</a:t>
-            </a:r>
-            <a:r>
-              <a:rPr lang="ko-KR" sz="3000" b="1">
-                <a:latin typeface="맑은 고딕" charset="0"/>
-                <a:ea typeface="맑은 고딕" charset="0"/>
+            <a:pPr marL="0" indent="0" rtl="0" algn="ctr" defTabSz="914400" eaLnBrk="1" latinLnBrk="0" hangingPunct="1">
+              <a:buFontTx/>
+              <a:buNone/>
+            </a:pPr>
+            <a:r>
+              <a:rPr lang="ko-KR" sz="2500" b="1">
+                <a:latin typeface="나눔바른고딕" charset="0"/>
+                <a:ea typeface="나눔바른고딕" charset="0"/>
+              </a:rPr>
+              <a:t>열두</a:t>
+            </a:r>
+            <a:r>
+              <a:rPr lang="ko-KR" sz="2500" b="1">
+                <a:latin typeface="나눔바른고딕" charset="0"/>
+                <a:ea typeface="나눔바른고딕" charset="0"/>
               </a:rPr>
               <a:t> 번째 튜토리얼</a:t>
             </a:r>
@@ -9099,16 +9638,16 @@
       </p:sp>
       <p:sp>
         <p:nvSpPr>
-          <p:cNvPr id="57" name="텍스트 상자 57"/>
+          <p:cNvPr id="48" name="Rect 0"/>
           <p:cNvSpPr txBox="1">
             <a:spLocks/>
           </p:cNvSpPr>
           <p:nvPr/>
         </p:nvSpPr>
         <p:spPr>
-          <a:xfrm>
-            <a:off x="6816725" y="3858895"/>
-            <a:ext cx="4157980" cy="2338705"/>
+          <a:xfrm rot="0">
+            <a:off x="1229995" y="4341495"/>
+            <a:ext cx="4125595" cy="1784985"/>
           </a:xfrm>
           <a:prstGeom prst="rect"/>
           <a:noFill/>
@@ -9135,7 +9674,7 @@
                 <a:latin typeface="맑은 고딕" charset="0"/>
                 <a:ea typeface="맑은 고딕" charset="0"/>
               </a:rPr>
-              <a:t>27.</a:t>
+              <a:t>24.</a:t>
             </a:r>
             <a:r>
               <a:rPr lang="ko-KR" sz="2000">
@@ -9152,21 +9691,63 @@
                 <a:latin typeface="맑은 고딕" charset="0"/>
                 <a:ea typeface="맑은 고딕" charset="0"/>
               </a:rPr>
-              <a:t>그다음으로 SignUp( ) 함수를 생성하고 RegisterPlayFabUserRequest 클래스에서 Email과 비밀번호</a:t>
-            </a:r>
-            <a:r>
-              <a:rPr lang="ko-KR" sz="1800">
-                <a:latin typeface="맑은 고딕" charset="0"/>
-                <a:ea typeface="맑은 고딕" charset="0"/>
-              </a:rPr>
-              <a:t>를</a:t>
-            </a:r>
-            <a:r>
-              <a:rPr lang="ko-KR" sz="1800">
-                <a:latin typeface="맑은 고딕" charset="0"/>
-                <a:ea typeface="맑은 고딕" charset="0"/>
-              </a:rPr>
-              <a:t> 저장합니다.</a:t>
+              <a:t>이제 PhotonSetting </a:t>
+            </a:r>
+            <a:r>
+              <a:rPr lang="ko-KR" sz="1800">
+                <a:latin typeface="맑은 고딕" charset="0"/>
+                <a:ea typeface="맑은 고딕" charset="0"/>
+              </a:rPr>
+              <a:t>스크립트에서</a:t>
+            </a:r>
+            <a:r>
+              <a:rPr lang="ko-KR" sz="1800">
+                <a:latin typeface="맑은 고딕" charset="0"/>
+                <a:ea typeface="맑은 고딕" charset="0"/>
+              </a:rPr>
+              <a:t> </a:t>
+            </a:r>
+            <a:r>
+              <a:rPr lang="ko-KR" sz="1800">
+                <a:latin typeface="맑은 고딕" charset="0"/>
+                <a:ea typeface="맑은 고딕" charset="0"/>
+              </a:rPr>
+              <a:t>MonoBehaviourPunCallbacks</a:t>
+            </a:r>
+            <a:r>
+              <a:rPr lang="ko-KR" sz="1800">
+                <a:latin typeface="맑은 고딕" charset="0"/>
+                <a:ea typeface="맑은 고딕" charset="0"/>
+              </a:rPr>
+              <a:t> </a:t>
+            </a:r>
+            <a:r>
+              <a:rPr lang="ko-KR" sz="1800">
+                <a:latin typeface="맑은 고딕" charset="0"/>
+                <a:ea typeface="맑은 고딕" charset="0"/>
+              </a:rPr>
+              <a:t>클래스를</a:t>
+            </a:r>
+            <a:r>
+              <a:rPr lang="ko-KR" sz="1800">
+                <a:latin typeface="맑은 고딕" charset="0"/>
+                <a:ea typeface="맑은 고딕" charset="0"/>
+              </a:rPr>
+              <a:t> </a:t>
+            </a:r>
+            <a:r>
+              <a:rPr lang="ko-KR" sz="1800">
+                <a:latin typeface="맑은 고딕" charset="0"/>
+                <a:ea typeface="맑은 고딕" charset="0"/>
+              </a:rPr>
+              <a:t>상속받도록</a:t>
+            </a:r>
+            <a:r>
+              <a:rPr lang="ko-KR" sz="1800">
+                <a:latin typeface="맑은 고딕" charset="0"/>
+                <a:ea typeface="맑은 고딕" charset="0"/>
+              </a:rPr>
+              <a:t> 설정합니다.</a:t>
             </a:r>
             <a:endParaRPr lang="ko-KR" altLang="en-US" sz="1800">
               <a:latin typeface="맑은 고딕" charset="0"/>
@@ -9193,7 +9774,56 @@
                 <a:latin typeface="맑은 고딕" charset="0"/>
                 <a:ea typeface="맑은 고딕" charset="0"/>
               </a:rPr>
-              <a:t>그런 다음 RegisterPlayFabUser 라는 함수에서 회원가입의 여부를 확인합니다.</a:t>
+              <a:t>그다음</a:t>
+            </a:r>
+            <a:r>
+              <a:rPr lang="ko-KR" sz="1800">
+                <a:latin typeface="맑은 고딕" charset="0"/>
+                <a:ea typeface="맑은 고딕" charset="0"/>
+              </a:rPr>
+              <a:t> InputField 변수 2개를 </a:t>
+            </a:r>
+            <a:r>
+              <a:rPr lang="ko-KR" sz="1800">
+                <a:latin typeface="맑은 고딕" charset="0"/>
+                <a:ea typeface="맑은 고딕" charset="0"/>
+              </a:rPr>
+              <a:t>선언한 </a:t>
+            </a:r>
+            <a:r>
+              <a:rPr lang="ko-KR" sz="1800">
+                <a:latin typeface="맑은 고딕" charset="0"/>
+                <a:ea typeface="맑은 고딕" charset="0"/>
+              </a:rPr>
+              <a:t>다음</a:t>
+            </a:r>
+            <a:r>
+              <a:rPr lang="ko-KR" sz="1800">
+                <a:latin typeface="맑은 고딕" charset="0"/>
+                <a:ea typeface="맑은 고딕" charset="0"/>
+              </a:rPr>
+              <a:t> </a:t>
+            </a:r>
+            <a:r>
+              <a:rPr lang="ko-KR" sz="1800">
+                <a:latin typeface="맑은 고딕" charset="0"/>
+                <a:ea typeface="맑은 고딕" charset="0"/>
+              </a:rPr>
+              <a:t>DropDown</a:t>
+            </a:r>
+            <a:r>
+              <a:rPr lang="ko-KR" sz="1800">
+                <a:latin typeface="맑은 고딕" charset="0"/>
+                <a:ea typeface="맑은 고딕" charset="0"/>
+              </a:rPr>
+              <a:t> 변수를 </a:t>
+            </a:r>
+            <a:r>
+              <a:rPr lang="ko-KR" sz="1800">
+                <a:latin typeface="맑은 고딕" charset="0"/>
+                <a:ea typeface="맑은 고딕" charset="0"/>
+              </a:rPr>
+              <a:t>선언합니다.</a:t>
             </a:r>
             <a:endParaRPr lang="ko-KR" altLang="en-US" sz="1800">
               <a:latin typeface="맑은 고딕" charset="0"/>
@@ -9204,16 +9834,16 @@
       </p:sp>
       <p:sp>
         <p:nvSpPr>
-          <p:cNvPr id="59" name="텍스트 상자 64"/>
+          <p:cNvPr id="57" name="텍스트 상자 59"/>
           <p:cNvSpPr txBox="1">
             <a:spLocks/>
           </p:cNvSpPr>
           <p:nvPr/>
         </p:nvSpPr>
         <p:spPr>
-          <a:xfrm>
-            <a:off x="1229995" y="5235575"/>
-            <a:ext cx="4131945" cy="954405"/>
+          <a:xfrm rot="0">
+            <a:off x="6555105" y="4058920"/>
+            <a:ext cx="4400550" cy="2062480"/>
           </a:xfrm>
           <a:prstGeom prst="rect"/>
           <a:noFill/>
@@ -9240,7 +9870,7 @@
                 <a:latin typeface="맑은 고딕" charset="0"/>
                 <a:ea typeface="맑은 고딕" charset="0"/>
               </a:rPr>
-              <a:t>2</a:t>
+              <a:t>25.</a:t>
             </a:r>
             <a:r>
               <a:rPr lang="ko-KR" sz="2000" b="1">
@@ -9250,26 +9880,6 @@
                 <a:latin typeface="맑은 고딕" charset="0"/>
                 <a:ea typeface="맑은 고딕" charset="0"/>
               </a:rPr>
-              <a:t>6</a:t>
-            </a:r>
-            <a:r>
-              <a:rPr lang="ko-KR" sz="2000" b="1">
-                <a:solidFill>
-                  <a:srgbClr val="0611F2"/>
-                </a:solidFill>
-                <a:latin typeface="맑은 고딕" charset="0"/>
-                <a:ea typeface="맑은 고딕" charset="0"/>
-              </a:rPr>
-              <a:t>.</a:t>
-            </a:r>
-            <a:r>
-              <a:rPr lang="ko-KR" sz="2000">
-                <a:solidFill>
-                  <a:srgbClr val="0611F2"/>
-                </a:solidFill>
-                <a:latin typeface="맑은 고딕" charset="0"/>
-                <a:ea typeface="맑은 고딕" charset="0"/>
-              </a:rPr>
               <a:t> </a:t>
             </a:r>
             <a:r>
@@ -9277,25 +9887,115 @@
                 <a:latin typeface="맑은 고딕" charset="0"/>
                 <a:ea typeface="맑은 고딕" charset="0"/>
               </a:rPr>
-              <a:t>그리고 로그인이 실패했을 때 그리고 회원가입이 성공했을 때와 실패했을 때의 함수를 생성합니다.</a:t>
+              <a:t>그런 다음 LoginSuccess( ) 함수를 </a:t>
+            </a:r>
+            <a:r>
+              <a:rPr lang="ko-KR" sz="1800">
+                <a:latin typeface="맑은 고딕" charset="0"/>
+                <a:ea typeface="맑은 고딕" charset="0"/>
+              </a:rPr>
+              <a:t>선언하고</a:t>
+            </a:r>
+            <a:r>
+              <a:rPr lang="ko-KR" sz="1800">
+                <a:latin typeface="맑은 고딕" charset="0"/>
+                <a:ea typeface="맑은 고딕" charset="0"/>
+              </a:rPr>
+              <a:t> 게임 버전과 지역을 설정합니다.</a:t>
             </a:r>
             <a:endParaRPr lang="ko-KR" altLang="en-US" sz="1800">
               <a:latin typeface="맑은 고딕" charset="0"/>
               <a:ea typeface="맑은 고딕" charset="0"/>
             </a:endParaRPr>
           </a:p>
+          <a:p>
+            <a:pPr marL="0" indent="0" rtl="0" algn="l" defTabSz="914400" eaLnBrk="1" latinLnBrk="0" hangingPunct="1">
+              <a:buFontTx/>
+              <a:buNone/>
+            </a:pPr>
+            <a:endParaRPr lang="ko-KR" altLang="en-US" sz="1800">
+              <a:latin typeface="맑은 고딕" charset="0"/>
+              <a:ea typeface="맑은 고딕" charset="0"/>
+            </a:endParaRPr>
+          </a:p>
+          <a:p>
+            <a:pPr marL="0" indent="0" rtl="0" algn="l" defTabSz="914400" eaLnBrk="1" latinLnBrk="0" hangingPunct="1">
+              <a:buFontTx/>
+              <a:buNone/>
+            </a:pPr>
+            <a:r>
+              <a:rPr lang="ko-KR" sz="1800">
+                <a:latin typeface="맑은 고딕" charset="0"/>
+                <a:ea typeface="맑은 고딕" charset="0"/>
+              </a:rPr>
+              <a:t>그리고</a:t>
+            </a:r>
+            <a:r>
+              <a:rPr lang="ko-KR" sz="1800">
+                <a:latin typeface="맑은 고딕" charset="0"/>
+                <a:ea typeface="맑은 고딕" charset="0"/>
+              </a:rPr>
+              <a:t> AutomaticallySyncScene을 </a:t>
+            </a:r>
+            <a:r>
+              <a:rPr lang="ko-KR" sz="1800">
+                <a:latin typeface="맑은 고딕" charset="0"/>
+                <a:ea typeface="맑은 고딕" charset="0"/>
+              </a:rPr>
+              <a:t>비활성화한</a:t>
+            </a:r>
+            <a:r>
+              <a:rPr lang="ko-KR" sz="1800">
+                <a:latin typeface="맑은 고딕" charset="0"/>
+                <a:ea typeface="맑은 고딕" charset="0"/>
+              </a:rPr>
+              <a:t> 다음 로그인 인증 절차가 </a:t>
+            </a:r>
+            <a:r>
+              <a:rPr lang="ko-KR" sz="1800">
+                <a:latin typeface="맑은 고딕" charset="0"/>
+                <a:ea typeface="맑은 고딕" charset="0"/>
+              </a:rPr>
+              <a:t>성공되었을</a:t>
+            </a:r>
+            <a:r>
+              <a:rPr lang="ko-KR" sz="1800">
+                <a:latin typeface="맑은 고딕" charset="0"/>
+                <a:ea typeface="맑은 고딕" charset="0"/>
+              </a:rPr>
+              <a:t> 때 Photon Lobby씬으로 </a:t>
+            </a:r>
+            <a:r>
+              <a:rPr lang="ko-KR" sz="1800">
+                <a:latin typeface="맑은 고딕" charset="0"/>
+                <a:ea typeface="맑은 고딕" charset="0"/>
+              </a:rPr>
+              <a:t>이동하도록</a:t>
+            </a:r>
+            <a:r>
+              <a:rPr lang="ko-KR" sz="1800">
+                <a:latin typeface="맑은 고딕" charset="0"/>
+                <a:ea typeface="맑은 고딕" charset="0"/>
+              </a:rPr>
+              <a:t> 설정합니다.</a:t>
+            </a:r>
+            <a:endParaRPr lang="ko-KR" altLang="en-US" sz="1800">
+              <a:latin typeface="맑은 고딕" charset="0"/>
+              <a:ea typeface="맑은 고딕" charset="0"/>
+            </a:endParaRPr>
+          </a:p>
         </p:txBody>
       </p:sp>
       <p:pic>
         <p:nvPicPr>
-          <p:cNvPr id="60" name="그림 65"/>
+          <p:cNvPr id="59" name="그림 10"/>
           <p:cNvPicPr>
             <a:picLocks noChangeAspect="1"/>
           </p:cNvPicPr>
           <p:nvPr/>
         </p:nvPicPr>
         <p:blipFill rotWithShape="1">
-          <a:blip r:embed="rId3" cstate="hqprint">
+          <a:blip r:embed="rId7" cstate="hqprint">
             <a:extLst>
               <a:ext uri="{28A0092B-C50C-407E-A947-70E740481C1C}">
                 <a14:useLocalDpi xmlns:a14="http://schemas.microsoft.com/office/drawing/2010/main"/>
@@ -9308,26 +10008,28 @@
         </p:blipFill>
         <p:spPr>
           <a:xfrm rot="0">
-            <a:off x="1228090" y="1412240"/>
-            <a:ext cx="4124960" cy="3700780"/>
-          </a:xfrm>
-          <a:prstGeom prst="rect"/>
-          <a:noFill/>
+            <a:off x="1222375" y="1447165"/>
+            <a:ext cx="4133215" cy="2735580"/>
+          </a:xfrm>
+          <a:prstGeom prst="roundRect"/>
+          <a:solidFill>
+            <a:srgbClr val="EDEDED"/>
+          </a:solidFill>
         </p:spPr>
       </p:pic>
       <p:pic>
         <p:nvPicPr>
-          <p:cNvPr id="61" name="그림 33" descr="C:/Users/Admin1/AppData/Roaming/PolarisOffice/ETemp/20636_16816336/fImage753292485724.png"/>
+          <p:cNvPr id="60" name="그림 56" descr="C:/Users/Admin1/AppData/Roaming/PolarisOffice/ETemp/17000_24235064/fImage540793315724.png"/>
           <p:cNvPicPr>
             <a:picLocks noChangeAspect="1"/>
           </p:cNvPicPr>
           <p:nvPr/>
         </p:nvPicPr>
         <p:blipFill rotWithShape="1">
-          <a:blip r:embed="rId6" cstate="print">
+          <a:blip r:embed="rId9" cstate="hqprint">
             <a:extLst>
               <a:ext uri="{28A0092B-C50C-407E-A947-70E740481C1C}">
-                <a14:useLocalDpi xmlns:a14="http://schemas.microsoft.com/office/drawing/2010/main" val="0"/>
+                <a14:useLocalDpi xmlns:a14="http://schemas.microsoft.com/office/drawing/2010/main"/>
               </a:ext>
             </a:extLst>
           </a:blip>
@@ -9337,8 +10039,8 @@
         </p:blipFill>
         <p:spPr>
           <a:xfrm rot="0">
-            <a:off x="6816725" y="1446530"/>
-            <a:ext cx="4165600" cy="2303145"/>
+            <a:off x="6557645" y="1457325"/>
+            <a:ext cx="4407535" cy="2470785"/>
           </a:xfrm>
           <a:prstGeom prst="roundRect"/>
           <a:solidFill>
@@ -9432,9 +10134,9 @@
           <p:nvPr/>
         </p:nvSpPr>
         <p:spPr>
-          <a:xfrm>
-            <a:off x="4334510" y="467995"/>
-            <a:ext cx="3521075" cy="554990"/>
+          <a:xfrm rot="0">
+            <a:off x="4334510" y="313055"/>
+            <a:ext cx="3521710" cy="554990"/>
           </a:xfrm>
           <a:prstGeom prst="rect"/>
           <a:noFill/>
@@ -9449,28 +10151,21 @@
           </a:bodyPr>
           <a:lstStyle/>
           <a:p>
-            <a:pPr marL="0" indent="0" rtl="0" algn="l" defTabSz="914400" eaLnBrk="1" latinLnBrk="0" hangingPunct="1">
-              <a:buFontTx/>
-              <a:buNone/>
-            </a:pPr>
-            <a:r>
-              <a:rPr lang="ko-KR" sz="3000" b="1">
-                <a:latin typeface="맑은 고딕" charset="0"/>
-                <a:ea typeface="맑은 고딕" charset="0"/>
-              </a:rPr>
-              <a:t>열</a:t>
-            </a:r>
-            <a:r>
-              <a:rPr lang="ko-KR" sz="3000" b="1">
-                <a:latin typeface="맑은 고딕" charset="0"/>
-                <a:ea typeface="맑은 고딕" charset="0"/>
-              </a:rPr>
-              <a:t>세</a:t>
-            </a:r>
-            <a:r>
-              <a:rPr lang="ko-KR" sz="3000" b="1">
-                <a:latin typeface="맑은 고딕" charset="0"/>
-                <a:ea typeface="맑은 고딕" charset="0"/>
+            <a:pPr marL="0" indent="0" rtl="0" algn="ctr" defTabSz="914400" eaLnBrk="1" latinLnBrk="0" hangingPunct="1">
+              <a:buFontTx/>
+              <a:buNone/>
+            </a:pPr>
+            <a:r>
+              <a:rPr lang="ko-KR" sz="2500" b="1">
+                <a:latin typeface="나눔바른고딕" charset="0"/>
+                <a:ea typeface="나눔바른고딕" charset="0"/>
+              </a:rPr>
+              <a:t>열세</a:t>
+            </a:r>
+            <a:r>
+              <a:rPr lang="ko-KR" sz="2500" b="1">
+                <a:latin typeface="나눔바른고딕" charset="0"/>
+                <a:ea typeface="나눔바른고딕" charset="0"/>
               </a:rPr>
               <a:t> 번째 튜토리얼</a:t>
             </a:r>
@@ -9490,7 +10185,7 @@
       </p:sp>
       <p:sp>
         <p:nvSpPr>
-          <p:cNvPr id="57" name="Rect 0"/>
+          <p:cNvPr id="59" name="텍스트 상자 64"/>
           <p:cNvSpPr txBox="1">
             <a:spLocks/>
           </p:cNvSpPr>
@@ -9498,8 +10193,8 @@
         </p:nvSpPr>
         <p:spPr>
           <a:xfrm rot="0">
-            <a:off x="6781165" y="2868930"/>
-            <a:ext cx="4167505" cy="954405"/>
+            <a:off x="1229995" y="5140960"/>
+            <a:ext cx="4145915" cy="954405"/>
           </a:xfrm>
           <a:prstGeom prst="rect"/>
           <a:noFill/>
@@ -9526,7 +10221,7 @@
                 <a:latin typeface="맑은 고딕" charset="0"/>
                 <a:ea typeface="맑은 고딕" charset="0"/>
               </a:rPr>
-              <a:t>29.</a:t>
+              <a:t>26.</a:t>
             </a:r>
             <a:r>
               <a:rPr lang="ko-KR" sz="2000">
@@ -9543,7 +10238,77 @@
                 <a:latin typeface="맑은 고딕" charset="0"/>
                 <a:ea typeface="맑은 고딕" charset="0"/>
               </a:rPr>
-              <a:t>이제 Photon Setting 오브젝트에 있는 스크립트에 각각의 InputField와 Dropdown 오브젝트를 넣어줍니다.</a:t>
+              <a:t>그러고 나서 C# Script를 </a:t>
+            </a:r>
+            <a:r>
+              <a:rPr lang="ko-KR" sz="1800">
+                <a:latin typeface="맑은 고딕" charset="0"/>
+                <a:ea typeface="맑은 고딕" charset="0"/>
+              </a:rPr>
+              <a:t>생성하고 </a:t>
+            </a:r>
+            <a:r>
+              <a:rPr lang="ko-KR" sz="1800">
+                <a:latin typeface="맑은 고딕" charset="0"/>
+                <a:ea typeface="맑은 고딕" charset="0"/>
+              </a:rPr>
+              <a:t>N</a:t>
+            </a:r>
+            <a:r>
+              <a:rPr lang="ko-KR" sz="1800">
+                <a:latin typeface="맑은 고딕" charset="0"/>
+                <a:ea typeface="맑은 고딕" charset="0"/>
+              </a:rPr>
+              <a:t>oti</a:t>
+            </a:r>
+            <a:r>
+              <a:rPr lang="ko-KR" sz="1800">
+                <a:latin typeface="맑은 고딕" charset="0"/>
+                <a:ea typeface="맑은 고딕" charset="0"/>
+              </a:rPr>
+              <a:t>f</a:t>
+            </a:r>
+            <a:r>
+              <a:rPr lang="ko-KR" sz="1800">
+                <a:latin typeface="맑은 고딕" charset="0"/>
+                <a:ea typeface="맑은 고딕" charset="0"/>
+              </a:rPr>
+              <a:t>icationManager라</a:t>
+            </a:r>
+            <a:r>
+              <a:rPr lang="ko-KR" sz="1800">
+                <a:latin typeface="맑은 고딕" charset="0"/>
+                <a:ea typeface="맑은 고딕" charset="0"/>
+              </a:rPr>
+              <a:t>는</a:t>
+            </a:r>
+            <a:r>
+              <a:rPr lang="ko-KR" sz="1800">
+                <a:latin typeface="맑은 고딕" charset="0"/>
+                <a:ea typeface="맑은 고딕" charset="0"/>
+              </a:rPr>
+              <a:t> </a:t>
+            </a:r>
+            <a:r>
+              <a:rPr lang="ko-KR" sz="1800">
+                <a:latin typeface="맑은 고딕" charset="0"/>
+                <a:ea typeface="맑은 고딕" charset="0"/>
+              </a:rPr>
+              <a:t>이름으로 </a:t>
+            </a:r>
+            <a:r>
+              <a:rPr lang="ko-KR" sz="1800">
+                <a:latin typeface="맑은 고딕" charset="0"/>
+                <a:ea typeface="맑은 고딕" charset="0"/>
+              </a:rPr>
+              <a:t>정의합니</a:t>
+            </a:r>
+            <a:r>
+              <a:rPr lang="ko-KR" sz="1800">
+                <a:latin typeface="맑은 고딕" charset="0"/>
+                <a:ea typeface="맑은 고딕" charset="0"/>
+              </a:rPr>
+              <a:t>다.</a:t>
             </a:r>
             <a:endParaRPr lang="ko-KR" altLang="en-US" sz="1800">
               <a:latin typeface="맑은 고딕" charset="0"/>
@@ -9552,124 +10317,19 @@
           </a:p>
         </p:txBody>
       </p:sp>
-      <p:sp>
-        <p:nvSpPr>
-          <p:cNvPr id="60" name="텍스트 상자 62"/>
-          <p:cNvSpPr txBox="1">
-            <a:spLocks/>
-          </p:cNvSpPr>
-          <p:nvPr/>
-        </p:nvSpPr>
-        <p:spPr>
-          <a:xfrm>
-            <a:off x="1214120" y="4126865"/>
-            <a:ext cx="4157345" cy="2061845"/>
-          </a:xfrm>
-          <a:prstGeom prst="rect"/>
-          <a:noFill/>
-          <a:ln w="0">
-            <a:noFill/>
-            <a:prstDash/>
-          </a:ln>
-        </p:spPr>
-        <p:txBody>
-          <a:bodyPr wrap="square" lIns="89535" tIns="46355" rIns="89535" bIns="46355" numCol="1" vert="horz" anchor="t">
-            <a:spAutoFit/>
-          </a:bodyPr>
-          <a:lstStyle/>
-          <a:p>
-            <a:pPr marL="0" indent="0" rtl="0" algn="l" defTabSz="914400" eaLnBrk="1" latinLnBrk="0" hangingPunct="1">
-              <a:buFontTx/>
-              <a:buNone/>
-            </a:pPr>
-            <a:r>
-              <a:rPr lang="ko-KR" sz="2000" b="1">
-                <a:solidFill>
-                  <a:srgbClr val="0611F2"/>
-                </a:solidFill>
-                <a:latin typeface="맑은 고딕" charset="0"/>
-                <a:ea typeface="맑은 고딕" charset="0"/>
-              </a:rPr>
-              <a:t>28.</a:t>
-            </a:r>
-            <a:r>
-              <a:rPr lang="ko-KR" sz="2000">
-                <a:solidFill>
-                  <a:srgbClr val="0611F2"/>
-                </a:solidFill>
-                <a:latin typeface="맑은 고딕" charset="0"/>
-                <a:ea typeface="맑은 고딕" charset="0"/>
-              </a:rPr>
-              <a:t> </a:t>
-            </a:r>
-            <a:r>
-              <a:rPr lang="ko-KR" sz="1800">
-                <a:latin typeface="맑은 고딕" charset="0"/>
-                <a:ea typeface="맑은 고딕" charset="0"/>
-              </a:rPr>
-              <a:t>마지막으로 Login( ) 함수를 생성하고 로그인에 대한 정보를 입력받습니다.</a:t>
-            </a:r>
-            <a:endParaRPr lang="ko-KR" altLang="en-US" sz="1800">
-              <a:latin typeface="맑은 고딕" charset="0"/>
-              <a:ea typeface="맑은 고딕" charset="0"/>
-            </a:endParaRPr>
-          </a:p>
-          <a:p>
-            <a:pPr marL="0" indent="0" rtl="0" algn="l" defTabSz="914400" eaLnBrk="1" latinLnBrk="0" hangingPunct="1">
-              <a:buFontTx/>
-              <a:buNone/>
-            </a:pPr>
-            <a:endParaRPr lang="ko-KR" altLang="en-US" sz="1800">
-              <a:latin typeface="맑은 고딕" charset="0"/>
-              <a:ea typeface="맑은 고딕" charset="0"/>
-            </a:endParaRPr>
-          </a:p>
-          <a:p>
-            <a:pPr marL="0" indent="0" rtl="0" algn="l" defTabSz="914400" eaLnBrk="1" latinLnBrk="0" hangingPunct="1">
-              <a:buFontTx/>
-              <a:buNone/>
-            </a:pPr>
-            <a:r>
-              <a:rPr lang="ko-KR" sz="1800">
-                <a:latin typeface="맑은 고딕" charset="0"/>
-                <a:ea typeface="맑은 고딕" charset="0"/>
-              </a:rPr>
-              <a:t>그</a:t>
-            </a:r>
-            <a:r>
-              <a:rPr lang="ko-KR" sz="1800">
-                <a:latin typeface="맑은 고딕" charset="0"/>
-                <a:ea typeface="맑은 고딕" charset="0"/>
-              </a:rPr>
-              <a:t>러고 나서</a:t>
-            </a:r>
-            <a:r>
-              <a:rPr lang="ko-KR" sz="1800">
-                <a:latin typeface="맑은 고딕" charset="0"/>
-                <a:ea typeface="맑은 고딕" charset="0"/>
-              </a:rPr>
-              <a:t> 로그인의 여부를 설정하는 LoginWithEmailAddress라는 함수로 로그인 인증 절차를 확인합니다.</a:t>
-            </a:r>
-            <a:endParaRPr lang="ko-KR" altLang="en-US" sz="1800">
-              <a:latin typeface="맑은 고딕" charset="0"/>
-              <a:ea typeface="맑은 고딕" charset="0"/>
-            </a:endParaRPr>
-          </a:p>
-        </p:txBody>
-      </p:sp>
       <p:pic>
         <p:nvPicPr>
-          <p:cNvPr id="61" name="그림 63" descr="C:/Users/Admin1/AppData/Roaming/PolarisOffice/ETemp/20636_16816336/fImage341333385447.png"/>
+          <p:cNvPr id="62" name="그림 3"/>
           <p:cNvPicPr>
             <a:picLocks noChangeAspect="1"/>
           </p:cNvPicPr>
           <p:nvPr/>
         </p:nvPicPr>
         <p:blipFill rotWithShape="1">
-          <a:blip r:embed="rId2" cstate="hqprint">
+          <a:blip r:embed="rId7" cstate="print">
             <a:extLst>
               <a:ext uri="{28A0092B-C50C-407E-A947-70E740481C1C}">
-                <a14:useLocalDpi xmlns:a14="http://schemas.microsoft.com/office/drawing/2010/main"/>
+                <a14:useLocalDpi xmlns:a14="http://schemas.microsoft.com/office/drawing/2010/main" val="0"/>
               </a:ext>
             </a:extLst>
           </a:blip>
@@ -9679,8 +10339,8 @@
         </p:blipFill>
         <p:spPr>
           <a:xfrm rot="0">
-            <a:off x="1222375" y="1404620"/>
-            <a:ext cx="4149090" cy="2603500"/>
+            <a:off x="4418965" y="2609215"/>
+            <a:ext cx="965835" cy="1112520"/>
           </a:xfrm>
           <a:prstGeom prst="roundRect"/>
           <a:solidFill>
@@ -9690,7 +10350,7 @@
       </p:pic>
       <p:pic>
         <p:nvPicPr>
-          <p:cNvPr id="74" name="그림 36" descr="C:/Users/Admin1/AppData/Roaming/PolarisOffice/ETemp/20636_16816336/fImage125122491478.png"/>
+          <p:cNvPr id="63" name="그림 4"/>
           <p:cNvPicPr>
             <a:picLocks noChangeAspect="1"/>
           </p:cNvPicPr>
@@ -9710,8 +10370,8 @@
         </p:blipFill>
         <p:spPr>
           <a:xfrm rot="0">
-            <a:off x="6784340" y="1410970"/>
-            <a:ext cx="2767965" cy="1374775"/>
+            <a:off x="1231900" y="1447165"/>
+            <a:ext cx="2842895" cy="3497580"/>
           </a:xfrm>
           <a:prstGeom prst="roundRect"/>
           <a:solidFill>
@@ -9719,136 +10379,94 @@
           </a:solidFill>
         </p:spPr>
       </p:pic>
+      <p:sp>
+        <p:nvSpPr>
+          <p:cNvPr id="65" name="텍스트 상자 15"/>
+          <p:cNvSpPr txBox="1">
+            <a:spLocks/>
+          </p:cNvSpPr>
+          <p:nvPr/>
+        </p:nvSpPr>
+        <p:spPr>
+          <a:xfrm rot="0">
+            <a:off x="6823075" y="2740025"/>
+            <a:ext cx="4126230" cy="954405"/>
+          </a:xfrm>
+          <a:prstGeom prst="rect"/>
+          <a:noFill/>
+          <a:ln w="0">
+            <a:noFill/>
+            <a:prstDash/>
+          </a:ln>
+        </p:spPr>
+        <p:txBody>
+          <a:bodyPr wrap="square" lIns="89535" tIns="46355" rIns="89535" bIns="46355" numCol="1" vert="horz" anchor="t">
+            <a:spAutoFit/>
+          </a:bodyPr>
+          <a:lstStyle/>
+          <a:p>
+            <a:pPr marL="0" indent="0" rtl="0" algn="l" defTabSz="914400" eaLnBrk="1" latinLnBrk="0" hangingPunct="1">
+              <a:buFontTx/>
+              <a:buNone/>
+            </a:pPr>
+            <a:r>
+              <a:rPr lang="ko-KR" sz="2000" b="1">
+                <a:solidFill>
+                  <a:srgbClr val="0611F2"/>
+                </a:solidFill>
+                <a:latin typeface="맑은 고딕" charset="0"/>
+                <a:ea typeface="맑은 고딕" charset="0"/>
+              </a:rPr>
+              <a:t>27.</a:t>
+            </a:r>
+            <a:r>
+              <a:rPr lang="ko-KR" sz="2000">
+                <a:solidFill>
+                  <a:srgbClr val="0611F2"/>
+                </a:solidFill>
+                <a:latin typeface="맑은 고딕" charset="0"/>
+                <a:ea typeface="맑은 고딕" charset="0"/>
+              </a:rPr>
+              <a:t> </a:t>
+            </a:r>
+            <a:r>
+              <a:rPr lang="ko-KR" sz="1800">
+                <a:latin typeface="맑은 고딕" charset="0"/>
+                <a:ea typeface="맑은 고딕" charset="0"/>
+              </a:rPr>
+              <a:t>이제 NotificationManager </a:t>
+            </a:r>
+            <a:r>
+              <a:rPr lang="ko-KR" sz="1800">
+                <a:latin typeface="맑은 고딕" charset="0"/>
+                <a:ea typeface="맑은 고딕" charset="0"/>
+              </a:rPr>
+              <a:t>스크립트에서</a:t>
+            </a:r>
+            <a:r>
+              <a:rPr lang="ko-KR" sz="1800">
+                <a:latin typeface="맑은 고딕" charset="0"/>
+                <a:ea typeface="맑은 고딕" charset="0"/>
+              </a:rPr>
+              <a:t> Text 변수를 2개 </a:t>
+            </a:r>
+            <a:r>
+              <a:rPr lang="ko-KR" sz="1800">
+                <a:latin typeface="맑은 고딕" charset="0"/>
+                <a:ea typeface="맑은 고딕" charset="0"/>
+              </a:rPr>
+              <a:t>선언합니다.</a:t>
+            </a:r>
+            <a:endParaRPr lang="ko-KR" altLang="en-US" sz="1800">
+              <a:latin typeface="맑은 고딕" charset="0"/>
+              <a:ea typeface="맑은 고딕" charset="0"/>
+            </a:endParaRPr>
+          </a:p>
+        </p:txBody>
+      </p:sp>
       <p:pic>
         <p:nvPicPr>
-          <p:cNvPr id="75" name="그림 39" descr="C:/Users/Admin1/AppData/Roaming/PolarisOffice/ETemp/20636_16816336/fImage94542509358.png"/>
-          <p:cNvPicPr>
-            <a:picLocks noChangeAspect="1"/>
-          </p:cNvPicPr>
-          <p:nvPr/>
-        </p:nvPicPr>
-        <p:blipFill rotWithShape="1">
-          <a:blip r:embed="rId9" cstate="print">
-            <a:extLst>
-              <a:ext uri="{28A0092B-C50C-407E-A947-70E740481C1C}">
-                <a14:useLocalDpi xmlns:a14="http://schemas.microsoft.com/office/drawing/2010/main" val="0"/>
-              </a:ext>
-            </a:extLst>
-          </a:blip>
-          <a:stretch>
-            <a:fillRect/>
-          </a:stretch>
-        </p:blipFill>
-        <p:spPr>
-          <a:xfrm rot="0">
-            <a:off x="9659620" y="1401445"/>
-            <a:ext cx="1289050" cy="1384300"/>
-          </a:xfrm>
-          <a:prstGeom prst="roundRect"/>
-          <a:solidFill>
-            <a:srgbClr val="EDEDED"/>
-          </a:solidFill>
-        </p:spPr>
-      </p:pic>
-      <p:cxnSp>
-        <p:nvCxnSpPr>
-          <p:cNvPr id="70" name="도형 33"/>
-          <p:cNvCxnSpPr/>
-          <p:nvPr/>
-        </p:nvCxnSpPr>
-        <p:spPr>
-          <a:xfrm rot="0" flipH="1">
-            <a:off x="9460230" y="2194560"/>
-            <a:ext cx="416560" cy="125095"/>
-          </a:xfrm>
-          <a:prstGeom prst="straightConnector1"/>
-          <a:ln w="6350" cap="flat" cmpd="sng">
-            <a:prstDash/>
-            <a:tailEnd type="triangle" w="med" len="med"/>
-          </a:ln>
-        </p:spPr>
-        <p:style>
-          <a:lnRef idx="1">
-            <a:schemeClr val="accent1"/>
-          </a:lnRef>
-          <a:fillRef idx="0">
-            <a:schemeClr val="accent1"/>
-          </a:fillRef>
-          <a:effectRef idx="0">
-            <a:schemeClr val="accent1"/>
-          </a:effectRef>
-          <a:fontRef idx="minor">
-            <a:schemeClr val="tx1"/>
-          </a:fontRef>
-        </p:style>
-      </p:cxnSp>
-      <p:cxnSp>
-        <p:nvCxnSpPr>
-          <p:cNvPr id="71" name="도형 34"/>
-          <p:cNvCxnSpPr/>
-          <p:nvPr/>
-        </p:nvCxnSpPr>
-        <p:spPr>
-          <a:xfrm rot="0" flipH="1">
-            <a:off x="9468485" y="2302510"/>
-            <a:ext cx="408305" cy="258445"/>
-          </a:xfrm>
-          <a:prstGeom prst="straightConnector1"/>
-          <a:ln w="6350" cap="flat" cmpd="sng">
-            <a:prstDash/>
-            <a:tailEnd type="triangle" w="med" len="med"/>
-          </a:ln>
-        </p:spPr>
-        <p:style>
-          <a:lnRef idx="1">
-            <a:schemeClr val="accent1"/>
-          </a:lnRef>
-          <a:fillRef idx="0">
-            <a:schemeClr val="accent1"/>
-          </a:fillRef>
-          <a:effectRef idx="0">
-            <a:schemeClr val="accent1"/>
-          </a:effectRef>
-          <a:fontRef idx="minor">
-            <a:schemeClr val="tx1"/>
-          </a:fontRef>
-        </p:style>
-      </p:cxnSp>
-      <p:cxnSp>
-        <p:nvCxnSpPr>
-          <p:cNvPr id="72" name="도형 37"/>
-          <p:cNvCxnSpPr/>
-          <p:nvPr/>
-        </p:nvCxnSpPr>
-        <p:spPr>
-          <a:xfrm rot="0" flipH="1" flipV="1">
-            <a:off x="9476740" y="2078355"/>
-            <a:ext cx="408305" cy="349885"/>
-          </a:xfrm>
-          <a:prstGeom prst="straightConnector1"/>
-          <a:ln w="6350" cap="flat" cmpd="sng">
-            <a:prstDash/>
-            <a:tailEnd type="triangle" w="med" len="med"/>
-          </a:ln>
-        </p:spPr>
-        <p:style>
-          <a:lnRef idx="1">
-            <a:schemeClr val="accent1"/>
-          </a:lnRef>
-          <a:fillRef idx="0">
-            <a:schemeClr val="accent1"/>
-          </a:fillRef>
-          <a:effectRef idx="0">
-            <a:schemeClr val="accent1"/>
-          </a:effectRef>
-          <a:fontRef idx="minor">
-            <a:schemeClr val="tx1"/>
-          </a:fontRef>
-        </p:style>
-      </p:cxnSp>
-      <p:pic>
-        <p:nvPicPr>
-          <p:cNvPr id="76" name="그림 44" descr="C:/Users/Admin1/AppData/Roaming/PolarisOffice/ETemp/20636_16816336/fImage131623402995.png"/>
+          <p:cNvPr id="66" name="그림 16" descr="C:/Users/Admin1/AppData/Roaming/PolarisOffice/ETemp/10628_18467872/fImage108433176500.png"/>
           <p:cNvPicPr>
             <a:picLocks noChangeAspect="1"/>
           </p:cNvPicPr>
@@ -9868,8 +10486,8 @@
         </p:blipFill>
         <p:spPr>
           <a:xfrm rot="0">
-            <a:off x="6791960" y="3938270"/>
-            <a:ext cx="4148455" cy="1241425"/>
+            <a:off x="6834505" y="3841750"/>
+            <a:ext cx="4123690" cy="1198245"/>
           </a:xfrm>
           <a:prstGeom prst="roundRect"/>
           <a:solidFill>
@@ -9879,7 +10497,7 @@
       </p:pic>
       <p:sp>
         <p:nvSpPr>
-          <p:cNvPr id="77" name="텍스트 상자 45"/>
+          <p:cNvPr id="67" name="텍스트 상자 19"/>
           <p:cNvSpPr txBox="1">
             <a:spLocks/>
           </p:cNvSpPr>
@@ -9887,8 +10505,8 @@
         </p:nvSpPr>
         <p:spPr>
           <a:xfrm rot="0">
-            <a:off x="6791960" y="5232400"/>
-            <a:ext cx="4156710" cy="954405"/>
+            <a:off x="6826250" y="5147310"/>
+            <a:ext cx="4131310" cy="954405"/>
           </a:xfrm>
           <a:prstGeom prst="rect"/>
           <a:noFill/>
@@ -9915,17 +10533,7 @@
                 <a:latin typeface="맑은 고딕" charset="0"/>
                 <a:ea typeface="맑은 고딕" charset="0"/>
               </a:rPr>
-              <a:t>30</a:t>
-            </a:r>
-            <a:r>
-              <a:rPr lang="ko-KR" sz="2000" b="1">
-                <a:solidFill>
-                  <a:srgbClr val="0611F2"/>
-                </a:solidFill>
-                <a:latin typeface="맑은 고딕" charset="0"/>
-                <a:ea typeface="맑은 고딕" charset="0"/>
-              </a:rPr>
-              <a:t>.</a:t>
+              <a:t>28.</a:t>
             </a:r>
             <a:r>
               <a:rPr lang="ko-KR" sz="2000">
@@ -9942,21 +10550,49 @@
                 <a:latin typeface="맑은 고딕" charset="0"/>
                 <a:ea typeface="맑은 고딕" charset="0"/>
               </a:rPr>
-              <a:t>그</a:t>
-            </a:r>
-            <a:r>
-              <a:rPr lang="ko-KR" sz="1800">
-                <a:latin typeface="맑은 고딕" charset="0"/>
-                <a:ea typeface="맑은 고딕" charset="0"/>
-              </a:rPr>
-              <a:t>리고</a:t>
-            </a:r>
-            <a:r>
-              <a:rPr lang="ko-KR" sz="1800">
-                <a:latin typeface="맑은 고딕" charset="0"/>
-                <a:ea typeface="맑은 고딕" charset="0"/>
-              </a:rPr>
-              <a:t> Region DropDown 오브젝트의 앵커를 지정하고 위치와 회전 값을 설정합니다.</a:t>
+              <a:t>그리고 </a:t>
+            </a:r>
+            <a:r>
+              <a:rPr lang="ko-KR" sz="1800">
+                <a:latin typeface="맑은 고딕" charset="0"/>
+                <a:ea typeface="맑은 고딕" charset="0"/>
+              </a:rPr>
+              <a:t>Close( ) 함수를 선언한 </a:t>
+            </a:r>
+            <a:r>
+              <a:rPr lang="ko-KR" sz="1800">
+                <a:latin typeface="맑은 고딕" charset="0"/>
+                <a:ea typeface="맑은 고딕" charset="0"/>
+              </a:rPr>
+              <a:t>다음</a:t>
+            </a:r>
+            <a:r>
+              <a:rPr lang="ko-KR" sz="1800">
+                <a:latin typeface="맑은 고딕" charset="0"/>
+                <a:ea typeface="맑은 고딕" charset="0"/>
+              </a:rPr>
+              <a:t> </a:t>
+            </a:r>
+            <a:r>
+              <a:rPr lang="ko-KR" sz="1800">
+                <a:latin typeface="맑은 고딕" charset="0"/>
+                <a:ea typeface="맑은 고딕" charset="0"/>
+              </a:rPr>
+              <a:t>게임 오브젝트를 삭제하도록 </a:t>
+            </a:r>
+            <a:r>
+              <a:rPr lang="ko-KR" sz="1800">
+                <a:latin typeface="맑은 고딕" charset="0"/>
+                <a:ea typeface="맑은 고딕" charset="0"/>
+              </a:rPr>
+              <a:t>설정합니</a:t>
+            </a:r>
+            <a:r>
+              <a:rPr lang="ko-KR" sz="1800">
+                <a:latin typeface="맑은 고딕" charset="0"/>
+                <a:ea typeface="맑은 고딕" charset="0"/>
+              </a:rPr>
+              <a:t>다.</a:t>
             </a:r>
             <a:endParaRPr lang="ko-KR" altLang="en-US" sz="1800">
               <a:latin typeface="맑은 고딕" charset="0"/>
@@ -9965,6 +10601,37 @@
           </a:p>
         </p:txBody>
       </p:sp>
+      <p:pic>
+        <p:nvPicPr>
+          <p:cNvPr id="68" name="그림 11" descr="C:/Users/Admin1/AppData/Roaming/PolarisOffice/ETemp/10628_18467872/fImage1873232841.png"/>
+          <p:cNvPicPr>
+            <a:picLocks noChangeAspect="1"/>
+          </p:cNvPicPr>
+          <p:nvPr/>
+        </p:nvPicPr>
+        <p:blipFill rotWithShape="1">
+          <a:blip r:embed="rId11" cstate="print">
+            <a:extLst>
+              <a:ext uri="{28A0092B-C50C-407E-A947-70E740481C1C}">
+                <a14:useLocalDpi xmlns:a14="http://schemas.microsoft.com/office/drawing/2010/main" val="0"/>
+              </a:ext>
+            </a:extLst>
+          </a:blip>
+          <a:stretch>
+            <a:fillRect/>
+          </a:stretch>
+        </p:blipFill>
+        <p:spPr>
+          <a:xfrm rot="0">
+            <a:off x="6822440" y="1438275"/>
+            <a:ext cx="4143375" cy="1172210"/>
+          </a:xfrm>
+          <a:prstGeom prst="roundRect"/>
+          <a:solidFill>
+            <a:srgbClr val="EDEDED"/>
+          </a:solidFill>
+        </p:spPr>
+      </p:pic>
     </p:spTree>
   </p:cSld>
   <p:clrMapOvr>
@@ -9989,7 +10656,7 @@
 </file>
 
 <file path=ppt/slides/slide14.xml><?xml version="1.0" encoding="utf-8"?>
-<p:sld xmlns:a="http://schemas.openxmlformats.org/drawingml/2006/main" xmlns:r="http://schemas.openxmlformats.org/officeDocument/2006/relationships" xmlns:p="http://schemas.openxmlformats.org/presentationml/2006/main" xmlns:p14="http://schemas.microsoft.com/office/powerpoint/2010/main">
+<p:sld xmlns:a="http://schemas.openxmlformats.org/drawingml/2006/main" xmlns:r="http://schemas.openxmlformats.org/officeDocument/2006/relationships" xmlns:p="http://schemas.openxmlformats.org/presentationml/2006/main">
   <p:cSld>
     <p:spTree>
       <p:nvGrpSpPr>
@@ -10016,7 +10683,7 @@
         <p:spPr>
           <a:xfrm rot="0">
             <a:off x="1229995" y="1337310"/>
-            <a:ext cx="4039235" cy="370840"/>
+            <a:ext cx="4040505" cy="372110"/>
           </a:xfrm>
           <a:prstGeom prst="rect"/>
           <a:noFill/>
@@ -10051,9 +10718,9 @@
           <p:nvPr/>
         </p:nvSpPr>
         <p:spPr>
-          <a:xfrm>
-            <a:off x="4334510" y="467995"/>
-            <a:ext cx="3521075" cy="554990"/>
+          <a:xfrm rot="0">
+            <a:off x="4334510" y="313055"/>
+            <a:ext cx="3522345" cy="554990"/>
           </a:xfrm>
           <a:prstGeom prst="rect"/>
           <a:noFill/>
@@ -10068,28 +10735,21 @@
           </a:bodyPr>
           <a:lstStyle/>
           <a:p>
-            <a:pPr marL="0" indent="0" rtl="0" algn="l" defTabSz="914400" eaLnBrk="1" latinLnBrk="0" hangingPunct="1">
-              <a:buFontTx/>
-              <a:buNone/>
-            </a:pPr>
-            <a:r>
-              <a:rPr lang="ko-KR" sz="3000" b="1">
-                <a:latin typeface="맑은 고딕" charset="0"/>
-                <a:ea typeface="맑은 고딕" charset="0"/>
-              </a:rPr>
-              <a:t>열</a:t>
-            </a:r>
-            <a:r>
-              <a:rPr lang="ko-KR" sz="3000" b="1">
-                <a:latin typeface="맑은 고딕" charset="0"/>
-                <a:ea typeface="맑은 고딕" charset="0"/>
-              </a:rPr>
-              <a:t>네</a:t>
-            </a:r>
-            <a:r>
-              <a:rPr lang="ko-KR" sz="3000" b="1">
-                <a:latin typeface="맑은 고딕" charset="0"/>
-                <a:ea typeface="맑은 고딕" charset="0"/>
+            <a:pPr marL="0" indent="0" rtl="0" algn="ctr" defTabSz="914400" eaLnBrk="1" latinLnBrk="0" hangingPunct="1">
+              <a:buFontTx/>
+              <a:buNone/>
+            </a:pPr>
+            <a:r>
+              <a:rPr lang="ko-KR" sz="2500" b="1">
+                <a:latin typeface="나눔바른고딕" charset="0"/>
+                <a:ea typeface="나눔바른고딕" charset="0"/>
+              </a:rPr>
+              <a:t>열네</a:t>
+            </a:r>
+            <a:r>
+              <a:rPr lang="ko-KR" sz="2500" b="1">
+                <a:latin typeface="나눔바른고딕" charset="0"/>
+                <a:ea typeface="나눔바른고딕" charset="0"/>
               </a:rPr>
               <a:t> 번째 튜토리얼</a:t>
             </a:r>
@@ -10116,9 +10776,9 @@
           <p:nvPr/>
         </p:nvSpPr>
         <p:spPr>
-          <a:xfrm>
-            <a:off x="6711315" y="5468620"/>
-            <a:ext cx="4271645" cy="677545"/>
+          <a:xfrm rot="0">
+            <a:off x="6808470" y="3850005"/>
+            <a:ext cx="4140200" cy="2338705"/>
           </a:xfrm>
           <a:prstGeom prst="rect"/>
           <a:noFill/>
@@ -10155,7 +10815,7 @@
                 <a:latin typeface="맑은 고딕" charset="0"/>
                 <a:ea typeface="맑은 고딕" charset="0"/>
               </a:rPr>
-              <a:t>2</a:t>
+              <a:t>0</a:t>
             </a:r>
             <a:r>
               <a:rPr lang="ko-KR" sz="2000" b="1">
@@ -10182,21 +10842,49 @@
                 <a:latin typeface="맑은 고딕" charset="0"/>
                 <a:ea typeface="맑은 고딕" charset="0"/>
               </a:rPr>
-              <a:t>그</a:t>
-            </a:r>
-            <a:r>
-              <a:rPr lang="ko-KR" sz="1800">
-                <a:latin typeface="맑은 고딕" charset="0"/>
-                <a:ea typeface="맑은 고딕" charset="0"/>
-              </a:rPr>
-              <a:t>다음</a:t>
-            </a:r>
-            <a:r>
-              <a:rPr lang="ko-KR" sz="1800">
-                <a:latin typeface="맑은 고딕" charset="0"/>
-                <a:ea typeface="맑은 고딕" charset="0"/>
-              </a:rPr>
-              <a:t> PhotonSetting를 선택하고</a:t>
+              <a:t>이제 </a:t>
+            </a:r>
+            <a:r>
+              <a:rPr lang="ko-KR" sz="1800">
+                <a:latin typeface="맑은 고딕" charset="0"/>
+                <a:ea typeface="맑은 고딕" charset="0"/>
+              </a:rPr>
+              <a:t>LoginFailure(PlayFabError) </a:t>
+            </a:r>
+            <a:r>
+              <a:rPr lang="ko-KR" sz="1800">
+                <a:latin typeface="맑은 고딕" charset="0"/>
+                <a:ea typeface="맑은 고딕" charset="0"/>
+              </a:rPr>
+              <a:t>함수를</a:t>
+            </a:r>
+            <a:r>
+              <a:rPr lang="ko-KR" sz="1800">
+                <a:latin typeface="맑은 고딕" charset="0"/>
+                <a:ea typeface="맑은 고딕" charset="0"/>
+              </a:rPr>
+              <a:t> 선언한 다음</a:t>
+            </a:r>
+            <a:r>
+              <a:rPr lang="ko-KR" sz="1800">
+                <a:latin typeface="맑은 고딕" charset="0"/>
+                <a:ea typeface="맑은 고딕" charset="0"/>
+              </a:rPr>
+              <a:t> </a:t>
+            </a:r>
+            <a:r>
+              <a:rPr lang="ko-KR" sz="1800">
+                <a:latin typeface="맑은 고딕" charset="0"/>
+                <a:ea typeface="맑은 고딕" charset="0"/>
+              </a:rPr>
+              <a:t>NotficationManager.NotificationWindow(</a:t>
+            </a:r>
+            <a:r>
+              <a:rPr lang="ko-KR" sz="1800">
+                <a:latin typeface="맑은 고딕" charset="0"/>
+                <a:ea typeface="맑은 고딕" charset="0"/>
+              </a:rPr>
+              <a:t> )를 호출합니다.</a:t>
             </a:r>
             <a:endParaRPr lang="ko-KR" altLang="en-US" sz="1800">
               <a:latin typeface="맑은 고딕" charset="0"/>
@@ -10208,42 +10896,84 @@
               <a:buFontTx/>
               <a:buNone/>
             </a:pPr>
-            <a:r>
-              <a:rPr lang="ko-KR" sz="1800">
-                <a:solidFill>
-                  <a:srgbClr val="009900"/>
-                </a:solidFill>
-                <a:latin typeface="맑은 고딕" charset="0"/>
-                <a:ea typeface="맑은 고딕" charset="0"/>
-              </a:rPr>
-              <a:t>[ SignUp( ) ]</a:t>
-            </a:r>
-            <a:r>
-              <a:rPr lang="ko-KR" sz="1800">
-                <a:latin typeface="맑은 고딕" charset="0"/>
-                <a:ea typeface="맑은 고딕" charset="0"/>
-              </a:rPr>
-              <a:t>이라는 함수를 설정합니다. </a:t>
-            </a:r>
             <a:endParaRPr lang="ko-KR" altLang="en-US" sz="1800">
               <a:latin typeface="맑은 고딕" charset="0"/>
               <a:ea typeface="맑은 고딕" charset="0"/>
             </a:endParaRPr>
           </a:p>
-        </p:txBody>
-      </p:sp>
-      <p:sp>
-        <p:nvSpPr>
-          <p:cNvPr id="60" name="Rect 0"/>
+          <a:p>
+            <a:pPr marL="0" indent="0" rtl="0" algn="l" defTabSz="914400" eaLnBrk="1" latinLnBrk="0" hangingPunct="1">
+              <a:buFontTx/>
+              <a:buNone/>
+            </a:pPr>
+            <a:r>
+              <a:rPr lang="ko-KR" sz="1800">
+                <a:latin typeface="맑은 고딕" charset="0"/>
+                <a:ea typeface="맑은 고딕" charset="0"/>
+              </a:rPr>
+              <a:t>그리고</a:t>
+            </a:r>
+            <a:r>
+              <a:rPr lang="ko-KR" sz="1800">
+                <a:latin typeface="맑은 고딕" charset="0"/>
+                <a:ea typeface="맑은 고딕" charset="0"/>
+              </a:rPr>
+              <a:t> NotificationWindow( ) 함수의 </a:t>
+            </a:r>
+            <a:r>
+              <a:rPr lang="ko-KR" sz="1800">
+                <a:latin typeface="맑은 고딕" charset="0"/>
+                <a:ea typeface="맑은 고딕" charset="0"/>
+              </a:rPr>
+              <a:t>인수로</a:t>
+            </a:r>
+            <a:r>
+              <a:rPr lang="ko-KR" sz="1800">
+                <a:latin typeface="맑은 고딕" charset="0"/>
+                <a:ea typeface="맑은 고딕" charset="0"/>
+              </a:rPr>
+              <a:t> </a:t>
+            </a:r>
+            <a:r>
+              <a:rPr lang="ko-KR" sz="1800">
+                <a:latin typeface="맑은 고딕" charset="0"/>
+                <a:ea typeface="맑은 고딕" charset="0"/>
+              </a:rPr>
+              <a:t>문자열로 제목과 내용을 </a:t>
+            </a:r>
+            <a:r>
+              <a:rPr lang="ko-KR" sz="1800">
+                <a:latin typeface="맑은 고딕" charset="0"/>
+                <a:ea typeface="맑은 고딕" charset="0"/>
+              </a:rPr>
+              <a:t>넣어줍니</a:t>
+            </a:r>
+            <a:r>
+              <a:rPr lang="ko-KR" sz="1800">
+                <a:latin typeface="맑은 고딕" charset="0"/>
+                <a:ea typeface="맑은 고딕" charset="0"/>
+              </a:rPr>
+              <a:t>다.</a:t>
+            </a:r>
+            <a:endParaRPr lang="ko-KR" altLang="en-US" sz="1800">
+              <a:latin typeface="맑은 고딕" charset="0"/>
+              <a:ea typeface="맑은 고딕" charset="0"/>
+            </a:endParaRPr>
+          </a:p>
+        </p:txBody>
+      </p:sp>
+      <p:sp>
+        <p:nvSpPr>
+          <p:cNvPr id="59" name="Rect 0"/>
           <p:cNvSpPr txBox="1">
             <a:spLocks/>
           </p:cNvSpPr>
           <p:nvPr/>
         </p:nvSpPr>
         <p:spPr>
-          <a:xfrm>
-            <a:off x="1229360" y="5192395"/>
-            <a:ext cx="4117340" cy="954405"/>
+          <a:xfrm rot="0">
+            <a:off x="1229995" y="3849370"/>
+            <a:ext cx="4145915" cy="2338705"/>
           </a:xfrm>
           <a:prstGeom prst="rect"/>
           <a:noFill/>
@@ -10270,27 +11000,7 @@
                 <a:latin typeface="맑은 고딕" charset="0"/>
                 <a:ea typeface="맑은 고딕" charset="0"/>
               </a:rPr>
-              <a:t>3</a:t>
-            </a:r>
-            <a:r>
-              <a:rPr lang="ko-KR" sz="2000" b="1">
-                <a:solidFill>
-                  <a:srgbClr val="0611F2"/>
-                </a:solidFill>
-                <a:latin typeface="맑은 고딕" charset="0"/>
-                <a:ea typeface="맑은 고딕" charset="0"/>
-              </a:rPr>
-              <a:t>1</a:t>
-            </a:r>
-            <a:r>
-              <a:rPr lang="ko-KR" sz="2000" b="1">
-                <a:solidFill>
-                  <a:srgbClr val="0611F2"/>
-                </a:solidFill>
-                <a:latin typeface="맑은 고딕" charset="0"/>
-                <a:ea typeface="맑은 고딕" charset="0"/>
-              </a:rPr>
-              <a:t>.</a:t>
+              <a:t>29.</a:t>
             </a:r>
             <a:r>
               <a:rPr lang="ko-KR" sz="2000">
@@ -10307,85 +11017,164 @@
                 <a:latin typeface="맑은 고딕" charset="0"/>
                 <a:ea typeface="맑은 고딕" charset="0"/>
               </a:rPr>
-              <a:t>그런 다음 Sign Up Button 오브젝트의 On Click( ) 함수에 Photon Setting 오브젝트를 넣어줍니다.</a:t>
+              <a:t>그다음 NotificationWindow(string, </a:t>
+            </a:r>
+            <a:r>
+              <a:rPr lang="ko-KR" sz="1800">
+                <a:latin typeface="맑은 고딕" charset="0"/>
+                <a:ea typeface="맑은 고딕" charset="0"/>
+              </a:rPr>
+              <a:t>string)</a:t>
+            </a:r>
+            <a:r>
+              <a:rPr lang="ko-KR" sz="1800">
+                <a:latin typeface="맑은 고딕" charset="0"/>
+                <a:ea typeface="맑은 고딕" charset="0"/>
+              </a:rPr>
+              <a:t> 함수를 선언하고 Resources </a:t>
+            </a:r>
+            <a:r>
+              <a:rPr lang="ko-KR" sz="1800">
+                <a:latin typeface="맑은 고딕" charset="0"/>
+                <a:ea typeface="맑은 고딕" charset="0"/>
+              </a:rPr>
+              <a:t>폴더에</a:t>
+            </a:r>
+            <a:r>
+              <a:rPr lang="ko-KR" sz="1800">
+                <a:latin typeface="맑은 고딕" charset="0"/>
+                <a:ea typeface="맑은 고딕" charset="0"/>
+              </a:rPr>
+              <a:t> 있는 Notifiaction </a:t>
+            </a:r>
+            <a:r>
+              <a:rPr lang="ko-KR" sz="1800">
+                <a:latin typeface="맑은 고딕" charset="0"/>
+                <a:ea typeface="맑은 고딕" charset="0"/>
+              </a:rPr>
+              <a:t>Wi</a:t>
+            </a:r>
+            <a:r>
+              <a:rPr lang="ko-KR" sz="1800">
+                <a:latin typeface="맑은 고딕" charset="0"/>
+                <a:ea typeface="맑은 고딕" charset="0"/>
+              </a:rPr>
+              <a:t>n</a:t>
+            </a:r>
+            <a:r>
+              <a:rPr lang="ko-KR" sz="1800">
+                <a:latin typeface="맑은 고딕" charset="0"/>
+                <a:ea typeface="맑은 고딕" charset="0"/>
+              </a:rPr>
+              <a:t>d</a:t>
+            </a:r>
+            <a:r>
+              <a:rPr lang="ko-KR" sz="1800">
+                <a:latin typeface="맑은 고딕" charset="0"/>
+                <a:ea typeface="맑은 고딕" charset="0"/>
+              </a:rPr>
+              <a:t>ow </a:t>
+            </a:r>
+            <a:r>
+              <a:rPr lang="ko-KR" sz="1800">
+                <a:latin typeface="맑은 고딕" charset="0"/>
+                <a:ea typeface="맑은 고딕" charset="0"/>
+              </a:rPr>
+              <a:t>오브젝트를</a:t>
+            </a:r>
+            <a:r>
+              <a:rPr lang="ko-KR" sz="1800">
+                <a:latin typeface="맑은 고딕" charset="0"/>
+                <a:ea typeface="맑은 고딕" charset="0"/>
+              </a:rPr>
+              <a:t> </a:t>
+            </a:r>
+            <a:r>
+              <a:rPr lang="ko-KR" sz="1800">
+                <a:latin typeface="맑은 고딕" charset="0"/>
+                <a:ea typeface="맑은 고딕" charset="0"/>
+              </a:rPr>
+              <a:t>생성합니다.</a:t>
             </a:r>
             <a:endParaRPr lang="ko-KR" altLang="en-US" sz="1800">
               <a:latin typeface="맑은 고딕" charset="0"/>
               <a:ea typeface="맑은 고딕" charset="0"/>
             </a:endParaRPr>
           </a:p>
+          <a:p>
+            <a:pPr marL="0" indent="0" rtl="0" algn="l" defTabSz="914400" eaLnBrk="1" latinLnBrk="0" hangingPunct="1">
+              <a:buFontTx/>
+              <a:buNone/>
+            </a:pPr>
+            <a:endParaRPr lang="ko-KR" altLang="en-US" sz="1800">
+              <a:latin typeface="맑은 고딕" charset="0"/>
+              <a:ea typeface="맑은 고딕" charset="0"/>
+            </a:endParaRPr>
+          </a:p>
+          <a:p>
+            <a:pPr marL="0" indent="0" rtl="0" algn="l" defTabSz="914400" eaLnBrk="1" latinLnBrk="0" hangingPunct="1">
+              <a:buFontTx/>
+              <a:buNone/>
+            </a:pPr>
+            <a:r>
+              <a:rPr lang="ko-KR" sz="1800">
+                <a:latin typeface="맑은 고딕" charset="0"/>
+                <a:ea typeface="맑은 고딕" charset="0"/>
+              </a:rPr>
+              <a:t>그러고</a:t>
+            </a:r>
+            <a:r>
+              <a:rPr lang="ko-KR" sz="1800">
+                <a:latin typeface="맑은 고딕" charset="0"/>
+                <a:ea typeface="맑은 고딕" charset="0"/>
+              </a:rPr>
+              <a:t> 나서 NotifiactionManager의 </a:t>
+            </a:r>
+            <a:r>
+              <a:rPr lang="ko-KR" sz="1800">
+                <a:latin typeface="맑은 고딕" charset="0"/>
+                <a:ea typeface="맑은 고딕" charset="0"/>
+              </a:rPr>
+              <a:t>속성을</a:t>
+            </a:r>
+            <a:r>
+              <a:rPr lang="ko-KR" sz="1800">
+                <a:latin typeface="맑은 고딕" charset="0"/>
+                <a:ea typeface="맑은 고딕" charset="0"/>
+              </a:rPr>
+              <a:t> 가져온 다음 속성의 내용에 </a:t>
+            </a:r>
+            <a:r>
+              <a:rPr lang="ko-KR" sz="1800">
+                <a:latin typeface="맑은 고딕" charset="0"/>
+                <a:ea typeface="맑은 고딕" charset="0"/>
+              </a:rPr>
+              <a:t>매개변수를</a:t>
+            </a:r>
+            <a:r>
+              <a:rPr lang="ko-KR" sz="1800">
+                <a:latin typeface="맑은 고딕" charset="0"/>
+                <a:ea typeface="맑은 고딕" charset="0"/>
+              </a:rPr>
+              <a:t> 넣어줍니다.</a:t>
+            </a:r>
+            <a:endParaRPr lang="ko-KR" altLang="en-US" sz="1800">
+              <a:latin typeface="맑은 고딕" charset="0"/>
+              <a:ea typeface="맑은 고딕" charset="0"/>
+            </a:endParaRPr>
+          </a:p>
         </p:txBody>
       </p:sp>
       <p:pic>
         <p:nvPicPr>
-          <p:cNvPr id="62" name="그림 73" descr="C:/Users/Admin1/AppData/Roaming/PolarisOffice/ETemp/20636_16816336/fImage259493621538.png"/>
+          <p:cNvPr id="62" name="그림 14" descr="C:/Users/Admin1/AppData/Roaming/PolarisOffice/ETemp/10628_18467872/fImage728443298467.png"/>
           <p:cNvPicPr>
             <a:picLocks noChangeAspect="1"/>
           </p:cNvPicPr>
           <p:nvPr/>
         </p:nvPicPr>
         <p:blipFill rotWithShape="1">
-          <a:blip r:embed="rId2" cstate="hqprint">
-            <a:extLst>
-              <a:ext uri="{28A0092B-C50C-407E-A947-70E740481C1C}">
-                <a14:useLocalDpi xmlns:a14="http://schemas.microsoft.com/office/drawing/2010/main"/>
-              </a:ext>
-            </a:extLst>
-          </a:blip>
-          <a:stretch>
-            <a:fillRect/>
-          </a:stretch>
-        </p:blipFill>
-        <p:spPr>
-          <a:xfrm rot="0">
-            <a:off x="6708775" y="1521460"/>
-            <a:ext cx="4265930" cy="3766820"/>
-          </a:xfrm>
-          <a:prstGeom prst="rect"/>
-          <a:noFill/>
-        </p:spPr>
-      </p:pic>
-      <p:pic>
-        <p:nvPicPr>
-          <p:cNvPr id="63" name="그림 75" descr="C:/Users/Admin1/AppData/Roaming/PolarisOffice/ETemp/20636_16816336/fImage362653641869.png"/>
-          <p:cNvPicPr>
-            <a:picLocks noChangeAspect="1"/>
-          </p:cNvPicPr>
-          <p:nvPr/>
-        </p:nvPicPr>
-        <p:blipFill rotWithShape="1">
-          <a:blip r:embed="rId3" cstate="hqprint">
-            <a:extLst>
-              <a:ext uri="{28A0092B-C50C-407E-A947-70E740481C1C}">
-                <a14:useLocalDpi xmlns:a14="http://schemas.microsoft.com/office/drawing/2010/main"/>
-              </a:ext>
-            </a:extLst>
-          </a:blip>
-          <a:stretch>
-            <a:fillRect/>
-          </a:stretch>
-        </p:blipFill>
-        <p:spPr>
-          <a:xfrm rot="0">
-            <a:off x="1230630" y="1529715"/>
-            <a:ext cx="2502535" cy="3567430"/>
-          </a:xfrm>
-          <a:prstGeom prst="roundRect"/>
-          <a:solidFill>
-            <a:srgbClr val="EDEDED"/>
-          </a:solidFill>
-        </p:spPr>
-      </p:pic>
-      <p:pic>
-        <p:nvPicPr>
-          <p:cNvPr id="66" name="그림 46" descr="C:/Users/Admin1/AppData/Roaming/PolarisOffice/ETemp/20636_16816336/fImage94112536962.png"/>
-          <p:cNvPicPr>
-            <a:picLocks noChangeAspect="1"/>
-          </p:cNvPicPr>
-          <p:nvPr/>
-        </p:nvPicPr>
-        <p:blipFill rotWithShape="1">
-          <a:blip r:embed="rId7" cstate="print">
+          <a:blip r:embed="rId2" cstate="print">
             <a:extLst>
               <a:ext uri="{28A0092B-C50C-407E-A947-70E740481C1C}">
                 <a14:useLocalDpi xmlns:a14="http://schemas.microsoft.com/office/drawing/2010/main" val="0"/>
@@ -10398,8 +11187,8 @@
         </p:blipFill>
         <p:spPr>
           <a:xfrm rot="0">
-            <a:off x="3868420" y="2119630"/>
-            <a:ext cx="1485900" cy="2378075"/>
+            <a:off x="1231900" y="1447165"/>
+            <a:ext cx="4144010" cy="2248535"/>
           </a:xfrm>
           <a:prstGeom prst="roundRect"/>
           <a:solidFill>
@@ -10407,38 +11196,37 @@
           </a:solidFill>
         </p:spPr>
       </p:pic>
-      <p:cxnSp>
-        <p:nvCxnSpPr>
-          <p:cNvPr id="65" name="도형 79"/>
-          <p:cNvCxnSpPr/>
+      <p:pic>
+        <p:nvPicPr>
+          <p:cNvPr id="63" name="그림 17" descr="C:/Users/Admin1/AppData/Roaming/PolarisOffice/ETemp/10628_18467872/fImage356663306334.png"/>
+          <p:cNvPicPr>
+            <a:picLocks noChangeAspect="1"/>
+          </p:cNvPicPr>
           <p:nvPr/>
-        </p:nvCxnSpPr>
-        <p:spPr>
-          <a:xfrm rot="0" flipH="1">
-            <a:off x="2003425" y="4305935"/>
-            <a:ext cx="2095500" cy="491490"/>
-          </a:xfrm>
-          <a:prstGeom prst="straightConnector1"/>
-          <a:ln w="6350" cap="flat" cmpd="sng">
-            <a:prstDash/>
-            <a:tailEnd type="triangle" w="med" len="med"/>
-          </a:ln>
-        </p:spPr>
-        <p:style>
-          <a:lnRef idx="1">
-            <a:schemeClr val="accent1"/>
-          </a:lnRef>
-          <a:fillRef idx="0">
-            <a:schemeClr val="accent1"/>
-          </a:fillRef>
-          <a:effectRef idx="0">
-            <a:schemeClr val="accent1"/>
-          </a:effectRef>
-          <a:fontRef idx="minor">
-            <a:schemeClr val="tx1"/>
-          </a:fontRef>
-        </p:style>
-      </p:cxnSp>
+        </p:nvPicPr>
+        <p:blipFill rotWithShape="1">
+          <a:blip r:embed="rId3" cstate="print">
+            <a:extLst>
+              <a:ext uri="{28A0092B-C50C-407E-A947-70E740481C1C}">
+                <a14:useLocalDpi xmlns:a14="http://schemas.microsoft.com/office/drawing/2010/main" val="0"/>
+              </a:ext>
+            </a:extLst>
+          </a:blip>
+          <a:stretch>
+            <a:fillRect/>
+          </a:stretch>
+        </p:blipFill>
+        <p:spPr>
+          <a:xfrm rot="0">
+            <a:off x="6804660" y="1438275"/>
+            <a:ext cx="4144010" cy="2249170"/>
+          </a:xfrm>
+          <a:prstGeom prst="roundRect"/>
+          <a:solidFill>
+            <a:srgbClr val="EDEDED"/>
+          </a:solidFill>
+        </p:spPr>
+      </p:pic>
     </p:spTree>
   </p:cSld>
   <p:clrMapOvr>
@@ -10481,7 +11269,7 @@
       </p:grpSpPr>
       <p:sp>
         <p:nvSpPr>
-          <p:cNvPr id="35" name="Rect 0"/>
+          <p:cNvPr id="29" name="Rect 0"/>
           <p:cNvSpPr txBox="1">
             <a:spLocks/>
           </p:cNvSpPr>
@@ -10489,8 +11277,8 @@
         </p:nvSpPr>
         <p:spPr>
           <a:xfrm rot="0">
-            <a:off x="4126865" y="467995"/>
-            <a:ext cx="3937635" cy="554990"/>
+            <a:off x="1229995" y="1337310"/>
+            <a:ext cx="4039235" cy="370840"/>
           </a:xfrm>
           <a:prstGeom prst="rect"/>
           <a:noFill/>
@@ -10505,32 +11293,11 @@
           </a:bodyPr>
           <a:lstStyle/>
           <a:p>
-            <a:pPr marL="0" indent="0" rtl="0" algn="l" defTabSz="914400" eaLnBrk="1" latinLnBrk="0" hangingPunct="1">
-              <a:buFontTx/>
-              <a:buNone/>
-            </a:pPr>
-            <a:r>
-              <a:rPr lang="ko-KR" sz="3000" b="1">
-                <a:latin typeface="맑은 고딕" charset="0"/>
-                <a:ea typeface="맑은 고딕" charset="0"/>
-              </a:rPr>
-              <a:t>열다섯</a:t>
-            </a:r>
-            <a:r>
-              <a:rPr lang="ko-KR" sz="3000" b="1">
-                <a:latin typeface="맑은 고딕" charset="0"/>
-                <a:ea typeface="맑은 고딕" charset="0"/>
-              </a:rPr>
-              <a:t> 번째 튜토리얼</a:t>
-            </a:r>
-            <a:r>
-              <a:rPr sz="3000" b="1">
-                <a:latin typeface="맑은 고딕" charset="0"/>
-                <a:ea typeface="맑은 고딕" charset="0"/>
-              </a:rPr>
-              <a:t> </a:t>
-            </a:r>
-            <a:endParaRPr lang="ko-KR" altLang="en-US" sz="3000" b="1">
+            <a:pPr marL="0" indent="0" algn="l" latinLnBrk="0" hangingPunct="1">
+              <a:buFontTx/>
+              <a:buNone/>
+            </a:pPr>
+            <a:endParaRPr lang="ko-KR" altLang="en-US" sz="1800">
               <a:latin typeface="맑은 고딕" charset="0"/>
               <a:ea typeface="맑은 고딕" charset="0"/>
             </a:endParaRPr>
@@ -10539,7 +11306,7 @@
       </p:sp>
       <p:sp>
         <p:nvSpPr>
-          <p:cNvPr id="57" name="Rect 0"/>
+          <p:cNvPr id="35" name="Rect 0"/>
           <p:cNvSpPr txBox="1">
             <a:spLocks/>
           </p:cNvSpPr>
@@ -10547,8 +11314,8 @@
         </p:nvSpPr>
         <p:spPr>
           <a:xfrm>
-            <a:off x="6824980" y="5480050"/>
-            <a:ext cx="4124325" cy="677545"/>
+            <a:off x="4334510" y="467995"/>
+            <a:ext cx="3521075" cy="554990"/>
           </a:xfrm>
           <a:prstGeom prst="rect"/>
           <a:noFill/>
@@ -10568,98 +11335,52 @@
               <a:buNone/>
             </a:pPr>
             <a:r>
-              <a:rPr lang="ko-KR" sz="2000" b="1">
-                <a:solidFill>
-                  <a:srgbClr val="0611F2"/>
-                </a:solidFill>
-                <a:latin typeface="맑은 고딕" charset="0"/>
-                <a:ea typeface="맑은 고딕" charset="0"/>
-              </a:rPr>
-              <a:t>3</a:t>
-            </a:r>
-            <a:r>
-              <a:rPr lang="ko-KR" sz="2000" b="1">
-                <a:solidFill>
-                  <a:srgbClr val="0611F2"/>
-                </a:solidFill>
-                <a:latin typeface="맑은 고딕" charset="0"/>
-                <a:ea typeface="맑은 고딕" charset="0"/>
-              </a:rPr>
-              <a:t>4</a:t>
-            </a:r>
-            <a:r>
-              <a:rPr lang="ko-KR" sz="2000" b="1">
-                <a:solidFill>
-                  <a:srgbClr val="0611F2"/>
-                </a:solidFill>
-                <a:latin typeface="맑은 고딕" charset="0"/>
-                <a:ea typeface="맑은 고딕" charset="0"/>
-              </a:rPr>
-              <a:t>.</a:t>
-            </a:r>
-            <a:r>
-              <a:rPr lang="ko-KR" sz="2000">
-                <a:solidFill>
-                  <a:srgbClr val="0611F2"/>
-                </a:solidFill>
+              <a:rPr lang="ko-KR" sz="3000" b="1">
+                <a:latin typeface="맑은 고딕" charset="0"/>
+                <a:ea typeface="맑은 고딕" charset="0"/>
+              </a:rPr>
+              <a:t>열</a:t>
+            </a:r>
+            <a:r>
+              <a:rPr lang="ko-KR" sz="3000" b="1">
+                <a:latin typeface="맑은 고딕" charset="0"/>
+                <a:ea typeface="맑은 고딕" charset="0"/>
+              </a:rPr>
+              <a:t>세</a:t>
+            </a:r>
+            <a:r>
+              <a:rPr lang="ko-KR" sz="3000" b="1">
+                <a:latin typeface="맑은 고딕" charset="0"/>
+                <a:ea typeface="맑은 고딕" charset="0"/>
+              </a:rPr>
+              <a:t> 번째 튜토리얼</a:t>
+            </a:r>
+            <a:r>
+              <a:rPr sz="3000" b="1">
                 <a:latin typeface="맑은 고딕" charset="0"/>
                 <a:ea typeface="맑은 고딕" charset="0"/>
               </a:rPr>
               <a:t> </a:t>
             </a:r>
-            <a:r>
-              <a:rPr lang="ko-KR" sz="1800">
-                <a:latin typeface="맑은 고딕" charset="0"/>
-                <a:ea typeface="맑은 고딕" charset="0"/>
-              </a:rPr>
-              <a:t>이제 PhotonSetting를 선택하고</a:t>
-            </a:r>
-            <a:endParaRPr lang="ko-KR" altLang="en-US" sz="1800">
+            <a:endParaRPr lang="ko-KR" altLang="en-US" sz="3000" b="1">
               <a:latin typeface="맑은 고딕" charset="0"/>
               <a:ea typeface="맑은 고딕" charset="0"/>
             </a:endParaRPr>
           </a:p>
-          <a:p>
-            <a:pPr marL="0" indent="0" rtl="0" algn="l" defTabSz="914400" eaLnBrk="1" latinLnBrk="0" hangingPunct="1">
-              <a:buFontTx/>
-              <a:buNone/>
-            </a:pPr>
-            <a:r>
-              <a:rPr lang="ko-KR" sz="1800">
-                <a:solidFill>
-                  <a:srgbClr val="009900"/>
-                </a:solidFill>
-                <a:latin typeface="맑은 고딕" charset="0"/>
-                <a:ea typeface="맑은 고딕" charset="0"/>
-              </a:rPr>
-              <a:t>[ Login( ) ]</a:t>
-            </a:r>
-            <a:r>
-              <a:rPr lang="ko-KR" sz="1800">
-                <a:latin typeface="맑은 고딕" charset="0"/>
-                <a:ea typeface="맑은 고딕" charset="0"/>
-              </a:rPr>
-              <a:t>이라는 함수를 설정합니다. </a:t>
-            </a:r>
-            <a:endParaRPr lang="ko-KR" altLang="en-US" sz="1800">
-              <a:latin typeface="맑은 고딕" charset="0"/>
-              <a:ea typeface="맑은 고딕" charset="0"/>
-            </a:endParaRPr>
-          </a:p>
-        </p:txBody>
-      </p:sp>
-      <p:sp>
-        <p:nvSpPr>
-          <p:cNvPr id="60" name="Rect 0"/>
+        </p:txBody>
+      </p:sp>
+      <p:sp>
+        <p:nvSpPr>
+          <p:cNvPr id="57" name="Rect 0"/>
           <p:cNvSpPr txBox="1">
             <a:spLocks/>
           </p:cNvSpPr>
           <p:nvPr/>
         </p:nvSpPr>
         <p:spPr>
-          <a:xfrm>
-            <a:off x="1229360" y="5203190"/>
-            <a:ext cx="4149725" cy="954405"/>
+          <a:xfrm rot="0">
+            <a:off x="6781165" y="2868930"/>
+            <a:ext cx="4167505" cy="954405"/>
           </a:xfrm>
           <a:prstGeom prst="rect"/>
           <a:noFill/>
@@ -10686,8 +11407,62 @@
                 <a:latin typeface="맑은 고딕" charset="0"/>
                 <a:ea typeface="맑은 고딕" charset="0"/>
               </a:rPr>
-              <a:t>3</a:t>
-            </a:r>
+              <a:t>29.</a:t>
+            </a:r>
+            <a:r>
+              <a:rPr lang="ko-KR" sz="2000">
+                <a:solidFill>
+                  <a:srgbClr val="0611F2"/>
+                </a:solidFill>
+                <a:latin typeface="맑은 고딕" charset="0"/>
+                <a:ea typeface="맑은 고딕" charset="0"/>
+              </a:rPr>
+              <a:t> </a:t>
+            </a:r>
+            <a:r>
+              <a:rPr lang="ko-KR" sz="1800">
+                <a:latin typeface="맑은 고딕" charset="0"/>
+                <a:ea typeface="맑은 고딕" charset="0"/>
+              </a:rPr>
+              <a:t>이제 Photon Setting 오브젝트에 있는 스크립트에 각각의 InputField와 Dropdown 오브젝트를 넣어줍니다.</a:t>
+            </a:r>
+            <a:endParaRPr lang="ko-KR" altLang="en-US" sz="1800">
+              <a:latin typeface="맑은 고딕" charset="0"/>
+              <a:ea typeface="맑은 고딕" charset="0"/>
+            </a:endParaRPr>
+          </a:p>
+        </p:txBody>
+      </p:sp>
+      <p:sp>
+        <p:nvSpPr>
+          <p:cNvPr id="60" name="텍스트 상자 62"/>
+          <p:cNvSpPr txBox="1">
+            <a:spLocks/>
+          </p:cNvSpPr>
+          <p:nvPr/>
+        </p:nvSpPr>
+        <p:spPr>
+          <a:xfrm>
+            <a:off x="1214120" y="4126865"/>
+            <a:ext cx="4157345" cy="2061845"/>
+          </a:xfrm>
+          <a:prstGeom prst="rect"/>
+          <a:noFill/>
+          <a:ln w="0">
+            <a:noFill/>
+            <a:prstDash/>
+          </a:ln>
+        </p:spPr>
+        <p:txBody>
+          <a:bodyPr wrap="square" lIns="89535" tIns="46355" rIns="89535" bIns="46355" numCol="1" vert="horz" anchor="t">
+            <a:spAutoFit/>
+          </a:bodyPr>
+          <a:lstStyle/>
+          <a:p>
+            <a:pPr marL="0" indent="0" rtl="0" algn="l" defTabSz="914400" eaLnBrk="1" latinLnBrk="0" hangingPunct="1">
+              <a:buFontTx/>
+              <a:buNone/>
+            </a:pPr>
             <a:r>
               <a:rPr lang="ko-KR" sz="2000" b="1">
                 <a:solidFill>
@@ -10696,17 +11471,7 @@
                 <a:latin typeface="맑은 고딕" charset="0"/>
                 <a:ea typeface="맑은 고딕" charset="0"/>
               </a:rPr>
-              <a:t>3</a:t>
-            </a:r>
-            <a:r>
-              <a:rPr lang="ko-KR" sz="2000" b="1">
-                <a:solidFill>
-                  <a:srgbClr val="0611F2"/>
-                </a:solidFill>
-                <a:latin typeface="맑은 고딕" charset="0"/>
-                <a:ea typeface="맑은 고딕" charset="0"/>
-              </a:rPr>
-              <a:t>.</a:t>
+              <a:t>28.</a:t>
             </a:r>
             <a:r>
               <a:rPr lang="ko-KR" sz="2000">
@@ -10723,25 +11488,66 @@
                 <a:latin typeface="맑은 고딕" charset="0"/>
                 <a:ea typeface="맑은 고딕" charset="0"/>
               </a:rPr>
-              <a:t>마지막으로 Sign In Button 오브젝트의 On Click( ) 함수에 Photon Setting 오브젝트를 넣어줍니다.</a:t>
+              <a:t>마지막으로 Login( ) 함수를 생성하고 로그인에 대한 정보를 입력받습니다.</a:t>
             </a:r>
             <a:endParaRPr lang="ko-KR" altLang="en-US" sz="1800">
               <a:latin typeface="맑은 고딕" charset="0"/>
               <a:ea typeface="맑은 고딕" charset="0"/>
             </a:endParaRPr>
           </a:p>
+          <a:p>
+            <a:pPr marL="0" indent="0" rtl="0" algn="l" defTabSz="914400" eaLnBrk="1" latinLnBrk="0" hangingPunct="1">
+              <a:buFontTx/>
+              <a:buNone/>
+            </a:pPr>
+            <a:endParaRPr lang="ko-KR" altLang="en-US" sz="1800">
+              <a:latin typeface="맑은 고딕" charset="0"/>
+              <a:ea typeface="맑은 고딕" charset="0"/>
+            </a:endParaRPr>
+          </a:p>
+          <a:p>
+            <a:pPr marL="0" indent="0" rtl="0" algn="l" defTabSz="914400" eaLnBrk="1" latinLnBrk="0" hangingPunct="1">
+              <a:buFontTx/>
+              <a:buNone/>
+            </a:pPr>
+            <a:r>
+              <a:rPr lang="ko-KR" sz="1800">
+                <a:latin typeface="맑은 고딕" charset="0"/>
+                <a:ea typeface="맑은 고딕" charset="0"/>
+              </a:rPr>
+              <a:t>그</a:t>
+            </a:r>
+            <a:r>
+              <a:rPr lang="ko-KR" sz="1800">
+                <a:latin typeface="맑은 고딕" charset="0"/>
+                <a:ea typeface="맑은 고딕" charset="0"/>
+              </a:rPr>
+              <a:t>러고 나서</a:t>
+            </a:r>
+            <a:r>
+              <a:rPr lang="ko-KR" sz="1800">
+                <a:latin typeface="맑은 고딕" charset="0"/>
+                <a:ea typeface="맑은 고딕" charset="0"/>
+              </a:rPr>
+              <a:t> 로그인의 여부를 설정하는 LoginWithEmailAddress라는 함수로 로그인 인증 절차를 확인합니다.</a:t>
+            </a:r>
+            <a:endParaRPr lang="ko-KR" altLang="en-US" sz="1800">
+              <a:latin typeface="맑은 고딕" charset="0"/>
+              <a:ea typeface="맑은 고딕" charset="0"/>
+            </a:endParaRPr>
+          </a:p>
         </p:txBody>
       </p:sp>
       <p:pic>
         <p:nvPicPr>
-          <p:cNvPr id="67" name="그림 81" descr="C:/Users/Admin1/AppData/Roaming/PolarisOffice/ETemp/20636_16816336/fImage259843797035.png"/>
+          <p:cNvPr id="61" name="그림 63" descr="C:/Users/Admin1/AppData/Roaming/PolarisOffice/ETemp/20636_16816336/fImage341333385447.png"/>
           <p:cNvPicPr>
             <a:picLocks noChangeAspect="1"/>
           </p:cNvPicPr>
           <p:nvPr/>
         </p:nvPicPr>
         <p:blipFill rotWithShape="1">
-          <a:blip r:embed="rId4" cstate="hqprint">
+          <a:blip r:embed="rId2" cstate="hqprint">
             <a:extLst>
               <a:ext uri="{28A0092B-C50C-407E-A947-70E740481C1C}">
                 <a14:useLocalDpi xmlns:a14="http://schemas.microsoft.com/office/drawing/2010/main"/>
@@ -10754,16 +11560,706 @@
         </p:blipFill>
         <p:spPr>
           <a:xfrm rot="0">
-            <a:off x="6824980" y="1430020"/>
-            <a:ext cx="4124325" cy="3816350"/>
-          </a:xfrm>
-          <a:prstGeom prst="rect"/>
-          <a:noFill/>
+            <a:off x="1222375" y="1404620"/>
+            <a:ext cx="4149090" cy="2603500"/>
+          </a:xfrm>
+          <a:prstGeom prst="roundRect"/>
+          <a:solidFill>
+            <a:srgbClr val="EDEDED"/>
+          </a:solidFill>
         </p:spPr>
       </p:pic>
       <p:pic>
         <p:nvPicPr>
-          <p:cNvPr id="69" name="그림 44"/>
+          <p:cNvPr id="74" name="그림 36" descr="C:/Users/Admin1/AppData/Roaming/PolarisOffice/ETemp/20636_16816336/fImage125122491478.png"/>
+          <p:cNvPicPr>
+            <a:picLocks noChangeAspect="1"/>
+          </p:cNvPicPr>
+          <p:nvPr/>
+        </p:nvPicPr>
+        <p:blipFill rotWithShape="1">
+          <a:blip r:embed="rId8" cstate="print">
+            <a:extLst>
+              <a:ext uri="{28A0092B-C50C-407E-A947-70E740481C1C}">
+                <a14:useLocalDpi xmlns:a14="http://schemas.microsoft.com/office/drawing/2010/main" val="0"/>
+              </a:ext>
+            </a:extLst>
+          </a:blip>
+          <a:stretch>
+            <a:fillRect/>
+          </a:stretch>
+        </p:blipFill>
+        <p:spPr>
+          <a:xfrm rot="0">
+            <a:off x="6784340" y="1410970"/>
+            <a:ext cx="2767965" cy="1374775"/>
+          </a:xfrm>
+          <a:prstGeom prst="roundRect"/>
+          <a:solidFill>
+            <a:srgbClr val="EDEDED"/>
+          </a:solidFill>
+        </p:spPr>
+      </p:pic>
+      <p:pic>
+        <p:nvPicPr>
+          <p:cNvPr id="75" name="그림 39" descr="C:/Users/Admin1/AppData/Roaming/PolarisOffice/ETemp/20636_16816336/fImage94542509358.png"/>
+          <p:cNvPicPr>
+            <a:picLocks noChangeAspect="1"/>
+          </p:cNvPicPr>
+          <p:nvPr/>
+        </p:nvPicPr>
+        <p:blipFill rotWithShape="1">
+          <a:blip r:embed="rId9" cstate="print">
+            <a:extLst>
+              <a:ext uri="{28A0092B-C50C-407E-A947-70E740481C1C}">
+                <a14:useLocalDpi xmlns:a14="http://schemas.microsoft.com/office/drawing/2010/main" val="0"/>
+              </a:ext>
+            </a:extLst>
+          </a:blip>
+          <a:stretch>
+            <a:fillRect/>
+          </a:stretch>
+        </p:blipFill>
+        <p:spPr>
+          <a:xfrm rot="0">
+            <a:off x="9659620" y="1401445"/>
+            <a:ext cx="1289050" cy="1384300"/>
+          </a:xfrm>
+          <a:prstGeom prst="roundRect"/>
+          <a:solidFill>
+            <a:srgbClr val="EDEDED"/>
+          </a:solidFill>
+        </p:spPr>
+      </p:pic>
+      <p:cxnSp>
+        <p:nvCxnSpPr>
+          <p:cNvPr id="70" name="도형 33"/>
+          <p:cNvCxnSpPr/>
+          <p:nvPr/>
+        </p:nvCxnSpPr>
+        <p:spPr>
+          <a:xfrm rot="0" flipH="1">
+            <a:off x="9460230" y="2194560"/>
+            <a:ext cx="416560" cy="125095"/>
+          </a:xfrm>
+          <a:prstGeom prst="straightConnector1"/>
+          <a:ln w="6350" cap="flat" cmpd="sng">
+            <a:prstDash/>
+            <a:tailEnd type="triangle" w="med" len="med"/>
+          </a:ln>
+        </p:spPr>
+        <p:style>
+          <a:lnRef idx="1">
+            <a:schemeClr val="accent1"/>
+          </a:lnRef>
+          <a:fillRef idx="0">
+            <a:schemeClr val="accent1"/>
+          </a:fillRef>
+          <a:effectRef idx="0">
+            <a:schemeClr val="accent1"/>
+          </a:effectRef>
+          <a:fontRef idx="minor">
+            <a:schemeClr val="tx1"/>
+          </a:fontRef>
+        </p:style>
+      </p:cxnSp>
+      <p:cxnSp>
+        <p:nvCxnSpPr>
+          <p:cNvPr id="71" name="도형 34"/>
+          <p:cNvCxnSpPr/>
+          <p:nvPr/>
+        </p:nvCxnSpPr>
+        <p:spPr>
+          <a:xfrm rot="0" flipH="1">
+            <a:off x="9468485" y="2302510"/>
+            <a:ext cx="408305" cy="258445"/>
+          </a:xfrm>
+          <a:prstGeom prst="straightConnector1"/>
+          <a:ln w="6350" cap="flat" cmpd="sng">
+            <a:prstDash/>
+            <a:tailEnd type="triangle" w="med" len="med"/>
+          </a:ln>
+        </p:spPr>
+        <p:style>
+          <a:lnRef idx="1">
+            <a:schemeClr val="accent1"/>
+          </a:lnRef>
+          <a:fillRef idx="0">
+            <a:schemeClr val="accent1"/>
+          </a:fillRef>
+          <a:effectRef idx="0">
+            <a:schemeClr val="accent1"/>
+          </a:effectRef>
+          <a:fontRef idx="minor">
+            <a:schemeClr val="tx1"/>
+          </a:fontRef>
+        </p:style>
+      </p:cxnSp>
+      <p:cxnSp>
+        <p:nvCxnSpPr>
+          <p:cNvPr id="72" name="도형 37"/>
+          <p:cNvCxnSpPr/>
+          <p:nvPr/>
+        </p:nvCxnSpPr>
+        <p:spPr>
+          <a:xfrm rot="0" flipH="1" flipV="1">
+            <a:off x="9476740" y="2078355"/>
+            <a:ext cx="408305" cy="349885"/>
+          </a:xfrm>
+          <a:prstGeom prst="straightConnector1"/>
+          <a:ln w="6350" cap="flat" cmpd="sng">
+            <a:prstDash/>
+            <a:tailEnd type="triangle" w="med" len="med"/>
+          </a:ln>
+        </p:spPr>
+        <p:style>
+          <a:lnRef idx="1">
+            <a:schemeClr val="accent1"/>
+          </a:lnRef>
+          <a:fillRef idx="0">
+            <a:schemeClr val="accent1"/>
+          </a:fillRef>
+          <a:effectRef idx="0">
+            <a:schemeClr val="accent1"/>
+          </a:effectRef>
+          <a:fontRef idx="minor">
+            <a:schemeClr val="tx1"/>
+          </a:fontRef>
+        </p:style>
+      </p:cxnSp>
+      <p:pic>
+        <p:nvPicPr>
+          <p:cNvPr id="76" name="그림 44" descr="C:/Users/Admin1/AppData/Roaming/PolarisOffice/ETemp/20636_16816336/fImage131623402995.png"/>
+          <p:cNvPicPr>
+            <a:picLocks noChangeAspect="1"/>
+          </p:cNvPicPr>
+          <p:nvPr/>
+        </p:nvPicPr>
+        <p:blipFill rotWithShape="1">
+          <a:blip r:embed="rId10" cstate="hqprint">
+            <a:extLst>
+              <a:ext uri="{28A0092B-C50C-407E-A947-70E740481C1C}">
+                <a14:useLocalDpi xmlns:a14="http://schemas.microsoft.com/office/drawing/2010/main"/>
+              </a:ext>
+            </a:extLst>
+          </a:blip>
+          <a:stretch>
+            <a:fillRect/>
+          </a:stretch>
+        </p:blipFill>
+        <p:spPr>
+          <a:xfrm rot="0">
+            <a:off x="6791960" y="3938270"/>
+            <a:ext cx="4148455" cy="1241425"/>
+          </a:xfrm>
+          <a:prstGeom prst="roundRect"/>
+          <a:solidFill>
+            <a:srgbClr val="EDEDED"/>
+          </a:solidFill>
+        </p:spPr>
+      </p:pic>
+      <p:sp>
+        <p:nvSpPr>
+          <p:cNvPr id="77" name="텍스트 상자 45"/>
+          <p:cNvSpPr txBox="1">
+            <a:spLocks/>
+          </p:cNvSpPr>
+          <p:nvPr/>
+        </p:nvSpPr>
+        <p:spPr>
+          <a:xfrm rot="0">
+            <a:off x="6791960" y="5232400"/>
+            <a:ext cx="4156710" cy="954405"/>
+          </a:xfrm>
+          <a:prstGeom prst="rect"/>
+          <a:noFill/>
+          <a:ln w="0">
+            <a:noFill/>
+            <a:prstDash/>
+          </a:ln>
+        </p:spPr>
+        <p:txBody>
+          <a:bodyPr wrap="square" lIns="89535" tIns="46355" rIns="89535" bIns="46355" numCol="1" vert="horz" anchor="t">
+            <a:spAutoFit/>
+          </a:bodyPr>
+          <a:lstStyle/>
+          <a:p>
+            <a:pPr marL="0" indent="0" rtl="0" algn="l" defTabSz="914400" eaLnBrk="1" latinLnBrk="0" hangingPunct="1">
+              <a:buFontTx/>
+              <a:buNone/>
+            </a:pPr>
+            <a:r>
+              <a:rPr lang="ko-KR" sz="2000" b="1">
+                <a:solidFill>
+                  <a:srgbClr val="0611F2"/>
+                </a:solidFill>
+                <a:latin typeface="맑은 고딕" charset="0"/>
+                <a:ea typeface="맑은 고딕" charset="0"/>
+              </a:rPr>
+              <a:t>30</a:t>
+            </a:r>
+            <a:r>
+              <a:rPr lang="ko-KR" sz="2000" b="1">
+                <a:solidFill>
+                  <a:srgbClr val="0611F2"/>
+                </a:solidFill>
+                <a:latin typeface="맑은 고딕" charset="0"/>
+                <a:ea typeface="맑은 고딕" charset="0"/>
+              </a:rPr>
+              <a:t>.</a:t>
+            </a:r>
+            <a:r>
+              <a:rPr lang="ko-KR" sz="2000">
+                <a:solidFill>
+                  <a:srgbClr val="0611F2"/>
+                </a:solidFill>
+                <a:latin typeface="맑은 고딕" charset="0"/>
+                <a:ea typeface="맑은 고딕" charset="0"/>
+              </a:rPr>
+              <a:t> </a:t>
+            </a:r>
+            <a:r>
+              <a:rPr lang="ko-KR" sz="1800">
+                <a:latin typeface="맑은 고딕" charset="0"/>
+                <a:ea typeface="맑은 고딕" charset="0"/>
+              </a:rPr>
+              <a:t>그</a:t>
+            </a:r>
+            <a:r>
+              <a:rPr lang="ko-KR" sz="1800">
+                <a:latin typeface="맑은 고딕" charset="0"/>
+                <a:ea typeface="맑은 고딕" charset="0"/>
+              </a:rPr>
+              <a:t>리고</a:t>
+            </a:r>
+            <a:r>
+              <a:rPr lang="ko-KR" sz="1800">
+                <a:latin typeface="맑은 고딕" charset="0"/>
+                <a:ea typeface="맑은 고딕" charset="0"/>
+              </a:rPr>
+              <a:t> Region DropDown 오브젝트의 앵커를 지정하고 위치와 회전 값을 설정합니다.</a:t>
+            </a:r>
+            <a:endParaRPr lang="ko-KR" altLang="en-US" sz="1800">
+              <a:latin typeface="맑은 고딕" charset="0"/>
+              <a:ea typeface="맑은 고딕" charset="0"/>
+            </a:endParaRPr>
+          </a:p>
+        </p:txBody>
+      </p:sp>
+    </p:spTree>
+  </p:cSld>
+  <p:clrMapOvr>
+    <a:masterClrMapping/>
+  </p:clrMapOvr>
+  <mc:AlternateContent xmlns:mc="http://schemas.openxmlformats.org/markup-compatibility/2006">
+    <mc:Choice xmlns:p14="http://schemas.microsoft.com/office/powerpoint/2010/main" Requires="p14">
+      <p:transition spd="slow" p14:dur="2000"/>
+    </mc:Choice>
+    <mc:Fallback>
+      <p:transition spd="slow"/>
+    </mc:Fallback>
+  </mc:AlternateContent>
+  <p:timing>
+    <p:tnLst>
+      <p:par>
+        <p:cTn id="1" dur="indefinite" restart="never" nodeType="tmRoot"/>
+      </p:par>
+    </p:tnLst>
+  </p:timing>
+</p:sld>
+</file>
+
+<file path=ppt/slides/slide16.xml><?xml version="1.0" encoding="utf-8"?>
+<p:sld xmlns:a="http://schemas.openxmlformats.org/drawingml/2006/main" xmlns:r="http://schemas.openxmlformats.org/officeDocument/2006/relationships" xmlns:p="http://schemas.openxmlformats.org/presentationml/2006/main" xmlns:p14="http://schemas.microsoft.com/office/powerpoint/2010/main">
+  <p:cSld>
+    <p:spTree>
+      <p:nvGrpSpPr>
+        <p:cNvPr id="1" name=""/>
+        <p:cNvGrpSpPr/>
+        <p:nvPr/>
+      </p:nvGrpSpPr>
+      <p:grpSpPr>
+        <a:xfrm>
+          <a:off x="0" y="0"/>
+          <a:ext cx="0" cy="0"/>
+          <a:chOff x="0" y="0"/>
+          <a:chExt cx="0" cy="0"/>
+        </a:xfrm>
+      </p:grpSpPr>
+      <p:sp>
+        <p:nvSpPr>
+          <p:cNvPr id="29" name="Rect 0"/>
+          <p:cNvSpPr txBox="1">
+            <a:spLocks/>
+          </p:cNvSpPr>
+          <p:nvPr/>
+        </p:nvSpPr>
+        <p:spPr>
+          <a:xfrm rot="0">
+            <a:off x="1229995" y="1337310"/>
+            <a:ext cx="4039235" cy="370840"/>
+          </a:xfrm>
+          <a:prstGeom prst="rect"/>
+          <a:noFill/>
+          <a:ln w="0">
+            <a:noFill/>
+            <a:prstDash/>
+          </a:ln>
+        </p:spPr>
+        <p:txBody>
+          <a:bodyPr wrap="square" lIns="89535" tIns="46355" rIns="89535" bIns="46355" numCol="1" vert="horz" anchor="t">
+            <a:spAutoFit/>
+          </a:bodyPr>
+          <a:lstStyle/>
+          <a:p>
+            <a:pPr marL="0" indent="0" algn="l" latinLnBrk="0" hangingPunct="1">
+              <a:buFontTx/>
+              <a:buNone/>
+            </a:pPr>
+            <a:endParaRPr lang="ko-KR" altLang="en-US" sz="1800">
+              <a:latin typeface="맑은 고딕" charset="0"/>
+              <a:ea typeface="맑은 고딕" charset="0"/>
+            </a:endParaRPr>
+          </a:p>
+        </p:txBody>
+      </p:sp>
+      <p:sp>
+        <p:nvSpPr>
+          <p:cNvPr id="35" name="Rect 0"/>
+          <p:cNvSpPr txBox="1">
+            <a:spLocks/>
+          </p:cNvSpPr>
+          <p:nvPr/>
+        </p:nvSpPr>
+        <p:spPr>
+          <a:xfrm>
+            <a:off x="4334510" y="467995"/>
+            <a:ext cx="3521075" cy="554990"/>
+          </a:xfrm>
+          <a:prstGeom prst="rect"/>
+          <a:noFill/>
+          <a:ln w="0">
+            <a:noFill/>
+            <a:prstDash/>
+          </a:ln>
+        </p:spPr>
+        <p:txBody>
+          <a:bodyPr wrap="square" lIns="89535" tIns="46355" rIns="89535" bIns="46355" numCol="1" vert="horz" anchor="t">
+            <a:spAutoFit/>
+          </a:bodyPr>
+          <a:lstStyle/>
+          <a:p>
+            <a:pPr marL="0" indent="0" rtl="0" algn="l" defTabSz="914400" eaLnBrk="1" latinLnBrk="0" hangingPunct="1">
+              <a:buFontTx/>
+              <a:buNone/>
+            </a:pPr>
+            <a:r>
+              <a:rPr lang="ko-KR" sz="3000" b="1">
+                <a:latin typeface="맑은 고딕" charset="0"/>
+                <a:ea typeface="맑은 고딕" charset="0"/>
+              </a:rPr>
+              <a:t>열</a:t>
+            </a:r>
+            <a:r>
+              <a:rPr lang="ko-KR" sz="3000" b="1">
+                <a:latin typeface="맑은 고딕" charset="0"/>
+                <a:ea typeface="맑은 고딕" charset="0"/>
+              </a:rPr>
+              <a:t>네</a:t>
+            </a:r>
+            <a:r>
+              <a:rPr lang="ko-KR" sz="3000" b="1">
+                <a:latin typeface="맑은 고딕" charset="0"/>
+                <a:ea typeface="맑은 고딕" charset="0"/>
+              </a:rPr>
+              <a:t> 번째 튜토리얼</a:t>
+            </a:r>
+            <a:r>
+              <a:rPr sz="3000" b="1">
+                <a:latin typeface="맑은 고딕" charset="0"/>
+                <a:ea typeface="맑은 고딕" charset="0"/>
+              </a:rPr>
+              <a:t> </a:t>
+            </a:r>
+            <a:endParaRPr lang="ko-KR" altLang="en-US" sz="3000" b="1">
+              <a:latin typeface="맑은 고딕" charset="0"/>
+              <a:ea typeface="맑은 고딕" charset="0"/>
+            </a:endParaRPr>
+          </a:p>
+        </p:txBody>
+      </p:sp>
+      <p:sp>
+        <p:nvSpPr>
+          <p:cNvPr id="57" name="Rect 0"/>
+          <p:cNvSpPr txBox="1">
+            <a:spLocks/>
+          </p:cNvSpPr>
+          <p:nvPr/>
+        </p:nvSpPr>
+        <p:spPr>
+          <a:xfrm>
+            <a:off x="6711315" y="5468620"/>
+            <a:ext cx="4271645" cy="677545"/>
+          </a:xfrm>
+          <a:prstGeom prst="rect"/>
+          <a:noFill/>
+          <a:ln w="0">
+            <a:noFill/>
+            <a:prstDash/>
+          </a:ln>
+        </p:spPr>
+        <p:txBody>
+          <a:bodyPr wrap="square" lIns="89535" tIns="46355" rIns="89535" bIns="46355" numCol="1" vert="horz" anchor="t">
+            <a:spAutoFit/>
+          </a:bodyPr>
+          <a:lstStyle/>
+          <a:p>
+            <a:pPr marL="0" indent="0" rtl="0" algn="l" defTabSz="914400" eaLnBrk="1" latinLnBrk="0" hangingPunct="1">
+              <a:buFontTx/>
+              <a:buNone/>
+            </a:pPr>
+            <a:r>
+              <a:rPr lang="ko-KR" sz="2000" b="1">
+                <a:solidFill>
+                  <a:srgbClr val="0611F2"/>
+                </a:solidFill>
+                <a:latin typeface="맑은 고딕" charset="0"/>
+                <a:ea typeface="맑은 고딕" charset="0"/>
+              </a:rPr>
+              <a:t>3</a:t>
+            </a:r>
+            <a:r>
+              <a:rPr lang="ko-KR" sz="2000" b="1">
+                <a:solidFill>
+                  <a:srgbClr val="0611F2"/>
+                </a:solidFill>
+                <a:latin typeface="맑은 고딕" charset="0"/>
+                <a:ea typeface="맑은 고딕" charset="0"/>
+              </a:rPr>
+              <a:t>2</a:t>
+            </a:r>
+            <a:r>
+              <a:rPr lang="ko-KR" sz="2000" b="1">
+                <a:solidFill>
+                  <a:srgbClr val="0611F2"/>
+                </a:solidFill>
+                <a:latin typeface="맑은 고딕" charset="0"/>
+                <a:ea typeface="맑은 고딕" charset="0"/>
+              </a:rPr>
+              <a:t>.</a:t>
+            </a:r>
+            <a:r>
+              <a:rPr lang="ko-KR" sz="2000">
+                <a:solidFill>
+                  <a:srgbClr val="0611F2"/>
+                </a:solidFill>
+                <a:latin typeface="맑은 고딕" charset="0"/>
+                <a:ea typeface="맑은 고딕" charset="0"/>
+              </a:rPr>
+              <a:t> </a:t>
+            </a:r>
+            <a:r>
+              <a:rPr lang="ko-KR" sz="1800">
+                <a:latin typeface="맑은 고딕" charset="0"/>
+                <a:ea typeface="맑은 고딕" charset="0"/>
+              </a:rPr>
+              <a:t>그</a:t>
+            </a:r>
+            <a:r>
+              <a:rPr lang="ko-KR" sz="1800">
+                <a:latin typeface="맑은 고딕" charset="0"/>
+                <a:ea typeface="맑은 고딕" charset="0"/>
+              </a:rPr>
+              <a:t>다음</a:t>
+            </a:r>
+            <a:r>
+              <a:rPr lang="ko-KR" sz="1800">
+                <a:latin typeface="맑은 고딕" charset="0"/>
+                <a:ea typeface="맑은 고딕" charset="0"/>
+              </a:rPr>
+              <a:t> PhotonSetting를 선택하고</a:t>
+            </a:r>
+            <a:endParaRPr lang="ko-KR" altLang="en-US" sz="1800">
+              <a:latin typeface="맑은 고딕" charset="0"/>
+              <a:ea typeface="맑은 고딕" charset="0"/>
+            </a:endParaRPr>
+          </a:p>
+          <a:p>
+            <a:pPr marL="0" indent="0" rtl="0" algn="l" defTabSz="914400" eaLnBrk="1" latinLnBrk="0" hangingPunct="1">
+              <a:buFontTx/>
+              <a:buNone/>
+            </a:pPr>
+            <a:r>
+              <a:rPr lang="ko-KR" sz="1800">
+                <a:solidFill>
+                  <a:srgbClr val="009900"/>
+                </a:solidFill>
+                <a:latin typeface="맑은 고딕" charset="0"/>
+                <a:ea typeface="맑은 고딕" charset="0"/>
+              </a:rPr>
+              <a:t>[ SignUp( ) ]</a:t>
+            </a:r>
+            <a:r>
+              <a:rPr lang="ko-KR" sz="1800">
+                <a:latin typeface="맑은 고딕" charset="0"/>
+                <a:ea typeface="맑은 고딕" charset="0"/>
+              </a:rPr>
+              <a:t>이라는 함수를 설정합니다. </a:t>
+            </a:r>
+            <a:endParaRPr lang="ko-KR" altLang="en-US" sz="1800">
+              <a:latin typeface="맑은 고딕" charset="0"/>
+              <a:ea typeface="맑은 고딕" charset="0"/>
+            </a:endParaRPr>
+          </a:p>
+        </p:txBody>
+      </p:sp>
+      <p:sp>
+        <p:nvSpPr>
+          <p:cNvPr id="60" name="Rect 0"/>
+          <p:cNvSpPr txBox="1">
+            <a:spLocks/>
+          </p:cNvSpPr>
+          <p:nvPr/>
+        </p:nvSpPr>
+        <p:spPr>
+          <a:xfrm>
+            <a:off x="1229360" y="5192395"/>
+            <a:ext cx="4117340" cy="954405"/>
+          </a:xfrm>
+          <a:prstGeom prst="rect"/>
+          <a:noFill/>
+          <a:ln w="0">
+            <a:noFill/>
+            <a:prstDash/>
+          </a:ln>
+        </p:spPr>
+        <p:txBody>
+          <a:bodyPr wrap="square" lIns="89535" tIns="46355" rIns="89535" bIns="46355" numCol="1" vert="horz" anchor="t">
+            <a:spAutoFit/>
+          </a:bodyPr>
+          <a:lstStyle/>
+          <a:p>
+            <a:pPr marL="0" indent="0" rtl="0" algn="l" defTabSz="914400" eaLnBrk="1" latinLnBrk="0" hangingPunct="1">
+              <a:buFontTx/>
+              <a:buNone/>
+            </a:pPr>
+            <a:r>
+              <a:rPr lang="ko-KR" sz="2000" b="1">
+                <a:solidFill>
+                  <a:srgbClr val="0611F2"/>
+                </a:solidFill>
+                <a:latin typeface="맑은 고딕" charset="0"/>
+                <a:ea typeface="맑은 고딕" charset="0"/>
+              </a:rPr>
+              <a:t>3</a:t>
+            </a:r>
+            <a:r>
+              <a:rPr lang="ko-KR" sz="2000" b="1">
+                <a:solidFill>
+                  <a:srgbClr val="0611F2"/>
+                </a:solidFill>
+                <a:latin typeface="맑은 고딕" charset="0"/>
+                <a:ea typeface="맑은 고딕" charset="0"/>
+              </a:rPr>
+              <a:t>1</a:t>
+            </a:r>
+            <a:r>
+              <a:rPr lang="ko-KR" sz="2000" b="1">
+                <a:solidFill>
+                  <a:srgbClr val="0611F2"/>
+                </a:solidFill>
+                <a:latin typeface="맑은 고딕" charset="0"/>
+                <a:ea typeface="맑은 고딕" charset="0"/>
+              </a:rPr>
+              <a:t>.</a:t>
+            </a:r>
+            <a:r>
+              <a:rPr lang="ko-KR" sz="2000">
+                <a:solidFill>
+                  <a:srgbClr val="0611F2"/>
+                </a:solidFill>
+                <a:latin typeface="맑은 고딕" charset="0"/>
+                <a:ea typeface="맑은 고딕" charset="0"/>
+              </a:rPr>
+              <a:t> </a:t>
+            </a:r>
+            <a:r>
+              <a:rPr lang="ko-KR" sz="1800">
+                <a:latin typeface="맑은 고딕" charset="0"/>
+                <a:ea typeface="맑은 고딕" charset="0"/>
+              </a:rPr>
+              <a:t>그런 다음 Sign Up Button 오브젝트의 On Click( ) 함수에 Photon Setting 오브젝트를 넣어줍니다.</a:t>
+            </a:r>
+            <a:endParaRPr lang="ko-KR" altLang="en-US" sz="1800">
+              <a:latin typeface="맑은 고딕" charset="0"/>
+              <a:ea typeface="맑은 고딕" charset="0"/>
+            </a:endParaRPr>
+          </a:p>
+        </p:txBody>
+      </p:sp>
+      <p:pic>
+        <p:nvPicPr>
+          <p:cNvPr id="62" name="그림 73" descr="C:/Users/Admin1/AppData/Roaming/PolarisOffice/ETemp/20636_16816336/fImage259493621538.png"/>
+          <p:cNvPicPr>
+            <a:picLocks noChangeAspect="1"/>
+          </p:cNvPicPr>
+          <p:nvPr/>
+        </p:nvPicPr>
+        <p:blipFill rotWithShape="1">
+          <a:blip r:embed="rId2" cstate="hqprint">
+            <a:extLst>
+              <a:ext uri="{28A0092B-C50C-407E-A947-70E740481C1C}">
+                <a14:useLocalDpi xmlns:a14="http://schemas.microsoft.com/office/drawing/2010/main"/>
+              </a:ext>
+            </a:extLst>
+          </a:blip>
+          <a:stretch>
+            <a:fillRect/>
+          </a:stretch>
+        </p:blipFill>
+        <p:spPr>
+          <a:xfrm rot="0">
+            <a:off x="6708775" y="1521460"/>
+            <a:ext cx="4265930" cy="3766820"/>
+          </a:xfrm>
+          <a:prstGeom prst="rect"/>
+          <a:noFill/>
+        </p:spPr>
+      </p:pic>
+      <p:pic>
+        <p:nvPicPr>
+          <p:cNvPr id="63" name="그림 75" descr="C:/Users/Admin1/AppData/Roaming/PolarisOffice/ETemp/20636_16816336/fImage362653641869.png"/>
+          <p:cNvPicPr>
+            <a:picLocks noChangeAspect="1"/>
+          </p:cNvPicPr>
+          <p:nvPr/>
+        </p:nvPicPr>
+        <p:blipFill rotWithShape="1">
+          <a:blip r:embed="rId3" cstate="hqprint">
+            <a:extLst>
+              <a:ext uri="{28A0092B-C50C-407E-A947-70E740481C1C}">
+                <a14:useLocalDpi xmlns:a14="http://schemas.microsoft.com/office/drawing/2010/main"/>
+              </a:ext>
+            </a:extLst>
+          </a:blip>
+          <a:stretch>
+            <a:fillRect/>
+          </a:stretch>
+        </p:blipFill>
+        <p:spPr>
+          <a:xfrm rot="0">
+            <a:off x="1230630" y="1529715"/>
+            <a:ext cx="2502535" cy="3567430"/>
+          </a:xfrm>
+          <a:prstGeom prst="roundRect"/>
+          <a:solidFill>
+            <a:srgbClr val="EDEDED"/>
+          </a:solidFill>
+        </p:spPr>
+      </p:pic>
+      <p:pic>
+        <p:nvPicPr>
+          <p:cNvPr id="66" name="그림 46" descr="C:/Users/Admin1/AppData/Roaming/PolarisOffice/ETemp/20636_16816336/fImage94112536962.png"/>
           <p:cNvPicPr>
             <a:picLocks noChangeAspect="1"/>
           </p:cNvPicPr>
@@ -10783,8 +12279,8 @@
         </p:blipFill>
         <p:spPr>
           <a:xfrm rot="0">
-            <a:off x="1222375" y="1427480"/>
-            <a:ext cx="2610485" cy="3652520"/>
+            <a:off x="3868420" y="2119630"/>
+            <a:ext cx="1485900" cy="2378075"/>
           </a:xfrm>
           <a:prstGeom prst="roundRect"/>
           <a:solidFill>
@@ -10792,47 +12288,16 @@
           </a:solidFill>
         </p:spPr>
       </p:pic>
-      <p:pic>
-        <p:nvPicPr>
-          <p:cNvPr id="70" name="그림 47" descr="C:/Users/Admin1/AppData/Roaming/PolarisOffice/ETemp/20636_16816336/fImage94112544464.png"/>
-          <p:cNvPicPr>
-            <a:picLocks noChangeAspect="1"/>
-          </p:cNvPicPr>
-          <p:nvPr/>
-        </p:nvPicPr>
-        <p:blipFill rotWithShape="1">
-          <a:blip r:embed="rId8" cstate="print">
-            <a:extLst>
-              <a:ext uri="{28A0092B-C50C-407E-A947-70E740481C1C}">
-                <a14:useLocalDpi xmlns:a14="http://schemas.microsoft.com/office/drawing/2010/main" val="0"/>
-              </a:ext>
-            </a:extLst>
-          </a:blip>
-          <a:stretch>
-            <a:fillRect/>
-          </a:stretch>
-        </p:blipFill>
-        <p:spPr>
-          <a:xfrm rot="0">
-            <a:off x="3990340" y="2052955"/>
-            <a:ext cx="1388745" cy="2378075"/>
-          </a:xfrm>
-          <a:prstGeom prst="roundRect"/>
-          <a:solidFill>
-            <a:srgbClr val="EDEDED"/>
-          </a:solidFill>
-        </p:spPr>
-      </p:pic>
       <p:cxnSp>
         <p:nvCxnSpPr>
-          <p:cNvPr id="65" name="Rect 0"/>
+          <p:cNvPr id="65" name="도형 79"/>
           <p:cNvCxnSpPr/>
           <p:nvPr/>
         </p:nvCxnSpPr>
         <p:spPr>
           <a:xfrm rot="0" flipH="1">
-            <a:off x="2011680" y="4231640"/>
-            <a:ext cx="2195195" cy="515620"/>
+            <a:off x="2003425" y="4305935"/>
+            <a:ext cx="2095500" cy="491490"/>
           </a:xfrm>
           <a:prstGeom prst="straightConnector1"/>
           <a:ln w="6350" cap="flat" cmpd="sng">
@@ -10878,7 +12343,423 @@
 </p:sld>
 </file>
 
-<file path=ppt/slides/slide16.xml><?xml version="1.0" encoding="utf-8"?>
+<file path=ppt/slides/slide17.xml><?xml version="1.0" encoding="utf-8"?>
+<p:sld xmlns:a="http://schemas.openxmlformats.org/drawingml/2006/main" xmlns:r="http://schemas.openxmlformats.org/officeDocument/2006/relationships" xmlns:p="http://schemas.openxmlformats.org/presentationml/2006/main" xmlns:p14="http://schemas.microsoft.com/office/powerpoint/2010/main">
+  <p:cSld>
+    <p:spTree>
+      <p:nvGrpSpPr>
+        <p:cNvPr id="1" name=""/>
+        <p:cNvGrpSpPr/>
+        <p:nvPr/>
+      </p:nvGrpSpPr>
+      <p:grpSpPr>
+        <a:xfrm>
+          <a:off x="0" y="0"/>
+          <a:ext cx="0" cy="0"/>
+          <a:chOff x="0" y="0"/>
+          <a:chExt cx="0" cy="0"/>
+        </a:xfrm>
+      </p:grpSpPr>
+      <p:sp>
+        <p:nvSpPr>
+          <p:cNvPr id="35" name="Rect 0"/>
+          <p:cNvSpPr txBox="1">
+            <a:spLocks/>
+          </p:cNvSpPr>
+          <p:nvPr/>
+        </p:nvSpPr>
+        <p:spPr>
+          <a:xfrm rot="0">
+            <a:off x="4126865" y="467995"/>
+            <a:ext cx="3937635" cy="554990"/>
+          </a:xfrm>
+          <a:prstGeom prst="rect"/>
+          <a:noFill/>
+          <a:ln w="0">
+            <a:noFill/>
+            <a:prstDash/>
+          </a:ln>
+        </p:spPr>
+        <p:txBody>
+          <a:bodyPr wrap="square" lIns="89535" tIns="46355" rIns="89535" bIns="46355" numCol="1" vert="horz" anchor="t">
+            <a:spAutoFit/>
+          </a:bodyPr>
+          <a:lstStyle/>
+          <a:p>
+            <a:pPr marL="0" indent="0" rtl="0" algn="l" defTabSz="914400" eaLnBrk="1" latinLnBrk="0" hangingPunct="1">
+              <a:buFontTx/>
+              <a:buNone/>
+            </a:pPr>
+            <a:r>
+              <a:rPr lang="ko-KR" sz="3000" b="1">
+                <a:latin typeface="맑은 고딕" charset="0"/>
+                <a:ea typeface="맑은 고딕" charset="0"/>
+              </a:rPr>
+              <a:t>열다섯</a:t>
+            </a:r>
+            <a:r>
+              <a:rPr lang="ko-KR" sz="3000" b="1">
+                <a:latin typeface="맑은 고딕" charset="0"/>
+                <a:ea typeface="맑은 고딕" charset="0"/>
+              </a:rPr>
+              <a:t> 번째 튜토리얼</a:t>
+            </a:r>
+            <a:r>
+              <a:rPr sz="3000" b="1">
+                <a:latin typeface="맑은 고딕" charset="0"/>
+                <a:ea typeface="맑은 고딕" charset="0"/>
+              </a:rPr>
+              <a:t> </a:t>
+            </a:r>
+            <a:endParaRPr lang="ko-KR" altLang="en-US" sz="3000" b="1">
+              <a:latin typeface="맑은 고딕" charset="0"/>
+              <a:ea typeface="맑은 고딕" charset="0"/>
+            </a:endParaRPr>
+          </a:p>
+        </p:txBody>
+      </p:sp>
+      <p:sp>
+        <p:nvSpPr>
+          <p:cNvPr id="57" name="Rect 0"/>
+          <p:cNvSpPr txBox="1">
+            <a:spLocks/>
+          </p:cNvSpPr>
+          <p:nvPr/>
+        </p:nvSpPr>
+        <p:spPr>
+          <a:xfrm>
+            <a:off x="6824980" y="5480050"/>
+            <a:ext cx="4124325" cy="677545"/>
+          </a:xfrm>
+          <a:prstGeom prst="rect"/>
+          <a:noFill/>
+          <a:ln w="0">
+            <a:noFill/>
+            <a:prstDash/>
+          </a:ln>
+        </p:spPr>
+        <p:txBody>
+          <a:bodyPr wrap="square" lIns="89535" tIns="46355" rIns="89535" bIns="46355" numCol="1" vert="horz" anchor="t">
+            <a:spAutoFit/>
+          </a:bodyPr>
+          <a:lstStyle/>
+          <a:p>
+            <a:pPr marL="0" indent="0" rtl="0" algn="l" defTabSz="914400" eaLnBrk="1" latinLnBrk="0" hangingPunct="1">
+              <a:buFontTx/>
+              <a:buNone/>
+            </a:pPr>
+            <a:r>
+              <a:rPr lang="ko-KR" sz="2000" b="1">
+                <a:solidFill>
+                  <a:srgbClr val="0611F2"/>
+                </a:solidFill>
+                <a:latin typeface="맑은 고딕" charset="0"/>
+                <a:ea typeface="맑은 고딕" charset="0"/>
+              </a:rPr>
+              <a:t>3</a:t>
+            </a:r>
+            <a:r>
+              <a:rPr lang="ko-KR" sz="2000" b="1">
+                <a:solidFill>
+                  <a:srgbClr val="0611F2"/>
+                </a:solidFill>
+                <a:latin typeface="맑은 고딕" charset="0"/>
+                <a:ea typeface="맑은 고딕" charset="0"/>
+              </a:rPr>
+              <a:t>4</a:t>
+            </a:r>
+            <a:r>
+              <a:rPr lang="ko-KR" sz="2000" b="1">
+                <a:solidFill>
+                  <a:srgbClr val="0611F2"/>
+                </a:solidFill>
+                <a:latin typeface="맑은 고딕" charset="0"/>
+                <a:ea typeface="맑은 고딕" charset="0"/>
+              </a:rPr>
+              <a:t>.</a:t>
+            </a:r>
+            <a:r>
+              <a:rPr lang="ko-KR" sz="2000">
+                <a:solidFill>
+                  <a:srgbClr val="0611F2"/>
+                </a:solidFill>
+                <a:latin typeface="맑은 고딕" charset="0"/>
+                <a:ea typeface="맑은 고딕" charset="0"/>
+              </a:rPr>
+              <a:t> </a:t>
+            </a:r>
+            <a:r>
+              <a:rPr lang="ko-KR" sz="1800">
+                <a:latin typeface="맑은 고딕" charset="0"/>
+                <a:ea typeface="맑은 고딕" charset="0"/>
+              </a:rPr>
+              <a:t>이제 PhotonSetting를 선택하고</a:t>
+            </a:r>
+            <a:endParaRPr lang="ko-KR" altLang="en-US" sz="1800">
+              <a:latin typeface="맑은 고딕" charset="0"/>
+              <a:ea typeface="맑은 고딕" charset="0"/>
+            </a:endParaRPr>
+          </a:p>
+          <a:p>
+            <a:pPr marL="0" indent="0" rtl="0" algn="l" defTabSz="914400" eaLnBrk="1" latinLnBrk="0" hangingPunct="1">
+              <a:buFontTx/>
+              <a:buNone/>
+            </a:pPr>
+            <a:r>
+              <a:rPr lang="ko-KR" sz="1800">
+                <a:solidFill>
+                  <a:srgbClr val="009900"/>
+                </a:solidFill>
+                <a:latin typeface="맑은 고딕" charset="0"/>
+                <a:ea typeface="맑은 고딕" charset="0"/>
+              </a:rPr>
+              <a:t>[ Login( ) ]</a:t>
+            </a:r>
+            <a:r>
+              <a:rPr lang="ko-KR" sz="1800">
+                <a:latin typeface="맑은 고딕" charset="0"/>
+                <a:ea typeface="맑은 고딕" charset="0"/>
+              </a:rPr>
+              <a:t>이라는 함수를 설정합니다. </a:t>
+            </a:r>
+            <a:endParaRPr lang="ko-KR" altLang="en-US" sz="1800">
+              <a:latin typeface="맑은 고딕" charset="0"/>
+              <a:ea typeface="맑은 고딕" charset="0"/>
+            </a:endParaRPr>
+          </a:p>
+        </p:txBody>
+      </p:sp>
+      <p:sp>
+        <p:nvSpPr>
+          <p:cNvPr id="60" name="Rect 0"/>
+          <p:cNvSpPr txBox="1">
+            <a:spLocks/>
+          </p:cNvSpPr>
+          <p:nvPr/>
+        </p:nvSpPr>
+        <p:spPr>
+          <a:xfrm>
+            <a:off x="1229360" y="5203190"/>
+            <a:ext cx="4149725" cy="954405"/>
+          </a:xfrm>
+          <a:prstGeom prst="rect"/>
+          <a:noFill/>
+          <a:ln w="0">
+            <a:noFill/>
+            <a:prstDash/>
+          </a:ln>
+        </p:spPr>
+        <p:txBody>
+          <a:bodyPr wrap="square" lIns="89535" tIns="46355" rIns="89535" bIns="46355" numCol="1" vert="horz" anchor="t">
+            <a:spAutoFit/>
+          </a:bodyPr>
+          <a:lstStyle/>
+          <a:p>
+            <a:pPr marL="0" indent="0" rtl="0" algn="l" defTabSz="914400" eaLnBrk="1" latinLnBrk="0" hangingPunct="1">
+              <a:buFontTx/>
+              <a:buNone/>
+            </a:pPr>
+            <a:r>
+              <a:rPr lang="ko-KR" sz="2000" b="1">
+                <a:solidFill>
+                  <a:srgbClr val="0611F2"/>
+                </a:solidFill>
+                <a:latin typeface="맑은 고딕" charset="0"/>
+                <a:ea typeface="맑은 고딕" charset="0"/>
+              </a:rPr>
+              <a:t>3</a:t>
+            </a:r>
+            <a:r>
+              <a:rPr lang="ko-KR" sz="2000" b="1">
+                <a:solidFill>
+                  <a:srgbClr val="0611F2"/>
+                </a:solidFill>
+                <a:latin typeface="맑은 고딕" charset="0"/>
+                <a:ea typeface="맑은 고딕" charset="0"/>
+              </a:rPr>
+              <a:t>3</a:t>
+            </a:r>
+            <a:r>
+              <a:rPr lang="ko-KR" sz="2000" b="1">
+                <a:solidFill>
+                  <a:srgbClr val="0611F2"/>
+                </a:solidFill>
+                <a:latin typeface="맑은 고딕" charset="0"/>
+                <a:ea typeface="맑은 고딕" charset="0"/>
+              </a:rPr>
+              <a:t>.</a:t>
+            </a:r>
+            <a:r>
+              <a:rPr lang="ko-KR" sz="2000">
+                <a:solidFill>
+                  <a:srgbClr val="0611F2"/>
+                </a:solidFill>
+                <a:latin typeface="맑은 고딕" charset="0"/>
+                <a:ea typeface="맑은 고딕" charset="0"/>
+              </a:rPr>
+              <a:t> </a:t>
+            </a:r>
+            <a:r>
+              <a:rPr lang="ko-KR" sz="1800">
+                <a:latin typeface="맑은 고딕" charset="0"/>
+                <a:ea typeface="맑은 고딕" charset="0"/>
+              </a:rPr>
+              <a:t>마지막으로 Sign In Button 오브젝트의 On Click( ) 함수에 Photon Setting 오브젝트를 넣어줍니다.</a:t>
+            </a:r>
+            <a:endParaRPr lang="ko-KR" altLang="en-US" sz="1800">
+              <a:latin typeface="맑은 고딕" charset="0"/>
+              <a:ea typeface="맑은 고딕" charset="0"/>
+            </a:endParaRPr>
+          </a:p>
+        </p:txBody>
+      </p:sp>
+      <p:pic>
+        <p:nvPicPr>
+          <p:cNvPr id="67" name="그림 81" descr="C:/Users/Admin1/AppData/Roaming/PolarisOffice/ETemp/20636_16816336/fImage259843797035.png"/>
+          <p:cNvPicPr>
+            <a:picLocks noChangeAspect="1"/>
+          </p:cNvPicPr>
+          <p:nvPr/>
+        </p:nvPicPr>
+        <p:blipFill rotWithShape="1">
+          <a:blip r:embed="rId4" cstate="hqprint">
+            <a:extLst>
+              <a:ext uri="{28A0092B-C50C-407E-A947-70E740481C1C}">
+                <a14:useLocalDpi xmlns:a14="http://schemas.microsoft.com/office/drawing/2010/main"/>
+              </a:ext>
+            </a:extLst>
+          </a:blip>
+          <a:stretch>
+            <a:fillRect/>
+          </a:stretch>
+        </p:blipFill>
+        <p:spPr>
+          <a:xfrm rot="0">
+            <a:off x="6824980" y="1430020"/>
+            <a:ext cx="4124325" cy="3816350"/>
+          </a:xfrm>
+          <a:prstGeom prst="rect"/>
+          <a:noFill/>
+        </p:spPr>
+      </p:pic>
+      <p:pic>
+        <p:nvPicPr>
+          <p:cNvPr id="69" name="그림 44"/>
+          <p:cNvPicPr>
+            <a:picLocks noChangeAspect="1"/>
+          </p:cNvPicPr>
+          <p:nvPr/>
+        </p:nvPicPr>
+        <p:blipFill rotWithShape="1">
+          <a:blip r:embed="rId7" cstate="print">
+            <a:extLst>
+              <a:ext uri="{28A0092B-C50C-407E-A947-70E740481C1C}">
+                <a14:useLocalDpi xmlns:a14="http://schemas.microsoft.com/office/drawing/2010/main" val="0"/>
+              </a:ext>
+            </a:extLst>
+          </a:blip>
+          <a:stretch>
+            <a:fillRect/>
+          </a:stretch>
+        </p:blipFill>
+        <p:spPr>
+          <a:xfrm rot="0">
+            <a:off x="1222375" y="1427480"/>
+            <a:ext cx="2610485" cy="3652520"/>
+          </a:xfrm>
+          <a:prstGeom prst="roundRect"/>
+          <a:solidFill>
+            <a:srgbClr val="EDEDED"/>
+          </a:solidFill>
+        </p:spPr>
+      </p:pic>
+      <p:pic>
+        <p:nvPicPr>
+          <p:cNvPr id="70" name="그림 47" descr="C:/Users/Admin1/AppData/Roaming/PolarisOffice/ETemp/20636_16816336/fImage94112544464.png"/>
+          <p:cNvPicPr>
+            <a:picLocks noChangeAspect="1"/>
+          </p:cNvPicPr>
+          <p:nvPr/>
+        </p:nvPicPr>
+        <p:blipFill rotWithShape="1">
+          <a:blip r:embed="rId8" cstate="print">
+            <a:extLst>
+              <a:ext uri="{28A0092B-C50C-407E-A947-70E740481C1C}">
+                <a14:useLocalDpi xmlns:a14="http://schemas.microsoft.com/office/drawing/2010/main" val="0"/>
+              </a:ext>
+            </a:extLst>
+          </a:blip>
+          <a:stretch>
+            <a:fillRect/>
+          </a:stretch>
+        </p:blipFill>
+        <p:spPr>
+          <a:xfrm rot="0">
+            <a:off x="3990340" y="2052955"/>
+            <a:ext cx="1388745" cy="2378075"/>
+          </a:xfrm>
+          <a:prstGeom prst="roundRect"/>
+          <a:solidFill>
+            <a:srgbClr val="EDEDED"/>
+          </a:solidFill>
+        </p:spPr>
+      </p:pic>
+      <p:cxnSp>
+        <p:nvCxnSpPr>
+          <p:cNvPr id="65" name="Rect 0"/>
+          <p:cNvCxnSpPr/>
+          <p:nvPr/>
+        </p:nvCxnSpPr>
+        <p:spPr>
+          <a:xfrm rot="0" flipH="1">
+            <a:off x="2011680" y="4231640"/>
+            <a:ext cx="2195195" cy="515620"/>
+          </a:xfrm>
+          <a:prstGeom prst="straightConnector1"/>
+          <a:ln w="6350" cap="flat" cmpd="sng">
+            <a:prstDash/>
+            <a:tailEnd type="triangle" w="med" len="med"/>
+          </a:ln>
+        </p:spPr>
+        <p:style>
+          <a:lnRef idx="1">
+            <a:schemeClr val="accent1"/>
+          </a:lnRef>
+          <a:fillRef idx="0">
+            <a:schemeClr val="accent1"/>
+          </a:fillRef>
+          <a:effectRef idx="0">
+            <a:schemeClr val="accent1"/>
+          </a:effectRef>
+          <a:fontRef idx="minor">
+            <a:schemeClr val="tx1"/>
+          </a:fontRef>
+        </p:style>
+      </p:cxnSp>
+    </p:spTree>
+  </p:cSld>
+  <p:clrMapOvr>
+    <a:masterClrMapping/>
+  </p:clrMapOvr>
+  <mc:AlternateContent xmlns:mc="http://schemas.openxmlformats.org/markup-compatibility/2006">
+    <mc:Choice xmlns:p14="http://schemas.microsoft.com/office/powerpoint/2010/main" Requires="p14">
+      <p:transition spd="slow" p14:dur="2000"/>
+    </mc:Choice>
+    <mc:Fallback>
+      <p:transition spd="slow"/>
+    </mc:Fallback>
+  </mc:AlternateContent>
+  <p:timing>
+    <p:tnLst>
+      <p:par>
+        <p:cTn id="1" dur="indefinite" restart="never" nodeType="tmRoot"/>
+      </p:par>
+    </p:tnLst>
+  </p:timing>
+</p:sld>
+</file>
+
+<file path=ppt/slides/slide18.xml><?xml version="1.0" encoding="utf-8"?>
 <p:sld xmlns:a="http://schemas.openxmlformats.org/drawingml/2006/main" xmlns:r="http://schemas.openxmlformats.org/officeDocument/2006/relationships" xmlns:p="http://schemas.openxmlformats.org/presentationml/2006/main" xmlns:p14="http://schemas.microsoft.com/office/powerpoint/2010/main">
   <p:cSld>
     <p:spTree>
@@ -11305,8 +13186,8 @@
         </p:nvSpPr>
         <p:spPr>
           <a:xfrm rot="0">
-            <a:off x="4525645" y="369570"/>
-            <a:ext cx="3140075" cy="554990"/>
+            <a:off x="4525645" y="331470"/>
+            <a:ext cx="3140710" cy="554990"/>
           </a:xfrm>
           <a:prstGeom prst="rect"/>
           <a:noFill/>
@@ -11316,21 +13197,28 @@
           </a:ln>
         </p:spPr>
         <p:txBody>
-          <a:bodyPr wrap="square" lIns="89535" tIns="46355" rIns="89535" bIns="46355" vert="horz" anchor="t">
+          <a:bodyPr wrap="square" lIns="89535" tIns="46355" rIns="89535" bIns="46355" numCol="1" vert="horz" anchor="t">
             <a:spAutoFit/>
           </a:bodyPr>
           <a:lstStyle/>
           <a:p>
-            <a:pPr marL="0" indent="0" rtl="0" algn="l" defTabSz="914400" eaLnBrk="1" latinLnBrk="0" hangingPunct="1">
-              <a:buFontTx/>
-              <a:buNone/>
-            </a:pPr>
-            <a:r>
-              <a:rPr lang="ko-KR" sz="3000" b="1">
-                <a:latin typeface="맑은 고딕" charset="0"/>
-                <a:ea typeface="맑은 고딕" charset="0"/>
-              </a:rPr>
-              <a:t>두 번째 튜토리얼</a:t>
+            <a:pPr marL="0" indent="0" rtl="0" algn="ctr" defTabSz="914400" eaLnBrk="1" latinLnBrk="0" hangingPunct="1">
+              <a:buFontTx/>
+              <a:buNone/>
+            </a:pPr>
+            <a:r>
+              <a:rPr lang="ko-KR" sz="2500" b="1">
+                <a:latin typeface="나눔바른고딕" charset="0"/>
+                <a:ea typeface="나눔바른고딕" charset="0"/>
+              </a:rPr>
+              <a:t>두</a:t>
+            </a:r>
+            <a:r>
+              <a:rPr lang="ko-KR" sz="2500" b="1">
+                <a:latin typeface="나눔바른고딕" charset="0"/>
+                <a:ea typeface="나눔바른고딕" charset="0"/>
+              </a:rPr>
+              <a:t> 번째 튜토리얼</a:t>
             </a:r>
             <a:r>
               <a:rPr sz="3000" b="1">
@@ -11356,8 +13244,8 @@
         </p:nvSpPr>
         <p:spPr>
           <a:xfrm rot="0">
-            <a:off x="6656705" y="5412105"/>
-            <a:ext cx="4318635" cy="955675"/>
+            <a:off x="6819900" y="5173980"/>
+            <a:ext cx="4134485" cy="954405"/>
           </a:xfrm>
           <a:prstGeom prst="rect"/>
           <a:noFill/>
@@ -11384,14 +13272,52 @@
                 <a:latin typeface="맑은 고딕" charset="0"/>
                 <a:ea typeface="맑은 고딕" charset="0"/>
               </a:rPr>
-              <a:t>4. </a:t>
-            </a:r>
-            <a:r>
-              <a:rPr lang="ko-KR" sz="1800">
-                <a:latin typeface="맑은 고딕" charset="0"/>
-                <a:ea typeface="맑은 고딕" charset="0"/>
-              </a:rPr>
-              <a:t>그리고 현재 자기가 사용하는 Email 주소와 암호를 입력하고 PlayFab의 서비스 약관에 동의를 설정합니다.</a:t>
+              <a:t>4.</a:t>
+            </a:r>
+            <a:r>
+              <a:rPr lang="ko-KR" sz="2000" b="1">
+                <a:solidFill>
+                  <a:srgbClr val="0611F2"/>
+                </a:solidFill>
+                <a:latin typeface="맑은 고딕" charset="0"/>
+                <a:ea typeface="맑은 고딕" charset="0"/>
+              </a:rPr>
+              <a:t> </a:t>
+            </a:r>
+            <a:r>
+              <a:rPr lang="ko-KR" sz="1800">
+                <a:latin typeface="맑은 고딕" charset="0"/>
+                <a:ea typeface="맑은 고딕" charset="0"/>
+              </a:rPr>
+              <a:t>그리고 현재 자기가 사용하는 Email </a:t>
+            </a:r>
+            <a:r>
+              <a:rPr lang="ko-KR" sz="1800">
+                <a:latin typeface="맑은 고딕" charset="0"/>
+                <a:ea typeface="맑은 고딕" charset="0"/>
+              </a:rPr>
+              <a:t>주소와</a:t>
+            </a:r>
+            <a:r>
+              <a:rPr lang="ko-KR" sz="1800">
+                <a:latin typeface="맑은 고딕" charset="0"/>
+                <a:ea typeface="맑은 고딕" charset="0"/>
+              </a:rPr>
+              <a:t> 암호를 입력하고 PlayFab의 </a:t>
+            </a:r>
+            <a:r>
+              <a:rPr lang="ko-KR" sz="1800">
+                <a:latin typeface="맑은 고딕" charset="0"/>
+                <a:ea typeface="맑은 고딕" charset="0"/>
+              </a:rPr>
+              <a:t>서비스</a:t>
+            </a:r>
+            <a:r>
+              <a:rPr lang="ko-KR" sz="1800">
+                <a:latin typeface="맑은 고딕" charset="0"/>
+                <a:ea typeface="맑은 고딕" charset="0"/>
+              </a:rPr>
+              <a:t> 약관에 동의를 설정합니다.</a:t>
             </a:r>
             <a:endParaRPr lang="ko-KR" altLang="en-US" sz="1800">
               <a:latin typeface="맑은 고딕" charset="0"/>
@@ -11402,7 +13328,7 @@
       </p:sp>
       <p:pic>
         <p:nvPicPr>
-          <p:cNvPr id="9" name="그림 4"/>
+          <p:cNvPr id="9" name="그림 4" descr="C:/Users/Admin1/AppData/Roaming/PolarisOffice/ETemp/18832_10739096/fImage522971406500.png"/>
           <p:cNvPicPr>
             <a:picLocks noChangeAspect="1"/>
           </p:cNvPicPr>
@@ -11422,8 +13348,8 @@
         </p:blipFill>
         <p:spPr>
           <a:xfrm rot="0">
-            <a:off x="6650355" y="1271905"/>
-            <a:ext cx="4322445" cy="3990975"/>
+            <a:off x="6810375" y="1447165"/>
+            <a:ext cx="4144010" cy="3525520"/>
           </a:xfrm>
           <a:prstGeom prst="roundRect"/>
           <a:solidFill>
@@ -11431,37 +13357,6 @@
           </a:solidFill>
         </p:spPr>
       </p:pic>
-      <p:pic>
-        <p:nvPicPr>
-          <p:cNvPr id="10" name="그림 6"/>
-          <p:cNvPicPr>
-            <a:picLocks noChangeAspect="1"/>
-          </p:cNvPicPr>
-          <p:nvPr/>
-        </p:nvPicPr>
-        <p:blipFill rotWithShape="1">
-          <a:blip r:embed="rId8" cstate="hqprint">
-            <a:extLst>
-              <a:ext uri="{28A0092B-C50C-407E-A947-70E740481C1C}">
-                <a14:useLocalDpi xmlns:a14="http://schemas.microsoft.com/office/drawing/2010/main"/>
-              </a:ext>
-            </a:extLst>
-          </a:blip>
-          <a:stretch>
-            <a:fillRect/>
-          </a:stretch>
-        </p:blipFill>
-        <p:spPr>
-          <a:xfrm rot="0">
-            <a:off x="1139190" y="3931920"/>
-            <a:ext cx="4239895" cy="1713865"/>
-          </a:xfrm>
-          <a:prstGeom prst="roundRect"/>
-          <a:solidFill>
-            <a:srgbClr val="EDEDED"/>
-          </a:solidFill>
-        </p:spPr>
-      </p:pic>
       <p:sp>
         <p:nvSpPr>
           <p:cNvPr id="11" name="텍스트 상자 7"/>
@@ -11472,8 +13367,8 @@
         </p:nvSpPr>
         <p:spPr>
           <a:xfrm rot="0">
-            <a:off x="1130300" y="5697855"/>
-            <a:ext cx="4254500" cy="677545"/>
+            <a:off x="1247775" y="5459730"/>
+            <a:ext cx="4128135" cy="677545"/>
           </a:xfrm>
           <a:prstGeom prst="rect"/>
           <a:noFill/>
@@ -11500,35 +13395,31 @@
                 <a:latin typeface="맑은 고딕" charset="0"/>
                 <a:ea typeface="맑은 고딕" charset="0"/>
               </a:rPr>
-              <a:t>3. </a:t>
-            </a:r>
-            <a:r>
-              <a:rPr lang="ko-KR" sz="1800">
-                <a:latin typeface="맑은 고딕" charset="0"/>
-                <a:ea typeface="맑은 고딕" charset="0"/>
-              </a:rPr>
-              <a:t>그런 다음 로</a:t>
-            </a:r>
-            <a:r>
-              <a:rPr lang="ko-KR" sz="1800">
-                <a:latin typeface="맑은 고딕" charset="0"/>
-                <a:ea typeface="맑은 고딕" charset="0"/>
-              </a:rPr>
-              <a:t>그인 화면에</a:t>
-            </a:r>
-            <a:r>
-              <a:rPr lang="ko-KR" sz="1800">
-                <a:latin typeface="맑은 고딕" charset="0"/>
-                <a:ea typeface="맑은 고딕" charset="0"/>
-              </a:rPr>
-              <a:t>서 Join</a:t>
-            </a:r>
-            <a:r>
-              <a:rPr lang="ko-KR" sz="1800">
-                <a:latin typeface="맑은 고딕" charset="0"/>
-                <a:ea typeface="맑은 고딕" charset="0"/>
-              </a:rPr>
-              <a:t>을 선택합니다.</a:t>
+              <a:t>3.</a:t>
+            </a:r>
+            <a:r>
+              <a:rPr lang="ko-KR" sz="2000" b="1">
+                <a:solidFill>
+                  <a:srgbClr val="0611F2"/>
+                </a:solidFill>
+                <a:latin typeface="맑은 고딕" charset="0"/>
+                <a:ea typeface="맑은 고딕" charset="0"/>
+              </a:rPr>
+              <a:t> </a:t>
+            </a:r>
+            <a:r>
+              <a:rPr lang="ko-KR" sz="1800">
+                <a:latin typeface="맑은 고딕" charset="0"/>
+                <a:ea typeface="맑은 고딕" charset="0"/>
+              </a:rPr>
+              <a:t>그런 다음 로그인 화면에서 Join을 </a:t>
+            </a:r>
+            <a:r>
+              <a:rPr lang="ko-KR" sz="1800">
+                <a:latin typeface="맑은 고딕" charset="0"/>
+                <a:ea typeface="맑은 고딕" charset="0"/>
+              </a:rPr>
+              <a:t>선택합니다.</a:t>
             </a:r>
             <a:endParaRPr lang="ko-KR" altLang="en-US" sz="1800">
               <a:latin typeface="맑은 고딕" charset="0"/>
@@ -11547,8 +13438,8 @@
         </p:nvSpPr>
         <p:spPr>
           <a:xfrm rot="0">
-            <a:off x="1139190" y="3176905"/>
-            <a:ext cx="4239895" cy="677545"/>
+            <a:off x="1247775" y="3595370"/>
+            <a:ext cx="4122420" cy="677545"/>
           </a:xfrm>
           <a:prstGeom prst="rect"/>
           <a:noFill/>
@@ -11575,7 +13466,17 @@
                 <a:latin typeface="맑은 고딕" charset="0"/>
                 <a:ea typeface="맑은 고딕" charset="0"/>
               </a:rPr>
-              <a:t>2. </a:t>
+              <a:t>2.</a:t>
+            </a:r>
+            <a:r>
+              <a:rPr lang="ko-KR" sz="2000" b="1">
+                <a:solidFill>
+                  <a:srgbClr val="0611F2"/>
+                </a:solidFill>
+                <a:latin typeface="맑은 고딕" charset="0"/>
+                <a:ea typeface="맑은 고딕" charset="0"/>
+              </a:rPr>
+              <a:t> </a:t>
             </a:r>
             <a:r>
               <a:rPr sz="1800">
@@ -11589,7 +13490,21 @@
                 <a:latin typeface="맑은 고딕" charset="0"/>
                 <a:ea typeface="맑은 고딕" charset="0"/>
               </a:rPr>
-              <a:t>다음 소개 화면에 PlayFab에 로그인을 선택합니다.</a:t>
+              <a:t>다음 소개 화면에 PlayFab에 </a:t>
+            </a:r>
+            <a:r>
+              <a:rPr lang="ko-KR" sz="1800">
+                <a:latin typeface="맑은 고딕" charset="0"/>
+                <a:ea typeface="맑은 고딕" charset="0"/>
+              </a:rPr>
+              <a:t>로그인을</a:t>
+            </a:r>
+            <a:r>
+              <a:rPr lang="ko-KR" sz="1800">
+                <a:latin typeface="맑은 고딕" charset="0"/>
+                <a:ea typeface="맑은 고딕" charset="0"/>
+              </a:rPr>
+              <a:t> 선택합니다.</a:t>
             </a:r>
             <a:endParaRPr lang="ko-KR" altLang="en-US" sz="1800">
               <a:latin typeface="맑은 고딕" charset="0"/>
@@ -11600,7 +13515,7 @@
       </p:sp>
       <p:pic>
         <p:nvPicPr>
-          <p:cNvPr id="13" name="그림 9"/>
+          <p:cNvPr id="13" name="그림 9" descr="C:/Users/Admin1/AppData/Roaming/PolarisOffice/ETemp/18832_10739096/fImage20639513741.png"/>
           <p:cNvPicPr>
             <a:picLocks noChangeAspect="1"/>
           </p:cNvPicPr>
@@ -11620,11 +13535,44 @@
         </p:blipFill>
         <p:spPr>
           <a:xfrm rot="0">
-            <a:off x="1130935" y="1271905"/>
-            <a:ext cx="4248150" cy="1821180"/>
-          </a:xfrm>
-          <a:prstGeom prst="rect"/>
-          <a:noFill/>
+            <a:off x="1247775" y="1447800"/>
+            <a:ext cx="4131945" cy="2029460"/>
+          </a:xfrm>
+          <a:prstGeom prst="roundRect"/>
+          <a:solidFill>
+            <a:srgbClr val="EDEDED"/>
+          </a:solidFill>
+        </p:spPr>
+      </p:pic>
+      <p:pic>
+        <p:nvPicPr>
+          <p:cNvPr id="14" name="그림 4" descr="C:/Users/Admin1/AppData/Roaming/PolarisOffice/ETemp/18832_10739096/fImage1023922641.png"/>
+          <p:cNvPicPr>
+            <a:picLocks noChangeAspect="1"/>
+          </p:cNvPicPr>
+          <p:nvPr/>
+        </p:nvPicPr>
+        <p:blipFill rotWithShape="1">
+          <a:blip r:embed="rId11" cstate="print">
+            <a:extLst>
+              <a:ext uri="{28A0092B-C50C-407E-A947-70E740481C1C}">
+                <a14:useLocalDpi xmlns:a14="http://schemas.microsoft.com/office/drawing/2010/main" val="0"/>
+              </a:ext>
+            </a:extLst>
+          </a:blip>
+          <a:stretch>
+            <a:fillRect/>
+          </a:stretch>
+        </p:blipFill>
+        <p:spPr>
+          <a:xfrm rot="0">
+            <a:off x="1238250" y="4419600"/>
+            <a:ext cx="4134485" cy="905510"/>
+          </a:xfrm>
+          <a:prstGeom prst="roundRect"/>
+          <a:solidFill>
+            <a:srgbClr val="EDEDED"/>
+          </a:solidFill>
         </p:spPr>
       </p:pic>
     </p:spTree>
@@ -11676,9 +13624,9 @@
           <p:nvPr/>
         </p:nvSpPr>
         <p:spPr>
-          <a:xfrm rot="0">
+          <a:xfrm>
             <a:off x="4509135" y="361315"/>
-            <a:ext cx="3173095" cy="554990"/>
+            <a:ext cx="3173730" cy="554990"/>
           </a:xfrm>
           <a:prstGeom prst="rect"/>
           <a:noFill/>
@@ -11688,21 +13636,28 @@
           </a:ln>
         </p:spPr>
         <p:txBody>
-          <a:bodyPr wrap="square" lIns="89535" tIns="46355" rIns="89535" bIns="46355" vert="horz" anchor="t">
+          <a:bodyPr wrap="square" lIns="89535" tIns="46355" rIns="89535" bIns="46355" numCol="1" vert="horz" anchor="t">
             <a:spAutoFit/>
           </a:bodyPr>
           <a:lstStyle/>
           <a:p>
-            <a:pPr marL="0" indent="0" rtl="0" algn="l" defTabSz="914400" eaLnBrk="1" latinLnBrk="0" hangingPunct="1">
-              <a:buFontTx/>
-              <a:buNone/>
-            </a:pPr>
-            <a:r>
-              <a:rPr lang="ko-KR" sz="3000" b="1">
-                <a:latin typeface="맑은 고딕" charset="0"/>
-                <a:ea typeface="맑은 고딕" charset="0"/>
-              </a:rPr>
-              <a:t>세 번째 튜토리얼</a:t>
+            <a:pPr marL="0" indent="0" rtl="0" algn="ctr" defTabSz="914400" eaLnBrk="1" latinLnBrk="0" hangingPunct="1">
+              <a:buFontTx/>
+              <a:buNone/>
+            </a:pPr>
+            <a:r>
+              <a:rPr lang="ko-KR" sz="2500" b="1">
+                <a:latin typeface="나눔바른고딕" charset="0"/>
+                <a:ea typeface="나눔바른고딕" charset="0"/>
+              </a:rPr>
+              <a:t>세</a:t>
+            </a:r>
+            <a:r>
+              <a:rPr lang="ko-KR" sz="2500" b="1">
+                <a:latin typeface="나눔바른고딕" charset="0"/>
+                <a:ea typeface="나눔바른고딕" charset="0"/>
+              </a:rPr>
+              <a:t> 번째 튜토리얼</a:t>
             </a:r>
             <a:r>
               <a:rPr sz="3000" b="1">
@@ -11728,8 +13683,8 @@
         </p:nvSpPr>
         <p:spPr>
           <a:xfrm rot="0">
-            <a:off x="1081405" y="5565775"/>
-            <a:ext cx="4241165" cy="708025"/>
+            <a:off x="1228725" y="5318125"/>
+            <a:ext cx="4134485" cy="708025"/>
           </a:xfrm>
           <a:prstGeom prst="rect"/>
           <a:noFill/>
@@ -11773,14 +13728,21 @@
                 <a:latin typeface="맑은 고딕" charset="0"/>
                 <a:ea typeface="맑은 고딕" charset="0"/>
               </a:rPr>
-              <a:t>이제 회</a:t>
-            </a:r>
-            <a:r>
-              <a:rPr lang="ko-KR" sz="1800">
-                <a:latin typeface="맑은 고딕" charset="0"/>
-                <a:ea typeface="맑은 고딕" charset="0"/>
-              </a:rPr>
-              <a:t>원가입할 때 입력한 전자 메일에 </a:t>
+              <a:t>이제 회원가입할 때 입력한 전자 </a:t>
+            </a:r>
+            <a:r>
+              <a:rPr lang="ko-KR" sz="1800">
+                <a:latin typeface="맑은 고딕" charset="0"/>
+                <a:ea typeface="맑은 고딕" charset="0"/>
+              </a:rPr>
+              <a:t>메일에</a:t>
+            </a:r>
+            <a:r>
+              <a:rPr lang="ko-KR" sz="1800">
+                <a:latin typeface="맑은 고딕" charset="0"/>
+                <a:ea typeface="맑은 고딕" charset="0"/>
+              </a:rPr>
+              <a:t> </a:t>
             </a:r>
             <a:r>
               <a:rPr lang="ko-KR" sz="1800">
@@ -11790,7 +13752,47 @@
                 <a:latin typeface="맑은 고딕" charset="0"/>
                 <a:ea typeface="맑은 고딕" charset="0"/>
               </a:rPr>
-              <a:t>[확인 전자 메일]</a:t>
+              <a:t>[확인</a:t>
+            </a:r>
+            <a:r>
+              <a:rPr lang="ko-KR" sz="1800">
+                <a:solidFill>
+                  <a:srgbClr val="009900"/>
+                </a:solidFill>
+                <a:latin typeface="맑은 고딕" charset="0"/>
+                <a:ea typeface="맑은 고딕" charset="0"/>
+              </a:rPr>
+              <a:t> </a:t>
+            </a:r>
+            <a:r>
+              <a:rPr lang="ko-KR" sz="1800">
+                <a:solidFill>
+                  <a:srgbClr val="009900"/>
+                </a:solidFill>
+                <a:latin typeface="맑은 고딕" charset="0"/>
+                <a:ea typeface="맑은 고딕" charset="0"/>
+              </a:rPr>
+              <a:t>전자</a:t>
+            </a:r>
+            <a:r>
+              <a:rPr lang="ko-KR" sz="1800">
+                <a:solidFill>
+                  <a:srgbClr val="009900"/>
+                </a:solidFill>
+                <a:latin typeface="맑은 고딕" charset="0"/>
+                <a:ea typeface="맑은 고딕" charset="0"/>
+              </a:rPr>
+              <a:t> </a:t>
+            </a:r>
+            <a:r>
+              <a:rPr lang="ko-KR" sz="1800">
+                <a:solidFill>
+                  <a:srgbClr val="009900"/>
+                </a:solidFill>
+                <a:latin typeface="맑은 고딕" charset="0"/>
+                <a:ea typeface="맑은 고딕" charset="0"/>
+              </a:rPr>
+              <a:t>메일]</a:t>
             </a:r>
             <a:r>
               <a:rPr lang="ko-KR" sz="1800">
@@ -11821,7 +13823,7 @@
       </p:sp>
       <p:pic>
         <p:nvPicPr>
-          <p:cNvPr id="26" name="그림 5"/>
+          <p:cNvPr id="26" name="그림 5" descr="C:/Users/Admin1/AppData/Roaming/PolarisOffice/ETemp/18832_10739096/fImage337991419169.png"/>
           <p:cNvPicPr>
             <a:picLocks noChangeAspect="1"/>
           </p:cNvPicPr>
@@ -11841,8 +13843,8 @@
         </p:blipFill>
         <p:spPr>
           <a:xfrm rot="0">
-            <a:off x="1082040" y="1255395"/>
-            <a:ext cx="4240530" cy="4123690"/>
+            <a:off x="1228725" y="1457325"/>
+            <a:ext cx="4124960" cy="3658235"/>
           </a:xfrm>
           <a:prstGeom prst="roundRect"/>
           <a:solidFill>
@@ -11852,7 +13854,7 @@
       </p:pic>
       <p:pic>
         <p:nvPicPr>
-          <p:cNvPr id="27" name="그림 6"/>
+          <p:cNvPr id="27" name="그림 6" descr="C:/Users/Admin1/AppData/Roaming/PolarisOffice/ETemp/18832_10739096/fImage178001425724.png"/>
           <p:cNvPicPr>
             <a:picLocks noChangeAspect="1"/>
           </p:cNvPicPr>
@@ -11872,11 +13874,13 @@
         </p:blipFill>
         <p:spPr>
           <a:xfrm rot="0">
-            <a:off x="6835140" y="1255395"/>
-            <a:ext cx="4413250" cy="3907790"/>
-          </a:xfrm>
-          <a:prstGeom prst="rect"/>
-          <a:noFill/>
+            <a:off x="6835140" y="1457325"/>
+            <a:ext cx="4119245" cy="3362960"/>
+          </a:xfrm>
+          <a:prstGeom prst="roundRect"/>
+          <a:solidFill>
+            <a:srgbClr val="EDEDED"/>
+          </a:solidFill>
         </p:spPr>
       </p:pic>
       <p:sp>
@@ -11889,8 +13893,8 @@
         </p:nvSpPr>
         <p:spPr>
           <a:xfrm rot="0">
-            <a:off x="6824980" y="5321300"/>
-            <a:ext cx="4423410" cy="954405"/>
+            <a:off x="6834505" y="5073650"/>
+            <a:ext cx="4129405" cy="954405"/>
           </a:xfrm>
           <a:prstGeom prst="rect"/>
           <a:noFill/>
@@ -11934,14 +13938,35 @@
                 <a:latin typeface="맑은 고딕" charset="0"/>
                 <a:ea typeface="맑은 고딕" charset="0"/>
               </a:rPr>
-              <a:t>그다음 E</a:t>
-            </a:r>
-            <a:r>
-              <a:rPr lang="ko-KR" sz="1800">
-                <a:latin typeface="맑은 고딕" charset="0"/>
-                <a:ea typeface="맑은 고딕" charset="0"/>
-              </a:rPr>
-              <a:t>mail에 가서 전자 메일을 도착했는지 확인하고 전자 메일 주소 확인을 선택합니다.</a:t>
+              <a:t>그다음 Email에 가서 전자 메일을 </a:t>
+            </a:r>
+            <a:r>
+              <a:rPr lang="ko-KR" sz="1800">
+                <a:latin typeface="맑은 고딕" charset="0"/>
+                <a:ea typeface="맑은 고딕" charset="0"/>
+              </a:rPr>
+              <a:t>도착했는지</a:t>
+            </a:r>
+            <a:r>
+              <a:rPr lang="ko-KR" sz="1800">
+                <a:latin typeface="맑은 고딕" charset="0"/>
+                <a:ea typeface="맑은 고딕" charset="0"/>
+              </a:rPr>
+              <a:t> 확인하고 전자 메일 주소 </a:t>
+            </a:r>
+            <a:r>
+              <a:rPr lang="ko-KR" sz="1800">
+                <a:latin typeface="맑은 고딕" charset="0"/>
+                <a:ea typeface="맑은 고딕" charset="0"/>
+              </a:rPr>
+              <a:t>확인을</a:t>
+            </a:r>
+            <a:r>
+              <a:rPr lang="ko-KR" sz="1800">
+                <a:latin typeface="맑은 고딕" charset="0"/>
+                <a:ea typeface="맑은 고딕" charset="0"/>
+              </a:rPr>
+              <a:t> 선택합니다.</a:t>
             </a:r>
             <a:endParaRPr lang="ko-KR" altLang="en-US" sz="1800">
               <a:latin typeface="맑은 고딕" charset="0"/>
@@ -12000,8 +14025,8 @@
         </p:nvSpPr>
         <p:spPr>
           <a:xfrm rot="0">
-            <a:off x="1222375" y="2884170"/>
-            <a:ext cx="4158615" cy="954405"/>
+            <a:off x="1238250" y="5151120"/>
+            <a:ext cx="4124325" cy="954405"/>
           </a:xfrm>
           <a:prstGeom prst="rect"/>
           <a:noFill/>
@@ -12045,28 +14070,35 @@
                 <a:latin typeface="맑은 고딕" charset="0"/>
                 <a:ea typeface="맑은 고딕" charset="0"/>
               </a:rPr>
-              <a:t>그런 다음</a:t>
-            </a:r>
-            <a:r>
-              <a:rPr lang="ko-KR" sz="1800">
-                <a:latin typeface="맑은 고딕" charset="0"/>
-                <a:ea typeface="맑은 고딕" charset="0"/>
-              </a:rPr>
-              <a:t> </a:t>
-            </a:r>
-            <a:r>
-              <a:rPr lang="ko-KR" sz="1800">
-                <a:latin typeface="맑은 고딕" charset="0"/>
-                <a:ea typeface="맑은 고딕" charset="0"/>
-              </a:rPr>
-              <a:t>게임 내에 있는 사용자 정보를 관리할 수 있는 DataBase가 생성되며 DataBase이름</a:t>
-            </a:r>
-            <a:r>
-              <a:rPr lang="ko-KR" sz="1800">
-                <a:latin typeface="맑은 고딕" charset="0"/>
-                <a:ea typeface="맑은 고딕" charset="0"/>
-              </a:rPr>
-              <a:t>을 선택합니다.</a:t>
+              <a:t>그런 다음 게임 내에 있는 사용자 </a:t>
+            </a:r>
+            <a:r>
+              <a:rPr lang="ko-KR" sz="1800">
+                <a:latin typeface="맑은 고딕" charset="0"/>
+                <a:ea typeface="맑은 고딕" charset="0"/>
+              </a:rPr>
+              <a:t>정보를</a:t>
+            </a:r>
+            <a:r>
+              <a:rPr lang="ko-KR" sz="1800">
+                <a:latin typeface="맑은 고딕" charset="0"/>
+                <a:ea typeface="맑은 고딕" charset="0"/>
+              </a:rPr>
+              <a:t> 관리할 수 있는 DataBase가 </a:t>
+            </a:r>
+            <a:r>
+              <a:rPr lang="ko-KR" sz="1800">
+                <a:latin typeface="맑은 고딕" charset="0"/>
+                <a:ea typeface="맑은 고딕" charset="0"/>
+              </a:rPr>
+              <a:t>생성되며</a:t>
+            </a:r>
+            <a:r>
+              <a:rPr lang="ko-KR" sz="1800">
+                <a:latin typeface="맑은 고딕" charset="0"/>
+                <a:ea typeface="맑은 고딕" charset="0"/>
+              </a:rPr>
+              <a:t> DataBase이름을 선택합니다.</a:t>
             </a:r>
             <a:endParaRPr lang="ko-KR" altLang="en-US" sz="1800">
               <a:latin typeface="맑은 고딕" charset="0"/>
@@ -12085,8 +14117,8 @@
         </p:nvSpPr>
         <p:spPr>
           <a:xfrm rot="0">
-            <a:off x="4533265" y="476885"/>
-            <a:ext cx="3122295" cy="554990"/>
+            <a:off x="4533265" y="353060"/>
+            <a:ext cx="3122930" cy="554990"/>
           </a:xfrm>
           <a:prstGeom prst="rect"/>
           <a:noFill/>
@@ -12096,21 +14128,28 @@
           </a:ln>
         </p:spPr>
         <p:txBody>
-          <a:bodyPr wrap="square" lIns="89535" tIns="46355" rIns="89535" bIns="46355" vert="horz" anchor="t">
+          <a:bodyPr wrap="square" lIns="89535" tIns="46355" rIns="89535" bIns="46355" numCol="1" vert="horz" anchor="t">
             <a:spAutoFit/>
           </a:bodyPr>
           <a:lstStyle/>
           <a:p>
-            <a:pPr marL="0" indent="0" rtl="0" algn="l" defTabSz="914400" eaLnBrk="1" latinLnBrk="0" hangingPunct="1">
-              <a:buFontTx/>
-              <a:buNone/>
-            </a:pPr>
-            <a:r>
-              <a:rPr lang="ko-KR" sz="3000" b="1">
-                <a:latin typeface="맑은 고딕" charset="0"/>
-                <a:ea typeface="맑은 고딕" charset="0"/>
-              </a:rPr>
-              <a:t>네 번째 튜토리얼</a:t>
+            <a:pPr marL="0" indent="0" rtl="0" algn="ctr" defTabSz="914400" eaLnBrk="1" latinLnBrk="0" hangingPunct="1">
+              <a:buFontTx/>
+              <a:buNone/>
+            </a:pPr>
+            <a:r>
+              <a:rPr lang="ko-KR" sz="2500" b="1">
+                <a:latin typeface="나눔바른고딕" charset="0"/>
+                <a:ea typeface="나눔바른고딕" charset="0"/>
+              </a:rPr>
+              <a:t>네</a:t>
+            </a:r>
+            <a:r>
+              <a:rPr lang="ko-KR" sz="2500" b="1">
+                <a:latin typeface="나눔바른고딕" charset="0"/>
+                <a:ea typeface="나눔바른고딕" charset="0"/>
+              </a:rPr>
+              <a:t> 번째 튜토리얼</a:t>
             </a:r>
             <a:r>
               <a:rPr sz="3000" b="1">
@@ -12126,116 +14165,101 @@
           </a:p>
         </p:txBody>
       </p:sp>
+      <p:sp>
+        <p:nvSpPr>
+          <p:cNvPr id="43" name="텍스트 상자 32"/>
+          <p:cNvSpPr txBox="1">
+            <a:spLocks/>
+          </p:cNvSpPr>
+          <p:nvPr/>
+        </p:nvSpPr>
+        <p:spPr>
+          <a:xfrm rot="0">
+            <a:off x="6877050" y="5149850"/>
+            <a:ext cx="4096385" cy="954405"/>
+          </a:xfrm>
+          <a:prstGeom prst="rect"/>
+          <a:noFill/>
+          <a:ln w="0">
+            <a:noFill/>
+            <a:prstDash/>
+          </a:ln>
+        </p:spPr>
+        <p:txBody>
+          <a:bodyPr wrap="square" lIns="89535" tIns="46355" rIns="89535" bIns="46355" numCol="1" vert="horz" anchor="t">
+            <a:spAutoFit/>
+          </a:bodyPr>
+          <a:lstStyle/>
+          <a:p>
+            <a:pPr marL="0" indent="0" rtl="0" algn="l" defTabSz="914400" eaLnBrk="1" latinLnBrk="0" hangingPunct="1">
+              <a:buFontTx/>
+              <a:buNone/>
+            </a:pPr>
+            <a:r>
+              <a:rPr lang="ko-KR" sz="2000" b="1">
+                <a:solidFill>
+                  <a:srgbClr val="0611F2"/>
+                </a:solidFill>
+                <a:latin typeface="맑은 고딕" charset="0"/>
+                <a:ea typeface="맑은 고딕" charset="0"/>
+              </a:rPr>
+              <a:t>8.</a:t>
+            </a:r>
+            <a:r>
+              <a:rPr lang="ko-KR" sz="2000">
+                <a:solidFill>
+                  <a:srgbClr val="0611F2"/>
+                </a:solidFill>
+                <a:latin typeface="맑은 고딕" charset="0"/>
+                <a:ea typeface="맑은 고딕" charset="0"/>
+              </a:rPr>
+              <a:t> </a:t>
+            </a:r>
+            <a:r>
+              <a:rPr lang="ko-KR" sz="1800">
+                <a:latin typeface="맑은 고딕" charset="0"/>
+                <a:ea typeface="맑은 고딕" charset="0"/>
+              </a:rPr>
+              <a:t>그리고 PlayFab 타이틀로 들어와서 </a:t>
+            </a:r>
+            <a:r>
+              <a:rPr lang="ko-KR" sz="1800">
+                <a:latin typeface="맑은 고딕" charset="0"/>
+                <a:ea typeface="맑은 고딕" charset="0"/>
+              </a:rPr>
+              <a:t>도움말</a:t>
+            </a:r>
+            <a:r>
+              <a:rPr lang="ko-KR" sz="1800">
+                <a:latin typeface="맑은 고딕" charset="0"/>
+                <a:ea typeface="맑은 고딕" charset="0"/>
+              </a:rPr>
+              <a:t> 버튼을 입력하고 지원을 </a:t>
+            </a:r>
+            <a:r>
+              <a:rPr lang="ko-KR" sz="1800">
+                <a:latin typeface="맑은 고딕" charset="0"/>
+                <a:ea typeface="맑은 고딕" charset="0"/>
+              </a:rPr>
+              <a:t>선택합니다.</a:t>
+            </a:r>
+            <a:endParaRPr lang="ko-KR" altLang="en-US" sz="1800">
+              <a:latin typeface="맑은 고딕" charset="0"/>
+              <a:ea typeface="맑은 고딕" charset="0"/>
+            </a:endParaRPr>
+          </a:p>
+        </p:txBody>
+      </p:sp>
       <p:pic>
         <p:nvPicPr>
-          <p:cNvPr id="39" name="그림 13"/>
+          <p:cNvPr id="44" name="그림 11" descr="C:/Users/Admin1/AppData/Roaming/PolarisOffice/ETemp/18832_10739096/fImage45452278467.png"/>
           <p:cNvPicPr>
             <a:picLocks noChangeAspect="1"/>
           </p:cNvPicPr>
           <p:nvPr/>
         </p:nvPicPr>
         <p:blipFill rotWithShape="1">
-          <a:blip r:embed="rId10" cstate="hqprint">
-            <a:extLst>
-              <a:ext uri="{28A0092B-C50C-407E-A947-70E740481C1C}">
-                <a14:useLocalDpi xmlns:a14="http://schemas.microsoft.com/office/drawing/2010/main"/>
-              </a:ext>
-            </a:extLst>
-          </a:blip>
-          <a:stretch>
-            <a:fillRect/>
-          </a:stretch>
-        </p:blipFill>
-        <p:spPr>
-          <a:xfrm rot="0">
-            <a:off x="6824980" y="1463040"/>
-            <a:ext cx="4216400" cy="3990975"/>
-          </a:xfrm>
-          <a:prstGeom prst="rect"/>
-          <a:noFill/>
-        </p:spPr>
-      </p:pic>
-      <p:sp>
-        <p:nvSpPr>
-          <p:cNvPr id="40" name="텍스트 상자 14"/>
-          <p:cNvSpPr txBox="1">
-            <a:spLocks/>
-          </p:cNvSpPr>
-          <p:nvPr/>
-        </p:nvSpPr>
-        <p:spPr>
-          <a:xfrm rot="0">
-            <a:off x="6816725" y="5629910"/>
-            <a:ext cx="4215130" cy="677545"/>
-          </a:xfrm>
-          <a:prstGeom prst="rect"/>
-          <a:noFill/>
-          <a:ln w="0">
-            <a:noFill/>
-            <a:prstDash/>
-          </a:ln>
-        </p:spPr>
-        <p:txBody>
-          <a:bodyPr wrap="square" lIns="89535" tIns="46355" rIns="89535" bIns="46355" numCol="1" vert="horz" anchor="t">
-            <a:spAutoFit/>
-          </a:bodyPr>
-          <a:lstStyle/>
-          <a:p>
-            <a:pPr marL="0" indent="0" rtl="0" algn="l" defTabSz="914400" eaLnBrk="1" latinLnBrk="0" hangingPunct="1">
-              <a:buFontTx/>
-              <a:buNone/>
-            </a:pPr>
-            <a:r>
-              <a:rPr lang="ko-KR" sz="2000" b="1">
-                <a:solidFill>
-                  <a:srgbClr val="0611F2"/>
-                </a:solidFill>
-                <a:latin typeface="맑은 고딕" charset="0"/>
-                <a:ea typeface="맑은 고딕" charset="0"/>
-              </a:rPr>
-              <a:t>9.</a:t>
-            </a:r>
-            <a:r>
-              <a:rPr lang="ko-KR" sz="2000">
-                <a:solidFill>
-                  <a:srgbClr val="0611F2"/>
-                </a:solidFill>
-                <a:latin typeface="맑은 고딕" charset="0"/>
-                <a:ea typeface="맑은 고딕" charset="0"/>
-              </a:rPr>
-              <a:t> </a:t>
-            </a:r>
-            <a:r>
-              <a:rPr lang="ko-KR" sz="1800">
-                <a:latin typeface="맑은 고딕" charset="0"/>
-                <a:ea typeface="맑은 고딕" charset="0"/>
-              </a:rPr>
-              <a:t>이제 도움</a:t>
-            </a:r>
-            <a:r>
-              <a:rPr lang="ko-KR" sz="1800">
-                <a:latin typeface="맑은 고딕" charset="0"/>
-                <a:ea typeface="맑은 고딕" charset="0"/>
-              </a:rPr>
-              <a:t>말 화면이 나타나면 참조 자료에 SDK 다운로드를 선택합니다.</a:t>
-            </a:r>
-            <a:endParaRPr lang="ko-KR" altLang="en-US" sz="1800">
-              <a:latin typeface="맑은 고딕" charset="0"/>
-              <a:ea typeface="맑은 고딕" charset="0"/>
-            </a:endParaRPr>
-          </a:p>
-        </p:txBody>
-      </p:sp>
-      <p:pic>
-        <p:nvPicPr>
-          <p:cNvPr id="41" name="그림 26"/>
-          <p:cNvPicPr>
-            <a:picLocks noChangeAspect="1"/>
-          </p:cNvPicPr>
-          <p:nvPr/>
-        </p:nvPicPr>
-        <p:blipFill rotWithShape="1">
-          <a:blip r:embed="rId11" cstate="print">
+          <a:blip r:embed="rId12" cstate="print">
             <a:extLst>
               <a:ext uri="{28A0092B-C50C-407E-A947-70E740481C1C}">
                 <a14:useLocalDpi xmlns:a14="http://schemas.microsoft.com/office/drawing/2010/main" val="0"/>
@@ -12248,26 +14272,28 @@
         </p:blipFill>
         <p:spPr>
           <a:xfrm rot="0">
-            <a:off x="1221740" y="1463675"/>
-            <a:ext cx="4157345" cy="1346835"/>
-          </a:xfrm>
-          <a:prstGeom prst="rect"/>
-          <a:noFill/>
+            <a:off x="1238250" y="1447800"/>
+            <a:ext cx="4124960" cy="3524885"/>
+          </a:xfrm>
+          <a:prstGeom prst="roundRect"/>
+          <a:solidFill>
+            <a:srgbClr val="EDEDED"/>
+          </a:solidFill>
         </p:spPr>
       </p:pic>
       <p:pic>
         <p:nvPicPr>
-          <p:cNvPr id="42" name="그림 31"/>
+          <p:cNvPr id="45" name="그림 14" descr="C:/Users/Admin1/AppData/Roaming/PolarisOffice/ETemp/18832_10739096/fImage73462286334.png"/>
           <p:cNvPicPr>
             <a:picLocks noChangeAspect="1"/>
           </p:cNvPicPr>
           <p:nvPr/>
         </p:nvPicPr>
         <p:blipFill rotWithShape="1">
-          <a:blip r:embed="rId9" cstate="hqprint">
+          <a:blip r:embed="rId13" cstate="print">
             <a:extLst>
               <a:ext uri="{28A0092B-C50C-407E-A947-70E740481C1C}">
-                <a14:useLocalDpi xmlns:a14="http://schemas.microsoft.com/office/drawing/2010/main"/>
+                <a14:useLocalDpi xmlns:a14="http://schemas.microsoft.com/office/drawing/2010/main" val="0"/>
               </a:ext>
             </a:extLst>
           </a:blip>
@@ -12277,77 +14303,15 @@
         </p:blipFill>
         <p:spPr>
           <a:xfrm rot="0">
-            <a:off x="1222375" y="3931920"/>
-            <a:ext cx="4148455" cy="1355725"/>
-          </a:xfrm>
-          <a:prstGeom prst="rect"/>
-          <a:noFill/>
+            <a:off x="6881495" y="1438275"/>
+            <a:ext cx="4082415" cy="3524885"/>
+          </a:xfrm>
+          <a:prstGeom prst="roundRect"/>
+          <a:solidFill>
+            <a:srgbClr val="EDEDED"/>
+          </a:solidFill>
         </p:spPr>
       </p:pic>
-      <p:sp>
-        <p:nvSpPr>
-          <p:cNvPr id="43" name="텍스트 상자 32"/>
-          <p:cNvSpPr txBox="1">
-            <a:spLocks/>
-          </p:cNvSpPr>
-          <p:nvPr/>
-        </p:nvSpPr>
-        <p:spPr>
-          <a:xfrm rot="0">
-            <a:off x="1219200" y="5330825"/>
-            <a:ext cx="4143375" cy="954405"/>
-          </a:xfrm>
-          <a:prstGeom prst="rect"/>
-          <a:noFill/>
-          <a:ln w="0">
-            <a:noFill/>
-            <a:prstDash/>
-          </a:ln>
-        </p:spPr>
-        <p:txBody>
-          <a:bodyPr wrap="square" lIns="89535" tIns="46355" rIns="89535" bIns="46355" numCol="1" vert="horz" anchor="t">
-            <a:spAutoFit/>
-          </a:bodyPr>
-          <a:lstStyle/>
-          <a:p>
-            <a:pPr marL="0" indent="0" rtl="0" algn="l" defTabSz="914400" eaLnBrk="1" latinLnBrk="0" hangingPunct="1">
-              <a:buFontTx/>
-              <a:buNone/>
-            </a:pPr>
-            <a:r>
-              <a:rPr lang="ko-KR" sz="2000" b="1">
-                <a:solidFill>
-                  <a:srgbClr val="0611F2"/>
-                </a:solidFill>
-                <a:latin typeface="맑은 고딕" charset="0"/>
-                <a:ea typeface="맑은 고딕" charset="0"/>
-              </a:rPr>
-              <a:t>8.</a:t>
-            </a:r>
-            <a:r>
-              <a:rPr lang="ko-KR" sz="2000">
-                <a:solidFill>
-                  <a:srgbClr val="0611F2"/>
-                </a:solidFill>
-                <a:latin typeface="맑은 고딕" charset="0"/>
-                <a:ea typeface="맑은 고딕" charset="0"/>
-              </a:rPr>
-              <a:t> </a:t>
-            </a:r>
-            <a:r>
-              <a:rPr lang="ko-KR" sz="1800">
-                <a:latin typeface="맑은 고딕" charset="0"/>
-                <a:ea typeface="맑은 고딕" charset="0"/>
-              </a:rPr>
-              <a:t>그리고 PlayFab 타이틀로 들어와서 도움말 버튼을 입력하고 지원을 선택합니다.</a:t>
-            </a:r>
-            <a:endParaRPr lang="ko-KR" altLang="en-US" sz="1800">
-              <a:latin typeface="맑은 고딕" charset="0"/>
-              <a:ea typeface="맑은 고딕" charset="0"/>
-            </a:endParaRPr>
-          </a:p>
-        </p:txBody>
-      </p:sp>
     </p:spTree>
   </p:cSld>
   <p:clrMapOvr>
@@ -12372,7 +14336,7 @@
 </file>
 
 <file path=ppt/slides/slide5.xml><?xml version="1.0" encoding="utf-8"?>
-<p:sld xmlns:a="http://schemas.openxmlformats.org/drawingml/2006/main" xmlns:r="http://schemas.openxmlformats.org/officeDocument/2006/relationships" xmlns:p="http://schemas.openxmlformats.org/presentationml/2006/main" xmlns:p14="http://schemas.microsoft.com/office/powerpoint/2010/main">
+<p:sld xmlns:a="http://schemas.openxmlformats.org/drawingml/2006/main" xmlns:r="http://schemas.openxmlformats.org/officeDocument/2006/relationships" xmlns:p="http://schemas.openxmlformats.org/presentationml/2006/main">
   <p:cSld>
     <p:spTree>
       <p:nvGrpSpPr>
@@ -12390,7 +14354,7 @@
       </p:grpSpPr>
       <p:sp>
         <p:nvSpPr>
-          <p:cNvPr id="29" name="Rect 0"/>
+          <p:cNvPr id="35" name="Rect 0"/>
           <p:cNvSpPr txBox="1">
             <a:spLocks/>
           </p:cNvSpPr>
@@ -12398,8 +14362,8 @@
         </p:nvSpPr>
         <p:spPr>
           <a:xfrm rot="0">
-            <a:off x="1229995" y="1337310"/>
-            <a:ext cx="4038600" cy="370205"/>
+            <a:off x="4533265" y="334010"/>
+            <a:ext cx="3122930" cy="554990"/>
           </a:xfrm>
           <a:prstGeom prst="rect"/>
           <a:noFill/>
@@ -12414,90 +14378,23 @@
           </a:bodyPr>
           <a:lstStyle/>
           <a:p>
-            <a:pPr marL="0" indent="0" algn="l" latinLnBrk="0" hangingPunct="1">
-              <a:buFontTx/>
-              <a:buNone/>
-            </a:pPr>
-            <a:endParaRPr lang="ko-KR" altLang="en-US" sz="1800">
-              <a:latin typeface="맑은 고딕" charset="0"/>
-              <a:ea typeface="맑은 고딕" charset="0"/>
-            </a:endParaRPr>
-          </a:p>
-        </p:txBody>
-      </p:sp>
-      <p:sp>
-        <p:nvSpPr>
-          <p:cNvPr id="31" name="Rect 0"/>
-          <p:cNvSpPr txBox="1">
-            <a:spLocks/>
-          </p:cNvSpPr>
-          <p:nvPr/>
-        </p:nvSpPr>
-        <p:spPr>
-          <a:xfrm rot="0">
-            <a:off x="6801485" y="3204210"/>
-            <a:ext cx="4161790" cy="370205"/>
-          </a:xfrm>
-          <a:prstGeom prst="rect"/>
-          <a:noFill/>
-          <a:ln w="0">
-            <a:noFill/>
-            <a:prstDash/>
-          </a:ln>
-        </p:spPr>
-        <p:txBody>
-          <a:bodyPr wrap="square" lIns="89535" tIns="46355" rIns="89535" bIns="46355" numCol="1" vert="horz" anchor="t">
-            <a:spAutoFit/>
-          </a:bodyPr>
-          <a:lstStyle/>
-          <a:p>
-            <a:pPr marL="0" indent="0" algn="l" latinLnBrk="0" hangingPunct="1">
-              <a:buFontTx/>
-              <a:buNone/>
-            </a:pPr>
-            <a:endParaRPr lang="ko-KR" altLang="en-US" sz="1800">
-              <a:latin typeface="맑은 고딕" charset="0"/>
-              <a:ea typeface="맑은 고딕" charset="0"/>
-            </a:endParaRPr>
-          </a:p>
-        </p:txBody>
-      </p:sp>
-      <p:sp>
-        <p:nvSpPr>
-          <p:cNvPr id="35" name="Rect 0"/>
-          <p:cNvSpPr txBox="1">
-            <a:spLocks/>
-          </p:cNvSpPr>
-          <p:nvPr/>
-        </p:nvSpPr>
-        <p:spPr>
-          <a:xfrm rot="0">
-            <a:off x="4342765" y="467995"/>
-            <a:ext cx="3503295" cy="554990"/>
-          </a:xfrm>
-          <a:prstGeom prst="rect"/>
-          <a:noFill/>
-          <a:ln w="0">
-            <a:noFill/>
-            <a:prstDash/>
-          </a:ln>
-        </p:spPr>
-        <p:txBody>
-          <a:bodyPr wrap="square" lIns="89535" tIns="46355" rIns="89535" bIns="46355" vert="horz" anchor="t">
-            <a:spAutoFit/>
-          </a:bodyPr>
-          <a:lstStyle/>
-          <a:p>
-            <a:pPr marL="0" indent="0" rtl="0" algn="l" defTabSz="914400" eaLnBrk="1" latinLnBrk="0" hangingPunct="1">
-              <a:buFontTx/>
-              <a:buNone/>
-            </a:pPr>
-            <a:r>
-              <a:rPr lang="ko-KR" sz="3000" b="1">
-                <a:latin typeface="맑은 고딕" charset="0"/>
-                <a:ea typeface="맑은 고딕" charset="0"/>
-              </a:rPr>
-              <a:t>다섯 번째 튜토리얼</a:t>
+            <a:pPr marL="0" indent="0" rtl="0" algn="ctr" defTabSz="914400" eaLnBrk="1" latinLnBrk="0" hangingPunct="1">
+              <a:buFontTx/>
+              <a:buNone/>
+            </a:pPr>
+            <a:r>
+              <a:rPr lang="ko-KR" sz="2500" b="1">
+                <a:latin typeface="나눔바른고딕" charset="0"/>
+                <a:ea typeface="나눔바른고딕" charset="0"/>
+              </a:rPr>
+              <a:t>다섯</a:t>
+            </a:r>
+            <a:r>
+              <a:rPr lang="ko-KR" sz="2500" b="1">
+                <a:latin typeface="나눔바른고딕" charset="0"/>
+                <a:ea typeface="나눔바른고딕" charset="0"/>
+              </a:rPr>
+              <a:t> 번째 튜토리얼</a:t>
             </a:r>
             <a:r>
               <a:rPr sz="3000" b="1">
@@ -12513,87 +14410,16 @@
           </a:p>
         </p:txBody>
       </p:sp>
-      <p:sp>
-        <p:nvSpPr>
-          <p:cNvPr id="40" name="텍스트 상자 58"/>
-          <p:cNvSpPr txBox="1">
-            <a:spLocks/>
-          </p:cNvSpPr>
-          <p:nvPr/>
-        </p:nvSpPr>
-        <p:spPr>
-          <a:xfrm>
-            <a:off x="1232535" y="2764155"/>
-            <a:ext cx="4114800" cy="954405"/>
-          </a:xfrm>
-          <a:prstGeom prst="rect"/>
-          <a:noFill/>
-          <a:ln w="0">
-            <a:noFill/>
-            <a:prstDash/>
-          </a:ln>
-        </p:spPr>
-        <p:txBody>
-          <a:bodyPr wrap="square" lIns="89535" tIns="46355" rIns="89535" bIns="46355" numCol="1" vert="horz" anchor="t">
-            <a:spAutoFit/>
-          </a:bodyPr>
-          <a:lstStyle/>
-          <a:p>
-            <a:pPr marL="0" indent="0" rtl="0" algn="l" defTabSz="914400" eaLnBrk="1" latinLnBrk="0" hangingPunct="1">
-              <a:buFontTx/>
-              <a:buNone/>
-            </a:pPr>
-            <a:r>
-              <a:rPr lang="ko-KR" sz="2000" b="1">
-                <a:solidFill>
-                  <a:srgbClr val="0611F2"/>
-                </a:solidFill>
-                <a:latin typeface="맑은 고딕" charset="0"/>
-                <a:ea typeface="맑은 고딕" charset="0"/>
-              </a:rPr>
-              <a:t>10.</a:t>
-            </a:r>
-            <a:r>
-              <a:rPr lang="ko-KR" sz="2000">
-                <a:solidFill>
-                  <a:srgbClr val="0611F2"/>
-                </a:solidFill>
-                <a:latin typeface="맑은 고딕" charset="0"/>
-                <a:ea typeface="맑은 고딕" charset="0"/>
-              </a:rPr>
-              <a:t> </a:t>
-            </a:r>
-            <a:r>
-              <a:rPr lang="ko-KR" sz="1800">
-                <a:latin typeface="맑은 고딕" charset="0"/>
-                <a:ea typeface="맑은 고딕" charset="0"/>
-              </a:rPr>
-              <a:t>그다음 S</a:t>
-            </a:r>
-            <a:r>
-              <a:rPr lang="ko-KR" sz="1800">
-                <a:latin typeface="맑은 고딕" charset="0"/>
-                <a:ea typeface="맑은 고딕" charset="0"/>
-              </a:rPr>
-              <a:t>DK 다운로드를 할 수 있는 Azure PlayFab 설명서 화면에서 게임 엔진을 선택합니다. </a:t>
-            </a:r>
-            <a:endParaRPr lang="ko-KR" altLang="en-US" sz="1800">
-              <a:latin typeface="맑은 고딕" charset="0"/>
-              <a:ea typeface="맑은 고딕" charset="0"/>
-            </a:endParaRPr>
-          </a:p>
-        </p:txBody>
-      </p:sp>
       <p:pic>
         <p:nvPicPr>
-          <p:cNvPr id="44" name="그림 15"/>
+          <p:cNvPr id="39" name="Picture " descr="C:/Users/Admin1/AppData/Roaming/PolarisOffice/ETemp/18832_10739096/fImage507371496962.png"/>
           <p:cNvPicPr>
             <a:picLocks noChangeAspect="1"/>
           </p:cNvPicPr>
           <p:nvPr/>
         </p:nvPicPr>
         <p:blipFill rotWithShape="1">
-          <a:blip r:embed="rId7" cstate="hqprint">
+          <a:blip r:embed="rId2" cstate="hqprint">
             <a:extLst>
               <a:ext uri="{28A0092B-C50C-407E-A947-70E740481C1C}">
                 <a14:useLocalDpi xmlns:a14="http://schemas.microsoft.com/office/drawing/2010/main"/>
@@ -12606,8 +14432,8 @@
         </p:blipFill>
         <p:spPr>
           <a:xfrm rot="0">
-            <a:off x="1229995" y="1421130"/>
-            <a:ext cx="4124960" cy="1247775"/>
+            <a:off x="1238250" y="1457325"/>
+            <a:ext cx="4134485" cy="3486785"/>
           </a:xfrm>
           <a:prstGeom prst="roundRect"/>
           <a:solidFill>
@@ -12615,19 +14441,294 @@
           </a:solidFill>
         </p:spPr>
       </p:pic>
+      <p:sp>
+        <p:nvSpPr>
+          <p:cNvPr id="40" name="Rect 0"/>
+          <p:cNvSpPr txBox="1">
+            <a:spLocks/>
+          </p:cNvSpPr>
+          <p:nvPr/>
+        </p:nvSpPr>
+        <p:spPr>
+          <a:xfrm rot="0">
+            <a:off x="1235075" y="5153660"/>
+            <a:ext cx="4137660" cy="954405"/>
+          </a:xfrm>
+          <a:prstGeom prst="rect"/>
+          <a:noFill/>
+          <a:ln w="0">
+            <a:noFill/>
+            <a:prstDash/>
+          </a:ln>
+        </p:spPr>
+        <p:txBody>
+          <a:bodyPr wrap="square" lIns="89535" tIns="46355" rIns="89535" bIns="46355" numCol="1" vert="horz" anchor="t">
+            <a:spAutoFit/>
+          </a:bodyPr>
+          <a:lstStyle/>
+          <a:p>
+            <a:pPr marL="0" indent="0" rtl="0" algn="l" defTabSz="914400" eaLnBrk="1" latinLnBrk="0" hangingPunct="1">
+              <a:buFontTx/>
+              <a:buNone/>
+            </a:pPr>
+            <a:r>
+              <a:rPr lang="ko-KR" sz="2000" b="1">
+                <a:solidFill>
+                  <a:srgbClr val="0611F2"/>
+                </a:solidFill>
+                <a:latin typeface="맑은 고딕" charset="0"/>
+                <a:ea typeface="맑은 고딕" charset="0"/>
+              </a:rPr>
+              <a:t>9.</a:t>
+            </a:r>
+            <a:r>
+              <a:rPr lang="ko-KR" sz="2000">
+                <a:solidFill>
+                  <a:srgbClr val="0611F2"/>
+                </a:solidFill>
+                <a:latin typeface="맑은 고딕" charset="0"/>
+                <a:ea typeface="맑은 고딕" charset="0"/>
+              </a:rPr>
+              <a:t> </a:t>
+            </a:r>
+            <a:r>
+              <a:rPr lang="ko-KR" sz="1800">
+                <a:latin typeface="맑은 고딕" charset="0"/>
+                <a:ea typeface="맑은 고딕" charset="0"/>
+              </a:rPr>
+              <a:t>그러고 나서 도움말 화면이 </a:t>
+            </a:r>
+            <a:r>
+              <a:rPr lang="ko-KR" sz="1800">
+                <a:latin typeface="맑은 고딕" charset="0"/>
+                <a:ea typeface="맑은 고딕" charset="0"/>
+              </a:rPr>
+              <a:t>나타나면</a:t>
+            </a:r>
+            <a:r>
+              <a:rPr lang="ko-KR" sz="1800">
+                <a:latin typeface="맑은 고딕" charset="0"/>
+                <a:ea typeface="맑은 고딕" charset="0"/>
+              </a:rPr>
+              <a:t> </a:t>
+            </a:r>
+            <a:r>
+              <a:rPr lang="ko-KR" sz="1800">
+                <a:latin typeface="맑은 고딕" charset="0"/>
+                <a:ea typeface="맑은 고딕" charset="0"/>
+              </a:rPr>
+              <a:t>참조</a:t>
+            </a:r>
+            <a:r>
+              <a:rPr lang="ko-KR" sz="1800">
+                <a:latin typeface="맑은 고딕" charset="0"/>
+                <a:ea typeface="맑은 고딕" charset="0"/>
+              </a:rPr>
+              <a:t> </a:t>
+            </a:r>
+            <a:r>
+              <a:rPr lang="ko-KR" sz="1800">
+                <a:latin typeface="맑은 고딕" charset="0"/>
+                <a:ea typeface="맑은 고딕" charset="0"/>
+              </a:rPr>
+              <a:t>자료에</a:t>
+            </a:r>
+            <a:r>
+              <a:rPr lang="ko-KR" sz="1800">
+                <a:latin typeface="맑은 고딕" charset="0"/>
+                <a:ea typeface="맑은 고딕" charset="0"/>
+              </a:rPr>
+              <a:t> </a:t>
+            </a:r>
+            <a:r>
+              <a:rPr lang="ko-KR" sz="1800">
+                <a:latin typeface="맑은 고딕" charset="0"/>
+                <a:ea typeface="맑은 고딕" charset="0"/>
+              </a:rPr>
+              <a:t>SDK</a:t>
+            </a:r>
+            <a:r>
+              <a:rPr lang="ko-KR" sz="1800">
+                <a:latin typeface="맑은 고딕" charset="0"/>
+                <a:ea typeface="맑은 고딕" charset="0"/>
+              </a:rPr>
+              <a:t> 다운로드를 </a:t>
+            </a:r>
+            <a:r>
+              <a:rPr lang="ko-KR" sz="1800">
+                <a:latin typeface="맑은 고딕" charset="0"/>
+                <a:ea typeface="맑은 고딕" charset="0"/>
+              </a:rPr>
+              <a:t>선택합니다.</a:t>
+            </a:r>
+            <a:endParaRPr lang="ko-KR" altLang="en-US" sz="1800">
+              <a:latin typeface="맑은 고딕" charset="0"/>
+              <a:ea typeface="맑은 고딕" charset="0"/>
+            </a:endParaRPr>
+          </a:p>
+        </p:txBody>
+      </p:sp>
+      <p:sp>
+        <p:nvSpPr>
+          <p:cNvPr id="41" name="텍스트 상자 19"/>
+          <p:cNvSpPr txBox="1">
+            <a:spLocks/>
+          </p:cNvSpPr>
+          <p:nvPr/>
+        </p:nvSpPr>
+        <p:spPr>
+          <a:xfrm rot="0">
+            <a:off x="6800850" y="2821305"/>
+            <a:ext cx="4115435" cy="677545"/>
+          </a:xfrm>
+          <a:prstGeom prst="rect"/>
+          <a:noFill/>
+          <a:ln w="0">
+            <a:noFill/>
+            <a:prstDash/>
+          </a:ln>
+        </p:spPr>
+        <p:txBody>
+          <a:bodyPr wrap="square" lIns="89535" tIns="46355" rIns="89535" bIns="46355" numCol="1" vert="horz" anchor="t">
+            <a:spAutoFit/>
+          </a:bodyPr>
+          <a:lstStyle/>
+          <a:p>
+            <a:pPr marL="0" indent="0" rtl="0" algn="l" defTabSz="914400" eaLnBrk="1" latinLnBrk="0" hangingPunct="1">
+              <a:buFontTx/>
+              <a:buNone/>
+            </a:pPr>
+            <a:r>
+              <a:rPr lang="ko-KR" sz="2000" b="1">
+                <a:solidFill>
+                  <a:srgbClr val="0611F2"/>
+                </a:solidFill>
+                <a:latin typeface="맑은 고딕" charset="0"/>
+                <a:ea typeface="맑은 고딕" charset="0"/>
+              </a:rPr>
+              <a:t>10.</a:t>
+            </a:r>
+            <a:r>
+              <a:rPr lang="ko-KR" sz="2000">
+                <a:solidFill>
+                  <a:srgbClr val="0611F2"/>
+                </a:solidFill>
+                <a:latin typeface="맑은 고딕" charset="0"/>
+                <a:ea typeface="맑은 고딕" charset="0"/>
+              </a:rPr>
+              <a:t> </a:t>
+            </a:r>
+            <a:r>
+              <a:rPr lang="ko-KR" sz="1800">
+                <a:latin typeface="맑은 고딕" charset="0"/>
+                <a:ea typeface="맑은 고딕" charset="0"/>
+              </a:rPr>
+              <a:t>이제 </a:t>
+            </a:r>
+            <a:r>
+              <a:rPr lang="ko-KR" sz="1800">
+                <a:latin typeface="맑은 고딕" charset="0"/>
+                <a:ea typeface="맑은 고딕" charset="0"/>
+              </a:rPr>
+              <a:t>Azure</a:t>
+            </a:r>
+            <a:r>
+              <a:rPr lang="ko-KR" sz="1800">
+                <a:latin typeface="맑은 고딕" charset="0"/>
+                <a:ea typeface="맑은 고딕" charset="0"/>
+              </a:rPr>
+              <a:t> </a:t>
+            </a:r>
+            <a:r>
+              <a:rPr lang="ko-KR" sz="1800">
+                <a:latin typeface="맑은 고딕" charset="0"/>
+                <a:ea typeface="맑은 고딕" charset="0"/>
+              </a:rPr>
+              <a:t>PlayFab</a:t>
+            </a:r>
+            <a:r>
+              <a:rPr lang="ko-KR" sz="1800">
+                <a:latin typeface="맑은 고딕" charset="0"/>
+                <a:ea typeface="맑은 고딕" charset="0"/>
+              </a:rPr>
+              <a:t> 설명서 </a:t>
+            </a:r>
+            <a:r>
+              <a:rPr lang="ko-KR" sz="1800">
+                <a:latin typeface="맑은 고딕" charset="0"/>
+                <a:ea typeface="맑은 고딕" charset="0"/>
+              </a:rPr>
+              <a:t>화면에서</a:t>
+            </a:r>
+            <a:r>
+              <a:rPr lang="ko-KR" sz="1800">
+                <a:latin typeface="맑은 고딕" charset="0"/>
+                <a:ea typeface="맑은 고딕" charset="0"/>
+              </a:rPr>
+              <a:t> </a:t>
+            </a:r>
+            <a:r>
+              <a:rPr lang="ko-KR" sz="1800">
+                <a:latin typeface="맑은 고딕" charset="0"/>
+                <a:ea typeface="맑은 고딕" charset="0"/>
+              </a:rPr>
+              <a:t>게임</a:t>
+            </a:r>
+            <a:r>
+              <a:rPr lang="ko-KR" sz="1800">
+                <a:latin typeface="맑은 고딕" charset="0"/>
+                <a:ea typeface="맑은 고딕" charset="0"/>
+              </a:rPr>
+              <a:t> </a:t>
+            </a:r>
+            <a:r>
+              <a:rPr lang="ko-KR" sz="1800">
+                <a:latin typeface="맑은 고딕" charset="0"/>
+                <a:ea typeface="맑은 고딕" charset="0"/>
+              </a:rPr>
+              <a:t>엔진을</a:t>
+            </a:r>
+            <a:r>
+              <a:rPr lang="ko-KR" sz="1800">
+                <a:latin typeface="맑은 고딕" charset="0"/>
+                <a:ea typeface="맑은 고딕" charset="0"/>
+              </a:rPr>
+              <a:t> </a:t>
+            </a:r>
+            <a:r>
+              <a:rPr lang="ko-KR" sz="1800">
+                <a:latin typeface="맑은 고딕" charset="0"/>
+                <a:ea typeface="맑은 고딕" charset="0"/>
+              </a:rPr>
+              <a:t>선택합니다.</a:t>
+            </a:r>
+            <a:r>
+              <a:rPr lang="ko-KR" sz="1800">
+                <a:latin typeface="맑은 고딕" charset="0"/>
+                <a:ea typeface="맑은 고딕" charset="0"/>
+              </a:rPr>
+              <a:t> </a:t>
+            </a:r>
+            <a:endParaRPr lang="ko-KR" altLang="en-US" sz="1800">
+              <a:latin typeface="맑은 고딕" charset="0"/>
+              <a:ea typeface="맑은 고딕" charset="0"/>
+            </a:endParaRPr>
+          </a:p>
+        </p:txBody>
+      </p:sp>
       <p:pic>
         <p:nvPicPr>
-          <p:cNvPr id="45" name="그림 16"/>
+          <p:cNvPr id="42" name="그림 23" descr="C:/Users/Admin1/AppData/Roaming/PolarisOffice/ETemp/18832_10739096/fImage168233156500.png"/>
           <p:cNvPicPr>
             <a:picLocks noChangeAspect="1"/>
           </p:cNvPicPr>
           <p:nvPr/>
         </p:nvPicPr>
         <p:blipFill rotWithShape="1">
-          <a:blip r:embed="rId8" cstate="hqprint">
+          <a:blip r:embed="rId3" cstate="print">
             <a:extLst>
               <a:ext uri="{28A0092B-C50C-407E-A947-70E740481C1C}">
-                <a14:useLocalDpi xmlns:a14="http://schemas.microsoft.com/office/drawing/2010/main"/>
+                <a14:useLocalDpi xmlns:a14="http://schemas.microsoft.com/office/drawing/2010/main" val="0"/>
               </a:ext>
             </a:extLst>
           </a:blip>
@@ -12637,8 +14738,8 @@
         </p:blipFill>
         <p:spPr>
           <a:xfrm rot="0">
-            <a:off x="1233805" y="3823970"/>
-            <a:ext cx="4112895" cy="1671320"/>
+            <a:off x="6800850" y="1456055"/>
+            <a:ext cx="4134485" cy="1249680"/>
           </a:xfrm>
           <a:prstGeom prst="roundRect"/>
           <a:solidFill>
@@ -12648,7 +14749,7 @@
       </p:pic>
       <p:sp>
         <p:nvSpPr>
-          <p:cNvPr id="46" name="텍스트 상자 17"/>
+          <p:cNvPr id="44" name="텍스트 상자 31"/>
           <p:cNvSpPr txBox="1">
             <a:spLocks/>
           </p:cNvSpPr>
@@ -12656,8 +14757,8 @@
         </p:nvSpPr>
         <p:spPr>
           <a:xfrm rot="0">
-            <a:off x="1229360" y="5579110"/>
-            <a:ext cx="4114165" cy="678180"/>
+            <a:off x="6791960" y="5417185"/>
+            <a:ext cx="4133850" cy="677545"/>
           </a:xfrm>
           <a:prstGeom prst="rect"/>
           <a:noFill/>
@@ -12701,7 +14802,21 @@
                 <a:latin typeface="맑은 고딕" charset="0"/>
                 <a:ea typeface="맑은 고딕" charset="0"/>
               </a:rPr>
-              <a:t>그리고 PlayFab 지원 게임 엔진 화면에서 빠른 시작을 선택합니다.</a:t>
+              <a:t>그리고 PlayFab 지원 게임 엔진 </a:t>
+            </a:r>
+            <a:r>
+              <a:rPr lang="ko-KR" sz="1800">
+                <a:latin typeface="맑은 고딕" charset="0"/>
+                <a:ea typeface="맑은 고딕" charset="0"/>
+              </a:rPr>
+              <a:t>화면에서</a:t>
+            </a:r>
+            <a:r>
+              <a:rPr lang="ko-KR" sz="1800">
+                <a:latin typeface="맑은 고딕" charset="0"/>
+                <a:ea typeface="맑은 고딕" charset="0"/>
+              </a:rPr>
+              <a:t> 빠른 시작을 선택합니다.</a:t>
             </a:r>
             <a:endParaRPr lang="ko-KR" altLang="en-US" sz="1800">
               <a:latin typeface="맑은 고딕" charset="0"/>
@@ -12712,17 +14827,17 @@
       </p:sp>
       <p:pic>
         <p:nvPicPr>
-          <p:cNvPr id="47" name="그림 18"/>
+          <p:cNvPr id="45" name="그림 32" descr="C:/Users/Admin1/AppData/Roaming/PolarisOffice/ETemp/18832_10739096/fImage223103209169.png"/>
           <p:cNvPicPr>
             <a:picLocks noChangeAspect="1"/>
           </p:cNvPicPr>
           <p:nvPr/>
         </p:nvPicPr>
         <p:blipFill rotWithShape="1">
-          <a:blip r:embed="rId9" cstate="hqprint">
+          <a:blip r:embed="rId4" cstate="print">
             <a:extLst>
               <a:ext uri="{28A0092B-C50C-407E-A947-70E740481C1C}">
-                <a14:useLocalDpi xmlns:a14="http://schemas.microsoft.com/office/drawing/2010/main"/>
+                <a14:useLocalDpi xmlns:a14="http://schemas.microsoft.com/office/drawing/2010/main" val="0"/>
               </a:ext>
             </a:extLst>
           </a:blip>
@@ -12732,94 +14847,15 @@
         </p:blipFill>
         <p:spPr>
           <a:xfrm rot="0">
-            <a:off x="6824980" y="1413510"/>
-            <a:ext cx="4323715" cy="3766185"/>
-          </a:xfrm>
-          <a:prstGeom prst="rect"/>
-          <a:noFill/>
+            <a:off x="6814820" y="3648075"/>
+            <a:ext cx="4101465" cy="1629410"/>
+          </a:xfrm>
+          <a:prstGeom prst="roundRect"/>
+          <a:solidFill>
+            <a:srgbClr val="EDEDED"/>
+          </a:solidFill>
         </p:spPr>
       </p:pic>
-      <p:sp>
-        <p:nvSpPr>
-          <p:cNvPr id="48" name="텍스트 상자 20"/>
-          <p:cNvSpPr txBox="1">
-            <a:spLocks/>
-          </p:cNvSpPr>
-          <p:nvPr/>
-        </p:nvSpPr>
-        <p:spPr>
-          <a:xfrm rot="0">
-            <a:off x="6816725" y="5326380"/>
-            <a:ext cx="4331970" cy="954405"/>
-          </a:xfrm>
-          <a:prstGeom prst="rect"/>
-          <a:noFill/>
-          <a:ln w="0">
-            <a:noFill/>
-            <a:prstDash/>
-          </a:ln>
-        </p:spPr>
-        <p:txBody>
-          <a:bodyPr wrap="square" lIns="89535" tIns="46355" rIns="89535" bIns="46355" numCol="1" vert="horz" anchor="t">
-            <a:spAutoFit/>
-          </a:bodyPr>
-          <a:lstStyle/>
-          <a:p>
-            <a:pPr marL="0" indent="0" rtl="0" algn="l" defTabSz="914400" eaLnBrk="1" latinLnBrk="0" hangingPunct="1">
-              <a:buFontTx/>
-              <a:buNone/>
-            </a:pPr>
-            <a:r>
-              <a:rPr lang="ko-KR" sz="2000" b="1">
-                <a:solidFill>
-                  <a:srgbClr val="0611F2"/>
-                </a:solidFill>
-                <a:latin typeface="맑은 고딕" charset="0"/>
-                <a:ea typeface="맑은 고딕" charset="0"/>
-              </a:rPr>
-              <a:t>12.</a:t>
-            </a:r>
-            <a:r>
-              <a:rPr lang="ko-KR" sz="2000">
-                <a:solidFill>
-                  <a:srgbClr val="0611F2"/>
-                </a:solidFill>
-                <a:latin typeface="맑은 고딕" charset="0"/>
-                <a:ea typeface="맑은 고딕" charset="0"/>
-              </a:rPr>
-              <a:t> </a:t>
-            </a:r>
-            <a:r>
-              <a:rPr lang="ko-KR" sz="1800">
-                <a:latin typeface="맑은 고딕" charset="0"/>
-                <a:ea typeface="맑은 고딕" charset="0"/>
-              </a:rPr>
-              <a:t>마지막으로 PlayFab SDK 다운로드 및 설치에서 </a:t>
-            </a:r>
-            <a:r>
-              <a:rPr lang="ko-KR" sz="1800">
-                <a:solidFill>
-                  <a:srgbClr val="009900"/>
-                </a:solidFill>
-                <a:latin typeface="맑은 고딕" charset="0"/>
-                <a:ea typeface="맑은 고딕" charset="0"/>
-              </a:rPr>
-              <a:t>[PlayFab Unity 편집기 확장 자산 패키지]</a:t>
-            </a:r>
-            <a:r>
-              <a:rPr lang="ko-KR" sz="1800">
-                <a:latin typeface="맑은 고딕" charset="0"/>
-                <a:ea typeface="맑은 고딕" charset="0"/>
-              </a:rPr>
-              <a:t>를 선택합니다.</a:t>
-            </a:r>
-            <a:endParaRPr lang="ko-KR" altLang="en-US" sz="1800">
-              <a:latin typeface="맑은 고딕" charset="0"/>
-              <a:ea typeface="맑은 고딕" charset="0"/>
-            </a:endParaRPr>
-          </a:p>
-        </p:txBody>
-      </p:sp>
     </p:spTree>
   </p:cSld>
   <p:clrMapOvr>
@@ -12871,7 +14907,7 @@
         <p:spPr>
           <a:xfrm rot="0">
             <a:off x="1229995" y="1337310"/>
-            <a:ext cx="4039235" cy="370840"/>
+            <a:ext cx="4038600" cy="370205"/>
           </a:xfrm>
           <a:prstGeom prst="rect"/>
           <a:noFill/>
@@ -12908,7 +14944,7 @@
         <p:spPr>
           <a:xfrm rot="0">
             <a:off x="6801485" y="3204210"/>
-            <a:ext cx="4162425" cy="370840"/>
+            <a:ext cx="4161790" cy="370205"/>
           </a:xfrm>
           <a:prstGeom prst="rect"/>
           <a:noFill/>
@@ -12944,7 +14980,7 @@
         </p:nvSpPr>
         <p:spPr>
           <a:xfrm rot="0">
-            <a:off x="4342765" y="467995"/>
+            <a:off x="4342765" y="344170"/>
             <a:ext cx="3503930" cy="554990"/>
           </a:xfrm>
           <a:prstGeom prst="rect"/>
@@ -12960,23 +14996,23 @@
           </a:bodyPr>
           <a:lstStyle/>
           <a:p>
-            <a:pPr marL="0" indent="0" rtl="0" algn="l" defTabSz="914400" eaLnBrk="1" latinLnBrk="0" hangingPunct="1">
-              <a:buFontTx/>
-              <a:buNone/>
-            </a:pPr>
-            <a:r>
-              <a:rPr lang="ko-KR" sz="3000" b="1">
-                <a:latin typeface="맑은 고딕" charset="0"/>
-                <a:ea typeface="맑은 고딕" charset="0"/>
-              </a:rPr>
-              <a:t>여</a:t>
-            </a:r>
-            <a:r>
-              <a:rPr lang="ko-KR" sz="3000" b="1">
-                <a:latin typeface="맑은 고딕" charset="0"/>
-                <a:ea typeface="맑은 고딕" charset="0"/>
-              </a:rPr>
-              <a:t>섯 번째 튜토리얼</a:t>
+            <a:pPr marL="0" indent="0" rtl="0" algn="ctr" defTabSz="914400" eaLnBrk="1" latinLnBrk="0" hangingPunct="1">
+              <a:buFontTx/>
+              <a:buNone/>
+            </a:pPr>
+            <a:r>
+              <a:rPr lang="ko-KR" sz="2500" b="1">
+                <a:latin typeface="나눔바른고딕" charset="0"/>
+                <a:ea typeface="나눔바른고딕" charset="0"/>
+              </a:rPr>
+              <a:t>여섯</a:t>
+            </a:r>
+            <a:r>
+              <a:rPr lang="ko-KR" sz="2500" b="1">
+                <a:latin typeface="나눔바른고딕" charset="0"/>
+                <a:ea typeface="나눔바른고딕" charset="0"/>
+              </a:rPr>
+              <a:t> 번째 튜토리얼</a:t>
             </a:r>
             <a:r>
               <a:rPr sz="3000" b="1">
@@ -12992,151 +15028,16 @@
           </a:p>
         </p:txBody>
       </p:sp>
-      <p:sp>
-        <p:nvSpPr>
-          <p:cNvPr id="40" name="Rect 0"/>
-          <p:cNvSpPr txBox="1">
-            <a:spLocks/>
-          </p:cNvSpPr>
-          <p:nvPr/>
-        </p:nvSpPr>
-        <p:spPr>
-          <a:xfrm rot="0">
-            <a:off x="1232535" y="5291455"/>
-            <a:ext cx="4154805" cy="954405"/>
-          </a:xfrm>
-          <a:prstGeom prst="rect"/>
-          <a:noFill/>
-          <a:ln w="0">
-            <a:noFill/>
-            <a:prstDash/>
-          </a:ln>
-        </p:spPr>
-        <p:txBody>
-          <a:bodyPr wrap="square" lIns="89535" tIns="46355" rIns="89535" bIns="46355" numCol="1" vert="horz" anchor="t">
-            <a:spAutoFit/>
-          </a:bodyPr>
-          <a:lstStyle/>
-          <a:p>
-            <a:pPr marL="0" indent="0" rtl="0" algn="l" defTabSz="914400" eaLnBrk="1" latinLnBrk="0" hangingPunct="1">
-              <a:buFontTx/>
-              <a:buNone/>
-            </a:pPr>
-            <a:r>
-              <a:rPr lang="ko-KR" sz="2000" b="1">
-                <a:solidFill>
-                  <a:srgbClr val="0611F2"/>
-                </a:solidFill>
-                <a:latin typeface="맑은 고딕" charset="0"/>
-                <a:ea typeface="맑은 고딕" charset="0"/>
-              </a:rPr>
-              <a:t>13.</a:t>
-            </a:r>
-            <a:r>
-              <a:rPr lang="ko-KR" sz="2000">
-                <a:solidFill>
-                  <a:srgbClr val="0611F2"/>
-                </a:solidFill>
-                <a:latin typeface="맑은 고딕" charset="0"/>
-                <a:ea typeface="맑은 고딕" charset="0"/>
-              </a:rPr>
-              <a:t> </a:t>
-            </a:r>
-            <a:r>
-              <a:rPr lang="ko-KR" sz="1800">
-                <a:latin typeface="맑은 고딕" charset="0"/>
-                <a:ea typeface="맑은 고딕" charset="0"/>
-              </a:rPr>
-              <a:t>이제 다</a:t>
-            </a:r>
-            <a:r>
-              <a:rPr lang="ko-KR" sz="1800">
-                <a:latin typeface="맑은 고딕" charset="0"/>
-                <a:ea typeface="맑은 고딕" charset="0"/>
-              </a:rPr>
-              <a:t>운로드가 완료되면 유니티에 적용할 파일 내역을 확인하고 Import를 선택합니다.</a:t>
-            </a:r>
-            <a:endParaRPr lang="ko-KR" altLang="en-US" sz="1800">
-              <a:latin typeface="맑은 고딕" charset="0"/>
-              <a:ea typeface="맑은 고딕" charset="0"/>
-            </a:endParaRPr>
-          </a:p>
-        </p:txBody>
-      </p:sp>
-      <p:sp>
-        <p:nvSpPr>
-          <p:cNvPr id="48" name="Rect 0"/>
-          <p:cNvSpPr txBox="1">
-            <a:spLocks/>
-          </p:cNvSpPr>
-          <p:nvPr/>
-        </p:nvSpPr>
-        <p:spPr>
-          <a:xfrm rot="0">
-            <a:off x="6800215" y="5559425"/>
-            <a:ext cx="4215130" cy="677545"/>
-          </a:xfrm>
-          <a:prstGeom prst="rect"/>
-          <a:noFill/>
-          <a:ln w="0">
-            <a:noFill/>
-            <a:prstDash/>
-          </a:ln>
-        </p:spPr>
-        <p:txBody>
-          <a:bodyPr wrap="square" lIns="89535" tIns="46355" rIns="89535" bIns="46355" numCol="1" vert="horz" anchor="t">
-            <a:spAutoFit/>
-          </a:bodyPr>
-          <a:lstStyle/>
-          <a:p>
-            <a:pPr marL="0" indent="0" rtl="0" algn="l" defTabSz="914400" eaLnBrk="1" latinLnBrk="0" hangingPunct="1">
-              <a:buFontTx/>
-              <a:buNone/>
-            </a:pPr>
-            <a:r>
-              <a:rPr lang="ko-KR" sz="2000" b="1">
-                <a:solidFill>
-                  <a:srgbClr val="0611F2"/>
-                </a:solidFill>
-                <a:latin typeface="맑은 고딕" charset="0"/>
-                <a:ea typeface="맑은 고딕" charset="0"/>
-              </a:rPr>
-              <a:t>14.</a:t>
-            </a:r>
-            <a:r>
-              <a:rPr lang="ko-KR" sz="2000">
-                <a:solidFill>
-                  <a:srgbClr val="0611F2"/>
-                </a:solidFill>
-                <a:latin typeface="맑은 고딕" charset="0"/>
-                <a:ea typeface="맑은 고딕" charset="0"/>
-              </a:rPr>
-              <a:t> </a:t>
-            </a:r>
-            <a:r>
-              <a:rPr lang="ko-KR" sz="1800">
-                <a:latin typeface="맑은 고딕" charset="0"/>
-                <a:ea typeface="맑은 고딕" charset="0"/>
-              </a:rPr>
-              <a:t>그리고 PlayFab Editor가 나타나면 LOG IN 버튼을 선택합니다.</a:t>
-            </a:r>
-            <a:endParaRPr lang="ko-KR" altLang="en-US" sz="1800">
-              <a:latin typeface="맑은 고딕" charset="0"/>
-              <a:ea typeface="맑은 고딕" charset="0"/>
-            </a:endParaRPr>
-          </a:p>
-        </p:txBody>
-      </p:sp>
       <p:pic>
         <p:nvPicPr>
-          <p:cNvPr id="49" name="그림 22"/>
+          <p:cNvPr id="47" name="그림 18" descr="C:/Users/Admin1/AppData/Roaming/PolarisOffice/ETemp/18832_10739096/fImage330901548145.png"/>
           <p:cNvPicPr>
             <a:picLocks noChangeAspect="1"/>
           </p:cNvPicPr>
           <p:nvPr/>
         </p:nvPicPr>
         <p:blipFill rotWithShape="1">
-          <a:blip r:embed="rId2" cstate="hqprint">
+          <a:blip r:embed="rId9" cstate="hqprint">
             <a:extLst>
               <a:ext uri="{28A0092B-C50C-407E-A947-70E740481C1C}">
                 <a14:useLocalDpi xmlns:a14="http://schemas.microsoft.com/office/drawing/2010/main"/>
@@ -13149,23 +15050,328 @@
         </p:blipFill>
         <p:spPr>
           <a:xfrm rot="0">
-            <a:off x="1230630" y="1379855"/>
-            <a:ext cx="4156710" cy="3782695"/>
+            <a:off x="1238250" y="1447800"/>
+            <a:ext cx="4144010" cy="3477260"/>
+          </a:xfrm>
+          <a:prstGeom prst="roundRect"/>
+          <a:solidFill>
+            <a:srgbClr val="EDEDED"/>
+          </a:solidFill>
+        </p:spPr>
+      </p:pic>
+      <p:sp>
+        <p:nvSpPr>
+          <p:cNvPr id="48" name="텍스트 상자 20"/>
+          <p:cNvSpPr txBox="1">
+            <a:spLocks/>
+          </p:cNvSpPr>
+          <p:nvPr/>
+        </p:nvSpPr>
+        <p:spPr>
+          <a:xfrm rot="0">
+            <a:off x="1225550" y="5135880"/>
+            <a:ext cx="4156710" cy="954405"/>
           </a:xfrm>
           <a:prstGeom prst="rect"/>
           <a:noFill/>
-        </p:spPr>
-      </p:pic>
+          <a:ln w="0">
+            <a:noFill/>
+            <a:prstDash/>
+          </a:ln>
+        </p:spPr>
+        <p:txBody>
+          <a:bodyPr wrap="square" lIns="89535" tIns="46355" rIns="89535" bIns="46355" numCol="1" vert="horz" anchor="t">
+            <a:spAutoFit/>
+          </a:bodyPr>
+          <a:lstStyle/>
+          <a:p>
+            <a:pPr marL="0" indent="0" rtl="0" algn="l" defTabSz="914400" eaLnBrk="1" latinLnBrk="0" hangingPunct="1">
+              <a:buFontTx/>
+              <a:buNone/>
+            </a:pPr>
+            <a:r>
+              <a:rPr lang="ko-KR" sz="2000" b="1">
+                <a:solidFill>
+                  <a:srgbClr val="0611F2"/>
+                </a:solidFill>
+                <a:latin typeface="맑은 고딕" charset="0"/>
+                <a:ea typeface="맑은 고딕" charset="0"/>
+              </a:rPr>
+              <a:t>12.</a:t>
+            </a:r>
+            <a:r>
+              <a:rPr lang="ko-KR" sz="2000">
+                <a:solidFill>
+                  <a:srgbClr val="0611F2"/>
+                </a:solidFill>
+                <a:latin typeface="맑은 고딕" charset="0"/>
+                <a:ea typeface="맑은 고딕" charset="0"/>
+              </a:rPr>
+              <a:t> </a:t>
+            </a:r>
+            <a:r>
+              <a:rPr lang="ko-KR" sz="1800">
+                <a:latin typeface="맑은 고딕" charset="0"/>
+                <a:ea typeface="맑은 고딕" charset="0"/>
+              </a:rPr>
+              <a:t>그런 다음 PlayFab SDK 다운로드 </a:t>
+            </a:r>
+            <a:r>
+              <a:rPr lang="ko-KR" sz="1800">
+                <a:latin typeface="맑은 고딕" charset="0"/>
+                <a:ea typeface="맑은 고딕" charset="0"/>
+              </a:rPr>
+              <a:t>및</a:t>
+            </a:r>
+            <a:r>
+              <a:rPr lang="ko-KR" sz="1800">
+                <a:latin typeface="맑은 고딕" charset="0"/>
+                <a:ea typeface="맑은 고딕" charset="0"/>
+              </a:rPr>
+              <a:t> </a:t>
+            </a:r>
+            <a:r>
+              <a:rPr lang="ko-KR" sz="1800">
+                <a:latin typeface="맑은 고딕" charset="0"/>
+                <a:ea typeface="맑은 고딕" charset="0"/>
+              </a:rPr>
+              <a:t>설치에서</a:t>
+            </a:r>
+            <a:r>
+              <a:rPr lang="ko-KR" sz="1800">
+                <a:latin typeface="맑은 고딕" charset="0"/>
+                <a:ea typeface="맑은 고딕" charset="0"/>
+              </a:rPr>
+              <a:t> </a:t>
+            </a:r>
+            <a:r>
+              <a:rPr lang="ko-KR" sz="1800">
+                <a:solidFill>
+                  <a:srgbClr val="009900"/>
+                </a:solidFill>
+                <a:latin typeface="맑은 고딕" charset="0"/>
+                <a:ea typeface="맑은 고딕" charset="0"/>
+              </a:rPr>
+              <a:t>[PlayFab</a:t>
+            </a:r>
+            <a:r>
+              <a:rPr lang="ko-KR" sz="1800">
+                <a:solidFill>
+                  <a:srgbClr val="009900"/>
+                </a:solidFill>
+                <a:latin typeface="맑은 고딕" charset="0"/>
+                <a:ea typeface="맑은 고딕" charset="0"/>
+              </a:rPr>
+              <a:t> Unity 편집기 </a:t>
+            </a:r>
+            <a:r>
+              <a:rPr lang="ko-KR" sz="1800">
+                <a:solidFill>
+                  <a:srgbClr val="009900"/>
+                </a:solidFill>
+                <a:latin typeface="맑은 고딕" charset="0"/>
+                <a:ea typeface="맑은 고딕" charset="0"/>
+              </a:rPr>
+              <a:t>확장</a:t>
+            </a:r>
+            <a:r>
+              <a:rPr lang="ko-KR" sz="1800">
+                <a:solidFill>
+                  <a:srgbClr val="009900"/>
+                </a:solidFill>
+                <a:latin typeface="맑은 고딕" charset="0"/>
+                <a:ea typeface="맑은 고딕" charset="0"/>
+              </a:rPr>
+              <a:t> </a:t>
+            </a:r>
+            <a:r>
+              <a:rPr lang="ko-KR" sz="1800">
+                <a:solidFill>
+                  <a:srgbClr val="009900"/>
+                </a:solidFill>
+                <a:latin typeface="맑은 고딕" charset="0"/>
+                <a:ea typeface="맑은 고딕" charset="0"/>
+              </a:rPr>
+              <a:t>자산</a:t>
+            </a:r>
+            <a:r>
+              <a:rPr lang="ko-KR" sz="1800">
+                <a:solidFill>
+                  <a:srgbClr val="009900"/>
+                </a:solidFill>
+                <a:latin typeface="맑은 고딕" charset="0"/>
+                <a:ea typeface="맑은 고딕" charset="0"/>
+              </a:rPr>
+              <a:t> </a:t>
+            </a:r>
+            <a:r>
+              <a:rPr lang="ko-KR" sz="1800">
+                <a:solidFill>
+                  <a:srgbClr val="009900"/>
+                </a:solidFill>
+                <a:latin typeface="맑은 고딕" charset="0"/>
+                <a:ea typeface="맑은 고딕" charset="0"/>
+              </a:rPr>
+              <a:t>패키지]</a:t>
+            </a:r>
+            <a:r>
+              <a:rPr lang="ko-KR" sz="1800">
+                <a:latin typeface="맑은 고딕" charset="0"/>
+                <a:ea typeface="맑은 고딕" charset="0"/>
+              </a:rPr>
+              <a:t>를</a:t>
+            </a:r>
+            <a:r>
+              <a:rPr lang="ko-KR" sz="1800">
+                <a:latin typeface="맑은 고딕" charset="0"/>
+                <a:ea typeface="맑은 고딕" charset="0"/>
+              </a:rPr>
+              <a:t> 선택합니다.</a:t>
+            </a:r>
+            <a:endParaRPr lang="ko-KR" altLang="en-US" sz="1800">
+              <a:latin typeface="맑은 고딕" charset="0"/>
+              <a:ea typeface="맑은 고딕" charset="0"/>
+            </a:endParaRPr>
+          </a:p>
+        </p:txBody>
+      </p:sp>
+      <p:sp>
+        <p:nvSpPr>
+          <p:cNvPr id="49" name="텍스트 상자 37"/>
+          <p:cNvSpPr txBox="1">
+            <a:spLocks/>
+          </p:cNvSpPr>
+          <p:nvPr/>
+        </p:nvSpPr>
+        <p:spPr>
+          <a:xfrm rot="0">
+            <a:off x="6810375" y="5120005"/>
+            <a:ext cx="4153535" cy="954405"/>
+          </a:xfrm>
+          <a:prstGeom prst="rect"/>
+          <a:noFill/>
+          <a:ln w="0">
+            <a:noFill/>
+            <a:prstDash/>
+          </a:ln>
+        </p:spPr>
+        <p:txBody>
+          <a:bodyPr wrap="square" lIns="89535" tIns="46355" rIns="89535" bIns="46355" numCol="1" vert="horz" anchor="t">
+            <a:spAutoFit/>
+          </a:bodyPr>
+          <a:lstStyle/>
+          <a:p>
+            <a:pPr marL="0" indent="0" rtl="0" algn="l" defTabSz="914400" eaLnBrk="1" latinLnBrk="0" hangingPunct="1">
+              <a:buFontTx/>
+              <a:buNone/>
+            </a:pPr>
+            <a:r>
+              <a:rPr lang="ko-KR" sz="2000" b="1">
+                <a:solidFill>
+                  <a:srgbClr val="0611F2"/>
+                </a:solidFill>
+                <a:latin typeface="맑은 고딕" charset="0"/>
+                <a:ea typeface="맑은 고딕" charset="0"/>
+              </a:rPr>
+              <a:t>13.</a:t>
+            </a:r>
+            <a:r>
+              <a:rPr lang="ko-KR" sz="2000">
+                <a:solidFill>
+                  <a:srgbClr val="0611F2"/>
+                </a:solidFill>
+                <a:latin typeface="맑은 고딕" charset="0"/>
+                <a:ea typeface="맑은 고딕" charset="0"/>
+              </a:rPr>
+              <a:t> </a:t>
+            </a:r>
+            <a:r>
+              <a:rPr lang="ko-KR" sz="1800">
+                <a:latin typeface="맑은 고딕" charset="0"/>
+                <a:ea typeface="맑은 고딕" charset="0"/>
+              </a:rPr>
+              <a:t>그다음으로 다운로드가 완료되면 </a:t>
+            </a:r>
+            <a:r>
+              <a:rPr lang="ko-KR" sz="1800">
+                <a:latin typeface="맑은 고딕" charset="0"/>
+                <a:ea typeface="맑은 고딕" charset="0"/>
+              </a:rPr>
+              <a:t>유니티에</a:t>
+            </a:r>
+            <a:r>
+              <a:rPr lang="ko-KR" sz="1800">
+                <a:latin typeface="맑은 고딕" charset="0"/>
+                <a:ea typeface="맑은 고딕" charset="0"/>
+              </a:rPr>
+              <a:t> </a:t>
+            </a:r>
+            <a:r>
+              <a:rPr lang="ko-KR" sz="1800">
+                <a:latin typeface="맑은 고딕" charset="0"/>
+                <a:ea typeface="맑은 고딕" charset="0"/>
+              </a:rPr>
+              <a:t>적용할</a:t>
+            </a:r>
+            <a:r>
+              <a:rPr lang="ko-KR" sz="1800">
+                <a:latin typeface="맑은 고딕" charset="0"/>
+                <a:ea typeface="맑은 고딕" charset="0"/>
+              </a:rPr>
+              <a:t> 파일 내역을 </a:t>
+            </a:r>
+            <a:r>
+              <a:rPr lang="ko-KR" sz="1800">
+                <a:latin typeface="맑은 고딕" charset="0"/>
+                <a:ea typeface="맑은 고딕" charset="0"/>
+              </a:rPr>
+              <a:t>확인하고</a:t>
+            </a:r>
+            <a:r>
+              <a:rPr lang="ko-KR" sz="1800">
+                <a:latin typeface="맑은 고딕" charset="0"/>
+                <a:ea typeface="맑은 고딕" charset="0"/>
+              </a:rPr>
+              <a:t> </a:t>
+            </a:r>
+            <a:r>
+              <a:rPr lang="ko-KR" sz="1800">
+                <a:latin typeface="맑은 고딕" charset="0"/>
+                <a:ea typeface="맑은 고딕" charset="0"/>
+              </a:rPr>
+              <a:t>Import를</a:t>
+            </a:r>
+            <a:r>
+              <a:rPr lang="ko-KR" sz="1800">
+                <a:latin typeface="맑은 고딕" charset="0"/>
+                <a:ea typeface="맑은 고딕" charset="0"/>
+              </a:rPr>
+              <a:t> </a:t>
+            </a:r>
+            <a:r>
+              <a:rPr lang="ko-KR" sz="1800">
+                <a:latin typeface="맑은 고딕" charset="0"/>
+                <a:ea typeface="맑은 고딕" charset="0"/>
+              </a:rPr>
+              <a:t>선택합니다.</a:t>
+            </a:r>
+            <a:endParaRPr lang="ko-KR" altLang="en-US" sz="1800">
+              <a:latin typeface="맑은 고딕" charset="0"/>
+              <a:ea typeface="맑은 고딕" charset="0"/>
+            </a:endParaRPr>
+          </a:p>
+        </p:txBody>
+      </p:sp>
       <p:pic>
         <p:nvPicPr>
-          <p:cNvPr id="50" name="그림 23"/>
+          <p:cNvPr id="50" name="그림 38" descr="C:/Users/Admin1/AppData/Roaming/PolarisOffice/ETemp/18832_10739096/fImage364772413281.png"/>
           <p:cNvPicPr>
             <a:picLocks noChangeAspect="1"/>
           </p:cNvPicPr>
           <p:nvPr/>
         </p:nvPicPr>
         <p:blipFill rotWithShape="1">
-          <a:blip r:embed="rId3" cstate="hqprint">
+          <a:blip r:embed="rId10" cstate="hqprint">
             <a:extLst>
               <a:ext uri="{28A0092B-C50C-407E-A947-70E740481C1C}">
                 <a14:useLocalDpi xmlns:a14="http://schemas.microsoft.com/office/drawing/2010/main"/>
@@ -13178,11 +15384,13 @@
         </p:blipFill>
         <p:spPr>
           <a:xfrm rot="0">
-            <a:off x="6816725" y="1379855"/>
-            <a:ext cx="4208145" cy="4123690"/>
-          </a:xfrm>
-          <a:prstGeom prst="rect"/>
-          <a:noFill/>
+            <a:off x="6819900" y="1447800"/>
+            <a:ext cx="4134485" cy="3477260"/>
+          </a:xfrm>
+          <a:prstGeom prst="roundRect"/>
+          <a:solidFill>
+            <a:srgbClr val="EDEDED"/>
+          </a:solidFill>
         </p:spPr>
       </p:pic>
     </p:spTree>
@@ -13264,7 +15472,7 @@
       </p:sp>
       <p:sp>
         <p:nvSpPr>
-          <p:cNvPr id="35" name="Rect 0"/>
+          <p:cNvPr id="31" name="Rect 0"/>
           <p:cNvSpPr txBox="1">
             <a:spLocks/>
           </p:cNvSpPr>
@@ -13272,8 +15480,8 @@
         </p:nvSpPr>
         <p:spPr>
           <a:xfrm rot="0">
-            <a:off x="4342765" y="467995"/>
-            <a:ext cx="3503930" cy="554990"/>
+            <a:off x="6801485" y="3204210"/>
+            <a:ext cx="4162425" cy="370840"/>
           </a:xfrm>
           <a:prstGeom prst="rect"/>
           <a:noFill/>
@@ -13288,32 +15496,11 @@
           </a:bodyPr>
           <a:lstStyle/>
           <a:p>
-            <a:pPr marL="0" indent="0" rtl="0" algn="l" defTabSz="914400" eaLnBrk="1" latinLnBrk="0" hangingPunct="1">
-              <a:buFontTx/>
-              <a:buNone/>
-            </a:pPr>
-            <a:r>
-              <a:rPr lang="ko-KR" sz="3000" b="1">
-                <a:latin typeface="맑은 고딕" charset="0"/>
-                <a:ea typeface="맑은 고딕" charset="0"/>
-              </a:rPr>
-              <a:t>일곱</a:t>
-            </a:r>
-            <a:r>
-              <a:rPr lang="ko-KR" sz="3000" b="1">
-                <a:latin typeface="맑은 고딕" charset="0"/>
-                <a:ea typeface="맑은 고딕" charset="0"/>
-              </a:rPr>
-              <a:t> 번째 튜토리얼</a:t>
-            </a:r>
-            <a:r>
-              <a:rPr sz="3000" b="1">
-                <a:latin typeface="맑은 고딕" charset="0"/>
-                <a:ea typeface="맑은 고딕" charset="0"/>
-              </a:rPr>
-              <a:t> </a:t>
-            </a:r>
-            <a:endParaRPr lang="ko-KR" altLang="en-US" sz="3000" b="1">
+            <a:pPr marL="0" indent="0" algn="l" latinLnBrk="0" hangingPunct="1">
+              <a:buFontTx/>
+              <a:buNone/>
+            </a:pPr>
+            <a:endParaRPr lang="ko-KR" altLang="en-US" sz="1800">
               <a:latin typeface="맑은 고딕" charset="0"/>
               <a:ea typeface="맑은 고딕" charset="0"/>
             </a:endParaRPr>
@@ -13322,16 +15509,16 @@
       </p:sp>
       <p:sp>
         <p:nvSpPr>
-          <p:cNvPr id="40" name="Rect 0"/>
+          <p:cNvPr id="35" name="Rect 0"/>
           <p:cNvSpPr txBox="1">
             <a:spLocks/>
           </p:cNvSpPr>
           <p:nvPr/>
         </p:nvSpPr>
         <p:spPr>
-          <a:xfrm>
-            <a:off x="1213485" y="2880995"/>
-            <a:ext cx="4124960" cy="954405"/>
+          <a:xfrm rot="0">
+            <a:off x="4342765" y="325120"/>
+            <a:ext cx="3504565" cy="554990"/>
           </a:xfrm>
           <a:prstGeom prst="rect"/>
           <a:noFill/>
@@ -13346,45 +15533,32 @@
           </a:bodyPr>
           <a:lstStyle/>
           <a:p>
-            <a:pPr marL="0" indent="0" rtl="0" algn="l" defTabSz="914400" eaLnBrk="1" latinLnBrk="0" hangingPunct="1">
-              <a:buFontTx/>
-              <a:buNone/>
-            </a:pPr>
-            <a:r>
-              <a:rPr lang="ko-KR" sz="2000" b="1">
-                <a:solidFill>
-                  <a:srgbClr val="0611F2"/>
-                </a:solidFill>
-                <a:latin typeface="맑은 고딕" charset="0"/>
-                <a:ea typeface="맑은 고딕" charset="0"/>
-              </a:rPr>
-              <a:t>15.</a:t>
-            </a:r>
-            <a:r>
-              <a:rPr lang="ko-KR" sz="2000">
-                <a:solidFill>
-                  <a:srgbClr val="0611F2"/>
-                </a:solidFill>
+            <a:pPr marL="0" indent="0" rtl="0" algn="ctr" defTabSz="914400" eaLnBrk="1" latinLnBrk="0" hangingPunct="1">
+              <a:buFontTx/>
+              <a:buNone/>
+            </a:pPr>
+            <a:r>
+              <a:rPr lang="ko-KR" sz="2500" b="1">
+                <a:latin typeface="나눔바른고딕" charset="0"/>
+                <a:ea typeface="나눔바른고딕" charset="0"/>
+              </a:rPr>
+              <a:t>일곱</a:t>
+            </a:r>
+            <a:r>
+              <a:rPr lang="ko-KR" sz="2500" b="1">
+                <a:latin typeface="나눔바른고딕" charset="0"/>
+                <a:ea typeface="나눔바른고딕" charset="0"/>
+              </a:rPr>
+              <a:t> 번째 튜토리얼</a:t>
+            </a:r>
+            <a:r>
+              <a:rPr sz="3000" b="1">
                 <a:latin typeface="맑은 고딕" charset="0"/>
                 <a:ea typeface="맑은 고딕" charset="0"/>
               </a:rPr>
               <a:t> </a:t>
             </a:r>
-            <a:r>
-              <a:rPr lang="ko-KR" sz="1800">
-                <a:latin typeface="맑은 고딕" charset="0"/>
-                <a:ea typeface="맑은 고딕" charset="0"/>
-              </a:rPr>
-              <a:t>그다음 P</a:t>
-            </a:r>
-            <a:r>
-              <a:rPr lang="ko-KR" sz="1800">
-                <a:latin typeface="맑은 고딕" charset="0"/>
-                <a:ea typeface="맑은 고딕" charset="0"/>
-              </a:rPr>
-              <a:t>layFab 로그인 화면이 나타나면 PlayFab에서 가입했던 ID와 비밀번호를 입력합니다.</a:t>
-            </a:r>
-            <a:endParaRPr lang="ko-KR" altLang="en-US" sz="1800">
+            <a:endParaRPr lang="ko-KR" altLang="en-US" sz="3000" b="1">
               <a:latin typeface="맑은 고딕" charset="0"/>
               <a:ea typeface="맑은 고딕" charset="0"/>
             </a:endParaRPr>
@@ -13401,8 +15575,8 @@
         </p:nvSpPr>
         <p:spPr>
           <a:xfrm rot="0">
-            <a:off x="1230630" y="5245735"/>
-            <a:ext cx="4095750" cy="954405"/>
+            <a:off x="1238250" y="5292725"/>
+            <a:ext cx="4144010" cy="677545"/>
           </a:xfrm>
           <a:prstGeom prst="rect"/>
           <a:noFill/>
@@ -13429,7 +15603,7 @@
                 <a:latin typeface="맑은 고딕" charset="0"/>
                 <a:ea typeface="맑은 고딕" charset="0"/>
               </a:rPr>
-              <a:t>16.</a:t>
+              <a:t>14.</a:t>
             </a:r>
             <a:r>
               <a:rPr lang="ko-KR" sz="2000">
@@ -13446,7 +15620,49 @@
                 <a:latin typeface="맑은 고딕" charset="0"/>
                 <a:ea typeface="맑은 고딕" charset="0"/>
               </a:rPr>
-              <a:t>그런 다음 Install PlayFab SDK를 선택해서 유니티 안에 SDK를 추가합니다.</a:t>
+              <a:t>그러고 나서 PlayFab Editor가 </a:t>
+            </a:r>
+            <a:r>
+              <a:rPr lang="ko-KR" sz="1800">
+                <a:latin typeface="맑은 고딕" charset="0"/>
+                <a:ea typeface="맑은 고딕" charset="0"/>
+              </a:rPr>
+              <a:t>나타나면</a:t>
+            </a:r>
+            <a:r>
+              <a:rPr lang="ko-KR" sz="1800">
+                <a:latin typeface="맑은 고딕" charset="0"/>
+                <a:ea typeface="맑은 고딕" charset="0"/>
+              </a:rPr>
+              <a:t> </a:t>
+            </a:r>
+            <a:r>
+              <a:rPr lang="ko-KR" sz="1800">
+                <a:latin typeface="맑은 고딕" charset="0"/>
+                <a:ea typeface="맑은 고딕" charset="0"/>
+              </a:rPr>
+              <a:t>LOG</a:t>
+            </a:r>
+            <a:r>
+              <a:rPr lang="ko-KR" sz="1800">
+                <a:latin typeface="맑은 고딕" charset="0"/>
+                <a:ea typeface="맑은 고딕" charset="0"/>
+              </a:rPr>
+              <a:t> </a:t>
+            </a:r>
+            <a:r>
+              <a:rPr lang="ko-KR" sz="1800">
+                <a:latin typeface="맑은 고딕" charset="0"/>
+                <a:ea typeface="맑은 고딕" charset="0"/>
+              </a:rPr>
+              <a:t>IN</a:t>
+            </a:r>
+            <a:r>
+              <a:rPr lang="ko-KR" sz="1800">
+                <a:latin typeface="맑은 고딕" charset="0"/>
+                <a:ea typeface="맑은 고딕" charset="0"/>
+              </a:rPr>
+              <a:t> 버튼을 선택합니다.</a:t>
             </a:r>
             <a:endParaRPr lang="ko-KR" altLang="en-US" sz="1800">
               <a:latin typeface="맑은 고딕" charset="0"/>
@@ -13457,38 +15673,7 @@
       </p:sp>
       <p:pic>
         <p:nvPicPr>
-          <p:cNvPr id="51" name="그림 24"/>
-          <p:cNvPicPr>
-            <a:picLocks noChangeAspect="1"/>
-          </p:cNvPicPr>
-          <p:nvPr/>
-        </p:nvPicPr>
-        <p:blipFill rotWithShape="1">
-          <a:blip r:embed="rId2" cstate="hqprint">
-            <a:extLst>
-              <a:ext uri="{28A0092B-C50C-407E-A947-70E740481C1C}">
-                <a14:useLocalDpi xmlns:a14="http://schemas.microsoft.com/office/drawing/2010/main"/>
-              </a:ext>
-            </a:extLst>
-          </a:blip>
-          <a:stretch>
-            <a:fillRect/>
-          </a:stretch>
-        </p:blipFill>
-        <p:spPr>
-          <a:xfrm rot="0">
-            <a:off x="1220470" y="1338580"/>
-            <a:ext cx="4118610" cy="1489710"/>
-          </a:xfrm>
-          <a:prstGeom prst="roundRect"/>
-          <a:solidFill>
-            <a:srgbClr val="EDEDED"/>
-          </a:solidFill>
-        </p:spPr>
-      </p:pic>
-      <p:pic>
-        <p:nvPicPr>
-          <p:cNvPr id="52" name="그림 25"/>
+          <p:cNvPr id="50" name="그림 23" descr="C:/Users/Admin1/AppData/Roaming/PolarisOffice/ETemp/18832_10739096/fImage183122426827.png"/>
           <p:cNvPicPr>
             <a:picLocks noChangeAspect="1"/>
           </p:cNvPicPr>
@@ -13508,8 +15693,8 @@
         </p:blipFill>
         <p:spPr>
           <a:xfrm rot="0">
-            <a:off x="1222375" y="4003040"/>
-            <a:ext cx="4116705" cy="1152525"/>
+            <a:off x="1238250" y="1447800"/>
+            <a:ext cx="4144010" cy="3705860"/>
           </a:xfrm>
           <a:prstGeom prst="roundRect"/>
           <a:solidFill>
@@ -13517,16 +15702,129 @@
           </a:solidFill>
         </p:spPr>
       </p:pic>
+      <p:sp>
+        <p:nvSpPr>
+          <p:cNvPr id="51" name="텍스트 상자 47"/>
+          <p:cNvSpPr txBox="1">
+            <a:spLocks/>
+          </p:cNvSpPr>
+          <p:nvPr/>
+        </p:nvSpPr>
+        <p:spPr>
+          <a:xfrm rot="0">
+            <a:off x="6819900" y="5024120"/>
+            <a:ext cx="4134485" cy="954405"/>
+          </a:xfrm>
+          <a:prstGeom prst="rect"/>
+          <a:noFill/>
+          <a:ln w="0">
+            <a:noFill/>
+            <a:prstDash/>
+          </a:ln>
+        </p:spPr>
+        <p:txBody>
+          <a:bodyPr wrap="square" lIns="89535" tIns="46355" rIns="89535" bIns="46355" numCol="1" vert="horz" anchor="t">
+            <a:spAutoFit/>
+          </a:bodyPr>
+          <a:lstStyle/>
+          <a:p>
+            <a:pPr marL="0" indent="0" rtl="0" algn="l" defTabSz="914400" eaLnBrk="1" latinLnBrk="0" hangingPunct="1">
+              <a:buFontTx/>
+              <a:buNone/>
+            </a:pPr>
+            <a:r>
+              <a:rPr lang="ko-KR" sz="2000" b="1">
+                <a:solidFill>
+                  <a:srgbClr val="0611F2"/>
+                </a:solidFill>
+                <a:latin typeface="맑은 고딕" charset="0"/>
+                <a:ea typeface="맑은 고딕" charset="0"/>
+              </a:rPr>
+              <a:t>15.</a:t>
+            </a:r>
+            <a:r>
+              <a:rPr lang="ko-KR" sz="2000">
+                <a:solidFill>
+                  <a:srgbClr val="0611F2"/>
+                </a:solidFill>
+                <a:latin typeface="맑은 고딕" charset="0"/>
+                <a:ea typeface="맑은 고딕" charset="0"/>
+              </a:rPr>
+              <a:t> </a:t>
+            </a:r>
+            <a:r>
+              <a:rPr lang="ko-KR" sz="1800">
+                <a:latin typeface="맑은 고딕" charset="0"/>
+                <a:ea typeface="맑은 고딕" charset="0"/>
+              </a:rPr>
+              <a:t>이제 PlayFab 로그인 화면이 </a:t>
+            </a:r>
+            <a:r>
+              <a:rPr lang="ko-KR" sz="1800">
+                <a:latin typeface="맑은 고딕" charset="0"/>
+                <a:ea typeface="맑은 고딕" charset="0"/>
+              </a:rPr>
+              <a:t>나타나면</a:t>
+            </a:r>
+            <a:r>
+              <a:rPr lang="ko-KR" sz="1800">
+                <a:latin typeface="맑은 고딕" charset="0"/>
+                <a:ea typeface="맑은 고딕" charset="0"/>
+              </a:rPr>
+              <a:t> </a:t>
+            </a:r>
+            <a:r>
+              <a:rPr lang="ko-KR" sz="1800">
+                <a:latin typeface="맑은 고딕" charset="0"/>
+                <a:ea typeface="맑은 고딕" charset="0"/>
+              </a:rPr>
+              <a:t>PlayFab에서</a:t>
+            </a:r>
+            <a:r>
+              <a:rPr lang="ko-KR" sz="1800">
+                <a:latin typeface="맑은 고딕" charset="0"/>
+                <a:ea typeface="맑은 고딕" charset="0"/>
+              </a:rPr>
+              <a:t> 가입했던 ID와 </a:t>
+            </a:r>
+            <a:r>
+              <a:rPr lang="ko-KR" sz="1800">
+                <a:latin typeface="맑은 고딕" charset="0"/>
+                <a:ea typeface="맑은 고딕" charset="0"/>
+              </a:rPr>
+              <a:t>비밀번호를</a:t>
+            </a:r>
+            <a:r>
+              <a:rPr lang="ko-KR" sz="1800">
+                <a:latin typeface="맑은 고딕" charset="0"/>
+                <a:ea typeface="맑은 고딕" charset="0"/>
+              </a:rPr>
+              <a:t> </a:t>
+            </a:r>
+            <a:r>
+              <a:rPr lang="ko-KR" sz="1800">
+                <a:latin typeface="맑은 고딕" charset="0"/>
+                <a:ea typeface="맑은 고딕" charset="0"/>
+              </a:rPr>
+              <a:t>입력합니다.</a:t>
+            </a:r>
+            <a:endParaRPr lang="ko-KR" altLang="en-US" sz="1800">
+              <a:latin typeface="맑은 고딕" charset="0"/>
+              <a:ea typeface="맑은 고딕" charset="0"/>
+            </a:endParaRPr>
+          </a:p>
+        </p:txBody>
+      </p:sp>
       <p:pic>
         <p:nvPicPr>
-          <p:cNvPr id="53" name="그림 26"/>
+          <p:cNvPr id="53" name="그림 49" descr="C:/Users/Admin1/AppData/Roaming/PolarisOffice/ETemp/18832_10739096/fImage123742539961.png"/>
           <p:cNvPicPr>
             <a:picLocks noChangeAspect="1"/>
           </p:cNvPicPr>
           <p:nvPr/>
         </p:nvPicPr>
         <p:blipFill rotWithShape="1">
-          <a:blip r:embed="rId4" cstate="hqprint">
+          <a:blip r:embed="rId5" cstate="hqprint">
             <a:extLst>
               <a:ext uri="{28A0092B-C50C-407E-A947-70E740481C1C}">
                 <a14:useLocalDpi xmlns:a14="http://schemas.microsoft.com/office/drawing/2010/main"/>
@@ -13539,101 +15837,15 @@
         </p:blipFill>
         <p:spPr>
           <a:xfrm rot="0">
-            <a:off x="6899275" y="1346835"/>
-            <a:ext cx="4040505" cy="4074795"/>
-          </a:xfrm>
-          <a:prstGeom prst="rect"/>
-          <a:noFill/>
+            <a:off x="6819900" y="1447165"/>
+            <a:ext cx="4124960" cy="3411220"/>
+          </a:xfrm>
+          <a:prstGeom prst="roundRect"/>
+          <a:solidFill>
+            <a:srgbClr val="EDEDED"/>
+          </a:solidFill>
         </p:spPr>
       </p:pic>
-      <p:sp>
-        <p:nvSpPr>
-          <p:cNvPr id="54" name="텍스트 상자 27"/>
-          <p:cNvSpPr txBox="1">
-            <a:spLocks/>
-          </p:cNvSpPr>
-          <p:nvPr/>
-        </p:nvSpPr>
-        <p:spPr>
-          <a:xfrm rot="0">
-            <a:off x="6899910" y="5521325"/>
-            <a:ext cx="4032250" cy="677545"/>
-          </a:xfrm>
-          <a:prstGeom prst="rect"/>
-          <a:noFill/>
-          <a:ln w="0">
-            <a:noFill/>
-            <a:prstDash/>
-          </a:ln>
-        </p:spPr>
-        <p:txBody>
-          <a:bodyPr wrap="square" lIns="89535" tIns="46355" rIns="89535" bIns="46355" numCol="1" vert="horz" anchor="t">
-            <a:spAutoFit/>
-          </a:bodyPr>
-          <a:lstStyle/>
-          <a:p>
-            <a:pPr marL="0" indent="0" rtl="0" algn="l" defTabSz="914400" eaLnBrk="1" latinLnBrk="0" hangingPunct="1">
-              <a:buFontTx/>
-              <a:buNone/>
-            </a:pPr>
-            <a:r>
-              <a:rPr lang="ko-KR" sz="2000" b="1">
-                <a:solidFill>
-                  <a:srgbClr val="0611F2"/>
-                </a:solidFill>
-                <a:latin typeface="맑은 고딕" charset="0"/>
-                <a:ea typeface="맑은 고딕" charset="0"/>
-              </a:rPr>
-              <a:t>17.</a:t>
-            </a:r>
-            <a:r>
-              <a:rPr lang="ko-KR" sz="2000">
-                <a:solidFill>
-                  <a:srgbClr val="0611F2"/>
-                </a:solidFill>
-                <a:latin typeface="맑은 고딕" charset="0"/>
-                <a:ea typeface="맑은 고딕" charset="0"/>
-              </a:rPr>
-              <a:t> </a:t>
-            </a:r>
-            <a:r>
-              <a:rPr lang="ko-KR" sz="1800">
-                <a:latin typeface="맑은 고딕" charset="0"/>
-                <a:ea typeface="맑은 고딕" charset="0"/>
-              </a:rPr>
-              <a:t>마지막으로</a:t>
-            </a:r>
-            <a:r>
-              <a:rPr lang="ko-KR" sz="1800">
-                <a:latin typeface="맑은 고딕" charset="0"/>
-                <a:ea typeface="맑은 고딕" charset="0"/>
-              </a:rPr>
-              <a:t> SDK가 추가되면 </a:t>
-            </a:r>
-            <a:r>
-              <a:rPr lang="ko-KR" sz="1800">
-                <a:solidFill>
-                  <a:srgbClr val="009900"/>
-                </a:solidFill>
-                <a:latin typeface="맑은 고딕" charset="0"/>
-                <a:ea typeface="맑은 고딕" charset="0"/>
-              </a:rPr>
-              <a:t>[SETTINGS]</a:t>
-            </a:r>
-            <a:r>
-              <a:rPr lang="ko-KR" sz="1800">
-                <a:latin typeface="맑은 고딕" charset="0"/>
-                <a:ea typeface="맑은 고딕" charset="0"/>
-              </a:rPr>
-              <a:t>를 선택합니다.</a:t>
-            </a:r>
-            <a:endParaRPr lang="ko-KR" altLang="en-US" sz="1800">
-              <a:latin typeface="맑은 고딕" charset="0"/>
-              <a:ea typeface="맑은 고딕" charset="0"/>
-            </a:endParaRPr>
-          </a:p>
-        </p:txBody>
-      </p:sp>
     </p:spTree>
   </p:cSld>
   <p:clrMapOvr>
@@ -13721,8 +15933,8 @@
         </p:nvSpPr>
         <p:spPr>
           <a:xfrm rot="0">
-            <a:off x="4342765" y="467995"/>
-            <a:ext cx="3503930" cy="554990"/>
+            <a:off x="4342765" y="372745"/>
+            <a:ext cx="3504565" cy="554990"/>
           </a:xfrm>
           <a:prstGeom prst="rect"/>
           <a:noFill/>
@@ -13737,21 +15949,21 @@
           </a:bodyPr>
           <a:lstStyle/>
           <a:p>
-            <a:pPr marL="0" indent="0" rtl="0" algn="l" defTabSz="914400" eaLnBrk="1" latinLnBrk="0" hangingPunct="1">
-              <a:buFontTx/>
-              <a:buNone/>
-            </a:pPr>
-            <a:r>
-              <a:rPr lang="ko-KR" sz="3000" b="1">
-                <a:latin typeface="맑은 고딕" charset="0"/>
-                <a:ea typeface="맑은 고딕" charset="0"/>
+            <a:pPr marL="0" indent="0" rtl="0" algn="ctr" defTabSz="914400" eaLnBrk="1" latinLnBrk="0" hangingPunct="1">
+              <a:buFontTx/>
+              <a:buNone/>
+            </a:pPr>
+            <a:r>
+              <a:rPr lang="ko-KR" sz="2500" b="1">
+                <a:latin typeface="나눔바른고딕" charset="0"/>
+                <a:ea typeface="나눔바른고딕" charset="0"/>
               </a:rPr>
               <a:t>여덟</a:t>
             </a:r>
             <a:r>
-              <a:rPr lang="ko-KR" sz="3000" b="1">
-                <a:latin typeface="맑은 고딕" charset="0"/>
-                <a:ea typeface="맑은 고딕" charset="0"/>
+              <a:rPr lang="ko-KR" sz="2500" b="1">
+                <a:latin typeface="나눔바른고딕" charset="0"/>
+                <a:ea typeface="나눔바른고딕" charset="0"/>
               </a:rPr>
               <a:t> 번째 튜토리얼</a:t>
             </a:r>
@@ -13779,8 +15991,8 @@
         </p:nvSpPr>
         <p:spPr>
           <a:xfrm rot="0">
-            <a:off x="1230630" y="5212715"/>
-            <a:ext cx="4123690" cy="954405"/>
+            <a:off x="1230630" y="5245735"/>
+            <a:ext cx="4113530" cy="954405"/>
           </a:xfrm>
           <a:prstGeom prst="rect"/>
           <a:noFill/>
@@ -13807,7 +16019,7 @@
                 <a:latin typeface="맑은 고딕" charset="0"/>
                 <a:ea typeface="맑은 고딕" charset="0"/>
               </a:rPr>
-              <a:t>18.</a:t>
+              <a:t>16.</a:t>
             </a:r>
             <a:r>
               <a:rPr lang="ko-KR" sz="2000">
@@ -13824,14 +16036,56 @@
                 <a:latin typeface="맑은 고딕" charset="0"/>
                 <a:ea typeface="맑은 고딕" charset="0"/>
               </a:rPr>
-              <a:t>이제 S</a:t>
-            </a:r>
-            <a:r>
-              <a:rPr lang="ko-KR" sz="1800">
-                <a:latin typeface="맑은 고딕" charset="0"/>
-                <a:ea typeface="맑은 고딕" charset="0"/>
-              </a:rPr>
-              <a:t>ETTINGS의 PROJECT에서 STUDIO를 선택하고 PlayFab에서 생성한 Studio를 선택합니다. </a:t>
+              <a:t>그리고 Install PlayFab SDK를 </a:t>
+            </a:r>
+            <a:r>
+              <a:rPr lang="ko-KR" sz="1800">
+                <a:latin typeface="맑은 고딕" charset="0"/>
+                <a:ea typeface="맑은 고딕" charset="0"/>
+              </a:rPr>
+              <a:t>선택한</a:t>
+            </a:r>
+            <a:r>
+              <a:rPr lang="ko-KR" sz="1800">
+                <a:latin typeface="맑은 고딕" charset="0"/>
+                <a:ea typeface="맑은 고딕" charset="0"/>
+              </a:rPr>
+              <a:t> </a:t>
+            </a:r>
+            <a:r>
+              <a:rPr lang="ko-KR" sz="1800">
+                <a:latin typeface="맑은 고딕" charset="0"/>
+                <a:ea typeface="맑은 고딕" charset="0"/>
+              </a:rPr>
+              <a:t>다음</a:t>
+            </a:r>
+            <a:r>
+              <a:rPr lang="ko-KR" sz="1800">
+                <a:latin typeface="맑은 고딕" charset="0"/>
+                <a:ea typeface="맑은 고딕" charset="0"/>
+              </a:rPr>
+              <a:t> </a:t>
+            </a:r>
+            <a:r>
+              <a:rPr lang="ko-KR" sz="1800">
+                <a:latin typeface="맑은 고딕" charset="0"/>
+                <a:ea typeface="맑은 고딕" charset="0"/>
+              </a:rPr>
+              <a:t>유니티</a:t>
+            </a:r>
+            <a:r>
+              <a:rPr lang="ko-KR" sz="1800">
+                <a:latin typeface="맑은 고딕" charset="0"/>
+                <a:ea typeface="맑은 고딕" charset="0"/>
+              </a:rPr>
+              <a:t> 안에 SDK를 </a:t>
+            </a:r>
+            <a:r>
+              <a:rPr lang="ko-KR" sz="1800">
+                <a:latin typeface="맑은 고딕" charset="0"/>
+                <a:ea typeface="맑은 고딕" charset="0"/>
+              </a:rPr>
+              <a:t>추가합니다.</a:t>
             </a:r>
             <a:endParaRPr lang="ko-KR" altLang="en-US" sz="1800">
               <a:latin typeface="맑은 고딕" charset="0"/>
@@ -13840,123 +16094,9 @@
           </a:p>
         </p:txBody>
       </p:sp>
-      <p:sp>
-        <p:nvSpPr>
-          <p:cNvPr id="54" name="Rect 0"/>
-          <p:cNvSpPr txBox="1">
-            <a:spLocks/>
-          </p:cNvSpPr>
-          <p:nvPr/>
-        </p:nvSpPr>
-        <p:spPr>
-          <a:xfrm rot="0">
-            <a:off x="6913880" y="4940935"/>
-            <a:ext cx="4184650" cy="1231265"/>
-          </a:xfrm>
-          <a:prstGeom prst="rect"/>
-          <a:noFill/>
-          <a:ln w="0">
-            <a:noFill/>
-            <a:prstDash/>
-          </a:ln>
-        </p:spPr>
-        <p:txBody>
-          <a:bodyPr wrap="square" lIns="89535" tIns="46355" rIns="89535" bIns="46355" numCol="1" vert="horz" anchor="t">
-            <a:spAutoFit/>
-          </a:bodyPr>
-          <a:lstStyle/>
-          <a:p>
-            <a:pPr marL="0" indent="0" rtl="0" algn="l" defTabSz="914400" eaLnBrk="1" latinLnBrk="0" hangingPunct="1">
-              <a:buFontTx/>
-              <a:buNone/>
-            </a:pPr>
-            <a:r>
-              <a:rPr lang="ko-KR" sz="2000" b="1">
-                <a:solidFill>
-                  <a:srgbClr val="0611F2"/>
-                </a:solidFill>
-                <a:latin typeface="맑은 고딕" charset="0"/>
-                <a:ea typeface="맑은 고딕" charset="0"/>
-              </a:rPr>
-              <a:t>19.</a:t>
-            </a:r>
-            <a:r>
-              <a:rPr lang="ko-KR" sz="2000">
-                <a:solidFill>
-                  <a:srgbClr val="0611F2"/>
-                </a:solidFill>
-                <a:latin typeface="맑은 고딕" charset="0"/>
-                <a:ea typeface="맑은 고딕" charset="0"/>
-              </a:rPr>
-              <a:t> </a:t>
-            </a:r>
-            <a:r>
-              <a:rPr lang="ko-KR" sz="1800">
-                <a:latin typeface="맑은 고딕" charset="0"/>
-                <a:ea typeface="맑은 고딕" charset="0"/>
-              </a:rPr>
-              <a:t>그</a:t>
-            </a:r>
-            <a:r>
-              <a:rPr lang="ko-KR" sz="1800">
-                <a:latin typeface="맑은 고딕" charset="0"/>
-                <a:ea typeface="맑은 고딕" charset="0"/>
-              </a:rPr>
-              <a:t>리고</a:t>
-            </a:r>
-            <a:r>
-              <a:rPr lang="ko-KR" sz="1800">
-                <a:latin typeface="맑은 고딕" charset="0"/>
-                <a:ea typeface="맑은 고딕" charset="0"/>
-              </a:rPr>
-              <a:t> </a:t>
-            </a:r>
-            <a:r>
-              <a:rPr lang="ko-KR" sz="1800">
-                <a:latin typeface="맑은 고딕" charset="0"/>
-                <a:ea typeface="맑은 고딕" charset="0"/>
-              </a:rPr>
-              <a:t>UI에서 Button 2개를 생성하고 각각의 Button의 이름을 Sign In Button과 Sign Up Button이라는 이름으로 정의합니다.</a:t>
-            </a:r>
-            <a:endParaRPr lang="ko-KR" altLang="en-US" sz="1800">
-              <a:latin typeface="맑은 고딕" charset="0"/>
-              <a:ea typeface="맑은 고딕" charset="0"/>
-            </a:endParaRPr>
-          </a:p>
-        </p:txBody>
-      </p:sp>
       <p:pic>
         <p:nvPicPr>
-          <p:cNvPr id="55" name="그림 28"/>
-          <p:cNvPicPr>
-            <a:picLocks noChangeAspect="1"/>
-          </p:cNvPicPr>
-          <p:nvPr/>
-        </p:nvPicPr>
-        <p:blipFill rotWithShape="1">
-          <a:blip r:embed="rId2" cstate="hqprint">
-            <a:extLst>
-              <a:ext uri="{28A0092B-C50C-407E-A947-70E740481C1C}">
-                <a14:useLocalDpi xmlns:a14="http://schemas.microsoft.com/office/drawing/2010/main"/>
-              </a:ext>
-            </a:extLst>
-          </a:blip>
-          <a:stretch>
-            <a:fillRect/>
-          </a:stretch>
-        </p:blipFill>
-        <p:spPr>
-          <a:xfrm rot="0">
-            <a:off x="1226185" y="1388110"/>
-            <a:ext cx="4136390" cy="3750310"/>
-          </a:xfrm>
-          <a:prstGeom prst="rect"/>
-          <a:noFill/>
-        </p:spPr>
-      </p:pic>
-      <p:pic>
-        <p:nvPicPr>
-          <p:cNvPr id="56" name="그림 29"/>
+          <p:cNvPr id="52" name="그림 25" descr="C:/Users/Admin1/AppData/Roaming/PolarisOffice/ETemp/18832_10739096/fImage11611254491.png"/>
           <p:cNvPicPr>
             <a:picLocks noChangeAspect="1"/>
           </p:cNvPicPr>
@@ -13976,28 +16116,26 @@
         </p:blipFill>
         <p:spPr>
           <a:xfrm rot="0">
-            <a:off x="6917690" y="1379855"/>
-            <a:ext cx="2244090" cy="3434080"/>
-          </a:xfrm>
-          <a:prstGeom prst="roundRect"/>
-          <a:solidFill>
-            <a:srgbClr val="EDEDED"/>
-          </a:solidFill>
+            <a:off x="1228725" y="1447800"/>
+            <a:ext cx="4110990" cy="3657600"/>
+          </a:xfrm>
+          <a:prstGeom prst="rect"/>
+          <a:noFill/>
         </p:spPr>
       </p:pic>
       <p:pic>
         <p:nvPicPr>
-          <p:cNvPr id="57" name="그림 34"/>
+          <p:cNvPr id="53" name="그림 26" descr="C:/Users/Admin1/AppData/Roaming/PolarisOffice/ETemp/18832_10739096/fImage234462552995.png"/>
           <p:cNvPicPr>
             <a:picLocks noChangeAspect="1"/>
           </p:cNvPicPr>
           <p:nvPr/>
         </p:nvPicPr>
         <p:blipFill rotWithShape="1">
-          <a:blip r:embed="rId6" cstate="print">
+          <a:blip r:embed="rId4" cstate="hqprint">
             <a:extLst>
               <a:ext uri="{28A0092B-C50C-407E-A947-70E740481C1C}">
-                <a14:useLocalDpi xmlns:a14="http://schemas.microsoft.com/office/drawing/2010/main" val="0"/>
+                <a14:useLocalDpi xmlns:a14="http://schemas.microsoft.com/office/drawing/2010/main"/>
               </a:ext>
             </a:extLst>
           </a:blip>
@@ -14007,15 +16145,108 @@
         </p:blipFill>
         <p:spPr>
           <a:xfrm rot="0">
-            <a:off x="9377045" y="1812290"/>
-            <a:ext cx="1729740" cy="2560955"/>
-          </a:xfrm>
-          <a:prstGeom prst="roundRect"/>
-          <a:solidFill>
-            <a:srgbClr val="EDEDED"/>
-          </a:solidFill>
+            <a:off x="6899275" y="1457325"/>
+            <a:ext cx="4041140" cy="3848735"/>
+          </a:xfrm>
+          <a:prstGeom prst="rect"/>
+          <a:noFill/>
         </p:spPr>
       </p:pic>
+      <p:sp>
+        <p:nvSpPr>
+          <p:cNvPr id="54" name="텍스트 상자 27"/>
+          <p:cNvSpPr txBox="1">
+            <a:spLocks/>
+          </p:cNvSpPr>
+          <p:nvPr/>
+        </p:nvSpPr>
+        <p:spPr>
+          <a:xfrm rot="0">
+            <a:off x="6899910" y="5521325"/>
+            <a:ext cx="4032885" cy="677545"/>
+          </a:xfrm>
+          <a:prstGeom prst="rect"/>
+          <a:noFill/>
+          <a:ln w="0">
+            <a:noFill/>
+            <a:prstDash/>
+          </a:ln>
+        </p:spPr>
+        <p:txBody>
+          <a:bodyPr wrap="square" lIns="89535" tIns="46355" rIns="89535" bIns="46355" numCol="1" vert="horz" anchor="t">
+            <a:spAutoFit/>
+          </a:bodyPr>
+          <a:lstStyle/>
+          <a:p>
+            <a:pPr marL="0" indent="0" rtl="0" algn="l" defTabSz="914400" eaLnBrk="1" latinLnBrk="0" hangingPunct="1">
+              <a:buFontTx/>
+              <a:buNone/>
+            </a:pPr>
+            <a:r>
+              <a:rPr lang="ko-KR" sz="2000" b="1">
+                <a:solidFill>
+                  <a:srgbClr val="0611F2"/>
+                </a:solidFill>
+                <a:latin typeface="맑은 고딕" charset="0"/>
+                <a:ea typeface="맑은 고딕" charset="0"/>
+              </a:rPr>
+              <a:t>17.</a:t>
+            </a:r>
+            <a:r>
+              <a:rPr lang="ko-KR" sz="2000">
+                <a:solidFill>
+                  <a:srgbClr val="0611F2"/>
+                </a:solidFill>
+                <a:latin typeface="맑은 고딕" charset="0"/>
+                <a:ea typeface="맑은 고딕" charset="0"/>
+              </a:rPr>
+              <a:t> </a:t>
+            </a:r>
+            <a:r>
+              <a:rPr lang="ko-KR" sz="1800">
+                <a:latin typeface="맑은 고딕" charset="0"/>
+                <a:ea typeface="맑은 고딕" charset="0"/>
+              </a:rPr>
+              <a:t>그다음으로 SDK가 추가되면 </a:t>
+            </a:r>
+            <a:r>
+              <a:rPr lang="ko-KR" sz="1800">
+                <a:solidFill>
+                  <a:srgbClr val="009900"/>
+                </a:solidFill>
+                <a:latin typeface="맑은 고딕" charset="0"/>
+                <a:ea typeface="맑은 고딕" charset="0"/>
+              </a:rPr>
+              <a:t>[SETTINGS]</a:t>
+            </a:r>
+            <a:r>
+              <a:rPr lang="ko-KR" sz="1800">
+                <a:latin typeface="맑은 고딕" charset="0"/>
+                <a:ea typeface="맑은 고딕" charset="0"/>
+              </a:rPr>
+              <a:t>를</a:t>
+            </a:r>
+            <a:r>
+              <a:rPr lang="ko-KR" sz="1800">
+                <a:latin typeface="맑은 고딕" charset="0"/>
+                <a:ea typeface="맑은 고딕" charset="0"/>
+              </a:rPr>
+              <a:t> </a:t>
+            </a:r>
+            <a:r>
+              <a:rPr lang="ko-KR" sz="1800">
+                <a:latin typeface="맑은 고딕" charset="0"/>
+                <a:ea typeface="맑은 고딕" charset="0"/>
+              </a:rPr>
+              <a:t>선택합니다.</a:t>
+            </a:r>
+            <a:endParaRPr lang="ko-KR" altLang="en-US" sz="1800">
+              <a:latin typeface="맑은 고딕" charset="0"/>
+              <a:ea typeface="맑은 고딕" charset="0"/>
+            </a:endParaRPr>
+          </a:p>
+        </p:txBody>
+      </p:sp>
     </p:spTree>
   </p:cSld>
   <p:clrMapOvr>
@@ -14067,7 +16298,7 @@
         <p:spPr>
           <a:xfrm rot="0">
             <a:off x="1229995" y="1337310"/>
-            <a:ext cx="4039870" cy="371475"/>
+            <a:ext cx="4039235" cy="370840"/>
           </a:xfrm>
           <a:prstGeom prst="rect"/>
           <a:noFill/>
@@ -14103,7 +16334,7 @@
         </p:nvSpPr>
         <p:spPr>
           <a:xfrm rot="0">
-            <a:off x="4342765" y="467995"/>
+            <a:off x="4342765" y="353695"/>
             <a:ext cx="3504565" cy="554990"/>
           </a:xfrm>
           <a:prstGeom prst="rect"/>
@@ -14119,21 +16350,21 @@
           </a:bodyPr>
           <a:lstStyle/>
           <a:p>
-            <a:pPr marL="0" indent="0" rtl="0" algn="l" defTabSz="914400" eaLnBrk="1" latinLnBrk="0" hangingPunct="1">
-              <a:buFontTx/>
-              <a:buNone/>
-            </a:pPr>
-            <a:r>
-              <a:rPr lang="ko-KR" sz="3000" b="1">
-                <a:latin typeface="맑은 고딕" charset="0"/>
-                <a:ea typeface="맑은 고딕" charset="0"/>
+            <a:pPr marL="0" indent="0" rtl="0" algn="ctr" defTabSz="914400" eaLnBrk="1" latinLnBrk="0" hangingPunct="1">
+              <a:buFontTx/>
+              <a:buNone/>
+            </a:pPr>
+            <a:r>
+              <a:rPr lang="ko-KR" sz="2500" b="1">
+                <a:latin typeface="나눔바른고딕" charset="0"/>
+                <a:ea typeface="나눔바른고딕" charset="0"/>
               </a:rPr>
               <a:t>아홉</a:t>
             </a:r>
             <a:r>
-              <a:rPr lang="ko-KR" sz="3000" b="1">
-                <a:latin typeface="맑은 고딕" charset="0"/>
-                <a:ea typeface="맑은 고딕" charset="0"/>
+              <a:rPr lang="ko-KR" sz="2500" b="1">
+                <a:latin typeface="나눔바른고딕" charset="0"/>
+                <a:ea typeface="나눔바른고딕" charset="0"/>
               </a:rPr>
               <a:t> 번째 튜토리얼</a:t>
             </a:r>
@@ -14161,8 +16392,8 @@
         </p:nvSpPr>
         <p:spPr>
           <a:xfrm rot="0">
-            <a:off x="1230630" y="4930140"/>
-            <a:ext cx="4133215" cy="1231265"/>
+            <a:off x="1230630" y="4936490"/>
+            <a:ext cx="4124325" cy="1231265"/>
           </a:xfrm>
           <a:prstGeom prst="rect"/>
           <a:noFill/>
@@ -14189,7 +16420,7 @@
                 <a:latin typeface="맑은 고딕" charset="0"/>
                 <a:ea typeface="맑은 고딕" charset="0"/>
               </a:rPr>
-              <a:t>20.</a:t>
+              <a:t>18.</a:t>
             </a:r>
             <a:r>
               <a:rPr lang="ko-KR" sz="2000">
@@ -14206,21 +16437,91 @@
                 <a:latin typeface="맑은 고딕" charset="0"/>
                 <a:ea typeface="맑은 고딕" charset="0"/>
               </a:rPr>
-              <a:t>그런 다음 UI에서 Input Field를 </a:t>
-            </a:r>
-            <a:r>
-              <a:rPr lang="ko-KR" sz="1800">
-                <a:latin typeface="맑은 고딕" charset="0"/>
-                <a:ea typeface="맑은 고딕" charset="0"/>
-              </a:rPr>
-              <a:t>2</a:t>
-            </a:r>
-            <a:r>
-              <a:rPr lang="ko-KR" sz="1800">
-                <a:latin typeface="맑은 고딕" charset="0"/>
-                <a:ea typeface="맑은 고딕" charset="0"/>
-              </a:rPr>
-              <a:t>개 생성하고 각각의 이름을 Email Input과 Password Input으로 정의합니다.</a:t>
+              <a:t>그런 다음 SETTINGS의 </a:t>
+            </a:r>
+            <a:r>
+              <a:rPr lang="ko-KR" sz="1800">
+                <a:latin typeface="맑은 고딕" charset="0"/>
+                <a:ea typeface="맑은 고딕" charset="0"/>
+              </a:rPr>
+              <a:t>PROJECT에서</a:t>
+            </a:r>
+            <a:r>
+              <a:rPr lang="ko-KR" sz="1800">
+                <a:latin typeface="맑은 고딕" charset="0"/>
+                <a:ea typeface="맑은 고딕" charset="0"/>
+              </a:rPr>
+              <a:t> </a:t>
+            </a:r>
+            <a:r>
+              <a:rPr lang="ko-KR" sz="1800">
+                <a:latin typeface="맑은 고딕" charset="0"/>
+                <a:ea typeface="맑은 고딕" charset="0"/>
+              </a:rPr>
+              <a:t>STUDIO를</a:t>
+            </a:r>
+            <a:r>
+              <a:rPr lang="ko-KR" sz="1800">
+                <a:latin typeface="맑은 고딕" charset="0"/>
+                <a:ea typeface="맑은 고딕" charset="0"/>
+              </a:rPr>
+              <a:t> 선택하고 </a:t>
+            </a:r>
+            <a:r>
+              <a:rPr lang="ko-KR" sz="1800">
+                <a:latin typeface="맑은 고딕" charset="0"/>
+                <a:ea typeface="맑은 고딕" charset="0"/>
+              </a:rPr>
+              <a:t>PlayFab에서</a:t>
+            </a:r>
+            <a:r>
+              <a:rPr lang="ko-KR" sz="1800">
+                <a:latin typeface="맑은 고딕" charset="0"/>
+                <a:ea typeface="맑은 고딕" charset="0"/>
+              </a:rPr>
+              <a:t> </a:t>
+            </a:r>
+            <a:r>
+              <a:rPr lang="ko-KR" sz="1800">
+                <a:latin typeface="맑은 고딕" charset="0"/>
+                <a:ea typeface="맑은 고딕" charset="0"/>
+              </a:rPr>
+              <a:t>생성한</a:t>
+            </a:r>
+            <a:r>
+              <a:rPr lang="ko-KR" sz="1800">
+                <a:latin typeface="맑은 고딕" charset="0"/>
+                <a:ea typeface="맑은 고딕" charset="0"/>
+              </a:rPr>
+              <a:t> </a:t>
+            </a:r>
+            <a:r>
+              <a:rPr lang="ko-KR" sz="1800">
+                <a:latin typeface="맑은 고딕" charset="0"/>
+                <a:ea typeface="맑은 고딕" charset="0"/>
+              </a:rPr>
+              <a:t>Studio를</a:t>
+            </a:r>
+            <a:r>
+              <a:rPr lang="ko-KR" sz="1800">
+                <a:latin typeface="맑은 고딕" charset="0"/>
+                <a:ea typeface="맑은 고딕" charset="0"/>
+              </a:rPr>
+              <a:t> </a:t>
+            </a:r>
+            <a:r>
+              <a:rPr lang="ko-KR" sz="1800">
+                <a:latin typeface="맑은 고딕" charset="0"/>
+                <a:ea typeface="맑은 고딕" charset="0"/>
+              </a:rPr>
+              <a:t>선택합니다.</a:t>
+            </a:r>
+            <a:r>
+              <a:rPr lang="ko-KR" sz="1800">
+                <a:latin typeface="맑은 고딕" charset="0"/>
+                <a:ea typeface="맑은 고딕" charset="0"/>
+              </a:rPr>
+              <a:t> </a:t>
             </a:r>
             <a:endParaRPr lang="ko-KR" altLang="en-US" sz="1800">
               <a:latin typeface="맑은 고딕" charset="0"/>
@@ -14229,9 +16530,199 @@
           </a:p>
         </p:txBody>
       </p:sp>
+      <p:sp>
+        <p:nvSpPr>
+          <p:cNvPr id="54" name="Rect 0"/>
+          <p:cNvSpPr txBox="1">
+            <a:spLocks/>
+          </p:cNvSpPr>
+          <p:nvPr/>
+        </p:nvSpPr>
+        <p:spPr>
+          <a:xfrm rot="0">
+            <a:off x="6913880" y="4940935"/>
+            <a:ext cx="4030980" cy="1231265"/>
+          </a:xfrm>
+          <a:prstGeom prst="rect"/>
+          <a:noFill/>
+          <a:ln w="0">
+            <a:noFill/>
+            <a:prstDash/>
+          </a:ln>
+        </p:spPr>
+        <p:txBody>
+          <a:bodyPr wrap="square" lIns="89535" tIns="46355" rIns="89535" bIns="46355" numCol="1" vert="horz" anchor="t">
+            <a:spAutoFit/>
+          </a:bodyPr>
+          <a:lstStyle/>
+          <a:p>
+            <a:pPr marL="0" indent="0" rtl="0" algn="l" defTabSz="914400" eaLnBrk="1" latinLnBrk="0" hangingPunct="1">
+              <a:buFontTx/>
+              <a:buNone/>
+            </a:pPr>
+            <a:r>
+              <a:rPr lang="ko-KR" sz="2000" b="1">
+                <a:solidFill>
+                  <a:srgbClr val="0611F2"/>
+                </a:solidFill>
+                <a:latin typeface="맑은 고딕" charset="0"/>
+                <a:ea typeface="맑은 고딕" charset="0"/>
+              </a:rPr>
+              <a:t>19.</a:t>
+            </a:r>
+            <a:r>
+              <a:rPr lang="ko-KR" sz="2000">
+                <a:solidFill>
+                  <a:srgbClr val="0611F2"/>
+                </a:solidFill>
+                <a:latin typeface="맑은 고딕" charset="0"/>
+                <a:ea typeface="맑은 고딕" charset="0"/>
+              </a:rPr>
+              <a:t> </a:t>
+            </a:r>
+            <a:r>
+              <a:rPr lang="ko-KR" sz="1800">
+                <a:latin typeface="맑은 고딕" charset="0"/>
+                <a:ea typeface="맑은 고딕" charset="0"/>
+              </a:rPr>
+              <a:t>그러고 나서 UI에서 Button </a:t>
+            </a:r>
+            <a:r>
+              <a:rPr lang="ko-KR" sz="1800">
+                <a:latin typeface="맑은 고딕" charset="0"/>
+                <a:ea typeface="맑은 고딕" charset="0"/>
+              </a:rPr>
+              <a:t>2개를</a:t>
+            </a:r>
+            <a:r>
+              <a:rPr lang="ko-KR" sz="1800">
+                <a:latin typeface="맑은 고딕" charset="0"/>
+                <a:ea typeface="맑은 고딕" charset="0"/>
+              </a:rPr>
+              <a:t> </a:t>
+            </a:r>
+            <a:r>
+              <a:rPr lang="ko-KR" sz="1800">
+                <a:latin typeface="맑은 고딕" charset="0"/>
+                <a:ea typeface="맑은 고딕" charset="0"/>
+              </a:rPr>
+              <a:t>생성하고</a:t>
+            </a:r>
+            <a:r>
+              <a:rPr lang="ko-KR" sz="1800">
+                <a:latin typeface="맑은 고딕" charset="0"/>
+                <a:ea typeface="맑은 고딕" charset="0"/>
+              </a:rPr>
+              <a:t> </a:t>
+            </a:r>
+            <a:r>
+              <a:rPr lang="ko-KR" sz="1800">
+                <a:latin typeface="맑은 고딕" charset="0"/>
+                <a:ea typeface="맑은 고딕" charset="0"/>
+              </a:rPr>
+              <a:t>각각의</a:t>
+            </a:r>
+            <a:r>
+              <a:rPr lang="ko-KR" sz="1800">
+                <a:latin typeface="맑은 고딕" charset="0"/>
+                <a:ea typeface="맑은 고딕" charset="0"/>
+              </a:rPr>
+              <a:t> Button의 </a:t>
+            </a:r>
+            <a:r>
+              <a:rPr lang="ko-KR" sz="1800">
+                <a:latin typeface="맑은 고딕" charset="0"/>
+                <a:ea typeface="맑은 고딕" charset="0"/>
+              </a:rPr>
+              <a:t>이름을</a:t>
+            </a:r>
+            <a:r>
+              <a:rPr lang="ko-KR" sz="1800">
+                <a:latin typeface="맑은 고딕" charset="0"/>
+                <a:ea typeface="맑은 고딕" charset="0"/>
+              </a:rPr>
+              <a:t> </a:t>
+            </a:r>
+            <a:r>
+              <a:rPr lang="ko-KR" sz="1800">
+                <a:latin typeface="맑은 고딕" charset="0"/>
+                <a:ea typeface="맑은 고딕" charset="0"/>
+              </a:rPr>
+              <a:t>Sign</a:t>
+            </a:r>
+            <a:r>
+              <a:rPr lang="ko-KR" sz="1800">
+                <a:latin typeface="맑은 고딕" charset="0"/>
+                <a:ea typeface="맑은 고딕" charset="0"/>
+              </a:rPr>
+              <a:t> </a:t>
+            </a:r>
+            <a:r>
+              <a:rPr lang="ko-KR" sz="1800">
+                <a:latin typeface="맑은 고딕" charset="0"/>
+                <a:ea typeface="맑은 고딕" charset="0"/>
+              </a:rPr>
+              <a:t>In</a:t>
+            </a:r>
+            <a:r>
+              <a:rPr lang="ko-KR" sz="1800">
+                <a:latin typeface="맑은 고딕" charset="0"/>
+                <a:ea typeface="맑은 고딕" charset="0"/>
+              </a:rPr>
+              <a:t> </a:t>
+            </a:r>
+            <a:r>
+              <a:rPr lang="ko-KR" sz="1800">
+                <a:latin typeface="맑은 고딕" charset="0"/>
+                <a:ea typeface="맑은 고딕" charset="0"/>
+              </a:rPr>
+              <a:t>Button과</a:t>
+            </a:r>
+            <a:r>
+              <a:rPr lang="ko-KR" sz="1800">
+                <a:latin typeface="맑은 고딕" charset="0"/>
+                <a:ea typeface="맑은 고딕" charset="0"/>
+              </a:rPr>
+              <a:t> Sign Up </a:t>
+            </a:r>
+            <a:r>
+              <a:rPr lang="ko-KR" sz="1800">
+                <a:latin typeface="맑은 고딕" charset="0"/>
+                <a:ea typeface="맑은 고딕" charset="0"/>
+              </a:rPr>
+              <a:t>Button이라는</a:t>
+            </a:r>
+            <a:r>
+              <a:rPr lang="ko-KR" sz="1800">
+                <a:latin typeface="맑은 고딕" charset="0"/>
+                <a:ea typeface="맑은 고딕" charset="0"/>
+              </a:rPr>
+              <a:t> </a:t>
+            </a:r>
+            <a:r>
+              <a:rPr lang="ko-KR" sz="1800">
+                <a:latin typeface="맑은 고딕" charset="0"/>
+                <a:ea typeface="맑은 고딕" charset="0"/>
+              </a:rPr>
+              <a:t>이름으로</a:t>
+            </a:r>
+            <a:r>
+              <a:rPr lang="ko-KR" sz="1800">
+                <a:latin typeface="맑은 고딕" charset="0"/>
+                <a:ea typeface="맑은 고딕" charset="0"/>
+              </a:rPr>
+              <a:t> 정의합니다.</a:t>
+            </a:r>
+            <a:endParaRPr lang="ko-KR" altLang="en-US" sz="1800">
+              <a:latin typeface="맑은 고딕" charset="0"/>
+              <a:ea typeface="맑은 고딕" charset="0"/>
+            </a:endParaRPr>
+          </a:p>
+        </p:txBody>
+      </p:sp>
       <p:pic>
         <p:nvPicPr>
-          <p:cNvPr id="57" name="Picture "/>
+          <p:cNvPr id="55" name="그림 28" descr="C:/Users/Admin1/AppData/Roaming/PolarisOffice/ETemp/18832_10739096/fImage250602681942.png"/>
           <p:cNvPicPr>
             <a:picLocks noChangeAspect="1"/>
           </p:cNvPicPr>
@@ -14251,28 +16742,26 @@
         </p:blipFill>
         <p:spPr>
           <a:xfrm rot="0">
-            <a:off x="1222375" y="1338580"/>
-            <a:ext cx="2486025" cy="3416935"/>
-          </a:xfrm>
-          <a:prstGeom prst="roundRect"/>
-          <a:solidFill>
-            <a:srgbClr val="EDEDED"/>
-          </a:solidFill>
+            <a:off x="1226185" y="1438275"/>
+            <a:ext cx="4137025" cy="3305810"/>
+          </a:xfrm>
+          <a:prstGeom prst="rect"/>
+          <a:noFill/>
         </p:spPr>
       </p:pic>
       <p:pic>
         <p:nvPicPr>
-          <p:cNvPr id="59" name="그림 4"/>
+          <p:cNvPr id="56" name="그림 29" descr="C:/Users/Admin1/AppData/Roaming/PolarisOffice/ETemp/18832_10739096/fImage191382694827.png"/>
           <p:cNvPicPr>
             <a:picLocks noChangeAspect="1"/>
           </p:cNvPicPr>
           <p:nvPr/>
         </p:nvPicPr>
         <p:blipFill rotWithShape="1">
-          <a:blip r:embed="rId5" cstate="print">
+          <a:blip r:embed="rId3" cstate="hqprint">
             <a:extLst>
               <a:ext uri="{28A0092B-C50C-407E-A947-70E740481C1C}">
-                <a14:useLocalDpi xmlns:a14="http://schemas.microsoft.com/office/drawing/2010/main" val="0"/>
+                <a14:useLocalDpi xmlns:a14="http://schemas.microsoft.com/office/drawing/2010/main"/>
               </a:ext>
             </a:extLst>
           </a:blip>
@@ -14282,8 +16771,8 @@
         </p:blipFill>
         <p:spPr>
           <a:xfrm rot="0">
-            <a:off x="6808470" y="1339850"/>
-            <a:ext cx="2436495" cy="3706495"/>
+            <a:off x="6917690" y="1447800"/>
+            <a:ext cx="2474595" cy="3296285"/>
           </a:xfrm>
           <a:prstGeom prst="roundRect"/>
           <a:solidFill>
@@ -14291,117 +16780,19 @@
           </a:solidFill>
         </p:spPr>
       </p:pic>
-      <p:sp>
-        <p:nvSpPr>
-          <p:cNvPr id="61" name="텍스트 상자 10"/>
-          <p:cNvSpPr txBox="1">
-            <a:spLocks/>
-          </p:cNvSpPr>
-          <p:nvPr/>
-        </p:nvSpPr>
-        <p:spPr>
-          <a:xfrm rot="0">
-            <a:off x="6797040" y="5209540"/>
-            <a:ext cx="4132580" cy="954405"/>
-          </a:xfrm>
-          <a:prstGeom prst="rect"/>
-          <a:noFill/>
-          <a:ln w="0">
-            <a:noFill/>
-            <a:prstDash/>
-          </a:ln>
-        </p:spPr>
-        <p:txBody>
-          <a:bodyPr wrap="square" lIns="89535" tIns="46355" rIns="89535" bIns="46355" numCol="1" vert="horz" anchor="t">
-            <a:spAutoFit/>
-          </a:bodyPr>
-          <a:lstStyle/>
-          <a:p>
-            <a:pPr marL="0" indent="0" rtl="0" algn="l" defTabSz="914400" eaLnBrk="1" latinLnBrk="0" hangingPunct="1">
-              <a:buFontTx/>
-              <a:buNone/>
-            </a:pPr>
-            <a:r>
-              <a:rPr lang="ko-KR" sz="2000" b="1">
-                <a:solidFill>
-                  <a:srgbClr val="0611F2"/>
-                </a:solidFill>
-                <a:latin typeface="맑은 고딕" charset="0"/>
-                <a:ea typeface="맑은 고딕" charset="0"/>
-              </a:rPr>
-              <a:t>2</a:t>
-            </a:r>
-            <a:r>
-              <a:rPr lang="ko-KR" sz="2000" b="1">
-                <a:solidFill>
-                  <a:srgbClr val="0611F2"/>
-                </a:solidFill>
-                <a:latin typeface="맑은 고딕" charset="0"/>
-                <a:ea typeface="맑은 고딕" charset="0"/>
-              </a:rPr>
-              <a:t>1</a:t>
-            </a:r>
-            <a:r>
-              <a:rPr lang="ko-KR" sz="2000" b="1">
-                <a:solidFill>
-                  <a:srgbClr val="0611F2"/>
-                </a:solidFill>
-                <a:latin typeface="맑은 고딕" charset="0"/>
-                <a:ea typeface="맑은 고딕" charset="0"/>
-              </a:rPr>
-              <a:t>.</a:t>
-            </a:r>
-            <a:r>
-              <a:rPr lang="ko-KR" sz="2000">
-                <a:solidFill>
-                  <a:srgbClr val="0611F2"/>
-                </a:solidFill>
-                <a:latin typeface="맑은 고딕" charset="0"/>
-                <a:ea typeface="맑은 고딕" charset="0"/>
-              </a:rPr>
-              <a:t> </a:t>
-            </a:r>
-            <a:r>
-              <a:rPr lang="ko-KR" sz="1800">
-                <a:latin typeface="맑은 고딕" charset="0"/>
-                <a:ea typeface="맑은 고딕" charset="0"/>
-              </a:rPr>
-              <a:t>그다음으로</a:t>
-            </a:r>
-            <a:r>
-              <a:rPr lang="ko-KR" sz="1800">
-                <a:latin typeface="맑은 고딕" charset="0"/>
-                <a:ea typeface="맑은 고딕" charset="0"/>
-              </a:rPr>
-              <a:t> </a:t>
-            </a:r>
-            <a:r>
-              <a:rPr lang="ko-KR" sz="1800">
-                <a:latin typeface="맑은 고딕" charset="0"/>
-                <a:ea typeface="맑은 고딕" charset="0"/>
-              </a:rPr>
-              <a:t>UI에서 Dropdown을 생성하고 Region DropDown이라는 이름으로 정의합니다.</a:t>
-            </a:r>
-            <a:endParaRPr lang="ko-KR" altLang="en-US" sz="1800">
-              <a:latin typeface="맑은 고딕" charset="0"/>
-              <a:ea typeface="맑은 고딕" charset="0"/>
-            </a:endParaRPr>
-          </a:p>
-        </p:txBody>
-      </p:sp>
       <p:pic>
         <p:nvPicPr>
-          <p:cNvPr id="62" name="그림 1" descr="C:/Users/Admin1/AppData/Roaming/PolarisOffice/ETemp/20636_16816336/fImage766223941.png"/>
+          <p:cNvPr id="57" name="그림 34" descr="C:/Users/Admin1/AppData/Roaming/PolarisOffice/ETemp/18832_10739096/fImage64373136334.png"/>
           <p:cNvPicPr>
             <a:picLocks noChangeAspect="1"/>
           </p:cNvPicPr>
           <p:nvPr/>
         </p:nvPicPr>
         <p:blipFill rotWithShape="1">
-          <a:blip r:embed="rId7" cstate="print">
+          <a:blip r:embed="rId6" cstate="hqprint">
             <a:extLst>
               <a:ext uri="{28A0092B-C50C-407E-A947-70E740481C1C}">
-                <a14:useLocalDpi xmlns:a14="http://schemas.microsoft.com/office/drawing/2010/main" val="0"/>
+                <a14:useLocalDpi xmlns:a14="http://schemas.microsoft.com/office/drawing/2010/main"/>
               </a:ext>
             </a:extLst>
           </a:blip>
@@ -14411,39 +16802,8 @@
         </p:blipFill>
         <p:spPr>
           <a:xfrm rot="0">
-            <a:off x="3934460" y="2078355"/>
-            <a:ext cx="1419860" cy="1937385"/>
-          </a:xfrm>
-          <a:prstGeom prst="roundRect"/>
-          <a:solidFill>
-            <a:srgbClr val="EDEDED"/>
-          </a:solidFill>
-        </p:spPr>
-      </p:pic>
-      <p:pic>
-        <p:nvPicPr>
-          <p:cNvPr id="63" name="그림 4" descr="C:/Users/Admin1/AppData/Roaming/PolarisOffice/ETemp/20636_16816336/fImage85282408467.png"/>
-          <p:cNvPicPr>
-            <a:picLocks noChangeAspect="1"/>
-          </p:cNvPicPr>
-          <p:nvPr/>
-        </p:nvPicPr>
-        <p:blipFill rotWithShape="1">
-          <a:blip r:embed="rId8" cstate="print">
-            <a:extLst>
-              <a:ext uri="{28A0092B-C50C-407E-A947-70E740481C1C}">
-                <a14:useLocalDpi xmlns:a14="http://schemas.microsoft.com/office/drawing/2010/main" val="0"/>
-              </a:ext>
-            </a:extLst>
-          </a:blip>
-          <a:stretch>
-            <a:fillRect/>
-          </a:stretch>
-        </p:blipFill>
-        <p:spPr>
-          <a:xfrm rot="0">
-            <a:off x="9451340" y="2136140"/>
-            <a:ext cx="1480820" cy="2137410"/>
+            <a:off x="9572625" y="2009775"/>
+            <a:ext cx="1372235" cy="2183130"/>
           </a:xfrm>
           <a:prstGeom prst="roundRect"/>
           <a:solidFill>

--- a/Assets/Class/Photon Server/PPT Data/Photon PlayFab.pptx
+++ b/Assets/Class/Photon Server/PPT Data/Photon PlayFab.pptx
@@ -2,7 +2,7 @@
 <file path=ppt/presentation.xml><?xml version="1.0" encoding="utf-8"?>
 <p:presentation xmlns:a="http://schemas.openxmlformats.org/drawingml/2006/main" xmlns:r="http://schemas.openxmlformats.org/officeDocument/2006/relationships" xmlns:p="http://schemas.openxmlformats.org/presentationml/2006/main" xmlns:p14="http://schemas.microsoft.com/office/powerpoint/2010/main" saveSubsetFonts="1" firstSlideNum="0">
   <p:sldMasterIdLst>
-    <p:sldMasterId id="2147486911" r:id="rId12"/>
+    <p:sldMasterId id="2147486955" r:id="rId12"/>
   </p:sldMasterIdLst>
   <p:notesMasterIdLst>
     <p:notesMasterId r:id="rId14"/>
@@ -11,21 +11,21 @@
     <p:sldId id="317" r:id="rId16"/>
     <p:sldId id="316" r:id="rId18"/>
     <p:sldId id="318" r:id="rId20"/>
-    <p:sldId id="314" r:id="rId22"/>
-    <p:sldId id="332" r:id="rId24"/>
-    <p:sldId id="319" r:id="rId26"/>
-    <p:sldId id="320" r:id="rId28"/>
-    <p:sldId id="321" r:id="rId30"/>
-    <p:sldId id="322" r:id="rId32"/>
-    <p:sldId id="330" r:id="rId34"/>
-    <p:sldId id="323" r:id="rId36"/>
-    <p:sldId id="324" r:id="rId38"/>
-    <p:sldId id="325" r:id="rId39"/>
-    <p:sldId id="334" r:id="rId41"/>
-    <p:sldId id="326" r:id="rId43"/>
-    <p:sldId id="327" r:id="rId45"/>
-    <p:sldId id="328" r:id="rId47"/>
-    <p:sldId id="331" r:id="rId49"/>
+    <p:sldId id="314" r:id="rId21"/>
+    <p:sldId id="332" r:id="rId23"/>
+    <p:sldId id="319" r:id="rId25"/>
+    <p:sldId id="320" r:id="rId27"/>
+    <p:sldId id="321" r:id="rId28"/>
+    <p:sldId id="322" r:id="rId29"/>
+    <p:sldId id="330" r:id="rId30"/>
+    <p:sldId id="323" r:id="rId31"/>
+    <p:sldId id="324" r:id="rId32"/>
+    <p:sldId id="325" r:id="rId33"/>
+    <p:sldId id="334" r:id="rId34"/>
+    <p:sldId id="326" r:id="rId35"/>
+    <p:sldId id="335" r:id="rId36"/>
+    <p:sldId id="336" r:id="rId37"/>
+    <p:sldId id="337" r:id="rId38"/>
   </p:sldIdLst>
   <p:sldSz cx="12192000" cy="6858000"/>
   <p:notesSz cx="6858000" cy="9144000"/>
@@ -1508,7 +1508,7 @@
         <p:spPr>
           <a:xfrm rot="0">
             <a:off x="685800" y="1143000"/>
-            <a:ext cx="5494020" cy="3093720"/>
+            <a:ext cx="5494655" cy="3094355"/>
           </a:xfrm>
           <a:prstGeom prst="rect"/>
           <a:noFill/>
@@ -1547,7 +1547,7 @@
         <p:spPr>
           <a:xfrm rot="0">
             <a:off x="685800" y="4400550"/>
-            <a:ext cx="5494020" cy="3608070"/>
+            <a:ext cx="5494655" cy="3608705"/>
           </a:xfrm>
           <a:prstGeom prst="rect"/>
         </p:spPr>
@@ -1577,7 +1577,7 @@
         <p:spPr>
           <a:xfrm rot="0">
             <a:off x="3884930" y="8685530"/>
-            <a:ext cx="2979420" cy="466090"/>
+            <a:ext cx="2980055" cy="466725"/>
           </a:xfrm>
           <a:prstGeom prst="rect"/>
         </p:spPr>
@@ -1650,7 +1650,7 @@
         <p:spPr>
           <a:xfrm rot="0">
             <a:off x="685800" y="1143000"/>
-            <a:ext cx="5494020" cy="3093720"/>
+            <a:ext cx="5494655" cy="3094355"/>
           </a:xfrm>
           <a:prstGeom prst="rect"/>
           <a:noFill/>
@@ -1689,7 +1689,7 @@
         <p:spPr>
           <a:xfrm rot="0">
             <a:off x="685800" y="4400550"/>
-            <a:ext cx="5494020" cy="3608070"/>
+            <a:ext cx="5494655" cy="3608705"/>
           </a:xfrm>
           <a:prstGeom prst="rect"/>
         </p:spPr>
@@ -1719,7 +1719,7 @@
         <p:spPr>
           <a:xfrm rot="0">
             <a:off x="3884930" y="8685530"/>
-            <a:ext cx="2979420" cy="466090"/>
+            <a:ext cx="2980055" cy="466725"/>
           </a:xfrm>
           <a:prstGeom prst="rect"/>
         </p:spPr>
@@ -8441,8 +8441,8 @@
         </p:nvSpPr>
         <p:spPr>
           <a:xfrm rot="0">
-            <a:off x="4342765" y="429895"/>
-            <a:ext cx="3505200" cy="554990"/>
+            <a:off x="4342765" y="378460"/>
+            <a:ext cx="3505835" cy="555625"/>
           </a:xfrm>
           <a:prstGeom prst="rect"/>
           <a:noFill/>
@@ -8473,21 +8473,7 @@
                 <a:latin typeface="나눔바른고딕" charset="0"/>
                 <a:ea typeface="나눔바른고딕" charset="0"/>
               </a:rPr>
-              <a:t> </a:t>
-            </a:r>
-            <a:r>
-              <a:rPr lang="ko-KR" sz="2500" b="1">
-                <a:latin typeface="나눔바른고딕" charset="0"/>
-                <a:ea typeface="나눔바른고딕" charset="0"/>
-              </a:rPr>
-              <a:t>번째</a:t>
-            </a:r>
-            <a:r>
-              <a:rPr lang="ko-KR" sz="2500" b="1">
-                <a:latin typeface="나눔바른고딕" charset="0"/>
-                <a:ea typeface="나눔바른고딕" charset="0"/>
-              </a:rPr>
-              <a:t> 튜토리얼</a:t>
+              <a:t> 번째 튜토리얼</a:t>
             </a:r>
             <a:r>
               <a:rPr sz="3000" b="1">
@@ -8513,8 +8499,8 @@
         </p:nvSpPr>
         <p:spPr>
           <a:xfrm rot="0">
-            <a:off x="1230630" y="5063490"/>
-            <a:ext cx="4133850" cy="954405"/>
+            <a:off x="1230630" y="5080635"/>
+            <a:ext cx="4145280" cy="954405"/>
           </a:xfrm>
           <a:prstGeom prst="rect"/>
           <a:noFill/>
@@ -8565,77 +8551,35 @@
                 <a:latin typeface="맑은 고딕" charset="0"/>
                 <a:ea typeface="맑은 고딕" charset="0"/>
               </a:rPr>
-              <a:t>2개</a:t>
-            </a:r>
-            <a:r>
-              <a:rPr lang="ko-KR" sz="1800">
-                <a:latin typeface="맑은 고딕" charset="0"/>
-                <a:ea typeface="맑은 고딕" charset="0"/>
-              </a:rPr>
-              <a:t> </a:t>
-            </a:r>
-            <a:r>
-              <a:rPr lang="ko-KR" sz="1800">
-                <a:latin typeface="맑은 고딕" charset="0"/>
-                <a:ea typeface="맑은 고딕" charset="0"/>
-              </a:rPr>
-              <a:t>생성하고</a:t>
-            </a:r>
-            <a:r>
-              <a:rPr lang="ko-KR" sz="1800">
-                <a:latin typeface="맑은 고딕" charset="0"/>
-                <a:ea typeface="맑은 고딕" charset="0"/>
-              </a:rPr>
-              <a:t> </a:t>
-            </a:r>
-            <a:r>
-              <a:rPr lang="ko-KR" sz="1800">
-                <a:latin typeface="맑은 고딕" charset="0"/>
-                <a:ea typeface="맑은 고딕" charset="0"/>
-              </a:rPr>
-              <a:t>각각의</a:t>
-            </a:r>
-            <a:r>
-              <a:rPr lang="ko-KR" sz="1800">
-                <a:latin typeface="맑은 고딕" charset="0"/>
-                <a:ea typeface="맑은 고딕" charset="0"/>
-              </a:rPr>
-              <a:t> 이름을 Email </a:t>
-            </a:r>
-            <a:r>
-              <a:rPr lang="ko-KR" sz="1800">
-                <a:latin typeface="맑은 고딕" charset="0"/>
-                <a:ea typeface="맑은 고딕" charset="0"/>
-              </a:rPr>
-              <a:t>Input과</a:t>
-            </a:r>
-            <a:r>
-              <a:rPr lang="ko-KR" sz="1800">
-                <a:latin typeface="맑은 고딕" charset="0"/>
-                <a:ea typeface="맑은 고딕" charset="0"/>
-              </a:rPr>
-              <a:t> </a:t>
-            </a:r>
-            <a:r>
-              <a:rPr lang="ko-KR" sz="1800">
-                <a:latin typeface="맑은 고딕" charset="0"/>
-                <a:ea typeface="맑은 고딕" charset="0"/>
-              </a:rPr>
-              <a:t>Password</a:t>
-            </a:r>
-            <a:r>
-              <a:rPr lang="ko-KR" sz="1800">
-                <a:latin typeface="맑은 고딕" charset="0"/>
-                <a:ea typeface="맑은 고딕" charset="0"/>
-              </a:rPr>
-              <a:t> </a:t>
-            </a:r>
-            <a:r>
-              <a:rPr lang="ko-KR" sz="1800">
-                <a:latin typeface="맑은 고딕" charset="0"/>
-                <a:ea typeface="맑은 고딕" charset="0"/>
-              </a:rPr>
-              <a:t>Input으로</a:t>
+              <a:t>생성한 </a:t>
+            </a:r>
+            <a:r>
+              <a:rPr lang="ko-KR" sz="1800">
+                <a:latin typeface="맑은 고딕" charset="0"/>
+                <a:ea typeface="맑은 고딕" charset="0"/>
+              </a:rPr>
+              <a:t>다</a:t>
+            </a:r>
+            <a:r>
+              <a:rPr lang="ko-KR" sz="1800">
+                <a:latin typeface="맑은 고딕" charset="0"/>
+                <a:ea typeface="맑은 고딕" charset="0"/>
+              </a:rPr>
+              <a:t>음</a:t>
+            </a:r>
+            <a:r>
+              <a:rPr lang="ko-KR" sz="1800">
+                <a:latin typeface="맑은 고딕" charset="0"/>
+                <a:ea typeface="맑은 고딕" charset="0"/>
+              </a:rPr>
+              <a:t> Email Input이라는 이름</a:t>
+            </a:r>
+            <a:r>
+              <a:rPr lang="ko-KR" sz="1800">
+                <a:latin typeface="맑은 고딕" charset="0"/>
+                <a:ea typeface="맑은 고딕" charset="0"/>
+              </a:rPr>
+              <a:t>으로</a:t>
             </a:r>
             <a:r>
               <a:rPr lang="ko-KR" sz="1800">
@@ -8658,19 +8602,132 @@
           </a:p>
         </p:txBody>
       </p:sp>
+      <p:sp>
+        <p:nvSpPr>
+          <p:cNvPr id="61" name="텍스트 상자 10"/>
+          <p:cNvSpPr txBox="1">
+            <a:spLocks/>
+          </p:cNvSpPr>
+          <p:nvPr/>
+        </p:nvSpPr>
+        <p:spPr>
+          <a:xfrm rot="0">
+            <a:off x="6813550" y="5083810"/>
+            <a:ext cx="4135120" cy="954405"/>
+          </a:xfrm>
+          <a:prstGeom prst="rect"/>
+          <a:noFill/>
+          <a:ln w="0">
+            <a:noFill/>
+            <a:prstDash/>
+          </a:ln>
+        </p:spPr>
+        <p:txBody>
+          <a:bodyPr wrap="square" lIns="89535" tIns="46355" rIns="89535" bIns="46355" numCol="1" vert="horz" anchor="t">
+            <a:spAutoFit/>
+          </a:bodyPr>
+          <a:lstStyle/>
+          <a:p>
+            <a:pPr marL="0" indent="0" rtl="0" algn="l" defTabSz="914400" eaLnBrk="1" latinLnBrk="0" hangingPunct="1">
+              <a:buFontTx/>
+              <a:buNone/>
+            </a:pPr>
+            <a:r>
+              <a:rPr lang="ko-KR" sz="2000" b="1">
+                <a:solidFill>
+                  <a:srgbClr val="0611F2"/>
+                </a:solidFill>
+                <a:latin typeface="맑은 고딕" charset="0"/>
+                <a:ea typeface="맑은 고딕" charset="0"/>
+              </a:rPr>
+              <a:t>21.</a:t>
+            </a:r>
+            <a:r>
+              <a:rPr lang="ko-KR" sz="2000">
+                <a:solidFill>
+                  <a:srgbClr val="0611F2"/>
+                </a:solidFill>
+                <a:latin typeface="맑은 고딕" charset="0"/>
+                <a:ea typeface="맑은 고딕" charset="0"/>
+              </a:rPr>
+              <a:t> </a:t>
+            </a:r>
+            <a:r>
+              <a:rPr lang="ko-KR" sz="1800">
+                <a:latin typeface="맑은 고딕" charset="0"/>
+                <a:ea typeface="맑은 고딕" charset="0"/>
+              </a:rPr>
+              <a:t>그다음으로 UI에서 Input Field를 </a:t>
+            </a:r>
+            <a:r>
+              <a:rPr lang="ko-KR" sz="1800">
+                <a:latin typeface="맑은 고딕" charset="0"/>
+                <a:ea typeface="맑은 고딕" charset="0"/>
+              </a:rPr>
+              <a:t>생성하고</a:t>
+            </a:r>
+            <a:r>
+              <a:rPr lang="ko-KR" sz="1800">
+                <a:latin typeface="맑은 고딕" charset="0"/>
+                <a:ea typeface="맑은 고딕" charset="0"/>
+              </a:rPr>
+              <a:t> </a:t>
+            </a:r>
+            <a:r>
+              <a:rPr lang="ko-KR" sz="1800">
+                <a:latin typeface="맑은 고딕" charset="0"/>
+                <a:ea typeface="맑은 고딕" charset="0"/>
+              </a:rPr>
+              <a:t>Password</a:t>
+            </a:r>
+            <a:r>
+              <a:rPr lang="ko-KR" sz="1800">
+                <a:latin typeface="맑은 고딕" charset="0"/>
+                <a:ea typeface="맑은 고딕" charset="0"/>
+              </a:rPr>
+              <a:t> Input이라는 </a:t>
+            </a:r>
+            <a:r>
+              <a:rPr lang="ko-KR" sz="1800">
+                <a:latin typeface="맑은 고딕" charset="0"/>
+                <a:ea typeface="맑은 고딕" charset="0"/>
+              </a:rPr>
+              <a:t>이름으로</a:t>
+            </a:r>
+            <a:r>
+              <a:rPr lang="ko-KR" sz="1800">
+                <a:latin typeface="맑은 고딕" charset="0"/>
+                <a:ea typeface="맑은 고딕" charset="0"/>
+              </a:rPr>
+              <a:t> </a:t>
+            </a:r>
+            <a:r>
+              <a:rPr lang="ko-KR" sz="1800">
+                <a:latin typeface="맑은 고딕" charset="0"/>
+                <a:ea typeface="맑은 고딕" charset="0"/>
+              </a:rPr>
+              <a:t>정의합니다.</a:t>
+            </a:r>
+            <a:endParaRPr lang="ko-KR" altLang="en-US" sz="1800">
+              <a:latin typeface="맑은 고딕" charset="0"/>
+              <a:ea typeface="맑은 고딕" charset="0"/>
+            </a:endParaRPr>
+          </a:p>
+        </p:txBody>
+      </p:sp>
       <p:pic>
         <p:nvPicPr>
-          <p:cNvPr id="57" name="Picture " descr="C:/Users/Admin1/AppData/Roaming/PolarisOffice/ETemp/18832_10739096/fImage191502705436.png"/>
+          <p:cNvPr id="64" name="그림 15" descr="C:/Users/Admin1/AppData/Roaming/PolarisOffice/ETemp/18644_16045856/fImage2478525141.png"/>
           <p:cNvPicPr>
             <a:picLocks noChangeAspect="1"/>
           </p:cNvPicPr>
           <p:nvPr/>
         </p:nvPicPr>
         <p:blipFill rotWithShape="1">
-          <a:blip r:embed="rId2" cstate="hqprint">
+          <a:blip r:embed="rId9" cstate="print">
             <a:extLst>
               <a:ext uri="{28A0092B-C50C-407E-A947-70E740481C1C}">
-                <a14:useLocalDpi xmlns:a14="http://schemas.microsoft.com/office/drawing/2010/main"/>
+                <a14:useLocalDpi xmlns:a14="http://schemas.microsoft.com/office/drawing/2010/main" val="0"/>
               </a:ext>
             </a:extLst>
           </a:blip>
@@ -8680,8 +8737,8 @@
         </p:blipFill>
         <p:spPr>
           <a:xfrm rot="0">
-            <a:off x="1238250" y="1457325"/>
-            <a:ext cx="2486660" cy="3429635"/>
+            <a:off x="1228090" y="1438275"/>
+            <a:ext cx="2778125" cy="3506470"/>
           </a:xfrm>
           <a:prstGeom prst="roundRect"/>
           <a:solidFill>
@@ -8691,17 +8748,17 @@
       </p:pic>
       <p:pic>
         <p:nvPicPr>
-          <p:cNvPr id="59" name="그림 4" descr="C:/Users/Admin1/AppData/Roaming/PolarisOffice/ETemp/18832_10739096/fImage2008322341.png"/>
+          <p:cNvPr id="65" name="그림 18" descr="C:/Users/Admin1/AppData/Roaming/PolarisOffice/ETemp/18644_16045856/fImage69612528467.png"/>
           <p:cNvPicPr>
             <a:picLocks noChangeAspect="1"/>
           </p:cNvPicPr>
           <p:nvPr/>
         </p:nvPicPr>
         <p:blipFill rotWithShape="1">
-          <a:blip r:embed="rId5" cstate="hqprint">
+          <a:blip r:embed="rId10" cstate="print">
             <a:extLst>
               <a:ext uri="{28A0092B-C50C-407E-A947-70E740481C1C}">
-                <a14:useLocalDpi xmlns:a14="http://schemas.microsoft.com/office/drawing/2010/main"/>
+                <a14:useLocalDpi xmlns:a14="http://schemas.microsoft.com/office/drawing/2010/main" val="0"/>
               </a:ext>
             </a:extLst>
           </a:blip>
@@ -8711,8 +8768,8 @@
         </p:blipFill>
         <p:spPr>
           <a:xfrm rot="0">
-            <a:off x="6808470" y="1447800"/>
-            <a:ext cx="2437130" cy="3410585"/>
+            <a:off x="4126230" y="2230755"/>
+            <a:ext cx="1240790" cy="1947545"/>
           </a:xfrm>
           <a:prstGeom prst="roundRect"/>
           <a:solidFill>
@@ -8720,111 +8777,19 @@
           </a:solidFill>
         </p:spPr>
       </p:pic>
-      <p:sp>
-        <p:nvSpPr>
-          <p:cNvPr id="61" name="텍스트 상자 10"/>
-          <p:cNvSpPr txBox="1">
-            <a:spLocks/>
-          </p:cNvSpPr>
-          <p:nvPr/>
-        </p:nvSpPr>
-        <p:spPr>
-          <a:xfrm rot="0">
-            <a:off x="6806565" y="5066665"/>
-            <a:ext cx="4133215" cy="955040"/>
-          </a:xfrm>
-          <a:prstGeom prst="rect"/>
-          <a:noFill/>
-          <a:ln w="0">
-            <a:noFill/>
-            <a:prstDash/>
-          </a:ln>
-        </p:spPr>
-        <p:txBody>
-          <a:bodyPr wrap="square" lIns="89535" tIns="46355" rIns="89535" bIns="46355" numCol="1" vert="horz" anchor="t">
-            <a:spAutoFit/>
-          </a:bodyPr>
-          <a:lstStyle/>
-          <a:p>
-            <a:pPr marL="0" indent="0" rtl="0" algn="l" defTabSz="914400" eaLnBrk="1" latinLnBrk="0" hangingPunct="1">
-              <a:buFontTx/>
-              <a:buNone/>
-            </a:pPr>
-            <a:r>
-              <a:rPr lang="ko-KR" sz="2000" b="1">
-                <a:solidFill>
-                  <a:srgbClr val="0611F2"/>
-                </a:solidFill>
-                <a:latin typeface="맑은 고딕" charset="0"/>
-                <a:ea typeface="맑은 고딕" charset="0"/>
-              </a:rPr>
-              <a:t>21.</a:t>
-            </a:r>
-            <a:r>
-              <a:rPr lang="ko-KR" sz="2000">
-                <a:solidFill>
-                  <a:srgbClr val="0611F2"/>
-                </a:solidFill>
-                <a:latin typeface="맑은 고딕" charset="0"/>
-                <a:ea typeface="맑은 고딕" charset="0"/>
-              </a:rPr>
-              <a:t> </a:t>
-            </a:r>
-            <a:r>
-              <a:rPr lang="ko-KR" sz="1800">
-                <a:latin typeface="맑은 고딕" charset="0"/>
-                <a:ea typeface="맑은 고딕" charset="0"/>
-              </a:rPr>
-              <a:t>그다음으로 UI에서 Dropdown을 </a:t>
-            </a:r>
-            <a:r>
-              <a:rPr lang="ko-KR" sz="1800">
-                <a:latin typeface="맑은 고딕" charset="0"/>
-                <a:ea typeface="맑은 고딕" charset="0"/>
-              </a:rPr>
-              <a:t>생성하고</a:t>
-            </a:r>
-            <a:r>
-              <a:rPr lang="ko-KR" sz="1800">
-                <a:latin typeface="맑은 고딕" charset="0"/>
-                <a:ea typeface="맑은 고딕" charset="0"/>
-              </a:rPr>
-              <a:t> Region DropDown이라는 </a:t>
-            </a:r>
-            <a:r>
-              <a:rPr lang="ko-KR" sz="1800">
-                <a:latin typeface="맑은 고딕" charset="0"/>
-                <a:ea typeface="맑은 고딕" charset="0"/>
-              </a:rPr>
-              <a:t>이름으로</a:t>
-            </a:r>
-            <a:r>
-              <a:rPr lang="ko-KR" sz="1800">
-                <a:latin typeface="맑은 고딕" charset="0"/>
-                <a:ea typeface="맑은 고딕" charset="0"/>
-              </a:rPr>
-              <a:t> 정의합니다.</a:t>
-            </a:r>
-            <a:endParaRPr lang="ko-KR" altLang="en-US" sz="1800">
-              <a:latin typeface="맑은 고딕" charset="0"/>
-              <a:ea typeface="맑은 고딕" charset="0"/>
-            </a:endParaRPr>
-          </a:p>
-        </p:txBody>
-      </p:sp>
       <p:pic>
         <p:nvPicPr>
-          <p:cNvPr id="62" name="그림 1" descr="C:/Users/Admin1/AppData/Roaming/PolarisOffice/ETemp/18832_10739096/fImage766223941.png"/>
+          <p:cNvPr id="66" name="그림 23" descr="C:/Users/Admin1/AppData/Roaming/PolarisOffice/ETemp/18644_16045856/fImage247852536334.png"/>
           <p:cNvPicPr>
             <a:picLocks noChangeAspect="1"/>
           </p:cNvPicPr>
           <p:nvPr/>
         </p:nvPicPr>
         <p:blipFill rotWithShape="1">
-          <a:blip r:embed="rId7" cstate="hqprint">
+          <a:blip r:embed="rId11" cstate="print">
             <a:extLst>
               <a:ext uri="{28A0092B-C50C-407E-A947-70E740481C1C}">
-                <a14:useLocalDpi xmlns:a14="http://schemas.microsoft.com/office/drawing/2010/main"/>
+                <a14:useLocalDpi xmlns:a14="http://schemas.microsoft.com/office/drawing/2010/main" val="0"/>
               </a:ext>
             </a:extLst>
           </a:blip>
@@ -8834,8 +8799,8 @@
         </p:blipFill>
         <p:spPr>
           <a:xfrm rot="0">
-            <a:off x="3943985" y="2135505"/>
-            <a:ext cx="1420495" cy="2103755"/>
+            <a:off x="6822440" y="1438275"/>
+            <a:ext cx="2731135" cy="3500755"/>
           </a:xfrm>
           <a:prstGeom prst="roundRect"/>
           <a:solidFill>
@@ -8845,17 +8810,17 @@
       </p:pic>
       <p:pic>
         <p:nvPicPr>
-          <p:cNvPr id="63" name="그림 4" descr="C:/Users/Admin1/AppData/Roaming/PolarisOffice/ETemp/18832_10739096/fImage85282408467.png"/>
+          <p:cNvPr id="67" name="그림 24" descr="C:/Users/Admin1/AppData/Roaming/PolarisOffice/ETemp/18644_16045856/fImage75182546500.png"/>
           <p:cNvPicPr>
             <a:picLocks noChangeAspect="1"/>
           </p:cNvPicPr>
           <p:nvPr/>
         </p:nvPicPr>
         <p:blipFill rotWithShape="1">
-          <a:blip r:embed="rId8" cstate="hqprint">
+          <a:blip r:embed="rId12" cstate="print">
             <a:extLst>
               <a:ext uri="{28A0092B-C50C-407E-A947-70E740481C1C}">
-                <a14:useLocalDpi xmlns:a14="http://schemas.microsoft.com/office/drawing/2010/main"/>
+                <a14:useLocalDpi xmlns:a14="http://schemas.microsoft.com/office/drawing/2010/main" val="0"/>
               </a:ext>
             </a:extLst>
           </a:blip>
@@ -8865,8 +8830,8 @@
         </p:blipFill>
         <p:spPr>
           <a:xfrm rot="0">
-            <a:off x="9460865" y="2107565"/>
-            <a:ext cx="1481455" cy="2138045"/>
+            <a:off x="9716135" y="2222500"/>
+            <a:ext cx="1241425" cy="1946910"/>
           </a:xfrm>
           <a:prstGeom prst="roundRect"/>
           <a:solidFill>
@@ -9150,7 +9115,7 @@
         <p:spPr>
           <a:xfrm rot="0">
             <a:off x="6861810" y="4368800"/>
-            <a:ext cx="4111625" cy="1784985"/>
+            <a:ext cx="4104005" cy="1784985"/>
           </a:xfrm>
           <a:prstGeom prst="rect"/>
           <a:noFill/>
@@ -9222,21 +9187,7 @@
                 <a:latin typeface="맑은 고딕" charset="0"/>
                 <a:ea typeface="맑은 고딕" charset="0"/>
               </a:rPr>
-              <a:t> </a:t>
-            </a:r>
-            <a:r>
-              <a:rPr lang="ko-KR" sz="1800">
-                <a:latin typeface="맑은 고딕" charset="0"/>
-                <a:ea typeface="맑은 고딕" charset="0"/>
-              </a:rPr>
-              <a:t>이름을</a:t>
-            </a:r>
-            <a:r>
-              <a:rPr lang="ko-KR" sz="1800">
-                <a:latin typeface="맑은 고딕" charset="0"/>
-                <a:ea typeface="맑은 고딕" charset="0"/>
-              </a:rPr>
-              <a:t> Photon </a:t>
+              <a:t> 이름을 Photon </a:t>
             </a:r>
             <a:r>
               <a:rPr lang="ko-KR" sz="1800">
@@ -9291,21 +9242,7 @@
                 <a:latin typeface="맑은 고딕" charset="0"/>
                 <a:ea typeface="맑은 고딕" charset="0"/>
               </a:rPr>
-              <a:t> </a:t>
-            </a:r>
-            <a:r>
-              <a:rPr lang="ko-KR" sz="1800">
-                <a:latin typeface="맑은 고딕" charset="0"/>
-                <a:ea typeface="맑은 고딕" charset="0"/>
-              </a:rPr>
-              <a:t>나서</a:t>
-            </a:r>
-            <a:r>
-              <a:rPr lang="ko-KR" sz="1800">
-                <a:latin typeface="맑은 고딕" charset="0"/>
-                <a:ea typeface="맑은 고딕" charset="0"/>
-              </a:rPr>
-              <a:t> PhotonSetting이라는 </a:t>
+              <a:t> 나서 PhotonSetting이라는 </a:t>
             </a:r>
             <a:r>
               <a:rPr lang="ko-KR" sz="1800">
@@ -9319,21 +9256,7 @@
                 <a:latin typeface="맑은 고딕" charset="0"/>
                 <a:ea typeface="맑은 고딕" charset="0"/>
               </a:rPr>
-              <a:t> </a:t>
-            </a:r>
-            <a:r>
-              <a:rPr lang="ko-KR" sz="1800">
-                <a:latin typeface="맑은 고딕" charset="0"/>
-                <a:ea typeface="맑은 고딕" charset="0"/>
-              </a:rPr>
-              <a:t>생성하고</a:t>
-            </a:r>
-            <a:r>
-              <a:rPr lang="ko-KR" sz="1800">
-                <a:latin typeface="맑은 고딕" charset="0"/>
-                <a:ea typeface="맑은 고딕" charset="0"/>
-              </a:rPr>
-              <a:t> 넣어줍니다.</a:t>
+              <a:t> 생성하고 넣어줍니다.</a:t>
             </a:r>
             <a:endParaRPr lang="ko-KR" altLang="en-US" sz="1800">
               <a:latin typeface="맑은 고딕" charset="0"/>
@@ -9344,7 +9267,7 @@
       </p:sp>
       <p:pic>
         <p:nvPicPr>
-          <p:cNvPr id="59" name="그림 32" descr="C:/Users/Admin1/AppData/Roaming/PolarisOffice/ETemp/18832_10739096/fImage241662822391.png"/>
+          <p:cNvPr id="59" name="그림 32" descr="C:/Users/Admin1/AppData/Roaming/PolarisOffice/ETemp/18644_16045856/fImage241662822391.png"/>
           <p:cNvPicPr>
             <a:picLocks noChangeAspect="1"/>
           </p:cNvPicPr>
@@ -9364,8 +9287,8 @@
         </p:blipFill>
         <p:spPr>
           <a:xfrm rot="0">
-            <a:off x="1238250" y="1438275"/>
-            <a:ext cx="4125595" cy="3601085"/>
+            <a:off x="1229360" y="1438275"/>
+            <a:ext cx="4126230" cy="3601720"/>
           </a:xfrm>
           <a:prstGeom prst="roundRect"/>
           <a:solidFill>
@@ -9375,7 +9298,7 @@
       </p:pic>
       <p:pic>
         <p:nvPicPr>
-          <p:cNvPr id="61" name="그림 37" descr="C:/Users/Admin1/AppData/Roaming/PolarisOffice/ETemp/18832_10739096/fImage330252883902.png"/>
+          <p:cNvPr id="61" name="그림 37"/>
           <p:cNvPicPr>
             <a:picLocks noChangeAspect="1"/>
           </p:cNvPicPr>
@@ -9406,7 +9329,7 @@
       </p:pic>
       <p:pic>
         <p:nvPicPr>
-          <p:cNvPr id="62" name="그림 38" descr="C:/Users/Admin1/AppData/Roaming/PolarisOffice/ETemp/18832_10739096/fImage2273289153.png"/>
+          <p:cNvPr id="62" name="그림 38"/>
           <p:cNvPicPr>
             <a:picLocks noChangeAspect="1"/>
           </p:cNvPicPr>
@@ -9446,8 +9369,8 @@
         </p:nvCxnSpPr>
         <p:spPr>
           <a:xfrm rot="0" flipH="1" flipV="1">
-            <a:off x="10264140" y="3093085"/>
-            <a:ext cx="5080" cy="424180"/>
+            <a:off x="10267950" y="3093720"/>
+            <a:ext cx="1905" cy="423545"/>
           </a:xfrm>
           <a:prstGeom prst="straightConnector1"/>
           <a:ln w="6350" cap="flat" cmpd="sng">
@@ -9472,7 +9395,7 @@
       </p:cxnSp>
       <p:pic>
         <p:nvPicPr>
-          <p:cNvPr id="68" name="그림 7" descr="C:/Users/Admin1/AppData/Roaming/PolarisOffice/ETemp/18832_10739096/fImage94112416334.png"/>
+          <p:cNvPr id="68" name="그림 7" descr="C:/Users/Admin1/AppData/Roaming/PolarisOffice/ETemp/18644_16045856/fImage94112416334.png"/>
           <p:cNvPicPr>
             <a:picLocks noChangeAspect="1"/>
           </p:cNvPicPr>
@@ -9492,8 +9415,8 @@
         </p:blipFill>
         <p:spPr>
           <a:xfrm rot="0">
-            <a:off x="9562465" y="1428750"/>
-            <a:ext cx="1403985" cy="1664970"/>
+            <a:off x="9562465" y="1438275"/>
+            <a:ext cx="1412240" cy="1656080"/>
           </a:xfrm>
           <a:prstGeom prst="roundRect"/>
           <a:solidFill>
@@ -9646,8 +9569,8 @@
         </p:nvSpPr>
         <p:spPr>
           <a:xfrm rot="0">
-            <a:off x="1229995" y="4341495"/>
-            <a:ext cx="4125595" cy="1784985"/>
+            <a:off x="1229995" y="5186045"/>
+            <a:ext cx="4119880" cy="954405"/>
           </a:xfrm>
           <a:prstGeom prst="rect"/>
           <a:noFill/>
@@ -9674,7 +9597,7 @@
                 <a:latin typeface="맑은 고딕" charset="0"/>
                 <a:ea typeface="맑은 고딕" charset="0"/>
               </a:rPr>
-              <a:t>24.</a:t>
+              <a:t>25.</a:t>
             </a:r>
             <a:r>
               <a:rPr lang="ko-KR" sz="2000">
@@ -9691,7 +9614,7 @@
                 <a:latin typeface="맑은 고딕" charset="0"/>
                 <a:ea typeface="맑은 고딕" charset="0"/>
               </a:rPr>
-              <a:t>이제 PhotonSetting </a:t>
+              <a:t>그런 다음 PhotonSetting </a:t>
             </a:r>
             <a:r>
               <a:rPr lang="ko-KR" sz="1800">
@@ -9712,124 +9635,69 @@
                 <a:latin typeface="맑은 고딕" charset="0"/>
                 <a:ea typeface="맑은 고딕" charset="0"/>
               </a:rPr>
-              <a:t>MonoBehaviourPunCallbacks</a:t>
-            </a:r>
-            <a:r>
-              <a:rPr lang="ko-KR" sz="1800">
-                <a:latin typeface="맑은 고딕" charset="0"/>
-                <a:ea typeface="맑은 고딕" charset="0"/>
-              </a:rPr>
-              <a:t> </a:t>
-            </a:r>
-            <a:r>
-              <a:rPr lang="ko-KR" sz="1800">
-                <a:latin typeface="맑은 고딕" charset="0"/>
-                <a:ea typeface="맑은 고딕" charset="0"/>
-              </a:rPr>
-              <a:t>클래스를</a:t>
-            </a:r>
-            <a:r>
-              <a:rPr lang="ko-KR" sz="1800">
-                <a:latin typeface="맑은 고딕" charset="0"/>
-                <a:ea typeface="맑은 고딕" charset="0"/>
-              </a:rPr>
-              <a:t> </a:t>
-            </a:r>
-            <a:r>
-              <a:rPr lang="ko-KR" sz="1800">
-                <a:latin typeface="맑은 고딕" charset="0"/>
-                <a:ea typeface="맑은 고딕" charset="0"/>
-              </a:rPr>
-              <a:t>상속받도록</a:t>
-            </a:r>
-            <a:r>
-              <a:rPr lang="ko-KR" sz="1800">
-                <a:latin typeface="맑은 고딕" charset="0"/>
-                <a:ea typeface="맑은 고딕" charset="0"/>
-              </a:rPr>
-              <a:t> 설정합니다.</a:t>
+              <a:t> InputField</a:t>
+            </a:r>
+            <a:r>
+              <a:rPr lang="ko-KR" sz="1800">
+                <a:latin typeface="맑은 고딕" charset="0"/>
+                <a:ea typeface="맑은 고딕" charset="0"/>
+              </a:rPr>
+              <a:t> </a:t>
+            </a:r>
+            <a:r>
+              <a:rPr lang="ko-KR" sz="1800">
+                <a:latin typeface="맑은 고딕" charset="0"/>
+                <a:ea typeface="맑은 고딕" charset="0"/>
+              </a:rPr>
+              <a:t>변수</a:t>
+            </a:r>
+            <a:r>
+              <a:rPr lang="ko-KR" sz="1800">
+                <a:latin typeface="맑은 고딕" charset="0"/>
+                <a:ea typeface="맑은 고딕" charset="0"/>
+              </a:rPr>
+              <a:t> 2개와 </a:t>
+            </a:r>
+            <a:r>
+              <a:rPr lang="ko-KR" sz="1800">
+                <a:latin typeface="맑은 고딕" charset="0"/>
+                <a:ea typeface="맑은 고딕" charset="0"/>
+              </a:rPr>
+              <a:t>DropDown</a:t>
+            </a:r>
+            <a:r>
+              <a:rPr lang="ko-KR" sz="1800">
+                <a:latin typeface="맑은 고딕" charset="0"/>
+                <a:ea typeface="맑은 고딕" charset="0"/>
+              </a:rPr>
+              <a:t> </a:t>
+            </a:r>
+            <a:r>
+              <a:rPr lang="ko-KR" sz="1800">
+                <a:latin typeface="맑은 고딕" charset="0"/>
+                <a:ea typeface="맑은 고딕" charset="0"/>
+              </a:rPr>
+              <a:t>변수를</a:t>
+            </a:r>
+            <a:r>
+              <a:rPr lang="ko-KR" sz="1800">
+                <a:latin typeface="맑은 고딕" charset="0"/>
+                <a:ea typeface="맑은 고딕" charset="0"/>
+              </a:rPr>
+              <a:t> </a:t>
+            </a:r>
+            <a:r>
+              <a:rPr lang="ko-KR" sz="1800">
+                <a:latin typeface="맑은 고딕" charset="0"/>
+                <a:ea typeface="맑은 고딕" charset="0"/>
+              </a:rPr>
+              <a:t>선언합니다.</a:t>
             </a:r>
             <a:endParaRPr lang="ko-KR" altLang="en-US" sz="1800">
               <a:latin typeface="맑은 고딕" charset="0"/>
               <a:ea typeface="맑은 고딕" charset="0"/>
             </a:endParaRPr>
           </a:p>
-          <a:p>
-            <a:pPr marL="0" indent="0" rtl="0" algn="l" defTabSz="914400" eaLnBrk="1" latinLnBrk="0" hangingPunct="1">
-              <a:buFontTx/>
-              <a:buNone/>
-            </a:pPr>
-            <a:endParaRPr lang="ko-KR" altLang="en-US" sz="1800">
-              <a:latin typeface="맑은 고딕" charset="0"/>
-              <a:ea typeface="맑은 고딕" charset="0"/>
-            </a:endParaRPr>
-          </a:p>
-          <a:p>
-            <a:pPr marL="0" indent="0" rtl="0" algn="l" defTabSz="914400" eaLnBrk="1" latinLnBrk="0" hangingPunct="1">
-              <a:buFontTx/>
-              <a:buNone/>
-            </a:pPr>
-            <a:r>
-              <a:rPr lang="ko-KR" sz="1800">
-                <a:latin typeface="맑은 고딕" charset="0"/>
-                <a:ea typeface="맑은 고딕" charset="0"/>
-              </a:rPr>
-              <a:t>그다음</a:t>
-            </a:r>
-            <a:r>
-              <a:rPr lang="ko-KR" sz="1800">
-                <a:latin typeface="맑은 고딕" charset="0"/>
-                <a:ea typeface="맑은 고딕" charset="0"/>
-              </a:rPr>
-              <a:t> InputField 변수 2개를 </a:t>
-            </a:r>
-            <a:r>
-              <a:rPr lang="ko-KR" sz="1800">
-                <a:latin typeface="맑은 고딕" charset="0"/>
-                <a:ea typeface="맑은 고딕" charset="0"/>
-              </a:rPr>
-              <a:t>선언한 </a:t>
-            </a:r>
-            <a:r>
-              <a:rPr lang="ko-KR" sz="1800">
-                <a:latin typeface="맑은 고딕" charset="0"/>
-                <a:ea typeface="맑은 고딕" charset="0"/>
-              </a:rPr>
-              <a:t>다음</a:t>
-            </a:r>
-            <a:r>
-              <a:rPr lang="ko-KR" sz="1800">
-                <a:latin typeface="맑은 고딕" charset="0"/>
-                <a:ea typeface="맑은 고딕" charset="0"/>
-              </a:rPr>
-              <a:t> </a:t>
-            </a:r>
-            <a:r>
-              <a:rPr lang="ko-KR" sz="1800">
-                <a:latin typeface="맑은 고딕" charset="0"/>
-                <a:ea typeface="맑은 고딕" charset="0"/>
-              </a:rPr>
-              <a:t>DropDown</a:t>
-            </a:r>
-            <a:r>
-              <a:rPr lang="ko-KR" sz="1800">
-                <a:latin typeface="맑은 고딕" charset="0"/>
-                <a:ea typeface="맑은 고딕" charset="0"/>
-              </a:rPr>
-              <a:t> 변수를 </a:t>
-            </a:r>
-            <a:r>
-              <a:rPr lang="ko-KR" sz="1800">
-                <a:latin typeface="맑은 고딕" charset="0"/>
-                <a:ea typeface="맑은 고딕" charset="0"/>
-              </a:rPr>
-              <a:t>선언합니다.</a:t>
-            </a:r>
-            <a:endParaRPr lang="ko-KR" altLang="en-US" sz="1800">
-              <a:latin typeface="맑은 고딕" charset="0"/>
-              <a:ea typeface="맑은 고딕" charset="0"/>
-            </a:endParaRPr>
-          </a:p>
         </p:txBody>
       </p:sp>
       <p:sp>
@@ -9842,8 +9710,8 @@
         </p:nvSpPr>
         <p:spPr>
           <a:xfrm rot="0">
-            <a:off x="6555105" y="4058920"/>
-            <a:ext cx="4400550" cy="2062480"/>
+            <a:off x="6813550" y="4076065"/>
+            <a:ext cx="4143375" cy="2061845"/>
           </a:xfrm>
           <a:prstGeom prst="rect"/>
           <a:noFill/>
@@ -9870,7 +9738,7 @@
                 <a:latin typeface="맑은 고딕" charset="0"/>
                 <a:ea typeface="맑은 고딕" charset="0"/>
               </a:rPr>
-              <a:t>25.</a:t>
+              <a:t>26.</a:t>
             </a:r>
             <a:r>
               <a:rPr lang="ko-KR" sz="2000" b="1">
@@ -9887,21 +9755,56 @@
                 <a:latin typeface="맑은 고딕" charset="0"/>
                 <a:ea typeface="맑은 고딕" charset="0"/>
               </a:rPr>
-              <a:t>그런 다음 LoginSuccess( ) 함수를 </a:t>
-            </a:r>
-            <a:r>
-              <a:rPr lang="ko-KR" sz="1800">
-                <a:latin typeface="맑은 고딕" charset="0"/>
-                <a:ea typeface="맑은 고딕" charset="0"/>
-              </a:rPr>
-              <a:t>선언하고</a:t>
-            </a:r>
-            <a:r>
-              <a:rPr lang="ko-KR" sz="1800">
-                <a:latin typeface="맑은 고딕" charset="0"/>
-                <a:ea typeface="맑은 고딕" charset="0"/>
-              </a:rPr>
-              <a:t> 게임 버전과 지역을 설정합니다.</a:t>
+              <a:t>그리고 LoginSuccess( ) 함수를 </a:t>
+            </a:r>
+            <a:r>
+              <a:rPr lang="ko-KR" sz="1800">
+                <a:latin typeface="맑은 고딕" charset="0"/>
+                <a:ea typeface="맑은 고딕" charset="0"/>
+              </a:rPr>
+              <a:t>선언한</a:t>
+            </a:r>
+            <a:r>
+              <a:rPr lang="ko-KR" sz="1800">
+                <a:latin typeface="맑은 고딕" charset="0"/>
+                <a:ea typeface="맑은 고딕" charset="0"/>
+              </a:rPr>
+              <a:t> </a:t>
+            </a:r>
+            <a:r>
+              <a:rPr lang="ko-KR" sz="1800">
+                <a:latin typeface="맑은 고딕" charset="0"/>
+                <a:ea typeface="맑은 고딕" charset="0"/>
+              </a:rPr>
+              <a:t>다음</a:t>
+            </a:r>
+            <a:r>
+              <a:rPr lang="ko-KR" sz="1800">
+                <a:latin typeface="맑은 고딕" charset="0"/>
+                <a:ea typeface="맑은 고딕" charset="0"/>
+              </a:rPr>
+              <a:t> </a:t>
+            </a:r>
+            <a:r>
+              <a:rPr lang="ko-KR" sz="1800">
+                <a:latin typeface="맑은 고딕" charset="0"/>
+                <a:ea typeface="맑은 고딕" charset="0"/>
+              </a:rPr>
+              <a:t>AutomaticallySyncScene </a:t>
+            </a:r>
+            <a:r>
+              <a:rPr lang="ko-KR" sz="1800">
+                <a:latin typeface="맑은 고딕" charset="0"/>
+                <a:ea typeface="맑은 고딕" charset="0"/>
+              </a:rPr>
+              <a:t> </a:t>
+            </a:r>
+            <a:r>
+              <a:rPr lang="ko-KR" sz="1800">
+                <a:latin typeface="맑은 고딕" charset="0"/>
+                <a:ea typeface="맑은 고딕" charset="0"/>
+              </a:rPr>
+              <a:t>비활성화합니다.</a:t>
             </a:r>
             <a:endParaRPr lang="ko-KR" altLang="en-US" sz="1800">
               <a:latin typeface="맑은 고딕" charset="0"/>
@@ -9928,28 +9831,42 @@
                 <a:latin typeface="맑은 고딕" charset="0"/>
                 <a:ea typeface="맑은 고딕" charset="0"/>
               </a:rPr>
-              <a:t>그리고</a:t>
-            </a:r>
-            <a:r>
-              <a:rPr lang="ko-KR" sz="1800">
-                <a:latin typeface="맑은 고딕" charset="0"/>
-                <a:ea typeface="맑은 고딕" charset="0"/>
-              </a:rPr>
-              <a:t> AutomaticallySyncScene을 </a:t>
-            </a:r>
-            <a:r>
-              <a:rPr lang="ko-KR" sz="1800">
-                <a:latin typeface="맑은 고딕" charset="0"/>
-                <a:ea typeface="맑은 고딕" charset="0"/>
-              </a:rPr>
-              <a:t>비활성화한</a:t>
-            </a:r>
-            <a:r>
-              <a:rPr lang="ko-KR" sz="1800">
-                <a:latin typeface="맑은 고딕" charset="0"/>
-                <a:ea typeface="맑은 고딕" charset="0"/>
-              </a:rPr>
-              <a:t> 다음 로그인 인증 절차가 </a:t>
+              <a:t>그러고</a:t>
+            </a:r>
+            <a:r>
+              <a:rPr lang="ko-KR" sz="1800">
+                <a:latin typeface="맑은 고딕" charset="0"/>
+                <a:ea typeface="맑은 고딕" charset="0"/>
+              </a:rPr>
+              <a:t> </a:t>
+            </a:r>
+            <a:r>
+              <a:rPr lang="ko-KR" sz="1800">
+                <a:latin typeface="맑은 고딕" charset="0"/>
+                <a:ea typeface="맑은 고딕" charset="0"/>
+              </a:rPr>
+              <a:t>나서</a:t>
+            </a:r>
+            <a:r>
+              <a:rPr lang="ko-KR" sz="1800">
+                <a:latin typeface="맑은 고딕" charset="0"/>
+                <a:ea typeface="맑은 고딕" charset="0"/>
+              </a:rPr>
+              <a:t> 로그인 인증 </a:t>
+            </a:r>
+            <a:r>
+              <a:rPr lang="ko-KR" sz="1800">
+                <a:latin typeface="맑은 고딕" charset="0"/>
+                <a:ea typeface="맑은 고딕" charset="0"/>
+              </a:rPr>
+              <a:t>절차가</a:t>
+            </a:r>
+            <a:r>
+              <a:rPr lang="ko-KR" sz="1800">
+                <a:latin typeface="맑은 고딕" charset="0"/>
+                <a:ea typeface="맑은 고딕" charset="0"/>
+              </a:rPr>
+              <a:t> </a:t>
             </a:r>
             <a:r>
               <a:rPr lang="ko-KR" sz="1800">
@@ -9963,7 +9880,49 @@
                 <a:latin typeface="맑은 고딕" charset="0"/>
                 <a:ea typeface="맑은 고딕" charset="0"/>
               </a:rPr>
-              <a:t> 때 Photon Lobby씬으로 </a:t>
+              <a:t> </a:t>
+            </a:r>
+            <a:r>
+              <a:rPr lang="ko-KR" sz="1800">
+                <a:latin typeface="맑은 고딕" charset="0"/>
+                <a:ea typeface="맑은 고딕" charset="0"/>
+              </a:rPr>
+              <a:t>때</a:t>
+            </a:r>
+            <a:r>
+              <a:rPr lang="ko-KR" sz="1800">
+                <a:latin typeface="맑은 고딕" charset="0"/>
+                <a:ea typeface="맑은 고딕" charset="0"/>
+              </a:rPr>
+              <a:t> </a:t>
+            </a:r>
+            <a:r>
+              <a:rPr lang="ko-KR" sz="1800">
+                <a:latin typeface="맑은 고딕" charset="0"/>
+                <a:ea typeface="맑은 고딕" charset="0"/>
+              </a:rPr>
+              <a:t>Photon</a:t>
+            </a:r>
+            <a:r>
+              <a:rPr lang="ko-KR" sz="1800">
+                <a:latin typeface="맑은 고딕" charset="0"/>
+                <a:ea typeface="맑은 고딕" charset="0"/>
+              </a:rPr>
+              <a:t> </a:t>
+            </a:r>
+            <a:r>
+              <a:rPr lang="ko-KR" sz="1800">
+                <a:latin typeface="맑은 고딕" charset="0"/>
+                <a:ea typeface="맑은 고딕" charset="0"/>
+              </a:rPr>
+              <a:t>Lobby씬으로</a:t>
+            </a:r>
+            <a:r>
+              <a:rPr lang="ko-KR" sz="1800">
+                <a:latin typeface="맑은 고딕" charset="0"/>
+                <a:ea typeface="맑은 고딕" charset="0"/>
+              </a:rPr>
+              <a:t> </a:t>
             </a:r>
             <a:r>
               <a:rPr lang="ko-KR" sz="1800">
@@ -9977,7 +9936,14 @@
                 <a:latin typeface="맑은 고딕" charset="0"/>
                 <a:ea typeface="맑은 고딕" charset="0"/>
               </a:rPr>
-              <a:t> 설정합니다.</a:t>
+              <a:t> </a:t>
+            </a:r>
+            <a:r>
+              <a:rPr lang="ko-KR" sz="1800">
+                <a:latin typeface="맑은 고딕" charset="0"/>
+                <a:ea typeface="맑은 고딕" charset="0"/>
+              </a:rPr>
+              <a:t>설정합니다.</a:t>
             </a:r>
             <a:endParaRPr lang="ko-KR" altLang="en-US" sz="1800">
               <a:latin typeface="맑은 고딕" charset="0"/>
@@ -9988,17 +9954,17 @@
       </p:sp>
       <p:pic>
         <p:nvPicPr>
-          <p:cNvPr id="59" name="그림 10"/>
+          <p:cNvPr id="62" name="그림 7" descr="C:/Users/Admin1/AppData/Roaming/PolarisOffice/ETemp/18644_16045856/fImage117912479169.png"/>
           <p:cNvPicPr>
             <a:picLocks noChangeAspect="1"/>
           </p:cNvPicPr>
           <p:nvPr/>
         </p:nvPicPr>
         <p:blipFill rotWithShape="1">
-          <a:blip r:embed="rId7" cstate="hqprint">
+          <a:blip r:embed="rId10" cstate="print">
             <a:extLst>
               <a:ext uri="{28A0092B-C50C-407E-A947-70E740481C1C}">
-                <a14:useLocalDpi xmlns:a14="http://schemas.microsoft.com/office/drawing/2010/main"/>
+                <a14:useLocalDpi xmlns:a14="http://schemas.microsoft.com/office/drawing/2010/main" val="0"/>
               </a:ext>
             </a:extLst>
           </a:blip>
@@ -10008,8 +9974,8 @@
         </p:blipFill>
         <p:spPr>
           <a:xfrm rot="0">
-            <a:off x="1222375" y="1447165"/>
-            <a:ext cx="4133215" cy="2735580"/>
+            <a:off x="1231900" y="1438275"/>
+            <a:ext cx="4117975" cy="1473835"/>
           </a:xfrm>
           <a:prstGeom prst="roundRect"/>
           <a:solidFill>
@@ -10017,19 +9983,104 @@
           </a:solidFill>
         </p:spPr>
       </p:pic>
+      <p:sp>
+        <p:nvSpPr>
+          <p:cNvPr id="63" name="텍스트 상자 10"/>
+          <p:cNvSpPr txBox="1">
+            <a:spLocks/>
+          </p:cNvSpPr>
+          <p:nvPr/>
+        </p:nvSpPr>
+        <p:spPr>
+          <a:xfrm rot="0">
+            <a:off x="1232535" y="3009900"/>
+            <a:ext cx="4126230" cy="677545"/>
+          </a:xfrm>
+          <a:prstGeom prst="rect"/>
+          <a:noFill/>
+          <a:ln w="0">
+            <a:noFill/>
+            <a:prstDash/>
+          </a:ln>
+        </p:spPr>
+        <p:txBody>
+          <a:bodyPr wrap="square" lIns="89535" tIns="46355" rIns="89535" bIns="46355" numCol="1" vert="horz" anchor="t">
+            <a:spAutoFit/>
+          </a:bodyPr>
+          <a:lstStyle/>
+          <a:p>
+            <a:pPr marL="0" indent="0" rtl="0" algn="l" defTabSz="914400" eaLnBrk="1" latinLnBrk="0" hangingPunct="1">
+              <a:buFontTx/>
+              <a:buNone/>
+            </a:pPr>
+            <a:r>
+              <a:rPr lang="ko-KR" sz="2000" b="1">
+                <a:solidFill>
+                  <a:srgbClr val="0611F2"/>
+                </a:solidFill>
+                <a:latin typeface="맑은 고딕" charset="0"/>
+                <a:ea typeface="맑은 고딕" charset="0"/>
+              </a:rPr>
+              <a:t>24.</a:t>
+            </a:r>
+            <a:r>
+              <a:rPr lang="ko-KR" sz="2000">
+                <a:solidFill>
+                  <a:srgbClr val="0611F2"/>
+                </a:solidFill>
+                <a:latin typeface="맑은 고딕" charset="0"/>
+                <a:ea typeface="맑은 고딕" charset="0"/>
+              </a:rPr>
+              <a:t> </a:t>
+            </a:r>
+            <a:r>
+              <a:rPr lang="ko-KR" sz="1800">
+                <a:latin typeface="맑은 고딕" charset="0"/>
+                <a:ea typeface="맑은 고딕" charset="0"/>
+              </a:rPr>
+              <a:t>이제 PhotonSetting 오브젝트의 </a:t>
+            </a:r>
+            <a:r>
+              <a:rPr lang="ko-KR" sz="1800">
+                <a:latin typeface="맑은 고딕" charset="0"/>
+                <a:ea typeface="맑은 고딕" charset="0"/>
+              </a:rPr>
+              <a:t>위치와</a:t>
+            </a:r>
+            <a:r>
+              <a:rPr lang="ko-KR" sz="1800">
+                <a:latin typeface="맑은 고딕" charset="0"/>
+                <a:ea typeface="맑은 고딕" charset="0"/>
+              </a:rPr>
+              <a:t> </a:t>
+            </a:r>
+            <a:r>
+              <a:rPr lang="ko-KR" sz="1800">
+                <a:latin typeface="맑은 고딕" charset="0"/>
+                <a:ea typeface="맑은 고딕" charset="0"/>
+              </a:rPr>
+              <a:t>회전 값을 초기화합니다.</a:t>
+            </a:r>
+            <a:endParaRPr lang="ko-KR" altLang="en-US" sz="1800">
+              <a:latin typeface="맑은 고딕" charset="0"/>
+              <a:ea typeface="맑은 고딕" charset="0"/>
+            </a:endParaRPr>
+          </a:p>
+        </p:txBody>
+      </p:sp>
       <p:pic>
         <p:nvPicPr>
-          <p:cNvPr id="60" name="그림 56" descr="C:/Users/Admin1/AppData/Roaming/PolarisOffice/ETemp/17000_24235064/fImage540793315724.png"/>
+          <p:cNvPr id="64" name="그림 11" descr="C:/Users/Admin1/AppData/Roaming/PolarisOffice/ETemp/18644_16045856/fImage248182495724.png"/>
           <p:cNvPicPr>
             <a:picLocks noChangeAspect="1"/>
           </p:cNvPicPr>
           <p:nvPr/>
         </p:nvPicPr>
         <p:blipFill rotWithShape="1">
-          <a:blip r:embed="rId9" cstate="hqprint">
+          <a:blip r:embed="rId11" cstate="print">
             <a:extLst>
               <a:ext uri="{28A0092B-C50C-407E-A947-70E740481C1C}">
-                <a14:useLocalDpi xmlns:a14="http://schemas.microsoft.com/office/drawing/2010/main"/>
+                <a14:useLocalDpi xmlns:a14="http://schemas.microsoft.com/office/drawing/2010/main" val="0"/>
               </a:ext>
             </a:extLst>
           </a:blip>
@@ -10039,8 +10090,39 @@
         </p:blipFill>
         <p:spPr>
           <a:xfrm rot="0">
-            <a:off x="6557645" y="1457325"/>
-            <a:ext cx="4407535" cy="2470785"/>
+            <a:off x="1223645" y="3832860"/>
+            <a:ext cx="4117975" cy="1257935"/>
+          </a:xfrm>
+          <a:prstGeom prst="roundRect"/>
+          <a:solidFill>
+            <a:srgbClr val="EDEDED"/>
+          </a:solidFill>
+        </p:spPr>
+      </p:pic>
+      <p:pic>
+        <p:nvPicPr>
+          <p:cNvPr id="65" name="그림 27" descr="C:/Users/Admin1/AppData/Roaming/PolarisOffice/ETemp/18644_16045856/fImage478772551478.png"/>
+          <p:cNvPicPr>
+            <a:picLocks noChangeAspect="1"/>
+          </p:cNvPicPr>
+          <p:nvPr/>
+        </p:nvPicPr>
+        <p:blipFill rotWithShape="1">
+          <a:blip r:embed="rId12" cstate="print">
+            <a:extLst>
+              <a:ext uri="{28A0092B-C50C-407E-A947-70E740481C1C}">
+                <a14:useLocalDpi xmlns:a14="http://schemas.microsoft.com/office/drawing/2010/main" val="0"/>
+              </a:ext>
+            </a:extLst>
+          </a:blip>
+          <a:stretch>
+            <a:fillRect/>
+          </a:stretch>
+        </p:blipFill>
+        <p:spPr>
+          <a:xfrm rot="0">
+            <a:off x="6822440" y="1438275"/>
+            <a:ext cx="4126230" cy="2472690"/>
           </a:xfrm>
           <a:prstGeom prst="roundRect"/>
           <a:solidFill>
@@ -10185,7 +10267,7 @@
       </p:sp>
       <p:sp>
         <p:nvSpPr>
-          <p:cNvPr id="59" name="텍스트 상자 64"/>
+          <p:cNvPr id="67" name="텍스트 상자 19"/>
           <p:cNvSpPr txBox="1">
             <a:spLocks/>
           </p:cNvSpPr>
@@ -10193,8 +10275,8 @@
         </p:nvSpPr>
         <p:spPr>
           <a:xfrm rot="0">
-            <a:off x="1229995" y="5140960"/>
-            <a:ext cx="4145915" cy="954405"/>
+            <a:off x="6821805" y="4105275"/>
+            <a:ext cx="4126865" cy="2061845"/>
           </a:xfrm>
           <a:prstGeom prst="rect"/>
           <a:noFill/>
@@ -10221,7 +10303,27 @@
                 <a:latin typeface="맑은 고딕" charset="0"/>
                 <a:ea typeface="맑은 고딕" charset="0"/>
               </a:rPr>
-              <a:t>26.</a:t>
+              <a:t>2</a:t>
+            </a:r>
+            <a:r>
+              <a:rPr lang="ko-KR" sz="2000" b="1">
+                <a:solidFill>
+                  <a:srgbClr val="0611F2"/>
+                </a:solidFill>
+                <a:latin typeface="맑은 고딕" charset="0"/>
+                <a:ea typeface="맑은 고딕" charset="0"/>
+              </a:rPr>
+              <a:t>8</a:t>
+            </a:r>
+            <a:r>
+              <a:rPr lang="ko-KR" sz="2000" b="1">
+                <a:solidFill>
+                  <a:srgbClr val="0611F2"/>
+                </a:solidFill>
+                <a:latin typeface="맑은 고딕" charset="0"/>
+                <a:ea typeface="맑은 고딕" charset="0"/>
+              </a:rPr>
+              <a:t>.</a:t>
             </a:r>
             <a:r>
               <a:rPr lang="ko-KR" sz="2000">
@@ -10238,95 +10340,446 @@
                 <a:latin typeface="맑은 고딕" charset="0"/>
                 <a:ea typeface="맑은 고딕" charset="0"/>
               </a:rPr>
-              <a:t>그러고 나서 C# Script를 </a:t>
-            </a:r>
-            <a:r>
-              <a:rPr lang="ko-KR" sz="1800">
-                <a:latin typeface="맑은 고딕" charset="0"/>
-                <a:ea typeface="맑은 고딕" charset="0"/>
-              </a:rPr>
-              <a:t>생성하고 </a:t>
-            </a:r>
-            <a:r>
-              <a:rPr lang="ko-KR" sz="1800">
-                <a:latin typeface="맑은 고딕" charset="0"/>
-                <a:ea typeface="맑은 고딕" charset="0"/>
-              </a:rPr>
-              <a:t>N</a:t>
-            </a:r>
-            <a:r>
-              <a:rPr lang="ko-KR" sz="1800">
-                <a:latin typeface="맑은 고딕" charset="0"/>
-                <a:ea typeface="맑은 고딕" charset="0"/>
-              </a:rPr>
-              <a:t>oti</a:t>
-            </a:r>
-            <a:r>
-              <a:rPr lang="ko-KR" sz="1800">
-                <a:latin typeface="맑은 고딕" charset="0"/>
-                <a:ea typeface="맑은 고딕" charset="0"/>
-              </a:rPr>
-              <a:t>f</a:t>
-            </a:r>
-            <a:r>
-              <a:rPr lang="ko-KR" sz="1800">
-                <a:latin typeface="맑은 고딕" charset="0"/>
-                <a:ea typeface="맑은 고딕" charset="0"/>
-              </a:rPr>
-              <a:t>icationManager라</a:t>
-            </a:r>
-            <a:r>
-              <a:rPr lang="ko-KR" sz="1800">
-                <a:latin typeface="맑은 고딕" charset="0"/>
-                <a:ea typeface="맑은 고딕" charset="0"/>
-              </a:rPr>
-              <a:t>는</a:t>
-            </a:r>
-            <a:r>
-              <a:rPr lang="ko-KR" sz="1800">
-                <a:latin typeface="맑은 고딕" charset="0"/>
-                <a:ea typeface="맑은 고딕" charset="0"/>
-              </a:rPr>
-              <a:t> </a:t>
-            </a:r>
-            <a:r>
-              <a:rPr lang="ko-KR" sz="1800">
-                <a:latin typeface="맑은 고딕" charset="0"/>
-                <a:ea typeface="맑은 고딕" charset="0"/>
-              </a:rPr>
-              <a:t>이름으로 </a:t>
-            </a:r>
-            <a:r>
-              <a:rPr lang="ko-KR" sz="1800">
-                <a:latin typeface="맑은 고딕" charset="0"/>
-                <a:ea typeface="맑은 고딕" charset="0"/>
-              </a:rPr>
-              <a:t>정의합니</a:t>
-            </a:r>
-            <a:r>
-              <a:rPr lang="ko-KR" sz="1800">
-                <a:latin typeface="맑은 고딕" charset="0"/>
-                <a:ea typeface="맑은 고딕" charset="0"/>
-              </a:rPr>
-              <a:t>다.</a:t>
+              <a:t>그러고 나서 </a:t>
+            </a:r>
+            <a:r>
+              <a:rPr lang="ko-KR" sz="1800">
+                <a:latin typeface="맑은 고딕" charset="0"/>
+                <a:ea typeface="맑은 고딕" charset="0"/>
+              </a:rPr>
+              <a:t>SignUpSuccess( )</a:t>
+            </a:r>
+            <a:r>
+              <a:rPr lang="ko-KR" sz="1800">
+                <a:latin typeface="맑은 고딕" charset="0"/>
+                <a:ea typeface="맑은 고딕" charset="0"/>
+              </a:rPr>
+              <a:t> </a:t>
+            </a:r>
+            <a:r>
+              <a:rPr lang="ko-KR" sz="1800">
+                <a:latin typeface="맑은 고딕" charset="0"/>
+                <a:ea typeface="맑은 고딕" charset="0"/>
+              </a:rPr>
+              <a:t>함수를</a:t>
+            </a:r>
+            <a:r>
+              <a:rPr lang="ko-KR" sz="1800">
+                <a:latin typeface="맑은 고딕" charset="0"/>
+                <a:ea typeface="맑은 고딕" charset="0"/>
+              </a:rPr>
+              <a:t> </a:t>
+            </a:r>
+            <a:r>
+              <a:rPr lang="ko-KR" sz="1800">
+                <a:latin typeface="맑은 고딕" charset="0"/>
+                <a:ea typeface="맑은 고딕" charset="0"/>
+              </a:rPr>
+              <a:t>선언한 </a:t>
+            </a:r>
+            <a:r>
+              <a:rPr lang="ko-KR" sz="1800">
+                <a:latin typeface="맑은 고딕" charset="0"/>
+                <a:ea typeface="맑은 고딕" charset="0"/>
+              </a:rPr>
+              <a:t>다</a:t>
+            </a:r>
+            <a:r>
+              <a:rPr lang="ko-KR" sz="1800">
+                <a:latin typeface="맑은 고딕" charset="0"/>
+                <a:ea typeface="맑은 고딕" charset="0"/>
+              </a:rPr>
+              <a:t>음 </a:t>
+            </a:r>
+            <a:r>
+              <a:rPr lang="ko-KR" sz="1800">
+                <a:latin typeface="맑은 고딕" charset="0"/>
+                <a:ea typeface="맑은 고딕" charset="0"/>
+              </a:rPr>
+              <a:t>NotficationManager.NotificationWindow(</a:t>
+            </a:r>
+            <a:r>
+              <a:rPr lang="ko-KR" sz="1800">
+                <a:latin typeface="맑은 고딕" charset="0"/>
+                <a:ea typeface="맑은 고딕" charset="0"/>
+              </a:rPr>
+              <a:t> )를 호출합니다.</a:t>
             </a:r>
             <a:endParaRPr lang="ko-KR" altLang="en-US" sz="1800">
               <a:latin typeface="맑은 고딕" charset="0"/>
               <a:ea typeface="맑은 고딕" charset="0"/>
             </a:endParaRPr>
           </a:p>
+          <a:p>
+            <a:pPr marL="0" indent="0" rtl="0" algn="l" defTabSz="914400" eaLnBrk="1" latinLnBrk="0" hangingPunct="1">
+              <a:buFontTx/>
+              <a:buNone/>
+            </a:pPr>
+            <a:endParaRPr lang="ko-KR" altLang="en-US" sz="1800">
+              <a:latin typeface="맑은 고딕" charset="0"/>
+              <a:ea typeface="맑은 고딕" charset="0"/>
+            </a:endParaRPr>
+          </a:p>
+          <a:p>
+            <a:pPr marL="0" indent="0" rtl="0" algn="l" defTabSz="914400" eaLnBrk="1" latinLnBrk="0" hangingPunct="1">
+              <a:buFontTx/>
+              <a:buNone/>
+            </a:pPr>
+            <a:r>
+              <a:rPr lang="ko-KR" sz="1800">
+                <a:latin typeface="맑은 고딕" charset="0"/>
+                <a:ea typeface="맑은 고딕" charset="0"/>
+              </a:rPr>
+              <a:t>그런</a:t>
+            </a:r>
+            <a:r>
+              <a:rPr lang="ko-KR" sz="1800">
+                <a:latin typeface="맑은 고딕" charset="0"/>
+                <a:ea typeface="맑은 고딕" charset="0"/>
+              </a:rPr>
+              <a:t> </a:t>
+            </a:r>
+            <a:r>
+              <a:rPr lang="ko-KR" sz="1800">
+                <a:latin typeface="맑은 고딕" charset="0"/>
+                <a:ea typeface="맑은 고딕" charset="0"/>
+              </a:rPr>
+              <a:t>다음 </a:t>
+            </a:r>
+            <a:r>
+              <a:rPr lang="ko-KR" sz="1800">
+                <a:latin typeface="맑은 고딕" charset="0"/>
+                <a:ea typeface="맑은 고딕" charset="0"/>
+              </a:rPr>
+              <a:t>NotificationWindow( ) </a:t>
+            </a:r>
+            <a:r>
+              <a:rPr lang="ko-KR" sz="1800">
+                <a:latin typeface="맑은 고딕" charset="0"/>
+                <a:ea typeface="맑은 고딕" charset="0"/>
+              </a:rPr>
+              <a:t>함수의</a:t>
+            </a:r>
+            <a:r>
+              <a:rPr lang="ko-KR" sz="1800">
+                <a:latin typeface="맑은 고딕" charset="0"/>
+                <a:ea typeface="맑은 고딕" charset="0"/>
+              </a:rPr>
+              <a:t> </a:t>
+            </a:r>
+            <a:r>
+              <a:rPr lang="ko-KR" sz="1800">
+                <a:latin typeface="맑은 고딕" charset="0"/>
+                <a:ea typeface="맑은 고딕" charset="0"/>
+              </a:rPr>
+              <a:t>인수로</a:t>
+            </a:r>
+            <a:r>
+              <a:rPr lang="ko-KR" sz="1800">
+                <a:latin typeface="맑은 고딕" charset="0"/>
+                <a:ea typeface="맑은 고딕" charset="0"/>
+              </a:rPr>
+              <a:t> </a:t>
+            </a:r>
+            <a:r>
+              <a:rPr lang="ko-KR" sz="1800">
+                <a:latin typeface="맑은 고딕" charset="0"/>
+                <a:ea typeface="맑은 고딕" charset="0"/>
+              </a:rPr>
+              <a:t>string 값을</a:t>
+            </a:r>
+            <a:r>
+              <a:rPr lang="ko-KR" sz="1800">
+                <a:latin typeface="맑은 고딕" charset="0"/>
+                <a:ea typeface="맑은 고딕" charset="0"/>
+              </a:rPr>
+              <a:t> </a:t>
+            </a:r>
+            <a:r>
+              <a:rPr lang="ko-KR" sz="1800">
+                <a:latin typeface="맑은 고딕" charset="0"/>
+                <a:ea typeface="맑은 고딕" charset="0"/>
+              </a:rPr>
+              <a:t>넣어줍니다</a:t>
+            </a:r>
+            <a:r>
+              <a:rPr lang="ko-KR" sz="1800">
+                <a:latin typeface="맑은 고딕" charset="0"/>
+                <a:ea typeface="맑은 고딕" charset="0"/>
+              </a:rPr>
+              <a:t> </a:t>
+            </a:r>
+            <a:endParaRPr lang="ko-KR" altLang="en-US" sz="1800">
+              <a:latin typeface="맑은 고딕" charset="0"/>
+              <a:ea typeface="맑은 고딕" charset="0"/>
+            </a:endParaRPr>
+          </a:p>
+        </p:txBody>
+      </p:sp>
+      <p:sp>
+        <p:nvSpPr>
+          <p:cNvPr id="69" name="텍스트 상자 30"/>
+          <p:cNvSpPr txBox="1">
+            <a:spLocks/>
+          </p:cNvSpPr>
+          <p:nvPr/>
+        </p:nvSpPr>
+        <p:spPr>
+          <a:xfrm rot="0">
+            <a:off x="1235710" y="4108450"/>
+            <a:ext cx="4140835" cy="2061845"/>
+          </a:xfrm>
+          <a:prstGeom prst="rect"/>
+          <a:noFill/>
+          <a:ln w="0">
+            <a:noFill/>
+            <a:prstDash/>
+          </a:ln>
+        </p:spPr>
+        <p:txBody>
+          <a:bodyPr wrap="square" lIns="89535" tIns="46355" rIns="89535" bIns="46355" numCol="1" vert="horz" anchor="t">
+            <a:spAutoFit/>
+          </a:bodyPr>
+          <a:lstStyle/>
+          <a:p>
+            <a:pPr marL="0" indent="0" rtl="0" algn="l" defTabSz="914400" eaLnBrk="1" latinLnBrk="0" hangingPunct="1">
+              <a:buFontTx/>
+              <a:buNone/>
+            </a:pPr>
+            <a:r>
+              <a:rPr lang="ko-KR" sz="2000" b="1">
+                <a:solidFill>
+                  <a:srgbClr val="0611F2"/>
+                </a:solidFill>
+                <a:latin typeface="맑은 고딕" charset="0"/>
+                <a:ea typeface="맑은 고딕" charset="0"/>
+              </a:rPr>
+              <a:t>2</a:t>
+            </a:r>
+            <a:r>
+              <a:rPr lang="ko-KR" sz="2000" b="1">
+                <a:solidFill>
+                  <a:srgbClr val="0611F2"/>
+                </a:solidFill>
+                <a:latin typeface="맑은 고딕" charset="0"/>
+                <a:ea typeface="맑은 고딕" charset="0"/>
+              </a:rPr>
+              <a:t>7</a:t>
+            </a:r>
+            <a:r>
+              <a:rPr lang="ko-KR" sz="2000" b="1">
+                <a:solidFill>
+                  <a:srgbClr val="0611F2"/>
+                </a:solidFill>
+                <a:latin typeface="맑은 고딕" charset="0"/>
+                <a:ea typeface="맑은 고딕" charset="0"/>
+              </a:rPr>
+              <a:t>.</a:t>
+            </a:r>
+            <a:r>
+              <a:rPr lang="ko-KR" sz="2000">
+                <a:solidFill>
+                  <a:srgbClr val="0611F2"/>
+                </a:solidFill>
+                <a:latin typeface="맑은 고딕" charset="0"/>
+                <a:ea typeface="맑은 고딕" charset="0"/>
+              </a:rPr>
+              <a:t> </a:t>
+            </a:r>
+            <a:r>
+              <a:rPr lang="ko-KR" sz="1800">
+                <a:latin typeface="맑은 고딕" charset="0"/>
+                <a:ea typeface="맑은 고딕" charset="0"/>
+              </a:rPr>
+              <a:t>그리고 </a:t>
+            </a:r>
+            <a:r>
+              <a:rPr lang="ko-KR" sz="1800">
+                <a:latin typeface="맑은 고딕" charset="0"/>
+                <a:ea typeface="맑은 고딕" charset="0"/>
+              </a:rPr>
+              <a:t>LoginFailure( )</a:t>
+            </a:r>
+            <a:r>
+              <a:rPr lang="ko-KR" sz="1800">
+                <a:latin typeface="맑은 고딕" charset="0"/>
+                <a:ea typeface="맑은 고딕" charset="0"/>
+              </a:rPr>
+              <a:t> </a:t>
+            </a:r>
+            <a:r>
+              <a:rPr lang="ko-KR" sz="1800">
+                <a:latin typeface="맑은 고딕" charset="0"/>
+                <a:ea typeface="맑은 고딕" charset="0"/>
+              </a:rPr>
+              <a:t>함수를</a:t>
+            </a:r>
+            <a:r>
+              <a:rPr lang="ko-KR" sz="1800">
+                <a:latin typeface="맑은 고딕" charset="0"/>
+                <a:ea typeface="맑은 고딕" charset="0"/>
+              </a:rPr>
+              <a:t> </a:t>
+            </a:r>
+            <a:r>
+              <a:rPr lang="ko-KR" sz="1800">
+                <a:latin typeface="맑은 고딕" charset="0"/>
+                <a:ea typeface="맑은 고딕" charset="0"/>
+              </a:rPr>
+              <a:t>선언한</a:t>
+            </a:r>
+            <a:r>
+              <a:rPr lang="ko-KR" sz="1800">
+                <a:latin typeface="맑은 고딕" charset="0"/>
+                <a:ea typeface="맑은 고딕" charset="0"/>
+              </a:rPr>
+              <a:t> </a:t>
+            </a:r>
+            <a:r>
+              <a:rPr lang="ko-KR" sz="1800">
+                <a:latin typeface="맑은 고딕" charset="0"/>
+                <a:ea typeface="맑은 고딕" charset="0"/>
+              </a:rPr>
+              <a:t>다음</a:t>
+            </a:r>
+            <a:r>
+              <a:rPr lang="ko-KR" sz="1800">
+                <a:latin typeface="맑은 고딕" charset="0"/>
+                <a:ea typeface="맑은 고딕" charset="0"/>
+              </a:rPr>
+              <a:t> </a:t>
+            </a:r>
+            <a:r>
+              <a:rPr lang="ko-KR" sz="1800">
+                <a:latin typeface="맑은 고딕" charset="0"/>
+                <a:ea typeface="맑은 고딕" charset="0"/>
+              </a:rPr>
+              <a:t>NotficationManager.NotificationWindow(</a:t>
+            </a:r>
+            <a:r>
+              <a:rPr lang="ko-KR" sz="1800">
+                <a:latin typeface="맑은 고딕" charset="0"/>
+                <a:ea typeface="맑은 고딕" charset="0"/>
+              </a:rPr>
+              <a:t> )를 호출합니다.</a:t>
+            </a:r>
+            <a:endParaRPr lang="ko-KR" altLang="en-US" sz="1800">
+              <a:latin typeface="맑은 고딕" charset="0"/>
+              <a:ea typeface="맑은 고딕" charset="0"/>
+            </a:endParaRPr>
+          </a:p>
+          <a:p>
+            <a:pPr marL="0" indent="0" rtl="0" algn="l" defTabSz="914400" eaLnBrk="1" latinLnBrk="0" hangingPunct="1">
+              <a:buFontTx/>
+              <a:buNone/>
+            </a:pPr>
+            <a:endParaRPr lang="ko-KR" altLang="en-US" sz="1800">
+              <a:latin typeface="맑은 고딕" charset="0"/>
+              <a:ea typeface="맑은 고딕" charset="0"/>
+            </a:endParaRPr>
+          </a:p>
+          <a:p>
+            <a:pPr marL="0" indent="0" rtl="0" algn="l" defTabSz="914400" eaLnBrk="1" latinLnBrk="0" hangingPunct="1">
+              <a:buFontTx/>
+              <a:buNone/>
+            </a:pPr>
+            <a:r>
+              <a:rPr lang="ko-KR" sz="1800">
+                <a:latin typeface="맑은 고딕" charset="0"/>
+                <a:ea typeface="맑은 고딕" charset="0"/>
+              </a:rPr>
+              <a:t>이제</a:t>
+            </a:r>
+            <a:r>
+              <a:rPr lang="ko-KR" sz="1800">
+                <a:latin typeface="맑은 고딕" charset="0"/>
+                <a:ea typeface="맑은 고딕" charset="0"/>
+              </a:rPr>
+              <a:t> NotificationWindow( ) 함수의 </a:t>
+            </a:r>
+            <a:r>
+              <a:rPr lang="ko-KR" sz="1800">
+                <a:latin typeface="맑은 고딕" charset="0"/>
+                <a:ea typeface="맑은 고딕" charset="0"/>
+              </a:rPr>
+              <a:t>인수로</a:t>
+            </a:r>
+            <a:r>
+              <a:rPr lang="ko-KR" sz="1800">
+                <a:latin typeface="맑은 고딕" charset="0"/>
+                <a:ea typeface="맑은 고딕" charset="0"/>
+              </a:rPr>
+              <a:t> </a:t>
+            </a:r>
+            <a:r>
+              <a:rPr lang="ko-KR" sz="1800">
+                <a:latin typeface="맑은 고딕" charset="0"/>
+                <a:ea typeface="맑은 고딕" charset="0"/>
+              </a:rPr>
+              <a:t>string 값을</a:t>
+            </a:r>
+            <a:r>
+              <a:rPr lang="ko-KR" sz="1800">
+                <a:latin typeface="맑은 고딕" charset="0"/>
+                <a:ea typeface="맑은 고딕" charset="0"/>
+              </a:rPr>
+              <a:t> </a:t>
+            </a:r>
+            <a:r>
+              <a:rPr lang="ko-KR" sz="1800">
+                <a:latin typeface="맑은 고딕" charset="0"/>
+                <a:ea typeface="맑은 고딕" charset="0"/>
+              </a:rPr>
+              <a:t>넣어줍니다.</a:t>
+            </a:r>
+            <a:endParaRPr lang="ko-KR" altLang="en-US" sz="1800">
+              <a:latin typeface="맑은 고딕" charset="0"/>
+              <a:ea typeface="맑은 고딕" charset="0"/>
+            </a:endParaRPr>
+          </a:p>
         </p:txBody>
       </p:sp>
       <p:pic>
         <p:nvPicPr>
-          <p:cNvPr id="62" name="그림 3"/>
+          <p:cNvPr id="70" name="그림 31" descr="C:/Users/Admin1/AppData/Roaming/PolarisOffice/ETemp/18644_16045856/fImage356663306334.png"/>
           <p:cNvPicPr>
             <a:picLocks noChangeAspect="1"/>
           </p:cNvPicPr>
           <p:nvPr/>
         </p:nvPicPr>
         <p:blipFill rotWithShape="1">
-          <a:blip r:embed="rId7" cstate="print">
+          <a:blip r:embed="rId12" cstate="hqprint">
+            <a:extLst>
+              <a:ext uri="{28A0092B-C50C-407E-A947-70E740481C1C}">
+                <a14:useLocalDpi xmlns:a14="http://schemas.microsoft.com/office/drawing/2010/main"/>
+              </a:ext>
+            </a:extLst>
+          </a:blip>
+          <a:stretch>
+            <a:fillRect/>
+          </a:stretch>
+        </p:blipFill>
+        <p:spPr>
+          <a:xfrm rot="0">
+            <a:off x="1240790" y="1447165"/>
+            <a:ext cx="4126230" cy="2515870"/>
+          </a:xfrm>
+          <a:prstGeom prst="roundRect"/>
+          <a:solidFill>
+            <a:srgbClr val="EDEDED"/>
+          </a:solidFill>
+        </p:spPr>
+      </p:pic>
+      <p:pic>
+        <p:nvPicPr>
+          <p:cNvPr id="71" name="그림 35" descr="C:/Users/Admin1/AppData/Roaming/PolarisOffice/ETemp/18644_16045856/fImage503772599358.png"/>
+          <p:cNvPicPr>
+            <a:picLocks noChangeAspect="1"/>
+          </p:cNvPicPr>
+          <p:nvPr/>
+        </p:nvPicPr>
+        <p:blipFill rotWithShape="1">
+          <a:blip r:embed="rId13" cstate="print">
             <a:extLst>
               <a:ext uri="{28A0092B-C50C-407E-A947-70E740481C1C}">
                 <a14:useLocalDpi xmlns:a14="http://schemas.microsoft.com/office/drawing/2010/main" val="0"/>
@@ -10339,292 +10792,8 @@
         </p:blipFill>
         <p:spPr>
           <a:xfrm rot="0">
-            <a:off x="4418965" y="2609215"/>
-            <a:ext cx="965835" cy="1112520"/>
-          </a:xfrm>
-          <a:prstGeom prst="roundRect"/>
-          <a:solidFill>
-            <a:srgbClr val="EDEDED"/>
-          </a:solidFill>
-        </p:spPr>
-      </p:pic>
-      <p:pic>
-        <p:nvPicPr>
-          <p:cNvPr id="63" name="그림 4"/>
-          <p:cNvPicPr>
-            <a:picLocks noChangeAspect="1"/>
-          </p:cNvPicPr>
-          <p:nvPr/>
-        </p:nvPicPr>
-        <p:blipFill rotWithShape="1">
-          <a:blip r:embed="rId8" cstate="print">
-            <a:extLst>
-              <a:ext uri="{28A0092B-C50C-407E-A947-70E740481C1C}">
-                <a14:useLocalDpi xmlns:a14="http://schemas.microsoft.com/office/drawing/2010/main" val="0"/>
-              </a:ext>
-            </a:extLst>
-          </a:blip>
-          <a:stretch>
-            <a:fillRect/>
-          </a:stretch>
-        </p:blipFill>
-        <p:spPr>
-          <a:xfrm rot="0">
-            <a:off x="1231900" y="1447165"/>
-            <a:ext cx="2842895" cy="3497580"/>
-          </a:xfrm>
-          <a:prstGeom prst="roundRect"/>
-          <a:solidFill>
-            <a:srgbClr val="EDEDED"/>
-          </a:solidFill>
-        </p:spPr>
-      </p:pic>
-      <p:sp>
-        <p:nvSpPr>
-          <p:cNvPr id="65" name="텍스트 상자 15"/>
-          <p:cNvSpPr txBox="1">
-            <a:spLocks/>
-          </p:cNvSpPr>
-          <p:nvPr/>
-        </p:nvSpPr>
-        <p:spPr>
-          <a:xfrm rot="0">
-            <a:off x="6823075" y="2740025"/>
-            <a:ext cx="4126230" cy="954405"/>
-          </a:xfrm>
-          <a:prstGeom prst="rect"/>
-          <a:noFill/>
-          <a:ln w="0">
-            <a:noFill/>
-            <a:prstDash/>
-          </a:ln>
-        </p:spPr>
-        <p:txBody>
-          <a:bodyPr wrap="square" lIns="89535" tIns="46355" rIns="89535" bIns="46355" numCol="1" vert="horz" anchor="t">
-            <a:spAutoFit/>
-          </a:bodyPr>
-          <a:lstStyle/>
-          <a:p>
-            <a:pPr marL="0" indent="0" rtl="0" algn="l" defTabSz="914400" eaLnBrk="1" latinLnBrk="0" hangingPunct="1">
-              <a:buFontTx/>
-              <a:buNone/>
-            </a:pPr>
-            <a:r>
-              <a:rPr lang="ko-KR" sz="2000" b="1">
-                <a:solidFill>
-                  <a:srgbClr val="0611F2"/>
-                </a:solidFill>
-                <a:latin typeface="맑은 고딕" charset="0"/>
-                <a:ea typeface="맑은 고딕" charset="0"/>
-              </a:rPr>
-              <a:t>27.</a:t>
-            </a:r>
-            <a:r>
-              <a:rPr lang="ko-KR" sz="2000">
-                <a:solidFill>
-                  <a:srgbClr val="0611F2"/>
-                </a:solidFill>
-                <a:latin typeface="맑은 고딕" charset="0"/>
-                <a:ea typeface="맑은 고딕" charset="0"/>
-              </a:rPr>
-              <a:t> </a:t>
-            </a:r>
-            <a:r>
-              <a:rPr lang="ko-KR" sz="1800">
-                <a:latin typeface="맑은 고딕" charset="0"/>
-                <a:ea typeface="맑은 고딕" charset="0"/>
-              </a:rPr>
-              <a:t>이제 NotificationManager </a:t>
-            </a:r>
-            <a:r>
-              <a:rPr lang="ko-KR" sz="1800">
-                <a:latin typeface="맑은 고딕" charset="0"/>
-                <a:ea typeface="맑은 고딕" charset="0"/>
-              </a:rPr>
-              <a:t>스크립트에서</a:t>
-            </a:r>
-            <a:r>
-              <a:rPr lang="ko-KR" sz="1800">
-                <a:latin typeface="맑은 고딕" charset="0"/>
-                <a:ea typeface="맑은 고딕" charset="0"/>
-              </a:rPr>
-              <a:t> Text 변수를 2개 </a:t>
-            </a:r>
-            <a:r>
-              <a:rPr lang="ko-KR" sz="1800">
-                <a:latin typeface="맑은 고딕" charset="0"/>
-                <a:ea typeface="맑은 고딕" charset="0"/>
-              </a:rPr>
-              <a:t>선언합니다.</a:t>
-            </a:r>
-            <a:endParaRPr lang="ko-KR" altLang="en-US" sz="1800">
-              <a:latin typeface="맑은 고딕" charset="0"/>
-              <a:ea typeface="맑은 고딕" charset="0"/>
-            </a:endParaRPr>
-          </a:p>
-        </p:txBody>
-      </p:sp>
-      <p:pic>
-        <p:nvPicPr>
-          <p:cNvPr id="66" name="그림 16" descr="C:/Users/Admin1/AppData/Roaming/PolarisOffice/ETemp/10628_18467872/fImage108433176500.png"/>
-          <p:cNvPicPr>
-            <a:picLocks noChangeAspect="1"/>
-          </p:cNvPicPr>
-          <p:nvPr/>
-        </p:nvPicPr>
-        <p:blipFill rotWithShape="1">
-          <a:blip r:embed="rId10" cstate="hqprint">
-            <a:extLst>
-              <a:ext uri="{28A0092B-C50C-407E-A947-70E740481C1C}">
-                <a14:useLocalDpi xmlns:a14="http://schemas.microsoft.com/office/drawing/2010/main"/>
-              </a:ext>
-            </a:extLst>
-          </a:blip>
-          <a:stretch>
-            <a:fillRect/>
-          </a:stretch>
-        </p:blipFill>
-        <p:spPr>
-          <a:xfrm rot="0">
-            <a:off x="6834505" y="3841750"/>
-            <a:ext cx="4123690" cy="1198245"/>
-          </a:xfrm>
-          <a:prstGeom prst="roundRect"/>
-          <a:solidFill>
-            <a:srgbClr val="EDEDED"/>
-          </a:solidFill>
-        </p:spPr>
-      </p:pic>
-      <p:sp>
-        <p:nvSpPr>
-          <p:cNvPr id="67" name="텍스트 상자 19"/>
-          <p:cNvSpPr txBox="1">
-            <a:spLocks/>
-          </p:cNvSpPr>
-          <p:nvPr/>
-        </p:nvSpPr>
-        <p:spPr>
-          <a:xfrm rot="0">
-            <a:off x="6826250" y="5147310"/>
-            <a:ext cx="4131310" cy="954405"/>
-          </a:xfrm>
-          <a:prstGeom prst="rect"/>
-          <a:noFill/>
-          <a:ln w="0">
-            <a:noFill/>
-            <a:prstDash/>
-          </a:ln>
-        </p:spPr>
-        <p:txBody>
-          <a:bodyPr wrap="square" lIns="89535" tIns="46355" rIns="89535" bIns="46355" numCol="1" vert="horz" anchor="t">
-            <a:spAutoFit/>
-          </a:bodyPr>
-          <a:lstStyle/>
-          <a:p>
-            <a:pPr marL="0" indent="0" rtl="0" algn="l" defTabSz="914400" eaLnBrk="1" latinLnBrk="0" hangingPunct="1">
-              <a:buFontTx/>
-              <a:buNone/>
-            </a:pPr>
-            <a:r>
-              <a:rPr lang="ko-KR" sz="2000" b="1">
-                <a:solidFill>
-                  <a:srgbClr val="0611F2"/>
-                </a:solidFill>
-                <a:latin typeface="맑은 고딕" charset="0"/>
-                <a:ea typeface="맑은 고딕" charset="0"/>
-              </a:rPr>
-              <a:t>28.</a:t>
-            </a:r>
-            <a:r>
-              <a:rPr lang="ko-KR" sz="2000">
-                <a:solidFill>
-                  <a:srgbClr val="0611F2"/>
-                </a:solidFill>
-                <a:latin typeface="맑은 고딕" charset="0"/>
-                <a:ea typeface="맑은 고딕" charset="0"/>
-              </a:rPr>
-              <a:t> </a:t>
-            </a:r>
-            <a:r>
-              <a:rPr lang="ko-KR" sz="1800">
-                <a:latin typeface="맑은 고딕" charset="0"/>
-                <a:ea typeface="맑은 고딕" charset="0"/>
-              </a:rPr>
-              <a:t>그리고 </a:t>
-            </a:r>
-            <a:r>
-              <a:rPr lang="ko-KR" sz="1800">
-                <a:latin typeface="맑은 고딕" charset="0"/>
-                <a:ea typeface="맑은 고딕" charset="0"/>
-              </a:rPr>
-              <a:t>Close( ) 함수를 선언한 </a:t>
-            </a:r>
-            <a:r>
-              <a:rPr lang="ko-KR" sz="1800">
-                <a:latin typeface="맑은 고딕" charset="0"/>
-                <a:ea typeface="맑은 고딕" charset="0"/>
-              </a:rPr>
-              <a:t>다음</a:t>
-            </a:r>
-            <a:r>
-              <a:rPr lang="ko-KR" sz="1800">
-                <a:latin typeface="맑은 고딕" charset="0"/>
-                <a:ea typeface="맑은 고딕" charset="0"/>
-              </a:rPr>
-              <a:t> </a:t>
-            </a:r>
-            <a:r>
-              <a:rPr lang="ko-KR" sz="1800">
-                <a:latin typeface="맑은 고딕" charset="0"/>
-                <a:ea typeface="맑은 고딕" charset="0"/>
-              </a:rPr>
-              <a:t>게임 오브젝트를 삭제하도록 </a:t>
-            </a:r>
-            <a:r>
-              <a:rPr lang="ko-KR" sz="1800">
-                <a:latin typeface="맑은 고딕" charset="0"/>
-                <a:ea typeface="맑은 고딕" charset="0"/>
-              </a:rPr>
-              <a:t>설정합니</a:t>
-            </a:r>
-            <a:r>
-              <a:rPr lang="ko-KR" sz="1800">
-                <a:latin typeface="맑은 고딕" charset="0"/>
-                <a:ea typeface="맑은 고딕" charset="0"/>
-              </a:rPr>
-              <a:t>다.</a:t>
-            </a:r>
-            <a:endParaRPr lang="ko-KR" altLang="en-US" sz="1800">
-              <a:latin typeface="맑은 고딕" charset="0"/>
-              <a:ea typeface="맑은 고딕" charset="0"/>
-            </a:endParaRPr>
-          </a:p>
-        </p:txBody>
-      </p:sp>
-      <p:pic>
-        <p:nvPicPr>
-          <p:cNvPr id="68" name="그림 11" descr="C:/Users/Admin1/AppData/Roaming/PolarisOffice/ETemp/10628_18467872/fImage1873232841.png"/>
-          <p:cNvPicPr>
-            <a:picLocks noChangeAspect="1"/>
-          </p:cNvPicPr>
-          <p:nvPr/>
-        </p:nvPicPr>
-        <p:blipFill rotWithShape="1">
-          <a:blip r:embed="rId11" cstate="print">
-            <a:extLst>
-              <a:ext uri="{28A0092B-C50C-407E-A947-70E740481C1C}">
-                <a14:useLocalDpi xmlns:a14="http://schemas.microsoft.com/office/drawing/2010/main" val="0"/>
-              </a:ext>
-            </a:extLst>
-          </a:blip>
-          <a:stretch>
-            <a:fillRect/>
-          </a:stretch>
-        </p:blipFill>
-        <p:spPr>
-          <a:xfrm rot="0">
-            <a:off x="6822440" y="1438275"/>
-            <a:ext cx="4143375" cy="1172210"/>
+            <a:off x="6829425" y="1447165"/>
+            <a:ext cx="4119245" cy="2515870"/>
           </a:xfrm>
           <a:prstGeom prst="roundRect"/>
           <a:solidFill>
@@ -10656,7 +10825,7 @@
 </file>
 
 <file path=ppt/slides/slide14.xml><?xml version="1.0" encoding="utf-8"?>
-<p:sld xmlns:a="http://schemas.openxmlformats.org/drawingml/2006/main" xmlns:r="http://schemas.openxmlformats.org/officeDocument/2006/relationships" xmlns:p="http://schemas.openxmlformats.org/presentationml/2006/main">
+<p:sld xmlns:a="http://schemas.openxmlformats.org/drawingml/2006/main" xmlns:r="http://schemas.openxmlformats.org/officeDocument/2006/relationships" xmlns:p="http://schemas.openxmlformats.org/presentationml/2006/main" xmlns:p14="http://schemas.microsoft.com/office/powerpoint/2010/main">
   <p:cSld>
     <p:spTree>
       <p:nvGrpSpPr>
@@ -10777,8 +10946,8 @@
         </p:nvSpPr>
         <p:spPr>
           <a:xfrm rot="0">
-            <a:off x="6808470" y="3850005"/>
-            <a:ext cx="4140200" cy="2338705"/>
+            <a:off x="6814185" y="4125595"/>
+            <a:ext cx="4143375" cy="2061845"/>
           </a:xfrm>
           <a:prstGeom prst="rect"/>
           <a:noFill/>
@@ -10805,27 +10974,7 @@
                 <a:latin typeface="맑은 고딕" charset="0"/>
                 <a:ea typeface="맑은 고딕" charset="0"/>
               </a:rPr>
-              <a:t>3</a:t>
-            </a:r>
-            <a:r>
-              <a:rPr lang="ko-KR" sz="2000" b="1">
-                <a:solidFill>
-                  <a:srgbClr val="0611F2"/>
-                </a:solidFill>
-                <a:latin typeface="맑은 고딕" charset="0"/>
-                <a:ea typeface="맑은 고딕" charset="0"/>
-              </a:rPr>
-              <a:t>0</a:t>
-            </a:r>
-            <a:r>
-              <a:rPr lang="ko-KR" sz="2000" b="1">
-                <a:solidFill>
-                  <a:srgbClr val="0611F2"/>
-                </a:solidFill>
-                <a:latin typeface="맑은 고딕" charset="0"/>
-                <a:ea typeface="맑은 고딕" charset="0"/>
-              </a:rPr>
-              <a:t>.</a:t>
+              <a:t>30.</a:t>
             </a:r>
             <a:r>
               <a:rPr lang="ko-KR" sz="2000">
@@ -10842,49 +10991,77 @@
                 <a:latin typeface="맑은 고딕" charset="0"/>
                 <a:ea typeface="맑은 고딕" charset="0"/>
               </a:rPr>
-              <a:t>이제 </a:t>
-            </a:r>
-            <a:r>
-              <a:rPr lang="ko-KR" sz="1800">
-                <a:latin typeface="맑은 고딕" charset="0"/>
-                <a:ea typeface="맑은 고딕" charset="0"/>
-              </a:rPr>
-              <a:t>LoginFailure(PlayFabError) </a:t>
-            </a:r>
-            <a:r>
-              <a:rPr lang="ko-KR" sz="1800">
-                <a:latin typeface="맑은 고딕" charset="0"/>
-                <a:ea typeface="맑은 고딕" charset="0"/>
-              </a:rPr>
-              <a:t>함수를</a:t>
-            </a:r>
-            <a:r>
-              <a:rPr lang="ko-KR" sz="1800">
-                <a:latin typeface="맑은 고딕" charset="0"/>
-                <a:ea typeface="맑은 고딕" charset="0"/>
-              </a:rPr>
-              <a:t> 선언한 다음</a:t>
-            </a:r>
-            <a:r>
-              <a:rPr lang="ko-KR" sz="1800">
-                <a:latin typeface="맑은 고딕" charset="0"/>
-                <a:ea typeface="맑은 고딕" charset="0"/>
-              </a:rPr>
-              <a:t> </a:t>
-            </a:r>
-            <a:r>
-              <a:rPr lang="ko-KR" sz="1800">
-                <a:latin typeface="맑은 고딕" charset="0"/>
-                <a:ea typeface="맑은 고딕" charset="0"/>
-              </a:rPr>
-              <a:t>NotficationManager.NotificationWindow(</a:t>
-            </a:r>
-            <a:r>
-              <a:rPr lang="ko-KR" sz="1800">
-                <a:latin typeface="맑은 고딕" charset="0"/>
-                <a:ea typeface="맑은 고딕" charset="0"/>
-              </a:rPr>
-              <a:t> )를 호출합니다.</a:t>
+              <a:t>이제 SignUp( ) 함수를 </a:t>
+            </a:r>
+            <a:r>
+              <a:rPr lang="ko-KR" sz="1800">
+                <a:latin typeface="맑은 고딕" charset="0"/>
+                <a:ea typeface="맑은 고딕" charset="0"/>
+              </a:rPr>
+              <a:t>선언하고</a:t>
+            </a:r>
+            <a:r>
+              <a:rPr lang="ko-KR" sz="1800">
+                <a:latin typeface="맑은 고딕" charset="0"/>
+                <a:ea typeface="맑은 고딕" charset="0"/>
+              </a:rPr>
+              <a:t> </a:t>
+            </a:r>
+            <a:r>
+              <a:rPr lang="ko-KR" sz="1800">
+                <a:latin typeface="맑은 고딕" charset="0"/>
+                <a:ea typeface="맑은 고딕" charset="0"/>
+              </a:rPr>
+              <a:t>회원</a:t>
+            </a:r>
+            <a:r>
+              <a:rPr lang="ko-KR" sz="1800">
+                <a:latin typeface="맑은 고딕" charset="0"/>
+                <a:ea typeface="맑은 고딕" charset="0"/>
+              </a:rPr>
+              <a:t> </a:t>
+            </a:r>
+            <a:r>
+              <a:rPr lang="ko-KR" sz="1800">
+                <a:latin typeface="맑은 고딕" charset="0"/>
+                <a:ea typeface="맑은 고딕" charset="0"/>
+              </a:rPr>
+              <a:t>가입</a:t>
+            </a:r>
+            <a:r>
+              <a:rPr lang="ko-KR" sz="1800">
+                <a:latin typeface="맑은 고딕" charset="0"/>
+                <a:ea typeface="맑은 고딕" charset="0"/>
+              </a:rPr>
+              <a:t>에</a:t>
+            </a:r>
+            <a:r>
+              <a:rPr lang="ko-KR" sz="1800">
+                <a:latin typeface="맑은 고딕" charset="0"/>
+                <a:ea typeface="맑은 고딕" charset="0"/>
+              </a:rPr>
+              <a:t> </a:t>
+            </a:r>
+            <a:r>
+              <a:rPr lang="ko-KR" sz="1800">
+                <a:latin typeface="맑은 고딕" charset="0"/>
+                <a:ea typeface="맑은 고딕" charset="0"/>
+              </a:rPr>
+              <a:t>대한</a:t>
+            </a:r>
+            <a:r>
+              <a:rPr lang="ko-KR" sz="1800">
+                <a:latin typeface="맑은 고딕" charset="0"/>
+                <a:ea typeface="맑은 고딕" charset="0"/>
+              </a:rPr>
+              <a:t> 정보를 </a:t>
+            </a:r>
+            <a:r>
+              <a:rPr lang="ko-KR" sz="1800">
+                <a:latin typeface="맑은 고딕" charset="0"/>
+                <a:ea typeface="맑은 고딕" charset="0"/>
+              </a:rPr>
+              <a:t>입력받습니다.</a:t>
             </a:r>
             <a:endParaRPr lang="ko-KR" altLang="en-US" sz="1800">
               <a:latin typeface="맑은 고딕" charset="0"/>
@@ -10918,42 +11095,112 @@
                 <a:latin typeface="맑은 고딕" charset="0"/>
                 <a:ea typeface="맑은 고딕" charset="0"/>
               </a:rPr>
-              <a:t> NotificationWindow( ) 함수의 </a:t>
-            </a:r>
-            <a:r>
-              <a:rPr lang="ko-KR" sz="1800">
-                <a:latin typeface="맑은 고딕" charset="0"/>
-                <a:ea typeface="맑은 고딕" charset="0"/>
-              </a:rPr>
-              <a:t>인수로</a:t>
-            </a:r>
-            <a:r>
-              <a:rPr lang="ko-KR" sz="1800">
-                <a:latin typeface="맑은 고딕" charset="0"/>
-                <a:ea typeface="맑은 고딕" charset="0"/>
-              </a:rPr>
-              <a:t> </a:t>
-            </a:r>
-            <a:r>
-              <a:rPr lang="ko-KR" sz="1800">
-                <a:latin typeface="맑은 고딕" charset="0"/>
-                <a:ea typeface="맑은 고딕" charset="0"/>
-              </a:rPr>
-              <a:t>문자열로 제목과 내용을 </a:t>
-            </a:r>
-            <a:r>
-              <a:rPr lang="ko-KR" sz="1800">
-                <a:latin typeface="맑은 고딕" charset="0"/>
-                <a:ea typeface="맑은 고딕" charset="0"/>
-              </a:rPr>
-              <a:t>넣어줍니</a:t>
-            </a:r>
-            <a:r>
-              <a:rPr lang="ko-KR" sz="1800">
-                <a:latin typeface="맑은 고딕" charset="0"/>
-                <a:ea typeface="맑은 고딕" charset="0"/>
-              </a:rPr>
-              <a:t>다.</a:t>
+              <a:t> 회원 가입의 여부를 </a:t>
+            </a:r>
+            <a:r>
+              <a:rPr lang="ko-KR" sz="1800">
+                <a:latin typeface="맑은 고딕" charset="0"/>
+                <a:ea typeface="맑은 고딕" charset="0"/>
+              </a:rPr>
+              <a:t>등록하는</a:t>
+            </a:r>
+            <a:r>
+              <a:rPr lang="ko-KR" sz="1800">
+                <a:latin typeface="맑은 고딕" charset="0"/>
+                <a:ea typeface="맑은 고딕" charset="0"/>
+              </a:rPr>
+              <a:t> </a:t>
+            </a:r>
+            <a:r>
+              <a:rPr lang="ko-KR" sz="1800">
+                <a:latin typeface="맑은 고딕" charset="0"/>
+                <a:ea typeface="맑은 고딕" charset="0"/>
+              </a:rPr>
+              <a:t>RegisterPlayFabUser(</a:t>
+            </a:r>
+            <a:r>
+              <a:rPr lang="ko-KR" sz="1800">
+                <a:latin typeface="맑은 고딕" charset="0"/>
+                <a:ea typeface="맑은 고딕" charset="0"/>
+              </a:rPr>
+              <a:t> )</a:t>
+            </a:r>
+            <a:r>
+              <a:rPr lang="ko-KR" sz="1800">
+                <a:latin typeface="맑은 고딕" charset="0"/>
+                <a:ea typeface="맑은 고딕" charset="0"/>
+              </a:rPr>
+              <a:t> </a:t>
+            </a:r>
+            <a:r>
+              <a:rPr lang="ko-KR" sz="1800">
+                <a:latin typeface="맑은 고딕" charset="0"/>
+                <a:ea typeface="맑은 고딕" charset="0"/>
+              </a:rPr>
+              <a:t>함수로</a:t>
+            </a:r>
+            <a:r>
+              <a:rPr lang="ko-KR" sz="1800">
+                <a:latin typeface="맑은 고딕" charset="0"/>
+                <a:ea typeface="맑은 고딕" charset="0"/>
+              </a:rPr>
+              <a:t> </a:t>
+            </a:r>
+            <a:r>
+              <a:rPr lang="ko-KR" sz="1800">
+                <a:latin typeface="맑은 고딕" charset="0"/>
+                <a:ea typeface="맑은 고딕" charset="0"/>
+              </a:rPr>
+              <a:t>회원 </a:t>
+            </a:r>
+            <a:r>
+              <a:rPr lang="ko-KR" sz="1800">
+                <a:latin typeface="맑은 고딕" charset="0"/>
+                <a:ea typeface="맑은 고딕" charset="0"/>
+              </a:rPr>
+              <a:t>가입</a:t>
+            </a:r>
+            <a:r>
+              <a:rPr lang="ko-KR" sz="1800">
+                <a:latin typeface="맑은 고딕" charset="0"/>
+                <a:ea typeface="맑은 고딕" charset="0"/>
+              </a:rPr>
+              <a:t> </a:t>
+            </a:r>
+            <a:r>
+              <a:rPr lang="ko-KR" sz="1800">
+                <a:latin typeface="맑은 고딕" charset="0"/>
+                <a:ea typeface="맑은 고딕" charset="0"/>
+              </a:rPr>
+              <a:t>등록</a:t>
+            </a:r>
+            <a:r>
+              <a:rPr lang="ko-KR" sz="1800">
+                <a:latin typeface="맑은 고딕" charset="0"/>
+                <a:ea typeface="맑은 고딕" charset="0"/>
+              </a:rPr>
+              <a:t> </a:t>
+            </a:r>
+            <a:r>
+              <a:rPr lang="ko-KR" sz="1800">
+                <a:latin typeface="맑은 고딕" charset="0"/>
+                <a:ea typeface="맑은 고딕" charset="0"/>
+              </a:rPr>
+              <a:t>절차를</a:t>
+            </a:r>
+            <a:r>
+              <a:rPr lang="ko-KR" sz="1800">
+                <a:latin typeface="맑은 고딕" charset="0"/>
+                <a:ea typeface="맑은 고딕" charset="0"/>
+              </a:rPr>
+              <a:t> </a:t>
+            </a:r>
+            <a:r>
+              <a:rPr lang="ko-KR" sz="1800">
+                <a:latin typeface="맑은 고딕" charset="0"/>
+                <a:ea typeface="맑은 고딕" charset="0"/>
+              </a:rPr>
+              <a:t>확인합니다.</a:t>
             </a:r>
             <a:endParaRPr lang="ko-KR" altLang="en-US" sz="1800">
               <a:latin typeface="맑은 고딕" charset="0"/>
@@ -10972,8 +11219,8 @@
         </p:nvSpPr>
         <p:spPr>
           <a:xfrm rot="0">
-            <a:off x="1229995" y="3849370"/>
-            <a:ext cx="4145915" cy="2338705"/>
+            <a:off x="1231900" y="4124960"/>
+            <a:ext cx="4135120" cy="2061845"/>
           </a:xfrm>
           <a:prstGeom prst="rect"/>
           <a:noFill/>
@@ -11017,84 +11264,77 @@
                 <a:latin typeface="맑은 고딕" charset="0"/>
                 <a:ea typeface="맑은 고딕" charset="0"/>
               </a:rPr>
-              <a:t>그다음 NotificationWindow(string, </a:t>
-            </a:r>
-            <a:r>
-              <a:rPr lang="ko-KR" sz="1800">
-                <a:latin typeface="맑은 고딕" charset="0"/>
-                <a:ea typeface="맑은 고딕" charset="0"/>
-              </a:rPr>
-              <a:t>string)</a:t>
-            </a:r>
-            <a:r>
-              <a:rPr lang="ko-KR" sz="1800">
-                <a:latin typeface="맑은 고딕" charset="0"/>
-                <a:ea typeface="맑은 고딕" charset="0"/>
-              </a:rPr>
-              <a:t> 함수를 선언하고 Resources </a:t>
-            </a:r>
-            <a:r>
-              <a:rPr lang="ko-KR" sz="1800">
-                <a:latin typeface="맑은 고딕" charset="0"/>
-                <a:ea typeface="맑은 고딕" charset="0"/>
-              </a:rPr>
-              <a:t>폴더에</a:t>
-            </a:r>
-            <a:r>
-              <a:rPr lang="ko-KR" sz="1800">
-                <a:latin typeface="맑은 고딕" charset="0"/>
-                <a:ea typeface="맑은 고딕" charset="0"/>
-              </a:rPr>
-              <a:t> 있는 Notifiaction </a:t>
-            </a:r>
-            <a:r>
-              <a:rPr lang="ko-KR" sz="1800">
-                <a:latin typeface="맑은 고딕" charset="0"/>
-                <a:ea typeface="맑은 고딕" charset="0"/>
-              </a:rPr>
-              <a:t>Wi</a:t>
-            </a:r>
-            <a:r>
-              <a:rPr lang="ko-KR" sz="1800">
-                <a:latin typeface="맑은 고딕" charset="0"/>
-                <a:ea typeface="맑은 고딕" charset="0"/>
-              </a:rPr>
-              <a:t>n</a:t>
-            </a:r>
-            <a:r>
-              <a:rPr lang="ko-KR" sz="1800">
-                <a:latin typeface="맑은 고딕" charset="0"/>
-                <a:ea typeface="맑은 고딕" charset="0"/>
-              </a:rPr>
-              <a:t>d</a:t>
-            </a:r>
-            <a:r>
-              <a:rPr lang="ko-KR" sz="1800">
-                <a:latin typeface="맑은 고딕" charset="0"/>
-                <a:ea typeface="맑은 고딕" charset="0"/>
-              </a:rPr>
-              <a:t>ow </a:t>
-            </a:r>
-            <a:r>
-              <a:rPr lang="ko-KR" sz="1800">
-                <a:latin typeface="맑은 고딕" charset="0"/>
-                <a:ea typeface="맑은 고딕" charset="0"/>
-              </a:rPr>
-              <a:t>오브젝트를</a:t>
-            </a:r>
-            <a:r>
-              <a:rPr lang="ko-KR" sz="1800">
-                <a:latin typeface="맑은 고딕" charset="0"/>
-                <a:ea typeface="맑은 고딕" charset="0"/>
-              </a:rPr>
-              <a:t> </a:t>
-            </a:r>
-            <a:r>
-              <a:rPr lang="ko-KR" sz="1800">
-                <a:latin typeface="맑은 고딕" charset="0"/>
-                <a:ea typeface="맑은 고딕" charset="0"/>
-              </a:rPr>
-              <a:t>생성합니다.</a:t>
+              <a:t>그리고 </a:t>
+            </a:r>
+            <a:r>
+              <a:rPr lang="ko-KR" sz="1800">
+                <a:latin typeface="맑은 고딕" charset="0"/>
+                <a:ea typeface="맑은 고딕" charset="0"/>
+              </a:rPr>
+              <a:t>SignUpFailure( )</a:t>
+            </a:r>
+            <a:r>
+              <a:rPr lang="ko-KR" sz="1800">
+                <a:latin typeface="맑은 고딕" charset="0"/>
+                <a:ea typeface="맑은 고딕" charset="0"/>
+              </a:rPr>
+              <a:t> </a:t>
+            </a:r>
+            <a:r>
+              <a:rPr lang="ko-KR" sz="1800">
+                <a:latin typeface="맑은 고딕" charset="0"/>
+                <a:ea typeface="맑은 고딕" charset="0"/>
+              </a:rPr>
+              <a:t>함수를</a:t>
+            </a:r>
+            <a:r>
+              <a:rPr lang="ko-KR" sz="1800">
+                <a:latin typeface="맑은 고딕" charset="0"/>
+                <a:ea typeface="맑은 고딕" charset="0"/>
+              </a:rPr>
+              <a:t> </a:t>
+            </a:r>
+            <a:r>
+              <a:rPr lang="ko-KR" sz="1800">
+                <a:latin typeface="맑은 고딕" charset="0"/>
+                <a:ea typeface="맑은 고딕" charset="0"/>
+              </a:rPr>
+              <a:t>선언한</a:t>
+            </a:r>
+            <a:r>
+              <a:rPr lang="ko-KR" sz="1800">
+                <a:latin typeface="맑은 고딕" charset="0"/>
+                <a:ea typeface="맑은 고딕" charset="0"/>
+              </a:rPr>
+              <a:t> </a:t>
+            </a:r>
+            <a:r>
+              <a:rPr lang="ko-KR" sz="1800">
+                <a:latin typeface="맑은 고딕" charset="0"/>
+                <a:ea typeface="맑은 고딕" charset="0"/>
+              </a:rPr>
+              <a:t>다음</a:t>
+            </a:r>
+            <a:r>
+              <a:rPr lang="ko-KR" sz="1800">
+                <a:latin typeface="맑은 고딕" charset="0"/>
+                <a:ea typeface="맑은 고딕" charset="0"/>
+              </a:rPr>
+              <a:t> </a:t>
+            </a:r>
+            <a:r>
+              <a:rPr lang="ko-KR" sz="1800">
+                <a:latin typeface="맑은 고딕" charset="0"/>
+                <a:ea typeface="맑은 고딕" charset="0"/>
+              </a:rPr>
+              <a:t>NotficationManager.NotificationWindow(</a:t>
+            </a:r>
+            <a:r>
+              <a:rPr lang="ko-KR" sz="1800">
+                <a:latin typeface="맑은 고딕" charset="0"/>
+                <a:ea typeface="맑은 고딕" charset="0"/>
+              </a:rPr>
+              <a:t> )를 호출합니다.</a:t>
             </a:r>
             <a:endParaRPr lang="ko-KR" altLang="en-US" sz="1800">
               <a:latin typeface="맑은 고딕" charset="0"/>
@@ -11121,42 +11361,84 @@
                 <a:latin typeface="맑은 고딕" charset="0"/>
                 <a:ea typeface="맑은 고딕" charset="0"/>
               </a:rPr>
-              <a:t>그러고</a:t>
-            </a:r>
-            <a:r>
-              <a:rPr lang="ko-KR" sz="1800">
-                <a:latin typeface="맑은 고딕" charset="0"/>
-                <a:ea typeface="맑은 고딕" charset="0"/>
-              </a:rPr>
-              <a:t> 나서 NotifiactionManager의 </a:t>
-            </a:r>
-            <a:r>
-              <a:rPr lang="ko-KR" sz="1800">
-                <a:latin typeface="맑은 고딕" charset="0"/>
-                <a:ea typeface="맑은 고딕" charset="0"/>
-              </a:rPr>
-              <a:t>속성을</a:t>
-            </a:r>
-            <a:r>
-              <a:rPr lang="ko-KR" sz="1800">
-                <a:latin typeface="맑은 고딕" charset="0"/>
-                <a:ea typeface="맑은 고딕" charset="0"/>
-              </a:rPr>
-              <a:t> 가져온 다음 속성의 내용에 </a:t>
-            </a:r>
-            <a:r>
-              <a:rPr lang="ko-KR" sz="1800">
-                <a:latin typeface="맑은 고딕" charset="0"/>
-                <a:ea typeface="맑은 고딕" charset="0"/>
-              </a:rPr>
-              <a:t>매개변수를</a:t>
-            </a:r>
-            <a:r>
-              <a:rPr lang="ko-KR" sz="1800">
-                <a:latin typeface="맑은 고딕" charset="0"/>
-                <a:ea typeface="맑은 고딕" charset="0"/>
-              </a:rPr>
-              <a:t> 넣어줍니다.</a:t>
+              <a:t>그</a:t>
+            </a:r>
+            <a:r>
+              <a:rPr lang="ko-KR" sz="1800">
+                <a:latin typeface="맑은 고딕" charset="0"/>
+                <a:ea typeface="맑은 고딕" charset="0"/>
+              </a:rPr>
+              <a:t>다음</a:t>
+            </a:r>
+            <a:r>
+              <a:rPr lang="ko-KR" sz="1800">
+                <a:latin typeface="맑은 고딕" charset="0"/>
+                <a:ea typeface="맑은 고딕" charset="0"/>
+              </a:rPr>
+              <a:t> </a:t>
+            </a:r>
+            <a:r>
+              <a:rPr lang="ko-KR" sz="1800">
+                <a:latin typeface="맑은 고딕" charset="0"/>
+                <a:ea typeface="맑은 고딕" charset="0"/>
+              </a:rPr>
+              <a:t>NotificationWindow( ) </a:t>
+            </a:r>
+            <a:r>
+              <a:rPr lang="ko-KR" sz="1800">
+                <a:latin typeface="맑은 고딕" charset="0"/>
+                <a:ea typeface="맑은 고딕" charset="0"/>
+              </a:rPr>
+              <a:t>함수의</a:t>
+            </a:r>
+            <a:r>
+              <a:rPr lang="ko-KR" sz="1800">
+                <a:latin typeface="맑은 고딕" charset="0"/>
+                <a:ea typeface="맑은 고딕" charset="0"/>
+              </a:rPr>
+              <a:t> </a:t>
+            </a:r>
+            <a:r>
+              <a:rPr lang="ko-KR" sz="1800">
+                <a:latin typeface="맑은 고딕" charset="0"/>
+                <a:ea typeface="맑은 고딕" charset="0"/>
+              </a:rPr>
+              <a:t>인수로</a:t>
+            </a:r>
+            <a:r>
+              <a:rPr lang="ko-KR" sz="1800">
+                <a:latin typeface="맑은 고딕" charset="0"/>
+                <a:ea typeface="맑은 고딕" charset="0"/>
+              </a:rPr>
+              <a:t> </a:t>
+            </a:r>
+            <a:r>
+              <a:rPr lang="ko-KR" sz="1800">
+                <a:latin typeface="맑은 고딕" charset="0"/>
+                <a:ea typeface="맑은 고딕" charset="0"/>
+              </a:rPr>
+              <a:t>string 값을</a:t>
+            </a:r>
+            <a:r>
+              <a:rPr lang="ko-KR" sz="1800">
+                <a:latin typeface="맑은 고딕" charset="0"/>
+                <a:ea typeface="맑은 고딕" charset="0"/>
+              </a:rPr>
+              <a:t> </a:t>
+            </a:r>
+            <a:r>
+              <a:rPr lang="ko-KR" sz="1800">
+                <a:latin typeface="맑은 고딕" charset="0"/>
+                <a:ea typeface="맑은 고딕" charset="0"/>
+              </a:rPr>
+              <a:t>넣어줍니다</a:t>
+            </a:r>
+            <a:r>
+              <a:rPr lang="ko-KR" sz="1800">
+                <a:latin typeface="맑은 고딕" charset="0"/>
+                <a:ea typeface="맑은 고딕" charset="0"/>
+              </a:rPr>
+              <a:t> </a:t>
             </a:r>
             <a:endParaRPr lang="ko-KR" altLang="en-US" sz="1800">
               <a:latin typeface="맑은 고딕" charset="0"/>
@@ -11167,14 +11449,14 @@
       </p:sp>
       <p:pic>
         <p:nvPicPr>
-          <p:cNvPr id="62" name="그림 14" descr="C:/Users/Admin1/AppData/Roaming/PolarisOffice/ETemp/10628_18467872/fImage728443298467.png"/>
+          <p:cNvPr id="64" name="그림 38" descr="C:/Users/Admin1/AppData/Roaming/PolarisOffice/ETemp/18644_16045856/fImage537522606962.png"/>
           <p:cNvPicPr>
             <a:picLocks noChangeAspect="1"/>
           </p:cNvPicPr>
           <p:nvPr/>
         </p:nvPicPr>
         <p:blipFill rotWithShape="1">
-          <a:blip r:embed="rId2" cstate="print">
+          <a:blip r:embed="rId5" cstate="print">
             <a:extLst>
               <a:ext uri="{28A0092B-C50C-407E-A947-70E740481C1C}">
                 <a14:useLocalDpi xmlns:a14="http://schemas.microsoft.com/office/drawing/2010/main" val="0"/>
@@ -11187,8 +11469,8 @@
         </p:blipFill>
         <p:spPr>
           <a:xfrm rot="0">
-            <a:off x="1231900" y="1447165"/>
-            <a:ext cx="4144010" cy="2248535"/>
+            <a:off x="1231900" y="1438275"/>
+            <a:ext cx="4135120" cy="2507615"/>
           </a:xfrm>
           <a:prstGeom prst="roundRect"/>
           <a:solidFill>
@@ -11198,14 +11480,14 @@
       </p:pic>
       <p:pic>
         <p:nvPicPr>
-          <p:cNvPr id="63" name="그림 17" descr="C:/Users/Admin1/AppData/Roaming/PolarisOffice/ETemp/10628_18467872/fImage356663306334.png"/>
+          <p:cNvPr id="65" name="그림 41" descr="C:/Users/Admin1/AppData/Roaming/PolarisOffice/ETemp/18644_16045856/fImage836232614464.png"/>
           <p:cNvPicPr>
             <a:picLocks noChangeAspect="1"/>
           </p:cNvPicPr>
           <p:nvPr/>
         </p:nvPicPr>
         <p:blipFill rotWithShape="1">
-          <a:blip r:embed="rId3" cstate="print">
+          <a:blip r:embed="rId6" cstate="print">
             <a:extLst>
               <a:ext uri="{28A0092B-C50C-407E-A947-70E740481C1C}">
                 <a14:useLocalDpi xmlns:a14="http://schemas.microsoft.com/office/drawing/2010/main" val="0"/>
@@ -11218,8 +11500,8 @@
         </p:blipFill>
         <p:spPr>
           <a:xfrm rot="0">
-            <a:off x="6804660" y="1438275"/>
-            <a:ext cx="4144010" cy="2249170"/>
+            <a:off x="6813550" y="1447165"/>
+            <a:ext cx="4144010" cy="2506980"/>
           </a:xfrm>
           <a:prstGeom prst="roundRect"/>
           <a:solidFill>
@@ -11313,9 +11595,9 @@
           <p:nvPr/>
         </p:nvSpPr>
         <p:spPr>
-          <a:xfrm>
-            <a:off x="4334510" y="467995"/>
-            <a:ext cx="3521075" cy="554990"/>
+          <a:xfrm rot="0">
+            <a:off x="4334510" y="398780"/>
+            <a:ext cx="3521710" cy="554990"/>
           </a:xfrm>
           <a:prstGeom prst="rect"/>
           <a:noFill/>
@@ -11330,28 +11612,21 @@
           </a:bodyPr>
           <a:lstStyle/>
           <a:p>
-            <a:pPr marL="0" indent="0" rtl="0" algn="l" defTabSz="914400" eaLnBrk="1" latinLnBrk="0" hangingPunct="1">
-              <a:buFontTx/>
-              <a:buNone/>
-            </a:pPr>
-            <a:r>
-              <a:rPr lang="ko-KR" sz="3000" b="1">
-                <a:latin typeface="맑은 고딕" charset="0"/>
-                <a:ea typeface="맑은 고딕" charset="0"/>
-              </a:rPr>
-              <a:t>열</a:t>
-            </a:r>
-            <a:r>
-              <a:rPr lang="ko-KR" sz="3000" b="1">
-                <a:latin typeface="맑은 고딕" charset="0"/>
-                <a:ea typeface="맑은 고딕" charset="0"/>
-              </a:rPr>
-              <a:t>세</a:t>
-            </a:r>
-            <a:r>
-              <a:rPr lang="ko-KR" sz="3000" b="1">
-                <a:latin typeface="맑은 고딕" charset="0"/>
-                <a:ea typeface="맑은 고딕" charset="0"/>
+            <a:pPr marL="0" indent="0" rtl="0" algn="ctr" defTabSz="914400" eaLnBrk="1" latinLnBrk="0" hangingPunct="1">
+              <a:buFontTx/>
+              <a:buNone/>
+            </a:pPr>
+            <a:r>
+              <a:rPr lang="ko-KR" sz="2500" b="1">
+                <a:latin typeface="나눔바른고딕" charset="0"/>
+                <a:ea typeface="나눔바른고딕" charset="0"/>
+              </a:rPr>
+              <a:t>열다섯</a:t>
+            </a:r>
+            <a:r>
+              <a:rPr lang="ko-KR" sz="2500" b="1">
+                <a:latin typeface="나눔바른고딕" charset="0"/>
+                <a:ea typeface="나눔바른고딕" charset="0"/>
               </a:rPr>
               <a:t> 번째 튜토리얼</a:t>
             </a:r>
@@ -11379,8 +11654,8 @@
         </p:nvSpPr>
         <p:spPr>
           <a:xfrm rot="0">
-            <a:off x="6781165" y="2868930"/>
-            <a:ext cx="4167505" cy="954405"/>
+            <a:off x="6822440" y="2696845"/>
+            <a:ext cx="4143375" cy="954405"/>
           </a:xfrm>
           <a:prstGeom prst="rect"/>
           <a:noFill/>
@@ -11407,7 +11682,27 @@
                 <a:latin typeface="맑은 고딕" charset="0"/>
                 <a:ea typeface="맑은 고딕" charset="0"/>
               </a:rPr>
-              <a:t>29.</a:t>
+              <a:t>3</a:t>
+            </a:r>
+            <a:r>
+              <a:rPr lang="ko-KR" sz="2000" b="1">
+                <a:solidFill>
+                  <a:srgbClr val="0611F2"/>
+                </a:solidFill>
+                <a:latin typeface="맑은 고딕" charset="0"/>
+                <a:ea typeface="맑은 고딕" charset="0"/>
+              </a:rPr>
+              <a:t>2</a:t>
+            </a:r>
+            <a:r>
+              <a:rPr lang="ko-KR" sz="2000" b="1">
+                <a:solidFill>
+                  <a:srgbClr val="0611F2"/>
+                </a:solidFill>
+                <a:latin typeface="맑은 고딕" charset="0"/>
+                <a:ea typeface="맑은 고딕" charset="0"/>
+              </a:rPr>
+              <a:t>.</a:t>
             </a:r>
             <a:r>
               <a:rPr lang="ko-KR" sz="2000">
@@ -11424,7 +11719,84 @@
                 <a:latin typeface="맑은 고딕" charset="0"/>
                 <a:ea typeface="맑은 고딕" charset="0"/>
               </a:rPr>
-              <a:t>이제 Photon Setting 오브젝트에 있는 스크립트에 각각의 InputField와 Dropdown 오브젝트를 넣어줍니다.</a:t>
+              <a:t>그런 다음 Photon </a:t>
+            </a:r>
+            <a:r>
+              <a:rPr lang="ko-KR" sz="1800">
+                <a:latin typeface="맑은 고딕" charset="0"/>
+                <a:ea typeface="맑은 고딕" charset="0"/>
+              </a:rPr>
+              <a:t>Setting</a:t>
+            </a:r>
+            <a:r>
+              <a:rPr lang="ko-KR" sz="1800">
+                <a:latin typeface="맑은 고딕" charset="0"/>
+                <a:ea typeface="맑은 고딕" charset="0"/>
+              </a:rPr>
+              <a:t> </a:t>
+            </a:r>
+            <a:r>
+              <a:rPr lang="ko-KR" sz="1800">
+                <a:latin typeface="맑은 고딕" charset="0"/>
+                <a:ea typeface="맑은 고딕" charset="0"/>
+              </a:rPr>
+              <a:t>스크립트에</a:t>
+            </a:r>
+            <a:r>
+              <a:rPr lang="ko-KR" sz="1800">
+                <a:latin typeface="맑은 고딕" charset="0"/>
+                <a:ea typeface="맑은 고딕" charset="0"/>
+              </a:rPr>
+              <a:t> 있는 Email </a:t>
+            </a:r>
+            <a:r>
+              <a:rPr lang="ko-KR" sz="1800">
+                <a:latin typeface="맑은 고딕" charset="0"/>
+                <a:ea typeface="맑은 고딕" charset="0"/>
+              </a:rPr>
+              <a:t>변수에 Em</a:t>
+            </a:r>
+            <a:r>
+              <a:rPr lang="ko-KR" sz="1800">
+                <a:latin typeface="맑은 고딕" charset="0"/>
+                <a:ea typeface="맑은 고딕" charset="0"/>
+              </a:rPr>
+              <a:t>ail </a:t>
+            </a:r>
+            <a:r>
+              <a:rPr lang="ko-KR" sz="1800">
+                <a:latin typeface="맑은 고딕" charset="0"/>
+                <a:ea typeface="맑은 고딕" charset="0"/>
+              </a:rPr>
+              <a:t>InputField</a:t>
+            </a:r>
+            <a:r>
+              <a:rPr lang="ko-KR" sz="1800">
+                <a:latin typeface="맑은 고딕" charset="0"/>
+                <a:ea typeface="맑은 고딕" charset="0"/>
+              </a:rPr>
+              <a:t> </a:t>
+            </a:r>
+            <a:r>
+              <a:rPr lang="ko-KR" sz="1800">
+                <a:latin typeface="맑은 고딕" charset="0"/>
+                <a:ea typeface="맑은 고딕" charset="0"/>
+              </a:rPr>
+              <a:t>오브젝트를</a:t>
+            </a:r>
+            <a:r>
+              <a:rPr lang="ko-KR" sz="1800">
+                <a:latin typeface="맑은 고딕" charset="0"/>
+                <a:ea typeface="맑은 고딕" charset="0"/>
+              </a:rPr>
+              <a:t> </a:t>
+            </a:r>
+            <a:r>
+              <a:rPr lang="ko-KR" sz="1800">
+                <a:latin typeface="맑은 고딕" charset="0"/>
+                <a:ea typeface="맑은 고딕" charset="0"/>
+              </a:rPr>
+              <a:t>넣어줍니다.</a:t>
             </a:r>
             <a:endParaRPr lang="ko-KR" altLang="en-US" sz="1800">
               <a:latin typeface="맑은 고딕" charset="0"/>
@@ -11442,9 +11814,9 @@
           <p:nvPr/>
         </p:nvSpPr>
         <p:spPr>
-          <a:xfrm>
-            <a:off x="1214120" y="4126865"/>
-            <a:ext cx="4157345" cy="2061845"/>
+          <a:xfrm rot="0">
+            <a:off x="1214755" y="4126865"/>
+            <a:ext cx="4152265" cy="2061845"/>
           </a:xfrm>
           <a:prstGeom prst="rect"/>
           <a:noFill/>
@@ -11471,7 +11843,27 @@
                 <a:latin typeface="맑은 고딕" charset="0"/>
                 <a:ea typeface="맑은 고딕" charset="0"/>
               </a:rPr>
-              <a:t>28.</a:t>
+              <a:t>3</a:t>
+            </a:r>
+            <a:r>
+              <a:rPr lang="ko-KR" sz="2000" b="1">
+                <a:solidFill>
+                  <a:srgbClr val="0611F2"/>
+                </a:solidFill>
+                <a:latin typeface="맑은 고딕" charset="0"/>
+                <a:ea typeface="맑은 고딕" charset="0"/>
+              </a:rPr>
+              <a:t>1</a:t>
+            </a:r>
+            <a:r>
+              <a:rPr lang="ko-KR" sz="2000" b="1">
+                <a:solidFill>
+                  <a:srgbClr val="0611F2"/>
+                </a:solidFill>
+                <a:latin typeface="맑은 고딕" charset="0"/>
+                <a:ea typeface="맑은 고딕" charset="0"/>
+              </a:rPr>
+              <a:t>.</a:t>
             </a:r>
             <a:r>
               <a:rPr lang="ko-KR" sz="2000">
@@ -11488,7 +11880,56 @@
                 <a:latin typeface="맑은 고딕" charset="0"/>
                 <a:ea typeface="맑은 고딕" charset="0"/>
               </a:rPr>
-              <a:t>마지막으로 Login( ) 함수를 생성하고 로그인에 대한 정보를 입력받습니다.</a:t>
+              <a:t>그러고 나서 Login( ) 함수를 </a:t>
+            </a:r>
+            <a:r>
+              <a:rPr lang="ko-KR" sz="1800">
+                <a:latin typeface="맑은 고딕" charset="0"/>
+                <a:ea typeface="맑은 고딕" charset="0"/>
+              </a:rPr>
+              <a:t>생성하고</a:t>
+            </a:r>
+            <a:r>
+              <a:rPr lang="ko-KR" sz="1800">
+                <a:latin typeface="맑은 고딕" charset="0"/>
+                <a:ea typeface="맑은 고딕" charset="0"/>
+              </a:rPr>
+              <a:t> </a:t>
+            </a:r>
+            <a:r>
+              <a:rPr lang="ko-KR" sz="1800">
+                <a:latin typeface="맑은 고딕" charset="0"/>
+                <a:ea typeface="맑은 고딕" charset="0"/>
+              </a:rPr>
+              <a:t>로그인에</a:t>
+            </a:r>
+            <a:r>
+              <a:rPr lang="ko-KR" sz="1800">
+                <a:latin typeface="맑은 고딕" charset="0"/>
+                <a:ea typeface="맑은 고딕" charset="0"/>
+              </a:rPr>
+              <a:t> </a:t>
+            </a:r>
+            <a:r>
+              <a:rPr lang="ko-KR" sz="1800">
+                <a:latin typeface="맑은 고딕" charset="0"/>
+                <a:ea typeface="맑은 고딕" charset="0"/>
+              </a:rPr>
+              <a:t>대한</a:t>
+            </a:r>
+            <a:r>
+              <a:rPr lang="ko-KR" sz="1800">
+                <a:latin typeface="맑은 고딕" charset="0"/>
+                <a:ea typeface="맑은 고딕" charset="0"/>
+              </a:rPr>
+              <a:t> 정보를 </a:t>
+            </a:r>
+            <a:r>
+              <a:rPr lang="ko-KR" sz="1800">
+                <a:latin typeface="맑은 고딕" charset="0"/>
+                <a:ea typeface="맑은 고딕" charset="0"/>
+              </a:rPr>
+              <a:t>입력받습니다.</a:t>
             </a:r>
             <a:endParaRPr lang="ko-KR" altLang="en-US" sz="1800">
               <a:latin typeface="맑은 고딕" charset="0"/>
@@ -11515,21 +11956,105 @@
                 <a:latin typeface="맑은 고딕" charset="0"/>
                 <a:ea typeface="맑은 고딕" charset="0"/>
               </a:rPr>
-              <a:t>그</a:t>
-            </a:r>
-            <a:r>
-              <a:rPr lang="ko-KR" sz="1800">
-                <a:latin typeface="맑은 고딕" charset="0"/>
-                <a:ea typeface="맑은 고딕" charset="0"/>
-              </a:rPr>
-              <a:t>러고 나서</a:t>
-            </a:r>
-            <a:r>
-              <a:rPr lang="ko-KR" sz="1800">
-                <a:latin typeface="맑은 고딕" charset="0"/>
-                <a:ea typeface="맑은 고딕" charset="0"/>
-              </a:rPr>
-              <a:t> 로그인의 여부를 설정하는 LoginWithEmailAddress라는 함수로 로그인 인증 절차를 확인합니다.</a:t>
+              <a:t>그다음</a:t>
+            </a:r>
+            <a:r>
+              <a:rPr lang="ko-KR" sz="1800">
+                <a:latin typeface="맑은 고딕" charset="0"/>
+                <a:ea typeface="맑은 고딕" charset="0"/>
+              </a:rPr>
+              <a:t> 로그인의 여부를 </a:t>
+            </a:r>
+            <a:r>
+              <a:rPr lang="ko-KR" sz="1800">
+                <a:latin typeface="맑은 고딕" charset="0"/>
+                <a:ea typeface="맑은 고딕" charset="0"/>
+              </a:rPr>
+              <a:t>설정하는</a:t>
+            </a:r>
+            <a:r>
+              <a:rPr lang="ko-KR" sz="1800">
+                <a:latin typeface="맑은 고딕" charset="0"/>
+                <a:ea typeface="맑은 고딕" charset="0"/>
+              </a:rPr>
+              <a:t> </a:t>
+            </a:r>
+            <a:r>
+              <a:rPr lang="ko-KR" sz="1800">
+                <a:latin typeface="맑은 고딕" charset="0"/>
+                <a:ea typeface="맑은 고딕" charset="0"/>
+              </a:rPr>
+              <a:t>LoginWithEmailAddress(</a:t>
+            </a:r>
+            <a:r>
+              <a:rPr lang="ko-KR" sz="1800">
+                <a:latin typeface="맑은 고딕" charset="0"/>
+                <a:ea typeface="맑은 고딕" charset="0"/>
+              </a:rPr>
+              <a:t> </a:t>
+            </a:r>
+            <a:r>
+              <a:rPr lang="ko-KR" sz="1800">
+                <a:latin typeface="맑은 고딕" charset="0"/>
+                <a:ea typeface="맑은 고딕" charset="0"/>
+              </a:rPr>
+              <a:t>)</a:t>
+            </a:r>
+            <a:r>
+              <a:rPr lang="ko-KR" sz="1800">
+                <a:latin typeface="맑은 고딕" charset="0"/>
+                <a:ea typeface="맑은 고딕" charset="0"/>
+              </a:rPr>
+              <a:t> </a:t>
+            </a:r>
+            <a:r>
+              <a:rPr lang="ko-KR" sz="1800">
+                <a:latin typeface="맑은 고딕" charset="0"/>
+                <a:ea typeface="맑은 고딕" charset="0"/>
+              </a:rPr>
+              <a:t>함수로</a:t>
+            </a:r>
+            <a:r>
+              <a:rPr lang="ko-KR" sz="1800">
+                <a:latin typeface="맑은 고딕" charset="0"/>
+                <a:ea typeface="맑은 고딕" charset="0"/>
+              </a:rPr>
+              <a:t> </a:t>
+            </a:r>
+            <a:r>
+              <a:rPr lang="ko-KR" sz="1800">
+                <a:latin typeface="맑은 고딕" charset="0"/>
+                <a:ea typeface="맑은 고딕" charset="0"/>
+              </a:rPr>
+              <a:t>로그인</a:t>
+            </a:r>
+            <a:r>
+              <a:rPr lang="ko-KR" sz="1800">
+                <a:latin typeface="맑은 고딕" charset="0"/>
+                <a:ea typeface="맑은 고딕" charset="0"/>
+              </a:rPr>
+              <a:t> </a:t>
+            </a:r>
+            <a:r>
+              <a:rPr lang="ko-KR" sz="1800">
+                <a:latin typeface="맑은 고딕" charset="0"/>
+                <a:ea typeface="맑은 고딕" charset="0"/>
+              </a:rPr>
+              <a:t>인증</a:t>
+            </a:r>
+            <a:r>
+              <a:rPr lang="ko-KR" sz="1800">
+                <a:latin typeface="맑은 고딕" charset="0"/>
+                <a:ea typeface="맑은 고딕" charset="0"/>
+              </a:rPr>
+              <a:t> 절차를 </a:t>
+            </a:r>
+            <a:r>
+              <a:rPr lang="ko-KR" sz="1800">
+                <a:latin typeface="맑은 고딕" charset="0"/>
+                <a:ea typeface="맑은 고딕" charset="0"/>
+              </a:rPr>
+              <a:t>확인합니다.</a:t>
             </a:r>
             <a:endParaRPr lang="ko-KR" altLang="en-US" sz="1800">
               <a:latin typeface="맑은 고딕" charset="0"/>
@@ -11540,7 +12065,7 @@
       </p:sp>
       <p:pic>
         <p:nvPicPr>
-          <p:cNvPr id="61" name="그림 63" descr="C:/Users/Admin1/AppData/Roaming/PolarisOffice/ETemp/20636_16816336/fImage341333385447.png"/>
+          <p:cNvPr id="61" name="그림 63" descr="C:/Users/Admin1/AppData/Roaming/PolarisOffice/ETemp/18644_16045856/fImage341333385447.png"/>
           <p:cNvPicPr>
             <a:picLocks noChangeAspect="1"/>
           </p:cNvPicPr>
@@ -11560,8 +12085,8 @@
         </p:blipFill>
         <p:spPr>
           <a:xfrm rot="0">
-            <a:off x="1222375" y="1404620"/>
-            <a:ext cx="4149090" cy="2603500"/>
+            <a:off x="1222375" y="1455420"/>
+            <a:ext cx="4149725" cy="2553335"/>
           </a:xfrm>
           <a:prstGeom prst="roundRect"/>
           <a:solidFill>
@@ -11571,14 +12096,14 @@
       </p:pic>
       <p:pic>
         <p:nvPicPr>
-          <p:cNvPr id="74" name="그림 36" descr="C:/Users/Admin1/AppData/Roaming/PolarisOffice/ETemp/20636_16816336/fImage125122491478.png"/>
+          <p:cNvPr id="62" name="그림 44" descr="C:/Users/Admin1/AppData/Roaming/PolarisOffice/ETemp/18644_16045856/fImage80842625705.png"/>
           <p:cNvPicPr>
             <a:picLocks noChangeAspect="1"/>
           </p:cNvPicPr>
           <p:nvPr/>
         </p:nvPicPr>
         <p:blipFill rotWithShape="1">
-          <a:blip r:embed="rId8" cstate="print">
+          <a:blip r:embed="rId11" cstate="print">
             <a:extLst>
               <a:ext uri="{28A0092B-C50C-407E-A947-70E740481C1C}">
                 <a14:useLocalDpi xmlns:a14="http://schemas.microsoft.com/office/drawing/2010/main" val="0"/>
@@ -11591,8 +12116,8 @@
         </p:blipFill>
         <p:spPr>
           <a:xfrm rot="0">
-            <a:off x="6784340" y="1410970"/>
-            <a:ext cx="2767965" cy="1374775"/>
+            <a:off x="6822440" y="1447165"/>
+            <a:ext cx="1257935" cy="1153160"/>
           </a:xfrm>
           <a:prstGeom prst="roundRect"/>
           <a:solidFill>
@@ -11602,14 +12127,14 @@
       </p:pic>
       <p:pic>
         <p:nvPicPr>
-          <p:cNvPr id="75" name="그림 39" descr="C:/Users/Admin1/AppData/Roaming/PolarisOffice/ETemp/20636_16816336/fImage94542509358.png"/>
+          <p:cNvPr id="63" name="그림 47" descr="C:/Users/Admin1/AppData/Roaming/PolarisOffice/ETemp/18644_16045856/fImage96052638145.png"/>
           <p:cNvPicPr>
             <a:picLocks noChangeAspect="1"/>
           </p:cNvPicPr>
           <p:nvPr/>
         </p:nvPicPr>
         <p:blipFill rotWithShape="1">
-          <a:blip r:embed="rId9" cstate="print">
+          <a:blip r:embed="rId12" cstate="print">
             <a:extLst>
               <a:ext uri="{28A0092B-C50C-407E-A947-70E740481C1C}">
                 <a14:useLocalDpi xmlns:a14="http://schemas.microsoft.com/office/drawing/2010/main" val="0"/>
@@ -11622,8 +12147,8 @@
         </p:blipFill>
         <p:spPr>
           <a:xfrm rot="0">
-            <a:off x="9659620" y="1401445"/>
-            <a:ext cx="1289050" cy="1384300"/>
+            <a:off x="8200390" y="1447165"/>
+            <a:ext cx="2757170" cy="1154430"/>
           </a:xfrm>
           <a:prstGeom prst="roundRect"/>
           <a:solidFill>
@@ -11633,82 +12158,19 @@
       </p:pic>
       <p:cxnSp>
         <p:nvCxnSpPr>
-          <p:cNvPr id="70" name="도형 33"/>
+          <p:cNvPr id="64" name="도형 50"/>
           <p:cNvCxnSpPr/>
           <p:nvPr/>
         </p:nvCxnSpPr>
         <p:spPr>
-          <a:xfrm rot="0" flipH="1">
-            <a:off x="9460230" y="2194560"/>
-            <a:ext cx="416560" cy="125095"/>
+          <a:xfrm rot="0" flipV="1">
+            <a:off x="7839075" y="2127885"/>
+            <a:ext cx="3032760" cy="52070"/>
           </a:xfrm>
           <a:prstGeom prst="straightConnector1"/>
           <a:ln w="6350" cap="flat" cmpd="sng">
             <a:prstDash/>
-            <a:tailEnd type="triangle" w="med" len="med"/>
-          </a:ln>
-        </p:spPr>
-        <p:style>
-          <a:lnRef idx="1">
-            <a:schemeClr val="accent1"/>
-          </a:lnRef>
-          <a:fillRef idx="0">
-            <a:schemeClr val="accent1"/>
-          </a:fillRef>
-          <a:effectRef idx="0">
-            <a:schemeClr val="accent1"/>
-          </a:effectRef>
-          <a:fontRef idx="minor">
-            <a:schemeClr val="tx1"/>
-          </a:fontRef>
-        </p:style>
-      </p:cxnSp>
-      <p:cxnSp>
-        <p:nvCxnSpPr>
-          <p:cNvPr id="71" name="도형 34"/>
-          <p:cNvCxnSpPr/>
-          <p:nvPr/>
-        </p:nvCxnSpPr>
-        <p:spPr>
-          <a:xfrm rot="0" flipH="1">
-            <a:off x="9468485" y="2302510"/>
-            <a:ext cx="408305" cy="258445"/>
-          </a:xfrm>
-          <a:prstGeom prst="straightConnector1"/>
-          <a:ln w="6350" cap="flat" cmpd="sng">
-            <a:prstDash/>
-            <a:tailEnd type="triangle" w="med" len="med"/>
-          </a:ln>
-        </p:spPr>
-        <p:style>
-          <a:lnRef idx="1">
-            <a:schemeClr val="accent1"/>
-          </a:lnRef>
-          <a:fillRef idx="0">
-            <a:schemeClr val="accent1"/>
-          </a:fillRef>
-          <a:effectRef idx="0">
-            <a:schemeClr val="accent1"/>
-          </a:effectRef>
-          <a:fontRef idx="minor">
-            <a:schemeClr val="tx1"/>
-          </a:fontRef>
-        </p:style>
-      </p:cxnSp>
-      <p:cxnSp>
-        <p:nvCxnSpPr>
-          <p:cNvPr id="72" name="도형 37"/>
-          <p:cNvCxnSpPr/>
-          <p:nvPr/>
-        </p:nvCxnSpPr>
-        <p:spPr>
-          <a:xfrm rot="0" flipH="1" flipV="1">
-            <a:off x="9476740" y="2078355"/>
-            <a:ext cx="408305" cy="349885"/>
-          </a:xfrm>
-          <a:prstGeom prst="straightConnector1"/>
-          <a:ln w="6350" cap="flat" cmpd="sng">
-            <a:prstDash/>
+            <a:headEnd type="none" w="med" len="med"/>
             <a:tailEnd type="triangle" w="med" len="med"/>
           </a:ln>
         </p:spPr>
@@ -11729,14 +12191,14 @@
       </p:cxnSp>
       <p:pic>
         <p:nvPicPr>
-          <p:cNvPr id="76" name="그림 44" descr="C:/Users/Admin1/AppData/Roaming/PolarisOffice/ETemp/20636_16816336/fImage131623402995.png"/>
+          <p:cNvPr id="65" name="그림 51" descr="C:/Users/Admin1/AppData/Roaming/PolarisOffice/ETemp/18644_16045856/fImage125453266827.png"/>
           <p:cNvPicPr>
             <a:picLocks noChangeAspect="1"/>
           </p:cNvPicPr>
           <p:nvPr/>
         </p:nvPicPr>
         <p:blipFill rotWithShape="1">
-          <a:blip r:embed="rId10" cstate="hqprint">
+          <a:blip r:embed="rId13" cstate="hqprint">
             <a:extLst>
               <a:ext uri="{28A0092B-C50C-407E-A947-70E740481C1C}">
                 <a14:useLocalDpi xmlns:a14="http://schemas.microsoft.com/office/drawing/2010/main"/>
@@ -11749,8 +12211,8 @@
         </p:blipFill>
         <p:spPr>
           <a:xfrm rot="0">
-            <a:off x="6791960" y="3938270"/>
-            <a:ext cx="4148455" cy="1241425"/>
+            <a:off x="6822440" y="3781425"/>
+            <a:ext cx="4143375" cy="1378585"/>
           </a:xfrm>
           <a:prstGeom prst="roundRect"/>
           <a:solidFill>
@@ -11760,7 +12222,7 @@
       </p:pic>
       <p:sp>
         <p:nvSpPr>
-          <p:cNvPr id="77" name="텍스트 상자 45"/>
+          <p:cNvPr id="67" name="텍스트 상자 53"/>
           <p:cNvSpPr txBox="1">
             <a:spLocks/>
           </p:cNvSpPr>
@@ -11768,8 +12230,8 @@
         </p:nvSpPr>
         <p:spPr>
           <a:xfrm rot="0">
-            <a:off x="6791960" y="5232400"/>
-            <a:ext cx="4156710" cy="954405"/>
+            <a:off x="6825615" y="5232400"/>
+            <a:ext cx="4140200" cy="954405"/>
           </a:xfrm>
           <a:prstGeom prst="rect"/>
           <a:noFill/>
@@ -11796,17 +12258,7 @@
                 <a:latin typeface="맑은 고딕" charset="0"/>
                 <a:ea typeface="맑은 고딕" charset="0"/>
               </a:rPr>
-              <a:t>30</a:t>
-            </a:r>
-            <a:r>
-              <a:rPr lang="ko-KR" sz="2000" b="1">
-                <a:solidFill>
-                  <a:srgbClr val="0611F2"/>
-                </a:solidFill>
-                <a:latin typeface="맑은 고딕" charset="0"/>
-                <a:ea typeface="맑은 고딕" charset="0"/>
-              </a:rPr>
-              <a:t>.</a:t>
+              <a:t>33.</a:t>
             </a:r>
             <a:r>
               <a:rPr lang="ko-KR" sz="2000">
@@ -11823,21 +12275,42 @@
                 <a:latin typeface="맑은 고딕" charset="0"/>
                 <a:ea typeface="맑은 고딕" charset="0"/>
               </a:rPr>
-              <a:t>그</a:t>
-            </a:r>
-            <a:r>
-              <a:rPr lang="ko-KR" sz="1800">
-                <a:latin typeface="맑은 고딕" charset="0"/>
-                <a:ea typeface="맑은 고딕" charset="0"/>
-              </a:rPr>
-              <a:t>리고</a:t>
-            </a:r>
-            <a:r>
-              <a:rPr lang="ko-KR" sz="1800">
-                <a:latin typeface="맑은 고딕" charset="0"/>
-                <a:ea typeface="맑은 고딕" charset="0"/>
-              </a:rPr>
-              <a:t> Region DropDown 오브젝트의 앵커를 지정하고 위치와 회전 값을 설정합니다.</a:t>
+              <a:t>이제 Email Input 오브젝트의 </a:t>
+            </a:r>
+            <a:r>
+              <a:rPr lang="ko-KR" sz="1800">
+                <a:latin typeface="맑은 고딕" charset="0"/>
+                <a:ea typeface="맑은 고딕" charset="0"/>
+              </a:rPr>
+              <a:t>앵커를</a:t>
+            </a:r>
+            <a:r>
+              <a:rPr lang="ko-KR" sz="1800">
+                <a:latin typeface="맑은 고딕" charset="0"/>
+                <a:ea typeface="맑은 고딕" charset="0"/>
+              </a:rPr>
+              <a:t> </a:t>
+            </a:r>
+            <a:r>
+              <a:rPr lang="ko-KR" sz="1800">
+                <a:latin typeface="맑은 고딕" charset="0"/>
+                <a:ea typeface="맑은 고딕" charset="0"/>
+              </a:rPr>
+              <a:t>지정하고 </a:t>
+            </a:r>
+            <a:r>
+              <a:rPr lang="ko-KR" sz="1800">
+                <a:latin typeface="맑은 고딕" charset="0"/>
+                <a:ea typeface="맑은 고딕" charset="0"/>
+              </a:rPr>
+              <a:t>위치와 크기를 </a:t>
+            </a:r>
+            <a:r>
+              <a:rPr lang="ko-KR" sz="1800">
+                <a:latin typeface="맑은 고딕" charset="0"/>
+                <a:ea typeface="맑은 고딕" charset="0"/>
+              </a:rPr>
+              <a:t>설정합니다.</a:t>
             </a:r>
             <a:endParaRPr lang="ko-KR" altLang="en-US" sz="1800">
               <a:latin typeface="맑은 고딕" charset="0"/>
@@ -11870,7 +12343,7 @@
 </file>
 
 <file path=ppt/slides/slide16.xml><?xml version="1.0" encoding="utf-8"?>
-<p:sld xmlns:a="http://schemas.openxmlformats.org/drawingml/2006/main" xmlns:r="http://schemas.openxmlformats.org/officeDocument/2006/relationships" xmlns:p="http://schemas.openxmlformats.org/presentationml/2006/main" xmlns:p14="http://schemas.microsoft.com/office/powerpoint/2010/main">
+<p:sld xmlns:a="http://schemas.openxmlformats.org/drawingml/2006/main" xmlns:r="http://schemas.openxmlformats.org/officeDocument/2006/relationships" xmlns:p="http://schemas.openxmlformats.org/presentationml/2006/main">
   <p:cSld>
     <p:spTree>
       <p:nvGrpSpPr>
@@ -11897,7 +12370,7 @@
         <p:spPr>
           <a:xfrm rot="0">
             <a:off x="1229995" y="1337310"/>
-            <a:ext cx="4039235" cy="370840"/>
+            <a:ext cx="4039870" cy="371475"/>
           </a:xfrm>
           <a:prstGeom prst="rect"/>
           <a:noFill/>
@@ -11932,9 +12405,9 @@
           <p:nvPr/>
         </p:nvSpPr>
         <p:spPr>
-          <a:xfrm>
-            <a:off x="4334510" y="467995"/>
-            <a:ext cx="3521075" cy="554990"/>
+          <a:xfrm rot="0">
+            <a:off x="4334510" y="398780"/>
+            <a:ext cx="3521710" cy="554990"/>
           </a:xfrm>
           <a:prstGeom prst="rect"/>
           <a:noFill/>
@@ -11949,28 +12422,21 @@
           </a:bodyPr>
           <a:lstStyle/>
           <a:p>
-            <a:pPr marL="0" indent="0" rtl="0" algn="l" defTabSz="914400" eaLnBrk="1" latinLnBrk="0" hangingPunct="1">
-              <a:buFontTx/>
-              <a:buNone/>
-            </a:pPr>
-            <a:r>
-              <a:rPr lang="ko-KR" sz="3000" b="1">
-                <a:latin typeface="맑은 고딕" charset="0"/>
-                <a:ea typeface="맑은 고딕" charset="0"/>
-              </a:rPr>
-              <a:t>열</a:t>
-            </a:r>
-            <a:r>
-              <a:rPr lang="ko-KR" sz="3000" b="1">
-                <a:latin typeface="맑은 고딕" charset="0"/>
-                <a:ea typeface="맑은 고딕" charset="0"/>
-              </a:rPr>
-              <a:t>네</a:t>
-            </a:r>
-            <a:r>
-              <a:rPr lang="ko-KR" sz="3000" b="1">
-                <a:latin typeface="맑은 고딕" charset="0"/>
-                <a:ea typeface="맑은 고딕" charset="0"/>
+            <a:pPr marL="0" indent="0" rtl="0" algn="ctr" defTabSz="914400" eaLnBrk="1" latinLnBrk="0" hangingPunct="1">
+              <a:buFontTx/>
+              <a:buNone/>
+            </a:pPr>
+            <a:r>
+              <a:rPr lang="ko-KR" sz="2500" b="1">
+                <a:latin typeface="나눔바른고딕" charset="0"/>
+                <a:ea typeface="나눔바른고딕" charset="0"/>
+              </a:rPr>
+              <a:t>열여섯</a:t>
+            </a:r>
+            <a:r>
+              <a:rPr lang="ko-KR" sz="2500" b="1">
+                <a:latin typeface="나눔바른고딕" charset="0"/>
+                <a:ea typeface="나눔바른고딕" charset="0"/>
               </a:rPr>
               <a:t> 번째 튜토리얼</a:t>
             </a:r>
@@ -11990,16 +12456,16 @@
       </p:sp>
       <p:sp>
         <p:nvSpPr>
-          <p:cNvPr id="57" name="Rect 0"/>
+          <p:cNvPr id="60" name="Rect 0"/>
           <p:cNvSpPr txBox="1">
             <a:spLocks/>
           </p:cNvSpPr>
           <p:nvPr/>
         </p:nvSpPr>
         <p:spPr>
-          <a:xfrm>
-            <a:off x="6711315" y="5468620"/>
-            <a:ext cx="4271645" cy="677545"/>
+          <a:xfrm rot="0">
+            <a:off x="1231900" y="2714625"/>
+            <a:ext cx="4126865" cy="677545"/>
           </a:xfrm>
           <a:prstGeom prst="rect"/>
           <a:noFill/>
@@ -12026,27 +12492,7 @@
                 <a:latin typeface="맑은 고딕" charset="0"/>
                 <a:ea typeface="맑은 고딕" charset="0"/>
               </a:rPr>
-              <a:t>3</a:t>
-            </a:r>
-            <a:r>
-              <a:rPr lang="ko-KR" sz="2000" b="1">
-                <a:solidFill>
-                  <a:srgbClr val="0611F2"/>
-                </a:solidFill>
-                <a:latin typeface="맑은 고딕" charset="0"/>
-                <a:ea typeface="맑은 고딕" charset="0"/>
-              </a:rPr>
-              <a:t>2</a:t>
-            </a:r>
-            <a:r>
-              <a:rPr lang="ko-KR" sz="2000" b="1">
-                <a:solidFill>
-                  <a:srgbClr val="0611F2"/>
-                </a:solidFill>
-                <a:latin typeface="맑은 고딕" charset="0"/>
-                <a:ea typeface="맑은 고딕" charset="0"/>
-              </a:rPr>
-              <a:t>.</a:t>
+              <a:t>34.</a:t>
             </a:r>
             <a:r>
               <a:rPr lang="ko-KR" sz="2000">
@@ -12063,68 +12509,83 @@
                 <a:latin typeface="맑은 고딕" charset="0"/>
                 <a:ea typeface="맑은 고딕" charset="0"/>
               </a:rPr>
-              <a:t>그</a:t>
-            </a:r>
-            <a:r>
-              <a:rPr lang="ko-KR" sz="1800">
-                <a:latin typeface="맑은 고딕" charset="0"/>
-                <a:ea typeface="맑은 고딕" charset="0"/>
-              </a:rPr>
-              <a:t>다음</a:t>
-            </a:r>
-            <a:r>
-              <a:rPr lang="ko-KR" sz="1800">
-                <a:latin typeface="맑은 고딕" charset="0"/>
-                <a:ea typeface="맑은 고딕" charset="0"/>
-              </a:rPr>
-              <a:t> PhotonSetting를 선택하고</a:t>
+              <a:t>그리고 Sign In Button </a:t>
+            </a:r>
+            <a:r>
+              <a:rPr lang="ko-KR" sz="1800">
+                <a:latin typeface="맑은 고딕" charset="0"/>
+                <a:ea typeface="맑은 고딕" charset="0"/>
+              </a:rPr>
+              <a:t>오브젝트의</a:t>
+            </a:r>
+            <a:r>
+              <a:rPr lang="ko-KR" sz="1800">
+                <a:latin typeface="맑은 고딕" charset="0"/>
+                <a:ea typeface="맑은 고딕" charset="0"/>
+              </a:rPr>
+              <a:t> </a:t>
+            </a:r>
+            <a:r>
+              <a:rPr lang="ko-KR" sz="1800">
+                <a:latin typeface="맑은 고딕" charset="0"/>
+                <a:ea typeface="맑은 고딕" charset="0"/>
+              </a:rPr>
+              <a:t>O</a:t>
+            </a:r>
+            <a:r>
+              <a:rPr lang="ko-KR" sz="1800">
+                <a:latin typeface="맑은 고딕" charset="0"/>
+                <a:ea typeface="맑은 고딕" charset="0"/>
+              </a:rPr>
+              <a:t>n</a:t>
+            </a:r>
+            <a:r>
+              <a:rPr lang="ko-KR" sz="1800">
+                <a:latin typeface="맑은 고딕" charset="0"/>
+                <a:ea typeface="맑은 고딕" charset="0"/>
+              </a:rPr>
+              <a:t>C</a:t>
+            </a:r>
+            <a:r>
+              <a:rPr lang="ko-KR" sz="1800">
+                <a:latin typeface="맑은 고딕" charset="0"/>
+                <a:ea typeface="맑은 고딕" charset="0"/>
+              </a:rPr>
+              <a:t>lick(</a:t>
+            </a:r>
+            <a:r>
+              <a:rPr lang="ko-KR" sz="1800">
+                <a:latin typeface="맑은 고딕" charset="0"/>
+                <a:ea typeface="맑은 고딕" charset="0"/>
+              </a:rPr>
+              <a:t> </a:t>
+            </a:r>
+            <a:r>
+              <a:rPr lang="ko-KR" sz="1800">
+                <a:latin typeface="맑은 고딕" charset="0"/>
+                <a:ea typeface="맑은 고딕" charset="0"/>
+              </a:rPr>
+              <a:t>) 함수를 추가합니다.</a:t>
             </a:r>
             <a:endParaRPr lang="ko-KR" altLang="en-US" sz="1800">
               <a:latin typeface="맑은 고딕" charset="0"/>
               <a:ea typeface="맑은 고딕" charset="0"/>
             </a:endParaRPr>
           </a:p>
-          <a:p>
-            <a:pPr marL="0" indent="0" rtl="0" algn="l" defTabSz="914400" eaLnBrk="1" latinLnBrk="0" hangingPunct="1">
-              <a:buFontTx/>
-              <a:buNone/>
-            </a:pPr>
-            <a:r>
-              <a:rPr lang="ko-KR" sz="1800">
-                <a:solidFill>
-                  <a:srgbClr val="009900"/>
-                </a:solidFill>
-                <a:latin typeface="맑은 고딕" charset="0"/>
-                <a:ea typeface="맑은 고딕" charset="0"/>
-              </a:rPr>
-              <a:t>[ SignUp( ) ]</a:t>
-            </a:r>
-            <a:r>
-              <a:rPr lang="ko-KR" sz="1800">
-                <a:latin typeface="맑은 고딕" charset="0"/>
-                <a:ea typeface="맑은 고딕" charset="0"/>
-              </a:rPr>
-              <a:t>이라는 함수를 설정합니다. </a:t>
-            </a:r>
-            <a:endParaRPr lang="ko-KR" altLang="en-US" sz="1800">
-              <a:latin typeface="맑은 고딕" charset="0"/>
-              <a:ea typeface="맑은 고딕" charset="0"/>
-            </a:endParaRPr>
-          </a:p>
-        </p:txBody>
-      </p:sp>
-      <p:sp>
-        <p:nvSpPr>
-          <p:cNvPr id="60" name="Rect 0"/>
+        </p:txBody>
+      </p:sp>
+      <p:sp>
+        <p:nvSpPr>
+          <p:cNvPr id="67" name="Rect 0"/>
           <p:cNvSpPr txBox="1">
             <a:spLocks/>
           </p:cNvSpPr>
           <p:nvPr/>
         </p:nvSpPr>
         <p:spPr>
-          <a:xfrm>
-            <a:off x="1229360" y="5192395"/>
-            <a:ext cx="4117340" cy="954405"/>
+          <a:xfrm rot="0">
+            <a:off x="6816725" y="5249545"/>
+            <a:ext cx="4149090" cy="954405"/>
           </a:xfrm>
           <a:prstGeom prst="rect"/>
           <a:noFill/>
@@ -12161,7 +12622,7 @@
                 <a:latin typeface="맑은 고딕" charset="0"/>
                 <a:ea typeface="맑은 고딕" charset="0"/>
               </a:rPr>
-              <a:t>1</a:t>
+              <a:t>7</a:t>
             </a:r>
             <a:r>
               <a:rPr lang="ko-KR" sz="2000" b="1">
@@ -12188,7 +12649,147 @@
                 <a:latin typeface="맑은 고딕" charset="0"/>
                 <a:ea typeface="맑은 고딕" charset="0"/>
               </a:rPr>
-              <a:t>그런 다음 Sign Up Button 오브젝트의 On Click( ) 함수에 Photon Setting 오브젝트를 넣어줍니다.</a:t>
+              <a:t>그다음 </a:t>
+            </a:r>
+            <a:r>
+              <a:rPr sz="1800">
+                <a:latin typeface="맑은 고딕" charset="0"/>
+                <a:ea typeface="맑은 고딕" charset="0"/>
+              </a:rPr>
+              <a:t>Sign In Button </a:t>
+            </a:r>
+            <a:r>
+              <a:rPr sz="1800">
+                <a:latin typeface="맑은 고딕" charset="0"/>
+                <a:ea typeface="맑은 고딕" charset="0"/>
+              </a:rPr>
+              <a:t>오브젝트</a:t>
+            </a:r>
+            <a:r>
+              <a:rPr lang="ko-KR" sz="1800">
+                <a:latin typeface="맑은 고딕" charset="0"/>
+                <a:ea typeface="맑은 고딕" charset="0"/>
+              </a:rPr>
+              <a:t>에 </a:t>
+            </a:r>
+            <a:r>
+              <a:rPr lang="ko-KR" sz="1800">
+                <a:latin typeface="맑은 고딕" charset="0"/>
+                <a:ea typeface="맑은 고딕" charset="0"/>
+              </a:rPr>
+              <a:t>있는</a:t>
+            </a:r>
+            <a:r>
+              <a:rPr sz="1800">
+                <a:latin typeface="맑은 고딕" charset="0"/>
+                <a:ea typeface="맑은 고딕" charset="0"/>
+              </a:rPr>
+              <a:t> </a:t>
+            </a:r>
+            <a:r>
+              <a:rPr sz="1800">
+                <a:latin typeface="맑은 고딕" charset="0"/>
+                <a:ea typeface="맑은 고딕" charset="0"/>
+              </a:rPr>
+              <a:t>On</a:t>
+            </a:r>
+            <a:r>
+              <a:rPr sz="1800">
+                <a:latin typeface="맑은 고딕" charset="0"/>
+                <a:ea typeface="맑은 고딕" charset="0"/>
+              </a:rPr>
+              <a:t> </a:t>
+            </a:r>
+            <a:r>
+              <a:rPr sz="1800">
+                <a:latin typeface="맑은 고딕" charset="0"/>
+                <a:ea typeface="맑은 고딕" charset="0"/>
+              </a:rPr>
+              <a:t>Click(</a:t>
+            </a:r>
+            <a:r>
+              <a:rPr sz="1800">
+                <a:latin typeface="맑은 고딕" charset="0"/>
+                <a:ea typeface="맑은 고딕" charset="0"/>
+              </a:rPr>
+              <a:t> </a:t>
+            </a:r>
+            <a:r>
+              <a:rPr sz="1800">
+                <a:latin typeface="맑은 고딕" charset="0"/>
+                <a:ea typeface="맑은 고딕" charset="0"/>
+              </a:rPr>
+              <a:t>)</a:t>
+            </a:r>
+            <a:r>
+              <a:rPr sz="1800">
+                <a:latin typeface="맑은 고딕" charset="0"/>
+                <a:ea typeface="맑은 고딕" charset="0"/>
+              </a:rPr>
+              <a:t> </a:t>
+            </a:r>
+            <a:r>
+              <a:rPr sz="1800">
+                <a:latin typeface="맑은 고딕" charset="0"/>
+                <a:ea typeface="맑은 고딕" charset="0"/>
+              </a:rPr>
+              <a:t>함수에</a:t>
+            </a:r>
+            <a:r>
+              <a:rPr sz="1800">
+                <a:latin typeface="맑은 고딕" charset="0"/>
+                <a:ea typeface="맑은 고딕" charset="0"/>
+              </a:rPr>
+              <a:t> </a:t>
+            </a:r>
+            <a:r>
+              <a:rPr sz="1800">
+                <a:latin typeface="맑은 고딕" charset="0"/>
+                <a:ea typeface="맑은 고딕" charset="0"/>
+              </a:rPr>
+              <a:t>Login(</a:t>
+            </a:r>
+            <a:r>
+              <a:rPr sz="1800">
+                <a:latin typeface="맑은 고딕" charset="0"/>
+                <a:ea typeface="맑은 고딕" charset="0"/>
+              </a:rPr>
+              <a:t> </a:t>
+            </a:r>
+            <a:r>
+              <a:rPr sz="1800">
+                <a:latin typeface="맑은 고딕" charset="0"/>
+                <a:ea typeface="맑은 고딕" charset="0"/>
+              </a:rPr>
+              <a:t>) </a:t>
+            </a:r>
+            <a:r>
+              <a:rPr sz="1800">
+                <a:latin typeface="맑은 고딕" charset="0"/>
+                <a:ea typeface="맑은 고딕" charset="0"/>
+              </a:rPr>
+              <a:t>함수</a:t>
+            </a:r>
+            <a:r>
+              <a:rPr lang="ko-KR" sz="1800">
+                <a:latin typeface="맑은 고딕" charset="0"/>
+                <a:ea typeface="맑은 고딕" charset="0"/>
+              </a:rPr>
+              <a:t>를</a:t>
+            </a:r>
+            <a:r>
+              <a:rPr lang="ko-KR" sz="1800">
+                <a:latin typeface="맑은 고딕" charset="0"/>
+                <a:ea typeface="맑은 고딕" charset="0"/>
+              </a:rPr>
+              <a:t> </a:t>
+            </a:r>
+            <a:r>
+              <a:rPr sz="1800">
+                <a:latin typeface="맑은 고딕" charset="0"/>
+                <a:ea typeface="맑은 고딕" charset="0"/>
+              </a:rPr>
+              <a:t>등록합니다.</a:t>
             </a:r>
             <a:endParaRPr lang="ko-KR" altLang="en-US" sz="1800">
               <a:latin typeface="맑은 고딕" charset="0"/>
@@ -12199,7 +12800,7 @@
       </p:sp>
       <p:pic>
         <p:nvPicPr>
-          <p:cNvPr id="62" name="그림 73" descr="C:/Users/Admin1/AppData/Roaming/PolarisOffice/ETemp/20636_16816336/fImage259493621538.png"/>
+          <p:cNvPr id="68" name="그림 55" descr="C:/Users/Admin1/AppData/Roaming/PolarisOffice/ETemp/18644_16045856/fImage30173553281.png"/>
           <p:cNvPicPr>
             <a:picLocks noChangeAspect="1"/>
           </p:cNvPicPr>
@@ -12219,26 +12820,28 @@
         </p:blipFill>
         <p:spPr>
           <a:xfrm rot="0">
-            <a:off x="6708775" y="1521460"/>
-            <a:ext cx="4265930" cy="3766820"/>
-          </a:xfrm>
-          <a:prstGeom prst="rect"/>
-          <a:noFill/>
+            <a:off x="2609850" y="1438275"/>
+            <a:ext cx="2757170" cy="1163320"/>
+          </a:xfrm>
+          <a:prstGeom prst="roundRect"/>
+          <a:solidFill>
+            <a:srgbClr val="EDEDED"/>
+          </a:solidFill>
         </p:spPr>
       </p:pic>
       <p:pic>
         <p:nvPicPr>
-          <p:cNvPr id="63" name="그림 75" descr="C:/Users/Admin1/AppData/Roaming/PolarisOffice/ETemp/20636_16816336/fImage362653641869.png"/>
+          <p:cNvPr id="69" name="그림 56" descr="C:/Users/Admin1/AppData/Roaming/PolarisOffice/ETemp/18644_16045856/fImage80093566827.png"/>
           <p:cNvPicPr>
             <a:picLocks noChangeAspect="1"/>
           </p:cNvPicPr>
           <p:nvPr/>
         </p:nvPicPr>
         <p:blipFill rotWithShape="1">
-          <a:blip r:embed="rId3" cstate="hqprint">
+          <a:blip r:embed="rId3" cstate="print">
             <a:extLst>
               <a:ext uri="{28A0092B-C50C-407E-A947-70E740481C1C}">
-                <a14:useLocalDpi xmlns:a14="http://schemas.microsoft.com/office/drawing/2010/main"/>
+                <a14:useLocalDpi xmlns:a14="http://schemas.microsoft.com/office/drawing/2010/main" val="0"/>
               </a:ext>
             </a:extLst>
           </a:blip>
@@ -12248,8 +12851,8 @@
         </p:blipFill>
         <p:spPr>
           <a:xfrm rot="0">
-            <a:off x="1230630" y="1529715"/>
-            <a:ext cx="2502535" cy="3567430"/>
+            <a:off x="1231900" y="1440815"/>
+            <a:ext cx="1223645" cy="1169035"/>
           </a:xfrm>
           <a:prstGeom prst="roundRect"/>
           <a:solidFill>
@@ -12259,7 +12862,429 @@
       </p:pic>
       <p:pic>
         <p:nvPicPr>
-          <p:cNvPr id="66" name="그림 46" descr="C:/Users/Admin1/AppData/Roaming/PolarisOffice/ETemp/20636_16816336/fImage94112536962.png"/>
+          <p:cNvPr id="70" name="그림 59" descr="C:/Users/Admin1/AppData/Roaming/PolarisOffice/ETemp/18644_16045856/fImage81693579961.png"/>
+          <p:cNvPicPr>
+            <a:picLocks noChangeAspect="1"/>
+          </p:cNvPicPr>
+          <p:nvPr/>
+        </p:nvPicPr>
+        <p:blipFill rotWithShape="1">
+          <a:blip r:embed="rId4" cstate="print">
+            <a:extLst>
+              <a:ext uri="{28A0092B-C50C-407E-A947-70E740481C1C}">
+                <a14:useLocalDpi xmlns:a14="http://schemas.microsoft.com/office/drawing/2010/main" val="0"/>
+              </a:ext>
+            </a:extLst>
+          </a:blip>
+          <a:stretch>
+            <a:fillRect/>
+          </a:stretch>
+        </p:blipFill>
+        <p:spPr>
+          <a:xfrm rot="0">
+            <a:off x="6813550" y="1449705"/>
+            <a:ext cx="1198245" cy="1186815"/>
+          </a:xfrm>
+          <a:prstGeom prst="roundRect"/>
+          <a:solidFill>
+            <a:srgbClr val="EDEDED"/>
+          </a:solidFill>
+        </p:spPr>
+      </p:pic>
+      <p:pic>
+        <p:nvPicPr>
+          <p:cNvPr id="71" name="그림 60" descr="C:/Users/Admin1/AppData/Roaming/PolarisOffice/ETemp/18644_16045856/fImage5250358491.png"/>
+          <p:cNvPicPr>
+            <a:picLocks noChangeAspect="1"/>
+          </p:cNvPicPr>
+          <p:nvPr/>
+        </p:nvPicPr>
+        <p:blipFill rotWithShape="1">
+          <a:blip r:embed="rId5" cstate="print">
+            <a:extLst>
+              <a:ext uri="{28A0092B-C50C-407E-A947-70E740481C1C}">
+                <a14:useLocalDpi xmlns:a14="http://schemas.microsoft.com/office/drawing/2010/main" val="0"/>
+              </a:ext>
+            </a:extLst>
+          </a:blip>
+          <a:stretch>
+            <a:fillRect/>
+          </a:stretch>
+        </p:blipFill>
+        <p:spPr>
+          <a:xfrm rot="0">
+            <a:off x="8131810" y="1447165"/>
+            <a:ext cx="2834005" cy="1188720"/>
+          </a:xfrm>
+          <a:prstGeom prst="roundRect"/>
+          <a:solidFill>
+            <a:srgbClr val="EDEDED"/>
+          </a:solidFill>
+        </p:spPr>
+      </p:pic>
+      <p:sp>
+        <p:nvSpPr>
+          <p:cNvPr id="72" name="텍스트 상자 65"/>
+          <p:cNvSpPr txBox="1">
+            <a:spLocks/>
+          </p:cNvSpPr>
+          <p:nvPr/>
+        </p:nvSpPr>
+        <p:spPr>
+          <a:xfrm rot="0">
+            <a:off x="1223645" y="5240655"/>
+            <a:ext cx="4152265" cy="954405"/>
+          </a:xfrm>
+          <a:prstGeom prst="rect"/>
+          <a:noFill/>
+          <a:ln w="0">
+            <a:noFill/>
+            <a:prstDash/>
+          </a:ln>
+        </p:spPr>
+        <p:txBody>
+          <a:bodyPr wrap="square" lIns="89535" tIns="46355" rIns="89535" bIns="46355" numCol="1" vert="horz" anchor="t">
+            <a:spAutoFit/>
+          </a:bodyPr>
+          <a:lstStyle/>
+          <a:p>
+            <a:pPr marL="0" indent="0" rtl="0" algn="l" defTabSz="914400" eaLnBrk="1" latinLnBrk="0" hangingPunct="1">
+              <a:buFontTx/>
+              <a:buNone/>
+            </a:pPr>
+            <a:r>
+              <a:rPr lang="ko-KR" sz="2000" b="1">
+                <a:solidFill>
+                  <a:srgbClr val="0611F2"/>
+                </a:solidFill>
+                <a:latin typeface="맑은 고딕" charset="0"/>
+                <a:ea typeface="맑은 고딕" charset="0"/>
+              </a:rPr>
+              <a:t>35.</a:t>
+            </a:r>
+            <a:r>
+              <a:rPr lang="ko-KR" sz="2000">
+                <a:solidFill>
+                  <a:srgbClr val="0611F2"/>
+                </a:solidFill>
+                <a:latin typeface="맑은 고딕" charset="0"/>
+                <a:ea typeface="맑은 고딕" charset="0"/>
+              </a:rPr>
+              <a:t> </a:t>
+            </a:r>
+            <a:r>
+              <a:rPr lang="ko-KR" sz="1800">
+                <a:latin typeface="맑은 고딕" charset="0"/>
+                <a:ea typeface="맑은 고딕" charset="0"/>
+              </a:rPr>
+              <a:t>그러고 나서 Sign In </a:t>
+            </a:r>
+            <a:r>
+              <a:rPr lang="ko-KR" sz="1800">
+                <a:latin typeface="맑은 고딕" charset="0"/>
+                <a:ea typeface="맑은 고딕" charset="0"/>
+              </a:rPr>
+              <a:t>Button</a:t>
+            </a:r>
+            <a:r>
+              <a:rPr lang="ko-KR" sz="1800">
+                <a:latin typeface="맑은 고딕" charset="0"/>
+                <a:ea typeface="맑은 고딕" charset="0"/>
+              </a:rPr>
+              <a:t> </a:t>
+            </a:r>
+            <a:r>
+              <a:rPr lang="ko-KR" sz="1800">
+                <a:latin typeface="맑은 고딕" charset="0"/>
+                <a:ea typeface="맑은 고딕" charset="0"/>
+              </a:rPr>
+              <a:t>오브젝트의</a:t>
+            </a:r>
+            <a:r>
+              <a:rPr lang="ko-KR" sz="1800">
+                <a:latin typeface="맑은 고딕" charset="0"/>
+                <a:ea typeface="맑은 고딕" charset="0"/>
+              </a:rPr>
+              <a:t> </a:t>
+            </a:r>
+            <a:r>
+              <a:rPr lang="ko-KR" sz="1800">
+                <a:latin typeface="맑은 고딕" charset="0"/>
+                <a:ea typeface="맑은 고딕" charset="0"/>
+              </a:rPr>
+              <a:t>앵커를</a:t>
+            </a:r>
+            <a:r>
+              <a:rPr lang="ko-KR" sz="1800">
+                <a:latin typeface="맑은 고딕" charset="0"/>
+                <a:ea typeface="맑은 고딕" charset="0"/>
+              </a:rPr>
+              <a:t> </a:t>
+            </a:r>
+            <a:r>
+              <a:rPr lang="ko-KR" sz="1800">
+                <a:latin typeface="맑은 고딕" charset="0"/>
+                <a:ea typeface="맑은 고딕" charset="0"/>
+              </a:rPr>
+              <a:t>지정하고 </a:t>
+            </a:r>
+            <a:r>
+              <a:rPr lang="ko-KR" sz="1800">
+                <a:latin typeface="맑은 고딕" charset="0"/>
+                <a:ea typeface="맑은 고딕" charset="0"/>
+              </a:rPr>
+              <a:t>위치와 </a:t>
+            </a:r>
+            <a:r>
+              <a:rPr lang="ko-KR" sz="1800">
+                <a:latin typeface="맑은 고딕" charset="0"/>
+                <a:ea typeface="맑은 고딕" charset="0"/>
+              </a:rPr>
+              <a:t>크기를</a:t>
+            </a:r>
+            <a:r>
+              <a:rPr lang="ko-KR" sz="1800">
+                <a:latin typeface="맑은 고딕" charset="0"/>
+                <a:ea typeface="맑은 고딕" charset="0"/>
+              </a:rPr>
+              <a:t> 설정합니다.</a:t>
+            </a:r>
+            <a:endParaRPr lang="ko-KR" altLang="en-US" sz="1800">
+              <a:latin typeface="맑은 고딕" charset="0"/>
+              <a:ea typeface="맑은 고딕" charset="0"/>
+            </a:endParaRPr>
+          </a:p>
+        </p:txBody>
+      </p:sp>
+      <p:sp>
+        <p:nvSpPr>
+          <p:cNvPr id="73" name="텍스트 상자 66"/>
+          <p:cNvSpPr txBox="1">
+            <a:spLocks/>
+          </p:cNvSpPr>
+          <p:nvPr/>
+        </p:nvSpPr>
+        <p:spPr>
+          <a:xfrm rot="0">
+            <a:off x="6813550" y="2754630"/>
+            <a:ext cx="4144010" cy="954405"/>
+          </a:xfrm>
+          <a:prstGeom prst="rect"/>
+          <a:noFill/>
+          <a:ln w="0">
+            <a:noFill/>
+            <a:prstDash/>
+          </a:ln>
+        </p:spPr>
+        <p:txBody>
+          <a:bodyPr wrap="square" lIns="89535" tIns="46355" rIns="89535" bIns="46355" numCol="1" vert="horz" anchor="t">
+            <a:spAutoFit/>
+          </a:bodyPr>
+          <a:lstStyle/>
+          <a:p>
+            <a:pPr marL="0" indent="0" rtl="0" algn="l" defTabSz="914400" eaLnBrk="1" latinLnBrk="0" hangingPunct="1">
+              <a:buFontTx/>
+              <a:buNone/>
+            </a:pPr>
+            <a:r>
+              <a:rPr lang="ko-KR" sz="2000" b="1">
+                <a:solidFill>
+                  <a:srgbClr val="0611F2"/>
+                </a:solidFill>
+                <a:latin typeface="맑은 고딕" charset="0"/>
+                <a:ea typeface="맑은 고딕" charset="0"/>
+              </a:rPr>
+              <a:t>36.</a:t>
+            </a:r>
+            <a:r>
+              <a:rPr lang="ko-KR" sz="2000">
+                <a:solidFill>
+                  <a:srgbClr val="0611F2"/>
+                </a:solidFill>
+                <a:latin typeface="맑은 고딕" charset="0"/>
+                <a:ea typeface="맑은 고딕" charset="0"/>
+              </a:rPr>
+              <a:t> </a:t>
+            </a:r>
+            <a:r>
+              <a:rPr sz="1800">
+                <a:latin typeface="맑은 고딕" charset="0"/>
+                <a:ea typeface="맑은 고딕" charset="0"/>
+              </a:rPr>
+              <a:t>그런 다음 Sign In Button </a:t>
+            </a:r>
+            <a:r>
+              <a:rPr sz="1800">
+                <a:latin typeface="맑은 고딕" charset="0"/>
+                <a:ea typeface="맑은 고딕" charset="0"/>
+              </a:rPr>
+              <a:t>오브젝트의</a:t>
+            </a:r>
+            <a:r>
+              <a:rPr sz="1800">
+                <a:latin typeface="맑은 고딕" charset="0"/>
+                <a:ea typeface="맑은 고딕" charset="0"/>
+              </a:rPr>
+              <a:t> </a:t>
+            </a:r>
+            <a:r>
+              <a:rPr sz="1800">
+                <a:latin typeface="맑은 고딕" charset="0"/>
+                <a:ea typeface="맑은 고딕" charset="0"/>
+              </a:rPr>
+              <a:t>On</a:t>
+            </a:r>
+            <a:r>
+              <a:rPr sz="1800">
+                <a:latin typeface="맑은 고딕" charset="0"/>
+                <a:ea typeface="맑은 고딕" charset="0"/>
+              </a:rPr>
+              <a:t> </a:t>
+            </a:r>
+            <a:r>
+              <a:rPr sz="1800">
+                <a:latin typeface="맑은 고딕" charset="0"/>
+                <a:ea typeface="맑은 고딕" charset="0"/>
+              </a:rPr>
+              <a:t>Click(</a:t>
+            </a:r>
+            <a:r>
+              <a:rPr sz="1800">
+                <a:latin typeface="맑은 고딕" charset="0"/>
+                <a:ea typeface="맑은 고딕" charset="0"/>
+              </a:rPr>
+              <a:t> ) 함수에 </a:t>
+            </a:r>
+            <a:r>
+              <a:rPr sz="1800">
+                <a:latin typeface="맑은 고딕" charset="0"/>
+                <a:ea typeface="맑은 고딕" charset="0"/>
+              </a:rPr>
+              <a:t>P</a:t>
+            </a:r>
+            <a:r>
+              <a:rPr sz="1800">
+                <a:latin typeface="맑은 고딕" charset="0"/>
+                <a:ea typeface="맑은 고딕" charset="0"/>
+              </a:rPr>
+              <a:t>hoton </a:t>
+            </a:r>
+            <a:r>
+              <a:rPr sz="1800">
+                <a:latin typeface="맑은 고딕" charset="0"/>
+                <a:ea typeface="맑은 고딕" charset="0"/>
+              </a:rPr>
+              <a:t>S</a:t>
+            </a:r>
+            <a:r>
+              <a:rPr lang="ko-KR" sz="1800">
+                <a:latin typeface="맑은 고딕" charset="0"/>
+                <a:ea typeface="맑은 고딕" charset="0"/>
+              </a:rPr>
+              <a:t>e</a:t>
+            </a:r>
+            <a:r>
+              <a:rPr lang="ko-KR" sz="1800">
+                <a:latin typeface="맑은 고딕" charset="0"/>
+                <a:ea typeface="맑은 고딕" charset="0"/>
+              </a:rPr>
+              <a:t>tting</a:t>
+            </a:r>
+            <a:r>
+              <a:rPr sz="1800">
+                <a:latin typeface="맑은 고딕" charset="0"/>
+                <a:ea typeface="맑은 고딕" charset="0"/>
+              </a:rPr>
+              <a:t> </a:t>
+            </a:r>
+            <a:r>
+              <a:rPr sz="1800">
+                <a:latin typeface="맑은 고딕" charset="0"/>
+                <a:ea typeface="맑은 고딕" charset="0"/>
+              </a:rPr>
+              <a:t>오브젝트를</a:t>
+            </a:r>
+            <a:r>
+              <a:rPr sz="1800">
+                <a:latin typeface="맑은 고딕" charset="0"/>
+                <a:ea typeface="맑은 고딕" charset="0"/>
+              </a:rPr>
+              <a:t> 넣어줍니다.</a:t>
+            </a:r>
+            <a:endParaRPr lang="ko-KR" altLang="en-US" sz="1800">
+              <a:latin typeface="맑은 고딕" charset="0"/>
+              <a:ea typeface="맑은 고딕" charset="0"/>
+            </a:endParaRPr>
+          </a:p>
+        </p:txBody>
+      </p:sp>
+      <p:pic>
+        <p:nvPicPr>
+          <p:cNvPr id="74" name="그림 67" descr="C:/Users/Admin1/AppData/Roaming/PolarisOffice/ETemp/18644_16045856/fImage119753612995.png"/>
+          <p:cNvPicPr>
+            <a:picLocks noChangeAspect="1"/>
+          </p:cNvPicPr>
+          <p:nvPr/>
+        </p:nvPicPr>
+        <p:blipFill rotWithShape="1">
+          <a:blip r:embed="rId6" cstate="print">
+            <a:extLst>
+              <a:ext uri="{28A0092B-C50C-407E-A947-70E740481C1C}">
+                <a14:useLocalDpi xmlns:a14="http://schemas.microsoft.com/office/drawing/2010/main" val="0"/>
+              </a:ext>
+            </a:extLst>
+          </a:blip>
+          <a:stretch>
+            <a:fillRect/>
+          </a:stretch>
+        </p:blipFill>
+        <p:spPr>
+          <a:xfrm rot="0">
+            <a:off x="1233170" y="3540125"/>
+            <a:ext cx="4133850" cy="1585595"/>
+          </a:xfrm>
+          <a:prstGeom prst="roundRect"/>
+          <a:solidFill>
+            <a:srgbClr val="EDEDED"/>
+          </a:solidFill>
+        </p:spPr>
+      </p:pic>
+      <p:cxnSp>
+        <p:nvCxnSpPr>
+          <p:cNvPr id="75" name="도형 70"/>
+          <p:cNvCxnSpPr/>
+          <p:nvPr/>
+        </p:nvCxnSpPr>
+        <p:spPr>
+          <a:xfrm rot="0" flipV="1">
+            <a:off x="7830185" y="2145030"/>
+            <a:ext cx="1206500" cy="396875"/>
+          </a:xfrm>
+          <a:prstGeom prst="straightConnector1"/>
+          <a:ln w="6350" cap="flat" cmpd="sng">
+            <a:prstDash/>
+            <a:headEnd type="none" w="med" len="med"/>
+            <a:tailEnd type="triangle" w="med" len="med"/>
+          </a:ln>
+        </p:spPr>
+        <p:style>
+          <a:lnRef idx="1">
+            <a:schemeClr val="accent1"/>
+          </a:lnRef>
+          <a:fillRef idx="0">
+            <a:schemeClr val="accent1"/>
+          </a:fillRef>
+          <a:effectRef idx="0">
+            <a:schemeClr val="accent1"/>
+          </a:effectRef>
+          <a:fontRef idx="minor">
+            <a:schemeClr val="tx1"/>
+          </a:fontRef>
+        </p:style>
+      </p:cxnSp>
+      <p:pic>
+        <p:nvPicPr>
+          <p:cNvPr id="76" name="그림 71" descr="C:/Users/Admin1/AppData/Roaming/PolarisOffice/ETemp/18644_16045856/fImage56133631942.png"/>
           <p:cNvPicPr>
             <a:picLocks noChangeAspect="1"/>
           </p:cNvPicPr>
@@ -12279,8 +13304,8 @@
         </p:blipFill>
         <p:spPr>
           <a:xfrm rot="0">
-            <a:off x="3868420" y="2119630"/>
-            <a:ext cx="1485900" cy="2378075"/>
+            <a:off x="6813550" y="3816350"/>
+            <a:ext cx="4152265" cy="1326515"/>
           </a:xfrm>
           <a:prstGeom prst="roundRect"/>
           <a:solidFill>
@@ -12288,38 +13313,6 @@
           </a:solidFill>
         </p:spPr>
       </p:pic>
-      <p:cxnSp>
-        <p:nvCxnSpPr>
-          <p:cNvPr id="65" name="도형 79"/>
-          <p:cNvCxnSpPr/>
-          <p:nvPr/>
-        </p:nvCxnSpPr>
-        <p:spPr>
-          <a:xfrm rot="0" flipH="1">
-            <a:off x="2003425" y="4305935"/>
-            <a:ext cx="2095500" cy="491490"/>
-          </a:xfrm>
-          <a:prstGeom prst="straightConnector1"/>
-          <a:ln w="6350" cap="flat" cmpd="sng">
-            <a:prstDash/>
-            <a:tailEnd type="triangle" w="med" len="med"/>
-          </a:ln>
-        </p:spPr>
-        <p:style>
-          <a:lnRef idx="1">
-            <a:schemeClr val="accent1"/>
-          </a:lnRef>
-          <a:fillRef idx="0">
-            <a:schemeClr val="accent1"/>
-          </a:fillRef>
-          <a:effectRef idx="0">
-            <a:schemeClr val="accent1"/>
-          </a:effectRef>
-          <a:fontRef idx="minor">
-            <a:schemeClr val="tx1"/>
-          </a:fontRef>
-        </p:style>
-      </p:cxnSp>
     </p:spTree>
   </p:cSld>
   <p:clrMapOvr>
@@ -12344,7 +13337,7 @@
 </file>
 
 <file path=ppt/slides/slide17.xml><?xml version="1.0" encoding="utf-8"?>
-<p:sld xmlns:a="http://schemas.openxmlformats.org/drawingml/2006/main" xmlns:r="http://schemas.openxmlformats.org/officeDocument/2006/relationships" xmlns:p="http://schemas.openxmlformats.org/presentationml/2006/main" xmlns:p14="http://schemas.microsoft.com/office/powerpoint/2010/main">
+<p:sld xmlns:a="http://schemas.openxmlformats.org/drawingml/2006/main" xmlns:r="http://schemas.openxmlformats.org/officeDocument/2006/relationships" xmlns:p="http://schemas.openxmlformats.org/presentationml/2006/main">
   <p:cSld>
     <p:spTree>
       <p:nvGrpSpPr>
@@ -12362,7 +13355,7 @@
       </p:grpSpPr>
       <p:sp>
         <p:nvSpPr>
-          <p:cNvPr id="35" name="Rect 0"/>
+          <p:cNvPr id="29" name="Rect 0"/>
           <p:cNvSpPr txBox="1">
             <a:spLocks/>
           </p:cNvSpPr>
@@ -12370,8 +13363,8 @@
         </p:nvSpPr>
         <p:spPr>
           <a:xfrm rot="0">
-            <a:off x="4126865" y="467995"/>
-            <a:ext cx="3937635" cy="554990"/>
+            <a:off x="1229995" y="1337310"/>
+            <a:ext cx="4039870" cy="371475"/>
           </a:xfrm>
           <a:prstGeom prst="rect"/>
           <a:noFill/>
@@ -12386,32 +13379,11 @@
           </a:bodyPr>
           <a:lstStyle/>
           <a:p>
-            <a:pPr marL="0" indent="0" rtl="0" algn="l" defTabSz="914400" eaLnBrk="1" latinLnBrk="0" hangingPunct="1">
-              <a:buFontTx/>
-              <a:buNone/>
-            </a:pPr>
-            <a:r>
-              <a:rPr lang="ko-KR" sz="3000" b="1">
-                <a:latin typeface="맑은 고딕" charset="0"/>
-                <a:ea typeface="맑은 고딕" charset="0"/>
-              </a:rPr>
-              <a:t>열다섯</a:t>
-            </a:r>
-            <a:r>
-              <a:rPr lang="ko-KR" sz="3000" b="1">
-                <a:latin typeface="맑은 고딕" charset="0"/>
-                <a:ea typeface="맑은 고딕" charset="0"/>
-              </a:rPr>
-              <a:t> 번째 튜토리얼</a:t>
-            </a:r>
-            <a:r>
-              <a:rPr sz="3000" b="1">
-                <a:latin typeface="맑은 고딕" charset="0"/>
-                <a:ea typeface="맑은 고딕" charset="0"/>
-              </a:rPr>
-              <a:t> </a:t>
-            </a:r>
-            <a:endParaRPr lang="ko-KR" altLang="en-US" sz="3000" b="1">
+            <a:pPr marL="0" indent="0" algn="l" latinLnBrk="0" hangingPunct="1">
+              <a:buFontTx/>
+              <a:buNone/>
+            </a:pPr>
+            <a:endParaRPr lang="ko-KR" altLang="en-US" sz="1800">
               <a:latin typeface="맑은 고딕" charset="0"/>
               <a:ea typeface="맑은 고딕" charset="0"/>
             </a:endParaRPr>
@@ -12420,16 +13392,16 @@
       </p:sp>
       <p:sp>
         <p:nvSpPr>
-          <p:cNvPr id="57" name="Rect 0"/>
+          <p:cNvPr id="35" name="Rect 0"/>
           <p:cNvSpPr txBox="1">
             <a:spLocks/>
           </p:cNvSpPr>
           <p:nvPr/>
         </p:nvSpPr>
         <p:spPr>
-          <a:xfrm>
-            <a:off x="6824980" y="5480050"/>
-            <a:ext cx="4124325" cy="677545"/>
+          <a:xfrm rot="0">
+            <a:off x="4334510" y="398780"/>
+            <a:ext cx="3521710" cy="554990"/>
           </a:xfrm>
           <a:prstGeom prst="rect"/>
           <a:noFill/>
@@ -12444,89 +13416,36 @@
           </a:bodyPr>
           <a:lstStyle/>
           <a:p>
-            <a:pPr marL="0" indent="0" rtl="0" algn="l" defTabSz="914400" eaLnBrk="1" latinLnBrk="0" hangingPunct="1">
-              <a:buFontTx/>
-              <a:buNone/>
-            </a:pPr>
-            <a:r>
-              <a:rPr lang="ko-KR" sz="2000" b="1">
-                <a:solidFill>
-                  <a:srgbClr val="0611F2"/>
-                </a:solidFill>
-                <a:latin typeface="맑은 고딕" charset="0"/>
-                <a:ea typeface="맑은 고딕" charset="0"/>
-              </a:rPr>
-              <a:t>3</a:t>
-            </a:r>
-            <a:r>
-              <a:rPr lang="ko-KR" sz="2000" b="1">
-                <a:solidFill>
-                  <a:srgbClr val="0611F2"/>
-                </a:solidFill>
-                <a:latin typeface="맑은 고딕" charset="0"/>
-                <a:ea typeface="맑은 고딕" charset="0"/>
-              </a:rPr>
-              <a:t>4</a:t>
-            </a:r>
-            <a:r>
-              <a:rPr lang="ko-KR" sz="2000" b="1">
-                <a:solidFill>
-                  <a:srgbClr val="0611F2"/>
-                </a:solidFill>
-                <a:latin typeface="맑은 고딕" charset="0"/>
-                <a:ea typeface="맑은 고딕" charset="0"/>
-              </a:rPr>
-              <a:t>.</a:t>
-            </a:r>
-            <a:r>
-              <a:rPr lang="ko-KR" sz="2000">
-                <a:solidFill>
-                  <a:srgbClr val="0611F2"/>
-                </a:solidFill>
-                <a:latin typeface="맑은 고딕" charset="0"/>
-                <a:ea typeface="맑은 고딕" charset="0"/>
-              </a:rPr>
-              <a:t> </a:t>
-            </a:r>
-            <a:r>
-              <a:rPr lang="ko-KR" sz="1800">
-                <a:latin typeface="맑은 고딕" charset="0"/>
-                <a:ea typeface="맑은 고딕" charset="0"/>
-              </a:rPr>
-              <a:t>이제 PhotonSetting를 선택하고</a:t>
-            </a:r>
-            <a:endParaRPr lang="ko-KR" altLang="en-US" sz="1800">
+            <a:pPr marL="0" indent="0" rtl="0" algn="ctr" defTabSz="914400" eaLnBrk="1" latinLnBrk="0" hangingPunct="1">
+              <a:buFontTx/>
+              <a:buNone/>
+            </a:pPr>
+            <a:r>
+              <a:rPr lang="ko-KR" sz="2500" b="1">
+                <a:latin typeface="나눔바른고딕" charset="0"/>
+                <a:ea typeface="나눔바른고딕" charset="0"/>
+              </a:rPr>
+              <a:t>열일곱</a:t>
+            </a:r>
+            <a:r>
+              <a:rPr lang="ko-KR" sz="2500" b="1">
+                <a:latin typeface="나눔바른고딕" charset="0"/>
+                <a:ea typeface="나눔바른고딕" charset="0"/>
+              </a:rPr>
+              <a:t> 번째 튜토리얼</a:t>
+            </a:r>
+            <a:r>
+              <a:rPr sz="3000" b="1">
+                <a:latin typeface="맑은 고딕" charset="0"/>
+                <a:ea typeface="맑은 고딕" charset="0"/>
+              </a:rPr>
+              <a:t> </a:t>
+            </a:r>
+            <a:endParaRPr lang="ko-KR" altLang="en-US" sz="3000" b="1">
               <a:latin typeface="맑은 고딕" charset="0"/>
               <a:ea typeface="맑은 고딕" charset="0"/>
             </a:endParaRPr>
           </a:p>
-          <a:p>
-            <a:pPr marL="0" indent="0" rtl="0" algn="l" defTabSz="914400" eaLnBrk="1" latinLnBrk="0" hangingPunct="1">
-              <a:buFontTx/>
-              <a:buNone/>
-            </a:pPr>
-            <a:r>
-              <a:rPr lang="ko-KR" sz="1800">
-                <a:solidFill>
-                  <a:srgbClr val="009900"/>
-                </a:solidFill>
-                <a:latin typeface="맑은 고딕" charset="0"/>
-                <a:ea typeface="맑은 고딕" charset="0"/>
-              </a:rPr>
-              <a:t>[ Login( ) ]</a:t>
-            </a:r>
-            <a:r>
-              <a:rPr lang="ko-KR" sz="1800">
-                <a:latin typeface="맑은 고딕" charset="0"/>
-                <a:ea typeface="맑은 고딕" charset="0"/>
-              </a:rPr>
-              <a:t>이라는 함수를 설정합니다. </a:t>
-            </a:r>
-            <a:endParaRPr lang="ko-KR" altLang="en-US" sz="1800">
-              <a:latin typeface="맑은 고딕" charset="0"/>
-              <a:ea typeface="맑은 고딕" charset="0"/>
-            </a:endParaRPr>
-          </a:p>
         </p:txBody>
       </p:sp>
       <p:sp>
@@ -12538,9 +13457,9 @@
           <p:nvPr/>
         </p:nvSpPr>
         <p:spPr>
-          <a:xfrm>
-            <a:off x="1229360" y="5203190"/>
-            <a:ext cx="4149725" cy="954405"/>
+          <a:xfrm rot="0">
+            <a:off x="1231900" y="2696210"/>
+            <a:ext cx="4144010" cy="954405"/>
           </a:xfrm>
           <a:prstGeom prst="rect"/>
           <a:noFill/>
@@ -12567,8 +13486,153 @@
                 <a:latin typeface="맑은 고딕" charset="0"/>
                 <a:ea typeface="맑은 고딕" charset="0"/>
               </a:rPr>
-              <a:t>3</a:t>
-            </a:r>
+              <a:t>38.</a:t>
+            </a:r>
+            <a:r>
+              <a:rPr lang="ko-KR" sz="2000">
+                <a:solidFill>
+                  <a:srgbClr val="0611F2"/>
+                </a:solidFill>
+                <a:latin typeface="맑은 고딕" charset="0"/>
+                <a:ea typeface="맑은 고딕" charset="0"/>
+              </a:rPr>
+              <a:t> </a:t>
+            </a:r>
+            <a:r>
+              <a:rPr lang="ko-KR" sz="1800">
+                <a:latin typeface="맑은 고딕" charset="0"/>
+                <a:ea typeface="맑은 고딕" charset="0"/>
+              </a:rPr>
+              <a:t>이제 Photon Setting </a:t>
+            </a:r>
+            <a:r>
+              <a:rPr lang="ko-KR" sz="1800">
+                <a:latin typeface="맑은 고딕" charset="0"/>
+                <a:ea typeface="맑은 고딕" charset="0"/>
+              </a:rPr>
+              <a:t>스크립트에</a:t>
+            </a:r>
+            <a:r>
+              <a:rPr lang="ko-KR" sz="1800">
+                <a:latin typeface="맑은 고딕" charset="0"/>
+                <a:ea typeface="맑은 고딕" charset="0"/>
+              </a:rPr>
+              <a:t> </a:t>
+            </a:r>
+            <a:r>
+              <a:rPr lang="ko-KR" sz="1800">
+                <a:latin typeface="맑은 고딕" charset="0"/>
+                <a:ea typeface="맑은 고딕" charset="0"/>
+              </a:rPr>
+              <a:t>있는</a:t>
+            </a:r>
+            <a:r>
+              <a:rPr lang="ko-KR" sz="1800">
+                <a:latin typeface="맑은 고딕" charset="0"/>
+                <a:ea typeface="맑은 고딕" charset="0"/>
+              </a:rPr>
+              <a:t> </a:t>
+            </a:r>
+            <a:r>
+              <a:rPr lang="ko-KR" sz="1800">
+                <a:latin typeface="맑은 고딕" charset="0"/>
+                <a:ea typeface="맑은 고딕" charset="0"/>
+              </a:rPr>
+              <a:t>Password</a:t>
+            </a:r>
+            <a:r>
+              <a:rPr lang="ko-KR" sz="1800">
+                <a:latin typeface="맑은 고딕" charset="0"/>
+                <a:ea typeface="맑은 고딕" charset="0"/>
+              </a:rPr>
+              <a:t> </a:t>
+            </a:r>
+            <a:r>
+              <a:rPr lang="ko-KR" sz="1800">
+                <a:latin typeface="맑은 고딕" charset="0"/>
+                <a:ea typeface="맑은 고딕" charset="0"/>
+              </a:rPr>
+              <a:t>변수에 Password</a:t>
+            </a:r>
+            <a:r>
+              <a:rPr lang="ko-KR" sz="1800">
+                <a:latin typeface="맑은 고딕" charset="0"/>
+                <a:ea typeface="맑은 고딕" charset="0"/>
+              </a:rPr>
+              <a:t> </a:t>
+            </a:r>
+            <a:r>
+              <a:rPr lang="ko-KR" sz="1800">
+                <a:latin typeface="맑은 고딕" charset="0"/>
+                <a:ea typeface="맑은 고딕" charset="0"/>
+              </a:rPr>
+              <a:t>InputField</a:t>
+            </a:r>
+            <a:r>
+              <a:rPr lang="ko-KR" sz="1800">
+                <a:latin typeface="맑은 고딕" charset="0"/>
+                <a:ea typeface="맑은 고딕" charset="0"/>
+              </a:rPr>
+              <a:t> </a:t>
+            </a:r>
+            <a:r>
+              <a:rPr lang="ko-KR" sz="1800">
+                <a:latin typeface="맑은 고딕" charset="0"/>
+                <a:ea typeface="맑은 고딕" charset="0"/>
+              </a:rPr>
+              <a:t>오브젝트를</a:t>
+            </a:r>
+            <a:r>
+              <a:rPr lang="ko-KR" sz="1800">
+                <a:latin typeface="맑은 고딕" charset="0"/>
+                <a:ea typeface="맑은 고딕" charset="0"/>
+              </a:rPr>
+              <a:t> </a:t>
+            </a:r>
+            <a:r>
+              <a:rPr lang="ko-KR" sz="1800">
+                <a:latin typeface="맑은 고딕" charset="0"/>
+                <a:ea typeface="맑은 고딕" charset="0"/>
+              </a:rPr>
+              <a:t>넣어줍니다.</a:t>
+            </a:r>
+            <a:endParaRPr lang="ko-KR" altLang="en-US" sz="1800">
+              <a:latin typeface="맑은 고딕" charset="0"/>
+              <a:ea typeface="맑은 고딕" charset="0"/>
+            </a:endParaRPr>
+          </a:p>
+        </p:txBody>
+      </p:sp>
+      <p:sp>
+        <p:nvSpPr>
+          <p:cNvPr id="67" name="Rect 0"/>
+          <p:cNvSpPr txBox="1">
+            <a:spLocks/>
+          </p:cNvSpPr>
+          <p:nvPr/>
+        </p:nvSpPr>
+        <p:spPr>
+          <a:xfrm rot="0">
+            <a:off x="6825615" y="5241290"/>
+            <a:ext cx="4123055" cy="954405"/>
+          </a:xfrm>
+          <a:prstGeom prst="rect"/>
+          <a:noFill/>
+          <a:ln w="0">
+            <a:noFill/>
+            <a:prstDash/>
+          </a:ln>
+        </p:spPr>
+        <p:txBody>
+          <a:bodyPr wrap="square" lIns="89535" tIns="46355" rIns="89535" bIns="46355" numCol="1" vert="horz" anchor="t">
+            <a:spAutoFit/>
+          </a:bodyPr>
+          <a:lstStyle/>
+          <a:p>
+            <a:pPr marL="0" indent="0" rtl="0" algn="l" defTabSz="914400" eaLnBrk="1" latinLnBrk="0" hangingPunct="1">
+              <a:buFontTx/>
+              <a:buNone/>
+            </a:pPr>
             <a:r>
               <a:rPr lang="ko-KR" sz="2000" b="1">
                 <a:solidFill>
@@ -12577,17 +13641,7 @@
                 <a:latin typeface="맑은 고딕" charset="0"/>
                 <a:ea typeface="맑은 고딕" charset="0"/>
               </a:rPr>
-              <a:t>3</a:t>
-            </a:r>
-            <a:r>
-              <a:rPr lang="ko-KR" sz="2000" b="1">
-                <a:solidFill>
-                  <a:srgbClr val="0611F2"/>
-                </a:solidFill>
-                <a:latin typeface="맑은 고딕" charset="0"/>
-                <a:ea typeface="맑은 고딕" charset="0"/>
-              </a:rPr>
-              <a:t>.</a:t>
+              <a:t>41.</a:t>
             </a:r>
             <a:r>
               <a:rPr lang="ko-KR" sz="2000">
@@ -12604,7 +13658,63 @@
                 <a:latin typeface="맑은 고딕" charset="0"/>
                 <a:ea typeface="맑은 고딕" charset="0"/>
               </a:rPr>
-              <a:t>마지막으로 Sign In Button 오브젝트의 On Click( ) 함수에 Photon Setting 오브젝트를 넣어줍니다.</a:t>
+              <a:t>그러고 나서 Sign Up Button </a:t>
+            </a:r>
+            <a:r>
+              <a:rPr lang="ko-KR" sz="1800">
+                <a:latin typeface="맑은 고딕" charset="0"/>
+                <a:ea typeface="맑은 고딕" charset="0"/>
+              </a:rPr>
+              <a:t>오브젝트의</a:t>
+            </a:r>
+            <a:r>
+              <a:rPr lang="ko-KR" sz="1800">
+                <a:latin typeface="맑은 고딕" charset="0"/>
+                <a:ea typeface="맑은 고딕" charset="0"/>
+              </a:rPr>
+              <a:t> </a:t>
+            </a:r>
+            <a:r>
+              <a:rPr lang="ko-KR" sz="1800">
+                <a:latin typeface="맑은 고딕" charset="0"/>
+                <a:ea typeface="맑은 고딕" charset="0"/>
+              </a:rPr>
+              <a:t>앵커를</a:t>
+            </a:r>
+            <a:r>
+              <a:rPr lang="ko-KR" sz="1800">
+                <a:latin typeface="맑은 고딕" charset="0"/>
+                <a:ea typeface="맑은 고딕" charset="0"/>
+              </a:rPr>
+              <a:t> </a:t>
+            </a:r>
+            <a:r>
+              <a:rPr lang="ko-KR" sz="1800">
+                <a:latin typeface="맑은 고딕" charset="0"/>
+                <a:ea typeface="맑은 고딕" charset="0"/>
+              </a:rPr>
+              <a:t>지정하고 </a:t>
+            </a:r>
+            <a:r>
+              <a:rPr lang="ko-KR" sz="1800">
+                <a:latin typeface="맑은 고딕" charset="0"/>
+                <a:ea typeface="맑은 고딕" charset="0"/>
+              </a:rPr>
+              <a:t>위치와 </a:t>
+            </a:r>
+            <a:r>
+              <a:rPr lang="ko-KR" sz="1800">
+                <a:latin typeface="맑은 고딕" charset="0"/>
+                <a:ea typeface="맑은 고딕" charset="0"/>
+              </a:rPr>
+              <a:t>크기를</a:t>
+            </a:r>
+            <a:r>
+              <a:rPr lang="ko-KR" sz="1800">
+                <a:latin typeface="맑은 고딕" charset="0"/>
+                <a:ea typeface="맑은 고딕" charset="0"/>
+              </a:rPr>
+              <a:t> 설정합니다.</a:t>
             </a:r>
             <a:endParaRPr lang="ko-KR" altLang="en-US" sz="1800">
               <a:latin typeface="맑은 고딕" charset="0"/>
@@ -12615,14 +13725,260 @@
       </p:sp>
       <p:pic>
         <p:nvPicPr>
-          <p:cNvPr id="67" name="그림 81" descr="C:/Users/Admin1/AppData/Roaming/PolarisOffice/ETemp/20636_16816336/fImage259843797035.png"/>
+          <p:cNvPr id="68" name="그림 74" descr="C:/Users/Admin1/AppData/Roaming/PolarisOffice/ETemp/18644_16045856/fImage101733774827.png"/>
           <p:cNvPicPr>
             <a:picLocks noChangeAspect="1"/>
           </p:cNvPicPr>
           <p:nvPr/>
         </p:nvPicPr>
         <p:blipFill rotWithShape="1">
-          <a:blip r:embed="rId4" cstate="hqprint">
+          <a:blip r:embed="rId2" cstate="print">
+            <a:extLst>
+              <a:ext uri="{28A0092B-C50C-407E-A947-70E740481C1C}">
+                <a14:useLocalDpi xmlns:a14="http://schemas.microsoft.com/office/drawing/2010/main" val="0"/>
+              </a:ext>
+            </a:extLst>
+          </a:blip>
+          <a:stretch>
+            <a:fillRect/>
+          </a:stretch>
+        </p:blipFill>
+        <p:spPr>
+          <a:xfrm rot="0">
+            <a:off x="2661920" y="1447165"/>
+            <a:ext cx="2713990" cy="1154430"/>
+          </a:xfrm>
+          <a:prstGeom prst="roundRect"/>
+          <a:solidFill>
+            <a:srgbClr val="EDEDED"/>
+          </a:solidFill>
+        </p:spPr>
+      </p:pic>
+      <p:pic>
+        <p:nvPicPr>
+          <p:cNvPr id="69" name="그림 77" descr="C:/Users/Admin1/AppData/Roaming/PolarisOffice/ETemp/18644_16045856/fImage81193785436.png"/>
+          <p:cNvPicPr>
+            <a:picLocks noChangeAspect="1"/>
+          </p:cNvPicPr>
+          <p:nvPr/>
+        </p:nvPicPr>
+        <p:blipFill rotWithShape="1">
+          <a:blip r:embed="rId3" cstate="print">
+            <a:extLst>
+              <a:ext uri="{28A0092B-C50C-407E-A947-70E740481C1C}">
+                <a14:useLocalDpi xmlns:a14="http://schemas.microsoft.com/office/drawing/2010/main" val="0"/>
+              </a:ext>
+            </a:extLst>
+          </a:blip>
+          <a:stretch>
+            <a:fillRect/>
+          </a:stretch>
+        </p:blipFill>
+        <p:spPr>
+          <a:xfrm rot="0">
+            <a:off x="1231900" y="1447165"/>
+            <a:ext cx="1301750" cy="1162685"/>
+          </a:xfrm>
+          <a:prstGeom prst="roundRect"/>
+          <a:solidFill>
+            <a:srgbClr val="EDEDED"/>
+          </a:solidFill>
+        </p:spPr>
+      </p:pic>
+      <p:cxnSp>
+        <p:nvCxnSpPr>
+          <p:cNvPr id="70" name="도형 80"/>
+          <p:cNvCxnSpPr/>
+          <p:nvPr/>
+        </p:nvCxnSpPr>
+        <p:spPr>
+          <a:xfrm rot="0">
+            <a:off x="2429510" y="2273935"/>
+            <a:ext cx="2860040" cy="104140"/>
+          </a:xfrm>
+          <a:prstGeom prst="straightConnector1"/>
+          <a:ln w="6350" cap="flat" cmpd="sng">
+            <a:prstDash/>
+            <a:headEnd type="none" w="med" len="med"/>
+            <a:tailEnd type="triangle" w="med" len="med"/>
+          </a:ln>
+        </p:spPr>
+        <p:style>
+          <a:lnRef idx="1">
+            <a:schemeClr val="accent1"/>
+          </a:lnRef>
+          <a:fillRef idx="0">
+            <a:schemeClr val="accent1"/>
+          </a:fillRef>
+          <a:effectRef idx="0">
+            <a:schemeClr val="accent1"/>
+          </a:effectRef>
+          <a:fontRef idx="minor">
+            <a:schemeClr val="tx1"/>
+          </a:fontRef>
+        </p:style>
+      </p:cxnSp>
+      <p:pic>
+        <p:nvPicPr>
+          <p:cNvPr id="71" name="그림 81" descr="C:/Users/Admin1/AppData/Roaming/PolarisOffice/ETemp/18644_16045856/fImage120493802391.png"/>
+          <p:cNvPicPr>
+            <a:picLocks noChangeAspect="1"/>
+          </p:cNvPicPr>
+          <p:nvPr/>
+        </p:nvPicPr>
+        <p:blipFill rotWithShape="1">
+          <a:blip r:embed="rId4" cstate="print">
+            <a:extLst>
+              <a:ext uri="{28A0092B-C50C-407E-A947-70E740481C1C}">
+                <a14:useLocalDpi xmlns:a14="http://schemas.microsoft.com/office/drawing/2010/main" val="0"/>
+              </a:ext>
+            </a:extLst>
+          </a:blip>
+          <a:stretch>
+            <a:fillRect/>
+          </a:stretch>
+        </p:blipFill>
+        <p:spPr>
+          <a:xfrm rot="0">
+            <a:off x="1233170" y="3772535"/>
+            <a:ext cx="4125595" cy="1387475"/>
+          </a:xfrm>
+          <a:prstGeom prst="roundRect"/>
+          <a:solidFill>
+            <a:srgbClr val="EDEDED"/>
+          </a:solidFill>
+        </p:spPr>
+      </p:pic>
+      <p:sp>
+        <p:nvSpPr>
+          <p:cNvPr id="72" name="텍스트 상자 84"/>
+          <p:cNvSpPr txBox="1">
+            <a:spLocks/>
+          </p:cNvSpPr>
+          <p:nvPr/>
+        </p:nvSpPr>
+        <p:spPr>
+          <a:xfrm rot="0">
+            <a:off x="1229360" y="5235575"/>
+            <a:ext cx="4129405" cy="954405"/>
+          </a:xfrm>
+          <a:prstGeom prst="rect"/>
+          <a:noFill/>
+          <a:ln w="0">
+            <a:noFill/>
+            <a:prstDash/>
+          </a:ln>
+        </p:spPr>
+        <p:txBody>
+          <a:bodyPr wrap="square" lIns="89535" tIns="46355" rIns="89535" bIns="46355" numCol="1" vert="horz" anchor="t">
+            <a:spAutoFit/>
+          </a:bodyPr>
+          <a:lstStyle/>
+          <a:p>
+            <a:pPr marL="0" indent="0" rtl="0" algn="l" defTabSz="914400" eaLnBrk="1" latinLnBrk="0" hangingPunct="1">
+              <a:buFontTx/>
+              <a:buNone/>
+            </a:pPr>
+            <a:r>
+              <a:rPr lang="ko-KR" sz="2000" b="1">
+                <a:solidFill>
+                  <a:srgbClr val="0611F2"/>
+                </a:solidFill>
+                <a:latin typeface="맑은 고딕" charset="0"/>
+                <a:ea typeface="맑은 고딕" charset="0"/>
+              </a:rPr>
+              <a:t>39.</a:t>
+            </a:r>
+            <a:r>
+              <a:rPr lang="ko-KR" sz="2000">
+                <a:solidFill>
+                  <a:srgbClr val="0611F2"/>
+                </a:solidFill>
+                <a:latin typeface="맑은 고딕" charset="0"/>
+                <a:ea typeface="맑은 고딕" charset="0"/>
+              </a:rPr>
+              <a:t> </a:t>
+            </a:r>
+            <a:r>
+              <a:rPr lang="ko-KR" sz="1800">
+                <a:latin typeface="맑은 고딕" charset="0"/>
+                <a:ea typeface="맑은 고딕" charset="0"/>
+              </a:rPr>
+              <a:t>그리고 Password Input </a:t>
+            </a:r>
+            <a:r>
+              <a:rPr lang="ko-KR" sz="1800">
+                <a:latin typeface="맑은 고딕" charset="0"/>
+                <a:ea typeface="맑은 고딕" charset="0"/>
+              </a:rPr>
+              <a:t>오브젝트의</a:t>
+            </a:r>
+            <a:r>
+              <a:rPr lang="ko-KR" sz="1800">
+                <a:latin typeface="맑은 고딕" charset="0"/>
+                <a:ea typeface="맑은 고딕" charset="0"/>
+              </a:rPr>
+              <a:t> </a:t>
+            </a:r>
+            <a:r>
+              <a:rPr lang="ko-KR" sz="1800">
+                <a:latin typeface="맑은 고딕" charset="0"/>
+                <a:ea typeface="맑은 고딕" charset="0"/>
+              </a:rPr>
+              <a:t>앵커를</a:t>
+            </a:r>
+            <a:r>
+              <a:rPr lang="ko-KR" sz="1800">
+                <a:latin typeface="맑은 고딕" charset="0"/>
+                <a:ea typeface="맑은 고딕" charset="0"/>
+              </a:rPr>
+              <a:t> </a:t>
+            </a:r>
+            <a:r>
+              <a:rPr lang="ko-KR" sz="1800">
+                <a:latin typeface="맑은 고딕" charset="0"/>
+                <a:ea typeface="맑은 고딕" charset="0"/>
+              </a:rPr>
+              <a:t>지정하고 </a:t>
+            </a:r>
+            <a:r>
+              <a:rPr lang="ko-KR" sz="1800">
+                <a:latin typeface="맑은 고딕" charset="0"/>
+                <a:ea typeface="맑은 고딕" charset="0"/>
+              </a:rPr>
+              <a:t>위치와 </a:t>
+            </a:r>
+            <a:r>
+              <a:rPr lang="ko-KR" sz="1800">
+                <a:latin typeface="맑은 고딕" charset="0"/>
+                <a:ea typeface="맑은 고딕" charset="0"/>
+              </a:rPr>
+              <a:t>크기를</a:t>
+            </a:r>
+            <a:r>
+              <a:rPr lang="ko-KR" sz="1800">
+                <a:latin typeface="맑은 고딕" charset="0"/>
+                <a:ea typeface="맑은 고딕" charset="0"/>
+              </a:rPr>
+              <a:t> 설정합니다.</a:t>
+            </a:r>
+            <a:endParaRPr lang="ko-KR" altLang="en-US" sz="1800">
+              <a:latin typeface="맑은 고딕" charset="0"/>
+              <a:ea typeface="맑은 고딕" charset="0"/>
+            </a:endParaRPr>
+          </a:p>
+        </p:txBody>
+      </p:sp>
+      <p:pic>
+        <p:nvPicPr>
+          <p:cNvPr id="73" name="그림 85" descr="C:/Users/Admin1/AppData/Roaming/PolarisOffice/ETemp/18644_16045856/fImage30173824604.png"/>
+          <p:cNvPicPr>
+            <a:picLocks noChangeAspect="1"/>
+          </p:cNvPicPr>
+          <p:nvPr/>
+        </p:nvPicPr>
+        <p:blipFill rotWithShape="1">
+          <a:blip r:embed="rId5" cstate="hqprint">
             <a:extLst>
               <a:ext uri="{28A0092B-C50C-407E-A947-70E740481C1C}">
                 <a14:useLocalDpi xmlns:a14="http://schemas.microsoft.com/office/drawing/2010/main"/>
@@ -12635,16 +13991,196 @@
         </p:blipFill>
         <p:spPr>
           <a:xfrm rot="0">
-            <a:off x="6824980" y="1430020"/>
-            <a:ext cx="4124325" cy="3816350"/>
-          </a:xfrm>
-          <a:prstGeom prst="rect"/>
-          <a:noFill/>
+            <a:off x="8140065" y="1455420"/>
+            <a:ext cx="2817495" cy="1137920"/>
+          </a:xfrm>
+          <a:prstGeom prst="roundRect"/>
+          <a:solidFill>
+            <a:srgbClr val="EDEDED"/>
+          </a:solidFill>
         </p:spPr>
       </p:pic>
       <p:pic>
         <p:nvPicPr>
-          <p:cNvPr id="69" name="그림 44"/>
+          <p:cNvPr id="74" name="그림 86" descr="C:/Users/Admin1/AppData/Roaming/PolarisOffice/ETemp/18644_16045856/fImage81243833902.png"/>
+          <p:cNvPicPr>
+            <a:picLocks noChangeAspect="1"/>
+          </p:cNvPicPr>
+          <p:nvPr/>
+        </p:nvPicPr>
+        <p:blipFill rotWithShape="1">
+          <a:blip r:embed="rId6" cstate="print">
+            <a:extLst>
+              <a:ext uri="{28A0092B-C50C-407E-A947-70E740481C1C}">
+                <a14:useLocalDpi xmlns:a14="http://schemas.microsoft.com/office/drawing/2010/main" val="0"/>
+              </a:ext>
+            </a:extLst>
+          </a:blip>
+          <a:stretch>
+            <a:fillRect/>
+          </a:stretch>
+        </p:blipFill>
+        <p:spPr>
+          <a:xfrm rot="0">
+            <a:off x="6813550" y="1445260"/>
+            <a:ext cx="1215390" cy="1156335"/>
+          </a:xfrm>
+          <a:prstGeom prst="roundRect"/>
+          <a:solidFill>
+            <a:srgbClr val="EDEDED"/>
+          </a:solidFill>
+        </p:spPr>
+      </p:pic>
+      <p:sp>
+        <p:nvSpPr>
+          <p:cNvPr id="75" name="텍스트 상자 90"/>
+          <p:cNvSpPr txBox="1">
+            <a:spLocks/>
+          </p:cNvSpPr>
+          <p:nvPr/>
+        </p:nvSpPr>
+        <p:spPr>
+          <a:xfrm rot="0">
+            <a:off x="6822440" y="2697480"/>
+            <a:ext cx="4143375" cy="954405"/>
+          </a:xfrm>
+          <a:prstGeom prst="rect"/>
+          <a:noFill/>
+          <a:ln w="0">
+            <a:noFill/>
+            <a:prstDash/>
+          </a:ln>
+        </p:spPr>
+        <p:txBody>
+          <a:bodyPr wrap="square" lIns="89535" tIns="46355" rIns="89535" bIns="46355" numCol="1" vert="horz" anchor="t">
+            <a:spAutoFit/>
+          </a:bodyPr>
+          <a:lstStyle/>
+          <a:p>
+            <a:pPr marL="0" indent="0" rtl="0" algn="l" defTabSz="914400" eaLnBrk="1" latinLnBrk="0" hangingPunct="1">
+              <a:buFontTx/>
+              <a:buNone/>
+            </a:pPr>
+            <a:r>
+              <a:rPr lang="ko-KR" sz="2000" b="1">
+                <a:solidFill>
+                  <a:srgbClr val="0611F2"/>
+                </a:solidFill>
+                <a:latin typeface="맑은 고딕" charset="0"/>
+                <a:ea typeface="맑은 고딕" charset="0"/>
+              </a:rPr>
+              <a:t>4</a:t>
+            </a:r>
+            <a:r>
+              <a:rPr lang="ko-KR" sz="2000" b="1">
+                <a:solidFill>
+                  <a:srgbClr val="0611F2"/>
+                </a:solidFill>
+                <a:latin typeface="맑은 고딕" charset="0"/>
+                <a:ea typeface="맑은 고딕" charset="0"/>
+              </a:rPr>
+              <a:t>0</a:t>
+            </a:r>
+            <a:r>
+              <a:rPr lang="ko-KR" sz="2000" b="1">
+                <a:solidFill>
+                  <a:srgbClr val="0611F2"/>
+                </a:solidFill>
+                <a:latin typeface="맑은 고딕" charset="0"/>
+                <a:ea typeface="맑은 고딕" charset="0"/>
+              </a:rPr>
+              <a:t>.</a:t>
+            </a:r>
+            <a:r>
+              <a:rPr lang="ko-KR" sz="2000">
+                <a:solidFill>
+                  <a:srgbClr val="0611F2"/>
+                </a:solidFill>
+                <a:latin typeface="맑은 고딕" charset="0"/>
+                <a:ea typeface="맑은 고딕" charset="0"/>
+              </a:rPr>
+              <a:t> </a:t>
+            </a:r>
+            <a:r>
+              <a:rPr lang="ko-KR" sz="1800">
+                <a:latin typeface="맑은 고딕" charset="0"/>
+                <a:ea typeface="맑은 고딕" charset="0"/>
+              </a:rPr>
+              <a:t>그런 다음 Sign Up Button </a:t>
+            </a:r>
+            <a:r>
+              <a:rPr lang="ko-KR" sz="1800">
+                <a:latin typeface="맑은 고딕" charset="0"/>
+                <a:ea typeface="맑은 고딕" charset="0"/>
+              </a:rPr>
+              <a:t>오브젝트의</a:t>
+            </a:r>
+            <a:r>
+              <a:rPr lang="ko-KR" sz="1800">
+                <a:latin typeface="맑은 고딕" charset="0"/>
+                <a:ea typeface="맑은 고딕" charset="0"/>
+              </a:rPr>
+              <a:t> </a:t>
+            </a:r>
+            <a:r>
+              <a:rPr lang="ko-KR" sz="1800">
+                <a:latin typeface="맑은 고딕" charset="0"/>
+                <a:ea typeface="맑은 고딕" charset="0"/>
+              </a:rPr>
+              <a:t>O</a:t>
+            </a:r>
+            <a:r>
+              <a:rPr lang="ko-KR" sz="1800">
+                <a:latin typeface="맑은 고딕" charset="0"/>
+                <a:ea typeface="맑은 고딕" charset="0"/>
+              </a:rPr>
+              <a:t>n</a:t>
+            </a:r>
+            <a:r>
+              <a:rPr lang="ko-KR" sz="1800">
+                <a:latin typeface="맑은 고딕" charset="0"/>
+                <a:ea typeface="맑은 고딕" charset="0"/>
+              </a:rPr>
+              <a:t>C</a:t>
+            </a:r>
+            <a:r>
+              <a:rPr lang="ko-KR" sz="1800">
+                <a:latin typeface="맑은 고딕" charset="0"/>
+                <a:ea typeface="맑은 고딕" charset="0"/>
+              </a:rPr>
+              <a:t>lick(</a:t>
+            </a:r>
+            <a:r>
+              <a:rPr lang="ko-KR" sz="1800">
+                <a:latin typeface="맑은 고딕" charset="0"/>
+                <a:ea typeface="맑은 고딕" charset="0"/>
+              </a:rPr>
+              <a:t> </a:t>
+            </a:r>
+            <a:r>
+              <a:rPr lang="ko-KR" sz="1800">
+                <a:latin typeface="맑은 고딕" charset="0"/>
+                <a:ea typeface="맑은 고딕" charset="0"/>
+              </a:rPr>
+              <a:t>) 함수를 </a:t>
+            </a:r>
+            <a:r>
+              <a:rPr lang="ko-KR" sz="1800">
+                <a:latin typeface="맑은 고딕" charset="0"/>
+                <a:ea typeface="맑은 고딕" charset="0"/>
+              </a:rPr>
+              <a:t>추가합니다.</a:t>
+            </a:r>
+            <a:endParaRPr lang="ko-KR" altLang="en-US" sz="1800">
+              <a:latin typeface="맑은 고딕" charset="0"/>
+              <a:ea typeface="맑은 고딕" charset="0"/>
+            </a:endParaRPr>
+          </a:p>
+        </p:txBody>
+      </p:sp>
+      <p:pic>
+        <p:nvPicPr>
+          <p:cNvPr id="76" name="그림 91" descr="C:/Users/Admin1/AppData/Roaming/PolarisOffice/ETemp/18644_16045856/fImage12689385153.png"/>
           <p:cNvPicPr>
             <a:picLocks noChangeAspect="1"/>
           </p:cNvPicPr>
@@ -12664,8 +14200,8 @@
         </p:blipFill>
         <p:spPr>
           <a:xfrm rot="0">
-            <a:off x="1222375" y="1427480"/>
-            <a:ext cx="2610485" cy="3652520"/>
+            <a:off x="6822440" y="3781425"/>
+            <a:ext cx="4143375" cy="1378585"/>
           </a:xfrm>
           <a:prstGeom prst="roundRect"/>
           <a:solidFill>
@@ -12673,69 +14209,6 @@
           </a:solidFill>
         </p:spPr>
       </p:pic>
-      <p:pic>
-        <p:nvPicPr>
-          <p:cNvPr id="70" name="그림 47" descr="C:/Users/Admin1/AppData/Roaming/PolarisOffice/ETemp/20636_16816336/fImage94112544464.png"/>
-          <p:cNvPicPr>
-            <a:picLocks noChangeAspect="1"/>
-          </p:cNvPicPr>
-          <p:nvPr/>
-        </p:nvPicPr>
-        <p:blipFill rotWithShape="1">
-          <a:blip r:embed="rId8" cstate="print">
-            <a:extLst>
-              <a:ext uri="{28A0092B-C50C-407E-A947-70E740481C1C}">
-                <a14:useLocalDpi xmlns:a14="http://schemas.microsoft.com/office/drawing/2010/main" val="0"/>
-              </a:ext>
-            </a:extLst>
-          </a:blip>
-          <a:stretch>
-            <a:fillRect/>
-          </a:stretch>
-        </p:blipFill>
-        <p:spPr>
-          <a:xfrm rot="0">
-            <a:off x="3990340" y="2052955"/>
-            <a:ext cx="1388745" cy="2378075"/>
-          </a:xfrm>
-          <a:prstGeom prst="roundRect"/>
-          <a:solidFill>
-            <a:srgbClr val="EDEDED"/>
-          </a:solidFill>
-        </p:spPr>
-      </p:pic>
-      <p:cxnSp>
-        <p:nvCxnSpPr>
-          <p:cNvPr id="65" name="Rect 0"/>
-          <p:cNvCxnSpPr/>
-          <p:nvPr/>
-        </p:nvCxnSpPr>
-        <p:spPr>
-          <a:xfrm rot="0" flipH="1">
-            <a:off x="2011680" y="4231640"/>
-            <a:ext cx="2195195" cy="515620"/>
-          </a:xfrm>
-          <a:prstGeom prst="straightConnector1"/>
-          <a:ln w="6350" cap="flat" cmpd="sng">
-            <a:prstDash/>
-            <a:tailEnd type="triangle" w="med" len="med"/>
-          </a:ln>
-        </p:spPr>
-        <p:style>
-          <a:lnRef idx="1">
-            <a:schemeClr val="accent1"/>
-          </a:lnRef>
-          <a:fillRef idx="0">
-            <a:schemeClr val="accent1"/>
-          </a:fillRef>
-          <a:effectRef idx="0">
-            <a:schemeClr val="accent1"/>
-          </a:effectRef>
-          <a:fontRef idx="minor">
-            <a:schemeClr val="tx1"/>
-          </a:fontRef>
-        </p:style>
-      </p:cxnSp>
     </p:spTree>
   </p:cSld>
   <p:clrMapOvr>
@@ -12760,7 +14233,7 @@
 </file>
 
 <file path=ppt/slides/slide18.xml><?xml version="1.0" encoding="utf-8"?>
-<p:sld xmlns:a="http://schemas.openxmlformats.org/drawingml/2006/main" xmlns:r="http://schemas.openxmlformats.org/officeDocument/2006/relationships" xmlns:p="http://schemas.openxmlformats.org/presentationml/2006/main" xmlns:p14="http://schemas.microsoft.com/office/powerpoint/2010/main">
+<p:sld xmlns:a="http://schemas.openxmlformats.org/drawingml/2006/main" xmlns:r="http://schemas.openxmlformats.org/officeDocument/2006/relationships" xmlns:p="http://schemas.openxmlformats.org/presentationml/2006/main">
   <p:cSld>
     <p:spTree>
       <p:nvGrpSpPr>
@@ -12778,7 +14251,7 @@
       </p:grpSpPr>
       <p:sp>
         <p:nvSpPr>
-          <p:cNvPr id="35" name="Rect 0"/>
+          <p:cNvPr id="29" name="Rect 0"/>
           <p:cNvSpPr txBox="1">
             <a:spLocks/>
           </p:cNvSpPr>
@@ -12786,8 +14259,8 @@
         </p:nvSpPr>
         <p:spPr>
           <a:xfrm rot="0">
-            <a:off x="4126865" y="467995"/>
-            <a:ext cx="3938270" cy="554990"/>
+            <a:off x="1229995" y="1337310"/>
+            <a:ext cx="4039870" cy="371475"/>
           </a:xfrm>
           <a:prstGeom prst="rect"/>
           <a:noFill/>
@@ -12802,39 +14275,11 @@
           </a:bodyPr>
           <a:lstStyle/>
           <a:p>
-            <a:pPr marL="0" indent="0" rtl="0" algn="l" defTabSz="914400" eaLnBrk="1" latinLnBrk="0" hangingPunct="1">
-              <a:buFontTx/>
-              <a:buNone/>
-            </a:pPr>
-            <a:r>
-              <a:rPr lang="ko-KR" sz="3000" b="1">
-                <a:latin typeface="맑은 고딕" charset="0"/>
-                <a:ea typeface="맑은 고딕" charset="0"/>
-              </a:rPr>
-              <a:t>열</a:t>
-            </a:r>
-            <a:r>
-              <a:rPr lang="ko-KR" sz="3000" b="1">
-                <a:latin typeface="맑은 고딕" charset="0"/>
-                <a:ea typeface="맑은 고딕" charset="0"/>
-              </a:rPr>
-              <a:t>여</a:t>
-            </a:r>
-            <a:r>
-              <a:rPr lang="ko-KR" sz="3000" b="1">
-                <a:latin typeface="맑은 고딕" charset="0"/>
-                <a:ea typeface="맑은 고딕" charset="0"/>
-              </a:rPr>
-              <a:t>섯 번째 튜토리얼</a:t>
-            </a:r>
-            <a:r>
-              <a:rPr sz="3000" b="1">
-                <a:latin typeface="맑은 고딕" charset="0"/>
-                <a:ea typeface="맑은 고딕" charset="0"/>
-              </a:rPr>
-              <a:t> </a:t>
-            </a:r>
-            <a:endParaRPr lang="ko-KR" altLang="en-US" sz="3000" b="1">
+            <a:pPr marL="0" indent="0" algn="l" latinLnBrk="0" hangingPunct="1">
+              <a:buFontTx/>
+              <a:buNone/>
+            </a:pPr>
+            <a:endParaRPr lang="ko-KR" altLang="en-US" sz="1800">
               <a:latin typeface="맑은 고딕" charset="0"/>
               <a:ea typeface="맑은 고딕" charset="0"/>
             </a:endParaRPr>
@@ -12843,7 +14288,7 @@
       </p:sp>
       <p:sp>
         <p:nvSpPr>
-          <p:cNvPr id="57" name="Rect 0"/>
+          <p:cNvPr id="35" name="Rect 0"/>
           <p:cNvSpPr txBox="1">
             <a:spLocks/>
           </p:cNvSpPr>
@@ -12851,8 +14296,8 @@
         </p:nvSpPr>
         <p:spPr>
           <a:xfrm rot="0">
-            <a:off x="6849745" y="5322570"/>
-            <a:ext cx="4099560" cy="954405"/>
+            <a:off x="4334510" y="398780"/>
+            <a:ext cx="3521710" cy="554990"/>
           </a:xfrm>
           <a:prstGeom prst="rect"/>
           <a:noFill/>
@@ -12867,61 +14312,32 @@
           </a:bodyPr>
           <a:lstStyle/>
           <a:p>
-            <a:pPr marL="0" indent="0" rtl="0" algn="l" defTabSz="914400" eaLnBrk="1" latinLnBrk="0" hangingPunct="1">
-              <a:buFontTx/>
-              <a:buNone/>
-              <a:tabLst>
-                <a:tab pos="3869690" algn="l"/>
-              </a:tabLst>
-            </a:pPr>
-            <a:r>
-              <a:rPr lang="ko-KR" sz="2000" b="1">
-                <a:solidFill>
-                  <a:srgbClr val="0611F2"/>
-                </a:solidFill>
-                <a:latin typeface="맑은 고딕" charset="0"/>
-                <a:ea typeface="맑은 고딕" charset="0"/>
-              </a:rPr>
-              <a:t>3</a:t>
-            </a:r>
-            <a:r>
-              <a:rPr lang="ko-KR" sz="2000" b="1">
-                <a:solidFill>
-                  <a:srgbClr val="0611F2"/>
-                </a:solidFill>
-                <a:latin typeface="맑은 고딕" charset="0"/>
-                <a:ea typeface="맑은 고딕" charset="0"/>
-              </a:rPr>
-              <a:t>6</a:t>
-            </a:r>
-            <a:r>
-              <a:rPr lang="ko-KR" sz="2000" b="1">
-                <a:solidFill>
-                  <a:srgbClr val="0611F2"/>
-                </a:solidFill>
-                <a:latin typeface="맑은 고딕" charset="0"/>
-                <a:ea typeface="맑은 고딕" charset="0"/>
-              </a:rPr>
-              <a:t>.</a:t>
-            </a:r>
-            <a:r>
-              <a:rPr lang="ko-KR" sz="2000">
-                <a:solidFill>
-                  <a:srgbClr val="0611F2"/>
-                </a:solidFill>
-                <a:latin typeface="맑은 고딕" charset="0"/>
-                <a:ea typeface="맑은 고딕" charset="0"/>
-              </a:rPr>
-              <a:t> </a:t>
-            </a:r>
-            <a:r>
-              <a:rPr lang="ko-KR" sz="1800">
-                <a:latin typeface="맑은 고딕" charset="0"/>
-                <a:ea typeface="맑은 고딕" charset="0"/>
-              </a:rPr>
-              <a:t>그다음 Email Input과 Password Input 오브젝트의 앵커를 지정하고 위치와 회전 값을 설정합니다. </a:t>
-            </a:r>
-            <a:endParaRPr lang="ko-KR" altLang="en-US" sz="1800">
+            <a:pPr marL="0" indent="0" rtl="0" algn="ctr" defTabSz="914400" eaLnBrk="1" latinLnBrk="0" hangingPunct="1">
+              <a:buFontTx/>
+              <a:buNone/>
+            </a:pPr>
+            <a:r>
+              <a:rPr lang="ko-KR" sz="2500" b="1">
+                <a:latin typeface="나눔바른고딕" charset="0"/>
+                <a:ea typeface="나눔바른고딕" charset="0"/>
+              </a:rPr>
+              <a:t>열여덟</a:t>
+            </a:r>
+            <a:r>
+              <a:rPr lang="ko-KR" sz="2500" b="1">
+                <a:latin typeface="나눔바른고딕" charset="0"/>
+                <a:ea typeface="나눔바른고딕" charset="0"/>
+              </a:rPr>
+              <a:t> 번째 튜토리얼</a:t>
+            </a:r>
+            <a:r>
+              <a:rPr sz="3000" b="1">
+                <a:latin typeface="맑은 고딕" charset="0"/>
+                <a:ea typeface="맑은 고딕" charset="0"/>
+              </a:rPr>
+              <a:t> </a:t>
+            </a:r>
+            <a:endParaRPr lang="ko-KR" altLang="en-US" sz="3000" b="1">
               <a:latin typeface="맑은 고딕" charset="0"/>
               <a:ea typeface="맑은 고딕" charset="0"/>
             </a:endParaRPr>
@@ -12930,16 +14346,16 @@
       </p:sp>
       <p:sp>
         <p:nvSpPr>
-          <p:cNvPr id="60" name="Rect 0"/>
+          <p:cNvPr id="67" name="Rect 0"/>
           <p:cNvSpPr txBox="1">
             <a:spLocks/>
           </p:cNvSpPr>
           <p:nvPr/>
         </p:nvSpPr>
         <p:spPr>
-          <a:xfrm>
-            <a:off x="1237615" y="5319395"/>
-            <a:ext cx="4149725" cy="954405"/>
+          <a:xfrm rot="0">
+            <a:off x="6816725" y="4405630"/>
+            <a:ext cx="4140835" cy="1784985"/>
           </a:xfrm>
           <a:prstGeom prst="rect"/>
           <a:noFill/>
@@ -12959,6 +14375,257 @@
               <a:buNone/>
             </a:pPr>
             <a:r>
+              <a:rPr sz="2000" b="1">
+                <a:solidFill>
+                  <a:srgbClr val="0611F2"/>
+                </a:solidFill>
+                <a:latin typeface="맑은 고딕" charset="0"/>
+                <a:ea typeface="맑은 고딕" charset="0"/>
+              </a:rPr>
+              <a:t>4</a:t>
+            </a:r>
+            <a:r>
+              <a:rPr sz="2000" b="1">
+                <a:solidFill>
+                  <a:srgbClr val="0611F2"/>
+                </a:solidFill>
+                <a:latin typeface="맑은 고딕" charset="0"/>
+                <a:ea typeface="맑은 고딕" charset="0"/>
+              </a:rPr>
+              <a:t>4</a:t>
+            </a:r>
+            <a:r>
+              <a:rPr sz="2000" b="1">
+                <a:solidFill>
+                  <a:srgbClr val="0611F2"/>
+                </a:solidFill>
+                <a:latin typeface="맑은 고딕" charset="0"/>
+                <a:ea typeface="맑은 고딕" charset="0"/>
+              </a:rPr>
+              <a:t>.</a:t>
+            </a:r>
+            <a:r>
+              <a:rPr sz="2000">
+                <a:solidFill>
+                  <a:srgbClr val="0611F2"/>
+                </a:solidFill>
+                <a:latin typeface="맑은 고딕" charset="0"/>
+                <a:ea typeface="맑은 고딕" charset="0"/>
+              </a:rPr>
+              <a:t> </a:t>
+            </a:r>
+            <a:r>
+              <a:rPr sz="1800">
+                <a:latin typeface="맑은 고딕" charset="0"/>
+                <a:ea typeface="맑은 고딕" charset="0"/>
+              </a:rPr>
+              <a:t>그러고 나서 Texture 폴더 아래에 </a:t>
+            </a:r>
+            <a:r>
+              <a:rPr sz="1800">
+                <a:latin typeface="맑은 고딕" charset="0"/>
+                <a:ea typeface="맑은 고딕" charset="0"/>
+              </a:rPr>
+              <a:t>있는</a:t>
+            </a:r>
+            <a:r>
+              <a:rPr sz="1800">
+                <a:latin typeface="맑은 고딕" charset="0"/>
+                <a:ea typeface="맑은 고딕" charset="0"/>
+              </a:rPr>
+              <a:t> </a:t>
+            </a:r>
+            <a:r>
+              <a:rPr sz="1800">
+                <a:latin typeface="맑은 고딕" charset="0"/>
+                <a:ea typeface="맑은 고딕" charset="0"/>
+              </a:rPr>
+              <a:t>Login</a:t>
+            </a:r>
+            <a:r>
+              <a:rPr sz="1800">
+                <a:latin typeface="맑은 고딕" charset="0"/>
+                <a:ea typeface="맑은 고딕" charset="0"/>
+              </a:rPr>
+              <a:t> Texture 폴더에 </a:t>
+            </a:r>
+            <a:r>
+              <a:rPr sz="1800">
+                <a:latin typeface="맑은 고딕" charset="0"/>
+                <a:ea typeface="맑은 고딕" charset="0"/>
+              </a:rPr>
+              <a:t>Sign</a:t>
+            </a:r>
+            <a:r>
+              <a:rPr sz="1800">
+                <a:latin typeface="맑은 고딕" charset="0"/>
+                <a:ea typeface="맑은 고딕" charset="0"/>
+              </a:rPr>
+              <a:t> </a:t>
+            </a:r>
+            <a:r>
+              <a:rPr sz="1800">
+                <a:latin typeface="맑은 고딕" charset="0"/>
+                <a:ea typeface="맑은 고딕" charset="0"/>
+              </a:rPr>
+              <a:t>I</a:t>
+            </a:r>
+            <a:r>
+              <a:rPr sz="1800">
+                <a:latin typeface="맑은 고딕" charset="0"/>
+                <a:ea typeface="맑은 고딕" charset="0"/>
+              </a:rPr>
+              <a:t>n </a:t>
+            </a:r>
+            <a:r>
+              <a:rPr sz="1800">
+                <a:latin typeface="맑은 고딕" charset="0"/>
+                <a:ea typeface="맑은 고딕" charset="0"/>
+              </a:rPr>
+              <a:t>Button</a:t>
+            </a:r>
+            <a:r>
+              <a:rPr lang="ko-KR" sz="1800">
+                <a:latin typeface="맑은 고딕" charset="0"/>
+                <a:ea typeface="맑은 고딕" charset="0"/>
+              </a:rPr>
+              <a:t> </a:t>
+            </a:r>
+            <a:r>
+              <a:rPr sz="1800">
+                <a:latin typeface="맑은 고딕" charset="0"/>
+                <a:ea typeface="맑은 고딕" charset="0"/>
+              </a:rPr>
+              <a:t>텍스처를</a:t>
+            </a:r>
+            <a:r>
+              <a:rPr sz="1800">
+                <a:latin typeface="맑은 고딕" charset="0"/>
+                <a:ea typeface="맑은 고딕" charset="0"/>
+              </a:rPr>
+              <a:t> </a:t>
+            </a:r>
+            <a:r>
+              <a:rPr sz="1800">
+                <a:latin typeface="맑은 고딕" charset="0"/>
+                <a:ea typeface="맑은 고딕" charset="0"/>
+              </a:rPr>
+              <a:t>선택합니다.</a:t>
+            </a:r>
+            <a:endParaRPr lang="ko-KR" altLang="en-US" sz="1800">
+              <a:latin typeface="맑은 고딕" charset="0"/>
+              <a:ea typeface="맑은 고딕" charset="0"/>
+            </a:endParaRPr>
+          </a:p>
+          <a:p>
+            <a:pPr marL="0" indent="0" rtl="0" algn="l" defTabSz="914400" eaLnBrk="1" latinLnBrk="0" hangingPunct="1">
+              <a:buFontTx/>
+              <a:buNone/>
+            </a:pPr>
+            <a:endParaRPr lang="ko-KR" altLang="en-US" sz="1800">
+              <a:latin typeface="맑은 고딕" charset="0"/>
+              <a:ea typeface="맑은 고딕" charset="0"/>
+            </a:endParaRPr>
+          </a:p>
+          <a:p>
+            <a:pPr marL="0" indent="0" rtl="0" algn="l" defTabSz="914400" eaLnBrk="1" latinLnBrk="0" hangingPunct="1">
+              <a:buFontTx/>
+              <a:buNone/>
+            </a:pPr>
+            <a:r>
+              <a:rPr sz="1800">
+                <a:latin typeface="맑은 고딕" charset="0"/>
+                <a:ea typeface="맑은 고딕" charset="0"/>
+              </a:rPr>
+              <a:t>그</a:t>
+            </a:r>
+            <a:r>
+              <a:rPr lang="ko-KR" sz="1800">
+                <a:latin typeface="맑은 고딕" charset="0"/>
+                <a:ea typeface="맑은 고딕" charset="0"/>
+              </a:rPr>
+              <a:t>리고</a:t>
+            </a:r>
+            <a:r>
+              <a:rPr sz="1800">
+                <a:latin typeface="맑은 고딕" charset="0"/>
+                <a:ea typeface="맑은 고딕" charset="0"/>
+              </a:rPr>
+              <a:t> Sign In Button 오브젝트의 </a:t>
+            </a:r>
+            <a:r>
+              <a:rPr sz="1800">
+                <a:latin typeface="맑은 고딕" charset="0"/>
+                <a:ea typeface="맑은 고딕" charset="0"/>
+              </a:rPr>
+              <a:t>이미지</a:t>
+            </a:r>
+            <a:r>
+              <a:rPr sz="1800">
+                <a:latin typeface="맑은 고딕" charset="0"/>
+                <a:ea typeface="맑은 고딕" charset="0"/>
+              </a:rPr>
+              <a:t> </a:t>
+            </a:r>
+            <a:r>
+              <a:rPr sz="1800">
+                <a:latin typeface="맑은 고딕" charset="0"/>
+                <a:ea typeface="맑은 고딕" charset="0"/>
+              </a:rPr>
+              <a:t>컴포넌트에</a:t>
+            </a:r>
+            <a:r>
+              <a:rPr sz="1800">
+                <a:latin typeface="맑은 고딕" charset="0"/>
+                <a:ea typeface="맑은 고딕" charset="0"/>
+              </a:rPr>
+              <a:t> </a:t>
+            </a:r>
+            <a:r>
+              <a:rPr sz="1800">
+                <a:latin typeface="맑은 고딕" charset="0"/>
+                <a:ea typeface="맑은 고딕" charset="0"/>
+              </a:rPr>
+              <a:t>넣어줍니다.</a:t>
+            </a:r>
+            <a:endParaRPr lang="ko-KR" altLang="en-US" sz="1800">
+              <a:latin typeface="맑은 고딕" charset="0"/>
+              <a:ea typeface="맑은 고딕" charset="0"/>
+            </a:endParaRPr>
+          </a:p>
+        </p:txBody>
+      </p:sp>
+      <p:sp>
+        <p:nvSpPr>
+          <p:cNvPr id="72" name="Rect 0"/>
+          <p:cNvSpPr txBox="1">
+            <a:spLocks/>
+          </p:cNvSpPr>
+          <p:nvPr/>
+        </p:nvSpPr>
+        <p:spPr>
+          <a:xfrm rot="0">
+            <a:off x="1229360" y="5235575"/>
+            <a:ext cx="4146550" cy="954405"/>
+          </a:xfrm>
+          <a:prstGeom prst="rect"/>
+          <a:noFill/>
+          <a:ln w="0">
+            <a:noFill/>
+            <a:prstDash/>
+          </a:ln>
+        </p:spPr>
+        <p:txBody>
+          <a:bodyPr wrap="square" lIns="89535" tIns="46355" rIns="89535" bIns="46355" numCol="1" vert="horz" anchor="t">
+            <a:spAutoFit/>
+          </a:bodyPr>
+          <a:lstStyle/>
+          <a:p>
+            <a:pPr marL="0" indent="0" rtl="0" algn="l" defTabSz="914400" eaLnBrk="1" latinLnBrk="0" hangingPunct="1">
+              <a:buFontTx/>
+              <a:buNone/>
+            </a:pPr>
+            <a:r>
               <a:rPr lang="ko-KR" sz="2000" b="1">
                 <a:solidFill>
                   <a:srgbClr val="0611F2"/>
@@ -12966,7 +14633,7 @@
                 <a:latin typeface="맑은 고딕" charset="0"/>
                 <a:ea typeface="맑은 고딕" charset="0"/>
               </a:rPr>
-              <a:t>3</a:t>
+              <a:t>4</a:t>
             </a:r>
             <a:r>
               <a:rPr lang="ko-KR" sz="2000" b="1">
@@ -12976,7 +14643,7 @@
                 <a:latin typeface="맑은 고딕" charset="0"/>
                 <a:ea typeface="맑은 고딕" charset="0"/>
               </a:rPr>
-              <a:t>5</a:t>
+              <a:t>3</a:t>
             </a:r>
             <a:r>
               <a:rPr lang="ko-KR" sz="2000" b="1">
@@ -13003,7 +14670,147 @@
                 <a:latin typeface="맑은 고딕" charset="0"/>
                 <a:ea typeface="맑은 고딕" charset="0"/>
               </a:rPr>
-              <a:t>그리고 Sign In Button과 Sign Up Button 오브젝트의 앵커를 지정하고 위치와 회전 값을 설정합니다.</a:t>
+              <a:t>이제 </a:t>
+            </a:r>
+            <a:r>
+              <a:rPr sz="1800">
+                <a:latin typeface="맑은 고딕" charset="0"/>
+                <a:ea typeface="맑은 고딕" charset="0"/>
+              </a:rPr>
+              <a:t>Sign Up Button </a:t>
+            </a:r>
+            <a:r>
+              <a:rPr sz="1800">
+                <a:latin typeface="맑은 고딕" charset="0"/>
+                <a:ea typeface="맑은 고딕" charset="0"/>
+              </a:rPr>
+              <a:t>오브젝트</a:t>
+            </a:r>
+            <a:r>
+              <a:rPr lang="ko-KR" sz="1800">
+                <a:latin typeface="맑은 고딕" charset="0"/>
+                <a:ea typeface="맑은 고딕" charset="0"/>
+              </a:rPr>
+              <a:t>에 </a:t>
+            </a:r>
+            <a:r>
+              <a:rPr lang="ko-KR" sz="1800">
+                <a:latin typeface="맑은 고딕" charset="0"/>
+                <a:ea typeface="맑은 고딕" charset="0"/>
+              </a:rPr>
+              <a:t>있는</a:t>
+            </a:r>
+            <a:r>
+              <a:rPr sz="1800">
+                <a:latin typeface="맑은 고딕" charset="0"/>
+                <a:ea typeface="맑은 고딕" charset="0"/>
+              </a:rPr>
+              <a:t> </a:t>
+            </a:r>
+            <a:r>
+              <a:rPr sz="1800">
+                <a:latin typeface="맑은 고딕" charset="0"/>
+                <a:ea typeface="맑은 고딕" charset="0"/>
+              </a:rPr>
+              <a:t>On</a:t>
+            </a:r>
+            <a:r>
+              <a:rPr sz="1800">
+                <a:latin typeface="맑은 고딕" charset="0"/>
+                <a:ea typeface="맑은 고딕" charset="0"/>
+              </a:rPr>
+              <a:t> </a:t>
+            </a:r>
+            <a:r>
+              <a:rPr sz="1800">
+                <a:latin typeface="맑은 고딕" charset="0"/>
+                <a:ea typeface="맑은 고딕" charset="0"/>
+              </a:rPr>
+              <a:t>Click(</a:t>
+            </a:r>
+            <a:r>
+              <a:rPr sz="1800">
+                <a:latin typeface="맑은 고딕" charset="0"/>
+                <a:ea typeface="맑은 고딕" charset="0"/>
+              </a:rPr>
+              <a:t> </a:t>
+            </a:r>
+            <a:r>
+              <a:rPr sz="1800">
+                <a:latin typeface="맑은 고딕" charset="0"/>
+                <a:ea typeface="맑은 고딕" charset="0"/>
+              </a:rPr>
+              <a:t>)</a:t>
+            </a:r>
+            <a:r>
+              <a:rPr sz="1800">
+                <a:latin typeface="맑은 고딕" charset="0"/>
+                <a:ea typeface="맑은 고딕" charset="0"/>
+              </a:rPr>
+              <a:t> </a:t>
+            </a:r>
+            <a:r>
+              <a:rPr sz="1800">
+                <a:latin typeface="맑은 고딕" charset="0"/>
+                <a:ea typeface="맑은 고딕" charset="0"/>
+              </a:rPr>
+              <a:t>함수에</a:t>
+            </a:r>
+            <a:r>
+              <a:rPr sz="1800">
+                <a:latin typeface="맑은 고딕" charset="0"/>
+                <a:ea typeface="맑은 고딕" charset="0"/>
+              </a:rPr>
+              <a:t> </a:t>
+            </a:r>
+            <a:r>
+              <a:rPr sz="1800">
+                <a:latin typeface="맑은 고딕" charset="0"/>
+                <a:ea typeface="맑은 고딕" charset="0"/>
+              </a:rPr>
+              <a:t>SignUp(</a:t>
+            </a:r>
+            <a:r>
+              <a:rPr sz="1800">
+                <a:latin typeface="맑은 고딕" charset="0"/>
+                <a:ea typeface="맑은 고딕" charset="0"/>
+              </a:rPr>
+              <a:t> </a:t>
+            </a:r>
+            <a:r>
+              <a:rPr sz="1800">
+                <a:latin typeface="맑은 고딕" charset="0"/>
+                <a:ea typeface="맑은 고딕" charset="0"/>
+              </a:rPr>
+              <a:t>) </a:t>
+            </a:r>
+            <a:r>
+              <a:rPr sz="1800">
+                <a:latin typeface="맑은 고딕" charset="0"/>
+                <a:ea typeface="맑은 고딕" charset="0"/>
+              </a:rPr>
+              <a:t>함수</a:t>
+            </a:r>
+            <a:r>
+              <a:rPr lang="ko-KR" sz="1800">
+                <a:latin typeface="맑은 고딕" charset="0"/>
+                <a:ea typeface="맑은 고딕" charset="0"/>
+              </a:rPr>
+              <a:t>를</a:t>
+            </a:r>
+            <a:r>
+              <a:rPr lang="ko-KR" sz="1800">
+                <a:latin typeface="맑은 고딕" charset="0"/>
+                <a:ea typeface="맑은 고딕" charset="0"/>
+              </a:rPr>
+              <a:t> </a:t>
+            </a:r>
+            <a:r>
+              <a:rPr sz="1800">
+                <a:latin typeface="맑은 고딕" charset="0"/>
+                <a:ea typeface="맑은 고딕" charset="0"/>
+              </a:rPr>
+              <a:t>등록합니다.</a:t>
             </a:r>
             <a:endParaRPr lang="ko-KR" altLang="en-US" sz="1800">
               <a:latin typeface="맑은 고딕" charset="0"/>
@@ -13014,17 +14821,17 @@
       </p:sp>
       <p:pic>
         <p:nvPicPr>
-          <p:cNvPr id="68" name="그림 51" descr="C:/Users/Admin1/AppData/Roaming/PolarisOffice/ETemp/20636_16816336/fImage127713248145.png"/>
+          <p:cNvPr id="77" name="그림 94" descr="C:/Users/Admin1/AppData/Roaming/PolarisOffice/ETemp/18644_16045856/fImage8169402292.png"/>
           <p:cNvPicPr>
             <a:picLocks noChangeAspect="1"/>
           </p:cNvPicPr>
           <p:nvPr/>
         </p:nvPicPr>
         <p:blipFill rotWithShape="1">
-          <a:blip r:embed="rId2" cstate="hqprint">
+          <a:blip r:embed="rId2" cstate="print">
             <a:extLst>
               <a:ext uri="{28A0092B-C50C-407E-A947-70E740481C1C}">
-                <a14:useLocalDpi xmlns:a14="http://schemas.microsoft.com/office/drawing/2010/main"/>
+                <a14:useLocalDpi xmlns:a14="http://schemas.microsoft.com/office/drawing/2010/main" val="0"/>
               </a:ext>
             </a:extLst>
           </a:blip>
@@ -13034,8 +14841,8 @@
         </p:blipFill>
         <p:spPr>
           <a:xfrm rot="0">
-            <a:off x="1237615" y="1403350"/>
-            <a:ext cx="4142105" cy="1714500"/>
+            <a:off x="1231900" y="1449705"/>
+            <a:ext cx="1198245" cy="1186815"/>
           </a:xfrm>
           <a:prstGeom prst="roundRect"/>
           <a:solidFill>
@@ -13045,7 +14852,7 @@
       </p:pic>
       <p:pic>
         <p:nvPicPr>
-          <p:cNvPr id="69" name="그림 54"/>
+          <p:cNvPr id="78" name="그림 95" descr="C:/Users/Admin1/AppData/Roaming/PolarisOffice/ETemp/18644_16045856/fImage52504032382.png"/>
           <p:cNvPicPr>
             <a:picLocks noChangeAspect="1"/>
           </p:cNvPicPr>
@@ -13065,8 +14872,8 @@
         </p:blipFill>
         <p:spPr>
           <a:xfrm rot="0">
-            <a:off x="1234440" y="3363595"/>
-            <a:ext cx="4152900" cy="1774190"/>
+            <a:off x="2550160" y="1438275"/>
+            <a:ext cx="2825750" cy="1206500"/>
           </a:xfrm>
           <a:prstGeom prst="roundRect"/>
           <a:solidFill>
@@ -13074,19 +14881,234 @@
           </a:solidFill>
         </p:spPr>
       </p:pic>
+      <p:sp>
+        <p:nvSpPr>
+          <p:cNvPr id="79" name="텍스트 상자 96"/>
+          <p:cNvSpPr txBox="1">
+            <a:spLocks/>
+          </p:cNvSpPr>
+          <p:nvPr/>
+        </p:nvSpPr>
+        <p:spPr>
+          <a:xfrm rot="0">
+            <a:off x="1231900" y="2754630"/>
+            <a:ext cx="4144010" cy="954405"/>
+          </a:xfrm>
+          <a:prstGeom prst="rect"/>
+          <a:noFill/>
+          <a:ln w="0">
+            <a:noFill/>
+            <a:prstDash/>
+          </a:ln>
+        </p:spPr>
+        <p:txBody>
+          <a:bodyPr wrap="square" lIns="89535" tIns="46355" rIns="89535" bIns="46355" numCol="1" vert="horz" anchor="t">
+            <a:spAutoFit/>
+          </a:bodyPr>
+          <a:lstStyle/>
+          <a:p>
+            <a:pPr marL="0" indent="0" rtl="0" algn="l" defTabSz="914400" eaLnBrk="1" latinLnBrk="0" hangingPunct="1">
+              <a:buFontTx/>
+              <a:buNone/>
+            </a:pPr>
+            <a:r>
+              <a:rPr lang="ko-KR" sz="2000" b="1">
+                <a:solidFill>
+                  <a:srgbClr val="0611F2"/>
+                </a:solidFill>
+                <a:latin typeface="맑은 고딕" charset="0"/>
+                <a:ea typeface="맑은 고딕" charset="0"/>
+              </a:rPr>
+              <a:t>4</a:t>
+            </a:r>
+            <a:r>
+              <a:rPr lang="ko-KR" sz="2000" b="1">
+                <a:solidFill>
+                  <a:srgbClr val="0611F2"/>
+                </a:solidFill>
+                <a:latin typeface="맑은 고딕" charset="0"/>
+                <a:ea typeface="맑은 고딕" charset="0"/>
+              </a:rPr>
+              <a:t>2</a:t>
+            </a:r>
+            <a:r>
+              <a:rPr lang="ko-KR" sz="2000" b="1">
+                <a:solidFill>
+                  <a:srgbClr val="0611F2"/>
+                </a:solidFill>
+                <a:latin typeface="맑은 고딕" charset="0"/>
+                <a:ea typeface="맑은 고딕" charset="0"/>
+              </a:rPr>
+              <a:t>.</a:t>
+            </a:r>
+            <a:r>
+              <a:rPr lang="ko-KR" sz="2000">
+                <a:solidFill>
+                  <a:srgbClr val="0611F2"/>
+                </a:solidFill>
+                <a:latin typeface="맑은 고딕" charset="0"/>
+                <a:ea typeface="맑은 고딕" charset="0"/>
+              </a:rPr>
+              <a:t> </a:t>
+            </a:r>
+            <a:r>
+              <a:rPr sz="1800">
+                <a:latin typeface="맑은 고딕" charset="0"/>
+                <a:ea typeface="맑은 고딕" charset="0"/>
+              </a:rPr>
+              <a:t>그다음으로 Sign Up Button </a:t>
+            </a:r>
+            <a:r>
+              <a:rPr sz="1800">
+                <a:latin typeface="맑은 고딕" charset="0"/>
+                <a:ea typeface="맑은 고딕" charset="0"/>
+              </a:rPr>
+              <a:t>오브젝트의</a:t>
+            </a:r>
+            <a:r>
+              <a:rPr sz="1800">
+                <a:latin typeface="맑은 고딕" charset="0"/>
+                <a:ea typeface="맑은 고딕" charset="0"/>
+              </a:rPr>
+              <a:t> </a:t>
+            </a:r>
+            <a:r>
+              <a:rPr sz="1800">
+                <a:latin typeface="맑은 고딕" charset="0"/>
+                <a:ea typeface="맑은 고딕" charset="0"/>
+              </a:rPr>
+              <a:t>On</a:t>
+            </a:r>
+            <a:r>
+              <a:rPr sz="1800">
+                <a:latin typeface="맑은 고딕" charset="0"/>
+                <a:ea typeface="맑은 고딕" charset="0"/>
+              </a:rPr>
+              <a:t> </a:t>
+            </a:r>
+            <a:r>
+              <a:rPr sz="1800">
+                <a:latin typeface="맑은 고딕" charset="0"/>
+                <a:ea typeface="맑은 고딕" charset="0"/>
+              </a:rPr>
+              <a:t>Click(</a:t>
+            </a:r>
+            <a:r>
+              <a:rPr sz="1800">
+                <a:latin typeface="맑은 고딕" charset="0"/>
+                <a:ea typeface="맑은 고딕" charset="0"/>
+              </a:rPr>
+              <a:t> ) 함수에 </a:t>
+            </a:r>
+            <a:r>
+              <a:rPr sz="1800">
+                <a:latin typeface="맑은 고딕" charset="0"/>
+                <a:ea typeface="맑은 고딕" charset="0"/>
+              </a:rPr>
+              <a:t>P</a:t>
+            </a:r>
+            <a:r>
+              <a:rPr sz="1800">
+                <a:latin typeface="맑은 고딕" charset="0"/>
+                <a:ea typeface="맑은 고딕" charset="0"/>
+              </a:rPr>
+              <a:t>hoton </a:t>
+            </a:r>
+            <a:r>
+              <a:rPr sz="1800">
+                <a:latin typeface="맑은 고딕" charset="0"/>
+                <a:ea typeface="맑은 고딕" charset="0"/>
+              </a:rPr>
+              <a:t>S</a:t>
+            </a:r>
+            <a:r>
+              <a:rPr lang="ko-KR" sz="1800">
+                <a:latin typeface="맑은 고딕" charset="0"/>
+                <a:ea typeface="맑은 고딕" charset="0"/>
+              </a:rPr>
+              <a:t>e</a:t>
+            </a:r>
+            <a:r>
+              <a:rPr lang="ko-KR" sz="1800">
+                <a:latin typeface="맑은 고딕" charset="0"/>
+                <a:ea typeface="맑은 고딕" charset="0"/>
+              </a:rPr>
+              <a:t>tting</a:t>
+            </a:r>
+            <a:r>
+              <a:rPr sz="1800">
+                <a:latin typeface="맑은 고딕" charset="0"/>
+                <a:ea typeface="맑은 고딕" charset="0"/>
+              </a:rPr>
+              <a:t> </a:t>
+            </a:r>
+            <a:r>
+              <a:rPr sz="1800">
+                <a:latin typeface="맑은 고딕" charset="0"/>
+                <a:ea typeface="맑은 고딕" charset="0"/>
+              </a:rPr>
+              <a:t>오브젝트를</a:t>
+            </a:r>
+            <a:r>
+              <a:rPr sz="1800">
+                <a:latin typeface="맑은 고딕" charset="0"/>
+                <a:ea typeface="맑은 고딕" charset="0"/>
+              </a:rPr>
+              <a:t> 넣어줍니다.</a:t>
+            </a:r>
+            <a:endParaRPr lang="ko-KR" altLang="en-US" sz="1800">
+              <a:latin typeface="맑은 고딕" charset="0"/>
+              <a:ea typeface="맑은 고딕" charset="0"/>
+            </a:endParaRPr>
+          </a:p>
+        </p:txBody>
+      </p:sp>
+      <p:cxnSp>
+        <p:nvCxnSpPr>
+          <p:cNvPr id="80" name="도형 97"/>
+          <p:cNvCxnSpPr/>
+          <p:nvPr/>
+        </p:nvCxnSpPr>
+        <p:spPr>
+          <a:xfrm rot="0" flipV="1">
+            <a:off x="2248535" y="2136140"/>
+            <a:ext cx="1197610" cy="405765"/>
+          </a:xfrm>
+          <a:prstGeom prst="straightConnector1"/>
+          <a:ln w="6350" cap="flat" cmpd="sng">
+            <a:prstDash/>
+            <a:headEnd type="none" w="med" len="med"/>
+            <a:tailEnd type="triangle" w="med" len="med"/>
+          </a:ln>
+        </p:spPr>
+        <p:style>
+          <a:lnRef idx="1">
+            <a:schemeClr val="accent1"/>
+          </a:lnRef>
+          <a:fillRef idx="0">
+            <a:schemeClr val="accent1"/>
+          </a:fillRef>
+          <a:effectRef idx="0">
+            <a:schemeClr val="accent1"/>
+          </a:effectRef>
+          <a:fontRef idx="minor">
+            <a:schemeClr val="tx1"/>
+          </a:fontRef>
+        </p:style>
+      </p:cxnSp>
       <p:pic>
         <p:nvPicPr>
-          <p:cNvPr id="70" name="그림 57" descr="C:/Users/Admin1/AppData/Roaming/PolarisOffice/ETemp/20636_16816336/fImage125453266827.png"/>
+          <p:cNvPr id="81" name="그림 98" descr="C:/Users/Admin1/AppData/Roaming/PolarisOffice/ETemp/18644_16045856/fImage58464067421.png"/>
           <p:cNvPicPr>
             <a:picLocks noChangeAspect="1"/>
           </p:cNvPicPr>
           <p:nvPr/>
         </p:nvPicPr>
         <p:blipFill rotWithShape="1">
-          <a:blip r:embed="rId4" cstate="hqprint">
+          <a:blip r:embed="rId4" cstate="print">
             <a:extLst>
               <a:ext uri="{28A0092B-C50C-407E-A947-70E740481C1C}">
-                <a14:useLocalDpi xmlns:a14="http://schemas.microsoft.com/office/drawing/2010/main"/>
+                <a14:useLocalDpi xmlns:a14="http://schemas.microsoft.com/office/drawing/2010/main" val="0"/>
               </a:ext>
             </a:extLst>
           </a:blip>
@@ -13096,8 +15118,8 @@
         </p:blipFill>
         <p:spPr>
           <a:xfrm rot="0">
-            <a:off x="6841490" y="1402080"/>
-            <a:ext cx="4116070" cy="1715770"/>
+            <a:off x="1229995" y="3853815"/>
+            <a:ext cx="4145915" cy="1297940"/>
           </a:xfrm>
           <a:prstGeom prst="roundRect"/>
           <a:solidFill>
@@ -13107,17 +15129,17 @@
       </p:pic>
       <p:pic>
         <p:nvPicPr>
-          <p:cNvPr id="71" name="그림 60" descr="C:/Users/Admin1/AppData/Roaming/PolarisOffice/ETemp/20636_16816336/fImage128213279961.png"/>
+          <p:cNvPr id="82" name="그림 101" descr="C:/Users/Admin1/AppData/Roaming/PolarisOffice/ETemp/18644_16045856/fImage159744078716.png"/>
           <p:cNvPicPr>
             <a:picLocks noChangeAspect="1"/>
           </p:cNvPicPr>
           <p:nvPr/>
         </p:nvPicPr>
         <p:blipFill rotWithShape="1">
-          <a:blip r:embed="rId5" cstate="hqprint">
+          <a:blip r:embed="rId5" cstate="print">
             <a:extLst>
               <a:ext uri="{28A0092B-C50C-407E-A947-70E740481C1C}">
-                <a14:useLocalDpi xmlns:a14="http://schemas.microsoft.com/office/drawing/2010/main"/>
+                <a14:useLocalDpi xmlns:a14="http://schemas.microsoft.com/office/drawing/2010/main" val="0"/>
               </a:ext>
             </a:extLst>
           </a:blip>
@@ -13127,8 +15149,8 @@
         </p:blipFill>
         <p:spPr>
           <a:xfrm rot="0">
-            <a:off x="6846570" y="3358515"/>
-            <a:ext cx="4127500" cy="1788160"/>
+            <a:off x="6813550" y="1438275"/>
+            <a:ext cx="4135120" cy="1715135"/>
           </a:xfrm>
           <a:prstGeom prst="roundRect"/>
           <a:solidFill>
@@ -13136,6 +15158,70 @@
           </a:solidFill>
         </p:spPr>
       </p:pic>
+      <p:pic>
+        <p:nvPicPr>
+          <p:cNvPr id="83" name="그림 104" descr="C:/Users/Admin1/AppData/Roaming/PolarisOffice/ETemp/18644_16045856/fImage119524089718.png"/>
+          <p:cNvPicPr>
+            <a:picLocks noChangeAspect="1"/>
+          </p:cNvPicPr>
+          <p:nvPr/>
+        </p:nvPicPr>
+        <p:blipFill rotWithShape="1">
+          <a:blip r:embed="rId6" cstate="print">
+            <a:extLst>
+              <a:ext uri="{28A0092B-C50C-407E-A947-70E740481C1C}">
+                <a14:useLocalDpi xmlns:a14="http://schemas.microsoft.com/office/drawing/2010/main" val="0"/>
+              </a:ext>
+            </a:extLst>
+          </a:blip>
+          <a:stretch>
+            <a:fillRect/>
+          </a:stretch>
+        </p:blipFill>
+        <p:spPr>
+          <a:xfrm rot="0">
+            <a:off x="6819265" y="3299460"/>
+            <a:ext cx="4138295" cy="1042035"/>
+          </a:xfrm>
+          <a:prstGeom prst="roundRect"/>
+          <a:solidFill>
+            <a:srgbClr val="EDEDED"/>
+          </a:solidFill>
+        </p:spPr>
+      </p:pic>
+      <p:cxnSp>
+        <p:nvCxnSpPr>
+          <p:cNvPr id="84" name="도형 107"/>
+          <p:cNvCxnSpPr/>
+          <p:nvPr/>
+        </p:nvCxnSpPr>
+        <p:spPr>
+          <a:xfrm rot="0" flipV="1">
+            <a:off x="7847330" y="1696720"/>
+            <a:ext cx="2963545" cy="2111375"/>
+          </a:xfrm>
+          <a:prstGeom prst="straightConnector1"/>
+          <a:ln w="6350" cap="flat" cmpd="sng">
+            <a:prstDash/>
+            <a:headEnd type="none" w="med" len="med"/>
+            <a:tailEnd type="triangle" w="med" len="med"/>
+          </a:ln>
+        </p:spPr>
+        <p:style>
+          <a:lnRef idx="1">
+            <a:schemeClr val="accent1"/>
+          </a:lnRef>
+          <a:fillRef idx="0">
+            <a:schemeClr val="accent1"/>
+          </a:fillRef>
+          <a:effectRef idx="0">
+            <a:schemeClr val="accent1"/>
+          </a:effectRef>
+          <a:fontRef idx="minor">
+            <a:schemeClr val="tx1"/>
+          </a:fontRef>
+        </p:style>
+      </p:cxnSp>
     </p:spTree>
   </p:cSld>
   <p:clrMapOvr>
@@ -13823,7 +15909,7 @@
       </p:sp>
       <p:pic>
         <p:nvPicPr>
-          <p:cNvPr id="26" name="그림 5" descr="C:/Users/Admin1/AppData/Roaming/PolarisOffice/ETemp/18832_10739096/fImage337991419169.png"/>
+          <p:cNvPr id="26" name="그림 5" descr="C:/Users/Admin1/AppData/Roaming/PolarisOffice/ETemp/18644_16045856/fImage337991419169.png"/>
           <p:cNvPicPr>
             <a:picLocks noChangeAspect="1"/>
           </p:cNvPicPr>
@@ -13843,8 +15929,8 @@
         </p:blipFill>
         <p:spPr>
           <a:xfrm rot="0">
-            <a:off x="1228725" y="1457325"/>
-            <a:ext cx="4124960" cy="3658235"/>
+            <a:off x="1231900" y="1457325"/>
+            <a:ext cx="4122420" cy="3658870"/>
           </a:xfrm>
           <a:prstGeom prst="roundRect"/>
           <a:solidFill>
@@ -13854,7 +15940,7 @@
       </p:pic>
       <p:pic>
         <p:nvPicPr>
-          <p:cNvPr id="27" name="그림 6" descr="C:/Users/Admin1/AppData/Roaming/PolarisOffice/ETemp/18832_10739096/fImage178001425724.png"/>
+          <p:cNvPr id="27" name="그림 6"/>
           <p:cNvPicPr>
             <a:picLocks noChangeAspect="1"/>
           </p:cNvPicPr>
@@ -15673,7 +17759,7 @@
       </p:sp>
       <p:pic>
         <p:nvPicPr>
-          <p:cNvPr id="50" name="그림 23" descr="C:/Users/Admin1/AppData/Roaming/PolarisOffice/ETemp/18832_10739096/fImage183122426827.png"/>
+          <p:cNvPr id="50" name="그림 23" descr="C:/Users/Admin1/AppData/Roaming/PolarisOffice/ETemp/18644_16045856/fImage183122426827.png"/>
           <p:cNvPicPr>
             <a:picLocks noChangeAspect="1"/>
           </p:cNvPicPr>
@@ -15693,8 +17779,8 @@
         </p:blipFill>
         <p:spPr>
           <a:xfrm rot="0">
-            <a:off x="1238250" y="1447800"/>
-            <a:ext cx="4144010" cy="3705860"/>
+            <a:off x="1240790" y="1447800"/>
+            <a:ext cx="4142105" cy="3706495"/>
           </a:xfrm>
           <a:prstGeom prst="roundRect"/>
           <a:solidFill>
@@ -15817,7 +17903,7 @@
       </p:sp>
       <p:pic>
         <p:nvPicPr>
-          <p:cNvPr id="53" name="그림 49" descr="C:/Users/Admin1/AppData/Roaming/PolarisOffice/ETemp/18832_10739096/fImage123742539961.png"/>
+          <p:cNvPr id="53" name="그림 49" descr="C:/Users/Admin1/AppData/Roaming/PolarisOffice/ETemp/18644_16045856/fImage123742539961.png"/>
           <p:cNvPicPr>
             <a:picLocks noChangeAspect="1"/>
           </p:cNvPicPr>
@@ -15838,7 +17924,7 @@
         <p:spPr>
           <a:xfrm rot="0">
             <a:off x="6819900" y="1447165"/>
-            <a:ext cx="4124960" cy="3411220"/>
+            <a:ext cx="4137660" cy="3411855"/>
           </a:xfrm>
           <a:prstGeom prst="roundRect"/>
           <a:solidFill>
@@ -16096,7 +18182,7 @@
       </p:sp>
       <p:pic>
         <p:nvPicPr>
-          <p:cNvPr id="52" name="그림 25" descr="C:/Users/Admin1/AppData/Roaming/PolarisOffice/ETemp/18832_10739096/fImage11611254491.png"/>
+          <p:cNvPr id="52" name="그림 25" descr="C:/Users/Admin1/AppData/Roaming/PolarisOffice/ETemp/18644_16045856/fImage11611254491.png"/>
           <p:cNvPicPr>
             <a:picLocks noChangeAspect="1"/>
           </p:cNvPicPr>
@@ -16116,8 +18202,8 @@
         </p:blipFill>
         <p:spPr>
           <a:xfrm rot="0">
-            <a:off x="1228725" y="1447800"/>
-            <a:ext cx="4110990" cy="3657600"/>
+            <a:off x="1231900" y="1455420"/>
+            <a:ext cx="4108450" cy="3650615"/>
           </a:xfrm>
           <a:prstGeom prst="rect"/>
           <a:noFill/>
@@ -16125,7 +18211,7 @@
       </p:pic>
       <p:pic>
         <p:nvPicPr>
-          <p:cNvPr id="53" name="그림 26" descr="C:/Users/Admin1/AppData/Roaming/PolarisOffice/ETemp/18832_10739096/fImage234462552995.png"/>
+          <p:cNvPr id="53" name="그림 26"/>
           <p:cNvPicPr>
             <a:picLocks noChangeAspect="1"/>
           </p:cNvPicPr>
@@ -16722,7 +18808,7 @@
       </p:sp>
       <p:pic>
         <p:nvPicPr>
-          <p:cNvPr id="55" name="그림 28" descr="C:/Users/Admin1/AppData/Roaming/PolarisOffice/ETemp/18832_10739096/fImage250602681942.png"/>
+          <p:cNvPr id="55" name="그림 28" descr="C:/Users/Admin1/AppData/Roaming/PolarisOffice/ETemp/18644_16045856/fImage250602681942.png"/>
           <p:cNvPicPr>
             <a:picLocks noChangeAspect="1"/>
           </p:cNvPicPr>
@@ -16742,8 +18828,8 @@
         </p:blipFill>
         <p:spPr>
           <a:xfrm rot="0">
-            <a:off x="1226185" y="1438275"/>
-            <a:ext cx="4137025" cy="3305810"/>
+            <a:off x="1240790" y="1447165"/>
+            <a:ext cx="4123055" cy="3297555"/>
           </a:xfrm>
           <a:prstGeom prst="rect"/>
           <a:noFill/>
@@ -16751,7 +18837,7 @@
       </p:pic>
       <p:pic>
         <p:nvPicPr>
-          <p:cNvPr id="56" name="그림 29" descr="C:/Users/Admin1/AppData/Roaming/PolarisOffice/ETemp/18832_10739096/fImage191382694827.png"/>
+          <p:cNvPr id="56" name="그림 29"/>
           <p:cNvPicPr>
             <a:picLocks noChangeAspect="1"/>
           </p:cNvPicPr>
@@ -16782,7 +18868,7 @@
       </p:pic>
       <p:pic>
         <p:nvPicPr>
-          <p:cNvPr id="57" name="그림 34" descr="C:/Users/Admin1/AppData/Roaming/PolarisOffice/ETemp/18832_10739096/fImage64373136334.png"/>
+          <p:cNvPr id="57" name="그림 34"/>
           <p:cNvPicPr>
             <a:picLocks noChangeAspect="1"/>
           </p:cNvPicPr>

--- a/Assets/Class/Photon Server/PPT Data/Photon PlayFab.pptx
+++ b/Assets/Class/Photon Server/PPT Data/Photon PlayFab.pptx
@@ -2,7 +2,7 @@
 <file path=ppt/presentation.xml><?xml version="1.0" encoding="utf-8"?>
 <p:presentation xmlns:a="http://schemas.openxmlformats.org/drawingml/2006/main" xmlns:r="http://schemas.openxmlformats.org/officeDocument/2006/relationships" xmlns:p="http://schemas.openxmlformats.org/presentationml/2006/main" xmlns:p14="http://schemas.microsoft.com/office/powerpoint/2010/main" saveSubsetFonts="1" firstSlideNum="0">
   <p:sldMasterIdLst>
-    <p:sldMasterId id="2147486955" r:id="rId12"/>
+    <p:sldMasterId id="2147486980" r:id="rId12"/>
   </p:sldMasterIdLst>
   <p:notesMasterIdLst>
     <p:notesMasterId r:id="rId14"/>
@@ -11,21 +11,22 @@
     <p:sldId id="317" r:id="rId16"/>
     <p:sldId id="316" r:id="rId18"/>
     <p:sldId id="318" r:id="rId20"/>
-    <p:sldId id="314" r:id="rId21"/>
-    <p:sldId id="332" r:id="rId23"/>
-    <p:sldId id="319" r:id="rId25"/>
-    <p:sldId id="320" r:id="rId27"/>
-    <p:sldId id="321" r:id="rId28"/>
-    <p:sldId id="322" r:id="rId29"/>
-    <p:sldId id="330" r:id="rId30"/>
-    <p:sldId id="323" r:id="rId31"/>
-    <p:sldId id="324" r:id="rId32"/>
-    <p:sldId id="325" r:id="rId33"/>
-    <p:sldId id="334" r:id="rId34"/>
-    <p:sldId id="326" r:id="rId35"/>
-    <p:sldId id="335" r:id="rId36"/>
-    <p:sldId id="336" r:id="rId37"/>
-    <p:sldId id="337" r:id="rId38"/>
+    <p:sldId id="314" r:id="rId22"/>
+    <p:sldId id="332" r:id="rId24"/>
+    <p:sldId id="319" r:id="rId26"/>
+    <p:sldId id="320" r:id="rId28"/>
+    <p:sldId id="321" r:id="rId30"/>
+    <p:sldId id="322" r:id="rId32"/>
+    <p:sldId id="338" r:id="rId33"/>
+    <p:sldId id="330" r:id="rId34"/>
+    <p:sldId id="323" r:id="rId35"/>
+    <p:sldId id="324" r:id="rId36"/>
+    <p:sldId id="325" r:id="rId37"/>
+    <p:sldId id="334" r:id="rId38"/>
+    <p:sldId id="326" r:id="rId39"/>
+    <p:sldId id="335" r:id="rId40"/>
+    <p:sldId id="336" r:id="rId41"/>
+    <p:sldId id="337" r:id="rId42"/>
   </p:sldIdLst>
   <p:sldSz cx="12192000" cy="6858000"/>
   <p:notesSz cx="6858000" cy="9144000"/>
@@ -798,7 +799,7 @@
         <p:spPr>
           <a:xfrm rot="0">
             <a:off x="685800" y="1143000"/>
-            <a:ext cx="5494020" cy="3093720"/>
+            <a:ext cx="5494655" cy="3094355"/>
           </a:xfrm>
           <a:prstGeom prst="rect"/>
           <a:noFill/>
@@ -837,7 +838,7 @@
         <p:spPr>
           <a:xfrm rot="0">
             <a:off x="685800" y="4400550"/>
-            <a:ext cx="5494020" cy="3608070"/>
+            <a:ext cx="5494655" cy="3608705"/>
           </a:xfrm>
           <a:prstGeom prst="rect"/>
         </p:spPr>
@@ -867,7 +868,7 @@
         <p:spPr>
           <a:xfrm rot="0">
             <a:off x="3884930" y="8685530"/>
-            <a:ext cx="2979420" cy="466090"/>
+            <a:ext cx="2980055" cy="466725"/>
           </a:xfrm>
           <a:prstGeom prst="rect"/>
         </p:spPr>
@@ -1224,7 +1225,7 @@
         <p:spPr>
           <a:xfrm rot="0">
             <a:off x="685800" y="1143000"/>
-            <a:ext cx="5495290" cy="3094990"/>
+            <a:ext cx="5494020" cy="3093720"/>
           </a:xfrm>
           <a:prstGeom prst="rect"/>
           <a:noFill/>
@@ -1263,7 +1264,7 @@
         <p:spPr>
           <a:xfrm rot="0">
             <a:off x="685800" y="4400550"/>
-            <a:ext cx="5495290" cy="3609340"/>
+            <a:ext cx="5494020" cy="3608070"/>
           </a:xfrm>
           <a:prstGeom prst="rect"/>
         </p:spPr>
@@ -1293,7 +1294,7 @@
         <p:spPr>
           <a:xfrm rot="0">
             <a:off x="3884930" y="8685530"/>
-            <a:ext cx="2980690" cy="467360"/>
+            <a:ext cx="2979420" cy="466090"/>
           </a:xfrm>
           <a:prstGeom prst="rect"/>
         </p:spPr>
@@ -1366,7 +1367,7 @@
         <p:spPr>
           <a:xfrm rot="0">
             <a:off x="685800" y="1143000"/>
-            <a:ext cx="5494020" cy="3093720"/>
+            <a:ext cx="5495290" cy="3094990"/>
           </a:xfrm>
           <a:prstGeom prst="rect"/>
           <a:noFill/>
@@ -1405,7 +1406,7 @@
         <p:spPr>
           <a:xfrm rot="0">
             <a:off x="685800" y="4400550"/>
-            <a:ext cx="5494020" cy="3608070"/>
+            <a:ext cx="5495290" cy="3609340"/>
           </a:xfrm>
           <a:prstGeom prst="rect"/>
         </p:spPr>
@@ -1435,7 +1436,7 @@
         <p:spPr>
           <a:xfrm rot="0">
             <a:off x="3884930" y="8685530"/>
-            <a:ext cx="2979420" cy="466090"/>
+            <a:ext cx="2980690" cy="467360"/>
           </a:xfrm>
           <a:prstGeom prst="rect"/>
         </p:spPr>
@@ -1508,7 +1509,7 @@
         <p:spPr>
           <a:xfrm rot="0">
             <a:off x="685800" y="1143000"/>
-            <a:ext cx="5494655" cy="3094355"/>
+            <a:ext cx="5494020" cy="3093720"/>
           </a:xfrm>
           <a:prstGeom prst="rect"/>
           <a:noFill/>
@@ -1547,7 +1548,7 @@
         <p:spPr>
           <a:xfrm rot="0">
             <a:off x="685800" y="4400550"/>
-            <a:ext cx="5494655" cy="3608705"/>
+            <a:ext cx="5494020" cy="3608070"/>
           </a:xfrm>
           <a:prstGeom prst="rect"/>
         </p:spPr>
@@ -1577,7 +1578,7 @@
         <p:spPr>
           <a:xfrm rot="0">
             <a:off x="3884930" y="8685530"/>
-            <a:ext cx="2980055" cy="466725"/>
+            <a:ext cx="2979420" cy="466090"/>
           </a:xfrm>
           <a:prstGeom prst="rect"/>
         </p:spPr>
@@ -1763,6 +1764,148 @@
 </file>
 
 <file path=ppt/notesSlides/notesSlide18.xml><?xml version="1.0" encoding="utf-8"?>
+<p:notes xmlns:a="http://schemas.openxmlformats.org/drawingml/2006/main" xmlns:r="http://schemas.openxmlformats.org/officeDocument/2006/relationships" xmlns:p="http://schemas.openxmlformats.org/presentationml/2006/main">
+  <p:cSld>
+    <p:spTree>
+      <p:nvGrpSpPr>
+        <p:cNvPr id="1" name=""/>
+        <p:cNvGrpSpPr/>
+        <p:nvPr/>
+      </p:nvGrpSpPr>
+      <p:grpSpPr>
+        <a:xfrm>
+          <a:off x="0" y="0"/>
+          <a:ext cx="0" cy="0"/>
+          <a:chOff x="0" y="0"/>
+          <a:chExt cx="0" cy="0"/>
+        </a:xfrm>
+      </p:grpSpPr>
+      <p:sp>
+        <p:nvSpPr>
+          <p:cNvPr id="2" name="슬라이드 이미지 개체 틀 3"/>
+          <p:cNvSpPr>
+            <a:spLocks noChangeAspect="1"/>
+          </p:cNvSpPr>
+          <p:nvPr>
+            <p:ph type="sldImg" idx="2"/>
+          </p:nvPr>
+        </p:nvSpPr>
+        <p:spPr>
+          <a:xfrm rot="0">
+            <a:off x="685800" y="1143000"/>
+            <a:ext cx="5494655" cy="3094355"/>
+          </a:xfrm>
+          <a:prstGeom prst="rect"/>
+          <a:noFill/>
+          <a:ln w="12700" cap="flat" cmpd="sng">
+            <a:solidFill>
+              <a:srgbClr val="000000">
+                <a:alpha val="100000"/>
+              </a:srgbClr>
+            </a:solidFill>
+            <a:prstDash val="solid"/>
+          </a:ln>
+        </p:spPr>
+        <p:txBody>
+          <a:bodyPr wrap="square" lIns="91440" tIns="45720" rIns="91440" bIns="45720" numCol="1" vert="horz" anchor="ctr">
+            <a:noAutofit/>
+          </a:bodyPr>
+          <a:lstStyle/>
+          <a:p>
+            <a:pPr marL="0" indent="0" latinLnBrk="0">
+              <a:buFontTx/>
+              <a:buNone/>
+            </a:pPr>
+          </a:p>
+        </p:txBody>
+      </p:sp>
+      <p:sp>
+        <p:nvSpPr>
+          <p:cNvPr id="3" name="슬라이드 노트 개체 틀 4"/>
+          <p:cNvSpPr txBox="1">
+            <a:spLocks/>
+          </p:cNvSpPr>
+          <p:nvPr>
+            <p:ph type="body" idx="3"/>
+          </p:nvPr>
+        </p:nvSpPr>
+        <p:spPr>
+          <a:xfrm rot="0">
+            <a:off x="685800" y="4400550"/>
+            <a:ext cx="5494655" cy="3608705"/>
+          </a:xfrm>
+          <a:prstGeom prst="rect"/>
+        </p:spPr>
+        <p:txBody>
+          <a:bodyPr wrap="square" lIns="91440" tIns="45720" rIns="91440" bIns="45720" numCol="1" vert="horz" anchor="t">
+            <a:noAutofit/>
+          </a:bodyPr>
+          <a:lstStyle/>
+          <a:p>
+            <a:pPr marL="0" indent="0" latinLnBrk="0">
+              <a:buFontTx/>
+              <a:buNone/>
+            </a:pPr>
+          </a:p>
+        </p:txBody>
+      </p:sp>
+      <p:sp>
+        <p:nvSpPr>
+          <p:cNvPr id="4" name="슬라이드 번호 개체 틀 6"/>
+          <p:cNvSpPr txBox="1">
+            <a:spLocks/>
+          </p:cNvSpPr>
+          <p:nvPr>
+            <p:ph type="sldNum" idx="5"/>
+          </p:nvPr>
+        </p:nvSpPr>
+        <p:spPr>
+          <a:xfrm rot="0">
+            <a:off x="3884930" y="8685530"/>
+            <a:ext cx="2980055" cy="466725"/>
+          </a:xfrm>
+          <a:prstGeom prst="rect"/>
+        </p:spPr>
+        <p:txBody>
+          <a:bodyPr wrap="square" lIns="91440" tIns="45720" rIns="91440" bIns="45720" numCol="1" vert="horz" anchor="b">
+            <a:noAutofit/>
+          </a:bodyPr>
+          <a:lstStyle>
+            <a:lvl1pPr marL="0" indent="0" algn="r" latinLnBrk="0">
+              <a:buFontTx/>
+              <a:buNone/>
+              <a:defRPr lang="en-GB" altLang="en-US" sz="1200"/>
+            </a:lvl1pPr>
+          </a:lstStyle>
+          <a:p>
+            <a:pPr marL="0" indent="0" latinLnBrk="0">
+              <a:buFontTx/>
+              <a:buNone/>
+            </a:pPr>
+            <a:fld id="{B9320F77-B9A0-41C5-862A-B4B631284C64}" type="slidenum">
+              <a:rPr lang="ko-KR" altLang="en-US"/>
+              <a:t>‹#›</a:t>
+            </a:fld>
+          </a:p>
+        </p:txBody>
+      </p:sp>
+    </p:spTree>
+  </p:cSld>
+  <p:clrMapOvr>
+    <a:masterClrMapping/>
+  </p:clrMapOvr>
+  <mc:AlternateContent xmlns:mc="http://schemas.openxmlformats.org/markup-compatibility/2006">
+    <mc:Choice xmlns:p14="http://schemas.microsoft.com/office/powerpoint/2010/main" Requires="p14">
+      <p:transition spd="slow" p14:dur="0"/>
+    </mc:Choice>
+    <mc:Fallback>
+      <p:transition spd="slow"/>
+    </mc:Fallback>
+  </mc:AlternateContent>
+</p:notes>
+</file>
+
+<file path=ppt/notesSlides/notesSlide19.xml><?xml version="1.0" encoding="utf-8"?>
 <p:notes xmlns:a="http://schemas.openxmlformats.org/drawingml/2006/main" xmlns:r="http://schemas.openxmlformats.org/officeDocument/2006/relationships" xmlns:p="http://schemas.openxmlformats.org/presentationml/2006/main">
   <p:cSld>
     <p:spTree>
@@ -8378,7 +8521,7 @@
 </file>
 
 <file path=ppt/slides/slide10.xml><?xml version="1.0" encoding="utf-8"?>
-<p:sld xmlns:a="http://schemas.openxmlformats.org/drawingml/2006/main" xmlns:r="http://schemas.openxmlformats.org/officeDocument/2006/relationships" xmlns:p="http://schemas.openxmlformats.org/presentationml/2006/main" xmlns:p14="http://schemas.microsoft.com/office/powerpoint/2010/main">
+<p:sld xmlns:a="http://schemas.openxmlformats.org/drawingml/2006/main" xmlns:r="http://schemas.openxmlformats.org/officeDocument/2006/relationships" xmlns:p="http://schemas.openxmlformats.org/presentationml/2006/main">
   <p:cSld>
     <p:spTree>
       <p:nvGrpSpPr>
@@ -8441,8 +8584,8 @@
         </p:nvSpPr>
         <p:spPr>
           <a:xfrm rot="0">
-            <a:off x="4342765" y="378460"/>
-            <a:ext cx="3505835" cy="555625"/>
+            <a:off x="4342765" y="353695"/>
+            <a:ext cx="3505200" cy="554990"/>
           </a:xfrm>
           <a:prstGeom prst="rect"/>
           <a:noFill/>
@@ -8499,8 +8642,8 @@
         </p:nvSpPr>
         <p:spPr>
           <a:xfrm rot="0">
-            <a:off x="1230630" y="5080635"/>
-            <a:ext cx="4145280" cy="954405"/>
+            <a:off x="1230630" y="5133975"/>
+            <a:ext cx="4124960" cy="954405"/>
           </a:xfrm>
           <a:prstGeom prst="rect"/>
           <a:noFill/>
@@ -8527,7 +8670,27 @@
                 <a:latin typeface="맑은 고딕" charset="0"/>
                 <a:ea typeface="맑은 고딕" charset="0"/>
               </a:rPr>
-              <a:t>20.</a:t>
+              <a:t>2</a:t>
+            </a:r>
+            <a:r>
+              <a:rPr lang="ko-KR" sz="2000" b="1">
+                <a:solidFill>
+                  <a:srgbClr val="0611F2"/>
+                </a:solidFill>
+                <a:latin typeface="맑은 고딕" charset="0"/>
+                <a:ea typeface="맑은 고딕" charset="0"/>
+              </a:rPr>
+              <a:t>0</a:t>
+            </a:r>
+            <a:r>
+              <a:rPr lang="ko-KR" sz="2000" b="1">
+                <a:solidFill>
+                  <a:srgbClr val="0611F2"/>
+                </a:solidFill>
+                <a:latin typeface="맑은 고딕" charset="0"/>
+                <a:ea typeface="맑은 고딕" charset="0"/>
+              </a:rPr>
+              <a:t>.</a:t>
             </a:r>
             <a:r>
               <a:rPr lang="ko-KR" sz="2000">
@@ -8544,7 +8707,7 @@
                 <a:latin typeface="맑은 고딕" charset="0"/>
                 <a:ea typeface="맑은 고딕" charset="0"/>
               </a:rPr>
-              <a:t>이제 UI에서 Input Field를 </a:t>
+              <a:t>이제 UI에서 Button을 </a:t>
             </a:r>
             <a:r>
               <a:rPr lang="ko-KR" sz="1800">
@@ -8558,28 +8721,63 @@
                 <a:latin typeface="맑은 고딕" charset="0"/>
                 <a:ea typeface="맑은 고딕" charset="0"/>
               </a:rPr>
-              <a:t>다</a:t>
-            </a:r>
-            <a:r>
-              <a:rPr lang="ko-KR" sz="1800">
-                <a:latin typeface="맑은 고딕" charset="0"/>
-                <a:ea typeface="맑은 고딕" charset="0"/>
-              </a:rPr>
-              <a:t>음</a:t>
-            </a:r>
-            <a:r>
-              <a:rPr lang="ko-KR" sz="1800">
-                <a:latin typeface="맑은 고딕" charset="0"/>
-                <a:ea typeface="맑은 고딕" charset="0"/>
-              </a:rPr>
-              <a:t> Email Input이라는 이름</a:t>
-            </a:r>
-            <a:r>
-              <a:rPr lang="ko-KR" sz="1800">
-                <a:latin typeface="맑은 고딕" charset="0"/>
-                <a:ea typeface="맑은 고딕" charset="0"/>
-              </a:rPr>
-              <a:t>으로</a:t>
+              <a:t>다음</a:t>
+            </a:r>
+            <a:r>
+              <a:rPr lang="ko-KR" sz="1800">
+                <a:latin typeface="맑은 고딕" charset="0"/>
+                <a:ea typeface="맑은 고딕" charset="0"/>
+              </a:rPr>
+              <a:t> </a:t>
+            </a:r>
+            <a:r>
+              <a:rPr lang="ko-KR" sz="1800">
+                <a:latin typeface="맑은 고딕" charset="0"/>
+                <a:ea typeface="맑은 고딕" charset="0"/>
+              </a:rPr>
+              <a:t>Sign</a:t>
+            </a:r>
+            <a:r>
+              <a:rPr lang="ko-KR" sz="1800">
+                <a:latin typeface="맑은 고딕" charset="0"/>
+                <a:ea typeface="맑은 고딕" charset="0"/>
+              </a:rPr>
+              <a:t> </a:t>
+            </a:r>
+            <a:r>
+              <a:rPr lang="ko-KR" sz="1800">
+                <a:latin typeface="맑은 고딕" charset="0"/>
+                <a:ea typeface="맑은 고딕" charset="0"/>
+              </a:rPr>
+              <a:t>Up</a:t>
+            </a:r>
+            <a:r>
+              <a:rPr lang="ko-KR" sz="1800">
+                <a:latin typeface="맑은 고딕" charset="0"/>
+                <a:ea typeface="맑은 고딕" charset="0"/>
+              </a:rPr>
+              <a:t> </a:t>
+            </a:r>
+            <a:r>
+              <a:rPr lang="ko-KR" sz="1800">
+                <a:latin typeface="맑은 고딕" charset="0"/>
+                <a:ea typeface="맑은 고딕" charset="0"/>
+              </a:rPr>
+              <a:t>Button이라는</a:t>
+            </a:r>
+            <a:r>
+              <a:rPr lang="ko-KR" sz="1800">
+                <a:latin typeface="맑은 고딕" charset="0"/>
+                <a:ea typeface="맑은 고딕" charset="0"/>
+              </a:rPr>
+              <a:t> </a:t>
+            </a:r>
+            <a:r>
+              <a:rPr lang="ko-KR" sz="1800">
+                <a:latin typeface="맑은 고딕" charset="0"/>
+                <a:ea typeface="맑은 고딕" charset="0"/>
+              </a:rPr>
+              <a:t>이름으로</a:t>
             </a:r>
             <a:r>
               <a:rPr lang="ko-KR" sz="1800">
@@ -8602,129 +8800,47 @@
           </a:p>
         </p:txBody>
       </p:sp>
-      <p:sp>
-        <p:nvSpPr>
-          <p:cNvPr id="61" name="텍스트 상자 10"/>
-          <p:cNvSpPr txBox="1">
-            <a:spLocks/>
-          </p:cNvSpPr>
-          <p:nvPr/>
-        </p:nvSpPr>
-        <p:spPr>
-          <a:xfrm rot="0">
-            <a:off x="6813550" y="5083810"/>
-            <a:ext cx="4135120" cy="954405"/>
-          </a:xfrm>
-          <a:prstGeom prst="rect"/>
-          <a:noFill/>
-          <a:ln w="0">
-            <a:noFill/>
-            <a:prstDash/>
-          </a:ln>
-        </p:spPr>
-        <p:txBody>
-          <a:bodyPr wrap="square" lIns="89535" tIns="46355" rIns="89535" bIns="46355" numCol="1" vert="horz" anchor="t">
-            <a:spAutoFit/>
-          </a:bodyPr>
-          <a:lstStyle/>
-          <a:p>
-            <a:pPr marL="0" indent="0" rtl="0" algn="l" defTabSz="914400" eaLnBrk="1" latinLnBrk="0" hangingPunct="1">
-              <a:buFontTx/>
-              <a:buNone/>
-            </a:pPr>
-            <a:r>
-              <a:rPr lang="ko-KR" sz="2000" b="1">
-                <a:solidFill>
-                  <a:srgbClr val="0611F2"/>
-                </a:solidFill>
-                <a:latin typeface="맑은 고딕" charset="0"/>
-                <a:ea typeface="맑은 고딕" charset="0"/>
-              </a:rPr>
-              <a:t>21.</a:t>
-            </a:r>
-            <a:r>
-              <a:rPr lang="ko-KR" sz="2000">
-                <a:solidFill>
-                  <a:srgbClr val="0611F2"/>
-                </a:solidFill>
-                <a:latin typeface="맑은 고딕" charset="0"/>
-                <a:ea typeface="맑은 고딕" charset="0"/>
-              </a:rPr>
-              <a:t> </a:t>
-            </a:r>
-            <a:r>
-              <a:rPr lang="ko-KR" sz="1800">
-                <a:latin typeface="맑은 고딕" charset="0"/>
-                <a:ea typeface="맑은 고딕" charset="0"/>
-              </a:rPr>
-              <a:t>그다음으로 UI에서 Input Field를 </a:t>
-            </a:r>
-            <a:r>
-              <a:rPr lang="ko-KR" sz="1800">
-                <a:latin typeface="맑은 고딕" charset="0"/>
-                <a:ea typeface="맑은 고딕" charset="0"/>
-              </a:rPr>
-              <a:t>생성하고</a:t>
-            </a:r>
-            <a:r>
-              <a:rPr lang="ko-KR" sz="1800">
-                <a:latin typeface="맑은 고딕" charset="0"/>
-                <a:ea typeface="맑은 고딕" charset="0"/>
-              </a:rPr>
-              <a:t> </a:t>
-            </a:r>
-            <a:r>
-              <a:rPr lang="ko-KR" sz="1800">
-                <a:latin typeface="맑은 고딕" charset="0"/>
-                <a:ea typeface="맑은 고딕" charset="0"/>
-              </a:rPr>
-              <a:t>Password</a:t>
-            </a:r>
-            <a:r>
-              <a:rPr lang="ko-KR" sz="1800">
-                <a:latin typeface="맑은 고딕" charset="0"/>
-                <a:ea typeface="맑은 고딕" charset="0"/>
-              </a:rPr>
-              <a:t> Input이라는 </a:t>
-            </a:r>
-            <a:r>
-              <a:rPr lang="ko-KR" sz="1800">
-                <a:latin typeface="맑은 고딕" charset="0"/>
-                <a:ea typeface="맑은 고딕" charset="0"/>
-              </a:rPr>
-              <a:t>이름으로</a:t>
-            </a:r>
-            <a:r>
-              <a:rPr lang="ko-KR" sz="1800">
-                <a:latin typeface="맑은 고딕" charset="0"/>
-                <a:ea typeface="맑은 고딕" charset="0"/>
-              </a:rPr>
-              <a:t> </a:t>
-            </a:r>
-            <a:r>
-              <a:rPr lang="ko-KR" sz="1800">
-                <a:latin typeface="맑은 고딕" charset="0"/>
-                <a:ea typeface="맑은 고딕" charset="0"/>
-              </a:rPr>
-              <a:t>정의합니다.</a:t>
-            </a:r>
-            <a:endParaRPr lang="ko-KR" altLang="en-US" sz="1800">
-              <a:latin typeface="맑은 고딕" charset="0"/>
-              <a:ea typeface="맑은 고딕" charset="0"/>
-            </a:endParaRPr>
-          </a:p>
-        </p:txBody>
-      </p:sp>
       <p:pic>
         <p:nvPicPr>
-          <p:cNvPr id="64" name="그림 15" descr="C:/Users/Admin1/AppData/Roaming/PolarisOffice/ETemp/18644_16045856/fImage2478525141.png"/>
+          <p:cNvPr id="56" name="Picture " descr="C:/Users/Admin1/AppData/Roaming/PolarisOffice/ETemp/12940_6238040/fImage191382694827.png"/>
           <p:cNvPicPr>
             <a:picLocks noChangeAspect="1"/>
           </p:cNvPicPr>
           <p:nvPr/>
         </p:nvPicPr>
         <p:blipFill rotWithShape="1">
-          <a:blip r:embed="rId9" cstate="print">
+          <a:blip r:embed="rId2" cstate="hqprint">
+            <a:extLst>
+              <a:ext uri="{28A0092B-C50C-407E-A947-70E740481C1C}">
+                <a14:useLocalDpi xmlns:a14="http://schemas.microsoft.com/office/drawing/2010/main"/>
+              </a:ext>
+            </a:extLst>
+          </a:blip>
+          <a:stretch>
+            <a:fillRect/>
+          </a:stretch>
+        </p:blipFill>
+        <p:spPr>
+          <a:xfrm rot="0">
+            <a:off x="1231900" y="1447165"/>
+            <a:ext cx="2696845" cy="3489325"/>
+          </a:xfrm>
+          <a:prstGeom prst="roundRect"/>
+          <a:solidFill>
+            <a:srgbClr val="EDEDED"/>
+          </a:solidFill>
+        </p:spPr>
+      </p:pic>
+      <p:pic>
+        <p:nvPicPr>
+          <p:cNvPr id="57" name="그림 4" descr="C:/Users/Admin1/AppData/Roaming/PolarisOffice/ETemp/12940_6238040/fImage63883418467.png"/>
+          <p:cNvPicPr>
+            <a:picLocks noChangeAspect="1"/>
+          </p:cNvPicPr>
+          <p:nvPr/>
+        </p:nvPicPr>
+        <p:blipFill rotWithShape="1">
+          <a:blip r:embed="rId3" cstate="print">
             <a:extLst>
               <a:ext uri="{28A0092B-C50C-407E-A947-70E740481C1C}">
                 <a14:useLocalDpi xmlns:a14="http://schemas.microsoft.com/office/drawing/2010/main" val="0"/>
@@ -8737,8 +8853,8 @@
         </p:blipFill>
         <p:spPr>
           <a:xfrm rot="0">
-            <a:off x="1228090" y="1438275"/>
-            <a:ext cx="2778125" cy="3506470"/>
+            <a:off x="4083050" y="2334260"/>
+            <a:ext cx="1275715" cy="1723390"/>
           </a:xfrm>
           <a:prstGeom prst="roundRect"/>
           <a:solidFill>
@@ -8748,14 +8864,14 @@
       </p:pic>
       <p:pic>
         <p:nvPicPr>
-          <p:cNvPr id="65" name="그림 18" descr="C:/Users/Admin1/AppData/Roaming/PolarisOffice/ETemp/18644_16045856/fImage69612528467.png"/>
+          <p:cNvPr id="58" name="그림 7" descr="C:/Users/Admin1/AppData/Roaming/PolarisOffice/ETemp/12940_6238040/fImage118783426334.png"/>
           <p:cNvPicPr>
             <a:picLocks noChangeAspect="1"/>
           </p:cNvPicPr>
           <p:nvPr/>
         </p:nvPicPr>
         <p:blipFill rotWithShape="1">
-          <a:blip r:embed="rId10" cstate="print">
+          <a:blip r:embed="rId4" cstate="print">
             <a:extLst>
               <a:ext uri="{28A0092B-C50C-407E-A947-70E740481C1C}">
                 <a14:useLocalDpi xmlns:a14="http://schemas.microsoft.com/office/drawing/2010/main" val="0"/>
@@ -8768,8 +8884,8 @@
         </p:blipFill>
         <p:spPr>
           <a:xfrm rot="0">
-            <a:off x="4126230" y="2230755"/>
-            <a:ext cx="1240790" cy="1947545"/>
+            <a:off x="6830695" y="3273425"/>
+            <a:ext cx="4126865" cy="960755"/>
           </a:xfrm>
           <a:prstGeom prst="roundRect"/>
           <a:solidFill>
@@ -8777,16 +8893,281 @@
           </a:solidFill>
         </p:spPr>
       </p:pic>
+      <p:sp>
+        <p:nvSpPr>
+          <p:cNvPr id="59" name="텍스트 상자 10"/>
+          <p:cNvSpPr txBox="1">
+            <a:spLocks/>
+          </p:cNvSpPr>
+          <p:nvPr/>
+        </p:nvSpPr>
+        <p:spPr>
+          <a:xfrm rot="0">
+            <a:off x="6822440" y="4302125"/>
+            <a:ext cx="4135120" cy="1784985"/>
+          </a:xfrm>
+          <a:prstGeom prst="rect"/>
+          <a:noFill/>
+          <a:ln w="0">
+            <a:noFill/>
+            <a:prstDash/>
+          </a:ln>
+        </p:spPr>
+        <p:txBody>
+          <a:bodyPr wrap="square" lIns="89535" tIns="46355" rIns="89535" bIns="46355" numCol="1" vert="horz" anchor="t">
+            <a:spAutoFit/>
+          </a:bodyPr>
+          <a:lstStyle/>
+          <a:p>
+            <a:pPr marL="0" indent="0" rtl="0" algn="l" defTabSz="914400" eaLnBrk="1" latinLnBrk="0" hangingPunct="1">
+              <a:buFontTx/>
+              <a:buNone/>
+            </a:pPr>
+            <a:r>
+              <a:rPr sz="2000" b="1">
+                <a:solidFill>
+                  <a:srgbClr val="0611F2"/>
+                </a:solidFill>
+                <a:latin typeface="맑은 고딕" charset="0"/>
+                <a:ea typeface="맑은 고딕" charset="0"/>
+              </a:rPr>
+              <a:t>2</a:t>
+            </a:r>
+            <a:r>
+              <a:rPr sz="2000" b="1">
+                <a:solidFill>
+                  <a:srgbClr val="0611F2"/>
+                </a:solidFill>
+                <a:latin typeface="맑은 고딕" charset="0"/>
+                <a:ea typeface="맑은 고딕" charset="0"/>
+              </a:rPr>
+              <a:t>1</a:t>
+            </a:r>
+            <a:r>
+              <a:rPr sz="2000" b="1">
+                <a:solidFill>
+                  <a:srgbClr val="0611F2"/>
+                </a:solidFill>
+                <a:latin typeface="맑은 고딕" charset="0"/>
+                <a:ea typeface="맑은 고딕" charset="0"/>
+              </a:rPr>
+              <a:t>.</a:t>
+            </a:r>
+            <a:r>
+              <a:rPr sz="2000">
+                <a:solidFill>
+                  <a:srgbClr val="0611F2"/>
+                </a:solidFill>
+                <a:latin typeface="맑은 고딕" charset="0"/>
+                <a:ea typeface="맑은 고딕" charset="0"/>
+              </a:rPr>
+              <a:t> </a:t>
+            </a:r>
+            <a:r>
+              <a:rPr sz="1800">
+                <a:latin typeface="맑은 고딕" charset="0"/>
+                <a:ea typeface="맑은 고딕" charset="0"/>
+              </a:rPr>
+              <a:t>그리고 Texture 폴더 아래에 </a:t>
+            </a:r>
+            <a:r>
+              <a:rPr sz="1800">
+                <a:latin typeface="맑은 고딕" charset="0"/>
+                <a:ea typeface="맑은 고딕" charset="0"/>
+              </a:rPr>
+              <a:t>있는</a:t>
+            </a:r>
+            <a:r>
+              <a:rPr sz="1800">
+                <a:latin typeface="맑은 고딕" charset="0"/>
+                <a:ea typeface="맑은 고딕" charset="0"/>
+              </a:rPr>
+              <a:t> </a:t>
+            </a:r>
+            <a:r>
+              <a:rPr sz="1800">
+                <a:latin typeface="맑은 고딕" charset="0"/>
+                <a:ea typeface="맑은 고딕" charset="0"/>
+              </a:rPr>
+              <a:t>Login</a:t>
+            </a:r>
+            <a:r>
+              <a:rPr sz="1800">
+                <a:latin typeface="맑은 고딕" charset="0"/>
+                <a:ea typeface="맑은 고딕" charset="0"/>
+              </a:rPr>
+              <a:t> </a:t>
+            </a:r>
+            <a:r>
+              <a:rPr sz="1800">
+                <a:latin typeface="맑은 고딕" charset="0"/>
+                <a:ea typeface="맑은 고딕" charset="0"/>
+              </a:rPr>
+              <a:t>Texture</a:t>
+            </a:r>
+            <a:r>
+              <a:rPr sz="1800">
+                <a:latin typeface="맑은 고딕" charset="0"/>
+                <a:ea typeface="맑은 고딕" charset="0"/>
+              </a:rPr>
+              <a:t> 폴더에 Sign Up </a:t>
+            </a:r>
+            <a:r>
+              <a:rPr sz="1800">
+                <a:latin typeface="맑은 고딕" charset="0"/>
+                <a:ea typeface="맑은 고딕" charset="0"/>
+              </a:rPr>
+              <a:t>Button</a:t>
+            </a:r>
+            <a:r>
+              <a:rPr lang="ko-KR" sz="1800">
+                <a:latin typeface="맑은 고딕" charset="0"/>
+                <a:ea typeface="맑은 고딕" charset="0"/>
+              </a:rPr>
+              <a:t> </a:t>
+            </a:r>
+            <a:r>
+              <a:rPr sz="1800">
+                <a:latin typeface="맑은 고딕" charset="0"/>
+                <a:ea typeface="맑은 고딕" charset="0"/>
+              </a:rPr>
+              <a:t>텍스처를</a:t>
+            </a:r>
+            <a:r>
+              <a:rPr sz="1800">
+                <a:latin typeface="맑은 고딕" charset="0"/>
+                <a:ea typeface="맑은 고딕" charset="0"/>
+              </a:rPr>
+              <a:t> </a:t>
+            </a:r>
+            <a:r>
+              <a:rPr sz="1800">
+                <a:latin typeface="맑은 고딕" charset="0"/>
+                <a:ea typeface="맑은 고딕" charset="0"/>
+              </a:rPr>
+              <a:t>선택합니다.</a:t>
+            </a:r>
+            <a:endParaRPr lang="ko-KR" altLang="en-US" sz="1800">
+              <a:latin typeface="맑은 고딕" charset="0"/>
+              <a:ea typeface="맑은 고딕" charset="0"/>
+            </a:endParaRPr>
+          </a:p>
+          <a:p>
+            <a:pPr marL="0" indent="0" rtl="0" algn="l" defTabSz="914400" eaLnBrk="1" latinLnBrk="0" hangingPunct="1">
+              <a:buFontTx/>
+              <a:buNone/>
+            </a:pPr>
+            <a:endParaRPr lang="ko-KR" altLang="en-US" sz="1800">
+              <a:latin typeface="맑은 고딕" charset="0"/>
+              <a:ea typeface="맑은 고딕" charset="0"/>
+            </a:endParaRPr>
+          </a:p>
+          <a:p>
+            <a:pPr marL="0" indent="0" rtl="0" algn="l" defTabSz="914400" eaLnBrk="1" latinLnBrk="0" hangingPunct="1">
+              <a:buFontTx/>
+              <a:buNone/>
+            </a:pPr>
+            <a:r>
+              <a:rPr sz="1800">
+                <a:latin typeface="맑은 고딕" charset="0"/>
+                <a:ea typeface="맑은 고딕" charset="0"/>
+              </a:rPr>
+              <a:t>그</a:t>
+            </a:r>
+            <a:r>
+              <a:rPr lang="ko-KR" sz="1800">
+                <a:latin typeface="맑은 고딕" charset="0"/>
+                <a:ea typeface="맑은 고딕" charset="0"/>
+              </a:rPr>
+              <a:t>런</a:t>
+            </a:r>
+            <a:r>
+              <a:rPr lang="ko-KR" sz="1800">
+                <a:latin typeface="맑은 고딕" charset="0"/>
+                <a:ea typeface="맑은 고딕" charset="0"/>
+              </a:rPr>
+              <a:t> </a:t>
+            </a:r>
+            <a:r>
+              <a:rPr lang="ko-KR" sz="1800">
+                <a:latin typeface="맑은 고딕" charset="0"/>
+                <a:ea typeface="맑은 고딕" charset="0"/>
+              </a:rPr>
+              <a:t>다음</a:t>
+            </a:r>
+            <a:r>
+              <a:rPr sz="1800">
+                <a:latin typeface="맑은 고딕" charset="0"/>
+                <a:ea typeface="맑은 고딕" charset="0"/>
+              </a:rPr>
+              <a:t> Sign Up Button </a:t>
+            </a:r>
+            <a:r>
+              <a:rPr sz="1800">
+                <a:latin typeface="맑은 고딕" charset="0"/>
+                <a:ea typeface="맑은 고딕" charset="0"/>
+              </a:rPr>
+              <a:t>오브젝트의</a:t>
+            </a:r>
+            <a:r>
+              <a:rPr sz="1800">
+                <a:latin typeface="맑은 고딕" charset="0"/>
+                <a:ea typeface="맑은 고딕" charset="0"/>
+              </a:rPr>
+              <a:t> </a:t>
+            </a:r>
+            <a:r>
+              <a:rPr sz="1800">
+                <a:latin typeface="맑은 고딕" charset="0"/>
+                <a:ea typeface="맑은 고딕" charset="0"/>
+              </a:rPr>
+              <a:t>이미지</a:t>
+            </a:r>
+            <a:r>
+              <a:rPr sz="1800">
+                <a:latin typeface="맑은 고딕" charset="0"/>
+                <a:ea typeface="맑은 고딕" charset="0"/>
+              </a:rPr>
+              <a:t> </a:t>
+            </a:r>
+            <a:r>
+              <a:rPr sz="1800">
+                <a:latin typeface="맑은 고딕" charset="0"/>
+                <a:ea typeface="맑은 고딕" charset="0"/>
+              </a:rPr>
+              <a:t>컴포넌트에</a:t>
+            </a:r>
+            <a:r>
+              <a:rPr sz="1800">
+                <a:latin typeface="맑은 고딕" charset="0"/>
+                <a:ea typeface="맑은 고딕" charset="0"/>
+              </a:rPr>
+              <a:t> </a:t>
+            </a:r>
+            <a:r>
+              <a:rPr sz="1800">
+                <a:latin typeface="맑은 고딕" charset="0"/>
+                <a:ea typeface="맑은 고딕" charset="0"/>
+              </a:rPr>
+              <a:t>넣어줍니다.</a:t>
+            </a:r>
+            <a:endParaRPr lang="ko-KR" altLang="en-US" sz="1800">
+              <a:latin typeface="맑은 고딕" charset="0"/>
+              <a:ea typeface="맑은 고딕" charset="0"/>
+            </a:endParaRPr>
+          </a:p>
+        </p:txBody>
+      </p:sp>
       <p:pic>
         <p:nvPicPr>
-          <p:cNvPr id="66" name="그림 23" descr="C:/Users/Admin1/AppData/Roaming/PolarisOffice/ETemp/18644_16045856/fImage247852536334.png"/>
+          <p:cNvPr id="60" name="그림 11" descr="C:/Users/Admin1/AppData/Roaming/PolarisOffice/ETemp/12940_6238040/fImage161763446500.png"/>
           <p:cNvPicPr>
             <a:picLocks noChangeAspect="1"/>
           </p:cNvPicPr>
           <p:nvPr/>
         </p:nvPicPr>
         <p:blipFill rotWithShape="1">
-          <a:blip r:embed="rId11" cstate="print">
+          <a:blip r:embed="rId5" cstate="print">
             <a:extLst>
               <a:ext uri="{28A0092B-C50C-407E-A947-70E740481C1C}">
                 <a14:useLocalDpi xmlns:a14="http://schemas.microsoft.com/office/drawing/2010/main" val="0"/>
@@ -8799,8 +9180,8 @@
         </p:blipFill>
         <p:spPr>
           <a:xfrm rot="0">
-            <a:off x="6822440" y="1438275"/>
-            <a:ext cx="2731135" cy="3500755"/>
+            <a:off x="6830695" y="1435735"/>
+            <a:ext cx="4126865" cy="1657350"/>
           </a:xfrm>
           <a:prstGeom prst="roundRect"/>
           <a:solidFill>
@@ -8808,37 +9189,39 @@
           </a:solidFill>
         </p:spPr>
       </p:pic>
-      <p:pic>
-        <p:nvPicPr>
-          <p:cNvPr id="67" name="그림 24" descr="C:/Users/Admin1/AppData/Roaming/PolarisOffice/ETemp/18644_16045856/fImage75182546500.png"/>
-          <p:cNvPicPr>
-            <a:picLocks noChangeAspect="1"/>
-          </p:cNvPicPr>
+      <p:cxnSp>
+        <p:nvCxnSpPr>
+          <p:cNvPr id="61" name="도형 14"/>
+          <p:cNvCxnSpPr/>
           <p:nvPr/>
-        </p:nvPicPr>
-        <p:blipFill rotWithShape="1">
-          <a:blip r:embed="rId12" cstate="print">
-            <a:extLst>
-              <a:ext uri="{28A0092B-C50C-407E-A947-70E740481C1C}">
-                <a14:useLocalDpi xmlns:a14="http://schemas.microsoft.com/office/drawing/2010/main" val="0"/>
-              </a:ext>
-            </a:extLst>
-          </a:blip>
-          <a:stretch>
-            <a:fillRect/>
-          </a:stretch>
-        </p:blipFill>
-        <p:spPr>
-          <a:xfrm rot="0">
-            <a:off x="9716135" y="2222500"/>
-            <a:ext cx="1241425" cy="1946910"/>
-          </a:xfrm>
-          <a:prstGeom prst="roundRect"/>
-          <a:solidFill>
-            <a:srgbClr val="EDEDED"/>
-          </a:solidFill>
-        </p:spPr>
-      </p:pic>
+        </p:nvCxnSpPr>
+        <p:spPr>
+          <a:xfrm rot="0" flipV="1">
+            <a:off x="8717280" y="1688465"/>
+            <a:ext cx="2102485" cy="1835150"/>
+          </a:xfrm>
+          <a:prstGeom prst="straightConnector1"/>
+          <a:ln w="6350" cap="flat" cmpd="sng">
+            <a:prstDash/>
+            <a:headEnd type="none" w="med" len="med"/>
+            <a:tailEnd type="triangle" w="med" len="med"/>
+          </a:ln>
+        </p:spPr>
+        <p:style>
+          <a:lnRef idx="1">
+            <a:schemeClr val="accent1"/>
+          </a:lnRef>
+          <a:fillRef idx="0">
+            <a:schemeClr val="accent1"/>
+          </a:fillRef>
+          <a:effectRef idx="0">
+            <a:schemeClr val="accent1"/>
+          </a:effectRef>
+          <a:fontRef idx="minor">
+            <a:schemeClr val="tx1"/>
+          </a:fontRef>
+        </p:style>
+      </p:cxnSp>
     </p:spTree>
   </p:cSld>
   <p:clrMapOvr>
@@ -8890,7 +9273,7 @@
         <p:spPr>
           <a:xfrm rot="0">
             <a:off x="1229995" y="1337310"/>
-            <a:ext cx="4039235" cy="370840"/>
+            <a:ext cx="4039870" cy="371475"/>
           </a:xfrm>
           <a:prstGeom prst="rect"/>
           <a:noFill/>
@@ -8925,9 +9308,9 @@
           <p:nvPr/>
         </p:nvSpPr>
         <p:spPr>
-          <a:xfrm rot="0">
-            <a:off x="4342765" y="353695"/>
-            <a:ext cx="3505200" cy="554990"/>
+          <a:xfrm>
+            <a:off x="4342765" y="378460"/>
+            <a:ext cx="3506470" cy="554990"/>
           </a:xfrm>
           <a:prstGeom prst="rect"/>
           <a:noFill/>
@@ -8983,9 +9366,9 @@
           <p:nvPr/>
         </p:nvSpPr>
         <p:spPr>
-          <a:xfrm rot="0">
-            <a:off x="1238250" y="5197475"/>
-            <a:ext cx="4037330" cy="954405"/>
+          <a:xfrm>
+            <a:off x="1230630" y="5080635"/>
+            <a:ext cx="4145915" cy="954405"/>
           </a:xfrm>
           <a:prstGeom prst="rect"/>
           <a:noFill/>
@@ -9029,14 +9412,14 @@
                 <a:latin typeface="맑은 고딕" charset="0"/>
                 <a:ea typeface="맑은 고딕" charset="0"/>
               </a:rPr>
-              <a:t>그리고 Password Input </a:t>
-            </a:r>
-            <a:r>
-              <a:rPr lang="ko-KR" sz="1800">
-                <a:latin typeface="맑은 고딕" charset="0"/>
-                <a:ea typeface="맑은 고딕" charset="0"/>
-              </a:rPr>
-              <a:t>오브젝트를</a:t>
+              <a:t>그다음으로 UI에서 Input Field를 </a:t>
+            </a:r>
+            <a:r>
+              <a:rPr lang="ko-KR" sz="1800">
+                <a:latin typeface="맑은 고딕" charset="0"/>
+                <a:ea typeface="맑은 고딕" charset="0"/>
+              </a:rPr>
+              <a:t>생성한</a:t>
             </a:r>
             <a:r>
               <a:rPr lang="ko-KR" sz="1800">
@@ -9050,31 +9433,7 @@
                 <a:latin typeface="맑은 고딕" charset="0"/>
                 <a:ea typeface="맑은 고딕" charset="0"/>
               </a:rPr>
-              <a:t>선택하고</a:t>
-            </a:r>
-            <a:r>
-              <a:rPr lang="ko-KR" sz="1800">
-                <a:latin typeface="맑은 고딕" charset="0"/>
-                <a:ea typeface="맑은 고딕" charset="0"/>
-              </a:rPr>
-              <a:t> Content Type을 </a:t>
-            </a:r>
-            <a:r>
-              <a:rPr lang="ko-KR" sz="1800">
-                <a:solidFill>
-                  <a:srgbClr val="009900"/>
-                </a:solidFill>
-                <a:latin typeface="맑은 고딕" charset="0"/>
-                <a:ea typeface="맑은 고딕" charset="0"/>
-              </a:rPr>
-              <a:t>[Password]</a:t>
-            </a:r>
-            <a:r>
-              <a:rPr lang="ko-KR" sz="1800">
-                <a:latin typeface="맑은 고딕" charset="0"/>
-                <a:ea typeface="맑은 고딕" charset="0"/>
-              </a:rPr>
-              <a:t>로</a:t>
+              <a:t>다음</a:t>
             </a:r>
             <a:r>
               <a:rPr lang="ko-KR" sz="1800">
@@ -9088,7 +9447,21 @@
                 <a:latin typeface="맑은 고딕" charset="0"/>
                 <a:ea typeface="맑은 고딕" charset="0"/>
               </a:rPr>
-              <a:t>설정합니다.</a:t>
+              <a:t>Email</a:t>
+            </a:r>
+            <a:r>
+              <a:rPr lang="ko-KR" sz="1800">
+                <a:latin typeface="맑은 고딕" charset="0"/>
+                <a:ea typeface="맑은 고딕" charset="0"/>
+              </a:rPr>
+              <a:t> Input이라는 </a:t>
+            </a:r>
+            <a:r>
+              <a:rPr lang="ko-KR" sz="1800">
+                <a:latin typeface="맑은 고딕" charset="0"/>
+                <a:ea typeface="맑은 고딕" charset="0"/>
+              </a:rPr>
+              <a:t>이름으로</a:t>
             </a:r>
             <a:r>
               <a:rPr lang="ko-KR" sz="1800">
@@ -9096,6 +9469,13 @@
                 <a:ea typeface="맑은 고딕" charset="0"/>
               </a:rPr>
               <a:t> </a:t>
+            </a:r>
+            <a:r>
+              <a:rPr lang="ko-KR" sz="1800">
+                <a:latin typeface="맑은 고딕" charset="0"/>
+                <a:ea typeface="맑은 고딕" charset="0"/>
+              </a:rPr>
+              <a:t>정의합니다.</a:t>
             </a:r>
             <a:endParaRPr lang="ko-KR" altLang="en-US" sz="1800">
               <a:latin typeface="맑은 고딕" charset="0"/>
@@ -9106,16 +9486,16 @@
       </p:sp>
       <p:sp>
         <p:nvSpPr>
-          <p:cNvPr id="54" name="Rect 0"/>
+          <p:cNvPr id="61" name="텍스트 상자 10"/>
           <p:cNvSpPr txBox="1">
             <a:spLocks/>
           </p:cNvSpPr>
           <p:nvPr/>
         </p:nvSpPr>
         <p:spPr>
-          <a:xfrm rot="0">
-            <a:off x="6861810" y="4368800"/>
-            <a:ext cx="4104005" cy="1784985"/>
+          <a:xfrm>
+            <a:off x="6813550" y="5083810"/>
+            <a:ext cx="4135755" cy="954405"/>
           </a:xfrm>
           <a:prstGeom prst="rect"/>
           <a:noFill/>
@@ -9159,14 +9539,14 @@
                 <a:latin typeface="맑은 고딕" charset="0"/>
                 <a:ea typeface="맑은 고딕" charset="0"/>
               </a:rPr>
-              <a:t>그런 다음 빈 게임 오브젝트 </a:t>
-            </a:r>
-            <a:r>
-              <a:rPr lang="ko-KR" sz="1800">
-                <a:latin typeface="맑은 고딕" charset="0"/>
-                <a:ea typeface="맑은 고딕" charset="0"/>
-              </a:rPr>
-              <a:t>생성한</a:t>
+              <a:t>그러고 나서 UI에서 Input Field를 </a:t>
+            </a:r>
+            <a:r>
+              <a:rPr lang="ko-KR" sz="1800">
+                <a:latin typeface="맑은 고딕" charset="0"/>
+                <a:ea typeface="맑은 고딕" charset="0"/>
+              </a:rPr>
+              <a:t>생성하고</a:t>
             </a:r>
             <a:r>
               <a:rPr lang="ko-KR" sz="1800">
@@ -9180,21 +9560,21 @@
                 <a:latin typeface="맑은 고딕" charset="0"/>
                 <a:ea typeface="맑은 고딕" charset="0"/>
               </a:rPr>
-              <a:t>다음</a:t>
-            </a:r>
-            <a:r>
-              <a:rPr lang="ko-KR" sz="1800">
-                <a:latin typeface="맑은 고딕" charset="0"/>
-                <a:ea typeface="맑은 고딕" charset="0"/>
-              </a:rPr>
-              <a:t> 이름을 Photon </a:t>
-            </a:r>
-            <a:r>
-              <a:rPr lang="ko-KR" sz="1800">
-                <a:latin typeface="맑은 고딕" charset="0"/>
-                <a:ea typeface="맑은 고딕" charset="0"/>
-              </a:rPr>
-              <a:t>Setting으로</a:t>
+              <a:t>Password</a:t>
+            </a:r>
+            <a:r>
+              <a:rPr lang="ko-KR" sz="1800">
+                <a:latin typeface="맑은 고딕" charset="0"/>
+                <a:ea typeface="맑은 고딕" charset="0"/>
+              </a:rPr>
+              <a:t> Input이라는 </a:t>
+            </a:r>
+            <a:r>
+              <a:rPr lang="ko-KR" sz="1800">
+                <a:latin typeface="맑은 고딕" charset="0"/>
+                <a:ea typeface="맑은 고딕" charset="0"/>
+              </a:rPr>
+              <a:t>이름으로</a:t>
             </a:r>
             <a:r>
               <a:rPr lang="ko-KR" sz="1800">
@@ -9208,76 +9588,28 @@
                 <a:latin typeface="맑은 고딕" charset="0"/>
                 <a:ea typeface="맑은 고딕" charset="0"/>
               </a:rPr>
-              <a:t>설정합니다.</a:t>
+              <a:t>정의합니다.</a:t>
             </a:r>
             <a:endParaRPr lang="ko-KR" altLang="en-US" sz="1800">
               <a:latin typeface="맑은 고딕" charset="0"/>
               <a:ea typeface="맑은 고딕" charset="0"/>
             </a:endParaRPr>
           </a:p>
-          <a:p>
-            <a:pPr marL="0" indent="0" rtl="0" algn="l" defTabSz="914400" eaLnBrk="1" latinLnBrk="0" hangingPunct="1">
-              <a:buFontTx/>
-              <a:buNone/>
-            </a:pPr>
-            <a:endParaRPr lang="ko-KR" altLang="en-US" sz="1800">
-              <a:latin typeface="맑은 고딕" charset="0"/>
-              <a:ea typeface="맑은 고딕" charset="0"/>
-            </a:endParaRPr>
-          </a:p>
-          <a:p>
-            <a:pPr marL="0" indent="0" rtl="0" algn="l" defTabSz="914400" eaLnBrk="1" latinLnBrk="0" hangingPunct="1">
-              <a:buFontTx/>
-              <a:buNone/>
-            </a:pPr>
-            <a:r>
-              <a:rPr lang="ko-KR" sz="1800">
-                <a:latin typeface="맑은 고딕" charset="0"/>
-                <a:ea typeface="맑은 고딕" charset="0"/>
-              </a:rPr>
-              <a:t>그러고</a:t>
-            </a:r>
-            <a:r>
-              <a:rPr lang="ko-KR" sz="1800">
-                <a:latin typeface="맑은 고딕" charset="0"/>
-                <a:ea typeface="맑은 고딕" charset="0"/>
-              </a:rPr>
-              <a:t> 나서 PhotonSetting이라는 </a:t>
-            </a:r>
-            <a:r>
-              <a:rPr lang="ko-KR" sz="1800">
-                <a:latin typeface="맑은 고딕" charset="0"/>
-                <a:ea typeface="맑은 고딕" charset="0"/>
-              </a:rPr>
-              <a:t>스크립트를</a:t>
-            </a:r>
-            <a:r>
-              <a:rPr lang="ko-KR" sz="1800">
-                <a:latin typeface="맑은 고딕" charset="0"/>
-                <a:ea typeface="맑은 고딕" charset="0"/>
-              </a:rPr>
-              <a:t> 생성하고 넣어줍니다.</a:t>
-            </a:r>
-            <a:endParaRPr lang="ko-KR" altLang="en-US" sz="1800">
-              <a:latin typeface="맑은 고딕" charset="0"/>
-              <a:ea typeface="맑은 고딕" charset="0"/>
-            </a:endParaRPr>
-          </a:p>
         </p:txBody>
       </p:sp>
       <p:pic>
         <p:nvPicPr>
-          <p:cNvPr id="59" name="그림 32" descr="C:/Users/Admin1/AppData/Roaming/PolarisOffice/ETemp/18644_16045856/fImage241662822391.png"/>
+          <p:cNvPr id="64" name="그림 15"/>
           <p:cNvPicPr>
             <a:picLocks noChangeAspect="1"/>
           </p:cNvPicPr>
           <p:nvPr/>
         </p:nvPicPr>
         <p:blipFill rotWithShape="1">
-          <a:blip r:embed="rId2" cstate="hqprint">
+          <a:blip r:embed="rId9" cstate="print">
             <a:extLst>
               <a:ext uri="{28A0092B-C50C-407E-A947-70E740481C1C}">
-                <a14:useLocalDpi xmlns:a14="http://schemas.microsoft.com/office/drawing/2010/main"/>
+                <a14:useLocalDpi xmlns:a14="http://schemas.microsoft.com/office/drawing/2010/main" val="0"/>
               </a:ext>
             </a:extLst>
           </a:blip>
@@ -9287,8 +9619,8 @@
         </p:blipFill>
         <p:spPr>
           <a:xfrm rot="0">
-            <a:off x="1229360" y="1438275"/>
-            <a:ext cx="4126230" cy="3601720"/>
+            <a:off x="1228090" y="1438275"/>
+            <a:ext cx="2778125" cy="3506470"/>
           </a:xfrm>
           <a:prstGeom prst="roundRect"/>
           <a:solidFill>
@@ -9298,17 +9630,17 @@
       </p:pic>
       <p:pic>
         <p:nvPicPr>
-          <p:cNvPr id="61" name="그림 37"/>
+          <p:cNvPr id="65" name="그림 18"/>
           <p:cNvPicPr>
             <a:picLocks noChangeAspect="1"/>
           </p:cNvPicPr>
           <p:nvPr/>
         </p:nvPicPr>
         <p:blipFill rotWithShape="1">
-          <a:blip r:embed="rId4" cstate="hqprint">
+          <a:blip r:embed="rId10" cstate="print">
             <a:extLst>
               <a:ext uri="{28A0092B-C50C-407E-A947-70E740481C1C}">
-                <a14:useLocalDpi xmlns:a14="http://schemas.microsoft.com/office/drawing/2010/main"/>
+                <a14:useLocalDpi xmlns:a14="http://schemas.microsoft.com/office/drawing/2010/main" val="0"/>
               </a:ext>
             </a:extLst>
           </a:blip>
@@ -9318,8 +9650,8 @@
         </p:blipFill>
         <p:spPr>
           <a:xfrm rot="0">
-            <a:off x="6863715" y="1438275"/>
-            <a:ext cx="2348230" cy="2785745"/>
+            <a:off x="4126230" y="2230755"/>
+            <a:ext cx="1240790" cy="1947545"/>
           </a:xfrm>
           <a:prstGeom prst="roundRect"/>
           <a:solidFill>
@@ -9329,17 +9661,17 @@
       </p:pic>
       <p:pic>
         <p:nvPicPr>
-          <p:cNvPr id="62" name="그림 38"/>
+          <p:cNvPr id="66" name="그림 23"/>
           <p:cNvPicPr>
             <a:picLocks noChangeAspect="1"/>
           </p:cNvPicPr>
           <p:nvPr/>
         </p:nvPicPr>
         <p:blipFill rotWithShape="1">
-          <a:blip r:embed="rId5" cstate="hqprint">
+          <a:blip r:embed="rId11" cstate="print">
             <a:extLst>
               <a:ext uri="{28A0092B-C50C-407E-A947-70E740481C1C}">
-                <a14:useLocalDpi xmlns:a14="http://schemas.microsoft.com/office/drawing/2010/main"/>
+                <a14:useLocalDpi xmlns:a14="http://schemas.microsoft.com/office/drawing/2010/main" val="0"/>
               </a:ext>
             </a:extLst>
           </a:blip>
@@ -9349,8 +9681,8 @@
         </p:blipFill>
         <p:spPr>
           <a:xfrm rot="0">
-            <a:off x="9917430" y="3516630"/>
-            <a:ext cx="703580" cy="706755"/>
+            <a:off x="6822440" y="1438275"/>
+            <a:ext cx="2731135" cy="3500755"/>
           </a:xfrm>
           <a:prstGeom prst="roundRect"/>
           <a:solidFill>
@@ -9358,54 +9690,19 @@
           </a:solidFill>
         </p:spPr>
       </p:pic>
-      <p:cxnSp>
-        <p:nvCxnSpPr>
-          <p:cNvPr id="67" name="도형 17"/>
-          <p:cNvCxnSpPr>
-            <a:stCxn id="62" idx="0"/>
-            <a:endCxn id="68" idx="2"/>
-          </p:cNvCxnSpPr>
-          <p:nvPr/>
-        </p:nvCxnSpPr>
-        <p:spPr>
-          <a:xfrm rot="0" flipH="1" flipV="1">
-            <a:off x="10267950" y="3093720"/>
-            <a:ext cx="1905" cy="423545"/>
-          </a:xfrm>
-          <a:prstGeom prst="straightConnector1"/>
-          <a:ln w="6350" cap="flat" cmpd="sng">
-            <a:prstDash/>
-            <a:tailEnd type="triangle" w="med" len="med"/>
-          </a:ln>
-        </p:spPr>
-        <p:style>
-          <a:lnRef idx="1">
-            <a:schemeClr val="accent1"/>
-          </a:lnRef>
-          <a:fillRef idx="0">
-            <a:schemeClr val="accent1"/>
-          </a:fillRef>
-          <a:effectRef idx="0">
-            <a:schemeClr val="accent1"/>
-          </a:effectRef>
-          <a:fontRef idx="minor">
-            <a:schemeClr val="tx1"/>
-          </a:fontRef>
-        </p:style>
-      </p:cxnSp>
       <p:pic>
         <p:nvPicPr>
-          <p:cNvPr id="68" name="그림 7" descr="C:/Users/Admin1/AppData/Roaming/PolarisOffice/ETemp/18644_16045856/fImage94112416334.png"/>
+          <p:cNvPr id="67" name="그림 24"/>
           <p:cNvPicPr>
             <a:picLocks noChangeAspect="1"/>
           </p:cNvPicPr>
           <p:nvPr/>
         </p:nvPicPr>
         <p:blipFill rotWithShape="1">
-          <a:blip r:embed="rId10" cstate="hqprint">
+          <a:blip r:embed="rId12" cstate="print">
             <a:extLst>
               <a:ext uri="{28A0092B-C50C-407E-A947-70E740481C1C}">
-                <a14:useLocalDpi xmlns:a14="http://schemas.microsoft.com/office/drawing/2010/main"/>
+                <a14:useLocalDpi xmlns:a14="http://schemas.microsoft.com/office/drawing/2010/main" val="0"/>
               </a:ext>
             </a:extLst>
           </a:blip>
@@ -9415,8 +9712,8 @@
         </p:blipFill>
         <p:spPr>
           <a:xfrm rot="0">
-            <a:off x="9562465" y="1438275"/>
-            <a:ext cx="1412240" cy="1656080"/>
+            <a:off x="9716135" y="2222500"/>
+            <a:ext cx="1241425" cy="1946910"/>
           </a:xfrm>
           <a:prstGeom prst="roundRect"/>
           <a:solidFill>
@@ -9510,9 +9807,9 @@
           <p:nvPr/>
         </p:nvSpPr>
         <p:spPr>
-          <a:xfrm rot="0">
-            <a:off x="4304665" y="363220"/>
-            <a:ext cx="3580765" cy="554990"/>
+          <a:xfrm>
+            <a:off x="4342765" y="353695"/>
+            <a:ext cx="3505835" cy="554990"/>
           </a:xfrm>
           <a:prstGeom prst="rect"/>
           <a:noFill/>
@@ -9568,9 +9865,9 @@
           <p:nvPr/>
         </p:nvSpPr>
         <p:spPr>
-          <a:xfrm rot="0">
-            <a:off x="1229995" y="5186045"/>
-            <a:ext cx="4119880" cy="954405"/>
+          <a:xfrm>
+            <a:off x="1238250" y="5197475"/>
+            <a:ext cx="4037965" cy="954405"/>
           </a:xfrm>
           <a:prstGeom prst="rect"/>
           <a:noFill/>
@@ -9597,7 +9894,7 @@
                 <a:latin typeface="맑은 고딕" charset="0"/>
                 <a:ea typeface="맑은 고딕" charset="0"/>
               </a:rPr>
-              <a:t>25.</a:t>
+              <a:t>24.</a:t>
             </a:r>
             <a:r>
               <a:rPr lang="ko-KR" sz="2000">
@@ -9614,14 +9911,14 @@
                 <a:latin typeface="맑은 고딕" charset="0"/>
                 <a:ea typeface="맑은 고딕" charset="0"/>
               </a:rPr>
-              <a:t>그런 다음 PhotonSetting </a:t>
-            </a:r>
-            <a:r>
-              <a:rPr lang="ko-KR" sz="1800">
-                <a:latin typeface="맑은 고딕" charset="0"/>
-                <a:ea typeface="맑은 고딕" charset="0"/>
-              </a:rPr>
-              <a:t>스크립트에서</a:t>
+              <a:t>이제 Password Input </a:t>
+            </a:r>
+            <a:r>
+              <a:rPr lang="ko-KR" sz="1800">
+                <a:latin typeface="맑은 고딕" charset="0"/>
+                <a:ea typeface="맑은 고딕" charset="0"/>
+              </a:rPr>
+              <a:t>오브젝트를</a:t>
             </a:r>
             <a:r>
               <a:rPr lang="ko-KR" sz="1800">
@@ -9635,7 +9932,31 @@
                 <a:latin typeface="맑은 고딕" charset="0"/>
                 <a:ea typeface="맑은 고딕" charset="0"/>
               </a:rPr>
-              <a:t> InputField</a:t>
+              <a:t>선택하고</a:t>
+            </a:r>
+            <a:r>
+              <a:rPr lang="ko-KR" sz="1800">
+                <a:latin typeface="맑은 고딕" charset="0"/>
+                <a:ea typeface="맑은 고딕" charset="0"/>
+              </a:rPr>
+              <a:t> Content Type을 </a:t>
+            </a:r>
+            <a:r>
+              <a:rPr lang="ko-KR" sz="1800">
+                <a:solidFill>
+                  <a:srgbClr val="009900"/>
+                </a:solidFill>
+                <a:latin typeface="맑은 고딕" charset="0"/>
+                <a:ea typeface="맑은 고딕" charset="0"/>
+              </a:rPr>
+              <a:t>[Password]</a:t>
+            </a:r>
+            <a:r>
+              <a:rPr lang="ko-KR" sz="1800">
+                <a:latin typeface="맑은 고딕" charset="0"/>
+                <a:ea typeface="맑은 고딕" charset="0"/>
+              </a:rPr>
+              <a:t>로</a:t>
             </a:r>
             <a:r>
               <a:rPr lang="ko-KR" sz="1800">
@@ -9649,21 +9970,7 @@
                 <a:latin typeface="맑은 고딕" charset="0"/>
                 <a:ea typeface="맑은 고딕" charset="0"/>
               </a:rPr>
-              <a:t>변수</a:t>
-            </a:r>
-            <a:r>
-              <a:rPr lang="ko-KR" sz="1800">
-                <a:latin typeface="맑은 고딕" charset="0"/>
-                <a:ea typeface="맑은 고딕" charset="0"/>
-              </a:rPr>
-              <a:t> 2개와 </a:t>
-            </a:r>
-            <a:r>
-              <a:rPr lang="ko-KR" sz="1800">
-                <a:latin typeface="맑은 고딕" charset="0"/>
-                <a:ea typeface="맑은 고딕" charset="0"/>
-              </a:rPr>
-              <a:t>DropDown</a:t>
+              <a:t>설정합니다.</a:t>
             </a:r>
             <a:r>
               <a:rPr lang="ko-KR" sz="1800">
@@ -9671,27 +9978,6 @@
                 <a:ea typeface="맑은 고딕" charset="0"/>
               </a:rPr>
               <a:t> </a:t>
-            </a:r>
-            <a:r>
-              <a:rPr lang="ko-KR" sz="1800">
-                <a:latin typeface="맑은 고딕" charset="0"/>
-                <a:ea typeface="맑은 고딕" charset="0"/>
-              </a:rPr>
-              <a:t>변수를</a:t>
-            </a:r>
-            <a:r>
-              <a:rPr lang="ko-KR" sz="1800">
-                <a:latin typeface="맑은 고딕" charset="0"/>
-                <a:ea typeface="맑은 고딕" charset="0"/>
-              </a:rPr>
-              <a:t> </a:t>
-            </a:r>
-            <a:r>
-              <a:rPr lang="ko-KR" sz="1800">
-                <a:latin typeface="맑은 고딕" charset="0"/>
-                <a:ea typeface="맑은 고딕" charset="0"/>
-              </a:rPr>
-              <a:t>선언합니다.</a:t>
             </a:r>
             <a:endParaRPr lang="ko-KR" altLang="en-US" sz="1800">
               <a:latin typeface="맑은 고딕" charset="0"/>
@@ -9702,16 +9988,16 @@
       </p:sp>
       <p:sp>
         <p:nvSpPr>
-          <p:cNvPr id="57" name="텍스트 상자 59"/>
+          <p:cNvPr id="54" name="Rect 0"/>
           <p:cNvSpPr txBox="1">
             <a:spLocks/>
           </p:cNvSpPr>
           <p:nvPr/>
         </p:nvSpPr>
         <p:spPr>
-          <a:xfrm rot="0">
-            <a:off x="6813550" y="4076065"/>
-            <a:ext cx="4143375" cy="2061845"/>
+          <a:xfrm>
+            <a:off x="6861810" y="4368800"/>
+            <a:ext cx="4104640" cy="1784985"/>
           </a:xfrm>
           <a:prstGeom prst="rect"/>
           <a:noFill/>
@@ -9738,10 +10024,10 @@
                 <a:latin typeface="맑은 고딕" charset="0"/>
                 <a:ea typeface="맑은 고딕" charset="0"/>
               </a:rPr>
-              <a:t>26.</a:t>
-            </a:r>
-            <a:r>
-              <a:rPr lang="ko-KR" sz="2000" b="1">
+              <a:t>25.</a:t>
+            </a:r>
+            <a:r>
+              <a:rPr lang="ko-KR" sz="2000">
                 <a:solidFill>
                   <a:srgbClr val="0611F2"/>
                 </a:solidFill>
@@ -9755,14 +10041,14 @@
                 <a:latin typeface="맑은 고딕" charset="0"/>
                 <a:ea typeface="맑은 고딕" charset="0"/>
               </a:rPr>
-              <a:t>그리고 LoginSuccess( ) 함수를 </a:t>
-            </a:r>
-            <a:r>
-              <a:rPr lang="ko-KR" sz="1800">
-                <a:latin typeface="맑은 고딕" charset="0"/>
-                <a:ea typeface="맑은 고딕" charset="0"/>
-              </a:rPr>
-              <a:t>선언한</a:t>
+              <a:t>그리고 빈 게임 오브젝트 </a:t>
+            </a:r>
+            <a:r>
+              <a:rPr lang="ko-KR" sz="1800">
+                <a:latin typeface="맑은 고딕" charset="0"/>
+                <a:ea typeface="맑은 고딕" charset="0"/>
+              </a:rPr>
+              <a:t>생성한</a:t>
             </a:r>
             <a:r>
               <a:rPr lang="ko-KR" sz="1800">
@@ -9790,7 +10076,21 @@
                 <a:latin typeface="맑은 고딕" charset="0"/>
                 <a:ea typeface="맑은 고딕" charset="0"/>
               </a:rPr>
-              <a:t>AutomaticallySyncScene </a:t>
+              <a:t>이름을</a:t>
+            </a:r>
+            <a:r>
+              <a:rPr lang="ko-KR" sz="1800">
+                <a:latin typeface="맑은 고딕" charset="0"/>
+                <a:ea typeface="맑은 고딕" charset="0"/>
+              </a:rPr>
+              <a:t> Photon </a:t>
+            </a:r>
+            <a:r>
+              <a:rPr lang="ko-KR" sz="1800">
+                <a:latin typeface="맑은 고딕" charset="0"/>
+                <a:ea typeface="맑은 고딕" charset="0"/>
+              </a:rPr>
+              <a:t>Setting으로</a:t>
             </a:r>
             <a:r>
               <a:rPr lang="ko-KR" sz="1800">
@@ -9804,7 +10104,7 @@
                 <a:latin typeface="맑은 고딕" charset="0"/>
                 <a:ea typeface="맑은 고딕" charset="0"/>
               </a:rPr>
-              <a:t>비활성화합니다.</a:t>
+              <a:t>설정합니다.</a:t>
             </a:r>
             <a:endParaRPr lang="ko-KR" altLang="en-US" sz="1800">
               <a:latin typeface="맑은 고딕" charset="0"/>
@@ -9831,7 +10131,7 @@
                 <a:latin typeface="맑은 고딕" charset="0"/>
                 <a:ea typeface="맑은 고딕" charset="0"/>
               </a:rPr>
-              <a:t>그러고</a:t>
+              <a:t>그런</a:t>
             </a:r>
             <a:r>
               <a:rPr lang="ko-KR" sz="1800">
@@ -9845,21 +10145,21 @@
                 <a:latin typeface="맑은 고딕" charset="0"/>
                 <a:ea typeface="맑은 고딕" charset="0"/>
               </a:rPr>
-              <a:t>나서</a:t>
-            </a:r>
-            <a:r>
-              <a:rPr lang="ko-KR" sz="1800">
-                <a:latin typeface="맑은 고딕" charset="0"/>
-                <a:ea typeface="맑은 고딕" charset="0"/>
-              </a:rPr>
-              <a:t> 로그인 인증 </a:t>
-            </a:r>
-            <a:r>
-              <a:rPr lang="ko-KR" sz="1800">
-                <a:latin typeface="맑은 고딕" charset="0"/>
-                <a:ea typeface="맑은 고딕" charset="0"/>
-              </a:rPr>
-              <a:t>절차가</a:t>
+              <a:t>다음</a:t>
+            </a:r>
+            <a:r>
+              <a:rPr lang="ko-KR" sz="1800">
+                <a:latin typeface="맑은 고딕" charset="0"/>
+                <a:ea typeface="맑은 고딕" charset="0"/>
+              </a:rPr>
+              <a:t> PhotonSetting이라는 </a:t>
+            </a:r>
+            <a:r>
+              <a:rPr lang="ko-KR" sz="1800">
+                <a:latin typeface="맑은 고딕" charset="0"/>
+                <a:ea typeface="맑은 고딕" charset="0"/>
+              </a:rPr>
+              <a:t>스크립트를</a:t>
             </a:r>
             <a:r>
               <a:rPr lang="ko-KR" sz="1800">
@@ -9873,77 +10173,14 @@
                 <a:latin typeface="맑은 고딕" charset="0"/>
                 <a:ea typeface="맑은 고딕" charset="0"/>
               </a:rPr>
-              <a:t>성공되었을</a:t>
-            </a:r>
-            <a:r>
-              <a:rPr lang="ko-KR" sz="1800">
-                <a:latin typeface="맑은 고딕" charset="0"/>
-                <a:ea typeface="맑은 고딕" charset="0"/>
-              </a:rPr>
-              <a:t> </a:t>
-            </a:r>
-            <a:r>
-              <a:rPr lang="ko-KR" sz="1800">
-                <a:latin typeface="맑은 고딕" charset="0"/>
-                <a:ea typeface="맑은 고딕" charset="0"/>
-              </a:rPr>
-              <a:t>때</a:t>
-            </a:r>
-            <a:r>
-              <a:rPr lang="ko-KR" sz="1800">
-                <a:latin typeface="맑은 고딕" charset="0"/>
-                <a:ea typeface="맑은 고딕" charset="0"/>
-              </a:rPr>
-              <a:t> </a:t>
-            </a:r>
-            <a:r>
-              <a:rPr lang="ko-KR" sz="1800">
-                <a:latin typeface="맑은 고딕" charset="0"/>
-                <a:ea typeface="맑은 고딕" charset="0"/>
-              </a:rPr>
-              <a:t>Photon</a:t>
-            </a:r>
-            <a:r>
-              <a:rPr lang="ko-KR" sz="1800">
-                <a:latin typeface="맑은 고딕" charset="0"/>
-                <a:ea typeface="맑은 고딕" charset="0"/>
-              </a:rPr>
-              <a:t> </a:t>
-            </a:r>
-            <a:r>
-              <a:rPr lang="ko-KR" sz="1800">
-                <a:latin typeface="맑은 고딕" charset="0"/>
-                <a:ea typeface="맑은 고딕" charset="0"/>
-              </a:rPr>
-              <a:t>Lobby씬으로</a:t>
-            </a:r>
-            <a:r>
-              <a:rPr lang="ko-KR" sz="1800">
-                <a:latin typeface="맑은 고딕" charset="0"/>
-                <a:ea typeface="맑은 고딕" charset="0"/>
-              </a:rPr>
-              <a:t> </a:t>
-            </a:r>
-            <a:r>
-              <a:rPr lang="ko-KR" sz="1800">
-                <a:latin typeface="맑은 고딕" charset="0"/>
-                <a:ea typeface="맑은 고딕" charset="0"/>
-              </a:rPr>
-              <a:t>이동하도록</a:t>
-            </a:r>
-            <a:r>
-              <a:rPr lang="ko-KR" sz="1800">
-                <a:latin typeface="맑은 고딕" charset="0"/>
-                <a:ea typeface="맑은 고딕" charset="0"/>
-              </a:rPr>
-              <a:t> </a:t>
-            </a:r>
-            <a:r>
-              <a:rPr lang="ko-KR" sz="1800">
-                <a:latin typeface="맑은 고딕" charset="0"/>
-                <a:ea typeface="맑은 고딕" charset="0"/>
-              </a:rPr>
-              <a:t>설정합니다.</a:t>
+              <a:t>생성하고</a:t>
+            </a:r>
+            <a:r>
+              <a:rPr lang="ko-KR" sz="1800">
+                <a:latin typeface="맑은 고딕" charset="0"/>
+                <a:ea typeface="맑은 고딕" charset="0"/>
+              </a:rPr>
+              <a:t> 넣어줍니다.</a:t>
             </a:r>
             <a:endParaRPr lang="ko-KR" altLang="en-US" sz="1800">
               <a:latin typeface="맑은 고딕" charset="0"/>
@@ -9954,17 +10191,17 @@
       </p:sp>
       <p:pic>
         <p:nvPicPr>
-          <p:cNvPr id="62" name="그림 7" descr="C:/Users/Admin1/AppData/Roaming/PolarisOffice/ETemp/18644_16045856/fImage117912479169.png"/>
+          <p:cNvPr id="59" name="그림 32"/>
           <p:cNvPicPr>
             <a:picLocks noChangeAspect="1"/>
           </p:cNvPicPr>
           <p:nvPr/>
         </p:nvPicPr>
         <p:blipFill rotWithShape="1">
-          <a:blip r:embed="rId10" cstate="print">
+          <a:blip r:embed="rId2" cstate="hqprint">
             <a:extLst>
               <a:ext uri="{28A0092B-C50C-407E-A947-70E740481C1C}">
-                <a14:useLocalDpi xmlns:a14="http://schemas.microsoft.com/office/drawing/2010/main" val="0"/>
+                <a14:useLocalDpi xmlns:a14="http://schemas.microsoft.com/office/drawing/2010/main"/>
               </a:ext>
             </a:extLst>
           </a:blip>
@@ -9974,8 +10211,8 @@
         </p:blipFill>
         <p:spPr>
           <a:xfrm rot="0">
-            <a:off x="1231900" y="1438275"/>
-            <a:ext cx="4117975" cy="1473835"/>
+            <a:off x="1229360" y="1438275"/>
+            <a:ext cx="4126230" cy="3601720"/>
           </a:xfrm>
           <a:prstGeom prst="roundRect"/>
           <a:solidFill>
@@ -9983,104 +10220,19 @@
           </a:solidFill>
         </p:spPr>
       </p:pic>
-      <p:sp>
-        <p:nvSpPr>
-          <p:cNvPr id="63" name="텍스트 상자 10"/>
-          <p:cNvSpPr txBox="1">
-            <a:spLocks/>
-          </p:cNvSpPr>
-          <p:nvPr/>
-        </p:nvSpPr>
-        <p:spPr>
-          <a:xfrm rot="0">
-            <a:off x="1232535" y="3009900"/>
-            <a:ext cx="4126230" cy="677545"/>
-          </a:xfrm>
-          <a:prstGeom prst="rect"/>
-          <a:noFill/>
-          <a:ln w="0">
-            <a:noFill/>
-            <a:prstDash/>
-          </a:ln>
-        </p:spPr>
-        <p:txBody>
-          <a:bodyPr wrap="square" lIns="89535" tIns="46355" rIns="89535" bIns="46355" numCol="1" vert="horz" anchor="t">
-            <a:spAutoFit/>
-          </a:bodyPr>
-          <a:lstStyle/>
-          <a:p>
-            <a:pPr marL="0" indent="0" rtl="0" algn="l" defTabSz="914400" eaLnBrk="1" latinLnBrk="0" hangingPunct="1">
-              <a:buFontTx/>
-              <a:buNone/>
-            </a:pPr>
-            <a:r>
-              <a:rPr lang="ko-KR" sz="2000" b="1">
-                <a:solidFill>
-                  <a:srgbClr val="0611F2"/>
-                </a:solidFill>
-                <a:latin typeface="맑은 고딕" charset="0"/>
-                <a:ea typeface="맑은 고딕" charset="0"/>
-              </a:rPr>
-              <a:t>24.</a:t>
-            </a:r>
-            <a:r>
-              <a:rPr lang="ko-KR" sz="2000">
-                <a:solidFill>
-                  <a:srgbClr val="0611F2"/>
-                </a:solidFill>
-                <a:latin typeface="맑은 고딕" charset="0"/>
-                <a:ea typeface="맑은 고딕" charset="0"/>
-              </a:rPr>
-              <a:t> </a:t>
-            </a:r>
-            <a:r>
-              <a:rPr lang="ko-KR" sz="1800">
-                <a:latin typeface="맑은 고딕" charset="0"/>
-                <a:ea typeface="맑은 고딕" charset="0"/>
-              </a:rPr>
-              <a:t>이제 PhotonSetting 오브젝트의 </a:t>
-            </a:r>
-            <a:r>
-              <a:rPr lang="ko-KR" sz="1800">
-                <a:latin typeface="맑은 고딕" charset="0"/>
-                <a:ea typeface="맑은 고딕" charset="0"/>
-              </a:rPr>
-              <a:t>위치와</a:t>
-            </a:r>
-            <a:r>
-              <a:rPr lang="ko-KR" sz="1800">
-                <a:latin typeface="맑은 고딕" charset="0"/>
-                <a:ea typeface="맑은 고딕" charset="0"/>
-              </a:rPr>
-              <a:t> </a:t>
-            </a:r>
-            <a:r>
-              <a:rPr lang="ko-KR" sz="1800">
-                <a:latin typeface="맑은 고딕" charset="0"/>
-                <a:ea typeface="맑은 고딕" charset="0"/>
-              </a:rPr>
-              <a:t>회전 값을 초기화합니다.</a:t>
-            </a:r>
-            <a:endParaRPr lang="ko-KR" altLang="en-US" sz="1800">
-              <a:latin typeface="맑은 고딕" charset="0"/>
-              <a:ea typeface="맑은 고딕" charset="0"/>
-            </a:endParaRPr>
-          </a:p>
-        </p:txBody>
-      </p:sp>
       <p:pic>
         <p:nvPicPr>
-          <p:cNvPr id="64" name="그림 11" descr="C:/Users/Admin1/AppData/Roaming/PolarisOffice/ETemp/18644_16045856/fImage248182495724.png"/>
+          <p:cNvPr id="61" name="그림 37"/>
           <p:cNvPicPr>
             <a:picLocks noChangeAspect="1"/>
           </p:cNvPicPr>
           <p:nvPr/>
         </p:nvPicPr>
         <p:blipFill rotWithShape="1">
-          <a:blip r:embed="rId11" cstate="print">
+          <a:blip r:embed="rId4" cstate="hqprint">
             <a:extLst>
               <a:ext uri="{28A0092B-C50C-407E-A947-70E740481C1C}">
-                <a14:useLocalDpi xmlns:a14="http://schemas.microsoft.com/office/drawing/2010/main" val="0"/>
+                <a14:useLocalDpi xmlns:a14="http://schemas.microsoft.com/office/drawing/2010/main"/>
               </a:ext>
             </a:extLst>
           </a:blip>
@@ -10090,8 +10242,8 @@
         </p:blipFill>
         <p:spPr>
           <a:xfrm rot="0">
-            <a:off x="1223645" y="3832860"/>
-            <a:ext cx="4117975" cy="1257935"/>
+            <a:off x="6863715" y="1438275"/>
+            <a:ext cx="2348230" cy="2785745"/>
           </a:xfrm>
           <a:prstGeom prst="roundRect"/>
           <a:solidFill>
@@ -10101,17 +10253,17 @@
       </p:pic>
       <p:pic>
         <p:nvPicPr>
-          <p:cNvPr id="65" name="그림 27" descr="C:/Users/Admin1/AppData/Roaming/PolarisOffice/ETemp/18644_16045856/fImage478772551478.png"/>
+          <p:cNvPr id="62" name="그림 38"/>
           <p:cNvPicPr>
             <a:picLocks noChangeAspect="1"/>
           </p:cNvPicPr>
           <p:nvPr/>
         </p:nvPicPr>
         <p:blipFill rotWithShape="1">
-          <a:blip r:embed="rId12" cstate="print">
+          <a:blip r:embed="rId5" cstate="hqprint">
             <a:extLst>
               <a:ext uri="{28A0092B-C50C-407E-A947-70E740481C1C}">
-                <a14:useLocalDpi xmlns:a14="http://schemas.microsoft.com/office/drawing/2010/main" val="0"/>
+                <a14:useLocalDpi xmlns:a14="http://schemas.microsoft.com/office/drawing/2010/main"/>
               </a:ext>
             </a:extLst>
           </a:blip>
@@ -10121,8 +10273,74 @@
         </p:blipFill>
         <p:spPr>
           <a:xfrm rot="0">
-            <a:off x="6822440" y="1438275"/>
-            <a:ext cx="4126230" cy="2472690"/>
+            <a:off x="9917430" y="3516630"/>
+            <a:ext cx="703580" cy="706755"/>
+          </a:xfrm>
+          <a:prstGeom prst="roundRect"/>
+          <a:solidFill>
+            <a:srgbClr val="EDEDED"/>
+          </a:solidFill>
+        </p:spPr>
+      </p:pic>
+      <p:cxnSp>
+        <p:nvCxnSpPr>
+          <p:cNvPr id="67" name="도형 17"/>
+          <p:cNvCxnSpPr>
+            <a:stCxn id="62" idx="0"/>
+            <a:endCxn id="68" idx="2"/>
+          </p:cNvCxnSpPr>
+          <p:nvPr/>
+        </p:nvCxnSpPr>
+        <p:spPr>
+          <a:xfrm rot="0" flipH="1" flipV="1">
+            <a:off x="10267950" y="3093720"/>
+            <a:ext cx="1905" cy="423545"/>
+          </a:xfrm>
+          <a:prstGeom prst="straightConnector1"/>
+          <a:ln w="6350" cap="flat" cmpd="sng">
+            <a:prstDash/>
+            <a:tailEnd type="triangle" w="med" len="med"/>
+          </a:ln>
+        </p:spPr>
+        <p:style>
+          <a:lnRef idx="1">
+            <a:schemeClr val="accent1"/>
+          </a:lnRef>
+          <a:fillRef idx="0">
+            <a:schemeClr val="accent1"/>
+          </a:fillRef>
+          <a:effectRef idx="0">
+            <a:schemeClr val="accent1"/>
+          </a:effectRef>
+          <a:fontRef idx="minor">
+            <a:schemeClr val="tx1"/>
+          </a:fontRef>
+        </p:style>
+      </p:cxnSp>
+      <p:pic>
+        <p:nvPicPr>
+          <p:cNvPr id="68" name="그림 7"/>
+          <p:cNvPicPr>
+            <a:picLocks noChangeAspect="1"/>
+          </p:cNvPicPr>
+          <p:nvPr/>
+        </p:nvPicPr>
+        <p:blipFill rotWithShape="1">
+          <a:blip r:embed="rId10" cstate="hqprint">
+            <a:extLst>
+              <a:ext uri="{28A0092B-C50C-407E-A947-70E740481C1C}">
+                <a14:useLocalDpi xmlns:a14="http://schemas.microsoft.com/office/drawing/2010/main"/>
+              </a:ext>
+            </a:extLst>
+          </a:blip>
+          <a:stretch>
+            <a:fillRect/>
+          </a:stretch>
+        </p:blipFill>
+        <p:spPr>
+          <a:xfrm rot="0">
+            <a:off x="9562465" y="1438275"/>
+            <a:ext cx="1412240" cy="1656080"/>
           </a:xfrm>
           <a:prstGeom prst="roundRect"/>
           <a:solidFill>
@@ -10216,9 +10434,9 @@
           <p:nvPr/>
         </p:nvSpPr>
         <p:spPr>
-          <a:xfrm rot="0">
-            <a:off x="4334510" y="313055"/>
-            <a:ext cx="3521710" cy="554990"/>
+          <a:xfrm>
+            <a:off x="4304665" y="363220"/>
+            <a:ext cx="3581400" cy="554990"/>
           </a:xfrm>
           <a:prstGeom prst="rect"/>
           <a:noFill/>
@@ -10267,16 +10485,16 @@
       </p:sp>
       <p:sp>
         <p:nvSpPr>
-          <p:cNvPr id="67" name="텍스트 상자 19"/>
+          <p:cNvPr id="48" name="Rect 0"/>
           <p:cNvSpPr txBox="1">
             <a:spLocks/>
           </p:cNvSpPr>
           <p:nvPr/>
         </p:nvSpPr>
         <p:spPr>
-          <a:xfrm rot="0">
-            <a:off x="6821805" y="4105275"/>
-            <a:ext cx="4126865" cy="2061845"/>
+          <a:xfrm>
+            <a:off x="1229995" y="5186045"/>
+            <a:ext cx="4120515" cy="954405"/>
           </a:xfrm>
           <a:prstGeom prst="rect"/>
           <a:noFill/>
@@ -10303,27 +10521,7 @@
                 <a:latin typeface="맑은 고딕" charset="0"/>
                 <a:ea typeface="맑은 고딕" charset="0"/>
               </a:rPr>
-              <a:t>2</a:t>
-            </a:r>
-            <a:r>
-              <a:rPr lang="ko-KR" sz="2000" b="1">
-                <a:solidFill>
-                  <a:srgbClr val="0611F2"/>
-                </a:solidFill>
-                <a:latin typeface="맑은 고딕" charset="0"/>
-                <a:ea typeface="맑은 고딕" charset="0"/>
-              </a:rPr>
-              <a:t>8</a:t>
-            </a:r>
-            <a:r>
-              <a:rPr lang="ko-KR" sz="2000" b="1">
-                <a:solidFill>
-                  <a:srgbClr val="0611F2"/>
-                </a:solidFill>
-                <a:latin typeface="맑은 고딕" charset="0"/>
-                <a:ea typeface="맑은 고딕" charset="0"/>
-              </a:rPr>
-              <a:t>.</a:t>
+              <a:t>27.</a:t>
             </a:r>
             <a:r>
               <a:rPr lang="ko-KR" sz="2000">
@@ -10340,14 +10538,42 @@
                 <a:latin typeface="맑은 고딕" charset="0"/>
                 <a:ea typeface="맑은 고딕" charset="0"/>
               </a:rPr>
-              <a:t>그러고 나서 </a:t>
-            </a:r>
-            <a:r>
-              <a:rPr lang="ko-KR" sz="1800">
-                <a:latin typeface="맑은 고딕" charset="0"/>
-                <a:ea typeface="맑은 고딕" charset="0"/>
-              </a:rPr>
-              <a:t>SignUpSuccess( )</a:t>
+              <a:t>그러고 나서 PhotonSetting </a:t>
+            </a:r>
+            <a:r>
+              <a:rPr lang="ko-KR" sz="1800">
+                <a:latin typeface="맑은 고딕" charset="0"/>
+                <a:ea typeface="맑은 고딕" charset="0"/>
+              </a:rPr>
+              <a:t>스크립트에서</a:t>
+            </a:r>
+            <a:r>
+              <a:rPr lang="ko-KR" sz="1800">
+                <a:latin typeface="맑은 고딕" charset="0"/>
+                <a:ea typeface="맑은 고딕" charset="0"/>
+              </a:rPr>
+              <a:t>  </a:t>
+            </a:r>
+            <a:r>
+              <a:rPr lang="ko-KR" sz="1800">
+                <a:latin typeface="맑은 고딕" charset="0"/>
+                <a:ea typeface="맑은 고딕" charset="0"/>
+              </a:rPr>
+              <a:t>InputField</a:t>
+            </a:r>
+            <a:r>
+              <a:rPr lang="ko-KR" sz="1800">
+                <a:latin typeface="맑은 고딕" charset="0"/>
+                <a:ea typeface="맑은 고딕" charset="0"/>
+              </a:rPr>
+              <a:t> 변수 2개와 </a:t>
+            </a:r>
+            <a:r>
+              <a:rPr lang="ko-KR" sz="1800">
+                <a:latin typeface="맑은 고딕" charset="0"/>
+                <a:ea typeface="맑은 고딕" charset="0"/>
+              </a:rPr>
+              <a:t>DropDown</a:t>
             </a:r>
             <a:r>
               <a:rPr lang="ko-KR" sz="1800">
@@ -10361,173 +10587,34 @@
                 <a:latin typeface="맑은 고딕" charset="0"/>
                 <a:ea typeface="맑은 고딕" charset="0"/>
               </a:rPr>
-              <a:t>함수를</a:t>
-            </a:r>
-            <a:r>
-              <a:rPr lang="ko-KR" sz="1800">
-                <a:latin typeface="맑은 고딕" charset="0"/>
-                <a:ea typeface="맑은 고딕" charset="0"/>
-              </a:rPr>
-              <a:t> </a:t>
-            </a:r>
-            <a:r>
-              <a:rPr lang="ko-KR" sz="1800">
-                <a:latin typeface="맑은 고딕" charset="0"/>
-                <a:ea typeface="맑은 고딕" charset="0"/>
-              </a:rPr>
-              <a:t>선언한 </a:t>
-            </a:r>
-            <a:r>
-              <a:rPr lang="ko-KR" sz="1800">
-                <a:latin typeface="맑은 고딕" charset="0"/>
-                <a:ea typeface="맑은 고딕" charset="0"/>
-              </a:rPr>
-              <a:t>다</a:t>
-            </a:r>
-            <a:r>
-              <a:rPr lang="ko-KR" sz="1800">
-                <a:latin typeface="맑은 고딕" charset="0"/>
-                <a:ea typeface="맑은 고딕" charset="0"/>
-              </a:rPr>
-              <a:t>음 </a:t>
-            </a:r>
-            <a:r>
-              <a:rPr lang="ko-KR" sz="1800">
-                <a:latin typeface="맑은 고딕" charset="0"/>
-                <a:ea typeface="맑은 고딕" charset="0"/>
-              </a:rPr>
-              <a:t>NotficationManager.NotificationWindow(</a:t>
-            </a:r>
-            <a:r>
-              <a:rPr lang="ko-KR" sz="1800">
-                <a:latin typeface="맑은 고딕" charset="0"/>
-                <a:ea typeface="맑은 고딕" charset="0"/>
-              </a:rPr>
-              <a:t> )를 호출합니다.</a:t>
+              <a:t>변수를</a:t>
+            </a:r>
+            <a:r>
+              <a:rPr lang="ko-KR" sz="1800">
+                <a:latin typeface="맑은 고딕" charset="0"/>
+                <a:ea typeface="맑은 고딕" charset="0"/>
+              </a:rPr>
+              <a:t> 선언합니다.</a:t>
             </a:r>
             <a:endParaRPr lang="ko-KR" altLang="en-US" sz="1800">
               <a:latin typeface="맑은 고딕" charset="0"/>
               <a:ea typeface="맑은 고딕" charset="0"/>
             </a:endParaRPr>
           </a:p>
-          <a:p>
-            <a:pPr marL="0" indent="0" rtl="0" algn="l" defTabSz="914400" eaLnBrk="1" latinLnBrk="0" hangingPunct="1">
-              <a:buFontTx/>
-              <a:buNone/>
-            </a:pPr>
-            <a:endParaRPr lang="ko-KR" altLang="en-US" sz="1800">
-              <a:latin typeface="맑은 고딕" charset="0"/>
-              <a:ea typeface="맑은 고딕" charset="0"/>
-            </a:endParaRPr>
-          </a:p>
-          <a:p>
-            <a:pPr marL="0" indent="0" rtl="0" algn="l" defTabSz="914400" eaLnBrk="1" latinLnBrk="0" hangingPunct="1">
-              <a:buFontTx/>
-              <a:buNone/>
-            </a:pPr>
-            <a:r>
-              <a:rPr lang="ko-KR" sz="1800">
-                <a:latin typeface="맑은 고딕" charset="0"/>
-                <a:ea typeface="맑은 고딕" charset="0"/>
-              </a:rPr>
-              <a:t>그런</a:t>
-            </a:r>
-            <a:r>
-              <a:rPr lang="ko-KR" sz="1800">
-                <a:latin typeface="맑은 고딕" charset="0"/>
-                <a:ea typeface="맑은 고딕" charset="0"/>
-              </a:rPr>
-              <a:t> </a:t>
-            </a:r>
-            <a:r>
-              <a:rPr lang="ko-KR" sz="1800">
-                <a:latin typeface="맑은 고딕" charset="0"/>
-                <a:ea typeface="맑은 고딕" charset="0"/>
-              </a:rPr>
-              <a:t>다음 </a:t>
-            </a:r>
-            <a:r>
-              <a:rPr lang="ko-KR" sz="1800">
-                <a:latin typeface="맑은 고딕" charset="0"/>
-                <a:ea typeface="맑은 고딕" charset="0"/>
-              </a:rPr>
-              <a:t>NotificationWindow( ) </a:t>
-            </a:r>
-            <a:r>
-              <a:rPr lang="ko-KR" sz="1800">
-                <a:latin typeface="맑은 고딕" charset="0"/>
-                <a:ea typeface="맑은 고딕" charset="0"/>
-              </a:rPr>
-              <a:t>함수의</a:t>
-            </a:r>
-            <a:r>
-              <a:rPr lang="ko-KR" sz="1800">
-                <a:latin typeface="맑은 고딕" charset="0"/>
-                <a:ea typeface="맑은 고딕" charset="0"/>
-              </a:rPr>
-              <a:t> </a:t>
-            </a:r>
-            <a:r>
-              <a:rPr lang="ko-KR" sz="1800">
-                <a:latin typeface="맑은 고딕" charset="0"/>
-                <a:ea typeface="맑은 고딕" charset="0"/>
-              </a:rPr>
-              <a:t>인수로</a:t>
-            </a:r>
-            <a:r>
-              <a:rPr lang="ko-KR" sz="1800">
-                <a:latin typeface="맑은 고딕" charset="0"/>
-                <a:ea typeface="맑은 고딕" charset="0"/>
-              </a:rPr>
-              <a:t> </a:t>
-            </a:r>
-            <a:r>
-              <a:rPr lang="ko-KR" sz="1800">
-                <a:latin typeface="맑은 고딕" charset="0"/>
-                <a:ea typeface="맑은 고딕" charset="0"/>
-              </a:rPr>
-              <a:t>string 값을</a:t>
-            </a:r>
-            <a:r>
-              <a:rPr lang="ko-KR" sz="1800">
-                <a:latin typeface="맑은 고딕" charset="0"/>
-                <a:ea typeface="맑은 고딕" charset="0"/>
-              </a:rPr>
-              <a:t> </a:t>
-            </a:r>
-            <a:r>
-              <a:rPr lang="ko-KR" sz="1800">
-                <a:latin typeface="맑은 고딕" charset="0"/>
-                <a:ea typeface="맑은 고딕" charset="0"/>
-              </a:rPr>
-              <a:t>넣어줍니다</a:t>
-            </a:r>
-            <a:r>
-              <a:rPr lang="ko-KR" sz="1800">
-                <a:latin typeface="맑은 고딕" charset="0"/>
-                <a:ea typeface="맑은 고딕" charset="0"/>
-              </a:rPr>
-              <a:t> </a:t>
-            </a:r>
-            <a:endParaRPr lang="ko-KR" altLang="en-US" sz="1800">
-              <a:latin typeface="맑은 고딕" charset="0"/>
-              <a:ea typeface="맑은 고딕" charset="0"/>
-            </a:endParaRPr>
-          </a:p>
-        </p:txBody>
-      </p:sp>
-      <p:sp>
-        <p:nvSpPr>
-          <p:cNvPr id="69" name="텍스트 상자 30"/>
+        </p:txBody>
+      </p:sp>
+      <p:sp>
+        <p:nvSpPr>
+          <p:cNvPr id="57" name="텍스트 상자 59"/>
           <p:cNvSpPr txBox="1">
             <a:spLocks/>
           </p:cNvSpPr>
           <p:nvPr/>
         </p:nvSpPr>
         <p:spPr>
-          <a:xfrm rot="0">
-            <a:off x="1235710" y="4108450"/>
-            <a:ext cx="4140835" cy="2061845"/>
+          <a:xfrm>
+            <a:off x="6813550" y="4076065"/>
+            <a:ext cx="4144010" cy="2061845"/>
           </a:xfrm>
           <a:prstGeom prst="rect"/>
           <a:noFill/>
@@ -10554,7 +10641,7 @@
                 <a:latin typeface="맑은 고딕" charset="0"/>
                 <a:ea typeface="맑은 고딕" charset="0"/>
               </a:rPr>
-              <a:t>2</a:t>
+              <a:t>28.</a:t>
             </a:r>
             <a:r>
               <a:rPr lang="ko-KR" sz="2000" b="1">
@@ -10564,26 +10651,6 @@
                 <a:latin typeface="맑은 고딕" charset="0"/>
                 <a:ea typeface="맑은 고딕" charset="0"/>
               </a:rPr>
-              <a:t>7</a:t>
-            </a:r>
-            <a:r>
-              <a:rPr lang="ko-KR" sz="2000" b="1">
-                <a:solidFill>
-                  <a:srgbClr val="0611F2"/>
-                </a:solidFill>
-                <a:latin typeface="맑은 고딕" charset="0"/>
-                <a:ea typeface="맑은 고딕" charset="0"/>
-              </a:rPr>
-              <a:t>.</a:t>
-            </a:r>
-            <a:r>
-              <a:rPr lang="ko-KR" sz="2000">
-                <a:solidFill>
-                  <a:srgbClr val="0611F2"/>
-                </a:solidFill>
-                <a:latin typeface="맑은 고딕" charset="0"/>
-                <a:ea typeface="맑은 고딕" charset="0"/>
-              </a:rPr>
               <a:t> </a:t>
             </a:r>
             <a:r>
@@ -10591,14 +10658,14 @@
                 <a:latin typeface="맑은 고딕" charset="0"/>
                 <a:ea typeface="맑은 고딕" charset="0"/>
               </a:rPr>
-              <a:t>그리고 </a:t>
-            </a:r>
-            <a:r>
-              <a:rPr lang="ko-KR" sz="1800">
-                <a:latin typeface="맑은 고딕" charset="0"/>
-                <a:ea typeface="맑은 고딕" charset="0"/>
-              </a:rPr>
-              <a:t>LoginFailure( )</a:t>
+              <a:t>이제 LoginSuccess( ) 함수를 </a:t>
+            </a:r>
+            <a:r>
+              <a:rPr lang="ko-KR" sz="1800">
+                <a:latin typeface="맑은 고딕" charset="0"/>
+                <a:ea typeface="맑은 고딕" charset="0"/>
+              </a:rPr>
+              <a:t>선언한</a:t>
             </a:r>
             <a:r>
               <a:rPr lang="ko-KR" sz="1800">
@@ -10612,34 +10679,6 @@
                 <a:latin typeface="맑은 고딕" charset="0"/>
                 <a:ea typeface="맑은 고딕" charset="0"/>
               </a:rPr>
-              <a:t>함수를</a:t>
-            </a:r>
-            <a:r>
-              <a:rPr lang="ko-KR" sz="1800">
-                <a:latin typeface="맑은 고딕" charset="0"/>
-                <a:ea typeface="맑은 고딕" charset="0"/>
-              </a:rPr>
-              <a:t> </a:t>
-            </a:r>
-            <a:r>
-              <a:rPr lang="ko-KR" sz="1800">
-                <a:latin typeface="맑은 고딕" charset="0"/>
-                <a:ea typeface="맑은 고딕" charset="0"/>
-              </a:rPr>
-              <a:t>선언한</a:t>
-            </a:r>
-            <a:r>
-              <a:rPr lang="ko-KR" sz="1800">
-                <a:latin typeface="맑은 고딕" charset="0"/>
-                <a:ea typeface="맑은 고딕" charset="0"/>
-              </a:rPr>
-              <a:t> </a:t>
-            </a:r>
-            <a:r>
-              <a:rPr lang="ko-KR" sz="1800">
-                <a:latin typeface="맑은 고딕" charset="0"/>
-                <a:ea typeface="맑은 고딕" charset="0"/>
-              </a:rPr>
               <a:t>다음</a:t>
             </a:r>
             <a:r>
@@ -10647,21 +10686,14 @@
                 <a:latin typeface="맑은 고딕" charset="0"/>
                 <a:ea typeface="맑은 고딕" charset="0"/>
               </a:rPr>
-              <a:t> </a:t>
-            </a:r>
-            <a:r>
-              <a:rPr lang="ko-KR" sz="1800">
-                <a:latin typeface="맑은 고딕" charset="0"/>
-                <a:ea typeface="맑은 고딕" charset="0"/>
-              </a:rPr>
-              <a:t>NotficationManager.NotificationWindow(</a:t>
-            </a:r>
-            <a:r>
-              <a:rPr lang="ko-KR" sz="1800">
-                <a:latin typeface="맑은 고딕" charset="0"/>
-                <a:ea typeface="맑은 고딕" charset="0"/>
-              </a:rPr>
-              <a:t> )를 호출합니다.</a:t>
+              <a:t> AutomaticallySyncScene  </a:t>
+            </a:r>
+            <a:r>
+              <a:rPr lang="ko-KR" sz="1800">
+                <a:latin typeface="맑은 고딕" charset="0"/>
+                <a:ea typeface="맑은 고딕" charset="0"/>
+              </a:rPr>
+              <a:t>비활성화합니다.</a:t>
             </a:r>
             <a:endParaRPr lang="ko-KR" altLang="en-US" sz="1800">
               <a:latin typeface="맑은 고딕" charset="0"/>
@@ -10688,21 +10720,21 @@
                 <a:latin typeface="맑은 고딕" charset="0"/>
                 <a:ea typeface="맑은 고딕" charset="0"/>
               </a:rPr>
-              <a:t>이제</a:t>
-            </a:r>
-            <a:r>
-              <a:rPr lang="ko-KR" sz="1800">
-                <a:latin typeface="맑은 고딕" charset="0"/>
-                <a:ea typeface="맑은 고딕" charset="0"/>
-              </a:rPr>
-              <a:t> NotificationWindow( ) 함수의 </a:t>
-            </a:r>
-            <a:r>
-              <a:rPr lang="ko-KR" sz="1800">
-                <a:latin typeface="맑은 고딕" charset="0"/>
-                <a:ea typeface="맑은 고딕" charset="0"/>
-              </a:rPr>
-              <a:t>인수로</a:t>
+              <a:t>그리고</a:t>
+            </a:r>
+            <a:r>
+              <a:rPr lang="ko-KR" sz="1800">
+                <a:latin typeface="맑은 고딕" charset="0"/>
+                <a:ea typeface="맑은 고딕" charset="0"/>
+              </a:rPr>
+              <a:t> 로그인 인증 절차가 </a:t>
+            </a:r>
+            <a:r>
+              <a:rPr lang="ko-KR" sz="1800">
+                <a:latin typeface="맑은 고딕" charset="0"/>
+                <a:ea typeface="맑은 고딕" charset="0"/>
+              </a:rPr>
+              <a:t>성공되었을</a:t>
             </a:r>
             <a:r>
               <a:rPr lang="ko-KR" sz="1800">
@@ -10716,7 +10748,7 @@
                 <a:latin typeface="맑은 고딕" charset="0"/>
                 <a:ea typeface="맑은 고딕" charset="0"/>
               </a:rPr>
-              <a:t>string 값을</a:t>
+              <a:t>때</a:t>
             </a:r>
             <a:r>
               <a:rPr lang="ko-KR" sz="1800">
@@ -10730,7 +10762,35 @@
                 <a:latin typeface="맑은 고딕" charset="0"/>
                 <a:ea typeface="맑은 고딕" charset="0"/>
               </a:rPr>
-              <a:t>넣어줍니다.</a:t>
+              <a:t>Photon</a:t>
+            </a:r>
+            <a:r>
+              <a:rPr lang="ko-KR" sz="1800">
+                <a:latin typeface="맑은 고딕" charset="0"/>
+                <a:ea typeface="맑은 고딕" charset="0"/>
+              </a:rPr>
+              <a:t> Lobby씬으로 </a:t>
+            </a:r>
+            <a:r>
+              <a:rPr lang="ko-KR" sz="1800">
+                <a:latin typeface="맑은 고딕" charset="0"/>
+                <a:ea typeface="맑은 고딕" charset="0"/>
+              </a:rPr>
+              <a:t>이동하도록</a:t>
+            </a:r>
+            <a:r>
+              <a:rPr lang="ko-KR" sz="1800">
+                <a:latin typeface="맑은 고딕" charset="0"/>
+                <a:ea typeface="맑은 고딕" charset="0"/>
+              </a:rPr>
+              <a:t> </a:t>
+            </a:r>
+            <a:r>
+              <a:rPr lang="ko-KR" sz="1800">
+                <a:latin typeface="맑은 고딕" charset="0"/>
+                <a:ea typeface="맑은 고딕" charset="0"/>
+              </a:rPr>
+              <a:t>설정합니다.</a:t>
             </a:r>
             <a:endParaRPr lang="ko-KR" altLang="en-US" sz="1800">
               <a:latin typeface="맑은 고딕" charset="0"/>
@@ -10741,14 +10801,137 @@
       </p:sp>
       <p:pic>
         <p:nvPicPr>
-          <p:cNvPr id="70" name="그림 31" descr="C:/Users/Admin1/AppData/Roaming/PolarisOffice/ETemp/18644_16045856/fImage356663306334.png"/>
+          <p:cNvPr id="62" name="그림 7"/>
           <p:cNvPicPr>
             <a:picLocks noChangeAspect="1"/>
           </p:cNvPicPr>
           <p:nvPr/>
         </p:nvPicPr>
         <p:blipFill rotWithShape="1">
-          <a:blip r:embed="rId12" cstate="hqprint">
+          <a:blip r:embed="rId10" cstate="print">
+            <a:extLst>
+              <a:ext uri="{28A0092B-C50C-407E-A947-70E740481C1C}">
+                <a14:useLocalDpi xmlns:a14="http://schemas.microsoft.com/office/drawing/2010/main" val="0"/>
+              </a:ext>
+            </a:extLst>
+          </a:blip>
+          <a:stretch>
+            <a:fillRect/>
+          </a:stretch>
+        </p:blipFill>
+        <p:spPr>
+          <a:xfrm rot="0">
+            <a:off x="1231900" y="1438275"/>
+            <a:ext cx="4117975" cy="1473835"/>
+          </a:xfrm>
+          <a:prstGeom prst="roundRect"/>
+          <a:solidFill>
+            <a:srgbClr val="EDEDED"/>
+          </a:solidFill>
+        </p:spPr>
+      </p:pic>
+      <p:sp>
+        <p:nvSpPr>
+          <p:cNvPr id="63" name="텍스트 상자 10"/>
+          <p:cNvSpPr txBox="1">
+            <a:spLocks/>
+          </p:cNvSpPr>
+          <p:nvPr/>
+        </p:nvSpPr>
+        <p:spPr>
+          <a:xfrm rot="0">
+            <a:off x="1232535" y="3027045"/>
+            <a:ext cx="4126865" cy="677545"/>
+          </a:xfrm>
+          <a:prstGeom prst="rect"/>
+          <a:noFill/>
+          <a:ln w="0">
+            <a:noFill/>
+            <a:prstDash/>
+          </a:ln>
+        </p:spPr>
+        <p:txBody>
+          <a:bodyPr wrap="square" lIns="89535" tIns="46355" rIns="89535" bIns="46355" numCol="1" vert="horz" anchor="t">
+            <a:spAutoFit/>
+          </a:bodyPr>
+          <a:lstStyle/>
+          <a:p>
+            <a:pPr marL="0" indent="0" rtl="0" algn="l" defTabSz="914400" eaLnBrk="1" latinLnBrk="0" hangingPunct="1">
+              <a:buFontTx/>
+              <a:buNone/>
+            </a:pPr>
+            <a:r>
+              <a:rPr lang="ko-KR" sz="2000" b="1">
+                <a:solidFill>
+                  <a:srgbClr val="0611F2"/>
+                </a:solidFill>
+                <a:latin typeface="맑은 고딕" charset="0"/>
+                <a:ea typeface="맑은 고딕" charset="0"/>
+              </a:rPr>
+              <a:t>26.</a:t>
+            </a:r>
+            <a:r>
+              <a:rPr lang="ko-KR" sz="2000">
+                <a:solidFill>
+                  <a:srgbClr val="0611F2"/>
+                </a:solidFill>
+                <a:latin typeface="맑은 고딕" charset="0"/>
+                <a:ea typeface="맑은 고딕" charset="0"/>
+              </a:rPr>
+              <a:t> </a:t>
+            </a:r>
+            <a:r>
+              <a:rPr lang="ko-KR" sz="1800">
+                <a:latin typeface="맑은 고딕" charset="0"/>
+                <a:ea typeface="맑은 고딕" charset="0"/>
+              </a:rPr>
+              <a:t>그다음 PhotonSetting 오브젝트의 </a:t>
+            </a:r>
+            <a:r>
+              <a:rPr lang="ko-KR" sz="1800">
+                <a:latin typeface="맑은 고딕" charset="0"/>
+                <a:ea typeface="맑은 고딕" charset="0"/>
+              </a:rPr>
+              <a:t>위치와</a:t>
+            </a:r>
+            <a:r>
+              <a:rPr lang="ko-KR" sz="1800">
+                <a:latin typeface="맑은 고딕" charset="0"/>
+                <a:ea typeface="맑은 고딕" charset="0"/>
+              </a:rPr>
+              <a:t> </a:t>
+            </a:r>
+            <a:r>
+              <a:rPr lang="ko-KR" sz="1800">
+                <a:latin typeface="맑은 고딕" charset="0"/>
+                <a:ea typeface="맑은 고딕" charset="0"/>
+              </a:rPr>
+              <a:t>회전</a:t>
+            </a:r>
+            <a:r>
+              <a:rPr lang="ko-KR" sz="1800">
+                <a:latin typeface="맑은 고딕" charset="0"/>
+                <a:ea typeface="맑은 고딕" charset="0"/>
+              </a:rPr>
+              <a:t> 값을 초기화합니다.</a:t>
+            </a:r>
+            <a:endParaRPr lang="ko-KR" altLang="en-US" sz="1800">
+              <a:latin typeface="맑은 고딕" charset="0"/>
+              <a:ea typeface="맑은 고딕" charset="0"/>
+            </a:endParaRPr>
+          </a:p>
+        </p:txBody>
+      </p:sp>
+      <p:pic>
+        <p:nvPicPr>
+          <p:cNvPr id="64" name="그림 11" descr="C:/Users/Admin1/AppData/Roaming/PolarisOffice/ETemp/12940_6238040/fImage248182495724.png"/>
+          <p:cNvPicPr>
+            <a:picLocks noChangeAspect="1"/>
+          </p:cNvPicPr>
+          <p:nvPr/>
+        </p:nvPicPr>
+        <p:blipFill rotWithShape="1">
+          <a:blip r:embed="rId11" cstate="hqprint">
             <a:extLst>
               <a:ext uri="{28A0092B-C50C-407E-A947-70E740481C1C}">
                 <a14:useLocalDpi xmlns:a14="http://schemas.microsoft.com/office/drawing/2010/main"/>
@@ -10761,8 +10944,8 @@
         </p:blipFill>
         <p:spPr>
           <a:xfrm rot="0">
-            <a:off x="1240790" y="1447165"/>
-            <a:ext cx="4126230" cy="2515870"/>
+            <a:off x="1223645" y="3832860"/>
+            <a:ext cx="4118610" cy="1258570"/>
           </a:xfrm>
           <a:prstGeom prst="roundRect"/>
           <a:solidFill>
@@ -10772,14 +10955,14 @@
       </p:pic>
       <p:pic>
         <p:nvPicPr>
-          <p:cNvPr id="71" name="그림 35" descr="C:/Users/Admin1/AppData/Roaming/PolarisOffice/ETemp/18644_16045856/fImage503772599358.png"/>
+          <p:cNvPr id="65" name="그림 27"/>
           <p:cNvPicPr>
             <a:picLocks noChangeAspect="1"/>
           </p:cNvPicPr>
           <p:nvPr/>
         </p:nvPicPr>
         <p:blipFill rotWithShape="1">
-          <a:blip r:embed="rId13" cstate="print">
+          <a:blip r:embed="rId12" cstate="print">
             <a:extLst>
               <a:ext uri="{28A0092B-C50C-407E-A947-70E740481C1C}">
                 <a14:useLocalDpi xmlns:a14="http://schemas.microsoft.com/office/drawing/2010/main" val="0"/>
@@ -10792,8 +10975,8 @@
         </p:blipFill>
         <p:spPr>
           <a:xfrm rot="0">
-            <a:off x="6829425" y="1447165"/>
-            <a:ext cx="4119245" cy="2515870"/>
+            <a:off x="6822440" y="1438275"/>
+            <a:ext cx="4126230" cy="2472690"/>
           </a:xfrm>
           <a:prstGeom prst="roundRect"/>
           <a:solidFill>
@@ -10852,7 +11035,7 @@
         <p:spPr>
           <a:xfrm rot="0">
             <a:off x="1229995" y="1337310"/>
-            <a:ext cx="4040505" cy="372110"/>
+            <a:ext cx="4039235" cy="370840"/>
           </a:xfrm>
           <a:prstGeom prst="rect"/>
           <a:noFill/>
@@ -10887,7 +11070,7 @@
           <p:nvPr/>
         </p:nvSpPr>
         <p:spPr>
-          <a:xfrm rot="0">
+          <a:xfrm>
             <a:off x="4334510" y="313055"/>
             <a:ext cx="3522345" cy="554990"/>
           </a:xfrm>
@@ -10938,16 +11121,16 @@
       </p:sp>
       <p:sp>
         <p:nvSpPr>
-          <p:cNvPr id="57" name="Rect 0"/>
+          <p:cNvPr id="67" name="텍스트 상자 19"/>
           <p:cNvSpPr txBox="1">
             <a:spLocks/>
           </p:cNvSpPr>
           <p:nvPr/>
         </p:nvSpPr>
         <p:spPr>
-          <a:xfrm rot="0">
-            <a:off x="6814185" y="4125595"/>
-            <a:ext cx="4143375" cy="2061845"/>
+          <a:xfrm>
+            <a:off x="6821805" y="4105275"/>
+            <a:ext cx="4127500" cy="2061845"/>
           </a:xfrm>
           <a:prstGeom prst="rect"/>
           <a:noFill/>
@@ -10974,7 +11157,27 @@
                 <a:latin typeface="맑은 고딕" charset="0"/>
                 <a:ea typeface="맑은 고딕" charset="0"/>
               </a:rPr>
-              <a:t>30.</a:t>
+              <a:t>3</a:t>
+            </a:r>
+            <a:r>
+              <a:rPr lang="ko-KR" sz="2000" b="1">
+                <a:solidFill>
+                  <a:srgbClr val="0611F2"/>
+                </a:solidFill>
+                <a:latin typeface="맑은 고딕" charset="0"/>
+                <a:ea typeface="맑은 고딕" charset="0"/>
+              </a:rPr>
+              <a:t>0</a:t>
+            </a:r>
+            <a:r>
+              <a:rPr lang="ko-KR" sz="2000" b="1">
+                <a:solidFill>
+                  <a:srgbClr val="0611F2"/>
+                </a:solidFill>
+                <a:latin typeface="맑은 고딕" charset="0"/>
+                <a:ea typeface="맑은 고딕" charset="0"/>
+              </a:rPr>
+              <a:t>.</a:t>
             </a:r>
             <a:r>
               <a:rPr lang="ko-KR" sz="2000">
@@ -10991,14 +11194,14 @@
                 <a:latin typeface="맑은 고딕" charset="0"/>
                 <a:ea typeface="맑은 고딕" charset="0"/>
               </a:rPr>
-              <a:t>이제 SignUp( ) 함수를 </a:t>
-            </a:r>
-            <a:r>
-              <a:rPr lang="ko-KR" sz="1800">
-                <a:latin typeface="맑은 고딕" charset="0"/>
-                <a:ea typeface="맑은 고딕" charset="0"/>
-              </a:rPr>
-              <a:t>선언하고</a:t>
+              <a:t>그러고 나서 SignUpSuccess( ) </a:t>
+            </a:r>
+            <a:r>
+              <a:rPr lang="ko-KR" sz="1800">
+                <a:latin typeface="맑은 고딕" charset="0"/>
+                <a:ea typeface="맑은 고딕" charset="0"/>
+              </a:rPr>
+              <a:t>함수를</a:t>
             </a:r>
             <a:r>
               <a:rPr lang="ko-KR" sz="1800">
@@ -11012,56 +11215,28 @@
                 <a:latin typeface="맑은 고딕" charset="0"/>
                 <a:ea typeface="맑은 고딕" charset="0"/>
               </a:rPr>
-              <a:t>회원</a:t>
-            </a:r>
-            <a:r>
-              <a:rPr lang="ko-KR" sz="1800">
-                <a:latin typeface="맑은 고딕" charset="0"/>
-                <a:ea typeface="맑은 고딕" charset="0"/>
-              </a:rPr>
-              <a:t> </a:t>
-            </a:r>
-            <a:r>
-              <a:rPr lang="ko-KR" sz="1800">
-                <a:latin typeface="맑은 고딕" charset="0"/>
-                <a:ea typeface="맑은 고딕" charset="0"/>
-              </a:rPr>
-              <a:t>가입</a:t>
-            </a:r>
-            <a:r>
-              <a:rPr lang="ko-KR" sz="1800">
-                <a:latin typeface="맑은 고딕" charset="0"/>
-                <a:ea typeface="맑은 고딕" charset="0"/>
-              </a:rPr>
-              <a:t>에</a:t>
-            </a:r>
-            <a:r>
-              <a:rPr lang="ko-KR" sz="1800">
-                <a:latin typeface="맑은 고딕" charset="0"/>
-                <a:ea typeface="맑은 고딕" charset="0"/>
-              </a:rPr>
-              <a:t> </a:t>
-            </a:r>
-            <a:r>
-              <a:rPr lang="ko-KR" sz="1800">
-                <a:latin typeface="맑은 고딕" charset="0"/>
-                <a:ea typeface="맑은 고딕" charset="0"/>
-              </a:rPr>
-              <a:t>대한</a:t>
-            </a:r>
-            <a:r>
-              <a:rPr lang="ko-KR" sz="1800">
-                <a:latin typeface="맑은 고딕" charset="0"/>
-                <a:ea typeface="맑은 고딕" charset="0"/>
-              </a:rPr>
-              <a:t> 정보를 </a:t>
-            </a:r>
-            <a:r>
-              <a:rPr lang="ko-KR" sz="1800">
-                <a:latin typeface="맑은 고딕" charset="0"/>
-                <a:ea typeface="맑은 고딕" charset="0"/>
-              </a:rPr>
-              <a:t>입력받습니다.</a:t>
+              <a:t>선언한</a:t>
+            </a:r>
+            <a:r>
+              <a:rPr lang="ko-KR" sz="1800">
+                <a:latin typeface="맑은 고딕" charset="0"/>
+                <a:ea typeface="맑은 고딕" charset="0"/>
+              </a:rPr>
+              <a:t> 다음 </a:t>
+            </a:r>
+            <a:r>
+              <a:rPr lang="ko-KR" sz="1800">
+                <a:latin typeface="맑은 고딕" charset="0"/>
+                <a:ea typeface="맑은 고딕" charset="0"/>
+              </a:rPr>
+              <a:t>NotficationManager.NotificationWindow(</a:t>
+            </a:r>
+            <a:r>
+              <a:rPr lang="ko-KR" sz="1800">
+                <a:latin typeface="맑은 고딕" charset="0"/>
+                <a:ea typeface="맑은 고딕" charset="0"/>
+              </a:rPr>
+              <a:t> )를 호출합니다.</a:t>
             </a:r>
             <a:endParaRPr lang="ko-KR" altLang="en-US" sz="1800">
               <a:latin typeface="맑은 고딕" charset="0"/>
@@ -11088,21 +11263,28 @@
                 <a:latin typeface="맑은 고딕" charset="0"/>
                 <a:ea typeface="맑은 고딕" charset="0"/>
               </a:rPr>
-              <a:t>그리고</a:t>
-            </a:r>
-            <a:r>
-              <a:rPr lang="ko-KR" sz="1800">
-                <a:latin typeface="맑은 고딕" charset="0"/>
-                <a:ea typeface="맑은 고딕" charset="0"/>
-              </a:rPr>
-              <a:t> 회원 가입의 여부를 </a:t>
-            </a:r>
-            <a:r>
-              <a:rPr lang="ko-KR" sz="1800">
-                <a:latin typeface="맑은 고딕" charset="0"/>
-                <a:ea typeface="맑은 고딕" charset="0"/>
-              </a:rPr>
-              <a:t>등록하는</a:t>
+              <a:t>이제</a:t>
+            </a:r>
+            <a:r>
+              <a:rPr lang="ko-KR" sz="1800">
+                <a:latin typeface="맑은 고딕" charset="0"/>
+                <a:ea typeface="맑은 고딕" charset="0"/>
+              </a:rPr>
+              <a:t> NotificationWindow(</a:t>
+            </a:r>
+            <a:r>
+              <a:rPr lang="ko-KR" sz="1800">
+                <a:latin typeface="맑은 고딕" charset="0"/>
+                <a:ea typeface="맑은 고딕" charset="0"/>
+              </a:rPr>
+              <a:t> ) </a:t>
+            </a:r>
+            <a:r>
+              <a:rPr lang="ko-KR" sz="1800">
+                <a:latin typeface="맑은 고딕" charset="0"/>
+                <a:ea typeface="맑은 고딕" charset="0"/>
+              </a:rPr>
+              <a:t>함수의</a:t>
             </a:r>
             <a:r>
               <a:rPr lang="ko-KR" sz="1800">
@@ -11116,14 +11298,7 @@
                 <a:latin typeface="맑은 고딕" charset="0"/>
                 <a:ea typeface="맑은 고딕" charset="0"/>
               </a:rPr>
-              <a:t>RegisterPlayFabUser(</a:t>
-            </a:r>
-            <a:r>
-              <a:rPr lang="ko-KR" sz="1800">
-                <a:latin typeface="맑은 고딕" charset="0"/>
-                <a:ea typeface="맑은 고딕" charset="0"/>
-              </a:rPr>
-              <a:t> )</a:t>
+              <a:t>인수로</a:t>
             </a:r>
             <a:r>
               <a:rPr lang="ko-KR" sz="1800">
@@ -11137,70 +11312,14 @@
                 <a:latin typeface="맑은 고딕" charset="0"/>
                 <a:ea typeface="맑은 고딕" charset="0"/>
               </a:rPr>
-              <a:t>함수로</a:t>
-            </a:r>
-            <a:r>
-              <a:rPr lang="ko-KR" sz="1800">
-                <a:latin typeface="맑은 고딕" charset="0"/>
-                <a:ea typeface="맑은 고딕" charset="0"/>
-              </a:rPr>
-              <a:t> </a:t>
-            </a:r>
-            <a:r>
-              <a:rPr lang="ko-KR" sz="1800">
-                <a:latin typeface="맑은 고딕" charset="0"/>
-                <a:ea typeface="맑은 고딕" charset="0"/>
-              </a:rPr>
-              <a:t>회원 </a:t>
-            </a:r>
-            <a:r>
-              <a:rPr lang="ko-KR" sz="1800">
-                <a:latin typeface="맑은 고딕" charset="0"/>
-                <a:ea typeface="맑은 고딕" charset="0"/>
-              </a:rPr>
-              <a:t>가입</a:t>
-            </a:r>
-            <a:r>
-              <a:rPr lang="ko-KR" sz="1800">
-                <a:latin typeface="맑은 고딕" charset="0"/>
-                <a:ea typeface="맑은 고딕" charset="0"/>
-              </a:rPr>
-              <a:t> </a:t>
-            </a:r>
-            <a:r>
-              <a:rPr lang="ko-KR" sz="1800">
-                <a:latin typeface="맑은 고딕" charset="0"/>
-                <a:ea typeface="맑은 고딕" charset="0"/>
-              </a:rPr>
-              <a:t>등록</a:t>
-            </a:r>
-            <a:r>
-              <a:rPr lang="ko-KR" sz="1800">
-                <a:latin typeface="맑은 고딕" charset="0"/>
-                <a:ea typeface="맑은 고딕" charset="0"/>
-              </a:rPr>
-              <a:t> </a:t>
-            </a:r>
-            <a:r>
-              <a:rPr lang="ko-KR" sz="1800">
-                <a:latin typeface="맑은 고딕" charset="0"/>
-                <a:ea typeface="맑은 고딕" charset="0"/>
-              </a:rPr>
-              <a:t>절차를</a:t>
-            </a:r>
-            <a:r>
-              <a:rPr lang="ko-KR" sz="1800">
-                <a:latin typeface="맑은 고딕" charset="0"/>
-                <a:ea typeface="맑은 고딕" charset="0"/>
-              </a:rPr>
-              <a:t> </a:t>
-            </a:r>
-            <a:r>
-              <a:rPr lang="ko-KR" sz="1800">
-                <a:latin typeface="맑은 고딕" charset="0"/>
-                <a:ea typeface="맑은 고딕" charset="0"/>
-              </a:rPr>
-              <a:t>확인합니다.</a:t>
+              <a:t>string</a:t>
+            </a:r>
+            <a:r>
+              <a:rPr lang="ko-KR" sz="1800">
+                <a:latin typeface="맑은 고딕" charset="0"/>
+                <a:ea typeface="맑은 고딕" charset="0"/>
+              </a:rPr>
+              <a:t> 값을 넣어줍니다 </a:t>
             </a:r>
             <a:endParaRPr lang="ko-KR" altLang="en-US" sz="1800">
               <a:latin typeface="맑은 고딕" charset="0"/>
@@ -11211,16 +11330,16 @@
       </p:sp>
       <p:sp>
         <p:nvSpPr>
-          <p:cNvPr id="59" name="Rect 0"/>
+          <p:cNvPr id="69" name="텍스트 상자 30"/>
           <p:cNvSpPr txBox="1">
             <a:spLocks/>
           </p:cNvSpPr>
           <p:nvPr/>
         </p:nvSpPr>
         <p:spPr>
-          <a:xfrm rot="0">
-            <a:off x="1231900" y="4124960"/>
-            <a:ext cx="4135120" cy="2061845"/>
+          <a:xfrm>
+            <a:off x="1235710" y="4108450"/>
+            <a:ext cx="4141470" cy="2061845"/>
           </a:xfrm>
           <a:prstGeom prst="rect"/>
           <a:noFill/>
@@ -11264,56 +11383,14 @@
                 <a:latin typeface="맑은 고딕" charset="0"/>
                 <a:ea typeface="맑은 고딕" charset="0"/>
               </a:rPr>
-              <a:t>그리고 </a:t>
-            </a:r>
-            <a:r>
-              <a:rPr lang="ko-KR" sz="1800">
-                <a:latin typeface="맑은 고딕" charset="0"/>
-                <a:ea typeface="맑은 고딕" charset="0"/>
-              </a:rPr>
-              <a:t>SignUpFailure( )</a:t>
-            </a:r>
-            <a:r>
-              <a:rPr lang="ko-KR" sz="1800">
-                <a:latin typeface="맑은 고딕" charset="0"/>
-                <a:ea typeface="맑은 고딕" charset="0"/>
-              </a:rPr>
-              <a:t> </a:t>
-            </a:r>
-            <a:r>
-              <a:rPr lang="ko-KR" sz="1800">
-                <a:latin typeface="맑은 고딕" charset="0"/>
-                <a:ea typeface="맑은 고딕" charset="0"/>
-              </a:rPr>
-              <a:t>함수를</a:t>
-            </a:r>
-            <a:r>
-              <a:rPr lang="ko-KR" sz="1800">
-                <a:latin typeface="맑은 고딕" charset="0"/>
-                <a:ea typeface="맑은 고딕" charset="0"/>
-              </a:rPr>
-              <a:t> </a:t>
-            </a:r>
-            <a:r>
-              <a:rPr lang="ko-KR" sz="1800">
-                <a:latin typeface="맑은 고딕" charset="0"/>
-                <a:ea typeface="맑은 고딕" charset="0"/>
-              </a:rPr>
-              <a:t>선언한</a:t>
-            </a:r>
-            <a:r>
-              <a:rPr lang="ko-KR" sz="1800">
-                <a:latin typeface="맑은 고딕" charset="0"/>
-                <a:ea typeface="맑은 고딕" charset="0"/>
-              </a:rPr>
-              <a:t> </a:t>
-            </a:r>
-            <a:r>
-              <a:rPr lang="ko-KR" sz="1800">
-                <a:latin typeface="맑은 고딕" charset="0"/>
-                <a:ea typeface="맑은 고딕" charset="0"/>
-              </a:rPr>
-              <a:t>다음</a:t>
+              <a:t>그런 다음 LoginFailure( ) 함수를 </a:t>
+            </a:r>
+            <a:r>
+              <a:rPr lang="ko-KR" sz="1800">
+                <a:latin typeface="맑은 고딕" charset="0"/>
+                <a:ea typeface="맑은 고딕" charset="0"/>
+              </a:rPr>
+              <a:t>선언하고</a:t>
             </a:r>
             <a:r>
               <a:rPr lang="ko-KR" sz="1800">
@@ -11361,14 +11438,21 @@
                 <a:latin typeface="맑은 고딕" charset="0"/>
                 <a:ea typeface="맑은 고딕" charset="0"/>
               </a:rPr>
-              <a:t>그</a:t>
-            </a:r>
-            <a:r>
-              <a:rPr lang="ko-KR" sz="1800">
-                <a:latin typeface="맑은 고딕" charset="0"/>
-                <a:ea typeface="맑은 고딕" charset="0"/>
-              </a:rPr>
-              <a:t>다음</a:t>
+              <a:t>그다음</a:t>
+            </a:r>
+            <a:r>
+              <a:rPr lang="ko-KR" sz="1800">
+                <a:latin typeface="맑은 고딕" charset="0"/>
+                <a:ea typeface="맑은 고딕" charset="0"/>
+              </a:rPr>
+              <a:t> NotificationWindow( ) 함수의 </a:t>
+            </a:r>
+            <a:r>
+              <a:rPr lang="ko-KR" sz="1800">
+                <a:latin typeface="맑은 고딕" charset="0"/>
+                <a:ea typeface="맑은 고딕" charset="0"/>
+              </a:rPr>
+              <a:t>인수로</a:t>
             </a:r>
             <a:r>
               <a:rPr lang="ko-KR" sz="1800">
@@ -11382,63 +11466,14 @@
                 <a:latin typeface="맑은 고딕" charset="0"/>
                 <a:ea typeface="맑은 고딕" charset="0"/>
               </a:rPr>
-              <a:t>NotificationWindow( ) </a:t>
-            </a:r>
-            <a:r>
-              <a:rPr lang="ko-KR" sz="1800">
-                <a:latin typeface="맑은 고딕" charset="0"/>
-                <a:ea typeface="맑은 고딕" charset="0"/>
-              </a:rPr>
-              <a:t>함수의</a:t>
-            </a:r>
-            <a:r>
-              <a:rPr lang="ko-KR" sz="1800">
-                <a:latin typeface="맑은 고딕" charset="0"/>
-                <a:ea typeface="맑은 고딕" charset="0"/>
-              </a:rPr>
-              <a:t> </a:t>
-            </a:r>
-            <a:r>
-              <a:rPr lang="ko-KR" sz="1800">
-                <a:latin typeface="맑은 고딕" charset="0"/>
-                <a:ea typeface="맑은 고딕" charset="0"/>
-              </a:rPr>
-              <a:t>인수로</a:t>
-            </a:r>
-            <a:r>
-              <a:rPr lang="ko-KR" sz="1800">
-                <a:latin typeface="맑은 고딕" charset="0"/>
-                <a:ea typeface="맑은 고딕" charset="0"/>
-              </a:rPr>
-              <a:t> </a:t>
-            </a:r>
-            <a:r>
-              <a:rPr lang="ko-KR" sz="1800">
-                <a:latin typeface="맑은 고딕" charset="0"/>
-                <a:ea typeface="맑은 고딕" charset="0"/>
-              </a:rPr>
-              <a:t>string 값을</a:t>
-            </a:r>
-            <a:r>
-              <a:rPr lang="ko-KR" sz="1800">
-                <a:latin typeface="맑은 고딕" charset="0"/>
-                <a:ea typeface="맑은 고딕" charset="0"/>
-              </a:rPr>
-              <a:t> </a:t>
-            </a:r>
-            <a:r>
-              <a:rPr lang="ko-KR" sz="1800">
-                <a:latin typeface="맑은 고딕" charset="0"/>
-                <a:ea typeface="맑은 고딕" charset="0"/>
-              </a:rPr>
-              <a:t>넣어줍니다</a:t>
-            </a:r>
-            <a:r>
-              <a:rPr lang="ko-KR" sz="1800">
-                <a:latin typeface="맑은 고딕" charset="0"/>
-                <a:ea typeface="맑은 고딕" charset="0"/>
-              </a:rPr>
-              <a:t> </a:t>
+              <a:t>string</a:t>
+            </a:r>
+            <a:r>
+              <a:rPr lang="ko-KR" sz="1800">
+                <a:latin typeface="맑은 고딕" charset="0"/>
+                <a:ea typeface="맑은 고딕" charset="0"/>
+              </a:rPr>
+              <a:t> 값을 넣어줍니다.</a:t>
             </a:r>
             <a:endParaRPr lang="ko-KR" altLang="en-US" sz="1800">
               <a:latin typeface="맑은 고딕" charset="0"/>
@@ -11449,14 +11484,45 @@
       </p:sp>
       <p:pic>
         <p:nvPicPr>
-          <p:cNvPr id="64" name="그림 38" descr="C:/Users/Admin1/AppData/Roaming/PolarisOffice/ETemp/18644_16045856/fImage537522606962.png"/>
+          <p:cNvPr id="70" name="그림 31"/>
           <p:cNvPicPr>
             <a:picLocks noChangeAspect="1"/>
           </p:cNvPicPr>
           <p:nvPr/>
         </p:nvPicPr>
         <p:blipFill rotWithShape="1">
-          <a:blip r:embed="rId5" cstate="print">
+          <a:blip r:embed="rId12" cstate="hqprint">
+            <a:extLst>
+              <a:ext uri="{28A0092B-C50C-407E-A947-70E740481C1C}">
+                <a14:useLocalDpi xmlns:a14="http://schemas.microsoft.com/office/drawing/2010/main"/>
+              </a:ext>
+            </a:extLst>
+          </a:blip>
+          <a:stretch>
+            <a:fillRect/>
+          </a:stretch>
+        </p:blipFill>
+        <p:spPr>
+          <a:xfrm rot="0">
+            <a:off x="1240790" y="1447165"/>
+            <a:ext cx="4126230" cy="2515870"/>
+          </a:xfrm>
+          <a:prstGeom prst="roundRect"/>
+          <a:solidFill>
+            <a:srgbClr val="EDEDED"/>
+          </a:solidFill>
+        </p:spPr>
+      </p:pic>
+      <p:pic>
+        <p:nvPicPr>
+          <p:cNvPr id="71" name="그림 35"/>
+          <p:cNvPicPr>
+            <a:picLocks noChangeAspect="1"/>
+          </p:cNvPicPr>
+          <p:nvPr/>
+        </p:nvPicPr>
+        <p:blipFill rotWithShape="1">
+          <a:blip r:embed="rId13" cstate="print">
             <a:extLst>
               <a:ext uri="{28A0092B-C50C-407E-A947-70E740481C1C}">
                 <a14:useLocalDpi xmlns:a14="http://schemas.microsoft.com/office/drawing/2010/main" val="0"/>
@@ -11469,39 +11535,8 @@
         </p:blipFill>
         <p:spPr>
           <a:xfrm rot="0">
-            <a:off x="1231900" y="1438275"/>
-            <a:ext cx="4135120" cy="2507615"/>
-          </a:xfrm>
-          <a:prstGeom prst="roundRect"/>
-          <a:solidFill>
-            <a:srgbClr val="EDEDED"/>
-          </a:solidFill>
-        </p:spPr>
-      </p:pic>
-      <p:pic>
-        <p:nvPicPr>
-          <p:cNvPr id="65" name="그림 41" descr="C:/Users/Admin1/AppData/Roaming/PolarisOffice/ETemp/18644_16045856/fImage836232614464.png"/>
-          <p:cNvPicPr>
-            <a:picLocks noChangeAspect="1"/>
-          </p:cNvPicPr>
-          <p:nvPr/>
-        </p:nvPicPr>
-        <p:blipFill rotWithShape="1">
-          <a:blip r:embed="rId6" cstate="print">
-            <a:extLst>
-              <a:ext uri="{28A0092B-C50C-407E-A947-70E740481C1C}">
-                <a14:useLocalDpi xmlns:a14="http://schemas.microsoft.com/office/drawing/2010/main" val="0"/>
-              </a:ext>
-            </a:extLst>
-          </a:blip>
-          <a:stretch>
-            <a:fillRect/>
-          </a:stretch>
-        </p:blipFill>
-        <p:spPr>
-          <a:xfrm rot="0">
-            <a:off x="6813550" y="1447165"/>
-            <a:ext cx="4144010" cy="2506980"/>
+            <a:off x="6829425" y="1447165"/>
+            <a:ext cx="4119245" cy="2515870"/>
           </a:xfrm>
           <a:prstGeom prst="roundRect"/>
           <a:solidFill>
@@ -11560,7 +11595,7 @@
         <p:spPr>
           <a:xfrm rot="0">
             <a:off x="1229995" y="1337310"/>
-            <a:ext cx="4039235" cy="370840"/>
+            <a:ext cx="4040505" cy="372110"/>
           </a:xfrm>
           <a:prstGeom prst="rect"/>
           <a:noFill/>
@@ -11595,9 +11630,9 @@
           <p:nvPr/>
         </p:nvSpPr>
         <p:spPr>
-          <a:xfrm rot="0">
-            <a:off x="4334510" y="398780"/>
-            <a:ext cx="3521710" cy="554990"/>
+          <a:xfrm>
+            <a:off x="4334510" y="313055"/>
+            <a:ext cx="3522980" cy="554990"/>
           </a:xfrm>
           <a:prstGeom prst="rect"/>
           <a:noFill/>
@@ -11653,9 +11688,9 @@
           <p:nvPr/>
         </p:nvSpPr>
         <p:spPr>
-          <a:xfrm rot="0">
-            <a:off x="6822440" y="2696845"/>
-            <a:ext cx="4143375" cy="954405"/>
+          <a:xfrm>
+            <a:off x="6814185" y="4125595"/>
+            <a:ext cx="4144010" cy="2061845"/>
           </a:xfrm>
           <a:prstGeom prst="rect"/>
           <a:noFill/>
@@ -11682,27 +11717,7 @@
                 <a:latin typeface="맑은 고딕" charset="0"/>
                 <a:ea typeface="맑은 고딕" charset="0"/>
               </a:rPr>
-              <a:t>3</a:t>
-            </a:r>
-            <a:r>
-              <a:rPr lang="ko-KR" sz="2000" b="1">
-                <a:solidFill>
-                  <a:srgbClr val="0611F2"/>
-                </a:solidFill>
-                <a:latin typeface="맑은 고딕" charset="0"/>
-                <a:ea typeface="맑은 고딕" charset="0"/>
-              </a:rPr>
-              <a:t>2</a:t>
-            </a:r>
-            <a:r>
-              <a:rPr lang="ko-KR" sz="2000" b="1">
-                <a:solidFill>
-                  <a:srgbClr val="0611F2"/>
-                </a:solidFill>
-                <a:latin typeface="맑은 고딕" charset="0"/>
-                <a:ea typeface="맑은 고딕" charset="0"/>
-              </a:rPr>
-              <a:t>.</a:t>
+              <a:t>32.</a:t>
             </a:r>
             <a:r>
               <a:rPr lang="ko-KR" sz="2000">
@@ -11719,14 +11734,14 @@
                 <a:latin typeface="맑은 고딕" charset="0"/>
                 <a:ea typeface="맑은 고딕" charset="0"/>
               </a:rPr>
-              <a:t>그런 다음 Photon </a:t>
-            </a:r>
-            <a:r>
-              <a:rPr lang="ko-KR" sz="1800">
-                <a:latin typeface="맑은 고딕" charset="0"/>
-                <a:ea typeface="맑은 고딕" charset="0"/>
-              </a:rPr>
-              <a:t>Setting</a:t>
+              <a:t>그러고 나서 SignUp( ) 함수를 </a:t>
+            </a:r>
+            <a:r>
+              <a:rPr lang="ko-KR" sz="1800">
+                <a:latin typeface="맑은 고딕" charset="0"/>
+                <a:ea typeface="맑은 고딕" charset="0"/>
+              </a:rPr>
+              <a:t>선언하고</a:t>
             </a:r>
             <a:r>
               <a:rPr lang="ko-KR" sz="1800">
@@ -11740,35 +11755,7 @@
                 <a:latin typeface="맑은 고딕" charset="0"/>
                 <a:ea typeface="맑은 고딕" charset="0"/>
               </a:rPr>
-              <a:t>스크립트에</a:t>
-            </a:r>
-            <a:r>
-              <a:rPr lang="ko-KR" sz="1800">
-                <a:latin typeface="맑은 고딕" charset="0"/>
-                <a:ea typeface="맑은 고딕" charset="0"/>
-              </a:rPr>
-              <a:t> 있는 Email </a:t>
-            </a:r>
-            <a:r>
-              <a:rPr lang="ko-KR" sz="1800">
-                <a:latin typeface="맑은 고딕" charset="0"/>
-                <a:ea typeface="맑은 고딕" charset="0"/>
-              </a:rPr>
-              <a:t>변수에 Em</a:t>
-            </a:r>
-            <a:r>
-              <a:rPr lang="ko-KR" sz="1800">
-                <a:latin typeface="맑은 고딕" charset="0"/>
-                <a:ea typeface="맑은 고딕" charset="0"/>
-              </a:rPr>
-              <a:t>ail </a:t>
-            </a:r>
-            <a:r>
-              <a:rPr lang="ko-KR" sz="1800">
-                <a:latin typeface="맑은 고딕" charset="0"/>
-                <a:ea typeface="맑은 고딕" charset="0"/>
-              </a:rPr>
-              <a:t>InputField</a:t>
+              <a:t>회원</a:t>
             </a:r>
             <a:r>
               <a:rPr lang="ko-KR" sz="1800">
@@ -11782,41 +11769,159 @@
                 <a:latin typeface="맑은 고딕" charset="0"/>
                 <a:ea typeface="맑은 고딕" charset="0"/>
               </a:rPr>
-              <a:t>오브젝트를</a:t>
-            </a:r>
-            <a:r>
-              <a:rPr lang="ko-KR" sz="1800">
-                <a:latin typeface="맑은 고딕" charset="0"/>
-                <a:ea typeface="맑은 고딕" charset="0"/>
-              </a:rPr>
-              <a:t> </a:t>
-            </a:r>
-            <a:r>
-              <a:rPr lang="ko-KR" sz="1800">
-                <a:latin typeface="맑은 고딕" charset="0"/>
-                <a:ea typeface="맑은 고딕" charset="0"/>
-              </a:rPr>
-              <a:t>넣어줍니다.</a:t>
+              <a:t>가입에</a:t>
+            </a:r>
+            <a:r>
+              <a:rPr lang="ko-KR" sz="1800">
+                <a:latin typeface="맑은 고딕" charset="0"/>
+                <a:ea typeface="맑은 고딕" charset="0"/>
+              </a:rPr>
+              <a:t> 대한 정보를 </a:t>
+            </a:r>
+            <a:r>
+              <a:rPr lang="ko-KR" sz="1800">
+                <a:latin typeface="맑은 고딕" charset="0"/>
+                <a:ea typeface="맑은 고딕" charset="0"/>
+              </a:rPr>
+              <a:t>입력받습니다.</a:t>
             </a:r>
             <a:endParaRPr lang="ko-KR" altLang="en-US" sz="1800">
               <a:latin typeface="맑은 고딕" charset="0"/>
               <a:ea typeface="맑은 고딕" charset="0"/>
             </a:endParaRPr>
           </a:p>
-        </p:txBody>
-      </p:sp>
-      <p:sp>
-        <p:nvSpPr>
-          <p:cNvPr id="60" name="텍스트 상자 62"/>
+          <a:p>
+            <a:pPr marL="0" indent="0" rtl="0" algn="l" defTabSz="914400" eaLnBrk="1" latinLnBrk="0" hangingPunct="1">
+              <a:buFontTx/>
+              <a:buNone/>
+            </a:pPr>
+            <a:endParaRPr lang="ko-KR" altLang="en-US" sz="1800">
+              <a:latin typeface="맑은 고딕" charset="0"/>
+              <a:ea typeface="맑은 고딕" charset="0"/>
+            </a:endParaRPr>
+          </a:p>
+          <a:p>
+            <a:pPr marL="0" indent="0" rtl="0" algn="l" defTabSz="914400" eaLnBrk="1" latinLnBrk="0" hangingPunct="1">
+              <a:buFontTx/>
+              <a:buNone/>
+            </a:pPr>
+            <a:r>
+              <a:rPr lang="ko-KR" sz="1800">
+                <a:latin typeface="맑은 고딕" charset="0"/>
+                <a:ea typeface="맑은 고딕" charset="0"/>
+              </a:rPr>
+              <a:t>그다음</a:t>
+            </a:r>
+            <a:r>
+              <a:rPr lang="ko-KR" sz="1800">
+                <a:latin typeface="맑은 고딕" charset="0"/>
+                <a:ea typeface="맑은 고딕" charset="0"/>
+              </a:rPr>
+              <a:t> 회원</a:t>
+            </a:r>
+            <a:r>
+              <a:rPr lang="ko-KR" sz="1800">
+                <a:latin typeface="맑은 고딕" charset="0"/>
+                <a:ea typeface="맑은 고딕" charset="0"/>
+              </a:rPr>
+              <a:t> 가입의 여부를 </a:t>
+            </a:r>
+            <a:r>
+              <a:rPr lang="ko-KR" sz="1800">
+                <a:latin typeface="맑은 고딕" charset="0"/>
+                <a:ea typeface="맑은 고딕" charset="0"/>
+              </a:rPr>
+              <a:t>등록하는</a:t>
+            </a:r>
+            <a:r>
+              <a:rPr lang="ko-KR" sz="1800">
+                <a:latin typeface="맑은 고딕" charset="0"/>
+                <a:ea typeface="맑은 고딕" charset="0"/>
+              </a:rPr>
+              <a:t> </a:t>
+            </a:r>
+            <a:r>
+              <a:rPr lang="ko-KR" sz="1800">
+                <a:latin typeface="맑은 고딕" charset="0"/>
+                <a:ea typeface="맑은 고딕" charset="0"/>
+              </a:rPr>
+              <a:t>RegisterPlayFabUser(</a:t>
+            </a:r>
+            <a:r>
+              <a:rPr lang="ko-KR" sz="1800">
+                <a:latin typeface="맑은 고딕" charset="0"/>
+                <a:ea typeface="맑은 고딕" charset="0"/>
+              </a:rPr>
+              <a:t> ) </a:t>
+            </a:r>
+            <a:r>
+              <a:rPr lang="ko-KR" sz="1800">
+                <a:latin typeface="맑은 고딕" charset="0"/>
+                <a:ea typeface="맑은 고딕" charset="0"/>
+              </a:rPr>
+              <a:t>함수로</a:t>
+            </a:r>
+            <a:r>
+              <a:rPr lang="ko-KR" sz="1800">
+                <a:latin typeface="맑은 고딕" charset="0"/>
+                <a:ea typeface="맑은 고딕" charset="0"/>
+              </a:rPr>
+              <a:t> 회원 </a:t>
+            </a:r>
+            <a:r>
+              <a:rPr lang="ko-KR" sz="1800">
+                <a:latin typeface="맑은 고딕" charset="0"/>
+                <a:ea typeface="맑은 고딕" charset="0"/>
+              </a:rPr>
+              <a:t>가입</a:t>
+            </a:r>
+            <a:r>
+              <a:rPr lang="ko-KR" sz="1800">
+                <a:latin typeface="맑은 고딕" charset="0"/>
+                <a:ea typeface="맑은 고딕" charset="0"/>
+              </a:rPr>
+              <a:t> </a:t>
+            </a:r>
+            <a:r>
+              <a:rPr lang="ko-KR" sz="1800">
+                <a:latin typeface="맑은 고딕" charset="0"/>
+                <a:ea typeface="맑은 고딕" charset="0"/>
+              </a:rPr>
+              <a:t>등록</a:t>
+            </a:r>
+            <a:r>
+              <a:rPr lang="ko-KR" sz="1800">
+                <a:latin typeface="맑은 고딕" charset="0"/>
+                <a:ea typeface="맑은 고딕" charset="0"/>
+              </a:rPr>
+              <a:t> 절차를 </a:t>
+            </a:r>
+            <a:r>
+              <a:rPr lang="ko-KR" sz="1800">
+                <a:latin typeface="맑은 고딕" charset="0"/>
+                <a:ea typeface="맑은 고딕" charset="0"/>
+              </a:rPr>
+              <a:t>확인합니다.</a:t>
+            </a:r>
+            <a:endParaRPr lang="ko-KR" altLang="en-US" sz="1800">
+              <a:latin typeface="맑은 고딕" charset="0"/>
+              <a:ea typeface="맑은 고딕" charset="0"/>
+            </a:endParaRPr>
+          </a:p>
+        </p:txBody>
+      </p:sp>
+      <p:sp>
+        <p:nvSpPr>
+          <p:cNvPr id="59" name="Rect 0"/>
           <p:cNvSpPr txBox="1">
             <a:spLocks/>
           </p:cNvSpPr>
           <p:nvPr/>
         </p:nvSpPr>
         <p:spPr>
-          <a:xfrm rot="0">
-            <a:off x="1214755" y="4126865"/>
-            <a:ext cx="4152265" cy="2061845"/>
+          <a:xfrm>
+            <a:off x="1231900" y="4124960"/>
+            <a:ext cx="4135755" cy="2061845"/>
           </a:xfrm>
           <a:prstGeom prst="rect"/>
           <a:noFill/>
@@ -11880,14 +11985,14 @@
                 <a:latin typeface="맑은 고딕" charset="0"/>
                 <a:ea typeface="맑은 고딕" charset="0"/>
               </a:rPr>
-              <a:t>그러고 나서 Login( ) 함수를 </a:t>
-            </a:r>
-            <a:r>
-              <a:rPr lang="ko-KR" sz="1800">
-                <a:latin typeface="맑은 고딕" charset="0"/>
-                <a:ea typeface="맑은 고딕" charset="0"/>
-              </a:rPr>
-              <a:t>생성하고</a:t>
+              <a:t>그리고 SignUpFailure( ) 함수를 </a:t>
+            </a:r>
+            <a:r>
+              <a:rPr lang="ko-KR" sz="1800">
+                <a:latin typeface="맑은 고딕" charset="0"/>
+                <a:ea typeface="맑은 고딕" charset="0"/>
+              </a:rPr>
+              <a:t>선언한</a:t>
             </a:r>
             <a:r>
               <a:rPr lang="ko-KR" sz="1800">
@@ -11901,7 +12006,7 @@
                 <a:latin typeface="맑은 고딕" charset="0"/>
                 <a:ea typeface="맑은 고딕" charset="0"/>
               </a:rPr>
-              <a:t>로그인에</a:t>
+              <a:t>다음</a:t>
             </a:r>
             <a:r>
               <a:rPr lang="ko-KR" sz="1800">
@@ -11915,21 +12020,14 @@
                 <a:latin typeface="맑은 고딕" charset="0"/>
                 <a:ea typeface="맑은 고딕" charset="0"/>
               </a:rPr>
-              <a:t>대한</a:t>
-            </a:r>
-            <a:r>
-              <a:rPr lang="ko-KR" sz="1800">
-                <a:latin typeface="맑은 고딕" charset="0"/>
-                <a:ea typeface="맑은 고딕" charset="0"/>
-              </a:rPr>
-              <a:t> 정보를 </a:t>
-            </a:r>
-            <a:r>
-              <a:rPr lang="ko-KR" sz="1800">
-                <a:latin typeface="맑은 고딕" charset="0"/>
-                <a:ea typeface="맑은 고딕" charset="0"/>
-              </a:rPr>
-              <a:t>입력받습니다.</a:t>
+              <a:t>NotficationManager.NotificationWindow(</a:t>
+            </a:r>
+            <a:r>
+              <a:rPr lang="ko-KR" sz="1800">
+                <a:latin typeface="맑은 고딕" charset="0"/>
+                <a:ea typeface="맑은 고딕" charset="0"/>
+              </a:rPr>
+              <a:t> )를 호출합니다.</a:t>
             </a:r>
             <a:endParaRPr lang="ko-KR" altLang="en-US" sz="1800">
               <a:latin typeface="맑은 고딕" charset="0"/>
@@ -11956,21 +12054,28 @@
                 <a:latin typeface="맑은 고딕" charset="0"/>
                 <a:ea typeface="맑은 고딕" charset="0"/>
               </a:rPr>
-              <a:t>그다음</a:t>
-            </a:r>
-            <a:r>
-              <a:rPr lang="ko-KR" sz="1800">
-                <a:latin typeface="맑은 고딕" charset="0"/>
-                <a:ea typeface="맑은 고딕" charset="0"/>
-              </a:rPr>
-              <a:t> 로그인의 여부를 </a:t>
-            </a:r>
-            <a:r>
-              <a:rPr lang="ko-KR" sz="1800">
-                <a:latin typeface="맑은 고딕" charset="0"/>
-                <a:ea typeface="맑은 고딕" charset="0"/>
-              </a:rPr>
-              <a:t>설정하는</a:t>
+              <a:t>그런</a:t>
+            </a:r>
+            <a:r>
+              <a:rPr lang="ko-KR" sz="1800">
+                <a:latin typeface="맑은 고딕" charset="0"/>
+                <a:ea typeface="맑은 고딕" charset="0"/>
+              </a:rPr>
+              <a:t> 다음</a:t>
+            </a:r>
+            <a:r>
+              <a:rPr lang="ko-KR" sz="1800">
+                <a:latin typeface="맑은 고딕" charset="0"/>
+                <a:ea typeface="맑은 고딕" charset="0"/>
+              </a:rPr>
+              <a:t> NotificationWindow( ) </a:t>
+            </a:r>
+            <a:r>
+              <a:rPr lang="ko-KR" sz="1800">
+                <a:latin typeface="맑은 고딕" charset="0"/>
+                <a:ea typeface="맑은 고딕" charset="0"/>
+              </a:rPr>
+              <a:t>함수의</a:t>
             </a:r>
             <a:r>
               <a:rPr lang="ko-KR" sz="1800">
@@ -11984,77 +12089,14 @@
                 <a:latin typeface="맑은 고딕" charset="0"/>
                 <a:ea typeface="맑은 고딕" charset="0"/>
               </a:rPr>
-              <a:t>LoginWithEmailAddress(</a:t>
-            </a:r>
-            <a:r>
-              <a:rPr lang="ko-KR" sz="1800">
-                <a:latin typeface="맑은 고딕" charset="0"/>
-                <a:ea typeface="맑은 고딕" charset="0"/>
-              </a:rPr>
-              <a:t> </a:t>
-            </a:r>
-            <a:r>
-              <a:rPr lang="ko-KR" sz="1800">
-                <a:latin typeface="맑은 고딕" charset="0"/>
-                <a:ea typeface="맑은 고딕" charset="0"/>
-              </a:rPr>
-              <a:t>)</a:t>
-            </a:r>
-            <a:r>
-              <a:rPr lang="ko-KR" sz="1800">
-                <a:latin typeface="맑은 고딕" charset="0"/>
-                <a:ea typeface="맑은 고딕" charset="0"/>
-              </a:rPr>
-              <a:t> </a:t>
-            </a:r>
-            <a:r>
-              <a:rPr lang="ko-KR" sz="1800">
-                <a:latin typeface="맑은 고딕" charset="0"/>
-                <a:ea typeface="맑은 고딕" charset="0"/>
-              </a:rPr>
-              <a:t>함수로</a:t>
-            </a:r>
-            <a:r>
-              <a:rPr lang="ko-KR" sz="1800">
-                <a:latin typeface="맑은 고딕" charset="0"/>
-                <a:ea typeface="맑은 고딕" charset="0"/>
-              </a:rPr>
-              <a:t> </a:t>
-            </a:r>
-            <a:r>
-              <a:rPr lang="ko-KR" sz="1800">
-                <a:latin typeface="맑은 고딕" charset="0"/>
-                <a:ea typeface="맑은 고딕" charset="0"/>
-              </a:rPr>
-              <a:t>로그인</a:t>
-            </a:r>
-            <a:r>
-              <a:rPr lang="ko-KR" sz="1800">
-                <a:latin typeface="맑은 고딕" charset="0"/>
-                <a:ea typeface="맑은 고딕" charset="0"/>
-              </a:rPr>
-              <a:t> </a:t>
-            </a:r>
-            <a:r>
-              <a:rPr lang="ko-KR" sz="1800">
-                <a:latin typeface="맑은 고딕" charset="0"/>
-                <a:ea typeface="맑은 고딕" charset="0"/>
-              </a:rPr>
-              <a:t>인증</a:t>
-            </a:r>
-            <a:r>
-              <a:rPr lang="ko-KR" sz="1800">
-                <a:latin typeface="맑은 고딕" charset="0"/>
-                <a:ea typeface="맑은 고딕" charset="0"/>
-              </a:rPr>
-              <a:t> 절차를 </a:t>
-            </a:r>
-            <a:r>
-              <a:rPr lang="ko-KR" sz="1800">
-                <a:latin typeface="맑은 고딕" charset="0"/>
-                <a:ea typeface="맑은 고딕" charset="0"/>
-              </a:rPr>
-              <a:t>확인합니다.</a:t>
+              <a:t>인수로</a:t>
+            </a:r>
+            <a:r>
+              <a:rPr lang="ko-KR" sz="1800">
+                <a:latin typeface="맑은 고딕" charset="0"/>
+                <a:ea typeface="맑은 고딕" charset="0"/>
+              </a:rPr>
+              <a:t> string 값을 넣어줍니다 </a:t>
             </a:r>
             <a:endParaRPr lang="ko-KR" altLang="en-US" sz="1800">
               <a:latin typeface="맑은 고딕" charset="0"/>
@@ -12065,45 +12107,14 @@
       </p:sp>
       <p:pic>
         <p:nvPicPr>
-          <p:cNvPr id="61" name="그림 63" descr="C:/Users/Admin1/AppData/Roaming/PolarisOffice/ETemp/18644_16045856/fImage341333385447.png"/>
+          <p:cNvPr id="64" name="그림 38"/>
           <p:cNvPicPr>
             <a:picLocks noChangeAspect="1"/>
           </p:cNvPicPr>
           <p:nvPr/>
         </p:nvPicPr>
         <p:blipFill rotWithShape="1">
-          <a:blip r:embed="rId2" cstate="hqprint">
-            <a:extLst>
-              <a:ext uri="{28A0092B-C50C-407E-A947-70E740481C1C}">
-                <a14:useLocalDpi xmlns:a14="http://schemas.microsoft.com/office/drawing/2010/main"/>
-              </a:ext>
-            </a:extLst>
-          </a:blip>
-          <a:stretch>
-            <a:fillRect/>
-          </a:stretch>
-        </p:blipFill>
-        <p:spPr>
-          <a:xfrm rot="0">
-            <a:off x="1222375" y="1455420"/>
-            <a:ext cx="4149725" cy="2553335"/>
-          </a:xfrm>
-          <a:prstGeom prst="roundRect"/>
-          <a:solidFill>
-            <a:srgbClr val="EDEDED"/>
-          </a:solidFill>
-        </p:spPr>
-      </p:pic>
-      <p:pic>
-        <p:nvPicPr>
-          <p:cNvPr id="62" name="그림 44" descr="C:/Users/Admin1/AppData/Roaming/PolarisOffice/ETemp/18644_16045856/fImage80842625705.png"/>
-          <p:cNvPicPr>
-            <a:picLocks noChangeAspect="1"/>
-          </p:cNvPicPr>
-          <p:nvPr/>
-        </p:nvPicPr>
-        <p:blipFill rotWithShape="1">
-          <a:blip r:embed="rId11" cstate="print">
+          <a:blip r:embed="rId5" cstate="print">
             <a:extLst>
               <a:ext uri="{28A0092B-C50C-407E-A947-70E740481C1C}">
                 <a14:useLocalDpi xmlns:a14="http://schemas.microsoft.com/office/drawing/2010/main" val="0"/>
@@ -12116,8 +12127,8 @@
         </p:blipFill>
         <p:spPr>
           <a:xfrm rot="0">
-            <a:off x="6822440" y="1447165"/>
-            <a:ext cx="1257935" cy="1153160"/>
+            <a:off x="1231900" y="1438275"/>
+            <a:ext cx="4135120" cy="2507615"/>
           </a:xfrm>
           <a:prstGeom prst="roundRect"/>
           <a:solidFill>
@@ -12127,14 +12138,14 @@
       </p:pic>
       <p:pic>
         <p:nvPicPr>
-          <p:cNvPr id="63" name="그림 47" descr="C:/Users/Admin1/AppData/Roaming/PolarisOffice/ETemp/18644_16045856/fImage96052638145.png"/>
+          <p:cNvPr id="65" name="그림 41"/>
           <p:cNvPicPr>
             <a:picLocks noChangeAspect="1"/>
           </p:cNvPicPr>
           <p:nvPr/>
         </p:nvPicPr>
         <p:blipFill rotWithShape="1">
-          <a:blip r:embed="rId12" cstate="print">
+          <a:blip r:embed="rId6" cstate="print">
             <a:extLst>
               <a:ext uri="{28A0092B-C50C-407E-A947-70E740481C1C}">
                 <a14:useLocalDpi xmlns:a14="http://schemas.microsoft.com/office/drawing/2010/main" val="0"/>
@@ -12147,8 +12158,8 @@
         </p:blipFill>
         <p:spPr>
           <a:xfrm rot="0">
-            <a:off x="8200390" y="1447165"/>
-            <a:ext cx="2757170" cy="1154430"/>
+            <a:off x="6813550" y="1447165"/>
+            <a:ext cx="4144010" cy="2506980"/>
           </a:xfrm>
           <a:prstGeom prst="roundRect"/>
           <a:solidFill>
@@ -12156,169 +12167,6 @@
           </a:solidFill>
         </p:spPr>
       </p:pic>
-      <p:cxnSp>
-        <p:nvCxnSpPr>
-          <p:cNvPr id="64" name="도형 50"/>
-          <p:cNvCxnSpPr/>
-          <p:nvPr/>
-        </p:nvCxnSpPr>
-        <p:spPr>
-          <a:xfrm rot="0" flipV="1">
-            <a:off x="7839075" y="2127885"/>
-            <a:ext cx="3032760" cy="52070"/>
-          </a:xfrm>
-          <a:prstGeom prst="straightConnector1"/>
-          <a:ln w="6350" cap="flat" cmpd="sng">
-            <a:prstDash/>
-            <a:headEnd type="none" w="med" len="med"/>
-            <a:tailEnd type="triangle" w="med" len="med"/>
-          </a:ln>
-        </p:spPr>
-        <p:style>
-          <a:lnRef idx="1">
-            <a:schemeClr val="accent1"/>
-          </a:lnRef>
-          <a:fillRef idx="0">
-            <a:schemeClr val="accent1"/>
-          </a:fillRef>
-          <a:effectRef idx="0">
-            <a:schemeClr val="accent1"/>
-          </a:effectRef>
-          <a:fontRef idx="minor">
-            <a:schemeClr val="tx1"/>
-          </a:fontRef>
-        </p:style>
-      </p:cxnSp>
-      <p:pic>
-        <p:nvPicPr>
-          <p:cNvPr id="65" name="그림 51" descr="C:/Users/Admin1/AppData/Roaming/PolarisOffice/ETemp/18644_16045856/fImage125453266827.png"/>
-          <p:cNvPicPr>
-            <a:picLocks noChangeAspect="1"/>
-          </p:cNvPicPr>
-          <p:nvPr/>
-        </p:nvPicPr>
-        <p:blipFill rotWithShape="1">
-          <a:blip r:embed="rId13" cstate="hqprint">
-            <a:extLst>
-              <a:ext uri="{28A0092B-C50C-407E-A947-70E740481C1C}">
-                <a14:useLocalDpi xmlns:a14="http://schemas.microsoft.com/office/drawing/2010/main"/>
-              </a:ext>
-            </a:extLst>
-          </a:blip>
-          <a:stretch>
-            <a:fillRect/>
-          </a:stretch>
-        </p:blipFill>
-        <p:spPr>
-          <a:xfrm rot="0">
-            <a:off x="6822440" y="3781425"/>
-            <a:ext cx="4143375" cy="1378585"/>
-          </a:xfrm>
-          <a:prstGeom prst="roundRect"/>
-          <a:solidFill>
-            <a:srgbClr val="EDEDED"/>
-          </a:solidFill>
-        </p:spPr>
-      </p:pic>
-      <p:sp>
-        <p:nvSpPr>
-          <p:cNvPr id="67" name="텍스트 상자 53"/>
-          <p:cNvSpPr txBox="1">
-            <a:spLocks/>
-          </p:cNvSpPr>
-          <p:nvPr/>
-        </p:nvSpPr>
-        <p:spPr>
-          <a:xfrm rot="0">
-            <a:off x="6825615" y="5232400"/>
-            <a:ext cx="4140200" cy="954405"/>
-          </a:xfrm>
-          <a:prstGeom prst="rect"/>
-          <a:noFill/>
-          <a:ln w="0">
-            <a:noFill/>
-            <a:prstDash/>
-          </a:ln>
-        </p:spPr>
-        <p:txBody>
-          <a:bodyPr wrap="square" lIns="89535" tIns="46355" rIns="89535" bIns="46355" numCol="1" vert="horz" anchor="t">
-            <a:spAutoFit/>
-          </a:bodyPr>
-          <a:lstStyle/>
-          <a:p>
-            <a:pPr marL="0" indent="0" rtl="0" algn="l" defTabSz="914400" eaLnBrk="1" latinLnBrk="0" hangingPunct="1">
-              <a:buFontTx/>
-              <a:buNone/>
-            </a:pPr>
-            <a:r>
-              <a:rPr lang="ko-KR" sz="2000" b="1">
-                <a:solidFill>
-                  <a:srgbClr val="0611F2"/>
-                </a:solidFill>
-                <a:latin typeface="맑은 고딕" charset="0"/>
-                <a:ea typeface="맑은 고딕" charset="0"/>
-              </a:rPr>
-              <a:t>33.</a:t>
-            </a:r>
-            <a:r>
-              <a:rPr lang="ko-KR" sz="2000">
-                <a:solidFill>
-                  <a:srgbClr val="0611F2"/>
-                </a:solidFill>
-                <a:latin typeface="맑은 고딕" charset="0"/>
-                <a:ea typeface="맑은 고딕" charset="0"/>
-              </a:rPr>
-              <a:t> </a:t>
-            </a:r>
-            <a:r>
-              <a:rPr lang="ko-KR" sz="1800">
-                <a:latin typeface="맑은 고딕" charset="0"/>
-                <a:ea typeface="맑은 고딕" charset="0"/>
-              </a:rPr>
-              <a:t>이제 Email Input 오브젝트의 </a:t>
-            </a:r>
-            <a:r>
-              <a:rPr lang="ko-KR" sz="1800">
-                <a:latin typeface="맑은 고딕" charset="0"/>
-                <a:ea typeface="맑은 고딕" charset="0"/>
-              </a:rPr>
-              <a:t>앵커를</a:t>
-            </a:r>
-            <a:r>
-              <a:rPr lang="ko-KR" sz="1800">
-                <a:latin typeface="맑은 고딕" charset="0"/>
-                <a:ea typeface="맑은 고딕" charset="0"/>
-              </a:rPr>
-              <a:t> </a:t>
-            </a:r>
-            <a:r>
-              <a:rPr lang="ko-KR" sz="1800">
-                <a:latin typeface="맑은 고딕" charset="0"/>
-                <a:ea typeface="맑은 고딕" charset="0"/>
-              </a:rPr>
-              <a:t>지정하고 </a:t>
-            </a:r>
-            <a:r>
-              <a:rPr lang="ko-KR" sz="1800">
-                <a:latin typeface="맑은 고딕" charset="0"/>
-                <a:ea typeface="맑은 고딕" charset="0"/>
-              </a:rPr>
-              <a:t>위치와 크기를 </a:t>
-            </a:r>
-            <a:r>
-              <a:rPr lang="ko-KR" sz="1800">
-                <a:latin typeface="맑은 고딕" charset="0"/>
-                <a:ea typeface="맑은 고딕" charset="0"/>
-              </a:rPr>
-              <a:t>설정합니다.</a:t>
-            </a:r>
-            <a:endParaRPr lang="ko-KR" altLang="en-US" sz="1800">
-              <a:latin typeface="맑은 고딕" charset="0"/>
-              <a:ea typeface="맑은 고딕" charset="0"/>
-            </a:endParaRPr>
-          </a:p>
-        </p:txBody>
-      </p:sp>
     </p:spTree>
   </p:cSld>
   <p:clrMapOvr>
@@ -12343,7 +12191,7 @@
 </file>
 
 <file path=ppt/slides/slide16.xml><?xml version="1.0" encoding="utf-8"?>
-<p:sld xmlns:a="http://schemas.openxmlformats.org/drawingml/2006/main" xmlns:r="http://schemas.openxmlformats.org/officeDocument/2006/relationships" xmlns:p="http://schemas.openxmlformats.org/presentationml/2006/main">
+<p:sld xmlns:a="http://schemas.openxmlformats.org/drawingml/2006/main" xmlns:r="http://schemas.openxmlformats.org/officeDocument/2006/relationships" xmlns:p="http://schemas.openxmlformats.org/presentationml/2006/main" xmlns:p14="http://schemas.microsoft.com/office/powerpoint/2010/main">
   <p:cSld>
     <p:spTree>
       <p:nvGrpSpPr>
@@ -12370,7 +12218,7 @@
         <p:spPr>
           <a:xfrm rot="0">
             <a:off x="1229995" y="1337310"/>
-            <a:ext cx="4039870" cy="371475"/>
+            <a:ext cx="4039235" cy="370840"/>
           </a:xfrm>
           <a:prstGeom prst="rect"/>
           <a:noFill/>
@@ -12405,9 +12253,9 @@
           <p:nvPr/>
         </p:nvSpPr>
         <p:spPr>
-          <a:xfrm rot="0">
+          <a:xfrm>
             <a:off x="4334510" y="398780"/>
-            <a:ext cx="3521710" cy="554990"/>
+            <a:ext cx="3522345" cy="554990"/>
           </a:xfrm>
           <a:prstGeom prst="rect"/>
           <a:noFill/>
@@ -12456,16 +12304,16 @@
       </p:sp>
       <p:sp>
         <p:nvSpPr>
-          <p:cNvPr id="60" name="Rect 0"/>
+          <p:cNvPr id="57" name="Rect 0"/>
           <p:cNvSpPr txBox="1">
             <a:spLocks/>
           </p:cNvSpPr>
           <p:nvPr/>
         </p:nvSpPr>
         <p:spPr>
-          <a:xfrm rot="0">
-            <a:off x="1231900" y="2714625"/>
-            <a:ext cx="4126865" cy="677545"/>
+          <a:xfrm>
+            <a:off x="6822440" y="2696845"/>
+            <a:ext cx="4144010" cy="954405"/>
           </a:xfrm>
           <a:prstGeom prst="rect"/>
           <a:noFill/>
@@ -12509,63 +12357,35 @@
                 <a:latin typeface="맑은 고딕" charset="0"/>
                 <a:ea typeface="맑은 고딕" charset="0"/>
               </a:rPr>
-              <a:t>그리고 Sign In Button </a:t>
-            </a:r>
-            <a:r>
-              <a:rPr lang="ko-KR" sz="1800">
-                <a:latin typeface="맑은 고딕" charset="0"/>
-                <a:ea typeface="맑은 고딕" charset="0"/>
-              </a:rPr>
-              <a:t>오브젝트의</a:t>
-            </a:r>
-            <a:r>
-              <a:rPr lang="ko-KR" sz="1800">
-                <a:latin typeface="맑은 고딕" charset="0"/>
-                <a:ea typeface="맑은 고딕" charset="0"/>
-              </a:rPr>
-              <a:t> </a:t>
-            </a:r>
-            <a:r>
-              <a:rPr lang="ko-KR" sz="1800">
-                <a:latin typeface="맑은 고딕" charset="0"/>
-                <a:ea typeface="맑은 고딕" charset="0"/>
-              </a:rPr>
-              <a:t>O</a:t>
-            </a:r>
-            <a:r>
-              <a:rPr lang="ko-KR" sz="1800">
-                <a:latin typeface="맑은 고딕" charset="0"/>
-                <a:ea typeface="맑은 고딕" charset="0"/>
-              </a:rPr>
-              <a:t>n</a:t>
-            </a:r>
-            <a:r>
-              <a:rPr lang="ko-KR" sz="1800">
-                <a:latin typeface="맑은 고딕" charset="0"/>
-                <a:ea typeface="맑은 고딕" charset="0"/>
-              </a:rPr>
-              <a:t>C</a:t>
-            </a:r>
-            <a:r>
-              <a:rPr lang="ko-KR" sz="1800">
-                <a:latin typeface="맑은 고딕" charset="0"/>
-                <a:ea typeface="맑은 고딕" charset="0"/>
-              </a:rPr>
-              <a:t>lick(</a:t>
-            </a:r>
-            <a:r>
-              <a:rPr lang="ko-KR" sz="1800">
-                <a:latin typeface="맑은 고딕" charset="0"/>
-                <a:ea typeface="맑은 고딕" charset="0"/>
-              </a:rPr>
-              <a:t> </a:t>
-            </a:r>
-            <a:r>
-              <a:rPr lang="ko-KR" sz="1800">
-                <a:latin typeface="맑은 고딕" charset="0"/>
-                <a:ea typeface="맑은 고딕" charset="0"/>
-              </a:rPr>
-              <a:t>) 함수를 추가합니다.</a:t>
+              <a:t>그런 다음 Photon Setting </a:t>
+            </a:r>
+            <a:r>
+              <a:rPr lang="ko-KR" sz="1800">
+                <a:latin typeface="맑은 고딕" charset="0"/>
+                <a:ea typeface="맑은 고딕" charset="0"/>
+              </a:rPr>
+              <a:t>스크립트에</a:t>
+            </a:r>
+            <a:r>
+              <a:rPr lang="ko-KR" sz="1800">
+                <a:latin typeface="맑은 고딕" charset="0"/>
+                <a:ea typeface="맑은 고딕" charset="0"/>
+              </a:rPr>
+              <a:t> 있는 Email 변수에 Email </a:t>
+            </a:r>
+            <a:r>
+              <a:rPr lang="ko-KR" sz="1800">
+                <a:latin typeface="맑은 고딕" charset="0"/>
+                <a:ea typeface="맑은 고딕" charset="0"/>
+              </a:rPr>
+              <a:t>InputField</a:t>
+            </a:r>
+            <a:r>
+              <a:rPr lang="ko-KR" sz="1800">
+                <a:latin typeface="맑은 고딕" charset="0"/>
+                <a:ea typeface="맑은 고딕" charset="0"/>
+              </a:rPr>
+              <a:t> 오브젝트를 넣어줍니다.</a:t>
             </a:r>
             <a:endParaRPr lang="ko-KR" altLang="en-US" sz="1800">
               <a:latin typeface="맑은 고딕" charset="0"/>
@@ -12576,7 +12396,7 @@
       </p:sp>
       <p:sp>
         <p:nvSpPr>
-          <p:cNvPr id="67" name="Rect 0"/>
+          <p:cNvPr id="60" name="텍스트 상자 62"/>
           <p:cNvSpPr txBox="1">
             <a:spLocks/>
           </p:cNvSpPr>
@@ -12584,8 +12404,8 @@
         </p:nvSpPr>
         <p:spPr>
           <a:xfrm rot="0">
-            <a:off x="6816725" y="5249545"/>
-            <a:ext cx="4149090" cy="954405"/>
+            <a:off x="1223645" y="4411345"/>
+            <a:ext cx="4152265" cy="1784985"/>
           </a:xfrm>
           <a:prstGeom prst="rect"/>
           <a:noFill/>
@@ -12612,27 +12432,7 @@
                 <a:latin typeface="맑은 고딕" charset="0"/>
                 <a:ea typeface="맑은 고딕" charset="0"/>
               </a:rPr>
-              <a:t>3</a:t>
-            </a:r>
-            <a:r>
-              <a:rPr lang="ko-KR" sz="2000" b="1">
-                <a:solidFill>
-                  <a:srgbClr val="0611F2"/>
-                </a:solidFill>
-                <a:latin typeface="맑은 고딕" charset="0"/>
-                <a:ea typeface="맑은 고딕" charset="0"/>
-              </a:rPr>
-              <a:t>7</a:t>
-            </a:r>
-            <a:r>
-              <a:rPr lang="ko-KR" sz="2000" b="1">
-                <a:solidFill>
-                  <a:srgbClr val="0611F2"/>
-                </a:solidFill>
-                <a:latin typeface="맑은 고딕" charset="0"/>
-                <a:ea typeface="맑은 고딕" charset="0"/>
-              </a:rPr>
-              <a:t>.</a:t>
+              <a:t>33.</a:t>
             </a:r>
             <a:r>
               <a:rPr lang="ko-KR" sz="2000">
@@ -12649,158 +12449,129 @@
                 <a:latin typeface="맑은 고딕" charset="0"/>
                 <a:ea typeface="맑은 고딕" charset="0"/>
               </a:rPr>
-              <a:t>그다음 </a:t>
-            </a:r>
-            <a:r>
-              <a:rPr sz="1800">
-                <a:latin typeface="맑은 고딕" charset="0"/>
-                <a:ea typeface="맑은 고딕" charset="0"/>
-              </a:rPr>
-              <a:t>Sign In Button </a:t>
-            </a:r>
-            <a:r>
-              <a:rPr sz="1800">
-                <a:latin typeface="맑은 고딕" charset="0"/>
-                <a:ea typeface="맑은 고딕" charset="0"/>
-              </a:rPr>
-              <a:t>오브젝트</a:t>
-            </a:r>
-            <a:r>
-              <a:rPr lang="ko-KR" sz="1800">
-                <a:latin typeface="맑은 고딕" charset="0"/>
-                <a:ea typeface="맑은 고딕" charset="0"/>
-              </a:rPr>
-              <a:t>에 </a:t>
-            </a:r>
-            <a:r>
-              <a:rPr lang="ko-KR" sz="1800">
-                <a:latin typeface="맑은 고딕" charset="0"/>
-                <a:ea typeface="맑은 고딕" charset="0"/>
-              </a:rPr>
-              <a:t>있는</a:t>
-            </a:r>
-            <a:r>
-              <a:rPr sz="1800">
+              <a:t>이제 Login( ) 함수를 </a:t>
+            </a:r>
+            <a:r>
+              <a:rPr lang="ko-KR" sz="1800">
+                <a:latin typeface="맑은 고딕" charset="0"/>
+                <a:ea typeface="맑은 고딕" charset="0"/>
+              </a:rPr>
+              <a:t>생성하고</a:t>
+            </a:r>
+            <a:r>
+              <a:rPr lang="ko-KR" sz="1800">
                 <a:latin typeface="맑은 고딕" charset="0"/>
                 <a:ea typeface="맑은 고딕" charset="0"/>
               </a:rPr>
               <a:t> </a:t>
             </a:r>
             <a:r>
-              <a:rPr sz="1800">
-                <a:latin typeface="맑은 고딕" charset="0"/>
-                <a:ea typeface="맑은 고딕" charset="0"/>
-              </a:rPr>
-              <a:t>On</a:t>
-            </a:r>
-            <a:r>
-              <a:rPr sz="1800">
-                <a:latin typeface="맑은 고딕" charset="0"/>
-                <a:ea typeface="맑은 고딕" charset="0"/>
-              </a:rPr>
-              <a:t> </a:t>
-            </a:r>
-            <a:r>
-              <a:rPr sz="1800">
-                <a:latin typeface="맑은 고딕" charset="0"/>
-                <a:ea typeface="맑은 고딕" charset="0"/>
-              </a:rPr>
-              <a:t>Click(</a:t>
-            </a:r>
-            <a:r>
-              <a:rPr sz="1800">
-                <a:latin typeface="맑은 고딕" charset="0"/>
-                <a:ea typeface="맑은 고딕" charset="0"/>
-              </a:rPr>
-              <a:t> </a:t>
-            </a:r>
-            <a:r>
-              <a:rPr sz="1800">
-                <a:latin typeface="맑은 고딕" charset="0"/>
-                <a:ea typeface="맑은 고딕" charset="0"/>
-              </a:rPr>
-              <a:t>)</a:t>
-            </a:r>
-            <a:r>
-              <a:rPr sz="1800">
-                <a:latin typeface="맑은 고딕" charset="0"/>
-                <a:ea typeface="맑은 고딕" charset="0"/>
-              </a:rPr>
-              <a:t> </a:t>
-            </a:r>
-            <a:r>
-              <a:rPr sz="1800">
-                <a:latin typeface="맑은 고딕" charset="0"/>
-                <a:ea typeface="맑은 고딕" charset="0"/>
-              </a:rPr>
-              <a:t>함수에</a:t>
-            </a:r>
-            <a:r>
-              <a:rPr sz="1800">
-                <a:latin typeface="맑은 고딕" charset="0"/>
-                <a:ea typeface="맑은 고딕" charset="0"/>
-              </a:rPr>
-              <a:t> </a:t>
-            </a:r>
-            <a:r>
-              <a:rPr sz="1800">
-                <a:latin typeface="맑은 고딕" charset="0"/>
-                <a:ea typeface="맑은 고딕" charset="0"/>
-              </a:rPr>
-              <a:t>Login(</a:t>
-            </a:r>
-            <a:r>
-              <a:rPr sz="1800">
-                <a:latin typeface="맑은 고딕" charset="0"/>
-                <a:ea typeface="맑은 고딕" charset="0"/>
-              </a:rPr>
-              <a:t> </a:t>
-            </a:r>
-            <a:r>
-              <a:rPr sz="1800">
-                <a:latin typeface="맑은 고딕" charset="0"/>
-                <a:ea typeface="맑은 고딕" charset="0"/>
-              </a:rPr>
-              <a:t>) </a:t>
-            </a:r>
-            <a:r>
-              <a:rPr sz="1800">
-                <a:latin typeface="맑은 고딕" charset="0"/>
-                <a:ea typeface="맑은 고딕" charset="0"/>
-              </a:rPr>
-              <a:t>함수</a:t>
-            </a:r>
-            <a:r>
-              <a:rPr lang="ko-KR" sz="1800">
-                <a:latin typeface="맑은 고딕" charset="0"/>
-                <a:ea typeface="맑은 고딕" charset="0"/>
-              </a:rPr>
-              <a:t>를</a:t>
-            </a:r>
-            <a:r>
-              <a:rPr lang="ko-KR" sz="1800">
-                <a:latin typeface="맑은 고딕" charset="0"/>
-                <a:ea typeface="맑은 고딕" charset="0"/>
-              </a:rPr>
-              <a:t> </a:t>
-            </a:r>
-            <a:r>
-              <a:rPr sz="1800">
-                <a:latin typeface="맑은 고딕" charset="0"/>
-                <a:ea typeface="맑은 고딕" charset="0"/>
-              </a:rPr>
-              <a:t>등록합니다.</a:t>
+              <a:rPr lang="ko-KR" sz="1800">
+                <a:latin typeface="맑은 고딕" charset="0"/>
+                <a:ea typeface="맑은 고딕" charset="0"/>
+              </a:rPr>
+              <a:t>로그인에</a:t>
+            </a:r>
+            <a:r>
+              <a:rPr lang="ko-KR" sz="1800">
+                <a:latin typeface="맑은 고딕" charset="0"/>
+                <a:ea typeface="맑은 고딕" charset="0"/>
+              </a:rPr>
+              <a:t> 대한 정보를 </a:t>
+            </a:r>
+            <a:r>
+              <a:rPr lang="ko-KR" sz="1800">
+                <a:latin typeface="맑은 고딕" charset="0"/>
+                <a:ea typeface="맑은 고딕" charset="0"/>
+              </a:rPr>
+              <a:t>입력받습니다.</a:t>
             </a:r>
             <a:endParaRPr lang="ko-KR" altLang="en-US" sz="1800">
               <a:latin typeface="맑은 고딕" charset="0"/>
               <a:ea typeface="맑은 고딕" charset="0"/>
             </a:endParaRPr>
           </a:p>
+          <a:p>
+            <a:pPr marL="0" indent="0" rtl="0" algn="l" defTabSz="914400" eaLnBrk="1" latinLnBrk="0" hangingPunct="1">
+              <a:buFontTx/>
+              <a:buNone/>
+            </a:pPr>
+            <a:endParaRPr lang="ko-KR" altLang="en-US" sz="1800">
+              <a:latin typeface="맑은 고딕" charset="0"/>
+              <a:ea typeface="맑은 고딕" charset="0"/>
+            </a:endParaRPr>
+          </a:p>
+          <a:p>
+            <a:pPr marL="0" indent="0" rtl="0" algn="l" defTabSz="914400" eaLnBrk="1" latinLnBrk="0" hangingPunct="1">
+              <a:buFontTx/>
+              <a:buNone/>
+            </a:pPr>
+            <a:r>
+              <a:rPr lang="ko-KR" sz="1800">
+                <a:latin typeface="맑은 고딕" charset="0"/>
+                <a:ea typeface="맑은 고딕" charset="0"/>
+              </a:rPr>
+              <a:t>그리고</a:t>
+            </a:r>
+            <a:r>
+              <a:rPr lang="ko-KR" sz="1800">
+                <a:latin typeface="맑은 고딕" charset="0"/>
+                <a:ea typeface="맑은 고딕" charset="0"/>
+              </a:rPr>
+              <a:t> 로그인의 여부를 설정하는 </a:t>
+            </a:r>
+            <a:r>
+              <a:rPr lang="ko-KR" sz="1800">
+                <a:latin typeface="맑은 고딕" charset="0"/>
+                <a:ea typeface="맑은 고딕" charset="0"/>
+              </a:rPr>
+              <a:t>LoginWithEmailAddress(</a:t>
+            </a:r>
+            <a:r>
+              <a:rPr lang="ko-KR" sz="1800">
+                <a:latin typeface="맑은 고딕" charset="0"/>
+                <a:ea typeface="맑은 고딕" charset="0"/>
+              </a:rPr>
+              <a:t> ) 함수로 </a:t>
+            </a:r>
+            <a:r>
+              <a:rPr lang="ko-KR" sz="1800">
+                <a:latin typeface="맑은 고딕" charset="0"/>
+                <a:ea typeface="맑은 고딕" charset="0"/>
+              </a:rPr>
+              <a:t>로그인</a:t>
+            </a:r>
+            <a:r>
+              <a:rPr lang="ko-KR" sz="1800">
+                <a:latin typeface="맑은 고딕" charset="0"/>
+                <a:ea typeface="맑은 고딕" charset="0"/>
+              </a:rPr>
+              <a:t> </a:t>
+            </a:r>
+            <a:r>
+              <a:rPr lang="ko-KR" sz="1800">
+                <a:latin typeface="맑은 고딕" charset="0"/>
+                <a:ea typeface="맑은 고딕" charset="0"/>
+              </a:rPr>
+              <a:t>인증</a:t>
+            </a:r>
+            <a:r>
+              <a:rPr lang="ko-KR" sz="1800">
+                <a:latin typeface="맑은 고딕" charset="0"/>
+                <a:ea typeface="맑은 고딕" charset="0"/>
+              </a:rPr>
+              <a:t> 절차를 확인합니다.</a:t>
+            </a:r>
+            <a:endParaRPr lang="ko-KR" altLang="en-US" sz="1800">
+              <a:latin typeface="맑은 고딕" charset="0"/>
+              <a:ea typeface="맑은 고딕" charset="0"/>
+            </a:endParaRPr>
+          </a:p>
         </p:txBody>
       </p:sp>
       <p:pic>
         <p:nvPicPr>
-          <p:cNvPr id="68" name="그림 55" descr="C:/Users/Admin1/AppData/Roaming/PolarisOffice/ETemp/18644_16045856/fImage30173553281.png"/>
+          <p:cNvPr id="61" name="그림 63" descr="C:/Users/Admin1/AppData/Roaming/PolarisOffice/ETemp/12940_6238040/fImage341333385447.png"/>
           <p:cNvPicPr>
             <a:picLocks noChangeAspect="1"/>
           </p:cNvPicPr>
@@ -12820,8 +12591,8 @@
         </p:blipFill>
         <p:spPr>
           <a:xfrm rot="0">
-            <a:off x="2609850" y="1438275"/>
-            <a:ext cx="2757170" cy="1163320"/>
+            <a:off x="1222375" y="1455420"/>
+            <a:ext cx="4150360" cy="2774315"/>
           </a:xfrm>
           <a:prstGeom prst="roundRect"/>
           <a:solidFill>
@@ -12831,14 +12602,14 @@
       </p:pic>
       <p:pic>
         <p:nvPicPr>
-          <p:cNvPr id="69" name="그림 56" descr="C:/Users/Admin1/AppData/Roaming/PolarisOffice/ETemp/18644_16045856/fImage80093566827.png"/>
+          <p:cNvPr id="62" name="그림 44"/>
           <p:cNvPicPr>
             <a:picLocks noChangeAspect="1"/>
           </p:cNvPicPr>
           <p:nvPr/>
         </p:nvPicPr>
         <p:blipFill rotWithShape="1">
-          <a:blip r:embed="rId3" cstate="print">
+          <a:blip r:embed="rId11" cstate="print">
             <a:extLst>
               <a:ext uri="{28A0092B-C50C-407E-A947-70E740481C1C}">
                 <a14:useLocalDpi xmlns:a14="http://schemas.microsoft.com/office/drawing/2010/main" val="0"/>
@@ -12851,8 +12622,8 @@
         </p:blipFill>
         <p:spPr>
           <a:xfrm rot="0">
-            <a:off x="1231900" y="1440815"/>
-            <a:ext cx="1223645" cy="1169035"/>
+            <a:off x="6822440" y="1447165"/>
+            <a:ext cx="1257935" cy="1153160"/>
           </a:xfrm>
           <a:prstGeom prst="roundRect"/>
           <a:solidFill>
@@ -12862,14 +12633,14 @@
       </p:pic>
       <p:pic>
         <p:nvPicPr>
-          <p:cNvPr id="70" name="그림 59" descr="C:/Users/Admin1/AppData/Roaming/PolarisOffice/ETemp/18644_16045856/fImage81693579961.png"/>
+          <p:cNvPr id="63" name="그림 47"/>
           <p:cNvPicPr>
             <a:picLocks noChangeAspect="1"/>
           </p:cNvPicPr>
           <p:nvPr/>
         </p:nvPicPr>
         <p:blipFill rotWithShape="1">
-          <a:blip r:embed="rId4" cstate="print">
+          <a:blip r:embed="rId12" cstate="print">
             <a:extLst>
               <a:ext uri="{28A0092B-C50C-407E-A947-70E740481C1C}">
                 <a14:useLocalDpi xmlns:a14="http://schemas.microsoft.com/office/drawing/2010/main" val="0"/>
@@ -12882,8 +12653,8 @@
         </p:blipFill>
         <p:spPr>
           <a:xfrm rot="0">
-            <a:off x="6813550" y="1449705"/>
-            <a:ext cx="1198245" cy="1186815"/>
+            <a:off x="8200390" y="1447165"/>
+            <a:ext cx="2757170" cy="1154430"/>
           </a:xfrm>
           <a:prstGeom prst="roundRect"/>
           <a:solidFill>
@@ -12891,374 +12662,16 @@
           </a:solidFill>
         </p:spPr>
       </p:pic>
-      <p:pic>
-        <p:nvPicPr>
-          <p:cNvPr id="71" name="그림 60" descr="C:/Users/Admin1/AppData/Roaming/PolarisOffice/ETemp/18644_16045856/fImage5250358491.png"/>
-          <p:cNvPicPr>
-            <a:picLocks noChangeAspect="1"/>
-          </p:cNvPicPr>
-          <p:nvPr/>
-        </p:nvPicPr>
-        <p:blipFill rotWithShape="1">
-          <a:blip r:embed="rId5" cstate="print">
-            <a:extLst>
-              <a:ext uri="{28A0092B-C50C-407E-A947-70E740481C1C}">
-                <a14:useLocalDpi xmlns:a14="http://schemas.microsoft.com/office/drawing/2010/main" val="0"/>
-              </a:ext>
-            </a:extLst>
-          </a:blip>
-          <a:stretch>
-            <a:fillRect/>
-          </a:stretch>
-        </p:blipFill>
-        <p:spPr>
-          <a:xfrm rot="0">
-            <a:off x="8131810" y="1447165"/>
-            <a:ext cx="2834005" cy="1188720"/>
-          </a:xfrm>
-          <a:prstGeom prst="roundRect"/>
-          <a:solidFill>
-            <a:srgbClr val="EDEDED"/>
-          </a:solidFill>
-        </p:spPr>
-      </p:pic>
-      <p:sp>
-        <p:nvSpPr>
-          <p:cNvPr id="72" name="텍스트 상자 65"/>
-          <p:cNvSpPr txBox="1">
-            <a:spLocks/>
-          </p:cNvSpPr>
-          <p:nvPr/>
-        </p:nvSpPr>
-        <p:spPr>
-          <a:xfrm rot="0">
-            <a:off x="1223645" y="5240655"/>
-            <a:ext cx="4152265" cy="954405"/>
-          </a:xfrm>
-          <a:prstGeom prst="rect"/>
-          <a:noFill/>
-          <a:ln w="0">
-            <a:noFill/>
-            <a:prstDash/>
-          </a:ln>
-        </p:spPr>
-        <p:txBody>
-          <a:bodyPr wrap="square" lIns="89535" tIns="46355" rIns="89535" bIns="46355" numCol="1" vert="horz" anchor="t">
-            <a:spAutoFit/>
-          </a:bodyPr>
-          <a:lstStyle/>
-          <a:p>
-            <a:pPr marL="0" indent="0" rtl="0" algn="l" defTabSz="914400" eaLnBrk="1" latinLnBrk="0" hangingPunct="1">
-              <a:buFontTx/>
-              <a:buNone/>
-            </a:pPr>
-            <a:r>
-              <a:rPr lang="ko-KR" sz="2000" b="1">
-                <a:solidFill>
-                  <a:srgbClr val="0611F2"/>
-                </a:solidFill>
-                <a:latin typeface="맑은 고딕" charset="0"/>
-                <a:ea typeface="맑은 고딕" charset="0"/>
-              </a:rPr>
-              <a:t>35.</a:t>
-            </a:r>
-            <a:r>
-              <a:rPr lang="ko-KR" sz="2000">
-                <a:solidFill>
-                  <a:srgbClr val="0611F2"/>
-                </a:solidFill>
-                <a:latin typeface="맑은 고딕" charset="0"/>
-                <a:ea typeface="맑은 고딕" charset="0"/>
-              </a:rPr>
-              <a:t> </a:t>
-            </a:r>
-            <a:r>
-              <a:rPr lang="ko-KR" sz="1800">
-                <a:latin typeface="맑은 고딕" charset="0"/>
-                <a:ea typeface="맑은 고딕" charset="0"/>
-              </a:rPr>
-              <a:t>그러고 나서 Sign In </a:t>
-            </a:r>
-            <a:r>
-              <a:rPr lang="ko-KR" sz="1800">
-                <a:latin typeface="맑은 고딕" charset="0"/>
-                <a:ea typeface="맑은 고딕" charset="0"/>
-              </a:rPr>
-              <a:t>Button</a:t>
-            </a:r>
-            <a:r>
-              <a:rPr lang="ko-KR" sz="1800">
-                <a:latin typeface="맑은 고딕" charset="0"/>
-                <a:ea typeface="맑은 고딕" charset="0"/>
-              </a:rPr>
-              <a:t> </a:t>
-            </a:r>
-            <a:r>
-              <a:rPr lang="ko-KR" sz="1800">
-                <a:latin typeface="맑은 고딕" charset="0"/>
-                <a:ea typeface="맑은 고딕" charset="0"/>
-              </a:rPr>
-              <a:t>오브젝트의</a:t>
-            </a:r>
-            <a:r>
-              <a:rPr lang="ko-KR" sz="1800">
-                <a:latin typeface="맑은 고딕" charset="0"/>
-                <a:ea typeface="맑은 고딕" charset="0"/>
-              </a:rPr>
-              <a:t> </a:t>
-            </a:r>
-            <a:r>
-              <a:rPr lang="ko-KR" sz="1800">
-                <a:latin typeface="맑은 고딕" charset="0"/>
-                <a:ea typeface="맑은 고딕" charset="0"/>
-              </a:rPr>
-              <a:t>앵커를</a:t>
-            </a:r>
-            <a:r>
-              <a:rPr lang="ko-KR" sz="1800">
-                <a:latin typeface="맑은 고딕" charset="0"/>
-                <a:ea typeface="맑은 고딕" charset="0"/>
-              </a:rPr>
-              <a:t> </a:t>
-            </a:r>
-            <a:r>
-              <a:rPr lang="ko-KR" sz="1800">
-                <a:latin typeface="맑은 고딕" charset="0"/>
-                <a:ea typeface="맑은 고딕" charset="0"/>
-              </a:rPr>
-              <a:t>지정하고 </a:t>
-            </a:r>
-            <a:r>
-              <a:rPr lang="ko-KR" sz="1800">
-                <a:latin typeface="맑은 고딕" charset="0"/>
-                <a:ea typeface="맑은 고딕" charset="0"/>
-              </a:rPr>
-              <a:t>위치와 </a:t>
-            </a:r>
-            <a:r>
-              <a:rPr lang="ko-KR" sz="1800">
-                <a:latin typeface="맑은 고딕" charset="0"/>
-                <a:ea typeface="맑은 고딕" charset="0"/>
-              </a:rPr>
-              <a:t>크기를</a:t>
-            </a:r>
-            <a:r>
-              <a:rPr lang="ko-KR" sz="1800">
-                <a:latin typeface="맑은 고딕" charset="0"/>
-                <a:ea typeface="맑은 고딕" charset="0"/>
-              </a:rPr>
-              <a:t> 설정합니다.</a:t>
-            </a:r>
-            <a:endParaRPr lang="ko-KR" altLang="en-US" sz="1800">
-              <a:latin typeface="맑은 고딕" charset="0"/>
-              <a:ea typeface="맑은 고딕" charset="0"/>
-            </a:endParaRPr>
-          </a:p>
-        </p:txBody>
-      </p:sp>
-      <p:sp>
-        <p:nvSpPr>
-          <p:cNvPr id="73" name="텍스트 상자 66"/>
-          <p:cNvSpPr txBox="1">
-            <a:spLocks/>
-          </p:cNvSpPr>
-          <p:nvPr/>
-        </p:nvSpPr>
-        <p:spPr>
-          <a:xfrm rot="0">
-            <a:off x="6813550" y="2754630"/>
-            <a:ext cx="4144010" cy="954405"/>
-          </a:xfrm>
-          <a:prstGeom prst="rect"/>
-          <a:noFill/>
-          <a:ln w="0">
-            <a:noFill/>
-            <a:prstDash/>
-          </a:ln>
-        </p:spPr>
-        <p:txBody>
-          <a:bodyPr wrap="square" lIns="89535" tIns="46355" rIns="89535" bIns="46355" numCol="1" vert="horz" anchor="t">
-            <a:spAutoFit/>
-          </a:bodyPr>
-          <a:lstStyle/>
-          <a:p>
-            <a:pPr marL="0" indent="0" rtl="0" algn="l" defTabSz="914400" eaLnBrk="1" latinLnBrk="0" hangingPunct="1">
-              <a:buFontTx/>
-              <a:buNone/>
-            </a:pPr>
-            <a:r>
-              <a:rPr lang="ko-KR" sz="2000" b="1">
-                <a:solidFill>
-                  <a:srgbClr val="0611F2"/>
-                </a:solidFill>
-                <a:latin typeface="맑은 고딕" charset="0"/>
-                <a:ea typeface="맑은 고딕" charset="0"/>
-              </a:rPr>
-              <a:t>36.</a:t>
-            </a:r>
-            <a:r>
-              <a:rPr lang="ko-KR" sz="2000">
-                <a:solidFill>
-                  <a:srgbClr val="0611F2"/>
-                </a:solidFill>
-                <a:latin typeface="맑은 고딕" charset="0"/>
-                <a:ea typeface="맑은 고딕" charset="0"/>
-              </a:rPr>
-              <a:t> </a:t>
-            </a:r>
-            <a:r>
-              <a:rPr sz="1800">
-                <a:latin typeface="맑은 고딕" charset="0"/>
-                <a:ea typeface="맑은 고딕" charset="0"/>
-              </a:rPr>
-              <a:t>그런 다음 Sign In Button </a:t>
-            </a:r>
-            <a:r>
-              <a:rPr sz="1800">
-                <a:latin typeface="맑은 고딕" charset="0"/>
-                <a:ea typeface="맑은 고딕" charset="0"/>
-              </a:rPr>
-              <a:t>오브젝트의</a:t>
-            </a:r>
-            <a:r>
-              <a:rPr sz="1800">
-                <a:latin typeface="맑은 고딕" charset="0"/>
-                <a:ea typeface="맑은 고딕" charset="0"/>
-              </a:rPr>
-              <a:t> </a:t>
-            </a:r>
-            <a:r>
-              <a:rPr sz="1800">
-                <a:latin typeface="맑은 고딕" charset="0"/>
-                <a:ea typeface="맑은 고딕" charset="0"/>
-              </a:rPr>
-              <a:t>On</a:t>
-            </a:r>
-            <a:r>
-              <a:rPr sz="1800">
-                <a:latin typeface="맑은 고딕" charset="0"/>
-                <a:ea typeface="맑은 고딕" charset="0"/>
-              </a:rPr>
-              <a:t> </a:t>
-            </a:r>
-            <a:r>
-              <a:rPr sz="1800">
-                <a:latin typeface="맑은 고딕" charset="0"/>
-                <a:ea typeface="맑은 고딕" charset="0"/>
-              </a:rPr>
-              <a:t>Click(</a:t>
-            </a:r>
-            <a:r>
-              <a:rPr sz="1800">
-                <a:latin typeface="맑은 고딕" charset="0"/>
-                <a:ea typeface="맑은 고딕" charset="0"/>
-              </a:rPr>
-              <a:t> ) 함수에 </a:t>
-            </a:r>
-            <a:r>
-              <a:rPr sz="1800">
-                <a:latin typeface="맑은 고딕" charset="0"/>
-                <a:ea typeface="맑은 고딕" charset="0"/>
-              </a:rPr>
-              <a:t>P</a:t>
-            </a:r>
-            <a:r>
-              <a:rPr sz="1800">
-                <a:latin typeface="맑은 고딕" charset="0"/>
-                <a:ea typeface="맑은 고딕" charset="0"/>
-              </a:rPr>
-              <a:t>hoton </a:t>
-            </a:r>
-            <a:r>
-              <a:rPr sz="1800">
-                <a:latin typeface="맑은 고딕" charset="0"/>
-                <a:ea typeface="맑은 고딕" charset="0"/>
-              </a:rPr>
-              <a:t>S</a:t>
-            </a:r>
-            <a:r>
-              <a:rPr lang="ko-KR" sz="1800">
-                <a:latin typeface="맑은 고딕" charset="0"/>
-                <a:ea typeface="맑은 고딕" charset="0"/>
-              </a:rPr>
-              <a:t>e</a:t>
-            </a:r>
-            <a:r>
-              <a:rPr lang="ko-KR" sz="1800">
-                <a:latin typeface="맑은 고딕" charset="0"/>
-                <a:ea typeface="맑은 고딕" charset="0"/>
-              </a:rPr>
-              <a:t>tting</a:t>
-            </a:r>
-            <a:r>
-              <a:rPr sz="1800">
-                <a:latin typeface="맑은 고딕" charset="0"/>
-                <a:ea typeface="맑은 고딕" charset="0"/>
-              </a:rPr>
-              <a:t> </a:t>
-            </a:r>
-            <a:r>
-              <a:rPr sz="1800">
-                <a:latin typeface="맑은 고딕" charset="0"/>
-                <a:ea typeface="맑은 고딕" charset="0"/>
-              </a:rPr>
-              <a:t>오브젝트를</a:t>
-            </a:r>
-            <a:r>
-              <a:rPr sz="1800">
-                <a:latin typeface="맑은 고딕" charset="0"/>
-                <a:ea typeface="맑은 고딕" charset="0"/>
-              </a:rPr>
-              <a:t> 넣어줍니다.</a:t>
-            </a:r>
-            <a:endParaRPr lang="ko-KR" altLang="en-US" sz="1800">
-              <a:latin typeface="맑은 고딕" charset="0"/>
-              <a:ea typeface="맑은 고딕" charset="0"/>
-            </a:endParaRPr>
-          </a:p>
-        </p:txBody>
-      </p:sp>
-      <p:pic>
-        <p:nvPicPr>
-          <p:cNvPr id="74" name="그림 67" descr="C:/Users/Admin1/AppData/Roaming/PolarisOffice/ETemp/18644_16045856/fImage119753612995.png"/>
-          <p:cNvPicPr>
-            <a:picLocks noChangeAspect="1"/>
-          </p:cNvPicPr>
-          <p:nvPr/>
-        </p:nvPicPr>
-        <p:blipFill rotWithShape="1">
-          <a:blip r:embed="rId6" cstate="print">
-            <a:extLst>
-              <a:ext uri="{28A0092B-C50C-407E-A947-70E740481C1C}">
-                <a14:useLocalDpi xmlns:a14="http://schemas.microsoft.com/office/drawing/2010/main" val="0"/>
-              </a:ext>
-            </a:extLst>
-          </a:blip>
-          <a:stretch>
-            <a:fillRect/>
-          </a:stretch>
-        </p:blipFill>
-        <p:spPr>
-          <a:xfrm rot="0">
-            <a:off x="1233170" y="3540125"/>
-            <a:ext cx="4133850" cy="1585595"/>
-          </a:xfrm>
-          <a:prstGeom prst="roundRect"/>
-          <a:solidFill>
-            <a:srgbClr val="EDEDED"/>
-          </a:solidFill>
-        </p:spPr>
-      </p:pic>
       <p:cxnSp>
         <p:nvCxnSpPr>
-          <p:cNvPr id="75" name="도형 70"/>
+          <p:cNvPr id="64" name="도형 50"/>
           <p:cNvCxnSpPr/>
           <p:nvPr/>
         </p:nvCxnSpPr>
         <p:spPr>
           <a:xfrm rot="0" flipV="1">
-            <a:off x="7830185" y="2145030"/>
-            <a:ext cx="1206500" cy="396875"/>
+            <a:off x="7839075" y="2127885"/>
+            <a:ext cx="3032760" cy="52070"/>
           </a:xfrm>
           <a:prstGeom prst="straightConnector1"/>
           <a:ln w="6350" cap="flat" cmpd="sng">
@@ -13284,17 +12697,17 @@
       </p:cxnSp>
       <p:pic>
         <p:nvPicPr>
-          <p:cNvPr id="76" name="그림 71" descr="C:/Users/Admin1/AppData/Roaming/PolarisOffice/ETemp/18644_16045856/fImage56133631942.png"/>
+          <p:cNvPr id="65" name="그림 51"/>
           <p:cNvPicPr>
             <a:picLocks noChangeAspect="1"/>
           </p:cNvPicPr>
           <p:nvPr/>
         </p:nvPicPr>
         <p:blipFill rotWithShape="1">
-          <a:blip r:embed="rId7" cstate="print">
+          <a:blip r:embed="rId13" cstate="hqprint">
             <a:extLst>
               <a:ext uri="{28A0092B-C50C-407E-A947-70E740481C1C}">
-                <a14:useLocalDpi xmlns:a14="http://schemas.microsoft.com/office/drawing/2010/main" val="0"/>
+                <a14:useLocalDpi xmlns:a14="http://schemas.microsoft.com/office/drawing/2010/main"/>
               </a:ext>
             </a:extLst>
           </a:blip>
@@ -13304,8 +12717,8 @@
         </p:blipFill>
         <p:spPr>
           <a:xfrm rot="0">
-            <a:off x="6813550" y="3816350"/>
-            <a:ext cx="4152265" cy="1326515"/>
+            <a:off x="6822440" y="3781425"/>
+            <a:ext cx="4143375" cy="1378585"/>
           </a:xfrm>
           <a:prstGeom prst="roundRect"/>
           <a:solidFill>
@@ -13313,6 +12726,133 @@
           </a:solidFill>
         </p:spPr>
       </p:pic>
+      <p:sp>
+        <p:nvSpPr>
+          <p:cNvPr id="67" name="텍스트 상자 53"/>
+          <p:cNvSpPr txBox="1">
+            <a:spLocks/>
+          </p:cNvSpPr>
+          <p:nvPr/>
+        </p:nvSpPr>
+        <p:spPr>
+          <a:xfrm rot="0">
+            <a:off x="6825615" y="5232400"/>
+            <a:ext cx="4140200" cy="954405"/>
+          </a:xfrm>
+          <a:prstGeom prst="rect"/>
+          <a:noFill/>
+          <a:ln w="0">
+            <a:noFill/>
+            <a:prstDash/>
+          </a:ln>
+        </p:spPr>
+        <p:txBody>
+          <a:bodyPr wrap="square" lIns="89535" tIns="46355" rIns="89535" bIns="46355" numCol="1" vert="horz" anchor="t">
+            <a:spAutoFit/>
+          </a:bodyPr>
+          <a:lstStyle/>
+          <a:p>
+            <a:pPr marL="0" indent="0" rtl="0" algn="l" defTabSz="914400" eaLnBrk="1" latinLnBrk="0" hangingPunct="1">
+              <a:buFontTx/>
+              <a:buNone/>
+            </a:pPr>
+            <a:r>
+              <a:rPr lang="ko-KR" sz="2000" b="1">
+                <a:solidFill>
+                  <a:srgbClr val="0611F2"/>
+                </a:solidFill>
+                <a:latin typeface="맑은 고딕" charset="0"/>
+                <a:ea typeface="맑은 고딕" charset="0"/>
+              </a:rPr>
+              <a:t>35.</a:t>
+            </a:r>
+            <a:r>
+              <a:rPr lang="ko-KR" sz="2000">
+                <a:solidFill>
+                  <a:srgbClr val="0611F2"/>
+                </a:solidFill>
+                <a:latin typeface="맑은 고딕" charset="0"/>
+                <a:ea typeface="맑은 고딕" charset="0"/>
+              </a:rPr>
+              <a:t> </a:t>
+            </a:r>
+            <a:r>
+              <a:rPr lang="ko-KR" sz="1800">
+                <a:latin typeface="맑은 고딕" charset="0"/>
+                <a:ea typeface="맑은 고딕" charset="0"/>
+              </a:rPr>
+              <a:t>그다음으로 Email Input </a:t>
+            </a:r>
+            <a:r>
+              <a:rPr lang="ko-KR" sz="1800">
+                <a:latin typeface="맑은 고딕" charset="0"/>
+                <a:ea typeface="맑은 고딕" charset="0"/>
+              </a:rPr>
+              <a:t>오브젝트의</a:t>
+            </a:r>
+            <a:r>
+              <a:rPr lang="ko-KR" sz="1800">
+                <a:latin typeface="맑은 고딕" charset="0"/>
+                <a:ea typeface="맑은 고딕" charset="0"/>
+              </a:rPr>
+              <a:t> </a:t>
+            </a:r>
+            <a:r>
+              <a:rPr lang="ko-KR" sz="1800">
+                <a:latin typeface="맑은 고딕" charset="0"/>
+                <a:ea typeface="맑은 고딕" charset="0"/>
+              </a:rPr>
+              <a:t>앵커를</a:t>
+            </a:r>
+            <a:r>
+              <a:rPr lang="ko-KR" sz="1800">
+                <a:latin typeface="맑은 고딕" charset="0"/>
+                <a:ea typeface="맑은 고딕" charset="0"/>
+              </a:rPr>
+              <a:t> </a:t>
+            </a:r>
+            <a:r>
+              <a:rPr lang="ko-KR" sz="1800">
+                <a:latin typeface="맑은 고딕" charset="0"/>
+                <a:ea typeface="맑은 고딕" charset="0"/>
+              </a:rPr>
+              <a:t>지정하고</a:t>
+            </a:r>
+            <a:r>
+              <a:rPr lang="ko-KR" sz="1800">
+                <a:latin typeface="맑은 고딕" charset="0"/>
+                <a:ea typeface="맑은 고딕" charset="0"/>
+              </a:rPr>
+              <a:t> 위치와 </a:t>
+            </a:r>
+            <a:r>
+              <a:rPr lang="ko-KR" sz="1800">
+                <a:latin typeface="맑은 고딕" charset="0"/>
+                <a:ea typeface="맑은 고딕" charset="0"/>
+              </a:rPr>
+              <a:t>크기를</a:t>
+            </a:r>
+            <a:r>
+              <a:rPr lang="ko-KR" sz="1800">
+                <a:latin typeface="맑은 고딕" charset="0"/>
+                <a:ea typeface="맑은 고딕" charset="0"/>
+              </a:rPr>
+              <a:t> </a:t>
+            </a:r>
+            <a:r>
+              <a:rPr lang="ko-KR" sz="1800">
+                <a:latin typeface="맑은 고딕" charset="0"/>
+                <a:ea typeface="맑은 고딕" charset="0"/>
+              </a:rPr>
+              <a:t>설정합니다.</a:t>
+            </a:r>
+            <a:endParaRPr lang="ko-KR" altLang="en-US" sz="1800">
+              <a:latin typeface="맑은 고딕" charset="0"/>
+              <a:ea typeface="맑은 고딕" charset="0"/>
+            </a:endParaRPr>
+          </a:p>
+        </p:txBody>
+      </p:sp>
     </p:spTree>
   </p:cSld>
   <p:clrMapOvr>
@@ -13337,7 +12877,7 @@
 </file>
 
 <file path=ppt/slides/slide17.xml><?xml version="1.0" encoding="utf-8"?>
-<p:sld xmlns:a="http://schemas.openxmlformats.org/drawingml/2006/main" xmlns:r="http://schemas.openxmlformats.org/officeDocument/2006/relationships" xmlns:p="http://schemas.openxmlformats.org/presentationml/2006/main">
+<p:sld xmlns:a="http://schemas.openxmlformats.org/drawingml/2006/main" xmlns:r="http://schemas.openxmlformats.org/officeDocument/2006/relationships" xmlns:p="http://schemas.openxmlformats.org/presentationml/2006/main" xmlns:p14="http://schemas.microsoft.com/office/powerpoint/2010/main">
   <p:cSld>
     <p:spTree>
       <p:nvGrpSpPr>
@@ -13399,9 +12939,9 @@
           <p:nvPr/>
         </p:nvSpPr>
         <p:spPr>
-          <a:xfrm rot="0">
+          <a:xfrm>
             <a:off x="4334510" y="398780"/>
-            <a:ext cx="3521710" cy="554990"/>
+            <a:ext cx="3522345" cy="554990"/>
           </a:xfrm>
           <a:prstGeom prst="rect"/>
           <a:noFill/>
@@ -13457,9 +12997,9 @@
           <p:nvPr/>
         </p:nvSpPr>
         <p:spPr>
-          <a:xfrm rot="0">
-            <a:off x="1231900" y="2696210"/>
-            <a:ext cx="4144010" cy="954405"/>
+          <a:xfrm>
+            <a:off x="1231900" y="2714625"/>
+            <a:ext cx="4127500" cy="954405"/>
           </a:xfrm>
           <a:prstGeom prst="rect"/>
           <a:noFill/>
@@ -13486,7 +13026,7 @@
                 <a:latin typeface="맑은 고딕" charset="0"/>
                 <a:ea typeface="맑은 고딕" charset="0"/>
               </a:rPr>
-              <a:t>38.</a:t>
+              <a:t>36.</a:t>
             </a:r>
             <a:r>
               <a:rPr lang="ko-KR" sz="2000">
@@ -13503,14 +13043,14 @@
                 <a:latin typeface="맑은 고딕" charset="0"/>
                 <a:ea typeface="맑은 고딕" charset="0"/>
               </a:rPr>
-              <a:t>이제 Photon Setting </a:t>
-            </a:r>
-            <a:r>
-              <a:rPr lang="ko-KR" sz="1800">
-                <a:latin typeface="맑은 고딕" charset="0"/>
-                <a:ea typeface="맑은 고딕" charset="0"/>
-              </a:rPr>
-              <a:t>스크립트에</a:t>
+              <a:t>그러고 나서 Sign In Button </a:t>
+            </a:r>
+            <a:r>
+              <a:rPr lang="ko-KR" sz="1800">
+                <a:latin typeface="맑은 고딕" charset="0"/>
+                <a:ea typeface="맑은 고딕" charset="0"/>
+              </a:rPr>
+              <a:t>오브젝트의</a:t>
             </a:r>
             <a:r>
               <a:rPr lang="ko-KR" sz="1800">
@@ -13524,77 +13064,21 @@
                 <a:latin typeface="맑은 고딕" charset="0"/>
                 <a:ea typeface="맑은 고딕" charset="0"/>
               </a:rPr>
-              <a:t>있는</a:t>
-            </a:r>
-            <a:r>
-              <a:rPr lang="ko-KR" sz="1800">
-                <a:latin typeface="맑은 고딕" charset="0"/>
-                <a:ea typeface="맑은 고딕" charset="0"/>
-              </a:rPr>
-              <a:t> </a:t>
-            </a:r>
-            <a:r>
-              <a:rPr lang="ko-KR" sz="1800">
-                <a:latin typeface="맑은 고딕" charset="0"/>
-                <a:ea typeface="맑은 고딕" charset="0"/>
-              </a:rPr>
-              <a:t>Password</a:t>
-            </a:r>
-            <a:r>
-              <a:rPr lang="ko-KR" sz="1800">
-                <a:latin typeface="맑은 고딕" charset="0"/>
-                <a:ea typeface="맑은 고딕" charset="0"/>
-              </a:rPr>
-              <a:t> </a:t>
-            </a:r>
-            <a:r>
-              <a:rPr lang="ko-KR" sz="1800">
-                <a:latin typeface="맑은 고딕" charset="0"/>
-                <a:ea typeface="맑은 고딕" charset="0"/>
-              </a:rPr>
-              <a:t>변수에 Password</a:t>
-            </a:r>
-            <a:r>
-              <a:rPr lang="ko-KR" sz="1800">
-                <a:latin typeface="맑은 고딕" charset="0"/>
-                <a:ea typeface="맑은 고딕" charset="0"/>
-              </a:rPr>
-              <a:t> </a:t>
-            </a:r>
-            <a:r>
-              <a:rPr lang="ko-KR" sz="1800">
-                <a:latin typeface="맑은 고딕" charset="0"/>
-                <a:ea typeface="맑은 고딕" charset="0"/>
-              </a:rPr>
-              <a:t>InputField</a:t>
-            </a:r>
-            <a:r>
-              <a:rPr lang="ko-KR" sz="1800">
-                <a:latin typeface="맑은 고딕" charset="0"/>
-                <a:ea typeface="맑은 고딕" charset="0"/>
-              </a:rPr>
-              <a:t> </a:t>
-            </a:r>
-            <a:r>
-              <a:rPr lang="ko-KR" sz="1800">
-                <a:latin typeface="맑은 고딕" charset="0"/>
-                <a:ea typeface="맑은 고딕" charset="0"/>
-              </a:rPr>
-              <a:t>오브젝트를</a:t>
-            </a:r>
-            <a:r>
-              <a:rPr lang="ko-KR" sz="1800">
-                <a:latin typeface="맑은 고딕" charset="0"/>
-                <a:ea typeface="맑은 고딕" charset="0"/>
-              </a:rPr>
-              <a:t> </a:t>
-            </a:r>
-            <a:r>
-              <a:rPr lang="ko-KR" sz="1800">
-                <a:latin typeface="맑은 고딕" charset="0"/>
-                <a:ea typeface="맑은 고딕" charset="0"/>
-              </a:rPr>
-              <a:t>넣어줍니다.</a:t>
+              <a:t>OnClick(</a:t>
+            </a:r>
+            <a:r>
+              <a:rPr lang="ko-KR" sz="1800">
+                <a:latin typeface="맑은 고딕" charset="0"/>
+                <a:ea typeface="맑은 고딕" charset="0"/>
+              </a:rPr>
+              <a:t> ) 함수를 </a:t>
+            </a:r>
+            <a:r>
+              <a:rPr lang="ko-KR" sz="1800">
+                <a:latin typeface="맑은 고딕" charset="0"/>
+                <a:ea typeface="맑은 고딕" charset="0"/>
+              </a:rPr>
+              <a:t>추가합니다.</a:t>
             </a:r>
             <a:endParaRPr lang="ko-KR" altLang="en-US" sz="1800">
               <a:latin typeface="맑은 고딕" charset="0"/>
@@ -13613,8 +13097,8 @@
         </p:nvSpPr>
         <p:spPr>
           <a:xfrm rot="0">
-            <a:off x="6825615" y="5241290"/>
-            <a:ext cx="4123055" cy="954405"/>
+            <a:off x="6816725" y="5249545"/>
+            <a:ext cx="4149725" cy="954405"/>
           </a:xfrm>
           <a:prstGeom prst="rect"/>
           <a:noFill/>
@@ -13641,7 +13125,7 @@
                 <a:latin typeface="맑은 고딕" charset="0"/>
                 <a:ea typeface="맑은 고딕" charset="0"/>
               </a:rPr>
-              <a:t>41.</a:t>
+              <a:t>39.</a:t>
             </a:r>
             <a:r>
               <a:rPr lang="ko-KR" sz="2000">
@@ -13658,14 +13142,28 @@
                 <a:latin typeface="맑은 고딕" charset="0"/>
                 <a:ea typeface="맑은 고딕" charset="0"/>
               </a:rPr>
-              <a:t>그러고 나서 Sign Up Button </a:t>
-            </a:r>
-            <a:r>
-              <a:rPr lang="ko-KR" sz="1800">
-                <a:latin typeface="맑은 고딕" charset="0"/>
-                <a:ea typeface="맑은 고딕" charset="0"/>
-              </a:rPr>
-              <a:t>오브젝트의</a:t>
+              <a:t>그런 다음 </a:t>
+            </a:r>
+            <a:r>
+              <a:rPr sz="1800">
+                <a:latin typeface="맑은 고딕" charset="0"/>
+                <a:ea typeface="맑은 고딕" charset="0"/>
+              </a:rPr>
+              <a:t>Sign In Button </a:t>
+            </a:r>
+            <a:r>
+              <a:rPr sz="1800">
+                <a:latin typeface="맑은 고딕" charset="0"/>
+                <a:ea typeface="맑은 고딕" charset="0"/>
+              </a:rPr>
+              <a:t>오브젝트</a:t>
+            </a:r>
+            <a:r>
+              <a:rPr lang="ko-KR" sz="1800">
+                <a:latin typeface="맑은 고딕" charset="0"/>
+                <a:ea typeface="맑은 고딕" charset="0"/>
+              </a:rPr>
+              <a:t>에</a:t>
             </a:r>
             <a:r>
               <a:rPr lang="ko-KR" sz="1800">
@@ -13679,7 +13177,42 @@
                 <a:latin typeface="맑은 고딕" charset="0"/>
                 <a:ea typeface="맑은 고딕" charset="0"/>
               </a:rPr>
-              <a:t>앵커를</a:t>
+              <a:t>있는</a:t>
+            </a:r>
+            <a:r>
+              <a:rPr sz="1800">
+                <a:latin typeface="맑은 고딕" charset="0"/>
+                <a:ea typeface="맑은 고딕" charset="0"/>
+              </a:rPr>
+              <a:t> On Click( ) 함수에 </a:t>
+            </a:r>
+            <a:r>
+              <a:rPr sz="1800">
+                <a:latin typeface="맑은 고딕" charset="0"/>
+                <a:ea typeface="맑은 고딕" charset="0"/>
+              </a:rPr>
+              <a:t>Login(</a:t>
+            </a:r>
+            <a:r>
+              <a:rPr sz="1800">
+                <a:latin typeface="맑은 고딕" charset="0"/>
+                <a:ea typeface="맑은 고딕" charset="0"/>
+              </a:rPr>
+              <a:t> ) </a:t>
+            </a:r>
+            <a:r>
+              <a:rPr sz="1800">
+                <a:latin typeface="맑은 고딕" charset="0"/>
+                <a:ea typeface="맑은 고딕" charset="0"/>
+              </a:rPr>
+              <a:t>함수</a:t>
+            </a:r>
+            <a:r>
+              <a:rPr lang="ko-KR" sz="1800">
+                <a:latin typeface="맑은 고딕" charset="0"/>
+                <a:ea typeface="맑은 고딕" charset="0"/>
+              </a:rPr>
+              <a:t>를</a:t>
             </a:r>
             <a:r>
               <a:rPr lang="ko-KR" sz="1800">
@@ -13689,32 +13222,11 @@
               <a:t> </a:t>
             </a:r>
             <a:r>
-              <a:rPr lang="ko-KR" sz="1800">
-                <a:latin typeface="맑은 고딕" charset="0"/>
-                <a:ea typeface="맑은 고딕" charset="0"/>
-              </a:rPr>
-              <a:t>지정하고 </a:t>
-            </a:r>
-            <a:r>
-              <a:rPr lang="ko-KR" sz="1800">
-                <a:latin typeface="맑은 고딕" charset="0"/>
-                <a:ea typeface="맑은 고딕" charset="0"/>
-              </a:rPr>
-              <a:t>위치와 </a:t>
-            </a:r>
-            <a:r>
-              <a:rPr lang="ko-KR" sz="1800">
-                <a:latin typeface="맑은 고딕" charset="0"/>
-                <a:ea typeface="맑은 고딕" charset="0"/>
-              </a:rPr>
-              <a:t>크기를</a:t>
-            </a:r>
-            <a:r>
-              <a:rPr lang="ko-KR" sz="1800">
-                <a:latin typeface="맑은 고딕" charset="0"/>
-                <a:ea typeface="맑은 고딕" charset="0"/>
-              </a:rPr>
-              <a:t> 설정합니다.</a:t>
+              <a:rPr sz="1800">
+                <a:latin typeface="맑은 고딕" charset="0"/>
+                <a:ea typeface="맑은 고딕" charset="0"/>
+              </a:rPr>
+              <a:t>등록합니다.</a:t>
             </a:r>
             <a:endParaRPr lang="ko-KR" altLang="en-US" sz="1800">
               <a:latin typeface="맑은 고딕" charset="0"/>
@@ -13725,17 +13237,17 @@
       </p:sp>
       <p:pic>
         <p:nvPicPr>
-          <p:cNvPr id="68" name="그림 74" descr="C:/Users/Admin1/AppData/Roaming/PolarisOffice/ETemp/18644_16045856/fImage101733774827.png"/>
+          <p:cNvPr id="68" name="그림 55"/>
           <p:cNvPicPr>
             <a:picLocks noChangeAspect="1"/>
           </p:cNvPicPr>
           <p:nvPr/>
         </p:nvPicPr>
         <p:blipFill rotWithShape="1">
-          <a:blip r:embed="rId2" cstate="print">
+          <a:blip r:embed="rId2" cstate="hqprint">
             <a:extLst>
               <a:ext uri="{28A0092B-C50C-407E-A947-70E740481C1C}">
-                <a14:useLocalDpi xmlns:a14="http://schemas.microsoft.com/office/drawing/2010/main" val="0"/>
+                <a14:useLocalDpi xmlns:a14="http://schemas.microsoft.com/office/drawing/2010/main"/>
               </a:ext>
             </a:extLst>
           </a:blip>
@@ -13745,8 +13257,8 @@
         </p:blipFill>
         <p:spPr>
           <a:xfrm rot="0">
-            <a:off x="2661920" y="1447165"/>
-            <a:ext cx="2713990" cy="1154430"/>
+            <a:off x="2609850" y="1438275"/>
+            <a:ext cx="2757170" cy="1163320"/>
           </a:xfrm>
           <a:prstGeom prst="roundRect"/>
           <a:solidFill>
@@ -13756,7 +13268,7 @@
       </p:pic>
       <p:pic>
         <p:nvPicPr>
-          <p:cNvPr id="69" name="그림 77" descr="C:/Users/Admin1/AppData/Roaming/PolarisOffice/ETemp/18644_16045856/fImage81193785436.png"/>
+          <p:cNvPr id="69" name="그림 56"/>
           <p:cNvPicPr>
             <a:picLocks noChangeAspect="1"/>
           </p:cNvPicPr>
@@ -13776,8 +13288,8 @@
         </p:blipFill>
         <p:spPr>
           <a:xfrm rot="0">
-            <a:off x="1231900" y="1447165"/>
-            <a:ext cx="1301750" cy="1162685"/>
+            <a:off x="1231900" y="1440815"/>
+            <a:ext cx="1223645" cy="1169035"/>
           </a:xfrm>
           <a:prstGeom prst="roundRect"/>
           <a:solidFill>
@@ -13785,16 +13297,377 @@
           </a:solidFill>
         </p:spPr>
       </p:pic>
+      <p:pic>
+        <p:nvPicPr>
+          <p:cNvPr id="70" name="그림 59"/>
+          <p:cNvPicPr>
+            <a:picLocks noChangeAspect="1"/>
+          </p:cNvPicPr>
+          <p:nvPr/>
+        </p:nvPicPr>
+        <p:blipFill rotWithShape="1">
+          <a:blip r:embed="rId4" cstate="print">
+            <a:extLst>
+              <a:ext uri="{28A0092B-C50C-407E-A947-70E740481C1C}">
+                <a14:useLocalDpi xmlns:a14="http://schemas.microsoft.com/office/drawing/2010/main" val="0"/>
+              </a:ext>
+            </a:extLst>
+          </a:blip>
+          <a:stretch>
+            <a:fillRect/>
+          </a:stretch>
+        </p:blipFill>
+        <p:spPr>
+          <a:xfrm rot="0">
+            <a:off x="6813550" y="1449705"/>
+            <a:ext cx="1198245" cy="1186815"/>
+          </a:xfrm>
+          <a:prstGeom prst="roundRect"/>
+          <a:solidFill>
+            <a:srgbClr val="EDEDED"/>
+          </a:solidFill>
+        </p:spPr>
+      </p:pic>
+      <p:pic>
+        <p:nvPicPr>
+          <p:cNvPr id="71" name="그림 60"/>
+          <p:cNvPicPr>
+            <a:picLocks noChangeAspect="1"/>
+          </p:cNvPicPr>
+          <p:nvPr/>
+        </p:nvPicPr>
+        <p:blipFill rotWithShape="1">
+          <a:blip r:embed="rId5" cstate="print">
+            <a:extLst>
+              <a:ext uri="{28A0092B-C50C-407E-A947-70E740481C1C}">
+                <a14:useLocalDpi xmlns:a14="http://schemas.microsoft.com/office/drawing/2010/main" val="0"/>
+              </a:ext>
+            </a:extLst>
+          </a:blip>
+          <a:stretch>
+            <a:fillRect/>
+          </a:stretch>
+        </p:blipFill>
+        <p:spPr>
+          <a:xfrm rot="0">
+            <a:off x="8131810" y="1447165"/>
+            <a:ext cx="2834005" cy="1188720"/>
+          </a:xfrm>
+          <a:prstGeom prst="roundRect"/>
+          <a:solidFill>
+            <a:srgbClr val="EDEDED"/>
+          </a:solidFill>
+        </p:spPr>
+      </p:pic>
+      <p:sp>
+        <p:nvSpPr>
+          <p:cNvPr id="72" name="텍스트 상자 65"/>
+          <p:cNvSpPr txBox="1">
+            <a:spLocks/>
+          </p:cNvSpPr>
+          <p:nvPr/>
+        </p:nvSpPr>
+        <p:spPr>
+          <a:xfrm rot="0">
+            <a:off x="1223645" y="5240655"/>
+            <a:ext cx="4152900" cy="954405"/>
+          </a:xfrm>
+          <a:prstGeom prst="rect"/>
+          <a:noFill/>
+          <a:ln w="0">
+            <a:noFill/>
+            <a:prstDash/>
+          </a:ln>
+        </p:spPr>
+        <p:txBody>
+          <a:bodyPr wrap="square" lIns="89535" tIns="46355" rIns="89535" bIns="46355" numCol="1" vert="horz" anchor="t">
+            <a:spAutoFit/>
+          </a:bodyPr>
+          <a:lstStyle/>
+          <a:p>
+            <a:pPr marL="0" indent="0" rtl="0" algn="l" defTabSz="914400" eaLnBrk="1" latinLnBrk="0" hangingPunct="1">
+              <a:buFontTx/>
+              <a:buNone/>
+            </a:pPr>
+            <a:r>
+              <a:rPr lang="ko-KR" sz="2000" b="1">
+                <a:solidFill>
+                  <a:srgbClr val="0611F2"/>
+                </a:solidFill>
+                <a:latin typeface="맑은 고딕" charset="0"/>
+                <a:ea typeface="맑은 고딕" charset="0"/>
+              </a:rPr>
+              <a:t>37.</a:t>
+            </a:r>
+            <a:r>
+              <a:rPr lang="ko-KR" sz="2000">
+                <a:solidFill>
+                  <a:srgbClr val="0611F2"/>
+                </a:solidFill>
+                <a:latin typeface="맑은 고딕" charset="0"/>
+                <a:ea typeface="맑은 고딕" charset="0"/>
+              </a:rPr>
+              <a:t> </a:t>
+            </a:r>
+            <a:r>
+              <a:rPr lang="ko-KR" sz="1800">
+                <a:latin typeface="맑은 고딕" charset="0"/>
+                <a:ea typeface="맑은 고딕" charset="0"/>
+              </a:rPr>
+              <a:t>이제 Sign In Button </a:t>
+            </a:r>
+            <a:r>
+              <a:rPr lang="ko-KR" sz="1800">
+                <a:latin typeface="맑은 고딕" charset="0"/>
+                <a:ea typeface="맑은 고딕" charset="0"/>
+              </a:rPr>
+              <a:t>오브젝트의</a:t>
+            </a:r>
+            <a:r>
+              <a:rPr lang="ko-KR" sz="1800">
+                <a:latin typeface="맑은 고딕" charset="0"/>
+                <a:ea typeface="맑은 고딕" charset="0"/>
+              </a:rPr>
+              <a:t> </a:t>
+            </a:r>
+            <a:r>
+              <a:rPr lang="ko-KR" sz="1800">
+                <a:latin typeface="맑은 고딕" charset="0"/>
+                <a:ea typeface="맑은 고딕" charset="0"/>
+              </a:rPr>
+              <a:t>앵커를</a:t>
+            </a:r>
+            <a:r>
+              <a:rPr lang="ko-KR" sz="1800">
+                <a:latin typeface="맑은 고딕" charset="0"/>
+                <a:ea typeface="맑은 고딕" charset="0"/>
+              </a:rPr>
+              <a:t> </a:t>
+            </a:r>
+            <a:r>
+              <a:rPr lang="ko-KR" sz="1800">
+                <a:latin typeface="맑은 고딕" charset="0"/>
+                <a:ea typeface="맑은 고딕" charset="0"/>
+              </a:rPr>
+              <a:t>지정하고</a:t>
+            </a:r>
+            <a:r>
+              <a:rPr lang="ko-KR" sz="1800">
+                <a:latin typeface="맑은 고딕" charset="0"/>
+                <a:ea typeface="맑은 고딕" charset="0"/>
+              </a:rPr>
+              <a:t> 위치와 </a:t>
+            </a:r>
+            <a:r>
+              <a:rPr lang="ko-KR" sz="1800">
+                <a:latin typeface="맑은 고딕" charset="0"/>
+                <a:ea typeface="맑은 고딕" charset="0"/>
+              </a:rPr>
+              <a:t>크기를</a:t>
+            </a:r>
+            <a:r>
+              <a:rPr lang="ko-KR" sz="1800">
+                <a:latin typeface="맑은 고딕" charset="0"/>
+                <a:ea typeface="맑은 고딕" charset="0"/>
+              </a:rPr>
+              <a:t> </a:t>
+            </a:r>
+            <a:r>
+              <a:rPr lang="ko-KR" sz="1800">
+                <a:latin typeface="맑은 고딕" charset="0"/>
+                <a:ea typeface="맑은 고딕" charset="0"/>
+              </a:rPr>
+              <a:t>설정합니다.</a:t>
+            </a:r>
+            <a:endParaRPr lang="ko-KR" altLang="en-US" sz="1800">
+              <a:latin typeface="맑은 고딕" charset="0"/>
+              <a:ea typeface="맑은 고딕" charset="0"/>
+            </a:endParaRPr>
+          </a:p>
+        </p:txBody>
+      </p:sp>
+      <p:sp>
+        <p:nvSpPr>
+          <p:cNvPr id="73" name="텍스트 상자 66"/>
+          <p:cNvSpPr txBox="1">
+            <a:spLocks/>
+          </p:cNvSpPr>
+          <p:nvPr/>
+        </p:nvSpPr>
+        <p:spPr>
+          <a:xfrm>
+            <a:off x="6813550" y="2754630"/>
+            <a:ext cx="4144645" cy="954405"/>
+          </a:xfrm>
+          <a:prstGeom prst="rect"/>
+          <a:noFill/>
+          <a:ln w="0">
+            <a:noFill/>
+            <a:prstDash/>
+          </a:ln>
+        </p:spPr>
+        <p:txBody>
+          <a:bodyPr wrap="square" lIns="89535" tIns="46355" rIns="89535" bIns="46355" numCol="1" vert="horz" anchor="t">
+            <a:spAutoFit/>
+          </a:bodyPr>
+          <a:lstStyle/>
+          <a:p>
+            <a:pPr marL="0" indent="0" rtl="0" algn="l" defTabSz="914400" eaLnBrk="1" latinLnBrk="0" hangingPunct="1">
+              <a:buFontTx/>
+              <a:buNone/>
+            </a:pPr>
+            <a:r>
+              <a:rPr lang="ko-KR" sz="2000" b="1">
+                <a:solidFill>
+                  <a:srgbClr val="0611F2"/>
+                </a:solidFill>
+                <a:latin typeface="맑은 고딕" charset="0"/>
+                <a:ea typeface="맑은 고딕" charset="0"/>
+              </a:rPr>
+              <a:t>38.</a:t>
+            </a:r>
+            <a:r>
+              <a:rPr lang="ko-KR" sz="2000">
+                <a:solidFill>
+                  <a:srgbClr val="0611F2"/>
+                </a:solidFill>
+                <a:latin typeface="맑은 고딕" charset="0"/>
+                <a:ea typeface="맑은 고딕" charset="0"/>
+              </a:rPr>
+              <a:t> </a:t>
+            </a:r>
+            <a:r>
+              <a:rPr sz="1800">
+                <a:latin typeface="맑은 고딕" charset="0"/>
+                <a:ea typeface="맑은 고딕" charset="0"/>
+              </a:rPr>
+              <a:t>그리고 Sign In Button </a:t>
+            </a:r>
+            <a:r>
+              <a:rPr sz="1800">
+                <a:latin typeface="맑은 고딕" charset="0"/>
+                <a:ea typeface="맑은 고딕" charset="0"/>
+              </a:rPr>
+              <a:t>오브젝트의</a:t>
+            </a:r>
+            <a:r>
+              <a:rPr sz="1800">
+                <a:latin typeface="맑은 고딕" charset="0"/>
+                <a:ea typeface="맑은 고딕" charset="0"/>
+              </a:rPr>
+              <a:t> </a:t>
+            </a:r>
+            <a:r>
+              <a:rPr sz="1800">
+                <a:latin typeface="맑은 고딕" charset="0"/>
+                <a:ea typeface="맑은 고딕" charset="0"/>
+              </a:rPr>
+              <a:t>On</a:t>
+            </a:r>
+            <a:r>
+              <a:rPr sz="1800">
+                <a:latin typeface="맑은 고딕" charset="0"/>
+                <a:ea typeface="맑은 고딕" charset="0"/>
+              </a:rPr>
+              <a:t> </a:t>
+            </a:r>
+            <a:r>
+              <a:rPr sz="1800">
+                <a:latin typeface="맑은 고딕" charset="0"/>
+                <a:ea typeface="맑은 고딕" charset="0"/>
+              </a:rPr>
+              <a:t>Click(</a:t>
+            </a:r>
+            <a:r>
+              <a:rPr sz="1800">
+                <a:latin typeface="맑은 고딕" charset="0"/>
+                <a:ea typeface="맑은 고딕" charset="0"/>
+              </a:rPr>
+              <a:t> ) 함수에 Photon </a:t>
+            </a:r>
+            <a:r>
+              <a:rPr sz="1800">
+                <a:latin typeface="맑은 고딕" charset="0"/>
+                <a:ea typeface="맑은 고딕" charset="0"/>
+              </a:rPr>
+              <a:t>S</a:t>
+            </a:r>
+            <a:r>
+              <a:rPr lang="ko-KR" sz="1800">
+                <a:latin typeface="맑은 고딕" charset="0"/>
+                <a:ea typeface="맑은 고딕" charset="0"/>
+              </a:rPr>
+              <a:t>etting</a:t>
+            </a:r>
+            <a:r>
+              <a:rPr sz="1800">
+                <a:latin typeface="맑은 고딕" charset="0"/>
+                <a:ea typeface="맑은 고딕" charset="0"/>
+              </a:rPr>
+              <a:t> </a:t>
+            </a:r>
+            <a:r>
+              <a:rPr sz="1800">
+                <a:latin typeface="맑은 고딕" charset="0"/>
+                <a:ea typeface="맑은 고딕" charset="0"/>
+              </a:rPr>
+              <a:t>오브젝트를</a:t>
+            </a:r>
+            <a:r>
+              <a:rPr sz="1800">
+                <a:latin typeface="맑은 고딕" charset="0"/>
+                <a:ea typeface="맑은 고딕" charset="0"/>
+              </a:rPr>
+              <a:t> 넣어줍니다.</a:t>
+            </a:r>
+            <a:endParaRPr lang="ko-KR" altLang="en-US" sz="1800">
+              <a:latin typeface="맑은 고딕" charset="0"/>
+              <a:ea typeface="맑은 고딕" charset="0"/>
+            </a:endParaRPr>
+          </a:p>
+        </p:txBody>
+      </p:sp>
+      <p:pic>
+        <p:nvPicPr>
+          <p:cNvPr id="74" name="그림 67" descr="C:/Users/Admin1/AppData/Roaming/PolarisOffice/ETemp/12940_6238040/fImage119753612995.png"/>
+          <p:cNvPicPr>
+            <a:picLocks noChangeAspect="1"/>
+          </p:cNvPicPr>
+          <p:nvPr/>
+        </p:nvPicPr>
+        <p:blipFill rotWithShape="1">
+          <a:blip r:embed="rId6" cstate="hqprint">
+            <a:extLst>
+              <a:ext uri="{28A0092B-C50C-407E-A947-70E740481C1C}">
+                <a14:useLocalDpi xmlns:a14="http://schemas.microsoft.com/office/drawing/2010/main"/>
+              </a:ext>
+            </a:extLst>
+          </a:blip>
+          <a:stretch>
+            <a:fillRect/>
+          </a:stretch>
+        </p:blipFill>
+        <p:spPr>
+          <a:xfrm rot="0">
+            <a:off x="1233170" y="3807460"/>
+            <a:ext cx="4134485" cy="1361440"/>
+          </a:xfrm>
+          <a:prstGeom prst="roundRect"/>
+          <a:solidFill>
+            <a:srgbClr val="EDEDED"/>
+          </a:solidFill>
+        </p:spPr>
+      </p:pic>
       <p:cxnSp>
         <p:nvCxnSpPr>
-          <p:cNvPr id="70" name="도형 80"/>
+          <p:cNvPr id="75" name="도형 70"/>
           <p:cNvCxnSpPr/>
           <p:nvPr/>
         </p:nvCxnSpPr>
         <p:spPr>
-          <a:xfrm rot="0">
-            <a:off x="2429510" y="2273935"/>
-            <a:ext cx="2860040" cy="104140"/>
+          <a:xfrm rot="0" flipV="1">
+            <a:off x="7830185" y="2145030"/>
+            <a:ext cx="1206500" cy="396875"/>
           </a:xfrm>
           <a:prstGeom prst="straightConnector1"/>
           <a:ln w="6350" cap="flat" cmpd="sng">
@@ -13820,367 +13693,7 @@
       </p:cxnSp>
       <p:pic>
         <p:nvPicPr>
-          <p:cNvPr id="71" name="그림 81" descr="C:/Users/Admin1/AppData/Roaming/PolarisOffice/ETemp/18644_16045856/fImage120493802391.png"/>
-          <p:cNvPicPr>
-            <a:picLocks noChangeAspect="1"/>
-          </p:cNvPicPr>
-          <p:nvPr/>
-        </p:nvPicPr>
-        <p:blipFill rotWithShape="1">
-          <a:blip r:embed="rId4" cstate="print">
-            <a:extLst>
-              <a:ext uri="{28A0092B-C50C-407E-A947-70E740481C1C}">
-                <a14:useLocalDpi xmlns:a14="http://schemas.microsoft.com/office/drawing/2010/main" val="0"/>
-              </a:ext>
-            </a:extLst>
-          </a:blip>
-          <a:stretch>
-            <a:fillRect/>
-          </a:stretch>
-        </p:blipFill>
-        <p:spPr>
-          <a:xfrm rot="0">
-            <a:off x="1233170" y="3772535"/>
-            <a:ext cx="4125595" cy="1387475"/>
-          </a:xfrm>
-          <a:prstGeom prst="roundRect"/>
-          <a:solidFill>
-            <a:srgbClr val="EDEDED"/>
-          </a:solidFill>
-        </p:spPr>
-      </p:pic>
-      <p:sp>
-        <p:nvSpPr>
-          <p:cNvPr id="72" name="텍스트 상자 84"/>
-          <p:cNvSpPr txBox="1">
-            <a:spLocks/>
-          </p:cNvSpPr>
-          <p:nvPr/>
-        </p:nvSpPr>
-        <p:spPr>
-          <a:xfrm rot="0">
-            <a:off x="1229360" y="5235575"/>
-            <a:ext cx="4129405" cy="954405"/>
-          </a:xfrm>
-          <a:prstGeom prst="rect"/>
-          <a:noFill/>
-          <a:ln w="0">
-            <a:noFill/>
-            <a:prstDash/>
-          </a:ln>
-        </p:spPr>
-        <p:txBody>
-          <a:bodyPr wrap="square" lIns="89535" tIns="46355" rIns="89535" bIns="46355" numCol="1" vert="horz" anchor="t">
-            <a:spAutoFit/>
-          </a:bodyPr>
-          <a:lstStyle/>
-          <a:p>
-            <a:pPr marL="0" indent="0" rtl="0" algn="l" defTabSz="914400" eaLnBrk="1" latinLnBrk="0" hangingPunct="1">
-              <a:buFontTx/>
-              <a:buNone/>
-            </a:pPr>
-            <a:r>
-              <a:rPr lang="ko-KR" sz="2000" b="1">
-                <a:solidFill>
-                  <a:srgbClr val="0611F2"/>
-                </a:solidFill>
-                <a:latin typeface="맑은 고딕" charset="0"/>
-                <a:ea typeface="맑은 고딕" charset="0"/>
-              </a:rPr>
-              <a:t>39.</a:t>
-            </a:r>
-            <a:r>
-              <a:rPr lang="ko-KR" sz="2000">
-                <a:solidFill>
-                  <a:srgbClr val="0611F2"/>
-                </a:solidFill>
-                <a:latin typeface="맑은 고딕" charset="0"/>
-                <a:ea typeface="맑은 고딕" charset="0"/>
-              </a:rPr>
-              <a:t> </a:t>
-            </a:r>
-            <a:r>
-              <a:rPr lang="ko-KR" sz="1800">
-                <a:latin typeface="맑은 고딕" charset="0"/>
-                <a:ea typeface="맑은 고딕" charset="0"/>
-              </a:rPr>
-              <a:t>그리고 Password Input </a:t>
-            </a:r>
-            <a:r>
-              <a:rPr lang="ko-KR" sz="1800">
-                <a:latin typeface="맑은 고딕" charset="0"/>
-                <a:ea typeface="맑은 고딕" charset="0"/>
-              </a:rPr>
-              <a:t>오브젝트의</a:t>
-            </a:r>
-            <a:r>
-              <a:rPr lang="ko-KR" sz="1800">
-                <a:latin typeface="맑은 고딕" charset="0"/>
-                <a:ea typeface="맑은 고딕" charset="0"/>
-              </a:rPr>
-              <a:t> </a:t>
-            </a:r>
-            <a:r>
-              <a:rPr lang="ko-KR" sz="1800">
-                <a:latin typeface="맑은 고딕" charset="0"/>
-                <a:ea typeface="맑은 고딕" charset="0"/>
-              </a:rPr>
-              <a:t>앵커를</a:t>
-            </a:r>
-            <a:r>
-              <a:rPr lang="ko-KR" sz="1800">
-                <a:latin typeface="맑은 고딕" charset="0"/>
-                <a:ea typeface="맑은 고딕" charset="0"/>
-              </a:rPr>
-              <a:t> </a:t>
-            </a:r>
-            <a:r>
-              <a:rPr lang="ko-KR" sz="1800">
-                <a:latin typeface="맑은 고딕" charset="0"/>
-                <a:ea typeface="맑은 고딕" charset="0"/>
-              </a:rPr>
-              <a:t>지정하고 </a:t>
-            </a:r>
-            <a:r>
-              <a:rPr lang="ko-KR" sz="1800">
-                <a:latin typeface="맑은 고딕" charset="0"/>
-                <a:ea typeface="맑은 고딕" charset="0"/>
-              </a:rPr>
-              <a:t>위치와 </a:t>
-            </a:r>
-            <a:r>
-              <a:rPr lang="ko-KR" sz="1800">
-                <a:latin typeface="맑은 고딕" charset="0"/>
-                <a:ea typeface="맑은 고딕" charset="0"/>
-              </a:rPr>
-              <a:t>크기를</a:t>
-            </a:r>
-            <a:r>
-              <a:rPr lang="ko-KR" sz="1800">
-                <a:latin typeface="맑은 고딕" charset="0"/>
-                <a:ea typeface="맑은 고딕" charset="0"/>
-              </a:rPr>
-              <a:t> 설정합니다.</a:t>
-            </a:r>
-            <a:endParaRPr lang="ko-KR" altLang="en-US" sz="1800">
-              <a:latin typeface="맑은 고딕" charset="0"/>
-              <a:ea typeface="맑은 고딕" charset="0"/>
-            </a:endParaRPr>
-          </a:p>
-        </p:txBody>
-      </p:sp>
-      <p:pic>
-        <p:nvPicPr>
-          <p:cNvPr id="73" name="그림 85" descr="C:/Users/Admin1/AppData/Roaming/PolarisOffice/ETemp/18644_16045856/fImage30173824604.png"/>
-          <p:cNvPicPr>
-            <a:picLocks noChangeAspect="1"/>
-          </p:cNvPicPr>
-          <p:nvPr/>
-        </p:nvPicPr>
-        <p:blipFill rotWithShape="1">
-          <a:blip r:embed="rId5" cstate="hqprint">
-            <a:extLst>
-              <a:ext uri="{28A0092B-C50C-407E-A947-70E740481C1C}">
-                <a14:useLocalDpi xmlns:a14="http://schemas.microsoft.com/office/drawing/2010/main"/>
-              </a:ext>
-            </a:extLst>
-          </a:blip>
-          <a:stretch>
-            <a:fillRect/>
-          </a:stretch>
-        </p:blipFill>
-        <p:spPr>
-          <a:xfrm rot="0">
-            <a:off x="8140065" y="1455420"/>
-            <a:ext cx="2817495" cy="1137920"/>
-          </a:xfrm>
-          <a:prstGeom prst="roundRect"/>
-          <a:solidFill>
-            <a:srgbClr val="EDEDED"/>
-          </a:solidFill>
-        </p:spPr>
-      </p:pic>
-      <p:pic>
-        <p:nvPicPr>
-          <p:cNvPr id="74" name="그림 86" descr="C:/Users/Admin1/AppData/Roaming/PolarisOffice/ETemp/18644_16045856/fImage81243833902.png"/>
-          <p:cNvPicPr>
-            <a:picLocks noChangeAspect="1"/>
-          </p:cNvPicPr>
-          <p:nvPr/>
-        </p:nvPicPr>
-        <p:blipFill rotWithShape="1">
-          <a:blip r:embed="rId6" cstate="print">
-            <a:extLst>
-              <a:ext uri="{28A0092B-C50C-407E-A947-70E740481C1C}">
-                <a14:useLocalDpi xmlns:a14="http://schemas.microsoft.com/office/drawing/2010/main" val="0"/>
-              </a:ext>
-            </a:extLst>
-          </a:blip>
-          <a:stretch>
-            <a:fillRect/>
-          </a:stretch>
-        </p:blipFill>
-        <p:spPr>
-          <a:xfrm rot="0">
-            <a:off x="6813550" y="1445260"/>
-            <a:ext cx="1215390" cy="1156335"/>
-          </a:xfrm>
-          <a:prstGeom prst="roundRect"/>
-          <a:solidFill>
-            <a:srgbClr val="EDEDED"/>
-          </a:solidFill>
-        </p:spPr>
-      </p:pic>
-      <p:sp>
-        <p:nvSpPr>
-          <p:cNvPr id="75" name="텍스트 상자 90"/>
-          <p:cNvSpPr txBox="1">
-            <a:spLocks/>
-          </p:cNvSpPr>
-          <p:nvPr/>
-        </p:nvSpPr>
-        <p:spPr>
-          <a:xfrm rot="0">
-            <a:off x="6822440" y="2697480"/>
-            <a:ext cx="4143375" cy="954405"/>
-          </a:xfrm>
-          <a:prstGeom prst="rect"/>
-          <a:noFill/>
-          <a:ln w="0">
-            <a:noFill/>
-            <a:prstDash/>
-          </a:ln>
-        </p:spPr>
-        <p:txBody>
-          <a:bodyPr wrap="square" lIns="89535" tIns="46355" rIns="89535" bIns="46355" numCol="1" vert="horz" anchor="t">
-            <a:spAutoFit/>
-          </a:bodyPr>
-          <a:lstStyle/>
-          <a:p>
-            <a:pPr marL="0" indent="0" rtl="0" algn="l" defTabSz="914400" eaLnBrk="1" latinLnBrk="0" hangingPunct="1">
-              <a:buFontTx/>
-              <a:buNone/>
-            </a:pPr>
-            <a:r>
-              <a:rPr lang="ko-KR" sz="2000" b="1">
-                <a:solidFill>
-                  <a:srgbClr val="0611F2"/>
-                </a:solidFill>
-                <a:latin typeface="맑은 고딕" charset="0"/>
-                <a:ea typeface="맑은 고딕" charset="0"/>
-              </a:rPr>
-              <a:t>4</a:t>
-            </a:r>
-            <a:r>
-              <a:rPr lang="ko-KR" sz="2000" b="1">
-                <a:solidFill>
-                  <a:srgbClr val="0611F2"/>
-                </a:solidFill>
-                <a:latin typeface="맑은 고딕" charset="0"/>
-                <a:ea typeface="맑은 고딕" charset="0"/>
-              </a:rPr>
-              <a:t>0</a:t>
-            </a:r>
-            <a:r>
-              <a:rPr lang="ko-KR" sz="2000" b="1">
-                <a:solidFill>
-                  <a:srgbClr val="0611F2"/>
-                </a:solidFill>
-                <a:latin typeface="맑은 고딕" charset="0"/>
-                <a:ea typeface="맑은 고딕" charset="0"/>
-              </a:rPr>
-              <a:t>.</a:t>
-            </a:r>
-            <a:r>
-              <a:rPr lang="ko-KR" sz="2000">
-                <a:solidFill>
-                  <a:srgbClr val="0611F2"/>
-                </a:solidFill>
-                <a:latin typeface="맑은 고딕" charset="0"/>
-                <a:ea typeface="맑은 고딕" charset="0"/>
-              </a:rPr>
-              <a:t> </a:t>
-            </a:r>
-            <a:r>
-              <a:rPr lang="ko-KR" sz="1800">
-                <a:latin typeface="맑은 고딕" charset="0"/>
-                <a:ea typeface="맑은 고딕" charset="0"/>
-              </a:rPr>
-              <a:t>그런 다음 Sign Up Button </a:t>
-            </a:r>
-            <a:r>
-              <a:rPr lang="ko-KR" sz="1800">
-                <a:latin typeface="맑은 고딕" charset="0"/>
-                <a:ea typeface="맑은 고딕" charset="0"/>
-              </a:rPr>
-              <a:t>오브젝트의</a:t>
-            </a:r>
-            <a:r>
-              <a:rPr lang="ko-KR" sz="1800">
-                <a:latin typeface="맑은 고딕" charset="0"/>
-                <a:ea typeface="맑은 고딕" charset="0"/>
-              </a:rPr>
-              <a:t> </a:t>
-            </a:r>
-            <a:r>
-              <a:rPr lang="ko-KR" sz="1800">
-                <a:latin typeface="맑은 고딕" charset="0"/>
-                <a:ea typeface="맑은 고딕" charset="0"/>
-              </a:rPr>
-              <a:t>O</a:t>
-            </a:r>
-            <a:r>
-              <a:rPr lang="ko-KR" sz="1800">
-                <a:latin typeface="맑은 고딕" charset="0"/>
-                <a:ea typeface="맑은 고딕" charset="0"/>
-              </a:rPr>
-              <a:t>n</a:t>
-            </a:r>
-            <a:r>
-              <a:rPr lang="ko-KR" sz="1800">
-                <a:latin typeface="맑은 고딕" charset="0"/>
-                <a:ea typeface="맑은 고딕" charset="0"/>
-              </a:rPr>
-              <a:t>C</a:t>
-            </a:r>
-            <a:r>
-              <a:rPr lang="ko-KR" sz="1800">
-                <a:latin typeface="맑은 고딕" charset="0"/>
-                <a:ea typeface="맑은 고딕" charset="0"/>
-              </a:rPr>
-              <a:t>lick(</a:t>
-            </a:r>
-            <a:r>
-              <a:rPr lang="ko-KR" sz="1800">
-                <a:latin typeface="맑은 고딕" charset="0"/>
-                <a:ea typeface="맑은 고딕" charset="0"/>
-              </a:rPr>
-              <a:t> </a:t>
-            </a:r>
-            <a:r>
-              <a:rPr lang="ko-KR" sz="1800">
-                <a:latin typeface="맑은 고딕" charset="0"/>
-                <a:ea typeface="맑은 고딕" charset="0"/>
-              </a:rPr>
-              <a:t>) 함수를 </a:t>
-            </a:r>
-            <a:r>
-              <a:rPr lang="ko-KR" sz="1800">
-                <a:latin typeface="맑은 고딕" charset="0"/>
-                <a:ea typeface="맑은 고딕" charset="0"/>
-              </a:rPr>
-              <a:t>추가합니다.</a:t>
-            </a:r>
-            <a:endParaRPr lang="ko-KR" altLang="en-US" sz="1800">
-              <a:latin typeface="맑은 고딕" charset="0"/>
-              <a:ea typeface="맑은 고딕" charset="0"/>
-            </a:endParaRPr>
-          </a:p>
-        </p:txBody>
-      </p:sp>
-      <p:pic>
-        <p:nvPicPr>
-          <p:cNvPr id="76" name="그림 91" descr="C:/Users/Admin1/AppData/Roaming/PolarisOffice/ETemp/18644_16045856/fImage12689385153.png"/>
+          <p:cNvPr id="76" name="그림 71"/>
           <p:cNvPicPr>
             <a:picLocks noChangeAspect="1"/>
           </p:cNvPicPr>
@@ -14200,8 +13713,8 @@
         </p:blipFill>
         <p:spPr>
           <a:xfrm rot="0">
-            <a:off x="6822440" y="3781425"/>
-            <a:ext cx="4143375" cy="1378585"/>
+            <a:off x="6813550" y="3816350"/>
+            <a:ext cx="4152265" cy="1326515"/>
           </a:xfrm>
           <a:prstGeom prst="roundRect"/>
           <a:solidFill>
@@ -14233,7 +13746,7 @@
 </file>
 
 <file path=ppt/slides/slide18.xml><?xml version="1.0" encoding="utf-8"?>
-<p:sld xmlns:a="http://schemas.openxmlformats.org/drawingml/2006/main" xmlns:r="http://schemas.openxmlformats.org/officeDocument/2006/relationships" xmlns:p="http://schemas.openxmlformats.org/presentationml/2006/main">
+<p:sld xmlns:a="http://schemas.openxmlformats.org/drawingml/2006/main" xmlns:r="http://schemas.openxmlformats.org/officeDocument/2006/relationships" xmlns:p="http://schemas.openxmlformats.org/presentationml/2006/main" xmlns:p14="http://schemas.microsoft.com/office/powerpoint/2010/main">
   <p:cSld>
     <p:spTree>
       <p:nvGrpSpPr>
@@ -14295,9 +13808,9 @@
           <p:nvPr/>
         </p:nvSpPr>
         <p:spPr>
-          <a:xfrm rot="0">
+          <a:xfrm>
             <a:off x="4334510" y="398780"/>
-            <a:ext cx="3521710" cy="554990"/>
+            <a:ext cx="3522345" cy="554990"/>
           </a:xfrm>
           <a:prstGeom prst="rect"/>
           <a:noFill/>
@@ -14346,7 +13859,7 @@
       </p:sp>
       <p:sp>
         <p:nvSpPr>
-          <p:cNvPr id="67" name="Rect 0"/>
+          <p:cNvPr id="60" name="Rect 0"/>
           <p:cNvSpPr txBox="1">
             <a:spLocks/>
           </p:cNvSpPr>
@@ -14354,8 +13867,8 @@
         </p:nvSpPr>
         <p:spPr>
           <a:xfrm rot="0">
-            <a:off x="6816725" y="4405630"/>
-            <a:ext cx="4140835" cy="1784985"/>
+            <a:off x="1231900" y="2601595"/>
+            <a:ext cx="4144645" cy="1231265"/>
           </a:xfrm>
           <a:prstGeom prst="rect"/>
           <a:noFill/>
@@ -14375,7 +13888,7 @@
               <a:buNone/>
             </a:pPr>
             <a:r>
-              <a:rPr sz="2000" b="1">
+              <a:rPr lang="ko-KR" sz="2000" b="1">
                 <a:solidFill>
                   <a:srgbClr val="0611F2"/>
                 </a:solidFill>
@@ -14385,17 +13898,17 @@
               <a:t>4</a:t>
             </a:r>
             <a:r>
-              <a:rPr sz="2000" b="1">
+              <a:rPr lang="ko-KR" sz="2000" b="1">
                 <a:solidFill>
                   <a:srgbClr val="0611F2"/>
                 </a:solidFill>
                 <a:latin typeface="맑은 고딕" charset="0"/>
                 <a:ea typeface="맑은 고딕" charset="0"/>
               </a:rPr>
-              <a:t>4</a:t>
-            </a:r>
-            <a:r>
-              <a:rPr sz="2000" b="1">
+              <a:t>0</a:t>
+            </a:r>
+            <a:r>
+              <a:rPr lang="ko-KR" sz="2000" b="1">
                 <a:solidFill>
                   <a:srgbClr val="0611F2"/>
                 </a:solidFill>
@@ -14405,7 +13918,7 @@
               <a:t>.</a:t>
             </a:r>
             <a:r>
-              <a:rPr sz="2000">
+              <a:rPr lang="ko-KR" sz="2000">
                 <a:solidFill>
                   <a:srgbClr val="0611F2"/>
                 </a:solidFill>
@@ -14415,74 +13928,74 @@
               <a:t> </a:t>
             </a:r>
             <a:r>
-              <a:rPr sz="1800">
-                <a:latin typeface="맑은 고딕" charset="0"/>
-                <a:ea typeface="맑은 고딕" charset="0"/>
-              </a:rPr>
-              <a:t>그러고 나서 Texture 폴더 아래에 </a:t>
-            </a:r>
-            <a:r>
-              <a:rPr sz="1800">
+              <a:rPr lang="ko-KR" sz="1800">
+                <a:latin typeface="맑은 고딕" charset="0"/>
+                <a:ea typeface="맑은 고딕" charset="0"/>
+              </a:rPr>
+              <a:t>그다음 Photon Setting </a:t>
+            </a:r>
+            <a:r>
+              <a:rPr lang="ko-KR" sz="1800">
+                <a:latin typeface="맑은 고딕" charset="0"/>
+                <a:ea typeface="맑은 고딕" charset="0"/>
+              </a:rPr>
+              <a:t>스크립트에</a:t>
+            </a:r>
+            <a:r>
+              <a:rPr lang="ko-KR" sz="1800">
+                <a:latin typeface="맑은 고딕" charset="0"/>
+                <a:ea typeface="맑은 고딕" charset="0"/>
+              </a:rPr>
+              <a:t> </a:t>
+            </a:r>
+            <a:r>
+              <a:rPr lang="ko-KR" sz="1800">
                 <a:latin typeface="맑은 고딕" charset="0"/>
                 <a:ea typeface="맑은 고딕" charset="0"/>
               </a:rPr>
               <a:t>있는</a:t>
             </a:r>
             <a:r>
-              <a:rPr sz="1800">
+              <a:rPr lang="ko-KR" sz="1800">
                 <a:latin typeface="맑은 고딕" charset="0"/>
                 <a:ea typeface="맑은 고딕" charset="0"/>
               </a:rPr>
               <a:t> </a:t>
             </a:r>
             <a:r>
-              <a:rPr sz="1800">
-                <a:latin typeface="맑은 고딕" charset="0"/>
-                <a:ea typeface="맑은 고딕" charset="0"/>
-              </a:rPr>
-              <a:t>Login</a:t>
-            </a:r>
-            <a:r>
-              <a:rPr sz="1800">
-                <a:latin typeface="맑은 고딕" charset="0"/>
-                <a:ea typeface="맑은 고딕" charset="0"/>
-              </a:rPr>
-              <a:t> Texture 폴더에 </a:t>
-            </a:r>
-            <a:r>
-              <a:rPr sz="1800">
-                <a:latin typeface="맑은 고딕" charset="0"/>
-                <a:ea typeface="맑은 고딕" charset="0"/>
-              </a:rPr>
-              <a:t>Sign</a:t>
-            </a:r>
-            <a:r>
-              <a:rPr sz="1800">
+              <a:rPr lang="ko-KR" sz="1800">
+                <a:latin typeface="맑은 고딕" charset="0"/>
+                <a:ea typeface="맑은 고딕" charset="0"/>
+              </a:rPr>
+              <a:t>Password</a:t>
+            </a:r>
+            <a:r>
+              <a:rPr lang="ko-KR" sz="1800">
+                <a:latin typeface="맑은 고딕" charset="0"/>
+                <a:ea typeface="맑은 고딕" charset="0"/>
+              </a:rPr>
+              <a:t> 변수에 </a:t>
+            </a:r>
+            <a:r>
+              <a:rPr lang="ko-KR" sz="1800">
+                <a:latin typeface="맑은 고딕" charset="0"/>
+                <a:ea typeface="맑은 고딕" charset="0"/>
+              </a:rPr>
+              <a:t>Password</a:t>
+            </a:r>
+            <a:r>
+              <a:rPr lang="ko-KR" sz="1800">
                 <a:latin typeface="맑은 고딕" charset="0"/>
                 <a:ea typeface="맑은 고딕" charset="0"/>
               </a:rPr>
               <a:t> </a:t>
             </a:r>
             <a:r>
-              <a:rPr sz="1800">
-                <a:latin typeface="맑은 고딕" charset="0"/>
-                <a:ea typeface="맑은 고딕" charset="0"/>
-              </a:rPr>
-              <a:t>I</a:t>
-            </a:r>
-            <a:r>
-              <a:rPr sz="1800">
-                <a:latin typeface="맑은 고딕" charset="0"/>
-                <a:ea typeface="맑은 고딕" charset="0"/>
-              </a:rPr>
-              <a:t>n </a:t>
-            </a:r>
-            <a:r>
-              <a:rPr sz="1800">
-                <a:latin typeface="맑은 고딕" charset="0"/>
-                <a:ea typeface="맑은 고딕" charset="0"/>
-              </a:rPr>
-              <a:t>Button</a:t>
+              <a:rPr lang="ko-KR" sz="1800">
+                <a:latin typeface="맑은 고딕" charset="0"/>
+                <a:ea typeface="맑은 고딕" charset="0"/>
+              </a:rPr>
+              <a:t>InputField</a:t>
             </a:r>
             <a:r>
               <a:rPr lang="ko-KR" sz="1800">
@@ -14492,112 +14005,36 @@
               <a:t> </a:t>
             </a:r>
             <a:r>
-              <a:rPr sz="1800">
-                <a:latin typeface="맑은 고딕" charset="0"/>
-                <a:ea typeface="맑은 고딕" charset="0"/>
-              </a:rPr>
-              <a:t>텍스처를</a:t>
-            </a:r>
-            <a:r>
-              <a:rPr sz="1800">
+              <a:rPr lang="ko-KR" sz="1800">
+                <a:latin typeface="맑은 고딕" charset="0"/>
+                <a:ea typeface="맑은 고딕" charset="0"/>
+              </a:rPr>
+              <a:t>오브젝트를</a:t>
+            </a:r>
+            <a:r>
+              <a:rPr lang="ko-KR" sz="1800">
                 <a:latin typeface="맑은 고딕" charset="0"/>
                 <a:ea typeface="맑은 고딕" charset="0"/>
               </a:rPr>
               <a:t> </a:t>
             </a:r>
             <a:r>
-              <a:rPr sz="1800">
-                <a:latin typeface="맑은 고딕" charset="0"/>
-                <a:ea typeface="맑은 고딕" charset="0"/>
-              </a:rPr>
-              <a:t>선택합니다.</a:t>
+              <a:rPr lang="ko-KR" sz="1800">
+                <a:latin typeface="맑은 고딕" charset="0"/>
+                <a:ea typeface="맑은 고딕" charset="0"/>
+              </a:rPr>
+              <a:t>넣어줍니다.</a:t>
             </a:r>
             <a:endParaRPr lang="ko-KR" altLang="en-US" sz="1800">
               <a:latin typeface="맑은 고딕" charset="0"/>
               <a:ea typeface="맑은 고딕" charset="0"/>
             </a:endParaRPr>
           </a:p>
-          <a:p>
-            <a:pPr marL="0" indent="0" rtl="0" algn="l" defTabSz="914400" eaLnBrk="1" latinLnBrk="0" hangingPunct="1">
-              <a:buFontTx/>
-              <a:buNone/>
-            </a:pPr>
-            <a:endParaRPr lang="ko-KR" altLang="en-US" sz="1800">
-              <a:latin typeface="맑은 고딕" charset="0"/>
-              <a:ea typeface="맑은 고딕" charset="0"/>
-            </a:endParaRPr>
-          </a:p>
-          <a:p>
-            <a:pPr marL="0" indent="0" rtl="0" algn="l" defTabSz="914400" eaLnBrk="1" latinLnBrk="0" hangingPunct="1">
-              <a:buFontTx/>
-              <a:buNone/>
-            </a:pPr>
-            <a:r>
-              <a:rPr sz="1800">
-                <a:latin typeface="맑은 고딕" charset="0"/>
-                <a:ea typeface="맑은 고딕" charset="0"/>
-              </a:rPr>
-              <a:t>그</a:t>
-            </a:r>
-            <a:r>
-              <a:rPr lang="ko-KR" sz="1800">
-                <a:latin typeface="맑은 고딕" charset="0"/>
-                <a:ea typeface="맑은 고딕" charset="0"/>
-              </a:rPr>
-              <a:t>리고</a:t>
-            </a:r>
-            <a:r>
-              <a:rPr sz="1800">
-                <a:latin typeface="맑은 고딕" charset="0"/>
-                <a:ea typeface="맑은 고딕" charset="0"/>
-              </a:rPr>
-              <a:t> Sign In Button 오브젝트의 </a:t>
-            </a:r>
-            <a:r>
-              <a:rPr sz="1800">
-                <a:latin typeface="맑은 고딕" charset="0"/>
-                <a:ea typeface="맑은 고딕" charset="0"/>
-              </a:rPr>
-              <a:t>이미지</a:t>
-            </a:r>
-            <a:r>
-              <a:rPr sz="1800">
-                <a:latin typeface="맑은 고딕" charset="0"/>
-                <a:ea typeface="맑은 고딕" charset="0"/>
-              </a:rPr>
-              <a:t> </a:t>
-            </a:r>
-            <a:r>
-              <a:rPr sz="1800">
-                <a:latin typeface="맑은 고딕" charset="0"/>
-                <a:ea typeface="맑은 고딕" charset="0"/>
-              </a:rPr>
-              <a:t>컴포넌트에</a:t>
-            </a:r>
-            <a:r>
-              <a:rPr sz="1800">
-                <a:latin typeface="맑은 고딕" charset="0"/>
-                <a:ea typeface="맑은 고딕" charset="0"/>
-              </a:rPr>
-              <a:t> </a:t>
-            </a:r>
-            <a:r>
-              <a:rPr sz="1800">
-                <a:latin typeface="맑은 고딕" charset="0"/>
-                <a:ea typeface="맑은 고딕" charset="0"/>
-              </a:rPr>
-              <a:t>넣어줍니다.</a:t>
-            </a:r>
-            <a:endParaRPr lang="ko-KR" altLang="en-US" sz="1800">
-              <a:latin typeface="맑은 고딕" charset="0"/>
-              <a:ea typeface="맑은 고딕" charset="0"/>
-            </a:endParaRPr>
-          </a:p>
-        </p:txBody>
-      </p:sp>
-      <p:sp>
-        <p:nvSpPr>
-          <p:cNvPr id="72" name="Rect 0"/>
+        </p:txBody>
+      </p:sp>
+      <p:sp>
+        <p:nvSpPr>
+          <p:cNvPr id="67" name="Rect 0"/>
           <p:cNvSpPr txBox="1">
             <a:spLocks/>
           </p:cNvSpPr>
@@ -14605,8 +14042,8 @@
         </p:nvSpPr>
         <p:spPr>
           <a:xfrm rot="0">
-            <a:off x="1229360" y="5235575"/>
-            <a:ext cx="4146550" cy="954405"/>
+            <a:off x="6816725" y="5241290"/>
+            <a:ext cx="4123690" cy="954405"/>
           </a:xfrm>
           <a:prstGeom prst="rect"/>
           <a:noFill/>
@@ -14670,147 +14107,56 @@
                 <a:latin typeface="맑은 고딕" charset="0"/>
                 <a:ea typeface="맑은 고딕" charset="0"/>
               </a:rPr>
-              <a:t>이제 </a:t>
-            </a:r>
-            <a:r>
-              <a:rPr sz="1800">
-                <a:latin typeface="맑은 고딕" charset="0"/>
-                <a:ea typeface="맑은 고딕" charset="0"/>
-              </a:rPr>
-              <a:t>Sign Up Button </a:t>
-            </a:r>
-            <a:r>
-              <a:rPr sz="1800">
-                <a:latin typeface="맑은 고딕" charset="0"/>
-                <a:ea typeface="맑은 고딕" charset="0"/>
-              </a:rPr>
-              <a:t>오브젝트</a:t>
-            </a:r>
-            <a:r>
-              <a:rPr lang="ko-KR" sz="1800">
-                <a:latin typeface="맑은 고딕" charset="0"/>
-                <a:ea typeface="맑은 고딕" charset="0"/>
-              </a:rPr>
-              <a:t>에 </a:t>
-            </a:r>
-            <a:r>
-              <a:rPr lang="ko-KR" sz="1800">
-                <a:latin typeface="맑은 고딕" charset="0"/>
-                <a:ea typeface="맑은 고딕" charset="0"/>
-              </a:rPr>
-              <a:t>있는</a:t>
-            </a:r>
-            <a:r>
-              <a:rPr sz="1800">
+              <a:t>그리고 Sign Up Button </a:t>
+            </a:r>
+            <a:r>
+              <a:rPr lang="ko-KR" sz="1800">
+                <a:latin typeface="맑은 고딕" charset="0"/>
+                <a:ea typeface="맑은 고딕" charset="0"/>
+              </a:rPr>
+              <a:t>오브젝트의</a:t>
+            </a:r>
+            <a:r>
+              <a:rPr lang="ko-KR" sz="1800">
                 <a:latin typeface="맑은 고딕" charset="0"/>
                 <a:ea typeface="맑은 고딕" charset="0"/>
               </a:rPr>
               <a:t> </a:t>
             </a:r>
             <a:r>
-              <a:rPr sz="1800">
-                <a:latin typeface="맑은 고딕" charset="0"/>
-                <a:ea typeface="맑은 고딕" charset="0"/>
-              </a:rPr>
-              <a:t>On</a:t>
-            </a:r>
-            <a:r>
-              <a:rPr sz="1800">
+              <a:rPr lang="ko-KR" sz="1800">
+                <a:latin typeface="맑은 고딕" charset="0"/>
+                <a:ea typeface="맑은 고딕" charset="0"/>
+              </a:rPr>
+              <a:t>앵커를</a:t>
+            </a:r>
+            <a:r>
+              <a:rPr lang="ko-KR" sz="1800">
+                <a:latin typeface="맑은 고딕" charset="0"/>
+                <a:ea typeface="맑은 고딕" charset="0"/>
+              </a:rPr>
+              <a:t> 지정하고 위치와 </a:t>
+            </a:r>
+            <a:r>
+              <a:rPr lang="ko-KR" sz="1800">
+                <a:latin typeface="맑은 고딕" charset="0"/>
+                <a:ea typeface="맑은 고딕" charset="0"/>
+              </a:rPr>
+              <a:t>크기를</a:t>
+            </a:r>
+            <a:r>
+              <a:rPr lang="ko-KR" sz="1800">
                 <a:latin typeface="맑은 고딕" charset="0"/>
                 <a:ea typeface="맑은 고딕" charset="0"/>
               </a:rPr>
               <a:t> </a:t>
             </a:r>
             <a:r>
-              <a:rPr sz="1800">
-                <a:latin typeface="맑은 고딕" charset="0"/>
-                <a:ea typeface="맑은 고딕" charset="0"/>
-              </a:rPr>
-              <a:t>Click(</a:t>
-            </a:r>
-            <a:r>
-              <a:rPr sz="1800">
-                <a:latin typeface="맑은 고딕" charset="0"/>
-                <a:ea typeface="맑은 고딕" charset="0"/>
-              </a:rPr>
-              <a:t> </a:t>
-            </a:r>
-            <a:r>
-              <a:rPr sz="1800">
-                <a:latin typeface="맑은 고딕" charset="0"/>
-                <a:ea typeface="맑은 고딕" charset="0"/>
-              </a:rPr>
-              <a:t>)</a:t>
-            </a:r>
-            <a:r>
-              <a:rPr sz="1800">
-                <a:latin typeface="맑은 고딕" charset="0"/>
-                <a:ea typeface="맑은 고딕" charset="0"/>
-              </a:rPr>
-              <a:t> </a:t>
-            </a:r>
-            <a:r>
-              <a:rPr sz="1800">
-                <a:latin typeface="맑은 고딕" charset="0"/>
-                <a:ea typeface="맑은 고딕" charset="0"/>
-              </a:rPr>
-              <a:t>함수에</a:t>
-            </a:r>
-            <a:r>
-              <a:rPr sz="1800">
-                <a:latin typeface="맑은 고딕" charset="0"/>
-                <a:ea typeface="맑은 고딕" charset="0"/>
-              </a:rPr>
-              <a:t> </a:t>
-            </a:r>
-            <a:r>
-              <a:rPr sz="1800">
-                <a:latin typeface="맑은 고딕" charset="0"/>
-                <a:ea typeface="맑은 고딕" charset="0"/>
-              </a:rPr>
-              <a:t>SignUp(</a:t>
-            </a:r>
-            <a:r>
-              <a:rPr sz="1800">
-                <a:latin typeface="맑은 고딕" charset="0"/>
-                <a:ea typeface="맑은 고딕" charset="0"/>
-              </a:rPr>
-              <a:t> </a:t>
-            </a:r>
-            <a:r>
-              <a:rPr sz="1800">
-                <a:latin typeface="맑은 고딕" charset="0"/>
-                <a:ea typeface="맑은 고딕" charset="0"/>
-              </a:rPr>
-              <a:t>) </a:t>
-            </a:r>
-            <a:r>
-              <a:rPr sz="1800">
-                <a:latin typeface="맑은 고딕" charset="0"/>
-                <a:ea typeface="맑은 고딕" charset="0"/>
-              </a:rPr>
-              <a:t>함수</a:t>
-            </a:r>
-            <a:r>
-              <a:rPr lang="ko-KR" sz="1800">
-                <a:latin typeface="맑은 고딕" charset="0"/>
-                <a:ea typeface="맑은 고딕" charset="0"/>
-              </a:rPr>
-              <a:t>를</a:t>
-            </a:r>
-            <a:r>
-              <a:rPr lang="ko-KR" sz="1800">
-                <a:latin typeface="맑은 고딕" charset="0"/>
-                <a:ea typeface="맑은 고딕" charset="0"/>
-              </a:rPr>
-              <a:t> </a:t>
-            </a:r>
-            <a:r>
-              <a:rPr sz="1800">
-                <a:latin typeface="맑은 고딕" charset="0"/>
-                <a:ea typeface="맑은 고딕" charset="0"/>
-              </a:rPr>
-              <a:t>등록합니다.</a:t>
+              <a:rPr lang="ko-KR" sz="1800">
+                <a:latin typeface="맑은 고딕" charset="0"/>
+                <a:ea typeface="맑은 고딕" charset="0"/>
+              </a:rPr>
+              <a:t>설정합니다.</a:t>
             </a:r>
             <a:endParaRPr lang="ko-KR" altLang="en-US" sz="1800">
               <a:latin typeface="맑은 고딕" charset="0"/>
@@ -14821,7 +14167,956 @@
       </p:sp>
       <p:pic>
         <p:nvPicPr>
-          <p:cNvPr id="77" name="그림 94" descr="C:/Users/Admin1/AppData/Roaming/PolarisOffice/ETemp/18644_16045856/fImage8169402292.png"/>
+          <p:cNvPr id="68" name="그림 74" descr="C:/Users/Admin1/AppData/Roaming/PolarisOffice/ETemp/12940_6238040/fImage101733774827.png"/>
+          <p:cNvPicPr>
+            <a:picLocks noChangeAspect="1"/>
+          </p:cNvPicPr>
+          <p:nvPr/>
+        </p:nvPicPr>
+        <p:blipFill rotWithShape="1">
+          <a:blip r:embed="rId2" cstate="hqprint">
+            <a:extLst>
+              <a:ext uri="{28A0092B-C50C-407E-A947-70E740481C1C}">
+                <a14:useLocalDpi xmlns:a14="http://schemas.microsoft.com/office/drawing/2010/main"/>
+              </a:ext>
+            </a:extLst>
+          </a:blip>
+          <a:stretch>
+            <a:fillRect/>
+          </a:stretch>
+        </p:blipFill>
+        <p:spPr>
+          <a:xfrm rot="0">
+            <a:off x="2661920" y="1447165"/>
+            <a:ext cx="2714625" cy="1076960"/>
+          </a:xfrm>
+          <a:prstGeom prst="roundRect"/>
+          <a:solidFill>
+            <a:srgbClr val="EDEDED"/>
+          </a:solidFill>
+        </p:spPr>
+      </p:pic>
+      <p:pic>
+        <p:nvPicPr>
+          <p:cNvPr id="69" name="그림 77" descr="C:/Users/Admin1/AppData/Roaming/PolarisOffice/ETemp/12940_6238040/fImage81193785436.png"/>
+          <p:cNvPicPr>
+            <a:picLocks noChangeAspect="1"/>
+          </p:cNvPicPr>
+          <p:nvPr/>
+        </p:nvPicPr>
+        <p:blipFill rotWithShape="1">
+          <a:blip r:embed="rId3" cstate="hqprint">
+            <a:extLst>
+              <a:ext uri="{28A0092B-C50C-407E-A947-70E740481C1C}">
+                <a14:useLocalDpi xmlns:a14="http://schemas.microsoft.com/office/drawing/2010/main"/>
+              </a:ext>
+            </a:extLst>
+          </a:blip>
+          <a:stretch>
+            <a:fillRect/>
+          </a:stretch>
+        </p:blipFill>
+        <p:spPr>
+          <a:xfrm rot="0">
+            <a:off x="1231900" y="1447165"/>
+            <a:ext cx="1302385" cy="1083945"/>
+          </a:xfrm>
+          <a:prstGeom prst="roundRect"/>
+          <a:solidFill>
+            <a:srgbClr val="EDEDED"/>
+          </a:solidFill>
+        </p:spPr>
+      </p:pic>
+      <p:cxnSp>
+        <p:nvCxnSpPr>
+          <p:cNvPr id="70" name="도형 80"/>
+          <p:cNvCxnSpPr/>
+          <p:nvPr/>
+        </p:nvCxnSpPr>
+        <p:spPr>
+          <a:xfrm rot="0">
+            <a:off x="2454910" y="2213610"/>
+            <a:ext cx="2835275" cy="79375"/>
+          </a:xfrm>
+          <a:prstGeom prst="straightConnector1"/>
+          <a:ln w="6350" cap="flat" cmpd="sng">
+            <a:prstDash/>
+            <a:tailEnd type="triangle" w="med" len="med"/>
+          </a:ln>
+        </p:spPr>
+        <p:style>
+          <a:lnRef idx="1">
+            <a:schemeClr val="accent1"/>
+          </a:lnRef>
+          <a:fillRef idx="0">
+            <a:schemeClr val="accent1"/>
+          </a:fillRef>
+          <a:effectRef idx="0">
+            <a:schemeClr val="accent1"/>
+          </a:effectRef>
+          <a:fontRef idx="minor">
+            <a:schemeClr val="tx1"/>
+          </a:fontRef>
+        </p:style>
+      </p:cxnSp>
+      <p:pic>
+        <p:nvPicPr>
+          <p:cNvPr id="71" name="그림 81" descr="C:/Users/Admin1/AppData/Roaming/PolarisOffice/ETemp/12940_6238040/fImage120493802391.png"/>
+          <p:cNvPicPr>
+            <a:picLocks noChangeAspect="1"/>
+          </p:cNvPicPr>
+          <p:nvPr/>
+        </p:nvPicPr>
+        <p:blipFill rotWithShape="1">
+          <a:blip r:embed="rId4" cstate="hqprint">
+            <a:extLst>
+              <a:ext uri="{28A0092B-C50C-407E-A947-70E740481C1C}">
+                <a14:useLocalDpi xmlns:a14="http://schemas.microsoft.com/office/drawing/2010/main"/>
+              </a:ext>
+            </a:extLst>
+          </a:blip>
+          <a:stretch>
+            <a:fillRect/>
+          </a:stretch>
+        </p:blipFill>
+        <p:spPr>
+          <a:xfrm rot="0">
+            <a:off x="1233170" y="3945255"/>
+            <a:ext cx="4126230" cy="1223645"/>
+          </a:xfrm>
+          <a:prstGeom prst="roundRect"/>
+          <a:solidFill>
+            <a:srgbClr val="EDEDED"/>
+          </a:solidFill>
+        </p:spPr>
+      </p:pic>
+      <p:sp>
+        <p:nvSpPr>
+          <p:cNvPr id="72" name="텍스트 상자 84"/>
+          <p:cNvSpPr txBox="1">
+            <a:spLocks/>
+          </p:cNvSpPr>
+          <p:nvPr/>
+        </p:nvSpPr>
+        <p:spPr>
+          <a:xfrm rot="0">
+            <a:off x="1229360" y="5235575"/>
+            <a:ext cx="4130040" cy="954405"/>
+          </a:xfrm>
+          <a:prstGeom prst="rect"/>
+          <a:noFill/>
+          <a:ln w="0">
+            <a:noFill/>
+            <a:prstDash/>
+          </a:ln>
+        </p:spPr>
+        <p:txBody>
+          <a:bodyPr wrap="square" lIns="89535" tIns="46355" rIns="89535" bIns="46355" numCol="1" vert="horz" anchor="t">
+            <a:spAutoFit/>
+          </a:bodyPr>
+          <a:lstStyle/>
+          <a:p>
+            <a:pPr marL="0" indent="0" rtl="0" algn="l" defTabSz="914400" eaLnBrk="1" latinLnBrk="0" hangingPunct="1">
+              <a:buFontTx/>
+              <a:buNone/>
+            </a:pPr>
+            <a:r>
+              <a:rPr lang="ko-KR" sz="2000" b="1">
+                <a:solidFill>
+                  <a:srgbClr val="0611F2"/>
+                </a:solidFill>
+                <a:latin typeface="맑은 고딕" charset="0"/>
+                <a:ea typeface="맑은 고딕" charset="0"/>
+              </a:rPr>
+              <a:t>4</a:t>
+            </a:r>
+            <a:r>
+              <a:rPr lang="ko-KR" sz="2000" b="1">
+                <a:solidFill>
+                  <a:srgbClr val="0611F2"/>
+                </a:solidFill>
+                <a:latin typeface="맑은 고딕" charset="0"/>
+                <a:ea typeface="맑은 고딕" charset="0"/>
+              </a:rPr>
+              <a:t>1</a:t>
+            </a:r>
+            <a:r>
+              <a:rPr lang="ko-KR" sz="2000" b="1">
+                <a:solidFill>
+                  <a:srgbClr val="0611F2"/>
+                </a:solidFill>
+                <a:latin typeface="맑은 고딕" charset="0"/>
+                <a:ea typeface="맑은 고딕" charset="0"/>
+              </a:rPr>
+              <a:t>.</a:t>
+            </a:r>
+            <a:r>
+              <a:rPr lang="ko-KR" sz="2000">
+                <a:solidFill>
+                  <a:srgbClr val="0611F2"/>
+                </a:solidFill>
+                <a:latin typeface="맑은 고딕" charset="0"/>
+                <a:ea typeface="맑은 고딕" charset="0"/>
+              </a:rPr>
+              <a:t> </a:t>
+            </a:r>
+            <a:r>
+              <a:rPr lang="ko-KR" sz="1800">
+                <a:latin typeface="맑은 고딕" charset="0"/>
+                <a:ea typeface="맑은 고딕" charset="0"/>
+              </a:rPr>
+              <a:t>그러고 나서 Password Input </a:t>
+            </a:r>
+            <a:r>
+              <a:rPr lang="ko-KR" sz="1800">
+                <a:latin typeface="맑은 고딕" charset="0"/>
+                <a:ea typeface="맑은 고딕" charset="0"/>
+              </a:rPr>
+              <a:t>오브젝트의</a:t>
+            </a:r>
+            <a:r>
+              <a:rPr lang="ko-KR" sz="1800">
+                <a:latin typeface="맑은 고딕" charset="0"/>
+                <a:ea typeface="맑은 고딕" charset="0"/>
+              </a:rPr>
+              <a:t> </a:t>
+            </a:r>
+            <a:r>
+              <a:rPr lang="ko-KR" sz="1800">
+                <a:latin typeface="맑은 고딕" charset="0"/>
+                <a:ea typeface="맑은 고딕" charset="0"/>
+              </a:rPr>
+              <a:t>앵커를</a:t>
+            </a:r>
+            <a:r>
+              <a:rPr lang="ko-KR" sz="1800">
+                <a:latin typeface="맑은 고딕" charset="0"/>
+                <a:ea typeface="맑은 고딕" charset="0"/>
+              </a:rPr>
+              <a:t> </a:t>
+            </a:r>
+            <a:r>
+              <a:rPr lang="ko-KR" sz="1800">
+                <a:latin typeface="맑은 고딕" charset="0"/>
+                <a:ea typeface="맑은 고딕" charset="0"/>
+              </a:rPr>
+              <a:t>지정하고</a:t>
+            </a:r>
+            <a:r>
+              <a:rPr lang="ko-KR" sz="1800">
+                <a:latin typeface="맑은 고딕" charset="0"/>
+                <a:ea typeface="맑은 고딕" charset="0"/>
+              </a:rPr>
+              <a:t> 위치와 </a:t>
+            </a:r>
+            <a:r>
+              <a:rPr lang="ko-KR" sz="1800">
+                <a:latin typeface="맑은 고딕" charset="0"/>
+                <a:ea typeface="맑은 고딕" charset="0"/>
+              </a:rPr>
+              <a:t>크기를</a:t>
+            </a:r>
+            <a:r>
+              <a:rPr lang="ko-KR" sz="1800">
+                <a:latin typeface="맑은 고딕" charset="0"/>
+                <a:ea typeface="맑은 고딕" charset="0"/>
+              </a:rPr>
+              <a:t> </a:t>
+            </a:r>
+            <a:r>
+              <a:rPr lang="ko-KR" sz="1800">
+                <a:latin typeface="맑은 고딕" charset="0"/>
+                <a:ea typeface="맑은 고딕" charset="0"/>
+              </a:rPr>
+              <a:t>설정합니다.</a:t>
+            </a:r>
+            <a:endParaRPr lang="ko-KR" altLang="en-US" sz="1800">
+              <a:latin typeface="맑은 고딕" charset="0"/>
+              <a:ea typeface="맑은 고딕" charset="0"/>
+            </a:endParaRPr>
+          </a:p>
+        </p:txBody>
+      </p:sp>
+      <p:pic>
+        <p:nvPicPr>
+          <p:cNvPr id="73" name="그림 85" descr="C:/Users/Admin1/AppData/Roaming/PolarisOffice/ETemp/12940_6238040/fImage30173824604.png"/>
+          <p:cNvPicPr>
+            <a:picLocks noChangeAspect="1"/>
+          </p:cNvPicPr>
+          <p:nvPr/>
+        </p:nvPicPr>
+        <p:blipFill rotWithShape="1">
+          <a:blip r:embed="rId5" cstate="hqprint">
+            <a:extLst>
+              <a:ext uri="{28A0092B-C50C-407E-A947-70E740481C1C}">
+                <a14:useLocalDpi xmlns:a14="http://schemas.microsoft.com/office/drawing/2010/main"/>
+              </a:ext>
+            </a:extLst>
+          </a:blip>
+          <a:stretch>
+            <a:fillRect/>
+          </a:stretch>
+        </p:blipFill>
+        <p:spPr>
+          <a:xfrm rot="0">
+            <a:off x="8140065" y="1455420"/>
+            <a:ext cx="2818130" cy="1138555"/>
+          </a:xfrm>
+          <a:prstGeom prst="roundRect"/>
+          <a:solidFill>
+            <a:srgbClr val="EDEDED"/>
+          </a:solidFill>
+        </p:spPr>
+      </p:pic>
+      <p:pic>
+        <p:nvPicPr>
+          <p:cNvPr id="74" name="그림 86" descr="C:/Users/Admin1/AppData/Roaming/PolarisOffice/ETemp/12940_6238040/fImage81243833902.png"/>
+          <p:cNvPicPr>
+            <a:picLocks noChangeAspect="1"/>
+          </p:cNvPicPr>
+          <p:nvPr/>
+        </p:nvPicPr>
+        <p:blipFill rotWithShape="1">
+          <a:blip r:embed="rId6" cstate="hqprint">
+            <a:extLst>
+              <a:ext uri="{28A0092B-C50C-407E-A947-70E740481C1C}">
+                <a14:useLocalDpi xmlns:a14="http://schemas.microsoft.com/office/drawing/2010/main"/>
+              </a:ext>
+            </a:extLst>
+          </a:blip>
+          <a:stretch>
+            <a:fillRect/>
+          </a:stretch>
+        </p:blipFill>
+        <p:spPr>
+          <a:xfrm rot="0">
+            <a:off x="6813550" y="1455420"/>
+            <a:ext cx="1216025" cy="1146810"/>
+          </a:xfrm>
+          <a:prstGeom prst="roundRect"/>
+          <a:solidFill>
+            <a:srgbClr val="EDEDED"/>
+          </a:solidFill>
+        </p:spPr>
+      </p:pic>
+      <p:sp>
+        <p:nvSpPr>
+          <p:cNvPr id="75" name="텍스트 상자 90"/>
+          <p:cNvSpPr txBox="1">
+            <a:spLocks/>
+          </p:cNvSpPr>
+          <p:nvPr/>
+        </p:nvSpPr>
+        <p:spPr>
+          <a:xfrm rot="0">
+            <a:off x="6813550" y="2731770"/>
+            <a:ext cx="4144010" cy="677545"/>
+          </a:xfrm>
+          <a:prstGeom prst="rect"/>
+          <a:noFill/>
+          <a:ln w="0">
+            <a:noFill/>
+            <a:prstDash/>
+          </a:ln>
+        </p:spPr>
+        <p:txBody>
+          <a:bodyPr wrap="square" lIns="89535" tIns="46355" rIns="89535" bIns="46355" numCol="1" vert="horz" anchor="t">
+            <a:spAutoFit/>
+          </a:bodyPr>
+          <a:lstStyle/>
+          <a:p>
+            <a:pPr marL="0" indent="0" rtl="0" algn="l" defTabSz="914400" eaLnBrk="1" latinLnBrk="0" hangingPunct="1">
+              <a:buFontTx/>
+              <a:buNone/>
+            </a:pPr>
+            <a:r>
+              <a:rPr lang="ko-KR" sz="2000" b="1">
+                <a:solidFill>
+                  <a:srgbClr val="0611F2"/>
+                </a:solidFill>
+                <a:latin typeface="맑은 고딕" charset="0"/>
+                <a:ea typeface="맑은 고딕" charset="0"/>
+              </a:rPr>
+              <a:t>42.</a:t>
+            </a:r>
+            <a:r>
+              <a:rPr lang="ko-KR" sz="2000">
+                <a:solidFill>
+                  <a:srgbClr val="0611F2"/>
+                </a:solidFill>
+                <a:latin typeface="맑은 고딕" charset="0"/>
+                <a:ea typeface="맑은 고딕" charset="0"/>
+              </a:rPr>
+              <a:t> </a:t>
+            </a:r>
+            <a:r>
+              <a:rPr lang="ko-KR" sz="1800">
+                <a:latin typeface="맑은 고딕" charset="0"/>
+                <a:ea typeface="맑은 고딕" charset="0"/>
+              </a:rPr>
+              <a:t>이제 Sign Up Button </a:t>
+            </a:r>
+            <a:r>
+              <a:rPr lang="ko-KR" sz="1800">
+                <a:latin typeface="맑은 고딕" charset="0"/>
+                <a:ea typeface="맑은 고딕" charset="0"/>
+              </a:rPr>
+              <a:t>오브젝트의</a:t>
+            </a:r>
+            <a:r>
+              <a:rPr lang="ko-KR" sz="1800">
+                <a:latin typeface="맑은 고딕" charset="0"/>
+                <a:ea typeface="맑은 고딕" charset="0"/>
+              </a:rPr>
+              <a:t> </a:t>
+            </a:r>
+            <a:r>
+              <a:rPr lang="ko-KR" sz="1800">
+                <a:latin typeface="맑은 고딕" charset="0"/>
+                <a:ea typeface="맑은 고딕" charset="0"/>
+              </a:rPr>
+              <a:t>OnClick(</a:t>
+            </a:r>
+            <a:r>
+              <a:rPr lang="ko-KR" sz="1800">
+                <a:latin typeface="맑은 고딕" charset="0"/>
+                <a:ea typeface="맑은 고딕" charset="0"/>
+              </a:rPr>
+              <a:t> ) 함수를 </a:t>
+            </a:r>
+            <a:r>
+              <a:rPr lang="ko-KR" sz="1800">
+                <a:latin typeface="맑은 고딕" charset="0"/>
+                <a:ea typeface="맑은 고딕" charset="0"/>
+              </a:rPr>
+              <a:t>추가합니다.</a:t>
+            </a:r>
+            <a:endParaRPr lang="ko-KR" altLang="en-US" sz="1800">
+              <a:latin typeface="맑은 고딕" charset="0"/>
+              <a:ea typeface="맑은 고딕" charset="0"/>
+            </a:endParaRPr>
+          </a:p>
+        </p:txBody>
+      </p:sp>
+      <p:pic>
+        <p:nvPicPr>
+          <p:cNvPr id="76" name="그림 91" descr="C:/Users/Admin1/AppData/Roaming/PolarisOffice/ETemp/12940_6238040/fImage12689385153.png"/>
+          <p:cNvPicPr>
+            <a:picLocks noChangeAspect="1"/>
+          </p:cNvPicPr>
+          <p:nvPr/>
+        </p:nvPicPr>
+        <p:blipFill rotWithShape="1">
+          <a:blip r:embed="rId7" cstate="hqprint">
+            <a:extLst>
+              <a:ext uri="{28A0092B-C50C-407E-A947-70E740481C1C}">
+                <a14:useLocalDpi xmlns:a14="http://schemas.microsoft.com/office/drawing/2010/main"/>
+              </a:ext>
+            </a:extLst>
+          </a:blip>
+          <a:stretch>
+            <a:fillRect/>
+          </a:stretch>
+        </p:blipFill>
+        <p:spPr>
+          <a:xfrm rot="0">
+            <a:off x="6822440" y="3566160"/>
+            <a:ext cx="4144010" cy="1594485"/>
+          </a:xfrm>
+          <a:prstGeom prst="roundRect"/>
+          <a:solidFill>
+            <a:srgbClr val="EDEDED"/>
+          </a:solidFill>
+        </p:spPr>
+      </p:pic>
+    </p:spTree>
+  </p:cSld>
+  <p:clrMapOvr>
+    <a:masterClrMapping/>
+  </p:clrMapOvr>
+  <mc:AlternateContent xmlns:mc="http://schemas.openxmlformats.org/markup-compatibility/2006">
+    <mc:Choice xmlns:p14="http://schemas.microsoft.com/office/powerpoint/2010/main" Requires="p14">
+      <p:transition spd="slow" p14:dur="2000"/>
+    </mc:Choice>
+    <mc:Fallback>
+      <p:transition spd="slow"/>
+    </mc:Fallback>
+  </mc:AlternateContent>
+  <p:timing>
+    <p:tnLst>
+      <p:par>
+        <p:cTn id="1" dur="indefinite" restart="never" nodeType="tmRoot"/>
+      </p:par>
+    </p:tnLst>
+  </p:timing>
+</p:sld>
+</file>
+
+<file path=ppt/slides/slide19.xml><?xml version="1.0" encoding="utf-8"?>
+<p:sld xmlns:a="http://schemas.openxmlformats.org/drawingml/2006/main" xmlns:r="http://schemas.openxmlformats.org/officeDocument/2006/relationships" xmlns:p="http://schemas.openxmlformats.org/presentationml/2006/main" xmlns:p14="http://schemas.microsoft.com/office/powerpoint/2010/main">
+  <p:cSld>
+    <p:spTree>
+      <p:nvGrpSpPr>
+        <p:cNvPr id="1" name=""/>
+        <p:cNvGrpSpPr/>
+        <p:nvPr/>
+      </p:nvGrpSpPr>
+      <p:grpSpPr>
+        <a:xfrm>
+          <a:off x="0" y="0"/>
+          <a:ext cx="0" cy="0"/>
+          <a:chOff x="0" y="0"/>
+          <a:chExt cx="0" cy="0"/>
+        </a:xfrm>
+      </p:grpSpPr>
+      <p:sp>
+        <p:nvSpPr>
+          <p:cNvPr id="29" name="Rect 0"/>
+          <p:cNvSpPr txBox="1">
+            <a:spLocks/>
+          </p:cNvSpPr>
+          <p:nvPr/>
+        </p:nvSpPr>
+        <p:spPr>
+          <a:xfrm rot="0">
+            <a:off x="1229995" y="1337310"/>
+            <a:ext cx="4039870" cy="371475"/>
+          </a:xfrm>
+          <a:prstGeom prst="rect"/>
+          <a:noFill/>
+          <a:ln w="0">
+            <a:noFill/>
+            <a:prstDash/>
+          </a:ln>
+        </p:spPr>
+        <p:txBody>
+          <a:bodyPr wrap="square" lIns="89535" tIns="46355" rIns="89535" bIns="46355" numCol="1" vert="horz" anchor="t">
+            <a:spAutoFit/>
+          </a:bodyPr>
+          <a:lstStyle/>
+          <a:p>
+            <a:pPr marL="0" indent="0" algn="l" latinLnBrk="0" hangingPunct="1">
+              <a:buFontTx/>
+              <a:buNone/>
+            </a:pPr>
+            <a:endParaRPr lang="ko-KR" altLang="en-US" sz="1800">
+              <a:latin typeface="맑은 고딕" charset="0"/>
+              <a:ea typeface="맑은 고딕" charset="0"/>
+            </a:endParaRPr>
+          </a:p>
+        </p:txBody>
+      </p:sp>
+      <p:sp>
+        <p:nvSpPr>
+          <p:cNvPr id="35" name="Rect 0"/>
+          <p:cNvSpPr txBox="1">
+            <a:spLocks/>
+          </p:cNvSpPr>
+          <p:nvPr/>
+        </p:nvSpPr>
+        <p:spPr>
+          <a:xfrm>
+            <a:off x="4334510" y="398780"/>
+            <a:ext cx="3522345" cy="554990"/>
+          </a:xfrm>
+          <a:prstGeom prst="rect"/>
+          <a:noFill/>
+          <a:ln w="0">
+            <a:noFill/>
+            <a:prstDash/>
+          </a:ln>
+        </p:spPr>
+        <p:txBody>
+          <a:bodyPr wrap="square" lIns="89535" tIns="46355" rIns="89535" bIns="46355" numCol="1" vert="horz" anchor="t">
+            <a:spAutoFit/>
+          </a:bodyPr>
+          <a:lstStyle/>
+          <a:p>
+            <a:pPr marL="0" indent="0" rtl="0" algn="ctr" defTabSz="914400" eaLnBrk="1" latinLnBrk="0" hangingPunct="1">
+              <a:buFontTx/>
+              <a:buNone/>
+            </a:pPr>
+            <a:r>
+              <a:rPr lang="ko-KR" sz="2500" b="1">
+                <a:latin typeface="나눔바른고딕" charset="0"/>
+                <a:ea typeface="나눔바른고딕" charset="0"/>
+              </a:rPr>
+              <a:t>열아홉</a:t>
+            </a:r>
+            <a:r>
+              <a:rPr lang="ko-KR" sz="2500" b="1">
+                <a:latin typeface="나눔바른고딕" charset="0"/>
+                <a:ea typeface="나눔바른고딕" charset="0"/>
+              </a:rPr>
+              <a:t> 번째 튜토리얼</a:t>
+            </a:r>
+            <a:r>
+              <a:rPr sz="3000" b="1">
+                <a:latin typeface="맑은 고딕" charset="0"/>
+                <a:ea typeface="맑은 고딕" charset="0"/>
+              </a:rPr>
+              <a:t> </a:t>
+            </a:r>
+            <a:endParaRPr lang="ko-KR" altLang="en-US" sz="3000" b="1">
+              <a:latin typeface="맑은 고딕" charset="0"/>
+              <a:ea typeface="맑은 고딕" charset="0"/>
+            </a:endParaRPr>
+          </a:p>
+        </p:txBody>
+      </p:sp>
+      <p:sp>
+        <p:nvSpPr>
+          <p:cNvPr id="67" name="Rect 0"/>
+          <p:cNvSpPr txBox="1">
+            <a:spLocks/>
+          </p:cNvSpPr>
+          <p:nvPr/>
+        </p:nvSpPr>
+        <p:spPr>
+          <a:xfrm rot="0">
+            <a:off x="6816725" y="4405630"/>
+            <a:ext cx="4131945" cy="1784985"/>
+          </a:xfrm>
+          <a:prstGeom prst="rect"/>
+          <a:noFill/>
+          <a:ln w="0">
+            <a:noFill/>
+            <a:prstDash/>
+          </a:ln>
+        </p:spPr>
+        <p:txBody>
+          <a:bodyPr wrap="square" lIns="89535" tIns="46355" rIns="89535" bIns="46355" numCol="1" vert="horz" anchor="t">
+            <a:spAutoFit/>
+          </a:bodyPr>
+          <a:lstStyle/>
+          <a:p>
+            <a:pPr marL="0" indent="0" rtl="0" algn="l" defTabSz="914400" eaLnBrk="1" latinLnBrk="0" hangingPunct="1">
+              <a:buFontTx/>
+              <a:buNone/>
+            </a:pPr>
+            <a:r>
+              <a:rPr sz="2000" b="1">
+                <a:solidFill>
+                  <a:srgbClr val="0611F2"/>
+                </a:solidFill>
+                <a:latin typeface="맑은 고딕" charset="0"/>
+                <a:ea typeface="맑은 고딕" charset="0"/>
+              </a:rPr>
+              <a:t>4</a:t>
+            </a:r>
+            <a:r>
+              <a:rPr sz="2000" b="1">
+                <a:solidFill>
+                  <a:srgbClr val="0611F2"/>
+                </a:solidFill>
+                <a:latin typeface="맑은 고딕" charset="0"/>
+                <a:ea typeface="맑은 고딕" charset="0"/>
+              </a:rPr>
+              <a:t>6</a:t>
+            </a:r>
+            <a:r>
+              <a:rPr sz="2000" b="1">
+                <a:solidFill>
+                  <a:srgbClr val="0611F2"/>
+                </a:solidFill>
+                <a:latin typeface="맑은 고딕" charset="0"/>
+                <a:ea typeface="맑은 고딕" charset="0"/>
+              </a:rPr>
+              <a:t>.</a:t>
+            </a:r>
+            <a:r>
+              <a:rPr sz="2000">
+                <a:solidFill>
+                  <a:srgbClr val="0611F2"/>
+                </a:solidFill>
+                <a:latin typeface="맑은 고딕" charset="0"/>
+                <a:ea typeface="맑은 고딕" charset="0"/>
+              </a:rPr>
+              <a:t> </a:t>
+            </a:r>
+            <a:r>
+              <a:rPr sz="1800">
+                <a:latin typeface="맑은 고딕" charset="0"/>
+                <a:ea typeface="맑은 고딕" charset="0"/>
+              </a:rPr>
+              <a:t>그러고 나서 Texture 폴더 아래에 </a:t>
+            </a:r>
+            <a:r>
+              <a:rPr sz="1800">
+                <a:latin typeface="맑은 고딕" charset="0"/>
+                <a:ea typeface="맑은 고딕" charset="0"/>
+              </a:rPr>
+              <a:t>있는</a:t>
+            </a:r>
+            <a:r>
+              <a:rPr sz="1800">
+                <a:latin typeface="맑은 고딕" charset="0"/>
+                <a:ea typeface="맑은 고딕" charset="0"/>
+              </a:rPr>
+              <a:t> Login Texture 폴더에 Sign In </a:t>
+            </a:r>
+            <a:r>
+              <a:rPr sz="1800">
+                <a:latin typeface="맑은 고딕" charset="0"/>
+                <a:ea typeface="맑은 고딕" charset="0"/>
+              </a:rPr>
+              <a:t>Button</a:t>
+            </a:r>
+            <a:r>
+              <a:rPr lang="ko-KR" sz="1800">
+                <a:latin typeface="맑은 고딕" charset="0"/>
+                <a:ea typeface="맑은 고딕" charset="0"/>
+              </a:rPr>
+              <a:t> </a:t>
+            </a:r>
+            <a:r>
+              <a:rPr sz="1800">
+                <a:latin typeface="맑은 고딕" charset="0"/>
+                <a:ea typeface="맑은 고딕" charset="0"/>
+              </a:rPr>
+              <a:t>텍스처를 선택합니다.</a:t>
+            </a:r>
+            <a:endParaRPr lang="ko-KR" altLang="en-US" sz="1800">
+              <a:latin typeface="맑은 고딕" charset="0"/>
+              <a:ea typeface="맑은 고딕" charset="0"/>
+            </a:endParaRPr>
+          </a:p>
+          <a:p>
+            <a:pPr marL="0" indent="0" rtl="0" algn="l" defTabSz="914400" eaLnBrk="1" latinLnBrk="0" hangingPunct="1">
+              <a:buFontTx/>
+              <a:buNone/>
+            </a:pPr>
+            <a:endParaRPr lang="ko-KR" altLang="en-US" sz="1800">
+              <a:latin typeface="맑은 고딕" charset="0"/>
+              <a:ea typeface="맑은 고딕" charset="0"/>
+            </a:endParaRPr>
+          </a:p>
+          <a:p>
+            <a:pPr marL="0" indent="0" rtl="0" algn="l" defTabSz="914400" eaLnBrk="1" latinLnBrk="0" hangingPunct="1">
+              <a:buFontTx/>
+              <a:buNone/>
+            </a:pPr>
+            <a:r>
+              <a:rPr sz="1800">
+                <a:latin typeface="맑은 고딕" charset="0"/>
+                <a:ea typeface="맑은 고딕" charset="0"/>
+              </a:rPr>
+              <a:t>마지막으</a:t>
+            </a:r>
+            <a:r>
+              <a:rPr lang="ko-KR" sz="1800">
+                <a:latin typeface="맑은 고딕" charset="0"/>
+                <a:ea typeface="맑은 고딕" charset="0"/>
+              </a:rPr>
+              <a:t>로</a:t>
+            </a:r>
+            <a:r>
+              <a:rPr sz="1800">
+                <a:latin typeface="맑은 고딕" charset="0"/>
+                <a:ea typeface="맑은 고딕" charset="0"/>
+              </a:rPr>
+              <a:t> Sign In Button 오브젝트의 </a:t>
+            </a:r>
+            <a:r>
+              <a:rPr sz="1800">
+                <a:latin typeface="맑은 고딕" charset="0"/>
+                <a:ea typeface="맑은 고딕" charset="0"/>
+              </a:rPr>
+              <a:t>이미지</a:t>
+            </a:r>
+            <a:r>
+              <a:rPr sz="1800">
+                <a:latin typeface="맑은 고딕" charset="0"/>
+                <a:ea typeface="맑은 고딕" charset="0"/>
+              </a:rPr>
+              <a:t> </a:t>
+            </a:r>
+            <a:r>
+              <a:rPr sz="1800">
+                <a:latin typeface="맑은 고딕" charset="0"/>
+                <a:ea typeface="맑은 고딕" charset="0"/>
+              </a:rPr>
+              <a:t>컴포넌트에</a:t>
+            </a:r>
+            <a:r>
+              <a:rPr sz="1800">
+                <a:latin typeface="맑은 고딕" charset="0"/>
+                <a:ea typeface="맑은 고딕" charset="0"/>
+              </a:rPr>
+              <a:t> 넣어줍니다.</a:t>
+            </a:r>
+            <a:endParaRPr lang="ko-KR" altLang="en-US" sz="1800">
+              <a:latin typeface="맑은 고딕" charset="0"/>
+              <a:ea typeface="맑은 고딕" charset="0"/>
+            </a:endParaRPr>
+          </a:p>
+        </p:txBody>
+      </p:sp>
+      <p:sp>
+        <p:nvSpPr>
+          <p:cNvPr id="72" name="Rect 0"/>
+          <p:cNvSpPr txBox="1">
+            <a:spLocks/>
+          </p:cNvSpPr>
+          <p:nvPr/>
+        </p:nvSpPr>
+        <p:spPr>
+          <a:xfrm>
+            <a:off x="1229360" y="5235575"/>
+            <a:ext cx="4147185" cy="954405"/>
+          </a:xfrm>
+          <a:prstGeom prst="rect"/>
+          <a:noFill/>
+          <a:ln w="0">
+            <a:noFill/>
+            <a:prstDash/>
+          </a:ln>
+        </p:spPr>
+        <p:txBody>
+          <a:bodyPr wrap="square" lIns="89535" tIns="46355" rIns="89535" bIns="46355" numCol="1" vert="horz" anchor="t">
+            <a:spAutoFit/>
+          </a:bodyPr>
+          <a:lstStyle/>
+          <a:p>
+            <a:pPr marL="0" indent="0" rtl="0" algn="l" defTabSz="914400" eaLnBrk="1" latinLnBrk="0" hangingPunct="1">
+              <a:buFontTx/>
+              <a:buNone/>
+            </a:pPr>
+            <a:r>
+              <a:rPr lang="ko-KR" sz="2000" b="1">
+                <a:solidFill>
+                  <a:srgbClr val="0611F2"/>
+                </a:solidFill>
+                <a:latin typeface="맑은 고딕" charset="0"/>
+                <a:ea typeface="맑은 고딕" charset="0"/>
+              </a:rPr>
+              <a:t>45.</a:t>
+            </a:r>
+            <a:r>
+              <a:rPr lang="ko-KR" sz="2000">
+                <a:solidFill>
+                  <a:srgbClr val="0611F2"/>
+                </a:solidFill>
+                <a:latin typeface="맑은 고딕" charset="0"/>
+                <a:ea typeface="맑은 고딕" charset="0"/>
+              </a:rPr>
+              <a:t> </a:t>
+            </a:r>
+            <a:r>
+              <a:rPr lang="ko-KR" sz="1800">
+                <a:latin typeface="맑은 고딕" charset="0"/>
+                <a:ea typeface="맑은 고딕" charset="0"/>
+              </a:rPr>
+              <a:t>그런 다음 </a:t>
+            </a:r>
+            <a:r>
+              <a:rPr sz="1800">
+                <a:latin typeface="맑은 고딕" charset="0"/>
+                <a:ea typeface="맑은 고딕" charset="0"/>
+              </a:rPr>
+              <a:t>Sign Up Button </a:t>
+            </a:r>
+            <a:r>
+              <a:rPr sz="1800">
+                <a:latin typeface="맑은 고딕" charset="0"/>
+                <a:ea typeface="맑은 고딕" charset="0"/>
+              </a:rPr>
+              <a:t>오브젝트</a:t>
+            </a:r>
+            <a:r>
+              <a:rPr lang="ko-KR" sz="1800">
+                <a:latin typeface="맑은 고딕" charset="0"/>
+                <a:ea typeface="맑은 고딕" charset="0"/>
+              </a:rPr>
+              <a:t>에</a:t>
+            </a:r>
+            <a:r>
+              <a:rPr lang="ko-KR" sz="1800">
+                <a:latin typeface="맑은 고딕" charset="0"/>
+                <a:ea typeface="맑은 고딕" charset="0"/>
+              </a:rPr>
+              <a:t> </a:t>
+            </a:r>
+            <a:r>
+              <a:rPr lang="ko-KR" sz="1800">
+                <a:latin typeface="맑은 고딕" charset="0"/>
+                <a:ea typeface="맑은 고딕" charset="0"/>
+              </a:rPr>
+              <a:t>있는</a:t>
+            </a:r>
+            <a:r>
+              <a:rPr sz="1800">
+                <a:latin typeface="맑은 고딕" charset="0"/>
+                <a:ea typeface="맑은 고딕" charset="0"/>
+              </a:rPr>
+              <a:t> </a:t>
+            </a:r>
+            <a:r>
+              <a:rPr sz="1800">
+                <a:latin typeface="맑은 고딕" charset="0"/>
+                <a:ea typeface="맑은 고딕" charset="0"/>
+              </a:rPr>
+              <a:t>On</a:t>
+            </a:r>
+            <a:r>
+              <a:rPr sz="1800">
+                <a:latin typeface="맑은 고딕" charset="0"/>
+                <a:ea typeface="맑은 고딕" charset="0"/>
+              </a:rPr>
+              <a:t> Click( ) 함수에 </a:t>
+            </a:r>
+            <a:r>
+              <a:rPr sz="1800">
+                <a:latin typeface="맑은 고딕" charset="0"/>
+                <a:ea typeface="맑은 고딕" charset="0"/>
+              </a:rPr>
+              <a:t>SignUp(</a:t>
+            </a:r>
+            <a:r>
+              <a:rPr sz="1800">
+                <a:latin typeface="맑은 고딕" charset="0"/>
+                <a:ea typeface="맑은 고딕" charset="0"/>
+              </a:rPr>
+              <a:t> ) </a:t>
+            </a:r>
+            <a:r>
+              <a:rPr sz="1800">
+                <a:latin typeface="맑은 고딕" charset="0"/>
+                <a:ea typeface="맑은 고딕" charset="0"/>
+              </a:rPr>
+              <a:t>함수</a:t>
+            </a:r>
+            <a:r>
+              <a:rPr lang="ko-KR" sz="1800">
+                <a:latin typeface="맑은 고딕" charset="0"/>
+                <a:ea typeface="맑은 고딕" charset="0"/>
+              </a:rPr>
+              <a:t>를</a:t>
+            </a:r>
+            <a:r>
+              <a:rPr lang="ko-KR" sz="1800">
+                <a:latin typeface="맑은 고딕" charset="0"/>
+                <a:ea typeface="맑은 고딕" charset="0"/>
+              </a:rPr>
+              <a:t> </a:t>
+            </a:r>
+            <a:r>
+              <a:rPr sz="1800">
+                <a:latin typeface="맑은 고딕" charset="0"/>
+                <a:ea typeface="맑은 고딕" charset="0"/>
+              </a:rPr>
+              <a:t>등록합니다.</a:t>
+            </a:r>
+            <a:endParaRPr lang="ko-KR" altLang="en-US" sz="1800">
+              <a:latin typeface="맑은 고딕" charset="0"/>
+              <a:ea typeface="맑은 고딕" charset="0"/>
+            </a:endParaRPr>
+          </a:p>
+        </p:txBody>
+      </p:sp>
+      <p:pic>
+        <p:nvPicPr>
+          <p:cNvPr id="77" name="그림 94"/>
           <p:cNvPicPr>
             <a:picLocks noChangeAspect="1"/>
           </p:cNvPicPr>
@@ -14852,7 +15147,7 @@
       </p:pic>
       <p:pic>
         <p:nvPicPr>
-          <p:cNvPr id="78" name="그림 95" descr="C:/Users/Admin1/AppData/Roaming/PolarisOffice/ETemp/18644_16045856/fImage52504032382.png"/>
+          <p:cNvPr id="78" name="그림 95"/>
           <p:cNvPicPr>
             <a:picLocks noChangeAspect="1"/>
           </p:cNvPicPr>
@@ -14890,9 +15185,9 @@
           <p:nvPr/>
         </p:nvSpPr>
         <p:spPr>
-          <a:xfrm rot="0">
+          <a:xfrm>
             <a:off x="1231900" y="2754630"/>
-            <a:ext cx="4144010" cy="954405"/>
+            <a:ext cx="4144645" cy="954405"/>
           </a:xfrm>
           <a:prstGeom prst="rect"/>
           <a:noFill/>
@@ -14919,27 +15214,7 @@
                 <a:latin typeface="맑은 고딕" charset="0"/>
                 <a:ea typeface="맑은 고딕" charset="0"/>
               </a:rPr>
-              <a:t>4</a:t>
-            </a:r>
-            <a:r>
-              <a:rPr lang="ko-KR" sz="2000" b="1">
-                <a:solidFill>
-                  <a:srgbClr val="0611F2"/>
-                </a:solidFill>
-                <a:latin typeface="맑은 고딕" charset="0"/>
-                <a:ea typeface="맑은 고딕" charset="0"/>
-              </a:rPr>
-              <a:t>2</a:t>
-            </a:r>
-            <a:r>
-              <a:rPr lang="ko-KR" sz="2000" b="1">
-                <a:solidFill>
-                  <a:srgbClr val="0611F2"/>
-                </a:solidFill>
-                <a:latin typeface="맑은 고딕" charset="0"/>
-                <a:ea typeface="맑은 고딕" charset="0"/>
-              </a:rPr>
-              <a:t>.</a:t>
+              <a:t>44.</a:t>
             </a:r>
             <a:r>
               <a:rPr lang="ko-KR" sz="2000">
@@ -14970,91 +15245,28 @@
                 <a:latin typeface="맑은 고딕" charset="0"/>
                 <a:ea typeface="맑은 고딕" charset="0"/>
               </a:rPr>
-              <a:t> </a:t>
+              <a:t> On Click( ) 함수에 Photon </a:t>
             </a:r>
             <a:r>
               <a:rPr sz="1800">
                 <a:latin typeface="맑은 고딕" charset="0"/>
                 <a:ea typeface="맑은 고딕" charset="0"/>
               </a:rPr>
-              <a:t>On</a:t>
+              <a:t>S</a:t>
+            </a:r>
+            <a:r>
+              <a:rPr lang="ko-KR" sz="1800">
+                <a:latin typeface="맑은 고딕" charset="0"/>
+                <a:ea typeface="맑은 고딕" charset="0"/>
+              </a:rPr>
+              <a:t>etting</a:t>
             </a:r>
             <a:r>
               <a:rPr sz="1800">
                 <a:latin typeface="맑은 고딕" charset="0"/>
                 <a:ea typeface="맑은 고딕" charset="0"/>
               </a:rPr>
-              <a:t> </a:t>
-            </a:r>
-            <a:r>
-              <a:rPr sz="1800">
-                <a:latin typeface="맑은 고딕" charset="0"/>
-                <a:ea typeface="맑은 고딕" charset="0"/>
-              </a:rPr>
-              <a:t>Click(</a:t>
-            </a:r>
-            <a:r>
-              <a:rPr sz="1800">
-                <a:latin typeface="맑은 고딕" charset="0"/>
-                <a:ea typeface="맑은 고딕" charset="0"/>
-              </a:rPr>
-              <a:t> ) 함수에 </a:t>
-            </a:r>
-            <a:r>
-              <a:rPr sz="1800">
-                <a:latin typeface="맑은 고딕" charset="0"/>
-                <a:ea typeface="맑은 고딕" charset="0"/>
-              </a:rPr>
-              <a:t>P</a:t>
-            </a:r>
-            <a:r>
-              <a:rPr sz="1800">
-                <a:latin typeface="맑은 고딕" charset="0"/>
-                <a:ea typeface="맑은 고딕" charset="0"/>
-              </a:rPr>
-              <a:t>hoton </a:t>
-            </a:r>
-            <a:r>
-              <a:rPr sz="1800">
-                <a:latin typeface="맑은 고딕" charset="0"/>
-                <a:ea typeface="맑은 고딕" charset="0"/>
-              </a:rPr>
-              <a:t>S</a:t>
-            </a:r>
-            <a:r>
-              <a:rPr lang="ko-KR" sz="1800">
-                <a:latin typeface="맑은 고딕" charset="0"/>
-                <a:ea typeface="맑은 고딕" charset="0"/>
-              </a:rPr>
-              <a:t>e</a:t>
-            </a:r>
-            <a:r>
-              <a:rPr lang="ko-KR" sz="1800">
-                <a:latin typeface="맑은 고딕" charset="0"/>
-                <a:ea typeface="맑은 고딕" charset="0"/>
-              </a:rPr>
-              <a:t>tting</a:t>
-            </a:r>
-            <a:r>
-              <a:rPr sz="1800">
-                <a:latin typeface="맑은 고딕" charset="0"/>
-                <a:ea typeface="맑은 고딕" charset="0"/>
-              </a:rPr>
-              <a:t> </a:t>
-            </a:r>
-            <a:r>
-              <a:rPr sz="1800">
-                <a:latin typeface="맑은 고딕" charset="0"/>
-                <a:ea typeface="맑은 고딕" charset="0"/>
-              </a:rPr>
-              <a:t>오브젝트를</a:t>
-            </a:r>
-            <a:r>
-              <a:rPr sz="1800">
-                <a:latin typeface="맑은 고딕" charset="0"/>
-                <a:ea typeface="맑은 고딕" charset="0"/>
-              </a:rPr>
-              <a:t> 넣어줍니다.</a:t>
+              <a:t> 오브젝트를 넣어줍니다.</a:t>
             </a:r>
             <a:endParaRPr lang="ko-KR" altLang="en-US" sz="1800">
               <a:latin typeface="맑은 고딕" charset="0"/>
@@ -15098,7 +15310,7 @@
       </p:cxnSp>
       <p:pic>
         <p:nvPicPr>
-          <p:cNvPr id="81" name="그림 98" descr="C:/Users/Admin1/AppData/Roaming/PolarisOffice/ETemp/18644_16045856/fImage58464067421.png"/>
+          <p:cNvPr id="81" name="그림 98"/>
           <p:cNvPicPr>
             <a:picLocks noChangeAspect="1"/>
           </p:cNvPicPr>
@@ -15129,7 +15341,7 @@
       </p:pic>
       <p:pic>
         <p:nvPicPr>
-          <p:cNvPr id="82" name="그림 101" descr="C:/Users/Admin1/AppData/Roaming/PolarisOffice/ETemp/18644_16045856/fImage159744078716.png"/>
+          <p:cNvPr id="82" name="그림 101"/>
           <p:cNvPicPr>
             <a:picLocks noChangeAspect="1"/>
           </p:cNvPicPr>
@@ -15160,7 +15372,7 @@
       </p:pic>
       <p:pic>
         <p:nvPicPr>
-          <p:cNvPr id="83" name="그림 104" descr="C:/Users/Admin1/AppData/Roaming/PolarisOffice/ETemp/18644_16045856/fImage119524089718.png"/>
+          <p:cNvPr id="83" name="그림 104"/>
           <p:cNvPicPr>
             <a:picLocks noChangeAspect="1"/>
           </p:cNvPicPr>
@@ -18626,8 +18838,8 @@
         </p:nvSpPr>
         <p:spPr>
           <a:xfrm rot="0">
-            <a:off x="6913880" y="4940935"/>
-            <a:ext cx="4030980" cy="1231265"/>
+            <a:off x="6904990" y="5216525"/>
+            <a:ext cx="4052570" cy="954405"/>
           </a:xfrm>
           <a:prstGeom prst="rect"/>
           <a:noFill/>
@@ -18671,14 +18883,14 @@
                 <a:latin typeface="맑은 고딕" charset="0"/>
                 <a:ea typeface="맑은 고딕" charset="0"/>
               </a:rPr>
-              <a:t>그러고 나서 UI에서 Button </a:t>
-            </a:r>
-            <a:r>
-              <a:rPr lang="ko-KR" sz="1800">
-                <a:latin typeface="맑은 고딕" charset="0"/>
-                <a:ea typeface="맑은 고딕" charset="0"/>
-              </a:rPr>
-              <a:t>2개를</a:t>
+              <a:t>그러고 나서 UI에서 Button을 </a:t>
+            </a:r>
+            <a:r>
+              <a:rPr lang="ko-KR" sz="1800">
+                <a:latin typeface="맑은 고딕" charset="0"/>
+                <a:ea typeface="맑은 고딕" charset="0"/>
+              </a:rPr>
+              <a:t>생성한</a:t>
             </a:r>
             <a:r>
               <a:rPr lang="ko-KR" sz="1800">
@@ -18692,7 +18904,7 @@
                 <a:latin typeface="맑은 고딕" charset="0"/>
                 <a:ea typeface="맑은 고딕" charset="0"/>
               </a:rPr>
-              <a:t>생성하고</a:t>
+              <a:t>다음</a:t>
             </a:r>
             <a:r>
               <a:rPr lang="ko-KR" sz="1800">
@@ -18706,21 +18918,7 @@
                 <a:latin typeface="맑은 고딕" charset="0"/>
                 <a:ea typeface="맑은 고딕" charset="0"/>
               </a:rPr>
-              <a:t>각각의</a:t>
-            </a:r>
-            <a:r>
-              <a:rPr lang="ko-KR" sz="1800">
-                <a:latin typeface="맑은 고딕" charset="0"/>
-                <a:ea typeface="맑은 고딕" charset="0"/>
-              </a:rPr>
-              <a:t> Button의 </a:t>
-            </a:r>
-            <a:r>
-              <a:rPr lang="ko-KR" sz="1800">
-                <a:latin typeface="맑은 고딕" charset="0"/>
-                <a:ea typeface="맑은 고딕" charset="0"/>
-              </a:rPr>
-              <a:t>이름을</a:t>
+              <a:t>Sign</a:t>
             </a:r>
             <a:r>
               <a:rPr lang="ko-KR" sz="1800">
@@ -18734,7 +18932,7 @@
                 <a:latin typeface="맑은 고딕" charset="0"/>
                 <a:ea typeface="맑은 고딕" charset="0"/>
               </a:rPr>
-              <a:t>Sign</a:t>
+              <a:t>In</a:t>
             </a:r>
             <a:r>
               <a:rPr lang="ko-KR" sz="1800">
@@ -18748,7 +18946,7 @@
                 <a:latin typeface="맑은 고딕" charset="0"/>
                 <a:ea typeface="맑은 고딕" charset="0"/>
               </a:rPr>
-              <a:t>In</a:t>
+              <a:t>Button이라는</a:t>
             </a:r>
             <a:r>
               <a:rPr lang="ko-KR" sz="1800">
@@ -18762,21 +18960,7 @@
                 <a:latin typeface="맑은 고딕" charset="0"/>
                 <a:ea typeface="맑은 고딕" charset="0"/>
               </a:rPr>
-              <a:t>Button과</a:t>
-            </a:r>
-            <a:r>
-              <a:rPr lang="ko-KR" sz="1800">
-                <a:latin typeface="맑은 고딕" charset="0"/>
-                <a:ea typeface="맑은 고딕" charset="0"/>
-              </a:rPr>
-              <a:t> Sign Up </a:t>
-            </a:r>
-            <a:r>
-              <a:rPr lang="ko-KR" sz="1800">
-                <a:latin typeface="맑은 고딕" charset="0"/>
-                <a:ea typeface="맑은 고딕" charset="0"/>
-              </a:rPr>
-              <a:t>Button이라는</a:t>
+              <a:t>이름으로</a:t>
             </a:r>
             <a:r>
               <a:rPr lang="ko-KR" sz="1800">
@@ -18790,14 +18974,7 @@
                 <a:latin typeface="맑은 고딕" charset="0"/>
                 <a:ea typeface="맑은 고딕" charset="0"/>
               </a:rPr>
-              <a:t>이름으로</a:t>
-            </a:r>
-            <a:r>
-              <a:rPr lang="ko-KR" sz="1800">
-                <a:latin typeface="맑은 고딕" charset="0"/>
-                <a:ea typeface="맑은 고딕" charset="0"/>
-              </a:rPr>
-              <a:t> 정의합니다.</a:t>
+              <a:t>정의합니다.</a:t>
             </a:r>
             <a:endParaRPr lang="ko-KR" altLang="en-US" sz="1800">
               <a:latin typeface="맑은 고딕" charset="0"/>
@@ -18808,7 +18985,7 @@
       </p:sp>
       <p:pic>
         <p:nvPicPr>
-          <p:cNvPr id="55" name="그림 28" descr="C:/Users/Admin1/AppData/Roaming/PolarisOffice/ETemp/18644_16045856/fImage250602681942.png"/>
+          <p:cNvPr id="55" name="그림 28"/>
           <p:cNvPicPr>
             <a:picLocks noChangeAspect="1"/>
           </p:cNvPicPr>
@@ -18837,7 +19014,7 @@
       </p:pic>
       <p:pic>
         <p:nvPicPr>
-          <p:cNvPr id="56" name="그림 29"/>
+          <p:cNvPr id="56" name="그림 29" descr="C:/Users/Admin1/AppData/Roaming/PolarisOffice/ETemp/12940_6238040/fImage191382694827.png"/>
           <p:cNvPicPr>
             <a:picLocks noChangeAspect="1"/>
           </p:cNvPicPr>
@@ -18858,7 +19035,7 @@
         <p:spPr>
           <a:xfrm rot="0">
             <a:off x="6917690" y="1447800"/>
-            <a:ext cx="2474595" cy="3296285"/>
+            <a:ext cx="2475230" cy="3574415"/>
           </a:xfrm>
           <a:prstGeom prst="roundRect"/>
           <a:solidFill>
@@ -18868,17 +19045,17 @@
       </p:pic>
       <p:pic>
         <p:nvPicPr>
-          <p:cNvPr id="57" name="그림 34"/>
+          <p:cNvPr id="57" name="그림 1" descr="C:/Users/Admin1/AppData/Roaming/PolarisOffice/ETemp/12940_6238040/fImage569025841.png"/>
           <p:cNvPicPr>
             <a:picLocks noChangeAspect="1"/>
           </p:cNvPicPr>
           <p:nvPr/>
         </p:nvPicPr>
         <p:blipFill rotWithShape="1">
-          <a:blip r:embed="rId6" cstate="hqprint">
+          <a:blip r:embed="rId7" cstate="print">
             <a:extLst>
               <a:ext uri="{28A0092B-C50C-407E-A947-70E740481C1C}">
-                <a14:useLocalDpi xmlns:a14="http://schemas.microsoft.com/office/drawing/2010/main"/>
+                <a14:useLocalDpi xmlns:a14="http://schemas.microsoft.com/office/drawing/2010/main" val="0"/>
               </a:ext>
             </a:extLst>
           </a:blip>
@@ -18888,8 +19065,8 @@
         </p:blipFill>
         <p:spPr>
           <a:xfrm rot="0">
-            <a:off x="9572625" y="2009775"/>
-            <a:ext cx="1372235" cy="2183130"/>
+            <a:off x="9570085" y="2247900"/>
+            <a:ext cx="1387475" cy="1956435"/>
           </a:xfrm>
           <a:prstGeom prst="roundRect"/>
           <a:solidFill>

--- a/Assets/Class/Photon Server/PPT Data/Photon PlayFab.pptx
+++ b/Assets/Class/Photon Server/PPT Data/Photon PlayFab.pptx
@@ -2,7 +2,7 @@
 <file path=ppt/presentation.xml><?xml version="1.0" encoding="utf-8"?>
 <p:presentation xmlns:a="http://schemas.openxmlformats.org/drawingml/2006/main" xmlns:r="http://schemas.openxmlformats.org/officeDocument/2006/relationships" xmlns:p="http://schemas.openxmlformats.org/presentationml/2006/main" xmlns:p14="http://schemas.microsoft.com/office/powerpoint/2010/main" saveSubsetFonts="1" firstSlideNum="0">
   <p:sldMasterIdLst>
-    <p:sldMasterId id="2147486980" r:id="rId12"/>
+    <p:sldMasterId id="2147487025" r:id="rId12"/>
   </p:sldMasterIdLst>
   <p:notesMasterIdLst>
     <p:notesMasterId r:id="rId14"/>
@@ -17,16 +17,19 @@
     <p:sldId id="320" r:id="rId28"/>
     <p:sldId id="321" r:id="rId30"/>
     <p:sldId id="322" r:id="rId32"/>
-    <p:sldId id="338" r:id="rId33"/>
-    <p:sldId id="330" r:id="rId34"/>
-    <p:sldId id="323" r:id="rId35"/>
-    <p:sldId id="324" r:id="rId36"/>
-    <p:sldId id="325" r:id="rId37"/>
-    <p:sldId id="334" r:id="rId38"/>
-    <p:sldId id="326" r:id="rId39"/>
-    <p:sldId id="335" r:id="rId40"/>
-    <p:sldId id="336" r:id="rId41"/>
-    <p:sldId id="337" r:id="rId42"/>
+    <p:sldId id="338" r:id="rId34"/>
+    <p:sldId id="330" r:id="rId35"/>
+    <p:sldId id="339" r:id="rId37"/>
+    <p:sldId id="323" r:id="rId38"/>
+    <p:sldId id="324" r:id="rId39"/>
+    <p:sldId id="340" r:id="rId40"/>
+    <p:sldId id="325" r:id="rId41"/>
+    <p:sldId id="334" r:id="rId42"/>
+    <p:sldId id="326" r:id="rId43"/>
+    <p:sldId id="335" r:id="rId44"/>
+    <p:sldId id="336" r:id="rId45"/>
+    <p:sldId id="337" r:id="rId46"/>
+    <p:sldId id="341" r:id="rId47"/>
   </p:sldIdLst>
   <p:sldSz cx="12192000" cy="6858000"/>
   <p:notesSz cx="6858000" cy="9144000"/>
@@ -941,7 +944,7 @@
         <p:spPr>
           <a:xfrm rot="0">
             <a:off x="685800" y="1143000"/>
-            <a:ext cx="5494020" cy="3093720"/>
+            <a:ext cx="5495290" cy="3094990"/>
           </a:xfrm>
           <a:prstGeom prst="rect"/>
           <a:noFill/>
@@ -980,7 +983,7 @@
         <p:spPr>
           <a:xfrm rot="0">
             <a:off x="685800" y="4400550"/>
-            <a:ext cx="5494020" cy="3608070"/>
+            <a:ext cx="5495290" cy="3609340"/>
           </a:xfrm>
           <a:prstGeom prst="rect"/>
         </p:spPr>
@@ -1010,7 +1013,7 @@
         <p:spPr>
           <a:xfrm rot="0">
             <a:off x="3884930" y="8685530"/>
-            <a:ext cx="2979420" cy="466090"/>
+            <a:ext cx="2980690" cy="467360"/>
           </a:xfrm>
           <a:prstGeom prst="rect"/>
         </p:spPr>
@@ -1367,7 +1370,7 @@
         <p:spPr>
           <a:xfrm rot="0">
             <a:off x="685800" y="1143000"/>
-            <a:ext cx="5495290" cy="3094990"/>
+            <a:ext cx="5494655" cy="3094355"/>
           </a:xfrm>
           <a:prstGeom prst="rect"/>
           <a:noFill/>
@@ -1406,7 +1409,7 @@
         <p:spPr>
           <a:xfrm rot="0">
             <a:off x="685800" y="4400550"/>
-            <a:ext cx="5495290" cy="3609340"/>
+            <a:ext cx="5494655" cy="3608705"/>
           </a:xfrm>
           <a:prstGeom prst="rect"/>
         </p:spPr>
@@ -1436,7 +1439,7 @@
         <p:spPr>
           <a:xfrm rot="0">
             <a:off x="3884930" y="8685530"/>
-            <a:ext cx="2980690" cy="467360"/>
+            <a:ext cx="2980055" cy="466725"/>
           </a:xfrm>
           <a:prstGeom prst="rect"/>
         </p:spPr>
@@ -1651,7 +1654,7 @@
         <p:spPr>
           <a:xfrm rot="0">
             <a:off x="685800" y="1143000"/>
-            <a:ext cx="5494655" cy="3094355"/>
+            <a:ext cx="5495290" cy="3094990"/>
           </a:xfrm>
           <a:prstGeom prst="rect"/>
           <a:noFill/>
@@ -1690,7 +1693,7 @@
         <p:spPr>
           <a:xfrm rot="0">
             <a:off x="685800" y="4400550"/>
-            <a:ext cx="5494655" cy="3608705"/>
+            <a:ext cx="5495290" cy="3609340"/>
           </a:xfrm>
           <a:prstGeom prst="rect"/>
         </p:spPr>
@@ -1720,7 +1723,7 @@
         <p:spPr>
           <a:xfrm rot="0">
             <a:off x="3884930" y="8685530"/>
-            <a:ext cx="2980055" cy="466725"/>
+            <a:ext cx="2980690" cy="467360"/>
           </a:xfrm>
           <a:prstGeom prst="rect"/>
         </p:spPr>
@@ -1793,7 +1796,7 @@
         <p:spPr>
           <a:xfrm rot="0">
             <a:off x="685800" y="1143000"/>
-            <a:ext cx="5494655" cy="3094355"/>
+            <a:ext cx="5494020" cy="3093720"/>
           </a:xfrm>
           <a:prstGeom prst="rect"/>
           <a:noFill/>
@@ -1832,7 +1835,7 @@
         <p:spPr>
           <a:xfrm rot="0">
             <a:off x="685800" y="4400550"/>
-            <a:ext cx="5494655" cy="3608705"/>
+            <a:ext cx="5494020" cy="3608070"/>
           </a:xfrm>
           <a:prstGeom prst="rect"/>
         </p:spPr>
@@ -1862,7 +1865,7 @@
         <p:spPr>
           <a:xfrm rot="0">
             <a:off x="3884930" y="8685530"/>
-            <a:ext cx="2980055" cy="466725"/>
+            <a:ext cx="2979420" cy="466090"/>
           </a:xfrm>
           <a:prstGeom prst="rect"/>
         </p:spPr>
@@ -2147,6 +2150,432 @@
           <a:xfrm rot="0">
             <a:off x="3884930" y="8685530"/>
             <a:ext cx="2978785" cy="465455"/>
+          </a:xfrm>
+          <a:prstGeom prst="rect"/>
+        </p:spPr>
+        <p:txBody>
+          <a:bodyPr wrap="square" lIns="91440" tIns="45720" rIns="91440" bIns="45720" numCol="1" vert="horz" anchor="b">
+            <a:noAutofit/>
+          </a:bodyPr>
+          <a:lstStyle>
+            <a:lvl1pPr marL="0" indent="0" algn="r" latinLnBrk="0">
+              <a:buFontTx/>
+              <a:buNone/>
+              <a:defRPr lang="en-GB" altLang="en-US" sz="1200"/>
+            </a:lvl1pPr>
+          </a:lstStyle>
+          <a:p>
+            <a:pPr marL="0" indent="0" latinLnBrk="0">
+              <a:buFontTx/>
+              <a:buNone/>
+            </a:pPr>
+            <a:fld id="{B9320F77-B9A0-41C5-862A-B4B631284C64}" type="slidenum">
+              <a:rPr lang="ko-KR" altLang="en-US"/>
+              <a:t>‹#›</a:t>
+            </a:fld>
+          </a:p>
+        </p:txBody>
+      </p:sp>
+    </p:spTree>
+  </p:cSld>
+  <p:clrMapOvr>
+    <a:masterClrMapping/>
+  </p:clrMapOvr>
+  <mc:AlternateContent xmlns:mc="http://schemas.openxmlformats.org/markup-compatibility/2006">
+    <mc:Choice xmlns:p14="http://schemas.microsoft.com/office/powerpoint/2010/main" Requires="p14">
+      <p:transition spd="slow" p14:dur="0"/>
+    </mc:Choice>
+    <mc:Fallback>
+      <p:transition spd="slow"/>
+    </mc:Fallback>
+  </mc:AlternateContent>
+</p:notes>
+</file>
+
+<file path=ppt/notesSlides/notesSlide20.xml><?xml version="1.0" encoding="utf-8"?>
+<p:notes xmlns:a="http://schemas.openxmlformats.org/drawingml/2006/main" xmlns:r="http://schemas.openxmlformats.org/officeDocument/2006/relationships" xmlns:p="http://schemas.openxmlformats.org/presentationml/2006/main">
+  <p:cSld>
+    <p:spTree>
+      <p:nvGrpSpPr>
+        <p:cNvPr id="1" name=""/>
+        <p:cNvGrpSpPr/>
+        <p:nvPr/>
+      </p:nvGrpSpPr>
+      <p:grpSpPr>
+        <a:xfrm>
+          <a:off x="0" y="0"/>
+          <a:ext cx="0" cy="0"/>
+          <a:chOff x="0" y="0"/>
+          <a:chExt cx="0" cy="0"/>
+        </a:xfrm>
+      </p:grpSpPr>
+      <p:sp>
+        <p:nvSpPr>
+          <p:cNvPr id="2" name="슬라이드 이미지 개체 틀 3"/>
+          <p:cNvSpPr>
+            <a:spLocks noChangeAspect="1"/>
+          </p:cNvSpPr>
+          <p:nvPr>
+            <p:ph type="sldImg" idx="2"/>
+          </p:nvPr>
+        </p:nvSpPr>
+        <p:spPr>
+          <a:xfrm rot="0">
+            <a:off x="685800" y="1143000"/>
+            <a:ext cx="5494655" cy="3094355"/>
+          </a:xfrm>
+          <a:prstGeom prst="rect"/>
+          <a:noFill/>
+          <a:ln w="12700" cap="flat" cmpd="sng">
+            <a:solidFill>
+              <a:srgbClr val="000000">
+                <a:alpha val="100000"/>
+              </a:srgbClr>
+            </a:solidFill>
+            <a:prstDash val="solid"/>
+          </a:ln>
+        </p:spPr>
+        <p:txBody>
+          <a:bodyPr wrap="square" lIns="91440" tIns="45720" rIns="91440" bIns="45720" numCol="1" vert="horz" anchor="ctr">
+            <a:noAutofit/>
+          </a:bodyPr>
+          <a:lstStyle/>
+          <a:p>
+            <a:pPr marL="0" indent="0" latinLnBrk="0">
+              <a:buFontTx/>
+              <a:buNone/>
+            </a:pPr>
+          </a:p>
+        </p:txBody>
+      </p:sp>
+      <p:sp>
+        <p:nvSpPr>
+          <p:cNvPr id="3" name="슬라이드 노트 개체 틀 4"/>
+          <p:cNvSpPr txBox="1">
+            <a:spLocks/>
+          </p:cNvSpPr>
+          <p:nvPr>
+            <p:ph type="body" idx="3"/>
+          </p:nvPr>
+        </p:nvSpPr>
+        <p:spPr>
+          <a:xfrm rot="0">
+            <a:off x="685800" y="4400550"/>
+            <a:ext cx="5494655" cy="3608705"/>
+          </a:xfrm>
+          <a:prstGeom prst="rect"/>
+        </p:spPr>
+        <p:txBody>
+          <a:bodyPr wrap="square" lIns="91440" tIns="45720" rIns="91440" bIns="45720" numCol="1" vert="horz" anchor="t">
+            <a:noAutofit/>
+          </a:bodyPr>
+          <a:lstStyle/>
+          <a:p>
+            <a:pPr marL="0" indent="0" latinLnBrk="0">
+              <a:buFontTx/>
+              <a:buNone/>
+            </a:pPr>
+          </a:p>
+        </p:txBody>
+      </p:sp>
+      <p:sp>
+        <p:nvSpPr>
+          <p:cNvPr id="4" name="슬라이드 번호 개체 틀 6"/>
+          <p:cNvSpPr txBox="1">
+            <a:spLocks/>
+          </p:cNvSpPr>
+          <p:nvPr>
+            <p:ph type="sldNum" idx="5"/>
+          </p:nvPr>
+        </p:nvSpPr>
+        <p:spPr>
+          <a:xfrm rot="0">
+            <a:off x="3884930" y="8685530"/>
+            <a:ext cx="2980055" cy="466725"/>
+          </a:xfrm>
+          <a:prstGeom prst="rect"/>
+        </p:spPr>
+        <p:txBody>
+          <a:bodyPr wrap="square" lIns="91440" tIns="45720" rIns="91440" bIns="45720" numCol="1" vert="horz" anchor="b">
+            <a:noAutofit/>
+          </a:bodyPr>
+          <a:lstStyle>
+            <a:lvl1pPr marL="0" indent="0" algn="r" latinLnBrk="0">
+              <a:buFontTx/>
+              <a:buNone/>
+              <a:defRPr lang="en-GB" altLang="en-US" sz="1200"/>
+            </a:lvl1pPr>
+          </a:lstStyle>
+          <a:p>
+            <a:pPr marL="0" indent="0" latinLnBrk="0">
+              <a:buFontTx/>
+              <a:buNone/>
+            </a:pPr>
+            <a:fld id="{B9320F77-B9A0-41C5-862A-B4B631284C64}" type="slidenum">
+              <a:rPr lang="ko-KR" altLang="en-US"/>
+              <a:t>‹#›</a:t>
+            </a:fld>
+          </a:p>
+        </p:txBody>
+      </p:sp>
+    </p:spTree>
+  </p:cSld>
+  <p:clrMapOvr>
+    <a:masterClrMapping/>
+  </p:clrMapOvr>
+  <mc:AlternateContent xmlns:mc="http://schemas.openxmlformats.org/markup-compatibility/2006">
+    <mc:Choice xmlns:p14="http://schemas.microsoft.com/office/powerpoint/2010/main" Requires="p14">
+      <p:transition spd="slow" p14:dur="0"/>
+    </mc:Choice>
+    <mc:Fallback>
+      <p:transition spd="slow"/>
+    </mc:Fallback>
+  </mc:AlternateContent>
+</p:notes>
+</file>
+
+<file path=ppt/notesSlides/notesSlide21.xml><?xml version="1.0" encoding="utf-8"?>
+<p:notes xmlns:a="http://schemas.openxmlformats.org/drawingml/2006/main" xmlns:r="http://schemas.openxmlformats.org/officeDocument/2006/relationships" xmlns:p="http://schemas.openxmlformats.org/presentationml/2006/main">
+  <p:cSld>
+    <p:spTree>
+      <p:nvGrpSpPr>
+        <p:cNvPr id="1" name=""/>
+        <p:cNvGrpSpPr/>
+        <p:nvPr/>
+      </p:nvGrpSpPr>
+      <p:grpSpPr>
+        <a:xfrm>
+          <a:off x="0" y="0"/>
+          <a:ext cx="0" cy="0"/>
+          <a:chOff x="0" y="0"/>
+          <a:chExt cx="0" cy="0"/>
+        </a:xfrm>
+      </p:grpSpPr>
+      <p:sp>
+        <p:nvSpPr>
+          <p:cNvPr id="2" name="슬라이드 이미지 개체 틀 3"/>
+          <p:cNvSpPr>
+            <a:spLocks noChangeAspect="1"/>
+          </p:cNvSpPr>
+          <p:nvPr>
+            <p:ph type="sldImg" idx="2"/>
+          </p:nvPr>
+        </p:nvSpPr>
+        <p:spPr>
+          <a:xfrm rot="0">
+            <a:off x="685800" y="1143000"/>
+            <a:ext cx="5494655" cy="3094355"/>
+          </a:xfrm>
+          <a:prstGeom prst="rect"/>
+          <a:noFill/>
+          <a:ln w="12700" cap="flat" cmpd="sng">
+            <a:solidFill>
+              <a:srgbClr val="000000">
+                <a:alpha val="100000"/>
+              </a:srgbClr>
+            </a:solidFill>
+            <a:prstDash val="solid"/>
+          </a:ln>
+        </p:spPr>
+        <p:txBody>
+          <a:bodyPr wrap="square" lIns="91440" tIns="45720" rIns="91440" bIns="45720" numCol="1" vert="horz" anchor="ctr">
+            <a:noAutofit/>
+          </a:bodyPr>
+          <a:lstStyle/>
+          <a:p>
+            <a:pPr marL="0" indent="0" latinLnBrk="0">
+              <a:buFontTx/>
+              <a:buNone/>
+            </a:pPr>
+          </a:p>
+        </p:txBody>
+      </p:sp>
+      <p:sp>
+        <p:nvSpPr>
+          <p:cNvPr id="3" name="슬라이드 노트 개체 틀 4"/>
+          <p:cNvSpPr txBox="1">
+            <a:spLocks/>
+          </p:cNvSpPr>
+          <p:nvPr>
+            <p:ph type="body" idx="3"/>
+          </p:nvPr>
+        </p:nvSpPr>
+        <p:spPr>
+          <a:xfrm rot="0">
+            <a:off x="685800" y="4400550"/>
+            <a:ext cx="5494655" cy="3608705"/>
+          </a:xfrm>
+          <a:prstGeom prst="rect"/>
+        </p:spPr>
+        <p:txBody>
+          <a:bodyPr wrap="square" lIns="91440" tIns="45720" rIns="91440" bIns="45720" numCol="1" vert="horz" anchor="t">
+            <a:noAutofit/>
+          </a:bodyPr>
+          <a:lstStyle/>
+          <a:p>
+            <a:pPr marL="0" indent="0" latinLnBrk="0">
+              <a:buFontTx/>
+              <a:buNone/>
+            </a:pPr>
+          </a:p>
+        </p:txBody>
+      </p:sp>
+      <p:sp>
+        <p:nvSpPr>
+          <p:cNvPr id="4" name="슬라이드 번호 개체 틀 6"/>
+          <p:cNvSpPr txBox="1">
+            <a:spLocks/>
+          </p:cNvSpPr>
+          <p:nvPr>
+            <p:ph type="sldNum" idx="5"/>
+          </p:nvPr>
+        </p:nvSpPr>
+        <p:spPr>
+          <a:xfrm rot="0">
+            <a:off x="3884930" y="8685530"/>
+            <a:ext cx="2980055" cy="466725"/>
+          </a:xfrm>
+          <a:prstGeom prst="rect"/>
+        </p:spPr>
+        <p:txBody>
+          <a:bodyPr wrap="square" lIns="91440" tIns="45720" rIns="91440" bIns="45720" numCol="1" vert="horz" anchor="b">
+            <a:noAutofit/>
+          </a:bodyPr>
+          <a:lstStyle>
+            <a:lvl1pPr marL="0" indent="0" algn="r" latinLnBrk="0">
+              <a:buFontTx/>
+              <a:buNone/>
+              <a:defRPr lang="en-GB" altLang="en-US" sz="1200"/>
+            </a:lvl1pPr>
+          </a:lstStyle>
+          <a:p>
+            <a:pPr marL="0" indent="0" latinLnBrk="0">
+              <a:buFontTx/>
+              <a:buNone/>
+            </a:pPr>
+            <a:fld id="{B9320F77-B9A0-41C5-862A-B4B631284C64}" type="slidenum">
+              <a:rPr lang="ko-KR" altLang="en-US"/>
+              <a:t>‹#›</a:t>
+            </a:fld>
+          </a:p>
+        </p:txBody>
+      </p:sp>
+    </p:spTree>
+  </p:cSld>
+  <p:clrMapOvr>
+    <a:masterClrMapping/>
+  </p:clrMapOvr>
+  <mc:AlternateContent xmlns:mc="http://schemas.openxmlformats.org/markup-compatibility/2006">
+    <mc:Choice xmlns:p14="http://schemas.microsoft.com/office/powerpoint/2010/main" Requires="p14">
+      <p:transition spd="slow" p14:dur="0"/>
+    </mc:Choice>
+    <mc:Fallback>
+      <p:transition spd="slow"/>
+    </mc:Fallback>
+  </mc:AlternateContent>
+</p:notes>
+</file>
+
+<file path=ppt/notesSlides/notesSlide22.xml><?xml version="1.0" encoding="utf-8"?>
+<p:notes xmlns:a="http://schemas.openxmlformats.org/drawingml/2006/main" xmlns:r="http://schemas.openxmlformats.org/officeDocument/2006/relationships" xmlns:p="http://schemas.openxmlformats.org/presentationml/2006/main">
+  <p:cSld>
+    <p:spTree>
+      <p:nvGrpSpPr>
+        <p:cNvPr id="1" name=""/>
+        <p:cNvGrpSpPr/>
+        <p:nvPr/>
+      </p:nvGrpSpPr>
+      <p:grpSpPr>
+        <a:xfrm>
+          <a:off x="0" y="0"/>
+          <a:ext cx="0" cy="0"/>
+          <a:chOff x="0" y="0"/>
+          <a:chExt cx="0" cy="0"/>
+        </a:xfrm>
+      </p:grpSpPr>
+      <p:sp>
+        <p:nvSpPr>
+          <p:cNvPr id="2" name="슬라이드 이미지 개체 틀 3"/>
+          <p:cNvSpPr>
+            <a:spLocks noChangeAspect="1"/>
+          </p:cNvSpPr>
+          <p:nvPr>
+            <p:ph type="sldImg" idx="2"/>
+          </p:nvPr>
+        </p:nvSpPr>
+        <p:spPr>
+          <a:xfrm rot="0">
+            <a:off x="685800" y="1143000"/>
+            <a:ext cx="5495290" cy="3094990"/>
+          </a:xfrm>
+          <a:prstGeom prst="rect"/>
+          <a:noFill/>
+          <a:ln w="12700" cap="flat" cmpd="sng">
+            <a:solidFill>
+              <a:srgbClr val="000000">
+                <a:alpha val="100000"/>
+              </a:srgbClr>
+            </a:solidFill>
+            <a:prstDash val="solid"/>
+          </a:ln>
+        </p:spPr>
+        <p:txBody>
+          <a:bodyPr wrap="square" lIns="91440" tIns="45720" rIns="91440" bIns="45720" numCol="1" vert="horz" anchor="ctr">
+            <a:noAutofit/>
+          </a:bodyPr>
+          <a:lstStyle/>
+          <a:p>
+            <a:pPr marL="0" indent="0" latinLnBrk="0">
+              <a:buFontTx/>
+              <a:buNone/>
+            </a:pPr>
+          </a:p>
+        </p:txBody>
+      </p:sp>
+      <p:sp>
+        <p:nvSpPr>
+          <p:cNvPr id="3" name="슬라이드 노트 개체 틀 4"/>
+          <p:cNvSpPr txBox="1">
+            <a:spLocks/>
+          </p:cNvSpPr>
+          <p:nvPr>
+            <p:ph type="body" idx="3"/>
+          </p:nvPr>
+        </p:nvSpPr>
+        <p:spPr>
+          <a:xfrm rot="0">
+            <a:off x="685800" y="4400550"/>
+            <a:ext cx="5495290" cy="3609340"/>
+          </a:xfrm>
+          <a:prstGeom prst="rect"/>
+        </p:spPr>
+        <p:txBody>
+          <a:bodyPr wrap="square" lIns="91440" tIns="45720" rIns="91440" bIns="45720" numCol="1" vert="horz" anchor="t">
+            <a:noAutofit/>
+          </a:bodyPr>
+          <a:lstStyle/>
+          <a:p>
+            <a:pPr marL="0" indent="0" latinLnBrk="0">
+              <a:buFontTx/>
+              <a:buNone/>
+            </a:pPr>
+          </a:p>
+        </p:txBody>
+      </p:sp>
+      <p:sp>
+        <p:nvSpPr>
+          <p:cNvPr id="4" name="슬라이드 번호 개체 틀 6"/>
+          <p:cNvSpPr txBox="1">
+            <a:spLocks/>
+          </p:cNvSpPr>
+          <p:nvPr>
+            <p:ph type="sldNum" idx="5"/>
+          </p:nvPr>
+        </p:nvSpPr>
+        <p:spPr>
+          <a:xfrm rot="0">
+            <a:off x="3884930" y="8685530"/>
+            <a:ext cx="2980690" cy="467360"/>
           </a:xfrm>
           <a:prstGeom prst="rect"/>
         </p:spPr>
@@ -8521,7 +8950,7 @@
 </file>
 
 <file path=ppt/slides/slide10.xml><?xml version="1.0" encoding="utf-8"?>
-<p:sld xmlns:a="http://schemas.openxmlformats.org/drawingml/2006/main" xmlns:r="http://schemas.openxmlformats.org/officeDocument/2006/relationships" xmlns:p="http://schemas.openxmlformats.org/presentationml/2006/main">
+<p:sld xmlns:a="http://schemas.openxmlformats.org/drawingml/2006/main" xmlns:r="http://schemas.openxmlformats.org/officeDocument/2006/relationships" xmlns:p="http://schemas.openxmlformats.org/presentationml/2006/main" xmlns:p14="http://schemas.microsoft.com/office/powerpoint/2010/main">
   <p:cSld>
     <p:spTree>
       <p:nvGrpSpPr>
@@ -8642,8 +9071,8 @@
         </p:nvSpPr>
         <p:spPr>
           <a:xfrm rot="0">
-            <a:off x="1230630" y="5133975"/>
-            <a:ext cx="4124960" cy="954405"/>
+            <a:off x="1230630" y="5168265"/>
+            <a:ext cx="4125595" cy="955040"/>
           </a:xfrm>
           <a:prstGeom prst="rect"/>
           <a:noFill/>
@@ -8670,27 +9099,7 @@
                 <a:latin typeface="맑은 고딕" charset="0"/>
                 <a:ea typeface="맑은 고딕" charset="0"/>
               </a:rPr>
-              <a:t>2</a:t>
-            </a:r>
-            <a:r>
-              <a:rPr lang="ko-KR" sz="2000" b="1">
-                <a:solidFill>
-                  <a:srgbClr val="0611F2"/>
-                </a:solidFill>
-                <a:latin typeface="맑은 고딕" charset="0"/>
-                <a:ea typeface="맑은 고딕" charset="0"/>
-              </a:rPr>
-              <a:t>0</a:t>
-            </a:r>
-            <a:r>
-              <a:rPr lang="ko-KR" sz="2000" b="1">
-                <a:solidFill>
-                  <a:srgbClr val="0611F2"/>
-                </a:solidFill>
-                <a:latin typeface="맑은 고딕" charset="0"/>
-                <a:ea typeface="맑은 고딕" charset="0"/>
-              </a:rPr>
-              <a:t>.</a:t>
+              <a:t>20.</a:t>
             </a:r>
             <a:r>
               <a:rPr lang="ko-KR" sz="2000">
@@ -8707,14 +9116,7 @@
                 <a:latin typeface="맑은 고딕" charset="0"/>
                 <a:ea typeface="맑은 고딕" charset="0"/>
               </a:rPr>
-              <a:t>이제 UI에서 Button을 </a:t>
-            </a:r>
-            <a:r>
-              <a:rPr lang="ko-KR" sz="1800">
-                <a:latin typeface="맑은 고딕" charset="0"/>
-                <a:ea typeface="맑은 고딕" charset="0"/>
-              </a:rPr>
-              <a:t>생성한 </a:t>
+              <a:t>이제 UI에서 Button을 생성한 </a:t>
             </a:r>
             <a:r>
               <a:rPr lang="ko-KR" sz="1800">
@@ -8728,63 +9130,7 @@
                 <a:latin typeface="맑은 고딕" charset="0"/>
                 <a:ea typeface="맑은 고딕" charset="0"/>
               </a:rPr>
-              <a:t> </a:t>
-            </a:r>
-            <a:r>
-              <a:rPr lang="ko-KR" sz="1800">
-                <a:latin typeface="맑은 고딕" charset="0"/>
-                <a:ea typeface="맑은 고딕" charset="0"/>
-              </a:rPr>
-              <a:t>Sign</a:t>
-            </a:r>
-            <a:r>
-              <a:rPr lang="ko-KR" sz="1800">
-                <a:latin typeface="맑은 고딕" charset="0"/>
-                <a:ea typeface="맑은 고딕" charset="0"/>
-              </a:rPr>
-              <a:t> </a:t>
-            </a:r>
-            <a:r>
-              <a:rPr lang="ko-KR" sz="1800">
-                <a:latin typeface="맑은 고딕" charset="0"/>
-                <a:ea typeface="맑은 고딕" charset="0"/>
-              </a:rPr>
-              <a:t>Up</a:t>
-            </a:r>
-            <a:r>
-              <a:rPr lang="ko-KR" sz="1800">
-                <a:latin typeface="맑은 고딕" charset="0"/>
-                <a:ea typeface="맑은 고딕" charset="0"/>
-              </a:rPr>
-              <a:t> </a:t>
-            </a:r>
-            <a:r>
-              <a:rPr lang="ko-KR" sz="1800">
-                <a:latin typeface="맑은 고딕" charset="0"/>
-                <a:ea typeface="맑은 고딕" charset="0"/>
-              </a:rPr>
-              <a:t>Button이라는</a:t>
-            </a:r>
-            <a:r>
-              <a:rPr lang="ko-KR" sz="1800">
-                <a:latin typeface="맑은 고딕" charset="0"/>
-                <a:ea typeface="맑은 고딕" charset="0"/>
-              </a:rPr>
-              <a:t> </a:t>
-            </a:r>
-            <a:r>
-              <a:rPr lang="ko-KR" sz="1800">
-                <a:latin typeface="맑은 고딕" charset="0"/>
-                <a:ea typeface="맑은 고딕" charset="0"/>
-              </a:rPr>
-              <a:t>이름으로</a:t>
-            </a:r>
-            <a:r>
-              <a:rPr lang="ko-KR" sz="1800">
-                <a:latin typeface="맑은 고딕" charset="0"/>
-                <a:ea typeface="맑은 고딕" charset="0"/>
-              </a:rPr>
-              <a:t> </a:t>
+              <a:t> Sign Up Button이라는 이름으로 </a:t>
             </a:r>
             <a:r>
               <a:rPr lang="ko-KR" sz="1800">
@@ -8802,7 +9148,7 @@
       </p:sp>
       <p:pic>
         <p:nvPicPr>
-          <p:cNvPr id="56" name="Picture " descr="C:/Users/Admin1/AppData/Roaming/PolarisOffice/ETemp/12940_6238040/fImage191382694827.png"/>
+          <p:cNvPr id="56" name="Picture "/>
           <p:cNvPicPr>
             <a:picLocks noChangeAspect="1"/>
           </p:cNvPicPr>
@@ -8833,7 +9179,7 @@
       </p:pic>
       <p:pic>
         <p:nvPicPr>
-          <p:cNvPr id="57" name="그림 4" descr="C:/Users/Admin1/AppData/Roaming/PolarisOffice/ETemp/12940_6238040/fImage63883418467.png"/>
+          <p:cNvPr id="57" name="그림 4"/>
           <p:cNvPicPr>
             <a:picLocks noChangeAspect="1"/>
           </p:cNvPicPr>
@@ -8864,17 +9210,17 @@
       </p:pic>
       <p:pic>
         <p:nvPicPr>
-          <p:cNvPr id="58" name="그림 7" descr="C:/Users/Admin1/AppData/Roaming/PolarisOffice/ETemp/12940_6238040/fImage118783426334.png"/>
+          <p:cNvPr id="58" name="그림 7" descr="C:/Users/Admin1/AppData/Roaming/PolarisOffice/ETemp/20844_15003384/fImage118783426334.png"/>
           <p:cNvPicPr>
             <a:picLocks noChangeAspect="1"/>
           </p:cNvPicPr>
           <p:nvPr/>
         </p:nvPicPr>
         <p:blipFill rotWithShape="1">
-          <a:blip r:embed="rId4" cstate="print">
+          <a:blip r:embed="rId4" cstate="hqprint">
             <a:extLst>
               <a:ext uri="{28A0092B-C50C-407E-A947-70E740481C1C}">
-                <a14:useLocalDpi xmlns:a14="http://schemas.microsoft.com/office/drawing/2010/main" val="0"/>
+                <a14:useLocalDpi xmlns:a14="http://schemas.microsoft.com/office/drawing/2010/main"/>
               </a:ext>
             </a:extLst>
           </a:blip>
@@ -8884,8 +9230,8 @@
         </p:blipFill>
         <p:spPr>
           <a:xfrm rot="0">
-            <a:off x="6830695" y="3273425"/>
-            <a:ext cx="4126865" cy="960755"/>
+            <a:off x="6830695" y="3290570"/>
+            <a:ext cx="4127500" cy="961390"/>
           </a:xfrm>
           <a:prstGeom prst="roundRect"/>
           <a:solidFill>
@@ -8903,8 +9249,8 @@
         </p:nvSpPr>
         <p:spPr>
           <a:xfrm rot="0">
-            <a:off x="6822440" y="4302125"/>
-            <a:ext cx="4135120" cy="1784985"/>
+            <a:off x="6822440" y="4336415"/>
+            <a:ext cx="4135755" cy="1785620"/>
           </a:xfrm>
           <a:prstGeom prst="rect"/>
           <a:noFill/>
@@ -8931,27 +9277,7 @@
                 <a:latin typeface="맑은 고딕" charset="0"/>
                 <a:ea typeface="맑은 고딕" charset="0"/>
               </a:rPr>
-              <a:t>2</a:t>
-            </a:r>
-            <a:r>
-              <a:rPr sz="2000" b="1">
-                <a:solidFill>
-                  <a:srgbClr val="0611F2"/>
-                </a:solidFill>
-                <a:latin typeface="맑은 고딕" charset="0"/>
-                <a:ea typeface="맑은 고딕" charset="0"/>
-              </a:rPr>
-              <a:t>1</a:t>
-            </a:r>
-            <a:r>
-              <a:rPr sz="2000" b="1">
-                <a:solidFill>
-                  <a:srgbClr val="0611F2"/>
-                </a:solidFill>
-                <a:latin typeface="맑은 고딕" charset="0"/>
-                <a:ea typeface="맑은 고딕" charset="0"/>
-              </a:rPr>
-              <a:t>.</a:t>
+              <a:t>21.</a:t>
             </a:r>
             <a:r>
               <a:rPr sz="2000">
@@ -8968,20 +9294,27 @@
                 <a:latin typeface="맑은 고딕" charset="0"/>
                 <a:ea typeface="맑은 고딕" charset="0"/>
               </a:rPr>
-              <a:t>그리고 Texture 폴더 아래에 </a:t>
+              <a:t>그리고 Texture 폴더 아래에 있는 </a:t>
             </a:r>
             <a:r>
               <a:rPr sz="1800">
                 <a:latin typeface="맑은 고딕" charset="0"/>
                 <a:ea typeface="맑은 고딕" charset="0"/>
               </a:rPr>
-              <a:t>있는</a:t>
+              <a:t>Login</a:t>
             </a:r>
             <a:r>
               <a:rPr sz="1800">
                 <a:latin typeface="맑은 고딕" charset="0"/>
                 <a:ea typeface="맑은 고딕" charset="0"/>
               </a:rPr>
+              <a:t> Texture 폴더에 Sign Up Button</a:t>
+            </a:r>
+            <a:r>
+              <a:rPr lang="ko-KR" sz="1800">
+                <a:latin typeface="맑은 고딕" charset="0"/>
+                <a:ea typeface="맑은 고딕" charset="0"/>
+              </a:rPr>
               <a:t> </a:t>
             </a:r>
             <a:r>
@@ -8989,63 +9322,14 @@
                 <a:latin typeface="맑은 고딕" charset="0"/>
                 <a:ea typeface="맑은 고딕" charset="0"/>
               </a:rPr>
-              <a:t>Login</a:t>
+              <a:t>텍스처를</a:t>
             </a:r>
             <a:r>
               <a:rPr sz="1800">
                 <a:latin typeface="맑은 고딕" charset="0"/>
                 <a:ea typeface="맑은 고딕" charset="0"/>
               </a:rPr>
-              <a:t> </a:t>
-            </a:r>
-            <a:r>
-              <a:rPr sz="1800">
-                <a:latin typeface="맑은 고딕" charset="0"/>
-                <a:ea typeface="맑은 고딕" charset="0"/>
-              </a:rPr>
-              <a:t>Texture</a:t>
-            </a:r>
-            <a:r>
-              <a:rPr sz="1800">
-                <a:latin typeface="맑은 고딕" charset="0"/>
-                <a:ea typeface="맑은 고딕" charset="0"/>
-              </a:rPr>
-              <a:t> 폴더에 Sign Up </a:t>
-            </a:r>
-            <a:r>
-              <a:rPr sz="1800">
-                <a:latin typeface="맑은 고딕" charset="0"/>
-                <a:ea typeface="맑은 고딕" charset="0"/>
-              </a:rPr>
-              <a:t>Button</a:t>
-            </a:r>
-            <a:r>
-              <a:rPr lang="ko-KR" sz="1800">
-                <a:latin typeface="맑은 고딕" charset="0"/>
-                <a:ea typeface="맑은 고딕" charset="0"/>
-              </a:rPr>
-              <a:t> </a:t>
-            </a:r>
-            <a:r>
-              <a:rPr sz="1800">
-                <a:latin typeface="맑은 고딕" charset="0"/>
-                <a:ea typeface="맑은 고딕" charset="0"/>
-              </a:rPr>
-              <a:t>텍스처를</a:t>
-            </a:r>
-            <a:r>
-              <a:rPr sz="1800">
-                <a:latin typeface="맑은 고딕" charset="0"/>
-                <a:ea typeface="맑은 고딕" charset="0"/>
-              </a:rPr>
-              <a:t> </a:t>
-            </a:r>
-            <a:r>
-              <a:rPr sz="1800">
-                <a:latin typeface="맑은 고딕" charset="0"/>
-                <a:ea typeface="맑은 고딕" charset="0"/>
-              </a:rPr>
-              <a:t>선택합니다.</a:t>
+              <a:t> 선택합니다.</a:t>
             </a:r>
             <a:endParaRPr lang="ko-KR" altLang="en-US" sz="1800">
               <a:latin typeface="맑은 고딕" charset="0"/>
@@ -9086,70 +9370,28 @@
                 <a:latin typeface="맑은 고딕" charset="0"/>
                 <a:ea typeface="맑은 고딕" charset="0"/>
               </a:rPr>
-              <a:t> </a:t>
-            </a:r>
-            <a:r>
-              <a:rPr lang="ko-KR" sz="1800">
-                <a:latin typeface="맑은 고딕" charset="0"/>
-                <a:ea typeface="맑은 고딕" charset="0"/>
-              </a:rPr>
-              <a:t>다음</a:t>
+              <a:t> 다음</a:t>
             </a:r>
             <a:r>
               <a:rPr sz="1800">
                 <a:latin typeface="맑은 고딕" charset="0"/>
                 <a:ea typeface="맑은 고딕" charset="0"/>
               </a:rPr>
-              <a:t> Sign Up Button </a:t>
+              <a:t> Sign Up Button 오브젝트의 </a:t>
             </a:r>
             <a:r>
               <a:rPr sz="1800">
                 <a:latin typeface="맑은 고딕" charset="0"/>
                 <a:ea typeface="맑은 고딕" charset="0"/>
               </a:rPr>
-              <a:t>오브젝트의</a:t>
+              <a:t>이미지</a:t>
             </a:r>
             <a:r>
               <a:rPr sz="1800">
                 <a:latin typeface="맑은 고딕" charset="0"/>
                 <a:ea typeface="맑은 고딕" charset="0"/>
               </a:rPr>
-              <a:t> </a:t>
-            </a:r>
-            <a:r>
-              <a:rPr sz="1800">
-                <a:latin typeface="맑은 고딕" charset="0"/>
-                <a:ea typeface="맑은 고딕" charset="0"/>
-              </a:rPr>
-              <a:t>이미지</a:t>
-            </a:r>
-            <a:r>
-              <a:rPr sz="1800">
-                <a:latin typeface="맑은 고딕" charset="0"/>
-                <a:ea typeface="맑은 고딕" charset="0"/>
-              </a:rPr>
-              <a:t> </a:t>
-            </a:r>
-            <a:r>
-              <a:rPr sz="1800">
-                <a:latin typeface="맑은 고딕" charset="0"/>
-                <a:ea typeface="맑은 고딕" charset="0"/>
-              </a:rPr>
-              <a:t>컴포넌트에</a:t>
-            </a:r>
-            <a:r>
-              <a:rPr sz="1800">
-                <a:latin typeface="맑은 고딕" charset="0"/>
-                <a:ea typeface="맑은 고딕" charset="0"/>
-              </a:rPr>
-              <a:t> </a:t>
-            </a:r>
-            <a:r>
-              <a:rPr sz="1800">
-                <a:latin typeface="맑은 고딕" charset="0"/>
-                <a:ea typeface="맑은 고딕" charset="0"/>
-              </a:rPr>
-              <a:t>넣어줍니다.</a:t>
+              <a:t> 컴포넌트에 넣어줍니다.</a:t>
             </a:r>
             <a:endParaRPr lang="ko-KR" altLang="en-US" sz="1800">
               <a:latin typeface="맑은 고딕" charset="0"/>
@@ -9160,7 +9402,7 @@
       </p:sp>
       <p:pic>
         <p:nvPicPr>
-          <p:cNvPr id="60" name="그림 11" descr="C:/Users/Admin1/AppData/Roaming/PolarisOffice/ETemp/12940_6238040/fImage161763446500.png"/>
+          <p:cNvPr id="60" name="그림 11"/>
           <p:cNvPicPr>
             <a:picLocks noChangeAspect="1"/>
           </p:cNvPicPr>
@@ -9197,13 +9439,12 @@
         </p:nvCxnSpPr>
         <p:spPr>
           <a:xfrm rot="0" flipV="1">
-            <a:off x="8717280" y="1688465"/>
-            <a:ext cx="2102485" cy="1835150"/>
+            <a:off x="8734425" y="1688465"/>
+            <a:ext cx="2085975" cy="1861185"/>
           </a:xfrm>
           <a:prstGeom prst="straightConnector1"/>
           <a:ln w="6350" cap="flat" cmpd="sng">
             <a:prstDash/>
-            <a:headEnd type="none" w="med" len="med"/>
             <a:tailEnd type="triangle" w="med" len="med"/>
           </a:ln>
         </p:spPr>
@@ -9745,7 +9986,7 @@
 </file>
 
 <file path=ppt/slides/slide12.xml><?xml version="1.0" encoding="utf-8"?>
-<p:sld xmlns:a="http://schemas.openxmlformats.org/drawingml/2006/main" xmlns:r="http://schemas.openxmlformats.org/officeDocument/2006/relationships" xmlns:p="http://schemas.openxmlformats.org/presentationml/2006/main" xmlns:p14="http://schemas.microsoft.com/office/powerpoint/2010/main">
+<p:sld xmlns:a="http://schemas.openxmlformats.org/drawingml/2006/main" xmlns:r="http://schemas.openxmlformats.org/officeDocument/2006/relationships" xmlns:p="http://schemas.openxmlformats.org/presentationml/2006/main">
   <p:cSld>
     <p:spTree>
       <p:nvGrpSpPr>
@@ -9772,7 +10013,7 @@
         <p:spPr>
           <a:xfrm rot="0">
             <a:off x="1229995" y="1337310"/>
-            <a:ext cx="4039235" cy="370840"/>
+            <a:ext cx="4040505" cy="372110"/>
           </a:xfrm>
           <a:prstGeom prst="rect"/>
           <a:noFill/>
@@ -9807,9 +10048,9 @@
           <p:nvPr/>
         </p:nvSpPr>
         <p:spPr>
-          <a:xfrm>
-            <a:off x="4342765" y="353695"/>
-            <a:ext cx="3505835" cy="554990"/>
+          <a:xfrm rot="0">
+            <a:off x="4342765" y="378460"/>
+            <a:ext cx="3507105" cy="554990"/>
           </a:xfrm>
           <a:prstGeom prst="rect"/>
           <a:noFill/>
@@ -9865,9 +10106,9 @@
           <p:nvPr/>
         </p:nvSpPr>
         <p:spPr>
-          <a:xfrm>
-            <a:off x="1238250" y="5197475"/>
-            <a:ext cx="4037965" cy="954405"/>
+          <a:xfrm rot="0">
+            <a:off x="1230630" y="5071745"/>
+            <a:ext cx="4145280" cy="954405"/>
           </a:xfrm>
           <a:prstGeom prst="rect"/>
           <a:noFill/>
@@ -9911,14 +10152,14 @@
                 <a:latin typeface="맑은 고딕" charset="0"/>
                 <a:ea typeface="맑은 고딕" charset="0"/>
               </a:rPr>
-              <a:t>이제 Password Input </a:t>
-            </a:r>
-            <a:r>
-              <a:rPr lang="ko-KR" sz="1800">
-                <a:latin typeface="맑은 고딕" charset="0"/>
-                <a:ea typeface="맑은 고딕" charset="0"/>
-              </a:rPr>
-              <a:t>오브젝트를</a:t>
+              <a:t>이제 UI에서 Input Field를 </a:t>
+            </a:r>
+            <a:r>
+              <a:rPr lang="ko-KR" sz="1800">
+                <a:latin typeface="맑은 고딕" charset="0"/>
+                <a:ea typeface="맑은 고딕" charset="0"/>
+              </a:rPr>
+              <a:t>생성한</a:t>
             </a:r>
             <a:r>
               <a:rPr lang="ko-KR" sz="1800">
@@ -9932,31 +10173,7 @@
                 <a:latin typeface="맑은 고딕" charset="0"/>
                 <a:ea typeface="맑은 고딕" charset="0"/>
               </a:rPr>
-              <a:t>선택하고</a:t>
-            </a:r>
-            <a:r>
-              <a:rPr lang="ko-KR" sz="1800">
-                <a:latin typeface="맑은 고딕" charset="0"/>
-                <a:ea typeface="맑은 고딕" charset="0"/>
-              </a:rPr>
-              <a:t> Content Type을 </a:t>
-            </a:r>
-            <a:r>
-              <a:rPr lang="ko-KR" sz="1800">
-                <a:solidFill>
-                  <a:srgbClr val="009900"/>
-                </a:solidFill>
-                <a:latin typeface="맑은 고딕" charset="0"/>
-                <a:ea typeface="맑은 고딕" charset="0"/>
-              </a:rPr>
-              <a:t>[Password]</a:t>
-            </a:r>
-            <a:r>
-              <a:rPr lang="ko-KR" sz="1800">
-                <a:latin typeface="맑은 고딕" charset="0"/>
-                <a:ea typeface="맑은 고딕" charset="0"/>
-              </a:rPr>
-              <a:t>로</a:t>
+              <a:t>다음</a:t>
             </a:r>
             <a:r>
               <a:rPr lang="ko-KR" sz="1800">
@@ -9970,7 +10187,21 @@
                 <a:latin typeface="맑은 고딕" charset="0"/>
                 <a:ea typeface="맑은 고딕" charset="0"/>
               </a:rPr>
-              <a:t>설정합니다.</a:t>
+              <a:t>UserName</a:t>
+            </a:r>
+            <a:r>
+              <a:rPr lang="ko-KR" sz="1800">
+                <a:latin typeface="맑은 고딕" charset="0"/>
+                <a:ea typeface="맑은 고딕" charset="0"/>
+              </a:rPr>
+              <a:t> Input이라는 </a:t>
+            </a:r>
+            <a:r>
+              <a:rPr lang="ko-KR" sz="1800">
+                <a:latin typeface="맑은 고딕" charset="0"/>
+                <a:ea typeface="맑은 고딕" charset="0"/>
+              </a:rPr>
+              <a:t>이름으로</a:t>
             </a:r>
             <a:r>
               <a:rPr lang="ko-KR" sz="1800">
@@ -9978,6 +10209,13 @@
                 <a:ea typeface="맑은 고딕" charset="0"/>
               </a:rPr>
               <a:t> </a:t>
+            </a:r>
+            <a:r>
+              <a:rPr lang="ko-KR" sz="1800">
+                <a:latin typeface="맑은 고딕" charset="0"/>
+                <a:ea typeface="맑은 고딕" charset="0"/>
+              </a:rPr>
+              <a:t>정의합니다.</a:t>
             </a:r>
             <a:endParaRPr lang="ko-KR" altLang="en-US" sz="1800">
               <a:latin typeface="맑은 고딕" charset="0"/>
@@ -9988,16 +10226,16 @@
       </p:sp>
       <p:sp>
         <p:nvSpPr>
-          <p:cNvPr id="54" name="Rect 0"/>
+          <p:cNvPr id="61" name="Rect 0"/>
           <p:cNvSpPr txBox="1">
             <a:spLocks/>
           </p:cNvSpPr>
           <p:nvPr/>
         </p:nvSpPr>
         <p:spPr>
-          <a:xfrm>
-            <a:off x="6861810" y="4368800"/>
-            <a:ext cx="4104640" cy="1784985"/>
+          <a:xfrm rot="0">
+            <a:off x="6813550" y="5083810"/>
+            <a:ext cx="4135120" cy="954405"/>
           </a:xfrm>
           <a:prstGeom prst="rect"/>
           <a:noFill/>
@@ -10024,7 +10262,7 @@
                 <a:latin typeface="맑은 고딕" charset="0"/>
                 <a:ea typeface="맑은 고딕" charset="0"/>
               </a:rPr>
-              <a:t>25.</a:t>
+              <a:t>26.</a:t>
             </a:r>
             <a:r>
               <a:rPr lang="ko-KR" sz="2000">
@@ -10041,14 +10279,14 @@
                 <a:latin typeface="맑은 고딕" charset="0"/>
                 <a:ea typeface="맑은 고딕" charset="0"/>
               </a:rPr>
-              <a:t>그리고 빈 게임 오브젝트 </a:t>
-            </a:r>
-            <a:r>
-              <a:rPr lang="ko-KR" sz="1800">
-                <a:latin typeface="맑은 고딕" charset="0"/>
-                <a:ea typeface="맑은 고딕" charset="0"/>
-              </a:rPr>
-              <a:t>생성한</a:t>
+              <a:t>그런 다음 Sign Up Button </a:t>
+            </a:r>
+            <a:r>
+              <a:rPr lang="ko-KR" sz="1800">
+                <a:latin typeface="맑은 고딕" charset="0"/>
+                <a:ea typeface="맑은 고딕" charset="0"/>
+              </a:rPr>
+              <a:t>오브젝트의</a:t>
             </a:r>
             <a:r>
               <a:rPr lang="ko-KR" sz="1800">
@@ -10062,35 +10300,21 @@
                 <a:latin typeface="맑은 고딕" charset="0"/>
                 <a:ea typeface="맑은 고딕" charset="0"/>
               </a:rPr>
-              <a:t>다음</a:t>
-            </a:r>
-            <a:r>
-              <a:rPr lang="ko-KR" sz="1800">
-                <a:latin typeface="맑은 고딕" charset="0"/>
-                <a:ea typeface="맑은 고딕" charset="0"/>
-              </a:rPr>
-              <a:t> </a:t>
-            </a:r>
-            <a:r>
-              <a:rPr lang="ko-KR" sz="1800">
-                <a:latin typeface="맑은 고딕" charset="0"/>
-                <a:ea typeface="맑은 고딕" charset="0"/>
-              </a:rPr>
-              <a:t>이름을</a:t>
-            </a:r>
-            <a:r>
-              <a:rPr lang="ko-KR" sz="1800">
-                <a:latin typeface="맑은 고딕" charset="0"/>
-                <a:ea typeface="맑은 고딕" charset="0"/>
-              </a:rPr>
-              <a:t> Photon </a:t>
-            </a:r>
-            <a:r>
-              <a:rPr lang="ko-KR" sz="1800">
-                <a:latin typeface="맑은 고딕" charset="0"/>
-                <a:ea typeface="맑은 고딕" charset="0"/>
-              </a:rPr>
-              <a:t>Setting으로</a:t>
+              <a:t>앵커를</a:t>
+            </a:r>
+            <a:r>
+              <a:rPr lang="ko-KR" sz="1800">
+                <a:latin typeface="맑은 고딕" charset="0"/>
+                <a:ea typeface="맑은 고딕" charset="0"/>
+              </a:rPr>
+              <a:t> 지정하고 위치와 </a:t>
+            </a:r>
+            <a:r>
+              <a:rPr lang="ko-KR" sz="1800">
+                <a:latin typeface="맑은 고딕" charset="0"/>
+                <a:ea typeface="맑은 고딕" charset="0"/>
+              </a:rPr>
+              <a:t>크기를</a:t>
             </a:r>
             <a:r>
               <a:rPr lang="ko-KR" sz="1800">
@@ -10111,87 +10335,11 @@
               <a:ea typeface="맑은 고딕" charset="0"/>
             </a:endParaRPr>
           </a:p>
-          <a:p>
-            <a:pPr marL="0" indent="0" rtl="0" algn="l" defTabSz="914400" eaLnBrk="1" latinLnBrk="0" hangingPunct="1">
-              <a:buFontTx/>
-              <a:buNone/>
-            </a:pPr>
-            <a:endParaRPr lang="ko-KR" altLang="en-US" sz="1800">
-              <a:latin typeface="맑은 고딕" charset="0"/>
-              <a:ea typeface="맑은 고딕" charset="0"/>
-            </a:endParaRPr>
-          </a:p>
-          <a:p>
-            <a:pPr marL="0" indent="0" rtl="0" algn="l" defTabSz="914400" eaLnBrk="1" latinLnBrk="0" hangingPunct="1">
-              <a:buFontTx/>
-              <a:buNone/>
-            </a:pPr>
-            <a:r>
-              <a:rPr lang="ko-KR" sz="1800">
-                <a:latin typeface="맑은 고딕" charset="0"/>
-                <a:ea typeface="맑은 고딕" charset="0"/>
-              </a:rPr>
-              <a:t>그런</a:t>
-            </a:r>
-            <a:r>
-              <a:rPr lang="ko-KR" sz="1800">
-                <a:latin typeface="맑은 고딕" charset="0"/>
-                <a:ea typeface="맑은 고딕" charset="0"/>
-              </a:rPr>
-              <a:t> </a:t>
-            </a:r>
-            <a:r>
-              <a:rPr lang="ko-KR" sz="1800">
-                <a:latin typeface="맑은 고딕" charset="0"/>
-                <a:ea typeface="맑은 고딕" charset="0"/>
-              </a:rPr>
-              <a:t>다음</a:t>
-            </a:r>
-            <a:r>
-              <a:rPr lang="ko-KR" sz="1800">
-                <a:latin typeface="맑은 고딕" charset="0"/>
-                <a:ea typeface="맑은 고딕" charset="0"/>
-              </a:rPr>
-              <a:t> PhotonSetting이라는 </a:t>
-            </a:r>
-            <a:r>
-              <a:rPr lang="ko-KR" sz="1800">
-                <a:latin typeface="맑은 고딕" charset="0"/>
-                <a:ea typeface="맑은 고딕" charset="0"/>
-              </a:rPr>
-              <a:t>스크립트를</a:t>
-            </a:r>
-            <a:r>
-              <a:rPr lang="ko-KR" sz="1800">
-                <a:latin typeface="맑은 고딕" charset="0"/>
-                <a:ea typeface="맑은 고딕" charset="0"/>
-              </a:rPr>
-              <a:t> </a:t>
-            </a:r>
-            <a:r>
-              <a:rPr lang="ko-KR" sz="1800">
-                <a:latin typeface="맑은 고딕" charset="0"/>
-                <a:ea typeface="맑은 고딕" charset="0"/>
-              </a:rPr>
-              <a:t>생성하고</a:t>
-            </a:r>
-            <a:r>
-              <a:rPr lang="ko-KR" sz="1800">
-                <a:latin typeface="맑은 고딕" charset="0"/>
-                <a:ea typeface="맑은 고딕" charset="0"/>
-              </a:rPr>
-              <a:t> 넣어줍니다.</a:t>
-            </a:r>
-            <a:endParaRPr lang="ko-KR" altLang="en-US" sz="1800">
-              <a:latin typeface="맑은 고딕" charset="0"/>
-              <a:ea typeface="맑은 고딕" charset="0"/>
-            </a:endParaRPr>
-          </a:p>
         </p:txBody>
       </p:sp>
       <p:pic>
         <p:nvPicPr>
-          <p:cNvPr id="59" name="그림 32"/>
+          <p:cNvPr id="64" name="Picture " descr="C:/Users/Admin1/AppData/Roaming/PolarisOffice/ETemp/20844_15003384/fImage2478525141.png"/>
           <p:cNvPicPr>
             <a:picLocks noChangeAspect="1"/>
           </p:cNvPicPr>
@@ -10211,8 +10359,8 @@
         </p:blipFill>
         <p:spPr>
           <a:xfrm rot="0">
-            <a:off x="1229360" y="1438275"/>
-            <a:ext cx="4126230" cy="3601720"/>
+            <a:off x="1228090" y="1438275"/>
+            <a:ext cx="2778760" cy="3507105"/>
           </a:xfrm>
           <a:prstGeom prst="roundRect"/>
           <a:solidFill>
@@ -10222,17 +10370,17 @@
       </p:pic>
       <p:pic>
         <p:nvPicPr>
-          <p:cNvPr id="61" name="그림 37"/>
+          <p:cNvPr id="68" name="그림 1" descr="C:/Users/Admin1/AppData/Roaming/PolarisOffice/ETemp/20844_15003384/fImage808635541.png"/>
           <p:cNvPicPr>
             <a:picLocks noChangeAspect="1"/>
           </p:cNvPicPr>
           <p:nvPr/>
         </p:nvPicPr>
         <p:blipFill rotWithShape="1">
-          <a:blip r:embed="rId4" cstate="hqprint">
+          <a:blip r:embed="rId3" cstate="print">
             <a:extLst>
               <a:ext uri="{28A0092B-C50C-407E-A947-70E740481C1C}">
-                <a14:useLocalDpi xmlns:a14="http://schemas.microsoft.com/office/drawing/2010/main"/>
+                <a14:useLocalDpi xmlns:a14="http://schemas.microsoft.com/office/drawing/2010/main" val="0"/>
               </a:ext>
             </a:extLst>
           </a:blip>
@@ -10242,8 +10390,8 @@
         </p:blipFill>
         <p:spPr>
           <a:xfrm rot="0">
-            <a:off x="6863715" y="1438275"/>
-            <a:ext cx="2348230" cy="2785745"/>
+            <a:off x="4130675" y="2222500"/>
+            <a:ext cx="1236345" cy="1946910"/>
           </a:xfrm>
           <a:prstGeom prst="roundRect"/>
           <a:solidFill>
@@ -10253,17 +10401,17 @@
       </p:pic>
       <p:pic>
         <p:nvPicPr>
-          <p:cNvPr id="62" name="그림 38"/>
+          <p:cNvPr id="69" name="그림 7" descr="C:/Users/Admin1/AppData/Roaming/PolarisOffice/ETemp/20844_15003384/fImage122093578467.png"/>
           <p:cNvPicPr>
             <a:picLocks noChangeAspect="1"/>
           </p:cNvPicPr>
           <p:nvPr/>
         </p:nvPicPr>
         <p:blipFill rotWithShape="1">
-          <a:blip r:embed="rId5" cstate="hqprint">
+          <a:blip r:embed="rId4" cstate="print">
             <a:extLst>
               <a:ext uri="{28A0092B-C50C-407E-A947-70E740481C1C}">
-                <a14:useLocalDpi xmlns:a14="http://schemas.microsoft.com/office/drawing/2010/main"/>
+                <a14:useLocalDpi xmlns:a14="http://schemas.microsoft.com/office/drawing/2010/main" val="0"/>
               </a:ext>
             </a:extLst>
           </a:blip>
@@ -10273,8 +10421,8 @@
         </p:blipFill>
         <p:spPr>
           <a:xfrm rot="0">
-            <a:off x="9917430" y="3516630"/>
-            <a:ext cx="703580" cy="706755"/>
+            <a:off x="6813550" y="3780790"/>
+            <a:ext cx="4135120" cy="1232535"/>
           </a:xfrm>
           <a:prstGeom prst="roundRect"/>
           <a:solidFill>
@@ -10282,54 +10430,19 @@
           </a:solidFill>
         </p:spPr>
       </p:pic>
-      <p:cxnSp>
-        <p:nvCxnSpPr>
-          <p:cNvPr id="67" name="도형 17"/>
-          <p:cNvCxnSpPr>
-            <a:stCxn id="62" idx="0"/>
-            <a:endCxn id="68" idx="2"/>
-          </p:cNvCxnSpPr>
-          <p:nvPr/>
-        </p:nvCxnSpPr>
-        <p:spPr>
-          <a:xfrm rot="0" flipH="1" flipV="1">
-            <a:off x="10267950" y="3093720"/>
-            <a:ext cx="1905" cy="423545"/>
-          </a:xfrm>
-          <a:prstGeom prst="straightConnector1"/>
-          <a:ln w="6350" cap="flat" cmpd="sng">
-            <a:prstDash/>
-            <a:tailEnd type="triangle" w="med" len="med"/>
-          </a:ln>
-        </p:spPr>
-        <p:style>
-          <a:lnRef idx="1">
-            <a:schemeClr val="accent1"/>
-          </a:lnRef>
-          <a:fillRef idx="0">
-            <a:schemeClr val="accent1"/>
-          </a:fillRef>
-          <a:effectRef idx="0">
-            <a:schemeClr val="accent1"/>
-          </a:effectRef>
-          <a:fontRef idx="minor">
-            <a:schemeClr val="tx1"/>
-          </a:fontRef>
-        </p:style>
-      </p:cxnSp>
       <p:pic>
         <p:nvPicPr>
-          <p:cNvPr id="68" name="그림 7"/>
+          <p:cNvPr id="70" name="그림 10" descr="C:/Users/Admin1/AppData/Roaming/PolarisOffice/ETemp/20844_15003384/fImage120093586334.png"/>
           <p:cNvPicPr>
             <a:picLocks noChangeAspect="1"/>
           </p:cNvPicPr>
           <p:nvPr/>
         </p:nvPicPr>
         <p:blipFill rotWithShape="1">
-          <a:blip r:embed="rId10" cstate="hqprint">
+          <a:blip r:embed="rId5" cstate="print">
             <a:extLst>
               <a:ext uri="{28A0092B-C50C-407E-A947-70E740481C1C}">
-                <a14:useLocalDpi xmlns:a14="http://schemas.microsoft.com/office/drawing/2010/main"/>
+                <a14:useLocalDpi xmlns:a14="http://schemas.microsoft.com/office/drawing/2010/main" val="0"/>
               </a:ext>
             </a:extLst>
           </a:blip>
@@ -10339,8 +10452,8 @@
         </p:blipFill>
         <p:spPr>
           <a:xfrm rot="0">
-            <a:off x="9562465" y="1438275"/>
-            <a:ext cx="1412240" cy="1656080"/>
+            <a:off x="6823075" y="1438275"/>
+            <a:ext cx="4125595" cy="1232535"/>
           </a:xfrm>
           <a:prstGeom prst="roundRect"/>
           <a:solidFill>
@@ -10348,6 +10461,119 @@
           </a:solidFill>
         </p:spPr>
       </p:pic>
+      <p:sp>
+        <p:nvSpPr>
+          <p:cNvPr id="71" name="텍스트 상자 13"/>
+          <p:cNvSpPr txBox="1">
+            <a:spLocks/>
+          </p:cNvSpPr>
+          <p:nvPr/>
+        </p:nvSpPr>
+        <p:spPr>
+          <a:xfrm rot="0">
+            <a:off x="6816090" y="2726690"/>
+            <a:ext cx="4124325" cy="954405"/>
+          </a:xfrm>
+          <a:prstGeom prst="rect"/>
+          <a:noFill/>
+          <a:ln w="0">
+            <a:noFill/>
+            <a:prstDash/>
+          </a:ln>
+        </p:spPr>
+        <p:txBody>
+          <a:bodyPr wrap="square" lIns="89535" tIns="46355" rIns="89535" bIns="46355" numCol="1" vert="horz" anchor="t">
+            <a:spAutoFit/>
+          </a:bodyPr>
+          <a:lstStyle/>
+          <a:p>
+            <a:pPr marL="0" indent="0" rtl="0" algn="l" defTabSz="914400" eaLnBrk="1" latinLnBrk="0" hangingPunct="1">
+              <a:buFontTx/>
+              <a:buNone/>
+            </a:pPr>
+            <a:r>
+              <a:rPr lang="ko-KR" sz="2000" b="1">
+                <a:solidFill>
+                  <a:srgbClr val="0611F2"/>
+                </a:solidFill>
+                <a:latin typeface="맑은 고딕" charset="0"/>
+                <a:ea typeface="맑은 고딕" charset="0"/>
+              </a:rPr>
+              <a:t>25.</a:t>
+            </a:r>
+            <a:r>
+              <a:rPr lang="ko-KR" sz="2000">
+                <a:solidFill>
+                  <a:srgbClr val="0611F2"/>
+                </a:solidFill>
+                <a:latin typeface="맑은 고딕" charset="0"/>
+                <a:ea typeface="맑은 고딕" charset="0"/>
+              </a:rPr>
+              <a:t> </a:t>
+            </a:r>
+            <a:r>
+              <a:rPr lang="ko-KR" sz="1800">
+                <a:latin typeface="맑은 고딕" charset="0"/>
+                <a:ea typeface="맑은 고딕" charset="0"/>
+              </a:rPr>
+              <a:t>그리고 Sign Up Button </a:t>
+            </a:r>
+            <a:r>
+              <a:rPr lang="ko-KR" sz="1800">
+                <a:latin typeface="맑은 고딕" charset="0"/>
+                <a:ea typeface="맑은 고딕" charset="0"/>
+              </a:rPr>
+              <a:t>오브젝트의</a:t>
+            </a:r>
+            <a:r>
+              <a:rPr lang="ko-KR" sz="1800">
+                <a:latin typeface="맑은 고딕" charset="0"/>
+                <a:ea typeface="맑은 고딕" charset="0"/>
+              </a:rPr>
+              <a:t> </a:t>
+            </a:r>
+            <a:r>
+              <a:rPr lang="ko-KR" sz="1800">
+                <a:latin typeface="맑은 고딕" charset="0"/>
+                <a:ea typeface="맑은 고딕" charset="0"/>
+              </a:rPr>
+              <a:t>앵커를</a:t>
+            </a:r>
+            <a:r>
+              <a:rPr lang="ko-KR" sz="1800">
+                <a:latin typeface="맑은 고딕" charset="0"/>
+                <a:ea typeface="맑은 고딕" charset="0"/>
+              </a:rPr>
+              <a:t> 지정하고 위치와 </a:t>
+            </a:r>
+            <a:r>
+              <a:rPr lang="ko-KR" sz="1800">
+                <a:latin typeface="맑은 고딕" charset="0"/>
+                <a:ea typeface="맑은 고딕" charset="0"/>
+              </a:rPr>
+              <a:t>크기를</a:t>
+            </a:r>
+            <a:r>
+              <a:rPr lang="ko-KR" sz="1800">
+                <a:latin typeface="맑은 고딕" charset="0"/>
+                <a:ea typeface="맑은 고딕" charset="0"/>
+              </a:rPr>
+              <a:t> </a:t>
+            </a:r>
+            <a:r>
+              <a:rPr lang="ko-KR" sz="1800">
+                <a:latin typeface="맑은 고딕" charset="0"/>
+                <a:ea typeface="맑은 고딕" charset="0"/>
+              </a:rPr>
+              <a:t>설정합니다.</a:t>
+            </a:r>
+            <a:endParaRPr lang="ko-KR" altLang="en-US" sz="1800">
+              <a:latin typeface="맑은 고딕" charset="0"/>
+              <a:ea typeface="맑은 고딕" charset="0"/>
+            </a:endParaRPr>
+          </a:p>
+        </p:txBody>
+      </p:sp>
     </p:spTree>
   </p:cSld>
   <p:clrMapOvr>
@@ -10435,8 +10661,8 @@
         </p:nvSpPr>
         <p:spPr>
           <a:xfrm>
-            <a:off x="4304665" y="363220"/>
-            <a:ext cx="3581400" cy="554990"/>
+            <a:off x="4342765" y="353695"/>
+            <a:ext cx="3506470" cy="554990"/>
           </a:xfrm>
           <a:prstGeom prst="rect"/>
           <a:noFill/>
@@ -10493,8 +10719,8 @@
         </p:nvSpPr>
         <p:spPr>
           <a:xfrm>
-            <a:off x="1229995" y="5186045"/>
-            <a:ext cx="4120515" cy="954405"/>
+            <a:off x="1238250" y="5197475"/>
+            <a:ext cx="4038600" cy="954405"/>
           </a:xfrm>
           <a:prstGeom prst="rect"/>
           <a:noFill/>
@@ -10538,42 +10764,14 @@
                 <a:latin typeface="맑은 고딕" charset="0"/>
                 <a:ea typeface="맑은 고딕" charset="0"/>
               </a:rPr>
-              <a:t>그러고 나서 PhotonSetting </a:t>
-            </a:r>
-            <a:r>
-              <a:rPr lang="ko-KR" sz="1800">
-                <a:latin typeface="맑은 고딕" charset="0"/>
-                <a:ea typeface="맑은 고딕" charset="0"/>
-              </a:rPr>
-              <a:t>스크립트에서</a:t>
-            </a:r>
-            <a:r>
-              <a:rPr lang="ko-KR" sz="1800">
-                <a:latin typeface="맑은 고딕" charset="0"/>
-                <a:ea typeface="맑은 고딕" charset="0"/>
-              </a:rPr>
-              <a:t>  </a:t>
-            </a:r>
-            <a:r>
-              <a:rPr lang="ko-KR" sz="1800">
-                <a:latin typeface="맑은 고딕" charset="0"/>
-                <a:ea typeface="맑은 고딕" charset="0"/>
-              </a:rPr>
-              <a:t>InputField</a:t>
-            </a:r>
-            <a:r>
-              <a:rPr lang="ko-KR" sz="1800">
-                <a:latin typeface="맑은 고딕" charset="0"/>
-                <a:ea typeface="맑은 고딕" charset="0"/>
-              </a:rPr>
-              <a:t> 변수 2개와 </a:t>
-            </a:r>
-            <a:r>
-              <a:rPr lang="ko-KR" sz="1800">
-                <a:latin typeface="맑은 고딕" charset="0"/>
-                <a:ea typeface="맑은 고딕" charset="0"/>
-              </a:rPr>
-              <a:t>DropDown</a:t>
+              <a:t>그다음 Password Input </a:t>
+            </a:r>
+            <a:r>
+              <a:rPr lang="ko-KR" sz="1800">
+                <a:latin typeface="맑은 고딕" charset="0"/>
+                <a:ea typeface="맑은 고딕" charset="0"/>
+              </a:rPr>
+              <a:t>오브젝트를</a:t>
             </a:r>
             <a:r>
               <a:rPr lang="ko-KR" sz="1800">
@@ -10587,14 +10785,52 @@
                 <a:latin typeface="맑은 고딕" charset="0"/>
                 <a:ea typeface="맑은 고딕" charset="0"/>
               </a:rPr>
-              <a:t>변수를</a:t>
-            </a:r>
-            <a:r>
-              <a:rPr lang="ko-KR" sz="1800">
-                <a:latin typeface="맑은 고딕" charset="0"/>
-                <a:ea typeface="맑은 고딕" charset="0"/>
-              </a:rPr>
-              <a:t> 선언합니다.</a:t>
+              <a:t>선택하고</a:t>
+            </a:r>
+            <a:r>
+              <a:rPr lang="ko-KR" sz="1800">
+                <a:latin typeface="맑은 고딕" charset="0"/>
+                <a:ea typeface="맑은 고딕" charset="0"/>
+              </a:rPr>
+              <a:t> Content Type을 </a:t>
+            </a:r>
+            <a:r>
+              <a:rPr lang="ko-KR" sz="1800">
+                <a:solidFill>
+                  <a:srgbClr val="009900"/>
+                </a:solidFill>
+                <a:latin typeface="맑은 고딕" charset="0"/>
+                <a:ea typeface="맑은 고딕" charset="0"/>
+              </a:rPr>
+              <a:t>[Password]</a:t>
+            </a:r>
+            <a:r>
+              <a:rPr lang="ko-KR" sz="1800">
+                <a:latin typeface="맑은 고딕" charset="0"/>
+                <a:ea typeface="맑은 고딕" charset="0"/>
+              </a:rPr>
+              <a:t>로</a:t>
+            </a:r>
+            <a:r>
+              <a:rPr lang="ko-KR" sz="1800">
+                <a:latin typeface="맑은 고딕" charset="0"/>
+                <a:ea typeface="맑은 고딕" charset="0"/>
+              </a:rPr>
+              <a:t> </a:t>
+            </a:r>
+            <a:r>
+              <a:rPr lang="ko-KR" sz="1800">
+                <a:latin typeface="맑은 고딕" charset="0"/>
+                <a:ea typeface="맑은 고딕" charset="0"/>
+              </a:rPr>
+              <a:t>설정합니다.</a:t>
+            </a:r>
+            <a:r>
+              <a:rPr lang="ko-KR" sz="1800">
+                <a:latin typeface="맑은 고딕" charset="0"/>
+                <a:ea typeface="맑은 고딕" charset="0"/>
+              </a:rPr>
+              <a:t> </a:t>
             </a:r>
             <a:endParaRPr lang="ko-KR" altLang="en-US" sz="1800">
               <a:latin typeface="맑은 고딕" charset="0"/>
@@ -10605,16 +10841,16 @@
       </p:sp>
       <p:sp>
         <p:nvSpPr>
-          <p:cNvPr id="57" name="텍스트 상자 59"/>
+          <p:cNvPr id="54" name="Rect 0"/>
           <p:cNvSpPr txBox="1">
             <a:spLocks/>
           </p:cNvSpPr>
           <p:nvPr/>
         </p:nvSpPr>
         <p:spPr>
-          <a:xfrm>
-            <a:off x="6813550" y="4076065"/>
-            <a:ext cx="4144010" cy="2061845"/>
+          <a:xfrm rot="0">
+            <a:off x="6839585" y="4093210"/>
+            <a:ext cx="4109085" cy="2061845"/>
           </a:xfrm>
           <a:prstGeom prst="rect"/>
           <a:noFill/>
@@ -10644,7 +10880,7 @@
               <a:t>28.</a:t>
             </a:r>
             <a:r>
-              <a:rPr lang="ko-KR" sz="2000" b="1">
+              <a:rPr lang="ko-KR" sz="2000">
                 <a:solidFill>
                   <a:srgbClr val="0611F2"/>
                 </a:solidFill>
@@ -10658,14 +10894,14 @@
                 <a:latin typeface="맑은 고딕" charset="0"/>
                 <a:ea typeface="맑은 고딕" charset="0"/>
               </a:rPr>
-              <a:t>이제 LoginSuccess( ) 함수를 </a:t>
-            </a:r>
-            <a:r>
-              <a:rPr lang="ko-KR" sz="1800">
-                <a:latin typeface="맑은 고딕" charset="0"/>
-                <a:ea typeface="맑은 고딕" charset="0"/>
-              </a:rPr>
-              <a:t>선언한</a:t>
+              <a:t>그러고 나서 빈 게임 오브젝트 </a:t>
+            </a:r>
+            <a:r>
+              <a:rPr lang="ko-KR" sz="1800">
+                <a:latin typeface="맑은 고딕" charset="0"/>
+                <a:ea typeface="맑은 고딕" charset="0"/>
+              </a:rPr>
+              <a:t>생성한</a:t>
             </a:r>
             <a:r>
               <a:rPr lang="ko-KR" sz="1800">
@@ -10686,14 +10922,35 @@
                 <a:latin typeface="맑은 고딕" charset="0"/>
                 <a:ea typeface="맑은 고딕" charset="0"/>
               </a:rPr>
-              <a:t> AutomaticallySyncScene  </a:t>
-            </a:r>
-            <a:r>
-              <a:rPr lang="ko-KR" sz="1800">
-                <a:latin typeface="맑은 고딕" charset="0"/>
-                <a:ea typeface="맑은 고딕" charset="0"/>
-              </a:rPr>
-              <a:t>비활성화합니다.</a:t>
+              <a:t> Photon </a:t>
+            </a:r>
+            <a:r>
+              <a:rPr lang="ko-KR" sz="1800">
+                <a:latin typeface="맑은 고딕" charset="0"/>
+                <a:ea typeface="맑은 고딕" charset="0"/>
+              </a:rPr>
+              <a:t>Setting이라는 </a:t>
+            </a:r>
+            <a:r>
+              <a:rPr lang="ko-KR" sz="1800">
+                <a:latin typeface="맑은 고딕" charset="0"/>
+                <a:ea typeface="맑은 고딕" charset="0"/>
+              </a:rPr>
+              <a:t>이름으로</a:t>
+            </a:r>
+            <a:r>
+              <a:rPr lang="ko-KR" sz="1800">
+                <a:latin typeface="맑은 고딕" charset="0"/>
+                <a:ea typeface="맑은 고딕" charset="0"/>
+              </a:rPr>
+              <a:t> </a:t>
+            </a:r>
+            <a:r>
+              <a:rPr lang="ko-KR" sz="1800">
+                <a:latin typeface="맑은 고딕" charset="0"/>
+                <a:ea typeface="맑은 고딕" charset="0"/>
+              </a:rPr>
+              <a:t>설정합니다.</a:t>
             </a:r>
             <a:endParaRPr lang="ko-KR" altLang="en-US" sz="1800">
               <a:latin typeface="맑은 고딕" charset="0"/>
@@ -10720,21 +10977,21 @@
                 <a:latin typeface="맑은 고딕" charset="0"/>
                 <a:ea typeface="맑은 고딕" charset="0"/>
               </a:rPr>
-              <a:t>그리고</a:t>
-            </a:r>
-            <a:r>
-              <a:rPr lang="ko-KR" sz="1800">
-                <a:latin typeface="맑은 고딕" charset="0"/>
-                <a:ea typeface="맑은 고딕" charset="0"/>
-              </a:rPr>
-              <a:t> 로그인 인증 절차가 </a:t>
-            </a:r>
-            <a:r>
-              <a:rPr lang="ko-KR" sz="1800">
-                <a:latin typeface="맑은 고딕" charset="0"/>
-                <a:ea typeface="맑은 고딕" charset="0"/>
-              </a:rPr>
-              <a:t>성공되었을</a:t>
+              <a:t>이제</a:t>
+            </a:r>
+            <a:r>
+              <a:rPr lang="ko-KR" sz="1800">
+                <a:latin typeface="맑은 고딕" charset="0"/>
+                <a:ea typeface="맑은 고딕" charset="0"/>
+              </a:rPr>
+              <a:t> PhotonSetting이라는 </a:t>
+            </a:r>
+            <a:r>
+              <a:rPr lang="ko-KR" sz="1800">
+                <a:latin typeface="맑은 고딕" charset="0"/>
+                <a:ea typeface="맑은 고딕" charset="0"/>
+              </a:rPr>
+              <a:t>스크립트를</a:t>
             </a:r>
             <a:r>
               <a:rPr lang="ko-KR" sz="1800">
@@ -10748,7 +11005,21 @@
                 <a:latin typeface="맑은 고딕" charset="0"/>
                 <a:ea typeface="맑은 고딕" charset="0"/>
               </a:rPr>
-              <a:t>때</a:t>
+              <a:t>생성한</a:t>
+            </a:r>
+            <a:r>
+              <a:rPr lang="ko-KR" sz="1800">
+                <a:latin typeface="맑은 고딕" charset="0"/>
+                <a:ea typeface="맑은 고딕" charset="0"/>
+              </a:rPr>
+              <a:t> 다음 Photon Setting </a:t>
+            </a:r>
+            <a:r>
+              <a:rPr lang="ko-KR" sz="1800">
+                <a:latin typeface="맑은 고딕" charset="0"/>
+                <a:ea typeface="맑은 고딕" charset="0"/>
+              </a:rPr>
+              <a:t>오브젝트에</a:t>
             </a:r>
             <a:r>
               <a:rPr lang="ko-KR" sz="1800">
@@ -10762,35 +11033,7 @@
                 <a:latin typeface="맑은 고딕" charset="0"/>
                 <a:ea typeface="맑은 고딕" charset="0"/>
               </a:rPr>
-              <a:t>Photon</a:t>
-            </a:r>
-            <a:r>
-              <a:rPr lang="ko-KR" sz="1800">
-                <a:latin typeface="맑은 고딕" charset="0"/>
-                <a:ea typeface="맑은 고딕" charset="0"/>
-              </a:rPr>
-              <a:t> Lobby씬으로 </a:t>
-            </a:r>
-            <a:r>
-              <a:rPr lang="ko-KR" sz="1800">
-                <a:latin typeface="맑은 고딕" charset="0"/>
-                <a:ea typeface="맑은 고딕" charset="0"/>
-              </a:rPr>
-              <a:t>이동하도록</a:t>
-            </a:r>
-            <a:r>
-              <a:rPr lang="ko-KR" sz="1800">
-                <a:latin typeface="맑은 고딕" charset="0"/>
-                <a:ea typeface="맑은 고딕" charset="0"/>
-              </a:rPr>
-              <a:t> </a:t>
-            </a:r>
-            <a:r>
-              <a:rPr lang="ko-KR" sz="1800">
-                <a:latin typeface="맑은 고딕" charset="0"/>
-                <a:ea typeface="맑은 고딕" charset="0"/>
-              </a:rPr>
-              <a:t>설정합니다.</a:t>
+              <a:t>넣어줍니다.</a:t>
             </a:r>
             <a:endParaRPr lang="ko-KR" altLang="en-US" sz="1800">
               <a:latin typeface="맑은 고딕" charset="0"/>
@@ -10801,14 +11044,141 @@
       </p:sp>
       <p:pic>
         <p:nvPicPr>
-          <p:cNvPr id="62" name="그림 7"/>
+          <p:cNvPr id="59" name="그림 32"/>
           <p:cNvPicPr>
             <a:picLocks noChangeAspect="1"/>
           </p:cNvPicPr>
           <p:nvPr/>
         </p:nvPicPr>
         <p:blipFill rotWithShape="1">
-          <a:blip r:embed="rId10" cstate="print">
+          <a:blip r:embed="rId2" cstate="hqprint">
+            <a:extLst>
+              <a:ext uri="{28A0092B-C50C-407E-A947-70E740481C1C}">
+                <a14:useLocalDpi xmlns:a14="http://schemas.microsoft.com/office/drawing/2010/main"/>
+              </a:ext>
+            </a:extLst>
+          </a:blip>
+          <a:stretch>
+            <a:fillRect/>
+          </a:stretch>
+        </p:blipFill>
+        <p:spPr>
+          <a:xfrm rot="0">
+            <a:off x="1229360" y="1438275"/>
+            <a:ext cx="4126230" cy="3601720"/>
+          </a:xfrm>
+          <a:prstGeom prst="roundRect"/>
+          <a:solidFill>
+            <a:srgbClr val="EDEDED"/>
+          </a:solidFill>
+        </p:spPr>
+      </p:pic>
+      <p:pic>
+        <p:nvPicPr>
+          <p:cNvPr id="61" name="그림 37" descr="C:/Users/Admin1/AppData/Roaming/PolarisOffice/ETemp/20844_15003384/fImage330252883902.png"/>
+          <p:cNvPicPr>
+            <a:picLocks noChangeAspect="1"/>
+          </p:cNvPicPr>
+          <p:nvPr/>
+        </p:nvPicPr>
+        <p:blipFill rotWithShape="1">
+          <a:blip r:embed="rId4" cstate="hqprint">
+            <a:extLst>
+              <a:ext uri="{28A0092B-C50C-407E-A947-70E740481C1C}">
+                <a14:useLocalDpi xmlns:a14="http://schemas.microsoft.com/office/drawing/2010/main"/>
+              </a:ext>
+            </a:extLst>
+          </a:blip>
+          <a:stretch>
+            <a:fillRect/>
+          </a:stretch>
+        </p:blipFill>
+        <p:spPr>
+          <a:xfrm rot="0">
+            <a:off x="6839585" y="1447165"/>
+            <a:ext cx="2372995" cy="2455545"/>
+          </a:xfrm>
+          <a:prstGeom prst="roundRect"/>
+          <a:solidFill>
+            <a:srgbClr val="EDEDED"/>
+          </a:solidFill>
+        </p:spPr>
+      </p:pic>
+      <p:pic>
+        <p:nvPicPr>
+          <p:cNvPr id="62" name="그림 38" descr="C:/Users/Admin1/AppData/Roaming/PolarisOffice/ETemp/20844_15003384/fImage2273289153.png"/>
+          <p:cNvPicPr>
+            <a:picLocks noChangeAspect="1"/>
+          </p:cNvPicPr>
+          <p:nvPr/>
+        </p:nvPicPr>
+        <p:blipFill rotWithShape="1">
+          <a:blip r:embed="rId5" cstate="hqprint">
+            <a:extLst>
+              <a:ext uri="{28A0092B-C50C-407E-A947-70E740481C1C}">
+                <a14:useLocalDpi xmlns:a14="http://schemas.microsoft.com/office/drawing/2010/main"/>
+              </a:ext>
+            </a:extLst>
+          </a:blip>
+          <a:stretch>
+            <a:fillRect/>
+          </a:stretch>
+        </p:blipFill>
+        <p:spPr>
+          <a:xfrm rot="0">
+            <a:off x="9874250" y="3198495"/>
+            <a:ext cx="704215" cy="707390"/>
+          </a:xfrm>
+          <a:prstGeom prst="roundRect"/>
+          <a:solidFill>
+            <a:srgbClr val="EDEDED"/>
+          </a:solidFill>
+        </p:spPr>
+      </p:pic>
+      <p:cxnSp>
+        <p:nvCxnSpPr>
+          <p:cNvPr id="67" name="도형 17"/>
+          <p:cNvCxnSpPr>
+            <a:endCxn id="68" idx="2"/>
+          </p:cNvCxnSpPr>
+          <p:nvPr/>
+        </p:nvCxnSpPr>
+        <p:spPr>
+          <a:xfrm rot="0" flipH="1" flipV="1">
+            <a:off x="10224770" y="2825115"/>
+            <a:ext cx="1905" cy="365125"/>
+          </a:xfrm>
+          <a:prstGeom prst="straightConnector1"/>
+          <a:ln w="6350" cap="flat" cmpd="sng">
+            <a:prstDash/>
+            <a:tailEnd type="triangle" w="med" len="med"/>
+          </a:ln>
+        </p:spPr>
+        <p:style>
+          <a:lnRef idx="1">
+            <a:schemeClr val="accent1"/>
+          </a:lnRef>
+          <a:fillRef idx="0">
+            <a:schemeClr val="accent1"/>
+          </a:fillRef>
+          <a:effectRef idx="0">
+            <a:schemeClr val="accent1"/>
+          </a:effectRef>
+          <a:fontRef idx="minor">
+            <a:schemeClr val="tx1"/>
+          </a:fontRef>
+        </p:style>
+      </p:cxnSp>
+      <p:pic>
+        <p:nvPicPr>
+          <p:cNvPr id="68" name="그림 14" descr="C:/Users/Admin1/AppData/Roaming/PolarisOffice/ETemp/20844_15003384/fImage88133606500.png"/>
+          <p:cNvPicPr>
+            <a:picLocks noChangeAspect="1"/>
+          </p:cNvPicPr>
+          <p:nvPr/>
+        </p:nvPicPr>
+        <p:blipFill rotWithShape="1">
+          <a:blip r:embed="rId11" cstate="print">
             <a:extLst>
               <a:ext uri="{28A0092B-C50C-407E-A947-70E740481C1C}">
                 <a14:useLocalDpi xmlns:a14="http://schemas.microsoft.com/office/drawing/2010/main" val="0"/>
@@ -10821,162 +11191,8 @@
         </p:blipFill>
         <p:spPr>
           <a:xfrm rot="0">
-            <a:off x="1231900" y="1438275"/>
-            <a:ext cx="4117975" cy="1473835"/>
-          </a:xfrm>
-          <a:prstGeom prst="roundRect"/>
-          <a:solidFill>
-            <a:srgbClr val="EDEDED"/>
-          </a:solidFill>
-        </p:spPr>
-      </p:pic>
-      <p:sp>
-        <p:nvSpPr>
-          <p:cNvPr id="63" name="텍스트 상자 10"/>
-          <p:cNvSpPr txBox="1">
-            <a:spLocks/>
-          </p:cNvSpPr>
-          <p:nvPr/>
-        </p:nvSpPr>
-        <p:spPr>
-          <a:xfrm rot="0">
-            <a:off x="1232535" y="3027045"/>
-            <a:ext cx="4126865" cy="677545"/>
-          </a:xfrm>
-          <a:prstGeom prst="rect"/>
-          <a:noFill/>
-          <a:ln w="0">
-            <a:noFill/>
-            <a:prstDash/>
-          </a:ln>
-        </p:spPr>
-        <p:txBody>
-          <a:bodyPr wrap="square" lIns="89535" tIns="46355" rIns="89535" bIns="46355" numCol="1" vert="horz" anchor="t">
-            <a:spAutoFit/>
-          </a:bodyPr>
-          <a:lstStyle/>
-          <a:p>
-            <a:pPr marL="0" indent="0" rtl="0" algn="l" defTabSz="914400" eaLnBrk="1" latinLnBrk="0" hangingPunct="1">
-              <a:buFontTx/>
-              <a:buNone/>
-            </a:pPr>
-            <a:r>
-              <a:rPr lang="ko-KR" sz="2000" b="1">
-                <a:solidFill>
-                  <a:srgbClr val="0611F2"/>
-                </a:solidFill>
-                <a:latin typeface="맑은 고딕" charset="0"/>
-                <a:ea typeface="맑은 고딕" charset="0"/>
-              </a:rPr>
-              <a:t>26.</a:t>
-            </a:r>
-            <a:r>
-              <a:rPr lang="ko-KR" sz="2000">
-                <a:solidFill>
-                  <a:srgbClr val="0611F2"/>
-                </a:solidFill>
-                <a:latin typeface="맑은 고딕" charset="0"/>
-                <a:ea typeface="맑은 고딕" charset="0"/>
-              </a:rPr>
-              <a:t> </a:t>
-            </a:r>
-            <a:r>
-              <a:rPr lang="ko-KR" sz="1800">
-                <a:latin typeface="맑은 고딕" charset="0"/>
-                <a:ea typeface="맑은 고딕" charset="0"/>
-              </a:rPr>
-              <a:t>그다음 PhotonSetting 오브젝트의 </a:t>
-            </a:r>
-            <a:r>
-              <a:rPr lang="ko-KR" sz="1800">
-                <a:latin typeface="맑은 고딕" charset="0"/>
-                <a:ea typeface="맑은 고딕" charset="0"/>
-              </a:rPr>
-              <a:t>위치와</a:t>
-            </a:r>
-            <a:r>
-              <a:rPr lang="ko-KR" sz="1800">
-                <a:latin typeface="맑은 고딕" charset="0"/>
-                <a:ea typeface="맑은 고딕" charset="0"/>
-              </a:rPr>
-              <a:t> </a:t>
-            </a:r>
-            <a:r>
-              <a:rPr lang="ko-KR" sz="1800">
-                <a:latin typeface="맑은 고딕" charset="0"/>
-                <a:ea typeface="맑은 고딕" charset="0"/>
-              </a:rPr>
-              <a:t>회전</a:t>
-            </a:r>
-            <a:r>
-              <a:rPr lang="ko-KR" sz="1800">
-                <a:latin typeface="맑은 고딕" charset="0"/>
-                <a:ea typeface="맑은 고딕" charset="0"/>
-              </a:rPr>
-              <a:t> 값을 초기화합니다.</a:t>
-            </a:r>
-            <a:endParaRPr lang="ko-KR" altLang="en-US" sz="1800">
-              <a:latin typeface="맑은 고딕" charset="0"/>
-              <a:ea typeface="맑은 고딕" charset="0"/>
-            </a:endParaRPr>
-          </a:p>
-        </p:txBody>
-      </p:sp>
-      <p:pic>
-        <p:nvPicPr>
-          <p:cNvPr id="64" name="그림 11" descr="C:/Users/Admin1/AppData/Roaming/PolarisOffice/ETemp/12940_6238040/fImage248182495724.png"/>
-          <p:cNvPicPr>
-            <a:picLocks noChangeAspect="1"/>
-          </p:cNvPicPr>
-          <p:nvPr/>
-        </p:nvPicPr>
-        <p:blipFill rotWithShape="1">
-          <a:blip r:embed="rId11" cstate="hqprint">
-            <a:extLst>
-              <a:ext uri="{28A0092B-C50C-407E-A947-70E740481C1C}">
-                <a14:useLocalDpi xmlns:a14="http://schemas.microsoft.com/office/drawing/2010/main"/>
-              </a:ext>
-            </a:extLst>
-          </a:blip>
-          <a:stretch>
-            <a:fillRect/>
-          </a:stretch>
-        </p:blipFill>
-        <p:spPr>
-          <a:xfrm rot="0">
-            <a:off x="1223645" y="3832860"/>
-            <a:ext cx="4118610" cy="1258570"/>
-          </a:xfrm>
-          <a:prstGeom prst="roundRect"/>
-          <a:solidFill>
-            <a:srgbClr val="EDEDED"/>
-          </a:solidFill>
-        </p:spPr>
-      </p:pic>
-      <p:pic>
-        <p:nvPicPr>
-          <p:cNvPr id="65" name="그림 27"/>
-          <p:cNvPicPr>
-            <a:picLocks noChangeAspect="1"/>
-          </p:cNvPicPr>
-          <p:nvPr/>
-        </p:nvPicPr>
-        <p:blipFill rotWithShape="1">
-          <a:blip r:embed="rId12" cstate="print">
-            <a:extLst>
-              <a:ext uri="{28A0092B-C50C-407E-A947-70E740481C1C}">
-                <a14:useLocalDpi xmlns:a14="http://schemas.microsoft.com/office/drawing/2010/main" val="0"/>
-              </a:ext>
-            </a:extLst>
-          </a:blip>
-          <a:stretch>
-            <a:fillRect/>
-          </a:stretch>
-        </p:blipFill>
-        <p:spPr>
-          <a:xfrm rot="0">
-            <a:off x="6822440" y="1438275"/>
-            <a:ext cx="4126230" cy="2472690"/>
+            <a:off x="9492615" y="1438910"/>
+            <a:ext cx="1464945" cy="1386840"/>
           </a:xfrm>
           <a:prstGeom prst="roundRect"/>
           <a:solidFill>
@@ -11071,8 +11287,8 @@
         </p:nvSpPr>
         <p:spPr>
           <a:xfrm>
-            <a:off x="4334510" y="313055"/>
-            <a:ext cx="3522345" cy="554990"/>
+            <a:off x="4304665" y="363220"/>
+            <a:ext cx="3582035" cy="554990"/>
           </a:xfrm>
           <a:prstGeom prst="rect"/>
           <a:noFill/>
@@ -11121,16 +11337,16 @@
       </p:sp>
       <p:sp>
         <p:nvSpPr>
-          <p:cNvPr id="67" name="텍스트 상자 19"/>
+          <p:cNvPr id="48" name="Rect 0"/>
           <p:cNvSpPr txBox="1">
             <a:spLocks/>
           </p:cNvSpPr>
           <p:nvPr/>
         </p:nvSpPr>
         <p:spPr>
-          <a:xfrm>
-            <a:off x="6821805" y="4105275"/>
-            <a:ext cx="4127500" cy="2061845"/>
+          <a:xfrm rot="0">
+            <a:off x="1229995" y="5186045"/>
+            <a:ext cx="4121150" cy="954405"/>
           </a:xfrm>
           <a:prstGeom prst="rect"/>
           <a:noFill/>
@@ -11194,14 +11410,14 @@
                 <a:latin typeface="맑은 고딕" charset="0"/>
                 <a:ea typeface="맑은 고딕" charset="0"/>
               </a:rPr>
-              <a:t>그러고 나서 SignUpSuccess( ) </a:t>
-            </a:r>
-            <a:r>
-              <a:rPr lang="ko-KR" sz="1800">
-                <a:latin typeface="맑은 고딕" charset="0"/>
-                <a:ea typeface="맑은 고딕" charset="0"/>
-              </a:rPr>
-              <a:t>함수를</a:t>
+              <a:t>그런 다음 Email 오브젝트의 </a:t>
+            </a:r>
+            <a:r>
+              <a:rPr lang="ko-KR" sz="1800">
+                <a:latin typeface="맑은 고딕" charset="0"/>
+                <a:ea typeface="맑은 고딕" charset="0"/>
+              </a:rPr>
+              <a:t>앵커를</a:t>
             </a:r>
             <a:r>
               <a:rPr lang="ko-KR" sz="1800">
@@ -11215,283 +11431,39 @@
                 <a:latin typeface="맑은 고딕" charset="0"/>
                 <a:ea typeface="맑은 고딕" charset="0"/>
               </a:rPr>
-              <a:t>선언한</a:t>
-            </a:r>
-            <a:r>
-              <a:rPr lang="ko-KR" sz="1800">
-                <a:latin typeface="맑은 고딕" charset="0"/>
-                <a:ea typeface="맑은 고딕" charset="0"/>
-              </a:rPr>
-              <a:t> 다음 </a:t>
-            </a:r>
-            <a:r>
-              <a:rPr lang="ko-KR" sz="1800">
-                <a:latin typeface="맑은 고딕" charset="0"/>
-                <a:ea typeface="맑은 고딕" charset="0"/>
-              </a:rPr>
-              <a:t>NotficationManager.NotificationWindow(</a:t>
-            </a:r>
-            <a:r>
-              <a:rPr lang="ko-KR" sz="1800">
-                <a:latin typeface="맑은 고딕" charset="0"/>
-                <a:ea typeface="맑은 고딕" charset="0"/>
-              </a:rPr>
-              <a:t> )를 호출합니다.</a:t>
+              <a:t>지정하고 위치와 크기를 </a:t>
+            </a:r>
+            <a:r>
+              <a:rPr lang="ko-KR" sz="1800">
+                <a:latin typeface="맑은 고딕" charset="0"/>
+                <a:ea typeface="맑은 고딕" charset="0"/>
+              </a:rPr>
+              <a:t>설정합니</a:t>
+            </a:r>
+            <a:r>
+              <a:rPr lang="ko-KR" sz="1800">
+                <a:latin typeface="맑은 고딕" charset="0"/>
+                <a:ea typeface="맑은 고딕" charset="0"/>
+              </a:rPr>
+              <a:t>다.</a:t>
             </a:r>
             <a:endParaRPr lang="ko-KR" altLang="en-US" sz="1800">
               <a:latin typeface="맑은 고딕" charset="0"/>
               <a:ea typeface="맑은 고딕" charset="0"/>
             </a:endParaRPr>
           </a:p>
-          <a:p>
-            <a:pPr marL="0" indent="0" rtl="0" algn="l" defTabSz="914400" eaLnBrk="1" latinLnBrk="0" hangingPunct="1">
-              <a:buFontTx/>
-              <a:buNone/>
-            </a:pPr>
-            <a:endParaRPr lang="ko-KR" altLang="en-US" sz="1800">
-              <a:latin typeface="맑은 고딕" charset="0"/>
-              <a:ea typeface="맑은 고딕" charset="0"/>
-            </a:endParaRPr>
-          </a:p>
-          <a:p>
-            <a:pPr marL="0" indent="0" rtl="0" algn="l" defTabSz="914400" eaLnBrk="1" latinLnBrk="0" hangingPunct="1">
-              <a:buFontTx/>
-              <a:buNone/>
-            </a:pPr>
-            <a:r>
-              <a:rPr lang="ko-KR" sz="1800">
-                <a:latin typeface="맑은 고딕" charset="0"/>
-                <a:ea typeface="맑은 고딕" charset="0"/>
-              </a:rPr>
-              <a:t>이제</a:t>
-            </a:r>
-            <a:r>
-              <a:rPr lang="ko-KR" sz="1800">
-                <a:latin typeface="맑은 고딕" charset="0"/>
-                <a:ea typeface="맑은 고딕" charset="0"/>
-              </a:rPr>
-              <a:t> NotificationWindow(</a:t>
-            </a:r>
-            <a:r>
-              <a:rPr lang="ko-KR" sz="1800">
-                <a:latin typeface="맑은 고딕" charset="0"/>
-                <a:ea typeface="맑은 고딕" charset="0"/>
-              </a:rPr>
-              <a:t> ) </a:t>
-            </a:r>
-            <a:r>
-              <a:rPr lang="ko-KR" sz="1800">
-                <a:latin typeface="맑은 고딕" charset="0"/>
-                <a:ea typeface="맑은 고딕" charset="0"/>
-              </a:rPr>
-              <a:t>함수의</a:t>
-            </a:r>
-            <a:r>
-              <a:rPr lang="ko-KR" sz="1800">
-                <a:latin typeface="맑은 고딕" charset="0"/>
-                <a:ea typeface="맑은 고딕" charset="0"/>
-              </a:rPr>
-              <a:t> </a:t>
-            </a:r>
-            <a:r>
-              <a:rPr lang="ko-KR" sz="1800">
-                <a:latin typeface="맑은 고딕" charset="0"/>
-                <a:ea typeface="맑은 고딕" charset="0"/>
-              </a:rPr>
-              <a:t>인수로</a:t>
-            </a:r>
-            <a:r>
-              <a:rPr lang="ko-KR" sz="1800">
-                <a:latin typeface="맑은 고딕" charset="0"/>
-                <a:ea typeface="맑은 고딕" charset="0"/>
-              </a:rPr>
-              <a:t> </a:t>
-            </a:r>
-            <a:r>
-              <a:rPr lang="ko-KR" sz="1800">
-                <a:latin typeface="맑은 고딕" charset="0"/>
-                <a:ea typeface="맑은 고딕" charset="0"/>
-              </a:rPr>
-              <a:t>string</a:t>
-            </a:r>
-            <a:r>
-              <a:rPr lang="ko-KR" sz="1800">
-                <a:latin typeface="맑은 고딕" charset="0"/>
-                <a:ea typeface="맑은 고딕" charset="0"/>
-              </a:rPr>
-              <a:t> 값을 넣어줍니다 </a:t>
-            </a:r>
-            <a:endParaRPr lang="ko-KR" altLang="en-US" sz="1800">
-              <a:latin typeface="맑은 고딕" charset="0"/>
-              <a:ea typeface="맑은 고딕" charset="0"/>
-            </a:endParaRPr>
-          </a:p>
-        </p:txBody>
-      </p:sp>
-      <p:sp>
-        <p:nvSpPr>
-          <p:cNvPr id="69" name="텍스트 상자 30"/>
-          <p:cNvSpPr txBox="1">
-            <a:spLocks/>
-          </p:cNvSpPr>
-          <p:nvPr/>
-        </p:nvSpPr>
-        <p:spPr>
-          <a:xfrm>
-            <a:off x="1235710" y="4108450"/>
-            <a:ext cx="4141470" cy="2061845"/>
-          </a:xfrm>
-          <a:prstGeom prst="rect"/>
-          <a:noFill/>
-          <a:ln w="0">
-            <a:noFill/>
-            <a:prstDash/>
-          </a:ln>
-        </p:spPr>
-        <p:txBody>
-          <a:bodyPr wrap="square" lIns="89535" tIns="46355" rIns="89535" bIns="46355" numCol="1" vert="horz" anchor="t">
-            <a:spAutoFit/>
-          </a:bodyPr>
-          <a:lstStyle/>
-          <a:p>
-            <a:pPr marL="0" indent="0" rtl="0" algn="l" defTabSz="914400" eaLnBrk="1" latinLnBrk="0" hangingPunct="1">
-              <a:buFontTx/>
-              <a:buNone/>
-            </a:pPr>
-            <a:r>
-              <a:rPr lang="ko-KR" sz="2000" b="1">
-                <a:solidFill>
-                  <a:srgbClr val="0611F2"/>
-                </a:solidFill>
-                <a:latin typeface="맑은 고딕" charset="0"/>
-                <a:ea typeface="맑은 고딕" charset="0"/>
-              </a:rPr>
-              <a:t>29.</a:t>
-            </a:r>
-            <a:r>
-              <a:rPr lang="ko-KR" sz="2000">
-                <a:solidFill>
-                  <a:srgbClr val="0611F2"/>
-                </a:solidFill>
-                <a:latin typeface="맑은 고딕" charset="0"/>
-                <a:ea typeface="맑은 고딕" charset="0"/>
-              </a:rPr>
-              <a:t> </a:t>
-            </a:r>
-            <a:r>
-              <a:rPr lang="ko-KR" sz="1800">
-                <a:latin typeface="맑은 고딕" charset="0"/>
-                <a:ea typeface="맑은 고딕" charset="0"/>
-              </a:rPr>
-              <a:t>그런 다음 LoginFailure( ) 함수를 </a:t>
-            </a:r>
-            <a:r>
-              <a:rPr lang="ko-KR" sz="1800">
-                <a:latin typeface="맑은 고딕" charset="0"/>
-                <a:ea typeface="맑은 고딕" charset="0"/>
-              </a:rPr>
-              <a:t>선언하고</a:t>
-            </a:r>
-            <a:r>
-              <a:rPr lang="ko-KR" sz="1800">
-                <a:latin typeface="맑은 고딕" charset="0"/>
-                <a:ea typeface="맑은 고딕" charset="0"/>
-              </a:rPr>
-              <a:t> </a:t>
-            </a:r>
-            <a:r>
-              <a:rPr lang="ko-KR" sz="1800">
-                <a:latin typeface="맑은 고딕" charset="0"/>
-                <a:ea typeface="맑은 고딕" charset="0"/>
-              </a:rPr>
-              <a:t>NotficationManager.NotificationWindow(</a:t>
-            </a:r>
-            <a:r>
-              <a:rPr lang="ko-KR" sz="1800">
-                <a:latin typeface="맑은 고딕" charset="0"/>
-                <a:ea typeface="맑은 고딕" charset="0"/>
-              </a:rPr>
-              <a:t> )를 호출합니다.</a:t>
-            </a:r>
-            <a:endParaRPr lang="ko-KR" altLang="en-US" sz="1800">
-              <a:latin typeface="맑은 고딕" charset="0"/>
-              <a:ea typeface="맑은 고딕" charset="0"/>
-            </a:endParaRPr>
-          </a:p>
-          <a:p>
-            <a:pPr marL="0" indent="0" rtl="0" algn="l" defTabSz="914400" eaLnBrk="1" latinLnBrk="0" hangingPunct="1">
-              <a:buFontTx/>
-              <a:buNone/>
-            </a:pPr>
-            <a:endParaRPr lang="ko-KR" altLang="en-US" sz="1800">
-              <a:latin typeface="맑은 고딕" charset="0"/>
-              <a:ea typeface="맑은 고딕" charset="0"/>
-            </a:endParaRPr>
-          </a:p>
-          <a:p>
-            <a:pPr marL="0" indent="0" rtl="0" algn="l" defTabSz="914400" eaLnBrk="1" latinLnBrk="0" hangingPunct="1">
-              <a:buFontTx/>
-              <a:buNone/>
-            </a:pPr>
-            <a:r>
-              <a:rPr lang="ko-KR" sz="1800">
-                <a:latin typeface="맑은 고딕" charset="0"/>
-                <a:ea typeface="맑은 고딕" charset="0"/>
-              </a:rPr>
-              <a:t>그다음</a:t>
-            </a:r>
-            <a:r>
-              <a:rPr lang="ko-KR" sz="1800">
-                <a:latin typeface="맑은 고딕" charset="0"/>
-                <a:ea typeface="맑은 고딕" charset="0"/>
-              </a:rPr>
-              <a:t> NotificationWindow( ) 함수의 </a:t>
-            </a:r>
-            <a:r>
-              <a:rPr lang="ko-KR" sz="1800">
-                <a:latin typeface="맑은 고딕" charset="0"/>
-                <a:ea typeface="맑은 고딕" charset="0"/>
-              </a:rPr>
-              <a:t>인수로</a:t>
-            </a:r>
-            <a:r>
-              <a:rPr lang="ko-KR" sz="1800">
-                <a:latin typeface="맑은 고딕" charset="0"/>
-                <a:ea typeface="맑은 고딕" charset="0"/>
-              </a:rPr>
-              <a:t> </a:t>
-            </a:r>
-            <a:r>
-              <a:rPr lang="ko-KR" sz="1800">
-                <a:latin typeface="맑은 고딕" charset="0"/>
-                <a:ea typeface="맑은 고딕" charset="0"/>
-              </a:rPr>
-              <a:t>string</a:t>
-            </a:r>
-            <a:r>
-              <a:rPr lang="ko-KR" sz="1800">
-                <a:latin typeface="맑은 고딕" charset="0"/>
-                <a:ea typeface="맑은 고딕" charset="0"/>
-              </a:rPr>
-              <a:t> 값을 넣어줍니다.</a:t>
-            </a:r>
-            <a:endParaRPr lang="ko-KR" altLang="en-US" sz="1800">
-              <a:latin typeface="맑은 고딕" charset="0"/>
-              <a:ea typeface="맑은 고딕" charset="0"/>
-            </a:endParaRPr>
-          </a:p>
         </p:txBody>
       </p:sp>
       <p:pic>
         <p:nvPicPr>
-          <p:cNvPr id="70" name="그림 31"/>
+          <p:cNvPr id="62" name="그림 7" descr="C:/Users/Admin1/AppData/Roaming/PolarisOffice/ETemp/20844_15003384/fImage117912479169.png"/>
           <p:cNvPicPr>
             <a:picLocks noChangeAspect="1"/>
           </p:cNvPicPr>
           <p:nvPr/>
         </p:nvPicPr>
         <p:blipFill rotWithShape="1">
-          <a:blip r:embed="rId12" cstate="hqprint">
+          <a:blip r:embed="rId10" cstate="hqprint">
             <a:extLst>
               <a:ext uri="{28A0092B-C50C-407E-A947-70E740481C1C}">
                 <a14:useLocalDpi xmlns:a14="http://schemas.microsoft.com/office/drawing/2010/main"/>
@@ -11504,8 +11476,8 @@
         </p:blipFill>
         <p:spPr>
           <a:xfrm rot="0">
-            <a:off x="1240790" y="1447165"/>
-            <a:ext cx="4126230" cy="2515870"/>
+            <a:off x="1231900" y="1438275"/>
+            <a:ext cx="4118610" cy="1275715"/>
           </a:xfrm>
           <a:prstGeom prst="roundRect"/>
           <a:solidFill>
@@ -11513,9 +11485,108 @@
           </a:solidFill>
         </p:spPr>
       </p:pic>
+      <p:sp>
+        <p:nvSpPr>
+          <p:cNvPr id="63" name="텍스트 상자 10"/>
+          <p:cNvSpPr txBox="1">
+            <a:spLocks/>
+          </p:cNvSpPr>
+          <p:nvPr/>
+        </p:nvSpPr>
+        <p:spPr>
+          <a:xfrm rot="0">
+            <a:off x="1232535" y="2785745"/>
+            <a:ext cx="4117340" cy="954405"/>
+          </a:xfrm>
+          <a:prstGeom prst="rect"/>
+          <a:noFill/>
+          <a:ln w="0">
+            <a:noFill/>
+            <a:prstDash/>
+          </a:ln>
+        </p:spPr>
+        <p:txBody>
+          <a:bodyPr wrap="square" lIns="89535" tIns="46355" rIns="89535" bIns="46355" numCol="1" vert="horz" anchor="t">
+            <a:spAutoFit/>
+          </a:bodyPr>
+          <a:lstStyle/>
+          <a:p>
+            <a:pPr marL="0" indent="0" rtl="0" algn="l" defTabSz="914400" eaLnBrk="1" latinLnBrk="0" hangingPunct="1">
+              <a:buFontTx/>
+              <a:buNone/>
+            </a:pPr>
+            <a:r>
+              <a:rPr lang="ko-KR" sz="2000" b="1">
+                <a:solidFill>
+                  <a:srgbClr val="0611F2"/>
+                </a:solidFill>
+                <a:latin typeface="맑은 고딕" charset="0"/>
+                <a:ea typeface="맑은 고딕" charset="0"/>
+              </a:rPr>
+              <a:t>29.</a:t>
+            </a:r>
+            <a:r>
+              <a:rPr lang="ko-KR" sz="2000">
+                <a:solidFill>
+                  <a:srgbClr val="0611F2"/>
+                </a:solidFill>
+                <a:latin typeface="맑은 고딕" charset="0"/>
+                <a:ea typeface="맑은 고딕" charset="0"/>
+              </a:rPr>
+              <a:t> </a:t>
+            </a:r>
+            <a:r>
+              <a:rPr lang="ko-KR" sz="1800">
+                <a:latin typeface="맑은 고딕" charset="0"/>
+                <a:ea typeface="맑은 고딕" charset="0"/>
+              </a:rPr>
+              <a:t>그리고 Photon Setting </a:t>
+            </a:r>
+            <a:r>
+              <a:rPr lang="ko-KR" sz="1800">
+                <a:latin typeface="맑은 고딕" charset="0"/>
+                <a:ea typeface="맑은 고딕" charset="0"/>
+              </a:rPr>
+              <a:t>오브젝트의</a:t>
+            </a:r>
+            <a:r>
+              <a:rPr lang="ko-KR" sz="1800">
+                <a:latin typeface="맑은 고딕" charset="0"/>
+                <a:ea typeface="맑은 고딕" charset="0"/>
+              </a:rPr>
+              <a:t> </a:t>
+            </a:r>
+            <a:r>
+              <a:rPr lang="ko-KR" sz="1800">
+                <a:latin typeface="맑은 고딕" charset="0"/>
+                <a:ea typeface="맑은 고딕" charset="0"/>
+              </a:rPr>
+              <a:t>위치와</a:t>
+            </a:r>
+            <a:r>
+              <a:rPr lang="ko-KR" sz="1800">
+                <a:latin typeface="맑은 고딕" charset="0"/>
+                <a:ea typeface="맑은 고딕" charset="0"/>
+              </a:rPr>
+              <a:t> 회전 값을 </a:t>
+            </a:r>
+            <a:r>
+              <a:rPr lang="ko-KR" sz="1800">
+                <a:latin typeface="맑은 고딕" charset="0"/>
+                <a:ea typeface="맑은 고딕" charset="0"/>
+              </a:rPr>
+              <a:t>초기화합니다.</a:t>
+            </a:r>
+            <a:endParaRPr lang="ko-KR" altLang="en-US" sz="1800">
+              <a:latin typeface="맑은 고딕" charset="0"/>
+              <a:ea typeface="맑은 고딕" charset="0"/>
+            </a:endParaRPr>
+          </a:p>
+        </p:txBody>
+      </p:sp>
       <p:pic>
         <p:nvPicPr>
-          <p:cNvPr id="71" name="그림 35"/>
+          <p:cNvPr id="64" name="그림 17" descr="C:/Users/Admin1/AppData/Roaming/PolarisOffice/ETemp/20844_15003384/fImage117543619169.png"/>
           <p:cNvPicPr>
             <a:picLocks noChangeAspect="1"/>
           </p:cNvPicPr>
@@ -11535,8 +11606,249 @@
         </p:blipFill>
         <p:spPr>
           <a:xfrm rot="0">
-            <a:off x="6829425" y="1447165"/>
-            <a:ext cx="4119245" cy="2515870"/>
+            <a:off x="1228725" y="3829050"/>
+            <a:ext cx="4113530" cy="1279525"/>
+          </a:xfrm>
+          <a:prstGeom prst="roundRect"/>
+          <a:solidFill>
+            <a:srgbClr val="EDEDED"/>
+          </a:solidFill>
+        </p:spPr>
+      </p:pic>
+      <p:sp>
+        <p:nvSpPr>
+          <p:cNvPr id="66" name="텍스트 상자 24"/>
+          <p:cNvSpPr txBox="1">
+            <a:spLocks/>
+          </p:cNvSpPr>
+          <p:nvPr/>
+        </p:nvSpPr>
+        <p:spPr>
+          <a:xfrm rot="0">
+            <a:off x="6823075" y="4077335"/>
+            <a:ext cx="4125595" cy="2061845"/>
+          </a:xfrm>
+          <a:prstGeom prst="rect"/>
+          <a:noFill/>
+          <a:ln w="0">
+            <a:noFill/>
+            <a:prstDash/>
+          </a:ln>
+        </p:spPr>
+        <p:txBody>
+          <a:bodyPr wrap="square" lIns="89535" tIns="46355" rIns="89535" bIns="46355" numCol="1" vert="horz" anchor="t">
+            <a:spAutoFit/>
+          </a:bodyPr>
+          <a:lstStyle/>
+          <a:p>
+            <a:pPr marL="0" indent="0" rtl="0" algn="l" defTabSz="914400" eaLnBrk="1" latinLnBrk="0" hangingPunct="1">
+              <a:buFontTx/>
+              <a:buNone/>
+            </a:pPr>
+            <a:r>
+              <a:rPr lang="ko-KR" sz="2000" b="1">
+                <a:solidFill>
+                  <a:srgbClr val="0611F2"/>
+                </a:solidFill>
+                <a:latin typeface="맑은 고딕" charset="0"/>
+                <a:ea typeface="맑은 고딕" charset="0"/>
+              </a:rPr>
+              <a:t>32.</a:t>
+            </a:r>
+            <a:r>
+              <a:rPr lang="ko-KR" sz="2000">
+                <a:solidFill>
+                  <a:srgbClr val="0611F2"/>
+                </a:solidFill>
+                <a:latin typeface="맑은 고딕" charset="0"/>
+                <a:ea typeface="맑은 고딕" charset="0"/>
+              </a:rPr>
+              <a:t> </a:t>
+            </a:r>
+            <a:r>
+              <a:rPr lang="ko-KR" sz="1800">
+                <a:latin typeface="맑은 고딕" charset="0"/>
+                <a:ea typeface="맑은 고딕" charset="0"/>
+              </a:rPr>
+              <a:t>그다음 </a:t>
+            </a:r>
+            <a:r>
+              <a:rPr lang="ko-KR" sz="1800">
+                <a:latin typeface="맑은 고딕" charset="0"/>
+                <a:ea typeface="맑은 고딕" charset="0"/>
+              </a:rPr>
+              <a:t>PhotonSetting</a:t>
+            </a:r>
+            <a:r>
+              <a:rPr lang="ko-KR" sz="1800">
+                <a:latin typeface="맑은 고딕" charset="0"/>
+                <a:ea typeface="맑은 고딕" charset="0"/>
+              </a:rPr>
+              <a:t> </a:t>
+            </a:r>
+            <a:r>
+              <a:rPr lang="ko-KR" sz="1800">
+                <a:latin typeface="맑은 고딕" charset="0"/>
+                <a:ea typeface="맑은 고딕" charset="0"/>
+              </a:rPr>
+              <a:t>스크립트에서</a:t>
+            </a:r>
+            <a:r>
+              <a:rPr lang="ko-KR" sz="1800">
+                <a:latin typeface="맑은 고딕" charset="0"/>
+                <a:ea typeface="맑은 고딕" charset="0"/>
+              </a:rPr>
+              <a:t> </a:t>
+            </a:r>
+            <a:r>
+              <a:rPr lang="ko-KR" sz="1800">
+                <a:latin typeface="맑은 고딕" charset="0"/>
+                <a:ea typeface="맑은 고딕" charset="0"/>
+              </a:rPr>
+              <a:t>MonoBehaviourPunCallbac</a:t>
+            </a:r>
+            <a:r>
+              <a:rPr lang="ko-KR" sz="1800">
+                <a:latin typeface="맑은 고딕" charset="0"/>
+                <a:ea typeface="맑은 고딕" charset="0"/>
+              </a:rPr>
+              <a:t>k</a:t>
+            </a:r>
+            <a:r>
+              <a:rPr lang="ko-KR" sz="1800">
+                <a:latin typeface="맑은 고딕" charset="0"/>
+                <a:ea typeface="맑은 고딕" charset="0"/>
+              </a:rPr>
+              <a:t>s</a:t>
+            </a:r>
+            <a:r>
+              <a:rPr lang="ko-KR" sz="1800">
+                <a:latin typeface="맑은 고딕" charset="0"/>
+                <a:ea typeface="맑은 고딕" charset="0"/>
+              </a:rPr>
+              <a:t> </a:t>
+            </a:r>
+            <a:r>
+              <a:rPr lang="ko-KR" sz="1800">
+                <a:latin typeface="맑은 고딕" charset="0"/>
+                <a:ea typeface="맑은 고딕" charset="0"/>
+              </a:rPr>
+              <a:t>클래스</a:t>
+            </a:r>
+            <a:r>
+              <a:rPr lang="ko-KR" sz="1800">
+                <a:latin typeface="맑은 고딕" charset="0"/>
+                <a:ea typeface="맑은 고딕" charset="0"/>
+              </a:rPr>
+              <a:t>를</a:t>
+            </a:r>
+            <a:r>
+              <a:rPr lang="ko-KR" sz="1800">
+                <a:latin typeface="맑은 고딕" charset="0"/>
+                <a:ea typeface="맑은 고딕" charset="0"/>
+              </a:rPr>
+              <a:t> </a:t>
+            </a:r>
+            <a:r>
+              <a:rPr lang="ko-KR" sz="1800">
+                <a:latin typeface="맑은 고딕" charset="0"/>
+                <a:ea typeface="맑은 고딕" charset="0"/>
+              </a:rPr>
+              <a:t>상속받도록 설정합니다.</a:t>
+            </a:r>
+            <a:endParaRPr lang="ko-KR" altLang="en-US" sz="1800">
+              <a:latin typeface="맑은 고딕" charset="0"/>
+              <a:ea typeface="맑은 고딕" charset="0"/>
+            </a:endParaRPr>
+          </a:p>
+          <a:p>
+            <a:pPr marL="0" indent="0" rtl="0" algn="l" defTabSz="914400" eaLnBrk="1" latinLnBrk="0" hangingPunct="1">
+              <a:buFontTx/>
+              <a:buNone/>
+            </a:pPr>
+            <a:endParaRPr lang="ko-KR" altLang="en-US" sz="1800">
+              <a:latin typeface="맑은 고딕" charset="0"/>
+              <a:ea typeface="맑은 고딕" charset="0"/>
+            </a:endParaRPr>
+          </a:p>
+          <a:p>
+            <a:pPr marL="0" indent="0" rtl="0" algn="l" defTabSz="914400" eaLnBrk="1" latinLnBrk="0" hangingPunct="1">
+              <a:buFontTx/>
+              <a:buNone/>
+            </a:pPr>
+            <a:r>
+              <a:rPr lang="ko-KR" sz="1800">
+                <a:latin typeface="맑은 고딕" charset="0"/>
+                <a:ea typeface="맑은 고딕" charset="0"/>
+              </a:rPr>
+              <a:t>그러</a:t>
+            </a:r>
+            <a:r>
+              <a:rPr lang="ko-KR" sz="1800">
+                <a:latin typeface="맑은 고딕" charset="0"/>
+                <a:ea typeface="맑은 고딕" charset="0"/>
+              </a:rPr>
+              <a:t>고</a:t>
+            </a:r>
+            <a:r>
+              <a:rPr lang="ko-KR" sz="1800">
+                <a:latin typeface="맑은 고딕" charset="0"/>
+                <a:ea typeface="맑은 고딕" charset="0"/>
+              </a:rPr>
+              <a:t> </a:t>
+            </a:r>
+            <a:r>
+              <a:rPr lang="ko-KR" sz="1800">
+                <a:latin typeface="맑은 고딕" charset="0"/>
+                <a:ea typeface="맑은 고딕" charset="0"/>
+              </a:rPr>
+              <a:t>나서 InputField 변수를 3개 </a:t>
+            </a:r>
+            <a:r>
+              <a:rPr lang="ko-KR" sz="1800">
+                <a:latin typeface="맑은 고딕" charset="0"/>
+                <a:ea typeface="맑은 고딕" charset="0"/>
+              </a:rPr>
+              <a:t>선언합니</a:t>
+            </a:r>
+            <a:r>
+              <a:rPr lang="ko-KR" sz="1800">
+                <a:latin typeface="맑은 고딕" charset="0"/>
+                <a:ea typeface="맑은 고딕" charset="0"/>
+              </a:rPr>
+              <a:t>다.</a:t>
+            </a:r>
+            <a:endParaRPr lang="ko-KR" altLang="en-US" sz="1800">
+              <a:latin typeface="맑은 고딕" charset="0"/>
+              <a:ea typeface="맑은 고딕" charset="0"/>
+            </a:endParaRPr>
+          </a:p>
+        </p:txBody>
+      </p:sp>
+      <p:pic>
+        <p:nvPicPr>
+          <p:cNvPr id="67" name="그림 27" descr="C:/Users/Admin1/AppData/Roaming/PolarisOffice/ETemp/20844_15003384/fImage525113765724.png"/>
+          <p:cNvPicPr>
+            <a:picLocks noChangeAspect="1"/>
+          </p:cNvPicPr>
+          <p:nvPr/>
+        </p:nvPicPr>
+        <p:blipFill rotWithShape="1">
+          <a:blip r:embed="rId14" cstate="print">
+            <a:extLst>
+              <a:ext uri="{28A0092B-C50C-407E-A947-70E740481C1C}">
+                <a14:useLocalDpi xmlns:a14="http://schemas.microsoft.com/office/drawing/2010/main" val="0"/>
+              </a:ext>
+            </a:extLst>
+          </a:blip>
+          <a:stretch>
+            <a:fillRect/>
+          </a:stretch>
+        </p:blipFill>
+        <p:spPr>
+          <a:xfrm rot="0">
+            <a:off x="6813550" y="1437640"/>
+            <a:ext cx="4144010" cy="2473325"/>
           </a:xfrm>
           <a:prstGeom prst="roundRect"/>
           <a:solidFill>
@@ -11568,7 +11880,7 @@
 </file>
 
 <file path=ppt/slides/slide15.xml><?xml version="1.0" encoding="utf-8"?>
-<p:sld xmlns:a="http://schemas.openxmlformats.org/drawingml/2006/main" xmlns:r="http://schemas.openxmlformats.org/officeDocument/2006/relationships" xmlns:p="http://schemas.openxmlformats.org/presentationml/2006/main" xmlns:p14="http://schemas.microsoft.com/office/powerpoint/2010/main">
+<p:sld xmlns:a="http://schemas.openxmlformats.org/drawingml/2006/main" xmlns:r="http://schemas.openxmlformats.org/officeDocument/2006/relationships" xmlns:p="http://schemas.openxmlformats.org/presentationml/2006/main">
   <p:cSld>
     <p:spTree>
       <p:nvGrpSpPr>
@@ -11595,7 +11907,7 @@
         <p:spPr>
           <a:xfrm rot="0">
             <a:off x="1229995" y="1337310"/>
-            <a:ext cx="4040505" cy="372110"/>
+            <a:ext cx="4039870" cy="371475"/>
           </a:xfrm>
           <a:prstGeom prst="rect"/>
           <a:noFill/>
@@ -11630,9 +11942,9 @@
           <p:nvPr/>
         </p:nvSpPr>
         <p:spPr>
-          <a:xfrm>
-            <a:off x="4334510" y="313055"/>
-            <a:ext cx="3522980" cy="554990"/>
+          <a:xfrm rot="0">
+            <a:off x="4304665" y="363220"/>
+            <a:ext cx="3582035" cy="554990"/>
           </a:xfrm>
           <a:prstGeom prst="rect"/>
           <a:noFill/>
@@ -11688,9 +12000,9 @@
           <p:nvPr/>
         </p:nvSpPr>
         <p:spPr>
-          <a:xfrm>
-            <a:off x="6814185" y="4125595"/>
-            <a:ext cx="4144010" cy="2061845"/>
+          <a:xfrm rot="0">
+            <a:off x="1231900" y="3809365"/>
+            <a:ext cx="4135120" cy="2338705"/>
           </a:xfrm>
           <a:prstGeom prst="rect"/>
           <a:noFill/>
@@ -11717,16 +12029,36 @@
                 <a:latin typeface="맑은 고딕" charset="0"/>
                 <a:ea typeface="맑은 고딕" charset="0"/>
               </a:rPr>
-              <a:t>32.</a:t>
-            </a:r>
-            <a:r>
-              <a:rPr lang="ko-KR" sz="2000">
+              <a:t>3</a:t>
+            </a:r>
+            <a:r>
+              <a:rPr lang="ko-KR" sz="2000" b="1">
                 <a:solidFill>
                   <a:srgbClr val="0611F2"/>
                 </a:solidFill>
                 <a:latin typeface="맑은 고딕" charset="0"/>
                 <a:ea typeface="맑은 고딕" charset="0"/>
               </a:rPr>
+              <a:t>3</a:t>
+            </a:r>
+            <a:r>
+              <a:rPr lang="ko-KR" sz="2000" b="1">
+                <a:solidFill>
+                  <a:srgbClr val="0611F2"/>
+                </a:solidFill>
+                <a:latin typeface="맑은 고딕" charset="0"/>
+                <a:ea typeface="맑은 고딕" charset="0"/>
+              </a:rPr>
+              <a:t>.</a:t>
+            </a:r>
+            <a:r>
+              <a:rPr lang="ko-KR" sz="2000" b="1">
+                <a:solidFill>
+                  <a:srgbClr val="0611F2"/>
+                </a:solidFill>
+                <a:latin typeface="맑은 고딕" charset="0"/>
+                <a:ea typeface="맑은 고딕" charset="0"/>
+              </a:rPr>
               <a:t> </a:t>
             </a:r>
             <a:r>
@@ -11734,14 +12066,14 @@
                 <a:latin typeface="맑은 고딕" charset="0"/>
                 <a:ea typeface="맑은 고딕" charset="0"/>
               </a:rPr>
-              <a:t>그러고 나서 SignUp( ) 함수를 </a:t>
-            </a:r>
-            <a:r>
-              <a:rPr lang="ko-KR" sz="1800">
-                <a:latin typeface="맑은 고딕" charset="0"/>
-                <a:ea typeface="맑은 고딕" charset="0"/>
-              </a:rPr>
-              <a:t>선언하고</a:t>
+              <a:t>이제 LoginSuccess( ) 함수를 </a:t>
+            </a:r>
+            <a:r>
+              <a:rPr lang="ko-KR" sz="1800">
+                <a:latin typeface="맑은 고딕" charset="0"/>
+                <a:ea typeface="맑은 고딕" charset="0"/>
+              </a:rPr>
+              <a:t>선언한</a:t>
             </a:r>
             <a:r>
               <a:rPr lang="ko-KR" sz="1800">
@@ -11755,35 +12087,21 @@
                 <a:latin typeface="맑은 고딕" charset="0"/>
                 <a:ea typeface="맑은 고딕" charset="0"/>
               </a:rPr>
-              <a:t>회원</a:t>
-            </a:r>
-            <a:r>
-              <a:rPr lang="ko-KR" sz="1800">
-                <a:latin typeface="맑은 고딕" charset="0"/>
-                <a:ea typeface="맑은 고딕" charset="0"/>
-              </a:rPr>
-              <a:t> </a:t>
-            </a:r>
-            <a:r>
-              <a:rPr lang="ko-KR" sz="1800">
-                <a:latin typeface="맑은 고딕" charset="0"/>
-                <a:ea typeface="맑은 고딕" charset="0"/>
-              </a:rPr>
-              <a:t>가입에</a:t>
-            </a:r>
-            <a:r>
-              <a:rPr lang="ko-KR" sz="1800">
-                <a:latin typeface="맑은 고딕" charset="0"/>
-                <a:ea typeface="맑은 고딕" charset="0"/>
-              </a:rPr>
-              <a:t> 대한 정보를 </a:t>
-            </a:r>
-            <a:r>
-              <a:rPr lang="ko-KR" sz="1800">
-                <a:latin typeface="맑은 고딕" charset="0"/>
-                <a:ea typeface="맑은 고딕" charset="0"/>
-              </a:rPr>
-              <a:t>입력받습니다.</a:t>
+              <a:t>다음</a:t>
+            </a:r>
+            <a:r>
+              <a:rPr lang="ko-KR" sz="1800">
+                <a:latin typeface="맑은 고딕" charset="0"/>
+                <a:ea typeface="맑은 고딕" charset="0"/>
+              </a:rPr>
+              <a:t> AutomaticallySyncScene  </a:t>
+            </a:r>
+            <a:r>
+              <a:rPr lang="ko-KR" sz="1800">
+                <a:latin typeface="맑은 고딕" charset="0"/>
+                <a:ea typeface="맑은 고딕" charset="0"/>
+              </a:rPr>
+              <a:t>비활성화합니다.</a:t>
             </a:r>
             <a:endParaRPr lang="ko-KR" altLang="en-US" sz="1800">
               <a:latin typeface="맑은 고딕" charset="0"/>
@@ -11810,28 +12128,21 @@
                 <a:latin typeface="맑은 고딕" charset="0"/>
                 <a:ea typeface="맑은 고딕" charset="0"/>
               </a:rPr>
-              <a:t>그다음</a:t>
-            </a:r>
-            <a:r>
-              <a:rPr lang="ko-KR" sz="1800">
-                <a:latin typeface="맑은 고딕" charset="0"/>
-                <a:ea typeface="맑은 고딕" charset="0"/>
-              </a:rPr>
-              <a:t> 회원</a:t>
-            </a:r>
-            <a:r>
-              <a:rPr lang="ko-KR" sz="1800">
-                <a:latin typeface="맑은 고딕" charset="0"/>
-                <a:ea typeface="맑은 고딕" charset="0"/>
-              </a:rPr>
-              <a:t> 가입의 여부를 </a:t>
-            </a:r>
-            <a:r>
-              <a:rPr lang="ko-KR" sz="1800">
-                <a:latin typeface="맑은 고딕" charset="0"/>
-                <a:ea typeface="맑은 고딕" charset="0"/>
-              </a:rPr>
-              <a:t>등록하는</a:t>
+              <a:t>그리고</a:t>
+            </a:r>
+            <a:r>
+              <a:rPr lang="ko-KR" sz="1800">
+                <a:latin typeface="맑은 고딕" charset="0"/>
+                <a:ea typeface="맑은 고딕" charset="0"/>
+              </a:rPr>
+              <a:t> 로그인 인증 절차가 </a:t>
+            </a:r>
+            <a:r>
+              <a:rPr lang="ko-KR" sz="1800">
+                <a:latin typeface="맑은 고딕" charset="0"/>
+                <a:ea typeface="맑은 고딕" charset="0"/>
+              </a:rPr>
+              <a:t>성공되었을</a:t>
             </a:r>
             <a:r>
               <a:rPr lang="ko-KR" sz="1800">
@@ -11845,35 +12156,21 @@
                 <a:latin typeface="맑은 고딕" charset="0"/>
                 <a:ea typeface="맑은 고딕" charset="0"/>
               </a:rPr>
-              <a:t>RegisterPlayFabUser(</a:t>
-            </a:r>
-            <a:r>
-              <a:rPr lang="ko-KR" sz="1800">
-                <a:latin typeface="맑은 고딕" charset="0"/>
-                <a:ea typeface="맑은 고딕" charset="0"/>
-              </a:rPr>
-              <a:t> ) </a:t>
-            </a:r>
-            <a:r>
-              <a:rPr lang="ko-KR" sz="1800">
-                <a:latin typeface="맑은 고딕" charset="0"/>
-                <a:ea typeface="맑은 고딕" charset="0"/>
-              </a:rPr>
-              <a:t>함수로</a:t>
-            </a:r>
-            <a:r>
-              <a:rPr lang="ko-KR" sz="1800">
-                <a:latin typeface="맑은 고딕" charset="0"/>
-                <a:ea typeface="맑은 고딕" charset="0"/>
-              </a:rPr>
-              <a:t> 회원 </a:t>
-            </a:r>
-            <a:r>
-              <a:rPr lang="ko-KR" sz="1800">
-                <a:latin typeface="맑은 고딕" charset="0"/>
-                <a:ea typeface="맑은 고딕" charset="0"/>
-              </a:rPr>
-              <a:t>가입</a:t>
+              <a:t>때</a:t>
+            </a:r>
+            <a:r>
+              <a:rPr lang="ko-KR" sz="1800">
+                <a:latin typeface="맑은 고딕" charset="0"/>
+                <a:ea typeface="맑은 고딕" charset="0"/>
+              </a:rPr>
+              <a:t> Photon Lobby씬으로 </a:t>
+            </a:r>
+            <a:r>
+              <a:rPr lang="ko-KR" sz="1800">
+                <a:latin typeface="맑은 고딕" charset="0"/>
+                <a:ea typeface="맑은 고딕" charset="0"/>
+              </a:rPr>
+              <a:t>이동하도록</a:t>
             </a:r>
             <a:r>
               <a:rPr lang="ko-KR" sz="1800">
@@ -11887,21 +12184,28 @@
                 <a:latin typeface="맑은 고딕" charset="0"/>
                 <a:ea typeface="맑은 고딕" charset="0"/>
               </a:rPr>
-              <a:t>등록</a:t>
-            </a:r>
-            <a:r>
-              <a:rPr lang="ko-KR" sz="1800">
-                <a:latin typeface="맑은 고딕" charset="0"/>
-                <a:ea typeface="맑은 고딕" charset="0"/>
-              </a:rPr>
-              <a:t> 절차를 </a:t>
-            </a:r>
-            <a:r>
-              <a:rPr lang="ko-KR" sz="1800">
-                <a:latin typeface="맑은 고딕" charset="0"/>
-                <a:ea typeface="맑은 고딕" charset="0"/>
-              </a:rPr>
-              <a:t>확인합니다.</a:t>
+              <a:t>설정한 다음 게임 서버 </a:t>
+            </a:r>
+            <a:r>
+              <a:rPr lang="ko-KR" sz="1800">
+                <a:latin typeface="맑은 고딕" charset="0"/>
+                <a:ea typeface="맑은 고딕" charset="0"/>
+              </a:rPr>
+              <a:t>NickName을</a:t>
+            </a:r>
+            <a:r>
+              <a:rPr lang="ko-KR" sz="1800">
+                <a:latin typeface="맑은 고딕" charset="0"/>
+                <a:ea typeface="맑은 고딕" charset="0"/>
+              </a:rPr>
+              <a:t> </a:t>
+            </a:r>
+            <a:r>
+              <a:rPr lang="ko-KR" sz="1800">
+                <a:latin typeface="맑은 고딕" charset="0"/>
+                <a:ea typeface="맑은 고딕" charset="0"/>
+              </a:rPr>
+              <a:t>설정합니다.</a:t>
             </a:r>
             <a:endParaRPr lang="ko-KR" altLang="en-US" sz="1800">
               <a:latin typeface="맑은 고딕" charset="0"/>
@@ -11910,211 +12214,16 @@
           </a:p>
         </p:txBody>
       </p:sp>
-      <p:sp>
-        <p:nvSpPr>
-          <p:cNvPr id="59" name="Rect 0"/>
-          <p:cNvSpPr txBox="1">
-            <a:spLocks/>
-          </p:cNvSpPr>
-          <p:nvPr/>
-        </p:nvSpPr>
-        <p:spPr>
-          <a:xfrm>
-            <a:off x="1231900" y="4124960"/>
-            <a:ext cx="4135755" cy="2061845"/>
-          </a:xfrm>
-          <a:prstGeom prst="rect"/>
-          <a:noFill/>
-          <a:ln w="0">
-            <a:noFill/>
-            <a:prstDash/>
-          </a:ln>
-        </p:spPr>
-        <p:txBody>
-          <a:bodyPr wrap="square" lIns="89535" tIns="46355" rIns="89535" bIns="46355" numCol="1" vert="horz" anchor="t">
-            <a:spAutoFit/>
-          </a:bodyPr>
-          <a:lstStyle/>
-          <a:p>
-            <a:pPr marL="0" indent="0" rtl="0" algn="l" defTabSz="914400" eaLnBrk="1" latinLnBrk="0" hangingPunct="1">
-              <a:buFontTx/>
-              <a:buNone/>
-            </a:pPr>
-            <a:r>
-              <a:rPr lang="ko-KR" sz="2000" b="1">
-                <a:solidFill>
-                  <a:srgbClr val="0611F2"/>
-                </a:solidFill>
-                <a:latin typeface="맑은 고딕" charset="0"/>
-                <a:ea typeface="맑은 고딕" charset="0"/>
-              </a:rPr>
-              <a:t>3</a:t>
-            </a:r>
-            <a:r>
-              <a:rPr lang="ko-KR" sz="2000" b="1">
-                <a:solidFill>
-                  <a:srgbClr val="0611F2"/>
-                </a:solidFill>
-                <a:latin typeface="맑은 고딕" charset="0"/>
-                <a:ea typeface="맑은 고딕" charset="0"/>
-              </a:rPr>
-              <a:t>1</a:t>
-            </a:r>
-            <a:r>
-              <a:rPr lang="ko-KR" sz="2000" b="1">
-                <a:solidFill>
-                  <a:srgbClr val="0611F2"/>
-                </a:solidFill>
-                <a:latin typeface="맑은 고딕" charset="0"/>
-                <a:ea typeface="맑은 고딕" charset="0"/>
-              </a:rPr>
-              <a:t>.</a:t>
-            </a:r>
-            <a:r>
-              <a:rPr lang="ko-KR" sz="2000">
-                <a:solidFill>
-                  <a:srgbClr val="0611F2"/>
-                </a:solidFill>
-                <a:latin typeface="맑은 고딕" charset="0"/>
-                <a:ea typeface="맑은 고딕" charset="0"/>
-              </a:rPr>
-              <a:t> </a:t>
-            </a:r>
-            <a:r>
-              <a:rPr lang="ko-KR" sz="1800">
-                <a:latin typeface="맑은 고딕" charset="0"/>
-                <a:ea typeface="맑은 고딕" charset="0"/>
-              </a:rPr>
-              <a:t>그리고 SignUpFailure( ) 함수를 </a:t>
-            </a:r>
-            <a:r>
-              <a:rPr lang="ko-KR" sz="1800">
-                <a:latin typeface="맑은 고딕" charset="0"/>
-                <a:ea typeface="맑은 고딕" charset="0"/>
-              </a:rPr>
-              <a:t>선언한</a:t>
-            </a:r>
-            <a:r>
-              <a:rPr lang="ko-KR" sz="1800">
-                <a:latin typeface="맑은 고딕" charset="0"/>
-                <a:ea typeface="맑은 고딕" charset="0"/>
-              </a:rPr>
-              <a:t> </a:t>
-            </a:r>
-            <a:r>
-              <a:rPr lang="ko-KR" sz="1800">
-                <a:latin typeface="맑은 고딕" charset="0"/>
-                <a:ea typeface="맑은 고딕" charset="0"/>
-              </a:rPr>
-              <a:t>다음</a:t>
-            </a:r>
-            <a:r>
-              <a:rPr lang="ko-KR" sz="1800">
-                <a:latin typeface="맑은 고딕" charset="0"/>
-                <a:ea typeface="맑은 고딕" charset="0"/>
-              </a:rPr>
-              <a:t> </a:t>
-            </a:r>
-            <a:r>
-              <a:rPr lang="ko-KR" sz="1800">
-                <a:latin typeface="맑은 고딕" charset="0"/>
-                <a:ea typeface="맑은 고딕" charset="0"/>
-              </a:rPr>
-              <a:t>NotficationManager.NotificationWindow(</a:t>
-            </a:r>
-            <a:r>
-              <a:rPr lang="ko-KR" sz="1800">
-                <a:latin typeface="맑은 고딕" charset="0"/>
-                <a:ea typeface="맑은 고딕" charset="0"/>
-              </a:rPr>
-              <a:t> )를 호출합니다.</a:t>
-            </a:r>
-            <a:endParaRPr lang="ko-KR" altLang="en-US" sz="1800">
-              <a:latin typeface="맑은 고딕" charset="0"/>
-              <a:ea typeface="맑은 고딕" charset="0"/>
-            </a:endParaRPr>
-          </a:p>
-          <a:p>
-            <a:pPr marL="0" indent="0" rtl="0" algn="l" defTabSz="914400" eaLnBrk="1" latinLnBrk="0" hangingPunct="1">
-              <a:buFontTx/>
-              <a:buNone/>
-            </a:pPr>
-            <a:endParaRPr lang="ko-KR" altLang="en-US" sz="1800">
-              <a:latin typeface="맑은 고딕" charset="0"/>
-              <a:ea typeface="맑은 고딕" charset="0"/>
-            </a:endParaRPr>
-          </a:p>
-          <a:p>
-            <a:pPr marL="0" indent="0" rtl="0" algn="l" defTabSz="914400" eaLnBrk="1" latinLnBrk="0" hangingPunct="1">
-              <a:buFontTx/>
-              <a:buNone/>
-            </a:pPr>
-            <a:r>
-              <a:rPr lang="ko-KR" sz="1800">
-                <a:latin typeface="맑은 고딕" charset="0"/>
-                <a:ea typeface="맑은 고딕" charset="0"/>
-              </a:rPr>
-              <a:t>그런</a:t>
-            </a:r>
-            <a:r>
-              <a:rPr lang="ko-KR" sz="1800">
-                <a:latin typeface="맑은 고딕" charset="0"/>
-                <a:ea typeface="맑은 고딕" charset="0"/>
-              </a:rPr>
-              <a:t> 다음</a:t>
-            </a:r>
-            <a:r>
-              <a:rPr lang="ko-KR" sz="1800">
-                <a:latin typeface="맑은 고딕" charset="0"/>
-                <a:ea typeface="맑은 고딕" charset="0"/>
-              </a:rPr>
-              <a:t> NotificationWindow( ) </a:t>
-            </a:r>
-            <a:r>
-              <a:rPr lang="ko-KR" sz="1800">
-                <a:latin typeface="맑은 고딕" charset="0"/>
-                <a:ea typeface="맑은 고딕" charset="0"/>
-              </a:rPr>
-              <a:t>함수의</a:t>
-            </a:r>
-            <a:r>
-              <a:rPr lang="ko-KR" sz="1800">
-                <a:latin typeface="맑은 고딕" charset="0"/>
-                <a:ea typeface="맑은 고딕" charset="0"/>
-              </a:rPr>
-              <a:t> </a:t>
-            </a:r>
-            <a:r>
-              <a:rPr lang="ko-KR" sz="1800">
-                <a:latin typeface="맑은 고딕" charset="0"/>
-                <a:ea typeface="맑은 고딕" charset="0"/>
-              </a:rPr>
-              <a:t>인수로</a:t>
-            </a:r>
-            <a:r>
-              <a:rPr lang="ko-KR" sz="1800">
-                <a:latin typeface="맑은 고딕" charset="0"/>
-                <a:ea typeface="맑은 고딕" charset="0"/>
-              </a:rPr>
-              <a:t> string 값을 넣어줍니다 </a:t>
-            </a:r>
-            <a:endParaRPr lang="ko-KR" altLang="en-US" sz="1800">
-              <a:latin typeface="맑은 고딕" charset="0"/>
-              <a:ea typeface="맑은 고딕" charset="0"/>
-            </a:endParaRPr>
-          </a:p>
-        </p:txBody>
-      </p:sp>
       <p:pic>
         <p:nvPicPr>
-          <p:cNvPr id="64" name="그림 38"/>
+          <p:cNvPr id="66" name="그림 30" descr="C:/Users/Admin1/AppData/Roaming/PolarisOffice/ETemp/20844_15003384/fImage699883771478.png"/>
           <p:cNvPicPr>
             <a:picLocks noChangeAspect="1"/>
           </p:cNvPicPr>
           <p:nvPr/>
         </p:nvPicPr>
         <p:blipFill rotWithShape="1">
-          <a:blip r:embed="rId5" cstate="print">
+          <a:blip r:embed="rId2" cstate="print">
             <a:extLst>
               <a:ext uri="{28A0092B-C50C-407E-A947-70E740481C1C}">
                 <a14:useLocalDpi xmlns:a14="http://schemas.microsoft.com/office/drawing/2010/main" val="0"/>
@@ -12127,8 +12236,8 @@
         </p:blipFill>
         <p:spPr>
           <a:xfrm rot="0">
-            <a:off x="1231900" y="1438275"/>
-            <a:ext cx="4135120" cy="2507615"/>
+            <a:off x="1231265" y="1455420"/>
+            <a:ext cx="4144645" cy="2179955"/>
           </a:xfrm>
           <a:prstGeom prst="roundRect"/>
           <a:solidFill>
@@ -12136,19 +12245,179 @@
           </a:solidFill>
         </p:spPr>
       </p:pic>
+      <p:sp>
+        <p:nvSpPr>
+          <p:cNvPr id="67" name="텍스트 상자 33"/>
+          <p:cNvSpPr txBox="1">
+            <a:spLocks/>
+          </p:cNvSpPr>
+          <p:nvPr/>
+        </p:nvSpPr>
+        <p:spPr>
+          <a:xfrm rot="0">
+            <a:off x="6813550" y="4091305"/>
+            <a:ext cx="4126865" cy="2061845"/>
+          </a:xfrm>
+          <a:prstGeom prst="rect"/>
+          <a:noFill/>
+          <a:ln w="0">
+            <a:noFill/>
+            <a:prstDash/>
+          </a:ln>
+        </p:spPr>
+        <p:txBody>
+          <a:bodyPr wrap="square" lIns="89535" tIns="46355" rIns="89535" bIns="46355" numCol="1" vert="horz" anchor="t">
+            <a:spAutoFit/>
+          </a:bodyPr>
+          <a:lstStyle/>
+          <a:p>
+            <a:pPr marL="0" indent="0" rtl="0" algn="l" defTabSz="914400" eaLnBrk="1" latinLnBrk="0" hangingPunct="1">
+              <a:buFontTx/>
+              <a:buNone/>
+            </a:pPr>
+            <a:r>
+              <a:rPr lang="ko-KR" sz="2000" b="1">
+                <a:solidFill>
+                  <a:srgbClr val="0611F2"/>
+                </a:solidFill>
+                <a:latin typeface="맑은 고딕" charset="0"/>
+                <a:ea typeface="맑은 고딕" charset="0"/>
+              </a:rPr>
+              <a:t>3</a:t>
+            </a:r>
+            <a:r>
+              <a:rPr lang="ko-KR" sz="2000" b="1">
+                <a:solidFill>
+                  <a:srgbClr val="0611F2"/>
+                </a:solidFill>
+                <a:latin typeface="맑은 고딕" charset="0"/>
+                <a:ea typeface="맑은 고딕" charset="0"/>
+              </a:rPr>
+              <a:t>4</a:t>
+            </a:r>
+            <a:r>
+              <a:rPr lang="ko-KR" sz="2000" b="1">
+                <a:solidFill>
+                  <a:srgbClr val="0611F2"/>
+                </a:solidFill>
+                <a:latin typeface="맑은 고딕" charset="0"/>
+                <a:ea typeface="맑은 고딕" charset="0"/>
+              </a:rPr>
+              <a:t>.</a:t>
+            </a:r>
+            <a:r>
+              <a:rPr lang="ko-KR" sz="2000">
+                <a:solidFill>
+                  <a:srgbClr val="0611F2"/>
+                </a:solidFill>
+                <a:latin typeface="맑은 고딕" charset="0"/>
+                <a:ea typeface="맑은 고딕" charset="0"/>
+              </a:rPr>
+              <a:t> </a:t>
+            </a:r>
+            <a:r>
+              <a:rPr lang="ko-KR" sz="1800">
+                <a:latin typeface="맑은 고딕" charset="0"/>
+                <a:ea typeface="맑은 고딕" charset="0"/>
+              </a:rPr>
+              <a:t>그런 다음 LoginFailure( ) 함수를 </a:t>
+            </a:r>
+            <a:r>
+              <a:rPr lang="ko-KR" sz="1800">
+                <a:latin typeface="맑은 고딕" charset="0"/>
+                <a:ea typeface="맑은 고딕" charset="0"/>
+              </a:rPr>
+              <a:t>선언하고</a:t>
+            </a:r>
+            <a:r>
+              <a:rPr lang="ko-KR" sz="1800">
+                <a:latin typeface="맑은 고딕" charset="0"/>
+                <a:ea typeface="맑은 고딕" charset="0"/>
+              </a:rPr>
+              <a:t> </a:t>
+            </a:r>
+            <a:r>
+              <a:rPr lang="ko-KR" sz="1800">
+                <a:latin typeface="맑은 고딕" charset="0"/>
+                <a:ea typeface="맑은 고딕" charset="0"/>
+              </a:rPr>
+              <a:t>NotficationManager.NotificationWindow(</a:t>
+            </a:r>
+            <a:r>
+              <a:rPr lang="ko-KR" sz="1800">
+                <a:latin typeface="맑은 고딕" charset="0"/>
+                <a:ea typeface="맑은 고딕" charset="0"/>
+              </a:rPr>
+              <a:t> )를 호출합니다.</a:t>
+            </a:r>
+            <a:endParaRPr lang="ko-KR" altLang="en-US" sz="1800">
+              <a:latin typeface="맑은 고딕" charset="0"/>
+              <a:ea typeface="맑은 고딕" charset="0"/>
+            </a:endParaRPr>
+          </a:p>
+          <a:p>
+            <a:pPr marL="0" indent="0" rtl="0" algn="l" defTabSz="914400" eaLnBrk="1" latinLnBrk="0" hangingPunct="1">
+              <a:buFontTx/>
+              <a:buNone/>
+            </a:pPr>
+            <a:endParaRPr lang="ko-KR" altLang="en-US" sz="1800">
+              <a:latin typeface="맑은 고딕" charset="0"/>
+              <a:ea typeface="맑은 고딕" charset="0"/>
+            </a:endParaRPr>
+          </a:p>
+          <a:p>
+            <a:pPr marL="0" indent="0" rtl="0" algn="l" defTabSz="914400" eaLnBrk="1" latinLnBrk="0" hangingPunct="1">
+              <a:buFontTx/>
+              <a:buNone/>
+            </a:pPr>
+            <a:r>
+              <a:rPr lang="ko-KR" sz="1800">
+                <a:latin typeface="맑은 고딕" charset="0"/>
+                <a:ea typeface="맑은 고딕" charset="0"/>
+              </a:rPr>
+              <a:t>그다음</a:t>
+            </a:r>
+            <a:r>
+              <a:rPr lang="ko-KR" sz="1800">
+                <a:latin typeface="맑은 고딕" charset="0"/>
+                <a:ea typeface="맑은 고딕" charset="0"/>
+              </a:rPr>
+              <a:t> NotificationWindow( ) 함수의 </a:t>
+            </a:r>
+            <a:r>
+              <a:rPr lang="ko-KR" sz="1800">
+                <a:latin typeface="맑은 고딕" charset="0"/>
+                <a:ea typeface="맑은 고딕" charset="0"/>
+              </a:rPr>
+              <a:t>인수로</a:t>
+            </a:r>
+            <a:r>
+              <a:rPr lang="ko-KR" sz="1800">
+                <a:latin typeface="맑은 고딕" charset="0"/>
+                <a:ea typeface="맑은 고딕" charset="0"/>
+              </a:rPr>
+              <a:t> string 값을 넣어줍니다.</a:t>
+            </a:r>
+            <a:endParaRPr lang="ko-KR" altLang="en-US" sz="1800">
+              <a:latin typeface="맑은 고딕" charset="0"/>
+              <a:ea typeface="맑은 고딕" charset="0"/>
+            </a:endParaRPr>
+          </a:p>
+        </p:txBody>
+      </p:sp>
       <p:pic>
         <p:nvPicPr>
-          <p:cNvPr id="65" name="그림 41"/>
+          <p:cNvPr id="68" name="그림 34" descr="C:/Users/Admin1/AppData/Roaming/PolarisOffice/ETemp/20844_15003384/fImage356663306334.png"/>
           <p:cNvPicPr>
             <a:picLocks noChangeAspect="1"/>
           </p:cNvPicPr>
           <p:nvPr/>
         </p:nvPicPr>
         <p:blipFill rotWithShape="1">
-          <a:blip r:embed="rId6" cstate="print">
+          <a:blip r:embed="rId3" cstate="hqprint">
             <a:extLst>
               <a:ext uri="{28A0092B-C50C-407E-A947-70E740481C1C}">
-                <a14:useLocalDpi xmlns:a14="http://schemas.microsoft.com/office/drawing/2010/main" val="0"/>
+                <a14:useLocalDpi xmlns:a14="http://schemas.microsoft.com/office/drawing/2010/main"/>
               </a:ext>
             </a:extLst>
           </a:blip>
@@ -12158,8 +12427,8 @@
         </p:blipFill>
         <p:spPr>
           <a:xfrm rot="0">
-            <a:off x="6813550" y="1447165"/>
-            <a:ext cx="4144010" cy="2506980"/>
+            <a:off x="6822440" y="1455420"/>
+            <a:ext cx="4126230" cy="2491105"/>
           </a:xfrm>
           <a:prstGeom prst="roundRect"/>
           <a:solidFill>
@@ -12254,8 +12523,8 @@
         </p:nvSpPr>
         <p:spPr>
           <a:xfrm>
-            <a:off x="4334510" y="398780"/>
-            <a:ext cx="3522345" cy="554990"/>
+            <a:off x="4334510" y="313055"/>
+            <a:ext cx="3522980" cy="554990"/>
           </a:xfrm>
           <a:prstGeom prst="rect"/>
           <a:noFill/>
@@ -12304,16 +12573,16 @@
       </p:sp>
       <p:sp>
         <p:nvSpPr>
-          <p:cNvPr id="57" name="Rect 0"/>
+          <p:cNvPr id="67" name="텍스트 상자 19"/>
           <p:cNvSpPr txBox="1">
             <a:spLocks/>
           </p:cNvSpPr>
           <p:nvPr/>
         </p:nvSpPr>
         <p:spPr>
-          <a:xfrm>
-            <a:off x="6822440" y="2696845"/>
-            <a:ext cx="4144010" cy="954405"/>
+          <a:xfrm rot="0">
+            <a:off x="1231265" y="4079240"/>
+            <a:ext cx="4152900" cy="2061845"/>
           </a:xfrm>
           <a:prstGeom prst="rect"/>
           <a:noFill/>
@@ -12340,7 +12609,7 @@
                 <a:latin typeface="맑은 고딕" charset="0"/>
                 <a:ea typeface="맑은 고딕" charset="0"/>
               </a:rPr>
-              <a:t>34.</a:t>
+              <a:t>35.</a:t>
             </a:r>
             <a:r>
               <a:rPr lang="ko-KR" sz="2000">
@@ -12357,135 +12626,46 @@
                 <a:latin typeface="맑은 고딕" charset="0"/>
                 <a:ea typeface="맑은 고딕" charset="0"/>
               </a:rPr>
-              <a:t>그런 다음 Photon Setting </a:t>
-            </a:r>
-            <a:r>
-              <a:rPr lang="ko-KR" sz="1800">
-                <a:latin typeface="맑은 고딕" charset="0"/>
-                <a:ea typeface="맑은 고딕" charset="0"/>
-              </a:rPr>
-              <a:t>스크립트에</a:t>
-            </a:r>
-            <a:r>
-              <a:rPr lang="ko-KR" sz="1800">
-                <a:latin typeface="맑은 고딕" charset="0"/>
-                <a:ea typeface="맑은 고딕" charset="0"/>
-              </a:rPr>
-              <a:t> 있는 Email 변수에 Email </a:t>
-            </a:r>
-            <a:r>
-              <a:rPr lang="ko-KR" sz="1800">
-                <a:latin typeface="맑은 고딕" charset="0"/>
-                <a:ea typeface="맑은 고딕" charset="0"/>
-              </a:rPr>
-              <a:t>InputField</a:t>
-            </a:r>
-            <a:r>
-              <a:rPr lang="ko-KR" sz="1800">
-                <a:latin typeface="맑은 고딕" charset="0"/>
-                <a:ea typeface="맑은 고딕" charset="0"/>
-              </a:rPr>
-              <a:t> 오브젝트를 넣어줍니다.</a:t>
+              <a:t>그러고 나서 SignUpSuccess( ) </a:t>
+            </a:r>
+            <a:r>
+              <a:rPr lang="ko-KR" sz="1800">
+                <a:latin typeface="맑은 고딕" charset="0"/>
+                <a:ea typeface="맑은 고딕" charset="0"/>
+              </a:rPr>
+              <a:t>함수를</a:t>
+            </a:r>
+            <a:r>
+              <a:rPr lang="ko-KR" sz="1800">
+                <a:latin typeface="맑은 고딕" charset="0"/>
+                <a:ea typeface="맑은 고딕" charset="0"/>
+              </a:rPr>
+              <a:t> 선언한 다음 </a:t>
+            </a:r>
+            <a:r>
+              <a:rPr lang="ko-KR" sz="1800">
+                <a:latin typeface="맑은 고딕" charset="0"/>
+                <a:ea typeface="맑은 고딕" charset="0"/>
+              </a:rPr>
+              <a:t>NotficationManager.NotificationWindow(</a:t>
+            </a:r>
+            <a:r>
+              <a:rPr lang="ko-KR" sz="1800">
+                <a:latin typeface="맑은 고딕" charset="0"/>
+                <a:ea typeface="맑은 고딕" charset="0"/>
+              </a:rPr>
+              <a:t> ) 함수를 호출합니다.</a:t>
             </a:r>
             <a:endParaRPr lang="ko-KR" altLang="en-US" sz="1800">
               <a:latin typeface="맑은 고딕" charset="0"/>
               <a:ea typeface="맑은 고딕" charset="0"/>
             </a:endParaRPr>
           </a:p>
-        </p:txBody>
-      </p:sp>
-      <p:sp>
-        <p:nvSpPr>
-          <p:cNvPr id="60" name="텍스트 상자 62"/>
-          <p:cNvSpPr txBox="1">
-            <a:spLocks/>
-          </p:cNvSpPr>
-          <p:nvPr/>
-        </p:nvSpPr>
-        <p:spPr>
-          <a:xfrm rot="0">
-            <a:off x="1223645" y="4411345"/>
-            <a:ext cx="4152265" cy="1784985"/>
-          </a:xfrm>
-          <a:prstGeom prst="rect"/>
-          <a:noFill/>
-          <a:ln w="0">
-            <a:noFill/>
-            <a:prstDash/>
-          </a:ln>
-        </p:spPr>
-        <p:txBody>
-          <a:bodyPr wrap="square" lIns="89535" tIns="46355" rIns="89535" bIns="46355" numCol="1" vert="horz" anchor="t">
-            <a:spAutoFit/>
-          </a:bodyPr>
-          <a:lstStyle/>
           <a:p>
             <a:pPr marL="0" indent="0" rtl="0" algn="l" defTabSz="914400" eaLnBrk="1" latinLnBrk="0" hangingPunct="1">
               <a:buFontTx/>
               <a:buNone/>
             </a:pPr>
-            <a:r>
-              <a:rPr lang="ko-KR" sz="2000" b="1">
-                <a:solidFill>
-                  <a:srgbClr val="0611F2"/>
-                </a:solidFill>
-                <a:latin typeface="맑은 고딕" charset="0"/>
-                <a:ea typeface="맑은 고딕" charset="0"/>
-              </a:rPr>
-              <a:t>33.</a:t>
-            </a:r>
-            <a:r>
-              <a:rPr lang="ko-KR" sz="2000">
-                <a:solidFill>
-                  <a:srgbClr val="0611F2"/>
-                </a:solidFill>
-                <a:latin typeface="맑은 고딕" charset="0"/>
-                <a:ea typeface="맑은 고딕" charset="0"/>
-              </a:rPr>
-              <a:t> </a:t>
-            </a:r>
-            <a:r>
-              <a:rPr lang="ko-KR" sz="1800">
-                <a:latin typeface="맑은 고딕" charset="0"/>
-                <a:ea typeface="맑은 고딕" charset="0"/>
-              </a:rPr>
-              <a:t>이제 Login( ) 함수를 </a:t>
-            </a:r>
-            <a:r>
-              <a:rPr lang="ko-KR" sz="1800">
-                <a:latin typeface="맑은 고딕" charset="0"/>
-                <a:ea typeface="맑은 고딕" charset="0"/>
-              </a:rPr>
-              <a:t>생성하고</a:t>
-            </a:r>
-            <a:r>
-              <a:rPr lang="ko-KR" sz="1800">
-                <a:latin typeface="맑은 고딕" charset="0"/>
-                <a:ea typeface="맑은 고딕" charset="0"/>
-              </a:rPr>
-              <a:t> </a:t>
-            </a:r>
-            <a:r>
-              <a:rPr lang="ko-KR" sz="1800">
-                <a:latin typeface="맑은 고딕" charset="0"/>
-                <a:ea typeface="맑은 고딕" charset="0"/>
-              </a:rPr>
-              <a:t>로그인에</a:t>
-            </a:r>
-            <a:r>
-              <a:rPr lang="ko-KR" sz="1800">
-                <a:latin typeface="맑은 고딕" charset="0"/>
-                <a:ea typeface="맑은 고딕" charset="0"/>
-              </a:rPr>
-              <a:t> 대한 정보를 </a:t>
-            </a:r>
-            <a:r>
-              <a:rPr lang="ko-KR" sz="1800">
-                <a:latin typeface="맑은 고딕" charset="0"/>
-                <a:ea typeface="맑은 고딕" charset="0"/>
-              </a:rPr>
-              <a:t>입력받습니다.</a:t>
-            </a:r>
             <a:endParaRPr lang="ko-KR" altLang="en-US" sz="1800">
               <a:latin typeface="맑은 고딕" charset="0"/>
               <a:ea typeface="맑은 고딕" charset="0"/>
@@ -12496,208 +12676,44 @@
               <a:buFontTx/>
               <a:buNone/>
             </a:pPr>
+            <a:r>
+              <a:rPr lang="ko-KR" sz="1800">
+                <a:latin typeface="맑은 고딕" charset="0"/>
+                <a:ea typeface="맑은 고딕" charset="0"/>
+              </a:rPr>
+              <a:t>이제</a:t>
+            </a:r>
+            <a:r>
+              <a:rPr lang="ko-KR" sz="1800">
+                <a:latin typeface="맑은 고딕" charset="0"/>
+                <a:ea typeface="맑은 고딕" charset="0"/>
+              </a:rPr>
+              <a:t> NotificationWindow( ) 함수의 </a:t>
+            </a:r>
+            <a:r>
+              <a:rPr lang="ko-KR" sz="1800">
+                <a:latin typeface="맑은 고딕" charset="0"/>
+                <a:ea typeface="맑은 고딕" charset="0"/>
+              </a:rPr>
+              <a:t>인수로</a:t>
+            </a:r>
+            <a:r>
+              <a:rPr lang="ko-KR" sz="1800">
+                <a:latin typeface="맑은 고딕" charset="0"/>
+                <a:ea typeface="맑은 고딕" charset="0"/>
+              </a:rPr>
+              <a:t> string 값을 넣어줍니다 </a:t>
+            </a:r>
             <a:endParaRPr lang="ko-KR" altLang="en-US" sz="1800">
               <a:latin typeface="맑은 고딕" charset="0"/>
               <a:ea typeface="맑은 고딕" charset="0"/>
             </a:endParaRPr>
           </a:p>
-          <a:p>
-            <a:pPr marL="0" indent="0" rtl="0" algn="l" defTabSz="914400" eaLnBrk="1" latinLnBrk="0" hangingPunct="1">
-              <a:buFontTx/>
-              <a:buNone/>
-            </a:pPr>
-            <a:r>
-              <a:rPr lang="ko-KR" sz="1800">
-                <a:latin typeface="맑은 고딕" charset="0"/>
-                <a:ea typeface="맑은 고딕" charset="0"/>
-              </a:rPr>
-              <a:t>그리고</a:t>
-            </a:r>
-            <a:r>
-              <a:rPr lang="ko-KR" sz="1800">
-                <a:latin typeface="맑은 고딕" charset="0"/>
-                <a:ea typeface="맑은 고딕" charset="0"/>
-              </a:rPr>
-              <a:t> 로그인의 여부를 설정하는 </a:t>
-            </a:r>
-            <a:r>
-              <a:rPr lang="ko-KR" sz="1800">
-                <a:latin typeface="맑은 고딕" charset="0"/>
-                <a:ea typeface="맑은 고딕" charset="0"/>
-              </a:rPr>
-              <a:t>LoginWithEmailAddress(</a:t>
-            </a:r>
-            <a:r>
-              <a:rPr lang="ko-KR" sz="1800">
-                <a:latin typeface="맑은 고딕" charset="0"/>
-                <a:ea typeface="맑은 고딕" charset="0"/>
-              </a:rPr>
-              <a:t> ) 함수로 </a:t>
-            </a:r>
-            <a:r>
-              <a:rPr lang="ko-KR" sz="1800">
-                <a:latin typeface="맑은 고딕" charset="0"/>
-                <a:ea typeface="맑은 고딕" charset="0"/>
-              </a:rPr>
-              <a:t>로그인</a:t>
-            </a:r>
-            <a:r>
-              <a:rPr lang="ko-KR" sz="1800">
-                <a:latin typeface="맑은 고딕" charset="0"/>
-                <a:ea typeface="맑은 고딕" charset="0"/>
-              </a:rPr>
-              <a:t> </a:t>
-            </a:r>
-            <a:r>
-              <a:rPr lang="ko-KR" sz="1800">
-                <a:latin typeface="맑은 고딕" charset="0"/>
-                <a:ea typeface="맑은 고딕" charset="0"/>
-              </a:rPr>
-              <a:t>인증</a:t>
-            </a:r>
-            <a:r>
-              <a:rPr lang="ko-KR" sz="1800">
-                <a:latin typeface="맑은 고딕" charset="0"/>
-                <a:ea typeface="맑은 고딕" charset="0"/>
-              </a:rPr>
-              <a:t> 절차를 확인합니다.</a:t>
-            </a:r>
-            <a:endParaRPr lang="ko-KR" altLang="en-US" sz="1800">
-              <a:latin typeface="맑은 고딕" charset="0"/>
-              <a:ea typeface="맑은 고딕" charset="0"/>
-            </a:endParaRPr>
-          </a:p>
         </p:txBody>
       </p:sp>
       <p:pic>
         <p:nvPicPr>
-          <p:cNvPr id="61" name="그림 63" descr="C:/Users/Admin1/AppData/Roaming/PolarisOffice/ETemp/12940_6238040/fImage341333385447.png"/>
-          <p:cNvPicPr>
-            <a:picLocks noChangeAspect="1"/>
-          </p:cNvPicPr>
-          <p:nvPr/>
-        </p:nvPicPr>
-        <p:blipFill rotWithShape="1">
-          <a:blip r:embed="rId2" cstate="hqprint">
-            <a:extLst>
-              <a:ext uri="{28A0092B-C50C-407E-A947-70E740481C1C}">
-                <a14:useLocalDpi xmlns:a14="http://schemas.microsoft.com/office/drawing/2010/main"/>
-              </a:ext>
-            </a:extLst>
-          </a:blip>
-          <a:stretch>
-            <a:fillRect/>
-          </a:stretch>
-        </p:blipFill>
-        <p:spPr>
-          <a:xfrm rot="0">
-            <a:off x="1222375" y="1455420"/>
-            <a:ext cx="4150360" cy="2774315"/>
-          </a:xfrm>
-          <a:prstGeom prst="roundRect"/>
-          <a:solidFill>
-            <a:srgbClr val="EDEDED"/>
-          </a:solidFill>
-        </p:spPr>
-      </p:pic>
-      <p:pic>
-        <p:nvPicPr>
-          <p:cNvPr id="62" name="그림 44"/>
-          <p:cNvPicPr>
-            <a:picLocks noChangeAspect="1"/>
-          </p:cNvPicPr>
-          <p:nvPr/>
-        </p:nvPicPr>
-        <p:blipFill rotWithShape="1">
-          <a:blip r:embed="rId11" cstate="print">
-            <a:extLst>
-              <a:ext uri="{28A0092B-C50C-407E-A947-70E740481C1C}">
-                <a14:useLocalDpi xmlns:a14="http://schemas.microsoft.com/office/drawing/2010/main" val="0"/>
-              </a:ext>
-            </a:extLst>
-          </a:blip>
-          <a:stretch>
-            <a:fillRect/>
-          </a:stretch>
-        </p:blipFill>
-        <p:spPr>
-          <a:xfrm rot="0">
-            <a:off x="6822440" y="1447165"/>
-            <a:ext cx="1257935" cy="1153160"/>
-          </a:xfrm>
-          <a:prstGeom prst="roundRect"/>
-          <a:solidFill>
-            <a:srgbClr val="EDEDED"/>
-          </a:solidFill>
-        </p:spPr>
-      </p:pic>
-      <p:pic>
-        <p:nvPicPr>
-          <p:cNvPr id="63" name="그림 47"/>
-          <p:cNvPicPr>
-            <a:picLocks noChangeAspect="1"/>
-          </p:cNvPicPr>
-          <p:nvPr/>
-        </p:nvPicPr>
-        <p:blipFill rotWithShape="1">
-          <a:blip r:embed="rId12" cstate="print">
-            <a:extLst>
-              <a:ext uri="{28A0092B-C50C-407E-A947-70E740481C1C}">
-                <a14:useLocalDpi xmlns:a14="http://schemas.microsoft.com/office/drawing/2010/main" val="0"/>
-              </a:ext>
-            </a:extLst>
-          </a:blip>
-          <a:stretch>
-            <a:fillRect/>
-          </a:stretch>
-        </p:blipFill>
-        <p:spPr>
-          <a:xfrm rot="0">
-            <a:off x="8200390" y="1447165"/>
-            <a:ext cx="2757170" cy="1154430"/>
-          </a:xfrm>
-          <a:prstGeom prst="roundRect"/>
-          <a:solidFill>
-            <a:srgbClr val="EDEDED"/>
-          </a:solidFill>
-        </p:spPr>
-      </p:pic>
-      <p:cxnSp>
-        <p:nvCxnSpPr>
-          <p:cNvPr id="64" name="도형 50"/>
-          <p:cNvCxnSpPr/>
-          <p:nvPr/>
-        </p:nvCxnSpPr>
-        <p:spPr>
-          <a:xfrm rot="0" flipV="1">
-            <a:off x="7839075" y="2127885"/>
-            <a:ext cx="3032760" cy="52070"/>
-          </a:xfrm>
-          <a:prstGeom prst="straightConnector1"/>
-          <a:ln w="6350" cap="flat" cmpd="sng">
-            <a:prstDash/>
-            <a:headEnd type="none" w="med" len="med"/>
-            <a:tailEnd type="triangle" w="med" len="med"/>
-          </a:ln>
-        </p:spPr>
-        <p:style>
-          <a:lnRef idx="1">
-            <a:schemeClr val="accent1"/>
-          </a:lnRef>
-          <a:fillRef idx="0">
-            <a:schemeClr val="accent1"/>
-          </a:fillRef>
-          <a:effectRef idx="0">
-            <a:schemeClr val="accent1"/>
-          </a:effectRef>
-          <a:fontRef idx="minor">
-            <a:schemeClr val="tx1"/>
-          </a:fontRef>
-        </p:style>
-      </p:cxnSp>
-      <p:pic>
-        <p:nvPicPr>
-          <p:cNvPr id="65" name="그림 51"/>
+          <p:cNvPr id="71" name="그림 35" descr="C:/Users/Admin1/AppData/Roaming/PolarisOffice/ETemp/20844_15003384/fImage503772599358.png"/>
           <p:cNvPicPr>
             <a:picLocks noChangeAspect="1"/>
           </p:cNvPicPr>
@@ -12717,8 +12733,8 @@
         </p:blipFill>
         <p:spPr>
           <a:xfrm rot="0">
-            <a:off x="6822440" y="3781425"/>
-            <a:ext cx="4143375" cy="1378585"/>
+            <a:off x="1231265" y="1447165"/>
+            <a:ext cx="4161790" cy="2481580"/>
           </a:xfrm>
           <a:prstGeom prst="roundRect"/>
           <a:solidFill>
@@ -12728,7 +12744,7 @@
       </p:pic>
       <p:sp>
         <p:nvSpPr>
-          <p:cNvPr id="67" name="텍스트 상자 53"/>
+          <p:cNvPr id="72" name="텍스트 상자 35"/>
           <p:cNvSpPr txBox="1">
             <a:spLocks/>
           </p:cNvSpPr>
@@ -12736,8 +12752,8 @@
         </p:nvSpPr>
         <p:spPr>
           <a:xfrm rot="0">
-            <a:off x="6825615" y="5232400"/>
-            <a:ext cx="4140200" cy="954405"/>
+            <a:off x="6839585" y="4081780"/>
+            <a:ext cx="4126230" cy="2061845"/>
           </a:xfrm>
           <a:prstGeom prst="rect"/>
           <a:noFill/>
@@ -12764,7 +12780,7 @@
                 <a:latin typeface="맑은 고딕" charset="0"/>
                 <a:ea typeface="맑은 고딕" charset="0"/>
               </a:rPr>
-              <a:t>35.</a:t>
+              <a:t>36.</a:t>
             </a:r>
             <a:r>
               <a:rPr lang="ko-KR" sz="2000">
@@ -12781,78 +12797,136 @@
                 <a:latin typeface="맑은 고딕" charset="0"/>
                 <a:ea typeface="맑은 고딕" charset="0"/>
               </a:rPr>
-              <a:t>그다음으로 Email Input </a:t>
-            </a:r>
-            <a:r>
-              <a:rPr lang="ko-KR" sz="1800">
-                <a:latin typeface="맑은 고딕" charset="0"/>
-                <a:ea typeface="맑은 고딕" charset="0"/>
-              </a:rPr>
-              <a:t>오브젝트의</a:t>
-            </a:r>
-            <a:r>
-              <a:rPr lang="ko-KR" sz="1800">
-                <a:latin typeface="맑은 고딕" charset="0"/>
-                <a:ea typeface="맑은 고딕" charset="0"/>
-              </a:rPr>
-              <a:t> </a:t>
-            </a:r>
-            <a:r>
-              <a:rPr lang="ko-KR" sz="1800">
-                <a:latin typeface="맑은 고딕" charset="0"/>
-                <a:ea typeface="맑은 고딕" charset="0"/>
-              </a:rPr>
-              <a:t>앵커를</a:t>
-            </a:r>
-            <a:r>
-              <a:rPr lang="ko-KR" sz="1800">
-                <a:latin typeface="맑은 고딕" charset="0"/>
-                <a:ea typeface="맑은 고딕" charset="0"/>
-              </a:rPr>
-              <a:t> </a:t>
-            </a:r>
-            <a:r>
-              <a:rPr lang="ko-KR" sz="1800">
-                <a:latin typeface="맑은 고딕" charset="0"/>
-                <a:ea typeface="맑은 고딕" charset="0"/>
-              </a:rPr>
-              <a:t>지정하고</a:t>
-            </a:r>
-            <a:r>
-              <a:rPr lang="ko-KR" sz="1800">
-                <a:latin typeface="맑은 고딕" charset="0"/>
-                <a:ea typeface="맑은 고딕" charset="0"/>
-              </a:rPr>
-              <a:t> 위치와 </a:t>
-            </a:r>
-            <a:r>
-              <a:rPr lang="ko-KR" sz="1800">
-                <a:latin typeface="맑은 고딕" charset="0"/>
-                <a:ea typeface="맑은 고딕" charset="0"/>
-              </a:rPr>
-              <a:t>크기를</a:t>
-            </a:r>
-            <a:r>
-              <a:rPr lang="ko-KR" sz="1800">
-                <a:latin typeface="맑은 고딕" charset="0"/>
-                <a:ea typeface="맑은 고딕" charset="0"/>
-              </a:rPr>
-              <a:t> </a:t>
-            </a:r>
-            <a:r>
-              <a:rPr lang="ko-KR" sz="1800">
-                <a:latin typeface="맑은 고딕" charset="0"/>
-                <a:ea typeface="맑은 고딕" charset="0"/>
-              </a:rPr>
-              <a:t>설정합니다.</a:t>
+              <a:t>그리고 SignUpFailure( ) 함수를 </a:t>
+            </a:r>
+            <a:r>
+              <a:rPr lang="ko-KR" sz="1800">
+                <a:latin typeface="맑은 고딕" charset="0"/>
+                <a:ea typeface="맑은 고딕" charset="0"/>
+              </a:rPr>
+              <a:t>선언한</a:t>
+            </a:r>
+            <a:r>
+              <a:rPr lang="ko-KR" sz="1800">
+                <a:latin typeface="맑은 고딕" charset="0"/>
+                <a:ea typeface="맑은 고딕" charset="0"/>
+              </a:rPr>
+              <a:t> 다음 </a:t>
+            </a:r>
+            <a:r>
+              <a:rPr lang="ko-KR" sz="1800">
+                <a:latin typeface="맑은 고딕" charset="0"/>
+                <a:ea typeface="맑은 고딕" charset="0"/>
+              </a:rPr>
+              <a:t>NotficationManager.NotificationWindow(</a:t>
+            </a:r>
+            <a:r>
+              <a:rPr lang="ko-KR" sz="1800">
+                <a:latin typeface="맑은 고딕" charset="0"/>
+                <a:ea typeface="맑은 고딕" charset="0"/>
+              </a:rPr>
+              <a:t> )를 호출합니다.</a:t>
             </a:r>
             <a:endParaRPr lang="ko-KR" altLang="en-US" sz="1800">
               <a:latin typeface="맑은 고딕" charset="0"/>
               <a:ea typeface="맑은 고딕" charset="0"/>
             </a:endParaRPr>
           </a:p>
-        </p:txBody>
-      </p:sp>
+          <a:p>
+            <a:pPr marL="0" indent="0" rtl="0" algn="l" defTabSz="914400" eaLnBrk="1" latinLnBrk="0" hangingPunct="1">
+              <a:buFontTx/>
+              <a:buNone/>
+            </a:pPr>
+            <a:endParaRPr lang="ko-KR" altLang="en-US" sz="1800">
+              <a:latin typeface="맑은 고딕" charset="0"/>
+              <a:ea typeface="맑은 고딕" charset="0"/>
+            </a:endParaRPr>
+          </a:p>
+          <a:p>
+            <a:pPr marL="0" indent="0" rtl="0" algn="l" defTabSz="914400" eaLnBrk="1" latinLnBrk="0" hangingPunct="1">
+              <a:buFontTx/>
+              <a:buNone/>
+            </a:pPr>
+            <a:r>
+              <a:rPr lang="ko-KR" sz="1800">
+                <a:latin typeface="맑은 고딕" charset="0"/>
+                <a:ea typeface="맑은 고딕" charset="0"/>
+              </a:rPr>
+              <a:t>그런</a:t>
+            </a:r>
+            <a:r>
+              <a:rPr lang="ko-KR" sz="1800">
+                <a:latin typeface="맑은 고딕" charset="0"/>
+                <a:ea typeface="맑은 고딕" charset="0"/>
+              </a:rPr>
+              <a:t> 다음 NotificationWindow( ) </a:t>
+            </a:r>
+            <a:r>
+              <a:rPr lang="ko-KR" sz="1800">
+                <a:latin typeface="맑은 고딕" charset="0"/>
+                <a:ea typeface="맑은 고딕" charset="0"/>
+              </a:rPr>
+              <a:t>함수의</a:t>
+            </a:r>
+            <a:r>
+              <a:rPr lang="ko-KR" sz="1800">
+                <a:latin typeface="맑은 고딕" charset="0"/>
+                <a:ea typeface="맑은 고딕" charset="0"/>
+              </a:rPr>
+              <a:t> </a:t>
+            </a:r>
+            <a:r>
+              <a:rPr lang="ko-KR" sz="1800">
+                <a:latin typeface="맑은 고딕" charset="0"/>
+                <a:ea typeface="맑은 고딕" charset="0"/>
+              </a:rPr>
+              <a:t>인수로</a:t>
+            </a:r>
+            <a:r>
+              <a:rPr lang="ko-KR" sz="1800">
+                <a:latin typeface="맑은 고딕" charset="0"/>
+                <a:ea typeface="맑은 고딕" charset="0"/>
+              </a:rPr>
+              <a:t> string 값을 넣어줍니다 </a:t>
+            </a:r>
+            <a:endParaRPr lang="ko-KR" altLang="en-US" sz="1800">
+              <a:latin typeface="맑은 고딕" charset="0"/>
+              <a:ea typeface="맑은 고딕" charset="0"/>
+            </a:endParaRPr>
+          </a:p>
+        </p:txBody>
+      </p:sp>
+      <p:pic>
+        <p:nvPicPr>
+          <p:cNvPr id="73" name="그림 36" descr="C:/Users/Admin1/AppData/Roaming/PolarisOffice/ETemp/20844_15003384/fImage537522606962.png"/>
+          <p:cNvPicPr>
+            <a:picLocks noChangeAspect="1"/>
+          </p:cNvPicPr>
+          <p:nvPr/>
+        </p:nvPicPr>
+        <p:blipFill rotWithShape="1">
+          <a:blip r:embed="rId14" cstate="hqprint">
+            <a:extLst>
+              <a:ext uri="{28A0092B-C50C-407E-A947-70E740481C1C}">
+                <a14:useLocalDpi xmlns:a14="http://schemas.microsoft.com/office/drawing/2010/main"/>
+              </a:ext>
+            </a:extLst>
+          </a:blip>
+          <a:stretch>
+            <a:fillRect/>
+          </a:stretch>
+        </p:blipFill>
+        <p:spPr>
+          <a:xfrm rot="0">
+            <a:off x="6839585" y="1447165"/>
+            <a:ext cx="4126230" cy="2472690"/>
+          </a:xfrm>
+          <a:prstGeom prst="roundRect"/>
+          <a:solidFill>
+            <a:srgbClr val="EDEDED"/>
+          </a:solidFill>
+        </p:spPr>
+      </p:pic>
     </p:spTree>
   </p:cSld>
   <p:clrMapOvr>
@@ -12904,7 +12978,7 @@
         <p:spPr>
           <a:xfrm rot="0">
             <a:off x="1229995" y="1337310"/>
-            <a:ext cx="4039870" cy="371475"/>
+            <a:ext cx="4040505" cy="372110"/>
           </a:xfrm>
           <a:prstGeom prst="rect"/>
           <a:noFill/>
@@ -12940,8 +13014,8 @@
         </p:nvSpPr>
         <p:spPr>
           <a:xfrm>
-            <a:off x="4334510" y="398780"/>
-            <a:ext cx="3522345" cy="554990"/>
+            <a:off x="4334510" y="313055"/>
+            <a:ext cx="3523615" cy="554990"/>
           </a:xfrm>
           <a:prstGeom prst="rect"/>
           <a:noFill/>
@@ -12990,16 +13064,16 @@
       </p:sp>
       <p:sp>
         <p:nvSpPr>
-          <p:cNvPr id="60" name="Rect 0"/>
+          <p:cNvPr id="57" name="Rect 0"/>
           <p:cNvSpPr txBox="1">
             <a:spLocks/>
           </p:cNvSpPr>
           <p:nvPr/>
         </p:nvSpPr>
         <p:spPr>
-          <a:xfrm>
-            <a:off x="1231900" y="2714625"/>
-            <a:ext cx="4127500" cy="954405"/>
+          <a:xfrm rot="0">
+            <a:off x="6805295" y="4133850"/>
+            <a:ext cx="4134485" cy="2061845"/>
           </a:xfrm>
           <a:prstGeom prst="rect"/>
           <a:noFill/>
@@ -13026,7 +13100,7 @@
                 <a:latin typeface="맑은 고딕" charset="0"/>
                 <a:ea typeface="맑은 고딕" charset="0"/>
               </a:rPr>
-              <a:t>36.</a:t>
+              <a:t>38.</a:t>
             </a:r>
             <a:r>
               <a:rPr lang="ko-KR" sz="2000">
@@ -13043,14 +13117,14 @@
                 <a:latin typeface="맑은 고딕" charset="0"/>
                 <a:ea typeface="맑은 고딕" charset="0"/>
               </a:rPr>
-              <a:t>그러고 나서 Sign In Button </a:t>
-            </a:r>
-            <a:r>
-              <a:rPr lang="ko-KR" sz="1800">
-                <a:latin typeface="맑은 고딕" charset="0"/>
-                <a:ea typeface="맑은 고딕" charset="0"/>
-              </a:rPr>
-              <a:t>오브젝트의</a:t>
+              <a:t>이제 SignUp( ) 함수를 </a:t>
+            </a:r>
+            <a:r>
+              <a:rPr lang="ko-KR" sz="1800">
+                <a:latin typeface="맑은 고딕" charset="0"/>
+                <a:ea typeface="맑은 고딕" charset="0"/>
+              </a:rPr>
+              <a:t>선언하고</a:t>
             </a:r>
             <a:r>
               <a:rPr lang="ko-KR" sz="1800">
@@ -13064,32 +13138,108 @@
                 <a:latin typeface="맑은 고딕" charset="0"/>
                 <a:ea typeface="맑은 고딕" charset="0"/>
               </a:rPr>
-              <a:t>OnClick(</a:t>
-            </a:r>
-            <a:r>
-              <a:rPr lang="ko-KR" sz="1800">
-                <a:latin typeface="맑은 고딕" charset="0"/>
-                <a:ea typeface="맑은 고딕" charset="0"/>
-              </a:rPr>
-              <a:t> ) 함수를 </a:t>
-            </a:r>
-            <a:r>
-              <a:rPr lang="ko-KR" sz="1800">
-                <a:latin typeface="맑은 고딕" charset="0"/>
-                <a:ea typeface="맑은 고딕" charset="0"/>
-              </a:rPr>
-              <a:t>추가합니다.</a:t>
+              <a:t>회원</a:t>
+            </a:r>
+            <a:r>
+              <a:rPr lang="ko-KR" sz="1800">
+                <a:latin typeface="맑은 고딕" charset="0"/>
+                <a:ea typeface="맑은 고딕" charset="0"/>
+              </a:rPr>
+              <a:t> </a:t>
+            </a:r>
+            <a:r>
+              <a:rPr lang="ko-KR" sz="1800">
+                <a:latin typeface="맑은 고딕" charset="0"/>
+                <a:ea typeface="맑은 고딕" charset="0"/>
+              </a:rPr>
+              <a:t>가입에</a:t>
+            </a:r>
+            <a:r>
+              <a:rPr lang="ko-KR" sz="1800">
+                <a:latin typeface="맑은 고딕" charset="0"/>
+                <a:ea typeface="맑은 고딕" charset="0"/>
+              </a:rPr>
+              <a:t> 대한 정보를 </a:t>
+            </a:r>
+            <a:r>
+              <a:rPr lang="ko-KR" sz="1800">
+                <a:latin typeface="맑은 고딕" charset="0"/>
+                <a:ea typeface="맑은 고딕" charset="0"/>
+              </a:rPr>
+              <a:t>입력받습니다.</a:t>
             </a:r>
             <a:endParaRPr lang="ko-KR" altLang="en-US" sz="1800">
               <a:latin typeface="맑은 고딕" charset="0"/>
               <a:ea typeface="맑은 고딕" charset="0"/>
             </a:endParaRPr>
           </a:p>
-        </p:txBody>
-      </p:sp>
-      <p:sp>
-        <p:nvSpPr>
-          <p:cNvPr id="67" name="Rect 0"/>
+          <a:p>
+            <a:pPr marL="0" indent="0" rtl="0" algn="l" defTabSz="914400" eaLnBrk="1" latinLnBrk="0" hangingPunct="1">
+              <a:buFontTx/>
+              <a:buNone/>
+            </a:pPr>
+            <a:endParaRPr lang="ko-KR" altLang="en-US" sz="1800">
+              <a:latin typeface="맑은 고딕" charset="0"/>
+              <a:ea typeface="맑은 고딕" charset="0"/>
+            </a:endParaRPr>
+          </a:p>
+          <a:p>
+            <a:pPr marL="0" indent="0" rtl="0" algn="l" defTabSz="914400" eaLnBrk="1" latinLnBrk="0" hangingPunct="1">
+              <a:buFontTx/>
+              <a:buNone/>
+            </a:pPr>
+            <a:r>
+              <a:rPr lang="ko-KR" sz="1800">
+                <a:latin typeface="맑은 고딕" charset="0"/>
+                <a:ea typeface="맑은 고딕" charset="0"/>
+              </a:rPr>
+              <a:t>그리고</a:t>
+            </a:r>
+            <a:r>
+              <a:rPr lang="ko-KR" sz="1800">
+                <a:latin typeface="맑은 고딕" charset="0"/>
+                <a:ea typeface="맑은 고딕" charset="0"/>
+              </a:rPr>
+              <a:t> 회원 가입의 여부를 등록하는 </a:t>
+            </a:r>
+            <a:r>
+              <a:rPr lang="ko-KR" sz="1800">
+                <a:latin typeface="맑은 고딕" charset="0"/>
+                <a:ea typeface="맑은 고딕" charset="0"/>
+              </a:rPr>
+              <a:t>RegisterPlayFabUser(</a:t>
+            </a:r>
+            <a:r>
+              <a:rPr lang="ko-KR" sz="1800">
+                <a:latin typeface="맑은 고딕" charset="0"/>
+                <a:ea typeface="맑은 고딕" charset="0"/>
+              </a:rPr>
+              <a:t> ) 함수로 등록 </a:t>
+            </a:r>
+            <a:r>
+              <a:rPr lang="ko-KR" sz="1800">
+                <a:latin typeface="맑은 고딕" charset="0"/>
+                <a:ea typeface="맑은 고딕" charset="0"/>
+              </a:rPr>
+              <a:t>절차를</a:t>
+            </a:r>
+            <a:r>
+              <a:rPr lang="ko-KR" sz="1800">
+                <a:latin typeface="맑은 고딕" charset="0"/>
+                <a:ea typeface="맑은 고딕" charset="0"/>
+              </a:rPr>
+              <a:t> 확인합니다.</a:t>
+            </a:r>
+            <a:endParaRPr lang="ko-KR" altLang="en-US" sz="1800">
+              <a:latin typeface="맑은 고딕" charset="0"/>
+              <a:ea typeface="맑은 고딕" charset="0"/>
+            </a:endParaRPr>
+          </a:p>
+        </p:txBody>
+      </p:sp>
+      <p:sp>
+        <p:nvSpPr>
+          <p:cNvPr id="66" name="텍스트 상자 37"/>
           <p:cNvSpPr txBox="1">
             <a:spLocks/>
           </p:cNvSpPr>
@@ -13097,8 +13247,8 @@
         </p:nvSpPr>
         <p:spPr>
           <a:xfrm rot="0">
-            <a:off x="6816725" y="5249545"/>
-            <a:ext cx="4149725" cy="954405"/>
+            <a:off x="1232535" y="4135120"/>
+            <a:ext cx="4152265" cy="2061845"/>
           </a:xfrm>
           <a:prstGeom prst="rect"/>
           <a:noFill/>
@@ -13125,7 +13275,7 @@
                 <a:latin typeface="맑은 고딕" charset="0"/>
                 <a:ea typeface="맑은 고딕" charset="0"/>
               </a:rPr>
-              <a:t>39.</a:t>
+              <a:t>37.</a:t>
             </a:r>
             <a:r>
               <a:rPr lang="ko-KR" sz="2000">
@@ -13142,28 +13292,14 @@
                 <a:latin typeface="맑은 고딕" charset="0"/>
                 <a:ea typeface="맑은 고딕" charset="0"/>
               </a:rPr>
-              <a:t>그런 다음 </a:t>
-            </a:r>
-            <a:r>
-              <a:rPr sz="1800">
-                <a:latin typeface="맑은 고딕" charset="0"/>
-                <a:ea typeface="맑은 고딕" charset="0"/>
-              </a:rPr>
-              <a:t>Sign In Button </a:t>
-            </a:r>
-            <a:r>
-              <a:rPr sz="1800">
-                <a:latin typeface="맑은 고딕" charset="0"/>
-                <a:ea typeface="맑은 고딕" charset="0"/>
-              </a:rPr>
-              <a:t>오브젝트</a:t>
-            </a:r>
-            <a:r>
-              <a:rPr lang="ko-KR" sz="1800">
-                <a:latin typeface="맑은 고딕" charset="0"/>
-                <a:ea typeface="맑은 고딕" charset="0"/>
-              </a:rPr>
-              <a:t>에</a:t>
+              <a:t>그다음 Login( ) 함수를 생성하고 </a:t>
+            </a:r>
+            <a:r>
+              <a:rPr lang="ko-KR" sz="1800">
+                <a:latin typeface="맑은 고딕" charset="0"/>
+                <a:ea typeface="맑은 고딕" charset="0"/>
+              </a:rPr>
+              <a:t>로그인에</a:t>
             </a:r>
             <a:r>
               <a:rPr lang="ko-KR" sz="1800">
@@ -13177,448 +13313,125 @@
                 <a:latin typeface="맑은 고딕" charset="0"/>
                 <a:ea typeface="맑은 고딕" charset="0"/>
               </a:rPr>
-              <a:t>있는</a:t>
-            </a:r>
-            <a:r>
-              <a:rPr sz="1800">
-                <a:latin typeface="맑은 고딕" charset="0"/>
-                <a:ea typeface="맑은 고딕" charset="0"/>
-              </a:rPr>
-              <a:t> On Click( ) 함수에 </a:t>
-            </a:r>
-            <a:r>
-              <a:rPr sz="1800">
-                <a:latin typeface="맑은 고딕" charset="0"/>
-                <a:ea typeface="맑은 고딕" charset="0"/>
-              </a:rPr>
-              <a:t>Login(</a:t>
-            </a:r>
-            <a:r>
-              <a:rPr sz="1800">
-                <a:latin typeface="맑은 고딕" charset="0"/>
-                <a:ea typeface="맑은 고딕" charset="0"/>
-              </a:rPr>
-              <a:t> ) </a:t>
-            </a:r>
-            <a:r>
-              <a:rPr sz="1800">
-                <a:latin typeface="맑은 고딕" charset="0"/>
-                <a:ea typeface="맑은 고딕" charset="0"/>
-              </a:rPr>
-              <a:t>함수</a:t>
-            </a:r>
-            <a:r>
-              <a:rPr lang="ko-KR" sz="1800">
-                <a:latin typeface="맑은 고딕" charset="0"/>
-                <a:ea typeface="맑은 고딕" charset="0"/>
-              </a:rPr>
-              <a:t>를</a:t>
-            </a:r>
-            <a:r>
-              <a:rPr lang="ko-KR" sz="1800">
-                <a:latin typeface="맑은 고딕" charset="0"/>
-                <a:ea typeface="맑은 고딕" charset="0"/>
-              </a:rPr>
-              <a:t> </a:t>
-            </a:r>
-            <a:r>
-              <a:rPr sz="1800">
-                <a:latin typeface="맑은 고딕" charset="0"/>
-                <a:ea typeface="맑은 고딕" charset="0"/>
-              </a:rPr>
-              <a:t>등록합니다.</a:t>
+              <a:t>대한</a:t>
+            </a:r>
+            <a:r>
+              <a:rPr lang="ko-KR" sz="1800">
+                <a:latin typeface="맑은 고딕" charset="0"/>
+                <a:ea typeface="맑은 고딕" charset="0"/>
+              </a:rPr>
+              <a:t> 정보를 입력받습니다.</a:t>
             </a:r>
             <a:endParaRPr lang="ko-KR" altLang="en-US" sz="1800">
               <a:latin typeface="맑은 고딕" charset="0"/>
               <a:ea typeface="맑은 고딕" charset="0"/>
             </a:endParaRPr>
           </a:p>
-        </p:txBody>
-      </p:sp>
-      <p:pic>
-        <p:nvPicPr>
-          <p:cNvPr id="68" name="그림 55"/>
-          <p:cNvPicPr>
-            <a:picLocks noChangeAspect="1"/>
-          </p:cNvPicPr>
-          <p:nvPr/>
-        </p:nvPicPr>
-        <p:blipFill rotWithShape="1">
-          <a:blip r:embed="rId2" cstate="hqprint">
-            <a:extLst>
-              <a:ext uri="{28A0092B-C50C-407E-A947-70E740481C1C}">
-                <a14:useLocalDpi xmlns:a14="http://schemas.microsoft.com/office/drawing/2010/main"/>
-              </a:ext>
-            </a:extLst>
-          </a:blip>
-          <a:stretch>
-            <a:fillRect/>
-          </a:stretch>
-        </p:blipFill>
-        <p:spPr>
-          <a:xfrm rot="0">
-            <a:off x="2609850" y="1438275"/>
-            <a:ext cx="2757170" cy="1163320"/>
-          </a:xfrm>
-          <a:prstGeom prst="roundRect"/>
-          <a:solidFill>
-            <a:srgbClr val="EDEDED"/>
-          </a:solidFill>
-        </p:spPr>
-      </p:pic>
-      <p:pic>
-        <p:nvPicPr>
-          <p:cNvPr id="69" name="그림 56"/>
-          <p:cNvPicPr>
-            <a:picLocks noChangeAspect="1"/>
-          </p:cNvPicPr>
-          <p:nvPr/>
-        </p:nvPicPr>
-        <p:blipFill rotWithShape="1">
-          <a:blip r:embed="rId3" cstate="print">
-            <a:extLst>
-              <a:ext uri="{28A0092B-C50C-407E-A947-70E740481C1C}">
-                <a14:useLocalDpi xmlns:a14="http://schemas.microsoft.com/office/drawing/2010/main" val="0"/>
-              </a:ext>
-            </a:extLst>
-          </a:blip>
-          <a:stretch>
-            <a:fillRect/>
-          </a:stretch>
-        </p:blipFill>
-        <p:spPr>
-          <a:xfrm rot="0">
-            <a:off x="1231900" y="1440815"/>
-            <a:ext cx="1223645" cy="1169035"/>
-          </a:xfrm>
-          <a:prstGeom prst="roundRect"/>
-          <a:solidFill>
-            <a:srgbClr val="EDEDED"/>
-          </a:solidFill>
-        </p:spPr>
-      </p:pic>
-      <p:pic>
-        <p:nvPicPr>
-          <p:cNvPr id="70" name="그림 59"/>
-          <p:cNvPicPr>
-            <a:picLocks noChangeAspect="1"/>
-          </p:cNvPicPr>
-          <p:nvPr/>
-        </p:nvPicPr>
-        <p:blipFill rotWithShape="1">
-          <a:blip r:embed="rId4" cstate="print">
-            <a:extLst>
-              <a:ext uri="{28A0092B-C50C-407E-A947-70E740481C1C}">
-                <a14:useLocalDpi xmlns:a14="http://schemas.microsoft.com/office/drawing/2010/main" val="0"/>
-              </a:ext>
-            </a:extLst>
-          </a:blip>
-          <a:stretch>
-            <a:fillRect/>
-          </a:stretch>
-        </p:blipFill>
-        <p:spPr>
-          <a:xfrm rot="0">
-            <a:off x="6813550" y="1449705"/>
-            <a:ext cx="1198245" cy="1186815"/>
-          </a:xfrm>
-          <a:prstGeom prst="roundRect"/>
-          <a:solidFill>
-            <a:srgbClr val="EDEDED"/>
-          </a:solidFill>
-        </p:spPr>
-      </p:pic>
-      <p:pic>
-        <p:nvPicPr>
-          <p:cNvPr id="71" name="그림 60"/>
-          <p:cNvPicPr>
-            <a:picLocks noChangeAspect="1"/>
-          </p:cNvPicPr>
-          <p:nvPr/>
-        </p:nvPicPr>
-        <p:blipFill rotWithShape="1">
-          <a:blip r:embed="rId5" cstate="print">
-            <a:extLst>
-              <a:ext uri="{28A0092B-C50C-407E-A947-70E740481C1C}">
-                <a14:useLocalDpi xmlns:a14="http://schemas.microsoft.com/office/drawing/2010/main" val="0"/>
-              </a:ext>
-            </a:extLst>
-          </a:blip>
-          <a:stretch>
-            <a:fillRect/>
-          </a:stretch>
-        </p:blipFill>
-        <p:spPr>
-          <a:xfrm rot="0">
-            <a:off x="8131810" y="1447165"/>
-            <a:ext cx="2834005" cy="1188720"/>
-          </a:xfrm>
-          <a:prstGeom prst="roundRect"/>
-          <a:solidFill>
-            <a:srgbClr val="EDEDED"/>
-          </a:solidFill>
-        </p:spPr>
-      </p:pic>
-      <p:sp>
-        <p:nvSpPr>
-          <p:cNvPr id="72" name="텍스트 상자 65"/>
-          <p:cNvSpPr txBox="1">
-            <a:spLocks/>
-          </p:cNvSpPr>
-          <p:nvPr/>
-        </p:nvSpPr>
-        <p:spPr>
-          <a:xfrm rot="0">
-            <a:off x="1223645" y="5240655"/>
-            <a:ext cx="4152900" cy="954405"/>
-          </a:xfrm>
-          <a:prstGeom prst="rect"/>
-          <a:noFill/>
-          <a:ln w="0">
-            <a:noFill/>
-            <a:prstDash/>
-          </a:ln>
-        </p:spPr>
-        <p:txBody>
-          <a:bodyPr wrap="square" lIns="89535" tIns="46355" rIns="89535" bIns="46355" numCol="1" vert="horz" anchor="t">
-            <a:spAutoFit/>
-          </a:bodyPr>
-          <a:lstStyle/>
           <a:p>
             <a:pPr marL="0" indent="0" rtl="0" algn="l" defTabSz="914400" eaLnBrk="1" latinLnBrk="0" hangingPunct="1">
               <a:buFontTx/>
               <a:buNone/>
             </a:pPr>
-            <a:r>
-              <a:rPr lang="ko-KR" sz="2000" b="1">
-                <a:solidFill>
-                  <a:srgbClr val="0611F2"/>
-                </a:solidFill>
-                <a:latin typeface="맑은 고딕" charset="0"/>
-                <a:ea typeface="맑은 고딕" charset="0"/>
-              </a:rPr>
-              <a:t>37.</a:t>
-            </a:r>
-            <a:r>
-              <a:rPr lang="ko-KR" sz="2000">
-                <a:solidFill>
-                  <a:srgbClr val="0611F2"/>
-                </a:solidFill>
-                <a:latin typeface="맑은 고딕" charset="0"/>
-                <a:ea typeface="맑은 고딕" charset="0"/>
-              </a:rPr>
-              <a:t> </a:t>
-            </a:r>
-            <a:r>
-              <a:rPr lang="ko-KR" sz="1800">
-                <a:latin typeface="맑은 고딕" charset="0"/>
-                <a:ea typeface="맑은 고딕" charset="0"/>
-              </a:rPr>
-              <a:t>이제 Sign In Button </a:t>
-            </a:r>
-            <a:r>
-              <a:rPr lang="ko-KR" sz="1800">
-                <a:latin typeface="맑은 고딕" charset="0"/>
-                <a:ea typeface="맑은 고딕" charset="0"/>
-              </a:rPr>
-              <a:t>오브젝트의</a:t>
-            </a:r>
-            <a:r>
-              <a:rPr lang="ko-KR" sz="1800">
-                <a:latin typeface="맑은 고딕" charset="0"/>
-                <a:ea typeface="맑은 고딕" charset="0"/>
-              </a:rPr>
-              <a:t> </a:t>
-            </a:r>
-            <a:r>
-              <a:rPr lang="ko-KR" sz="1800">
-                <a:latin typeface="맑은 고딕" charset="0"/>
-                <a:ea typeface="맑은 고딕" charset="0"/>
-              </a:rPr>
-              <a:t>앵커를</a:t>
-            </a:r>
-            <a:r>
-              <a:rPr lang="ko-KR" sz="1800">
-                <a:latin typeface="맑은 고딕" charset="0"/>
-                <a:ea typeface="맑은 고딕" charset="0"/>
-              </a:rPr>
-              <a:t> </a:t>
-            </a:r>
-            <a:r>
-              <a:rPr lang="ko-KR" sz="1800">
-                <a:latin typeface="맑은 고딕" charset="0"/>
-                <a:ea typeface="맑은 고딕" charset="0"/>
-              </a:rPr>
-              <a:t>지정하고</a:t>
-            </a:r>
-            <a:r>
-              <a:rPr lang="ko-KR" sz="1800">
-                <a:latin typeface="맑은 고딕" charset="0"/>
-                <a:ea typeface="맑은 고딕" charset="0"/>
-              </a:rPr>
-              <a:t> 위치와 </a:t>
-            </a:r>
-            <a:r>
-              <a:rPr lang="ko-KR" sz="1800">
-                <a:latin typeface="맑은 고딕" charset="0"/>
-                <a:ea typeface="맑은 고딕" charset="0"/>
-              </a:rPr>
-              <a:t>크기를</a:t>
-            </a:r>
-            <a:r>
-              <a:rPr lang="ko-KR" sz="1800">
-                <a:latin typeface="맑은 고딕" charset="0"/>
-                <a:ea typeface="맑은 고딕" charset="0"/>
-              </a:rPr>
-              <a:t> </a:t>
-            </a:r>
-            <a:r>
-              <a:rPr lang="ko-KR" sz="1800">
-                <a:latin typeface="맑은 고딕" charset="0"/>
-                <a:ea typeface="맑은 고딕" charset="0"/>
-              </a:rPr>
-              <a:t>설정합니다.</a:t>
-            </a:r>
             <a:endParaRPr lang="ko-KR" altLang="en-US" sz="1800">
               <a:latin typeface="맑은 고딕" charset="0"/>
               <a:ea typeface="맑은 고딕" charset="0"/>
             </a:endParaRPr>
           </a:p>
-        </p:txBody>
-      </p:sp>
-      <p:sp>
-        <p:nvSpPr>
-          <p:cNvPr id="73" name="텍스트 상자 66"/>
-          <p:cNvSpPr txBox="1">
-            <a:spLocks/>
-          </p:cNvSpPr>
-          <p:nvPr/>
-        </p:nvSpPr>
-        <p:spPr>
-          <a:xfrm>
-            <a:off x="6813550" y="2754630"/>
-            <a:ext cx="4144645" cy="954405"/>
-          </a:xfrm>
-          <a:prstGeom prst="rect"/>
-          <a:noFill/>
-          <a:ln w="0">
-            <a:noFill/>
-            <a:prstDash/>
-          </a:ln>
-        </p:spPr>
-        <p:txBody>
-          <a:bodyPr wrap="square" lIns="89535" tIns="46355" rIns="89535" bIns="46355" numCol="1" vert="horz" anchor="t">
-            <a:spAutoFit/>
-          </a:bodyPr>
-          <a:lstStyle/>
           <a:p>
             <a:pPr marL="0" indent="0" rtl="0" algn="l" defTabSz="914400" eaLnBrk="1" latinLnBrk="0" hangingPunct="1">
               <a:buFontTx/>
               <a:buNone/>
             </a:pPr>
             <a:r>
-              <a:rPr lang="ko-KR" sz="2000" b="1">
-                <a:solidFill>
-                  <a:srgbClr val="0611F2"/>
-                </a:solidFill>
-                <a:latin typeface="맑은 고딕" charset="0"/>
-                <a:ea typeface="맑은 고딕" charset="0"/>
-              </a:rPr>
-              <a:t>38.</a:t>
-            </a:r>
-            <a:r>
-              <a:rPr lang="ko-KR" sz="2000">
-                <a:solidFill>
-                  <a:srgbClr val="0611F2"/>
-                </a:solidFill>
+              <a:rPr lang="ko-KR" sz="1800">
+                <a:latin typeface="맑은 고딕" charset="0"/>
+                <a:ea typeface="맑은 고딕" charset="0"/>
+              </a:rPr>
+              <a:t>그러고</a:t>
+            </a:r>
+            <a:r>
+              <a:rPr lang="ko-KR" sz="1800">
                 <a:latin typeface="맑은 고딕" charset="0"/>
                 <a:ea typeface="맑은 고딕" charset="0"/>
               </a:rPr>
               <a:t> </a:t>
             </a:r>
             <a:r>
-              <a:rPr sz="1800">
-                <a:latin typeface="맑은 고딕" charset="0"/>
-                <a:ea typeface="맑은 고딕" charset="0"/>
-              </a:rPr>
-              <a:t>그리고 Sign In Button </a:t>
-            </a:r>
-            <a:r>
-              <a:rPr sz="1800">
-                <a:latin typeface="맑은 고딕" charset="0"/>
-                <a:ea typeface="맑은 고딕" charset="0"/>
-              </a:rPr>
-              <a:t>오브젝트의</a:t>
-            </a:r>
-            <a:r>
-              <a:rPr sz="1800">
+              <a:rPr lang="ko-KR" sz="1800">
+                <a:latin typeface="맑은 고딕" charset="0"/>
+                <a:ea typeface="맑은 고딕" charset="0"/>
+              </a:rPr>
+              <a:t>나서</a:t>
+            </a:r>
+            <a:r>
+              <a:rPr lang="ko-KR" sz="1800">
+                <a:latin typeface="맑은 고딕" charset="0"/>
+                <a:ea typeface="맑은 고딕" charset="0"/>
+              </a:rPr>
+              <a:t> 로그인의 여부를 </a:t>
+            </a:r>
+            <a:r>
+              <a:rPr lang="ko-KR" sz="1800">
+                <a:latin typeface="맑은 고딕" charset="0"/>
+                <a:ea typeface="맑은 고딕" charset="0"/>
+              </a:rPr>
+              <a:t>설정하는</a:t>
+            </a:r>
+            <a:r>
+              <a:rPr lang="ko-KR" sz="1800">
                 <a:latin typeface="맑은 고딕" charset="0"/>
                 <a:ea typeface="맑은 고딕" charset="0"/>
               </a:rPr>
               <a:t> </a:t>
             </a:r>
             <a:r>
-              <a:rPr sz="1800">
-                <a:latin typeface="맑은 고딕" charset="0"/>
-                <a:ea typeface="맑은 고딕" charset="0"/>
-              </a:rPr>
-              <a:t>On</a:t>
-            </a:r>
-            <a:r>
-              <a:rPr sz="1800">
+              <a:rPr lang="ko-KR" sz="1800">
+                <a:latin typeface="맑은 고딕" charset="0"/>
+                <a:ea typeface="맑은 고딕" charset="0"/>
+              </a:rPr>
+              <a:t>LoginWithEmailAddress(</a:t>
+            </a:r>
+            <a:r>
+              <a:rPr lang="ko-KR" sz="1800">
+                <a:latin typeface="맑은 고딕" charset="0"/>
+                <a:ea typeface="맑은 고딕" charset="0"/>
+              </a:rPr>
+              <a:t> ) </a:t>
+            </a:r>
+            <a:r>
+              <a:rPr lang="ko-KR" sz="1800">
+                <a:latin typeface="맑은 고딕" charset="0"/>
+                <a:ea typeface="맑은 고딕" charset="0"/>
+              </a:rPr>
+              <a:t>함수로</a:t>
+            </a:r>
+            <a:r>
+              <a:rPr lang="ko-KR" sz="1800">
                 <a:latin typeface="맑은 고딕" charset="0"/>
                 <a:ea typeface="맑은 고딕" charset="0"/>
               </a:rPr>
               <a:t> </a:t>
             </a:r>
             <a:r>
-              <a:rPr sz="1800">
-                <a:latin typeface="맑은 고딕" charset="0"/>
-                <a:ea typeface="맑은 고딕" charset="0"/>
-              </a:rPr>
-              <a:t>Click(</a:t>
-            </a:r>
-            <a:r>
-              <a:rPr sz="1800">
-                <a:latin typeface="맑은 고딕" charset="0"/>
-                <a:ea typeface="맑은 고딕" charset="0"/>
-              </a:rPr>
-              <a:t> ) 함수에 Photon </a:t>
-            </a:r>
-            <a:r>
-              <a:rPr sz="1800">
-                <a:latin typeface="맑은 고딕" charset="0"/>
-                <a:ea typeface="맑은 고딕" charset="0"/>
-              </a:rPr>
-              <a:t>S</a:t>
-            </a:r>
-            <a:r>
-              <a:rPr lang="ko-KR" sz="1800">
-                <a:latin typeface="맑은 고딕" charset="0"/>
-                <a:ea typeface="맑은 고딕" charset="0"/>
-              </a:rPr>
-              <a:t>etting</a:t>
-            </a:r>
-            <a:r>
-              <a:rPr sz="1800">
-                <a:latin typeface="맑은 고딕" charset="0"/>
-                <a:ea typeface="맑은 고딕" charset="0"/>
-              </a:rPr>
-              <a:t> </a:t>
-            </a:r>
-            <a:r>
-              <a:rPr sz="1800">
-                <a:latin typeface="맑은 고딕" charset="0"/>
-                <a:ea typeface="맑은 고딕" charset="0"/>
-              </a:rPr>
-              <a:t>오브젝트를</a:t>
-            </a:r>
-            <a:r>
-              <a:rPr sz="1800">
-                <a:latin typeface="맑은 고딕" charset="0"/>
-                <a:ea typeface="맑은 고딕" charset="0"/>
-              </a:rPr>
-              <a:t> 넣어줍니다.</a:t>
+              <a:rPr lang="ko-KR" sz="1800">
+                <a:latin typeface="맑은 고딕" charset="0"/>
+                <a:ea typeface="맑은 고딕" charset="0"/>
+              </a:rPr>
+              <a:t>로그인</a:t>
+            </a:r>
+            <a:r>
+              <a:rPr lang="ko-KR" sz="1800">
+                <a:latin typeface="맑은 고딕" charset="0"/>
+                <a:ea typeface="맑은 고딕" charset="0"/>
+              </a:rPr>
+              <a:t> 인증 절차를 </a:t>
+            </a:r>
+            <a:r>
+              <a:rPr lang="ko-KR" sz="1800">
+                <a:latin typeface="맑은 고딕" charset="0"/>
+                <a:ea typeface="맑은 고딕" charset="0"/>
+              </a:rPr>
+              <a:t>확인합니다.</a:t>
             </a:r>
             <a:endParaRPr lang="ko-KR" altLang="en-US" sz="1800">
               <a:latin typeface="맑은 고딕" charset="0"/>
@@ -13629,71 +13442,7 @@
       </p:sp>
       <p:pic>
         <p:nvPicPr>
-          <p:cNvPr id="74" name="그림 67" descr="C:/Users/Admin1/AppData/Roaming/PolarisOffice/ETemp/12940_6238040/fImage119753612995.png"/>
-          <p:cNvPicPr>
-            <a:picLocks noChangeAspect="1"/>
-          </p:cNvPicPr>
-          <p:nvPr/>
-        </p:nvPicPr>
-        <p:blipFill rotWithShape="1">
-          <a:blip r:embed="rId6" cstate="hqprint">
-            <a:extLst>
-              <a:ext uri="{28A0092B-C50C-407E-A947-70E740481C1C}">
-                <a14:useLocalDpi xmlns:a14="http://schemas.microsoft.com/office/drawing/2010/main"/>
-              </a:ext>
-            </a:extLst>
-          </a:blip>
-          <a:stretch>
-            <a:fillRect/>
-          </a:stretch>
-        </p:blipFill>
-        <p:spPr>
-          <a:xfrm rot="0">
-            <a:off x="1233170" y="3807460"/>
-            <a:ext cx="4134485" cy="1361440"/>
-          </a:xfrm>
-          <a:prstGeom prst="roundRect"/>
-          <a:solidFill>
-            <a:srgbClr val="EDEDED"/>
-          </a:solidFill>
-        </p:spPr>
-      </p:pic>
-      <p:cxnSp>
-        <p:nvCxnSpPr>
-          <p:cNvPr id="75" name="도형 70"/>
-          <p:cNvCxnSpPr/>
-          <p:nvPr/>
-        </p:nvCxnSpPr>
-        <p:spPr>
-          <a:xfrm rot="0" flipV="1">
-            <a:off x="7830185" y="2145030"/>
-            <a:ext cx="1206500" cy="396875"/>
-          </a:xfrm>
-          <a:prstGeom prst="straightConnector1"/>
-          <a:ln w="6350" cap="flat" cmpd="sng">
-            <a:prstDash/>
-            <a:headEnd type="none" w="med" len="med"/>
-            <a:tailEnd type="triangle" w="med" len="med"/>
-          </a:ln>
-        </p:spPr>
-        <p:style>
-          <a:lnRef idx="1">
-            <a:schemeClr val="accent1"/>
-          </a:lnRef>
-          <a:fillRef idx="0">
-            <a:schemeClr val="accent1"/>
-          </a:fillRef>
-          <a:effectRef idx="0">
-            <a:schemeClr val="accent1"/>
-          </a:effectRef>
-          <a:fontRef idx="minor">
-            <a:schemeClr val="tx1"/>
-          </a:fontRef>
-        </p:style>
-      </p:cxnSp>
-      <p:pic>
-        <p:nvPicPr>
-          <p:cNvPr id="76" name="그림 71"/>
+          <p:cNvPr id="68" name="그림 39" descr="C:/Users/Admin1/AppData/Roaming/PolarisOffice/ETemp/20844_15003384/fImage835913849358.png"/>
           <p:cNvPicPr>
             <a:picLocks noChangeAspect="1"/>
           </p:cNvPicPr>
@@ -13713,8 +13462,39 @@
         </p:blipFill>
         <p:spPr>
           <a:xfrm rot="0">
-            <a:off x="6813550" y="3816350"/>
-            <a:ext cx="4152265" cy="1326515"/>
+            <a:off x="6805295" y="1515745"/>
+            <a:ext cx="4143375" cy="2438400"/>
+          </a:xfrm>
+          <a:prstGeom prst="roundRect"/>
+          <a:solidFill>
+            <a:srgbClr val="EDEDED"/>
+          </a:solidFill>
+        </p:spPr>
+      </p:pic>
+      <p:pic>
+        <p:nvPicPr>
+          <p:cNvPr id="69" name="그림 46" descr="C:/Users/Admin1/AppData/Roaming/PolarisOffice/ETemp/20844_15003384/fImage431123856962.png"/>
+          <p:cNvPicPr>
+            <a:picLocks noChangeAspect="1"/>
+          </p:cNvPicPr>
+          <p:nvPr/>
+        </p:nvPicPr>
+        <p:blipFill rotWithShape="1">
+          <a:blip r:embed="rId8" cstate="print">
+            <a:extLst>
+              <a:ext uri="{28A0092B-C50C-407E-A947-70E740481C1C}">
+                <a14:useLocalDpi xmlns:a14="http://schemas.microsoft.com/office/drawing/2010/main" val="0"/>
+              </a:ext>
+            </a:extLst>
+          </a:blip>
+          <a:stretch>
+            <a:fillRect/>
+          </a:stretch>
+        </p:blipFill>
+        <p:spPr>
+          <a:xfrm rot="0">
+            <a:off x="1231900" y="1507490"/>
+            <a:ext cx="4144010" cy="2455545"/>
           </a:xfrm>
           <a:prstGeom prst="roundRect"/>
           <a:solidFill>
@@ -13773,7 +13553,7 @@
         <p:spPr>
           <a:xfrm rot="0">
             <a:off x="1229995" y="1337310"/>
-            <a:ext cx="4039870" cy="371475"/>
+            <a:ext cx="4039235" cy="370840"/>
           </a:xfrm>
           <a:prstGeom prst="rect"/>
           <a:noFill/>
@@ -13808,9 +13588,9 @@
           <p:nvPr/>
         </p:nvSpPr>
         <p:spPr>
-          <a:xfrm>
-            <a:off x="4334510" y="398780"/>
-            <a:ext cx="3522345" cy="554990"/>
+          <a:xfrm rot="0">
+            <a:off x="4334510" y="381635"/>
+            <a:ext cx="3522980" cy="554990"/>
           </a:xfrm>
           <a:prstGeom prst="rect"/>
           <a:noFill/>
@@ -13859,7 +13639,7 @@
       </p:sp>
       <p:sp>
         <p:nvSpPr>
-          <p:cNvPr id="60" name="Rect 0"/>
+          <p:cNvPr id="67" name="텍스트 상자 53"/>
           <p:cNvSpPr txBox="1">
             <a:spLocks/>
           </p:cNvSpPr>
@@ -13867,8 +13647,8 @@
         </p:nvSpPr>
         <p:spPr>
           <a:xfrm rot="0">
-            <a:off x="1231900" y="2601595"/>
-            <a:ext cx="4144645" cy="1231265"/>
+            <a:off x="1231900" y="5318760"/>
+            <a:ext cx="4144010" cy="954405"/>
           </a:xfrm>
           <a:prstGeom prst="rect"/>
           <a:noFill/>
@@ -13932,14 +13712,14 @@
                 <a:latin typeface="맑은 고딕" charset="0"/>
                 <a:ea typeface="맑은 고딕" charset="0"/>
               </a:rPr>
-              <a:t>그다음 Photon Setting </a:t>
-            </a:r>
-            <a:r>
-              <a:rPr lang="ko-KR" sz="1800">
-                <a:latin typeface="맑은 고딕" charset="0"/>
-                <a:ea typeface="맑은 고딕" charset="0"/>
-              </a:rPr>
-              <a:t>스크립트에</a:t>
+              <a:t>그다음으로 Password Input </a:t>
+            </a:r>
+            <a:r>
+              <a:rPr lang="ko-KR" sz="1800">
+                <a:latin typeface="맑은 고딕" charset="0"/>
+                <a:ea typeface="맑은 고딕" charset="0"/>
+              </a:rPr>
+              <a:t>오브젝트의</a:t>
             </a:r>
             <a:r>
               <a:rPr lang="ko-KR" sz="1800">
@@ -13953,7 +13733,21 @@
                 <a:latin typeface="맑은 고딕" charset="0"/>
                 <a:ea typeface="맑은 고딕" charset="0"/>
               </a:rPr>
-              <a:t>있는</a:t>
+              <a:t>앵커를</a:t>
+            </a:r>
+            <a:r>
+              <a:rPr lang="ko-KR" sz="1800">
+                <a:latin typeface="맑은 고딕" charset="0"/>
+                <a:ea typeface="맑은 고딕" charset="0"/>
+              </a:rPr>
+              <a:t> 지정하고 위치와 </a:t>
+            </a:r>
+            <a:r>
+              <a:rPr lang="ko-KR" sz="1800">
+                <a:latin typeface="맑은 고딕" charset="0"/>
+                <a:ea typeface="맑은 고딕" charset="0"/>
+              </a:rPr>
+              <a:t>크기를</a:t>
             </a:r>
             <a:r>
               <a:rPr lang="ko-KR" sz="1800">
@@ -13967,63 +13761,7 @@
                 <a:latin typeface="맑은 고딕" charset="0"/>
                 <a:ea typeface="맑은 고딕" charset="0"/>
               </a:rPr>
-              <a:t>Password</a:t>
-            </a:r>
-            <a:r>
-              <a:rPr lang="ko-KR" sz="1800">
-                <a:latin typeface="맑은 고딕" charset="0"/>
-                <a:ea typeface="맑은 고딕" charset="0"/>
-              </a:rPr>
-              <a:t> 변수에 </a:t>
-            </a:r>
-            <a:r>
-              <a:rPr lang="ko-KR" sz="1800">
-                <a:latin typeface="맑은 고딕" charset="0"/>
-                <a:ea typeface="맑은 고딕" charset="0"/>
-              </a:rPr>
-              <a:t>Password</a:t>
-            </a:r>
-            <a:r>
-              <a:rPr lang="ko-KR" sz="1800">
-                <a:latin typeface="맑은 고딕" charset="0"/>
-                <a:ea typeface="맑은 고딕" charset="0"/>
-              </a:rPr>
-              <a:t> </a:t>
-            </a:r>
-            <a:r>
-              <a:rPr lang="ko-KR" sz="1800">
-                <a:latin typeface="맑은 고딕" charset="0"/>
-                <a:ea typeface="맑은 고딕" charset="0"/>
-              </a:rPr>
-              <a:t>InputField</a:t>
-            </a:r>
-            <a:r>
-              <a:rPr lang="ko-KR" sz="1800">
-                <a:latin typeface="맑은 고딕" charset="0"/>
-                <a:ea typeface="맑은 고딕" charset="0"/>
-              </a:rPr>
-              <a:t> </a:t>
-            </a:r>
-            <a:r>
-              <a:rPr lang="ko-KR" sz="1800">
-                <a:latin typeface="맑은 고딕" charset="0"/>
-                <a:ea typeface="맑은 고딕" charset="0"/>
-              </a:rPr>
-              <a:t>오브젝트를</a:t>
-            </a:r>
-            <a:r>
-              <a:rPr lang="ko-KR" sz="1800">
-                <a:latin typeface="맑은 고딕" charset="0"/>
-                <a:ea typeface="맑은 고딕" charset="0"/>
-              </a:rPr>
-              <a:t> </a:t>
-            </a:r>
-            <a:r>
-              <a:rPr lang="ko-KR" sz="1800">
-                <a:latin typeface="맑은 고딕" charset="0"/>
-                <a:ea typeface="맑은 고딕" charset="0"/>
-              </a:rPr>
-              <a:t>넣어줍니다.</a:t>
+              <a:t>설정합니다.</a:t>
             </a:r>
             <a:endParaRPr lang="ko-KR" altLang="en-US" sz="1800">
               <a:latin typeface="맑은 고딕" charset="0"/>
@@ -14032,152 +13770,19 @@
           </a:p>
         </p:txBody>
       </p:sp>
-      <p:sp>
-        <p:nvSpPr>
-          <p:cNvPr id="67" name="Rect 0"/>
-          <p:cNvSpPr txBox="1">
-            <a:spLocks/>
-          </p:cNvSpPr>
-          <p:nvPr/>
-        </p:nvSpPr>
-        <p:spPr>
-          <a:xfrm rot="0">
-            <a:off x="6816725" y="5241290"/>
-            <a:ext cx="4123690" cy="954405"/>
-          </a:xfrm>
-          <a:prstGeom prst="rect"/>
-          <a:noFill/>
-          <a:ln w="0">
-            <a:noFill/>
-            <a:prstDash/>
-          </a:ln>
-        </p:spPr>
-        <p:txBody>
-          <a:bodyPr wrap="square" lIns="89535" tIns="46355" rIns="89535" bIns="46355" numCol="1" vert="horz" anchor="t">
-            <a:spAutoFit/>
-          </a:bodyPr>
-          <a:lstStyle/>
-          <a:p>
-            <a:pPr marL="0" indent="0" rtl="0" algn="l" defTabSz="914400" eaLnBrk="1" latinLnBrk="0" hangingPunct="1">
-              <a:buFontTx/>
-              <a:buNone/>
-            </a:pPr>
-            <a:r>
-              <a:rPr lang="ko-KR" sz="2000" b="1">
-                <a:solidFill>
-                  <a:srgbClr val="0611F2"/>
-                </a:solidFill>
-                <a:latin typeface="맑은 고딕" charset="0"/>
-                <a:ea typeface="맑은 고딕" charset="0"/>
-              </a:rPr>
-              <a:t>4</a:t>
-            </a:r>
-            <a:r>
-              <a:rPr lang="ko-KR" sz="2000" b="1">
-                <a:solidFill>
-                  <a:srgbClr val="0611F2"/>
-                </a:solidFill>
-                <a:latin typeface="맑은 고딕" charset="0"/>
-                <a:ea typeface="맑은 고딕" charset="0"/>
-              </a:rPr>
-              <a:t>3</a:t>
-            </a:r>
-            <a:r>
-              <a:rPr lang="ko-KR" sz="2000" b="1">
-                <a:solidFill>
-                  <a:srgbClr val="0611F2"/>
-                </a:solidFill>
-                <a:latin typeface="맑은 고딕" charset="0"/>
-                <a:ea typeface="맑은 고딕" charset="0"/>
-              </a:rPr>
-              <a:t>.</a:t>
-            </a:r>
-            <a:r>
-              <a:rPr lang="ko-KR" sz="2000">
-                <a:solidFill>
-                  <a:srgbClr val="0611F2"/>
-                </a:solidFill>
-                <a:latin typeface="맑은 고딕" charset="0"/>
-                <a:ea typeface="맑은 고딕" charset="0"/>
-              </a:rPr>
-              <a:t> </a:t>
-            </a:r>
-            <a:r>
-              <a:rPr lang="ko-KR" sz="1800">
-                <a:latin typeface="맑은 고딕" charset="0"/>
-                <a:ea typeface="맑은 고딕" charset="0"/>
-              </a:rPr>
-              <a:t>그리고 Sign Up Button </a:t>
-            </a:r>
-            <a:r>
-              <a:rPr lang="ko-KR" sz="1800">
-                <a:latin typeface="맑은 고딕" charset="0"/>
-                <a:ea typeface="맑은 고딕" charset="0"/>
-              </a:rPr>
-              <a:t>오브젝트의</a:t>
-            </a:r>
-            <a:r>
-              <a:rPr lang="ko-KR" sz="1800">
-                <a:latin typeface="맑은 고딕" charset="0"/>
-                <a:ea typeface="맑은 고딕" charset="0"/>
-              </a:rPr>
-              <a:t> </a:t>
-            </a:r>
-            <a:r>
-              <a:rPr lang="ko-KR" sz="1800">
-                <a:latin typeface="맑은 고딕" charset="0"/>
-                <a:ea typeface="맑은 고딕" charset="0"/>
-              </a:rPr>
-              <a:t>앵커를</a:t>
-            </a:r>
-            <a:r>
-              <a:rPr lang="ko-KR" sz="1800">
-                <a:latin typeface="맑은 고딕" charset="0"/>
-                <a:ea typeface="맑은 고딕" charset="0"/>
-              </a:rPr>
-              <a:t> 지정하고 위치와 </a:t>
-            </a:r>
-            <a:r>
-              <a:rPr lang="ko-KR" sz="1800">
-                <a:latin typeface="맑은 고딕" charset="0"/>
-                <a:ea typeface="맑은 고딕" charset="0"/>
-              </a:rPr>
-              <a:t>크기를</a:t>
-            </a:r>
-            <a:r>
-              <a:rPr lang="ko-KR" sz="1800">
-                <a:latin typeface="맑은 고딕" charset="0"/>
-                <a:ea typeface="맑은 고딕" charset="0"/>
-              </a:rPr>
-              <a:t> </a:t>
-            </a:r>
-            <a:r>
-              <a:rPr lang="ko-KR" sz="1800">
-                <a:latin typeface="맑은 고딕" charset="0"/>
-                <a:ea typeface="맑은 고딕" charset="0"/>
-              </a:rPr>
-              <a:t>설정합니다.</a:t>
-            </a:r>
-            <a:endParaRPr lang="ko-KR" altLang="en-US" sz="1800">
-              <a:latin typeface="맑은 고딕" charset="0"/>
-              <a:ea typeface="맑은 고딕" charset="0"/>
-            </a:endParaRPr>
-          </a:p>
-        </p:txBody>
-      </p:sp>
       <p:pic>
         <p:nvPicPr>
-          <p:cNvPr id="68" name="그림 74" descr="C:/Users/Admin1/AppData/Roaming/PolarisOffice/ETemp/12940_6238040/fImage101733774827.png"/>
+          <p:cNvPr id="69" name="그림 50" descr="C:/Users/Admin1/AppData/Roaming/PolarisOffice/ETemp/20844_15003384/fImage87493874464.png"/>
           <p:cNvPicPr>
             <a:picLocks noChangeAspect="1"/>
           </p:cNvPicPr>
           <p:nvPr/>
         </p:nvPicPr>
         <p:blipFill rotWithShape="1">
-          <a:blip r:embed="rId2" cstate="hqprint">
+          <a:blip r:embed="rId14" cstate="print">
             <a:extLst>
               <a:ext uri="{28A0092B-C50C-407E-A947-70E740481C1C}">
-                <a14:useLocalDpi xmlns:a14="http://schemas.microsoft.com/office/drawing/2010/main"/>
+                <a14:useLocalDpi xmlns:a14="http://schemas.microsoft.com/office/drawing/2010/main" val="0"/>
               </a:ext>
             </a:extLst>
           </a:blip>
@@ -14187,8 +13792,8 @@
         </p:blipFill>
         <p:spPr>
           <a:xfrm rot="0">
-            <a:off x="2661920" y="1447165"/>
-            <a:ext cx="2714625" cy="1076960"/>
+            <a:off x="1249045" y="1447165"/>
+            <a:ext cx="1266825" cy="1222375"/>
           </a:xfrm>
           <a:prstGeom prst="roundRect"/>
           <a:solidFill>
@@ -14198,17 +13803,17 @@
       </p:pic>
       <p:pic>
         <p:nvPicPr>
-          <p:cNvPr id="69" name="그림 77" descr="C:/Users/Admin1/AppData/Roaming/PolarisOffice/ETemp/12940_6238040/fImage81193785436.png"/>
+          <p:cNvPr id="70" name="그림 55" descr="C:/Users/Admin1/AppData/Roaming/PolarisOffice/ETemp/20844_15003384/fImage115533885705.png"/>
           <p:cNvPicPr>
             <a:picLocks noChangeAspect="1"/>
           </p:cNvPicPr>
           <p:nvPr/>
         </p:nvPicPr>
         <p:blipFill rotWithShape="1">
-          <a:blip r:embed="rId3" cstate="hqprint">
+          <a:blip r:embed="rId15" cstate="print">
             <a:extLst>
               <a:ext uri="{28A0092B-C50C-407E-A947-70E740481C1C}">
-                <a14:useLocalDpi xmlns:a14="http://schemas.microsoft.com/office/drawing/2010/main"/>
+                <a14:useLocalDpi xmlns:a14="http://schemas.microsoft.com/office/drawing/2010/main" val="0"/>
               </a:ext>
             </a:extLst>
           </a:blip>
@@ -14218,8 +13823,8 @@
         </p:blipFill>
         <p:spPr>
           <a:xfrm rot="0">
-            <a:off x="1231900" y="1447165"/>
-            <a:ext cx="1302385" cy="1083945"/>
+            <a:off x="2604770" y="1447165"/>
+            <a:ext cx="2762250" cy="1232535"/>
           </a:xfrm>
           <a:prstGeom prst="roundRect"/>
           <a:solidFill>
@@ -14229,18 +13834,19 @@
       </p:pic>
       <p:cxnSp>
         <p:nvCxnSpPr>
-          <p:cNvPr id="70" name="도형 80"/>
+          <p:cNvPr id="71" name="도형 58"/>
           <p:cNvCxnSpPr/>
           <p:nvPr/>
         </p:nvCxnSpPr>
         <p:spPr>
-          <a:xfrm rot="0">
-            <a:off x="2454910" y="2213610"/>
-            <a:ext cx="2835275" cy="79375"/>
+          <a:xfrm rot="0" flipV="1">
+            <a:off x="2239645" y="2041525"/>
+            <a:ext cx="3049905" cy="138430"/>
           </a:xfrm>
           <a:prstGeom prst="straightConnector1"/>
           <a:ln w="6350" cap="flat" cmpd="sng">
             <a:prstDash/>
+            <a:headEnd type="none" w="med" len="med"/>
             <a:tailEnd type="triangle" w="med" len="med"/>
           </a:ln>
         </p:spPr>
@@ -14259,19 +13865,152 @@
           </a:fontRef>
         </p:style>
       </p:cxnSp>
+      <p:sp>
+        <p:nvSpPr>
+          <p:cNvPr id="72" name="텍스트 상자 59"/>
+          <p:cNvSpPr txBox="1">
+            <a:spLocks/>
+          </p:cNvSpPr>
+          <p:nvPr/>
+        </p:nvSpPr>
+        <p:spPr>
+          <a:xfrm rot="0">
+            <a:off x="1235075" y="2777490"/>
+            <a:ext cx="4140835" cy="954405"/>
+          </a:xfrm>
+          <a:prstGeom prst="rect"/>
+          <a:noFill/>
+          <a:ln w="0">
+            <a:noFill/>
+            <a:prstDash/>
+          </a:ln>
+        </p:spPr>
+        <p:txBody>
+          <a:bodyPr wrap="square" lIns="89535" tIns="46355" rIns="89535" bIns="46355" numCol="1" vert="horz" anchor="t">
+            <a:spAutoFit/>
+          </a:bodyPr>
+          <a:lstStyle/>
+          <a:p>
+            <a:pPr marL="0" indent="0" rtl="0" algn="l" defTabSz="914400" eaLnBrk="1" latinLnBrk="0" hangingPunct="1">
+              <a:buFontTx/>
+              <a:buNone/>
+            </a:pPr>
+            <a:r>
+              <a:rPr lang="ko-KR" sz="2000" b="1">
+                <a:solidFill>
+                  <a:srgbClr val="0611F2"/>
+                </a:solidFill>
+                <a:latin typeface="맑은 고딕" charset="0"/>
+                <a:ea typeface="맑은 고딕" charset="0"/>
+              </a:rPr>
+              <a:t>3</a:t>
+            </a:r>
+            <a:r>
+              <a:rPr lang="ko-KR" sz="2000" b="1">
+                <a:solidFill>
+                  <a:srgbClr val="0611F2"/>
+                </a:solidFill>
+                <a:latin typeface="맑은 고딕" charset="0"/>
+                <a:ea typeface="맑은 고딕" charset="0"/>
+              </a:rPr>
+              <a:t>9</a:t>
+            </a:r>
+            <a:r>
+              <a:rPr lang="ko-KR" sz="2000" b="1">
+                <a:solidFill>
+                  <a:srgbClr val="0611F2"/>
+                </a:solidFill>
+                <a:latin typeface="맑은 고딕" charset="0"/>
+                <a:ea typeface="맑은 고딕" charset="0"/>
+              </a:rPr>
+              <a:t>.</a:t>
+            </a:r>
+            <a:r>
+              <a:rPr lang="ko-KR" sz="2000">
+                <a:solidFill>
+                  <a:srgbClr val="0611F2"/>
+                </a:solidFill>
+                <a:latin typeface="맑은 고딕" charset="0"/>
+                <a:ea typeface="맑은 고딕" charset="0"/>
+              </a:rPr>
+              <a:t> </a:t>
+            </a:r>
+            <a:r>
+              <a:rPr lang="ko-KR" sz="1800">
+                <a:latin typeface="맑은 고딕" charset="0"/>
+                <a:ea typeface="맑은 고딕" charset="0"/>
+              </a:rPr>
+              <a:t>그런 다음 Photon Setting </a:t>
+            </a:r>
+            <a:r>
+              <a:rPr lang="ko-KR" sz="1800">
+                <a:latin typeface="맑은 고딕" charset="0"/>
+                <a:ea typeface="맑은 고딕" charset="0"/>
+              </a:rPr>
+              <a:t>스크립트에</a:t>
+            </a:r>
+            <a:r>
+              <a:rPr lang="ko-KR" sz="1800">
+                <a:latin typeface="맑은 고딕" charset="0"/>
+                <a:ea typeface="맑은 고딕" charset="0"/>
+              </a:rPr>
+              <a:t> </a:t>
+            </a:r>
+            <a:r>
+              <a:rPr lang="ko-KR" sz="1800">
+                <a:latin typeface="맑은 고딕" charset="0"/>
+                <a:ea typeface="맑은 고딕" charset="0"/>
+              </a:rPr>
+              <a:t>있는</a:t>
+            </a:r>
+            <a:r>
+              <a:rPr lang="ko-KR" sz="1800">
+                <a:latin typeface="맑은 고딕" charset="0"/>
+                <a:ea typeface="맑은 고딕" charset="0"/>
+              </a:rPr>
+              <a:t> Email 변수에 Email </a:t>
+            </a:r>
+            <a:r>
+              <a:rPr lang="ko-KR" sz="1800">
+                <a:latin typeface="맑은 고딕" charset="0"/>
+                <a:ea typeface="맑은 고딕" charset="0"/>
+              </a:rPr>
+              <a:t>Input</a:t>
+            </a:r>
+            <a:r>
+              <a:rPr lang="ko-KR" sz="1800">
+                <a:latin typeface="맑은 고딕" charset="0"/>
+                <a:ea typeface="맑은 고딕" charset="0"/>
+              </a:rPr>
+              <a:t> 오브젝트를</a:t>
+            </a:r>
+            <a:r>
+              <a:rPr lang="ko-KR" sz="1800">
+                <a:latin typeface="맑은 고딕" charset="0"/>
+                <a:ea typeface="맑은 고딕" charset="0"/>
+              </a:rPr>
+              <a:t> 넣어줍니다.</a:t>
+            </a:r>
+            <a:endParaRPr lang="ko-KR" altLang="en-US" sz="1800">
+              <a:latin typeface="맑은 고딕" charset="0"/>
+              <a:ea typeface="맑은 고딕" charset="0"/>
+            </a:endParaRPr>
+          </a:p>
+        </p:txBody>
+      </p:sp>
       <p:pic>
         <p:nvPicPr>
-          <p:cNvPr id="71" name="그림 81" descr="C:/Users/Admin1/AppData/Roaming/PolarisOffice/ETemp/12940_6238040/fImage120493802391.png"/>
+          <p:cNvPr id="73" name="그림 60" descr="C:/Users/Admin1/AppData/Roaming/PolarisOffice/ETemp/20844_15003384/fImage121763918145.png"/>
           <p:cNvPicPr>
             <a:picLocks noChangeAspect="1"/>
           </p:cNvPicPr>
           <p:nvPr/>
         </p:nvPicPr>
         <p:blipFill rotWithShape="1">
-          <a:blip r:embed="rId4" cstate="hqprint">
+          <a:blip r:embed="rId16" cstate="print">
             <a:extLst>
               <a:ext uri="{28A0092B-C50C-407E-A947-70E740481C1C}">
-                <a14:useLocalDpi xmlns:a14="http://schemas.microsoft.com/office/drawing/2010/main"/>
+                <a14:useLocalDpi xmlns:a14="http://schemas.microsoft.com/office/drawing/2010/main" val="0"/>
               </a:ext>
             </a:extLst>
           </a:blip>
@@ -14281,8 +14020,8 @@
         </p:blipFill>
         <p:spPr>
           <a:xfrm rot="0">
-            <a:off x="1233170" y="3945255"/>
-            <a:ext cx="4126230" cy="1223645"/>
+            <a:off x="1228090" y="3875405"/>
+            <a:ext cx="4147820" cy="1370330"/>
           </a:xfrm>
           <a:prstGeom prst="roundRect"/>
           <a:solidFill>
@@ -14290,166 +14029,19 @@
           </a:solidFill>
         </p:spPr>
       </p:pic>
-      <p:sp>
-        <p:nvSpPr>
-          <p:cNvPr id="72" name="텍스트 상자 84"/>
-          <p:cNvSpPr txBox="1">
-            <a:spLocks/>
-          </p:cNvSpPr>
-          <p:nvPr/>
-        </p:nvSpPr>
-        <p:spPr>
-          <a:xfrm rot="0">
-            <a:off x="1229360" y="5235575"/>
-            <a:ext cx="4130040" cy="954405"/>
-          </a:xfrm>
-          <a:prstGeom prst="rect"/>
-          <a:noFill/>
-          <a:ln w="0">
-            <a:noFill/>
-            <a:prstDash/>
-          </a:ln>
-        </p:spPr>
-        <p:txBody>
-          <a:bodyPr wrap="square" lIns="89535" tIns="46355" rIns="89535" bIns="46355" numCol="1" vert="horz" anchor="t">
-            <a:spAutoFit/>
-          </a:bodyPr>
-          <a:lstStyle/>
-          <a:p>
-            <a:pPr marL="0" indent="0" rtl="0" algn="l" defTabSz="914400" eaLnBrk="1" latinLnBrk="0" hangingPunct="1">
-              <a:buFontTx/>
-              <a:buNone/>
-            </a:pPr>
-            <a:r>
-              <a:rPr lang="ko-KR" sz="2000" b="1">
-                <a:solidFill>
-                  <a:srgbClr val="0611F2"/>
-                </a:solidFill>
-                <a:latin typeface="맑은 고딕" charset="0"/>
-                <a:ea typeface="맑은 고딕" charset="0"/>
-              </a:rPr>
-              <a:t>4</a:t>
-            </a:r>
-            <a:r>
-              <a:rPr lang="ko-KR" sz="2000" b="1">
-                <a:solidFill>
-                  <a:srgbClr val="0611F2"/>
-                </a:solidFill>
-                <a:latin typeface="맑은 고딕" charset="0"/>
-                <a:ea typeface="맑은 고딕" charset="0"/>
-              </a:rPr>
-              <a:t>1</a:t>
-            </a:r>
-            <a:r>
-              <a:rPr lang="ko-KR" sz="2000" b="1">
-                <a:solidFill>
-                  <a:srgbClr val="0611F2"/>
-                </a:solidFill>
-                <a:latin typeface="맑은 고딕" charset="0"/>
-                <a:ea typeface="맑은 고딕" charset="0"/>
-              </a:rPr>
-              <a:t>.</a:t>
-            </a:r>
-            <a:r>
-              <a:rPr lang="ko-KR" sz="2000">
-                <a:solidFill>
-                  <a:srgbClr val="0611F2"/>
-                </a:solidFill>
-                <a:latin typeface="맑은 고딕" charset="0"/>
-                <a:ea typeface="맑은 고딕" charset="0"/>
-              </a:rPr>
-              <a:t> </a:t>
-            </a:r>
-            <a:r>
-              <a:rPr lang="ko-KR" sz="1800">
-                <a:latin typeface="맑은 고딕" charset="0"/>
-                <a:ea typeface="맑은 고딕" charset="0"/>
-              </a:rPr>
-              <a:t>그러고 나서 Password Input </a:t>
-            </a:r>
-            <a:r>
-              <a:rPr lang="ko-KR" sz="1800">
-                <a:latin typeface="맑은 고딕" charset="0"/>
-                <a:ea typeface="맑은 고딕" charset="0"/>
-              </a:rPr>
-              <a:t>오브젝트의</a:t>
-            </a:r>
-            <a:r>
-              <a:rPr lang="ko-KR" sz="1800">
-                <a:latin typeface="맑은 고딕" charset="0"/>
-                <a:ea typeface="맑은 고딕" charset="0"/>
-              </a:rPr>
-              <a:t> </a:t>
-            </a:r>
-            <a:r>
-              <a:rPr lang="ko-KR" sz="1800">
-                <a:latin typeface="맑은 고딕" charset="0"/>
-                <a:ea typeface="맑은 고딕" charset="0"/>
-              </a:rPr>
-              <a:t>앵커를</a:t>
-            </a:r>
-            <a:r>
-              <a:rPr lang="ko-KR" sz="1800">
-                <a:latin typeface="맑은 고딕" charset="0"/>
-                <a:ea typeface="맑은 고딕" charset="0"/>
-              </a:rPr>
-              <a:t> </a:t>
-            </a:r>
-            <a:r>
-              <a:rPr lang="ko-KR" sz="1800">
-                <a:latin typeface="맑은 고딕" charset="0"/>
-                <a:ea typeface="맑은 고딕" charset="0"/>
-              </a:rPr>
-              <a:t>지정하고</a:t>
-            </a:r>
-            <a:r>
-              <a:rPr lang="ko-KR" sz="1800">
-                <a:latin typeface="맑은 고딕" charset="0"/>
-                <a:ea typeface="맑은 고딕" charset="0"/>
-              </a:rPr>
-              <a:t> 위치와 </a:t>
-            </a:r>
-            <a:r>
-              <a:rPr lang="ko-KR" sz="1800">
-                <a:latin typeface="맑은 고딕" charset="0"/>
-                <a:ea typeface="맑은 고딕" charset="0"/>
-              </a:rPr>
-              <a:t>크기를</a:t>
-            </a:r>
-            <a:r>
-              <a:rPr lang="ko-KR" sz="1800">
-                <a:latin typeface="맑은 고딕" charset="0"/>
-                <a:ea typeface="맑은 고딕" charset="0"/>
-              </a:rPr>
-              <a:t> </a:t>
-            </a:r>
-            <a:r>
-              <a:rPr lang="ko-KR" sz="1800">
-                <a:latin typeface="맑은 고딕" charset="0"/>
-                <a:ea typeface="맑은 고딕" charset="0"/>
-              </a:rPr>
-              <a:t>설정합니다.</a:t>
-            </a:r>
-            <a:endParaRPr lang="ko-KR" altLang="en-US" sz="1800">
-              <a:latin typeface="맑은 고딕" charset="0"/>
-              <a:ea typeface="맑은 고딕" charset="0"/>
-            </a:endParaRPr>
-          </a:p>
-        </p:txBody>
-      </p:sp>
       <p:pic>
         <p:nvPicPr>
-          <p:cNvPr id="73" name="그림 85" descr="C:/Users/Admin1/AppData/Roaming/PolarisOffice/ETemp/12940_6238040/fImage30173824604.png"/>
+          <p:cNvPr id="75" name="그림 64" descr="C:/Users/Admin1/AppData/Roaming/PolarisOffice/ETemp/20844_15003384/fImage120743933281.png"/>
           <p:cNvPicPr>
             <a:picLocks noChangeAspect="1"/>
           </p:cNvPicPr>
           <p:nvPr/>
         </p:nvPicPr>
         <p:blipFill rotWithShape="1">
-          <a:blip r:embed="rId5" cstate="hqprint">
+          <a:blip r:embed="rId17" cstate="print">
             <a:extLst>
               <a:ext uri="{28A0092B-C50C-407E-A947-70E740481C1C}">
-                <a14:useLocalDpi xmlns:a14="http://schemas.microsoft.com/office/drawing/2010/main"/>
+                <a14:useLocalDpi xmlns:a14="http://schemas.microsoft.com/office/drawing/2010/main" val="0"/>
               </a:ext>
             </a:extLst>
           </a:blip>
@@ -14459,8 +14051,8 @@
         </p:blipFill>
         <p:spPr>
           <a:xfrm rot="0">
-            <a:off x="8140065" y="1455420"/>
-            <a:ext cx="2818130" cy="1138555"/>
+            <a:off x="8217535" y="1438275"/>
+            <a:ext cx="2748280" cy="1232535"/>
           </a:xfrm>
           <a:prstGeom prst="roundRect"/>
           <a:solidFill>
@@ -14470,17 +14062,17 @@
       </p:pic>
       <p:pic>
         <p:nvPicPr>
-          <p:cNvPr id="74" name="그림 86" descr="C:/Users/Admin1/AppData/Roaming/PolarisOffice/ETemp/12940_6238040/fImage81243833902.png"/>
+          <p:cNvPr id="76" name="그림 67" descr="C:/Users/Admin1/AppData/Roaming/PolarisOffice/ETemp/20844_15003384/fImage87493946827.png"/>
           <p:cNvPicPr>
             <a:picLocks noChangeAspect="1"/>
           </p:cNvPicPr>
           <p:nvPr/>
         </p:nvPicPr>
         <p:blipFill rotWithShape="1">
-          <a:blip r:embed="rId6" cstate="hqprint">
+          <a:blip r:embed="rId18" cstate="print">
             <a:extLst>
               <a:ext uri="{28A0092B-C50C-407E-A947-70E740481C1C}">
-                <a14:useLocalDpi xmlns:a14="http://schemas.microsoft.com/office/drawing/2010/main"/>
+                <a14:useLocalDpi xmlns:a14="http://schemas.microsoft.com/office/drawing/2010/main" val="0"/>
               </a:ext>
             </a:extLst>
           </a:blip>
@@ -14490,8 +14082,8 @@
         </p:blipFill>
         <p:spPr>
           <a:xfrm rot="0">
-            <a:off x="6813550" y="1455420"/>
-            <a:ext cx="1216025" cy="1146810"/>
+            <a:off x="6830695" y="1447165"/>
+            <a:ext cx="1283970" cy="1223645"/>
           </a:xfrm>
           <a:prstGeom prst="roundRect"/>
           <a:solidFill>
@@ -14499,9 +14091,42 @@
           </a:solidFill>
         </p:spPr>
       </p:pic>
-      <p:sp>
-        <p:nvSpPr>
-          <p:cNvPr id="75" name="텍스트 상자 90"/>
+      <p:cxnSp>
+        <p:nvCxnSpPr>
+          <p:cNvPr id="77" name="도형 70"/>
+          <p:cNvCxnSpPr/>
+          <p:nvPr/>
+        </p:nvCxnSpPr>
+        <p:spPr>
+          <a:xfrm rot="0" flipV="1">
+            <a:off x="8070850" y="2265045"/>
+            <a:ext cx="2809240" cy="130175"/>
+          </a:xfrm>
+          <a:prstGeom prst="straightConnector1"/>
+          <a:ln w="6350" cap="flat" cmpd="sng">
+            <a:prstDash/>
+            <a:headEnd type="none" w="med" len="med"/>
+            <a:tailEnd type="triangle" w="med" len="med"/>
+          </a:ln>
+        </p:spPr>
+        <p:style>
+          <a:lnRef idx="1">
+            <a:schemeClr val="accent1"/>
+          </a:lnRef>
+          <a:fillRef idx="0">
+            <a:schemeClr val="accent1"/>
+          </a:fillRef>
+          <a:effectRef idx="0">
+            <a:schemeClr val="accent1"/>
+          </a:effectRef>
+          <a:fontRef idx="minor">
+            <a:schemeClr val="tx1"/>
+          </a:fontRef>
+        </p:style>
+      </p:cxnSp>
+      <p:sp>
+        <p:nvSpPr>
+          <p:cNvPr id="78" name="텍스트 상자 71"/>
           <p:cNvSpPr txBox="1">
             <a:spLocks/>
           </p:cNvSpPr>
@@ -14509,8 +14134,8 @@
         </p:nvSpPr>
         <p:spPr>
           <a:xfrm rot="0">
-            <a:off x="6813550" y="2731770"/>
-            <a:ext cx="4144010" cy="677545"/>
+            <a:off x="6837045" y="2806065"/>
+            <a:ext cx="4128770" cy="954405"/>
           </a:xfrm>
           <a:prstGeom prst="rect"/>
           <a:noFill/>
@@ -14537,7 +14162,27 @@
                 <a:latin typeface="맑은 고딕" charset="0"/>
                 <a:ea typeface="맑은 고딕" charset="0"/>
               </a:rPr>
-              <a:t>42.</a:t>
+              <a:t>4</a:t>
+            </a:r>
+            <a:r>
+              <a:rPr lang="ko-KR" sz="2000" b="1">
+                <a:solidFill>
+                  <a:srgbClr val="0611F2"/>
+                </a:solidFill>
+                <a:latin typeface="맑은 고딕" charset="0"/>
+                <a:ea typeface="맑은 고딕" charset="0"/>
+              </a:rPr>
+              <a:t>1</a:t>
+            </a:r>
+            <a:r>
+              <a:rPr lang="ko-KR" sz="2000" b="1">
+                <a:solidFill>
+                  <a:srgbClr val="0611F2"/>
+                </a:solidFill>
+                <a:latin typeface="맑은 고딕" charset="0"/>
+                <a:ea typeface="맑은 고딕" charset="0"/>
+              </a:rPr>
+              <a:t>.</a:t>
             </a:r>
             <a:r>
               <a:rPr lang="ko-KR" sz="2000">
@@ -14554,14 +14199,14 @@
                 <a:latin typeface="맑은 고딕" charset="0"/>
                 <a:ea typeface="맑은 고딕" charset="0"/>
               </a:rPr>
-              <a:t>이제 Sign Up Button </a:t>
-            </a:r>
-            <a:r>
-              <a:rPr lang="ko-KR" sz="1800">
-                <a:latin typeface="맑은 고딕" charset="0"/>
-                <a:ea typeface="맑은 고딕" charset="0"/>
-              </a:rPr>
-              <a:t>오브젝트의</a:t>
+              <a:t>그러고 나서 Photon Setting </a:t>
+            </a:r>
+            <a:r>
+              <a:rPr lang="ko-KR" sz="1800">
+                <a:latin typeface="맑은 고딕" charset="0"/>
+                <a:ea typeface="맑은 고딕" charset="0"/>
+              </a:rPr>
+              <a:t>스크립트에</a:t>
             </a:r>
             <a:r>
               <a:rPr lang="ko-KR" sz="1800">
@@ -14575,21 +14220,77 @@
                 <a:latin typeface="맑은 고딕" charset="0"/>
                 <a:ea typeface="맑은 고딕" charset="0"/>
               </a:rPr>
-              <a:t>OnClick(</a:t>
-            </a:r>
-            <a:r>
-              <a:rPr lang="ko-KR" sz="1800">
-                <a:latin typeface="맑은 고딕" charset="0"/>
-                <a:ea typeface="맑은 고딕" charset="0"/>
-              </a:rPr>
-              <a:t> ) 함수를 </a:t>
-            </a:r>
-            <a:r>
-              <a:rPr lang="ko-KR" sz="1800">
-                <a:latin typeface="맑은 고딕" charset="0"/>
-                <a:ea typeface="맑은 고딕" charset="0"/>
-              </a:rPr>
-              <a:t>추가합니다.</a:t>
+              <a:t>있는</a:t>
+            </a:r>
+            <a:r>
+              <a:rPr lang="ko-KR" sz="1800">
+                <a:latin typeface="맑은 고딕" charset="0"/>
+                <a:ea typeface="맑은 고딕" charset="0"/>
+              </a:rPr>
+              <a:t> </a:t>
+            </a:r>
+            <a:r>
+              <a:rPr lang="ko-KR" sz="1800">
+                <a:latin typeface="맑은 고딕" charset="0"/>
+                <a:ea typeface="맑은 고딕" charset="0"/>
+              </a:rPr>
+              <a:t>User ID</a:t>
+            </a:r>
+            <a:r>
+              <a:rPr lang="ko-KR" sz="1800">
+                <a:latin typeface="맑은 고딕" charset="0"/>
+                <a:ea typeface="맑은 고딕" charset="0"/>
+              </a:rPr>
+              <a:t> 변수에 </a:t>
+            </a:r>
+            <a:r>
+              <a:rPr lang="ko-KR" sz="1800">
+                <a:latin typeface="맑은 고딕" charset="0"/>
+                <a:ea typeface="맑은 고딕" charset="0"/>
+              </a:rPr>
+              <a:t>User</a:t>
+            </a:r>
+            <a:r>
+              <a:rPr lang="ko-KR" sz="1800">
+                <a:latin typeface="맑은 고딕" charset="0"/>
+                <a:ea typeface="맑은 고딕" charset="0"/>
+              </a:rPr>
+              <a:t> </a:t>
+            </a:r>
+            <a:r>
+              <a:rPr lang="ko-KR" sz="1800">
+                <a:latin typeface="맑은 고딕" charset="0"/>
+                <a:ea typeface="맑은 고딕" charset="0"/>
+              </a:rPr>
+              <a:t>Name</a:t>
+            </a:r>
+            <a:r>
+              <a:rPr lang="ko-KR" sz="1800">
+                <a:latin typeface="맑은 고딕" charset="0"/>
+                <a:ea typeface="맑은 고딕" charset="0"/>
+              </a:rPr>
+              <a:t> </a:t>
+            </a:r>
+            <a:r>
+              <a:rPr lang="ko-KR" sz="1800">
+                <a:latin typeface="맑은 고딕" charset="0"/>
+                <a:ea typeface="맑은 고딕" charset="0"/>
+              </a:rPr>
+              <a:t>Input 오브젝트를</a:t>
+            </a:r>
+            <a:r>
+              <a:rPr lang="ko-KR" sz="1800">
+                <a:latin typeface="맑은 고딕" charset="0"/>
+                <a:ea typeface="맑은 고딕" charset="0"/>
+              </a:rPr>
+              <a:t> </a:t>
+            </a:r>
+            <a:r>
+              <a:rPr lang="ko-KR" sz="1800">
+                <a:latin typeface="맑은 고딕" charset="0"/>
+                <a:ea typeface="맑은 고딕" charset="0"/>
+              </a:rPr>
+              <a:t>넣어줍니다.</a:t>
             </a:r>
             <a:endParaRPr lang="ko-KR" altLang="en-US" sz="1800">
               <a:latin typeface="맑은 고딕" charset="0"/>
@@ -14600,17 +14301,17 @@
       </p:sp>
       <p:pic>
         <p:nvPicPr>
-          <p:cNvPr id="76" name="그림 91" descr="C:/Users/Admin1/AppData/Roaming/PolarisOffice/ETemp/12940_6238040/fImage12689385153.png"/>
+          <p:cNvPr id="79" name="그림 89" descr="C:/Users/Admin1/AppData/Roaming/PolarisOffice/ETemp/20844_15003384/fImage87784069961.png"/>
           <p:cNvPicPr>
             <a:picLocks noChangeAspect="1"/>
           </p:cNvPicPr>
           <p:nvPr/>
         </p:nvPicPr>
         <p:blipFill rotWithShape="1">
-          <a:blip r:embed="rId7" cstate="hqprint">
+          <a:blip r:embed="rId19" cstate="print">
             <a:extLst>
               <a:ext uri="{28A0092B-C50C-407E-A947-70E740481C1C}">
-                <a14:useLocalDpi xmlns:a14="http://schemas.microsoft.com/office/drawing/2010/main"/>
+                <a14:useLocalDpi xmlns:a14="http://schemas.microsoft.com/office/drawing/2010/main" val="0"/>
               </a:ext>
             </a:extLst>
           </a:blip>
@@ -14620,8 +14321,8 @@
         </p:blipFill>
         <p:spPr>
           <a:xfrm rot="0">
-            <a:off x="6822440" y="3566160"/>
-            <a:ext cx="4144010" cy="1594485"/>
+            <a:off x="6839585" y="3953510"/>
+            <a:ext cx="1266825" cy="1214755"/>
           </a:xfrm>
           <a:prstGeom prst="roundRect"/>
           <a:solidFill>
@@ -14629,6 +14330,218 @@
           </a:solidFill>
         </p:spPr>
       </p:pic>
+      <p:pic>
+        <p:nvPicPr>
+          <p:cNvPr id="80" name="그림 90" descr="C:/Users/Admin1/AppData/Roaming/PolarisOffice/ETemp/20844_15003384/fImage12563407491.png"/>
+          <p:cNvPicPr>
+            <a:picLocks noChangeAspect="1"/>
+          </p:cNvPicPr>
+          <p:nvPr/>
+        </p:nvPicPr>
+        <p:blipFill rotWithShape="1">
+          <a:blip r:embed="rId20" cstate="print">
+            <a:extLst>
+              <a:ext uri="{28A0092B-C50C-407E-A947-70E740481C1C}">
+                <a14:useLocalDpi xmlns:a14="http://schemas.microsoft.com/office/drawing/2010/main" val="0"/>
+              </a:ext>
+            </a:extLst>
+          </a:blip>
+          <a:stretch>
+            <a:fillRect/>
+          </a:stretch>
+        </p:blipFill>
+        <p:spPr>
+          <a:xfrm rot="0">
+            <a:off x="8217535" y="3953510"/>
+            <a:ext cx="2748280" cy="1198245"/>
+          </a:xfrm>
+          <a:prstGeom prst="roundRect"/>
+          <a:solidFill>
+            <a:srgbClr val="EDEDED"/>
+          </a:solidFill>
+        </p:spPr>
+      </p:pic>
+      <p:sp>
+        <p:nvSpPr>
+          <p:cNvPr id="81" name="텍스트 상자 96"/>
+          <p:cNvSpPr txBox="1">
+            <a:spLocks/>
+          </p:cNvSpPr>
+          <p:nvPr/>
+        </p:nvSpPr>
+        <p:spPr>
+          <a:xfrm rot="0">
+            <a:off x="6847840" y="5315585"/>
+            <a:ext cx="4117975" cy="954405"/>
+          </a:xfrm>
+          <a:prstGeom prst="rect"/>
+          <a:noFill/>
+          <a:ln w="0">
+            <a:noFill/>
+            <a:prstDash/>
+          </a:ln>
+        </p:spPr>
+        <p:txBody>
+          <a:bodyPr wrap="square" lIns="89535" tIns="46355" rIns="89535" bIns="46355" numCol="1" vert="horz" anchor="t">
+            <a:spAutoFit/>
+          </a:bodyPr>
+          <a:lstStyle/>
+          <a:p>
+            <a:pPr marL="0" indent="0" rtl="0" algn="l" defTabSz="914400" eaLnBrk="1" latinLnBrk="0" hangingPunct="1">
+              <a:buFontTx/>
+              <a:buNone/>
+            </a:pPr>
+            <a:r>
+              <a:rPr lang="ko-KR" sz="2000" b="1">
+                <a:solidFill>
+                  <a:srgbClr val="0611F2"/>
+                </a:solidFill>
+                <a:latin typeface="맑은 고딕" charset="0"/>
+                <a:ea typeface="맑은 고딕" charset="0"/>
+              </a:rPr>
+              <a:t>42.</a:t>
+            </a:r>
+            <a:r>
+              <a:rPr lang="ko-KR" sz="2000">
+                <a:solidFill>
+                  <a:srgbClr val="0611F2"/>
+                </a:solidFill>
+                <a:latin typeface="맑은 고딕" charset="0"/>
+                <a:ea typeface="맑은 고딕" charset="0"/>
+              </a:rPr>
+              <a:t> </a:t>
+            </a:r>
+            <a:r>
+              <a:rPr lang="ko-KR" sz="1800">
+                <a:latin typeface="맑은 고딕" charset="0"/>
+                <a:ea typeface="맑은 고딕" charset="0"/>
+              </a:rPr>
+              <a:t>이제 Photon Setting </a:t>
+            </a:r>
+            <a:r>
+              <a:rPr lang="ko-KR" sz="1800">
+                <a:latin typeface="맑은 고딕" charset="0"/>
+                <a:ea typeface="맑은 고딕" charset="0"/>
+              </a:rPr>
+              <a:t>스크립트에</a:t>
+            </a:r>
+            <a:r>
+              <a:rPr lang="ko-KR" sz="1800">
+                <a:latin typeface="맑은 고딕" charset="0"/>
+                <a:ea typeface="맑은 고딕" charset="0"/>
+              </a:rPr>
+              <a:t> </a:t>
+            </a:r>
+            <a:r>
+              <a:rPr lang="ko-KR" sz="1800">
+                <a:latin typeface="맑은 고딕" charset="0"/>
+                <a:ea typeface="맑은 고딕" charset="0"/>
+              </a:rPr>
+              <a:t>있는</a:t>
+            </a:r>
+            <a:r>
+              <a:rPr lang="ko-KR" sz="1800">
+                <a:latin typeface="맑은 고딕" charset="0"/>
+                <a:ea typeface="맑은 고딕" charset="0"/>
+              </a:rPr>
+              <a:t> </a:t>
+            </a:r>
+            <a:r>
+              <a:rPr lang="ko-KR" sz="1800">
+                <a:latin typeface="맑은 고딕" charset="0"/>
+                <a:ea typeface="맑은 고딕" charset="0"/>
+              </a:rPr>
+              <a:t>Password</a:t>
+            </a:r>
+            <a:r>
+              <a:rPr lang="ko-KR" sz="1800">
+                <a:latin typeface="맑은 고딕" charset="0"/>
+                <a:ea typeface="맑은 고딕" charset="0"/>
+              </a:rPr>
+              <a:t> 변수에 </a:t>
+            </a:r>
+            <a:r>
+              <a:rPr lang="ko-KR" sz="1800">
+                <a:latin typeface="맑은 고딕" charset="0"/>
+                <a:ea typeface="맑은 고딕" charset="0"/>
+              </a:rPr>
+              <a:t>Password</a:t>
+            </a:r>
+            <a:r>
+              <a:rPr lang="ko-KR" sz="1800">
+                <a:latin typeface="맑은 고딕" charset="0"/>
+                <a:ea typeface="맑은 고딕" charset="0"/>
+              </a:rPr>
+              <a:t> </a:t>
+            </a:r>
+            <a:r>
+              <a:rPr lang="ko-KR" sz="1800">
+                <a:latin typeface="맑은 고딕" charset="0"/>
+                <a:ea typeface="맑은 고딕" charset="0"/>
+              </a:rPr>
+              <a:t>Input </a:t>
+            </a:r>
+            <a:r>
+              <a:rPr lang="ko-KR" sz="1800">
+                <a:latin typeface="맑은 고딕" charset="0"/>
+                <a:ea typeface="맑은 고딕" charset="0"/>
+              </a:rPr>
+              <a:t>오브젝트를</a:t>
+            </a:r>
+            <a:r>
+              <a:rPr lang="ko-KR" sz="1800">
+                <a:latin typeface="맑은 고딕" charset="0"/>
+                <a:ea typeface="맑은 고딕" charset="0"/>
+              </a:rPr>
+              <a:t> </a:t>
+            </a:r>
+            <a:r>
+              <a:rPr lang="ko-KR" sz="1800">
+                <a:latin typeface="맑은 고딕" charset="0"/>
+                <a:ea typeface="맑은 고딕" charset="0"/>
+              </a:rPr>
+              <a:t>넣어줍니다.</a:t>
+            </a:r>
+            <a:endParaRPr lang="ko-KR" altLang="en-US" sz="1800">
+              <a:latin typeface="맑은 고딕" charset="0"/>
+              <a:ea typeface="맑은 고딕" charset="0"/>
+            </a:endParaRPr>
+          </a:p>
+        </p:txBody>
+      </p:sp>
+      <p:cxnSp>
+        <p:nvCxnSpPr>
+          <p:cNvPr id="82" name="도형 97"/>
+          <p:cNvCxnSpPr/>
+          <p:nvPr/>
+        </p:nvCxnSpPr>
+        <p:spPr>
+          <a:xfrm rot="0">
+            <a:off x="8036560" y="4737735"/>
+            <a:ext cx="2851785" cy="215265"/>
+          </a:xfrm>
+          <a:prstGeom prst="straightConnector1"/>
+          <a:ln w="6350" cap="flat" cmpd="sng">
+            <a:prstDash/>
+            <a:headEnd type="none" w="med" len="med"/>
+            <a:tailEnd type="triangle" w="med" len="med"/>
+          </a:ln>
+        </p:spPr>
+        <p:style>
+          <a:lnRef idx="1">
+            <a:schemeClr val="accent1"/>
+          </a:lnRef>
+          <a:fillRef idx="0">
+            <a:schemeClr val="accent1"/>
+          </a:fillRef>
+          <a:effectRef idx="0">
+            <a:schemeClr val="accent1"/>
+          </a:effectRef>
+          <a:fontRef idx="minor">
+            <a:schemeClr val="tx1"/>
+          </a:fontRef>
+        </p:style>
+      </p:cxnSp>
     </p:spTree>
   </p:cSld>
   <p:clrMapOvr>
@@ -14717,7 +14630,7 @@
         <p:spPr>
           <a:xfrm>
             <a:off x="4334510" y="398780"/>
-            <a:ext cx="3522345" cy="554990"/>
+            <a:ext cx="3522980" cy="554990"/>
           </a:xfrm>
           <a:prstGeom prst="rect"/>
           <a:noFill/>
@@ -14766,7 +14679,7 @@
       </p:sp>
       <p:sp>
         <p:nvSpPr>
-          <p:cNvPr id="67" name="Rect 0"/>
+          <p:cNvPr id="60" name="Rect 0"/>
           <p:cNvSpPr txBox="1">
             <a:spLocks/>
           </p:cNvSpPr>
@@ -14774,8 +14687,8 @@
         </p:nvSpPr>
         <p:spPr>
           <a:xfrm rot="0">
-            <a:off x="6816725" y="4405630"/>
-            <a:ext cx="4131945" cy="1784985"/>
+            <a:off x="1231900" y="2800985"/>
+            <a:ext cx="4144010" cy="677545"/>
           </a:xfrm>
           <a:prstGeom prst="rect"/>
           <a:noFill/>
@@ -14795,7 +14708,7 @@
               <a:buNone/>
             </a:pPr>
             <a:r>
-              <a:rPr sz="2000" b="1">
+              <a:rPr lang="ko-KR" sz="2000" b="1">
                 <a:solidFill>
                   <a:srgbClr val="0611F2"/>
                 </a:solidFill>
@@ -14805,17 +14718,17 @@
               <a:t>4</a:t>
             </a:r>
             <a:r>
-              <a:rPr sz="2000" b="1">
+              <a:rPr lang="ko-KR" sz="2000" b="1">
                 <a:solidFill>
                   <a:srgbClr val="0611F2"/>
                 </a:solidFill>
                 <a:latin typeface="맑은 고딕" charset="0"/>
                 <a:ea typeface="맑은 고딕" charset="0"/>
               </a:rPr>
-              <a:t>6</a:t>
-            </a:r>
-            <a:r>
-              <a:rPr sz="2000" b="1">
+              <a:t>3</a:t>
+            </a:r>
+            <a:r>
+              <a:rPr lang="ko-KR" sz="2000" b="1">
                 <a:solidFill>
                   <a:srgbClr val="0611F2"/>
                 </a:solidFill>
@@ -14825,7 +14738,7 @@
               <a:t>.</a:t>
             </a:r>
             <a:r>
-              <a:rPr sz="2000">
+              <a:rPr lang="ko-KR" sz="2000">
                 <a:solidFill>
                   <a:srgbClr val="0611F2"/>
                 </a:solidFill>
@@ -14835,32 +14748,18 @@
               <a:t> </a:t>
             </a:r>
             <a:r>
-              <a:rPr sz="1800">
-                <a:latin typeface="맑은 고딕" charset="0"/>
-                <a:ea typeface="맑은 고딕" charset="0"/>
-              </a:rPr>
-              <a:t>그러고 나서 Texture 폴더 아래에 </a:t>
-            </a:r>
-            <a:r>
-              <a:rPr sz="1800">
-                <a:latin typeface="맑은 고딕" charset="0"/>
-                <a:ea typeface="맑은 고딕" charset="0"/>
-              </a:rPr>
-              <a:t>있는</a:t>
-            </a:r>
-            <a:r>
-              <a:rPr sz="1800">
-                <a:latin typeface="맑은 고딕" charset="0"/>
-                <a:ea typeface="맑은 고딕" charset="0"/>
-              </a:rPr>
-              <a:t> Login Texture 폴더에 Sign In </a:t>
-            </a:r>
-            <a:r>
-              <a:rPr sz="1800">
-                <a:latin typeface="맑은 고딕" charset="0"/>
-                <a:ea typeface="맑은 고딕" charset="0"/>
-              </a:rPr>
-              <a:t>Button</a:t>
+              <a:rPr lang="ko-KR" sz="1800">
+                <a:latin typeface="맑은 고딕" charset="0"/>
+                <a:ea typeface="맑은 고딕" charset="0"/>
+              </a:rPr>
+              <a:t>그리고 Sign In Button </a:t>
+            </a:r>
+            <a:r>
+              <a:rPr lang="ko-KR" sz="1800">
+                <a:latin typeface="맑은 고딕" charset="0"/>
+                <a:ea typeface="맑은 고딕" charset="0"/>
+              </a:rPr>
+              <a:t>오브젝트의</a:t>
             </a:r>
             <a:r>
               <a:rPr lang="ko-KR" sz="1800">
@@ -14870,100 +14769,45 @@
               <a:t> </a:t>
             </a:r>
             <a:r>
-              <a:rPr sz="1800">
-                <a:latin typeface="맑은 고딕" charset="0"/>
-                <a:ea typeface="맑은 고딕" charset="0"/>
-              </a:rPr>
-              <a:t>텍스처를 선택합니다.</a:t>
+              <a:rPr lang="ko-KR" sz="1800">
+                <a:latin typeface="맑은 고딕" charset="0"/>
+                <a:ea typeface="맑은 고딕" charset="0"/>
+              </a:rPr>
+              <a:t>OnClick(</a:t>
+            </a:r>
+            <a:r>
+              <a:rPr lang="ko-KR" sz="1800">
+                <a:latin typeface="맑은 고딕" charset="0"/>
+                <a:ea typeface="맑은 고딕" charset="0"/>
+              </a:rPr>
+              <a:t> ) 함수를 </a:t>
+            </a:r>
+            <a:r>
+              <a:rPr lang="ko-KR" sz="1800">
+                <a:latin typeface="맑은 고딕" charset="0"/>
+                <a:ea typeface="맑은 고딕" charset="0"/>
+              </a:rPr>
+              <a:t>추가합니다.</a:t>
             </a:r>
             <a:endParaRPr lang="ko-KR" altLang="en-US" sz="1800">
               <a:latin typeface="맑은 고딕" charset="0"/>
               <a:ea typeface="맑은 고딕" charset="0"/>
             </a:endParaRPr>
           </a:p>
-          <a:p>
-            <a:pPr marL="0" indent="0" rtl="0" algn="l" defTabSz="914400" eaLnBrk="1" latinLnBrk="0" hangingPunct="1">
-              <a:buFontTx/>
-              <a:buNone/>
-            </a:pPr>
-            <a:endParaRPr lang="ko-KR" altLang="en-US" sz="1800">
-              <a:latin typeface="맑은 고딕" charset="0"/>
-              <a:ea typeface="맑은 고딕" charset="0"/>
-            </a:endParaRPr>
-          </a:p>
-          <a:p>
-            <a:pPr marL="0" indent="0" rtl="0" algn="l" defTabSz="914400" eaLnBrk="1" latinLnBrk="0" hangingPunct="1">
-              <a:buFontTx/>
-              <a:buNone/>
-            </a:pPr>
-            <a:r>
-              <a:rPr sz="1800">
-                <a:latin typeface="맑은 고딕" charset="0"/>
-                <a:ea typeface="맑은 고딕" charset="0"/>
-              </a:rPr>
-              <a:t>마지막으</a:t>
-            </a:r>
-            <a:r>
-              <a:rPr lang="ko-KR" sz="1800">
-                <a:latin typeface="맑은 고딕" charset="0"/>
-                <a:ea typeface="맑은 고딕" charset="0"/>
-              </a:rPr>
-              <a:t>로</a:t>
-            </a:r>
-            <a:r>
-              <a:rPr sz="1800">
-                <a:latin typeface="맑은 고딕" charset="0"/>
-                <a:ea typeface="맑은 고딕" charset="0"/>
-              </a:rPr>
-              <a:t> Sign In Button 오브젝트의 </a:t>
-            </a:r>
-            <a:r>
-              <a:rPr sz="1800">
-                <a:latin typeface="맑은 고딕" charset="0"/>
-                <a:ea typeface="맑은 고딕" charset="0"/>
-              </a:rPr>
-              <a:t>이미지</a:t>
-            </a:r>
-            <a:r>
-              <a:rPr sz="1800">
-                <a:latin typeface="맑은 고딕" charset="0"/>
-                <a:ea typeface="맑은 고딕" charset="0"/>
-              </a:rPr>
-              <a:t> </a:t>
-            </a:r>
-            <a:r>
-              <a:rPr sz="1800">
-                <a:latin typeface="맑은 고딕" charset="0"/>
-                <a:ea typeface="맑은 고딕" charset="0"/>
-              </a:rPr>
-              <a:t>컴포넌트에</a:t>
-            </a:r>
-            <a:r>
-              <a:rPr sz="1800">
-                <a:latin typeface="맑은 고딕" charset="0"/>
-                <a:ea typeface="맑은 고딕" charset="0"/>
-              </a:rPr>
-              <a:t> 넣어줍니다.</a:t>
-            </a:r>
-            <a:endParaRPr lang="ko-KR" altLang="en-US" sz="1800">
-              <a:latin typeface="맑은 고딕" charset="0"/>
-              <a:ea typeface="맑은 고딕" charset="0"/>
-            </a:endParaRPr>
-          </a:p>
-        </p:txBody>
-      </p:sp>
-      <p:sp>
-        <p:nvSpPr>
-          <p:cNvPr id="72" name="Rect 0"/>
+        </p:txBody>
+      </p:sp>
+      <p:sp>
+        <p:nvSpPr>
+          <p:cNvPr id="67" name="Rect 0"/>
           <p:cNvSpPr txBox="1">
             <a:spLocks/>
           </p:cNvSpPr>
           <p:nvPr/>
         </p:nvSpPr>
         <p:spPr>
-          <a:xfrm>
-            <a:off x="1229360" y="5235575"/>
-            <a:ext cx="4147185" cy="954405"/>
+          <a:xfrm rot="0">
+            <a:off x="6816725" y="5249545"/>
+            <a:ext cx="4157980" cy="954405"/>
           </a:xfrm>
           <a:prstGeom prst="rect"/>
           <a:noFill/>
@@ -14990,7 +14834,27 @@
                 <a:latin typeface="맑은 고딕" charset="0"/>
                 <a:ea typeface="맑은 고딕" charset="0"/>
               </a:rPr>
-              <a:t>45.</a:t>
+              <a:t>4</a:t>
+            </a:r>
+            <a:r>
+              <a:rPr lang="ko-KR" sz="2000" b="1">
+                <a:solidFill>
+                  <a:srgbClr val="0611F2"/>
+                </a:solidFill>
+                <a:latin typeface="맑은 고딕" charset="0"/>
+                <a:ea typeface="맑은 고딕" charset="0"/>
+              </a:rPr>
+              <a:t>6</a:t>
+            </a:r>
+            <a:r>
+              <a:rPr lang="ko-KR" sz="2000" b="1">
+                <a:solidFill>
+                  <a:srgbClr val="0611F2"/>
+                </a:solidFill>
+                <a:latin typeface="맑은 고딕" charset="0"/>
+                <a:ea typeface="맑은 고딕" charset="0"/>
+              </a:rPr>
+              <a:t>.</a:t>
             </a:r>
             <a:r>
               <a:rPr lang="ko-KR" sz="2000">
@@ -15007,14 +14871,14 @@
                 <a:latin typeface="맑은 고딕" charset="0"/>
                 <a:ea typeface="맑은 고딕" charset="0"/>
               </a:rPr>
-              <a:t>그런 다음 </a:t>
+              <a:t>그러고 나서 </a:t>
             </a:r>
             <a:r>
               <a:rPr sz="1800">
                 <a:latin typeface="맑은 고딕" charset="0"/>
                 <a:ea typeface="맑은 고딕" charset="0"/>
               </a:rPr>
-              <a:t>Sign Up Button </a:t>
+              <a:t>Sign In Button </a:t>
             </a:r>
             <a:r>
               <a:rPr sz="1800">
@@ -15070,7 +14934,7 @@
                 <a:latin typeface="맑은 고딕" charset="0"/>
                 <a:ea typeface="맑은 고딕" charset="0"/>
               </a:rPr>
-              <a:t>SignUp(</a:t>
+              <a:t>Login(</a:t>
             </a:r>
             <a:r>
               <a:rPr sz="1800">
@@ -15116,14 +14980,268 @@
       </p:sp>
       <p:pic>
         <p:nvPicPr>
-          <p:cNvPr id="77" name="그림 94"/>
+          <p:cNvPr id="68" name="그림 55" descr="C:/Users/Admin1/AppData/Roaming/PolarisOffice/ETemp/20844_15003384/fImage30173553281.png"/>
           <p:cNvPicPr>
             <a:picLocks noChangeAspect="1"/>
           </p:cNvPicPr>
           <p:nvPr/>
         </p:nvPicPr>
         <p:blipFill rotWithShape="1">
-          <a:blip r:embed="rId2" cstate="print">
+          <a:blip r:embed="rId2" cstate="hqprint">
+            <a:extLst>
+              <a:ext uri="{28A0092B-C50C-407E-A947-70E740481C1C}">
+                <a14:useLocalDpi xmlns:a14="http://schemas.microsoft.com/office/drawing/2010/main"/>
+              </a:ext>
+            </a:extLst>
+          </a:blip>
+          <a:stretch>
+            <a:fillRect/>
+          </a:stretch>
+        </p:blipFill>
+        <p:spPr>
+          <a:xfrm rot="0">
+            <a:off x="2609850" y="1455420"/>
+            <a:ext cx="2757805" cy="1224280"/>
+          </a:xfrm>
+          <a:prstGeom prst="roundRect"/>
+          <a:solidFill>
+            <a:srgbClr val="EDEDED"/>
+          </a:solidFill>
+        </p:spPr>
+      </p:pic>
+      <p:pic>
+        <p:nvPicPr>
+          <p:cNvPr id="71" name="그림 60" descr="C:/Users/Admin1/AppData/Roaming/PolarisOffice/ETemp/20844_15003384/fImage5250358491.png"/>
+          <p:cNvPicPr>
+            <a:picLocks noChangeAspect="1"/>
+          </p:cNvPicPr>
+          <p:nvPr/>
+        </p:nvPicPr>
+        <p:blipFill rotWithShape="1">
+          <a:blip r:embed="rId5" cstate="hqprint">
+            <a:extLst>
+              <a:ext uri="{28A0092B-C50C-407E-A947-70E740481C1C}">
+                <a14:useLocalDpi xmlns:a14="http://schemas.microsoft.com/office/drawing/2010/main"/>
+              </a:ext>
+            </a:extLst>
+          </a:blip>
+          <a:stretch>
+            <a:fillRect/>
+          </a:stretch>
+        </p:blipFill>
+        <p:spPr>
+          <a:xfrm rot="0">
+            <a:off x="8131810" y="1455420"/>
+            <a:ext cx="2834640" cy="1224280"/>
+          </a:xfrm>
+          <a:prstGeom prst="roundRect"/>
+          <a:solidFill>
+            <a:srgbClr val="EDEDED"/>
+          </a:solidFill>
+        </p:spPr>
+      </p:pic>
+      <p:sp>
+        <p:nvSpPr>
+          <p:cNvPr id="73" name="텍스트 상자 66"/>
+          <p:cNvSpPr txBox="1">
+            <a:spLocks/>
+          </p:cNvSpPr>
+          <p:nvPr/>
+        </p:nvSpPr>
+        <p:spPr>
+          <a:xfrm rot="0">
+            <a:off x="6813550" y="2788920"/>
+            <a:ext cx="4145280" cy="954405"/>
+          </a:xfrm>
+          <a:prstGeom prst="rect"/>
+          <a:noFill/>
+          <a:ln w="0">
+            <a:noFill/>
+            <a:prstDash/>
+          </a:ln>
+        </p:spPr>
+        <p:txBody>
+          <a:bodyPr wrap="square" lIns="89535" tIns="46355" rIns="89535" bIns="46355" numCol="1" vert="horz" anchor="t">
+            <a:spAutoFit/>
+          </a:bodyPr>
+          <a:lstStyle/>
+          <a:p>
+            <a:pPr marL="0" indent="0" rtl="0" algn="l" defTabSz="914400" eaLnBrk="1" latinLnBrk="0" hangingPunct="1">
+              <a:buFontTx/>
+              <a:buNone/>
+            </a:pPr>
+            <a:r>
+              <a:rPr lang="ko-KR" sz="2000" b="1">
+                <a:solidFill>
+                  <a:srgbClr val="0611F2"/>
+                </a:solidFill>
+                <a:latin typeface="맑은 고딕" charset="0"/>
+                <a:ea typeface="맑은 고딕" charset="0"/>
+              </a:rPr>
+              <a:t>4</a:t>
+            </a:r>
+            <a:r>
+              <a:rPr lang="ko-KR" sz="2000" b="1">
+                <a:solidFill>
+                  <a:srgbClr val="0611F2"/>
+                </a:solidFill>
+                <a:latin typeface="맑은 고딕" charset="0"/>
+                <a:ea typeface="맑은 고딕" charset="0"/>
+              </a:rPr>
+              <a:t>5</a:t>
+            </a:r>
+            <a:r>
+              <a:rPr lang="ko-KR" sz="2000" b="1">
+                <a:solidFill>
+                  <a:srgbClr val="0611F2"/>
+                </a:solidFill>
+                <a:latin typeface="맑은 고딕" charset="0"/>
+                <a:ea typeface="맑은 고딕" charset="0"/>
+              </a:rPr>
+              <a:t>.</a:t>
+            </a:r>
+            <a:r>
+              <a:rPr lang="ko-KR" sz="2000">
+                <a:solidFill>
+                  <a:srgbClr val="0611F2"/>
+                </a:solidFill>
+                <a:latin typeface="맑은 고딕" charset="0"/>
+                <a:ea typeface="맑은 고딕" charset="0"/>
+              </a:rPr>
+              <a:t> </a:t>
+            </a:r>
+            <a:r>
+              <a:rPr sz="1800">
+                <a:latin typeface="맑은 고딕" charset="0"/>
+                <a:ea typeface="맑은 고딕" charset="0"/>
+              </a:rPr>
+              <a:t>그다음 Sign In Button </a:t>
+            </a:r>
+            <a:r>
+              <a:rPr sz="1800">
+                <a:latin typeface="맑은 고딕" charset="0"/>
+                <a:ea typeface="맑은 고딕" charset="0"/>
+              </a:rPr>
+              <a:t>오브젝트의</a:t>
+            </a:r>
+            <a:r>
+              <a:rPr sz="1800">
+                <a:latin typeface="맑은 고딕" charset="0"/>
+                <a:ea typeface="맑은 고딕" charset="0"/>
+              </a:rPr>
+              <a:t> </a:t>
+            </a:r>
+            <a:r>
+              <a:rPr sz="1800">
+                <a:latin typeface="맑은 고딕" charset="0"/>
+                <a:ea typeface="맑은 고딕" charset="0"/>
+              </a:rPr>
+              <a:t>On</a:t>
+            </a:r>
+            <a:r>
+              <a:rPr sz="1800">
+                <a:latin typeface="맑은 고딕" charset="0"/>
+                <a:ea typeface="맑은 고딕" charset="0"/>
+              </a:rPr>
+              <a:t> </a:t>
+            </a:r>
+            <a:r>
+              <a:rPr sz="1800">
+                <a:latin typeface="맑은 고딕" charset="0"/>
+                <a:ea typeface="맑은 고딕" charset="0"/>
+              </a:rPr>
+              <a:t>Click(</a:t>
+            </a:r>
+            <a:r>
+              <a:rPr sz="1800">
+                <a:latin typeface="맑은 고딕" charset="0"/>
+                <a:ea typeface="맑은 고딕" charset="0"/>
+              </a:rPr>
+              <a:t> ) 함수에 Photon </a:t>
+            </a:r>
+            <a:r>
+              <a:rPr sz="1800">
+                <a:latin typeface="맑은 고딕" charset="0"/>
+                <a:ea typeface="맑은 고딕" charset="0"/>
+              </a:rPr>
+              <a:t>S</a:t>
+            </a:r>
+            <a:r>
+              <a:rPr lang="ko-KR" sz="1800">
+                <a:latin typeface="맑은 고딕" charset="0"/>
+                <a:ea typeface="맑은 고딕" charset="0"/>
+              </a:rPr>
+              <a:t>etting</a:t>
+            </a:r>
+            <a:r>
+              <a:rPr sz="1800">
+                <a:latin typeface="맑은 고딕" charset="0"/>
+                <a:ea typeface="맑은 고딕" charset="0"/>
+              </a:rPr>
+              <a:t> </a:t>
+            </a:r>
+            <a:r>
+              <a:rPr sz="1800">
+                <a:latin typeface="맑은 고딕" charset="0"/>
+                <a:ea typeface="맑은 고딕" charset="0"/>
+              </a:rPr>
+              <a:t>오브젝트를</a:t>
+            </a:r>
+            <a:r>
+              <a:rPr sz="1800">
+                <a:latin typeface="맑은 고딕" charset="0"/>
+                <a:ea typeface="맑은 고딕" charset="0"/>
+              </a:rPr>
+              <a:t> 넣어줍니다.</a:t>
+            </a:r>
+            <a:endParaRPr lang="ko-KR" altLang="en-US" sz="1800">
+              <a:latin typeface="맑은 고딕" charset="0"/>
+              <a:ea typeface="맑은 고딕" charset="0"/>
+            </a:endParaRPr>
+          </a:p>
+        </p:txBody>
+      </p:sp>
+      <p:pic>
+        <p:nvPicPr>
+          <p:cNvPr id="76" name="그림 71" descr="C:/Users/Admin1/AppData/Roaming/PolarisOffice/ETemp/20844_15003384/fImage56133631942.png"/>
+          <p:cNvPicPr>
+            <a:picLocks noChangeAspect="1"/>
+          </p:cNvPicPr>
+          <p:nvPr/>
+        </p:nvPicPr>
+        <p:blipFill rotWithShape="1">
+          <a:blip r:embed="rId7" cstate="hqprint">
+            <a:extLst>
+              <a:ext uri="{28A0092B-C50C-407E-A947-70E740481C1C}">
+                <a14:useLocalDpi xmlns:a14="http://schemas.microsoft.com/office/drawing/2010/main"/>
+              </a:ext>
+            </a:extLst>
+          </a:blip>
+          <a:stretch>
+            <a:fillRect/>
+          </a:stretch>
+        </p:blipFill>
+        <p:spPr>
+          <a:xfrm rot="0">
+            <a:off x="6813550" y="3867150"/>
+            <a:ext cx="4152900" cy="1293495"/>
+          </a:xfrm>
+          <a:prstGeom prst="roundRect"/>
+          <a:solidFill>
+            <a:srgbClr val="EDEDED"/>
+          </a:solidFill>
+        </p:spPr>
+      </p:pic>
+      <p:pic>
+        <p:nvPicPr>
+          <p:cNvPr id="77" name="그림 75" descr="C:/Users/Admin1/AppData/Roaming/PolarisOffice/ETemp/20844_15003384/fImage86133982995.png"/>
+          <p:cNvPicPr>
+            <a:picLocks noChangeAspect="1"/>
+          </p:cNvPicPr>
+          <p:nvPr/>
+        </p:nvPicPr>
+        <p:blipFill rotWithShape="1">
+          <a:blip r:embed="rId9" cstate="print">
             <a:extLst>
               <a:ext uri="{28A0092B-C50C-407E-A947-70E740481C1C}">
                 <a14:useLocalDpi xmlns:a14="http://schemas.microsoft.com/office/drawing/2010/main" val="0"/>
@@ -15136,8 +15254,8 @@
         </p:blipFill>
         <p:spPr>
           <a:xfrm rot="0">
-            <a:off x="1231900" y="1449705"/>
-            <a:ext cx="1198245" cy="1186815"/>
+            <a:off x="1240790" y="1455420"/>
+            <a:ext cx="1231900" cy="1222375"/>
           </a:xfrm>
           <a:prstGeom prst="roundRect"/>
           <a:solidFill>
@@ -15147,14 +15265,14 @@
       </p:pic>
       <p:pic>
         <p:nvPicPr>
-          <p:cNvPr id="78" name="그림 95"/>
+          <p:cNvPr id="78" name="그림 78" descr="C:/Users/Admin1/AppData/Roaming/PolarisOffice/ETemp/20844_15003384/fImage88133991942.png"/>
           <p:cNvPicPr>
             <a:picLocks noChangeAspect="1"/>
           </p:cNvPicPr>
           <p:nvPr/>
         </p:nvPicPr>
         <p:blipFill rotWithShape="1">
-          <a:blip r:embed="rId3" cstate="print">
+          <a:blip r:embed="rId10" cstate="print">
             <a:extLst>
               <a:ext uri="{28A0092B-C50C-407E-A947-70E740481C1C}">
                 <a14:useLocalDpi xmlns:a14="http://schemas.microsoft.com/office/drawing/2010/main" val="0"/>
@@ -15167,8 +15285,8 @@
         </p:blipFill>
         <p:spPr>
           <a:xfrm rot="0">
-            <a:off x="2550160" y="1438275"/>
-            <a:ext cx="2825750" cy="1206500"/>
+            <a:off x="6813550" y="1455420"/>
+            <a:ext cx="1232535" cy="1215390"/>
           </a:xfrm>
           <a:prstGeom prst="roundRect"/>
           <a:solidFill>
@@ -15176,120 +15294,20 @@
           </a:solidFill>
         </p:spPr>
       </p:pic>
-      <p:sp>
-        <p:nvSpPr>
-          <p:cNvPr id="79" name="텍스트 상자 96"/>
-          <p:cNvSpPr txBox="1">
-            <a:spLocks/>
-          </p:cNvSpPr>
-          <p:nvPr/>
-        </p:nvSpPr>
-        <p:spPr>
-          <a:xfrm>
-            <a:off x="1231900" y="2754630"/>
-            <a:ext cx="4144645" cy="954405"/>
-          </a:xfrm>
-          <a:prstGeom prst="rect"/>
-          <a:noFill/>
-          <a:ln w="0">
-            <a:noFill/>
-            <a:prstDash/>
-          </a:ln>
-        </p:spPr>
-        <p:txBody>
-          <a:bodyPr wrap="square" lIns="89535" tIns="46355" rIns="89535" bIns="46355" numCol="1" vert="horz" anchor="t">
-            <a:spAutoFit/>
-          </a:bodyPr>
-          <a:lstStyle/>
-          <a:p>
-            <a:pPr marL="0" indent="0" rtl="0" algn="l" defTabSz="914400" eaLnBrk="1" latinLnBrk="0" hangingPunct="1">
-              <a:buFontTx/>
-              <a:buNone/>
-            </a:pPr>
-            <a:r>
-              <a:rPr lang="ko-KR" sz="2000" b="1">
-                <a:solidFill>
-                  <a:srgbClr val="0611F2"/>
-                </a:solidFill>
-                <a:latin typeface="맑은 고딕" charset="0"/>
-                <a:ea typeface="맑은 고딕" charset="0"/>
-              </a:rPr>
-              <a:t>44.</a:t>
-            </a:r>
-            <a:r>
-              <a:rPr lang="ko-KR" sz="2000">
-                <a:solidFill>
-                  <a:srgbClr val="0611F2"/>
-                </a:solidFill>
-                <a:latin typeface="맑은 고딕" charset="0"/>
-                <a:ea typeface="맑은 고딕" charset="0"/>
-              </a:rPr>
-              <a:t> </a:t>
-            </a:r>
-            <a:r>
-              <a:rPr sz="1800">
-                <a:latin typeface="맑은 고딕" charset="0"/>
-                <a:ea typeface="맑은 고딕" charset="0"/>
-              </a:rPr>
-              <a:t>그다음으로 Sign Up Button </a:t>
-            </a:r>
-            <a:r>
-              <a:rPr sz="1800">
-                <a:latin typeface="맑은 고딕" charset="0"/>
-                <a:ea typeface="맑은 고딕" charset="0"/>
-              </a:rPr>
-              <a:t>오브젝트의</a:t>
-            </a:r>
-            <a:r>
-              <a:rPr sz="1800">
-                <a:latin typeface="맑은 고딕" charset="0"/>
-                <a:ea typeface="맑은 고딕" charset="0"/>
-              </a:rPr>
-              <a:t> On Click( ) 함수에 Photon </a:t>
-            </a:r>
-            <a:r>
-              <a:rPr sz="1800">
-                <a:latin typeface="맑은 고딕" charset="0"/>
-                <a:ea typeface="맑은 고딕" charset="0"/>
-              </a:rPr>
-              <a:t>S</a:t>
-            </a:r>
-            <a:r>
-              <a:rPr lang="ko-KR" sz="1800">
-                <a:latin typeface="맑은 고딕" charset="0"/>
-                <a:ea typeface="맑은 고딕" charset="0"/>
-              </a:rPr>
-              <a:t>etting</a:t>
-            </a:r>
-            <a:r>
-              <a:rPr sz="1800">
-                <a:latin typeface="맑은 고딕" charset="0"/>
-                <a:ea typeface="맑은 고딕" charset="0"/>
-              </a:rPr>
-              <a:t> 오브젝트를 넣어줍니다.</a:t>
-            </a:r>
-            <a:endParaRPr lang="ko-KR" altLang="en-US" sz="1800">
-              <a:latin typeface="맑은 고딕" charset="0"/>
-              <a:ea typeface="맑은 고딕" charset="0"/>
-            </a:endParaRPr>
-          </a:p>
-        </p:txBody>
-      </p:sp>
       <p:cxnSp>
         <p:nvCxnSpPr>
-          <p:cNvPr id="80" name="도형 97"/>
+          <p:cNvPr id="75" name="도형 70"/>
           <p:cNvCxnSpPr/>
           <p:nvPr/>
         </p:nvCxnSpPr>
         <p:spPr>
           <a:xfrm rot="0" flipV="1">
-            <a:off x="2248535" y="2136140"/>
-            <a:ext cx="1197610" cy="405765"/>
+            <a:off x="7838440" y="2162175"/>
+            <a:ext cx="1189355" cy="414020"/>
           </a:xfrm>
           <a:prstGeom prst="straightConnector1"/>
           <a:ln w="6350" cap="flat" cmpd="sng">
             <a:prstDash/>
-            <a:headEnd type="none" w="med" len="med"/>
             <a:tailEnd type="triangle" w="med" len="med"/>
           </a:ln>
         </p:spPr>
@@ -15308,16 +15326,163 @@
           </a:fontRef>
         </p:style>
       </p:cxnSp>
+      <p:sp>
+        <p:nvSpPr>
+          <p:cNvPr id="79" name="텍스트 상자 87"/>
+          <p:cNvSpPr txBox="1">
+            <a:spLocks/>
+          </p:cNvSpPr>
+          <p:nvPr/>
+        </p:nvSpPr>
+        <p:spPr>
+          <a:xfrm rot="0">
+            <a:off x="1229360" y="5243830"/>
+            <a:ext cx="4140835" cy="954405"/>
+          </a:xfrm>
+          <a:prstGeom prst="rect"/>
+          <a:noFill/>
+          <a:ln w="0">
+            <a:noFill/>
+            <a:prstDash/>
+          </a:ln>
+        </p:spPr>
+        <p:txBody>
+          <a:bodyPr wrap="square" lIns="89535" tIns="46355" rIns="89535" bIns="46355" numCol="1" vert="horz" anchor="t">
+            <a:spAutoFit/>
+          </a:bodyPr>
+          <a:lstStyle/>
+          <a:p>
+            <a:pPr marL="0" indent="0" rtl="0" algn="l" defTabSz="914400" eaLnBrk="1" latinLnBrk="0" hangingPunct="1">
+              <a:buFontTx/>
+              <a:buNone/>
+            </a:pPr>
+            <a:r>
+              <a:rPr lang="ko-KR" sz="2000" b="1">
+                <a:solidFill>
+                  <a:srgbClr val="0611F2"/>
+                </a:solidFill>
+                <a:latin typeface="맑은 고딕" charset="0"/>
+                <a:ea typeface="맑은 고딕" charset="0"/>
+              </a:rPr>
+              <a:t>4</a:t>
+            </a:r>
+            <a:r>
+              <a:rPr lang="ko-KR" sz="2000" b="1">
+                <a:solidFill>
+                  <a:srgbClr val="0611F2"/>
+                </a:solidFill>
+                <a:latin typeface="맑은 고딕" charset="0"/>
+                <a:ea typeface="맑은 고딕" charset="0"/>
+              </a:rPr>
+              <a:t>4</a:t>
+            </a:r>
+            <a:r>
+              <a:rPr lang="ko-KR" sz="2000" b="1">
+                <a:solidFill>
+                  <a:srgbClr val="0611F2"/>
+                </a:solidFill>
+                <a:latin typeface="맑은 고딕" charset="0"/>
+                <a:ea typeface="맑은 고딕" charset="0"/>
+              </a:rPr>
+              <a:t>.</a:t>
+            </a:r>
+            <a:r>
+              <a:rPr lang="ko-KR" sz="2000">
+                <a:solidFill>
+                  <a:srgbClr val="0611F2"/>
+                </a:solidFill>
+                <a:latin typeface="맑은 고딕" charset="0"/>
+                <a:ea typeface="맑은 고딕" charset="0"/>
+              </a:rPr>
+              <a:t> </a:t>
+            </a:r>
+            <a:r>
+              <a:rPr lang="ko-KR" sz="1800">
+                <a:latin typeface="맑은 고딕" charset="0"/>
+                <a:ea typeface="맑은 고딕" charset="0"/>
+              </a:rPr>
+              <a:t>그런 다음 UserName Input </a:t>
+            </a:r>
+            <a:r>
+              <a:rPr lang="ko-KR" sz="1800">
+                <a:latin typeface="맑은 고딕" charset="0"/>
+                <a:ea typeface="맑은 고딕" charset="0"/>
+              </a:rPr>
+              <a:t>오브젝트의</a:t>
+            </a:r>
+            <a:r>
+              <a:rPr lang="ko-KR" sz="1800">
+                <a:latin typeface="맑은 고딕" charset="0"/>
+                <a:ea typeface="맑은 고딕" charset="0"/>
+              </a:rPr>
+              <a:t> </a:t>
+            </a:r>
+            <a:r>
+              <a:rPr lang="ko-KR" sz="1800">
+                <a:latin typeface="맑은 고딕" charset="0"/>
+                <a:ea typeface="맑은 고딕" charset="0"/>
+              </a:rPr>
+              <a:t>앵커를</a:t>
+            </a:r>
+            <a:r>
+              <a:rPr lang="ko-KR" sz="1800">
+                <a:latin typeface="맑은 고딕" charset="0"/>
+                <a:ea typeface="맑은 고딕" charset="0"/>
+              </a:rPr>
+              <a:t> </a:t>
+            </a:r>
+            <a:r>
+              <a:rPr lang="ko-KR" sz="1800">
+                <a:latin typeface="맑은 고딕" charset="0"/>
+                <a:ea typeface="맑은 고딕" charset="0"/>
+              </a:rPr>
+              <a:t>지정하고</a:t>
+            </a:r>
+            <a:r>
+              <a:rPr lang="ko-KR" sz="1800">
+                <a:latin typeface="맑은 고딕" charset="0"/>
+                <a:ea typeface="맑은 고딕" charset="0"/>
+              </a:rPr>
+              <a:t> 위치와 </a:t>
+            </a:r>
+            <a:r>
+              <a:rPr lang="ko-KR" sz="1800">
+                <a:latin typeface="맑은 고딕" charset="0"/>
+                <a:ea typeface="맑은 고딕" charset="0"/>
+              </a:rPr>
+              <a:t>크기를</a:t>
+            </a:r>
+            <a:r>
+              <a:rPr lang="ko-KR" sz="1800">
+                <a:latin typeface="맑은 고딕" charset="0"/>
+                <a:ea typeface="맑은 고딕" charset="0"/>
+              </a:rPr>
+              <a:t> </a:t>
+            </a:r>
+            <a:r>
+              <a:rPr lang="ko-KR" sz="1800">
+                <a:latin typeface="맑은 고딕" charset="0"/>
+                <a:ea typeface="맑은 고딕" charset="0"/>
+              </a:rPr>
+              <a:t>설정합니다.</a:t>
+            </a:r>
+            <a:endParaRPr lang="ko-KR" altLang="en-US" sz="1800">
+              <a:latin typeface="맑은 고딕" charset="0"/>
+              <a:ea typeface="맑은 고딕" charset="0"/>
+            </a:endParaRPr>
+          </a:p>
+        </p:txBody>
+      </p:sp>
       <p:pic>
         <p:nvPicPr>
-          <p:cNvPr id="81" name="그림 98"/>
+          <p:cNvPr id="80" name="그림 88" descr="C:/Users/Admin1/AppData/Roaming/PolarisOffice/ETemp/20844_15003384/fImage122264054827.png"/>
           <p:cNvPicPr>
             <a:picLocks noChangeAspect="1"/>
           </p:cNvPicPr>
           <p:nvPr/>
         </p:nvPicPr>
         <p:blipFill rotWithShape="1">
-          <a:blip r:embed="rId4" cstate="print">
+          <a:blip r:embed="rId11" cstate="print">
             <a:extLst>
               <a:ext uri="{28A0092B-C50C-407E-A947-70E740481C1C}">
                 <a14:useLocalDpi xmlns:a14="http://schemas.microsoft.com/office/drawing/2010/main" val="0"/>
@@ -15330,8 +15495,8 @@
         </p:blipFill>
         <p:spPr>
           <a:xfrm rot="0">
-            <a:off x="1229995" y="3853815"/>
-            <a:ext cx="4145915" cy="1297940"/>
+            <a:off x="1232535" y="3634740"/>
+            <a:ext cx="4143375" cy="1499235"/>
           </a:xfrm>
           <a:prstGeom prst="roundRect"/>
           <a:solidFill>
@@ -15339,101 +15504,6 @@
           </a:solidFill>
         </p:spPr>
       </p:pic>
-      <p:pic>
-        <p:nvPicPr>
-          <p:cNvPr id="82" name="그림 101"/>
-          <p:cNvPicPr>
-            <a:picLocks noChangeAspect="1"/>
-          </p:cNvPicPr>
-          <p:nvPr/>
-        </p:nvPicPr>
-        <p:blipFill rotWithShape="1">
-          <a:blip r:embed="rId5" cstate="print">
-            <a:extLst>
-              <a:ext uri="{28A0092B-C50C-407E-A947-70E740481C1C}">
-                <a14:useLocalDpi xmlns:a14="http://schemas.microsoft.com/office/drawing/2010/main" val="0"/>
-              </a:ext>
-            </a:extLst>
-          </a:blip>
-          <a:stretch>
-            <a:fillRect/>
-          </a:stretch>
-        </p:blipFill>
-        <p:spPr>
-          <a:xfrm rot="0">
-            <a:off x="6813550" y="1438275"/>
-            <a:ext cx="4135120" cy="1715135"/>
-          </a:xfrm>
-          <a:prstGeom prst="roundRect"/>
-          <a:solidFill>
-            <a:srgbClr val="EDEDED"/>
-          </a:solidFill>
-        </p:spPr>
-      </p:pic>
-      <p:pic>
-        <p:nvPicPr>
-          <p:cNvPr id="83" name="그림 104"/>
-          <p:cNvPicPr>
-            <a:picLocks noChangeAspect="1"/>
-          </p:cNvPicPr>
-          <p:nvPr/>
-        </p:nvPicPr>
-        <p:blipFill rotWithShape="1">
-          <a:blip r:embed="rId6" cstate="print">
-            <a:extLst>
-              <a:ext uri="{28A0092B-C50C-407E-A947-70E740481C1C}">
-                <a14:useLocalDpi xmlns:a14="http://schemas.microsoft.com/office/drawing/2010/main" val="0"/>
-              </a:ext>
-            </a:extLst>
-          </a:blip>
-          <a:stretch>
-            <a:fillRect/>
-          </a:stretch>
-        </p:blipFill>
-        <p:spPr>
-          <a:xfrm rot="0">
-            <a:off x="6819265" y="3299460"/>
-            <a:ext cx="4138295" cy="1042035"/>
-          </a:xfrm>
-          <a:prstGeom prst="roundRect"/>
-          <a:solidFill>
-            <a:srgbClr val="EDEDED"/>
-          </a:solidFill>
-        </p:spPr>
-      </p:pic>
-      <p:cxnSp>
-        <p:nvCxnSpPr>
-          <p:cNvPr id="84" name="도형 107"/>
-          <p:cNvCxnSpPr/>
-          <p:nvPr/>
-        </p:nvCxnSpPr>
-        <p:spPr>
-          <a:xfrm rot="0" flipV="1">
-            <a:off x="7847330" y="1696720"/>
-            <a:ext cx="2963545" cy="2111375"/>
-          </a:xfrm>
-          <a:prstGeom prst="straightConnector1"/>
-          <a:ln w="6350" cap="flat" cmpd="sng">
-            <a:prstDash/>
-            <a:headEnd type="none" w="med" len="med"/>
-            <a:tailEnd type="triangle" w="med" len="med"/>
-          </a:ln>
-        </p:spPr>
-        <p:style>
-          <a:lnRef idx="1">
-            <a:schemeClr val="accent1"/>
-          </a:lnRef>
-          <a:fillRef idx="0">
-            <a:schemeClr val="accent1"/>
-          </a:fillRef>
-          <a:effectRef idx="0">
-            <a:schemeClr val="accent1"/>
-          </a:effectRef>
-          <a:fontRef idx="minor">
-            <a:schemeClr val="tx1"/>
-          </a:fontRef>
-        </p:style>
-      </p:cxnSp>
     </p:spTree>
   </p:cSld>
   <p:clrMapOvr>
@@ -15871,6 +15941,2126 @@
           <a:solidFill>
             <a:srgbClr val="EDEDED"/>
           </a:solidFill>
+        </p:spPr>
+      </p:pic>
+    </p:spTree>
+  </p:cSld>
+  <p:clrMapOvr>
+    <a:masterClrMapping/>
+  </p:clrMapOvr>
+  <mc:AlternateContent xmlns:mc="http://schemas.openxmlformats.org/markup-compatibility/2006">
+    <mc:Choice xmlns:p14="http://schemas.microsoft.com/office/powerpoint/2010/main" Requires="p14">
+      <p:transition spd="slow" p14:dur="2000"/>
+    </mc:Choice>
+    <mc:Fallback>
+      <p:transition spd="slow"/>
+    </mc:Fallback>
+  </mc:AlternateContent>
+  <p:timing>
+    <p:tnLst>
+      <p:par>
+        <p:cTn id="1" dur="indefinite" restart="never" nodeType="tmRoot"/>
+      </p:par>
+    </p:tnLst>
+  </p:timing>
+</p:sld>
+</file>
+
+<file path=ppt/slides/slide20.xml><?xml version="1.0" encoding="utf-8"?>
+<p:sld xmlns:a="http://schemas.openxmlformats.org/drawingml/2006/main" xmlns:r="http://schemas.openxmlformats.org/officeDocument/2006/relationships" xmlns:p="http://schemas.openxmlformats.org/presentationml/2006/main" xmlns:p14="http://schemas.microsoft.com/office/powerpoint/2010/main">
+  <p:cSld>
+    <p:spTree>
+      <p:nvGrpSpPr>
+        <p:cNvPr id="1" name=""/>
+        <p:cNvGrpSpPr/>
+        <p:nvPr/>
+      </p:nvGrpSpPr>
+      <p:grpSpPr>
+        <a:xfrm>
+          <a:off x="0" y="0"/>
+          <a:ext cx="0" cy="0"/>
+          <a:chOff x="0" y="0"/>
+          <a:chExt cx="0" cy="0"/>
+        </a:xfrm>
+      </p:grpSpPr>
+      <p:sp>
+        <p:nvSpPr>
+          <p:cNvPr id="29" name="Rect 0"/>
+          <p:cNvSpPr txBox="1">
+            <a:spLocks/>
+          </p:cNvSpPr>
+          <p:nvPr/>
+        </p:nvSpPr>
+        <p:spPr>
+          <a:xfrm rot="0">
+            <a:off x="1229995" y="1337310"/>
+            <a:ext cx="4039870" cy="371475"/>
+          </a:xfrm>
+          <a:prstGeom prst="rect"/>
+          <a:noFill/>
+          <a:ln w="0">
+            <a:noFill/>
+            <a:prstDash/>
+          </a:ln>
+        </p:spPr>
+        <p:txBody>
+          <a:bodyPr wrap="square" lIns="89535" tIns="46355" rIns="89535" bIns="46355" numCol="1" vert="horz" anchor="t">
+            <a:spAutoFit/>
+          </a:bodyPr>
+          <a:lstStyle/>
+          <a:p>
+            <a:pPr marL="0" indent="0" algn="l" latinLnBrk="0" hangingPunct="1">
+              <a:buFontTx/>
+              <a:buNone/>
+            </a:pPr>
+            <a:endParaRPr lang="ko-KR" altLang="en-US" sz="1800">
+              <a:latin typeface="맑은 고딕" charset="0"/>
+              <a:ea typeface="맑은 고딕" charset="0"/>
+            </a:endParaRPr>
+          </a:p>
+        </p:txBody>
+      </p:sp>
+      <p:sp>
+        <p:nvSpPr>
+          <p:cNvPr id="35" name="Rect 0"/>
+          <p:cNvSpPr txBox="1">
+            <a:spLocks/>
+          </p:cNvSpPr>
+          <p:nvPr/>
+        </p:nvSpPr>
+        <p:spPr>
+          <a:xfrm>
+            <a:off x="4334510" y="398780"/>
+            <a:ext cx="3522980" cy="554990"/>
+          </a:xfrm>
+          <a:prstGeom prst="rect"/>
+          <a:noFill/>
+          <a:ln w="0">
+            <a:noFill/>
+            <a:prstDash/>
+          </a:ln>
+        </p:spPr>
+        <p:txBody>
+          <a:bodyPr wrap="square" lIns="89535" tIns="46355" rIns="89535" bIns="46355" numCol="1" vert="horz" anchor="t">
+            <a:spAutoFit/>
+          </a:bodyPr>
+          <a:lstStyle/>
+          <a:p>
+            <a:pPr marL="0" indent="0" rtl="0" algn="ctr" defTabSz="914400" eaLnBrk="1" latinLnBrk="0" hangingPunct="1">
+              <a:buFontTx/>
+              <a:buNone/>
+            </a:pPr>
+            <a:r>
+              <a:rPr lang="ko-KR" sz="2500" b="1">
+                <a:latin typeface="나눔바른고딕" charset="0"/>
+                <a:ea typeface="나눔바른고딕" charset="0"/>
+              </a:rPr>
+              <a:t>스물</a:t>
+            </a:r>
+            <a:r>
+              <a:rPr lang="ko-KR" sz="2500" b="1">
+                <a:latin typeface="나눔바른고딕" charset="0"/>
+                <a:ea typeface="나눔바른고딕" charset="0"/>
+              </a:rPr>
+              <a:t> 번째 튜토리얼</a:t>
+            </a:r>
+            <a:r>
+              <a:rPr sz="3000" b="1">
+                <a:latin typeface="맑은 고딕" charset="0"/>
+                <a:ea typeface="맑은 고딕" charset="0"/>
+              </a:rPr>
+              <a:t> </a:t>
+            </a:r>
+            <a:endParaRPr lang="ko-KR" altLang="en-US" sz="3000" b="1">
+              <a:latin typeface="맑은 고딕" charset="0"/>
+              <a:ea typeface="맑은 고딕" charset="0"/>
+            </a:endParaRPr>
+          </a:p>
+        </p:txBody>
+      </p:sp>
+      <p:sp>
+        <p:nvSpPr>
+          <p:cNvPr id="72" name="텍스트 상자 84"/>
+          <p:cNvSpPr txBox="1">
+            <a:spLocks/>
+          </p:cNvSpPr>
+          <p:nvPr/>
+        </p:nvSpPr>
+        <p:spPr>
+          <a:xfrm rot="0">
+            <a:off x="1229360" y="5278755"/>
+            <a:ext cx="4137660" cy="923925"/>
+          </a:xfrm>
+          <a:prstGeom prst="rect"/>
+          <a:noFill/>
+          <a:ln w="0">
+            <a:noFill/>
+            <a:prstDash/>
+          </a:ln>
+        </p:spPr>
+        <p:txBody>
+          <a:bodyPr wrap="square" lIns="89535" tIns="46355" rIns="89535" bIns="46355" numCol="1" vert="horz" anchor="t">
+            <a:spAutoFit/>
+          </a:bodyPr>
+          <a:lstStyle/>
+          <a:p>
+            <a:pPr marL="0" indent="0" rtl="0" algn="l" defTabSz="914400" eaLnBrk="1" latinLnBrk="0" hangingPunct="1">
+              <a:buFontTx/>
+              <a:buNone/>
+            </a:pPr>
+            <a:r>
+              <a:rPr lang="ko-KR" sz="1800">
+                <a:latin typeface="맑은 고딕" charset="0"/>
+                <a:ea typeface="맑은 고딕" charset="0"/>
+              </a:rPr>
+              <a:t>PlayFab</a:t>
+            </a:r>
+            <a:r>
+              <a:rPr lang="ko-KR" sz="1800">
+                <a:latin typeface="맑은 고딕" charset="0"/>
+                <a:ea typeface="맑은 고딕" charset="0"/>
+              </a:rPr>
+              <a:t> API</a:t>
+            </a:r>
+            <a:r>
+              <a:rPr lang="ko-KR" sz="1800">
+                <a:latin typeface="맑은 고딕" charset="0"/>
+                <a:ea typeface="맑은 고딕" charset="0"/>
+              </a:rPr>
+              <a:t>는 </a:t>
+            </a:r>
+            <a:r>
+              <a:rPr lang="ko-KR" sz="1800">
+                <a:latin typeface="맑은 고딕" charset="0"/>
+                <a:ea typeface="맑은 고딕" charset="0"/>
+              </a:rPr>
+              <a:t>호출 후 데이터가 </a:t>
+            </a:r>
+            <a:r>
+              <a:rPr lang="ko-KR" sz="1800">
+                <a:latin typeface="맑은 고딕" charset="0"/>
+                <a:ea typeface="맑은 고딕" charset="0"/>
+              </a:rPr>
+              <a:t>정상적으로</a:t>
+            </a:r>
+            <a:r>
+              <a:rPr lang="ko-KR" sz="1800">
+                <a:latin typeface="맑은 고딕" charset="0"/>
+                <a:ea typeface="맑은 고딕" charset="0"/>
+              </a:rPr>
+              <a:t> 불러왔는</a:t>
+            </a:r>
+            <a:r>
+              <a:rPr lang="ko-KR" sz="1800">
+                <a:latin typeface="맑은 고딕" charset="0"/>
+                <a:ea typeface="맑은 고딕" charset="0"/>
+              </a:rPr>
+              <a:t>지 </a:t>
+            </a:r>
+            <a:r>
+              <a:rPr lang="ko-KR" sz="1800">
+                <a:latin typeface="맑은 고딕" charset="0"/>
+                <a:ea typeface="맑은 고딕" charset="0"/>
+              </a:rPr>
+              <a:t>확인한 후 </a:t>
+            </a:r>
+            <a:r>
+              <a:rPr lang="ko-KR" sz="1800">
+                <a:latin typeface="맑은 고딕" charset="0"/>
+                <a:ea typeface="맑은 고딕" charset="0"/>
+              </a:rPr>
+              <a:t>다음</a:t>
+            </a:r>
+            <a:r>
+              <a:rPr lang="ko-KR" sz="1800">
+                <a:latin typeface="맑은 고딕" charset="0"/>
+                <a:ea typeface="맑은 고딕" charset="0"/>
+              </a:rPr>
+              <a:t> 작업</a:t>
+            </a:r>
+            <a:r>
+              <a:rPr lang="ko-KR" sz="1800">
+                <a:latin typeface="맑은 고딕" charset="0"/>
+                <a:ea typeface="맑은 고딕" charset="0"/>
+              </a:rPr>
+              <a:t>을 </a:t>
+            </a:r>
+            <a:r>
+              <a:rPr lang="ko-KR" sz="1800">
+                <a:latin typeface="맑은 고딕" charset="0"/>
+                <a:ea typeface="맑은 고딕" charset="0"/>
+              </a:rPr>
+              <a:t>수행합니다.</a:t>
+            </a:r>
+            <a:endParaRPr lang="ko-KR" altLang="en-US" sz="1800">
+              <a:latin typeface="맑은 고딕" charset="0"/>
+              <a:ea typeface="맑은 고딕" charset="0"/>
+            </a:endParaRPr>
+          </a:p>
+        </p:txBody>
+      </p:sp>
+      <p:pic>
+        <p:nvPicPr>
+          <p:cNvPr id="73" name="그림 85" descr="C:/Users/Admin1/AppData/Roaming/PolarisOffice/ETemp/20844_15003384/fImage30173824604.png"/>
+          <p:cNvPicPr>
+            <a:picLocks noChangeAspect="1"/>
+          </p:cNvPicPr>
+          <p:nvPr/>
+        </p:nvPicPr>
+        <p:blipFill rotWithShape="1">
+          <a:blip r:embed="rId5" cstate="hqprint">
+            <a:extLst>
+              <a:ext uri="{28A0092B-C50C-407E-A947-70E740481C1C}">
+                <a14:useLocalDpi xmlns:a14="http://schemas.microsoft.com/office/drawing/2010/main"/>
+              </a:ext>
+            </a:extLst>
+          </a:blip>
+          <a:stretch>
+            <a:fillRect/>
+          </a:stretch>
+        </p:blipFill>
+        <p:spPr>
+          <a:xfrm rot="0">
+            <a:off x="2661920" y="1438275"/>
+            <a:ext cx="2705100" cy="1163955"/>
+          </a:xfrm>
+          <a:prstGeom prst="roundRect"/>
+          <a:solidFill>
+            <a:srgbClr val="EDEDED"/>
+          </a:solidFill>
+        </p:spPr>
+      </p:pic>
+      <p:pic>
+        <p:nvPicPr>
+          <p:cNvPr id="77" name="그림 98" descr="C:/Users/Admin1/AppData/Roaming/PolarisOffice/ETemp/20844_15003384/fImage87134105436.png"/>
+          <p:cNvPicPr>
+            <a:picLocks noChangeAspect="1"/>
+          </p:cNvPicPr>
+          <p:nvPr/>
+        </p:nvPicPr>
+        <p:blipFill rotWithShape="1">
+          <a:blip r:embed="rId9" cstate="print">
+            <a:extLst>
+              <a:ext uri="{28A0092B-C50C-407E-A947-70E740481C1C}">
+                <a14:useLocalDpi xmlns:a14="http://schemas.microsoft.com/office/drawing/2010/main" val="0"/>
+              </a:ext>
+            </a:extLst>
+          </a:blip>
+          <a:stretch>
+            <a:fillRect/>
+          </a:stretch>
+        </p:blipFill>
+        <p:spPr>
+          <a:xfrm rot="0">
+            <a:off x="1228725" y="1447165"/>
+            <a:ext cx="1278890" cy="1154430"/>
+          </a:xfrm>
+          <a:prstGeom prst="roundRect"/>
+          <a:solidFill>
+            <a:srgbClr val="EDEDED"/>
+          </a:solidFill>
+        </p:spPr>
+      </p:pic>
+      <p:sp>
+        <p:nvSpPr>
+          <p:cNvPr id="78" name="텍스트 상자 101"/>
+          <p:cNvSpPr txBox="1">
+            <a:spLocks/>
+          </p:cNvSpPr>
+          <p:nvPr/>
+        </p:nvSpPr>
+        <p:spPr>
+          <a:xfrm rot="0">
+            <a:off x="1231900" y="2706370"/>
+            <a:ext cx="4144010" cy="677545"/>
+          </a:xfrm>
+          <a:prstGeom prst="rect"/>
+          <a:noFill/>
+          <a:ln w="0">
+            <a:noFill/>
+            <a:prstDash/>
+          </a:ln>
+        </p:spPr>
+        <p:txBody>
+          <a:bodyPr wrap="square" lIns="89535" tIns="46355" rIns="89535" bIns="46355" numCol="1" vert="horz" anchor="t">
+            <a:spAutoFit/>
+          </a:bodyPr>
+          <a:lstStyle/>
+          <a:p>
+            <a:pPr marL="0" indent="0" rtl="0" algn="l" defTabSz="914400" eaLnBrk="1" latinLnBrk="0" hangingPunct="1">
+              <a:buFontTx/>
+              <a:buNone/>
+            </a:pPr>
+            <a:r>
+              <a:rPr lang="ko-KR" sz="2000" b="1">
+                <a:solidFill>
+                  <a:srgbClr val="0611F2"/>
+                </a:solidFill>
+                <a:latin typeface="맑은 고딕" charset="0"/>
+                <a:ea typeface="맑은 고딕" charset="0"/>
+              </a:rPr>
+              <a:t>47.</a:t>
+            </a:r>
+            <a:r>
+              <a:rPr lang="ko-KR" sz="2000">
+                <a:solidFill>
+                  <a:srgbClr val="0611F2"/>
+                </a:solidFill>
+                <a:latin typeface="맑은 고딕" charset="0"/>
+                <a:ea typeface="맑은 고딕" charset="0"/>
+              </a:rPr>
+              <a:t> </a:t>
+            </a:r>
+            <a:r>
+              <a:rPr lang="ko-KR" sz="1800">
+                <a:latin typeface="맑은 고딕" charset="0"/>
+                <a:ea typeface="맑은 고딕" charset="0"/>
+              </a:rPr>
+              <a:t>이제 Sign Up Button </a:t>
+            </a:r>
+            <a:r>
+              <a:rPr lang="ko-KR" sz="1800">
+                <a:latin typeface="맑은 고딕" charset="0"/>
+                <a:ea typeface="맑은 고딕" charset="0"/>
+              </a:rPr>
+              <a:t>오브젝트의</a:t>
+            </a:r>
+            <a:r>
+              <a:rPr lang="ko-KR" sz="1800">
+                <a:latin typeface="맑은 고딕" charset="0"/>
+                <a:ea typeface="맑은 고딕" charset="0"/>
+              </a:rPr>
+              <a:t> </a:t>
+            </a:r>
+            <a:r>
+              <a:rPr lang="ko-KR" sz="1800">
+                <a:latin typeface="맑은 고딕" charset="0"/>
+                <a:ea typeface="맑은 고딕" charset="0"/>
+              </a:rPr>
+              <a:t>OnClick(</a:t>
+            </a:r>
+            <a:r>
+              <a:rPr lang="ko-KR" sz="1800">
+                <a:latin typeface="맑은 고딕" charset="0"/>
+                <a:ea typeface="맑은 고딕" charset="0"/>
+              </a:rPr>
+              <a:t> ) 함수를 </a:t>
+            </a:r>
+            <a:r>
+              <a:rPr lang="ko-KR" sz="1800">
+                <a:latin typeface="맑은 고딕" charset="0"/>
+                <a:ea typeface="맑은 고딕" charset="0"/>
+              </a:rPr>
+              <a:t>추가합니다.</a:t>
+            </a:r>
+            <a:endParaRPr lang="ko-KR" altLang="en-US" sz="1800">
+              <a:latin typeface="맑은 고딕" charset="0"/>
+              <a:ea typeface="맑은 고딕" charset="0"/>
+            </a:endParaRPr>
+          </a:p>
+        </p:txBody>
+      </p:sp>
+      <p:pic>
+        <p:nvPicPr>
+          <p:cNvPr id="79" name="그림 102" descr="C:/Users/Admin1/AppData/Roaming/PolarisOffice/ETemp/20844_15003384/fImage5250358491.png"/>
+          <p:cNvPicPr>
+            <a:picLocks noChangeAspect="1"/>
+          </p:cNvPicPr>
+          <p:nvPr/>
+        </p:nvPicPr>
+        <p:blipFill rotWithShape="1">
+          <a:blip r:embed="rId10" cstate="hqprint">
+            <a:extLst>
+              <a:ext uri="{28A0092B-C50C-407E-A947-70E740481C1C}">
+                <a14:useLocalDpi xmlns:a14="http://schemas.microsoft.com/office/drawing/2010/main"/>
+              </a:ext>
+            </a:extLst>
+          </a:blip>
+          <a:stretch>
+            <a:fillRect/>
+          </a:stretch>
+        </p:blipFill>
+        <p:spPr>
+          <a:xfrm rot="0">
+            <a:off x="8131810" y="1455420"/>
+            <a:ext cx="2834640" cy="1224280"/>
+          </a:xfrm>
+          <a:prstGeom prst="roundRect"/>
+          <a:solidFill>
+            <a:srgbClr val="EDEDED"/>
+          </a:solidFill>
+        </p:spPr>
+      </p:pic>
+      <p:sp>
+        <p:nvSpPr>
+          <p:cNvPr id="80" name="텍스트 상자 103"/>
+          <p:cNvSpPr txBox="1">
+            <a:spLocks/>
+          </p:cNvSpPr>
+          <p:nvPr/>
+        </p:nvSpPr>
+        <p:spPr>
+          <a:xfrm rot="0">
+            <a:off x="6816725" y="5249545"/>
+            <a:ext cx="4149090" cy="954405"/>
+          </a:xfrm>
+          <a:prstGeom prst="rect"/>
+          <a:noFill/>
+          <a:ln w="0">
+            <a:noFill/>
+            <a:prstDash/>
+          </a:ln>
+        </p:spPr>
+        <p:txBody>
+          <a:bodyPr wrap="square" lIns="89535" tIns="46355" rIns="89535" bIns="46355" numCol="1" vert="horz" anchor="t">
+            <a:spAutoFit/>
+          </a:bodyPr>
+          <a:lstStyle/>
+          <a:p>
+            <a:pPr marL="0" indent="0" rtl="0" algn="l" defTabSz="914400" eaLnBrk="1" latinLnBrk="0" hangingPunct="1">
+              <a:buFontTx/>
+              <a:buNone/>
+            </a:pPr>
+            <a:r>
+              <a:rPr lang="ko-KR" sz="2000" b="1">
+                <a:solidFill>
+                  <a:srgbClr val="0611F2"/>
+                </a:solidFill>
+                <a:latin typeface="맑은 고딕" charset="0"/>
+                <a:ea typeface="맑은 고딕" charset="0"/>
+              </a:rPr>
+              <a:t>4</a:t>
+            </a:r>
+            <a:r>
+              <a:rPr lang="ko-KR" sz="2000" b="1">
+                <a:solidFill>
+                  <a:srgbClr val="0611F2"/>
+                </a:solidFill>
+                <a:latin typeface="맑은 고딕" charset="0"/>
+                <a:ea typeface="맑은 고딕" charset="0"/>
+              </a:rPr>
+              <a:t>9</a:t>
+            </a:r>
+            <a:r>
+              <a:rPr lang="ko-KR" sz="2000" b="1">
+                <a:solidFill>
+                  <a:srgbClr val="0611F2"/>
+                </a:solidFill>
+                <a:latin typeface="맑은 고딕" charset="0"/>
+                <a:ea typeface="맑은 고딕" charset="0"/>
+              </a:rPr>
+              <a:t>.</a:t>
+            </a:r>
+            <a:r>
+              <a:rPr lang="ko-KR" sz="2000">
+                <a:solidFill>
+                  <a:srgbClr val="0611F2"/>
+                </a:solidFill>
+                <a:latin typeface="맑은 고딕" charset="0"/>
+                <a:ea typeface="맑은 고딕" charset="0"/>
+              </a:rPr>
+              <a:t> </a:t>
+            </a:r>
+            <a:r>
+              <a:rPr lang="ko-KR" sz="1800">
+                <a:latin typeface="맑은 고딕" charset="0"/>
+                <a:ea typeface="맑은 고딕" charset="0"/>
+              </a:rPr>
+              <a:t>그다음으로 </a:t>
+            </a:r>
+            <a:r>
+              <a:rPr sz="1800">
+                <a:latin typeface="맑은 고딕" charset="0"/>
+                <a:ea typeface="맑은 고딕" charset="0"/>
+              </a:rPr>
+              <a:t>Sign Up Button </a:t>
+            </a:r>
+            <a:r>
+              <a:rPr sz="1800">
+                <a:latin typeface="맑은 고딕" charset="0"/>
+                <a:ea typeface="맑은 고딕" charset="0"/>
+              </a:rPr>
+              <a:t>오브젝트</a:t>
+            </a:r>
+            <a:r>
+              <a:rPr lang="ko-KR" sz="1800">
+                <a:latin typeface="맑은 고딕" charset="0"/>
+                <a:ea typeface="맑은 고딕" charset="0"/>
+              </a:rPr>
+              <a:t>에</a:t>
+            </a:r>
+            <a:r>
+              <a:rPr lang="ko-KR" sz="1800">
+                <a:latin typeface="맑은 고딕" charset="0"/>
+                <a:ea typeface="맑은 고딕" charset="0"/>
+              </a:rPr>
+              <a:t> 있는</a:t>
+            </a:r>
+            <a:r>
+              <a:rPr sz="1800">
+                <a:latin typeface="맑은 고딕" charset="0"/>
+                <a:ea typeface="맑은 고딕" charset="0"/>
+              </a:rPr>
+              <a:t> On Click( ) 함수에 </a:t>
+            </a:r>
+            <a:r>
+              <a:rPr sz="1800">
+                <a:latin typeface="맑은 고딕" charset="0"/>
+                <a:ea typeface="맑은 고딕" charset="0"/>
+              </a:rPr>
+              <a:t>SignUp(</a:t>
+            </a:r>
+            <a:r>
+              <a:rPr sz="1800">
+                <a:latin typeface="맑은 고딕" charset="0"/>
+                <a:ea typeface="맑은 고딕" charset="0"/>
+              </a:rPr>
+              <a:t> ) 함수</a:t>
+            </a:r>
+            <a:r>
+              <a:rPr lang="ko-KR" sz="1800">
+                <a:latin typeface="맑은 고딕" charset="0"/>
+                <a:ea typeface="맑은 고딕" charset="0"/>
+              </a:rPr>
+              <a:t>를 </a:t>
+            </a:r>
+            <a:r>
+              <a:rPr sz="1800">
+                <a:latin typeface="맑은 고딕" charset="0"/>
+                <a:ea typeface="맑은 고딕" charset="0"/>
+              </a:rPr>
+              <a:t>등록합니다.</a:t>
+            </a:r>
+            <a:endParaRPr lang="ko-KR" altLang="en-US" sz="1800">
+              <a:latin typeface="맑은 고딕" charset="0"/>
+              <a:ea typeface="맑은 고딕" charset="0"/>
+            </a:endParaRPr>
+          </a:p>
+        </p:txBody>
+      </p:sp>
+      <p:sp>
+        <p:nvSpPr>
+          <p:cNvPr id="81" name="텍스트 상자 104"/>
+          <p:cNvSpPr txBox="1">
+            <a:spLocks/>
+          </p:cNvSpPr>
+          <p:nvPr/>
+        </p:nvSpPr>
+        <p:spPr>
+          <a:xfrm rot="0">
+            <a:off x="6813550" y="2771775"/>
+            <a:ext cx="4145280" cy="954405"/>
+          </a:xfrm>
+          <a:prstGeom prst="rect"/>
+          <a:noFill/>
+          <a:ln w="0">
+            <a:noFill/>
+            <a:prstDash/>
+          </a:ln>
+        </p:spPr>
+        <p:txBody>
+          <a:bodyPr wrap="square" lIns="89535" tIns="46355" rIns="89535" bIns="46355" numCol="1" vert="horz" anchor="t">
+            <a:spAutoFit/>
+          </a:bodyPr>
+          <a:lstStyle/>
+          <a:p>
+            <a:pPr marL="0" indent="0" rtl="0" algn="l" defTabSz="914400" eaLnBrk="1" latinLnBrk="0" hangingPunct="1">
+              <a:buFontTx/>
+              <a:buNone/>
+            </a:pPr>
+            <a:r>
+              <a:rPr lang="ko-KR" sz="2000" b="1">
+                <a:solidFill>
+                  <a:srgbClr val="0611F2"/>
+                </a:solidFill>
+                <a:latin typeface="맑은 고딕" charset="0"/>
+                <a:ea typeface="맑은 고딕" charset="0"/>
+              </a:rPr>
+              <a:t>48.</a:t>
+            </a:r>
+            <a:r>
+              <a:rPr lang="ko-KR" sz="2000">
+                <a:solidFill>
+                  <a:srgbClr val="0611F2"/>
+                </a:solidFill>
+                <a:latin typeface="맑은 고딕" charset="0"/>
+                <a:ea typeface="맑은 고딕" charset="0"/>
+              </a:rPr>
+              <a:t> </a:t>
+            </a:r>
+            <a:r>
+              <a:rPr sz="1800">
+                <a:latin typeface="맑은 고딕" charset="0"/>
+                <a:ea typeface="맑은 고딕" charset="0"/>
+              </a:rPr>
+              <a:t>그리고 Sign Un Button </a:t>
+            </a:r>
+            <a:r>
+              <a:rPr sz="1800">
+                <a:latin typeface="맑은 고딕" charset="0"/>
+                <a:ea typeface="맑은 고딕" charset="0"/>
+              </a:rPr>
+              <a:t>오브젝트의</a:t>
+            </a:r>
+            <a:r>
+              <a:rPr sz="1800">
+                <a:latin typeface="맑은 고딕" charset="0"/>
+                <a:ea typeface="맑은 고딕" charset="0"/>
+              </a:rPr>
+              <a:t> </a:t>
+            </a:r>
+            <a:r>
+              <a:rPr sz="1800">
+                <a:latin typeface="맑은 고딕" charset="0"/>
+                <a:ea typeface="맑은 고딕" charset="0"/>
+              </a:rPr>
+              <a:t>On</a:t>
+            </a:r>
+            <a:r>
+              <a:rPr sz="1800">
+                <a:latin typeface="맑은 고딕" charset="0"/>
+                <a:ea typeface="맑은 고딕" charset="0"/>
+              </a:rPr>
+              <a:t> </a:t>
+            </a:r>
+            <a:r>
+              <a:rPr sz="1800">
+                <a:latin typeface="맑은 고딕" charset="0"/>
+                <a:ea typeface="맑은 고딕" charset="0"/>
+              </a:rPr>
+              <a:t>Click(</a:t>
+            </a:r>
+            <a:r>
+              <a:rPr sz="1800">
+                <a:latin typeface="맑은 고딕" charset="0"/>
+                <a:ea typeface="맑은 고딕" charset="0"/>
+              </a:rPr>
+              <a:t> ) 함수에 Photon </a:t>
+            </a:r>
+            <a:r>
+              <a:rPr sz="1800">
+                <a:latin typeface="맑은 고딕" charset="0"/>
+                <a:ea typeface="맑은 고딕" charset="0"/>
+              </a:rPr>
+              <a:t>S</a:t>
+            </a:r>
+            <a:r>
+              <a:rPr lang="ko-KR" sz="1800">
+                <a:latin typeface="맑은 고딕" charset="0"/>
+                <a:ea typeface="맑은 고딕" charset="0"/>
+              </a:rPr>
+              <a:t>etting</a:t>
+            </a:r>
+            <a:r>
+              <a:rPr sz="1800">
+                <a:latin typeface="맑은 고딕" charset="0"/>
+                <a:ea typeface="맑은 고딕" charset="0"/>
+              </a:rPr>
+              <a:t> </a:t>
+            </a:r>
+            <a:r>
+              <a:rPr sz="1800">
+                <a:latin typeface="맑은 고딕" charset="0"/>
+                <a:ea typeface="맑은 고딕" charset="0"/>
+              </a:rPr>
+              <a:t>오브젝트를</a:t>
+            </a:r>
+            <a:r>
+              <a:rPr sz="1800">
+                <a:latin typeface="맑은 고딕" charset="0"/>
+                <a:ea typeface="맑은 고딕" charset="0"/>
+              </a:rPr>
+              <a:t> 넣어줍니다.</a:t>
+            </a:r>
+            <a:endParaRPr lang="ko-KR" altLang="en-US" sz="1800">
+              <a:latin typeface="맑은 고딕" charset="0"/>
+              <a:ea typeface="맑은 고딕" charset="0"/>
+            </a:endParaRPr>
+          </a:p>
+        </p:txBody>
+      </p:sp>
+      <p:pic>
+        <p:nvPicPr>
+          <p:cNvPr id="83" name="그림 106" descr="C:/Users/Admin1/AppData/Roaming/PolarisOffice/ETemp/20844_15003384/fImage88134162391.png"/>
+          <p:cNvPicPr>
+            <a:picLocks noChangeAspect="1"/>
+          </p:cNvPicPr>
+          <p:nvPr/>
+        </p:nvPicPr>
+        <p:blipFill rotWithShape="1">
+          <a:blip r:embed="rId11" cstate="print">
+            <a:extLst>
+              <a:ext uri="{28A0092B-C50C-407E-A947-70E740481C1C}">
+                <a14:useLocalDpi xmlns:a14="http://schemas.microsoft.com/office/drawing/2010/main" val="0"/>
+              </a:ext>
+            </a:extLst>
+          </a:blip>
+          <a:stretch>
+            <a:fillRect/>
+          </a:stretch>
+        </p:blipFill>
+        <p:spPr>
+          <a:xfrm rot="0">
+            <a:off x="6813550" y="1455420"/>
+            <a:ext cx="1232535" cy="1215390"/>
+          </a:xfrm>
+          <a:prstGeom prst="roundRect"/>
+          <a:solidFill>
+            <a:srgbClr val="EDEDED"/>
+          </a:solidFill>
+        </p:spPr>
+      </p:pic>
+      <p:cxnSp>
+        <p:nvCxnSpPr>
+          <p:cNvPr id="84" name="도형 107"/>
+          <p:cNvCxnSpPr/>
+          <p:nvPr/>
+        </p:nvCxnSpPr>
+        <p:spPr>
+          <a:xfrm rot="0" flipV="1">
+            <a:off x="7838440" y="2162175"/>
+            <a:ext cx="1189355" cy="414020"/>
+          </a:xfrm>
+          <a:prstGeom prst="straightConnector1"/>
+          <a:ln w="6350" cap="flat" cmpd="sng">
+            <a:prstDash/>
+            <a:tailEnd type="triangle" w="med" len="med"/>
+          </a:ln>
+        </p:spPr>
+        <p:style>
+          <a:lnRef idx="1">
+            <a:schemeClr val="accent1"/>
+          </a:lnRef>
+          <a:fillRef idx="0">
+            <a:schemeClr val="accent1"/>
+          </a:fillRef>
+          <a:effectRef idx="0">
+            <a:schemeClr val="accent1"/>
+          </a:effectRef>
+          <a:fontRef idx="minor">
+            <a:schemeClr val="tx1"/>
+          </a:fontRef>
+        </p:style>
+      </p:cxnSp>
+      <p:pic>
+        <p:nvPicPr>
+          <p:cNvPr id="85" name="그림 108" descr="C:/Users/Admin1/AppData/Roaming/PolarisOffice/ETemp/20844_15003384/fImage58464067421.png"/>
+          <p:cNvPicPr>
+            <a:picLocks noChangeAspect="1"/>
+          </p:cNvPicPr>
+          <p:nvPr/>
+        </p:nvPicPr>
+        <p:blipFill rotWithShape="1">
+          <a:blip r:embed="rId12" cstate="hqprint">
+            <a:extLst>
+              <a:ext uri="{28A0092B-C50C-407E-A947-70E740481C1C}">
+                <a14:useLocalDpi xmlns:a14="http://schemas.microsoft.com/office/drawing/2010/main"/>
+              </a:ext>
+            </a:extLst>
+          </a:blip>
+          <a:stretch>
+            <a:fillRect/>
+          </a:stretch>
+        </p:blipFill>
+        <p:spPr>
+          <a:xfrm rot="0">
+            <a:off x="6822440" y="3870960"/>
+            <a:ext cx="4135120" cy="1298575"/>
+          </a:xfrm>
+          <a:prstGeom prst="roundRect"/>
+          <a:solidFill>
+            <a:srgbClr val="EDEDED"/>
+          </a:solidFill>
+        </p:spPr>
+      </p:pic>
+      <p:pic>
+        <p:nvPicPr>
+          <p:cNvPr id="86" name="그림 109" descr="C:/Users/Admin1/AppData/Roaming/PolarisOffice/ETemp/20844_15003384/fImage216284194604.png"/>
+          <p:cNvPicPr>
+            <a:picLocks noChangeAspect="1"/>
+          </p:cNvPicPr>
+          <p:nvPr/>
+        </p:nvPicPr>
+        <p:blipFill rotWithShape="1">
+          <a:blip r:embed="rId13" cstate="print">
+            <a:extLst>
+              <a:ext uri="{28A0092B-C50C-407E-A947-70E740481C1C}">
+                <a14:useLocalDpi xmlns:a14="http://schemas.microsoft.com/office/drawing/2010/main" val="0"/>
+              </a:ext>
+            </a:extLst>
+          </a:blip>
+          <a:stretch>
+            <a:fillRect/>
+          </a:stretch>
+        </p:blipFill>
+        <p:spPr>
+          <a:xfrm rot="0">
+            <a:off x="1231900" y="3566160"/>
+            <a:ext cx="4126230" cy="1533525"/>
+          </a:xfrm>
+          <a:prstGeom prst="roundRect"/>
+          <a:solidFill>
+            <a:srgbClr val="EDEDED"/>
+          </a:solidFill>
+        </p:spPr>
+      </p:pic>
+    </p:spTree>
+  </p:cSld>
+  <p:clrMapOvr>
+    <a:masterClrMapping/>
+  </p:clrMapOvr>
+  <mc:AlternateContent xmlns:mc="http://schemas.openxmlformats.org/markup-compatibility/2006">
+    <mc:Choice xmlns:p14="http://schemas.microsoft.com/office/powerpoint/2010/main" Requires="p14">
+      <p:transition spd="slow" p14:dur="2000"/>
+    </mc:Choice>
+    <mc:Fallback>
+      <p:transition spd="slow"/>
+    </mc:Fallback>
+  </mc:AlternateContent>
+  <p:timing>
+    <p:tnLst>
+      <p:par>
+        <p:cTn id="1" dur="indefinite" restart="never" nodeType="tmRoot"/>
+      </p:par>
+    </p:tnLst>
+  </p:timing>
+</p:sld>
+</file>
+
+<file path=ppt/slides/slide21.xml><?xml version="1.0" encoding="utf-8"?>
+<p:sld xmlns:a="http://schemas.openxmlformats.org/drawingml/2006/main" xmlns:r="http://schemas.openxmlformats.org/officeDocument/2006/relationships" xmlns:p="http://schemas.openxmlformats.org/presentationml/2006/main" xmlns:p14="http://schemas.microsoft.com/office/powerpoint/2010/main">
+  <p:cSld>
+    <p:spTree>
+      <p:nvGrpSpPr>
+        <p:cNvPr id="1" name=""/>
+        <p:cNvGrpSpPr/>
+        <p:nvPr/>
+      </p:nvGrpSpPr>
+      <p:grpSpPr>
+        <a:xfrm>
+          <a:off x="0" y="0"/>
+          <a:ext cx="0" cy="0"/>
+          <a:chOff x="0" y="0"/>
+          <a:chExt cx="0" cy="0"/>
+        </a:xfrm>
+      </p:grpSpPr>
+      <p:sp>
+        <p:nvSpPr>
+          <p:cNvPr id="29" name="Rect 0"/>
+          <p:cNvSpPr txBox="1">
+            <a:spLocks/>
+          </p:cNvSpPr>
+          <p:nvPr/>
+        </p:nvSpPr>
+        <p:spPr>
+          <a:xfrm rot="0">
+            <a:off x="1229995" y="1337310"/>
+            <a:ext cx="4039870" cy="371475"/>
+          </a:xfrm>
+          <a:prstGeom prst="rect"/>
+          <a:noFill/>
+          <a:ln w="0">
+            <a:noFill/>
+            <a:prstDash/>
+          </a:ln>
+        </p:spPr>
+        <p:txBody>
+          <a:bodyPr wrap="square" lIns="89535" tIns="46355" rIns="89535" bIns="46355" numCol="1" vert="horz" anchor="t">
+            <a:spAutoFit/>
+          </a:bodyPr>
+          <a:lstStyle/>
+          <a:p>
+            <a:pPr marL="0" indent="0" algn="l" latinLnBrk="0" hangingPunct="1">
+              <a:buFontTx/>
+              <a:buNone/>
+            </a:pPr>
+            <a:endParaRPr lang="ko-KR" altLang="en-US" sz="1800">
+              <a:latin typeface="맑은 고딕" charset="0"/>
+              <a:ea typeface="맑은 고딕" charset="0"/>
+            </a:endParaRPr>
+          </a:p>
+        </p:txBody>
+      </p:sp>
+      <p:sp>
+        <p:nvSpPr>
+          <p:cNvPr id="35" name="Rect 0"/>
+          <p:cNvSpPr txBox="1">
+            <a:spLocks/>
+          </p:cNvSpPr>
+          <p:nvPr/>
+        </p:nvSpPr>
+        <p:spPr>
+          <a:xfrm>
+            <a:off x="4334510" y="398780"/>
+            <a:ext cx="3522980" cy="554990"/>
+          </a:xfrm>
+          <a:prstGeom prst="rect"/>
+          <a:noFill/>
+          <a:ln w="0">
+            <a:noFill/>
+            <a:prstDash/>
+          </a:ln>
+        </p:spPr>
+        <p:txBody>
+          <a:bodyPr wrap="square" lIns="89535" tIns="46355" rIns="89535" bIns="46355" numCol="1" vert="horz" anchor="t">
+            <a:spAutoFit/>
+          </a:bodyPr>
+          <a:lstStyle/>
+          <a:p>
+            <a:pPr marL="0" indent="0" rtl="0" algn="ctr" defTabSz="914400" eaLnBrk="1" latinLnBrk="0" hangingPunct="1">
+              <a:buFontTx/>
+              <a:buNone/>
+            </a:pPr>
+            <a:r>
+              <a:rPr lang="ko-KR" sz="2500" b="1">
+                <a:latin typeface="나눔바른고딕" charset="0"/>
+                <a:ea typeface="나눔바른고딕" charset="0"/>
+              </a:rPr>
+              <a:t>스물</a:t>
+            </a:r>
+            <a:r>
+              <a:rPr lang="ko-KR" sz="2500" b="1">
+                <a:latin typeface="나눔바른고딕" charset="0"/>
+                <a:ea typeface="나눔바른고딕" charset="0"/>
+              </a:rPr>
+              <a:t>한</a:t>
+            </a:r>
+            <a:r>
+              <a:rPr lang="ko-KR" sz="2500" b="1">
+                <a:latin typeface="나눔바른고딕" charset="0"/>
+                <a:ea typeface="나눔바른고딕" charset="0"/>
+              </a:rPr>
+              <a:t> </a:t>
+            </a:r>
+            <a:r>
+              <a:rPr lang="ko-KR" sz="2500" b="1">
+                <a:latin typeface="나눔바른고딕" charset="0"/>
+                <a:ea typeface="나눔바른고딕" charset="0"/>
+              </a:rPr>
+              <a:t>번째</a:t>
+            </a:r>
+            <a:r>
+              <a:rPr lang="ko-KR" sz="2500" b="1">
+                <a:latin typeface="나눔바른고딕" charset="0"/>
+                <a:ea typeface="나눔바른고딕" charset="0"/>
+              </a:rPr>
+              <a:t> 튜토리얼</a:t>
+            </a:r>
+            <a:r>
+              <a:rPr sz="3000" b="1">
+                <a:latin typeface="맑은 고딕" charset="0"/>
+                <a:ea typeface="맑은 고딕" charset="0"/>
+              </a:rPr>
+              <a:t> </a:t>
+            </a:r>
+            <a:endParaRPr lang="ko-KR" altLang="en-US" sz="3000" b="1">
+              <a:latin typeface="맑은 고딕" charset="0"/>
+              <a:ea typeface="맑은 고딕" charset="0"/>
+            </a:endParaRPr>
+          </a:p>
+        </p:txBody>
+      </p:sp>
+      <p:sp>
+        <p:nvSpPr>
+          <p:cNvPr id="67" name="Rect 0"/>
+          <p:cNvSpPr txBox="1">
+            <a:spLocks/>
+          </p:cNvSpPr>
+          <p:nvPr/>
+        </p:nvSpPr>
+        <p:spPr>
+          <a:xfrm rot="0">
+            <a:off x="1231900" y="4422775"/>
+            <a:ext cx="4144010" cy="1784985"/>
+          </a:xfrm>
+          <a:prstGeom prst="rect"/>
+          <a:noFill/>
+          <a:ln w="0">
+            <a:noFill/>
+            <a:prstDash/>
+          </a:ln>
+        </p:spPr>
+        <p:txBody>
+          <a:bodyPr wrap="square" lIns="89535" tIns="46355" rIns="89535" bIns="46355" numCol="1" vert="horz" anchor="t">
+            <a:spAutoFit/>
+          </a:bodyPr>
+          <a:lstStyle/>
+          <a:p>
+            <a:pPr marL="0" indent="0" rtl="0" algn="l" defTabSz="914400" eaLnBrk="1" latinLnBrk="0" hangingPunct="1">
+              <a:buFontTx/>
+              <a:buNone/>
+            </a:pPr>
+            <a:r>
+              <a:rPr sz="2000" b="1">
+                <a:solidFill>
+                  <a:srgbClr val="0611F2"/>
+                </a:solidFill>
+                <a:latin typeface="맑은 고딕" charset="0"/>
+                <a:ea typeface="맑은 고딕" charset="0"/>
+              </a:rPr>
+              <a:t>5</a:t>
+            </a:r>
+            <a:r>
+              <a:rPr sz="2000" b="1">
+                <a:solidFill>
+                  <a:srgbClr val="0611F2"/>
+                </a:solidFill>
+                <a:latin typeface="맑은 고딕" charset="0"/>
+                <a:ea typeface="맑은 고딕" charset="0"/>
+              </a:rPr>
+              <a:t>0</a:t>
+            </a:r>
+            <a:r>
+              <a:rPr sz="2000" b="1">
+                <a:solidFill>
+                  <a:srgbClr val="0611F2"/>
+                </a:solidFill>
+                <a:latin typeface="맑은 고딕" charset="0"/>
+                <a:ea typeface="맑은 고딕" charset="0"/>
+              </a:rPr>
+              <a:t>.</a:t>
+            </a:r>
+            <a:r>
+              <a:rPr sz="2000">
+                <a:solidFill>
+                  <a:srgbClr val="0611F2"/>
+                </a:solidFill>
+                <a:latin typeface="맑은 고딕" charset="0"/>
+                <a:ea typeface="맑은 고딕" charset="0"/>
+              </a:rPr>
+              <a:t> </a:t>
+            </a:r>
+            <a:r>
+              <a:rPr sz="1800">
+                <a:latin typeface="맑은 고딕" charset="0"/>
+                <a:ea typeface="맑은 고딕" charset="0"/>
+              </a:rPr>
+              <a:t>그런 다음 Texture 폴더 아래에 </a:t>
+            </a:r>
+            <a:r>
+              <a:rPr sz="1800">
+                <a:latin typeface="맑은 고딕" charset="0"/>
+                <a:ea typeface="맑은 고딕" charset="0"/>
+              </a:rPr>
+              <a:t>있는</a:t>
+            </a:r>
+            <a:r>
+              <a:rPr sz="1800">
+                <a:latin typeface="맑은 고딕" charset="0"/>
+                <a:ea typeface="맑은 고딕" charset="0"/>
+              </a:rPr>
+              <a:t> </a:t>
+            </a:r>
+            <a:r>
+              <a:rPr sz="1800">
+                <a:latin typeface="맑은 고딕" charset="0"/>
+                <a:ea typeface="맑은 고딕" charset="0"/>
+              </a:rPr>
+              <a:t>Login</a:t>
+            </a:r>
+            <a:r>
+              <a:rPr sz="1800">
+                <a:latin typeface="맑은 고딕" charset="0"/>
+                <a:ea typeface="맑은 고딕" charset="0"/>
+              </a:rPr>
+              <a:t> </a:t>
+            </a:r>
+            <a:r>
+              <a:rPr sz="1800">
+                <a:latin typeface="맑은 고딕" charset="0"/>
+                <a:ea typeface="맑은 고딕" charset="0"/>
+              </a:rPr>
+              <a:t>Texture</a:t>
+            </a:r>
+            <a:r>
+              <a:rPr sz="1800">
+                <a:latin typeface="맑은 고딕" charset="0"/>
+                <a:ea typeface="맑은 고딕" charset="0"/>
+              </a:rPr>
+              <a:t> 폴더에 Sign In </a:t>
+            </a:r>
+            <a:r>
+              <a:rPr sz="1800">
+                <a:latin typeface="맑은 고딕" charset="0"/>
+                <a:ea typeface="맑은 고딕" charset="0"/>
+              </a:rPr>
+              <a:t>Button</a:t>
+            </a:r>
+            <a:r>
+              <a:rPr lang="ko-KR" sz="1800">
+                <a:latin typeface="맑은 고딕" charset="0"/>
+                <a:ea typeface="맑은 고딕" charset="0"/>
+              </a:rPr>
+              <a:t> </a:t>
+            </a:r>
+            <a:r>
+              <a:rPr sz="1800">
+                <a:latin typeface="맑은 고딕" charset="0"/>
+                <a:ea typeface="맑은 고딕" charset="0"/>
+              </a:rPr>
+              <a:t>텍스처를</a:t>
+            </a:r>
+            <a:r>
+              <a:rPr sz="1800">
+                <a:latin typeface="맑은 고딕" charset="0"/>
+                <a:ea typeface="맑은 고딕" charset="0"/>
+              </a:rPr>
+              <a:t> </a:t>
+            </a:r>
+            <a:r>
+              <a:rPr sz="1800">
+                <a:latin typeface="맑은 고딕" charset="0"/>
+                <a:ea typeface="맑은 고딕" charset="0"/>
+              </a:rPr>
+              <a:t>선택합니다.</a:t>
+            </a:r>
+            <a:endParaRPr lang="ko-KR" altLang="en-US" sz="1800">
+              <a:latin typeface="맑은 고딕" charset="0"/>
+              <a:ea typeface="맑은 고딕" charset="0"/>
+            </a:endParaRPr>
+          </a:p>
+          <a:p>
+            <a:pPr marL="0" indent="0" rtl="0" algn="l" defTabSz="914400" eaLnBrk="1" latinLnBrk="0" hangingPunct="1">
+              <a:buFontTx/>
+              <a:buNone/>
+            </a:pPr>
+            <a:endParaRPr lang="ko-KR" altLang="en-US" sz="1800">
+              <a:latin typeface="맑은 고딕" charset="0"/>
+              <a:ea typeface="맑은 고딕" charset="0"/>
+            </a:endParaRPr>
+          </a:p>
+          <a:p>
+            <a:pPr marL="0" indent="0" rtl="0" algn="l" defTabSz="914400" eaLnBrk="1" latinLnBrk="0" hangingPunct="1">
+              <a:buFontTx/>
+              <a:buNone/>
+            </a:pPr>
+            <a:r>
+              <a:rPr sz="1800">
+                <a:latin typeface="맑은 고딕" charset="0"/>
+                <a:ea typeface="맑은 고딕" charset="0"/>
+              </a:rPr>
+              <a:t>마지막으</a:t>
+            </a:r>
+            <a:r>
+              <a:rPr lang="ko-KR" sz="1800">
+                <a:latin typeface="맑은 고딕" charset="0"/>
+                <a:ea typeface="맑은 고딕" charset="0"/>
+              </a:rPr>
+              <a:t>로</a:t>
+            </a:r>
+            <a:r>
+              <a:rPr sz="1800">
+                <a:latin typeface="맑은 고딕" charset="0"/>
+                <a:ea typeface="맑은 고딕" charset="0"/>
+              </a:rPr>
+              <a:t> Sign In Button </a:t>
+            </a:r>
+            <a:r>
+              <a:rPr sz="1800">
+                <a:latin typeface="맑은 고딕" charset="0"/>
+                <a:ea typeface="맑은 고딕" charset="0"/>
+              </a:rPr>
+              <a:t>오브젝트의</a:t>
+            </a:r>
+            <a:r>
+              <a:rPr sz="1800">
+                <a:latin typeface="맑은 고딕" charset="0"/>
+                <a:ea typeface="맑은 고딕" charset="0"/>
+              </a:rPr>
+              <a:t> </a:t>
+            </a:r>
+            <a:r>
+              <a:rPr sz="1800">
+                <a:latin typeface="맑은 고딕" charset="0"/>
+                <a:ea typeface="맑은 고딕" charset="0"/>
+              </a:rPr>
+              <a:t>이미지</a:t>
+            </a:r>
+            <a:r>
+              <a:rPr sz="1800">
+                <a:latin typeface="맑은 고딕" charset="0"/>
+                <a:ea typeface="맑은 고딕" charset="0"/>
+              </a:rPr>
+              <a:t> </a:t>
+            </a:r>
+            <a:r>
+              <a:rPr sz="1800">
+                <a:latin typeface="맑은 고딕" charset="0"/>
+                <a:ea typeface="맑은 고딕" charset="0"/>
+              </a:rPr>
+              <a:t>컴포넌트에</a:t>
+            </a:r>
+            <a:r>
+              <a:rPr sz="1800">
+                <a:latin typeface="맑은 고딕" charset="0"/>
+                <a:ea typeface="맑은 고딕" charset="0"/>
+              </a:rPr>
+              <a:t> </a:t>
+            </a:r>
+            <a:r>
+              <a:rPr sz="1800">
+                <a:latin typeface="맑은 고딕" charset="0"/>
+                <a:ea typeface="맑은 고딕" charset="0"/>
+              </a:rPr>
+              <a:t>넣어줍니다.</a:t>
+            </a:r>
+            <a:endParaRPr lang="ko-KR" altLang="en-US" sz="1800">
+              <a:latin typeface="맑은 고딕" charset="0"/>
+              <a:ea typeface="맑은 고딕" charset="0"/>
+            </a:endParaRPr>
+          </a:p>
+        </p:txBody>
+      </p:sp>
+      <p:pic>
+        <p:nvPicPr>
+          <p:cNvPr id="82" name="그림 101" descr="C:/Users/Admin1/AppData/Roaming/PolarisOffice/ETemp/20844_15003384/fImage159744078716.png"/>
+          <p:cNvPicPr>
+            <a:picLocks noChangeAspect="1"/>
+          </p:cNvPicPr>
+          <p:nvPr/>
+        </p:nvPicPr>
+        <p:blipFill rotWithShape="1">
+          <a:blip r:embed="rId5" cstate="hqprint">
+            <a:extLst>
+              <a:ext uri="{28A0092B-C50C-407E-A947-70E740481C1C}">
+                <a14:useLocalDpi xmlns:a14="http://schemas.microsoft.com/office/drawing/2010/main"/>
+              </a:ext>
+            </a:extLst>
+          </a:blip>
+          <a:stretch>
+            <a:fillRect/>
+          </a:stretch>
+        </p:blipFill>
+        <p:spPr>
+          <a:xfrm rot="0">
+            <a:off x="1240790" y="1464310"/>
+            <a:ext cx="4126865" cy="1724025"/>
+          </a:xfrm>
+          <a:prstGeom prst="roundRect"/>
+          <a:solidFill>
+            <a:srgbClr val="EDEDED"/>
+          </a:solidFill>
+        </p:spPr>
+      </p:pic>
+      <p:pic>
+        <p:nvPicPr>
+          <p:cNvPr id="83" name="그림 104" descr="C:/Users/Admin1/AppData/Roaming/PolarisOffice/ETemp/20844_15003384/fImage119524089718.png"/>
+          <p:cNvPicPr>
+            <a:picLocks noChangeAspect="1"/>
+          </p:cNvPicPr>
+          <p:nvPr/>
+        </p:nvPicPr>
+        <p:blipFill rotWithShape="1">
+          <a:blip r:embed="rId6" cstate="hqprint">
+            <a:extLst>
+              <a:ext uri="{28A0092B-C50C-407E-A947-70E740481C1C}">
+                <a14:useLocalDpi xmlns:a14="http://schemas.microsoft.com/office/drawing/2010/main"/>
+              </a:ext>
+            </a:extLst>
+          </a:blip>
+          <a:stretch>
+            <a:fillRect/>
+          </a:stretch>
+        </p:blipFill>
+        <p:spPr>
+          <a:xfrm rot="0">
+            <a:off x="1249045" y="3333750"/>
+            <a:ext cx="4127500" cy="1042670"/>
+          </a:xfrm>
+          <a:prstGeom prst="roundRect"/>
+          <a:solidFill>
+            <a:srgbClr val="EDEDED"/>
+          </a:solidFill>
+        </p:spPr>
+      </p:pic>
+      <p:cxnSp>
+        <p:nvCxnSpPr>
+          <p:cNvPr id="84" name="도형 107"/>
+          <p:cNvCxnSpPr/>
+          <p:nvPr/>
+        </p:nvCxnSpPr>
+        <p:spPr>
+          <a:xfrm rot="0" flipV="1">
+            <a:off x="2274570" y="1722755"/>
+            <a:ext cx="2937510" cy="2180590"/>
+          </a:xfrm>
+          <a:prstGeom prst="straightConnector1"/>
+          <a:ln w="6350" cap="flat" cmpd="sng">
+            <a:prstDash/>
+            <a:tailEnd type="triangle" w="med" len="med"/>
+          </a:ln>
+        </p:spPr>
+        <p:style>
+          <a:lnRef idx="1">
+            <a:schemeClr val="accent1"/>
+          </a:lnRef>
+          <a:fillRef idx="0">
+            <a:schemeClr val="accent1"/>
+          </a:fillRef>
+          <a:effectRef idx="0">
+            <a:schemeClr val="accent1"/>
+          </a:effectRef>
+          <a:fontRef idx="minor">
+            <a:schemeClr val="tx1"/>
+          </a:fontRef>
+        </p:style>
+      </p:cxnSp>
+      <p:pic>
+        <p:nvPicPr>
+          <p:cNvPr id="85" name="그림 112" descr="C:/Users/Admin1/AppData/Roaming/PolarisOffice/ETemp/20844_15003384/fImage261394203902.png"/>
+          <p:cNvPicPr>
+            <a:picLocks noChangeAspect="1"/>
+          </p:cNvPicPr>
+          <p:nvPr/>
+        </p:nvPicPr>
+        <p:blipFill rotWithShape="1">
+          <a:blip r:embed="rId8" cstate="print">
+            <a:extLst>
+              <a:ext uri="{28A0092B-C50C-407E-A947-70E740481C1C}">
+                <a14:useLocalDpi xmlns:a14="http://schemas.microsoft.com/office/drawing/2010/main" val="0"/>
+              </a:ext>
+            </a:extLst>
+          </a:blip>
+          <a:stretch>
+            <a:fillRect/>
+          </a:stretch>
+        </p:blipFill>
+        <p:spPr>
+          <a:xfrm rot="0">
+            <a:off x="6822440" y="1455420"/>
+            <a:ext cx="4143375" cy="3429000"/>
+          </a:xfrm>
+          <a:prstGeom prst="rect"/>
+          <a:noFill/>
+        </p:spPr>
+      </p:pic>
+      <p:sp>
+        <p:nvSpPr>
+          <p:cNvPr id="86" name="텍스트 상자 113"/>
+          <p:cNvSpPr txBox="1">
+            <a:spLocks/>
+          </p:cNvSpPr>
+          <p:nvPr/>
+        </p:nvSpPr>
+        <p:spPr>
+          <a:xfrm rot="0">
+            <a:off x="6831330" y="5068570"/>
+            <a:ext cx="4143375" cy="1138555"/>
+          </a:xfrm>
+          <a:prstGeom prst="rect"/>
+          <a:noFill/>
+        </p:spPr>
+        <p:txBody>
+          <a:bodyPr wrap="square" lIns="0" tIns="0" rIns="0" bIns="0" vert="horz" anchor="t">
+            <a:noAutofit/>
+          </a:bodyPr>
+          <a:lstStyle/>
+          <a:p>
+            <a:pPr marL="0" indent="0" rtl="0" algn="l" defTabSz="914400" eaLnBrk="1" latinLnBrk="0" hangingPunct="1">
+              <a:buFontTx/>
+              <a:buNone/>
+            </a:pPr>
+            <a:r>
+              <a:rPr sz="2000" b="1">
+                <a:solidFill>
+                  <a:srgbClr val="0611F2"/>
+                </a:solidFill>
+                <a:latin typeface="맑은 고딕" charset="0"/>
+                <a:ea typeface="맑은 고딕" charset="0"/>
+              </a:rPr>
+              <a:t>5</a:t>
+            </a:r>
+            <a:r>
+              <a:rPr lang="ko-KR" sz="2000" b="1">
+                <a:solidFill>
+                  <a:srgbClr val="0611F2"/>
+                </a:solidFill>
+                <a:latin typeface="맑은 고딕" charset="0"/>
+                <a:ea typeface="맑은 고딕" charset="0"/>
+              </a:rPr>
+              <a:t>1</a:t>
+            </a:r>
+            <a:r>
+              <a:rPr sz="2000" b="1">
+                <a:solidFill>
+                  <a:srgbClr val="0611F2"/>
+                </a:solidFill>
+                <a:latin typeface="맑은 고딕" charset="0"/>
+                <a:ea typeface="맑은 고딕" charset="0"/>
+              </a:rPr>
+              <a:t>.</a:t>
+            </a:r>
+            <a:r>
+              <a:rPr sz="2000" b="1">
+                <a:solidFill>
+                  <a:srgbClr val="0611F2"/>
+                </a:solidFill>
+                <a:latin typeface="맑은 고딕" charset="0"/>
+                <a:ea typeface="맑은 고딕" charset="0"/>
+              </a:rPr>
+              <a:t> </a:t>
+            </a:r>
+            <a:r>
+              <a:rPr sz="1800">
+                <a:latin typeface="맑은 고딕" charset="0"/>
+                <a:ea typeface="맑은 고딕" charset="0"/>
+              </a:rPr>
+              <a:t>그러고</a:t>
+            </a:r>
+            <a:r>
+              <a:rPr sz="1800">
+                <a:latin typeface="맑은 고딕" charset="0"/>
+                <a:ea typeface="맑은 고딕" charset="0"/>
+              </a:rPr>
+              <a:t> 나서 Password </a:t>
+            </a:r>
+            <a:r>
+              <a:rPr sz="1800">
+                <a:latin typeface="맑은 고딕" charset="0"/>
+                <a:ea typeface="맑은 고딕" charset="0"/>
+              </a:rPr>
+              <a:t>Input </a:t>
+            </a:r>
+            <a:r>
+              <a:rPr sz="1800">
+                <a:latin typeface="맑은 고딕" charset="0"/>
+                <a:ea typeface="맑은 고딕" charset="0"/>
+              </a:rPr>
+              <a:t>오브젝트의</a:t>
+            </a:r>
+            <a:r>
+              <a:rPr sz="1800">
+                <a:latin typeface="맑은 고딕" charset="0"/>
+                <a:ea typeface="맑은 고딕" charset="0"/>
+              </a:rPr>
+              <a:t> 하위 오브젝트에 있는 </a:t>
+            </a:r>
+            <a:r>
+              <a:rPr sz="1800">
+                <a:latin typeface="맑은 고딕" charset="0"/>
+                <a:ea typeface="맑은 고딕" charset="0"/>
+              </a:rPr>
+              <a:t>Text</a:t>
+            </a:r>
+            <a:r>
+              <a:rPr sz="1800">
+                <a:latin typeface="맑은 고딕" charset="0"/>
+                <a:ea typeface="맑은 고딕" charset="0"/>
+              </a:rPr>
+              <a:t> </a:t>
+            </a:r>
+            <a:r>
+              <a:rPr sz="1800">
+                <a:latin typeface="맑은 고딕" charset="0"/>
+                <a:ea typeface="맑은 고딕" charset="0"/>
+              </a:rPr>
+              <a:t>컴포넌트에</a:t>
+            </a:r>
+            <a:r>
+              <a:rPr sz="1800">
+                <a:latin typeface="맑은 고딕" charset="0"/>
+                <a:ea typeface="맑은 고딕" charset="0"/>
+              </a:rPr>
+              <a:t> Font </a:t>
+            </a:r>
+            <a:r>
+              <a:rPr sz="1800">
+                <a:latin typeface="맑은 고딕" charset="0"/>
+                <a:ea typeface="맑은 고딕" charset="0"/>
+              </a:rPr>
+              <a:t>size와 Text 내용을</a:t>
+            </a:r>
+            <a:r>
+              <a:rPr sz="1800">
+                <a:latin typeface="맑은 고딕" charset="0"/>
+                <a:ea typeface="맑은 고딕" charset="0"/>
+              </a:rPr>
+              <a:t> </a:t>
+            </a:r>
+            <a:r>
+              <a:rPr sz="1800">
+                <a:latin typeface="맑은 고딕" charset="0"/>
+                <a:ea typeface="맑은 고딕" charset="0"/>
+              </a:rPr>
+              <a:t>설정한</a:t>
+            </a:r>
+            <a:r>
+              <a:rPr sz="1800">
+                <a:latin typeface="맑은 고딕" charset="0"/>
+                <a:ea typeface="맑은 고딕" charset="0"/>
+              </a:rPr>
+              <a:t> </a:t>
+            </a:r>
+            <a:r>
+              <a:rPr sz="1800">
+                <a:latin typeface="맑은 고딕" charset="0"/>
+                <a:ea typeface="맑은 고딕" charset="0"/>
+              </a:rPr>
+              <a:t>다음</a:t>
+            </a:r>
+            <a:r>
+              <a:rPr sz="1800">
+                <a:latin typeface="맑은 고딕" charset="0"/>
+                <a:ea typeface="맑은 고딕" charset="0"/>
+              </a:rPr>
+              <a:t> </a:t>
+            </a:r>
+            <a:r>
+              <a:rPr sz="1800">
+                <a:latin typeface="맑은 고딕" charset="0"/>
+                <a:ea typeface="맑은 고딕" charset="0"/>
+              </a:rPr>
+              <a:t>Alignment를</a:t>
+            </a:r>
+            <a:r>
+              <a:rPr sz="1800">
+                <a:latin typeface="맑은 고딕" charset="0"/>
+                <a:ea typeface="맑은 고딕" charset="0"/>
+              </a:rPr>
+              <a:t> </a:t>
+            </a:r>
+            <a:r>
+              <a:rPr sz="1800">
+                <a:latin typeface="맑은 고딕" charset="0"/>
+                <a:ea typeface="맑은 고딕" charset="0"/>
+              </a:rPr>
+              <a:t>설정합니다.</a:t>
+            </a:r>
+            <a:endParaRPr lang="ko-KR" altLang="en-US" sz="1800">
+              <a:latin typeface="맑은 고딕" charset="0"/>
+              <a:ea typeface="맑은 고딕" charset="0"/>
+            </a:endParaRPr>
+          </a:p>
+        </p:txBody>
+      </p:sp>
+    </p:spTree>
+  </p:cSld>
+  <p:clrMapOvr>
+    <a:masterClrMapping/>
+  </p:clrMapOvr>
+  <mc:AlternateContent xmlns:mc="http://schemas.openxmlformats.org/markup-compatibility/2006">
+    <mc:Choice xmlns:p14="http://schemas.microsoft.com/office/powerpoint/2010/main" Requires="p14">
+      <p:transition spd="slow" p14:dur="2000"/>
+    </mc:Choice>
+    <mc:Fallback>
+      <p:transition spd="slow"/>
+    </mc:Fallback>
+  </mc:AlternateContent>
+  <p:timing>
+    <p:tnLst>
+      <p:par>
+        <p:cTn id="1" dur="indefinite" restart="never" nodeType="tmRoot"/>
+      </p:par>
+    </p:tnLst>
+  </p:timing>
+</p:sld>
+</file>
+
+<file path=ppt/slides/slide22.xml><?xml version="1.0" encoding="utf-8"?>
+<p:sld xmlns:a="http://schemas.openxmlformats.org/drawingml/2006/main" xmlns:r="http://schemas.openxmlformats.org/officeDocument/2006/relationships" xmlns:p="http://schemas.openxmlformats.org/presentationml/2006/main">
+  <p:cSld>
+    <p:spTree>
+      <p:nvGrpSpPr>
+        <p:cNvPr id="1" name=""/>
+        <p:cNvGrpSpPr/>
+        <p:nvPr/>
+      </p:nvGrpSpPr>
+      <p:grpSpPr>
+        <a:xfrm>
+          <a:off x="0" y="0"/>
+          <a:ext cx="0" cy="0"/>
+          <a:chOff x="0" y="0"/>
+          <a:chExt cx="0" cy="0"/>
+        </a:xfrm>
+      </p:grpSpPr>
+      <p:sp>
+        <p:nvSpPr>
+          <p:cNvPr id="29" name="Rect 0"/>
+          <p:cNvSpPr txBox="1">
+            <a:spLocks/>
+          </p:cNvSpPr>
+          <p:nvPr/>
+        </p:nvSpPr>
+        <p:spPr>
+          <a:xfrm rot="0">
+            <a:off x="1229995" y="1337310"/>
+            <a:ext cx="4040505" cy="372110"/>
+          </a:xfrm>
+          <a:prstGeom prst="rect"/>
+          <a:noFill/>
+          <a:ln w="0">
+            <a:noFill/>
+            <a:prstDash/>
+          </a:ln>
+        </p:spPr>
+        <p:txBody>
+          <a:bodyPr wrap="square" lIns="89535" tIns="46355" rIns="89535" bIns="46355" numCol="1" vert="horz" anchor="t">
+            <a:spAutoFit/>
+          </a:bodyPr>
+          <a:lstStyle/>
+          <a:p>
+            <a:pPr marL="0" indent="0" algn="l" latinLnBrk="0" hangingPunct="1">
+              <a:buFontTx/>
+              <a:buNone/>
+            </a:pPr>
+            <a:endParaRPr lang="ko-KR" altLang="en-US" sz="1800">
+              <a:latin typeface="맑은 고딕" charset="0"/>
+              <a:ea typeface="맑은 고딕" charset="0"/>
+            </a:endParaRPr>
+          </a:p>
+        </p:txBody>
+      </p:sp>
+      <p:sp>
+        <p:nvSpPr>
+          <p:cNvPr id="35" name="Rect 0"/>
+          <p:cNvSpPr txBox="1">
+            <a:spLocks/>
+          </p:cNvSpPr>
+          <p:nvPr/>
+        </p:nvSpPr>
+        <p:spPr>
+          <a:xfrm rot="0">
+            <a:off x="4334510" y="398780"/>
+            <a:ext cx="3522980" cy="554990"/>
+          </a:xfrm>
+          <a:prstGeom prst="rect"/>
+          <a:noFill/>
+          <a:ln w="0">
+            <a:noFill/>
+            <a:prstDash/>
+          </a:ln>
+        </p:spPr>
+        <p:txBody>
+          <a:bodyPr wrap="square" lIns="89535" tIns="46355" rIns="89535" bIns="46355" numCol="1" vert="horz" anchor="t">
+            <a:spAutoFit/>
+          </a:bodyPr>
+          <a:lstStyle/>
+          <a:p>
+            <a:pPr marL="0" indent="0" rtl="0" algn="ctr" defTabSz="914400" eaLnBrk="1" latinLnBrk="0" hangingPunct="1">
+              <a:buFontTx/>
+              <a:buNone/>
+            </a:pPr>
+            <a:r>
+              <a:rPr lang="ko-KR" sz="2500" b="1">
+                <a:latin typeface="나눔바른고딕" charset="0"/>
+                <a:ea typeface="나눔바른고딕" charset="0"/>
+              </a:rPr>
+              <a:t>스물두</a:t>
+            </a:r>
+            <a:r>
+              <a:rPr lang="ko-KR" sz="2500" b="1">
+                <a:latin typeface="나눔바른고딕" charset="0"/>
+                <a:ea typeface="나눔바른고딕" charset="0"/>
+              </a:rPr>
+              <a:t> </a:t>
+            </a:r>
+            <a:r>
+              <a:rPr lang="ko-KR" sz="2500" b="1">
+                <a:latin typeface="나눔바른고딕" charset="0"/>
+                <a:ea typeface="나눔바른고딕" charset="0"/>
+              </a:rPr>
+              <a:t>번째</a:t>
+            </a:r>
+            <a:r>
+              <a:rPr lang="ko-KR" sz="2500" b="1">
+                <a:latin typeface="나눔바른고딕" charset="0"/>
+                <a:ea typeface="나눔바른고딕" charset="0"/>
+              </a:rPr>
+              <a:t> 튜토리얼</a:t>
+            </a:r>
+            <a:r>
+              <a:rPr sz="3000" b="1">
+                <a:latin typeface="맑은 고딕" charset="0"/>
+                <a:ea typeface="맑은 고딕" charset="0"/>
+              </a:rPr>
+              <a:t> </a:t>
+            </a:r>
+            <a:endParaRPr lang="ko-KR" altLang="en-US" sz="3000" b="1">
+              <a:latin typeface="맑은 고딕" charset="0"/>
+              <a:ea typeface="맑은 고딕" charset="0"/>
+            </a:endParaRPr>
+          </a:p>
+        </p:txBody>
+      </p:sp>
+      <p:sp>
+        <p:nvSpPr>
+          <p:cNvPr id="36" name="텍스트 상자 115"/>
+          <p:cNvSpPr txBox="1">
+            <a:spLocks/>
+          </p:cNvSpPr>
+          <p:nvPr/>
+        </p:nvSpPr>
+        <p:spPr>
+          <a:xfrm rot="0">
+            <a:off x="6831330" y="5075555"/>
+            <a:ext cx="4135755" cy="954405"/>
+          </a:xfrm>
+          <a:prstGeom prst="rect"/>
+          <a:noFill/>
+          <a:ln w="0">
+            <a:noFill/>
+            <a:prstDash/>
+          </a:ln>
+        </p:spPr>
+        <p:txBody>
+          <a:bodyPr wrap="square" lIns="89535" tIns="46355" rIns="89535" bIns="46355" vert="horz" anchor="t">
+            <a:spAutoFit/>
+          </a:bodyPr>
+          <a:lstStyle/>
+          <a:p>
+            <a:pPr marL="0" indent="0" rtl="0" algn="l" defTabSz="914400" eaLnBrk="1" latinLnBrk="0" hangingPunct="1">
+              <a:buFontTx/>
+              <a:buNone/>
+            </a:pPr>
+            <a:r>
+              <a:rPr sz="2000" b="1">
+                <a:solidFill>
+                  <a:srgbClr val="0611F2"/>
+                </a:solidFill>
+                <a:latin typeface="맑은 고딕" charset="0"/>
+                <a:ea typeface="맑은 고딕" charset="0"/>
+              </a:rPr>
+              <a:t>5</a:t>
+            </a:r>
+            <a:r>
+              <a:rPr sz="2000" b="1">
+                <a:solidFill>
+                  <a:srgbClr val="0611F2"/>
+                </a:solidFill>
+                <a:latin typeface="맑은 고딕" charset="0"/>
+                <a:ea typeface="맑은 고딕" charset="0"/>
+              </a:rPr>
+              <a:t>3</a:t>
+            </a:r>
+            <a:r>
+              <a:rPr sz="2000" b="1">
+                <a:solidFill>
+                  <a:srgbClr val="0611F2"/>
+                </a:solidFill>
+                <a:latin typeface="맑은 고딕" charset="0"/>
+                <a:ea typeface="맑은 고딕" charset="0"/>
+              </a:rPr>
+              <a:t>.</a:t>
+            </a:r>
+            <a:r>
+              <a:rPr sz="2000" b="1">
+                <a:solidFill>
+                  <a:srgbClr val="0611F2"/>
+                </a:solidFill>
+                <a:latin typeface="맑은 고딕" charset="0"/>
+                <a:ea typeface="맑은 고딕" charset="0"/>
+              </a:rPr>
+              <a:t> </a:t>
+            </a:r>
+            <a:r>
+              <a:rPr sz="1800">
+                <a:latin typeface="맑은 고딕" charset="0"/>
+                <a:ea typeface="맑은 고딕" charset="0"/>
+              </a:rPr>
+              <a:t>그리고 Project 폴더 아래에 있는 </a:t>
+            </a:r>
+            <a:r>
+              <a:rPr sz="1800">
+                <a:latin typeface="맑은 고딕" charset="0"/>
+                <a:ea typeface="맑은 고딕" charset="0"/>
+              </a:rPr>
+              <a:t>Scene</a:t>
+            </a:r>
+            <a:r>
+              <a:rPr sz="1800">
+                <a:latin typeface="맑은 고딕" charset="0"/>
+                <a:ea typeface="맑은 고딕" charset="0"/>
+              </a:rPr>
+              <a:t> </a:t>
+            </a:r>
+            <a:r>
+              <a:rPr sz="1800">
+                <a:latin typeface="맑은 고딕" charset="0"/>
+                <a:ea typeface="맑은 고딕" charset="0"/>
+              </a:rPr>
+              <a:t>폴더에</a:t>
+            </a:r>
+            <a:r>
+              <a:rPr sz="1800">
+                <a:latin typeface="맑은 고딕" charset="0"/>
+                <a:ea typeface="맑은 고딕" charset="0"/>
+              </a:rPr>
+              <a:t> Photon Lobby 씬을 </a:t>
+            </a:r>
+            <a:r>
+              <a:rPr sz="1800">
+                <a:latin typeface="맑은 고딕" charset="0"/>
+                <a:ea typeface="맑은 고딕" charset="0"/>
+              </a:rPr>
+              <a:t>Scenes</a:t>
+            </a:r>
+            <a:r>
+              <a:rPr sz="1800">
+                <a:latin typeface="맑은 고딕" charset="0"/>
+                <a:ea typeface="맑은 고딕" charset="0"/>
+              </a:rPr>
+              <a:t> </a:t>
+            </a:r>
+            <a:r>
+              <a:rPr sz="1800">
+                <a:latin typeface="맑은 고딕" charset="0"/>
+                <a:ea typeface="맑은 고딕" charset="0"/>
+              </a:rPr>
+              <a:t>In</a:t>
+            </a:r>
+            <a:r>
+              <a:rPr sz="1800">
+                <a:latin typeface="맑은 고딕" charset="0"/>
+                <a:ea typeface="맑은 고딕" charset="0"/>
+              </a:rPr>
+              <a:t> </a:t>
+            </a:r>
+            <a:r>
+              <a:rPr sz="1800">
+                <a:latin typeface="맑은 고딕" charset="0"/>
+                <a:ea typeface="맑은 고딕" charset="0"/>
+              </a:rPr>
+              <a:t>Build에</a:t>
+            </a:r>
+            <a:r>
+              <a:rPr sz="1800">
+                <a:latin typeface="맑은 고딕" charset="0"/>
+                <a:ea typeface="맑은 고딕" charset="0"/>
+              </a:rPr>
+              <a:t> 넣어줍니다. </a:t>
+            </a:r>
+            <a:endParaRPr lang="ko-KR" altLang="en-US" sz="1800">
+              <a:latin typeface="맑은 고딕" charset="0"/>
+              <a:ea typeface="맑은 고딕" charset="0"/>
+            </a:endParaRPr>
+          </a:p>
+        </p:txBody>
+      </p:sp>
+      <p:pic>
+        <p:nvPicPr>
+          <p:cNvPr id="37" name="그림 116" descr="C:/Users/Admin1/AppData/Roaming/PolarisOffice/ETemp/20844_15003384/fImage7930436153.png"/>
+          <p:cNvPicPr>
+            <a:picLocks noChangeAspect="1"/>
+          </p:cNvPicPr>
+          <p:nvPr/>
+        </p:nvPicPr>
+        <p:blipFill rotWithShape="1">
+          <a:blip r:embed="rId2" cstate="hqprint">
+            <a:extLst>
+              <a:ext uri="{28A0092B-C50C-407E-A947-70E740481C1C}">
+                <a14:useLocalDpi xmlns:a14="http://schemas.microsoft.com/office/drawing/2010/main"/>
+              </a:ext>
+            </a:extLst>
+          </a:blip>
+          <a:stretch>
+            <a:fillRect/>
+          </a:stretch>
+        </p:blipFill>
+        <p:spPr>
+          <a:xfrm rot="0">
+            <a:off x="1240790" y="1438275"/>
+            <a:ext cx="4126230" cy="3705225"/>
+          </a:xfrm>
+          <a:prstGeom prst="roundRect"/>
+          <a:solidFill>
+            <a:srgbClr val="EDEDED"/>
+          </a:solidFill>
+        </p:spPr>
+      </p:pic>
+      <p:sp>
+        <p:nvSpPr>
+          <p:cNvPr id="39" name="텍스트 상자 118"/>
+          <p:cNvSpPr txBox="1">
+            <a:spLocks/>
+          </p:cNvSpPr>
+          <p:nvPr/>
+        </p:nvSpPr>
+        <p:spPr>
+          <a:xfrm rot="0">
+            <a:off x="1243330" y="5354955"/>
+            <a:ext cx="4132580" cy="677545"/>
+          </a:xfrm>
+          <a:prstGeom prst="rect"/>
+          <a:noFill/>
+          <a:ln w="0">
+            <a:noFill/>
+            <a:prstDash/>
+          </a:ln>
+        </p:spPr>
+        <p:txBody>
+          <a:bodyPr wrap="square" lIns="89535" tIns="46355" rIns="89535" bIns="46355" vert="horz" anchor="t">
+            <a:spAutoFit/>
+          </a:bodyPr>
+          <a:lstStyle/>
+          <a:p>
+            <a:pPr marL="0" indent="0" rtl="0" algn="l" defTabSz="914400" eaLnBrk="1" latinLnBrk="0" hangingPunct="1">
+              <a:buFontTx/>
+              <a:buNone/>
+            </a:pPr>
+            <a:r>
+              <a:rPr sz="2000" b="1">
+                <a:solidFill>
+                  <a:srgbClr val="0611F2"/>
+                </a:solidFill>
+                <a:latin typeface="맑은 고딕" charset="0"/>
+                <a:ea typeface="맑은 고딕" charset="0"/>
+              </a:rPr>
+              <a:t>5</a:t>
+            </a:r>
+            <a:r>
+              <a:rPr sz="2000" b="1">
+                <a:solidFill>
+                  <a:srgbClr val="0611F2"/>
+                </a:solidFill>
+                <a:latin typeface="맑은 고딕" charset="0"/>
+                <a:ea typeface="맑은 고딕" charset="0"/>
+              </a:rPr>
+              <a:t>2</a:t>
+            </a:r>
+            <a:r>
+              <a:rPr sz="2000" b="1">
+                <a:solidFill>
+                  <a:srgbClr val="0611F2"/>
+                </a:solidFill>
+                <a:latin typeface="맑은 고딕" charset="0"/>
+                <a:ea typeface="맑은 고딕" charset="0"/>
+              </a:rPr>
+              <a:t>.</a:t>
+            </a:r>
+            <a:r>
+              <a:rPr sz="2000" b="1">
+                <a:solidFill>
+                  <a:srgbClr val="0611F2"/>
+                </a:solidFill>
+                <a:latin typeface="맑은 고딕" charset="0"/>
+                <a:ea typeface="맑은 고딕" charset="0"/>
+              </a:rPr>
+              <a:t> </a:t>
+            </a:r>
+            <a:r>
+              <a:rPr sz="1800">
+                <a:latin typeface="맑은 고딕" charset="0"/>
+                <a:ea typeface="맑은 고딕" charset="0"/>
+              </a:rPr>
+              <a:t>이제 File에 Build </a:t>
+            </a:r>
+            <a:r>
+              <a:rPr sz="1800">
+                <a:latin typeface="맑은 고딕" charset="0"/>
+                <a:ea typeface="맑은 고딕" charset="0"/>
+              </a:rPr>
+              <a:t>Settings를</a:t>
+            </a:r>
+            <a:r>
+              <a:rPr sz="1800">
+                <a:latin typeface="맑은 고딕" charset="0"/>
+                <a:ea typeface="맑은 고딕" charset="0"/>
+              </a:rPr>
+              <a:t> </a:t>
+            </a:r>
+            <a:r>
+              <a:rPr sz="1800">
+                <a:latin typeface="맑은 고딕" charset="0"/>
+                <a:ea typeface="맑은 고딕" charset="0"/>
+              </a:rPr>
+              <a:t>선택합니다.</a:t>
+            </a:r>
+            <a:endParaRPr lang="ko-KR" altLang="en-US" sz="1800">
+              <a:latin typeface="맑은 고딕" charset="0"/>
+              <a:ea typeface="맑은 고딕" charset="0"/>
+            </a:endParaRPr>
+          </a:p>
+        </p:txBody>
+      </p:sp>
+      <p:pic>
+        <p:nvPicPr>
+          <p:cNvPr id="42" name="그림 121" descr="C:/Users/Admin1/AppData/Roaming/PolarisOffice/ETemp/20844_15003384/fImage6437441292.png"/>
+          <p:cNvPicPr>
+            <a:picLocks noChangeAspect="1"/>
+          </p:cNvPicPr>
+          <p:nvPr/>
+        </p:nvPicPr>
+        <p:blipFill rotWithShape="1">
+          <a:blip r:embed="rId3" cstate="print">
+            <a:extLst>
+              <a:ext uri="{28A0092B-C50C-407E-A947-70E740481C1C}">
+                <a14:useLocalDpi xmlns:a14="http://schemas.microsoft.com/office/drawing/2010/main" val="0"/>
+              </a:ext>
+            </a:extLst>
+          </a:blip>
+          <a:stretch>
+            <a:fillRect/>
+          </a:stretch>
+        </p:blipFill>
+        <p:spPr>
+          <a:xfrm rot="0">
+            <a:off x="6833870" y="3832225"/>
+            <a:ext cx="4131945" cy="1124585"/>
+          </a:xfrm>
+          <a:prstGeom prst="roundRect"/>
+          <a:solidFill>
+            <a:srgbClr val="EDEDED"/>
+          </a:solidFill>
+        </p:spPr>
+      </p:pic>
+      <p:pic>
+        <p:nvPicPr>
+          <p:cNvPr id="43" name="그림 124" descr="C:/Users/Admin1/AppData/Roaming/PolarisOffice/ETemp/20844_15003384/fImage84434422382.png"/>
+          <p:cNvPicPr>
+            <a:picLocks noChangeAspect="1"/>
+          </p:cNvPicPr>
+          <p:nvPr/>
+        </p:nvPicPr>
+        <p:blipFill rotWithShape="1">
+          <a:blip r:embed="rId4" cstate="print">
+            <a:extLst>
+              <a:ext uri="{28A0092B-C50C-407E-A947-70E740481C1C}">
+                <a14:useLocalDpi xmlns:a14="http://schemas.microsoft.com/office/drawing/2010/main" val="0"/>
+              </a:ext>
+            </a:extLst>
+          </a:blip>
+          <a:stretch>
+            <a:fillRect/>
+          </a:stretch>
+        </p:blipFill>
+        <p:spPr>
+          <a:xfrm rot="0">
+            <a:off x="6830695" y="1437005"/>
+            <a:ext cx="4126865" cy="2215515"/>
+          </a:xfrm>
+          <a:prstGeom prst="roundRect"/>
+          <a:solidFill>
+            <a:srgbClr val="EDEDED"/>
+          </a:solidFill>
+        </p:spPr>
+      </p:pic>
+      <p:pic>
+        <p:nvPicPr>
+          <p:cNvPr id="41" name="그림 120" descr="C:/Users/Admin1/AppData/Roaming/PolarisOffice/ETemp/20844_15003384/fImage2242174407421.png"/>
+          <p:cNvPicPr>
+            <a:picLocks noChangeAspect="1"/>
+          </p:cNvPicPr>
+          <p:nvPr/>
+        </p:nvPicPr>
+        <p:blipFill rotWithShape="1">
+          <a:blip r:embed="rId5" cstate="hqprint">
+            <a:extLst>
+              <a:ext uri="{28A0092B-C50C-407E-A947-70E740481C1C}">
+                <a14:useLocalDpi xmlns:a14="http://schemas.microsoft.com/office/drawing/2010/main"/>
+              </a:ext>
+            </a:extLst>
+          </a:blip>
+          <a:stretch>
+            <a:fillRect/>
+          </a:stretch>
+        </p:blipFill>
+        <p:spPr>
+          <a:xfrm rot="16200000">
+            <a:off x="8632825" y="3505200"/>
+            <a:ext cx="532130" cy="427355"/>
+          </a:xfrm>
+          <a:prstGeom prst="rect"/>
+          <a:noFill/>
         </p:spPr>
       </p:pic>
     </p:spTree>
